--- a/Design Patterns/Design Patterns.pptx
+++ b/Design Patterns/Design Patterns.pptx
@@ -2,57 +2,49 @@
 <file path=ppt/presentation.xml><?xml version="1.0" encoding="utf-8"?>
 <p:presentation xmlns:a="http://schemas.openxmlformats.org/drawingml/2006/main" xmlns:r="http://schemas.openxmlformats.org/officeDocument/2006/relationships" xmlns:p="http://schemas.openxmlformats.org/presentationml/2006/main" strictFirstAndLastChars="0" embedTrueTypeFonts="1" saveSubsetFonts="1" autoCompressPictures="0">
   <p:sldMasterIdLst>
-    <p:sldMasterId id="2147483672" r:id="rId1"/>
-    <p:sldMasterId id="2147483673" r:id="rId2"/>
+    <p:sldMasterId id="2147483648" r:id="rId1"/>
+    <p:sldMasterId id="2147483663" r:id="rId3"/>
   </p:sldMasterIdLst>
   <p:notesMasterIdLst>
-    <p:notesMasterId r:id="rId11"/>
+    <p:notesMasterId r:id="rId5"/>
   </p:notesMasterIdLst>
   <p:sldIdLst>
-    <p:sldId id="256" r:id="rId3"/>
-    <p:sldId id="285" r:id="rId4"/>
-    <p:sldId id="286" r:id="rId5"/>
-    <p:sldId id="261" r:id="rId6"/>
-    <p:sldId id="257" r:id="rId7"/>
-    <p:sldId id="287" r:id="rId8"/>
-    <p:sldId id="288" r:id="rId9"/>
-    <p:sldId id="289" r:id="rId10"/>
+    <p:sldId id="256" r:id="rId4"/>
+    <p:sldId id="285" r:id="rId6"/>
+    <p:sldId id="286" r:id="rId7"/>
+    <p:sldId id="261" r:id="rId8"/>
+    <p:sldId id="257" r:id="rId9"/>
+    <p:sldId id="287" r:id="rId10"/>
+    <p:sldId id="288" r:id="rId11"/>
+    <p:sldId id="289" r:id="rId12"/>
+    <p:sldId id="292" r:id="rId13"/>
+    <p:sldId id="294" r:id="rId14"/>
+    <p:sldId id="295" r:id="rId15"/>
   </p:sldIdLst>
   <p:sldSz cx="9144000" cy="5143500" type="screen16x9"/>
   <p:notesSz cx="6858000" cy="9144000"/>
   <p:embeddedFontLst>
     <p:embeddedFont>
-      <p:font typeface="Dosis" panose="020B0604020202020204" charset="0"/>
-      <p:regular r:id="rId12"/>
-      <p:bold r:id="rId13"/>
+      <p:font typeface="Roboto Condensed" panose="02000000000000000000"/>
+      <p:regular r:id="rId19"/>
+      <p:bold r:id="rId20"/>
+      <p:italic r:id="rId21"/>
+      <p:boldItalic r:id="rId22"/>
     </p:embeddedFont>
     <p:embeddedFont>
-      <p:font typeface="Calibri" panose="020F0502020204030204" pitchFamily="34" charset="0"/>
-      <p:regular r:id="rId14"/>
-      <p:bold r:id="rId15"/>
-      <p:italic r:id="rId16"/>
-      <p:boldItalic r:id="rId17"/>
+      <p:font typeface="Calibri" panose="020F0502020204030204"/>
+      <p:regular r:id="rId23"/>
     </p:embeddedFont>
     <p:embeddedFont>
-      <p:font typeface="Montserrat" panose="020B0604020202020204" charset="0"/>
-      <p:regular r:id="rId18"/>
-      <p:bold r:id="rId19"/>
-      <p:italic r:id="rId20"/>
-      <p:boldItalic r:id="rId21"/>
+      <p:font typeface="Montserrat" panose="00000500000000000000"/>
+      <p:regular r:id="rId24"/>
+      <p:bold r:id="rId25"/>
+      <p:italic r:id="rId26"/>
+      <p:boldItalic r:id="rId27"/>
     </p:embeddedFont>
     <p:embeddedFont>
-      <p:font typeface="Roboto Condensed" panose="020B0604020202020204" charset="0"/>
-      <p:regular r:id="rId22"/>
-      <p:bold r:id="rId23"/>
-      <p:italic r:id="rId24"/>
-      <p:boldItalic r:id="rId25"/>
-    </p:embeddedFont>
-    <p:embeddedFont>
-      <p:font typeface="Nunito Sans" panose="020B0604020202020204" charset="0"/>
-      <p:regular r:id="rId26"/>
-      <p:bold r:id="rId27"/>
-      <p:italic r:id="rId28"/>
-      <p:boldItalic r:id="rId29"/>
+      <p:font typeface="Nunito Sans" panose="00000500000000000000"/>
+      <p:regular r:id="rId28"/>
     </p:embeddedFont>
   </p:embeddedFontLst>
   <p:defaultTextStyle>
@@ -80,15 +72,15 @@
       <a:buClr>
         <a:srgbClr val="000000"/>
       </a:buClr>
-      <a:buFont typeface="Arial"/>
+      <a:buFont typeface="Arial" panose="020B0604020202020204"/>
       <a:defRPr sz="1400" b="0" i="0" u="none" strike="noStrike" cap="none">
         <a:solidFill>
           <a:srgbClr val="000000"/>
         </a:solidFill>
-        <a:latin typeface="Arial"/>
-        <a:ea typeface="Arial"/>
-        <a:cs typeface="Arial"/>
-        <a:sym typeface="Arial"/>
+        <a:latin typeface="Arial" panose="020B0604020202020204"/>
+        <a:ea typeface="Arial" panose="020B0604020202020204"/>
+        <a:cs typeface="Arial" panose="020B0604020202020204"/>
+        <a:sym typeface="Arial" panose="020B0604020202020204"/>
       </a:defRPr>
     </a:lvl1pPr>
     <a:lvl2pPr marR="0" lvl="1" algn="l" rtl="0">
@@ -104,15 +96,15 @@
       <a:buClr>
         <a:srgbClr val="000000"/>
       </a:buClr>
-      <a:buFont typeface="Arial"/>
+      <a:buFont typeface="Arial" panose="020B0604020202020204"/>
       <a:defRPr sz="1400" b="0" i="0" u="none" strike="noStrike" cap="none">
         <a:solidFill>
           <a:srgbClr val="000000"/>
         </a:solidFill>
-        <a:latin typeface="Arial"/>
-        <a:ea typeface="Arial"/>
-        <a:cs typeface="Arial"/>
-        <a:sym typeface="Arial"/>
+        <a:latin typeface="Arial" panose="020B0604020202020204"/>
+        <a:ea typeface="Arial" panose="020B0604020202020204"/>
+        <a:cs typeface="Arial" panose="020B0604020202020204"/>
+        <a:sym typeface="Arial" panose="020B0604020202020204"/>
       </a:defRPr>
     </a:lvl2pPr>
     <a:lvl3pPr marR="0" lvl="2" algn="l" rtl="0">
@@ -128,15 +120,15 @@
       <a:buClr>
         <a:srgbClr val="000000"/>
       </a:buClr>
-      <a:buFont typeface="Arial"/>
+      <a:buFont typeface="Arial" panose="020B0604020202020204"/>
       <a:defRPr sz="1400" b="0" i="0" u="none" strike="noStrike" cap="none">
         <a:solidFill>
           <a:srgbClr val="000000"/>
         </a:solidFill>
-        <a:latin typeface="Arial"/>
-        <a:ea typeface="Arial"/>
-        <a:cs typeface="Arial"/>
-        <a:sym typeface="Arial"/>
+        <a:latin typeface="Arial" panose="020B0604020202020204"/>
+        <a:ea typeface="Arial" panose="020B0604020202020204"/>
+        <a:cs typeface="Arial" panose="020B0604020202020204"/>
+        <a:sym typeface="Arial" panose="020B0604020202020204"/>
       </a:defRPr>
     </a:lvl3pPr>
     <a:lvl4pPr marR="0" lvl="3" algn="l" rtl="0">
@@ -152,15 +144,15 @@
       <a:buClr>
         <a:srgbClr val="000000"/>
       </a:buClr>
-      <a:buFont typeface="Arial"/>
+      <a:buFont typeface="Arial" panose="020B0604020202020204"/>
       <a:defRPr sz="1400" b="0" i="0" u="none" strike="noStrike" cap="none">
         <a:solidFill>
           <a:srgbClr val="000000"/>
         </a:solidFill>
-        <a:latin typeface="Arial"/>
-        <a:ea typeface="Arial"/>
-        <a:cs typeface="Arial"/>
-        <a:sym typeface="Arial"/>
+        <a:latin typeface="Arial" panose="020B0604020202020204"/>
+        <a:ea typeface="Arial" panose="020B0604020202020204"/>
+        <a:cs typeface="Arial" panose="020B0604020202020204"/>
+        <a:sym typeface="Arial" panose="020B0604020202020204"/>
       </a:defRPr>
     </a:lvl4pPr>
     <a:lvl5pPr marR="0" lvl="4" algn="l" rtl="0">
@@ -176,15 +168,15 @@
       <a:buClr>
         <a:srgbClr val="000000"/>
       </a:buClr>
-      <a:buFont typeface="Arial"/>
+      <a:buFont typeface="Arial" panose="020B0604020202020204"/>
       <a:defRPr sz="1400" b="0" i="0" u="none" strike="noStrike" cap="none">
         <a:solidFill>
           <a:srgbClr val="000000"/>
         </a:solidFill>
-        <a:latin typeface="Arial"/>
-        <a:ea typeface="Arial"/>
-        <a:cs typeface="Arial"/>
-        <a:sym typeface="Arial"/>
+        <a:latin typeface="Arial" panose="020B0604020202020204"/>
+        <a:ea typeface="Arial" panose="020B0604020202020204"/>
+        <a:cs typeface="Arial" panose="020B0604020202020204"/>
+        <a:sym typeface="Arial" panose="020B0604020202020204"/>
       </a:defRPr>
     </a:lvl5pPr>
     <a:lvl6pPr marR="0" lvl="5" algn="l" rtl="0">
@@ -200,15 +192,15 @@
       <a:buClr>
         <a:srgbClr val="000000"/>
       </a:buClr>
-      <a:buFont typeface="Arial"/>
+      <a:buFont typeface="Arial" panose="020B0604020202020204"/>
       <a:defRPr sz="1400" b="0" i="0" u="none" strike="noStrike" cap="none">
         <a:solidFill>
           <a:srgbClr val="000000"/>
         </a:solidFill>
-        <a:latin typeface="Arial"/>
-        <a:ea typeface="Arial"/>
-        <a:cs typeface="Arial"/>
-        <a:sym typeface="Arial"/>
+        <a:latin typeface="Arial" panose="020B0604020202020204"/>
+        <a:ea typeface="Arial" panose="020B0604020202020204"/>
+        <a:cs typeface="Arial" panose="020B0604020202020204"/>
+        <a:sym typeface="Arial" panose="020B0604020202020204"/>
       </a:defRPr>
     </a:lvl6pPr>
     <a:lvl7pPr marR="0" lvl="6" algn="l" rtl="0">
@@ -224,15 +216,15 @@
       <a:buClr>
         <a:srgbClr val="000000"/>
       </a:buClr>
-      <a:buFont typeface="Arial"/>
+      <a:buFont typeface="Arial" panose="020B0604020202020204"/>
       <a:defRPr sz="1400" b="0" i="0" u="none" strike="noStrike" cap="none">
         <a:solidFill>
           <a:srgbClr val="000000"/>
         </a:solidFill>
-        <a:latin typeface="Arial"/>
-        <a:ea typeface="Arial"/>
-        <a:cs typeface="Arial"/>
-        <a:sym typeface="Arial"/>
+        <a:latin typeface="Arial" panose="020B0604020202020204"/>
+        <a:ea typeface="Arial" panose="020B0604020202020204"/>
+        <a:cs typeface="Arial" panose="020B0604020202020204"/>
+        <a:sym typeface="Arial" panose="020B0604020202020204"/>
       </a:defRPr>
     </a:lvl7pPr>
     <a:lvl8pPr marR="0" lvl="7" algn="l" rtl="0">
@@ -248,15 +240,15 @@
       <a:buClr>
         <a:srgbClr val="000000"/>
       </a:buClr>
-      <a:buFont typeface="Arial"/>
+      <a:buFont typeface="Arial" panose="020B0604020202020204"/>
       <a:defRPr sz="1400" b="0" i="0" u="none" strike="noStrike" cap="none">
         <a:solidFill>
           <a:srgbClr val="000000"/>
         </a:solidFill>
-        <a:latin typeface="Arial"/>
-        <a:ea typeface="Arial"/>
-        <a:cs typeface="Arial"/>
-        <a:sym typeface="Arial"/>
+        <a:latin typeface="Arial" panose="020B0604020202020204"/>
+        <a:ea typeface="Arial" panose="020B0604020202020204"/>
+        <a:cs typeface="Arial" panose="020B0604020202020204"/>
+        <a:sym typeface="Arial" panose="020B0604020202020204"/>
       </a:defRPr>
     </a:lvl8pPr>
     <a:lvl9pPr marR="0" lvl="8" algn="l" rtl="0">
@@ -272,23 +264,18 @@
       <a:buClr>
         <a:srgbClr val="000000"/>
       </a:buClr>
-      <a:buFont typeface="Arial"/>
+      <a:buFont typeface="Arial" panose="020B0604020202020204"/>
       <a:defRPr sz="1400" b="0" i="0" u="none" strike="noStrike" cap="none">
         <a:solidFill>
           <a:srgbClr val="000000"/>
         </a:solidFill>
-        <a:latin typeface="Arial"/>
-        <a:ea typeface="Arial"/>
-        <a:cs typeface="Arial"/>
-        <a:sym typeface="Arial"/>
+        <a:latin typeface="Arial" panose="020B0604020202020204"/>
+        <a:ea typeface="Arial" panose="020B0604020202020204"/>
+        <a:cs typeface="Arial" panose="020B0604020202020204"/>
+        <a:sym typeface="Arial" panose="020B0604020202020204"/>
       </a:defRPr>
     </a:lvl9pPr>
   </p:defaultTextStyle>
-  <p:extLst>
-    <p:ext uri="{EFAFB233-063F-42B5-8137-9DF3F51BA10A}">
-      <p15:sldGuideLst xmlns:p15="http://schemas.microsoft.com/office/powerpoint/2012/main"/>
-    </p:ext>
-  </p:extLst>
 </p:presentation>
 </file>
 
@@ -491,17 +478,10 @@
               <a:defRPr sz="1100"/>
             </a:lvl9pPr>
           </a:lstStyle>
-          <a:p>
-            <a:endParaRPr/>
-          </a:p>
+          <a:p/>
         </p:txBody>
       </p:sp>
     </p:spTree>
-    <p:extLst>
-      <p:ext uri="{BB962C8B-B14F-4D97-AF65-F5344CB8AC3E}">
-        <p14:creationId xmlns:p14="http://schemas.microsoft.com/office/powerpoint/2010/main" val="429197972"/>
-      </p:ext>
-    </p:extLst>
   </p:cSld>
   <p:clrMap bg1="lt1" tx1="dk1" bg2="dk2" tx2="lt2" accent1="accent1" accent2="accent2" accent3="accent3" accent4="accent4" accent5="accent5" accent6="accent6" hlink="hlink" folHlink="folHlink"/>
   <p:notesStyle>
@@ -529,15 +509,15 @@
       <a:buClr>
         <a:srgbClr val="000000"/>
       </a:buClr>
-      <a:buFont typeface="Arial"/>
+      <a:buFont typeface="Arial" panose="020B0604020202020204"/>
       <a:defRPr sz="1400" b="0" i="0" u="none" strike="noStrike" cap="none">
         <a:solidFill>
           <a:srgbClr val="000000"/>
         </a:solidFill>
-        <a:latin typeface="Arial"/>
-        <a:ea typeface="Arial"/>
-        <a:cs typeface="Arial"/>
-        <a:sym typeface="Arial"/>
+        <a:latin typeface="Arial" panose="020B0604020202020204"/>
+        <a:ea typeface="Arial" panose="020B0604020202020204"/>
+        <a:cs typeface="Arial" panose="020B0604020202020204"/>
+        <a:sym typeface="Arial" panose="020B0604020202020204"/>
       </a:defRPr>
     </a:lvl1pPr>
     <a:lvl2pPr marR="0" lvl="1" algn="l" rtl="0">
@@ -553,15 +533,15 @@
       <a:buClr>
         <a:srgbClr val="000000"/>
       </a:buClr>
-      <a:buFont typeface="Arial"/>
+      <a:buFont typeface="Arial" panose="020B0604020202020204"/>
       <a:defRPr sz="1400" b="0" i="0" u="none" strike="noStrike" cap="none">
         <a:solidFill>
           <a:srgbClr val="000000"/>
         </a:solidFill>
-        <a:latin typeface="Arial"/>
-        <a:ea typeface="Arial"/>
-        <a:cs typeface="Arial"/>
-        <a:sym typeface="Arial"/>
+        <a:latin typeface="Arial" panose="020B0604020202020204"/>
+        <a:ea typeface="Arial" panose="020B0604020202020204"/>
+        <a:cs typeface="Arial" panose="020B0604020202020204"/>
+        <a:sym typeface="Arial" panose="020B0604020202020204"/>
       </a:defRPr>
     </a:lvl2pPr>
     <a:lvl3pPr marR="0" lvl="2" algn="l" rtl="0">
@@ -577,15 +557,15 @@
       <a:buClr>
         <a:srgbClr val="000000"/>
       </a:buClr>
-      <a:buFont typeface="Arial"/>
+      <a:buFont typeface="Arial" panose="020B0604020202020204"/>
       <a:defRPr sz="1400" b="0" i="0" u="none" strike="noStrike" cap="none">
         <a:solidFill>
           <a:srgbClr val="000000"/>
         </a:solidFill>
-        <a:latin typeface="Arial"/>
-        <a:ea typeface="Arial"/>
-        <a:cs typeface="Arial"/>
-        <a:sym typeface="Arial"/>
+        <a:latin typeface="Arial" panose="020B0604020202020204"/>
+        <a:ea typeface="Arial" panose="020B0604020202020204"/>
+        <a:cs typeface="Arial" panose="020B0604020202020204"/>
+        <a:sym typeface="Arial" panose="020B0604020202020204"/>
       </a:defRPr>
     </a:lvl3pPr>
     <a:lvl4pPr marR="0" lvl="3" algn="l" rtl="0">
@@ -601,15 +581,15 @@
       <a:buClr>
         <a:srgbClr val="000000"/>
       </a:buClr>
-      <a:buFont typeface="Arial"/>
+      <a:buFont typeface="Arial" panose="020B0604020202020204"/>
       <a:defRPr sz="1400" b="0" i="0" u="none" strike="noStrike" cap="none">
         <a:solidFill>
           <a:srgbClr val="000000"/>
         </a:solidFill>
-        <a:latin typeface="Arial"/>
-        <a:ea typeface="Arial"/>
-        <a:cs typeface="Arial"/>
-        <a:sym typeface="Arial"/>
+        <a:latin typeface="Arial" panose="020B0604020202020204"/>
+        <a:ea typeface="Arial" panose="020B0604020202020204"/>
+        <a:cs typeface="Arial" panose="020B0604020202020204"/>
+        <a:sym typeface="Arial" panose="020B0604020202020204"/>
       </a:defRPr>
     </a:lvl4pPr>
     <a:lvl5pPr marR="0" lvl="4" algn="l" rtl="0">
@@ -625,15 +605,15 @@
       <a:buClr>
         <a:srgbClr val="000000"/>
       </a:buClr>
-      <a:buFont typeface="Arial"/>
+      <a:buFont typeface="Arial" panose="020B0604020202020204"/>
       <a:defRPr sz="1400" b="0" i="0" u="none" strike="noStrike" cap="none">
         <a:solidFill>
           <a:srgbClr val="000000"/>
         </a:solidFill>
-        <a:latin typeface="Arial"/>
-        <a:ea typeface="Arial"/>
-        <a:cs typeface="Arial"/>
-        <a:sym typeface="Arial"/>
+        <a:latin typeface="Arial" panose="020B0604020202020204"/>
+        <a:ea typeface="Arial" panose="020B0604020202020204"/>
+        <a:cs typeface="Arial" panose="020B0604020202020204"/>
+        <a:sym typeface="Arial" panose="020B0604020202020204"/>
       </a:defRPr>
     </a:lvl5pPr>
     <a:lvl6pPr marR="0" lvl="5" algn="l" rtl="0">
@@ -649,15 +629,15 @@
       <a:buClr>
         <a:srgbClr val="000000"/>
       </a:buClr>
-      <a:buFont typeface="Arial"/>
+      <a:buFont typeface="Arial" panose="020B0604020202020204"/>
       <a:defRPr sz="1400" b="0" i="0" u="none" strike="noStrike" cap="none">
         <a:solidFill>
           <a:srgbClr val="000000"/>
         </a:solidFill>
-        <a:latin typeface="Arial"/>
-        <a:ea typeface="Arial"/>
-        <a:cs typeface="Arial"/>
-        <a:sym typeface="Arial"/>
+        <a:latin typeface="Arial" panose="020B0604020202020204"/>
+        <a:ea typeface="Arial" panose="020B0604020202020204"/>
+        <a:cs typeface="Arial" panose="020B0604020202020204"/>
+        <a:sym typeface="Arial" panose="020B0604020202020204"/>
       </a:defRPr>
     </a:lvl6pPr>
     <a:lvl7pPr marR="0" lvl="6" algn="l" rtl="0">
@@ -673,15 +653,15 @@
       <a:buClr>
         <a:srgbClr val="000000"/>
       </a:buClr>
-      <a:buFont typeface="Arial"/>
+      <a:buFont typeface="Arial" panose="020B0604020202020204"/>
       <a:defRPr sz="1400" b="0" i="0" u="none" strike="noStrike" cap="none">
         <a:solidFill>
           <a:srgbClr val="000000"/>
         </a:solidFill>
-        <a:latin typeface="Arial"/>
-        <a:ea typeface="Arial"/>
-        <a:cs typeface="Arial"/>
-        <a:sym typeface="Arial"/>
+        <a:latin typeface="Arial" panose="020B0604020202020204"/>
+        <a:ea typeface="Arial" panose="020B0604020202020204"/>
+        <a:cs typeface="Arial" panose="020B0604020202020204"/>
+        <a:sym typeface="Arial" panose="020B0604020202020204"/>
       </a:defRPr>
     </a:lvl7pPr>
     <a:lvl8pPr marR="0" lvl="7" algn="l" rtl="0">
@@ -697,15 +677,15 @@
       <a:buClr>
         <a:srgbClr val="000000"/>
       </a:buClr>
-      <a:buFont typeface="Arial"/>
+      <a:buFont typeface="Arial" panose="020B0604020202020204"/>
       <a:defRPr sz="1400" b="0" i="0" u="none" strike="noStrike" cap="none">
         <a:solidFill>
           <a:srgbClr val="000000"/>
         </a:solidFill>
-        <a:latin typeface="Arial"/>
-        <a:ea typeface="Arial"/>
-        <a:cs typeface="Arial"/>
-        <a:sym typeface="Arial"/>
+        <a:latin typeface="Arial" panose="020B0604020202020204"/>
+        <a:ea typeface="Arial" panose="020B0604020202020204"/>
+        <a:cs typeface="Arial" panose="020B0604020202020204"/>
+        <a:sym typeface="Arial" panose="020B0604020202020204"/>
       </a:defRPr>
     </a:lvl8pPr>
     <a:lvl9pPr marR="0" lvl="8" algn="l" rtl="0">
@@ -721,15 +701,15 @@
       <a:buClr>
         <a:srgbClr val="000000"/>
       </a:buClr>
-      <a:buFont typeface="Arial"/>
+      <a:buFont typeface="Arial" panose="020B0604020202020204"/>
       <a:defRPr sz="1400" b="0" i="0" u="none" strike="noStrike" cap="none">
         <a:solidFill>
           <a:srgbClr val="000000"/>
         </a:solidFill>
-        <a:latin typeface="Arial"/>
-        <a:ea typeface="Arial"/>
-        <a:cs typeface="Arial"/>
-        <a:sym typeface="Arial"/>
+        <a:latin typeface="Arial" panose="020B0604020202020204"/>
+        <a:ea typeface="Arial" panose="020B0604020202020204"/>
+        <a:cs typeface="Arial" panose="020B0604020202020204"/>
+        <a:sym typeface="Arial" panose="020B0604020202020204"/>
       </a:defRPr>
     </a:lvl9pPr>
   </p:notesStyle>
@@ -737,7 +717,7 @@
 </file>
 
 <file path=ppt/notesSlides/notesSlide1.xml><?xml version="1.0" encoding="utf-8"?>
-<p:notes xmlns:a="http://schemas.openxmlformats.org/drawingml/2006/main" xmlns:r="http://schemas.openxmlformats.org/officeDocument/2006/relationships" xmlns:p="http://schemas.openxmlformats.org/presentationml/2006/main" showMasterSp="0" showMasterPhAnim="0">
+<p:notes xmlns:a="http://schemas.openxmlformats.org/drawingml/2006/main" xmlns:r="http://schemas.openxmlformats.org/officeDocument/2006/relationships" xmlns:p="http://schemas.openxmlformats.org/presentationml/2006/main" showMasterPhAnim="0" showMasterSp="0">
   <p:cSld>
     <p:spTree>
       <p:nvGrpSpPr>
@@ -828,16 +808,10 @@
               </a:spcAft>
               <a:buNone/>
             </a:pPr>
-            <a:endParaRPr/>
           </a:p>
         </p:txBody>
       </p:sp>
     </p:spTree>
-    <p:extLst>
-      <p:ext uri="{BB962C8B-B14F-4D97-AF65-F5344CB8AC3E}">
-        <p14:creationId xmlns:p14="http://schemas.microsoft.com/office/powerpoint/2010/main" val="1930578529"/>
-      </p:ext>
-    </p:extLst>
   </p:cSld>
   <p:clrMapOvr>
     <a:masterClrMapping/>
@@ -845,8 +819,8 @@
 </p:notes>
 </file>
 
-<file path=ppt/notesSlides/notesSlide2.xml><?xml version="1.0" encoding="utf-8"?>
-<p:notes xmlns:a="http://schemas.openxmlformats.org/drawingml/2006/main" xmlns:r="http://schemas.openxmlformats.org/officeDocument/2006/relationships" xmlns:p="http://schemas.openxmlformats.org/presentationml/2006/main" showMasterSp="0" showMasterPhAnim="0">
+<file path=ppt/notesSlides/notesSlide10.xml><?xml version="1.0" encoding="utf-8"?>
+<p:notes xmlns:a="http://schemas.openxmlformats.org/drawingml/2006/main" xmlns:r="http://schemas.openxmlformats.org/officeDocument/2006/relationships" xmlns:p="http://schemas.openxmlformats.org/presentationml/2006/main" showMasterPhAnim="0" showMasterSp="0">
   <p:cSld>
     <p:spTree>
       <p:nvGrpSpPr>
@@ -937,16 +911,10 @@
               </a:spcAft>
               <a:buNone/>
             </a:pPr>
-            <a:endParaRPr/>
           </a:p>
         </p:txBody>
       </p:sp>
     </p:spTree>
-    <p:extLst>
-      <p:ext uri="{BB962C8B-B14F-4D97-AF65-F5344CB8AC3E}">
-        <p14:creationId xmlns:p14="http://schemas.microsoft.com/office/powerpoint/2010/main" val="2813033510"/>
-      </p:ext>
-    </p:extLst>
   </p:cSld>
   <p:clrMapOvr>
     <a:masterClrMapping/>
@@ -954,8 +922,8 @@
 </p:notes>
 </file>
 
-<file path=ppt/notesSlides/notesSlide3.xml><?xml version="1.0" encoding="utf-8"?>
-<p:notes xmlns:a="http://schemas.openxmlformats.org/drawingml/2006/main" xmlns:r="http://schemas.openxmlformats.org/officeDocument/2006/relationships" xmlns:p="http://schemas.openxmlformats.org/presentationml/2006/main" showMasterSp="0" showMasterPhAnim="0">
+<file path=ppt/notesSlides/notesSlide11.xml><?xml version="1.0" encoding="utf-8"?>
+<p:notes xmlns:a="http://schemas.openxmlformats.org/drawingml/2006/main" xmlns:r="http://schemas.openxmlformats.org/officeDocument/2006/relationships" xmlns:p="http://schemas.openxmlformats.org/presentationml/2006/main" showMasterPhAnim="0" showMasterSp="0">
   <p:cSld>
     <p:spTree>
       <p:nvGrpSpPr>
@@ -1046,16 +1014,216 @@
               </a:spcAft>
               <a:buNone/>
             </a:pPr>
-            <a:endParaRPr/>
           </a:p>
         </p:txBody>
       </p:sp>
     </p:spTree>
-    <p:extLst>
-      <p:ext uri="{BB962C8B-B14F-4D97-AF65-F5344CB8AC3E}">
-        <p14:creationId xmlns:p14="http://schemas.microsoft.com/office/powerpoint/2010/main" val="3133305678"/>
-      </p:ext>
-    </p:extLst>
+  </p:cSld>
+  <p:clrMapOvr>
+    <a:masterClrMapping/>
+  </p:clrMapOvr>
+</p:notes>
+</file>
+
+<file path=ppt/notesSlides/notesSlide2.xml><?xml version="1.0" encoding="utf-8"?>
+<p:notes xmlns:a="http://schemas.openxmlformats.org/drawingml/2006/main" xmlns:r="http://schemas.openxmlformats.org/officeDocument/2006/relationships" xmlns:p="http://schemas.openxmlformats.org/presentationml/2006/main" showMasterPhAnim="0" showMasterSp="0">
+  <p:cSld>
+    <p:spTree>
+      <p:nvGrpSpPr>
+        <p:cNvPr id="1" name="Shape 114"/>
+        <p:cNvGrpSpPr/>
+        <p:nvPr/>
+      </p:nvGrpSpPr>
+      <p:grpSpPr>
+        <a:xfrm>
+          <a:off x="0" y="0"/>
+          <a:ext cx="0" cy="0"/>
+          <a:chOff x="0" y="0"/>
+          <a:chExt cx="0" cy="0"/>
+        </a:xfrm>
+      </p:grpSpPr>
+      <p:sp>
+        <p:nvSpPr>
+          <p:cNvPr id="115" name="Google Shape;115;g297a9bff03_0_0:notes"/>
+          <p:cNvSpPr>
+            <a:spLocks noGrp="1" noRot="1" noChangeAspect="1"/>
+          </p:cNvSpPr>
+          <p:nvPr>
+            <p:ph type="sldImg" idx="2"/>
+          </p:nvPr>
+        </p:nvSpPr>
+        <p:spPr>
+          <a:xfrm>
+            <a:off x="381000" y="685800"/>
+            <a:ext cx="6096000" cy="3429000"/>
+          </a:xfrm>
+          <a:custGeom>
+            <a:avLst/>
+            <a:gdLst/>
+            <a:ahLst/>
+            <a:cxnLst/>
+            <a:rect l="l" t="t" r="r" b="b"/>
+            <a:pathLst>
+              <a:path w="120000" h="120000" extrusionOk="0">
+                <a:moveTo>
+                  <a:pt x="0" y="0"/>
+                </a:moveTo>
+                <a:lnTo>
+                  <a:pt x="120000" y="0"/>
+                </a:lnTo>
+                <a:lnTo>
+                  <a:pt x="120000" y="120000"/>
+                </a:lnTo>
+                <a:lnTo>
+                  <a:pt x="0" y="120000"/>
+                </a:lnTo>
+                <a:close/>
+              </a:path>
+            </a:pathLst>
+          </a:custGeom>
+        </p:spPr>
+      </p:sp>
+      <p:sp>
+        <p:nvSpPr>
+          <p:cNvPr id="116" name="Google Shape;116;g297a9bff03_0_0:notes"/>
+          <p:cNvSpPr txBox="1">
+            <a:spLocks noGrp="1"/>
+          </p:cNvSpPr>
+          <p:nvPr>
+            <p:ph type="body" idx="1"/>
+          </p:nvPr>
+        </p:nvSpPr>
+        <p:spPr>
+          <a:xfrm>
+            <a:off x="685800" y="4343400"/>
+            <a:ext cx="5486400" cy="4114800"/>
+          </a:xfrm>
+          <a:prstGeom prst="rect">
+            <a:avLst/>
+          </a:prstGeom>
+        </p:spPr>
+        <p:txBody>
+          <a:bodyPr spcFirstLastPara="1" wrap="square" lIns="91425" tIns="91425" rIns="91425" bIns="91425" anchor="t" anchorCtr="0">
+            <a:noAutofit/>
+          </a:bodyPr>
+          <a:lstStyle/>
+          <a:p>
+            <a:pPr marL="0" lvl="0" indent="0" algn="l" rtl="0">
+              <a:spcBef>
+                <a:spcPts val="0"/>
+              </a:spcBef>
+              <a:spcAft>
+                <a:spcPts val="0"/>
+              </a:spcAft>
+              <a:buNone/>
+            </a:pPr>
+          </a:p>
+        </p:txBody>
+      </p:sp>
+    </p:spTree>
+  </p:cSld>
+  <p:clrMapOvr>
+    <a:masterClrMapping/>
+  </p:clrMapOvr>
+</p:notes>
+</file>
+
+<file path=ppt/notesSlides/notesSlide3.xml><?xml version="1.0" encoding="utf-8"?>
+<p:notes xmlns:a="http://schemas.openxmlformats.org/drawingml/2006/main" xmlns:r="http://schemas.openxmlformats.org/officeDocument/2006/relationships" xmlns:p="http://schemas.openxmlformats.org/presentationml/2006/main" showMasterPhAnim="0" showMasterSp="0">
+  <p:cSld>
+    <p:spTree>
+      <p:nvGrpSpPr>
+        <p:cNvPr id="1" name="Shape 114"/>
+        <p:cNvGrpSpPr/>
+        <p:nvPr/>
+      </p:nvGrpSpPr>
+      <p:grpSpPr>
+        <a:xfrm>
+          <a:off x="0" y="0"/>
+          <a:ext cx="0" cy="0"/>
+          <a:chOff x="0" y="0"/>
+          <a:chExt cx="0" cy="0"/>
+        </a:xfrm>
+      </p:grpSpPr>
+      <p:sp>
+        <p:nvSpPr>
+          <p:cNvPr id="115" name="Google Shape;115;g297a9bff03_0_0:notes"/>
+          <p:cNvSpPr>
+            <a:spLocks noGrp="1" noRot="1" noChangeAspect="1"/>
+          </p:cNvSpPr>
+          <p:nvPr>
+            <p:ph type="sldImg" idx="2"/>
+          </p:nvPr>
+        </p:nvSpPr>
+        <p:spPr>
+          <a:xfrm>
+            <a:off x="381000" y="685800"/>
+            <a:ext cx="6096000" cy="3429000"/>
+          </a:xfrm>
+          <a:custGeom>
+            <a:avLst/>
+            <a:gdLst/>
+            <a:ahLst/>
+            <a:cxnLst/>
+            <a:rect l="l" t="t" r="r" b="b"/>
+            <a:pathLst>
+              <a:path w="120000" h="120000" extrusionOk="0">
+                <a:moveTo>
+                  <a:pt x="0" y="0"/>
+                </a:moveTo>
+                <a:lnTo>
+                  <a:pt x="120000" y="0"/>
+                </a:lnTo>
+                <a:lnTo>
+                  <a:pt x="120000" y="120000"/>
+                </a:lnTo>
+                <a:lnTo>
+                  <a:pt x="0" y="120000"/>
+                </a:lnTo>
+                <a:close/>
+              </a:path>
+            </a:pathLst>
+          </a:custGeom>
+        </p:spPr>
+      </p:sp>
+      <p:sp>
+        <p:nvSpPr>
+          <p:cNvPr id="116" name="Google Shape;116;g297a9bff03_0_0:notes"/>
+          <p:cNvSpPr txBox="1">
+            <a:spLocks noGrp="1"/>
+          </p:cNvSpPr>
+          <p:nvPr>
+            <p:ph type="body" idx="1"/>
+          </p:nvPr>
+        </p:nvSpPr>
+        <p:spPr>
+          <a:xfrm>
+            <a:off x="685800" y="4343400"/>
+            <a:ext cx="5486400" cy="4114800"/>
+          </a:xfrm>
+          <a:prstGeom prst="rect">
+            <a:avLst/>
+          </a:prstGeom>
+        </p:spPr>
+        <p:txBody>
+          <a:bodyPr spcFirstLastPara="1" wrap="square" lIns="91425" tIns="91425" rIns="91425" bIns="91425" anchor="t" anchorCtr="0">
+            <a:noAutofit/>
+          </a:bodyPr>
+          <a:lstStyle/>
+          <a:p>
+            <a:pPr marL="0" lvl="0" indent="0" algn="l" rtl="0">
+              <a:spcBef>
+                <a:spcPts val="0"/>
+              </a:spcBef>
+              <a:spcAft>
+                <a:spcPts val="0"/>
+              </a:spcAft>
+              <a:buNone/>
+            </a:pPr>
+          </a:p>
+        </p:txBody>
+      </p:sp>
+    </p:spTree>
   </p:cSld>
   <p:clrMapOvr>
     <a:masterClrMapping/>
@@ -1064,7 +1232,7 @@
 </file>
 
 <file path=ppt/notesSlides/notesSlide4.xml><?xml version="1.0" encoding="utf-8"?>
-<p:notes xmlns:a="http://schemas.openxmlformats.org/drawingml/2006/main" xmlns:r="http://schemas.openxmlformats.org/officeDocument/2006/relationships" xmlns:p="http://schemas.openxmlformats.org/presentationml/2006/main" showMasterSp="0" showMasterPhAnim="0">
+<p:notes xmlns:a="http://schemas.openxmlformats.org/drawingml/2006/main" xmlns:r="http://schemas.openxmlformats.org/officeDocument/2006/relationships" xmlns:p="http://schemas.openxmlformats.org/presentationml/2006/main" showMasterPhAnim="0" showMasterSp="0">
   <p:cSld>
     <p:spTree>
       <p:nvGrpSpPr>
@@ -1155,16 +1323,10 @@
               </a:spcAft>
               <a:buNone/>
             </a:pPr>
-            <a:endParaRPr/>
           </a:p>
         </p:txBody>
       </p:sp>
     </p:spTree>
-    <p:extLst>
-      <p:ext uri="{BB962C8B-B14F-4D97-AF65-F5344CB8AC3E}">
-        <p14:creationId xmlns:p14="http://schemas.microsoft.com/office/powerpoint/2010/main" val="700317256"/>
-      </p:ext>
-    </p:extLst>
   </p:cSld>
   <p:clrMapOvr>
     <a:masterClrMapping/>
@@ -1173,7 +1335,7 @@
 </file>
 
 <file path=ppt/notesSlides/notesSlide5.xml><?xml version="1.0" encoding="utf-8"?>
-<p:notes xmlns:a="http://schemas.openxmlformats.org/drawingml/2006/main" xmlns:r="http://schemas.openxmlformats.org/officeDocument/2006/relationships" xmlns:p="http://schemas.openxmlformats.org/presentationml/2006/main" showMasterSp="0" showMasterPhAnim="0">
+<p:notes xmlns:a="http://schemas.openxmlformats.org/drawingml/2006/main" xmlns:r="http://schemas.openxmlformats.org/officeDocument/2006/relationships" xmlns:p="http://schemas.openxmlformats.org/presentationml/2006/main" showMasterPhAnim="0" showMasterSp="0">
   <p:cSld>
     <p:spTree>
       <p:nvGrpSpPr>
@@ -1264,16 +1426,10 @@
               </a:spcAft>
               <a:buNone/>
             </a:pPr>
-            <a:endParaRPr/>
           </a:p>
         </p:txBody>
       </p:sp>
     </p:spTree>
-    <p:extLst>
-      <p:ext uri="{BB962C8B-B14F-4D97-AF65-F5344CB8AC3E}">
-        <p14:creationId xmlns:p14="http://schemas.microsoft.com/office/powerpoint/2010/main" val="2303283748"/>
-      </p:ext>
-    </p:extLst>
   </p:cSld>
   <p:clrMapOvr>
     <a:masterClrMapping/>
@@ -1282,7 +1438,7 @@
 </file>
 
 <file path=ppt/notesSlides/notesSlide6.xml><?xml version="1.0" encoding="utf-8"?>
-<p:notes xmlns:a="http://schemas.openxmlformats.org/drawingml/2006/main" xmlns:r="http://schemas.openxmlformats.org/officeDocument/2006/relationships" xmlns:p="http://schemas.openxmlformats.org/presentationml/2006/main" showMasterSp="0" showMasterPhAnim="0">
+<p:notes xmlns:a="http://schemas.openxmlformats.org/drawingml/2006/main" xmlns:r="http://schemas.openxmlformats.org/officeDocument/2006/relationships" xmlns:p="http://schemas.openxmlformats.org/presentationml/2006/main" showMasterPhAnim="0" showMasterSp="0">
   <p:cSld>
     <p:spTree>
       <p:nvGrpSpPr>
@@ -1373,16 +1529,10 @@
               </a:spcAft>
               <a:buNone/>
             </a:pPr>
-            <a:endParaRPr/>
           </a:p>
         </p:txBody>
       </p:sp>
     </p:spTree>
-    <p:extLst>
-      <p:ext uri="{BB962C8B-B14F-4D97-AF65-F5344CB8AC3E}">
-        <p14:creationId xmlns:p14="http://schemas.microsoft.com/office/powerpoint/2010/main" val="3084627017"/>
-      </p:ext>
-    </p:extLst>
   </p:cSld>
   <p:clrMapOvr>
     <a:masterClrMapping/>
@@ -1391,7 +1541,7 @@
 </file>
 
 <file path=ppt/notesSlides/notesSlide7.xml><?xml version="1.0" encoding="utf-8"?>
-<p:notes xmlns:a="http://schemas.openxmlformats.org/drawingml/2006/main" xmlns:r="http://schemas.openxmlformats.org/officeDocument/2006/relationships" xmlns:p="http://schemas.openxmlformats.org/presentationml/2006/main" showMasterSp="0" showMasterPhAnim="0">
+<p:notes xmlns:a="http://schemas.openxmlformats.org/drawingml/2006/main" xmlns:r="http://schemas.openxmlformats.org/officeDocument/2006/relationships" xmlns:p="http://schemas.openxmlformats.org/presentationml/2006/main" showMasterPhAnim="0" showMasterSp="0">
   <p:cSld>
     <p:spTree>
       <p:nvGrpSpPr>
@@ -1482,16 +1632,10 @@
               </a:spcAft>
               <a:buNone/>
             </a:pPr>
-            <a:endParaRPr/>
           </a:p>
         </p:txBody>
       </p:sp>
     </p:spTree>
-    <p:extLst>
-      <p:ext uri="{BB962C8B-B14F-4D97-AF65-F5344CB8AC3E}">
-        <p14:creationId xmlns:p14="http://schemas.microsoft.com/office/powerpoint/2010/main" val="531434197"/>
-      </p:ext>
-    </p:extLst>
   </p:cSld>
   <p:clrMapOvr>
     <a:masterClrMapping/>
@@ -1500,7 +1644,7 @@
 </file>
 
 <file path=ppt/notesSlides/notesSlide8.xml><?xml version="1.0" encoding="utf-8"?>
-<p:notes xmlns:a="http://schemas.openxmlformats.org/drawingml/2006/main" xmlns:r="http://schemas.openxmlformats.org/officeDocument/2006/relationships" xmlns:p="http://schemas.openxmlformats.org/presentationml/2006/main" showMasterSp="0" showMasterPhAnim="0">
+<p:notes xmlns:a="http://schemas.openxmlformats.org/drawingml/2006/main" xmlns:r="http://schemas.openxmlformats.org/officeDocument/2006/relationships" xmlns:p="http://schemas.openxmlformats.org/presentationml/2006/main" showMasterPhAnim="0" showMasterSp="0">
   <p:cSld>
     <p:spTree>
       <p:nvGrpSpPr>
@@ -1591,16 +1735,113 @@
               </a:spcAft>
               <a:buNone/>
             </a:pPr>
-            <a:endParaRPr/>
           </a:p>
         </p:txBody>
       </p:sp>
     </p:spTree>
-    <p:extLst>
-      <p:ext uri="{BB962C8B-B14F-4D97-AF65-F5344CB8AC3E}">
-        <p14:creationId xmlns:p14="http://schemas.microsoft.com/office/powerpoint/2010/main" val="657014728"/>
-      </p:ext>
-    </p:extLst>
+  </p:cSld>
+  <p:clrMapOvr>
+    <a:masterClrMapping/>
+  </p:clrMapOvr>
+</p:notes>
+</file>
+
+<file path=ppt/notesSlides/notesSlide9.xml><?xml version="1.0" encoding="utf-8"?>
+<p:notes xmlns:a="http://schemas.openxmlformats.org/drawingml/2006/main" xmlns:r="http://schemas.openxmlformats.org/officeDocument/2006/relationships" xmlns:p="http://schemas.openxmlformats.org/presentationml/2006/main" showMasterPhAnim="0" showMasterSp="0">
+  <p:cSld>
+    <p:spTree>
+      <p:nvGrpSpPr>
+        <p:cNvPr id="1" name="Shape 114"/>
+        <p:cNvGrpSpPr/>
+        <p:nvPr/>
+      </p:nvGrpSpPr>
+      <p:grpSpPr>
+        <a:xfrm>
+          <a:off x="0" y="0"/>
+          <a:ext cx="0" cy="0"/>
+          <a:chOff x="0" y="0"/>
+          <a:chExt cx="0" cy="0"/>
+        </a:xfrm>
+      </p:grpSpPr>
+      <p:sp>
+        <p:nvSpPr>
+          <p:cNvPr id="115" name="Google Shape;115;g297a9bff03_0_0:notes"/>
+          <p:cNvSpPr>
+            <a:spLocks noGrp="1" noRot="1" noChangeAspect="1"/>
+          </p:cNvSpPr>
+          <p:nvPr>
+            <p:ph type="sldImg" idx="2"/>
+          </p:nvPr>
+        </p:nvSpPr>
+        <p:spPr>
+          <a:xfrm>
+            <a:off x="381000" y="685800"/>
+            <a:ext cx="6096000" cy="3429000"/>
+          </a:xfrm>
+          <a:custGeom>
+            <a:avLst/>
+            <a:gdLst/>
+            <a:ahLst/>
+            <a:cxnLst/>
+            <a:rect l="l" t="t" r="r" b="b"/>
+            <a:pathLst>
+              <a:path w="120000" h="120000" extrusionOk="0">
+                <a:moveTo>
+                  <a:pt x="0" y="0"/>
+                </a:moveTo>
+                <a:lnTo>
+                  <a:pt x="120000" y="0"/>
+                </a:lnTo>
+                <a:lnTo>
+                  <a:pt x="120000" y="120000"/>
+                </a:lnTo>
+                <a:lnTo>
+                  <a:pt x="0" y="120000"/>
+                </a:lnTo>
+                <a:close/>
+              </a:path>
+            </a:pathLst>
+          </a:custGeom>
+        </p:spPr>
+      </p:sp>
+      <p:sp>
+        <p:nvSpPr>
+          <p:cNvPr id="116" name="Google Shape;116;g297a9bff03_0_0:notes"/>
+          <p:cNvSpPr txBox="1">
+            <a:spLocks noGrp="1"/>
+          </p:cNvSpPr>
+          <p:nvPr>
+            <p:ph type="body" idx="1"/>
+          </p:nvPr>
+        </p:nvSpPr>
+        <p:spPr>
+          <a:xfrm>
+            <a:off x="685800" y="4343400"/>
+            <a:ext cx="5486400" cy="4114800"/>
+          </a:xfrm>
+          <a:prstGeom prst="rect">
+            <a:avLst/>
+          </a:prstGeom>
+        </p:spPr>
+        <p:txBody>
+          <a:bodyPr spcFirstLastPara="1" wrap="square" lIns="91425" tIns="91425" rIns="91425" bIns="91425" anchor="t" anchorCtr="0">
+            <a:noAutofit/>
+          </a:bodyPr>
+          <a:lstStyle/>
+          <a:p>
+            <a:pPr marL="0" lvl="0" indent="0" algn="l" rtl="0">
+              <a:spcBef>
+                <a:spcPts val="0"/>
+              </a:spcBef>
+              <a:spcAft>
+                <a:spcPts val="0"/>
+              </a:spcAft>
+              <a:buNone/>
+            </a:pPr>
+          </a:p>
+        </p:txBody>
+      </p:sp>
+    </p:spTree>
   </p:cSld>
   <p:clrMapOvr>
     <a:masterClrMapping/>
@@ -1609,7 +1850,7 @@
 </file>
 
 <file path=ppt/slideLayouts/slideLayout1.xml><?xml version="1.0" encoding="utf-8"?>
-<p:sldLayout xmlns:a="http://schemas.openxmlformats.org/drawingml/2006/main" xmlns:r="http://schemas.openxmlformats.org/officeDocument/2006/relationships" xmlns:p="http://schemas.openxmlformats.org/presentationml/2006/main" matchingName="Title slide" type="title">
+<p:sldLayout xmlns:a="http://schemas.openxmlformats.org/drawingml/2006/main" xmlns:r="http://schemas.openxmlformats.org/officeDocument/2006/relationships" xmlns:p="http://schemas.openxmlformats.org/presentationml/2006/main" type="title" matchingName="Title slide">
   <p:cSld name="TITLE">
     <p:spTree>
       <p:nvGrpSpPr>
@@ -1747,9 +1988,7 @@
               <a:defRPr sz="5200"/>
             </a:lvl9pPr>
           </a:lstStyle>
-          <a:p>
-            <a:endParaRPr/>
-          </a:p>
+          <a:p/>
         </p:txBody>
       </p:sp>
       <p:sp>
@@ -1901,9 +2140,7 @@
               <a:defRPr sz="2800"/>
             </a:lvl9pPr>
           </a:lstStyle>
-          <a:p>
-            <a:endParaRPr/>
-          </a:p>
+          <a:p/>
         </p:txBody>
       </p:sp>
       <p:sp>
@@ -1978,10 +2215,9 @@
               <a:buNone/>
             </a:pPr>
             <a:fld id="{00000000-1234-1234-1234-123412341234}" type="slidenum">
-              <a:rPr lang="en"/>
-              <a:t>‹Nº›</a:t>
+              <a:rPr lang="en-GB"/>
             </a:fld>
-            <a:endParaRPr/>
+            <a:endParaRPr lang="en-GB"/>
           </a:p>
         </p:txBody>
       </p:sp>
@@ -2261,9 +2497,7 @@
               <a:defRPr/>
             </a:lvl9pPr>
           </a:lstStyle>
-          <a:p>
-            <a:endParaRPr/>
-          </a:p>
+          <a:p/>
         </p:txBody>
       </p:sp>
       <p:sp>
@@ -2338,10 +2572,9 @@
               <a:buNone/>
             </a:pPr>
             <a:fld id="{00000000-1234-1234-1234-123412341234}" type="slidenum">
-              <a:rPr lang="en"/>
-              <a:t>‹Nº›</a:t>
+              <a:rPr lang="en-GB"/>
             </a:fld>
-            <a:endParaRPr/>
+            <a:endParaRPr lang="en-GB"/>
           </a:p>
         </p:txBody>
       </p:sp>
@@ -2354,7 +2587,7 @@
 </file>
 
 <file path=ppt/slideLayouts/slideLayout11.xml><?xml version="1.0" encoding="utf-8"?>
-<p:sldLayout xmlns:a="http://schemas.openxmlformats.org/drawingml/2006/main" xmlns:r="http://schemas.openxmlformats.org/officeDocument/2006/relationships" xmlns:p="http://schemas.openxmlformats.org/presentationml/2006/main" matchingName="Blank" type="blank">
+<p:sldLayout xmlns:a="http://schemas.openxmlformats.org/drawingml/2006/main" xmlns:r="http://schemas.openxmlformats.org/officeDocument/2006/relationships" xmlns:p="http://schemas.openxmlformats.org/presentationml/2006/main" type="blank" matchingName="Blank">
   <p:cSld name="BLANK">
     <p:spTree>
       <p:nvGrpSpPr>
@@ -2442,10 +2675,9 @@
               <a:buNone/>
             </a:pPr>
             <a:fld id="{00000000-1234-1234-1234-123412341234}" type="slidenum">
-              <a:rPr lang="en"/>
-              <a:t>‹Nº›</a:t>
+              <a:rPr lang="en-GB"/>
             </a:fld>
-            <a:endParaRPr/>
+            <a:endParaRPr lang="en-GB"/>
           </a:p>
         </p:txBody>
       </p:sp>
@@ -2519,10 +2751,10 @@
                 <a:highlight>
                   <a:srgbClr val="8BAB42"/>
                 </a:highlight>
-                <a:latin typeface="Roboto Condensed"/>
-                <a:ea typeface="Roboto Condensed"/>
-                <a:cs typeface="Roboto Condensed"/>
-                <a:sym typeface="Roboto Condensed"/>
+                <a:latin typeface="Roboto Condensed" panose="02000000000000000000"/>
+                <a:ea typeface="Roboto Condensed" panose="02000000000000000000"/>
+                <a:cs typeface="Roboto Condensed" panose="02000000000000000000"/>
+                <a:sym typeface="Roboto Condensed" panose="02000000000000000000"/>
               </a:defRPr>
             </a:lvl1pPr>
             <a:lvl2pPr lvl="1" rtl="0">
@@ -2540,10 +2772,10 @@
                 <a:highlight>
                   <a:srgbClr val="8BAB42"/>
                 </a:highlight>
-                <a:latin typeface="Roboto Condensed"/>
-                <a:ea typeface="Roboto Condensed"/>
-                <a:cs typeface="Roboto Condensed"/>
-                <a:sym typeface="Roboto Condensed"/>
+                <a:latin typeface="Roboto Condensed" panose="02000000000000000000"/>
+                <a:ea typeface="Roboto Condensed" panose="02000000000000000000"/>
+                <a:cs typeface="Roboto Condensed" panose="02000000000000000000"/>
+                <a:sym typeface="Roboto Condensed" panose="02000000000000000000"/>
               </a:defRPr>
             </a:lvl2pPr>
             <a:lvl3pPr lvl="2" rtl="0">
@@ -2561,10 +2793,10 @@
                 <a:highlight>
                   <a:srgbClr val="8BAB42"/>
                 </a:highlight>
-                <a:latin typeface="Roboto Condensed"/>
-                <a:ea typeface="Roboto Condensed"/>
-                <a:cs typeface="Roboto Condensed"/>
-                <a:sym typeface="Roboto Condensed"/>
+                <a:latin typeface="Roboto Condensed" panose="02000000000000000000"/>
+                <a:ea typeface="Roboto Condensed" panose="02000000000000000000"/>
+                <a:cs typeface="Roboto Condensed" panose="02000000000000000000"/>
+                <a:sym typeface="Roboto Condensed" panose="02000000000000000000"/>
               </a:defRPr>
             </a:lvl3pPr>
             <a:lvl4pPr lvl="3" rtl="0">
@@ -2582,10 +2814,10 @@
                 <a:highlight>
                   <a:srgbClr val="8BAB42"/>
                 </a:highlight>
-                <a:latin typeface="Roboto Condensed"/>
-                <a:ea typeface="Roboto Condensed"/>
-                <a:cs typeface="Roboto Condensed"/>
-                <a:sym typeface="Roboto Condensed"/>
+                <a:latin typeface="Roboto Condensed" panose="02000000000000000000"/>
+                <a:ea typeface="Roboto Condensed" panose="02000000000000000000"/>
+                <a:cs typeface="Roboto Condensed" panose="02000000000000000000"/>
+                <a:sym typeface="Roboto Condensed" panose="02000000000000000000"/>
               </a:defRPr>
             </a:lvl4pPr>
             <a:lvl5pPr lvl="4" rtl="0">
@@ -2603,10 +2835,10 @@
                 <a:highlight>
                   <a:srgbClr val="8BAB42"/>
                 </a:highlight>
-                <a:latin typeface="Roboto Condensed"/>
-                <a:ea typeface="Roboto Condensed"/>
-                <a:cs typeface="Roboto Condensed"/>
-                <a:sym typeface="Roboto Condensed"/>
+                <a:latin typeface="Roboto Condensed" panose="02000000000000000000"/>
+                <a:ea typeface="Roboto Condensed" panose="02000000000000000000"/>
+                <a:cs typeface="Roboto Condensed" panose="02000000000000000000"/>
+                <a:sym typeface="Roboto Condensed" panose="02000000000000000000"/>
               </a:defRPr>
             </a:lvl5pPr>
             <a:lvl6pPr lvl="5" rtl="0">
@@ -2624,10 +2856,10 @@
                 <a:highlight>
                   <a:srgbClr val="8BAB42"/>
                 </a:highlight>
-                <a:latin typeface="Roboto Condensed"/>
-                <a:ea typeface="Roboto Condensed"/>
-                <a:cs typeface="Roboto Condensed"/>
-                <a:sym typeface="Roboto Condensed"/>
+                <a:latin typeface="Roboto Condensed" panose="02000000000000000000"/>
+                <a:ea typeface="Roboto Condensed" panose="02000000000000000000"/>
+                <a:cs typeface="Roboto Condensed" panose="02000000000000000000"/>
+                <a:sym typeface="Roboto Condensed" panose="02000000000000000000"/>
               </a:defRPr>
             </a:lvl6pPr>
             <a:lvl7pPr lvl="6" rtl="0">
@@ -2645,10 +2877,10 @@
                 <a:highlight>
                   <a:srgbClr val="8BAB42"/>
                 </a:highlight>
-                <a:latin typeface="Roboto Condensed"/>
-                <a:ea typeface="Roboto Condensed"/>
-                <a:cs typeface="Roboto Condensed"/>
-                <a:sym typeface="Roboto Condensed"/>
+                <a:latin typeface="Roboto Condensed" panose="02000000000000000000"/>
+                <a:ea typeface="Roboto Condensed" panose="02000000000000000000"/>
+                <a:cs typeface="Roboto Condensed" panose="02000000000000000000"/>
+                <a:sym typeface="Roboto Condensed" panose="02000000000000000000"/>
               </a:defRPr>
             </a:lvl7pPr>
             <a:lvl8pPr lvl="7" rtl="0">
@@ -2666,10 +2898,10 @@
                 <a:highlight>
                   <a:srgbClr val="8BAB42"/>
                 </a:highlight>
-                <a:latin typeface="Roboto Condensed"/>
-                <a:ea typeface="Roboto Condensed"/>
-                <a:cs typeface="Roboto Condensed"/>
-                <a:sym typeface="Roboto Condensed"/>
+                <a:latin typeface="Roboto Condensed" panose="02000000000000000000"/>
+                <a:ea typeface="Roboto Condensed" panose="02000000000000000000"/>
+                <a:cs typeface="Roboto Condensed" panose="02000000000000000000"/>
+                <a:sym typeface="Roboto Condensed" panose="02000000000000000000"/>
               </a:defRPr>
             </a:lvl8pPr>
             <a:lvl9pPr lvl="8" rtl="0">
@@ -2687,16 +2919,14 @@
                 <a:highlight>
                   <a:srgbClr val="8BAB42"/>
                 </a:highlight>
-                <a:latin typeface="Roboto Condensed"/>
-                <a:ea typeface="Roboto Condensed"/>
-                <a:cs typeface="Roboto Condensed"/>
-                <a:sym typeface="Roboto Condensed"/>
+                <a:latin typeface="Roboto Condensed" panose="02000000000000000000"/>
+                <a:ea typeface="Roboto Condensed" panose="02000000000000000000"/>
+                <a:cs typeface="Roboto Condensed" panose="02000000000000000000"/>
+                <a:sym typeface="Roboto Condensed" panose="02000000000000000000"/>
               </a:defRPr>
             </a:lvl9pPr>
           </a:lstStyle>
-          <a:p>
-            <a:endParaRPr/>
-          </a:p>
+          <a:p/>
         </p:txBody>
       </p:sp>
       <p:sp>
@@ -2755,49 +2985,49 @@
               <a:buNone/>
             </a:pPr>
             <a:r>
-              <a:rPr lang="en" sz="800" i="0" u="none" strike="noStrike" cap="none">
+              <a:rPr lang="en-GB" sz="800" i="0" u="none" strike="noStrike" cap="none">
                 <a:solidFill>
                   <a:schemeClr val="lt1"/>
                 </a:solidFill>
                 <a:highlight>
                   <a:srgbClr val="8BAB42"/>
                 </a:highlight>
-                <a:latin typeface="Roboto Condensed"/>
-                <a:ea typeface="Roboto Condensed"/>
-                <a:cs typeface="Roboto Condensed"/>
-                <a:sym typeface="Roboto Condensed"/>
+                <a:latin typeface="Roboto Condensed" panose="02000000000000000000"/>
+                <a:ea typeface="Roboto Condensed" panose="02000000000000000000"/>
+                <a:cs typeface="Roboto Condensed" panose="02000000000000000000"/>
+                <a:sym typeface="Roboto Condensed" panose="02000000000000000000"/>
               </a:rPr>
               <a:t>Globant</a:t>
             </a:r>
             <a:r>
-              <a:rPr lang="en" sz="800" i="0" u="none" strike="noStrike" cap="none">
+              <a:rPr lang="en-GB" sz="800" i="0" u="none" strike="noStrike" cap="none">
                 <a:solidFill>
                   <a:schemeClr val="lt1"/>
                 </a:solidFill>
-                <a:latin typeface="Roboto Condensed"/>
-                <a:ea typeface="Roboto Condensed"/>
-                <a:cs typeface="Roboto Condensed"/>
-                <a:sym typeface="Roboto Condensed"/>
+                <a:latin typeface="Roboto Condensed" panose="02000000000000000000"/>
+                <a:ea typeface="Roboto Condensed" panose="02000000000000000000"/>
+                <a:cs typeface="Roboto Condensed" panose="02000000000000000000"/>
+                <a:sym typeface="Roboto Condensed" panose="02000000000000000000"/>
               </a:rPr>
               <a:t>  </a:t>
             </a:r>
             <a:r>
-              <a:rPr lang="en" sz="800" i="0" u="none" strike="noStrike" cap="none">
+              <a:rPr lang="en-GB" sz="800" i="0" u="none" strike="noStrike" cap="none">
                 <a:solidFill>
                   <a:srgbClr val="434343"/>
                 </a:solidFill>
-                <a:latin typeface="Roboto Condensed"/>
-                <a:ea typeface="Roboto Condensed"/>
-                <a:cs typeface="Roboto Condensed"/>
-                <a:sym typeface="Roboto Condensed"/>
+                <a:latin typeface="Roboto Condensed" panose="02000000000000000000"/>
+                <a:ea typeface="Roboto Condensed" panose="02000000000000000000"/>
+                <a:cs typeface="Roboto Condensed" panose="02000000000000000000"/>
+                <a:sym typeface="Roboto Condensed" panose="02000000000000000000"/>
               </a:rPr>
               <a:t>Proprietary | Confidential Information</a:t>
             </a:r>
             <a:endParaRPr sz="800">
-              <a:latin typeface="Roboto Condensed"/>
-              <a:ea typeface="Roboto Condensed"/>
-              <a:cs typeface="Roboto Condensed"/>
-              <a:sym typeface="Roboto Condensed"/>
+              <a:latin typeface="Roboto Condensed" panose="02000000000000000000"/>
+              <a:ea typeface="Roboto Condensed" panose="02000000000000000000"/>
+              <a:cs typeface="Roboto Condensed" panose="02000000000000000000"/>
+              <a:sym typeface="Roboto Condensed" panose="02000000000000000000"/>
             </a:endParaRPr>
           </a:p>
         </p:txBody>
@@ -2809,11 +3039,11 @@
           <p:nvPr/>
         </p:nvPicPr>
         <p:blipFill rotWithShape="1">
-          <a:blip r:embed="rId2">
-            <a:alphaModFix/>
-          </a:blip>
+          <a:blip r:embed="rId2"/>
           <a:srcRect r="88451" b="13269"/>
-          <a:stretch/>
+          <a:stretch>
+            <a:fillRect/>
+          </a:stretch>
         </p:blipFill>
         <p:spPr>
           <a:xfrm>
@@ -2866,10 +3096,10 @@
                 <a:highlight>
                   <a:srgbClr val="8BAB42"/>
                 </a:highlight>
-                <a:latin typeface="Dosis"/>
-                <a:ea typeface="Dosis"/>
-                <a:cs typeface="Dosis"/>
-                <a:sym typeface="Dosis"/>
+                <a:latin typeface="Dosis" panose="02010503020202060003"/>
+                <a:ea typeface="Dosis" panose="02010503020202060003"/>
+                <a:cs typeface="Dosis" panose="02010503020202060003"/>
+                <a:sym typeface="Dosis" panose="02010503020202060003"/>
               </a:defRPr>
             </a:lvl1pPr>
             <a:lvl2pPr lvl="1" rtl="0">
@@ -2887,10 +3117,10 @@
                 <a:highlight>
                   <a:srgbClr val="000000"/>
                 </a:highlight>
-                <a:latin typeface="Dosis"/>
-                <a:ea typeface="Dosis"/>
-                <a:cs typeface="Dosis"/>
-                <a:sym typeface="Dosis"/>
+                <a:latin typeface="Dosis" panose="02010503020202060003"/>
+                <a:ea typeface="Dosis" panose="02010503020202060003"/>
+                <a:cs typeface="Dosis" panose="02010503020202060003"/>
+                <a:sym typeface="Dosis" panose="02010503020202060003"/>
               </a:defRPr>
             </a:lvl2pPr>
             <a:lvl3pPr lvl="2" rtl="0">
@@ -2908,10 +3138,10 @@
                 <a:highlight>
                   <a:srgbClr val="000000"/>
                 </a:highlight>
-                <a:latin typeface="Dosis"/>
-                <a:ea typeface="Dosis"/>
-                <a:cs typeface="Dosis"/>
-                <a:sym typeface="Dosis"/>
+                <a:latin typeface="Dosis" panose="02010503020202060003"/>
+                <a:ea typeface="Dosis" panose="02010503020202060003"/>
+                <a:cs typeface="Dosis" panose="02010503020202060003"/>
+                <a:sym typeface="Dosis" panose="02010503020202060003"/>
               </a:defRPr>
             </a:lvl3pPr>
             <a:lvl4pPr lvl="3" rtl="0">
@@ -2929,10 +3159,10 @@
                 <a:highlight>
                   <a:srgbClr val="000000"/>
                 </a:highlight>
-                <a:latin typeface="Dosis"/>
-                <a:ea typeface="Dosis"/>
-                <a:cs typeface="Dosis"/>
-                <a:sym typeface="Dosis"/>
+                <a:latin typeface="Dosis" panose="02010503020202060003"/>
+                <a:ea typeface="Dosis" panose="02010503020202060003"/>
+                <a:cs typeface="Dosis" panose="02010503020202060003"/>
+                <a:sym typeface="Dosis" panose="02010503020202060003"/>
               </a:defRPr>
             </a:lvl4pPr>
             <a:lvl5pPr lvl="4" rtl="0">
@@ -2950,10 +3180,10 @@
                 <a:highlight>
                   <a:srgbClr val="000000"/>
                 </a:highlight>
-                <a:latin typeface="Dosis"/>
-                <a:ea typeface="Dosis"/>
-                <a:cs typeface="Dosis"/>
-                <a:sym typeface="Dosis"/>
+                <a:latin typeface="Dosis" panose="02010503020202060003"/>
+                <a:ea typeface="Dosis" panose="02010503020202060003"/>
+                <a:cs typeface="Dosis" panose="02010503020202060003"/>
+                <a:sym typeface="Dosis" panose="02010503020202060003"/>
               </a:defRPr>
             </a:lvl5pPr>
             <a:lvl6pPr lvl="5" rtl="0">
@@ -2971,10 +3201,10 @@
                 <a:highlight>
                   <a:srgbClr val="000000"/>
                 </a:highlight>
-                <a:latin typeface="Dosis"/>
-                <a:ea typeface="Dosis"/>
-                <a:cs typeface="Dosis"/>
-                <a:sym typeface="Dosis"/>
+                <a:latin typeface="Dosis" panose="02010503020202060003"/>
+                <a:ea typeface="Dosis" panose="02010503020202060003"/>
+                <a:cs typeface="Dosis" panose="02010503020202060003"/>
+                <a:sym typeface="Dosis" panose="02010503020202060003"/>
               </a:defRPr>
             </a:lvl6pPr>
             <a:lvl7pPr lvl="6" rtl="0">
@@ -2992,10 +3222,10 @@
                 <a:highlight>
                   <a:srgbClr val="000000"/>
                 </a:highlight>
-                <a:latin typeface="Dosis"/>
-                <a:ea typeface="Dosis"/>
-                <a:cs typeface="Dosis"/>
-                <a:sym typeface="Dosis"/>
+                <a:latin typeface="Dosis" panose="02010503020202060003"/>
+                <a:ea typeface="Dosis" panose="02010503020202060003"/>
+                <a:cs typeface="Dosis" panose="02010503020202060003"/>
+                <a:sym typeface="Dosis" panose="02010503020202060003"/>
               </a:defRPr>
             </a:lvl7pPr>
             <a:lvl8pPr lvl="7" rtl="0">
@@ -3013,10 +3243,10 @@
                 <a:highlight>
                   <a:srgbClr val="000000"/>
                 </a:highlight>
-                <a:latin typeface="Dosis"/>
-                <a:ea typeface="Dosis"/>
-                <a:cs typeface="Dosis"/>
-                <a:sym typeface="Dosis"/>
+                <a:latin typeface="Dosis" panose="02010503020202060003"/>
+                <a:ea typeface="Dosis" panose="02010503020202060003"/>
+                <a:cs typeface="Dosis" panose="02010503020202060003"/>
+                <a:sym typeface="Dosis" panose="02010503020202060003"/>
               </a:defRPr>
             </a:lvl8pPr>
             <a:lvl9pPr lvl="8" rtl="0">
@@ -3034,16 +3264,14 @@
                 <a:highlight>
                   <a:srgbClr val="000000"/>
                 </a:highlight>
-                <a:latin typeface="Dosis"/>
-                <a:ea typeface="Dosis"/>
-                <a:cs typeface="Dosis"/>
-                <a:sym typeface="Dosis"/>
+                <a:latin typeface="Dosis" panose="02010503020202060003"/>
+                <a:ea typeface="Dosis" panose="02010503020202060003"/>
+                <a:cs typeface="Dosis" panose="02010503020202060003"/>
+                <a:sym typeface="Dosis" panose="02010503020202060003"/>
               </a:defRPr>
             </a:lvl9pPr>
           </a:lstStyle>
-          <a:p>
-            <a:endParaRPr/>
-          </a:p>
+          <a:p/>
         </p:txBody>
       </p:sp>
       <p:sp>
@@ -3083,10 +3311,10 @@
                 <a:highlight>
                   <a:srgbClr val="000000"/>
                 </a:highlight>
-                <a:latin typeface="Roboto Condensed"/>
-                <a:ea typeface="Roboto Condensed"/>
-                <a:cs typeface="Roboto Condensed"/>
-                <a:sym typeface="Roboto Condensed"/>
+                <a:latin typeface="Roboto Condensed" panose="02000000000000000000"/>
+                <a:ea typeface="Roboto Condensed" panose="02000000000000000000"/>
+                <a:cs typeface="Roboto Condensed" panose="02000000000000000000"/>
+                <a:sym typeface="Roboto Condensed" panose="02000000000000000000"/>
               </a:defRPr>
             </a:lvl1pPr>
             <a:lvl2pPr lvl="1" rtl="0">
@@ -3104,10 +3332,10 @@
                 <a:highlight>
                   <a:srgbClr val="000000"/>
                 </a:highlight>
-                <a:latin typeface="Roboto Condensed"/>
-                <a:ea typeface="Roboto Condensed"/>
-                <a:cs typeface="Roboto Condensed"/>
-                <a:sym typeface="Roboto Condensed"/>
+                <a:latin typeface="Roboto Condensed" panose="02000000000000000000"/>
+                <a:ea typeface="Roboto Condensed" panose="02000000000000000000"/>
+                <a:cs typeface="Roboto Condensed" panose="02000000000000000000"/>
+                <a:sym typeface="Roboto Condensed" panose="02000000000000000000"/>
               </a:defRPr>
             </a:lvl2pPr>
             <a:lvl3pPr lvl="2" rtl="0">
@@ -3125,10 +3353,10 @@
                 <a:highlight>
                   <a:srgbClr val="000000"/>
                 </a:highlight>
-                <a:latin typeface="Roboto Condensed"/>
-                <a:ea typeface="Roboto Condensed"/>
-                <a:cs typeface="Roboto Condensed"/>
-                <a:sym typeface="Roboto Condensed"/>
+                <a:latin typeface="Roboto Condensed" panose="02000000000000000000"/>
+                <a:ea typeface="Roboto Condensed" panose="02000000000000000000"/>
+                <a:cs typeface="Roboto Condensed" panose="02000000000000000000"/>
+                <a:sym typeface="Roboto Condensed" panose="02000000000000000000"/>
               </a:defRPr>
             </a:lvl3pPr>
             <a:lvl4pPr lvl="3" rtl="0">
@@ -3146,10 +3374,10 @@
                 <a:highlight>
                   <a:srgbClr val="000000"/>
                 </a:highlight>
-                <a:latin typeface="Roboto Condensed"/>
-                <a:ea typeface="Roboto Condensed"/>
-                <a:cs typeface="Roboto Condensed"/>
-                <a:sym typeface="Roboto Condensed"/>
+                <a:latin typeface="Roboto Condensed" panose="02000000000000000000"/>
+                <a:ea typeface="Roboto Condensed" panose="02000000000000000000"/>
+                <a:cs typeface="Roboto Condensed" panose="02000000000000000000"/>
+                <a:sym typeface="Roboto Condensed" panose="02000000000000000000"/>
               </a:defRPr>
             </a:lvl4pPr>
             <a:lvl5pPr lvl="4" rtl="0">
@@ -3167,10 +3395,10 @@
                 <a:highlight>
                   <a:srgbClr val="000000"/>
                 </a:highlight>
-                <a:latin typeface="Roboto Condensed"/>
-                <a:ea typeface="Roboto Condensed"/>
-                <a:cs typeface="Roboto Condensed"/>
-                <a:sym typeface="Roboto Condensed"/>
+                <a:latin typeface="Roboto Condensed" panose="02000000000000000000"/>
+                <a:ea typeface="Roboto Condensed" panose="02000000000000000000"/>
+                <a:cs typeface="Roboto Condensed" panose="02000000000000000000"/>
+                <a:sym typeface="Roboto Condensed" panose="02000000000000000000"/>
               </a:defRPr>
             </a:lvl5pPr>
             <a:lvl6pPr lvl="5" rtl="0">
@@ -3188,10 +3416,10 @@
                 <a:highlight>
                   <a:srgbClr val="000000"/>
                 </a:highlight>
-                <a:latin typeface="Roboto Condensed"/>
-                <a:ea typeface="Roboto Condensed"/>
-                <a:cs typeface="Roboto Condensed"/>
-                <a:sym typeface="Roboto Condensed"/>
+                <a:latin typeface="Roboto Condensed" panose="02000000000000000000"/>
+                <a:ea typeface="Roboto Condensed" panose="02000000000000000000"/>
+                <a:cs typeface="Roboto Condensed" panose="02000000000000000000"/>
+                <a:sym typeface="Roboto Condensed" panose="02000000000000000000"/>
               </a:defRPr>
             </a:lvl6pPr>
             <a:lvl7pPr lvl="6" rtl="0">
@@ -3209,10 +3437,10 @@
                 <a:highlight>
                   <a:srgbClr val="000000"/>
                 </a:highlight>
-                <a:latin typeface="Roboto Condensed"/>
-                <a:ea typeface="Roboto Condensed"/>
-                <a:cs typeface="Roboto Condensed"/>
-                <a:sym typeface="Roboto Condensed"/>
+                <a:latin typeface="Roboto Condensed" panose="02000000000000000000"/>
+                <a:ea typeface="Roboto Condensed" panose="02000000000000000000"/>
+                <a:cs typeface="Roboto Condensed" panose="02000000000000000000"/>
+                <a:sym typeface="Roboto Condensed" panose="02000000000000000000"/>
               </a:defRPr>
             </a:lvl7pPr>
             <a:lvl8pPr lvl="7" rtl="0">
@@ -3230,10 +3458,10 @@
                 <a:highlight>
                   <a:srgbClr val="000000"/>
                 </a:highlight>
-                <a:latin typeface="Roboto Condensed"/>
-                <a:ea typeface="Roboto Condensed"/>
-                <a:cs typeface="Roboto Condensed"/>
-                <a:sym typeface="Roboto Condensed"/>
+                <a:latin typeface="Roboto Condensed" panose="02000000000000000000"/>
+                <a:ea typeface="Roboto Condensed" panose="02000000000000000000"/>
+                <a:cs typeface="Roboto Condensed" panose="02000000000000000000"/>
+                <a:sym typeface="Roboto Condensed" panose="02000000000000000000"/>
               </a:defRPr>
             </a:lvl8pPr>
             <a:lvl9pPr lvl="8" rtl="0">
@@ -3251,16 +3479,14 @@
                 <a:highlight>
                   <a:srgbClr val="000000"/>
                 </a:highlight>
-                <a:latin typeface="Roboto Condensed"/>
-                <a:ea typeface="Roboto Condensed"/>
-                <a:cs typeface="Roboto Condensed"/>
-                <a:sym typeface="Roboto Condensed"/>
+                <a:latin typeface="Roboto Condensed" panose="02000000000000000000"/>
+                <a:ea typeface="Roboto Condensed" panose="02000000000000000000"/>
+                <a:cs typeface="Roboto Condensed" panose="02000000000000000000"/>
+                <a:sym typeface="Roboto Condensed" panose="02000000000000000000"/>
               </a:defRPr>
             </a:lvl9pPr>
           </a:lstStyle>
-          <a:p>
-            <a:endParaRPr/>
-          </a:p>
+          <a:p/>
         </p:txBody>
       </p:sp>
       <p:sp>
@@ -3299,7 +3525,6 @@
               </a:spcAft>
               <a:buNone/>
             </a:pPr>
-            <a:endParaRPr/>
           </a:p>
         </p:txBody>
       </p:sp>
@@ -3337,7 +3562,7 @@
 </file>
 
 <file path=ppt/slideLayouts/slideLayout14.xml><?xml version="1.0" encoding="utf-8"?>
-<p:sldLayout xmlns:a="http://schemas.openxmlformats.org/drawingml/2006/main" xmlns:r="http://schemas.openxmlformats.org/officeDocument/2006/relationships" xmlns:p="http://schemas.openxmlformats.org/presentationml/2006/main" matchingName="OBJECT" type="obj">
+<p:sldLayout xmlns:a="http://schemas.openxmlformats.org/drawingml/2006/main" xmlns:r="http://schemas.openxmlformats.org/officeDocument/2006/relationships" xmlns:p="http://schemas.openxmlformats.org/presentationml/2006/main" type="obj" matchingName="OBJECT">
   <p:cSld name="OBJECT">
     <p:spTree>
       <p:nvGrpSpPr>
@@ -3379,7 +3604,7 @@
         <p:txBody>
           <a:bodyPr spcFirstLastPara="1" wrap="square" lIns="91425" tIns="91425" rIns="91425" bIns="91425" anchor="ctr" anchorCtr="0"/>
           <a:lstStyle>
-            <a:lvl1pPr marL="39687" lvl="0" algn="ctr" rtl="0">
+            <a:lvl1pPr marL="39370" lvl="0" algn="ctr" rtl="0">
               <a:spcBef>
                 <a:spcPts val="0"/>
               </a:spcBef>
@@ -3394,7 +3619,7 @@
                 </a:solidFill>
               </a:defRPr>
             </a:lvl1pPr>
-            <a:lvl2pPr marL="39687" lvl="1" algn="ctr" rtl="0">
+            <a:lvl2pPr marL="39370" lvl="1" algn="ctr" rtl="0">
               <a:spcBef>
                 <a:spcPts val="0"/>
               </a:spcBef>
@@ -3409,7 +3634,7 @@
                 </a:solidFill>
               </a:defRPr>
             </a:lvl2pPr>
-            <a:lvl3pPr marL="39687" lvl="2" algn="ctr" rtl="0">
+            <a:lvl3pPr marL="39370" lvl="2" algn="ctr" rtl="0">
               <a:spcBef>
                 <a:spcPts val="0"/>
               </a:spcBef>
@@ -3424,7 +3649,7 @@
                 </a:solidFill>
               </a:defRPr>
             </a:lvl3pPr>
-            <a:lvl4pPr marL="39687" lvl="3" algn="ctr" rtl="0">
+            <a:lvl4pPr marL="39370" lvl="3" algn="ctr" rtl="0">
               <a:spcBef>
                 <a:spcPts val="0"/>
               </a:spcBef>
@@ -3439,7 +3664,7 @@
                 </a:solidFill>
               </a:defRPr>
             </a:lvl4pPr>
-            <a:lvl5pPr marL="39687" lvl="4" algn="ctr" rtl="0">
+            <a:lvl5pPr marL="39370" lvl="4" algn="ctr" rtl="0">
               <a:spcBef>
                 <a:spcPts val="0"/>
               </a:spcBef>
@@ -3454,7 +3679,7 @@
                 </a:solidFill>
               </a:defRPr>
             </a:lvl5pPr>
-            <a:lvl6pPr marL="496887" lvl="5" algn="ctr" rtl="0">
+            <a:lvl6pPr marL="496570" lvl="5" algn="ctr" rtl="0">
               <a:spcBef>
                 <a:spcPts val="0"/>
               </a:spcBef>
@@ -3469,7 +3694,7 @@
                 </a:solidFill>
               </a:defRPr>
             </a:lvl6pPr>
-            <a:lvl7pPr marL="954087" lvl="6" algn="ctr" rtl="0">
+            <a:lvl7pPr marL="953770" lvl="6" algn="ctr" rtl="0">
               <a:spcBef>
                 <a:spcPts val="0"/>
               </a:spcBef>
@@ -3484,7 +3709,7 @@
                 </a:solidFill>
               </a:defRPr>
             </a:lvl7pPr>
-            <a:lvl8pPr marL="1411287" lvl="7" algn="ctr" rtl="0">
+            <a:lvl8pPr marL="1410970" lvl="7" algn="ctr" rtl="0">
               <a:spcBef>
                 <a:spcPts val="0"/>
               </a:spcBef>
@@ -3499,7 +3724,7 @@
                 </a:solidFill>
               </a:defRPr>
             </a:lvl8pPr>
-            <a:lvl9pPr marL="1868487" lvl="8" algn="ctr" rtl="0">
+            <a:lvl9pPr marL="1868170" lvl="8" algn="ctr" rtl="0">
               <a:spcBef>
                 <a:spcPts val="0"/>
               </a:spcBef>
@@ -3515,9 +3740,7 @@
               </a:defRPr>
             </a:lvl9pPr>
           </a:lstStyle>
-          <a:p>
-            <a:endParaRPr/>
-          </a:p>
+          <a:p/>
         </p:txBody>
       </p:sp>
       <p:sp>
@@ -3557,7 +3780,7 @@
                 <a:srgbClr val="000000"/>
               </a:buClr>
               <a:buSzPts val="1800"/>
-              <a:buFont typeface="Arial"/>
+              <a:buFont typeface="Arial" panose="020B0604020202020204"/>
               <a:buChar char="●"/>
               <a:defRPr sz="3200">
                 <a:solidFill>
@@ -3576,7 +3799,7 @@
                 <a:srgbClr val="000000"/>
               </a:buClr>
               <a:buSzPts val="1400"/>
-              <a:buFont typeface="Arial"/>
+              <a:buFont typeface="Arial" panose="020B0604020202020204"/>
               <a:buChar char="●"/>
               <a:defRPr sz="2800">
                 <a:solidFill>
@@ -3595,7 +3818,7 @@
                 <a:srgbClr val="000000"/>
               </a:buClr>
               <a:buSzPts val="1400"/>
-              <a:buFont typeface="Arial"/>
+              <a:buFont typeface="Arial" panose="020B0604020202020204"/>
               <a:buChar char="●"/>
               <a:defRPr sz="2400">
                 <a:solidFill>
@@ -3614,7 +3837,7 @@
                 <a:srgbClr val="000000"/>
               </a:buClr>
               <a:buSzPts val="1400"/>
-              <a:buFont typeface="Arial"/>
+              <a:buFont typeface="Arial" panose="020B0604020202020204"/>
               <a:buChar char="●"/>
               <a:defRPr sz="2000">
                 <a:solidFill>
@@ -3633,7 +3856,7 @@
                 <a:srgbClr val="000000"/>
               </a:buClr>
               <a:buSzPts val="1400"/>
-              <a:buFont typeface="Arial"/>
+              <a:buFont typeface="Arial" panose="020B0604020202020204"/>
               <a:buChar char="●"/>
               <a:defRPr sz="2000">
                 <a:solidFill>
@@ -3652,7 +3875,7 @@
                 <a:srgbClr val="000000"/>
               </a:buClr>
               <a:buSzPts val="1400"/>
-              <a:buFont typeface="Arial"/>
+              <a:buFont typeface="Arial" panose="020B0604020202020204"/>
               <a:buChar char="●"/>
               <a:defRPr sz="2000">
                 <a:solidFill>
@@ -3671,7 +3894,7 @@
                 <a:srgbClr val="000000"/>
               </a:buClr>
               <a:buSzPts val="1400"/>
-              <a:buFont typeface="Arial"/>
+              <a:buFont typeface="Arial" panose="020B0604020202020204"/>
               <a:buChar char="●"/>
               <a:defRPr sz="2000">
                 <a:solidFill>
@@ -3690,7 +3913,7 @@
                 <a:srgbClr val="000000"/>
               </a:buClr>
               <a:buSzPts val="1400"/>
-              <a:buFont typeface="Arial"/>
+              <a:buFont typeface="Arial" panose="020B0604020202020204"/>
               <a:buChar char="●"/>
               <a:defRPr sz="2000">
                 <a:solidFill>
@@ -3709,7 +3932,7 @@
                 <a:srgbClr val="000000"/>
               </a:buClr>
               <a:buSzPts val="1400"/>
-              <a:buFont typeface="Arial"/>
+              <a:buFont typeface="Arial" panose="020B0604020202020204"/>
               <a:buChar char="●"/>
               <a:defRPr sz="2000">
                 <a:solidFill>
@@ -3718,9 +3941,7 @@
               </a:defRPr>
             </a:lvl9pPr>
           </a:lstStyle>
-          <a:p>
-            <a:endParaRPr/>
-          </a:p>
+          <a:p/>
         </p:txBody>
       </p:sp>
       <p:sp>
@@ -3766,10 +3987,10 @@
                 <a:solidFill>
                   <a:srgbClr val="898989"/>
                 </a:solidFill>
-                <a:latin typeface="Arial"/>
-                <a:ea typeface="Arial"/>
-                <a:cs typeface="Arial"/>
-                <a:sym typeface="Arial"/>
+                <a:latin typeface="Arial" panose="020B0604020202020204"/>
+                <a:ea typeface="Arial" panose="020B0604020202020204"/>
+                <a:cs typeface="Arial" panose="020B0604020202020204"/>
+                <a:sym typeface="Arial" panose="020B0604020202020204"/>
               </a:defRPr>
             </a:lvl1pPr>
             <a:lvl2pPr marL="0" marR="0" lvl="1" indent="0" algn="ctr" rtl="0">
@@ -3787,10 +4008,10 @@
                 <a:solidFill>
                   <a:srgbClr val="898989"/>
                 </a:solidFill>
-                <a:latin typeface="Arial"/>
-                <a:ea typeface="Arial"/>
-                <a:cs typeface="Arial"/>
-                <a:sym typeface="Arial"/>
+                <a:latin typeface="Arial" panose="020B0604020202020204"/>
+                <a:ea typeface="Arial" panose="020B0604020202020204"/>
+                <a:cs typeface="Arial" panose="020B0604020202020204"/>
+                <a:sym typeface="Arial" panose="020B0604020202020204"/>
               </a:defRPr>
             </a:lvl2pPr>
             <a:lvl3pPr marL="0" marR="0" lvl="2" indent="0" algn="ctr" rtl="0">
@@ -3808,10 +4029,10 @@
                 <a:solidFill>
                   <a:srgbClr val="898989"/>
                 </a:solidFill>
-                <a:latin typeface="Arial"/>
-                <a:ea typeface="Arial"/>
-                <a:cs typeface="Arial"/>
-                <a:sym typeface="Arial"/>
+                <a:latin typeface="Arial" panose="020B0604020202020204"/>
+                <a:ea typeface="Arial" panose="020B0604020202020204"/>
+                <a:cs typeface="Arial" panose="020B0604020202020204"/>
+                <a:sym typeface="Arial" panose="020B0604020202020204"/>
               </a:defRPr>
             </a:lvl3pPr>
             <a:lvl4pPr marL="0" marR="0" lvl="3" indent="0" algn="ctr" rtl="0">
@@ -3829,10 +4050,10 @@
                 <a:solidFill>
                   <a:srgbClr val="898989"/>
                 </a:solidFill>
-                <a:latin typeface="Arial"/>
-                <a:ea typeface="Arial"/>
-                <a:cs typeface="Arial"/>
-                <a:sym typeface="Arial"/>
+                <a:latin typeface="Arial" panose="020B0604020202020204"/>
+                <a:ea typeface="Arial" panose="020B0604020202020204"/>
+                <a:cs typeface="Arial" panose="020B0604020202020204"/>
+                <a:sym typeface="Arial" panose="020B0604020202020204"/>
               </a:defRPr>
             </a:lvl4pPr>
             <a:lvl5pPr marL="0" marR="0" lvl="4" indent="0" algn="ctr" rtl="0">
@@ -3850,10 +4071,10 @@
                 <a:solidFill>
                   <a:srgbClr val="898989"/>
                 </a:solidFill>
-                <a:latin typeface="Arial"/>
-                <a:ea typeface="Arial"/>
-                <a:cs typeface="Arial"/>
-                <a:sym typeface="Arial"/>
+                <a:latin typeface="Arial" panose="020B0604020202020204"/>
+                <a:ea typeface="Arial" panose="020B0604020202020204"/>
+                <a:cs typeface="Arial" panose="020B0604020202020204"/>
+                <a:sym typeface="Arial" panose="020B0604020202020204"/>
               </a:defRPr>
             </a:lvl5pPr>
             <a:lvl6pPr marL="0" marR="0" lvl="5" indent="0" algn="ctr" rtl="0">
@@ -3871,10 +4092,10 @@
                 <a:solidFill>
                   <a:srgbClr val="898989"/>
                 </a:solidFill>
-                <a:latin typeface="Arial"/>
-                <a:ea typeface="Arial"/>
-                <a:cs typeface="Arial"/>
-                <a:sym typeface="Arial"/>
+                <a:latin typeface="Arial" panose="020B0604020202020204"/>
+                <a:ea typeface="Arial" panose="020B0604020202020204"/>
+                <a:cs typeface="Arial" panose="020B0604020202020204"/>
+                <a:sym typeface="Arial" panose="020B0604020202020204"/>
               </a:defRPr>
             </a:lvl6pPr>
             <a:lvl7pPr marL="0" marR="0" lvl="6" indent="0" algn="ctr" rtl="0">
@@ -3892,10 +4113,10 @@
                 <a:solidFill>
                   <a:srgbClr val="898989"/>
                 </a:solidFill>
-                <a:latin typeface="Arial"/>
-                <a:ea typeface="Arial"/>
-                <a:cs typeface="Arial"/>
-                <a:sym typeface="Arial"/>
+                <a:latin typeface="Arial" panose="020B0604020202020204"/>
+                <a:ea typeface="Arial" panose="020B0604020202020204"/>
+                <a:cs typeface="Arial" panose="020B0604020202020204"/>
+                <a:sym typeface="Arial" panose="020B0604020202020204"/>
               </a:defRPr>
             </a:lvl7pPr>
             <a:lvl8pPr marL="0" marR="0" lvl="7" indent="0" algn="ctr" rtl="0">
@@ -3913,10 +4134,10 @@
                 <a:solidFill>
                   <a:srgbClr val="898989"/>
                 </a:solidFill>
-                <a:latin typeface="Arial"/>
-                <a:ea typeface="Arial"/>
-                <a:cs typeface="Arial"/>
-                <a:sym typeface="Arial"/>
+                <a:latin typeface="Arial" panose="020B0604020202020204"/>
+                <a:ea typeface="Arial" panose="020B0604020202020204"/>
+                <a:cs typeface="Arial" panose="020B0604020202020204"/>
+                <a:sym typeface="Arial" panose="020B0604020202020204"/>
               </a:defRPr>
             </a:lvl8pPr>
             <a:lvl9pPr marL="0" marR="0" lvl="8" indent="0" algn="ctr" rtl="0">
@@ -3934,10 +4155,10 @@
                 <a:solidFill>
                   <a:srgbClr val="898989"/>
                 </a:solidFill>
-                <a:latin typeface="Arial"/>
-                <a:ea typeface="Arial"/>
-                <a:cs typeface="Arial"/>
-                <a:sym typeface="Arial"/>
+                <a:latin typeface="Arial" panose="020B0604020202020204"/>
+                <a:ea typeface="Arial" panose="020B0604020202020204"/>
+                <a:cs typeface="Arial" panose="020B0604020202020204"/>
+                <a:sym typeface="Arial" panose="020B0604020202020204"/>
               </a:defRPr>
             </a:lvl9pPr>
           </a:lstStyle>
@@ -3953,10 +4174,9 @@
                 <a:srgbClr val="898989"/>
               </a:buClr>
               <a:buSzPts val="1400"/>
-              <a:buFont typeface="Arial"/>
+              <a:buFont typeface="Arial" panose="020B0604020202020204"/>
               <a:buNone/>
             </a:pPr>
-            <a:endParaRPr/>
           </a:p>
           <a:p>
             <a:pPr marL="457200" lvl="1" indent="0" algn="l" rtl="0">
@@ -3970,7 +4190,7 @@
                 <a:schemeClr val="dk1"/>
               </a:buClr>
               <a:buSzPts val="1400"/>
-              <a:buFont typeface="Arial"/>
+              <a:buFont typeface="Arial" panose="020B0604020202020204"/>
               <a:buNone/>
             </a:pPr>
             <a:endParaRPr sz="1800">
@@ -3991,7 +4211,7 @@
                 <a:schemeClr val="dk1"/>
               </a:buClr>
               <a:buSzPts val="1400"/>
-              <a:buFont typeface="Arial"/>
+              <a:buFont typeface="Arial" panose="020B0604020202020204"/>
               <a:buNone/>
             </a:pPr>
             <a:endParaRPr sz="1800">
@@ -4012,7 +4232,7 @@
                 <a:schemeClr val="dk1"/>
               </a:buClr>
               <a:buSzPts val="1400"/>
-              <a:buFont typeface="Arial"/>
+              <a:buFont typeface="Arial" panose="020B0604020202020204"/>
               <a:buNone/>
             </a:pPr>
             <a:endParaRPr sz="1800">
@@ -4033,7 +4253,7 @@
                 <a:schemeClr val="dk1"/>
               </a:buClr>
               <a:buSzPts val="1400"/>
-              <a:buFont typeface="Arial"/>
+              <a:buFont typeface="Arial" panose="020B0604020202020204"/>
               <a:buNone/>
             </a:pPr>
             <a:endParaRPr sz="1800">
@@ -4054,7 +4274,7 @@
                 <a:schemeClr val="dk1"/>
               </a:buClr>
               <a:buSzPts val="1400"/>
-              <a:buFont typeface="Arial"/>
+              <a:buFont typeface="Arial" panose="020B0604020202020204"/>
               <a:buNone/>
             </a:pPr>
             <a:endParaRPr sz="1800">
@@ -4075,7 +4295,7 @@
                 <a:schemeClr val="dk1"/>
               </a:buClr>
               <a:buSzPts val="1400"/>
-              <a:buFont typeface="Arial"/>
+              <a:buFont typeface="Arial" panose="020B0604020202020204"/>
               <a:buNone/>
             </a:pPr>
             <a:endParaRPr sz="1800">
@@ -4096,7 +4316,7 @@
                 <a:schemeClr val="dk1"/>
               </a:buClr>
               <a:buSzPts val="1400"/>
-              <a:buFont typeface="Arial"/>
+              <a:buFont typeface="Arial" panose="020B0604020202020204"/>
               <a:buNone/>
             </a:pPr>
             <a:endParaRPr sz="1800">
@@ -4117,7 +4337,7 @@
                 <a:schemeClr val="dk1"/>
               </a:buClr>
               <a:buSzPts val="1400"/>
-              <a:buFont typeface="Arial"/>
+              <a:buFont typeface="Arial" panose="020B0604020202020204"/>
               <a:buNone/>
             </a:pPr>
             <a:endParaRPr sz="1800">
@@ -4137,7 +4357,7 @@
 </file>
 
 <file path=ppt/slideLayouts/slideLayout15.xml><?xml version="1.0" encoding="utf-8"?>
-<p:sldLayout xmlns:a="http://schemas.openxmlformats.org/drawingml/2006/main" xmlns:r="http://schemas.openxmlformats.org/officeDocument/2006/relationships" xmlns:p="http://schemas.openxmlformats.org/presentationml/2006/main" matchingName="Title slide" type="title">
+<p:sldLayout xmlns:a="http://schemas.openxmlformats.org/drawingml/2006/main" xmlns:r="http://schemas.openxmlformats.org/officeDocument/2006/relationships" xmlns:p="http://schemas.openxmlformats.org/presentationml/2006/main" type="title" matchingName="Title slide">
   <p:cSld name="TITLE">
     <p:spTree>
       <p:nvGrpSpPr>
@@ -4193,16 +4413,16 @@
                 <a:schemeClr val="dk1"/>
               </a:buClr>
               <a:buSzPts val="1400"/>
-              <a:buFont typeface="Arial"/>
+              <a:buFont typeface="Arial" panose="020B0604020202020204"/>
               <a:buNone/>
               <a:defRPr sz="4800" b="1" i="0" u="none" strike="noStrike" cap="none">
                 <a:solidFill>
                   <a:schemeClr val="dk1"/>
                 </a:solidFill>
-                <a:latin typeface="Arial"/>
-                <a:ea typeface="Arial"/>
-                <a:cs typeface="Arial"/>
-                <a:sym typeface="Arial"/>
+                <a:latin typeface="Arial" panose="020B0604020202020204"/>
+                <a:ea typeface="Arial" panose="020B0604020202020204"/>
+                <a:cs typeface="Arial" panose="020B0604020202020204"/>
+                <a:sym typeface="Arial" panose="020B0604020202020204"/>
               </a:defRPr>
             </a:lvl1pPr>
             <a:lvl2pPr marL="0" marR="0" lvl="1" indent="304800" algn="ctr" rtl="0">
@@ -4219,16 +4439,16 @@
                 <a:schemeClr val="dk1"/>
               </a:buClr>
               <a:buSzPts val="1400"/>
-              <a:buFont typeface="Arial"/>
+              <a:buFont typeface="Arial" panose="020B0604020202020204"/>
               <a:buNone/>
               <a:defRPr sz="4800" b="1" i="0" u="none" strike="noStrike" cap="none">
                 <a:solidFill>
                   <a:schemeClr val="dk1"/>
                 </a:solidFill>
-                <a:latin typeface="Arial"/>
-                <a:ea typeface="Arial"/>
-                <a:cs typeface="Arial"/>
-                <a:sym typeface="Arial"/>
+                <a:latin typeface="Arial" panose="020B0604020202020204"/>
+                <a:ea typeface="Arial" panose="020B0604020202020204"/>
+                <a:cs typeface="Arial" panose="020B0604020202020204"/>
+                <a:sym typeface="Arial" panose="020B0604020202020204"/>
               </a:defRPr>
             </a:lvl2pPr>
             <a:lvl3pPr marL="0" marR="0" lvl="2" indent="304800" algn="ctr" rtl="0">
@@ -4242,16 +4462,16 @@
                 <a:schemeClr val="dk1"/>
               </a:buClr>
               <a:buSzPts val="1400"/>
-              <a:buFont typeface="Arial"/>
+              <a:buFont typeface="Arial" panose="020B0604020202020204"/>
               <a:buNone/>
               <a:defRPr sz="4800" b="1" i="0" u="none" strike="noStrike" cap="none">
                 <a:solidFill>
                   <a:schemeClr val="dk1"/>
                 </a:solidFill>
-                <a:latin typeface="Arial"/>
-                <a:ea typeface="Arial"/>
-                <a:cs typeface="Arial"/>
-                <a:sym typeface="Arial"/>
+                <a:latin typeface="Arial" panose="020B0604020202020204"/>
+                <a:ea typeface="Arial" panose="020B0604020202020204"/>
+                <a:cs typeface="Arial" panose="020B0604020202020204"/>
+                <a:sym typeface="Arial" panose="020B0604020202020204"/>
               </a:defRPr>
             </a:lvl3pPr>
             <a:lvl4pPr marL="0" marR="0" lvl="3" indent="304800" algn="ctr" rtl="0">
@@ -4265,16 +4485,16 @@
                 <a:schemeClr val="dk1"/>
               </a:buClr>
               <a:buSzPts val="1400"/>
-              <a:buFont typeface="Arial"/>
+              <a:buFont typeface="Arial" panose="020B0604020202020204"/>
               <a:buNone/>
               <a:defRPr sz="4800" b="1" i="0" u="none" strike="noStrike" cap="none">
                 <a:solidFill>
                   <a:schemeClr val="dk1"/>
                 </a:solidFill>
-                <a:latin typeface="Arial"/>
-                <a:ea typeface="Arial"/>
-                <a:cs typeface="Arial"/>
-                <a:sym typeface="Arial"/>
+                <a:latin typeface="Arial" panose="020B0604020202020204"/>
+                <a:ea typeface="Arial" panose="020B0604020202020204"/>
+                <a:cs typeface="Arial" panose="020B0604020202020204"/>
+                <a:sym typeface="Arial" panose="020B0604020202020204"/>
               </a:defRPr>
             </a:lvl4pPr>
             <a:lvl5pPr marL="0" marR="0" lvl="4" indent="304800" algn="ctr" rtl="0">
@@ -4288,16 +4508,16 @@
                 <a:schemeClr val="dk1"/>
               </a:buClr>
               <a:buSzPts val="1400"/>
-              <a:buFont typeface="Arial"/>
+              <a:buFont typeface="Arial" panose="020B0604020202020204"/>
               <a:buNone/>
               <a:defRPr sz="4800" b="1" i="0" u="none" strike="noStrike" cap="none">
                 <a:solidFill>
                   <a:schemeClr val="dk1"/>
                 </a:solidFill>
-                <a:latin typeface="Arial"/>
-                <a:ea typeface="Arial"/>
-                <a:cs typeface="Arial"/>
-                <a:sym typeface="Arial"/>
+                <a:latin typeface="Arial" panose="020B0604020202020204"/>
+                <a:ea typeface="Arial" panose="020B0604020202020204"/>
+                <a:cs typeface="Arial" panose="020B0604020202020204"/>
+                <a:sym typeface="Arial" panose="020B0604020202020204"/>
               </a:defRPr>
             </a:lvl5pPr>
             <a:lvl6pPr marL="0" marR="0" lvl="5" indent="304800" algn="ctr" rtl="0">
@@ -4311,16 +4531,16 @@
                 <a:schemeClr val="dk1"/>
               </a:buClr>
               <a:buSzPts val="1400"/>
-              <a:buFont typeface="Arial"/>
+              <a:buFont typeface="Arial" panose="020B0604020202020204"/>
               <a:buNone/>
               <a:defRPr sz="4800" b="1" i="0" u="none" strike="noStrike" cap="none">
                 <a:solidFill>
                   <a:schemeClr val="dk1"/>
                 </a:solidFill>
-                <a:latin typeface="Arial"/>
-                <a:ea typeface="Arial"/>
-                <a:cs typeface="Arial"/>
-                <a:sym typeface="Arial"/>
+                <a:latin typeface="Arial" panose="020B0604020202020204"/>
+                <a:ea typeface="Arial" panose="020B0604020202020204"/>
+                <a:cs typeface="Arial" panose="020B0604020202020204"/>
+                <a:sym typeface="Arial" panose="020B0604020202020204"/>
               </a:defRPr>
             </a:lvl6pPr>
             <a:lvl7pPr marL="0" marR="0" lvl="6" indent="304800" algn="ctr" rtl="0">
@@ -4334,16 +4554,16 @@
                 <a:schemeClr val="dk1"/>
               </a:buClr>
               <a:buSzPts val="1400"/>
-              <a:buFont typeface="Arial"/>
+              <a:buFont typeface="Arial" panose="020B0604020202020204"/>
               <a:buNone/>
               <a:defRPr sz="4800" b="1" i="0" u="none" strike="noStrike" cap="none">
                 <a:solidFill>
                   <a:schemeClr val="dk1"/>
                 </a:solidFill>
-                <a:latin typeface="Arial"/>
-                <a:ea typeface="Arial"/>
-                <a:cs typeface="Arial"/>
-                <a:sym typeface="Arial"/>
+                <a:latin typeface="Arial" panose="020B0604020202020204"/>
+                <a:ea typeface="Arial" panose="020B0604020202020204"/>
+                <a:cs typeface="Arial" panose="020B0604020202020204"/>
+                <a:sym typeface="Arial" panose="020B0604020202020204"/>
               </a:defRPr>
             </a:lvl7pPr>
             <a:lvl8pPr marL="0" marR="0" lvl="7" indent="304800" algn="ctr" rtl="0">
@@ -4357,16 +4577,16 @@
                 <a:schemeClr val="dk1"/>
               </a:buClr>
               <a:buSzPts val="1400"/>
-              <a:buFont typeface="Arial"/>
+              <a:buFont typeface="Arial" panose="020B0604020202020204"/>
               <a:buNone/>
               <a:defRPr sz="4800" b="1" i="0" u="none" strike="noStrike" cap="none">
                 <a:solidFill>
                   <a:schemeClr val="dk1"/>
                 </a:solidFill>
-                <a:latin typeface="Arial"/>
-                <a:ea typeface="Arial"/>
-                <a:cs typeface="Arial"/>
-                <a:sym typeface="Arial"/>
+                <a:latin typeface="Arial" panose="020B0604020202020204"/>
+                <a:ea typeface="Arial" panose="020B0604020202020204"/>
+                <a:cs typeface="Arial" panose="020B0604020202020204"/>
+                <a:sym typeface="Arial" panose="020B0604020202020204"/>
               </a:defRPr>
             </a:lvl8pPr>
             <a:lvl9pPr marL="0" marR="0" lvl="8" indent="304800" algn="ctr" rtl="0">
@@ -4380,22 +4600,20 @@
                 <a:schemeClr val="dk1"/>
               </a:buClr>
               <a:buSzPts val="1400"/>
-              <a:buFont typeface="Arial"/>
+              <a:buFont typeface="Arial" panose="020B0604020202020204"/>
               <a:buNone/>
               <a:defRPr sz="4800" b="1" i="0" u="none" strike="noStrike" cap="none">
                 <a:solidFill>
                   <a:schemeClr val="dk1"/>
                 </a:solidFill>
-                <a:latin typeface="Arial"/>
-                <a:ea typeface="Arial"/>
-                <a:cs typeface="Arial"/>
-                <a:sym typeface="Arial"/>
+                <a:latin typeface="Arial" panose="020B0604020202020204"/>
+                <a:ea typeface="Arial" panose="020B0604020202020204"/>
+                <a:cs typeface="Arial" panose="020B0604020202020204"/>
+                <a:sym typeface="Arial" panose="020B0604020202020204"/>
               </a:defRPr>
             </a:lvl9pPr>
           </a:lstStyle>
-          <a:p>
-            <a:endParaRPr/>
-          </a:p>
+          <a:p/>
         </p:txBody>
       </p:sp>
       <p:sp>
@@ -4438,16 +4656,16 @@
                 <a:schemeClr val="dk2"/>
               </a:buClr>
               <a:buSzPts val="1400"/>
-              <a:buFont typeface="Arial"/>
+              <a:buFont typeface="Arial" panose="020B0604020202020204"/>
               <a:buNone/>
               <a:defRPr sz="3000" b="0" i="0" u="none" strike="noStrike" cap="none">
                 <a:solidFill>
                   <a:schemeClr val="dk2"/>
                 </a:solidFill>
-                <a:latin typeface="Arial"/>
-                <a:ea typeface="Arial"/>
-                <a:cs typeface="Arial"/>
-                <a:sym typeface="Arial"/>
+                <a:latin typeface="Arial" panose="020B0604020202020204"/>
+                <a:ea typeface="Arial" panose="020B0604020202020204"/>
+                <a:cs typeface="Arial" panose="020B0604020202020204"/>
+                <a:sym typeface="Arial" panose="020B0604020202020204"/>
               </a:defRPr>
             </a:lvl1pPr>
             <a:lvl2pPr marL="0" marR="0" lvl="1" indent="190500" algn="ctr" rtl="0">
@@ -4464,16 +4682,16 @@
                 <a:schemeClr val="dk2"/>
               </a:buClr>
               <a:buSzPts val="1400"/>
-              <a:buFont typeface="Arial"/>
+              <a:buFont typeface="Arial" panose="020B0604020202020204"/>
               <a:buNone/>
               <a:defRPr sz="3000" b="0" i="0" u="none" strike="noStrike" cap="none">
                 <a:solidFill>
                   <a:schemeClr val="dk2"/>
                 </a:solidFill>
-                <a:latin typeface="Arial"/>
-                <a:ea typeface="Arial"/>
-                <a:cs typeface="Arial"/>
-                <a:sym typeface="Arial"/>
+                <a:latin typeface="Arial" panose="020B0604020202020204"/>
+                <a:ea typeface="Arial" panose="020B0604020202020204"/>
+                <a:cs typeface="Arial" panose="020B0604020202020204"/>
+                <a:sym typeface="Arial" panose="020B0604020202020204"/>
               </a:defRPr>
             </a:lvl2pPr>
             <a:lvl3pPr marL="0" marR="0" lvl="2" indent="190500" algn="ctr" rtl="0">
@@ -4490,16 +4708,16 @@
                 <a:schemeClr val="dk2"/>
               </a:buClr>
               <a:buSzPts val="1400"/>
-              <a:buFont typeface="Arial"/>
+              <a:buFont typeface="Arial" panose="020B0604020202020204"/>
               <a:buNone/>
               <a:defRPr sz="3000" b="0" i="0" u="none" strike="noStrike" cap="none">
                 <a:solidFill>
                   <a:schemeClr val="dk2"/>
                 </a:solidFill>
-                <a:latin typeface="Arial"/>
-                <a:ea typeface="Arial"/>
-                <a:cs typeface="Arial"/>
-                <a:sym typeface="Arial"/>
+                <a:latin typeface="Arial" panose="020B0604020202020204"/>
+                <a:ea typeface="Arial" panose="020B0604020202020204"/>
+                <a:cs typeface="Arial" panose="020B0604020202020204"/>
+                <a:sym typeface="Arial" panose="020B0604020202020204"/>
               </a:defRPr>
             </a:lvl3pPr>
             <a:lvl4pPr marL="0" marR="0" lvl="3" indent="190500" algn="ctr" rtl="0">
@@ -4516,16 +4734,16 @@
                 <a:schemeClr val="dk2"/>
               </a:buClr>
               <a:buSzPts val="1400"/>
-              <a:buFont typeface="Arial"/>
+              <a:buFont typeface="Arial" panose="020B0604020202020204"/>
               <a:buNone/>
               <a:defRPr sz="3000" b="0" i="0" u="none" strike="noStrike" cap="none">
                 <a:solidFill>
                   <a:schemeClr val="dk2"/>
                 </a:solidFill>
-                <a:latin typeface="Arial"/>
-                <a:ea typeface="Arial"/>
-                <a:cs typeface="Arial"/>
-                <a:sym typeface="Arial"/>
+                <a:latin typeface="Arial" panose="020B0604020202020204"/>
+                <a:ea typeface="Arial" panose="020B0604020202020204"/>
+                <a:cs typeface="Arial" panose="020B0604020202020204"/>
+                <a:sym typeface="Arial" panose="020B0604020202020204"/>
               </a:defRPr>
             </a:lvl4pPr>
             <a:lvl5pPr marL="0" marR="0" lvl="4" indent="190500" algn="ctr" rtl="0">
@@ -4542,16 +4760,16 @@
                 <a:schemeClr val="dk2"/>
               </a:buClr>
               <a:buSzPts val="1400"/>
-              <a:buFont typeface="Arial"/>
+              <a:buFont typeface="Arial" panose="020B0604020202020204"/>
               <a:buNone/>
               <a:defRPr sz="3000" b="0" i="0" u="none" strike="noStrike" cap="none">
                 <a:solidFill>
                   <a:schemeClr val="dk2"/>
                 </a:solidFill>
-                <a:latin typeface="Arial"/>
-                <a:ea typeface="Arial"/>
-                <a:cs typeface="Arial"/>
-                <a:sym typeface="Arial"/>
+                <a:latin typeface="Arial" panose="020B0604020202020204"/>
+                <a:ea typeface="Arial" panose="020B0604020202020204"/>
+                <a:cs typeface="Arial" panose="020B0604020202020204"/>
+                <a:sym typeface="Arial" panose="020B0604020202020204"/>
               </a:defRPr>
             </a:lvl5pPr>
             <a:lvl6pPr marL="0" marR="0" lvl="5" indent="190500" algn="ctr" rtl="0">
@@ -4568,16 +4786,16 @@
                 <a:schemeClr val="dk2"/>
               </a:buClr>
               <a:buSzPts val="1400"/>
-              <a:buFont typeface="Arial"/>
+              <a:buFont typeface="Arial" panose="020B0604020202020204"/>
               <a:buNone/>
               <a:defRPr sz="3000" b="0" i="0" u="none" strike="noStrike" cap="none">
                 <a:solidFill>
                   <a:schemeClr val="dk2"/>
                 </a:solidFill>
-                <a:latin typeface="Arial"/>
-                <a:ea typeface="Arial"/>
-                <a:cs typeface="Arial"/>
-                <a:sym typeface="Arial"/>
+                <a:latin typeface="Arial" panose="020B0604020202020204"/>
+                <a:ea typeface="Arial" panose="020B0604020202020204"/>
+                <a:cs typeface="Arial" panose="020B0604020202020204"/>
+                <a:sym typeface="Arial" panose="020B0604020202020204"/>
               </a:defRPr>
             </a:lvl6pPr>
             <a:lvl7pPr marL="0" marR="0" lvl="6" indent="190500" algn="ctr" rtl="0">
@@ -4594,16 +4812,16 @@
                 <a:schemeClr val="dk2"/>
               </a:buClr>
               <a:buSzPts val="1400"/>
-              <a:buFont typeface="Arial"/>
+              <a:buFont typeface="Arial" panose="020B0604020202020204"/>
               <a:buNone/>
               <a:defRPr sz="3000" b="0" i="0" u="none" strike="noStrike" cap="none">
                 <a:solidFill>
                   <a:schemeClr val="dk2"/>
                 </a:solidFill>
-                <a:latin typeface="Arial"/>
-                <a:ea typeface="Arial"/>
-                <a:cs typeface="Arial"/>
-                <a:sym typeface="Arial"/>
+                <a:latin typeface="Arial" panose="020B0604020202020204"/>
+                <a:ea typeface="Arial" panose="020B0604020202020204"/>
+                <a:cs typeface="Arial" panose="020B0604020202020204"/>
+                <a:sym typeface="Arial" panose="020B0604020202020204"/>
               </a:defRPr>
             </a:lvl7pPr>
             <a:lvl8pPr marL="0" marR="0" lvl="7" indent="190500" algn="ctr" rtl="0">
@@ -4620,16 +4838,16 @@
                 <a:schemeClr val="dk2"/>
               </a:buClr>
               <a:buSzPts val="1400"/>
-              <a:buFont typeface="Arial"/>
+              <a:buFont typeface="Arial" panose="020B0604020202020204"/>
               <a:buNone/>
               <a:defRPr sz="3000" b="0" i="0" u="none" strike="noStrike" cap="none">
                 <a:solidFill>
                   <a:schemeClr val="dk2"/>
                 </a:solidFill>
-                <a:latin typeface="Arial"/>
-                <a:ea typeface="Arial"/>
-                <a:cs typeface="Arial"/>
-                <a:sym typeface="Arial"/>
+                <a:latin typeface="Arial" panose="020B0604020202020204"/>
+                <a:ea typeface="Arial" panose="020B0604020202020204"/>
+                <a:cs typeface="Arial" panose="020B0604020202020204"/>
+                <a:sym typeface="Arial" panose="020B0604020202020204"/>
               </a:defRPr>
             </a:lvl8pPr>
             <a:lvl9pPr marL="0" marR="0" lvl="8" indent="190500" algn="ctr" rtl="0">
@@ -4646,22 +4864,20 @@
                 <a:schemeClr val="dk2"/>
               </a:buClr>
               <a:buSzPts val="1400"/>
-              <a:buFont typeface="Arial"/>
+              <a:buFont typeface="Arial" panose="020B0604020202020204"/>
               <a:buNone/>
               <a:defRPr sz="3000" b="0" i="0" u="none" strike="noStrike" cap="none">
                 <a:solidFill>
                   <a:schemeClr val="dk2"/>
                 </a:solidFill>
-                <a:latin typeface="Arial"/>
-                <a:ea typeface="Arial"/>
-                <a:cs typeface="Arial"/>
-                <a:sym typeface="Arial"/>
+                <a:latin typeface="Arial" panose="020B0604020202020204"/>
+                <a:ea typeface="Arial" panose="020B0604020202020204"/>
+                <a:cs typeface="Arial" panose="020B0604020202020204"/>
+                <a:sym typeface="Arial" panose="020B0604020202020204"/>
               </a:defRPr>
             </a:lvl9pPr>
           </a:lstStyle>
-          <a:p>
-            <a:endParaRPr/>
-          </a:p>
+          <a:p/>
         </p:txBody>
       </p:sp>
     </p:spTree>
@@ -4673,7 +4889,7 @@
 </file>
 
 <file path=ppt/slideLayouts/slideLayout16.xml><?xml version="1.0" encoding="utf-8"?>
-<p:sldLayout xmlns:a="http://schemas.openxmlformats.org/drawingml/2006/main" xmlns:r="http://schemas.openxmlformats.org/officeDocument/2006/relationships" xmlns:p="http://schemas.openxmlformats.org/presentationml/2006/main" matchingName="Title and body" type="tx">
+<p:sldLayout xmlns:a="http://schemas.openxmlformats.org/drawingml/2006/main" xmlns:r="http://schemas.openxmlformats.org/officeDocument/2006/relationships" xmlns:p="http://schemas.openxmlformats.org/presentationml/2006/main" type="tx" matchingName="Title and body">
   <p:cSld name="TITLE_AND_BODY">
     <p:spTree>
       <p:nvGrpSpPr>
@@ -4726,16 +4942,16 @@
                 <a:schemeClr val="dk1"/>
               </a:buClr>
               <a:buSzPts val="1400"/>
-              <a:buFont typeface="Arial"/>
+              <a:buFont typeface="Arial" panose="020B0604020202020204"/>
               <a:buNone/>
               <a:defRPr sz="3600" b="1">
                 <a:solidFill>
                   <a:schemeClr val="dk1"/>
                 </a:solidFill>
-                <a:latin typeface="Arial"/>
-                <a:ea typeface="Arial"/>
-                <a:cs typeface="Arial"/>
-                <a:sym typeface="Arial"/>
+                <a:latin typeface="Arial" panose="020B0604020202020204"/>
+                <a:ea typeface="Arial" panose="020B0604020202020204"/>
+                <a:cs typeface="Arial" panose="020B0604020202020204"/>
+                <a:sym typeface="Arial" panose="020B0604020202020204"/>
               </a:defRPr>
             </a:lvl1pPr>
             <a:lvl2pPr lvl="1" algn="l" rtl="0">
@@ -4749,16 +4965,16 @@
                 <a:schemeClr val="dk1"/>
               </a:buClr>
               <a:buSzPts val="1400"/>
-              <a:buFont typeface="Arial"/>
+              <a:buFont typeface="Arial" panose="020B0604020202020204"/>
               <a:buNone/>
               <a:defRPr sz="3600" b="1">
                 <a:solidFill>
                   <a:schemeClr val="dk1"/>
                 </a:solidFill>
-                <a:latin typeface="Arial"/>
-                <a:ea typeface="Arial"/>
-                <a:cs typeface="Arial"/>
-                <a:sym typeface="Arial"/>
+                <a:latin typeface="Arial" panose="020B0604020202020204"/>
+                <a:ea typeface="Arial" panose="020B0604020202020204"/>
+                <a:cs typeface="Arial" panose="020B0604020202020204"/>
+                <a:sym typeface="Arial" panose="020B0604020202020204"/>
               </a:defRPr>
             </a:lvl2pPr>
             <a:lvl3pPr lvl="2" algn="l" rtl="0">
@@ -4772,16 +4988,16 @@
                 <a:schemeClr val="dk1"/>
               </a:buClr>
               <a:buSzPts val="1400"/>
-              <a:buFont typeface="Arial"/>
+              <a:buFont typeface="Arial" panose="020B0604020202020204"/>
               <a:buNone/>
               <a:defRPr sz="3600" b="1">
                 <a:solidFill>
                   <a:schemeClr val="dk1"/>
                 </a:solidFill>
-                <a:latin typeface="Arial"/>
-                <a:ea typeface="Arial"/>
-                <a:cs typeface="Arial"/>
-                <a:sym typeface="Arial"/>
+                <a:latin typeface="Arial" panose="020B0604020202020204"/>
+                <a:ea typeface="Arial" panose="020B0604020202020204"/>
+                <a:cs typeface="Arial" panose="020B0604020202020204"/>
+                <a:sym typeface="Arial" panose="020B0604020202020204"/>
               </a:defRPr>
             </a:lvl3pPr>
             <a:lvl4pPr lvl="3" algn="l" rtl="0">
@@ -4795,16 +5011,16 @@
                 <a:schemeClr val="dk1"/>
               </a:buClr>
               <a:buSzPts val="1400"/>
-              <a:buFont typeface="Arial"/>
+              <a:buFont typeface="Arial" panose="020B0604020202020204"/>
               <a:buNone/>
               <a:defRPr sz="3600" b="1">
                 <a:solidFill>
                   <a:schemeClr val="dk1"/>
                 </a:solidFill>
-                <a:latin typeface="Arial"/>
-                <a:ea typeface="Arial"/>
-                <a:cs typeface="Arial"/>
-                <a:sym typeface="Arial"/>
+                <a:latin typeface="Arial" panose="020B0604020202020204"/>
+                <a:ea typeface="Arial" panose="020B0604020202020204"/>
+                <a:cs typeface="Arial" panose="020B0604020202020204"/>
+                <a:sym typeface="Arial" panose="020B0604020202020204"/>
               </a:defRPr>
             </a:lvl4pPr>
             <a:lvl5pPr lvl="4" algn="l" rtl="0">
@@ -4818,16 +5034,16 @@
                 <a:schemeClr val="dk1"/>
               </a:buClr>
               <a:buSzPts val="1400"/>
-              <a:buFont typeface="Arial"/>
+              <a:buFont typeface="Arial" panose="020B0604020202020204"/>
               <a:buNone/>
               <a:defRPr sz="3600" b="1">
                 <a:solidFill>
                   <a:schemeClr val="dk1"/>
                 </a:solidFill>
-                <a:latin typeface="Arial"/>
-                <a:ea typeface="Arial"/>
-                <a:cs typeface="Arial"/>
-                <a:sym typeface="Arial"/>
+                <a:latin typeface="Arial" panose="020B0604020202020204"/>
+                <a:ea typeface="Arial" panose="020B0604020202020204"/>
+                <a:cs typeface="Arial" panose="020B0604020202020204"/>
+                <a:sym typeface="Arial" panose="020B0604020202020204"/>
               </a:defRPr>
             </a:lvl5pPr>
             <a:lvl6pPr lvl="5" algn="l" rtl="0">
@@ -4841,16 +5057,16 @@
                 <a:schemeClr val="dk1"/>
               </a:buClr>
               <a:buSzPts val="1400"/>
-              <a:buFont typeface="Arial"/>
+              <a:buFont typeface="Arial" panose="020B0604020202020204"/>
               <a:buNone/>
               <a:defRPr sz="3600" b="1">
                 <a:solidFill>
                   <a:schemeClr val="dk1"/>
                 </a:solidFill>
-                <a:latin typeface="Arial"/>
-                <a:ea typeface="Arial"/>
-                <a:cs typeface="Arial"/>
-                <a:sym typeface="Arial"/>
+                <a:latin typeface="Arial" panose="020B0604020202020204"/>
+                <a:ea typeface="Arial" panose="020B0604020202020204"/>
+                <a:cs typeface="Arial" panose="020B0604020202020204"/>
+                <a:sym typeface="Arial" panose="020B0604020202020204"/>
               </a:defRPr>
             </a:lvl6pPr>
             <a:lvl7pPr lvl="6" algn="l" rtl="0">
@@ -4864,16 +5080,16 @@
                 <a:schemeClr val="dk1"/>
               </a:buClr>
               <a:buSzPts val="1400"/>
-              <a:buFont typeface="Arial"/>
+              <a:buFont typeface="Arial" panose="020B0604020202020204"/>
               <a:buNone/>
               <a:defRPr sz="3600" b="1">
                 <a:solidFill>
                   <a:schemeClr val="dk1"/>
                 </a:solidFill>
-                <a:latin typeface="Arial"/>
-                <a:ea typeface="Arial"/>
-                <a:cs typeface="Arial"/>
-                <a:sym typeface="Arial"/>
+                <a:latin typeface="Arial" panose="020B0604020202020204"/>
+                <a:ea typeface="Arial" panose="020B0604020202020204"/>
+                <a:cs typeface="Arial" panose="020B0604020202020204"/>
+                <a:sym typeface="Arial" panose="020B0604020202020204"/>
               </a:defRPr>
             </a:lvl7pPr>
             <a:lvl8pPr lvl="7" algn="l" rtl="0">
@@ -4887,16 +5103,16 @@
                 <a:schemeClr val="dk1"/>
               </a:buClr>
               <a:buSzPts val="1400"/>
-              <a:buFont typeface="Arial"/>
+              <a:buFont typeface="Arial" panose="020B0604020202020204"/>
               <a:buNone/>
               <a:defRPr sz="3600" b="1">
                 <a:solidFill>
                   <a:schemeClr val="dk1"/>
                 </a:solidFill>
-                <a:latin typeface="Arial"/>
-                <a:ea typeface="Arial"/>
-                <a:cs typeface="Arial"/>
-                <a:sym typeface="Arial"/>
+                <a:latin typeface="Arial" panose="020B0604020202020204"/>
+                <a:ea typeface="Arial" panose="020B0604020202020204"/>
+                <a:cs typeface="Arial" panose="020B0604020202020204"/>
+                <a:sym typeface="Arial" panose="020B0604020202020204"/>
               </a:defRPr>
             </a:lvl8pPr>
             <a:lvl9pPr lvl="8" algn="l" rtl="0">
@@ -4910,22 +5126,20 @@
                 <a:schemeClr val="dk1"/>
               </a:buClr>
               <a:buSzPts val="1400"/>
-              <a:buFont typeface="Arial"/>
+              <a:buFont typeface="Arial" panose="020B0604020202020204"/>
               <a:buNone/>
               <a:defRPr sz="3600" b="1">
                 <a:solidFill>
                   <a:schemeClr val="dk1"/>
                 </a:solidFill>
-                <a:latin typeface="Arial"/>
-                <a:ea typeface="Arial"/>
-                <a:cs typeface="Arial"/>
-                <a:sym typeface="Arial"/>
+                <a:latin typeface="Arial" panose="020B0604020202020204"/>
+                <a:ea typeface="Arial" panose="020B0604020202020204"/>
+                <a:cs typeface="Arial" panose="020B0604020202020204"/>
+                <a:sym typeface="Arial" panose="020B0604020202020204"/>
               </a:defRPr>
             </a:lvl9pPr>
           </a:lstStyle>
-          <a:p>
-            <a:endParaRPr/>
-          </a:p>
+          <a:p/>
         </p:txBody>
       </p:sp>
       <p:sp>
@@ -5054,9 +5268,7 @@
               <a:defRPr sz="1800"/>
             </a:lvl9pPr>
           </a:lstStyle>
-          <a:p>
-            <a:endParaRPr/>
-          </a:p>
+          <a:p/>
         </p:txBody>
       </p:sp>
     </p:spTree>
@@ -5068,7 +5280,7 @@
 </file>
 
 <file path=ppt/slideLayouts/slideLayout17.xml><?xml version="1.0" encoding="utf-8"?>
-<p:sldLayout xmlns:a="http://schemas.openxmlformats.org/drawingml/2006/main" xmlns:r="http://schemas.openxmlformats.org/officeDocument/2006/relationships" xmlns:p="http://schemas.openxmlformats.org/presentationml/2006/main" matchingName="Title and two columns" type="twoColTx">
+<p:sldLayout xmlns:a="http://schemas.openxmlformats.org/drawingml/2006/main" xmlns:r="http://schemas.openxmlformats.org/officeDocument/2006/relationships" xmlns:p="http://schemas.openxmlformats.org/presentationml/2006/main" type="twoColTx" matchingName="Title and two columns">
   <p:cSld name="TITLE_AND_TWO_COLUMNS">
     <p:spTree>
       <p:nvGrpSpPr>
@@ -5121,16 +5333,16 @@
                 <a:schemeClr val="dk1"/>
               </a:buClr>
               <a:buSzPts val="1400"/>
-              <a:buFont typeface="Arial"/>
+              <a:buFont typeface="Arial" panose="020B0604020202020204"/>
               <a:buNone/>
               <a:defRPr sz="3600" b="1">
                 <a:solidFill>
                   <a:schemeClr val="dk1"/>
                 </a:solidFill>
-                <a:latin typeface="Arial"/>
-                <a:ea typeface="Arial"/>
-                <a:cs typeface="Arial"/>
-                <a:sym typeface="Arial"/>
+                <a:latin typeface="Arial" panose="020B0604020202020204"/>
+                <a:ea typeface="Arial" panose="020B0604020202020204"/>
+                <a:cs typeface="Arial" panose="020B0604020202020204"/>
+                <a:sym typeface="Arial" panose="020B0604020202020204"/>
               </a:defRPr>
             </a:lvl1pPr>
             <a:lvl2pPr lvl="1" algn="l" rtl="0">
@@ -5144,16 +5356,16 @@
                 <a:schemeClr val="dk1"/>
               </a:buClr>
               <a:buSzPts val="1400"/>
-              <a:buFont typeface="Arial"/>
+              <a:buFont typeface="Arial" panose="020B0604020202020204"/>
               <a:buNone/>
               <a:defRPr sz="3600" b="1">
                 <a:solidFill>
                   <a:schemeClr val="dk1"/>
                 </a:solidFill>
-                <a:latin typeface="Arial"/>
-                <a:ea typeface="Arial"/>
-                <a:cs typeface="Arial"/>
-                <a:sym typeface="Arial"/>
+                <a:latin typeface="Arial" panose="020B0604020202020204"/>
+                <a:ea typeface="Arial" panose="020B0604020202020204"/>
+                <a:cs typeface="Arial" panose="020B0604020202020204"/>
+                <a:sym typeface="Arial" panose="020B0604020202020204"/>
               </a:defRPr>
             </a:lvl2pPr>
             <a:lvl3pPr lvl="2" algn="l" rtl="0">
@@ -5167,16 +5379,16 @@
                 <a:schemeClr val="dk1"/>
               </a:buClr>
               <a:buSzPts val="1400"/>
-              <a:buFont typeface="Arial"/>
+              <a:buFont typeface="Arial" panose="020B0604020202020204"/>
               <a:buNone/>
               <a:defRPr sz="3600" b="1">
                 <a:solidFill>
                   <a:schemeClr val="dk1"/>
                 </a:solidFill>
-                <a:latin typeface="Arial"/>
-                <a:ea typeface="Arial"/>
-                <a:cs typeface="Arial"/>
-                <a:sym typeface="Arial"/>
+                <a:latin typeface="Arial" panose="020B0604020202020204"/>
+                <a:ea typeface="Arial" panose="020B0604020202020204"/>
+                <a:cs typeface="Arial" panose="020B0604020202020204"/>
+                <a:sym typeface="Arial" panose="020B0604020202020204"/>
               </a:defRPr>
             </a:lvl3pPr>
             <a:lvl4pPr lvl="3" algn="l" rtl="0">
@@ -5190,16 +5402,16 @@
                 <a:schemeClr val="dk1"/>
               </a:buClr>
               <a:buSzPts val="1400"/>
-              <a:buFont typeface="Arial"/>
+              <a:buFont typeface="Arial" panose="020B0604020202020204"/>
               <a:buNone/>
               <a:defRPr sz="3600" b="1">
                 <a:solidFill>
                   <a:schemeClr val="dk1"/>
                 </a:solidFill>
-                <a:latin typeface="Arial"/>
-                <a:ea typeface="Arial"/>
-                <a:cs typeface="Arial"/>
-                <a:sym typeface="Arial"/>
+                <a:latin typeface="Arial" panose="020B0604020202020204"/>
+                <a:ea typeface="Arial" panose="020B0604020202020204"/>
+                <a:cs typeface="Arial" panose="020B0604020202020204"/>
+                <a:sym typeface="Arial" panose="020B0604020202020204"/>
               </a:defRPr>
             </a:lvl4pPr>
             <a:lvl5pPr lvl="4" algn="l" rtl="0">
@@ -5213,16 +5425,16 @@
                 <a:schemeClr val="dk1"/>
               </a:buClr>
               <a:buSzPts val="1400"/>
-              <a:buFont typeface="Arial"/>
+              <a:buFont typeface="Arial" panose="020B0604020202020204"/>
               <a:buNone/>
               <a:defRPr sz="3600" b="1">
                 <a:solidFill>
                   <a:schemeClr val="dk1"/>
                 </a:solidFill>
-                <a:latin typeface="Arial"/>
-                <a:ea typeface="Arial"/>
-                <a:cs typeface="Arial"/>
-                <a:sym typeface="Arial"/>
+                <a:latin typeface="Arial" panose="020B0604020202020204"/>
+                <a:ea typeface="Arial" panose="020B0604020202020204"/>
+                <a:cs typeface="Arial" panose="020B0604020202020204"/>
+                <a:sym typeface="Arial" panose="020B0604020202020204"/>
               </a:defRPr>
             </a:lvl5pPr>
             <a:lvl6pPr lvl="5" algn="l" rtl="0">
@@ -5236,16 +5448,16 @@
                 <a:schemeClr val="dk1"/>
               </a:buClr>
               <a:buSzPts val="1400"/>
-              <a:buFont typeface="Arial"/>
+              <a:buFont typeface="Arial" panose="020B0604020202020204"/>
               <a:buNone/>
               <a:defRPr sz="3600" b="1">
                 <a:solidFill>
                   <a:schemeClr val="dk1"/>
                 </a:solidFill>
-                <a:latin typeface="Arial"/>
-                <a:ea typeface="Arial"/>
-                <a:cs typeface="Arial"/>
-                <a:sym typeface="Arial"/>
+                <a:latin typeface="Arial" panose="020B0604020202020204"/>
+                <a:ea typeface="Arial" panose="020B0604020202020204"/>
+                <a:cs typeface="Arial" panose="020B0604020202020204"/>
+                <a:sym typeface="Arial" panose="020B0604020202020204"/>
               </a:defRPr>
             </a:lvl6pPr>
             <a:lvl7pPr lvl="6" algn="l" rtl="0">
@@ -5259,16 +5471,16 @@
                 <a:schemeClr val="dk1"/>
               </a:buClr>
               <a:buSzPts val="1400"/>
-              <a:buFont typeface="Arial"/>
+              <a:buFont typeface="Arial" panose="020B0604020202020204"/>
               <a:buNone/>
               <a:defRPr sz="3600" b="1">
                 <a:solidFill>
                   <a:schemeClr val="dk1"/>
                 </a:solidFill>
-                <a:latin typeface="Arial"/>
-                <a:ea typeface="Arial"/>
-                <a:cs typeface="Arial"/>
-                <a:sym typeface="Arial"/>
+                <a:latin typeface="Arial" panose="020B0604020202020204"/>
+                <a:ea typeface="Arial" panose="020B0604020202020204"/>
+                <a:cs typeface="Arial" panose="020B0604020202020204"/>
+                <a:sym typeface="Arial" panose="020B0604020202020204"/>
               </a:defRPr>
             </a:lvl7pPr>
             <a:lvl8pPr lvl="7" algn="l" rtl="0">
@@ -5282,16 +5494,16 @@
                 <a:schemeClr val="dk1"/>
               </a:buClr>
               <a:buSzPts val="1400"/>
-              <a:buFont typeface="Arial"/>
+              <a:buFont typeface="Arial" panose="020B0604020202020204"/>
               <a:buNone/>
               <a:defRPr sz="3600" b="1">
                 <a:solidFill>
                   <a:schemeClr val="dk1"/>
                 </a:solidFill>
-                <a:latin typeface="Arial"/>
-                <a:ea typeface="Arial"/>
-                <a:cs typeface="Arial"/>
-                <a:sym typeface="Arial"/>
+                <a:latin typeface="Arial" panose="020B0604020202020204"/>
+                <a:ea typeface="Arial" panose="020B0604020202020204"/>
+                <a:cs typeface="Arial" panose="020B0604020202020204"/>
+                <a:sym typeface="Arial" panose="020B0604020202020204"/>
               </a:defRPr>
             </a:lvl8pPr>
             <a:lvl9pPr lvl="8" algn="l" rtl="0">
@@ -5305,22 +5517,20 @@
                 <a:schemeClr val="dk1"/>
               </a:buClr>
               <a:buSzPts val="1400"/>
-              <a:buFont typeface="Arial"/>
+              <a:buFont typeface="Arial" panose="020B0604020202020204"/>
               <a:buNone/>
               <a:defRPr sz="3600" b="1">
                 <a:solidFill>
                   <a:schemeClr val="dk1"/>
                 </a:solidFill>
-                <a:latin typeface="Arial"/>
-                <a:ea typeface="Arial"/>
-                <a:cs typeface="Arial"/>
-                <a:sym typeface="Arial"/>
+                <a:latin typeface="Arial" panose="020B0604020202020204"/>
+                <a:ea typeface="Arial" panose="020B0604020202020204"/>
+                <a:cs typeface="Arial" panose="020B0604020202020204"/>
+                <a:sym typeface="Arial" panose="020B0604020202020204"/>
               </a:defRPr>
             </a:lvl9pPr>
           </a:lstStyle>
-          <a:p>
-            <a:endParaRPr/>
-          </a:p>
+          <a:p/>
         </p:txBody>
       </p:sp>
       <p:sp>
@@ -5449,9 +5659,7 @@
               <a:defRPr sz="1800"/>
             </a:lvl9pPr>
           </a:lstStyle>
-          <a:p>
-            <a:endParaRPr/>
-          </a:p>
+          <a:p/>
         </p:txBody>
       </p:sp>
       <p:sp>
@@ -5580,9 +5788,7 @@
               <a:defRPr sz="1800"/>
             </a:lvl9pPr>
           </a:lstStyle>
-          <a:p>
-            <a:endParaRPr/>
-          </a:p>
+          <a:p/>
         </p:txBody>
       </p:sp>
     </p:spTree>
@@ -5594,7 +5800,7 @@
 </file>
 
 <file path=ppt/slideLayouts/slideLayout18.xml><?xml version="1.0" encoding="utf-8"?>
-<p:sldLayout xmlns:a="http://schemas.openxmlformats.org/drawingml/2006/main" xmlns:r="http://schemas.openxmlformats.org/officeDocument/2006/relationships" xmlns:p="http://schemas.openxmlformats.org/presentationml/2006/main" matchingName="Title only" type="titleOnly">
+<p:sldLayout xmlns:a="http://schemas.openxmlformats.org/drawingml/2006/main" xmlns:r="http://schemas.openxmlformats.org/officeDocument/2006/relationships" xmlns:p="http://schemas.openxmlformats.org/presentationml/2006/main" type="titleOnly" matchingName="Title only">
   <p:cSld name="TITLE_ONLY">
     <p:spTree>
       <p:nvGrpSpPr>
@@ -5647,16 +5853,16 @@
                 <a:schemeClr val="dk1"/>
               </a:buClr>
               <a:buSzPts val="1400"/>
-              <a:buFont typeface="Arial"/>
+              <a:buFont typeface="Arial" panose="020B0604020202020204"/>
               <a:buNone/>
               <a:defRPr sz="3600" b="1">
                 <a:solidFill>
                   <a:schemeClr val="dk1"/>
                 </a:solidFill>
-                <a:latin typeface="Arial"/>
-                <a:ea typeface="Arial"/>
-                <a:cs typeface="Arial"/>
-                <a:sym typeface="Arial"/>
+                <a:latin typeface="Arial" panose="020B0604020202020204"/>
+                <a:ea typeface="Arial" panose="020B0604020202020204"/>
+                <a:cs typeface="Arial" panose="020B0604020202020204"/>
+                <a:sym typeface="Arial" panose="020B0604020202020204"/>
               </a:defRPr>
             </a:lvl1pPr>
             <a:lvl2pPr lvl="1" algn="l" rtl="0">
@@ -5670,16 +5876,16 @@
                 <a:schemeClr val="dk1"/>
               </a:buClr>
               <a:buSzPts val="1400"/>
-              <a:buFont typeface="Arial"/>
+              <a:buFont typeface="Arial" panose="020B0604020202020204"/>
               <a:buNone/>
               <a:defRPr sz="3600" b="1">
                 <a:solidFill>
                   <a:schemeClr val="dk1"/>
                 </a:solidFill>
-                <a:latin typeface="Arial"/>
-                <a:ea typeface="Arial"/>
-                <a:cs typeface="Arial"/>
-                <a:sym typeface="Arial"/>
+                <a:latin typeface="Arial" panose="020B0604020202020204"/>
+                <a:ea typeface="Arial" panose="020B0604020202020204"/>
+                <a:cs typeface="Arial" panose="020B0604020202020204"/>
+                <a:sym typeface="Arial" panose="020B0604020202020204"/>
               </a:defRPr>
             </a:lvl2pPr>
             <a:lvl3pPr lvl="2" algn="l" rtl="0">
@@ -5693,16 +5899,16 @@
                 <a:schemeClr val="dk1"/>
               </a:buClr>
               <a:buSzPts val="1400"/>
-              <a:buFont typeface="Arial"/>
+              <a:buFont typeface="Arial" panose="020B0604020202020204"/>
               <a:buNone/>
               <a:defRPr sz="3600" b="1">
                 <a:solidFill>
                   <a:schemeClr val="dk1"/>
                 </a:solidFill>
-                <a:latin typeface="Arial"/>
-                <a:ea typeface="Arial"/>
-                <a:cs typeface="Arial"/>
-                <a:sym typeface="Arial"/>
+                <a:latin typeface="Arial" panose="020B0604020202020204"/>
+                <a:ea typeface="Arial" panose="020B0604020202020204"/>
+                <a:cs typeface="Arial" panose="020B0604020202020204"/>
+                <a:sym typeface="Arial" panose="020B0604020202020204"/>
               </a:defRPr>
             </a:lvl3pPr>
             <a:lvl4pPr lvl="3" algn="l" rtl="0">
@@ -5716,16 +5922,16 @@
                 <a:schemeClr val="dk1"/>
               </a:buClr>
               <a:buSzPts val="1400"/>
-              <a:buFont typeface="Arial"/>
+              <a:buFont typeface="Arial" panose="020B0604020202020204"/>
               <a:buNone/>
               <a:defRPr sz="3600" b="1">
                 <a:solidFill>
                   <a:schemeClr val="dk1"/>
                 </a:solidFill>
-                <a:latin typeface="Arial"/>
-                <a:ea typeface="Arial"/>
-                <a:cs typeface="Arial"/>
-                <a:sym typeface="Arial"/>
+                <a:latin typeface="Arial" panose="020B0604020202020204"/>
+                <a:ea typeface="Arial" panose="020B0604020202020204"/>
+                <a:cs typeface="Arial" panose="020B0604020202020204"/>
+                <a:sym typeface="Arial" panose="020B0604020202020204"/>
               </a:defRPr>
             </a:lvl4pPr>
             <a:lvl5pPr lvl="4" algn="l" rtl="0">
@@ -5739,16 +5945,16 @@
                 <a:schemeClr val="dk1"/>
               </a:buClr>
               <a:buSzPts val="1400"/>
-              <a:buFont typeface="Arial"/>
+              <a:buFont typeface="Arial" panose="020B0604020202020204"/>
               <a:buNone/>
               <a:defRPr sz="3600" b="1">
                 <a:solidFill>
                   <a:schemeClr val="dk1"/>
                 </a:solidFill>
-                <a:latin typeface="Arial"/>
-                <a:ea typeface="Arial"/>
-                <a:cs typeface="Arial"/>
-                <a:sym typeface="Arial"/>
+                <a:latin typeface="Arial" panose="020B0604020202020204"/>
+                <a:ea typeface="Arial" panose="020B0604020202020204"/>
+                <a:cs typeface="Arial" panose="020B0604020202020204"/>
+                <a:sym typeface="Arial" panose="020B0604020202020204"/>
               </a:defRPr>
             </a:lvl5pPr>
             <a:lvl6pPr lvl="5" algn="l" rtl="0">
@@ -5762,16 +5968,16 @@
                 <a:schemeClr val="dk1"/>
               </a:buClr>
               <a:buSzPts val="1400"/>
-              <a:buFont typeface="Arial"/>
+              <a:buFont typeface="Arial" panose="020B0604020202020204"/>
               <a:buNone/>
               <a:defRPr sz="3600" b="1">
                 <a:solidFill>
                   <a:schemeClr val="dk1"/>
                 </a:solidFill>
-                <a:latin typeface="Arial"/>
-                <a:ea typeface="Arial"/>
-                <a:cs typeface="Arial"/>
-                <a:sym typeface="Arial"/>
+                <a:latin typeface="Arial" panose="020B0604020202020204"/>
+                <a:ea typeface="Arial" panose="020B0604020202020204"/>
+                <a:cs typeface="Arial" panose="020B0604020202020204"/>
+                <a:sym typeface="Arial" panose="020B0604020202020204"/>
               </a:defRPr>
             </a:lvl6pPr>
             <a:lvl7pPr lvl="6" algn="l" rtl="0">
@@ -5785,16 +5991,16 @@
                 <a:schemeClr val="dk1"/>
               </a:buClr>
               <a:buSzPts val="1400"/>
-              <a:buFont typeface="Arial"/>
+              <a:buFont typeface="Arial" panose="020B0604020202020204"/>
               <a:buNone/>
               <a:defRPr sz="3600" b="1">
                 <a:solidFill>
                   <a:schemeClr val="dk1"/>
                 </a:solidFill>
-                <a:latin typeface="Arial"/>
-                <a:ea typeface="Arial"/>
-                <a:cs typeface="Arial"/>
-                <a:sym typeface="Arial"/>
+                <a:latin typeface="Arial" panose="020B0604020202020204"/>
+                <a:ea typeface="Arial" panose="020B0604020202020204"/>
+                <a:cs typeface="Arial" panose="020B0604020202020204"/>
+                <a:sym typeface="Arial" panose="020B0604020202020204"/>
               </a:defRPr>
             </a:lvl7pPr>
             <a:lvl8pPr lvl="7" algn="l" rtl="0">
@@ -5808,16 +6014,16 @@
                 <a:schemeClr val="dk1"/>
               </a:buClr>
               <a:buSzPts val="1400"/>
-              <a:buFont typeface="Arial"/>
+              <a:buFont typeface="Arial" panose="020B0604020202020204"/>
               <a:buNone/>
               <a:defRPr sz="3600" b="1">
                 <a:solidFill>
                   <a:schemeClr val="dk1"/>
                 </a:solidFill>
-                <a:latin typeface="Arial"/>
-                <a:ea typeface="Arial"/>
-                <a:cs typeface="Arial"/>
-                <a:sym typeface="Arial"/>
+                <a:latin typeface="Arial" panose="020B0604020202020204"/>
+                <a:ea typeface="Arial" panose="020B0604020202020204"/>
+                <a:cs typeface="Arial" panose="020B0604020202020204"/>
+                <a:sym typeface="Arial" panose="020B0604020202020204"/>
               </a:defRPr>
             </a:lvl8pPr>
             <a:lvl9pPr lvl="8" algn="l" rtl="0">
@@ -5831,22 +6037,20 @@
                 <a:schemeClr val="dk1"/>
               </a:buClr>
               <a:buSzPts val="1400"/>
-              <a:buFont typeface="Arial"/>
+              <a:buFont typeface="Arial" panose="020B0604020202020204"/>
               <a:buNone/>
               <a:defRPr sz="3600" b="1">
                 <a:solidFill>
                   <a:schemeClr val="dk1"/>
                 </a:solidFill>
-                <a:latin typeface="Arial"/>
-                <a:ea typeface="Arial"/>
-                <a:cs typeface="Arial"/>
-                <a:sym typeface="Arial"/>
+                <a:latin typeface="Arial" panose="020B0604020202020204"/>
+                <a:ea typeface="Arial" panose="020B0604020202020204"/>
+                <a:cs typeface="Arial" panose="020B0604020202020204"/>
+                <a:sym typeface="Arial" panose="020B0604020202020204"/>
               </a:defRPr>
             </a:lvl9pPr>
           </a:lstStyle>
-          <a:p>
-            <a:endParaRPr/>
-          </a:p>
+          <a:p/>
         </p:txBody>
       </p:sp>
     </p:spTree>
@@ -5914,7 +6118,7 @@
                 <a:schemeClr val="dk1"/>
               </a:buClr>
               <a:buSzPts val="1400"/>
-              <a:buFont typeface="Arial"/>
+              <a:buFont typeface="Arial" panose="020B0604020202020204"/>
               <a:buChar char="●"/>
               <a:defRPr sz="1800">
                 <a:solidFill>
@@ -5936,7 +6140,7 @@
                 <a:schemeClr val="dk1"/>
               </a:buClr>
               <a:buSzPts val="1400"/>
-              <a:buFont typeface="Arial"/>
+              <a:buFont typeface="Arial" panose="020B0604020202020204"/>
               <a:buChar char="○"/>
               <a:defRPr sz="1800">
                 <a:solidFill>
@@ -5958,7 +6162,7 @@
                 <a:schemeClr val="dk1"/>
               </a:buClr>
               <a:buSzPts val="1400"/>
-              <a:buFont typeface="Arial"/>
+              <a:buFont typeface="Arial" panose="020B0604020202020204"/>
               <a:buChar char="■"/>
               <a:defRPr sz="1800">
                 <a:solidFill>
@@ -5980,7 +6184,7 @@
                 <a:schemeClr val="dk1"/>
               </a:buClr>
               <a:buSzPts val="1400"/>
-              <a:buFont typeface="Arial"/>
+              <a:buFont typeface="Arial" panose="020B0604020202020204"/>
               <a:buChar char="●"/>
               <a:defRPr sz="1800">
                 <a:solidFill>
@@ -6002,7 +6206,7 @@
                 <a:schemeClr val="dk1"/>
               </a:buClr>
               <a:buSzPts val="1400"/>
-              <a:buFont typeface="Arial"/>
+              <a:buFont typeface="Arial" panose="020B0604020202020204"/>
               <a:buChar char="○"/>
               <a:defRPr sz="1800">
                 <a:solidFill>
@@ -6024,7 +6228,7 @@
                 <a:schemeClr val="dk1"/>
               </a:buClr>
               <a:buSzPts val="1400"/>
-              <a:buFont typeface="Arial"/>
+              <a:buFont typeface="Arial" panose="020B0604020202020204"/>
               <a:buChar char="■"/>
               <a:defRPr sz="1800">
                 <a:solidFill>
@@ -6046,7 +6250,7 @@
                 <a:schemeClr val="dk1"/>
               </a:buClr>
               <a:buSzPts val="1400"/>
-              <a:buFont typeface="Arial"/>
+              <a:buFont typeface="Arial" panose="020B0604020202020204"/>
               <a:buChar char="●"/>
               <a:defRPr sz="1800">
                 <a:solidFill>
@@ -6068,7 +6272,7 @@
                 <a:schemeClr val="dk1"/>
               </a:buClr>
               <a:buSzPts val="1400"/>
-              <a:buFont typeface="Arial"/>
+              <a:buFont typeface="Arial" panose="020B0604020202020204"/>
               <a:buChar char="○"/>
               <a:defRPr sz="1800">
                 <a:solidFill>
@@ -6090,7 +6294,7 @@
                 <a:schemeClr val="dk1"/>
               </a:buClr>
               <a:buSzPts val="1400"/>
-              <a:buFont typeface="Arial"/>
+              <a:buFont typeface="Arial" panose="020B0604020202020204"/>
               <a:buChar char="■"/>
               <a:defRPr sz="1800">
                 <a:solidFill>
@@ -6099,9 +6303,7 @@
               </a:defRPr>
             </a:lvl9pPr>
           </a:lstStyle>
-          <a:p>
-            <a:endParaRPr/>
-          </a:p>
+          <a:p/>
         </p:txBody>
       </p:sp>
     </p:spTree>
@@ -6113,7 +6315,7 @@
 </file>
 
 <file path=ppt/slideLayouts/slideLayout2.xml><?xml version="1.0" encoding="utf-8"?>
-<p:sldLayout xmlns:a="http://schemas.openxmlformats.org/drawingml/2006/main" xmlns:r="http://schemas.openxmlformats.org/officeDocument/2006/relationships" xmlns:p="http://schemas.openxmlformats.org/presentationml/2006/main" matchingName="Section header" type="secHead">
+<p:sldLayout xmlns:a="http://schemas.openxmlformats.org/drawingml/2006/main" xmlns:r="http://schemas.openxmlformats.org/officeDocument/2006/relationships" xmlns:p="http://schemas.openxmlformats.org/presentationml/2006/main" type="secHead" matchingName="Section header">
   <p:cSld name="SECTION_HEADER">
     <p:spTree>
       <p:nvGrpSpPr>
@@ -6251,9 +6453,7 @@
               <a:defRPr sz="3600"/>
             </a:lvl9pPr>
           </a:lstStyle>
-          <a:p>
-            <a:endParaRPr/>
-          </a:p>
+          <a:p/>
         </p:txBody>
       </p:sp>
       <p:sp>
@@ -6328,10 +6528,9 @@
               <a:buNone/>
             </a:pPr>
             <a:fld id="{00000000-1234-1234-1234-123412341234}" type="slidenum">
-              <a:rPr lang="en"/>
-              <a:t>‹Nº›</a:t>
+              <a:rPr lang="en-GB"/>
             </a:fld>
-            <a:endParaRPr/>
+            <a:endParaRPr lang="en-GB"/>
           </a:p>
         </p:txBody>
       </p:sp>
@@ -6344,7 +6543,7 @@
 </file>
 
 <file path=ppt/slideLayouts/slideLayout20.xml><?xml version="1.0" encoding="utf-8"?>
-<p:sldLayout xmlns:a="http://schemas.openxmlformats.org/drawingml/2006/main" xmlns:r="http://schemas.openxmlformats.org/officeDocument/2006/relationships" xmlns:p="http://schemas.openxmlformats.org/presentationml/2006/main" matchingName="Blank" type="blank">
+<p:sldLayout xmlns:a="http://schemas.openxmlformats.org/drawingml/2006/main" xmlns:r="http://schemas.openxmlformats.org/officeDocument/2006/relationships" xmlns:p="http://schemas.openxmlformats.org/presentationml/2006/main" type="blank" matchingName="Blank">
   <p:cSld name="BLANK">
     <p:spTree>
       <p:nvGrpSpPr>
@@ -6369,7 +6568,7 @@
 </file>
 
 <file path=ppt/slideLayouts/slideLayout21.xml><?xml version="1.0" encoding="utf-8"?>
-<p:sldLayout xmlns:a="http://schemas.openxmlformats.org/drawingml/2006/main" xmlns:r="http://schemas.openxmlformats.org/officeDocument/2006/relationships" xmlns:p="http://schemas.openxmlformats.org/presentationml/2006/main" matchingName="OBJECT" type="obj">
+<p:sldLayout xmlns:a="http://schemas.openxmlformats.org/drawingml/2006/main" xmlns:r="http://schemas.openxmlformats.org/officeDocument/2006/relationships" xmlns:p="http://schemas.openxmlformats.org/presentationml/2006/main" type="obj" matchingName="OBJECT">
   <p:cSld name="OBJECT">
     <p:spTree>
       <p:nvGrpSpPr>
@@ -6411,7 +6610,7 @@
         <p:txBody>
           <a:bodyPr spcFirstLastPara="1" wrap="square" lIns="91425" tIns="91425" rIns="91425" bIns="91425" anchor="ctr" anchorCtr="0"/>
           <a:lstStyle>
-            <a:lvl1pPr marL="39687" lvl="0" algn="ctr" rtl="0">
+            <a:lvl1pPr marL="39370" lvl="0" algn="ctr" rtl="0">
               <a:spcBef>
                 <a:spcPts val="0"/>
               </a:spcBef>
@@ -6426,7 +6625,7 @@
                 </a:solidFill>
               </a:defRPr>
             </a:lvl1pPr>
-            <a:lvl2pPr marL="39687" lvl="1" algn="ctr" rtl="0">
+            <a:lvl2pPr marL="39370" lvl="1" algn="ctr" rtl="0">
               <a:spcBef>
                 <a:spcPts val="0"/>
               </a:spcBef>
@@ -6441,7 +6640,7 @@
                 </a:solidFill>
               </a:defRPr>
             </a:lvl2pPr>
-            <a:lvl3pPr marL="39687" lvl="2" algn="ctr" rtl="0">
+            <a:lvl3pPr marL="39370" lvl="2" algn="ctr" rtl="0">
               <a:spcBef>
                 <a:spcPts val="0"/>
               </a:spcBef>
@@ -6456,7 +6655,7 @@
                 </a:solidFill>
               </a:defRPr>
             </a:lvl3pPr>
-            <a:lvl4pPr marL="39687" lvl="3" algn="ctr" rtl="0">
+            <a:lvl4pPr marL="39370" lvl="3" algn="ctr" rtl="0">
               <a:spcBef>
                 <a:spcPts val="0"/>
               </a:spcBef>
@@ -6471,7 +6670,7 @@
                 </a:solidFill>
               </a:defRPr>
             </a:lvl4pPr>
-            <a:lvl5pPr marL="39687" lvl="4" algn="ctr" rtl="0">
+            <a:lvl5pPr marL="39370" lvl="4" algn="ctr" rtl="0">
               <a:spcBef>
                 <a:spcPts val="0"/>
               </a:spcBef>
@@ -6486,7 +6685,7 @@
                 </a:solidFill>
               </a:defRPr>
             </a:lvl5pPr>
-            <a:lvl6pPr marL="496887" lvl="5" algn="ctr" rtl="0">
+            <a:lvl6pPr marL="496570" lvl="5" algn="ctr" rtl="0">
               <a:spcBef>
                 <a:spcPts val="0"/>
               </a:spcBef>
@@ -6501,7 +6700,7 @@
                 </a:solidFill>
               </a:defRPr>
             </a:lvl6pPr>
-            <a:lvl7pPr marL="954087" lvl="6" algn="ctr" rtl="0">
+            <a:lvl7pPr marL="953770" lvl="6" algn="ctr" rtl="0">
               <a:spcBef>
                 <a:spcPts val="0"/>
               </a:spcBef>
@@ -6516,7 +6715,7 @@
                 </a:solidFill>
               </a:defRPr>
             </a:lvl7pPr>
-            <a:lvl8pPr marL="1411287" lvl="7" algn="ctr" rtl="0">
+            <a:lvl8pPr marL="1410970" lvl="7" algn="ctr" rtl="0">
               <a:spcBef>
                 <a:spcPts val="0"/>
               </a:spcBef>
@@ -6531,7 +6730,7 @@
                 </a:solidFill>
               </a:defRPr>
             </a:lvl8pPr>
-            <a:lvl9pPr marL="1868487" lvl="8" algn="ctr" rtl="0">
+            <a:lvl9pPr marL="1868170" lvl="8" algn="ctr" rtl="0">
               <a:spcBef>
                 <a:spcPts val="0"/>
               </a:spcBef>
@@ -6547,9 +6746,7 @@
               </a:defRPr>
             </a:lvl9pPr>
           </a:lstStyle>
-          <a:p>
-            <a:endParaRPr/>
-          </a:p>
+          <a:p/>
         </p:txBody>
       </p:sp>
       <p:sp>
@@ -6589,7 +6786,7 @@
                 <a:srgbClr val="000000"/>
               </a:buClr>
               <a:buSzPts val="1400"/>
-              <a:buFont typeface="Arial"/>
+              <a:buFont typeface="Arial" panose="020B0604020202020204"/>
               <a:buChar char="●"/>
               <a:defRPr sz="3200">
                 <a:solidFill>
@@ -6608,7 +6805,7 @@
                 <a:srgbClr val="000000"/>
               </a:buClr>
               <a:buSzPts val="1400"/>
-              <a:buFont typeface="Arial"/>
+              <a:buFont typeface="Arial" panose="020B0604020202020204"/>
               <a:buChar char="●"/>
               <a:defRPr sz="2800">
                 <a:solidFill>
@@ -6627,7 +6824,7 @@
                 <a:srgbClr val="000000"/>
               </a:buClr>
               <a:buSzPts val="1400"/>
-              <a:buFont typeface="Arial"/>
+              <a:buFont typeface="Arial" panose="020B0604020202020204"/>
               <a:buChar char="●"/>
               <a:defRPr sz="2400">
                 <a:solidFill>
@@ -6646,7 +6843,7 @@
                 <a:srgbClr val="000000"/>
               </a:buClr>
               <a:buSzPts val="1400"/>
-              <a:buFont typeface="Arial"/>
+              <a:buFont typeface="Arial" panose="020B0604020202020204"/>
               <a:buChar char="●"/>
               <a:defRPr sz="2000">
                 <a:solidFill>
@@ -6665,7 +6862,7 @@
                 <a:srgbClr val="000000"/>
               </a:buClr>
               <a:buSzPts val="1400"/>
-              <a:buFont typeface="Arial"/>
+              <a:buFont typeface="Arial" panose="020B0604020202020204"/>
               <a:buChar char="●"/>
               <a:defRPr sz="2000">
                 <a:solidFill>
@@ -6684,7 +6881,7 @@
                 <a:srgbClr val="000000"/>
               </a:buClr>
               <a:buSzPts val="1400"/>
-              <a:buFont typeface="Arial"/>
+              <a:buFont typeface="Arial" panose="020B0604020202020204"/>
               <a:buChar char="●"/>
               <a:defRPr sz="2000">
                 <a:solidFill>
@@ -6703,7 +6900,7 @@
                 <a:srgbClr val="000000"/>
               </a:buClr>
               <a:buSzPts val="1400"/>
-              <a:buFont typeface="Arial"/>
+              <a:buFont typeface="Arial" panose="020B0604020202020204"/>
               <a:buChar char="●"/>
               <a:defRPr sz="2000">
                 <a:solidFill>
@@ -6722,7 +6919,7 @@
                 <a:srgbClr val="000000"/>
               </a:buClr>
               <a:buSzPts val="1400"/>
-              <a:buFont typeface="Arial"/>
+              <a:buFont typeface="Arial" panose="020B0604020202020204"/>
               <a:buChar char="●"/>
               <a:defRPr sz="2000">
                 <a:solidFill>
@@ -6741,7 +6938,7 @@
                 <a:srgbClr val="000000"/>
               </a:buClr>
               <a:buSzPts val="1400"/>
-              <a:buFont typeface="Arial"/>
+              <a:buFont typeface="Arial" panose="020B0604020202020204"/>
               <a:buChar char="●"/>
               <a:defRPr sz="2000">
                 <a:solidFill>
@@ -6750,9 +6947,7 @@
               </a:defRPr>
             </a:lvl9pPr>
           </a:lstStyle>
-          <a:p>
-            <a:endParaRPr/>
-          </a:p>
+          <a:p/>
         </p:txBody>
       </p:sp>
       <p:sp>
@@ -6798,10 +6993,10 @@
                 <a:solidFill>
                   <a:srgbClr val="898989"/>
                 </a:solidFill>
-                <a:latin typeface="Arial"/>
-                <a:ea typeface="Arial"/>
-                <a:cs typeface="Arial"/>
-                <a:sym typeface="Arial"/>
+                <a:latin typeface="Arial" panose="020B0604020202020204"/>
+                <a:ea typeface="Arial" panose="020B0604020202020204"/>
+                <a:cs typeface="Arial" panose="020B0604020202020204"/>
+                <a:sym typeface="Arial" panose="020B0604020202020204"/>
               </a:defRPr>
             </a:lvl1pPr>
             <a:lvl2pPr marL="0" marR="0" lvl="1" indent="0" algn="ctr" rtl="0">
@@ -6819,10 +7014,10 @@
                 <a:solidFill>
                   <a:srgbClr val="898989"/>
                 </a:solidFill>
-                <a:latin typeface="Arial"/>
-                <a:ea typeface="Arial"/>
-                <a:cs typeface="Arial"/>
-                <a:sym typeface="Arial"/>
+                <a:latin typeface="Arial" panose="020B0604020202020204"/>
+                <a:ea typeface="Arial" panose="020B0604020202020204"/>
+                <a:cs typeface="Arial" panose="020B0604020202020204"/>
+                <a:sym typeface="Arial" panose="020B0604020202020204"/>
               </a:defRPr>
             </a:lvl2pPr>
             <a:lvl3pPr marL="0" marR="0" lvl="2" indent="0" algn="ctr" rtl="0">
@@ -6840,10 +7035,10 @@
                 <a:solidFill>
                   <a:srgbClr val="898989"/>
                 </a:solidFill>
-                <a:latin typeface="Arial"/>
-                <a:ea typeface="Arial"/>
-                <a:cs typeface="Arial"/>
-                <a:sym typeface="Arial"/>
+                <a:latin typeface="Arial" panose="020B0604020202020204"/>
+                <a:ea typeface="Arial" panose="020B0604020202020204"/>
+                <a:cs typeface="Arial" panose="020B0604020202020204"/>
+                <a:sym typeface="Arial" panose="020B0604020202020204"/>
               </a:defRPr>
             </a:lvl3pPr>
             <a:lvl4pPr marL="0" marR="0" lvl="3" indent="0" algn="ctr" rtl="0">
@@ -6861,10 +7056,10 @@
                 <a:solidFill>
                   <a:srgbClr val="898989"/>
                 </a:solidFill>
-                <a:latin typeface="Arial"/>
-                <a:ea typeface="Arial"/>
-                <a:cs typeface="Arial"/>
-                <a:sym typeface="Arial"/>
+                <a:latin typeface="Arial" panose="020B0604020202020204"/>
+                <a:ea typeface="Arial" panose="020B0604020202020204"/>
+                <a:cs typeface="Arial" panose="020B0604020202020204"/>
+                <a:sym typeface="Arial" panose="020B0604020202020204"/>
               </a:defRPr>
             </a:lvl4pPr>
             <a:lvl5pPr marL="0" marR="0" lvl="4" indent="0" algn="ctr" rtl="0">
@@ -6882,10 +7077,10 @@
                 <a:solidFill>
                   <a:srgbClr val="898989"/>
                 </a:solidFill>
-                <a:latin typeface="Arial"/>
-                <a:ea typeface="Arial"/>
-                <a:cs typeface="Arial"/>
-                <a:sym typeface="Arial"/>
+                <a:latin typeface="Arial" panose="020B0604020202020204"/>
+                <a:ea typeface="Arial" panose="020B0604020202020204"/>
+                <a:cs typeface="Arial" panose="020B0604020202020204"/>
+                <a:sym typeface="Arial" panose="020B0604020202020204"/>
               </a:defRPr>
             </a:lvl5pPr>
             <a:lvl6pPr marL="0" marR="0" lvl="5" indent="0" algn="ctr" rtl="0">
@@ -6903,10 +7098,10 @@
                 <a:solidFill>
                   <a:srgbClr val="898989"/>
                 </a:solidFill>
-                <a:latin typeface="Arial"/>
-                <a:ea typeface="Arial"/>
-                <a:cs typeface="Arial"/>
-                <a:sym typeface="Arial"/>
+                <a:latin typeface="Arial" panose="020B0604020202020204"/>
+                <a:ea typeface="Arial" panose="020B0604020202020204"/>
+                <a:cs typeface="Arial" panose="020B0604020202020204"/>
+                <a:sym typeface="Arial" panose="020B0604020202020204"/>
               </a:defRPr>
             </a:lvl6pPr>
             <a:lvl7pPr marL="0" marR="0" lvl="6" indent="0" algn="ctr" rtl="0">
@@ -6924,10 +7119,10 @@
                 <a:solidFill>
                   <a:srgbClr val="898989"/>
                 </a:solidFill>
-                <a:latin typeface="Arial"/>
-                <a:ea typeface="Arial"/>
-                <a:cs typeface="Arial"/>
-                <a:sym typeface="Arial"/>
+                <a:latin typeface="Arial" panose="020B0604020202020204"/>
+                <a:ea typeface="Arial" panose="020B0604020202020204"/>
+                <a:cs typeface="Arial" panose="020B0604020202020204"/>
+                <a:sym typeface="Arial" panose="020B0604020202020204"/>
               </a:defRPr>
             </a:lvl7pPr>
             <a:lvl8pPr marL="0" marR="0" lvl="7" indent="0" algn="ctr" rtl="0">
@@ -6945,10 +7140,10 @@
                 <a:solidFill>
                   <a:srgbClr val="898989"/>
                 </a:solidFill>
-                <a:latin typeface="Arial"/>
-                <a:ea typeface="Arial"/>
-                <a:cs typeface="Arial"/>
-                <a:sym typeface="Arial"/>
+                <a:latin typeface="Arial" panose="020B0604020202020204"/>
+                <a:ea typeface="Arial" panose="020B0604020202020204"/>
+                <a:cs typeface="Arial" panose="020B0604020202020204"/>
+                <a:sym typeface="Arial" panose="020B0604020202020204"/>
               </a:defRPr>
             </a:lvl8pPr>
             <a:lvl9pPr marL="0" marR="0" lvl="8" indent="0" algn="ctr" rtl="0">
@@ -6966,10 +7161,10 @@
                 <a:solidFill>
                   <a:srgbClr val="898989"/>
                 </a:solidFill>
-                <a:latin typeface="Arial"/>
-                <a:ea typeface="Arial"/>
-                <a:cs typeface="Arial"/>
-                <a:sym typeface="Arial"/>
+                <a:latin typeface="Arial" panose="020B0604020202020204"/>
+                <a:ea typeface="Arial" panose="020B0604020202020204"/>
+                <a:cs typeface="Arial" panose="020B0604020202020204"/>
+                <a:sym typeface="Arial" panose="020B0604020202020204"/>
               </a:defRPr>
             </a:lvl9pPr>
           </a:lstStyle>
@@ -6985,10 +7180,9 @@
                 <a:srgbClr val="898989"/>
               </a:buClr>
               <a:buSzPts val="1400"/>
-              <a:buFont typeface="Arial"/>
+              <a:buFont typeface="Arial" panose="020B0604020202020204"/>
               <a:buNone/>
             </a:pPr>
-            <a:endParaRPr/>
           </a:p>
           <a:p>
             <a:pPr marL="457200" lvl="1" indent="0" algn="l" rtl="0">
@@ -7002,7 +7196,7 @@
                 <a:schemeClr val="dk1"/>
               </a:buClr>
               <a:buSzPts val="1400"/>
-              <a:buFont typeface="Arial"/>
+              <a:buFont typeface="Arial" panose="020B0604020202020204"/>
               <a:buNone/>
             </a:pPr>
             <a:endParaRPr sz="1800">
@@ -7023,7 +7217,7 @@
                 <a:schemeClr val="dk1"/>
               </a:buClr>
               <a:buSzPts val="1400"/>
-              <a:buFont typeface="Arial"/>
+              <a:buFont typeface="Arial" panose="020B0604020202020204"/>
               <a:buNone/>
             </a:pPr>
             <a:endParaRPr sz="1800">
@@ -7044,7 +7238,7 @@
                 <a:schemeClr val="dk1"/>
               </a:buClr>
               <a:buSzPts val="1400"/>
-              <a:buFont typeface="Arial"/>
+              <a:buFont typeface="Arial" panose="020B0604020202020204"/>
               <a:buNone/>
             </a:pPr>
             <a:endParaRPr sz="1800">
@@ -7065,7 +7259,7 @@
                 <a:schemeClr val="dk1"/>
               </a:buClr>
               <a:buSzPts val="1400"/>
-              <a:buFont typeface="Arial"/>
+              <a:buFont typeface="Arial" panose="020B0604020202020204"/>
               <a:buNone/>
             </a:pPr>
             <a:endParaRPr sz="1800">
@@ -7086,7 +7280,7 @@
                 <a:schemeClr val="dk1"/>
               </a:buClr>
               <a:buSzPts val="1400"/>
-              <a:buFont typeface="Arial"/>
+              <a:buFont typeface="Arial" panose="020B0604020202020204"/>
               <a:buNone/>
             </a:pPr>
             <a:endParaRPr sz="1800">
@@ -7107,7 +7301,7 @@
                 <a:schemeClr val="dk1"/>
               </a:buClr>
               <a:buSzPts val="1400"/>
-              <a:buFont typeface="Arial"/>
+              <a:buFont typeface="Arial" panose="020B0604020202020204"/>
               <a:buNone/>
             </a:pPr>
             <a:endParaRPr sz="1800">
@@ -7128,7 +7322,7 @@
                 <a:schemeClr val="dk1"/>
               </a:buClr>
               <a:buSzPts val="1400"/>
-              <a:buFont typeface="Arial"/>
+              <a:buFont typeface="Arial" panose="020B0604020202020204"/>
               <a:buNone/>
             </a:pPr>
             <a:endParaRPr sz="1800">
@@ -7149,7 +7343,7 @@
                 <a:schemeClr val="dk1"/>
               </a:buClr>
               <a:buSzPts val="1400"/>
-              <a:buFont typeface="Arial"/>
+              <a:buFont typeface="Arial" panose="020B0604020202020204"/>
               <a:buNone/>
             </a:pPr>
             <a:endParaRPr sz="1800">
@@ -7192,9 +7386,7 @@
           <p:nvPr/>
         </p:nvPicPr>
         <p:blipFill>
-          <a:blip r:embed="rId2">
-            <a:alphaModFix/>
-          </a:blip>
+          <a:blip r:embed="rId2"/>
           <a:stretch>
             <a:fillRect/>
           </a:stretch>
@@ -7252,10 +7444,10 @@
                 <a:solidFill>
                   <a:schemeClr val="dk1"/>
                 </a:solidFill>
-                <a:latin typeface="Calibri"/>
-                <a:ea typeface="Calibri"/>
-                <a:cs typeface="Calibri"/>
-                <a:sym typeface="Calibri"/>
+                <a:latin typeface="Calibri" panose="020F0502020204030204"/>
+                <a:ea typeface="Calibri" panose="020F0502020204030204"/>
+                <a:cs typeface="Calibri" panose="020F0502020204030204"/>
+                <a:sym typeface="Calibri" panose="020F0502020204030204"/>
               </a:defRPr>
             </a:lvl1pPr>
             <a:lvl2pPr lvl="1" algn="ctr" rtl="0">
@@ -7271,10 +7463,10 @@
                 <a:solidFill>
                   <a:schemeClr val="dk1"/>
                 </a:solidFill>
-                <a:latin typeface="Calibri"/>
-                <a:ea typeface="Calibri"/>
-                <a:cs typeface="Calibri"/>
-                <a:sym typeface="Calibri"/>
+                <a:latin typeface="Calibri" panose="020F0502020204030204"/>
+                <a:ea typeface="Calibri" panose="020F0502020204030204"/>
+                <a:cs typeface="Calibri" panose="020F0502020204030204"/>
+                <a:sym typeface="Calibri" panose="020F0502020204030204"/>
               </a:defRPr>
             </a:lvl2pPr>
             <a:lvl3pPr lvl="2" algn="ctr" rtl="0">
@@ -7290,10 +7482,10 @@
                 <a:solidFill>
                   <a:schemeClr val="dk1"/>
                 </a:solidFill>
-                <a:latin typeface="Calibri"/>
-                <a:ea typeface="Calibri"/>
-                <a:cs typeface="Calibri"/>
-                <a:sym typeface="Calibri"/>
+                <a:latin typeface="Calibri" panose="020F0502020204030204"/>
+                <a:ea typeface="Calibri" panose="020F0502020204030204"/>
+                <a:cs typeface="Calibri" panose="020F0502020204030204"/>
+                <a:sym typeface="Calibri" panose="020F0502020204030204"/>
               </a:defRPr>
             </a:lvl3pPr>
             <a:lvl4pPr lvl="3" algn="ctr" rtl="0">
@@ -7309,10 +7501,10 @@
                 <a:solidFill>
                   <a:schemeClr val="dk1"/>
                 </a:solidFill>
-                <a:latin typeface="Calibri"/>
-                <a:ea typeface="Calibri"/>
-                <a:cs typeface="Calibri"/>
-                <a:sym typeface="Calibri"/>
+                <a:latin typeface="Calibri" panose="020F0502020204030204"/>
+                <a:ea typeface="Calibri" panose="020F0502020204030204"/>
+                <a:cs typeface="Calibri" panose="020F0502020204030204"/>
+                <a:sym typeface="Calibri" panose="020F0502020204030204"/>
               </a:defRPr>
             </a:lvl4pPr>
             <a:lvl5pPr lvl="4" algn="ctr" rtl="0">
@@ -7328,10 +7520,10 @@
                 <a:solidFill>
                   <a:schemeClr val="dk1"/>
                 </a:solidFill>
-                <a:latin typeface="Calibri"/>
-                <a:ea typeface="Calibri"/>
-                <a:cs typeface="Calibri"/>
-                <a:sym typeface="Calibri"/>
+                <a:latin typeface="Calibri" panose="020F0502020204030204"/>
+                <a:ea typeface="Calibri" panose="020F0502020204030204"/>
+                <a:cs typeface="Calibri" panose="020F0502020204030204"/>
+                <a:sym typeface="Calibri" panose="020F0502020204030204"/>
               </a:defRPr>
             </a:lvl5pPr>
             <a:lvl6pPr marL="393700" lvl="5" algn="ctr" rtl="0">
@@ -7347,10 +7539,10 @@
                 <a:solidFill>
                   <a:schemeClr val="dk1"/>
                 </a:solidFill>
-                <a:latin typeface="Calibri"/>
-                <a:ea typeface="Calibri"/>
-                <a:cs typeface="Calibri"/>
-                <a:sym typeface="Calibri"/>
+                <a:latin typeface="Calibri" panose="020F0502020204030204"/>
+                <a:ea typeface="Calibri" panose="020F0502020204030204"/>
+                <a:cs typeface="Calibri" panose="020F0502020204030204"/>
+                <a:sym typeface="Calibri" panose="020F0502020204030204"/>
               </a:defRPr>
             </a:lvl6pPr>
             <a:lvl7pPr marL="787400" lvl="6" algn="ctr" rtl="0">
@@ -7366,10 +7558,10 @@
                 <a:solidFill>
                   <a:schemeClr val="dk1"/>
                 </a:solidFill>
-                <a:latin typeface="Calibri"/>
-                <a:ea typeface="Calibri"/>
-                <a:cs typeface="Calibri"/>
-                <a:sym typeface="Calibri"/>
+                <a:latin typeface="Calibri" panose="020F0502020204030204"/>
+                <a:ea typeface="Calibri" panose="020F0502020204030204"/>
+                <a:cs typeface="Calibri" panose="020F0502020204030204"/>
+                <a:sym typeface="Calibri" panose="020F0502020204030204"/>
               </a:defRPr>
             </a:lvl7pPr>
             <a:lvl8pPr marL="1168400" lvl="7" algn="ctr" rtl="0">
@@ -7385,10 +7577,10 @@
                 <a:solidFill>
                   <a:schemeClr val="dk1"/>
                 </a:solidFill>
-                <a:latin typeface="Calibri"/>
-                <a:ea typeface="Calibri"/>
-                <a:cs typeface="Calibri"/>
-                <a:sym typeface="Calibri"/>
+                <a:latin typeface="Calibri" panose="020F0502020204030204"/>
+                <a:ea typeface="Calibri" panose="020F0502020204030204"/>
+                <a:cs typeface="Calibri" panose="020F0502020204030204"/>
+                <a:sym typeface="Calibri" panose="020F0502020204030204"/>
               </a:defRPr>
             </a:lvl8pPr>
             <a:lvl9pPr marL="1562100" lvl="8" algn="ctr" rtl="0">
@@ -7404,16 +7596,14 @@
                 <a:solidFill>
                   <a:schemeClr val="dk1"/>
                 </a:solidFill>
-                <a:latin typeface="Calibri"/>
-                <a:ea typeface="Calibri"/>
-                <a:cs typeface="Calibri"/>
-                <a:sym typeface="Calibri"/>
+                <a:latin typeface="Calibri" panose="020F0502020204030204"/>
+                <a:ea typeface="Calibri" panose="020F0502020204030204"/>
+                <a:cs typeface="Calibri" panose="020F0502020204030204"/>
+                <a:sym typeface="Calibri" panose="020F0502020204030204"/>
               </a:defRPr>
             </a:lvl9pPr>
           </a:lstStyle>
-          <a:p>
-            <a:endParaRPr/>
-          </a:p>
+          <a:p/>
         </p:txBody>
       </p:sp>
       <p:sp>
@@ -7456,16 +7646,16 @@
                 <a:srgbClr val="888888"/>
               </a:buClr>
               <a:buSzPts val="1200"/>
-              <a:buFont typeface="Calibri"/>
+              <a:buFont typeface="Calibri" panose="020F0502020204030204"/>
               <a:buNone/>
               <a:defRPr sz="1100" b="0" i="0" u="none" strike="noStrike" cap="none">
                 <a:solidFill>
                   <a:srgbClr val="888888"/>
                 </a:solidFill>
-                <a:latin typeface="Calibri"/>
-                <a:ea typeface="Calibri"/>
-                <a:cs typeface="Calibri"/>
-                <a:sym typeface="Calibri"/>
+                <a:latin typeface="Calibri" panose="020F0502020204030204"/>
+                <a:ea typeface="Calibri" panose="020F0502020204030204"/>
+                <a:cs typeface="Calibri" panose="020F0502020204030204"/>
+                <a:sym typeface="Calibri" panose="020F0502020204030204"/>
               </a:defRPr>
             </a:lvl1pPr>
             <a:lvl2pPr marL="419100" marR="0" lvl="1" indent="-12700" algn="l" rtl="0">
@@ -7482,16 +7672,16 @@
                 <a:schemeClr val="dk1"/>
               </a:buClr>
               <a:buSzPts val="1200"/>
-              <a:buFont typeface="Calibri"/>
+              <a:buFont typeface="Calibri" panose="020F0502020204030204"/>
               <a:buNone/>
               <a:defRPr sz="1600" b="0" i="0" u="none" strike="noStrike" cap="none">
                 <a:solidFill>
                   <a:schemeClr val="dk1"/>
                 </a:solidFill>
-                <a:latin typeface="Calibri"/>
-                <a:ea typeface="Calibri"/>
-                <a:cs typeface="Calibri"/>
-                <a:sym typeface="Calibri"/>
+                <a:latin typeface="Calibri" panose="020F0502020204030204"/>
+                <a:ea typeface="Calibri" panose="020F0502020204030204"/>
+                <a:cs typeface="Calibri" panose="020F0502020204030204"/>
+                <a:sym typeface="Calibri" panose="020F0502020204030204"/>
               </a:defRPr>
             </a:lvl2pPr>
             <a:lvl3pPr marL="838200" marR="0" lvl="2" indent="-12700" algn="l" rtl="0">
@@ -7508,16 +7698,16 @@
                 <a:schemeClr val="dk1"/>
               </a:buClr>
               <a:buSzPts val="1200"/>
-              <a:buFont typeface="Calibri"/>
+              <a:buFont typeface="Calibri" panose="020F0502020204030204"/>
               <a:buNone/>
               <a:defRPr sz="1600" b="0" i="0" u="none" strike="noStrike" cap="none">
                 <a:solidFill>
                   <a:schemeClr val="dk1"/>
                 </a:solidFill>
-                <a:latin typeface="Calibri"/>
-                <a:ea typeface="Calibri"/>
-                <a:cs typeface="Calibri"/>
-                <a:sym typeface="Calibri"/>
+                <a:latin typeface="Calibri" panose="020F0502020204030204"/>
+                <a:ea typeface="Calibri" panose="020F0502020204030204"/>
+                <a:cs typeface="Calibri" panose="020F0502020204030204"/>
+                <a:sym typeface="Calibri" panose="020F0502020204030204"/>
               </a:defRPr>
             </a:lvl3pPr>
             <a:lvl4pPr marL="1244600" marR="0" lvl="3" indent="0" algn="l" rtl="0">
@@ -7534,16 +7724,16 @@
                 <a:schemeClr val="dk1"/>
               </a:buClr>
               <a:buSzPts val="1200"/>
-              <a:buFont typeface="Calibri"/>
+              <a:buFont typeface="Calibri" panose="020F0502020204030204"/>
               <a:buNone/>
               <a:defRPr sz="1600" b="0" i="0" u="none" strike="noStrike" cap="none">
                 <a:solidFill>
                   <a:schemeClr val="dk1"/>
                 </a:solidFill>
-                <a:latin typeface="Calibri"/>
-                <a:ea typeface="Calibri"/>
-                <a:cs typeface="Calibri"/>
-                <a:sym typeface="Calibri"/>
+                <a:latin typeface="Calibri" panose="020F0502020204030204"/>
+                <a:ea typeface="Calibri" panose="020F0502020204030204"/>
+                <a:cs typeface="Calibri" panose="020F0502020204030204"/>
+                <a:sym typeface="Calibri" panose="020F0502020204030204"/>
               </a:defRPr>
             </a:lvl4pPr>
             <a:lvl5pPr marL="1663700" marR="0" lvl="4" indent="0" algn="l" rtl="0">
@@ -7560,16 +7750,16 @@
                 <a:schemeClr val="dk1"/>
               </a:buClr>
               <a:buSzPts val="1200"/>
-              <a:buFont typeface="Calibri"/>
+              <a:buFont typeface="Calibri" panose="020F0502020204030204"/>
               <a:buNone/>
               <a:defRPr sz="1600" b="0" i="0" u="none" strike="noStrike" cap="none">
                 <a:solidFill>
                   <a:schemeClr val="dk1"/>
                 </a:solidFill>
-                <a:latin typeface="Calibri"/>
-                <a:ea typeface="Calibri"/>
-                <a:cs typeface="Calibri"/>
-                <a:sym typeface="Calibri"/>
+                <a:latin typeface="Calibri" panose="020F0502020204030204"/>
+                <a:ea typeface="Calibri" panose="020F0502020204030204"/>
+                <a:cs typeface="Calibri" panose="020F0502020204030204"/>
+                <a:sym typeface="Calibri" panose="020F0502020204030204"/>
               </a:defRPr>
             </a:lvl5pPr>
             <a:lvl6pPr marL="2082800" marR="0" lvl="5" indent="-12700" algn="l" rtl="0">
@@ -7586,16 +7776,16 @@
                 <a:schemeClr val="dk1"/>
               </a:buClr>
               <a:buSzPts val="1200"/>
-              <a:buFont typeface="Calibri"/>
+              <a:buFont typeface="Calibri" panose="020F0502020204030204"/>
               <a:buNone/>
               <a:defRPr sz="1600" b="0" i="0" u="none" strike="noStrike" cap="none">
                 <a:solidFill>
                   <a:schemeClr val="dk1"/>
                 </a:solidFill>
-                <a:latin typeface="Calibri"/>
-                <a:ea typeface="Calibri"/>
-                <a:cs typeface="Calibri"/>
-                <a:sym typeface="Calibri"/>
+                <a:latin typeface="Calibri" panose="020F0502020204030204"/>
+                <a:ea typeface="Calibri" panose="020F0502020204030204"/>
+                <a:cs typeface="Calibri" panose="020F0502020204030204"/>
+                <a:sym typeface="Calibri" panose="020F0502020204030204"/>
               </a:defRPr>
             </a:lvl6pPr>
             <a:lvl7pPr marL="2501900" marR="0" lvl="6" indent="-12700" algn="l" rtl="0">
@@ -7612,16 +7802,16 @@
                 <a:schemeClr val="dk1"/>
               </a:buClr>
               <a:buSzPts val="1200"/>
-              <a:buFont typeface="Calibri"/>
+              <a:buFont typeface="Calibri" panose="020F0502020204030204"/>
               <a:buNone/>
               <a:defRPr sz="1600" b="0" i="0" u="none" strike="noStrike" cap="none">
                 <a:solidFill>
                   <a:schemeClr val="dk1"/>
                 </a:solidFill>
-                <a:latin typeface="Calibri"/>
-                <a:ea typeface="Calibri"/>
-                <a:cs typeface="Calibri"/>
-                <a:sym typeface="Calibri"/>
+                <a:latin typeface="Calibri" panose="020F0502020204030204"/>
+                <a:ea typeface="Calibri" panose="020F0502020204030204"/>
+                <a:cs typeface="Calibri" panose="020F0502020204030204"/>
+                <a:sym typeface="Calibri" panose="020F0502020204030204"/>
               </a:defRPr>
             </a:lvl7pPr>
             <a:lvl8pPr marL="2908300" marR="0" lvl="7" indent="0" algn="l" rtl="0">
@@ -7638,16 +7828,16 @@
                 <a:schemeClr val="dk1"/>
               </a:buClr>
               <a:buSzPts val="1200"/>
-              <a:buFont typeface="Calibri"/>
+              <a:buFont typeface="Calibri" panose="020F0502020204030204"/>
               <a:buNone/>
               <a:defRPr sz="1600" b="0" i="0" u="none" strike="noStrike" cap="none">
                 <a:solidFill>
                   <a:schemeClr val="dk1"/>
                 </a:solidFill>
-                <a:latin typeface="Calibri"/>
-                <a:ea typeface="Calibri"/>
-                <a:cs typeface="Calibri"/>
-                <a:sym typeface="Calibri"/>
+                <a:latin typeface="Calibri" panose="020F0502020204030204"/>
+                <a:ea typeface="Calibri" panose="020F0502020204030204"/>
+                <a:cs typeface="Calibri" panose="020F0502020204030204"/>
+                <a:sym typeface="Calibri" panose="020F0502020204030204"/>
               </a:defRPr>
             </a:lvl8pPr>
             <a:lvl9pPr marL="3327400" marR="0" lvl="8" indent="-12700" algn="l" rtl="0">
@@ -7664,22 +7854,20 @@
                 <a:schemeClr val="dk1"/>
               </a:buClr>
               <a:buSzPts val="1200"/>
-              <a:buFont typeface="Calibri"/>
+              <a:buFont typeface="Calibri" panose="020F0502020204030204"/>
               <a:buNone/>
               <a:defRPr sz="1600" b="0" i="0" u="none" strike="noStrike" cap="none">
                 <a:solidFill>
                   <a:schemeClr val="dk1"/>
                 </a:solidFill>
-                <a:latin typeface="Calibri"/>
-                <a:ea typeface="Calibri"/>
-                <a:cs typeface="Calibri"/>
-                <a:sym typeface="Calibri"/>
+                <a:latin typeface="Calibri" panose="020F0502020204030204"/>
+                <a:ea typeface="Calibri" panose="020F0502020204030204"/>
+                <a:cs typeface="Calibri" panose="020F0502020204030204"/>
+                <a:sym typeface="Calibri" panose="020F0502020204030204"/>
               </a:defRPr>
             </a:lvl9pPr>
           </a:lstStyle>
-          <a:p>
-            <a:endParaRPr/>
-          </a:p>
+          <a:p/>
         </p:txBody>
       </p:sp>
       <p:sp>
@@ -7722,16 +7910,16 @@
                 <a:srgbClr val="888888"/>
               </a:buClr>
               <a:buSzPts val="1200"/>
-              <a:buFont typeface="Calibri"/>
+              <a:buFont typeface="Calibri" panose="020F0502020204030204"/>
               <a:buNone/>
               <a:defRPr sz="1100" b="0" i="0" u="none" strike="noStrike" cap="none">
                 <a:solidFill>
                   <a:srgbClr val="888888"/>
                 </a:solidFill>
-                <a:latin typeface="Calibri"/>
-                <a:ea typeface="Calibri"/>
-                <a:cs typeface="Calibri"/>
-                <a:sym typeface="Calibri"/>
+                <a:latin typeface="Calibri" panose="020F0502020204030204"/>
+                <a:ea typeface="Calibri" panose="020F0502020204030204"/>
+                <a:cs typeface="Calibri" panose="020F0502020204030204"/>
+                <a:sym typeface="Calibri" panose="020F0502020204030204"/>
               </a:defRPr>
             </a:lvl1pPr>
             <a:lvl2pPr marL="419100" marR="0" lvl="1" indent="-12700" algn="l" rtl="0">
@@ -7748,16 +7936,16 @@
                 <a:schemeClr val="dk1"/>
               </a:buClr>
               <a:buSzPts val="1200"/>
-              <a:buFont typeface="Calibri"/>
+              <a:buFont typeface="Calibri" panose="020F0502020204030204"/>
               <a:buNone/>
               <a:defRPr sz="1600" b="0" i="0" u="none" strike="noStrike" cap="none">
                 <a:solidFill>
                   <a:schemeClr val="dk1"/>
                 </a:solidFill>
-                <a:latin typeface="Calibri"/>
-                <a:ea typeface="Calibri"/>
-                <a:cs typeface="Calibri"/>
-                <a:sym typeface="Calibri"/>
+                <a:latin typeface="Calibri" panose="020F0502020204030204"/>
+                <a:ea typeface="Calibri" panose="020F0502020204030204"/>
+                <a:cs typeface="Calibri" panose="020F0502020204030204"/>
+                <a:sym typeface="Calibri" panose="020F0502020204030204"/>
               </a:defRPr>
             </a:lvl2pPr>
             <a:lvl3pPr marL="838200" marR="0" lvl="2" indent="-12700" algn="l" rtl="0">
@@ -7774,16 +7962,16 @@
                 <a:schemeClr val="dk1"/>
               </a:buClr>
               <a:buSzPts val="1200"/>
-              <a:buFont typeface="Calibri"/>
+              <a:buFont typeface="Calibri" panose="020F0502020204030204"/>
               <a:buNone/>
               <a:defRPr sz="1600" b="0" i="0" u="none" strike="noStrike" cap="none">
                 <a:solidFill>
                   <a:schemeClr val="dk1"/>
                 </a:solidFill>
-                <a:latin typeface="Calibri"/>
-                <a:ea typeface="Calibri"/>
-                <a:cs typeface="Calibri"/>
-                <a:sym typeface="Calibri"/>
+                <a:latin typeface="Calibri" panose="020F0502020204030204"/>
+                <a:ea typeface="Calibri" panose="020F0502020204030204"/>
+                <a:cs typeface="Calibri" panose="020F0502020204030204"/>
+                <a:sym typeface="Calibri" panose="020F0502020204030204"/>
               </a:defRPr>
             </a:lvl3pPr>
             <a:lvl4pPr marL="1244600" marR="0" lvl="3" indent="0" algn="l" rtl="0">
@@ -7800,16 +7988,16 @@
                 <a:schemeClr val="dk1"/>
               </a:buClr>
               <a:buSzPts val="1200"/>
-              <a:buFont typeface="Calibri"/>
+              <a:buFont typeface="Calibri" panose="020F0502020204030204"/>
               <a:buNone/>
               <a:defRPr sz="1600" b="0" i="0" u="none" strike="noStrike" cap="none">
                 <a:solidFill>
                   <a:schemeClr val="dk1"/>
                 </a:solidFill>
-                <a:latin typeface="Calibri"/>
-                <a:ea typeface="Calibri"/>
-                <a:cs typeface="Calibri"/>
-                <a:sym typeface="Calibri"/>
+                <a:latin typeface="Calibri" panose="020F0502020204030204"/>
+                <a:ea typeface="Calibri" panose="020F0502020204030204"/>
+                <a:cs typeface="Calibri" panose="020F0502020204030204"/>
+                <a:sym typeface="Calibri" panose="020F0502020204030204"/>
               </a:defRPr>
             </a:lvl4pPr>
             <a:lvl5pPr marL="1663700" marR="0" lvl="4" indent="0" algn="l" rtl="0">
@@ -7826,16 +8014,16 @@
                 <a:schemeClr val="dk1"/>
               </a:buClr>
               <a:buSzPts val="1200"/>
-              <a:buFont typeface="Calibri"/>
+              <a:buFont typeface="Calibri" panose="020F0502020204030204"/>
               <a:buNone/>
               <a:defRPr sz="1600" b="0" i="0" u="none" strike="noStrike" cap="none">
                 <a:solidFill>
                   <a:schemeClr val="dk1"/>
                 </a:solidFill>
-                <a:latin typeface="Calibri"/>
-                <a:ea typeface="Calibri"/>
-                <a:cs typeface="Calibri"/>
-                <a:sym typeface="Calibri"/>
+                <a:latin typeface="Calibri" panose="020F0502020204030204"/>
+                <a:ea typeface="Calibri" panose="020F0502020204030204"/>
+                <a:cs typeface="Calibri" panose="020F0502020204030204"/>
+                <a:sym typeface="Calibri" panose="020F0502020204030204"/>
               </a:defRPr>
             </a:lvl5pPr>
             <a:lvl6pPr marL="2082800" marR="0" lvl="5" indent="-12700" algn="l" rtl="0">
@@ -7852,16 +8040,16 @@
                 <a:schemeClr val="dk1"/>
               </a:buClr>
               <a:buSzPts val="1200"/>
-              <a:buFont typeface="Calibri"/>
+              <a:buFont typeface="Calibri" panose="020F0502020204030204"/>
               <a:buNone/>
               <a:defRPr sz="1600" b="0" i="0" u="none" strike="noStrike" cap="none">
                 <a:solidFill>
                   <a:schemeClr val="dk1"/>
                 </a:solidFill>
-                <a:latin typeface="Calibri"/>
-                <a:ea typeface="Calibri"/>
-                <a:cs typeface="Calibri"/>
-                <a:sym typeface="Calibri"/>
+                <a:latin typeface="Calibri" panose="020F0502020204030204"/>
+                <a:ea typeface="Calibri" panose="020F0502020204030204"/>
+                <a:cs typeface="Calibri" panose="020F0502020204030204"/>
+                <a:sym typeface="Calibri" panose="020F0502020204030204"/>
               </a:defRPr>
             </a:lvl6pPr>
             <a:lvl7pPr marL="2501900" marR="0" lvl="6" indent="-12700" algn="l" rtl="0">
@@ -7878,16 +8066,16 @@
                 <a:schemeClr val="dk1"/>
               </a:buClr>
               <a:buSzPts val="1200"/>
-              <a:buFont typeface="Calibri"/>
+              <a:buFont typeface="Calibri" panose="020F0502020204030204"/>
               <a:buNone/>
               <a:defRPr sz="1600" b="0" i="0" u="none" strike="noStrike" cap="none">
                 <a:solidFill>
                   <a:schemeClr val="dk1"/>
                 </a:solidFill>
-                <a:latin typeface="Calibri"/>
-                <a:ea typeface="Calibri"/>
-                <a:cs typeface="Calibri"/>
-                <a:sym typeface="Calibri"/>
+                <a:latin typeface="Calibri" panose="020F0502020204030204"/>
+                <a:ea typeface="Calibri" panose="020F0502020204030204"/>
+                <a:cs typeface="Calibri" panose="020F0502020204030204"/>
+                <a:sym typeface="Calibri" panose="020F0502020204030204"/>
               </a:defRPr>
             </a:lvl7pPr>
             <a:lvl8pPr marL="2908300" marR="0" lvl="7" indent="0" algn="l" rtl="0">
@@ -7904,16 +8092,16 @@
                 <a:schemeClr val="dk1"/>
               </a:buClr>
               <a:buSzPts val="1200"/>
-              <a:buFont typeface="Calibri"/>
+              <a:buFont typeface="Calibri" panose="020F0502020204030204"/>
               <a:buNone/>
               <a:defRPr sz="1600" b="0" i="0" u="none" strike="noStrike" cap="none">
                 <a:solidFill>
                   <a:schemeClr val="dk1"/>
                 </a:solidFill>
-                <a:latin typeface="Calibri"/>
-                <a:ea typeface="Calibri"/>
-                <a:cs typeface="Calibri"/>
-                <a:sym typeface="Calibri"/>
+                <a:latin typeface="Calibri" panose="020F0502020204030204"/>
+                <a:ea typeface="Calibri" panose="020F0502020204030204"/>
+                <a:cs typeface="Calibri" panose="020F0502020204030204"/>
+                <a:sym typeface="Calibri" panose="020F0502020204030204"/>
               </a:defRPr>
             </a:lvl8pPr>
             <a:lvl9pPr marL="3327400" marR="0" lvl="8" indent="-12700" algn="l" rtl="0">
@@ -7930,22 +8118,20 @@
                 <a:schemeClr val="dk1"/>
               </a:buClr>
               <a:buSzPts val="1200"/>
-              <a:buFont typeface="Calibri"/>
+              <a:buFont typeface="Calibri" panose="020F0502020204030204"/>
               <a:buNone/>
               <a:defRPr sz="1600" b="0" i="0" u="none" strike="noStrike" cap="none">
                 <a:solidFill>
                   <a:schemeClr val="dk1"/>
                 </a:solidFill>
-                <a:latin typeface="Calibri"/>
-                <a:ea typeface="Calibri"/>
-                <a:cs typeface="Calibri"/>
-                <a:sym typeface="Calibri"/>
+                <a:latin typeface="Calibri" panose="020F0502020204030204"/>
+                <a:ea typeface="Calibri" panose="020F0502020204030204"/>
+                <a:cs typeface="Calibri" panose="020F0502020204030204"/>
+                <a:sym typeface="Calibri" panose="020F0502020204030204"/>
               </a:defRPr>
             </a:lvl9pPr>
           </a:lstStyle>
-          <a:p>
-            <a:endParaRPr/>
-          </a:p>
+          <a:p/>
         </p:txBody>
       </p:sp>
       <p:sp>
@@ -7991,10 +8177,10 @@
                 <a:solidFill>
                   <a:srgbClr val="888888"/>
                 </a:solidFill>
-                <a:latin typeface="Calibri"/>
-                <a:ea typeface="Calibri"/>
-                <a:cs typeface="Calibri"/>
-                <a:sym typeface="Calibri"/>
+                <a:latin typeface="Calibri" panose="020F0502020204030204"/>
+                <a:ea typeface="Calibri" panose="020F0502020204030204"/>
+                <a:cs typeface="Calibri" panose="020F0502020204030204"/>
+                <a:sym typeface="Calibri" panose="020F0502020204030204"/>
               </a:defRPr>
             </a:lvl1pPr>
             <a:lvl2pPr marL="0" marR="0" lvl="1" indent="0" algn="r" rtl="0">
@@ -8012,10 +8198,10 @@
                 <a:solidFill>
                   <a:srgbClr val="888888"/>
                 </a:solidFill>
-                <a:latin typeface="Calibri"/>
-                <a:ea typeface="Calibri"/>
-                <a:cs typeface="Calibri"/>
-                <a:sym typeface="Calibri"/>
+                <a:latin typeface="Calibri" panose="020F0502020204030204"/>
+                <a:ea typeface="Calibri" panose="020F0502020204030204"/>
+                <a:cs typeface="Calibri" panose="020F0502020204030204"/>
+                <a:sym typeface="Calibri" panose="020F0502020204030204"/>
               </a:defRPr>
             </a:lvl2pPr>
             <a:lvl3pPr marL="0" marR="0" lvl="2" indent="0" algn="r" rtl="0">
@@ -8033,10 +8219,10 @@
                 <a:solidFill>
                   <a:srgbClr val="888888"/>
                 </a:solidFill>
-                <a:latin typeface="Calibri"/>
-                <a:ea typeface="Calibri"/>
-                <a:cs typeface="Calibri"/>
-                <a:sym typeface="Calibri"/>
+                <a:latin typeface="Calibri" panose="020F0502020204030204"/>
+                <a:ea typeface="Calibri" panose="020F0502020204030204"/>
+                <a:cs typeface="Calibri" panose="020F0502020204030204"/>
+                <a:sym typeface="Calibri" panose="020F0502020204030204"/>
               </a:defRPr>
             </a:lvl3pPr>
             <a:lvl4pPr marL="0" marR="0" lvl="3" indent="0" algn="r" rtl="0">
@@ -8054,10 +8240,10 @@
                 <a:solidFill>
                   <a:srgbClr val="888888"/>
                 </a:solidFill>
-                <a:latin typeface="Calibri"/>
-                <a:ea typeface="Calibri"/>
-                <a:cs typeface="Calibri"/>
-                <a:sym typeface="Calibri"/>
+                <a:latin typeface="Calibri" panose="020F0502020204030204"/>
+                <a:ea typeface="Calibri" panose="020F0502020204030204"/>
+                <a:cs typeface="Calibri" panose="020F0502020204030204"/>
+                <a:sym typeface="Calibri" panose="020F0502020204030204"/>
               </a:defRPr>
             </a:lvl4pPr>
             <a:lvl5pPr marL="0" marR="0" lvl="4" indent="0" algn="r" rtl="0">
@@ -8075,10 +8261,10 @@
                 <a:solidFill>
                   <a:srgbClr val="888888"/>
                 </a:solidFill>
-                <a:latin typeface="Calibri"/>
-                <a:ea typeface="Calibri"/>
-                <a:cs typeface="Calibri"/>
-                <a:sym typeface="Calibri"/>
+                <a:latin typeface="Calibri" panose="020F0502020204030204"/>
+                <a:ea typeface="Calibri" panose="020F0502020204030204"/>
+                <a:cs typeface="Calibri" panose="020F0502020204030204"/>
+                <a:sym typeface="Calibri" panose="020F0502020204030204"/>
               </a:defRPr>
             </a:lvl5pPr>
             <a:lvl6pPr marL="0" marR="0" lvl="5" indent="0" algn="r" rtl="0">
@@ -8096,10 +8282,10 @@
                 <a:solidFill>
                   <a:srgbClr val="888888"/>
                 </a:solidFill>
-                <a:latin typeface="Calibri"/>
-                <a:ea typeface="Calibri"/>
-                <a:cs typeface="Calibri"/>
-                <a:sym typeface="Calibri"/>
+                <a:latin typeface="Calibri" panose="020F0502020204030204"/>
+                <a:ea typeface="Calibri" panose="020F0502020204030204"/>
+                <a:cs typeface="Calibri" panose="020F0502020204030204"/>
+                <a:sym typeface="Calibri" panose="020F0502020204030204"/>
               </a:defRPr>
             </a:lvl6pPr>
             <a:lvl7pPr marL="0" marR="0" lvl="6" indent="0" algn="r" rtl="0">
@@ -8117,10 +8303,10 @@
                 <a:solidFill>
                   <a:srgbClr val="888888"/>
                 </a:solidFill>
-                <a:latin typeface="Calibri"/>
-                <a:ea typeface="Calibri"/>
-                <a:cs typeface="Calibri"/>
-                <a:sym typeface="Calibri"/>
+                <a:latin typeface="Calibri" panose="020F0502020204030204"/>
+                <a:ea typeface="Calibri" panose="020F0502020204030204"/>
+                <a:cs typeface="Calibri" panose="020F0502020204030204"/>
+                <a:sym typeface="Calibri" panose="020F0502020204030204"/>
               </a:defRPr>
             </a:lvl7pPr>
             <a:lvl8pPr marL="0" marR="0" lvl="7" indent="0" algn="r" rtl="0">
@@ -8138,10 +8324,10 @@
                 <a:solidFill>
                   <a:srgbClr val="888888"/>
                 </a:solidFill>
-                <a:latin typeface="Calibri"/>
-                <a:ea typeface="Calibri"/>
-                <a:cs typeface="Calibri"/>
-                <a:sym typeface="Calibri"/>
+                <a:latin typeface="Calibri" panose="020F0502020204030204"/>
+                <a:ea typeface="Calibri" panose="020F0502020204030204"/>
+                <a:cs typeface="Calibri" panose="020F0502020204030204"/>
+                <a:sym typeface="Calibri" panose="020F0502020204030204"/>
               </a:defRPr>
             </a:lvl8pPr>
             <a:lvl9pPr marL="0" marR="0" lvl="8" indent="0" algn="r" rtl="0">
@@ -8159,10 +8345,10 @@
                 <a:solidFill>
                   <a:srgbClr val="888888"/>
                 </a:solidFill>
-                <a:latin typeface="Calibri"/>
-                <a:ea typeface="Calibri"/>
-                <a:cs typeface="Calibri"/>
-                <a:sym typeface="Calibri"/>
+                <a:latin typeface="Calibri" panose="020F0502020204030204"/>
+                <a:ea typeface="Calibri" panose="020F0502020204030204"/>
+                <a:cs typeface="Calibri" panose="020F0502020204030204"/>
+                <a:sym typeface="Calibri" panose="020F0502020204030204"/>
               </a:defRPr>
             </a:lvl9pPr>
           </a:lstStyle>
@@ -8178,10 +8364,9 @@
                 <a:srgbClr val="888888"/>
               </a:buClr>
               <a:buSzPts val="1200"/>
-              <a:buFont typeface="Calibri"/>
+              <a:buFont typeface="Calibri" panose="020F0502020204030204"/>
               <a:buNone/>
             </a:pPr>
-            <a:endParaRPr/>
           </a:p>
           <a:p>
             <a:pPr marL="419100" lvl="1" indent="-12700" algn="l" rtl="0">
@@ -8195,7 +8380,7 @@
                 <a:schemeClr val="dk1"/>
               </a:buClr>
               <a:buSzPts val="1200"/>
-              <a:buFont typeface="Calibri"/>
+              <a:buFont typeface="Calibri" panose="020F0502020204030204"/>
               <a:buNone/>
             </a:pPr>
             <a:endParaRPr sz="1600">
@@ -8216,7 +8401,7 @@
                 <a:schemeClr val="dk1"/>
               </a:buClr>
               <a:buSzPts val="1200"/>
-              <a:buFont typeface="Calibri"/>
+              <a:buFont typeface="Calibri" panose="020F0502020204030204"/>
               <a:buNone/>
             </a:pPr>
             <a:endParaRPr sz="1600">
@@ -8237,7 +8422,7 @@
                 <a:schemeClr val="dk1"/>
               </a:buClr>
               <a:buSzPts val="1200"/>
-              <a:buFont typeface="Calibri"/>
+              <a:buFont typeface="Calibri" panose="020F0502020204030204"/>
               <a:buNone/>
             </a:pPr>
             <a:endParaRPr sz="1600">
@@ -8258,7 +8443,7 @@
                 <a:schemeClr val="dk1"/>
               </a:buClr>
               <a:buSzPts val="1200"/>
-              <a:buFont typeface="Calibri"/>
+              <a:buFont typeface="Calibri" panose="020F0502020204030204"/>
               <a:buNone/>
             </a:pPr>
             <a:endParaRPr sz="1600">
@@ -8279,7 +8464,7 @@
                 <a:schemeClr val="dk1"/>
               </a:buClr>
               <a:buSzPts val="1200"/>
-              <a:buFont typeface="Calibri"/>
+              <a:buFont typeface="Calibri" panose="020F0502020204030204"/>
               <a:buNone/>
             </a:pPr>
             <a:endParaRPr sz="1600">
@@ -8300,7 +8485,7 @@
                 <a:schemeClr val="dk1"/>
               </a:buClr>
               <a:buSzPts val="1200"/>
-              <a:buFont typeface="Calibri"/>
+              <a:buFont typeface="Calibri" panose="020F0502020204030204"/>
               <a:buNone/>
             </a:pPr>
             <a:endParaRPr sz="1600">
@@ -8321,7 +8506,7 @@
                 <a:schemeClr val="dk1"/>
               </a:buClr>
               <a:buSzPts val="1200"/>
-              <a:buFont typeface="Calibri"/>
+              <a:buFont typeface="Calibri" panose="020F0502020204030204"/>
               <a:buNone/>
             </a:pPr>
             <a:endParaRPr sz="1600">
@@ -8342,7 +8527,7 @@
                 <a:schemeClr val="dk1"/>
               </a:buClr>
               <a:buSzPts val="1200"/>
-              <a:buFont typeface="Calibri"/>
+              <a:buFont typeface="Calibri" panose="020F0502020204030204"/>
               <a:buNone/>
             </a:pPr>
             <a:endParaRPr sz="1600">
@@ -8422,10 +8607,10 @@
               <a:solidFill>
                 <a:schemeClr val="lt1"/>
               </a:solidFill>
-              <a:latin typeface="Arial"/>
-              <a:ea typeface="Arial"/>
-              <a:cs typeface="Arial"/>
-              <a:sym typeface="Arial"/>
+              <a:latin typeface="Arial" panose="020B0604020202020204"/>
+              <a:ea typeface="Arial" panose="020B0604020202020204"/>
+              <a:cs typeface="Arial" panose="020B0604020202020204"/>
+              <a:sym typeface="Arial" panose="020B0604020202020204"/>
             </a:endParaRPr>
           </a:p>
         </p:txBody>
@@ -8556,9 +8741,7 @@
               <a:defRPr/>
             </a:lvl9pPr>
           </a:lstStyle>
-          <a:p>
-            <a:endParaRPr/>
-          </a:p>
+          <a:p/>
         </p:txBody>
       </p:sp>
       <p:sp>
@@ -8687,9 +8870,7 @@
               <a:defRPr/>
             </a:lvl9pPr>
           </a:lstStyle>
-          <a:p>
-            <a:endParaRPr/>
-          </a:p>
+          <a:p/>
         </p:txBody>
       </p:sp>
       <p:sp>
@@ -8729,7 +8910,7 @@
               <a:buChar char="●"/>
               <a:defRPr/>
             </a:lvl1pPr>
-            <a:lvl2pPr marL="456350" marR="0" lvl="1" indent="-100750" algn="l" rtl="0">
+            <a:lvl2pPr marL="456565" marR="0" lvl="1" indent="-100965" algn="l" rtl="0">
               <a:spcBef>
                 <a:spcPts val="0"/>
               </a:spcBef>
@@ -8740,7 +8921,7 @@
               <a:buChar char="○"/>
               <a:defRPr/>
             </a:lvl2pPr>
-            <a:lvl3pPr marL="912700" marR="0" lvl="2" indent="-99900" algn="l" rtl="0">
+            <a:lvl3pPr marL="912495" marR="0" lvl="2" indent="-99695" algn="l" rtl="0">
               <a:spcBef>
                 <a:spcPts val="0"/>
               </a:spcBef>
@@ -8751,7 +8932,7 @@
               <a:buChar char="■"/>
               <a:defRPr/>
             </a:lvl3pPr>
-            <a:lvl4pPr marL="1369053" marR="0" lvl="3" indent="-99053" algn="l" rtl="0">
+            <a:lvl4pPr marL="1369060" marR="0" lvl="3" indent="-99060" algn="l" rtl="0">
               <a:spcBef>
                 <a:spcPts val="0"/>
               </a:spcBef>
@@ -8762,7 +8943,7 @@
               <a:buChar char="●"/>
               <a:defRPr/>
             </a:lvl4pPr>
-            <a:lvl5pPr marL="1825406" marR="0" lvl="4" indent="-98206" algn="l" rtl="0">
+            <a:lvl5pPr marL="1825625" marR="0" lvl="4" indent="-98425" algn="l" rtl="0">
               <a:spcBef>
                 <a:spcPts val="0"/>
               </a:spcBef>
@@ -8773,7 +8954,7 @@
               <a:buChar char="○"/>
               <a:defRPr/>
             </a:lvl5pPr>
-            <a:lvl6pPr marL="2281756" marR="0" lvl="5" indent="-97356" algn="l" rtl="0">
+            <a:lvl6pPr marL="2281555" marR="0" lvl="5" indent="-97155" algn="l" rtl="0">
               <a:spcBef>
                 <a:spcPts val="0"/>
               </a:spcBef>
@@ -8784,7 +8965,7 @@
               <a:buChar char="■"/>
               <a:defRPr/>
             </a:lvl6pPr>
-            <a:lvl7pPr marL="2738108" marR="0" lvl="6" indent="-96508" algn="l" rtl="0">
+            <a:lvl7pPr marL="2738120" marR="0" lvl="6" indent="-96520" algn="l" rtl="0">
               <a:spcBef>
                 <a:spcPts val="0"/>
               </a:spcBef>
@@ -8795,7 +8976,7 @@
               <a:buChar char="●"/>
               <a:defRPr/>
             </a:lvl7pPr>
-            <a:lvl8pPr marL="3194460" marR="0" lvl="7" indent="-95660" algn="l" rtl="0">
+            <a:lvl8pPr marL="3194685" marR="0" lvl="7" indent="-95885" algn="l" rtl="0">
               <a:spcBef>
                 <a:spcPts val="0"/>
               </a:spcBef>
@@ -8806,7 +8987,7 @@
               <a:buChar char="○"/>
               <a:defRPr/>
             </a:lvl8pPr>
-            <a:lvl9pPr marL="3650809" marR="0" lvl="8" indent="-94809" algn="l" rtl="0">
+            <a:lvl9pPr marL="3650615" marR="0" lvl="8" indent="-94615" algn="l" rtl="0">
               <a:spcBef>
                 <a:spcPts val="0"/>
               </a:spcBef>
@@ -8818,9 +8999,7 @@
               <a:defRPr/>
             </a:lvl9pPr>
           </a:lstStyle>
-          <a:p>
-            <a:endParaRPr/>
-          </a:p>
+          <a:p/>
         </p:txBody>
       </p:sp>
       <p:sp>
@@ -8865,10 +9044,10 @@
               <a:solidFill>
                 <a:srgbClr val="FFFFFF"/>
               </a:solidFill>
-              <a:latin typeface="Calibri"/>
-              <a:ea typeface="Calibri"/>
-              <a:cs typeface="Calibri"/>
-              <a:sym typeface="Calibri"/>
+              <a:latin typeface="Calibri" panose="020F0502020204030204"/>
+              <a:ea typeface="Calibri" panose="020F0502020204030204"/>
+              <a:cs typeface="Calibri" panose="020F0502020204030204"/>
+              <a:sym typeface="Calibri" panose="020F0502020204030204"/>
             </a:endParaRPr>
           </a:p>
         </p:txBody>
@@ -8961,10 +9140,10 @@
                   <a:solidFill>
                     <a:srgbClr val="8CB3E3"/>
                   </a:solidFill>
-                  <a:latin typeface="Arial"/>
-                  <a:ea typeface="Arial"/>
-                  <a:cs typeface="Arial"/>
-                  <a:sym typeface="Arial"/>
+                  <a:latin typeface="Arial" panose="020B0604020202020204"/>
+                  <a:ea typeface="Arial" panose="020B0604020202020204"/>
+                  <a:cs typeface="Arial" panose="020B0604020202020204"/>
+                  <a:sym typeface="Arial" panose="020B0604020202020204"/>
                 </a:endParaRPr>
               </a:p>
             </p:txBody>
@@ -9011,10 +9190,10 @@
                   <a:solidFill>
                     <a:srgbClr val="8CB3E3"/>
                   </a:solidFill>
-                  <a:latin typeface="Arial"/>
-                  <a:ea typeface="Arial"/>
-                  <a:cs typeface="Arial"/>
-                  <a:sym typeface="Arial"/>
+                  <a:latin typeface="Arial" panose="020B0604020202020204"/>
+                  <a:ea typeface="Arial" panose="020B0604020202020204"/>
+                  <a:cs typeface="Arial" panose="020B0604020202020204"/>
+                  <a:sym typeface="Arial" panose="020B0604020202020204"/>
                 </a:endParaRPr>
               </a:p>
             </p:txBody>
@@ -9192,9 +9371,7 @@
               <a:defRPr/>
             </a:lvl9pPr>
           </a:lstStyle>
-          <a:p>
-            <a:endParaRPr/>
-          </a:p>
+          <a:p/>
         </p:txBody>
       </p:sp>
       <p:sp>
@@ -9323,9 +9500,7 @@
               <a:defRPr/>
             </a:lvl9pPr>
           </a:lstStyle>
-          <a:p>
-            <a:endParaRPr/>
-          </a:p>
+          <a:p/>
         </p:txBody>
       </p:sp>
       <p:sp>
@@ -9454,9 +9629,7 @@
               <a:defRPr/>
             </a:lvl9pPr>
           </a:lstStyle>
-          <a:p>
-            <a:endParaRPr/>
-          </a:p>
+          <a:p/>
         </p:txBody>
       </p:sp>
       <p:sp>
@@ -9535,7 +9708,6 @@
               <a:buSzPts val="1400"/>
               <a:buChar char="●"/>
             </a:pPr>
-            <a:endParaRPr/>
           </a:p>
           <a:p>
             <a:pPr marL="457200" lvl="1" indent="-88900" algn="l" rtl="0">
@@ -9548,7 +9720,6 @@
               <a:buSzPts val="1400"/>
               <a:buChar char="○"/>
             </a:pPr>
-            <a:endParaRPr/>
           </a:p>
           <a:p>
             <a:pPr marL="914400" lvl="2" indent="-88900" algn="l" rtl="0">
@@ -9561,7 +9732,6 @@
               <a:buSzPts val="1400"/>
               <a:buChar char="■"/>
             </a:pPr>
-            <a:endParaRPr/>
           </a:p>
           <a:p>
             <a:pPr marL="1371600" lvl="3" indent="-88900" algn="l" rtl="0">
@@ -9574,7 +9744,6 @@
               <a:buSzPts val="1400"/>
               <a:buChar char="●"/>
             </a:pPr>
-            <a:endParaRPr/>
           </a:p>
           <a:p>
             <a:pPr marL="1828800" lvl="4" indent="-88900" algn="l" rtl="0">
@@ -9587,7 +9756,6 @@
               <a:buSzPts val="1400"/>
               <a:buChar char="○"/>
             </a:pPr>
-            <a:endParaRPr/>
           </a:p>
           <a:p>
             <a:pPr marL="2286000" lvl="5" indent="-88900" algn="l" rtl="0">
@@ -9600,7 +9768,6 @@
               <a:buSzPts val="1400"/>
               <a:buChar char="■"/>
             </a:pPr>
-            <a:endParaRPr/>
           </a:p>
           <a:p>
             <a:pPr marL="2743200" lvl="6" indent="-88900" algn="l" rtl="0">
@@ -9613,7 +9780,6 @@
               <a:buSzPts val="1400"/>
               <a:buChar char="●"/>
             </a:pPr>
-            <a:endParaRPr/>
           </a:p>
           <a:p>
             <a:pPr marL="3200400" lvl="7" indent="-88900" algn="l" rtl="0">
@@ -9626,7 +9792,6 @@
               <a:buSzPts val="1400"/>
               <a:buChar char="○"/>
             </a:pPr>
-            <a:endParaRPr/>
           </a:p>
           <a:p>
             <a:pPr marL="3657600" lvl="8" indent="-88900" algn="l" rtl="0">
@@ -9639,7 +9804,6 @@
               <a:buSzPts val="1400"/>
               <a:buChar char="■"/>
             </a:pPr>
-            <a:endParaRPr/>
           </a:p>
         </p:txBody>
       </p:sp>
@@ -9652,7 +9816,7 @@
 </file>
 
 <file path=ppt/slideLayouts/slideLayout3.xml><?xml version="1.0" encoding="utf-8"?>
-<p:sldLayout xmlns:a="http://schemas.openxmlformats.org/drawingml/2006/main" xmlns:r="http://schemas.openxmlformats.org/officeDocument/2006/relationships" xmlns:p="http://schemas.openxmlformats.org/presentationml/2006/main" matchingName="Title and body" type="tx">
+<p:sldLayout xmlns:a="http://schemas.openxmlformats.org/drawingml/2006/main" xmlns:r="http://schemas.openxmlformats.org/officeDocument/2006/relationships" xmlns:p="http://schemas.openxmlformats.org/presentationml/2006/main" type="tx" matchingName="Title and body">
   <p:cSld name="TITLE_AND_BODY">
     <p:spTree>
       <p:nvGrpSpPr>
@@ -9790,9 +9954,7 @@
               <a:defRPr/>
             </a:lvl9pPr>
           </a:lstStyle>
-          <a:p>
-            <a:endParaRPr/>
-          </a:p>
+          <a:p/>
         </p:txBody>
       </p:sp>
       <p:sp>
@@ -9917,9 +10079,7 @@
               <a:defRPr/>
             </a:lvl9pPr>
           </a:lstStyle>
-          <a:p>
-            <a:endParaRPr/>
-          </a:p>
+          <a:p/>
         </p:txBody>
       </p:sp>
       <p:sp>
@@ -9994,10 +10154,9 @@
               <a:buNone/>
             </a:pPr>
             <a:fld id="{00000000-1234-1234-1234-123412341234}" type="slidenum">
-              <a:rPr lang="en"/>
-              <a:t>‹Nº›</a:t>
+              <a:rPr lang="en-GB"/>
             </a:fld>
-            <a:endParaRPr/>
+            <a:endParaRPr lang="en-GB"/>
           </a:p>
         </p:txBody>
       </p:sp>
@@ -10010,7 +10169,7 @@
 </file>
 
 <file path=ppt/slideLayouts/slideLayout4.xml><?xml version="1.0" encoding="utf-8"?>
-<p:sldLayout xmlns:a="http://schemas.openxmlformats.org/drawingml/2006/main" xmlns:r="http://schemas.openxmlformats.org/officeDocument/2006/relationships" xmlns:p="http://schemas.openxmlformats.org/presentationml/2006/main" matchingName="Title and two columns" type="twoColTx">
+<p:sldLayout xmlns:a="http://schemas.openxmlformats.org/drawingml/2006/main" xmlns:r="http://schemas.openxmlformats.org/officeDocument/2006/relationships" xmlns:p="http://schemas.openxmlformats.org/presentationml/2006/main" type="twoColTx" matchingName="Title and two columns">
   <p:cSld name="TITLE_AND_TWO_COLUMNS">
     <p:spTree>
       <p:nvGrpSpPr>
@@ -10148,9 +10307,7 @@
               <a:defRPr/>
             </a:lvl9pPr>
           </a:lstStyle>
-          <a:p>
-            <a:endParaRPr/>
-          </a:p>
+          <a:p/>
         </p:txBody>
       </p:sp>
       <p:sp>
@@ -10275,9 +10432,7 @@
               <a:defRPr sz="1200"/>
             </a:lvl9pPr>
           </a:lstStyle>
-          <a:p>
-            <a:endParaRPr/>
-          </a:p>
+          <a:p/>
         </p:txBody>
       </p:sp>
       <p:sp>
@@ -10402,9 +10557,7 @@
               <a:defRPr sz="1200"/>
             </a:lvl9pPr>
           </a:lstStyle>
-          <a:p>
-            <a:endParaRPr/>
-          </a:p>
+          <a:p/>
         </p:txBody>
       </p:sp>
       <p:sp>
@@ -10479,10 +10632,9 @@
               <a:buNone/>
             </a:pPr>
             <a:fld id="{00000000-1234-1234-1234-123412341234}" type="slidenum">
-              <a:rPr lang="en"/>
-              <a:t>‹Nº›</a:t>
+              <a:rPr lang="en-GB"/>
             </a:fld>
-            <a:endParaRPr/>
+            <a:endParaRPr lang="en-GB"/>
           </a:p>
         </p:txBody>
       </p:sp>
@@ -10495,7 +10647,7 @@
 </file>
 
 <file path=ppt/slideLayouts/slideLayout5.xml><?xml version="1.0" encoding="utf-8"?>
-<p:sldLayout xmlns:a="http://schemas.openxmlformats.org/drawingml/2006/main" xmlns:r="http://schemas.openxmlformats.org/officeDocument/2006/relationships" xmlns:p="http://schemas.openxmlformats.org/presentationml/2006/main" matchingName="Title only" type="titleOnly">
+<p:sldLayout xmlns:a="http://schemas.openxmlformats.org/drawingml/2006/main" xmlns:r="http://schemas.openxmlformats.org/officeDocument/2006/relationships" xmlns:p="http://schemas.openxmlformats.org/presentationml/2006/main" type="titleOnly" matchingName="Title only">
   <p:cSld name="TITLE_ONLY">
     <p:spTree>
       <p:nvGrpSpPr>
@@ -10633,9 +10785,7 @@
               <a:defRPr/>
             </a:lvl9pPr>
           </a:lstStyle>
-          <a:p>
-            <a:endParaRPr/>
-          </a:p>
+          <a:p/>
         </p:txBody>
       </p:sp>
       <p:sp>
@@ -10710,10 +10860,9 @@
               <a:buNone/>
             </a:pPr>
             <a:fld id="{00000000-1234-1234-1234-123412341234}" type="slidenum">
-              <a:rPr lang="en"/>
-              <a:t>‹Nº›</a:t>
+              <a:rPr lang="en-GB"/>
             </a:fld>
-            <a:endParaRPr/>
+            <a:endParaRPr lang="en-GB"/>
           </a:p>
         </p:txBody>
       </p:sp>
@@ -10864,9 +11013,7 @@
               <a:defRPr sz="2400"/>
             </a:lvl9pPr>
           </a:lstStyle>
-          <a:p>
-            <a:endParaRPr/>
-          </a:p>
+          <a:p/>
         </p:txBody>
       </p:sp>
       <p:sp>
@@ -10991,9 +11138,7 @@
               <a:defRPr sz="1200"/>
             </a:lvl9pPr>
           </a:lstStyle>
-          <a:p>
-            <a:endParaRPr/>
-          </a:p>
+          <a:p/>
         </p:txBody>
       </p:sp>
       <p:sp>
@@ -11068,10 +11213,9 @@
               <a:buNone/>
             </a:pPr>
             <a:fld id="{00000000-1234-1234-1234-123412341234}" type="slidenum">
-              <a:rPr lang="en"/>
-              <a:t>‹Nº›</a:t>
+              <a:rPr lang="en-GB"/>
             </a:fld>
-            <a:endParaRPr/>
+            <a:endParaRPr lang="en-GB"/>
           </a:p>
         </p:txBody>
       </p:sp>
@@ -11222,9 +11366,7 @@
               <a:defRPr sz="4800"/>
             </a:lvl9pPr>
           </a:lstStyle>
-          <a:p>
-            <a:endParaRPr/>
-          </a:p>
+          <a:p/>
         </p:txBody>
       </p:sp>
       <p:sp>
@@ -11299,10 +11441,9 @@
               <a:buNone/>
             </a:pPr>
             <a:fld id="{00000000-1234-1234-1234-123412341234}" type="slidenum">
-              <a:rPr lang="en"/>
-              <a:t>‹Nº›</a:t>
+              <a:rPr lang="en-GB"/>
             </a:fld>
-            <a:endParaRPr/>
+            <a:endParaRPr lang="en-GB"/>
           </a:p>
         </p:txBody>
       </p:sp>
@@ -11367,7 +11508,6 @@
               </a:spcAft>
               <a:buNone/>
             </a:pPr>
-            <a:endParaRPr/>
           </a:p>
         </p:txBody>
       </p:sp>
@@ -11493,9 +11633,7 @@
               <a:defRPr sz="4200"/>
             </a:lvl9pPr>
           </a:lstStyle>
-          <a:p>
-            <a:endParaRPr/>
-          </a:p>
+          <a:p/>
         </p:txBody>
       </p:sp>
       <p:sp>
@@ -11647,9 +11785,7 @@
               <a:defRPr sz="2100"/>
             </a:lvl9pPr>
           </a:lstStyle>
-          <a:p>
-            <a:endParaRPr/>
-          </a:p>
+          <a:p/>
         </p:txBody>
       </p:sp>
       <p:sp>
@@ -11774,9 +11910,7 @@
               <a:defRPr/>
             </a:lvl9pPr>
           </a:lstStyle>
-          <a:p>
-            <a:endParaRPr/>
-          </a:p>
+          <a:p/>
         </p:txBody>
       </p:sp>
       <p:sp>
@@ -11851,10 +11985,9 @@
               <a:buNone/>
             </a:pPr>
             <a:fld id="{00000000-1234-1234-1234-123412341234}" type="slidenum">
-              <a:rPr lang="en"/>
-              <a:t>‹Nº›</a:t>
+              <a:rPr lang="en-GB"/>
             </a:fld>
-            <a:endParaRPr/>
+            <a:endParaRPr lang="en-GB"/>
           </a:p>
         </p:txBody>
       </p:sp>
@@ -11920,9 +12053,7 @@
               <a:defRPr/>
             </a:lvl1pPr>
           </a:lstStyle>
-          <a:p>
-            <a:endParaRPr/>
-          </a:p>
+          <a:p/>
         </p:txBody>
       </p:sp>
       <p:sp>
@@ -11997,10 +12128,9 @@
               <a:buNone/>
             </a:pPr>
             <a:fld id="{00000000-1234-1234-1234-123412341234}" type="slidenum">
-              <a:rPr lang="en"/>
-              <a:t>‹Nº›</a:t>
+              <a:rPr lang="en-GB"/>
             </a:fld>
-            <a:endParaRPr/>
+            <a:endParaRPr lang="en-GB"/>
           </a:p>
         </p:txBody>
       </p:sp>
@@ -12014,7 +12144,7 @@
 
 <file path=ppt/slideMasters/slideMaster1.xml><?xml version="1.0" encoding="utf-8"?>
 <p:sldMaster xmlns:a="http://schemas.openxmlformats.org/drawingml/2006/main" xmlns:r="http://schemas.openxmlformats.org/officeDocument/2006/relationships" xmlns:p="http://schemas.openxmlformats.org/presentationml/2006/main">
-  <p:cSld name="simple-light-2">
+  <p:cSld>
     <p:bg>
       <p:bgPr>
         <a:solidFill>
@@ -12226,9 +12356,7 @@
               </a:defRPr>
             </a:lvl9pPr>
           </a:lstStyle>
-          <a:p>
-            <a:endParaRPr/>
-          </a:p>
+          <a:p/>
         </p:txBody>
       </p:sp>
       <p:sp>
@@ -12447,9 +12575,7 @@
               </a:defRPr>
             </a:lvl9pPr>
           </a:lstStyle>
-          <a:p>
-            <a:endParaRPr/>
-          </a:p>
+          <a:p/>
         </p:txBody>
       </p:sp>
       <p:sp>
@@ -12564,10 +12690,9 @@
               <a:buNone/>
             </a:pPr>
             <a:fld id="{00000000-1234-1234-1234-123412341234}" type="slidenum">
-              <a:rPr lang="en"/>
-              <a:t>‹Nº›</a:t>
+              <a:rPr lang="en-GB"/>
             </a:fld>
-            <a:endParaRPr/>
+            <a:endParaRPr lang="en-GB"/>
           </a:p>
         </p:txBody>
       </p:sp>
@@ -12575,20 +12700,20 @@
   </p:cSld>
   <p:clrMap bg1="lt1" tx1="dk1" bg2="dk2" tx2="lt2" accent1="accent1" accent2="accent2" accent3="accent3" accent4="accent4" accent5="accent5" accent6="accent6" hlink="hlink" folHlink="folHlink"/>
   <p:sldLayoutIdLst>
-    <p:sldLayoutId id="2147483648" r:id="rId1"/>
-    <p:sldLayoutId id="2147483649" r:id="rId2"/>
-    <p:sldLayoutId id="2147483650" r:id="rId3"/>
-    <p:sldLayoutId id="2147483651" r:id="rId4"/>
-    <p:sldLayoutId id="2147483652" r:id="rId5"/>
-    <p:sldLayoutId id="2147483653" r:id="rId6"/>
-    <p:sldLayoutId id="2147483654" r:id="rId7"/>
-    <p:sldLayoutId id="2147483655" r:id="rId8"/>
-    <p:sldLayoutId id="2147483656" r:id="rId9"/>
-    <p:sldLayoutId id="2147483657" r:id="rId10"/>
-    <p:sldLayoutId id="2147483658" r:id="rId11"/>
-    <p:sldLayoutId id="2147483659" r:id="rId12"/>
-    <p:sldLayoutId id="2147483660" r:id="rId13"/>
-    <p:sldLayoutId id="2147483661" r:id="rId14"/>
+    <p:sldLayoutId id="2147483649" r:id="rId1"/>
+    <p:sldLayoutId id="2147483650" r:id="rId2"/>
+    <p:sldLayoutId id="2147483651" r:id="rId3"/>
+    <p:sldLayoutId id="2147483652" r:id="rId4"/>
+    <p:sldLayoutId id="2147483653" r:id="rId5"/>
+    <p:sldLayoutId id="2147483654" r:id="rId6"/>
+    <p:sldLayoutId id="2147483655" r:id="rId7"/>
+    <p:sldLayoutId id="2147483656" r:id="rId8"/>
+    <p:sldLayoutId id="2147483657" r:id="rId9"/>
+    <p:sldLayoutId id="2147483658" r:id="rId10"/>
+    <p:sldLayoutId id="2147483659" r:id="rId11"/>
+    <p:sldLayoutId id="2147483660" r:id="rId12"/>
+    <p:sldLayoutId id="2147483661" r:id="rId13"/>
+    <p:sldLayoutId id="2147483662" r:id="rId14"/>
   </p:sldLayoutIdLst>
   <p:hf sldNum="0" hdr="0" ftr="0" dt="0"/>
   <p:txStyles>
@@ -12617,15 +12742,15 @@
         <a:buClr>
           <a:srgbClr val="000000"/>
         </a:buClr>
-        <a:buFont typeface="Arial"/>
+        <a:buFont typeface="Arial" panose="020B0604020202020204"/>
         <a:defRPr sz="1400" b="0" i="0" u="none" strike="noStrike" cap="none">
           <a:solidFill>
             <a:srgbClr val="000000"/>
           </a:solidFill>
-          <a:latin typeface="Arial"/>
-          <a:ea typeface="Arial"/>
-          <a:cs typeface="Arial"/>
-          <a:sym typeface="Arial"/>
+          <a:latin typeface="Arial" panose="020B0604020202020204"/>
+          <a:ea typeface="Arial" panose="020B0604020202020204"/>
+          <a:cs typeface="Arial" panose="020B0604020202020204"/>
+          <a:sym typeface="Arial" panose="020B0604020202020204"/>
         </a:defRPr>
       </a:lvl1pPr>
       <a:lvl2pPr marR="0" lvl="1" algn="l" rtl="0">
@@ -12641,15 +12766,15 @@
         <a:buClr>
           <a:srgbClr val="000000"/>
         </a:buClr>
-        <a:buFont typeface="Arial"/>
+        <a:buFont typeface="Arial" panose="020B0604020202020204"/>
         <a:defRPr sz="1400" b="0" i="0" u="none" strike="noStrike" cap="none">
           <a:solidFill>
             <a:srgbClr val="000000"/>
           </a:solidFill>
-          <a:latin typeface="Arial"/>
-          <a:ea typeface="Arial"/>
-          <a:cs typeface="Arial"/>
-          <a:sym typeface="Arial"/>
+          <a:latin typeface="Arial" panose="020B0604020202020204"/>
+          <a:ea typeface="Arial" panose="020B0604020202020204"/>
+          <a:cs typeface="Arial" panose="020B0604020202020204"/>
+          <a:sym typeface="Arial" panose="020B0604020202020204"/>
         </a:defRPr>
       </a:lvl2pPr>
       <a:lvl3pPr marR="0" lvl="2" algn="l" rtl="0">
@@ -12665,15 +12790,15 @@
         <a:buClr>
           <a:srgbClr val="000000"/>
         </a:buClr>
-        <a:buFont typeface="Arial"/>
+        <a:buFont typeface="Arial" panose="020B0604020202020204"/>
         <a:defRPr sz="1400" b="0" i="0" u="none" strike="noStrike" cap="none">
           <a:solidFill>
             <a:srgbClr val="000000"/>
           </a:solidFill>
-          <a:latin typeface="Arial"/>
-          <a:ea typeface="Arial"/>
-          <a:cs typeface="Arial"/>
-          <a:sym typeface="Arial"/>
+          <a:latin typeface="Arial" panose="020B0604020202020204"/>
+          <a:ea typeface="Arial" panose="020B0604020202020204"/>
+          <a:cs typeface="Arial" panose="020B0604020202020204"/>
+          <a:sym typeface="Arial" panose="020B0604020202020204"/>
         </a:defRPr>
       </a:lvl3pPr>
       <a:lvl4pPr marR="0" lvl="3" algn="l" rtl="0">
@@ -12689,15 +12814,15 @@
         <a:buClr>
           <a:srgbClr val="000000"/>
         </a:buClr>
-        <a:buFont typeface="Arial"/>
+        <a:buFont typeface="Arial" panose="020B0604020202020204"/>
         <a:defRPr sz="1400" b="0" i="0" u="none" strike="noStrike" cap="none">
           <a:solidFill>
             <a:srgbClr val="000000"/>
           </a:solidFill>
-          <a:latin typeface="Arial"/>
-          <a:ea typeface="Arial"/>
-          <a:cs typeface="Arial"/>
-          <a:sym typeface="Arial"/>
+          <a:latin typeface="Arial" panose="020B0604020202020204"/>
+          <a:ea typeface="Arial" panose="020B0604020202020204"/>
+          <a:cs typeface="Arial" panose="020B0604020202020204"/>
+          <a:sym typeface="Arial" panose="020B0604020202020204"/>
         </a:defRPr>
       </a:lvl4pPr>
       <a:lvl5pPr marR="0" lvl="4" algn="l" rtl="0">
@@ -12713,15 +12838,15 @@
         <a:buClr>
           <a:srgbClr val="000000"/>
         </a:buClr>
-        <a:buFont typeface="Arial"/>
+        <a:buFont typeface="Arial" panose="020B0604020202020204"/>
         <a:defRPr sz="1400" b="0" i="0" u="none" strike="noStrike" cap="none">
           <a:solidFill>
             <a:srgbClr val="000000"/>
           </a:solidFill>
-          <a:latin typeface="Arial"/>
-          <a:ea typeface="Arial"/>
-          <a:cs typeface="Arial"/>
-          <a:sym typeface="Arial"/>
+          <a:latin typeface="Arial" panose="020B0604020202020204"/>
+          <a:ea typeface="Arial" panose="020B0604020202020204"/>
+          <a:cs typeface="Arial" panose="020B0604020202020204"/>
+          <a:sym typeface="Arial" panose="020B0604020202020204"/>
         </a:defRPr>
       </a:lvl5pPr>
       <a:lvl6pPr marR="0" lvl="5" algn="l" rtl="0">
@@ -12737,15 +12862,15 @@
         <a:buClr>
           <a:srgbClr val="000000"/>
         </a:buClr>
-        <a:buFont typeface="Arial"/>
+        <a:buFont typeface="Arial" panose="020B0604020202020204"/>
         <a:defRPr sz="1400" b="0" i="0" u="none" strike="noStrike" cap="none">
           <a:solidFill>
             <a:srgbClr val="000000"/>
           </a:solidFill>
-          <a:latin typeface="Arial"/>
-          <a:ea typeface="Arial"/>
-          <a:cs typeface="Arial"/>
-          <a:sym typeface="Arial"/>
+          <a:latin typeface="Arial" panose="020B0604020202020204"/>
+          <a:ea typeface="Arial" panose="020B0604020202020204"/>
+          <a:cs typeface="Arial" panose="020B0604020202020204"/>
+          <a:sym typeface="Arial" panose="020B0604020202020204"/>
         </a:defRPr>
       </a:lvl6pPr>
       <a:lvl7pPr marR="0" lvl="6" algn="l" rtl="0">
@@ -12761,15 +12886,15 @@
         <a:buClr>
           <a:srgbClr val="000000"/>
         </a:buClr>
-        <a:buFont typeface="Arial"/>
+        <a:buFont typeface="Arial" panose="020B0604020202020204"/>
         <a:defRPr sz="1400" b="0" i="0" u="none" strike="noStrike" cap="none">
           <a:solidFill>
             <a:srgbClr val="000000"/>
           </a:solidFill>
-          <a:latin typeface="Arial"/>
-          <a:ea typeface="Arial"/>
-          <a:cs typeface="Arial"/>
-          <a:sym typeface="Arial"/>
+          <a:latin typeface="Arial" panose="020B0604020202020204"/>
+          <a:ea typeface="Arial" panose="020B0604020202020204"/>
+          <a:cs typeface="Arial" panose="020B0604020202020204"/>
+          <a:sym typeface="Arial" panose="020B0604020202020204"/>
         </a:defRPr>
       </a:lvl7pPr>
       <a:lvl8pPr marR="0" lvl="7" algn="l" rtl="0">
@@ -12785,15 +12910,15 @@
         <a:buClr>
           <a:srgbClr val="000000"/>
         </a:buClr>
-        <a:buFont typeface="Arial"/>
+        <a:buFont typeface="Arial" panose="020B0604020202020204"/>
         <a:defRPr sz="1400" b="0" i="0" u="none" strike="noStrike" cap="none">
           <a:solidFill>
             <a:srgbClr val="000000"/>
           </a:solidFill>
-          <a:latin typeface="Arial"/>
-          <a:ea typeface="Arial"/>
-          <a:cs typeface="Arial"/>
-          <a:sym typeface="Arial"/>
+          <a:latin typeface="Arial" panose="020B0604020202020204"/>
+          <a:ea typeface="Arial" panose="020B0604020202020204"/>
+          <a:cs typeface="Arial" panose="020B0604020202020204"/>
+          <a:sym typeface="Arial" panose="020B0604020202020204"/>
         </a:defRPr>
       </a:lvl8pPr>
       <a:lvl9pPr marR="0" lvl="8" algn="l" rtl="0">
@@ -12809,15 +12934,15 @@
         <a:buClr>
           <a:srgbClr val="000000"/>
         </a:buClr>
-        <a:buFont typeface="Arial"/>
+        <a:buFont typeface="Arial" panose="020B0604020202020204"/>
         <a:defRPr sz="1400" b="0" i="0" u="none" strike="noStrike" cap="none">
           <a:solidFill>
             <a:srgbClr val="000000"/>
           </a:solidFill>
-          <a:latin typeface="Arial"/>
-          <a:ea typeface="Arial"/>
-          <a:cs typeface="Arial"/>
-          <a:sym typeface="Arial"/>
+          <a:latin typeface="Arial" panose="020B0604020202020204"/>
+          <a:ea typeface="Arial" panose="020B0604020202020204"/>
+          <a:cs typeface="Arial" panose="020B0604020202020204"/>
+          <a:sym typeface="Arial" panose="020B0604020202020204"/>
         </a:defRPr>
       </a:lvl9pPr>
     </p:titleStyle>
@@ -12846,15 +12971,15 @@
         <a:buClr>
           <a:srgbClr val="000000"/>
         </a:buClr>
-        <a:buFont typeface="Arial"/>
+        <a:buFont typeface="Arial" panose="020B0604020202020204"/>
         <a:defRPr sz="1400" b="0" i="0" u="none" strike="noStrike" cap="none">
           <a:solidFill>
             <a:srgbClr val="000000"/>
           </a:solidFill>
-          <a:latin typeface="Arial"/>
-          <a:ea typeface="Arial"/>
-          <a:cs typeface="Arial"/>
-          <a:sym typeface="Arial"/>
+          <a:latin typeface="Arial" panose="020B0604020202020204"/>
+          <a:ea typeface="Arial" panose="020B0604020202020204"/>
+          <a:cs typeface="Arial" panose="020B0604020202020204"/>
+          <a:sym typeface="Arial" panose="020B0604020202020204"/>
         </a:defRPr>
       </a:lvl1pPr>
       <a:lvl2pPr marR="0" lvl="1" algn="l" rtl="0">
@@ -12870,15 +12995,15 @@
         <a:buClr>
           <a:srgbClr val="000000"/>
         </a:buClr>
-        <a:buFont typeface="Arial"/>
+        <a:buFont typeface="Arial" panose="020B0604020202020204"/>
         <a:defRPr sz="1400" b="0" i="0" u="none" strike="noStrike" cap="none">
           <a:solidFill>
             <a:srgbClr val="000000"/>
           </a:solidFill>
-          <a:latin typeface="Arial"/>
-          <a:ea typeface="Arial"/>
-          <a:cs typeface="Arial"/>
-          <a:sym typeface="Arial"/>
+          <a:latin typeface="Arial" panose="020B0604020202020204"/>
+          <a:ea typeface="Arial" panose="020B0604020202020204"/>
+          <a:cs typeface="Arial" panose="020B0604020202020204"/>
+          <a:sym typeface="Arial" panose="020B0604020202020204"/>
         </a:defRPr>
       </a:lvl2pPr>
       <a:lvl3pPr marR="0" lvl="2" algn="l" rtl="0">
@@ -12894,15 +13019,15 @@
         <a:buClr>
           <a:srgbClr val="000000"/>
         </a:buClr>
-        <a:buFont typeface="Arial"/>
+        <a:buFont typeface="Arial" panose="020B0604020202020204"/>
         <a:defRPr sz="1400" b="0" i="0" u="none" strike="noStrike" cap="none">
           <a:solidFill>
             <a:srgbClr val="000000"/>
           </a:solidFill>
-          <a:latin typeface="Arial"/>
-          <a:ea typeface="Arial"/>
-          <a:cs typeface="Arial"/>
-          <a:sym typeface="Arial"/>
+          <a:latin typeface="Arial" panose="020B0604020202020204"/>
+          <a:ea typeface="Arial" panose="020B0604020202020204"/>
+          <a:cs typeface="Arial" panose="020B0604020202020204"/>
+          <a:sym typeface="Arial" panose="020B0604020202020204"/>
         </a:defRPr>
       </a:lvl3pPr>
       <a:lvl4pPr marR="0" lvl="3" algn="l" rtl="0">
@@ -12918,15 +13043,15 @@
         <a:buClr>
           <a:srgbClr val="000000"/>
         </a:buClr>
-        <a:buFont typeface="Arial"/>
+        <a:buFont typeface="Arial" panose="020B0604020202020204"/>
         <a:defRPr sz="1400" b="0" i="0" u="none" strike="noStrike" cap="none">
           <a:solidFill>
             <a:srgbClr val="000000"/>
           </a:solidFill>
-          <a:latin typeface="Arial"/>
-          <a:ea typeface="Arial"/>
-          <a:cs typeface="Arial"/>
-          <a:sym typeface="Arial"/>
+          <a:latin typeface="Arial" panose="020B0604020202020204"/>
+          <a:ea typeface="Arial" panose="020B0604020202020204"/>
+          <a:cs typeface="Arial" panose="020B0604020202020204"/>
+          <a:sym typeface="Arial" panose="020B0604020202020204"/>
         </a:defRPr>
       </a:lvl4pPr>
       <a:lvl5pPr marR="0" lvl="4" algn="l" rtl="0">
@@ -12942,15 +13067,15 @@
         <a:buClr>
           <a:srgbClr val="000000"/>
         </a:buClr>
-        <a:buFont typeface="Arial"/>
+        <a:buFont typeface="Arial" panose="020B0604020202020204"/>
         <a:defRPr sz="1400" b="0" i="0" u="none" strike="noStrike" cap="none">
           <a:solidFill>
             <a:srgbClr val="000000"/>
           </a:solidFill>
-          <a:latin typeface="Arial"/>
-          <a:ea typeface="Arial"/>
-          <a:cs typeface="Arial"/>
-          <a:sym typeface="Arial"/>
+          <a:latin typeface="Arial" panose="020B0604020202020204"/>
+          <a:ea typeface="Arial" panose="020B0604020202020204"/>
+          <a:cs typeface="Arial" panose="020B0604020202020204"/>
+          <a:sym typeface="Arial" panose="020B0604020202020204"/>
         </a:defRPr>
       </a:lvl5pPr>
       <a:lvl6pPr marR="0" lvl="5" algn="l" rtl="0">
@@ -12966,15 +13091,15 @@
         <a:buClr>
           <a:srgbClr val="000000"/>
         </a:buClr>
-        <a:buFont typeface="Arial"/>
+        <a:buFont typeface="Arial" panose="020B0604020202020204"/>
         <a:defRPr sz="1400" b="0" i="0" u="none" strike="noStrike" cap="none">
           <a:solidFill>
             <a:srgbClr val="000000"/>
           </a:solidFill>
-          <a:latin typeface="Arial"/>
-          <a:ea typeface="Arial"/>
-          <a:cs typeface="Arial"/>
-          <a:sym typeface="Arial"/>
+          <a:latin typeface="Arial" panose="020B0604020202020204"/>
+          <a:ea typeface="Arial" panose="020B0604020202020204"/>
+          <a:cs typeface="Arial" panose="020B0604020202020204"/>
+          <a:sym typeface="Arial" panose="020B0604020202020204"/>
         </a:defRPr>
       </a:lvl6pPr>
       <a:lvl7pPr marR="0" lvl="6" algn="l" rtl="0">
@@ -12990,15 +13115,15 @@
         <a:buClr>
           <a:srgbClr val="000000"/>
         </a:buClr>
-        <a:buFont typeface="Arial"/>
+        <a:buFont typeface="Arial" panose="020B0604020202020204"/>
         <a:defRPr sz="1400" b="0" i="0" u="none" strike="noStrike" cap="none">
           <a:solidFill>
             <a:srgbClr val="000000"/>
           </a:solidFill>
-          <a:latin typeface="Arial"/>
-          <a:ea typeface="Arial"/>
-          <a:cs typeface="Arial"/>
-          <a:sym typeface="Arial"/>
+          <a:latin typeface="Arial" panose="020B0604020202020204"/>
+          <a:ea typeface="Arial" panose="020B0604020202020204"/>
+          <a:cs typeface="Arial" panose="020B0604020202020204"/>
+          <a:sym typeface="Arial" panose="020B0604020202020204"/>
         </a:defRPr>
       </a:lvl7pPr>
       <a:lvl8pPr marR="0" lvl="7" algn="l" rtl="0">
@@ -13014,15 +13139,15 @@
         <a:buClr>
           <a:srgbClr val="000000"/>
         </a:buClr>
-        <a:buFont typeface="Arial"/>
+        <a:buFont typeface="Arial" panose="020B0604020202020204"/>
         <a:defRPr sz="1400" b="0" i="0" u="none" strike="noStrike" cap="none">
           <a:solidFill>
             <a:srgbClr val="000000"/>
           </a:solidFill>
-          <a:latin typeface="Arial"/>
-          <a:ea typeface="Arial"/>
-          <a:cs typeface="Arial"/>
-          <a:sym typeface="Arial"/>
+          <a:latin typeface="Arial" panose="020B0604020202020204"/>
+          <a:ea typeface="Arial" panose="020B0604020202020204"/>
+          <a:cs typeface="Arial" panose="020B0604020202020204"/>
+          <a:sym typeface="Arial" panose="020B0604020202020204"/>
         </a:defRPr>
       </a:lvl8pPr>
       <a:lvl9pPr marR="0" lvl="8" algn="l" rtl="0">
@@ -13038,15 +13163,15 @@
         <a:buClr>
           <a:srgbClr val="000000"/>
         </a:buClr>
-        <a:buFont typeface="Arial"/>
+        <a:buFont typeface="Arial" panose="020B0604020202020204"/>
         <a:defRPr sz="1400" b="0" i="0" u="none" strike="noStrike" cap="none">
           <a:solidFill>
             <a:srgbClr val="000000"/>
           </a:solidFill>
-          <a:latin typeface="Arial"/>
-          <a:ea typeface="Arial"/>
-          <a:cs typeface="Arial"/>
-          <a:sym typeface="Arial"/>
+          <a:latin typeface="Arial" panose="020B0604020202020204"/>
+          <a:ea typeface="Arial" panose="020B0604020202020204"/>
+          <a:cs typeface="Arial" panose="020B0604020202020204"/>
+          <a:sym typeface="Arial" panose="020B0604020202020204"/>
         </a:defRPr>
       </a:lvl9pPr>
     </p:bodyStyle>
@@ -13075,15 +13200,15 @@
         <a:buClr>
           <a:srgbClr val="000000"/>
         </a:buClr>
-        <a:buFont typeface="Arial"/>
+        <a:buFont typeface="Arial" panose="020B0604020202020204"/>
         <a:defRPr sz="1400" b="0" i="0" u="none" strike="noStrike" cap="none">
           <a:solidFill>
             <a:srgbClr val="000000"/>
           </a:solidFill>
-          <a:latin typeface="Arial"/>
-          <a:ea typeface="Arial"/>
-          <a:cs typeface="Arial"/>
-          <a:sym typeface="Arial"/>
+          <a:latin typeface="Arial" panose="020B0604020202020204"/>
+          <a:ea typeface="Arial" panose="020B0604020202020204"/>
+          <a:cs typeface="Arial" panose="020B0604020202020204"/>
+          <a:sym typeface="Arial" panose="020B0604020202020204"/>
         </a:defRPr>
       </a:lvl1pPr>
       <a:lvl2pPr marR="0" lvl="1" algn="l" rtl="0">
@@ -13099,15 +13224,15 @@
         <a:buClr>
           <a:srgbClr val="000000"/>
         </a:buClr>
-        <a:buFont typeface="Arial"/>
+        <a:buFont typeface="Arial" panose="020B0604020202020204"/>
         <a:defRPr sz="1400" b="0" i="0" u="none" strike="noStrike" cap="none">
           <a:solidFill>
             <a:srgbClr val="000000"/>
           </a:solidFill>
-          <a:latin typeface="Arial"/>
-          <a:ea typeface="Arial"/>
-          <a:cs typeface="Arial"/>
-          <a:sym typeface="Arial"/>
+          <a:latin typeface="Arial" panose="020B0604020202020204"/>
+          <a:ea typeface="Arial" panose="020B0604020202020204"/>
+          <a:cs typeface="Arial" panose="020B0604020202020204"/>
+          <a:sym typeface="Arial" panose="020B0604020202020204"/>
         </a:defRPr>
       </a:lvl2pPr>
       <a:lvl3pPr marR="0" lvl="2" algn="l" rtl="0">
@@ -13123,15 +13248,15 @@
         <a:buClr>
           <a:srgbClr val="000000"/>
         </a:buClr>
-        <a:buFont typeface="Arial"/>
+        <a:buFont typeface="Arial" panose="020B0604020202020204"/>
         <a:defRPr sz="1400" b="0" i="0" u="none" strike="noStrike" cap="none">
           <a:solidFill>
             <a:srgbClr val="000000"/>
           </a:solidFill>
-          <a:latin typeface="Arial"/>
-          <a:ea typeface="Arial"/>
-          <a:cs typeface="Arial"/>
-          <a:sym typeface="Arial"/>
+          <a:latin typeface="Arial" panose="020B0604020202020204"/>
+          <a:ea typeface="Arial" panose="020B0604020202020204"/>
+          <a:cs typeface="Arial" panose="020B0604020202020204"/>
+          <a:sym typeface="Arial" panose="020B0604020202020204"/>
         </a:defRPr>
       </a:lvl3pPr>
       <a:lvl4pPr marR="0" lvl="3" algn="l" rtl="0">
@@ -13147,15 +13272,15 @@
         <a:buClr>
           <a:srgbClr val="000000"/>
         </a:buClr>
-        <a:buFont typeface="Arial"/>
+        <a:buFont typeface="Arial" panose="020B0604020202020204"/>
         <a:defRPr sz="1400" b="0" i="0" u="none" strike="noStrike" cap="none">
           <a:solidFill>
             <a:srgbClr val="000000"/>
           </a:solidFill>
-          <a:latin typeface="Arial"/>
-          <a:ea typeface="Arial"/>
-          <a:cs typeface="Arial"/>
-          <a:sym typeface="Arial"/>
+          <a:latin typeface="Arial" panose="020B0604020202020204"/>
+          <a:ea typeface="Arial" panose="020B0604020202020204"/>
+          <a:cs typeface="Arial" panose="020B0604020202020204"/>
+          <a:sym typeface="Arial" panose="020B0604020202020204"/>
         </a:defRPr>
       </a:lvl4pPr>
       <a:lvl5pPr marR="0" lvl="4" algn="l" rtl="0">
@@ -13171,15 +13296,15 @@
         <a:buClr>
           <a:srgbClr val="000000"/>
         </a:buClr>
-        <a:buFont typeface="Arial"/>
+        <a:buFont typeface="Arial" panose="020B0604020202020204"/>
         <a:defRPr sz="1400" b="0" i="0" u="none" strike="noStrike" cap="none">
           <a:solidFill>
             <a:srgbClr val="000000"/>
           </a:solidFill>
-          <a:latin typeface="Arial"/>
-          <a:ea typeface="Arial"/>
-          <a:cs typeface="Arial"/>
-          <a:sym typeface="Arial"/>
+          <a:latin typeface="Arial" panose="020B0604020202020204"/>
+          <a:ea typeface="Arial" panose="020B0604020202020204"/>
+          <a:cs typeface="Arial" panose="020B0604020202020204"/>
+          <a:sym typeface="Arial" panose="020B0604020202020204"/>
         </a:defRPr>
       </a:lvl5pPr>
       <a:lvl6pPr marR="0" lvl="5" algn="l" rtl="0">
@@ -13195,15 +13320,15 @@
         <a:buClr>
           <a:srgbClr val="000000"/>
         </a:buClr>
-        <a:buFont typeface="Arial"/>
+        <a:buFont typeface="Arial" panose="020B0604020202020204"/>
         <a:defRPr sz="1400" b="0" i="0" u="none" strike="noStrike" cap="none">
           <a:solidFill>
             <a:srgbClr val="000000"/>
           </a:solidFill>
-          <a:latin typeface="Arial"/>
-          <a:ea typeface="Arial"/>
-          <a:cs typeface="Arial"/>
-          <a:sym typeface="Arial"/>
+          <a:latin typeface="Arial" panose="020B0604020202020204"/>
+          <a:ea typeface="Arial" panose="020B0604020202020204"/>
+          <a:cs typeface="Arial" panose="020B0604020202020204"/>
+          <a:sym typeface="Arial" panose="020B0604020202020204"/>
         </a:defRPr>
       </a:lvl6pPr>
       <a:lvl7pPr marR="0" lvl="6" algn="l" rtl="0">
@@ -13219,15 +13344,15 @@
         <a:buClr>
           <a:srgbClr val="000000"/>
         </a:buClr>
-        <a:buFont typeface="Arial"/>
+        <a:buFont typeface="Arial" panose="020B0604020202020204"/>
         <a:defRPr sz="1400" b="0" i="0" u="none" strike="noStrike" cap="none">
           <a:solidFill>
             <a:srgbClr val="000000"/>
           </a:solidFill>
-          <a:latin typeface="Arial"/>
-          <a:ea typeface="Arial"/>
-          <a:cs typeface="Arial"/>
-          <a:sym typeface="Arial"/>
+          <a:latin typeface="Arial" panose="020B0604020202020204"/>
+          <a:ea typeface="Arial" panose="020B0604020202020204"/>
+          <a:cs typeface="Arial" panose="020B0604020202020204"/>
+          <a:sym typeface="Arial" panose="020B0604020202020204"/>
         </a:defRPr>
       </a:lvl7pPr>
       <a:lvl8pPr marR="0" lvl="7" algn="l" rtl="0">
@@ -13243,15 +13368,15 @@
         <a:buClr>
           <a:srgbClr val="000000"/>
         </a:buClr>
-        <a:buFont typeface="Arial"/>
+        <a:buFont typeface="Arial" panose="020B0604020202020204"/>
         <a:defRPr sz="1400" b="0" i="0" u="none" strike="noStrike" cap="none">
           <a:solidFill>
             <a:srgbClr val="000000"/>
           </a:solidFill>
-          <a:latin typeface="Arial"/>
-          <a:ea typeface="Arial"/>
-          <a:cs typeface="Arial"/>
-          <a:sym typeface="Arial"/>
+          <a:latin typeface="Arial" panose="020B0604020202020204"/>
+          <a:ea typeface="Arial" panose="020B0604020202020204"/>
+          <a:cs typeface="Arial" panose="020B0604020202020204"/>
+          <a:sym typeface="Arial" panose="020B0604020202020204"/>
         </a:defRPr>
       </a:lvl8pPr>
       <a:lvl9pPr marR="0" lvl="8" algn="l" rtl="0">
@@ -13267,15 +13392,15 @@
         <a:buClr>
           <a:srgbClr val="000000"/>
         </a:buClr>
-        <a:buFont typeface="Arial"/>
+        <a:buFont typeface="Arial" panose="020B0604020202020204"/>
         <a:defRPr sz="1400" b="0" i="0" u="none" strike="noStrike" cap="none">
           <a:solidFill>
             <a:srgbClr val="000000"/>
           </a:solidFill>
-          <a:latin typeface="Arial"/>
-          <a:ea typeface="Arial"/>
-          <a:cs typeface="Arial"/>
-          <a:sym typeface="Arial"/>
+          <a:latin typeface="Arial" panose="020B0604020202020204"/>
+          <a:ea typeface="Arial" panose="020B0604020202020204"/>
+          <a:cs typeface="Arial" panose="020B0604020202020204"/>
+          <a:sym typeface="Arial" panose="020B0604020202020204"/>
         </a:defRPr>
       </a:lvl9pPr>
     </p:otherStyle>
@@ -13348,16 +13473,16 @@
                 <a:schemeClr val="dk1"/>
               </a:buClr>
               <a:buSzPts val="1400"/>
-              <a:buFont typeface="Arial"/>
+              <a:buFont typeface="Arial" panose="020B0604020202020204"/>
               <a:buNone/>
               <a:defRPr sz="3600" b="1" i="0" u="none" strike="noStrike" cap="none">
                 <a:solidFill>
                   <a:schemeClr val="dk1"/>
                 </a:solidFill>
-                <a:latin typeface="Arial"/>
-                <a:ea typeface="Arial"/>
-                <a:cs typeface="Arial"/>
-                <a:sym typeface="Arial"/>
+                <a:latin typeface="Arial" panose="020B0604020202020204"/>
+                <a:ea typeface="Arial" panose="020B0604020202020204"/>
+                <a:cs typeface="Arial" panose="020B0604020202020204"/>
+                <a:sym typeface="Arial" panose="020B0604020202020204"/>
               </a:defRPr>
             </a:lvl1pPr>
             <a:lvl2pPr marL="0" marR="0" lvl="1" indent="228600" algn="l" rtl="0">
@@ -13374,16 +13499,16 @@
                 <a:schemeClr val="dk1"/>
               </a:buClr>
               <a:buSzPts val="1400"/>
-              <a:buFont typeface="Arial"/>
+              <a:buFont typeface="Arial" panose="020B0604020202020204"/>
               <a:buNone/>
               <a:defRPr sz="3600" b="1" i="0" u="none" strike="noStrike" cap="none">
                 <a:solidFill>
                   <a:schemeClr val="dk1"/>
                 </a:solidFill>
-                <a:latin typeface="Arial"/>
-                <a:ea typeface="Arial"/>
-                <a:cs typeface="Arial"/>
-                <a:sym typeface="Arial"/>
+                <a:latin typeface="Arial" panose="020B0604020202020204"/>
+                <a:ea typeface="Arial" panose="020B0604020202020204"/>
+                <a:cs typeface="Arial" panose="020B0604020202020204"/>
+                <a:sym typeface="Arial" panose="020B0604020202020204"/>
               </a:defRPr>
             </a:lvl2pPr>
             <a:lvl3pPr marL="0" marR="0" lvl="2" indent="228600" algn="l" rtl="0">
@@ -13397,16 +13522,16 @@
                 <a:schemeClr val="dk1"/>
               </a:buClr>
               <a:buSzPts val="1400"/>
-              <a:buFont typeface="Arial"/>
+              <a:buFont typeface="Arial" panose="020B0604020202020204"/>
               <a:buNone/>
               <a:defRPr sz="3600" b="1" i="0" u="none" strike="noStrike" cap="none">
                 <a:solidFill>
                   <a:schemeClr val="dk1"/>
                 </a:solidFill>
-                <a:latin typeface="Arial"/>
-                <a:ea typeface="Arial"/>
-                <a:cs typeface="Arial"/>
-                <a:sym typeface="Arial"/>
+                <a:latin typeface="Arial" panose="020B0604020202020204"/>
+                <a:ea typeface="Arial" panose="020B0604020202020204"/>
+                <a:cs typeface="Arial" panose="020B0604020202020204"/>
+                <a:sym typeface="Arial" panose="020B0604020202020204"/>
               </a:defRPr>
             </a:lvl3pPr>
             <a:lvl4pPr marL="0" marR="0" lvl="3" indent="228600" algn="l" rtl="0">
@@ -13420,16 +13545,16 @@
                 <a:schemeClr val="dk1"/>
               </a:buClr>
               <a:buSzPts val="1400"/>
-              <a:buFont typeface="Arial"/>
+              <a:buFont typeface="Arial" panose="020B0604020202020204"/>
               <a:buNone/>
               <a:defRPr sz="3600" b="1" i="0" u="none" strike="noStrike" cap="none">
                 <a:solidFill>
                   <a:schemeClr val="dk1"/>
                 </a:solidFill>
-                <a:latin typeface="Arial"/>
-                <a:ea typeface="Arial"/>
-                <a:cs typeface="Arial"/>
-                <a:sym typeface="Arial"/>
+                <a:latin typeface="Arial" panose="020B0604020202020204"/>
+                <a:ea typeface="Arial" panose="020B0604020202020204"/>
+                <a:cs typeface="Arial" panose="020B0604020202020204"/>
+                <a:sym typeface="Arial" panose="020B0604020202020204"/>
               </a:defRPr>
             </a:lvl4pPr>
             <a:lvl5pPr marL="0" marR="0" lvl="4" indent="228600" algn="l" rtl="0">
@@ -13443,16 +13568,16 @@
                 <a:schemeClr val="dk1"/>
               </a:buClr>
               <a:buSzPts val="1400"/>
-              <a:buFont typeface="Arial"/>
+              <a:buFont typeface="Arial" panose="020B0604020202020204"/>
               <a:buNone/>
               <a:defRPr sz="3600" b="1" i="0" u="none" strike="noStrike" cap="none">
                 <a:solidFill>
                   <a:schemeClr val="dk1"/>
                 </a:solidFill>
-                <a:latin typeface="Arial"/>
-                <a:ea typeface="Arial"/>
-                <a:cs typeface="Arial"/>
-                <a:sym typeface="Arial"/>
+                <a:latin typeface="Arial" panose="020B0604020202020204"/>
+                <a:ea typeface="Arial" panose="020B0604020202020204"/>
+                <a:cs typeface="Arial" panose="020B0604020202020204"/>
+                <a:sym typeface="Arial" panose="020B0604020202020204"/>
               </a:defRPr>
             </a:lvl5pPr>
             <a:lvl6pPr marL="0" marR="0" lvl="5" indent="228600" algn="l" rtl="0">
@@ -13466,16 +13591,16 @@
                 <a:schemeClr val="dk1"/>
               </a:buClr>
               <a:buSzPts val="1400"/>
-              <a:buFont typeface="Arial"/>
+              <a:buFont typeface="Arial" panose="020B0604020202020204"/>
               <a:buNone/>
               <a:defRPr sz="3600" b="1" i="0" u="none" strike="noStrike" cap="none">
                 <a:solidFill>
                   <a:schemeClr val="dk1"/>
                 </a:solidFill>
-                <a:latin typeface="Arial"/>
-                <a:ea typeface="Arial"/>
-                <a:cs typeface="Arial"/>
-                <a:sym typeface="Arial"/>
+                <a:latin typeface="Arial" panose="020B0604020202020204"/>
+                <a:ea typeface="Arial" panose="020B0604020202020204"/>
+                <a:cs typeface="Arial" panose="020B0604020202020204"/>
+                <a:sym typeface="Arial" panose="020B0604020202020204"/>
               </a:defRPr>
             </a:lvl6pPr>
             <a:lvl7pPr marL="0" marR="0" lvl="6" indent="228600" algn="l" rtl="0">
@@ -13489,16 +13614,16 @@
                 <a:schemeClr val="dk1"/>
               </a:buClr>
               <a:buSzPts val="1400"/>
-              <a:buFont typeface="Arial"/>
+              <a:buFont typeface="Arial" panose="020B0604020202020204"/>
               <a:buNone/>
               <a:defRPr sz="3600" b="1" i="0" u="none" strike="noStrike" cap="none">
                 <a:solidFill>
                   <a:schemeClr val="dk1"/>
                 </a:solidFill>
-                <a:latin typeface="Arial"/>
-                <a:ea typeface="Arial"/>
-                <a:cs typeface="Arial"/>
-                <a:sym typeface="Arial"/>
+                <a:latin typeface="Arial" panose="020B0604020202020204"/>
+                <a:ea typeface="Arial" panose="020B0604020202020204"/>
+                <a:cs typeface="Arial" panose="020B0604020202020204"/>
+                <a:sym typeface="Arial" panose="020B0604020202020204"/>
               </a:defRPr>
             </a:lvl7pPr>
             <a:lvl8pPr marL="0" marR="0" lvl="7" indent="228600" algn="l" rtl="0">
@@ -13512,16 +13637,16 @@
                 <a:schemeClr val="dk1"/>
               </a:buClr>
               <a:buSzPts val="1400"/>
-              <a:buFont typeface="Arial"/>
+              <a:buFont typeface="Arial" panose="020B0604020202020204"/>
               <a:buNone/>
               <a:defRPr sz="3600" b="1" i="0" u="none" strike="noStrike" cap="none">
                 <a:solidFill>
                   <a:schemeClr val="dk1"/>
                 </a:solidFill>
-                <a:latin typeface="Arial"/>
-                <a:ea typeface="Arial"/>
-                <a:cs typeface="Arial"/>
-                <a:sym typeface="Arial"/>
+                <a:latin typeface="Arial" panose="020B0604020202020204"/>
+                <a:ea typeface="Arial" panose="020B0604020202020204"/>
+                <a:cs typeface="Arial" panose="020B0604020202020204"/>
+                <a:sym typeface="Arial" panose="020B0604020202020204"/>
               </a:defRPr>
             </a:lvl8pPr>
             <a:lvl9pPr marL="0" marR="0" lvl="8" indent="228600" algn="l" rtl="0">
@@ -13535,22 +13660,20 @@
                 <a:schemeClr val="dk1"/>
               </a:buClr>
               <a:buSzPts val="1400"/>
-              <a:buFont typeface="Arial"/>
+              <a:buFont typeface="Arial" panose="020B0604020202020204"/>
               <a:buNone/>
               <a:defRPr sz="3600" b="1" i="0" u="none" strike="noStrike" cap="none">
                 <a:solidFill>
                   <a:schemeClr val="dk1"/>
                 </a:solidFill>
-                <a:latin typeface="Arial"/>
-                <a:ea typeface="Arial"/>
-                <a:cs typeface="Arial"/>
-                <a:sym typeface="Arial"/>
+                <a:latin typeface="Arial" panose="020B0604020202020204"/>
+                <a:ea typeface="Arial" panose="020B0604020202020204"/>
+                <a:cs typeface="Arial" panose="020B0604020202020204"/>
+                <a:sym typeface="Arial" panose="020B0604020202020204"/>
               </a:defRPr>
             </a:lvl9pPr>
           </a:lstStyle>
-          <a:p>
-            <a:endParaRPr/>
-          </a:p>
+          <a:p/>
         </p:txBody>
       </p:sp>
       <p:sp>
@@ -13593,16 +13716,16 @@
                 <a:schemeClr val="dk1"/>
               </a:buClr>
               <a:buSzPts val="1400"/>
-              <a:buFont typeface="Arial"/>
+              <a:buFont typeface="Arial" panose="020B0604020202020204"/>
               <a:buChar char="●"/>
               <a:defRPr sz="3000" b="0" i="0" u="none" strike="noStrike" cap="none">
                 <a:solidFill>
                   <a:schemeClr val="dk1"/>
                 </a:solidFill>
-                <a:latin typeface="Arial"/>
-                <a:ea typeface="Arial"/>
-                <a:cs typeface="Arial"/>
-                <a:sym typeface="Arial"/>
+                <a:latin typeface="Arial" panose="020B0604020202020204"/>
+                <a:ea typeface="Arial" panose="020B0604020202020204"/>
+                <a:cs typeface="Arial" panose="020B0604020202020204"/>
+                <a:sym typeface="Arial" panose="020B0604020202020204"/>
               </a:defRPr>
             </a:lvl1pPr>
             <a:lvl2pPr marL="914400" marR="0" lvl="1" indent="-317500" algn="l" rtl="0">
@@ -13619,16 +13742,16 @@
                 <a:schemeClr val="dk1"/>
               </a:buClr>
               <a:buSzPts val="1400"/>
-              <a:buFont typeface="Arial"/>
+              <a:buFont typeface="Arial" panose="020B0604020202020204"/>
               <a:buChar char="○"/>
               <a:defRPr sz="2400" b="0" i="0" u="none" strike="noStrike" cap="none">
                 <a:solidFill>
                   <a:schemeClr val="dk1"/>
                 </a:solidFill>
-                <a:latin typeface="Arial"/>
-                <a:ea typeface="Arial"/>
-                <a:cs typeface="Arial"/>
-                <a:sym typeface="Arial"/>
+                <a:latin typeface="Arial" panose="020B0604020202020204"/>
+                <a:ea typeface="Arial" panose="020B0604020202020204"/>
+                <a:cs typeface="Arial" panose="020B0604020202020204"/>
+                <a:sym typeface="Arial" panose="020B0604020202020204"/>
               </a:defRPr>
             </a:lvl2pPr>
             <a:lvl3pPr marL="1371600" marR="0" lvl="2" indent="-317500" algn="l" rtl="0">
@@ -13645,16 +13768,16 @@
                 <a:schemeClr val="dk1"/>
               </a:buClr>
               <a:buSzPts val="1400"/>
-              <a:buFont typeface="Arial"/>
+              <a:buFont typeface="Arial" panose="020B0604020202020204"/>
               <a:buChar char="■"/>
               <a:defRPr sz="2400" b="0" i="0" u="none" strike="noStrike" cap="none">
                 <a:solidFill>
                   <a:schemeClr val="dk1"/>
                 </a:solidFill>
-                <a:latin typeface="Arial"/>
-                <a:ea typeface="Arial"/>
-                <a:cs typeface="Arial"/>
-                <a:sym typeface="Arial"/>
+                <a:latin typeface="Arial" panose="020B0604020202020204"/>
+                <a:ea typeface="Arial" panose="020B0604020202020204"/>
+                <a:cs typeface="Arial" panose="020B0604020202020204"/>
+                <a:sym typeface="Arial" panose="020B0604020202020204"/>
               </a:defRPr>
             </a:lvl3pPr>
             <a:lvl4pPr marL="1828800" marR="0" lvl="3" indent="-317500" algn="l" rtl="0">
@@ -13671,16 +13794,16 @@
                 <a:schemeClr val="dk1"/>
               </a:buClr>
               <a:buSzPts val="1400"/>
-              <a:buFont typeface="Arial"/>
+              <a:buFont typeface="Arial" panose="020B0604020202020204"/>
               <a:buChar char="●"/>
               <a:defRPr sz="1800" b="0" i="0" u="none" strike="noStrike" cap="none">
                 <a:solidFill>
                   <a:schemeClr val="dk1"/>
                 </a:solidFill>
-                <a:latin typeface="Arial"/>
-                <a:ea typeface="Arial"/>
-                <a:cs typeface="Arial"/>
-                <a:sym typeface="Arial"/>
+                <a:latin typeface="Arial" panose="020B0604020202020204"/>
+                <a:ea typeface="Arial" panose="020B0604020202020204"/>
+                <a:cs typeface="Arial" panose="020B0604020202020204"/>
+                <a:sym typeface="Arial" panose="020B0604020202020204"/>
               </a:defRPr>
             </a:lvl4pPr>
             <a:lvl5pPr marL="2286000" marR="0" lvl="4" indent="-317500" algn="l" rtl="0">
@@ -13697,16 +13820,16 @@
                 <a:schemeClr val="dk1"/>
               </a:buClr>
               <a:buSzPts val="1400"/>
-              <a:buFont typeface="Arial"/>
+              <a:buFont typeface="Arial" panose="020B0604020202020204"/>
               <a:buChar char="○"/>
               <a:defRPr sz="1800" b="0" i="0" u="none" strike="noStrike" cap="none">
                 <a:solidFill>
                   <a:schemeClr val="dk1"/>
                 </a:solidFill>
-                <a:latin typeface="Arial"/>
-                <a:ea typeface="Arial"/>
-                <a:cs typeface="Arial"/>
-                <a:sym typeface="Arial"/>
+                <a:latin typeface="Arial" panose="020B0604020202020204"/>
+                <a:ea typeface="Arial" panose="020B0604020202020204"/>
+                <a:cs typeface="Arial" panose="020B0604020202020204"/>
+                <a:sym typeface="Arial" panose="020B0604020202020204"/>
               </a:defRPr>
             </a:lvl5pPr>
             <a:lvl6pPr marL="2743200" marR="0" lvl="5" indent="-317500" algn="l" rtl="0">
@@ -13723,16 +13846,16 @@
                 <a:schemeClr val="dk1"/>
               </a:buClr>
               <a:buSzPts val="1400"/>
-              <a:buFont typeface="Arial"/>
+              <a:buFont typeface="Arial" panose="020B0604020202020204"/>
               <a:buChar char="■"/>
               <a:defRPr sz="1800" b="0" i="0" u="none" strike="noStrike" cap="none">
                 <a:solidFill>
                   <a:schemeClr val="dk1"/>
                 </a:solidFill>
-                <a:latin typeface="Arial"/>
-                <a:ea typeface="Arial"/>
-                <a:cs typeface="Arial"/>
-                <a:sym typeface="Arial"/>
+                <a:latin typeface="Arial" panose="020B0604020202020204"/>
+                <a:ea typeface="Arial" panose="020B0604020202020204"/>
+                <a:cs typeface="Arial" panose="020B0604020202020204"/>
+                <a:sym typeface="Arial" panose="020B0604020202020204"/>
               </a:defRPr>
             </a:lvl6pPr>
             <a:lvl7pPr marL="3200400" marR="0" lvl="6" indent="-317500" algn="l" rtl="0">
@@ -13749,16 +13872,16 @@
                 <a:schemeClr val="dk1"/>
               </a:buClr>
               <a:buSzPts val="1400"/>
-              <a:buFont typeface="Arial"/>
+              <a:buFont typeface="Arial" panose="020B0604020202020204"/>
               <a:buChar char="●"/>
               <a:defRPr sz="1800" b="0" i="0" u="none" strike="noStrike" cap="none">
                 <a:solidFill>
                   <a:schemeClr val="dk1"/>
                 </a:solidFill>
-                <a:latin typeface="Arial"/>
-                <a:ea typeface="Arial"/>
-                <a:cs typeface="Arial"/>
-                <a:sym typeface="Arial"/>
+                <a:latin typeface="Arial" panose="020B0604020202020204"/>
+                <a:ea typeface="Arial" panose="020B0604020202020204"/>
+                <a:cs typeface="Arial" panose="020B0604020202020204"/>
+                <a:sym typeface="Arial" panose="020B0604020202020204"/>
               </a:defRPr>
             </a:lvl7pPr>
             <a:lvl8pPr marL="3657600" marR="0" lvl="7" indent="-317500" algn="l" rtl="0">
@@ -13775,16 +13898,16 @@
                 <a:schemeClr val="dk1"/>
               </a:buClr>
               <a:buSzPts val="1400"/>
-              <a:buFont typeface="Arial"/>
+              <a:buFont typeface="Arial" panose="020B0604020202020204"/>
               <a:buChar char="○"/>
               <a:defRPr sz="1800" b="0" i="0" u="none" strike="noStrike" cap="none">
                 <a:solidFill>
                   <a:schemeClr val="dk1"/>
                 </a:solidFill>
-                <a:latin typeface="Arial"/>
-                <a:ea typeface="Arial"/>
-                <a:cs typeface="Arial"/>
-                <a:sym typeface="Arial"/>
+                <a:latin typeface="Arial" panose="020B0604020202020204"/>
+                <a:ea typeface="Arial" panose="020B0604020202020204"/>
+                <a:cs typeface="Arial" panose="020B0604020202020204"/>
+                <a:sym typeface="Arial" panose="020B0604020202020204"/>
               </a:defRPr>
             </a:lvl8pPr>
             <a:lvl9pPr marL="4114800" marR="0" lvl="8" indent="-317500" algn="l" rtl="0">
@@ -13801,38 +13924,36 @@
                 <a:schemeClr val="dk1"/>
               </a:buClr>
               <a:buSzPts val="1400"/>
-              <a:buFont typeface="Arial"/>
+              <a:buFont typeface="Arial" panose="020B0604020202020204"/>
               <a:buChar char="■"/>
               <a:defRPr sz="1800" b="0" i="0" u="none" strike="noStrike" cap="none">
                 <a:solidFill>
                   <a:schemeClr val="dk1"/>
                 </a:solidFill>
-                <a:latin typeface="Arial"/>
-                <a:ea typeface="Arial"/>
-                <a:cs typeface="Arial"/>
-                <a:sym typeface="Arial"/>
+                <a:latin typeface="Arial" panose="020B0604020202020204"/>
+                <a:ea typeface="Arial" panose="020B0604020202020204"/>
+                <a:cs typeface="Arial" panose="020B0604020202020204"/>
+                <a:sym typeface="Arial" panose="020B0604020202020204"/>
               </a:defRPr>
             </a:lvl9pPr>
           </a:lstStyle>
-          <a:p>
-            <a:endParaRPr/>
-          </a:p>
+          <a:p/>
         </p:txBody>
       </p:sp>
     </p:spTree>
   </p:cSld>
   <p:clrMap bg1="lt1" tx1="dk1" bg2="dk2" tx2="lt2" accent1="accent1" accent2="accent2" accent3="accent3" accent4="accent4" accent5="accent5" accent6="accent6" hlink="hlink" folHlink="folHlink"/>
   <p:sldLayoutIdLst>
-    <p:sldLayoutId id="2147483662" r:id="rId1"/>
-    <p:sldLayoutId id="2147483663" r:id="rId2"/>
-    <p:sldLayoutId id="2147483664" r:id="rId3"/>
-    <p:sldLayoutId id="2147483665" r:id="rId4"/>
-    <p:sldLayoutId id="2147483666" r:id="rId5"/>
-    <p:sldLayoutId id="2147483667" r:id="rId6"/>
-    <p:sldLayoutId id="2147483668" r:id="rId7"/>
-    <p:sldLayoutId id="2147483669" r:id="rId8"/>
-    <p:sldLayoutId id="2147483670" r:id="rId9"/>
-    <p:sldLayoutId id="2147483671" r:id="rId10"/>
+    <p:sldLayoutId id="2147483664" r:id="rId1"/>
+    <p:sldLayoutId id="2147483665" r:id="rId2"/>
+    <p:sldLayoutId id="2147483666" r:id="rId3"/>
+    <p:sldLayoutId id="2147483667" r:id="rId4"/>
+    <p:sldLayoutId id="2147483668" r:id="rId5"/>
+    <p:sldLayoutId id="2147483669" r:id="rId6"/>
+    <p:sldLayoutId id="2147483670" r:id="rId7"/>
+    <p:sldLayoutId id="2147483671" r:id="rId8"/>
+    <p:sldLayoutId id="2147483672" r:id="rId9"/>
+    <p:sldLayoutId id="2147483673" r:id="rId10"/>
   </p:sldLayoutIdLst>
   <p:hf sldNum="0" hdr="0" ftr="0" dt="0"/>
   <p:txStyles>
@@ -13861,15 +13982,15 @@
         <a:buClr>
           <a:srgbClr val="000000"/>
         </a:buClr>
-        <a:buFont typeface="Arial"/>
+        <a:buFont typeface="Arial" panose="020B0604020202020204"/>
         <a:defRPr sz="1400" b="0" i="0" u="none" strike="noStrike" cap="none">
           <a:solidFill>
             <a:srgbClr val="000000"/>
           </a:solidFill>
-          <a:latin typeface="Arial"/>
-          <a:ea typeface="Arial"/>
-          <a:cs typeface="Arial"/>
-          <a:sym typeface="Arial"/>
+          <a:latin typeface="Arial" panose="020B0604020202020204"/>
+          <a:ea typeface="Arial" panose="020B0604020202020204"/>
+          <a:cs typeface="Arial" panose="020B0604020202020204"/>
+          <a:sym typeface="Arial" panose="020B0604020202020204"/>
         </a:defRPr>
       </a:lvl1pPr>
       <a:lvl2pPr marR="0" lvl="1" algn="l" rtl="0">
@@ -13885,15 +14006,15 @@
         <a:buClr>
           <a:srgbClr val="000000"/>
         </a:buClr>
-        <a:buFont typeface="Arial"/>
+        <a:buFont typeface="Arial" panose="020B0604020202020204"/>
         <a:defRPr sz="1400" b="0" i="0" u="none" strike="noStrike" cap="none">
           <a:solidFill>
             <a:srgbClr val="000000"/>
           </a:solidFill>
-          <a:latin typeface="Arial"/>
-          <a:ea typeface="Arial"/>
-          <a:cs typeface="Arial"/>
-          <a:sym typeface="Arial"/>
+          <a:latin typeface="Arial" panose="020B0604020202020204"/>
+          <a:ea typeface="Arial" panose="020B0604020202020204"/>
+          <a:cs typeface="Arial" panose="020B0604020202020204"/>
+          <a:sym typeface="Arial" panose="020B0604020202020204"/>
         </a:defRPr>
       </a:lvl2pPr>
       <a:lvl3pPr marR="0" lvl="2" algn="l" rtl="0">
@@ -13909,15 +14030,15 @@
         <a:buClr>
           <a:srgbClr val="000000"/>
         </a:buClr>
-        <a:buFont typeface="Arial"/>
+        <a:buFont typeface="Arial" panose="020B0604020202020204"/>
         <a:defRPr sz="1400" b="0" i="0" u="none" strike="noStrike" cap="none">
           <a:solidFill>
             <a:srgbClr val="000000"/>
           </a:solidFill>
-          <a:latin typeface="Arial"/>
-          <a:ea typeface="Arial"/>
-          <a:cs typeface="Arial"/>
-          <a:sym typeface="Arial"/>
+          <a:latin typeface="Arial" panose="020B0604020202020204"/>
+          <a:ea typeface="Arial" panose="020B0604020202020204"/>
+          <a:cs typeface="Arial" panose="020B0604020202020204"/>
+          <a:sym typeface="Arial" panose="020B0604020202020204"/>
         </a:defRPr>
       </a:lvl3pPr>
       <a:lvl4pPr marR="0" lvl="3" algn="l" rtl="0">
@@ -13933,15 +14054,15 @@
         <a:buClr>
           <a:srgbClr val="000000"/>
         </a:buClr>
-        <a:buFont typeface="Arial"/>
+        <a:buFont typeface="Arial" panose="020B0604020202020204"/>
         <a:defRPr sz="1400" b="0" i="0" u="none" strike="noStrike" cap="none">
           <a:solidFill>
             <a:srgbClr val="000000"/>
           </a:solidFill>
-          <a:latin typeface="Arial"/>
-          <a:ea typeface="Arial"/>
-          <a:cs typeface="Arial"/>
-          <a:sym typeface="Arial"/>
+          <a:latin typeface="Arial" panose="020B0604020202020204"/>
+          <a:ea typeface="Arial" panose="020B0604020202020204"/>
+          <a:cs typeface="Arial" panose="020B0604020202020204"/>
+          <a:sym typeface="Arial" panose="020B0604020202020204"/>
         </a:defRPr>
       </a:lvl4pPr>
       <a:lvl5pPr marR="0" lvl="4" algn="l" rtl="0">
@@ -13957,15 +14078,15 @@
         <a:buClr>
           <a:srgbClr val="000000"/>
         </a:buClr>
-        <a:buFont typeface="Arial"/>
+        <a:buFont typeface="Arial" panose="020B0604020202020204"/>
         <a:defRPr sz="1400" b="0" i="0" u="none" strike="noStrike" cap="none">
           <a:solidFill>
             <a:srgbClr val="000000"/>
           </a:solidFill>
-          <a:latin typeface="Arial"/>
-          <a:ea typeface="Arial"/>
-          <a:cs typeface="Arial"/>
-          <a:sym typeface="Arial"/>
+          <a:latin typeface="Arial" panose="020B0604020202020204"/>
+          <a:ea typeface="Arial" panose="020B0604020202020204"/>
+          <a:cs typeface="Arial" panose="020B0604020202020204"/>
+          <a:sym typeface="Arial" panose="020B0604020202020204"/>
         </a:defRPr>
       </a:lvl5pPr>
       <a:lvl6pPr marR="0" lvl="5" algn="l" rtl="0">
@@ -13981,15 +14102,15 @@
         <a:buClr>
           <a:srgbClr val="000000"/>
         </a:buClr>
-        <a:buFont typeface="Arial"/>
+        <a:buFont typeface="Arial" panose="020B0604020202020204"/>
         <a:defRPr sz="1400" b="0" i="0" u="none" strike="noStrike" cap="none">
           <a:solidFill>
             <a:srgbClr val="000000"/>
           </a:solidFill>
-          <a:latin typeface="Arial"/>
-          <a:ea typeface="Arial"/>
-          <a:cs typeface="Arial"/>
-          <a:sym typeface="Arial"/>
+          <a:latin typeface="Arial" panose="020B0604020202020204"/>
+          <a:ea typeface="Arial" panose="020B0604020202020204"/>
+          <a:cs typeface="Arial" panose="020B0604020202020204"/>
+          <a:sym typeface="Arial" panose="020B0604020202020204"/>
         </a:defRPr>
       </a:lvl6pPr>
       <a:lvl7pPr marR="0" lvl="6" algn="l" rtl="0">
@@ -14005,15 +14126,15 @@
         <a:buClr>
           <a:srgbClr val="000000"/>
         </a:buClr>
-        <a:buFont typeface="Arial"/>
+        <a:buFont typeface="Arial" panose="020B0604020202020204"/>
         <a:defRPr sz="1400" b="0" i="0" u="none" strike="noStrike" cap="none">
           <a:solidFill>
             <a:srgbClr val="000000"/>
           </a:solidFill>
-          <a:latin typeface="Arial"/>
-          <a:ea typeface="Arial"/>
-          <a:cs typeface="Arial"/>
-          <a:sym typeface="Arial"/>
+          <a:latin typeface="Arial" panose="020B0604020202020204"/>
+          <a:ea typeface="Arial" panose="020B0604020202020204"/>
+          <a:cs typeface="Arial" panose="020B0604020202020204"/>
+          <a:sym typeface="Arial" panose="020B0604020202020204"/>
         </a:defRPr>
       </a:lvl7pPr>
       <a:lvl8pPr marR="0" lvl="7" algn="l" rtl="0">
@@ -14029,15 +14150,15 @@
         <a:buClr>
           <a:srgbClr val="000000"/>
         </a:buClr>
-        <a:buFont typeface="Arial"/>
+        <a:buFont typeface="Arial" panose="020B0604020202020204"/>
         <a:defRPr sz="1400" b="0" i="0" u="none" strike="noStrike" cap="none">
           <a:solidFill>
             <a:srgbClr val="000000"/>
           </a:solidFill>
-          <a:latin typeface="Arial"/>
-          <a:ea typeface="Arial"/>
-          <a:cs typeface="Arial"/>
-          <a:sym typeface="Arial"/>
+          <a:latin typeface="Arial" panose="020B0604020202020204"/>
+          <a:ea typeface="Arial" panose="020B0604020202020204"/>
+          <a:cs typeface="Arial" panose="020B0604020202020204"/>
+          <a:sym typeface="Arial" panose="020B0604020202020204"/>
         </a:defRPr>
       </a:lvl8pPr>
       <a:lvl9pPr marR="0" lvl="8" algn="l" rtl="0">
@@ -14053,15 +14174,15 @@
         <a:buClr>
           <a:srgbClr val="000000"/>
         </a:buClr>
-        <a:buFont typeface="Arial"/>
+        <a:buFont typeface="Arial" panose="020B0604020202020204"/>
         <a:defRPr sz="1400" b="0" i="0" u="none" strike="noStrike" cap="none">
           <a:solidFill>
             <a:srgbClr val="000000"/>
           </a:solidFill>
-          <a:latin typeface="Arial"/>
-          <a:ea typeface="Arial"/>
-          <a:cs typeface="Arial"/>
-          <a:sym typeface="Arial"/>
+          <a:latin typeface="Arial" panose="020B0604020202020204"/>
+          <a:ea typeface="Arial" panose="020B0604020202020204"/>
+          <a:cs typeface="Arial" panose="020B0604020202020204"/>
+          <a:sym typeface="Arial" panose="020B0604020202020204"/>
         </a:defRPr>
       </a:lvl9pPr>
     </p:titleStyle>
@@ -14090,15 +14211,15 @@
         <a:buClr>
           <a:srgbClr val="000000"/>
         </a:buClr>
-        <a:buFont typeface="Arial"/>
+        <a:buFont typeface="Arial" panose="020B0604020202020204"/>
         <a:defRPr sz="1400" b="0" i="0" u="none" strike="noStrike" cap="none">
           <a:solidFill>
             <a:srgbClr val="000000"/>
           </a:solidFill>
-          <a:latin typeface="Arial"/>
-          <a:ea typeface="Arial"/>
-          <a:cs typeface="Arial"/>
-          <a:sym typeface="Arial"/>
+          <a:latin typeface="Arial" panose="020B0604020202020204"/>
+          <a:ea typeface="Arial" panose="020B0604020202020204"/>
+          <a:cs typeface="Arial" panose="020B0604020202020204"/>
+          <a:sym typeface="Arial" panose="020B0604020202020204"/>
         </a:defRPr>
       </a:lvl1pPr>
       <a:lvl2pPr marR="0" lvl="1" algn="l" rtl="0">
@@ -14114,15 +14235,15 @@
         <a:buClr>
           <a:srgbClr val="000000"/>
         </a:buClr>
-        <a:buFont typeface="Arial"/>
+        <a:buFont typeface="Arial" panose="020B0604020202020204"/>
         <a:defRPr sz="1400" b="0" i="0" u="none" strike="noStrike" cap="none">
           <a:solidFill>
             <a:srgbClr val="000000"/>
           </a:solidFill>
-          <a:latin typeface="Arial"/>
-          <a:ea typeface="Arial"/>
-          <a:cs typeface="Arial"/>
-          <a:sym typeface="Arial"/>
+          <a:latin typeface="Arial" panose="020B0604020202020204"/>
+          <a:ea typeface="Arial" panose="020B0604020202020204"/>
+          <a:cs typeface="Arial" panose="020B0604020202020204"/>
+          <a:sym typeface="Arial" panose="020B0604020202020204"/>
         </a:defRPr>
       </a:lvl2pPr>
       <a:lvl3pPr marR="0" lvl="2" algn="l" rtl="0">
@@ -14138,15 +14259,15 @@
         <a:buClr>
           <a:srgbClr val="000000"/>
         </a:buClr>
-        <a:buFont typeface="Arial"/>
+        <a:buFont typeface="Arial" panose="020B0604020202020204"/>
         <a:defRPr sz="1400" b="0" i="0" u="none" strike="noStrike" cap="none">
           <a:solidFill>
             <a:srgbClr val="000000"/>
           </a:solidFill>
-          <a:latin typeface="Arial"/>
-          <a:ea typeface="Arial"/>
-          <a:cs typeface="Arial"/>
-          <a:sym typeface="Arial"/>
+          <a:latin typeface="Arial" panose="020B0604020202020204"/>
+          <a:ea typeface="Arial" panose="020B0604020202020204"/>
+          <a:cs typeface="Arial" panose="020B0604020202020204"/>
+          <a:sym typeface="Arial" panose="020B0604020202020204"/>
         </a:defRPr>
       </a:lvl3pPr>
       <a:lvl4pPr marR="0" lvl="3" algn="l" rtl="0">
@@ -14162,15 +14283,15 @@
         <a:buClr>
           <a:srgbClr val="000000"/>
         </a:buClr>
-        <a:buFont typeface="Arial"/>
+        <a:buFont typeface="Arial" panose="020B0604020202020204"/>
         <a:defRPr sz="1400" b="0" i="0" u="none" strike="noStrike" cap="none">
           <a:solidFill>
             <a:srgbClr val="000000"/>
           </a:solidFill>
-          <a:latin typeface="Arial"/>
-          <a:ea typeface="Arial"/>
-          <a:cs typeface="Arial"/>
-          <a:sym typeface="Arial"/>
+          <a:latin typeface="Arial" panose="020B0604020202020204"/>
+          <a:ea typeface="Arial" panose="020B0604020202020204"/>
+          <a:cs typeface="Arial" panose="020B0604020202020204"/>
+          <a:sym typeface="Arial" panose="020B0604020202020204"/>
         </a:defRPr>
       </a:lvl4pPr>
       <a:lvl5pPr marR="0" lvl="4" algn="l" rtl="0">
@@ -14186,15 +14307,15 @@
         <a:buClr>
           <a:srgbClr val="000000"/>
         </a:buClr>
-        <a:buFont typeface="Arial"/>
+        <a:buFont typeface="Arial" panose="020B0604020202020204"/>
         <a:defRPr sz="1400" b="0" i="0" u="none" strike="noStrike" cap="none">
           <a:solidFill>
             <a:srgbClr val="000000"/>
           </a:solidFill>
-          <a:latin typeface="Arial"/>
-          <a:ea typeface="Arial"/>
-          <a:cs typeface="Arial"/>
-          <a:sym typeface="Arial"/>
+          <a:latin typeface="Arial" panose="020B0604020202020204"/>
+          <a:ea typeface="Arial" panose="020B0604020202020204"/>
+          <a:cs typeface="Arial" panose="020B0604020202020204"/>
+          <a:sym typeface="Arial" panose="020B0604020202020204"/>
         </a:defRPr>
       </a:lvl5pPr>
       <a:lvl6pPr marR="0" lvl="5" algn="l" rtl="0">
@@ -14210,15 +14331,15 @@
         <a:buClr>
           <a:srgbClr val="000000"/>
         </a:buClr>
-        <a:buFont typeface="Arial"/>
+        <a:buFont typeface="Arial" panose="020B0604020202020204"/>
         <a:defRPr sz="1400" b="0" i="0" u="none" strike="noStrike" cap="none">
           <a:solidFill>
             <a:srgbClr val="000000"/>
           </a:solidFill>
-          <a:latin typeface="Arial"/>
-          <a:ea typeface="Arial"/>
-          <a:cs typeface="Arial"/>
-          <a:sym typeface="Arial"/>
+          <a:latin typeface="Arial" panose="020B0604020202020204"/>
+          <a:ea typeface="Arial" panose="020B0604020202020204"/>
+          <a:cs typeface="Arial" panose="020B0604020202020204"/>
+          <a:sym typeface="Arial" panose="020B0604020202020204"/>
         </a:defRPr>
       </a:lvl6pPr>
       <a:lvl7pPr marR="0" lvl="6" algn="l" rtl="0">
@@ -14234,15 +14355,15 @@
         <a:buClr>
           <a:srgbClr val="000000"/>
         </a:buClr>
-        <a:buFont typeface="Arial"/>
+        <a:buFont typeface="Arial" panose="020B0604020202020204"/>
         <a:defRPr sz="1400" b="0" i="0" u="none" strike="noStrike" cap="none">
           <a:solidFill>
             <a:srgbClr val="000000"/>
           </a:solidFill>
-          <a:latin typeface="Arial"/>
-          <a:ea typeface="Arial"/>
-          <a:cs typeface="Arial"/>
-          <a:sym typeface="Arial"/>
+          <a:latin typeface="Arial" panose="020B0604020202020204"/>
+          <a:ea typeface="Arial" panose="020B0604020202020204"/>
+          <a:cs typeface="Arial" panose="020B0604020202020204"/>
+          <a:sym typeface="Arial" panose="020B0604020202020204"/>
         </a:defRPr>
       </a:lvl7pPr>
       <a:lvl8pPr marR="0" lvl="7" algn="l" rtl="0">
@@ -14258,15 +14379,15 @@
         <a:buClr>
           <a:srgbClr val="000000"/>
         </a:buClr>
-        <a:buFont typeface="Arial"/>
+        <a:buFont typeface="Arial" panose="020B0604020202020204"/>
         <a:defRPr sz="1400" b="0" i="0" u="none" strike="noStrike" cap="none">
           <a:solidFill>
             <a:srgbClr val="000000"/>
           </a:solidFill>
-          <a:latin typeface="Arial"/>
-          <a:ea typeface="Arial"/>
-          <a:cs typeface="Arial"/>
-          <a:sym typeface="Arial"/>
+          <a:latin typeface="Arial" panose="020B0604020202020204"/>
+          <a:ea typeface="Arial" panose="020B0604020202020204"/>
+          <a:cs typeface="Arial" panose="020B0604020202020204"/>
+          <a:sym typeface="Arial" panose="020B0604020202020204"/>
         </a:defRPr>
       </a:lvl8pPr>
       <a:lvl9pPr marR="0" lvl="8" algn="l" rtl="0">
@@ -14282,15 +14403,15 @@
         <a:buClr>
           <a:srgbClr val="000000"/>
         </a:buClr>
-        <a:buFont typeface="Arial"/>
+        <a:buFont typeface="Arial" panose="020B0604020202020204"/>
         <a:defRPr sz="1400" b="0" i="0" u="none" strike="noStrike" cap="none">
           <a:solidFill>
             <a:srgbClr val="000000"/>
           </a:solidFill>
-          <a:latin typeface="Arial"/>
-          <a:ea typeface="Arial"/>
-          <a:cs typeface="Arial"/>
-          <a:sym typeface="Arial"/>
+          <a:latin typeface="Arial" panose="020B0604020202020204"/>
+          <a:ea typeface="Arial" panose="020B0604020202020204"/>
+          <a:cs typeface="Arial" panose="020B0604020202020204"/>
+          <a:sym typeface="Arial" panose="020B0604020202020204"/>
         </a:defRPr>
       </a:lvl9pPr>
     </p:bodyStyle>
@@ -14319,15 +14440,15 @@
         <a:buClr>
           <a:srgbClr val="000000"/>
         </a:buClr>
-        <a:buFont typeface="Arial"/>
+        <a:buFont typeface="Arial" panose="020B0604020202020204"/>
         <a:defRPr sz="1400" b="0" i="0" u="none" strike="noStrike" cap="none">
           <a:solidFill>
             <a:srgbClr val="000000"/>
           </a:solidFill>
-          <a:latin typeface="Arial"/>
-          <a:ea typeface="Arial"/>
-          <a:cs typeface="Arial"/>
-          <a:sym typeface="Arial"/>
+          <a:latin typeface="Arial" panose="020B0604020202020204"/>
+          <a:ea typeface="Arial" panose="020B0604020202020204"/>
+          <a:cs typeface="Arial" panose="020B0604020202020204"/>
+          <a:sym typeface="Arial" panose="020B0604020202020204"/>
         </a:defRPr>
       </a:lvl1pPr>
       <a:lvl2pPr marR="0" lvl="1" algn="l" rtl="0">
@@ -14343,15 +14464,15 @@
         <a:buClr>
           <a:srgbClr val="000000"/>
         </a:buClr>
-        <a:buFont typeface="Arial"/>
+        <a:buFont typeface="Arial" panose="020B0604020202020204"/>
         <a:defRPr sz="1400" b="0" i="0" u="none" strike="noStrike" cap="none">
           <a:solidFill>
             <a:srgbClr val="000000"/>
           </a:solidFill>
-          <a:latin typeface="Arial"/>
-          <a:ea typeface="Arial"/>
-          <a:cs typeface="Arial"/>
-          <a:sym typeface="Arial"/>
+          <a:latin typeface="Arial" panose="020B0604020202020204"/>
+          <a:ea typeface="Arial" panose="020B0604020202020204"/>
+          <a:cs typeface="Arial" panose="020B0604020202020204"/>
+          <a:sym typeface="Arial" panose="020B0604020202020204"/>
         </a:defRPr>
       </a:lvl2pPr>
       <a:lvl3pPr marR="0" lvl="2" algn="l" rtl="0">
@@ -14367,15 +14488,15 @@
         <a:buClr>
           <a:srgbClr val="000000"/>
         </a:buClr>
-        <a:buFont typeface="Arial"/>
+        <a:buFont typeface="Arial" panose="020B0604020202020204"/>
         <a:defRPr sz="1400" b="0" i="0" u="none" strike="noStrike" cap="none">
           <a:solidFill>
             <a:srgbClr val="000000"/>
           </a:solidFill>
-          <a:latin typeface="Arial"/>
-          <a:ea typeface="Arial"/>
-          <a:cs typeface="Arial"/>
-          <a:sym typeface="Arial"/>
+          <a:latin typeface="Arial" panose="020B0604020202020204"/>
+          <a:ea typeface="Arial" panose="020B0604020202020204"/>
+          <a:cs typeface="Arial" panose="020B0604020202020204"/>
+          <a:sym typeface="Arial" panose="020B0604020202020204"/>
         </a:defRPr>
       </a:lvl3pPr>
       <a:lvl4pPr marR="0" lvl="3" algn="l" rtl="0">
@@ -14391,15 +14512,15 @@
         <a:buClr>
           <a:srgbClr val="000000"/>
         </a:buClr>
-        <a:buFont typeface="Arial"/>
+        <a:buFont typeface="Arial" panose="020B0604020202020204"/>
         <a:defRPr sz="1400" b="0" i="0" u="none" strike="noStrike" cap="none">
           <a:solidFill>
             <a:srgbClr val="000000"/>
           </a:solidFill>
-          <a:latin typeface="Arial"/>
-          <a:ea typeface="Arial"/>
-          <a:cs typeface="Arial"/>
-          <a:sym typeface="Arial"/>
+          <a:latin typeface="Arial" panose="020B0604020202020204"/>
+          <a:ea typeface="Arial" panose="020B0604020202020204"/>
+          <a:cs typeface="Arial" panose="020B0604020202020204"/>
+          <a:sym typeface="Arial" panose="020B0604020202020204"/>
         </a:defRPr>
       </a:lvl4pPr>
       <a:lvl5pPr marR="0" lvl="4" algn="l" rtl="0">
@@ -14415,15 +14536,15 @@
         <a:buClr>
           <a:srgbClr val="000000"/>
         </a:buClr>
-        <a:buFont typeface="Arial"/>
+        <a:buFont typeface="Arial" panose="020B0604020202020204"/>
         <a:defRPr sz="1400" b="0" i="0" u="none" strike="noStrike" cap="none">
           <a:solidFill>
             <a:srgbClr val="000000"/>
           </a:solidFill>
-          <a:latin typeface="Arial"/>
-          <a:ea typeface="Arial"/>
-          <a:cs typeface="Arial"/>
-          <a:sym typeface="Arial"/>
+          <a:latin typeface="Arial" panose="020B0604020202020204"/>
+          <a:ea typeface="Arial" panose="020B0604020202020204"/>
+          <a:cs typeface="Arial" panose="020B0604020202020204"/>
+          <a:sym typeface="Arial" panose="020B0604020202020204"/>
         </a:defRPr>
       </a:lvl5pPr>
       <a:lvl6pPr marR="0" lvl="5" algn="l" rtl="0">
@@ -14439,15 +14560,15 @@
         <a:buClr>
           <a:srgbClr val="000000"/>
         </a:buClr>
-        <a:buFont typeface="Arial"/>
+        <a:buFont typeface="Arial" panose="020B0604020202020204"/>
         <a:defRPr sz="1400" b="0" i="0" u="none" strike="noStrike" cap="none">
           <a:solidFill>
             <a:srgbClr val="000000"/>
           </a:solidFill>
-          <a:latin typeface="Arial"/>
-          <a:ea typeface="Arial"/>
-          <a:cs typeface="Arial"/>
-          <a:sym typeface="Arial"/>
+          <a:latin typeface="Arial" panose="020B0604020202020204"/>
+          <a:ea typeface="Arial" panose="020B0604020202020204"/>
+          <a:cs typeface="Arial" panose="020B0604020202020204"/>
+          <a:sym typeface="Arial" panose="020B0604020202020204"/>
         </a:defRPr>
       </a:lvl6pPr>
       <a:lvl7pPr marR="0" lvl="6" algn="l" rtl="0">
@@ -14463,15 +14584,15 @@
         <a:buClr>
           <a:srgbClr val="000000"/>
         </a:buClr>
-        <a:buFont typeface="Arial"/>
+        <a:buFont typeface="Arial" panose="020B0604020202020204"/>
         <a:defRPr sz="1400" b="0" i="0" u="none" strike="noStrike" cap="none">
           <a:solidFill>
             <a:srgbClr val="000000"/>
           </a:solidFill>
-          <a:latin typeface="Arial"/>
-          <a:ea typeface="Arial"/>
-          <a:cs typeface="Arial"/>
-          <a:sym typeface="Arial"/>
+          <a:latin typeface="Arial" panose="020B0604020202020204"/>
+          <a:ea typeface="Arial" panose="020B0604020202020204"/>
+          <a:cs typeface="Arial" panose="020B0604020202020204"/>
+          <a:sym typeface="Arial" panose="020B0604020202020204"/>
         </a:defRPr>
       </a:lvl7pPr>
       <a:lvl8pPr marR="0" lvl="7" algn="l" rtl="0">
@@ -14487,15 +14608,15 @@
         <a:buClr>
           <a:srgbClr val="000000"/>
         </a:buClr>
-        <a:buFont typeface="Arial"/>
+        <a:buFont typeface="Arial" panose="020B0604020202020204"/>
         <a:defRPr sz="1400" b="0" i="0" u="none" strike="noStrike" cap="none">
           <a:solidFill>
             <a:srgbClr val="000000"/>
           </a:solidFill>
-          <a:latin typeface="Arial"/>
-          <a:ea typeface="Arial"/>
-          <a:cs typeface="Arial"/>
-          <a:sym typeface="Arial"/>
+          <a:latin typeface="Arial" panose="020B0604020202020204"/>
+          <a:ea typeface="Arial" panose="020B0604020202020204"/>
+          <a:cs typeface="Arial" panose="020B0604020202020204"/>
+          <a:sym typeface="Arial" panose="020B0604020202020204"/>
         </a:defRPr>
       </a:lvl8pPr>
       <a:lvl9pPr marR="0" lvl="8" algn="l" rtl="0">
@@ -14511,15 +14632,15 @@
         <a:buClr>
           <a:srgbClr val="000000"/>
         </a:buClr>
-        <a:buFont typeface="Arial"/>
+        <a:buFont typeface="Arial" panose="020B0604020202020204"/>
         <a:defRPr sz="1400" b="0" i="0" u="none" strike="noStrike" cap="none">
           <a:solidFill>
             <a:srgbClr val="000000"/>
           </a:solidFill>
-          <a:latin typeface="Arial"/>
-          <a:ea typeface="Arial"/>
-          <a:cs typeface="Arial"/>
-          <a:sym typeface="Arial"/>
+          <a:latin typeface="Arial" panose="020B0604020202020204"/>
+          <a:ea typeface="Arial" panose="020B0604020202020204"/>
+          <a:cs typeface="Arial" panose="020B0604020202020204"/>
+          <a:sym typeface="Arial" panose="020B0604020202020204"/>
         </a:defRPr>
       </a:lvl9pPr>
     </p:otherStyle>
@@ -14551,9 +14672,7 @@
           <p:nvPr/>
         </p:nvPicPr>
         <p:blipFill>
-          <a:blip r:embed="rId3">
-            <a:alphaModFix/>
-          </a:blip>
+          <a:blip r:embed="rId1"/>
           <a:stretch>
             <a:fillRect/>
           </a:stretch>
@@ -14610,10 +14729,10 @@
               <a:solidFill>
                 <a:srgbClr val="FFFFFF"/>
               </a:solidFill>
-              <a:latin typeface="Montserrat"/>
-              <a:ea typeface="Montserrat"/>
-              <a:cs typeface="Montserrat"/>
-              <a:sym typeface="Montserrat"/>
+              <a:latin typeface="Montserrat" panose="00000500000000000000"/>
+              <a:ea typeface="Montserrat" panose="00000500000000000000"/>
+              <a:cs typeface="Montserrat" panose="00000500000000000000"/>
+              <a:sym typeface="Montserrat" panose="00000500000000000000"/>
             </a:endParaRPr>
           </a:p>
           <a:p>
@@ -14630,10 +14749,10 @@
               <a:solidFill>
                 <a:srgbClr val="FFFFFF"/>
               </a:solidFill>
-              <a:latin typeface="Nunito Sans"/>
-              <a:ea typeface="Nunito Sans"/>
-              <a:cs typeface="Nunito Sans"/>
-              <a:sym typeface="Nunito Sans"/>
+              <a:latin typeface="Nunito Sans" panose="00000500000000000000"/>
+              <a:ea typeface="Nunito Sans" panose="00000500000000000000"/>
+              <a:cs typeface="Nunito Sans" panose="00000500000000000000"/>
+              <a:sym typeface="Nunito Sans" panose="00000500000000000000"/>
             </a:endParaRPr>
           </a:p>
           <a:p>
@@ -14703,14 +14822,14 @@
               <a:buNone/>
             </a:pPr>
             <a:r>
-              <a:rPr lang="en" i="1" dirty="0" smtClean="0">
+              <a:rPr lang="en-GB" i="1" dirty="0" smtClean="0">
                 <a:solidFill>
                   <a:srgbClr val="FFFFFF"/>
                 </a:solidFill>
-                <a:latin typeface="Montserrat"/>
-                <a:ea typeface="Montserrat"/>
-                <a:cs typeface="Montserrat"/>
-                <a:sym typeface="Montserrat"/>
+                <a:latin typeface="Montserrat" panose="00000500000000000000"/>
+                <a:ea typeface="Montserrat" panose="00000500000000000000"/>
+                <a:cs typeface="Montserrat" panose="00000500000000000000"/>
+                <a:sym typeface="Montserrat" panose="00000500000000000000"/>
               </a:rPr>
               <a:t>Solutions to common problems in Software Design</a:t>
             </a:r>
@@ -14718,14 +14837,438 @@
               <a:solidFill>
                 <a:srgbClr val="FFFFFF"/>
               </a:solidFill>
-              <a:latin typeface="Montserrat"/>
-              <a:ea typeface="Montserrat"/>
-              <a:cs typeface="Montserrat"/>
-              <a:sym typeface="Montserrat"/>
+              <a:latin typeface="Montserrat" panose="00000500000000000000"/>
+              <a:ea typeface="Montserrat" panose="00000500000000000000"/>
+              <a:cs typeface="Montserrat" panose="00000500000000000000"/>
+              <a:sym typeface="Montserrat" panose="00000500000000000000"/>
             </a:endParaRPr>
           </a:p>
         </p:txBody>
       </p:sp>
+    </p:spTree>
+  </p:cSld>
+  <p:clrMapOvr>
+    <a:masterClrMapping/>
+  </p:clrMapOvr>
+  <p:timing>
+    <p:tnLst>
+      <p:par>
+        <p:cTn id="1" dur="indefinite" restart="never" nodeType="tmRoot"/>
+      </p:par>
+    </p:tnLst>
+  </p:timing>
+</p:sld>
+</file>
+
+<file path=ppt/slides/slide10.xml><?xml version="1.0" encoding="utf-8"?>
+<p:sld xmlns:a="http://schemas.openxmlformats.org/drawingml/2006/main" xmlns:r="http://schemas.openxmlformats.org/officeDocument/2006/relationships" xmlns:p="http://schemas.openxmlformats.org/presentationml/2006/main">
+  <p:cSld>
+    <p:bg>
+      <p:bgPr>
+        <a:solidFill>
+          <a:srgbClr val="000000"/>
+        </a:solidFill>
+        <a:effectLst/>
+      </p:bgPr>
+    </p:bg>
+    <p:spTree>
+      <p:nvGrpSpPr>
+        <p:cNvPr id="1" name="Shape 117"/>
+        <p:cNvGrpSpPr/>
+        <p:nvPr/>
+      </p:nvGrpSpPr>
+      <p:grpSpPr>
+        <a:xfrm>
+          <a:off x="0" y="0"/>
+          <a:ext cx="0" cy="0"/>
+          <a:chOff x="0" y="0"/>
+          <a:chExt cx="0" cy="0"/>
+        </a:xfrm>
+      </p:grpSpPr>
+      <p:sp>
+        <p:nvSpPr>
+          <p:cNvPr id="120" name="Google Shape;120;p28"/>
+          <p:cNvSpPr/>
+          <p:nvPr/>
+        </p:nvSpPr>
+        <p:spPr>
+          <a:xfrm>
+            <a:off x="-5" y="5118630"/>
+            <a:ext cx="9144000" cy="33600"/>
+          </a:xfrm>
+          <a:prstGeom prst="rect">
+            <a:avLst/>
+          </a:prstGeom>
+          <a:solidFill>
+            <a:srgbClr val="C1D82F"/>
+          </a:solidFill>
+          <a:ln>
+            <a:noFill/>
+          </a:ln>
+        </p:spPr>
+        <p:txBody>
+          <a:bodyPr spcFirstLastPara="1" wrap="square" lIns="91425" tIns="91425" rIns="91425" bIns="91425" anchor="ctr" anchorCtr="0">
+            <a:noAutofit/>
+          </a:bodyPr>
+          <a:lstStyle/>
+          <a:p>
+            <a:pPr marL="0" lvl="0" indent="0" algn="l" rtl="0">
+              <a:spcBef>
+                <a:spcPts val="0"/>
+              </a:spcBef>
+              <a:spcAft>
+                <a:spcPts val="0"/>
+              </a:spcAft>
+              <a:buNone/>
+            </a:pPr>
+          </a:p>
+        </p:txBody>
+      </p:sp>
+      <p:sp>
+        <p:nvSpPr>
+          <p:cNvPr id="8" name="Google Shape;139;p30"/>
+          <p:cNvSpPr txBox="1"/>
+          <p:nvPr/>
+        </p:nvSpPr>
+        <p:spPr>
+          <a:xfrm>
+            <a:off x="1" y="216450"/>
+            <a:ext cx="9143994" cy="552600"/>
+          </a:xfrm>
+          <a:prstGeom prst="rect">
+            <a:avLst/>
+          </a:prstGeom>
+          <a:noFill/>
+          <a:ln>
+            <a:noFill/>
+          </a:ln>
+        </p:spPr>
+        <p:txBody>
+          <a:bodyPr spcFirstLastPara="1" wrap="square" lIns="91425" tIns="91425" rIns="91425" bIns="91425" anchor="t" anchorCtr="0">
+            <a:noAutofit/>
+          </a:bodyPr>
+          <a:lstStyle/>
+          <a:p>
+            <a:pPr marL="0" lvl="0" indent="0" algn="ctr" rtl="0">
+              <a:spcBef>
+                <a:spcPts val="0"/>
+              </a:spcBef>
+              <a:spcAft>
+                <a:spcPts val="0"/>
+              </a:spcAft>
+              <a:buNone/>
+            </a:pPr>
+            <a:r>
+              <a:rPr lang="es-CO" sz="3200" b="1" dirty="0">
+                <a:solidFill>
+                  <a:schemeClr val="lt1"/>
+                </a:solidFill>
+                <a:effectLst>
+                  <a:outerShdw blurRad="38100" dist="38100" dir="2700000" algn="tl">
+                    <a:srgbClr val="000000">
+                      <a:alpha val="43137"/>
+                    </a:srgbClr>
+                  </a:outerShdw>
+                </a:effectLst>
+                <a:latin typeface="Montserrat" panose="00000500000000000000"/>
+                <a:ea typeface="Montserrat" panose="00000500000000000000"/>
+                <a:cs typeface="Montserrat" panose="00000500000000000000"/>
+                <a:sym typeface="Montserrat" panose="00000500000000000000"/>
+              </a:rPr>
+              <a:t>FACADE  example</a:t>
+            </a:r>
+            <a:endParaRPr lang="es-CO" sz="3200" b="1" dirty="0">
+              <a:solidFill>
+                <a:schemeClr val="lt1"/>
+              </a:solidFill>
+              <a:effectLst>
+                <a:outerShdw blurRad="38100" dist="38100" dir="2700000" algn="tl">
+                  <a:srgbClr val="000000">
+                    <a:alpha val="43137"/>
+                  </a:srgbClr>
+                </a:outerShdw>
+              </a:effectLst>
+              <a:latin typeface="Montserrat" panose="00000500000000000000"/>
+              <a:ea typeface="Montserrat" panose="00000500000000000000"/>
+              <a:cs typeface="Montserrat" panose="00000500000000000000"/>
+              <a:sym typeface="Montserrat" panose="00000500000000000000"/>
+            </a:endParaRPr>
+          </a:p>
+        </p:txBody>
+      </p:sp>
+      <p:sp>
+        <p:nvSpPr>
+          <p:cNvPr id="5" name="Text Box 4"/>
+          <p:cNvSpPr txBox="1"/>
+          <p:nvPr/>
+        </p:nvSpPr>
+        <p:spPr>
+          <a:xfrm rot="16200000">
+            <a:off x="-296545" y="2510155"/>
+            <a:ext cx="2052320" cy="368300"/>
+          </a:xfrm>
+          <a:prstGeom prst="rect">
+            <a:avLst/>
+          </a:prstGeom>
+          <a:noFill/>
+        </p:spPr>
+        <p:txBody>
+          <a:bodyPr wrap="square" rtlCol="0">
+            <a:spAutoFit/>
+          </a:bodyPr>
+          <a:p>
+            <a:r>
+              <a:rPr lang="en-US" sz="1800" b="1">
+                <a:solidFill>
+                  <a:schemeClr val="bg1"/>
+                </a:solidFill>
+              </a:rPr>
+              <a:t>Without facade</a:t>
+            </a:r>
+            <a:endParaRPr lang="en-US" sz="1800" b="1">
+              <a:solidFill>
+                <a:schemeClr val="bg1"/>
+              </a:solidFill>
+            </a:endParaRPr>
+          </a:p>
+        </p:txBody>
+      </p:sp>
+      <p:pic>
+        <p:nvPicPr>
+          <p:cNvPr id="11" name="Picture 10"/>
+          <p:cNvPicPr>
+            <a:picLocks noChangeAspect="1"/>
+          </p:cNvPicPr>
+          <p:nvPr/>
+        </p:nvPicPr>
+        <p:blipFill>
+          <a:blip r:embed="rId1"/>
+          <a:stretch>
+            <a:fillRect/>
+          </a:stretch>
+        </p:blipFill>
+        <p:spPr>
+          <a:xfrm>
+            <a:off x="1085850" y="768985"/>
+            <a:ext cx="7656830" cy="4037965"/>
+          </a:xfrm>
+          <a:prstGeom prst="rect">
+            <a:avLst/>
+          </a:prstGeom>
+        </p:spPr>
+      </p:pic>
+    </p:spTree>
+  </p:cSld>
+  <p:clrMapOvr>
+    <a:masterClrMapping/>
+  </p:clrMapOvr>
+  <p:timing>
+    <p:tnLst>
+      <p:par>
+        <p:cTn id="1" dur="indefinite" restart="never" nodeType="tmRoot"/>
+      </p:par>
+    </p:tnLst>
+  </p:timing>
+</p:sld>
+</file>
+
+<file path=ppt/slides/slide11.xml><?xml version="1.0" encoding="utf-8"?>
+<p:sld xmlns:a="http://schemas.openxmlformats.org/drawingml/2006/main" xmlns:r="http://schemas.openxmlformats.org/officeDocument/2006/relationships" xmlns:p="http://schemas.openxmlformats.org/presentationml/2006/main">
+  <p:cSld>
+    <p:bg>
+      <p:bgPr>
+        <a:solidFill>
+          <a:srgbClr val="000000"/>
+        </a:solidFill>
+        <a:effectLst/>
+      </p:bgPr>
+    </p:bg>
+    <p:spTree>
+      <p:nvGrpSpPr>
+        <p:cNvPr id="1" name="Shape 117"/>
+        <p:cNvGrpSpPr/>
+        <p:nvPr/>
+      </p:nvGrpSpPr>
+      <p:grpSpPr>
+        <a:xfrm>
+          <a:off x="0" y="0"/>
+          <a:ext cx="0" cy="0"/>
+          <a:chOff x="0" y="0"/>
+          <a:chExt cx="0" cy="0"/>
+        </a:xfrm>
+      </p:grpSpPr>
+      <p:sp>
+        <p:nvSpPr>
+          <p:cNvPr id="120" name="Google Shape;120;p28"/>
+          <p:cNvSpPr/>
+          <p:nvPr/>
+        </p:nvSpPr>
+        <p:spPr>
+          <a:xfrm>
+            <a:off x="-5" y="5118630"/>
+            <a:ext cx="9144000" cy="33600"/>
+          </a:xfrm>
+          <a:prstGeom prst="rect">
+            <a:avLst/>
+          </a:prstGeom>
+          <a:solidFill>
+            <a:srgbClr val="C1D82F"/>
+          </a:solidFill>
+          <a:ln>
+            <a:noFill/>
+          </a:ln>
+        </p:spPr>
+        <p:txBody>
+          <a:bodyPr spcFirstLastPara="1" wrap="square" lIns="91425" tIns="91425" rIns="91425" bIns="91425" anchor="ctr" anchorCtr="0">
+            <a:noAutofit/>
+          </a:bodyPr>
+          <a:lstStyle/>
+          <a:p>
+            <a:pPr marL="0" lvl="0" indent="0" algn="l" rtl="0">
+              <a:spcBef>
+                <a:spcPts val="0"/>
+              </a:spcBef>
+              <a:spcAft>
+                <a:spcPts val="0"/>
+              </a:spcAft>
+              <a:buNone/>
+            </a:pPr>
+          </a:p>
+        </p:txBody>
+      </p:sp>
+      <p:sp>
+        <p:nvSpPr>
+          <p:cNvPr id="8" name="Google Shape;139;p30"/>
+          <p:cNvSpPr txBox="1"/>
+          <p:nvPr/>
+        </p:nvSpPr>
+        <p:spPr>
+          <a:xfrm>
+            <a:off x="1" y="216450"/>
+            <a:ext cx="9143994" cy="552600"/>
+          </a:xfrm>
+          <a:prstGeom prst="rect">
+            <a:avLst/>
+          </a:prstGeom>
+          <a:noFill/>
+          <a:ln>
+            <a:noFill/>
+          </a:ln>
+        </p:spPr>
+        <p:txBody>
+          <a:bodyPr spcFirstLastPara="1" wrap="square" lIns="91425" tIns="91425" rIns="91425" bIns="91425" anchor="t" anchorCtr="0">
+            <a:noAutofit/>
+          </a:bodyPr>
+          <a:lstStyle/>
+          <a:p>
+            <a:pPr marL="0" lvl="0" indent="0" algn="ctr" rtl="0">
+              <a:spcBef>
+                <a:spcPts val="0"/>
+              </a:spcBef>
+              <a:spcAft>
+                <a:spcPts val="0"/>
+              </a:spcAft>
+              <a:buNone/>
+            </a:pPr>
+            <a:r>
+              <a:rPr lang="es-CO" sz="3200" b="1" dirty="0">
+                <a:solidFill>
+                  <a:schemeClr val="lt1"/>
+                </a:solidFill>
+                <a:effectLst>
+                  <a:outerShdw blurRad="38100" dist="38100" dir="2700000" algn="tl">
+                    <a:srgbClr val="000000">
+                      <a:alpha val="43137"/>
+                    </a:srgbClr>
+                  </a:outerShdw>
+                </a:effectLst>
+                <a:latin typeface="Montserrat" panose="00000500000000000000"/>
+                <a:ea typeface="Montserrat" panose="00000500000000000000"/>
+                <a:cs typeface="Montserrat" panose="00000500000000000000"/>
+                <a:sym typeface="Montserrat" panose="00000500000000000000"/>
+              </a:rPr>
+              <a:t>FACADE  example</a:t>
+            </a:r>
+            <a:endParaRPr lang="es-CO" sz="3200" b="1" dirty="0">
+              <a:solidFill>
+                <a:schemeClr val="lt1"/>
+              </a:solidFill>
+              <a:effectLst>
+                <a:outerShdw blurRad="38100" dist="38100" dir="2700000" algn="tl">
+                  <a:srgbClr val="000000">
+                    <a:alpha val="43137"/>
+                  </a:srgbClr>
+                </a:outerShdw>
+              </a:effectLst>
+              <a:latin typeface="Montserrat" panose="00000500000000000000"/>
+              <a:ea typeface="Montserrat" panose="00000500000000000000"/>
+              <a:cs typeface="Montserrat" panose="00000500000000000000"/>
+              <a:sym typeface="Montserrat" panose="00000500000000000000"/>
+            </a:endParaRPr>
+          </a:p>
+        </p:txBody>
+      </p:sp>
+      <p:sp>
+        <p:nvSpPr>
+          <p:cNvPr id="6" name="Text Box 5"/>
+          <p:cNvSpPr txBox="1"/>
+          <p:nvPr/>
+        </p:nvSpPr>
+        <p:spPr>
+          <a:xfrm rot="16200000">
+            <a:off x="-594995" y="2536825"/>
+            <a:ext cx="2052320" cy="368300"/>
+          </a:xfrm>
+          <a:prstGeom prst="rect">
+            <a:avLst/>
+          </a:prstGeom>
+          <a:noFill/>
+        </p:spPr>
+        <p:txBody>
+          <a:bodyPr wrap="square" rtlCol="0">
+            <a:spAutoFit/>
+          </a:bodyPr>
+          <a:p>
+            <a:r>
+              <a:rPr lang="en-US" sz="1800" b="1">
+                <a:solidFill>
+                  <a:schemeClr val="bg1"/>
+                </a:solidFill>
+              </a:rPr>
+              <a:t>With facade</a:t>
+            </a:r>
+            <a:endParaRPr lang="en-US" sz="1800" b="1">
+              <a:solidFill>
+                <a:schemeClr val="bg1"/>
+              </a:solidFill>
+            </a:endParaRPr>
+          </a:p>
+        </p:txBody>
+      </p:sp>
+      <p:pic>
+        <p:nvPicPr>
+          <p:cNvPr id="4" name="Picture 3"/>
+          <p:cNvPicPr>
+            <a:picLocks noChangeAspect="1"/>
+          </p:cNvPicPr>
+          <p:nvPr/>
+        </p:nvPicPr>
+        <p:blipFill>
+          <a:blip r:embed="rId1"/>
+          <a:stretch>
+            <a:fillRect/>
+          </a:stretch>
+        </p:blipFill>
+        <p:spPr>
+          <a:xfrm>
+            <a:off x="980440" y="768985"/>
+            <a:ext cx="7787005" cy="4265295"/>
+          </a:xfrm>
+          <a:prstGeom prst="rect">
+            <a:avLst/>
+          </a:prstGeom>
+        </p:spPr>
+      </p:pic>
     </p:spTree>
   </p:cSld>
   <p:clrMapOvr>
@@ -14802,19 +15345,12 @@
               </a:spcAft>
               <a:buNone/>
             </a:pPr>
-            <a:endParaRPr/>
           </a:p>
         </p:txBody>
       </p:sp>
       <p:sp>
         <p:nvSpPr>
-          <p:cNvPr id="8" name="Google Shape;139;p30">
-            <a:extLst>
-              <a:ext uri="{FF2B5EF4-FFF2-40B4-BE49-F238E27FC236}">
-                <a16:creationId xmlns:a16="http://schemas.microsoft.com/office/drawing/2014/main" id="{93795D4F-58E2-461F-AE89-6DB514A5D56A}"/>
-              </a:ext>
-            </a:extLst>
-          </p:cNvPr>
+          <p:cNvPr id="8" name="Google Shape;139;p30"/>
           <p:cNvSpPr txBox="1"/>
           <p:nvPr/>
         </p:nvSpPr>
@@ -14858,10 +15394,10 @@
                     </a:srgbClr>
                   </a:outerShdw>
                 </a:effectLst>
-                <a:latin typeface="Montserrat"/>
-                <a:ea typeface="Montserrat"/>
-                <a:cs typeface="Montserrat"/>
-                <a:sym typeface="Montserrat"/>
+                <a:latin typeface="Montserrat" panose="00000500000000000000"/>
+                <a:ea typeface="Montserrat" panose="00000500000000000000"/>
+                <a:cs typeface="Montserrat" panose="00000500000000000000"/>
+                <a:sym typeface="Montserrat" panose="00000500000000000000"/>
               </a:rPr>
               <a:t>Types</a:t>
             </a:r>
@@ -14877,10 +15413,10 @@
                     </a:srgbClr>
                   </a:outerShdw>
                 </a:effectLst>
-                <a:latin typeface="Montserrat"/>
-                <a:ea typeface="Montserrat"/>
-                <a:cs typeface="Montserrat"/>
-                <a:sym typeface="Montserrat"/>
+                <a:latin typeface="Montserrat" panose="00000500000000000000"/>
+                <a:ea typeface="Montserrat" panose="00000500000000000000"/>
+                <a:cs typeface="Montserrat" panose="00000500000000000000"/>
+                <a:sym typeface="Montserrat" panose="00000500000000000000"/>
               </a:rPr>
               <a:t> of </a:t>
             </a:r>
@@ -14896,10 +15432,10 @@
                     </a:srgbClr>
                   </a:outerShdw>
                 </a:effectLst>
-                <a:latin typeface="Montserrat"/>
-                <a:ea typeface="Montserrat"/>
-                <a:cs typeface="Montserrat"/>
-                <a:sym typeface="Montserrat"/>
+                <a:latin typeface="Montserrat" panose="00000500000000000000"/>
+                <a:ea typeface="Montserrat" panose="00000500000000000000"/>
+                <a:cs typeface="Montserrat" panose="00000500000000000000"/>
+                <a:sym typeface="Montserrat" panose="00000500000000000000"/>
               </a:rPr>
               <a:t>Design</a:t>
             </a:r>
@@ -14915,10 +15451,10 @@
                     </a:srgbClr>
                   </a:outerShdw>
                 </a:effectLst>
-                <a:latin typeface="Montserrat"/>
-                <a:ea typeface="Montserrat"/>
-                <a:cs typeface="Montserrat"/>
-                <a:sym typeface="Montserrat"/>
+                <a:latin typeface="Montserrat" panose="00000500000000000000"/>
+                <a:ea typeface="Montserrat" panose="00000500000000000000"/>
+                <a:cs typeface="Montserrat" panose="00000500000000000000"/>
+                <a:sym typeface="Montserrat" panose="00000500000000000000"/>
               </a:rPr>
               <a:t> </a:t>
             </a:r>
@@ -14934,10 +15470,10 @@
                     </a:srgbClr>
                   </a:outerShdw>
                 </a:effectLst>
-                <a:latin typeface="Montserrat"/>
-                <a:ea typeface="Montserrat"/>
-                <a:cs typeface="Montserrat"/>
-                <a:sym typeface="Montserrat"/>
+                <a:latin typeface="Montserrat" panose="00000500000000000000"/>
+                <a:ea typeface="Montserrat" panose="00000500000000000000"/>
+                <a:cs typeface="Montserrat" panose="00000500000000000000"/>
+                <a:sym typeface="Montserrat" panose="00000500000000000000"/>
               </a:rPr>
               <a:t>Patterns</a:t>
             </a:r>
@@ -14952,10 +15488,10 @@
                   </a:srgbClr>
                 </a:outerShdw>
               </a:effectLst>
-              <a:latin typeface="Montserrat"/>
-              <a:ea typeface="Montserrat"/>
-              <a:cs typeface="Montserrat"/>
-              <a:sym typeface="Montserrat"/>
+              <a:latin typeface="Montserrat" panose="00000500000000000000"/>
+              <a:ea typeface="Montserrat" panose="00000500000000000000"/>
+              <a:cs typeface="Montserrat" panose="00000500000000000000"/>
+              <a:sym typeface="Montserrat" panose="00000500000000000000"/>
             </a:endParaRPr>
           </a:p>
           <a:p>
@@ -14979,10 +15515,10 @@
                   </a:srgbClr>
                 </a:outerShdw>
               </a:effectLst>
-              <a:latin typeface="Montserrat"/>
-              <a:ea typeface="Montserrat"/>
-              <a:cs typeface="Montserrat"/>
-              <a:sym typeface="Montserrat"/>
+              <a:latin typeface="Montserrat" panose="00000500000000000000"/>
+              <a:ea typeface="Montserrat" panose="00000500000000000000"/>
+              <a:cs typeface="Montserrat" panose="00000500000000000000"/>
+              <a:sym typeface="Montserrat" panose="00000500000000000000"/>
             </a:endParaRPr>
           </a:p>
           <a:p>
@@ -15005,10 +15541,10 @@
                   </a:srgbClr>
                 </a:outerShdw>
               </a:effectLst>
-              <a:latin typeface="Montserrat"/>
-              <a:ea typeface="Montserrat"/>
-              <a:cs typeface="Montserrat"/>
-              <a:sym typeface="Montserrat"/>
+              <a:latin typeface="Montserrat" panose="00000500000000000000"/>
+              <a:ea typeface="Montserrat" panose="00000500000000000000"/>
+              <a:cs typeface="Montserrat" panose="00000500000000000000"/>
+              <a:sym typeface="Montserrat" panose="00000500000000000000"/>
             </a:endParaRPr>
           </a:p>
           <a:p>
@@ -15032,10 +15568,10 @@
                   </a:srgbClr>
                 </a:outerShdw>
               </a:effectLst>
-              <a:latin typeface="Montserrat"/>
-              <a:ea typeface="Montserrat"/>
-              <a:cs typeface="Montserrat"/>
-              <a:sym typeface="Montserrat"/>
+              <a:latin typeface="Montserrat" panose="00000500000000000000"/>
+              <a:ea typeface="Montserrat" panose="00000500000000000000"/>
+              <a:cs typeface="Montserrat" panose="00000500000000000000"/>
+              <a:sym typeface="Montserrat" panose="00000500000000000000"/>
             </a:endParaRPr>
           </a:p>
         </p:txBody>
@@ -15049,7 +15585,7 @@
           <p:nvPr/>
         </p:nvPicPr>
         <p:blipFill rotWithShape="1">
-          <a:blip r:embed="rId3">
+          <a:blip r:embed="rId1">
             <a:extLst>
               <a:ext uri="{28A0092B-C50C-407E-A947-70E740481C1C}">
                 <a14:useLocalDpi xmlns:a14="http://schemas.microsoft.com/office/drawing/2010/main" val="0"/>
@@ -15057,7 +15593,9 @@
             </a:extLst>
           </a:blip>
           <a:srcRect b="13214"/>
-          <a:stretch/>
+          <a:stretch>
+            <a:fillRect/>
+          </a:stretch>
         </p:blipFill>
         <p:spPr bwMode="auto">
           <a:xfrm>
@@ -15080,11 +15618,6 @@
         </p:spPr>
       </p:pic>
     </p:spTree>
-    <p:extLst>
-      <p:ext uri="{BB962C8B-B14F-4D97-AF65-F5344CB8AC3E}">
-        <p14:creationId xmlns:p14="http://schemas.microsoft.com/office/powerpoint/2010/main" val="1778866906"/>
-      </p:ext>
-    </p:extLst>
   </p:cSld>
   <p:clrMapOvr>
     <a:masterClrMapping/>
@@ -15160,19 +15693,12 @@
               </a:spcAft>
               <a:buNone/>
             </a:pPr>
-            <a:endParaRPr/>
           </a:p>
         </p:txBody>
       </p:sp>
       <p:sp>
         <p:nvSpPr>
-          <p:cNvPr id="8" name="Google Shape;139;p30">
-            <a:extLst>
-              <a:ext uri="{FF2B5EF4-FFF2-40B4-BE49-F238E27FC236}">
-                <a16:creationId xmlns:a16="http://schemas.microsoft.com/office/drawing/2014/main" id="{93795D4F-58E2-461F-AE89-6DB514A5D56A}"/>
-              </a:ext>
-            </a:extLst>
-          </p:cNvPr>
+          <p:cNvPr id="8" name="Google Shape;139;p30"/>
           <p:cNvSpPr txBox="1"/>
           <p:nvPr/>
         </p:nvSpPr>
@@ -15216,10 +15742,10 @@
                     </a:srgbClr>
                   </a:outerShdw>
                 </a:effectLst>
-                <a:latin typeface="Montserrat"/>
-                <a:ea typeface="Montserrat"/>
-                <a:cs typeface="Montserrat"/>
-                <a:sym typeface="Montserrat"/>
+                <a:latin typeface="Montserrat" panose="00000500000000000000"/>
+                <a:ea typeface="Montserrat" panose="00000500000000000000"/>
+                <a:cs typeface="Montserrat" panose="00000500000000000000"/>
+                <a:sym typeface="Montserrat" panose="00000500000000000000"/>
               </a:rPr>
               <a:t>Clasification</a:t>
             </a:r>
@@ -15234,10 +15760,10 @@
                   </a:srgbClr>
                 </a:outerShdw>
               </a:effectLst>
-              <a:latin typeface="Montserrat"/>
-              <a:ea typeface="Montserrat"/>
-              <a:cs typeface="Montserrat"/>
-              <a:sym typeface="Montserrat"/>
+              <a:latin typeface="Montserrat" panose="00000500000000000000"/>
+              <a:ea typeface="Montserrat" panose="00000500000000000000"/>
+              <a:cs typeface="Montserrat" panose="00000500000000000000"/>
+              <a:sym typeface="Montserrat" panose="00000500000000000000"/>
             </a:endParaRPr>
           </a:p>
           <a:p>
@@ -15261,10 +15787,10 @@
                   </a:srgbClr>
                 </a:outerShdw>
               </a:effectLst>
-              <a:latin typeface="Montserrat"/>
-              <a:ea typeface="Montserrat"/>
-              <a:cs typeface="Montserrat"/>
-              <a:sym typeface="Montserrat"/>
+              <a:latin typeface="Montserrat" panose="00000500000000000000"/>
+              <a:ea typeface="Montserrat" panose="00000500000000000000"/>
+              <a:cs typeface="Montserrat" panose="00000500000000000000"/>
+              <a:sym typeface="Montserrat" panose="00000500000000000000"/>
             </a:endParaRPr>
           </a:p>
           <a:p>
@@ -15287,10 +15813,10 @@
                   </a:srgbClr>
                 </a:outerShdw>
               </a:effectLst>
-              <a:latin typeface="Montserrat"/>
-              <a:ea typeface="Montserrat"/>
-              <a:cs typeface="Montserrat"/>
-              <a:sym typeface="Montserrat"/>
+              <a:latin typeface="Montserrat" panose="00000500000000000000"/>
+              <a:ea typeface="Montserrat" panose="00000500000000000000"/>
+              <a:cs typeface="Montserrat" panose="00000500000000000000"/>
+              <a:sym typeface="Montserrat" panose="00000500000000000000"/>
             </a:endParaRPr>
           </a:p>
           <a:p>
@@ -15314,10 +15840,10 @@
                   </a:srgbClr>
                 </a:outerShdw>
               </a:effectLst>
-              <a:latin typeface="Montserrat"/>
-              <a:ea typeface="Montserrat"/>
-              <a:cs typeface="Montserrat"/>
-              <a:sym typeface="Montserrat"/>
+              <a:latin typeface="Montserrat" panose="00000500000000000000"/>
+              <a:ea typeface="Montserrat" panose="00000500000000000000"/>
+              <a:cs typeface="Montserrat" panose="00000500000000000000"/>
+              <a:sym typeface="Montserrat" panose="00000500000000000000"/>
             </a:endParaRPr>
           </a:p>
         </p:txBody>
@@ -15331,7 +15857,7 @@
           <p:nvPr/>
         </p:nvPicPr>
         <p:blipFill rotWithShape="1">
-          <a:blip r:embed="rId3">
+          <a:blip r:embed="rId1">
             <a:extLst>
               <a:ext uri="{28A0092B-C50C-407E-A947-70E740481C1C}">
                 <a14:useLocalDpi xmlns:a14="http://schemas.microsoft.com/office/drawing/2010/main" val="0"/>
@@ -15339,7 +15865,9 @@
             </a:extLst>
           </a:blip>
           <a:srcRect l="8698" t="18355" r="7083" b="10706"/>
-          <a:stretch/>
+          <a:stretch>
+            <a:fillRect/>
+          </a:stretch>
         </p:blipFill>
         <p:spPr bwMode="auto">
           <a:xfrm>
@@ -15362,11 +15890,6 @@
         </p:spPr>
       </p:pic>
     </p:spTree>
-    <p:extLst>
-      <p:ext uri="{BB962C8B-B14F-4D97-AF65-F5344CB8AC3E}">
-        <p14:creationId xmlns:p14="http://schemas.microsoft.com/office/powerpoint/2010/main" val="3050801743"/>
-      </p:ext>
-    </p:extLst>
   </p:cSld>
   <p:clrMapOvr>
     <a:masterClrMapping/>
@@ -15405,9 +15928,7 @@
           <p:nvPr/>
         </p:nvPicPr>
         <p:blipFill>
-          <a:blip r:embed="rId3">
-            <a:alphaModFix/>
-          </a:blip>
+          <a:blip r:embed="rId1"/>
           <a:stretch>
             <a:fillRect/>
           </a:stretch>
@@ -15464,10 +15985,10 @@
               <a:solidFill>
                 <a:srgbClr val="FFFFFF"/>
               </a:solidFill>
-              <a:latin typeface="Montserrat"/>
-              <a:ea typeface="Montserrat"/>
-              <a:cs typeface="Montserrat"/>
-              <a:sym typeface="Montserrat"/>
+              <a:latin typeface="Montserrat" panose="00000500000000000000"/>
+              <a:ea typeface="Montserrat" panose="00000500000000000000"/>
+              <a:cs typeface="Montserrat" panose="00000500000000000000"/>
+              <a:sym typeface="Montserrat" panose="00000500000000000000"/>
             </a:endParaRPr>
           </a:p>
           <a:p>
@@ -15484,10 +16005,10 @@
               <a:solidFill>
                 <a:srgbClr val="FFFFFF"/>
               </a:solidFill>
-              <a:latin typeface="Nunito Sans"/>
-              <a:ea typeface="Nunito Sans"/>
-              <a:cs typeface="Nunito Sans"/>
-              <a:sym typeface="Nunito Sans"/>
+              <a:latin typeface="Nunito Sans" panose="00000500000000000000"/>
+              <a:ea typeface="Nunito Sans" panose="00000500000000000000"/>
+              <a:cs typeface="Nunito Sans" panose="00000500000000000000"/>
+              <a:sym typeface="Nunito Sans" panose="00000500000000000000"/>
             </a:endParaRPr>
           </a:p>
           <a:p>
@@ -15516,20 +16037,15 @@
               <a:solidFill>
                 <a:srgbClr val="FFFFFF"/>
               </a:solidFill>
-              <a:latin typeface="Montserrat"/>
-              <a:ea typeface="Montserrat"/>
-              <a:cs typeface="Montserrat"/>
-              <a:sym typeface="Montserrat"/>
+              <a:latin typeface="Montserrat" panose="00000500000000000000"/>
+              <a:ea typeface="Montserrat" panose="00000500000000000000"/>
+              <a:cs typeface="Montserrat" panose="00000500000000000000"/>
+              <a:sym typeface="Montserrat" panose="00000500000000000000"/>
             </a:endParaRPr>
           </a:p>
         </p:txBody>
       </p:sp>
     </p:spTree>
-    <p:extLst>
-      <p:ext uri="{BB962C8B-B14F-4D97-AF65-F5344CB8AC3E}">
-        <p14:creationId xmlns:p14="http://schemas.microsoft.com/office/powerpoint/2010/main" val="453866473"/>
-      </p:ext>
-    </p:extLst>
   </p:cSld>
   <p:clrMapOvr>
     <a:masterClrMapping/>
@@ -15599,7 +16115,7 @@
                 <a:srgbClr val="FFFFFF"/>
               </a:buClr>
               <a:buSzPts val="1300"/>
-              <a:buFont typeface="Nunito Sans"/>
+              <a:buFont typeface="Nunito Sans" panose="00000500000000000000"/>
               <a:buChar char="●"/>
             </a:pPr>
             <a:r>
@@ -15607,13 +16123,22 @@
                 <a:solidFill>
                   <a:srgbClr val="FFFFFF"/>
                 </a:solidFill>
-                <a:latin typeface="Nunito Sans"/>
-                <a:ea typeface="Nunito Sans"/>
-                <a:cs typeface="Nunito Sans"/>
-                <a:sym typeface="Nunito Sans"/>
+                <a:latin typeface="Nunito Sans" panose="00000500000000000000"/>
+                <a:ea typeface="Nunito Sans" panose="00000500000000000000"/>
+                <a:cs typeface="Nunito Sans" panose="00000500000000000000"/>
+                <a:sym typeface="Nunito Sans" panose="00000500000000000000"/>
               </a:rPr>
               <a:t>An object called subject maintains a list of its dependents called observers</a:t>
             </a:r>
+            <a:endParaRPr lang="en-US" sz="1300" dirty="0">
+              <a:solidFill>
+                <a:srgbClr val="FFFFFF"/>
+              </a:solidFill>
+              <a:latin typeface="Nunito Sans" panose="00000500000000000000"/>
+              <a:ea typeface="Nunito Sans" panose="00000500000000000000"/>
+              <a:cs typeface="Nunito Sans" panose="00000500000000000000"/>
+              <a:sym typeface="Nunito Sans" panose="00000500000000000000"/>
+            </a:endParaRPr>
           </a:p>
           <a:p>
             <a:pPr marL="457200" lvl="0" indent="-311150" algn="just" rtl="0">
@@ -15627,17 +16152,17 @@
                 <a:srgbClr val="FFFFFF"/>
               </a:buClr>
               <a:buSzPts val="1300"/>
-              <a:buFont typeface="Nunito Sans"/>
+              <a:buFont typeface="Nunito Sans" panose="00000500000000000000"/>
               <a:buChar char="●"/>
             </a:pPr>
-            <a:endParaRPr lang="en" sz="1300" dirty="0">
+            <a:endParaRPr lang="en-GB" sz="1300" dirty="0">
               <a:solidFill>
                 <a:srgbClr val="FFFFFF"/>
               </a:solidFill>
-              <a:latin typeface="Nunito Sans"/>
-              <a:ea typeface="Nunito Sans"/>
-              <a:cs typeface="Nunito Sans"/>
-              <a:sym typeface="Nunito Sans"/>
+              <a:latin typeface="Nunito Sans" panose="00000500000000000000"/>
+              <a:ea typeface="Nunito Sans" panose="00000500000000000000"/>
+              <a:cs typeface="Nunito Sans" panose="00000500000000000000"/>
+              <a:sym typeface="Nunito Sans" panose="00000500000000000000"/>
             </a:endParaRPr>
           </a:p>
           <a:p>
@@ -15652,18 +16177,18 @@
                 <a:srgbClr val="FFFFFF"/>
               </a:buClr>
               <a:buSzPts val="1300"/>
-              <a:buFont typeface="Nunito Sans"/>
+              <a:buFont typeface="Nunito Sans" panose="00000500000000000000"/>
               <a:buChar char="●"/>
             </a:pPr>
             <a:r>
-              <a:rPr lang="en" sz="1300" dirty="0" smtClean="0">
+              <a:rPr lang="en-GB" sz="1300" dirty="0" smtClean="0">
                 <a:solidFill>
                   <a:srgbClr val="FFFFFF"/>
                 </a:solidFill>
-                <a:latin typeface="Nunito Sans"/>
-                <a:ea typeface="Nunito Sans"/>
-                <a:cs typeface="Nunito Sans"/>
-                <a:sym typeface="Nunito Sans"/>
+                <a:latin typeface="Nunito Sans" panose="00000500000000000000"/>
+                <a:ea typeface="Nunito Sans" panose="00000500000000000000"/>
+                <a:cs typeface="Nunito Sans" panose="00000500000000000000"/>
+                <a:sym typeface="Nunito Sans" panose="00000500000000000000"/>
               </a:rPr>
               <a:t>Defines one to many dependency between objects so that one object change state, all of its dependents are notified and updated automatically.</a:t>
             </a:r>
@@ -15671,10 +16196,10 @@
               <a:solidFill>
                 <a:srgbClr val="FFFFFF"/>
               </a:solidFill>
-              <a:latin typeface="Nunito Sans"/>
-              <a:ea typeface="Nunito Sans"/>
-              <a:cs typeface="Nunito Sans"/>
-              <a:sym typeface="Nunito Sans"/>
+              <a:latin typeface="Nunito Sans" panose="00000500000000000000"/>
+              <a:ea typeface="Nunito Sans" panose="00000500000000000000"/>
+              <a:cs typeface="Nunito Sans" panose="00000500000000000000"/>
+              <a:sym typeface="Nunito Sans" panose="00000500000000000000"/>
             </a:endParaRPr>
           </a:p>
           <a:p>
@@ -15691,10 +16216,10 @@
               <a:solidFill>
                 <a:srgbClr val="FFFFFF"/>
               </a:solidFill>
-              <a:latin typeface="Nunito Sans"/>
-              <a:ea typeface="Nunito Sans"/>
-              <a:cs typeface="Nunito Sans"/>
-              <a:sym typeface="Nunito Sans"/>
+              <a:latin typeface="Nunito Sans" panose="00000500000000000000"/>
+              <a:ea typeface="Nunito Sans" panose="00000500000000000000"/>
+              <a:cs typeface="Nunito Sans" panose="00000500000000000000"/>
+              <a:sym typeface="Nunito Sans" panose="00000500000000000000"/>
             </a:endParaRPr>
           </a:p>
           <a:p>
@@ -15709,18 +16234,18 @@
                 <a:srgbClr val="FFFFFF"/>
               </a:buClr>
               <a:buSzPts val="1300"/>
-              <a:buFont typeface="Nunito Sans"/>
+              <a:buFont typeface="Nunito Sans" panose="00000500000000000000"/>
               <a:buChar char="●"/>
             </a:pPr>
             <a:r>
-              <a:rPr lang="en" sz="1300" dirty="0" smtClean="0">
+              <a:rPr lang="en-GB" sz="1300" dirty="0" smtClean="0">
                 <a:solidFill>
                   <a:srgbClr val="FFFFFF"/>
                 </a:solidFill>
-                <a:latin typeface="Nunito Sans"/>
-                <a:ea typeface="Nunito Sans"/>
-                <a:cs typeface="Nunito Sans"/>
-                <a:sym typeface="Nunito Sans"/>
+                <a:latin typeface="Nunito Sans" panose="00000500000000000000"/>
+                <a:ea typeface="Nunito Sans" panose="00000500000000000000"/>
+                <a:cs typeface="Nunito Sans" panose="00000500000000000000"/>
+                <a:sym typeface="Nunito Sans" panose="00000500000000000000"/>
               </a:rPr>
               <a:t>The subject notifies its changes using a specific method defined in all of its dependents</a:t>
             </a:r>
@@ -15728,10 +16253,10 @@
               <a:solidFill>
                 <a:srgbClr val="FFFFFF"/>
               </a:solidFill>
-              <a:latin typeface="Nunito Sans"/>
-              <a:ea typeface="Nunito Sans"/>
-              <a:cs typeface="Nunito Sans"/>
-              <a:sym typeface="Nunito Sans"/>
+              <a:latin typeface="Nunito Sans" panose="00000500000000000000"/>
+              <a:ea typeface="Nunito Sans" panose="00000500000000000000"/>
+              <a:cs typeface="Nunito Sans" panose="00000500000000000000"/>
+              <a:sym typeface="Nunito Sans" panose="00000500000000000000"/>
             </a:endParaRPr>
           </a:p>
           <a:p>
@@ -15748,10 +16273,10 @@
               <a:solidFill>
                 <a:srgbClr val="FFFFFF"/>
               </a:solidFill>
-              <a:latin typeface="Nunito Sans"/>
-              <a:ea typeface="Nunito Sans"/>
-              <a:cs typeface="Nunito Sans"/>
-              <a:sym typeface="Nunito Sans"/>
+              <a:latin typeface="Nunito Sans" panose="00000500000000000000"/>
+              <a:ea typeface="Nunito Sans" panose="00000500000000000000"/>
+              <a:cs typeface="Nunito Sans" panose="00000500000000000000"/>
+              <a:sym typeface="Nunito Sans" panose="00000500000000000000"/>
             </a:endParaRPr>
           </a:p>
         </p:txBody>
@@ -15792,19 +16317,12 @@
               </a:spcAft>
               <a:buNone/>
             </a:pPr>
-            <a:endParaRPr/>
           </a:p>
         </p:txBody>
       </p:sp>
       <p:sp>
         <p:nvSpPr>
-          <p:cNvPr id="8" name="Google Shape;139;p30">
-            <a:extLst>
-              <a:ext uri="{FF2B5EF4-FFF2-40B4-BE49-F238E27FC236}">
-                <a16:creationId xmlns:a16="http://schemas.microsoft.com/office/drawing/2014/main" id="{93795D4F-58E2-461F-AE89-6DB514A5D56A}"/>
-              </a:ext>
-            </a:extLst>
-          </p:cNvPr>
+          <p:cNvPr id="8" name="Google Shape;139;p30"/>
           <p:cNvSpPr txBox="1"/>
           <p:nvPr/>
         </p:nvSpPr>
@@ -15848,10 +16366,10 @@
                     </a:srgbClr>
                   </a:outerShdw>
                 </a:effectLst>
-                <a:latin typeface="Montserrat"/>
-                <a:ea typeface="Montserrat"/>
-                <a:cs typeface="Montserrat"/>
-                <a:sym typeface="Montserrat"/>
+                <a:latin typeface="Montserrat" panose="00000500000000000000"/>
+                <a:ea typeface="Montserrat" panose="00000500000000000000"/>
+                <a:cs typeface="Montserrat" panose="00000500000000000000"/>
+                <a:sym typeface="Montserrat" panose="00000500000000000000"/>
               </a:rPr>
               <a:t>Observer</a:t>
             </a:r>
@@ -15867,10 +16385,10 @@
                     </a:srgbClr>
                   </a:outerShdw>
                 </a:effectLst>
-                <a:latin typeface="Montserrat"/>
-                <a:ea typeface="Montserrat"/>
-                <a:cs typeface="Montserrat"/>
-                <a:sym typeface="Montserrat"/>
+                <a:latin typeface="Montserrat" panose="00000500000000000000"/>
+                <a:ea typeface="Montserrat" panose="00000500000000000000"/>
+                <a:cs typeface="Montserrat" panose="00000500000000000000"/>
+                <a:sym typeface="Montserrat" panose="00000500000000000000"/>
               </a:rPr>
               <a:t> </a:t>
             </a:r>
@@ -15886,10 +16404,10 @@
                     </a:srgbClr>
                   </a:outerShdw>
                 </a:effectLst>
-                <a:latin typeface="Montserrat"/>
-                <a:ea typeface="Montserrat"/>
-                <a:cs typeface="Montserrat"/>
-                <a:sym typeface="Montserrat"/>
+                <a:latin typeface="Montserrat" panose="00000500000000000000"/>
+                <a:ea typeface="Montserrat" panose="00000500000000000000"/>
+                <a:cs typeface="Montserrat" panose="00000500000000000000"/>
+                <a:sym typeface="Montserrat" panose="00000500000000000000"/>
               </a:rPr>
               <a:t>Pattern</a:t>
             </a:r>
@@ -15904,10 +16422,10 @@
                   </a:srgbClr>
                 </a:outerShdw>
               </a:effectLst>
-              <a:latin typeface="Montserrat"/>
-              <a:ea typeface="Montserrat"/>
-              <a:cs typeface="Montserrat"/>
-              <a:sym typeface="Montserrat"/>
+              <a:latin typeface="Montserrat" panose="00000500000000000000"/>
+              <a:ea typeface="Montserrat" panose="00000500000000000000"/>
+              <a:cs typeface="Montserrat" panose="00000500000000000000"/>
+              <a:sym typeface="Montserrat" panose="00000500000000000000"/>
             </a:endParaRPr>
           </a:p>
         </p:txBody>
@@ -15921,7 +16439,7 @@
           <p:nvPr/>
         </p:nvPicPr>
         <p:blipFill rotWithShape="1">
-          <a:blip r:embed="rId3">
+          <a:blip r:embed="rId1">
             <a:extLst>
               <a:ext uri="{28A0092B-C50C-407E-A947-70E740481C1C}">
                 <a14:useLocalDpi xmlns:a14="http://schemas.microsoft.com/office/drawing/2010/main" val="0"/>
@@ -15929,7 +16447,9 @@
             </a:extLst>
           </a:blip>
           <a:srcRect b="11421"/>
-          <a:stretch/>
+          <a:stretch>
+            <a:fillRect/>
+          </a:stretch>
         </p:blipFill>
         <p:spPr bwMode="auto">
           <a:xfrm>
@@ -16027,21 +16547,30 @@
                 <a:srgbClr val="FFFFFF"/>
               </a:buClr>
               <a:buSzPts val="1300"/>
-              <a:buFont typeface="Nunito Sans"/>
+              <a:buFont typeface="Nunito Sans" panose="00000500000000000000"/>
               <a:buChar char="●"/>
             </a:pPr>
             <a:r>
-              <a:rPr lang="en" sz="1300" dirty="0" smtClean="0">
+              <a:rPr lang="en-GB" sz="1300" dirty="0" smtClean="0">
                 <a:solidFill>
                   <a:srgbClr val="FFFFFF"/>
                 </a:solidFill>
-                <a:latin typeface="Nunito Sans"/>
-                <a:ea typeface="Nunito Sans"/>
-                <a:cs typeface="Nunito Sans"/>
-                <a:sym typeface="Nunito Sans"/>
+                <a:latin typeface="Nunito Sans" panose="00000500000000000000"/>
+                <a:ea typeface="Nunito Sans" panose="00000500000000000000"/>
+                <a:cs typeface="Nunito Sans" panose="00000500000000000000"/>
+                <a:sym typeface="Nunito Sans" panose="00000500000000000000"/>
               </a:rPr>
               <a:t>The subject (publisher) does not need to know anything about the Observers (suscribers)</a:t>
             </a:r>
+            <a:endParaRPr lang="en-GB" sz="1300" dirty="0" smtClean="0">
+              <a:solidFill>
+                <a:srgbClr val="FFFFFF"/>
+              </a:solidFill>
+              <a:latin typeface="Nunito Sans" panose="00000500000000000000"/>
+              <a:ea typeface="Nunito Sans" panose="00000500000000000000"/>
+              <a:cs typeface="Nunito Sans" panose="00000500000000000000"/>
+              <a:sym typeface="Nunito Sans" panose="00000500000000000000"/>
+            </a:endParaRPr>
           </a:p>
           <a:p>
             <a:pPr marL="457200" lvl="0" indent="-311150" algn="just" rtl="0">
@@ -16055,17 +16584,17 @@
                 <a:srgbClr val="FFFFFF"/>
               </a:buClr>
               <a:buSzPts val="1300"/>
-              <a:buFont typeface="Nunito Sans"/>
+              <a:buFont typeface="Nunito Sans" panose="00000500000000000000"/>
               <a:buChar char="●"/>
             </a:pPr>
-            <a:endParaRPr lang="en" sz="1300" dirty="0">
+            <a:endParaRPr lang="en-GB" sz="1300" dirty="0">
               <a:solidFill>
                 <a:srgbClr val="FFFFFF"/>
               </a:solidFill>
-              <a:latin typeface="Nunito Sans"/>
-              <a:ea typeface="Nunito Sans"/>
-              <a:cs typeface="Nunito Sans"/>
-              <a:sym typeface="Nunito Sans"/>
+              <a:latin typeface="Nunito Sans" panose="00000500000000000000"/>
+              <a:ea typeface="Nunito Sans" panose="00000500000000000000"/>
+              <a:cs typeface="Nunito Sans" panose="00000500000000000000"/>
+              <a:sym typeface="Nunito Sans" panose="00000500000000000000"/>
             </a:endParaRPr>
           </a:p>
           <a:p>
@@ -16074,21 +16603,30 @@
                 <a:srgbClr val="FFFFFF"/>
               </a:buClr>
               <a:buSzPts val="1300"/>
-              <a:buFont typeface="Nunito Sans"/>
+              <a:buFont typeface="Nunito Sans" panose="00000500000000000000"/>
               <a:buChar char="●"/>
             </a:pPr>
             <a:r>
-              <a:rPr lang="en" sz="1300" dirty="0">
+              <a:rPr lang="en-GB" sz="1300" dirty="0">
                 <a:solidFill>
                   <a:srgbClr val="FFFFFF"/>
                 </a:solidFill>
-                <a:latin typeface="Nunito Sans"/>
-                <a:ea typeface="Nunito Sans"/>
-                <a:cs typeface="Nunito Sans"/>
-                <a:sym typeface="Nunito Sans"/>
+                <a:latin typeface="Nunito Sans" panose="00000500000000000000"/>
+                <a:ea typeface="Nunito Sans" panose="00000500000000000000"/>
+                <a:cs typeface="Nunito Sans" panose="00000500000000000000"/>
+                <a:sym typeface="Nunito Sans" panose="00000500000000000000"/>
               </a:rPr>
               <a:t>Loose coupling</a:t>
             </a:r>
+            <a:endParaRPr lang="en-GB" sz="1300" dirty="0">
+              <a:solidFill>
+                <a:srgbClr val="FFFFFF"/>
+              </a:solidFill>
+              <a:latin typeface="Nunito Sans" panose="00000500000000000000"/>
+              <a:ea typeface="Nunito Sans" panose="00000500000000000000"/>
+              <a:cs typeface="Nunito Sans" panose="00000500000000000000"/>
+              <a:sym typeface="Nunito Sans" panose="00000500000000000000"/>
+            </a:endParaRPr>
           </a:p>
           <a:p>
             <a:pPr marL="457200" lvl="5" indent="-311150" algn="just">
@@ -16100,29 +16638,38 @@
               <a:buChar char="q"/>
             </a:pPr>
             <a:r>
-              <a:rPr lang="en" sz="1300" dirty="0">
+              <a:rPr lang="en-GB" sz="1300" dirty="0">
                 <a:solidFill>
                   <a:srgbClr val="FFFFFF"/>
                 </a:solidFill>
-                <a:latin typeface="Nunito Sans"/>
-                <a:ea typeface="Nunito Sans"/>
-                <a:cs typeface="Nunito Sans"/>
-                <a:sym typeface="Nunito Sans"/>
+                <a:latin typeface="Nunito Sans" panose="00000500000000000000"/>
+                <a:ea typeface="Nunito Sans" panose="00000500000000000000"/>
+                <a:cs typeface="Nunito Sans" panose="00000500000000000000"/>
+                <a:sym typeface="Nunito Sans" panose="00000500000000000000"/>
               </a:rPr>
               <a:t>Subject only knows that observer implement Observer </a:t>
             </a:r>
             <a:r>
-              <a:rPr lang="en" sz="1300" dirty="0" smtClean="0">
+              <a:rPr lang="en-GB" sz="1300" dirty="0" smtClean="0">
                 <a:solidFill>
                   <a:srgbClr val="FFFFFF"/>
                 </a:solidFill>
-                <a:latin typeface="Nunito Sans"/>
-                <a:ea typeface="Nunito Sans"/>
-                <a:cs typeface="Nunito Sans"/>
-                <a:sym typeface="Nunito Sans"/>
+                <a:latin typeface="Nunito Sans" panose="00000500000000000000"/>
+                <a:ea typeface="Nunito Sans" panose="00000500000000000000"/>
+                <a:cs typeface="Nunito Sans" panose="00000500000000000000"/>
+                <a:sym typeface="Nunito Sans" panose="00000500000000000000"/>
               </a:rPr>
               <a:t>interface</a:t>
             </a:r>
+            <a:endParaRPr lang="en-GB" sz="1300" dirty="0" smtClean="0">
+              <a:solidFill>
+                <a:srgbClr val="FFFFFF"/>
+              </a:solidFill>
+              <a:latin typeface="Nunito Sans" panose="00000500000000000000"/>
+              <a:ea typeface="Nunito Sans" panose="00000500000000000000"/>
+              <a:cs typeface="Nunito Sans" panose="00000500000000000000"/>
+              <a:sym typeface="Nunito Sans" panose="00000500000000000000"/>
+            </a:endParaRPr>
           </a:p>
           <a:p>
             <a:pPr marL="457200" lvl="5" indent="-311150" algn="just">
@@ -16134,25 +16681,25 @@
               <a:buChar char="q"/>
             </a:pPr>
             <a:r>
-              <a:rPr lang="en" sz="1300" dirty="0" smtClean="0">
+              <a:rPr lang="en-GB" sz="1300" dirty="0" smtClean="0">
                 <a:solidFill>
                   <a:srgbClr val="FFFFFF"/>
                 </a:solidFill>
-                <a:latin typeface="Nunito Sans"/>
-                <a:ea typeface="Nunito Sans"/>
-                <a:cs typeface="Nunito Sans"/>
-                <a:sym typeface="Nunito Sans"/>
+                <a:latin typeface="Nunito Sans" panose="00000500000000000000"/>
+                <a:ea typeface="Nunito Sans" panose="00000500000000000000"/>
+                <a:cs typeface="Nunito Sans" panose="00000500000000000000"/>
+                <a:sym typeface="Nunito Sans" panose="00000500000000000000"/>
               </a:rPr>
               <a:t>There is no need to modify Subject to add or remove observers</a:t>
             </a:r>
-            <a:endParaRPr lang="en" sz="1300" dirty="0">
+            <a:endParaRPr lang="en-GB" sz="1300" dirty="0">
               <a:solidFill>
                 <a:srgbClr val="FFFFFF"/>
               </a:solidFill>
-              <a:latin typeface="Nunito Sans"/>
-              <a:ea typeface="Nunito Sans"/>
-              <a:cs typeface="Nunito Sans"/>
-              <a:sym typeface="Nunito Sans"/>
+              <a:latin typeface="Nunito Sans" panose="00000500000000000000"/>
+              <a:ea typeface="Nunito Sans" panose="00000500000000000000"/>
+              <a:cs typeface="Nunito Sans" panose="00000500000000000000"/>
+              <a:sym typeface="Nunito Sans" panose="00000500000000000000"/>
             </a:endParaRPr>
           </a:p>
           <a:p>
@@ -16167,17 +16714,17 @@
                 <a:srgbClr val="FFFFFF"/>
               </a:buClr>
               <a:buSzPts val="1300"/>
-              <a:buFont typeface="Nunito Sans"/>
+              <a:buFont typeface="Nunito Sans" panose="00000500000000000000"/>
               <a:buChar char="●"/>
             </a:pPr>
-            <a:endParaRPr lang="en" sz="1300" dirty="0" smtClean="0">
+            <a:endParaRPr lang="en-GB" sz="1300" dirty="0" smtClean="0">
               <a:solidFill>
                 <a:srgbClr val="FFFFFF"/>
               </a:solidFill>
-              <a:latin typeface="Nunito Sans"/>
-              <a:ea typeface="Nunito Sans"/>
-              <a:cs typeface="Nunito Sans"/>
-              <a:sym typeface="Nunito Sans"/>
+              <a:latin typeface="Nunito Sans" panose="00000500000000000000"/>
+              <a:ea typeface="Nunito Sans" panose="00000500000000000000"/>
+              <a:cs typeface="Nunito Sans" panose="00000500000000000000"/>
+              <a:sym typeface="Nunito Sans" panose="00000500000000000000"/>
             </a:endParaRPr>
           </a:p>
           <a:p>
@@ -16192,21 +16739,30 @@
                 <a:srgbClr val="FFFFFF"/>
               </a:buClr>
               <a:buSzPts val="1300"/>
-              <a:buFont typeface="Nunito Sans"/>
+              <a:buFont typeface="Nunito Sans" panose="00000500000000000000"/>
               <a:buChar char="●"/>
             </a:pPr>
             <a:r>
-              <a:rPr lang="en" sz="1300" dirty="0" smtClean="0">
+              <a:rPr lang="en-GB" sz="1300" dirty="0" smtClean="0">
                 <a:solidFill>
                   <a:srgbClr val="FFFFFF"/>
                 </a:solidFill>
-                <a:latin typeface="Nunito Sans"/>
-                <a:ea typeface="Nunito Sans"/>
-                <a:cs typeface="Nunito Sans"/>
-                <a:sym typeface="Nunito Sans"/>
+                <a:latin typeface="Nunito Sans" panose="00000500000000000000"/>
+                <a:ea typeface="Nunito Sans" panose="00000500000000000000"/>
+                <a:cs typeface="Nunito Sans" panose="00000500000000000000"/>
+                <a:sym typeface="Nunito Sans" panose="00000500000000000000"/>
               </a:rPr>
               <a:t>The observer object does not need to be pending about any change, the subject is the responsible to notify that.</a:t>
             </a:r>
+            <a:endParaRPr lang="en-GB" sz="1300" dirty="0" smtClean="0">
+              <a:solidFill>
+                <a:srgbClr val="FFFFFF"/>
+              </a:solidFill>
+              <a:latin typeface="Nunito Sans" panose="00000500000000000000"/>
+              <a:ea typeface="Nunito Sans" panose="00000500000000000000"/>
+              <a:cs typeface="Nunito Sans" panose="00000500000000000000"/>
+              <a:sym typeface="Nunito Sans" panose="00000500000000000000"/>
+            </a:endParaRPr>
           </a:p>
           <a:p>
             <a:pPr marL="457200" lvl="0" indent="-311150" algn="just" rtl="0">
@@ -16220,17 +16776,17 @@
                 <a:srgbClr val="FFFFFF"/>
               </a:buClr>
               <a:buSzPts val="1300"/>
-              <a:buFont typeface="Nunito Sans"/>
+              <a:buFont typeface="Nunito Sans" panose="00000500000000000000"/>
               <a:buChar char="●"/>
             </a:pPr>
-            <a:endParaRPr lang="en" sz="1300" dirty="0">
+            <a:endParaRPr lang="en-GB" sz="1300" dirty="0">
               <a:solidFill>
                 <a:srgbClr val="FFFFFF"/>
               </a:solidFill>
-              <a:latin typeface="Nunito Sans"/>
-              <a:ea typeface="Nunito Sans"/>
-              <a:cs typeface="Nunito Sans"/>
-              <a:sym typeface="Nunito Sans"/>
+              <a:latin typeface="Nunito Sans" panose="00000500000000000000"/>
+              <a:ea typeface="Nunito Sans" panose="00000500000000000000"/>
+              <a:cs typeface="Nunito Sans" panose="00000500000000000000"/>
+              <a:sym typeface="Nunito Sans" panose="00000500000000000000"/>
             </a:endParaRPr>
           </a:p>
           <a:p>
@@ -16245,21 +16801,30 @@
                 <a:srgbClr val="FFFFFF"/>
               </a:buClr>
               <a:buSzPts val="1300"/>
-              <a:buFont typeface="Nunito Sans"/>
+              <a:buFont typeface="Nunito Sans" panose="00000500000000000000"/>
               <a:buChar char="●"/>
             </a:pPr>
             <a:r>
-              <a:rPr lang="en" sz="1300" dirty="0" smtClean="0">
+              <a:rPr lang="en-GB" sz="1300" dirty="0" smtClean="0">
                 <a:solidFill>
                   <a:srgbClr val="FFFFFF"/>
                 </a:solidFill>
-                <a:latin typeface="Nunito Sans"/>
-                <a:ea typeface="Nunito Sans"/>
-                <a:cs typeface="Nunito Sans"/>
-                <a:sym typeface="Nunito Sans"/>
+                <a:latin typeface="Nunito Sans" panose="00000500000000000000"/>
+                <a:ea typeface="Nunito Sans" panose="00000500000000000000"/>
+                <a:cs typeface="Nunito Sans" panose="00000500000000000000"/>
+                <a:sym typeface="Nunito Sans" panose="00000500000000000000"/>
               </a:rPr>
               <a:t>The push (notify) strategy is more efficient than the pull (ask all the time) one.</a:t>
             </a:r>
+            <a:endParaRPr lang="en-GB" sz="1300" dirty="0" smtClean="0">
+              <a:solidFill>
+                <a:srgbClr val="FFFFFF"/>
+              </a:solidFill>
+              <a:latin typeface="Nunito Sans" panose="00000500000000000000"/>
+              <a:ea typeface="Nunito Sans" panose="00000500000000000000"/>
+              <a:cs typeface="Nunito Sans" panose="00000500000000000000"/>
+              <a:sym typeface="Nunito Sans" panose="00000500000000000000"/>
+            </a:endParaRPr>
           </a:p>
           <a:p>
             <a:pPr marL="457200" lvl="0" indent="-311150" algn="just" rtl="0">
@@ -16273,17 +16838,17 @@
                 <a:srgbClr val="FFFFFF"/>
               </a:buClr>
               <a:buSzPts val="1300"/>
-              <a:buFont typeface="Nunito Sans"/>
+              <a:buFont typeface="Nunito Sans" panose="00000500000000000000"/>
               <a:buChar char="●"/>
             </a:pPr>
-            <a:endParaRPr lang="en" sz="1300" dirty="0">
+            <a:endParaRPr lang="en-GB" sz="1300" dirty="0">
               <a:solidFill>
                 <a:srgbClr val="FFFFFF"/>
               </a:solidFill>
-              <a:latin typeface="Nunito Sans"/>
-              <a:ea typeface="Nunito Sans"/>
-              <a:cs typeface="Nunito Sans"/>
-              <a:sym typeface="Nunito Sans"/>
+              <a:latin typeface="Nunito Sans" panose="00000500000000000000"/>
+              <a:ea typeface="Nunito Sans" panose="00000500000000000000"/>
+              <a:cs typeface="Nunito Sans" panose="00000500000000000000"/>
+              <a:sym typeface="Nunito Sans" panose="00000500000000000000"/>
             </a:endParaRPr>
           </a:p>
           <a:p>
@@ -16298,21 +16863,30 @@
                 <a:srgbClr val="FFFFFF"/>
               </a:buClr>
               <a:buSzPts val="1300"/>
-              <a:buFont typeface="Nunito Sans"/>
+              <a:buFont typeface="Nunito Sans" panose="00000500000000000000"/>
               <a:buChar char="●"/>
             </a:pPr>
             <a:r>
-              <a:rPr lang="en" sz="1300" dirty="0" smtClean="0">
+              <a:rPr lang="en-GB" sz="1300" dirty="0" smtClean="0">
                 <a:solidFill>
                   <a:srgbClr val="FFFFFF"/>
                 </a:solidFill>
-                <a:latin typeface="Nunito Sans"/>
-                <a:ea typeface="Nunito Sans"/>
-                <a:cs typeface="Nunito Sans"/>
-                <a:sym typeface="Nunito Sans"/>
+                <a:latin typeface="Nunito Sans" panose="00000500000000000000"/>
+                <a:ea typeface="Nunito Sans" panose="00000500000000000000"/>
+                <a:cs typeface="Nunito Sans" panose="00000500000000000000"/>
+                <a:sym typeface="Nunito Sans" panose="00000500000000000000"/>
               </a:rPr>
               <a:t>You have the posibility to add suscribers or remove suscribers whenever you want</a:t>
             </a:r>
+            <a:endParaRPr lang="en-GB" sz="1300" dirty="0" smtClean="0">
+              <a:solidFill>
+                <a:srgbClr val="FFFFFF"/>
+              </a:solidFill>
+              <a:latin typeface="Nunito Sans" panose="00000500000000000000"/>
+              <a:ea typeface="Nunito Sans" panose="00000500000000000000"/>
+              <a:cs typeface="Nunito Sans" panose="00000500000000000000"/>
+              <a:sym typeface="Nunito Sans" panose="00000500000000000000"/>
+            </a:endParaRPr>
           </a:p>
           <a:p>
             <a:pPr marL="457200" lvl="0" indent="-311150" algn="just" rtl="0">
@@ -16326,17 +16900,17 @@
                 <a:srgbClr val="FFFFFF"/>
               </a:buClr>
               <a:buSzPts val="1300"/>
-              <a:buFont typeface="Nunito Sans"/>
+              <a:buFont typeface="Nunito Sans" panose="00000500000000000000"/>
               <a:buChar char="●"/>
             </a:pPr>
-            <a:endParaRPr lang="en" sz="1300" dirty="0" smtClean="0">
+            <a:endParaRPr lang="en-GB" sz="1300" dirty="0" smtClean="0">
               <a:solidFill>
                 <a:srgbClr val="FFFFFF"/>
               </a:solidFill>
-              <a:latin typeface="Nunito Sans"/>
-              <a:ea typeface="Nunito Sans"/>
-              <a:cs typeface="Nunito Sans"/>
-              <a:sym typeface="Nunito Sans"/>
+              <a:latin typeface="Nunito Sans" panose="00000500000000000000"/>
+              <a:ea typeface="Nunito Sans" panose="00000500000000000000"/>
+              <a:cs typeface="Nunito Sans" panose="00000500000000000000"/>
+              <a:sym typeface="Nunito Sans" panose="00000500000000000000"/>
             </a:endParaRPr>
           </a:p>
           <a:p>
@@ -16351,18 +16925,18 @@
                 <a:srgbClr val="FFFFFF"/>
               </a:buClr>
               <a:buSzPts val="1300"/>
-              <a:buFont typeface="Nunito Sans"/>
+              <a:buFont typeface="Nunito Sans" panose="00000500000000000000"/>
               <a:buChar char="●"/>
             </a:pPr>
             <a:r>
-              <a:rPr lang="en" sz="1300" dirty="0" smtClean="0">
+              <a:rPr lang="en-GB" sz="1300" dirty="0" smtClean="0">
                 <a:solidFill>
                   <a:srgbClr val="FFFFFF"/>
                 </a:solidFill>
-                <a:latin typeface="Nunito Sans"/>
-                <a:ea typeface="Nunito Sans"/>
-                <a:cs typeface="Nunito Sans"/>
-                <a:sym typeface="Nunito Sans"/>
+                <a:latin typeface="Nunito Sans" panose="00000500000000000000"/>
+                <a:ea typeface="Nunito Sans" panose="00000500000000000000"/>
+                <a:cs typeface="Nunito Sans" panose="00000500000000000000"/>
+                <a:sym typeface="Nunito Sans" panose="00000500000000000000"/>
               </a:rPr>
               <a:t>This pattern is used in graphical interfaces, subscribing listeners to capture specific events</a:t>
             </a:r>
@@ -16370,10 +16944,10 @@
               <a:solidFill>
                 <a:srgbClr val="FFFFFF"/>
               </a:solidFill>
-              <a:latin typeface="Nunito Sans"/>
-              <a:ea typeface="Nunito Sans"/>
-              <a:cs typeface="Nunito Sans"/>
-              <a:sym typeface="Nunito Sans"/>
+              <a:latin typeface="Nunito Sans" panose="00000500000000000000"/>
+              <a:ea typeface="Nunito Sans" panose="00000500000000000000"/>
+              <a:cs typeface="Nunito Sans" panose="00000500000000000000"/>
+              <a:sym typeface="Nunito Sans" panose="00000500000000000000"/>
             </a:endParaRPr>
           </a:p>
           <a:p>
@@ -16390,10 +16964,10 @@
               <a:solidFill>
                 <a:srgbClr val="FFFFFF"/>
               </a:solidFill>
-              <a:latin typeface="Nunito Sans"/>
-              <a:ea typeface="Nunito Sans"/>
-              <a:cs typeface="Nunito Sans"/>
-              <a:sym typeface="Nunito Sans"/>
+              <a:latin typeface="Nunito Sans" panose="00000500000000000000"/>
+              <a:ea typeface="Nunito Sans" panose="00000500000000000000"/>
+              <a:cs typeface="Nunito Sans" panose="00000500000000000000"/>
+              <a:sym typeface="Nunito Sans" panose="00000500000000000000"/>
             </a:endParaRPr>
           </a:p>
           <a:p>
@@ -16410,10 +16984,10 @@
               <a:solidFill>
                 <a:srgbClr val="FFFFFF"/>
               </a:solidFill>
-              <a:latin typeface="Nunito Sans"/>
-              <a:ea typeface="Nunito Sans"/>
-              <a:cs typeface="Nunito Sans"/>
-              <a:sym typeface="Nunito Sans"/>
+              <a:latin typeface="Nunito Sans" panose="00000500000000000000"/>
+              <a:ea typeface="Nunito Sans" panose="00000500000000000000"/>
+              <a:cs typeface="Nunito Sans" panose="00000500000000000000"/>
+              <a:sym typeface="Nunito Sans" panose="00000500000000000000"/>
             </a:endParaRPr>
           </a:p>
           <a:p>
@@ -16430,10 +17004,10 @@
               <a:solidFill>
                 <a:srgbClr val="FFFFFF"/>
               </a:solidFill>
-              <a:latin typeface="Nunito Sans"/>
-              <a:ea typeface="Nunito Sans"/>
-              <a:cs typeface="Nunito Sans"/>
-              <a:sym typeface="Nunito Sans"/>
+              <a:latin typeface="Nunito Sans" panose="00000500000000000000"/>
+              <a:ea typeface="Nunito Sans" panose="00000500000000000000"/>
+              <a:cs typeface="Nunito Sans" panose="00000500000000000000"/>
+              <a:sym typeface="Nunito Sans" panose="00000500000000000000"/>
             </a:endParaRPr>
           </a:p>
           <a:p>
@@ -16451,10 +17025,10 @@
                 <a:solidFill>
                   <a:srgbClr val="FFFFFF"/>
                 </a:solidFill>
-                <a:latin typeface="Nunito Sans"/>
-                <a:ea typeface="Nunito Sans"/>
-                <a:cs typeface="Nunito Sans"/>
-                <a:sym typeface="Nunito Sans"/>
+                <a:latin typeface="Nunito Sans" panose="00000500000000000000"/>
+                <a:ea typeface="Nunito Sans" panose="00000500000000000000"/>
+                <a:cs typeface="Nunito Sans" panose="00000500000000000000"/>
+                <a:sym typeface="Nunito Sans" panose="00000500000000000000"/>
               </a:rPr>
               <a:t>** </a:t>
             </a:r>
@@ -16463,10 +17037,10 @@
                 <a:solidFill>
                   <a:srgbClr val="FFFFFF"/>
                 </a:solidFill>
-                <a:latin typeface="Nunito Sans"/>
-                <a:ea typeface="Nunito Sans"/>
-                <a:cs typeface="Nunito Sans"/>
-                <a:sym typeface="Nunito Sans"/>
+                <a:latin typeface="Nunito Sans" panose="00000500000000000000"/>
+                <a:ea typeface="Nunito Sans" panose="00000500000000000000"/>
+                <a:cs typeface="Nunito Sans" panose="00000500000000000000"/>
+                <a:sym typeface="Nunito Sans" panose="00000500000000000000"/>
               </a:rPr>
               <a:t>Negative</a:t>
             </a:r>
@@ -16475,10 +17049,10 @@
                 <a:solidFill>
                   <a:srgbClr val="FFFFFF"/>
                 </a:solidFill>
-                <a:latin typeface="Nunito Sans"/>
-                <a:ea typeface="Nunito Sans"/>
-                <a:cs typeface="Nunito Sans"/>
-                <a:sym typeface="Nunito Sans"/>
+                <a:latin typeface="Nunito Sans" panose="00000500000000000000"/>
+                <a:ea typeface="Nunito Sans" panose="00000500000000000000"/>
+                <a:cs typeface="Nunito Sans" panose="00000500000000000000"/>
+                <a:sym typeface="Nunito Sans" panose="00000500000000000000"/>
               </a:rPr>
               <a:t>: </a:t>
             </a:r>
@@ -16487,10 +17061,10 @@
                 <a:solidFill>
                   <a:srgbClr val="FFFFFF"/>
                 </a:solidFill>
-                <a:latin typeface="Nunito Sans"/>
-                <a:ea typeface="Nunito Sans"/>
-                <a:cs typeface="Nunito Sans"/>
-                <a:sym typeface="Nunito Sans"/>
+                <a:latin typeface="Nunito Sans" panose="00000500000000000000"/>
+                <a:ea typeface="Nunito Sans" panose="00000500000000000000"/>
+                <a:cs typeface="Nunito Sans" panose="00000500000000000000"/>
+                <a:sym typeface="Nunito Sans" panose="00000500000000000000"/>
               </a:rPr>
               <a:t>The</a:t>
             </a:r>
@@ -16499,10 +17073,10 @@
                 <a:solidFill>
                   <a:srgbClr val="FFFFFF"/>
                 </a:solidFill>
-                <a:latin typeface="Nunito Sans"/>
-                <a:ea typeface="Nunito Sans"/>
-                <a:cs typeface="Nunito Sans"/>
-                <a:sym typeface="Nunito Sans"/>
+                <a:latin typeface="Nunito Sans" panose="00000500000000000000"/>
+                <a:ea typeface="Nunito Sans" panose="00000500000000000000"/>
+                <a:cs typeface="Nunito Sans" panose="00000500000000000000"/>
+                <a:sym typeface="Nunito Sans" panose="00000500000000000000"/>
               </a:rPr>
               <a:t> </a:t>
             </a:r>
@@ -16511,10 +17085,10 @@
                 <a:solidFill>
                   <a:srgbClr val="FFFFFF"/>
                 </a:solidFill>
-                <a:latin typeface="Nunito Sans"/>
-                <a:ea typeface="Nunito Sans"/>
-                <a:cs typeface="Nunito Sans"/>
-                <a:sym typeface="Nunito Sans"/>
+                <a:latin typeface="Nunito Sans" panose="00000500000000000000"/>
+                <a:ea typeface="Nunito Sans" panose="00000500000000000000"/>
+                <a:cs typeface="Nunito Sans" panose="00000500000000000000"/>
+                <a:sym typeface="Nunito Sans" panose="00000500000000000000"/>
               </a:rPr>
               <a:t>subject</a:t>
             </a:r>
@@ -16523,10 +17097,10 @@
                 <a:solidFill>
                   <a:srgbClr val="FFFFFF"/>
                 </a:solidFill>
-                <a:latin typeface="Nunito Sans"/>
-                <a:ea typeface="Nunito Sans"/>
-                <a:cs typeface="Nunito Sans"/>
-                <a:sym typeface="Nunito Sans"/>
+                <a:latin typeface="Nunito Sans" panose="00000500000000000000"/>
+                <a:ea typeface="Nunito Sans" panose="00000500000000000000"/>
+                <a:cs typeface="Nunito Sans" panose="00000500000000000000"/>
+                <a:sym typeface="Nunito Sans" panose="00000500000000000000"/>
               </a:rPr>
               <a:t> (Publisher) </a:t>
             </a:r>
@@ -16535,10 +17109,10 @@
                 <a:solidFill>
                   <a:srgbClr val="FFFFFF"/>
                 </a:solidFill>
-                <a:latin typeface="Nunito Sans"/>
-                <a:ea typeface="Nunito Sans"/>
-                <a:cs typeface="Nunito Sans"/>
-                <a:sym typeface="Nunito Sans"/>
+                <a:latin typeface="Nunito Sans" panose="00000500000000000000"/>
+                <a:ea typeface="Nunito Sans" panose="00000500000000000000"/>
+                <a:cs typeface="Nunito Sans" panose="00000500000000000000"/>
+                <a:sym typeface="Nunito Sans" panose="00000500000000000000"/>
               </a:rPr>
               <a:t>may</a:t>
             </a:r>
@@ -16547,10 +17121,10 @@
                 <a:solidFill>
                   <a:srgbClr val="FFFFFF"/>
                 </a:solidFill>
-                <a:latin typeface="Nunito Sans"/>
-                <a:ea typeface="Nunito Sans"/>
-                <a:cs typeface="Nunito Sans"/>
-                <a:sym typeface="Nunito Sans"/>
+                <a:latin typeface="Nunito Sans" panose="00000500000000000000"/>
+                <a:ea typeface="Nunito Sans" panose="00000500000000000000"/>
+                <a:cs typeface="Nunito Sans" panose="00000500000000000000"/>
+                <a:sym typeface="Nunito Sans" panose="00000500000000000000"/>
               </a:rPr>
               <a:t> </a:t>
             </a:r>
@@ -16559,10 +17133,10 @@
                 <a:solidFill>
                   <a:srgbClr val="FFFFFF"/>
                 </a:solidFill>
-                <a:latin typeface="Nunito Sans"/>
-                <a:ea typeface="Nunito Sans"/>
-                <a:cs typeface="Nunito Sans"/>
-                <a:sym typeface="Nunito Sans"/>
+                <a:latin typeface="Nunito Sans" panose="00000500000000000000"/>
+                <a:ea typeface="Nunito Sans" panose="00000500000000000000"/>
+                <a:cs typeface="Nunito Sans" panose="00000500000000000000"/>
+                <a:sym typeface="Nunito Sans" panose="00000500000000000000"/>
               </a:rPr>
               <a:t>send</a:t>
             </a:r>
@@ -16571,10 +17145,10 @@
                 <a:solidFill>
                   <a:srgbClr val="FFFFFF"/>
                 </a:solidFill>
-                <a:latin typeface="Nunito Sans"/>
-                <a:ea typeface="Nunito Sans"/>
-                <a:cs typeface="Nunito Sans"/>
-                <a:sym typeface="Nunito Sans"/>
+                <a:latin typeface="Nunito Sans" panose="00000500000000000000"/>
+                <a:ea typeface="Nunito Sans" panose="00000500000000000000"/>
+                <a:cs typeface="Nunito Sans" panose="00000500000000000000"/>
+                <a:sym typeface="Nunito Sans" panose="00000500000000000000"/>
               </a:rPr>
               <a:t> </a:t>
             </a:r>
@@ -16583,10 +17157,10 @@
                 <a:solidFill>
                   <a:srgbClr val="FFFFFF"/>
                 </a:solidFill>
-                <a:latin typeface="Nunito Sans"/>
-                <a:ea typeface="Nunito Sans"/>
-                <a:cs typeface="Nunito Sans"/>
-                <a:sym typeface="Nunito Sans"/>
+                <a:latin typeface="Nunito Sans" panose="00000500000000000000"/>
+                <a:ea typeface="Nunito Sans" panose="00000500000000000000"/>
+                <a:cs typeface="Nunito Sans" panose="00000500000000000000"/>
+                <a:sym typeface="Nunito Sans" panose="00000500000000000000"/>
               </a:rPr>
               <a:t>updates</a:t>
             </a:r>
@@ -16595,10 +17169,10 @@
                 <a:solidFill>
                   <a:srgbClr val="FFFFFF"/>
                 </a:solidFill>
-                <a:latin typeface="Nunito Sans"/>
-                <a:ea typeface="Nunito Sans"/>
-                <a:cs typeface="Nunito Sans"/>
-                <a:sym typeface="Nunito Sans"/>
+                <a:latin typeface="Nunito Sans" panose="00000500000000000000"/>
+                <a:ea typeface="Nunito Sans" panose="00000500000000000000"/>
+                <a:cs typeface="Nunito Sans" panose="00000500000000000000"/>
+                <a:sym typeface="Nunito Sans" panose="00000500000000000000"/>
               </a:rPr>
               <a:t> </a:t>
             </a:r>
@@ -16607,10 +17181,10 @@
                 <a:solidFill>
                   <a:srgbClr val="FFFFFF"/>
                 </a:solidFill>
-                <a:latin typeface="Nunito Sans"/>
-                <a:ea typeface="Nunito Sans"/>
-                <a:cs typeface="Nunito Sans"/>
-                <a:sym typeface="Nunito Sans"/>
+                <a:latin typeface="Nunito Sans" panose="00000500000000000000"/>
+                <a:ea typeface="Nunito Sans" panose="00000500000000000000"/>
+                <a:cs typeface="Nunito Sans" panose="00000500000000000000"/>
+                <a:sym typeface="Nunito Sans" panose="00000500000000000000"/>
               </a:rPr>
               <a:t>that</a:t>
             </a:r>
@@ -16619,10 +17193,10 @@
                 <a:solidFill>
                   <a:srgbClr val="FFFFFF"/>
                 </a:solidFill>
-                <a:latin typeface="Nunito Sans"/>
-                <a:ea typeface="Nunito Sans"/>
-                <a:cs typeface="Nunito Sans"/>
-                <a:sym typeface="Nunito Sans"/>
+                <a:latin typeface="Nunito Sans" panose="00000500000000000000"/>
+                <a:ea typeface="Nunito Sans" panose="00000500000000000000"/>
+                <a:cs typeface="Nunito Sans" panose="00000500000000000000"/>
+                <a:sym typeface="Nunito Sans" panose="00000500000000000000"/>
               </a:rPr>
               <a:t> do </a:t>
             </a:r>
@@ -16631,10 +17205,10 @@
                 <a:solidFill>
                   <a:srgbClr val="FFFFFF"/>
                 </a:solidFill>
-                <a:latin typeface="Nunito Sans"/>
-                <a:ea typeface="Nunito Sans"/>
-                <a:cs typeface="Nunito Sans"/>
-                <a:sym typeface="Nunito Sans"/>
+                <a:latin typeface="Nunito Sans" panose="00000500000000000000"/>
+                <a:ea typeface="Nunito Sans" panose="00000500000000000000"/>
+                <a:cs typeface="Nunito Sans" panose="00000500000000000000"/>
+                <a:sym typeface="Nunito Sans" panose="00000500000000000000"/>
               </a:rPr>
               <a:t>not</a:t>
             </a:r>
@@ -16643,10 +17217,10 @@
                 <a:solidFill>
                   <a:srgbClr val="FFFFFF"/>
                 </a:solidFill>
-                <a:latin typeface="Nunito Sans"/>
-                <a:ea typeface="Nunito Sans"/>
-                <a:cs typeface="Nunito Sans"/>
-                <a:sym typeface="Nunito Sans"/>
+                <a:latin typeface="Nunito Sans" panose="00000500000000000000"/>
+                <a:ea typeface="Nunito Sans" panose="00000500000000000000"/>
+                <a:cs typeface="Nunito Sans" panose="00000500000000000000"/>
+                <a:sym typeface="Nunito Sans" panose="00000500000000000000"/>
               </a:rPr>
               <a:t> </a:t>
             </a:r>
@@ -16655,10 +17229,10 @@
                 <a:solidFill>
                   <a:srgbClr val="FFFFFF"/>
                 </a:solidFill>
-                <a:latin typeface="Nunito Sans"/>
-                <a:ea typeface="Nunito Sans"/>
-                <a:cs typeface="Nunito Sans"/>
-                <a:sym typeface="Nunito Sans"/>
+                <a:latin typeface="Nunito Sans" panose="00000500000000000000"/>
+                <a:ea typeface="Nunito Sans" panose="00000500000000000000"/>
+                <a:cs typeface="Nunito Sans" panose="00000500000000000000"/>
+                <a:sym typeface="Nunito Sans" panose="00000500000000000000"/>
               </a:rPr>
               <a:t>matter</a:t>
             </a:r>
@@ -16667,10 +17241,10 @@
                 <a:solidFill>
                   <a:srgbClr val="FFFFFF"/>
                 </a:solidFill>
-                <a:latin typeface="Nunito Sans"/>
-                <a:ea typeface="Nunito Sans"/>
-                <a:cs typeface="Nunito Sans"/>
-                <a:sym typeface="Nunito Sans"/>
+                <a:latin typeface="Nunito Sans" panose="00000500000000000000"/>
+                <a:ea typeface="Nunito Sans" panose="00000500000000000000"/>
+                <a:cs typeface="Nunito Sans" panose="00000500000000000000"/>
+                <a:sym typeface="Nunito Sans" panose="00000500000000000000"/>
               </a:rPr>
               <a:t> to </a:t>
             </a:r>
@@ -16679,10 +17253,10 @@
                 <a:solidFill>
                   <a:srgbClr val="FFFFFF"/>
                 </a:solidFill>
-                <a:latin typeface="Nunito Sans"/>
-                <a:ea typeface="Nunito Sans"/>
-                <a:cs typeface="Nunito Sans"/>
-                <a:sym typeface="Nunito Sans"/>
+                <a:latin typeface="Nunito Sans" panose="00000500000000000000"/>
+                <a:ea typeface="Nunito Sans" panose="00000500000000000000"/>
+                <a:cs typeface="Nunito Sans" panose="00000500000000000000"/>
+                <a:sym typeface="Nunito Sans" panose="00000500000000000000"/>
               </a:rPr>
               <a:t>the</a:t>
             </a:r>
@@ -16691,10 +17265,10 @@
                 <a:solidFill>
                   <a:srgbClr val="FFFFFF"/>
                 </a:solidFill>
-                <a:latin typeface="Nunito Sans"/>
-                <a:ea typeface="Nunito Sans"/>
-                <a:cs typeface="Nunito Sans"/>
-                <a:sym typeface="Nunito Sans"/>
+                <a:latin typeface="Nunito Sans" panose="00000500000000000000"/>
+                <a:ea typeface="Nunito Sans" panose="00000500000000000000"/>
+                <a:cs typeface="Nunito Sans" panose="00000500000000000000"/>
+                <a:sym typeface="Nunito Sans" panose="00000500000000000000"/>
               </a:rPr>
               <a:t> </a:t>
             </a:r>
@@ -16703,10 +17277,10 @@
                 <a:solidFill>
                   <a:srgbClr val="FFFFFF"/>
                 </a:solidFill>
-                <a:latin typeface="Nunito Sans"/>
-                <a:ea typeface="Nunito Sans"/>
-                <a:cs typeface="Nunito Sans"/>
-                <a:sym typeface="Nunito Sans"/>
+                <a:latin typeface="Nunito Sans" panose="00000500000000000000"/>
+                <a:ea typeface="Nunito Sans" panose="00000500000000000000"/>
+                <a:cs typeface="Nunito Sans" panose="00000500000000000000"/>
+                <a:sym typeface="Nunito Sans" panose="00000500000000000000"/>
               </a:rPr>
               <a:t>Observer</a:t>
             </a:r>
@@ -16715,10 +17289,10 @@
                 <a:solidFill>
                   <a:srgbClr val="FFFFFF"/>
                 </a:solidFill>
-                <a:latin typeface="Nunito Sans"/>
-                <a:ea typeface="Nunito Sans"/>
-                <a:cs typeface="Nunito Sans"/>
-                <a:sym typeface="Nunito Sans"/>
+                <a:latin typeface="Nunito Sans" panose="00000500000000000000"/>
+                <a:ea typeface="Nunito Sans" panose="00000500000000000000"/>
+                <a:cs typeface="Nunito Sans" panose="00000500000000000000"/>
+                <a:sym typeface="Nunito Sans" panose="00000500000000000000"/>
               </a:rPr>
               <a:t> (</a:t>
             </a:r>
@@ -16727,10 +17301,10 @@
                 <a:solidFill>
                   <a:srgbClr val="FFFFFF"/>
                 </a:solidFill>
-                <a:latin typeface="Nunito Sans"/>
-                <a:ea typeface="Nunito Sans"/>
-                <a:cs typeface="Nunito Sans"/>
-                <a:sym typeface="Nunito Sans"/>
+                <a:latin typeface="Nunito Sans" panose="00000500000000000000"/>
+                <a:ea typeface="Nunito Sans" panose="00000500000000000000"/>
+                <a:cs typeface="Nunito Sans" panose="00000500000000000000"/>
+                <a:sym typeface="Nunito Sans" panose="00000500000000000000"/>
               </a:rPr>
               <a:t>suscriber</a:t>
             </a:r>
@@ -16739,10 +17313,10 @@
                 <a:solidFill>
                   <a:srgbClr val="FFFFFF"/>
                 </a:solidFill>
-                <a:latin typeface="Nunito Sans"/>
-                <a:ea typeface="Nunito Sans"/>
-                <a:cs typeface="Nunito Sans"/>
-                <a:sym typeface="Nunito Sans"/>
+                <a:latin typeface="Nunito Sans" panose="00000500000000000000"/>
+                <a:ea typeface="Nunito Sans" panose="00000500000000000000"/>
+                <a:cs typeface="Nunito Sans" panose="00000500000000000000"/>
+                <a:sym typeface="Nunito Sans" panose="00000500000000000000"/>
               </a:rPr>
               <a:t>)</a:t>
             </a:r>
@@ -16750,10 +17324,10 @@
               <a:solidFill>
                 <a:srgbClr val="FFFFFF"/>
               </a:solidFill>
-              <a:latin typeface="Nunito Sans"/>
-              <a:ea typeface="Nunito Sans"/>
-              <a:cs typeface="Nunito Sans"/>
-              <a:sym typeface="Nunito Sans"/>
+              <a:latin typeface="Nunito Sans" panose="00000500000000000000"/>
+              <a:ea typeface="Nunito Sans" panose="00000500000000000000"/>
+              <a:cs typeface="Nunito Sans" panose="00000500000000000000"/>
+              <a:sym typeface="Nunito Sans" panose="00000500000000000000"/>
             </a:endParaRPr>
           </a:p>
         </p:txBody>
@@ -16794,19 +17368,12 @@
               </a:spcAft>
               <a:buNone/>
             </a:pPr>
-            <a:endParaRPr/>
           </a:p>
         </p:txBody>
       </p:sp>
       <p:sp>
         <p:nvSpPr>
-          <p:cNvPr id="8" name="Google Shape;139;p30">
-            <a:extLst>
-              <a:ext uri="{FF2B5EF4-FFF2-40B4-BE49-F238E27FC236}">
-                <a16:creationId xmlns:a16="http://schemas.microsoft.com/office/drawing/2014/main" id="{93795D4F-58E2-461F-AE89-6DB514A5D56A}"/>
-              </a:ext>
-            </a:extLst>
-          </p:cNvPr>
+          <p:cNvPr id="8" name="Google Shape;139;p30"/>
           <p:cNvSpPr txBox="1"/>
           <p:nvPr/>
         </p:nvSpPr>
@@ -16850,10 +17417,10 @@
                     </a:srgbClr>
                   </a:outerShdw>
                 </a:effectLst>
-                <a:latin typeface="Montserrat"/>
-                <a:ea typeface="Montserrat"/>
-                <a:cs typeface="Montserrat"/>
-                <a:sym typeface="Montserrat"/>
+                <a:latin typeface="Montserrat" panose="00000500000000000000"/>
+                <a:ea typeface="Montserrat" panose="00000500000000000000"/>
+                <a:cs typeface="Montserrat" panose="00000500000000000000"/>
+                <a:sym typeface="Montserrat" panose="00000500000000000000"/>
               </a:rPr>
               <a:t>Observer</a:t>
             </a:r>
@@ -16869,10 +17436,10 @@
                     </a:srgbClr>
                   </a:outerShdw>
                 </a:effectLst>
-                <a:latin typeface="Montserrat"/>
-                <a:ea typeface="Montserrat"/>
-                <a:cs typeface="Montserrat"/>
-                <a:sym typeface="Montserrat"/>
+                <a:latin typeface="Montserrat" panose="00000500000000000000"/>
+                <a:ea typeface="Montserrat" panose="00000500000000000000"/>
+                <a:cs typeface="Montserrat" panose="00000500000000000000"/>
+                <a:sym typeface="Montserrat" panose="00000500000000000000"/>
               </a:rPr>
               <a:t> </a:t>
             </a:r>
@@ -16888,10 +17455,10 @@
                     </a:srgbClr>
                   </a:outerShdw>
                 </a:effectLst>
-                <a:latin typeface="Montserrat"/>
-                <a:ea typeface="Montserrat"/>
-                <a:cs typeface="Montserrat"/>
-                <a:sym typeface="Montserrat"/>
+                <a:latin typeface="Montserrat" panose="00000500000000000000"/>
+                <a:ea typeface="Montserrat" panose="00000500000000000000"/>
+                <a:cs typeface="Montserrat" panose="00000500000000000000"/>
+                <a:sym typeface="Montserrat" panose="00000500000000000000"/>
               </a:rPr>
               <a:t>Pattern</a:t>
             </a:r>
@@ -16907,10 +17474,10 @@
                     </a:srgbClr>
                   </a:outerShdw>
                 </a:effectLst>
-                <a:latin typeface="Montserrat"/>
-                <a:ea typeface="Montserrat"/>
-                <a:cs typeface="Montserrat"/>
-                <a:sym typeface="Montserrat"/>
+                <a:latin typeface="Montserrat" panose="00000500000000000000"/>
+                <a:ea typeface="Montserrat" panose="00000500000000000000"/>
+                <a:cs typeface="Montserrat" panose="00000500000000000000"/>
+                <a:sym typeface="Montserrat" panose="00000500000000000000"/>
               </a:rPr>
               <a:t> - </a:t>
             </a:r>
@@ -16926,10 +17493,10 @@
                     </a:srgbClr>
                   </a:outerShdw>
                 </a:effectLst>
-                <a:latin typeface="Montserrat"/>
-                <a:ea typeface="Montserrat"/>
-                <a:cs typeface="Montserrat"/>
-                <a:sym typeface="Montserrat"/>
+                <a:latin typeface="Montserrat" panose="00000500000000000000"/>
+                <a:ea typeface="Montserrat" panose="00000500000000000000"/>
+                <a:cs typeface="Montserrat" panose="00000500000000000000"/>
+                <a:sym typeface="Montserrat" panose="00000500000000000000"/>
               </a:rPr>
               <a:t>Benefits</a:t>
             </a:r>
@@ -16944,20 +17511,15 @@
                   </a:srgbClr>
                 </a:outerShdw>
               </a:effectLst>
-              <a:latin typeface="Montserrat"/>
-              <a:ea typeface="Montserrat"/>
-              <a:cs typeface="Montserrat"/>
-              <a:sym typeface="Montserrat"/>
+              <a:latin typeface="Montserrat" panose="00000500000000000000"/>
+              <a:ea typeface="Montserrat" panose="00000500000000000000"/>
+              <a:cs typeface="Montserrat" panose="00000500000000000000"/>
+              <a:sym typeface="Montserrat" panose="00000500000000000000"/>
             </a:endParaRPr>
           </a:p>
         </p:txBody>
       </p:sp>
     </p:spTree>
-    <p:extLst>
-      <p:ext uri="{BB962C8B-B14F-4D97-AF65-F5344CB8AC3E}">
-        <p14:creationId xmlns:p14="http://schemas.microsoft.com/office/powerpoint/2010/main" val="765957013"/>
-      </p:ext>
-    </p:extLst>
   </p:cSld>
   <p:clrMapOvr>
     <a:masterClrMapping/>
@@ -17033,19 +17595,12 @@
               </a:spcAft>
               <a:buNone/>
             </a:pPr>
-            <a:endParaRPr/>
           </a:p>
         </p:txBody>
       </p:sp>
       <p:sp>
         <p:nvSpPr>
-          <p:cNvPr id="8" name="Google Shape;139;p30">
-            <a:extLst>
-              <a:ext uri="{FF2B5EF4-FFF2-40B4-BE49-F238E27FC236}">
-                <a16:creationId xmlns:a16="http://schemas.microsoft.com/office/drawing/2014/main" id="{93795D4F-58E2-461F-AE89-6DB514A5D56A}"/>
-              </a:ext>
-            </a:extLst>
-          </p:cNvPr>
+          <p:cNvPr id="8" name="Google Shape;139;p30"/>
           <p:cNvSpPr txBox="1"/>
           <p:nvPr/>
         </p:nvSpPr>
@@ -17089,10 +17644,10 @@
                     </a:srgbClr>
                   </a:outerShdw>
                 </a:effectLst>
-                <a:latin typeface="Montserrat"/>
-                <a:ea typeface="Montserrat"/>
-                <a:cs typeface="Montserrat"/>
-                <a:sym typeface="Montserrat"/>
+                <a:latin typeface="Montserrat" panose="00000500000000000000"/>
+                <a:ea typeface="Montserrat" panose="00000500000000000000"/>
+                <a:cs typeface="Montserrat" panose="00000500000000000000"/>
+                <a:sym typeface="Montserrat" panose="00000500000000000000"/>
               </a:rPr>
               <a:t>Observer</a:t>
             </a:r>
@@ -17108,10 +17663,10 @@
                     </a:srgbClr>
                   </a:outerShdw>
                 </a:effectLst>
-                <a:latin typeface="Montserrat"/>
-                <a:ea typeface="Montserrat"/>
-                <a:cs typeface="Montserrat"/>
-                <a:sym typeface="Montserrat"/>
+                <a:latin typeface="Montserrat" panose="00000500000000000000"/>
+                <a:ea typeface="Montserrat" panose="00000500000000000000"/>
+                <a:cs typeface="Montserrat" panose="00000500000000000000"/>
+                <a:sym typeface="Montserrat" panose="00000500000000000000"/>
               </a:rPr>
               <a:t> </a:t>
             </a:r>
@@ -17127,10 +17682,10 @@
                     </a:srgbClr>
                   </a:outerShdw>
                 </a:effectLst>
-                <a:latin typeface="Montserrat"/>
-                <a:ea typeface="Montserrat"/>
-                <a:cs typeface="Montserrat"/>
-                <a:sym typeface="Montserrat"/>
+                <a:latin typeface="Montserrat" panose="00000500000000000000"/>
+                <a:ea typeface="Montserrat" panose="00000500000000000000"/>
+                <a:cs typeface="Montserrat" panose="00000500000000000000"/>
+                <a:sym typeface="Montserrat" panose="00000500000000000000"/>
               </a:rPr>
               <a:t>Pattern</a:t>
             </a:r>
@@ -17146,10 +17701,10 @@
                     </a:srgbClr>
                   </a:outerShdw>
                 </a:effectLst>
-                <a:latin typeface="Montserrat"/>
-                <a:ea typeface="Montserrat"/>
-                <a:cs typeface="Montserrat"/>
-                <a:sym typeface="Montserrat"/>
+                <a:latin typeface="Montserrat" panose="00000500000000000000"/>
+                <a:ea typeface="Montserrat" panose="00000500000000000000"/>
+                <a:cs typeface="Montserrat" panose="00000500000000000000"/>
+                <a:sym typeface="Montserrat" panose="00000500000000000000"/>
               </a:rPr>
               <a:t> – </a:t>
             </a:r>
@@ -17165,10 +17720,10 @@
                     </a:srgbClr>
                   </a:outerShdw>
                 </a:effectLst>
-                <a:latin typeface="Montserrat"/>
-                <a:ea typeface="Montserrat"/>
-                <a:cs typeface="Montserrat"/>
-                <a:sym typeface="Montserrat"/>
+                <a:latin typeface="Montserrat" panose="00000500000000000000"/>
+                <a:ea typeface="Montserrat" panose="00000500000000000000"/>
+                <a:cs typeface="Montserrat" panose="00000500000000000000"/>
+                <a:sym typeface="Montserrat" panose="00000500000000000000"/>
               </a:rPr>
               <a:t>Class</a:t>
             </a:r>
@@ -17184,10 +17739,10 @@
                     </a:srgbClr>
                   </a:outerShdw>
                 </a:effectLst>
-                <a:latin typeface="Montserrat"/>
-                <a:ea typeface="Montserrat"/>
-                <a:cs typeface="Montserrat"/>
-                <a:sym typeface="Montserrat"/>
+                <a:latin typeface="Montserrat" panose="00000500000000000000"/>
+                <a:ea typeface="Montserrat" panose="00000500000000000000"/>
+                <a:cs typeface="Montserrat" panose="00000500000000000000"/>
+                <a:sym typeface="Montserrat" panose="00000500000000000000"/>
               </a:rPr>
               <a:t> </a:t>
             </a:r>
@@ -17203,10 +17758,10 @@
                     </a:srgbClr>
                   </a:outerShdw>
                 </a:effectLst>
-                <a:latin typeface="Montserrat"/>
-                <a:ea typeface="Montserrat"/>
-                <a:cs typeface="Montserrat"/>
-                <a:sym typeface="Montserrat"/>
+                <a:latin typeface="Montserrat" panose="00000500000000000000"/>
+                <a:ea typeface="Montserrat" panose="00000500000000000000"/>
+                <a:cs typeface="Montserrat" panose="00000500000000000000"/>
+                <a:sym typeface="Montserrat" panose="00000500000000000000"/>
               </a:rPr>
               <a:t>Diagram</a:t>
             </a:r>
@@ -17221,10 +17776,10 @@
                   </a:srgbClr>
                 </a:outerShdw>
               </a:effectLst>
-              <a:latin typeface="Montserrat"/>
-              <a:ea typeface="Montserrat"/>
-              <a:cs typeface="Montserrat"/>
-              <a:sym typeface="Montserrat"/>
+              <a:latin typeface="Montserrat" panose="00000500000000000000"/>
+              <a:ea typeface="Montserrat" panose="00000500000000000000"/>
+              <a:cs typeface="Montserrat" panose="00000500000000000000"/>
+              <a:sym typeface="Montserrat" panose="00000500000000000000"/>
             </a:endParaRPr>
           </a:p>
         </p:txBody>
@@ -17238,7 +17793,7 @@
           <p:nvPr/>
         </p:nvPicPr>
         <p:blipFill>
-          <a:blip r:embed="rId3"/>
+          <a:blip r:embed="rId1"/>
           <a:stretch>
             <a:fillRect/>
           </a:stretch>
@@ -17254,11 +17809,6 @@
         </p:spPr>
       </p:pic>
     </p:spTree>
-    <p:extLst>
-      <p:ext uri="{BB962C8B-B14F-4D97-AF65-F5344CB8AC3E}">
-        <p14:creationId xmlns:p14="http://schemas.microsoft.com/office/powerpoint/2010/main" val="3279700067"/>
-      </p:ext>
-    </p:extLst>
   </p:cSld>
   <p:clrMapOvr>
     <a:masterClrMapping/>
@@ -17334,19 +17884,12 @@
               </a:spcAft>
               <a:buNone/>
             </a:pPr>
-            <a:endParaRPr/>
           </a:p>
         </p:txBody>
       </p:sp>
       <p:sp>
         <p:nvSpPr>
-          <p:cNvPr id="8" name="Google Shape;139;p30">
-            <a:extLst>
-              <a:ext uri="{FF2B5EF4-FFF2-40B4-BE49-F238E27FC236}">
-                <a16:creationId xmlns:a16="http://schemas.microsoft.com/office/drawing/2014/main" id="{93795D4F-58E2-461F-AE89-6DB514A5D56A}"/>
-              </a:ext>
-            </a:extLst>
-          </p:cNvPr>
+          <p:cNvPr id="8" name="Google Shape;139;p30"/>
           <p:cNvSpPr txBox="1"/>
           <p:nvPr/>
         </p:nvSpPr>
@@ -17390,10 +17933,10 @@
                     </a:srgbClr>
                   </a:outerShdw>
                 </a:effectLst>
-                <a:latin typeface="Montserrat"/>
-                <a:ea typeface="Montserrat"/>
-                <a:cs typeface="Montserrat"/>
-                <a:sym typeface="Montserrat"/>
+                <a:latin typeface="Montserrat" panose="00000500000000000000"/>
+                <a:ea typeface="Montserrat" panose="00000500000000000000"/>
+                <a:cs typeface="Montserrat" panose="00000500000000000000"/>
+                <a:sym typeface="Montserrat" panose="00000500000000000000"/>
               </a:rPr>
               <a:t>Observer</a:t>
             </a:r>
@@ -17409,10 +17952,10 @@
                     </a:srgbClr>
                   </a:outerShdw>
                 </a:effectLst>
-                <a:latin typeface="Montserrat"/>
-                <a:ea typeface="Montserrat"/>
-                <a:cs typeface="Montserrat"/>
-                <a:sym typeface="Montserrat"/>
+                <a:latin typeface="Montserrat" panose="00000500000000000000"/>
+                <a:ea typeface="Montserrat" panose="00000500000000000000"/>
+                <a:cs typeface="Montserrat" panose="00000500000000000000"/>
+                <a:sym typeface="Montserrat" panose="00000500000000000000"/>
               </a:rPr>
               <a:t> </a:t>
             </a:r>
@@ -17428,10 +17971,10 @@
                     </a:srgbClr>
                   </a:outerShdw>
                 </a:effectLst>
-                <a:latin typeface="Montserrat"/>
-                <a:ea typeface="Montserrat"/>
-                <a:cs typeface="Montserrat"/>
-                <a:sym typeface="Montserrat"/>
+                <a:latin typeface="Montserrat" panose="00000500000000000000"/>
+                <a:ea typeface="Montserrat" panose="00000500000000000000"/>
+                <a:cs typeface="Montserrat" panose="00000500000000000000"/>
+                <a:sym typeface="Montserrat" panose="00000500000000000000"/>
               </a:rPr>
               <a:t>Pattern</a:t>
             </a:r>
@@ -17447,10 +17990,10 @@
                     </a:srgbClr>
                   </a:outerShdw>
                 </a:effectLst>
-                <a:latin typeface="Montserrat"/>
-                <a:ea typeface="Montserrat"/>
-                <a:cs typeface="Montserrat"/>
-                <a:sym typeface="Montserrat"/>
+                <a:latin typeface="Montserrat" panose="00000500000000000000"/>
+                <a:ea typeface="Montserrat" panose="00000500000000000000"/>
+                <a:cs typeface="Montserrat" panose="00000500000000000000"/>
+                <a:sym typeface="Montserrat" panose="00000500000000000000"/>
               </a:rPr>
               <a:t> – </a:t>
             </a:r>
@@ -17466,10 +18009,10 @@
                     </a:srgbClr>
                   </a:outerShdw>
                 </a:effectLst>
-                <a:latin typeface="Montserrat"/>
-                <a:ea typeface="Montserrat"/>
-                <a:cs typeface="Montserrat"/>
-                <a:sym typeface="Montserrat"/>
+                <a:latin typeface="Montserrat" panose="00000500000000000000"/>
+                <a:ea typeface="Montserrat" panose="00000500000000000000"/>
+                <a:cs typeface="Montserrat" panose="00000500000000000000"/>
+                <a:sym typeface="Montserrat" panose="00000500000000000000"/>
               </a:rPr>
               <a:t>Diagram</a:t>
             </a:r>
@@ -17485,10 +18028,10 @@
                     </a:srgbClr>
                   </a:outerShdw>
                 </a:effectLst>
-                <a:latin typeface="Montserrat"/>
-                <a:ea typeface="Montserrat"/>
-                <a:cs typeface="Montserrat"/>
-                <a:sym typeface="Montserrat"/>
+                <a:latin typeface="Montserrat" panose="00000500000000000000"/>
+                <a:ea typeface="Montserrat" panose="00000500000000000000"/>
+                <a:cs typeface="Montserrat" panose="00000500000000000000"/>
+                <a:sym typeface="Montserrat" panose="00000500000000000000"/>
               </a:rPr>
               <a:t> of </a:t>
             </a:r>
@@ -17504,10 +18047,10 @@
                     </a:srgbClr>
                   </a:outerShdw>
                 </a:effectLst>
-                <a:latin typeface="Montserrat"/>
-                <a:ea typeface="Montserrat"/>
-                <a:cs typeface="Montserrat"/>
-                <a:sym typeface="Montserrat"/>
+                <a:latin typeface="Montserrat" panose="00000500000000000000"/>
+                <a:ea typeface="Montserrat" panose="00000500000000000000"/>
+                <a:cs typeface="Montserrat" panose="00000500000000000000"/>
+                <a:sym typeface="Montserrat" panose="00000500000000000000"/>
               </a:rPr>
               <a:t>Sequence</a:t>
             </a:r>
@@ -17522,10 +18065,10 @@
                   </a:srgbClr>
                 </a:outerShdw>
               </a:effectLst>
-              <a:latin typeface="Montserrat"/>
-              <a:ea typeface="Montserrat"/>
-              <a:cs typeface="Montserrat"/>
-              <a:sym typeface="Montserrat"/>
+              <a:latin typeface="Montserrat" panose="00000500000000000000"/>
+              <a:ea typeface="Montserrat" panose="00000500000000000000"/>
+              <a:cs typeface="Montserrat" panose="00000500000000000000"/>
+              <a:sym typeface="Montserrat" panose="00000500000000000000"/>
             </a:endParaRPr>
           </a:p>
         </p:txBody>
@@ -17539,7 +18082,7 @@
           <p:nvPr/>
         </p:nvPicPr>
         <p:blipFill>
-          <a:blip r:embed="rId3"/>
+          <a:blip r:embed="rId1"/>
           <a:stretch>
             <a:fillRect/>
           </a:stretch>
@@ -17555,11 +18098,492 @@
         </p:spPr>
       </p:pic>
     </p:spTree>
-    <p:extLst>
-      <p:ext uri="{BB962C8B-B14F-4D97-AF65-F5344CB8AC3E}">
-        <p14:creationId xmlns:p14="http://schemas.microsoft.com/office/powerpoint/2010/main" val="3499973215"/>
-      </p:ext>
-    </p:extLst>
+  </p:cSld>
+  <p:clrMapOvr>
+    <a:masterClrMapping/>
+  </p:clrMapOvr>
+  <p:timing>
+    <p:tnLst>
+      <p:par>
+        <p:cTn id="1" dur="indefinite" restart="never" nodeType="tmRoot"/>
+      </p:par>
+    </p:tnLst>
+  </p:timing>
+</p:sld>
+</file>
+
+<file path=ppt/slides/slide9.xml><?xml version="1.0" encoding="utf-8"?>
+<p:sld xmlns:a="http://schemas.openxmlformats.org/drawingml/2006/main" xmlns:r="http://schemas.openxmlformats.org/officeDocument/2006/relationships" xmlns:p="http://schemas.openxmlformats.org/presentationml/2006/main">
+  <p:cSld>
+    <p:bg>
+      <p:bgPr>
+        <a:solidFill>
+          <a:srgbClr val="000000"/>
+        </a:solidFill>
+        <a:effectLst/>
+      </p:bgPr>
+    </p:bg>
+    <p:spTree>
+      <p:nvGrpSpPr>
+        <p:cNvPr id="1" name="Shape 117"/>
+        <p:cNvGrpSpPr/>
+        <p:nvPr/>
+      </p:nvGrpSpPr>
+      <p:grpSpPr>
+        <a:xfrm>
+          <a:off x="0" y="0"/>
+          <a:ext cx="0" cy="0"/>
+          <a:chOff x="0" y="0"/>
+          <a:chExt cx="0" cy="0"/>
+        </a:xfrm>
+      </p:grpSpPr>
+      <p:sp>
+        <p:nvSpPr>
+          <p:cNvPr id="120" name="Google Shape;120;p28"/>
+          <p:cNvSpPr/>
+          <p:nvPr/>
+        </p:nvSpPr>
+        <p:spPr>
+          <a:xfrm>
+            <a:off x="-5" y="5118630"/>
+            <a:ext cx="9144000" cy="33600"/>
+          </a:xfrm>
+          <a:prstGeom prst="rect">
+            <a:avLst/>
+          </a:prstGeom>
+          <a:solidFill>
+            <a:srgbClr val="C1D82F"/>
+          </a:solidFill>
+          <a:ln>
+            <a:noFill/>
+          </a:ln>
+        </p:spPr>
+        <p:txBody>
+          <a:bodyPr spcFirstLastPara="1" wrap="square" lIns="91425" tIns="91425" rIns="91425" bIns="91425" anchor="ctr" anchorCtr="0">
+            <a:noAutofit/>
+          </a:bodyPr>
+          <a:lstStyle/>
+          <a:p>
+            <a:pPr marL="0" lvl="0" indent="0" algn="l" rtl="0">
+              <a:spcBef>
+                <a:spcPts val="0"/>
+              </a:spcBef>
+              <a:spcAft>
+                <a:spcPts val="0"/>
+              </a:spcAft>
+              <a:buNone/>
+            </a:pPr>
+          </a:p>
+        </p:txBody>
+      </p:sp>
+      <p:sp>
+        <p:nvSpPr>
+          <p:cNvPr id="8" name="Google Shape;139;p30"/>
+          <p:cNvSpPr txBox="1"/>
+          <p:nvPr/>
+        </p:nvSpPr>
+        <p:spPr>
+          <a:xfrm>
+            <a:off x="1" y="216450"/>
+            <a:ext cx="9143994" cy="552600"/>
+          </a:xfrm>
+          <a:prstGeom prst="rect">
+            <a:avLst/>
+          </a:prstGeom>
+          <a:noFill/>
+          <a:ln>
+            <a:noFill/>
+          </a:ln>
+        </p:spPr>
+        <p:txBody>
+          <a:bodyPr spcFirstLastPara="1" wrap="square" lIns="91425" tIns="91425" rIns="91425" bIns="91425" anchor="t" anchorCtr="0">
+            <a:noAutofit/>
+          </a:bodyPr>
+          <a:lstStyle/>
+          <a:p>
+            <a:pPr marL="0" lvl="0" indent="0" algn="ctr" rtl="0">
+              <a:spcBef>
+                <a:spcPts val="0"/>
+              </a:spcBef>
+              <a:spcAft>
+                <a:spcPts val="0"/>
+              </a:spcAft>
+              <a:buNone/>
+            </a:pPr>
+            <a:r>
+              <a:rPr lang="es-CO" sz="3200" b="1" dirty="0" err="1" smtClean="0">
+                <a:solidFill>
+                  <a:schemeClr val="lt1"/>
+                </a:solidFill>
+                <a:effectLst>
+                  <a:outerShdw blurRad="38100" dist="38100" dir="2700000" algn="tl">
+                    <a:srgbClr val="000000">
+                      <a:alpha val="43137"/>
+                    </a:srgbClr>
+                  </a:outerShdw>
+                </a:effectLst>
+                <a:latin typeface="Montserrat" panose="00000500000000000000"/>
+                <a:ea typeface="Montserrat" panose="00000500000000000000"/>
+                <a:cs typeface="Montserrat" panose="00000500000000000000"/>
+                <a:sym typeface="Montserrat" panose="00000500000000000000"/>
+              </a:rPr>
+              <a:t>Facade Pattern</a:t>
+            </a:r>
+            <a:r>
+              <a:rPr lang="es-CO" sz="3200" b="1" dirty="0" smtClean="0">
+                <a:solidFill>
+                  <a:schemeClr val="lt1"/>
+                </a:solidFill>
+                <a:effectLst>
+                  <a:outerShdw blurRad="38100" dist="38100" dir="2700000" algn="tl">
+                    <a:srgbClr val="000000">
+                      <a:alpha val="43137"/>
+                    </a:srgbClr>
+                  </a:outerShdw>
+                </a:effectLst>
+                <a:latin typeface="Montserrat" panose="00000500000000000000"/>
+                <a:ea typeface="Montserrat" panose="00000500000000000000"/>
+                <a:cs typeface="Montserrat" panose="00000500000000000000"/>
+                <a:sym typeface="Montserrat" panose="00000500000000000000"/>
+              </a:rPr>
+              <a:t> </a:t>
+            </a:r>
+            <a:endParaRPr sz="3200" b="1" dirty="0">
+              <a:solidFill>
+                <a:schemeClr val="lt1"/>
+              </a:solidFill>
+              <a:effectLst>
+                <a:outerShdw blurRad="38100" dist="38100" dir="2700000" algn="tl">
+                  <a:srgbClr val="000000">
+                    <a:alpha val="43137"/>
+                  </a:srgbClr>
+                </a:outerShdw>
+              </a:effectLst>
+              <a:latin typeface="Montserrat" panose="00000500000000000000"/>
+              <a:ea typeface="Montserrat" panose="00000500000000000000"/>
+              <a:cs typeface="Montserrat" panose="00000500000000000000"/>
+              <a:sym typeface="Montserrat" panose="00000500000000000000"/>
+            </a:endParaRPr>
+          </a:p>
+        </p:txBody>
+      </p:sp>
+      <p:sp>
+        <p:nvSpPr>
+          <p:cNvPr id="2" name="Google Shape;118;p28"/>
+          <p:cNvSpPr txBox="1"/>
+          <p:nvPr/>
+        </p:nvSpPr>
+        <p:spPr>
+          <a:xfrm>
+            <a:off x="271780" y="932180"/>
+            <a:ext cx="4385310" cy="3440430"/>
+          </a:xfrm>
+          <a:prstGeom prst="rect">
+            <a:avLst/>
+          </a:prstGeom>
+          <a:noFill/>
+          <a:ln>
+            <a:noFill/>
+          </a:ln>
+        </p:spPr>
+        <p:txBody>
+          <a:bodyPr spcFirstLastPara="1" wrap="square" lIns="91425" tIns="91425" rIns="91425" bIns="91425" anchor="t" anchorCtr="0">
+            <a:noAutofit/>
+          </a:bodyPr>
+          <a:p>
+            <a:pPr marL="146050" lvl="0" indent="0" algn="just" rtl="0">
+              <a:spcBef>
+                <a:spcPts val="0"/>
+              </a:spcBef>
+              <a:spcAft>
+                <a:spcPts val="0"/>
+              </a:spcAft>
+              <a:buClr>
+                <a:srgbClr val="FFFFFF"/>
+              </a:buClr>
+              <a:buSzPts val="1300"/>
+              <a:buFont typeface="Nunito Sans" panose="00000500000000000000"/>
+              <a:buNone/>
+            </a:pPr>
+            <a:r>
+              <a:rPr lang="en-GB" sz="1300" dirty="0" smtClean="0">
+                <a:solidFill>
+                  <a:srgbClr val="FFFFFF"/>
+                </a:solidFill>
+                <a:latin typeface="Nunito Sans" panose="00000500000000000000"/>
+                <a:ea typeface="Nunito Sans" panose="00000500000000000000"/>
+                <a:cs typeface="Nunito Sans" panose="00000500000000000000"/>
+                <a:sym typeface="Nunito Sans" panose="00000500000000000000"/>
+              </a:rPr>
+              <a:t>The façade pattern allows us to reduce the complexity of a system, by dividing it into subsystems, and additionally, it reduces the dependence of a client with respect to a certain component.</a:t>
+            </a:r>
+            <a:endParaRPr lang="en-GB" sz="1300" dirty="0" smtClean="0">
+              <a:solidFill>
+                <a:srgbClr val="FFFFFF"/>
+              </a:solidFill>
+              <a:latin typeface="Nunito Sans" panose="00000500000000000000"/>
+              <a:ea typeface="Nunito Sans" panose="00000500000000000000"/>
+              <a:cs typeface="Nunito Sans" panose="00000500000000000000"/>
+              <a:sym typeface="Nunito Sans" panose="00000500000000000000"/>
+            </a:endParaRPr>
+          </a:p>
+          <a:p>
+            <a:pPr marL="146050" lvl="0" indent="0" algn="just" rtl="0">
+              <a:spcBef>
+                <a:spcPts val="0"/>
+              </a:spcBef>
+              <a:spcAft>
+                <a:spcPts val="0"/>
+              </a:spcAft>
+              <a:buClr>
+                <a:srgbClr val="FFFFFF"/>
+              </a:buClr>
+              <a:buSzPts val="1300"/>
+              <a:buFont typeface="Nunito Sans" panose="00000500000000000000"/>
+              <a:buNone/>
+            </a:pPr>
+            <a:endParaRPr lang="en-GB" sz="1300" dirty="0" smtClean="0">
+              <a:solidFill>
+                <a:srgbClr val="FFFFFF"/>
+              </a:solidFill>
+              <a:latin typeface="Nunito Sans" panose="00000500000000000000"/>
+              <a:ea typeface="Nunito Sans" panose="00000500000000000000"/>
+              <a:cs typeface="Nunito Sans" panose="00000500000000000000"/>
+              <a:sym typeface="Nunito Sans" panose="00000500000000000000"/>
+            </a:endParaRPr>
+          </a:p>
+          <a:p>
+            <a:pPr marL="146050" lvl="0" indent="0" algn="just" rtl="0">
+              <a:spcBef>
+                <a:spcPts val="0"/>
+              </a:spcBef>
+              <a:spcAft>
+                <a:spcPts val="0"/>
+              </a:spcAft>
+              <a:buClr>
+                <a:srgbClr val="FFFFFF"/>
+              </a:buClr>
+              <a:buSzPts val="1300"/>
+              <a:buFont typeface="Nunito Sans" panose="00000500000000000000"/>
+              <a:buNone/>
+            </a:pPr>
+            <a:endParaRPr lang="en-GB" sz="1300" dirty="0" smtClean="0">
+              <a:solidFill>
+                <a:srgbClr val="FFFFFF"/>
+              </a:solidFill>
+              <a:latin typeface="Nunito Sans" panose="00000500000000000000"/>
+              <a:ea typeface="Nunito Sans" panose="00000500000000000000"/>
+              <a:cs typeface="Nunito Sans" panose="00000500000000000000"/>
+              <a:sym typeface="Nunito Sans" panose="00000500000000000000"/>
+            </a:endParaRPr>
+          </a:p>
+          <a:p>
+            <a:pPr marL="146050" lvl="0" indent="0" algn="just" rtl="0">
+              <a:spcBef>
+                <a:spcPts val="0"/>
+              </a:spcBef>
+              <a:spcAft>
+                <a:spcPts val="0"/>
+              </a:spcAft>
+              <a:buClr>
+                <a:srgbClr val="FFFFFF"/>
+              </a:buClr>
+              <a:buSzPts val="1300"/>
+              <a:buFont typeface="Nunito Sans" panose="00000500000000000000"/>
+              <a:buNone/>
+            </a:pPr>
+            <a:endParaRPr lang="en-GB" sz="1300" dirty="0" smtClean="0">
+              <a:solidFill>
+                <a:srgbClr val="FFFFFF"/>
+              </a:solidFill>
+              <a:latin typeface="Nunito Sans" panose="00000500000000000000"/>
+              <a:ea typeface="Nunito Sans" panose="00000500000000000000"/>
+              <a:cs typeface="Nunito Sans" panose="00000500000000000000"/>
+              <a:sym typeface="Nunito Sans" panose="00000500000000000000"/>
+            </a:endParaRPr>
+          </a:p>
+          <a:p>
+            <a:pPr marL="146050" lvl="0" indent="0" algn="just" rtl="0">
+              <a:spcBef>
+                <a:spcPts val="0"/>
+              </a:spcBef>
+              <a:spcAft>
+                <a:spcPts val="0"/>
+              </a:spcAft>
+              <a:buClr>
+                <a:srgbClr val="FFFFFF"/>
+              </a:buClr>
+              <a:buSzPts val="1300"/>
+              <a:buFont typeface="Nunito Sans" panose="00000500000000000000"/>
+              <a:buNone/>
+            </a:pPr>
+            <a:r>
+              <a:rPr lang="es-CO" altLang="en-GB" sz="1300" dirty="0" smtClean="0">
+                <a:solidFill>
+                  <a:srgbClr val="FFFFFF"/>
+                </a:solidFill>
+                <a:latin typeface="Nunito Sans" panose="00000500000000000000"/>
+                <a:ea typeface="Nunito Sans" panose="00000500000000000000"/>
+                <a:cs typeface="Nunito Sans" panose="00000500000000000000"/>
+                <a:sym typeface="Nunito Sans" panose="00000500000000000000"/>
+              </a:rPr>
+              <a:t>Ref: </a:t>
+            </a:r>
+            <a:r>
+              <a:rPr lang="es-CO" altLang="en-GB" sz="1300" dirty="0" smtClean="0">
+                <a:solidFill>
+                  <a:srgbClr val="FFFFFF"/>
+                </a:solidFill>
+                <a:latin typeface="Nunito Sans" panose="00000500000000000000"/>
+                <a:ea typeface="Nunito Sans" panose="00000500000000000000"/>
+                <a:cs typeface="Nunito Sans" panose="00000500000000000000"/>
+                <a:sym typeface="Nunito Sans" panose="00000500000000000000"/>
+                <a:hlinkClick r:id="rId1" tooltip="" action="ppaction://hlinkfile"/>
+              </a:rPr>
+              <a:t>GOF Structural Patterns FACADE</a:t>
+            </a:r>
+            <a:endParaRPr lang="es-CO" altLang="en-GB" sz="1300" dirty="0" smtClean="0">
+              <a:solidFill>
+                <a:srgbClr val="FFFFFF"/>
+              </a:solidFill>
+              <a:latin typeface="Nunito Sans" panose="00000500000000000000"/>
+              <a:ea typeface="Nunito Sans" panose="00000500000000000000"/>
+              <a:cs typeface="Nunito Sans" panose="00000500000000000000"/>
+              <a:sym typeface="Nunito Sans" panose="00000500000000000000"/>
+            </a:endParaRPr>
+          </a:p>
+          <a:p>
+            <a:pPr marL="146050" lvl="0" indent="0" algn="just" rtl="0">
+              <a:spcBef>
+                <a:spcPts val="0"/>
+              </a:spcBef>
+              <a:spcAft>
+                <a:spcPts val="0"/>
+              </a:spcAft>
+              <a:buClr>
+                <a:srgbClr val="FFFFFF"/>
+              </a:buClr>
+              <a:buSzPts val="1300"/>
+              <a:buFont typeface="Nunito Sans" panose="00000500000000000000"/>
+              <a:buNone/>
+            </a:pPr>
+            <a:endParaRPr lang="es-CO" altLang="en-GB" sz="1300" dirty="0" smtClean="0">
+              <a:solidFill>
+                <a:srgbClr val="FFFFFF"/>
+              </a:solidFill>
+              <a:latin typeface="Nunito Sans" panose="00000500000000000000"/>
+              <a:ea typeface="Nunito Sans" panose="00000500000000000000"/>
+              <a:cs typeface="Nunito Sans" panose="00000500000000000000"/>
+              <a:sym typeface="Nunito Sans" panose="00000500000000000000"/>
+            </a:endParaRPr>
+          </a:p>
+          <a:p>
+            <a:pPr marL="457200" lvl="0" indent="0" algn="just" rtl="0">
+              <a:spcBef>
+                <a:spcPts val="0"/>
+              </a:spcBef>
+              <a:spcAft>
+                <a:spcPts val="0"/>
+              </a:spcAft>
+              <a:buNone/>
+            </a:pPr>
+            <a:endParaRPr lang="es-CO" sz="1300" dirty="0" smtClean="0">
+              <a:solidFill>
+                <a:srgbClr val="FFFFFF"/>
+              </a:solidFill>
+              <a:latin typeface="Nunito Sans" panose="00000500000000000000"/>
+              <a:ea typeface="Nunito Sans" panose="00000500000000000000"/>
+              <a:cs typeface="Nunito Sans" panose="00000500000000000000"/>
+              <a:sym typeface="Nunito Sans" panose="00000500000000000000"/>
+            </a:endParaRPr>
+          </a:p>
+          <a:p>
+            <a:pPr marL="457200" lvl="0" indent="0" algn="just" rtl="0">
+              <a:spcBef>
+                <a:spcPts val="0"/>
+              </a:spcBef>
+              <a:spcAft>
+                <a:spcPts val="0"/>
+              </a:spcAft>
+              <a:buNone/>
+            </a:pPr>
+            <a:endParaRPr lang="es-CO" sz="1300" dirty="0" smtClean="0">
+              <a:solidFill>
+                <a:srgbClr val="FFFFFF"/>
+              </a:solidFill>
+              <a:latin typeface="Nunito Sans" panose="00000500000000000000"/>
+              <a:ea typeface="Nunito Sans" panose="00000500000000000000"/>
+              <a:cs typeface="Nunito Sans" panose="00000500000000000000"/>
+              <a:sym typeface="Nunito Sans" panose="00000500000000000000"/>
+            </a:endParaRPr>
+          </a:p>
+          <a:p>
+            <a:pPr marL="457200" lvl="0" indent="0" algn="just" rtl="0">
+              <a:spcBef>
+                <a:spcPts val="0"/>
+              </a:spcBef>
+              <a:spcAft>
+                <a:spcPts val="0"/>
+              </a:spcAft>
+              <a:buNone/>
+            </a:pPr>
+            <a:endParaRPr lang="es-CO" sz="1300" dirty="0">
+              <a:solidFill>
+                <a:srgbClr val="FFFFFF"/>
+              </a:solidFill>
+              <a:latin typeface="Nunito Sans" panose="00000500000000000000"/>
+              <a:ea typeface="Nunito Sans" panose="00000500000000000000"/>
+              <a:cs typeface="Nunito Sans" panose="00000500000000000000"/>
+              <a:sym typeface="Nunito Sans" panose="00000500000000000000"/>
+            </a:endParaRPr>
+          </a:p>
+          <a:p>
+            <a:pPr marL="457200" lvl="0" indent="0" algn="just" rtl="0">
+              <a:spcBef>
+                <a:spcPts val="0"/>
+              </a:spcBef>
+              <a:spcAft>
+                <a:spcPts val="0"/>
+              </a:spcAft>
+              <a:buNone/>
+            </a:pPr>
+            <a:endParaRPr sz="1300" dirty="0">
+              <a:solidFill>
+                <a:srgbClr val="FFFFFF"/>
+              </a:solidFill>
+              <a:latin typeface="Nunito Sans" panose="00000500000000000000"/>
+              <a:ea typeface="Nunito Sans" panose="00000500000000000000"/>
+              <a:cs typeface="Nunito Sans" panose="00000500000000000000"/>
+              <a:sym typeface="Nunito Sans" panose="00000500000000000000"/>
+            </a:endParaRPr>
+          </a:p>
+        </p:txBody>
+      </p:sp>
+      <p:pic>
+        <p:nvPicPr>
+          <p:cNvPr id="3" name="Picture 2"/>
+          <p:cNvPicPr>
+            <a:picLocks noChangeAspect="1"/>
+          </p:cNvPicPr>
+          <p:nvPr/>
+        </p:nvPicPr>
+        <p:blipFill>
+          <a:blip r:embed="rId2"/>
+          <a:stretch>
+            <a:fillRect/>
+          </a:stretch>
+        </p:blipFill>
+        <p:spPr>
+          <a:xfrm>
+            <a:off x="4839970" y="1185545"/>
+            <a:ext cx="3790315" cy="2552065"/>
+          </a:xfrm>
+          <a:prstGeom prst="rect">
+            <a:avLst/>
+          </a:prstGeom>
+        </p:spPr>
+      </p:pic>
+    </p:spTree>
   </p:cSld>
   <p:clrMapOvr>
     <a:masterClrMapping/>
@@ -17850,8 +18874,11 @@
       </a:bgFillStyleLst>
     </a:fmtScheme>
   </a:themeElements>
-  <a:objectDefaults/>
-  <a:extraClrSchemeLst/>
+  <a:extLst>
+    <a:ext uri="{05A4C25C-085E-4340-85A3-A5531E510DB2}">
+      <thm15:themeFamily xmlns:thm15="http://schemas.microsoft.com/office/thememl/2012/main" name="Office Theme" id="{62F939B6-93AF-4DB8-9C6B-D6C7DFDC589F}" vid="{4A3C46E8-61CC-4603-A589-7422A47A8E4A}"/>
+    </a:ext>
+  </a:extLst>
 </a:theme>
 </file>
 
@@ -18131,8 +19158,11 @@
       </a:bgFillStyleLst>
     </a:fmtScheme>
   </a:themeElements>
-  <a:objectDefaults/>
-  <a:extraClrSchemeLst/>
+  <a:extLst>
+    <a:ext uri="{05A4C25C-085E-4340-85A3-A5531E510DB2}">
+      <thm15:themeFamily xmlns:thm15="http://schemas.microsoft.com/office/thememl/2012/main" name="Office Theme" id="{62F939B6-93AF-4DB8-9C6B-D6C7DFDC589F}" vid="{4A3C46E8-61CC-4603-A589-7422A47A8E4A}"/>
+    </a:ext>
+  </a:extLst>
 </a:theme>
 </file>
 
@@ -18412,7 +19442,10 @@
       </a:bgFillStyleLst>
     </a:fmtScheme>
   </a:themeElements>
-  <a:objectDefaults/>
-  <a:extraClrSchemeLst/>
+  <a:extLst>
+    <a:ext uri="{05A4C25C-085E-4340-85A3-A5531E510DB2}">
+      <thm15:themeFamily xmlns:thm15="http://schemas.microsoft.com/office/thememl/2012/main" name="Office Theme" id="{62F939B6-93AF-4DB8-9C6B-D6C7DFDC589F}" vid="{4A3C46E8-61CC-4603-A589-7422A47A8E4A}"/>
+    </a:ext>
+  </a:extLst>
 </a:theme>
 </file>
--- a/Design Patterns/Design Patterns.pptx
+++ b/Design Patterns/Design Patterns.pptx
@@ -18,33 +18,34 @@
     <p:sldId id="288" r:id="rId11"/>
     <p:sldId id="289" r:id="rId12"/>
     <p:sldId id="292" r:id="rId13"/>
-    <p:sldId id="294" r:id="rId14"/>
-    <p:sldId id="295" r:id="rId15"/>
+    <p:sldId id="296" r:id="rId14"/>
+    <p:sldId id="294" r:id="rId15"/>
+    <p:sldId id="295" r:id="rId16"/>
   </p:sldIdLst>
   <p:sldSz cx="9144000" cy="5143500" type="screen16x9"/>
   <p:notesSz cx="6858000" cy="9144000"/>
   <p:embeddedFontLst>
     <p:embeddedFont>
       <p:font typeface="Roboto Condensed" panose="02000000000000000000"/>
-      <p:regular r:id="rId19"/>
-      <p:bold r:id="rId20"/>
-      <p:italic r:id="rId21"/>
-      <p:boldItalic r:id="rId22"/>
+      <p:regular r:id="rId20"/>
+      <p:bold r:id="rId21"/>
+      <p:italic r:id="rId22"/>
+      <p:boldItalic r:id="rId23"/>
     </p:embeddedFont>
     <p:embeddedFont>
       <p:font typeface="Calibri" panose="020F0502020204030204"/>
-      <p:regular r:id="rId23"/>
+      <p:regular r:id="rId24"/>
     </p:embeddedFont>
     <p:embeddedFont>
       <p:font typeface="Montserrat" panose="00000500000000000000"/>
-      <p:regular r:id="rId24"/>
-      <p:bold r:id="rId25"/>
-      <p:italic r:id="rId26"/>
-      <p:boldItalic r:id="rId27"/>
+      <p:regular r:id="rId25"/>
+      <p:bold r:id="rId26"/>
+      <p:italic r:id="rId27"/>
+      <p:boldItalic r:id="rId28"/>
     </p:embeddedFont>
     <p:embeddedFont>
       <p:font typeface="Nunito Sans" panose="00000500000000000000"/>
-      <p:regular r:id="rId28"/>
+      <p:regular r:id="rId29"/>
     </p:embeddedFont>
   </p:embeddedFontLst>
   <p:defaultTextStyle>
@@ -923,6 +924,109 @@
 </file>
 
 <file path=ppt/notesSlides/notesSlide11.xml><?xml version="1.0" encoding="utf-8"?>
+<p:notes xmlns:a="http://schemas.openxmlformats.org/drawingml/2006/main" xmlns:r="http://schemas.openxmlformats.org/officeDocument/2006/relationships" xmlns:p="http://schemas.openxmlformats.org/presentationml/2006/main" showMasterPhAnim="0" showMasterSp="0">
+  <p:cSld>
+    <p:spTree>
+      <p:nvGrpSpPr>
+        <p:cNvPr id="1" name="Shape 114"/>
+        <p:cNvGrpSpPr/>
+        <p:nvPr/>
+      </p:nvGrpSpPr>
+      <p:grpSpPr>
+        <a:xfrm>
+          <a:off x="0" y="0"/>
+          <a:ext cx="0" cy="0"/>
+          <a:chOff x="0" y="0"/>
+          <a:chExt cx="0" cy="0"/>
+        </a:xfrm>
+      </p:grpSpPr>
+      <p:sp>
+        <p:nvSpPr>
+          <p:cNvPr id="115" name="Google Shape;115;g297a9bff03_0_0:notes"/>
+          <p:cNvSpPr>
+            <a:spLocks noGrp="1" noRot="1" noChangeAspect="1"/>
+          </p:cNvSpPr>
+          <p:nvPr>
+            <p:ph type="sldImg" idx="2"/>
+          </p:nvPr>
+        </p:nvSpPr>
+        <p:spPr>
+          <a:xfrm>
+            <a:off x="381000" y="685800"/>
+            <a:ext cx="6096000" cy="3429000"/>
+          </a:xfrm>
+          <a:custGeom>
+            <a:avLst/>
+            <a:gdLst/>
+            <a:ahLst/>
+            <a:cxnLst/>
+            <a:rect l="l" t="t" r="r" b="b"/>
+            <a:pathLst>
+              <a:path w="120000" h="120000" extrusionOk="0">
+                <a:moveTo>
+                  <a:pt x="0" y="0"/>
+                </a:moveTo>
+                <a:lnTo>
+                  <a:pt x="120000" y="0"/>
+                </a:lnTo>
+                <a:lnTo>
+                  <a:pt x="120000" y="120000"/>
+                </a:lnTo>
+                <a:lnTo>
+                  <a:pt x="0" y="120000"/>
+                </a:lnTo>
+                <a:close/>
+              </a:path>
+            </a:pathLst>
+          </a:custGeom>
+        </p:spPr>
+      </p:sp>
+      <p:sp>
+        <p:nvSpPr>
+          <p:cNvPr id="116" name="Google Shape;116;g297a9bff03_0_0:notes"/>
+          <p:cNvSpPr txBox="1">
+            <a:spLocks noGrp="1"/>
+          </p:cNvSpPr>
+          <p:nvPr>
+            <p:ph type="body" idx="1"/>
+          </p:nvPr>
+        </p:nvSpPr>
+        <p:spPr>
+          <a:xfrm>
+            <a:off x="685800" y="4343400"/>
+            <a:ext cx="5486400" cy="4114800"/>
+          </a:xfrm>
+          <a:prstGeom prst="rect">
+            <a:avLst/>
+          </a:prstGeom>
+        </p:spPr>
+        <p:txBody>
+          <a:bodyPr spcFirstLastPara="1" wrap="square" lIns="91425" tIns="91425" rIns="91425" bIns="91425" anchor="t" anchorCtr="0">
+            <a:noAutofit/>
+          </a:bodyPr>
+          <a:lstStyle/>
+          <a:p>
+            <a:pPr marL="0" lvl="0" indent="0" algn="l" rtl="0">
+              <a:spcBef>
+                <a:spcPts val="0"/>
+              </a:spcBef>
+              <a:spcAft>
+                <a:spcPts val="0"/>
+              </a:spcAft>
+              <a:buNone/>
+            </a:pPr>
+          </a:p>
+        </p:txBody>
+      </p:sp>
+    </p:spTree>
+  </p:cSld>
+  <p:clrMapOvr>
+    <a:masterClrMapping/>
+  </p:clrMapOvr>
+</p:notes>
+</file>
+
+<file path=ppt/notesSlides/notesSlide12.xml><?xml version="1.0" encoding="utf-8"?>
 <p:notes xmlns:a="http://schemas.openxmlformats.org/drawingml/2006/main" xmlns:r="http://schemas.openxmlformats.org/officeDocument/2006/relationships" xmlns:p="http://schemas.openxmlformats.org/presentationml/2006/main" showMasterPhAnim="0" showMasterSp="0">
   <p:cSld>
     <p:spTree>
@@ -14998,6 +15102,218 @@
       </p:sp>
       <p:sp>
         <p:nvSpPr>
+          <p:cNvPr id="6" name="Text Box 5"/>
+          <p:cNvSpPr txBox="1"/>
+          <p:nvPr/>
+        </p:nvSpPr>
+        <p:spPr>
+          <a:xfrm rot="16200000">
+            <a:off x="-594995" y="2536825"/>
+            <a:ext cx="2052320" cy="368300"/>
+          </a:xfrm>
+          <a:prstGeom prst="rect">
+            <a:avLst/>
+          </a:prstGeom>
+          <a:noFill/>
+        </p:spPr>
+        <p:txBody>
+          <a:bodyPr wrap="square" rtlCol="0">
+            <a:spAutoFit/>
+          </a:bodyPr>
+          <a:p>
+            <a:r>
+              <a:rPr lang="en-US" sz="1800" b="1">
+                <a:solidFill>
+                  <a:schemeClr val="bg1"/>
+                </a:solidFill>
+              </a:rPr>
+              <a:t>With facade</a:t>
+            </a:r>
+            <a:endParaRPr lang="en-US" sz="1800" b="1">
+              <a:solidFill>
+                <a:schemeClr val="bg1"/>
+              </a:solidFill>
+            </a:endParaRPr>
+          </a:p>
+        </p:txBody>
+      </p:sp>
+      <p:pic>
+        <p:nvPicPr>
+          <p:cNvPr id="3" name="Picture 2"/>
+          <p:cNvPicPr>
+            <a:picLocks noChangeAspect="1"/>
+          </p:cNvPicPr>
+          <p:nvPr/>
+        </p:nvPicPr>
+        <p:blipFill>
+          <a:blip r:embed="rId1"/>
+          <a:stretch>
+            <a:fillRect/>
+          </a:stretch>
+        </p:blipFill>
+        <p:spPr>
+          <a:xfrm>
+            <a:off x="975995" y="768985"/>
+            <a:ext cx="7734935" cy="4251325"/>
+          </a:xfrm>
+          <a:prstGeom prst="rect">
+            <a:avLst/>
+          </a:prstGeom>
+        </p:spPr>
+      </p:pic>
+    </p:spTree>
+  </p:cSld>
+  <p:clrMapOvr>
+    <a:masterClrMapping/>
+  </p:clrMapOvr>
+  <p:timing>
+    <p:tnLst>
+      <p:par>
+        <p:cTn id="1" dur="indefinite" restart="never" nodeType="tmRoot"/>
+      </p:par>
+    </p:tnLst>
+  </p:timing>
+</p:sld>
+</file>
+
+<file path=ppt/slides/slide11.xml><?xml version="1.0" encoding="utf-8"?>
+<p:sld xmlns:a="http://schemas.openxmlformats.org/drawingml/2006/main" xmlns:r="http://schemas.openxmlformats.org/officeDocument/2006/relationships" xmlns:p="http://schemas.openxmlformats.org/presentationml/2006/main">
+  <p:cSld>
+    <p:bg>
+      <p:bgPr>
+        <a:solidFill>
+          <a:srgbClr val="000000"/>
+        </a:solidFill>
+        <a:effectLst/>
+      </p:bgPr>
+    </p:bg>
+    <p:spTree>
+      <p:nvGrpSpPr>
+        <p:cNvPr id="1" name="Shape 117"/>
+        <p:cNvGrpSpPr/>
+        <p:nvPr/>
+      </p:nvGrpSpPr>
+      <p:grpSpPr>
+        <a:xfrm>
+          <a:off x="0" y="0"/>
+          <a:ext cx="0" cy="0"/>
+          <a:chOff x="0" y="0"/>
+          <a:chExt cx="0" cy="0"/>
+        </a:xfrm>
+      </p:grpSpPr>
+      <p:sp>
+        <p:nvSpPr>
+          <p:cNvPr id="120" name="Google Shape;120;p28"/>
+          <p:cNvSpPr/>
+          <p:nvPr/>
+        </p:nvSpPr>
+        <p:spPr>
+          <a:xfrm>
+            <a:off x="-5" y="5118630"/>
+            <a:ext cx="9144000" cy="33600"/>
+          </a:xfrm>
+          <a:prstGeom prst="rect">
+            <a:avLst/>
+          </a:prstGeom>
+          <a:solidFill>
+            <a:srgbClr val="C1D82F"/>
+          </a:solidFill>
+          <a:ln>
+            <a:noFill/>
+          </a:ln>
+        </p:spPr>
+        <p:txBody>
+          <a:bodyPr spcFirstLastPara="1" wrap="square" lIns="91425" tIns="91425" rIns="91425" bIns="91425" anchor="ctr" anchorCtr="0">
+            <a:noAutofit/>
+          </a:bodyPr>
+          <a:lstStyle/>
+          <a:p>
+            <a:pPr marL="0" lvl="0" indent="0" algn="l" rtl="0">
+              <a:spcBef>
+                <a:spcPts val="0"/>
+              </a:spcBef>
+              <a:spcAft>
+                <a:spcPts val="0"/>
+              </a:spcAft>
+              <a:buNone/>
+            </a:pPr>
+          </a:p>
+        </p:txBody>
+      </p:sp>
+      <p:sp>
+        <p:nvSpPr>
+          <p:cNvPr id="8" name="Google Shape;139;p30"/>
+          <p:cNvSpPr txBox="1"/>
+          <p:nvPr/>
+        </p:nvSpPr>
+        <p:spPr>
+          <a:xfrm>
+            <a:off x="1" y="216450"/>
+            <a:ext cx="9143994" cy="552600"/>
+          </a:xfrm>
+          <a:prstGeom prst="rect">
+            <a:avLst/>
+          </a:prstGeom>
+          <a:noFill/>
+          <a:ln>
+            <a:noFill/>
+          </a:ln>
+        </p:spPr>
+        <p:txBody>
+          <a:bodyPr spcFirstLastPara="1" wrap="square" lIns="91425" tIns="91425" rIns="91425" bIns="91425" anchor="t" anchorCtr="0">
+            <a:noAutofit/>
+          </a:bodyPr>
+          <a:lstStyle/>
+          <a:p>
+            <a:pPr marL="0" lvl="0" indent="0" algn="ctr" rtl="0">
+              <a:spcBef>
+                <a:spcPts val="0"/>
+              </a:spcBef>
+              <a:spcAft>
+                <a:spcPts val="0"/>
+              </a:spcAft>
+              <a:buNone/>
+            </a:pPr>
+            <a:r>
+              <a:rPr lang="es-CO" sz="3200" b="1" dirty="0">
+                <a:solidFill>
+                  <a:schemeClr val="lt1"/>
+                </a:solidFill>
+                <a:effectLst>
+                  <a:outerShdw blurRad="38100" dist="38100" dir="2700000" algn="tl">
+                    <a:srgbClr val="000000">
+                      <a:alpha val="43137"/>
+                    </a:srgbClr>
+                  </a:outerShdw>
+                </a:effectLst>
+                <a:latin typeface="Montserrat" panose="00000500000000000000"/>
+                <a:ea typeface="Montserrat" panose="00000500000000000000"/>
+                <a:cs typeface="Montserrat" panose="00000500000000000000"/>
+                <a:sym typeface="Montserrat" panose="00000500000000000000"/>
+              </a:rPr>
+              <a:t>FACADE  example</a:t>
+            </a:r>
+            <a:endParaRPr lang="es-CO" sz="3200" b="1" dirty="0">
+              <a:solidFill>
+                <a:schemeClr val="lt1"/>
+              </a:solidFill>
+              <a:effectLst>
+                <a:outerShdw blurRad="38100" dist="38100" dir="2700000" algn="tl">
+                  <a:srgbClr val="000000">
+                    <a:alpha val="43137"/>
+                  </a:srgbClr>
+                </a:outerShdw>
+              </a:effectLst>
+              <a:latin typeface="Montserrat" panose="00000500000000000000"/>
+              <a:ea typeface="Montserrat" panose="00000500000000000000"/>
+              <a:cs typeface="Montserrat" panose="00000500000000000000"/>
+              <a:sym typeface="Montserrat" panose="00000500000000000000"/>
+            </a:endParaRPr>
+          </a:p>
+        </p:txBody>
+      </p:sp>
+      <p:sp>
+        <p:nvSpPr>
           <p:cNvPr id="5" name="Text Box 4"/>
           <p:cNvSpPr txBox="1"/>
           <p:nvPr/>
@@ -15072,7 +15388,7 @@
 </p:sld>
 </file>
 
-<file path=ppt/slides/slide11.xml><?xml version="1.0" encoding="utf-8"?>
+<file path=ppt/slides/slide12.xml><?xml version="1.0" encoding="utf-8"?>
 <p:sld xmlns:a="http://schemas.openxmlformats.org/drawingml/2006/main" xmlns:r="http://schemas.openxmlformats.org/officeDocument/2006/relationships" xmlns:p="http://schemas.openxmlformats.org/presentationml/2006/main">
   <p:cSld>
     <p:bg>

--- a/Design Patterns/Design Patterns.pptx
+++ b/Design Patterns/Design Patterns.pptx
@@ -15291,7 +15291,7 @@
                 <a:cs typeface="Montserrat" panose="00000500000000000000"/>
                 <a:sym typeface="Montserrat" panose="00000500000000000000"/>
               </a:rPr>
-              <a:t>FACADE  example</a:t>
+              <a:t>FACADE  another example</a:t>
             </a:r>
             <a:endParaRPr lang="es-CO" sz="3200" b="1" dirty="0">
               <a:solidFill>
@@ -15503,7 +15503,7 @@
                 <a:cs typeface="Montserrat" panose="00000500000000000000"/>
                 <a:sym typeface="Montserrat" panose="00000500000000000000"/>
               </a:rPr>
-              <a:t>FACADE  example</a:t>
+              <a:t>FACADE  another example</a:t>
             </a:r>
             <a:endParaRPr lang="es-CO" sz="3200" b="1" dirty="0">
               <a:solidFill>

--- a/Design Patterns/Design Patterns.pptx
+++ b/Design Patterns/Design Patterns.pptx
@@ -3,49 +3,57 @@
 <p:presentation xmlns:a="http://schemas.openxmlformats.org/drawingml/2006/main" xmlns:r="http://schemas.openxmlformats.org/officeDocument/2006/relationships" xmlns:p="http://schemas.openxmlformats.org/presentationml/2006/main" strictFirstAndLastChars="0" embedTrueTypeFonts="1" saveSubsetFonts="1" autoCompressPictures="0">
   <p:sldMasterIdLst>
     <p:sldMasterId id="2147483648" r:id="rId1"/>
-    <p:sldMasterId id="2147483663" r:id="rId3"/>
+    <p:sldMasterId id="2147483663" r:id="rId2"/>
   </p:sldMasterIdLst>
   <p:notesMasterIdLst>
-    <p:notesMasterId r:id="rId5"/>
+    <p:notesMasterId r:id="rId20"/>
   </p:notesMasterIdLst>
   <p:sldIdLst>
-    <p:sldId id="256" r:id="rId4"/>
-    <p:sldId id="285" r:id="rId6"/>
-    <p:sldId id="286" r:id="rId7"/>
-    <p:sldId id="261" r:id="rId8"/>
-    <p:sldId id="257" r:id="rId9"/>
-    <p:sldId id="287" r:id="rId10"/>
-    <p:sldId id="288" r:id="rId11"/>
-    <p:sldId id="289" r:id="rId12"/>
-    <p:sldId id="292" r:id="rId13"/>
-    <p:sldId id="296" r:id="rId14"/>
-    <p:sldId id="294" r:id="rId15"/>
-    <p:sldId id="295" r:id="rId16"/>
+    <p:sldId id="256" r:id="rId3"/>
+    <p:sldId id="285" r:id="rId4"/>
+    <p:sldId id="286" r:id="rId5"/>
+    <p:sldId id="261" r:id="rId6"/>
+    <p:sldId id="257" r:id="rId7"/>
+    <p:sldId id="287" r:id="rId8"/>
+    <p:sldId id="288" r:id="rId9"/>
+    <p:sldId id="289" r:id="rId10"/>
+    <p:sldId id="292" r:id="rId11"/>
+    <p:sldId id="296" r:id="rId12"/>
+    <p:sldId id="294" r:id="rId13"/>
+    <p:sldId id="295" r:id="rId14"/>
+    <p:sldId id="297" r:id="rId15"/>
+    <p:sldId id="298" r:id="rId16"/>
+    <p:sldId id="299" r:id="rId17"/>
+    <p:sldId id="300" r:id="rId18"/>
+    <p:sldId id="301" r:id="rId19"/>
   </p:sldIdLst>
   <p:sldSz cx="9144000" cy="5143500" type="screen16x9"/>
   <p:notesSz cx="6858000" cy="9144000"/>
   <p:embeddedFontLst>
     <p:embeddedFont>
-      <p:font typeface="Roboto Condensed" panose="02000000000000000000"/>
-      <p:regular r:id="rId20"/>
-      <p:bold r:id="rId21"/>
-      <p:italic r:id="rId22"/>
-      <p:boldItalic r:id="rId23"/>
+      <p:font typeface="Montserrat" panose="020B0604020202020204" charset="0"/>
+      <p:regular r:id="rId21"/>
+      <p:bold r:id="rId22"/>
+      <p:italic r:id="rId23"/>
+      <p:boldItalic r:id="rId24"/>
     </p:embeddedFont>
     <p:embeddedFont>
-      <p:font typeface="Calibri" panose="020F0502020204030204"/>
-      <p:regular r:id="rId24"/>
+      <p:font typeface="Nunito Sans" panose="020B0604020202020204" charset="0"/>
+      <p:regular r:id="rId25"/>
     </p:embeddedFont>
     <p:embeddedFont>
-      <p:font typeface="Montserrat" panose="00000500000000000000"/>
-      <p:regular r:id="rId25"/>
-      <p:bold r:id="rId26"/>
-      <p:italic r:id="rId27"/>
-      <p:boldItalic r:id="rId28"/>
+      <p:font typeface="Roboto Condensed" panose="020B0604020202020204" charset="0"/>
+      <p:regular r:id="rId26"/>
+      <p:bold r:id="rId27"/>
+      <p:italic r:id="rId28"/>
+      <p:boldItalic r:id="rId29"/>
     </p:embeddedFont>
     <p:embeddedFont>
-      <p:font typeface="Nunito Sans" panose="00000500000000000000"/>
-      <p:regular r:id="rId29"/>
+      <p:font typeface="Calibri" panose="020F0502020204030204" pitchFamily="34" charset="0"/>
+      <p:regular r:id="rId30"/>
+      <p:bold r:id="rId31"/>
+      <p:italic r:id="rId32"/>
+      <p:boldItalic r:id="rId33"/>
     </p:embeddedFont>
   </p:embeddedFontLst>
   <p:defaultTextStyle>
@@ -277,6 +285,11 @@
       </a:defRPr>
     </a:lvl9pPr>
   </p:defaultTextStyle>
+  <p:extLst>
+    <p:ext uri="{EFAFB233-063F-42B5-8137-9DF3F51BA10A}">
+      <p15:sldGuideLst xmlns:p15="http://schemas.microsoft.com/office/powerpoint/2012/main"/>
+    </p:ext>
+  </p:extLst>
 </p:presentation>
 </file>
 
@@ -479,7 +492,9 @@
               <a:defRPr sz="1100"/>
             </a:lvl9pPr>
           </a:lstStyle>
-          <a:p/>
+          <a:p>
+            <a:endParaRPr/>
+          </a:p>
         </p:txBody>
       </p:sp>
     </p:spTree>
@@ -718,7 +733,7 @@
 </file>
 
 <file path=ppt/notesSlides/notesSlide1.xml><?xml version="1.0" encoding="utf-8"?>
-<p:notes xmlns:a="http://schemas.openxmlformats.org/drawingml/2006/main" xmlns:r="http://schemas.openxmlformats.org/officeDocument/2006/relationships" xmlns:p="http://schemas.openxmlformats.org/presentationml/2006/main" showMasterPhAnim="0" showMasterSp="0">
+<p:notes xmlns:a="http://schemas.openxmlformats.org/drawingml/2006/main" xmlns:r="http://schemas.openxmlformats.org/officeDocument/2006/relationships" xmlns:p="http://schemas.openxmlformats.org/presentationml/2006/main" showMasterSp="0" showMasterPhAnim="0">
   <p:cSld>
     <p:spTree>
       <p:nvGrpSpPr>
@@ -809,6 +824,7 @@
               </a:spcAft>
               <a:buNone/>
             </a:pPr>
+            <a:endParaRPr/>
           </a:p>
         </p:txBody>
       </p:sp>
@@ -821,7 +837,7 @@
 </file>
 
 <file path=ppt/notesSlides/notesSlide10.xml><?xml version="1.0" encoding="utf-8"?>
-<p:notes xmlns:a="http://schemas.openxmlformats.org/drawingml/2006/main" xmlns:r="http://schemas.openxmlformats.org/officeDocument/2006/relationships" xmlns:p="http://schemas.openxmlformats.org/presentationml/2006/main" showMasterPhAnim="0" showMasterSp="0">
+<p:notes xmlns:a="http://schemas.openxmlformats.org/drawingml/2006/main" xmlns:r="http://schemas.openxmlformats.org/officeDocument/2006/relationships" xmlns:p="http://schemas.openxmlformats.org/presentationml/2006/main" showMasterSp="0" showMasterPhAnim="0">
   <p:cSld>
     <p:spTree>
       <p:nvGrpSpPr>
@@ -912,6 +928,7 @@
               </a:spcAft>
               <a:buNone/>
             </a:pPr>
+            <a:endParaRPr/>
           </a:p>
         </p:txBody>
       </p:sp>
@@ -924,7 +941,7 @@
 </file>
 
 <file path=ppt/notesSlides/notesSlide11.xml><?xml version="1.0" encoding="utf-8"?>
-<p:notes xmlns:a="http://schemas.openxmlformats.org/drawingml/2006/main" xmlns:r="http://schemas.openxmlformats.org/officeDocument/2006/relationships" xmlns:p="http://schemas.openxmlformats.org/presentationml/2006/main" showMasterPhAnim="0" showMasterSp="0">
+<p:notes xmlns:a="http://schemas.openxmlformats.org/drawingml/2006/main" xmlns:r="http://schemas.openxmlformats.org/officeDocument/2006/relationships" xmlns:p="http://schemas.openxmlformats.org/presentationml/2006/main" showMasterSp="0" showMasterPhAnim="0">
   <p:cSld>
     <p:spTree>
       <p:nvGrpSpPr>
@@ -1015,6 +1032,7 @@
               </a:spcAft>
               <a:buNone/>
             </a:pPr>
+            <a:endParaRPr/>
           </a:p>
         </p:txBody>
       </p:sp>
@@ -1027,7 +1045,7 @@
 </file>
 
 <file path=ppt/notesSlides/notesSlide12.xml><?xml version="1.0" encoding="utf-8"?>
-<p:notes xmlns:a="http://schemas.openxmlformats.org/drawingml/2006/main" xmlns:r="http://schemas.openxmlformats.org/officeDocument/2006/relationships" xmlns:p="http://schemas.openxmlformats.org/presentationml/2006/main" showMasterPhAnim="0" showMasterSp="0">
+<p:notes xmlns:a="http://schemas.openxmlformats.org/drawingml/2006/main" xmlns:r="http://schemas.openxmlformats.org/officeDocument/2006/relationships" xmlns:p="http://schemas.openxmlformats.org/presentationml/2006/main" showMasterSp="0" showMasterPhAnim="0">
   <p:cSld>
     <p:spTree>
       <p:nvGrpSpPr>
@@ -1118,6 +1136,7 @@
               </a:spcAft>
               <a:buNone/>
             </a:pPr>
+            <a:endParaRPr/>
           </a:p>
         </p:txBody>
       </p:sp>
@@ -1129,8 +1148,117 @@
 </p:notes>
 </file>
 
-<file path=ppt/notesSlides/notesSlide2.xml><?xml version="1.0" encoding="utf-8"?>
-<p:notes xmlns:a="http://schemas.openxmlformats.org/drawingml/2006/main" xmlns:r="http://schemas.openxmlformats.org/officeDocument/2006/relationships" xmlns:p="http://schemas.openxmlformats.org/presentationml/2006/main" showMasterPhAnim="0" showMasterSp="0">
+<file path=ppt/notesSlides/notesSlide13.xml><?xml version="1.0" encoding="utf-8"?>
+<p:notes xmlns:a="http://schemas.openxmlformats.org/drawingml/2006/main" xmlns:r="http://schemas.openxmlformats.org/officeDocument/2006/relationships" xmlns:p="http://schemas.openxmlformats.org/presentationml/2006/main" showMasterSp="0" showMasterPhAnim="0">
+  <p:cSld>
+    <p:spTree>
+      <p:nvGrpSpPr>
+        <p:cNvPr id="1" name="Shape 107"/>
+        <p:cNvGrpSpPr/>
+        <p:nvPr/>
+      </p:nvGrpSpPr>
+      <p:grpSpPr>
+        <a:xfrm>
+          <a:off x="0" y="0"/>
+          <a:ext cx="0" cy="0"/>
+          <a:chOff x="0" y="0"/>
+          <a:chExt cx="0" cy="0"/>
+        </a:xfrm>
+      </p:grpSpPr>
+      <p:sp>
+        <p:nvSpPr>
+          <p:cNvPr id="108" name="Google Shape;108;g297a9bff03_0_66:notes"/>
+          <p:cNvSpPr>
+            <a:spLocks noGrp="1" noRot="1" noChangeAspect="1"/>
+          </p:cNvSpPr>
+          <p:nvPr>
+            <p:ph type="sldImg" idx="2"/>
+          </p:nvPr>
+        </p:nvSpPr>
+        <p:spPr>
+          <a:xfrm>
+            <a:off x="381000" y="685800"/>
+            <a:ext cx="6096000" cy="3429000"/>
+          </a:xfrm>
+          <a:custGeom>
+            <a:avLst/>
+            <a:gdLst/>
+            <a:ahLst/>
+            <a:cxnLst/>
+            <a:rect l="l" t="t" r="r" b="b"/>
+            <a:pathLst>
+              <a:path w="120000" h="120000" extrusionOk="0">
+                <a:moveTo>
+                  <a:pt x="0" y="0"/>
+                </a:moveTo>
+                <a:lnTo>
+                  <a:pt x="120000" y="0"/>
+                </a:lnTo>
+                <a:lnTo>
+                  <a:pt x="120000" y="120000"/>
+                </a:lnTo>
+                <a:lnTo>
+                  <a:pt x="0" y="120000"/>
+                </a:lnTo>
+                <a:close/>
+              </a:path>
+            </a:pathLst>
+          </a:custGeom>
+        </p:spPr>
+      </p:sp>
+      <p:sp>
+        <p:nvSpPr>
+          <p:cNvPr id="109" name="Google Shape;109;g297a9bff03_0_66:notes"/>
+          <p:cNvSpPr txBox="1">
+            <a:spLocks noGrp="1"/>
+          </p:cNvSpPr>
+          <p:nvPr>
+            <p:ph type="body" idx="1"/>
+          </p:nvPr>
+        </p:nvSpPr>
+        <p:spPr>
+          <a:xfrm>
+            <a:off x="685800" y="4343400"/>
+            <a:ext cx="5486400" cy="4114800"/>
+          </a:xfrm>
+          <a:prstGeom prst="rect">
+            <a:avLst/>
+          </a:prstGeom>
+        </p:spPr>
+        <p:txBody>
+          <a:bodyPr spcFirstLastPara="1" wrap="square" lIns="91425" tIns="91425" rIns="91425" bIns="91425" anchor="t" anchorCtr="0">
+            <a:noAutofit/>
+          </a:bodyPr>
+          <a:lstStyle/>
+          <a:p>
+            <a:pPr marL="0" lvl="0" indent="0" algn="l" rtl="0">
+              <a:spcBef>
+                <a:spcPts val="0"/>
+              </a:spcBef>
+              <a:spcAft>
+                <a:spcPts val="0"/>
+              </a:spcAft>
+              <a:buNone/>
+            </a:pPr>
+            <a:endParaRPr/>
+          </a:p>
+        </p:txBody>
+      </p:sp>
+    </p:spTree>
+    <p:extLst>
+      <p:ext uri="{BB962C8B-B14F-4D97-AF65-F5344CB8AC3E}">
+        <p14:creationId xmlns:p14="http://schemas.microsoft.com/office/powerpoint/2010/main" val="397463304"/>
+      </p:ext>
+    </p:extLst>
+  </p:cSld>
+  <p:clrMapOvr>
+    <a:masterClrMapping/>
+  </p:clrMapOvr>
+</p:notes>
+</file>
+
+<file path=ppt/notesSlides/notesSlide14.xml><?xml version="1.0" encoding="utf-8"?>
+<p:notes xmlns:a="http://schemas.openxmlformats.org/drawingml/2006/main" xmlns:r="http://schemas.openxmlformats.org/officeDocument/2006/relationships" xmlns:p="http://schemas.openxmlformats.org/presentationml/2006/main" showMasterSp="0" showMasterPhAnim="0">
   <p:cSld>
     <p:spTree>
       <p:nvGrpSpPr>
@@ -1221,10 +1349,16 @@
               </a:spcAft>
               <a:buNone/>
             </a:pPr>
+            <a:endParaRPr/>
           </a:p>
         </p:txBody>
       </p:sp>
     </p:spTree>
+    <p:extLst>
+      <p:ext uri="{BB962C8B-B14F-4D97-AF65-F5344CB8AC3E}">
+        <p14:creationId xmlns:p14="http://schemas.microsoft.com/office/powerpoint/2010/main" val="1941382810"/>
+      </p:ext>
+    </p:extLst>
   </p:cSld>
   <p:clrMapOvr>
     <a:masterClrMapping/>
@@ -1232,8 +1366,8 @@
 </p:notes>
 </file>
 
-<file path=ppt/notesSlides/notesSlide3.xml><?xml version="1.0" encoding="utf-8"?>
-<p:notes xmlns:a="http://schemas.openxmlformats.org/drawingml/2006/main" xmlns:r="http://schemas.openxmlformats.org/officeDocument/2006/relationships" xmlns:p="http://schemas.openxmlformats.org/presentationml/2006/main" showMasterPhAnim="0" showMasterSp="0">
+<file path=ppt/notesSlides/notesSlide15.xml><?xml version="1.0" encoding="utf-8"?>
+<p:notes xmlns:a="http://schemas.openxmlformats.org/drawingml/2006/main" xmlns:r="http://schemas.openxmlformats.org/officeDocument/2006/relationships" xmlns:p="http://schemas.openxmlformats.org/presentationml/2006/main" showMasterSp="0" showMasterPhAnim="0">
   <p:cSld>
     <p:spTree>
       <p:nvGrpSpPr>
@@ -1324,6 +1458,438 @@
               </a:spcAft>
               <a:buNone/>
             </a:pPr>
+            <a:endParaRPr/>
+          </a:p>
+        </p:txBody>
+      </p:sp>
+    </p:spTree>
+    <p:extLst>
+      <p:ext uri="{BB962C8B-B14F-4D97-AF65-F5344CB8AC3E}">
+        <p14:creationId xmlns:p14="http://schemas.microsoft.com/office/powerpoint/2010/main" val="3584905627"/>
+      </p:ext>
+    </p:extLst>
+  </p:cSld>
+  <p:clrMapOvr>
+    <a:masterClrMapping/>
+  </p:clrMapOvr>
+</p:notes>
+</file>
+
+<file path=ppt/notesSlides/notesSlide16.xml><?xml version="1.0" encoding="utf-8"?>
+<p:notes xmlns:a="http://schemas.openxmlformats.org/drawingml/2006/main" xmlns:r="http://schemas.openxmlformats.org/officeDocument/2006/relationships" xmlns:p="http://schemas.openxmlformats.org/presentationml/2006/main" showMasterSp="0" showMasterPhAnim="0">
+  <p:cSld>
+    <p:spTree>
+      <p:nvGrpSpPr>
+        <p:cNvPr id="1" name="Shape 114"/>
+        <p:cNvGrpSpPr/>
+        <p:nvPr/>
+      </p:nvGrpSpPr>
+      <p:grpSpPr>
+        <a:xfrm>
+          <a:off x="0" y="0"/>
+          <a:ext cx="0" cy="0"/>
+          <a:chOff x="0" y="0"/>
+          <a:chExt cx="0" cy="0"/>
+        </a:xfrm>
+      </p:grpSpPr>
+      <p:sp>
+        <p:nvSpPr>
+          <p:cNvPr id="115" name="Google Shape;115;g297a9bff03_0_0:notes"/>
+          <p:cNvSpPr>
+            <a:spLocks noGrp="1" noRot="1" noChangeAspect="1"/>
+          </p:cNvSpPr>
+          <p:nvPr>
+            <p:ph type="sldImg" idx="2"/>
+          </p:nvPr>
+        </p:nvSpPr>
+        <p:spPr>
+          <a:xfrm>
+            <a:off x="381000" y="685800"/>
+            <a:ext cx="6096000" cy="3429000"/>
+          </a:xfrm>
+          <a:custGeom>
+            <a:avLst/>
+            <a:gdLst/>
+            <a:ahLst/>
+            <a:cxnLst/>
+            <a:rect l="l" t="t" r="r" b="b"/>
+            <a:pathLst>
+              <a:path w="120000" h="120000" extrusionOk="0">
+                <a:moveTo>
+                  <a:pt x="0" y="0"/>
+                </a:moveTo>
+                <a:lnTo>
+                  <a:pt x="120000" y="0"/>
+                </a:lnTo>
+                <a:lnTo>
+                  <a:pt x="120000" y="120000"/>
+                </a:lnTo>
+                <a:lnTo>
+                  <a:pt x="0" y="120000"/>
+                </a:lnTo>
+                <a:close/>
+              </a:path>
+            </a:pathLst>
+          </a:custGeom>
+        </p:spPr>
+      </p:sp>
+      <p:sp>
+        <p:nvSpPr>
+          <p:cNvPr id="116" name="Google Shape;116;g297a9bff03_0_0:notes"/>
+          <p:cNvSpPr txBox="1">
+            <a:spLocks noGrp="1"/>
+          </p:cNvSpPr>
+          <p:nvPr>
+            <p:ph type="body" idx="1"/>
+          </p:nvPr>
+        </p:nvSpPr>
+        <p:spPr>
+          <a:xfrm>
+            <a:off x="685800" y="4343400"/>
+            <a:ext cx="5486400" cy="4114800"/>
+          </a:xfrm>
+          <a:prstGeom prst="rect">
+            <a:avLst/>
+          </a:prstGeom>
+        </p:spPr>
+        <p:txBody>
+          <a:bodyPr spcFirstLastPara="1" wrap="square" lIns="91425" tIns="91425" rIns="91425" bIns="91425" anchor="t" anchorCtr="0">
+            <a:noAutofit/>
+          </a:bodyPr>
+          <a:lstStyle/>
+          <a:p>
+            <a:pPr marL="0" lvl="0" indent="0" algn="l" rtl="0">
+              <a:spcBef>
+                <a:spcPts val="0"/>
+              </a:spcBef>
+              <a:spcAft>
+                <a:spcPts val="0"/>
+              </a:spcAft>
+              <a:buNone/>
+            </a:pPr>
+            <a:endParaRPr/>
+          </a:p>
+        </p:txBody>
+      </p:sp>
+    </p:spTree>
+    <p:extLst>
+      <p:ext uri="{BB962C8B-B14F-4D97-AF65-F5344CB8AC3E}">
+        <p14:creationId xmlns:p14="http://schemas.microsoft.com/office/powerpoint/2010/main" val="4274667119"/>
+      </p:ext>
+    </p:extLst>
+  </p:cSld>
+  <p:clrMapOvr>
+    <a:masterClrMapping/>
+  </p:clrMapOvr>
+</p:notes>
+</file>
+
+<file path=ppt/notesSlides/notesSlide17.xml><?xml version="1.0" encoding="utf-8"?>
+<p:notes xmlns:a="http://schemas.openxmlformats.org/drawingml/2006/main" xmlns:r="http://schemas.openxmlformats.org/officeDocument/2006/relationships" xmlns:p="http://schemas.openxmlformats.org/presentationml/2006/main" showMasterSp="0" showMasterPhAnim="0">
+  <p:cSld>
+    <p:spTree>
+      <p:nvGrpSpPr>
+        <p:cNvPr id="1" name="Shape 114"/>
+        <p:cNvGrpSpPr/>
+        <p:nvPr/>
+      </p:nvGrpSpPr>
+      <p:grpSpPr>
+        <a:xfrm>
+          <a:off x="0" y="0"/>
+          <a:ext cx="0" cy="0"/>
+          <a:chOff x="0" y="0"/>
+          <a:chExt cx="0" cy="0"/>
+        </a:xfrm>
+      </p:grpSpPr>
+      <p:sp>
+        <p:nvSpPr>
+          <p:cNvPr id="115" name="Google Shape;115;g297a9bff03_0_0:notes"/>
+          <p:cNvSpPr>
+            <a:spLocks noGrp="1" noRot="1" noChangeAspect="1"/>
+          </p:cNvSpPr>
+          <p:nvPr>
+            <p:ph type="sldImg" idx="2"/>
+          </p:nvPr>
+        </p:nvSpPr>
+        <p:spPr>
+          <a:xfrm>
+            <a:off x="381000" y="685800"/>
+            <a:ext cx="6096000" cy="3429000"/>
+          </a:xfrm>
+          <a:custGeom>
+            <a:avLst/>
+            <a:gdLst/>
+            <a:ahLst/>
+            <a:cxnLst/>
+            <a:rect l="l" t="t" r="r" b="b"/>
+            <a:pathLst>
+              <a:path w="120000" h="120000" extrusionOk="0">
+                <a:moveTo>
+                  <a:pt x="0" y="0"/>
+                </a:moveTo>
+                <a:lnTo>
+                  <a:pt x="120000" y="0"/>
+                </a:lnTo>
+                <a:lnTo>
+                  <a:pt x="120000" y="120000"/>
+                </a:lnTo>
+                <a:lnTo>
+                  <a:pt x="0" y="120000"/>
+                </a:lnTo>
+                <a:close/>
+              </a:path>
+            </a:pathLst>
+          </a:custGeom>
+        </p:spPr>
+      </p:sp>
+      <p:sp>
+        <p:nvSpPr>
+          <p:cNvPr id="116" name="Google Shape;116;g297a9bff03_0_0:notes"/>
+          <p:cNvSpPr txBox="1">
+            <a:spLocks noGrp="1"/>
+          </p:cNvSpPr>
+          <p:nvPr>
+            <p:ph type="body" idx="1"/>
+          </p:nvPr>
+        </p:nvSpPr>
+        <p:spPr>
+          <a:xfrm>
+            <a:off x="685800" y="4343400"/>
+            <a:ext cx="5486400" cy="4114800"/>
+          </a:xfrm>
+          <a:prstGeom prst="rect">
+            <a:avLst/>
+          </a:prstGeom>
+        </p:spPr>
+        <p:txBody>
+          <a:bodyPr spcFirstLastPara="1" wrap="square" lIns="91425" tIns="91425" rIns="91425" bIns="91425" anchor="t" anchorCtr="0">
+            <a:noAutofit/>
+          </a:bodyPr>
+          <a:lstStyle/>
+          <a:p>
+            <a:pPr marL="0" lvl="0" indent="0" algn="l" rtl="0">
+              <a:spcBef>
+                <a:spcPts val="0"/>
+              </a:spcBef>
+              <a:spcAft>
+                <a:spcPts val="0"/>
+              </a:spcAft>
+              <a:buNone/>
+            </a:pPr>
+            <a:endParaRPr/>
+          </a:p>
+        </p:txBody>
+      </p:sp>
+    </p:spTree>
+    <p:extLst>
+      <p:ext uri="{BB962C8B-B14F-4D97-AF65-F5344CB8AC3E}">
+        <p14:creationId xmlns:p14="http://schemas.microsoft.com/office/powerpoint/2010/main" val="4160486294"/>
+      </p:ext>
+    </p:extLst>
+  </p:cSld>
+  <p:clrMapOvr>
+    <a:masterClrMapping/>
+  </p:clrMapOvr>
+</p:notes>
+</file>
+
+<file path=ppt/notesSlides/notesSlide2.xml><?xml version="1.0" encoding="utf-8"?>
+<p:notes xmlns:a="http://schemas.openxmlformats.org/drawingml/2006/main" xmlns:r="http://schemas.openxmlformats.org/officeDocument/2006/relationships" xmlns:p="http://schemas.openxmlformats.org/presentationml/2006/main" showMasterSp="0" showMasterPhAnim="0">
+  <p:cSld>
+    <p:spTree>
+      <p:nvGrpSpPr>
+        <p:cNvPr id="1" name="Shape 114"/>
+        <p:cNvGrpSpPr/>
+        <p:nvPr/>
+      </p:nvGrpSpPr>
+      <p:grpSpPr>
+        <a:xfrm>
+          <a:off x="0" y="0"/>
+          <a:ext cx="0" cy="0"/>
+          <a:chOff x="0" y="0"/>
+          <a:chExt cx="0" cy="0"/>
+        </a:xfrm>
+      </p:grpSpPr>
+      <p:sp>
+        <p:nvSpPr>
+          <p:cNvPr id="115" name="Google Shape;115;g297a9bff03_0_0:notes"/>
+          <p:cNvSpPr>
+            <a:spLocks noGrp="1" noRot="1" noChangeAspect="1"/>
+          </p:cNvSpPr>
+          <p:nvPr>
+            <p:ph type="sldImg" idx="2"/>
+          </p:nvPr>
+        </p:nvSpPr>
+        <p:spPr>
+          <a:xfrm>
+            <a:off x="381000" y="685800"/>
+            <a:ext cx="6096000" cy="3429000"/>
+          </a:xfrm>
+          <a:custGeom>
+            <a:avLst/>
+            <a:gdLst/>
+            <a:ahLst/>
+            <a:cxnLst/>
+            <a:rect l="l" t="t" r="r" b="b"/>
+            <a:pathLst>
+              <a:path w="120000" h="120000" extrusionOk="0">
+                <a:moveTo>
+                  <a:pt x="0" y="0"/>
+                </a:moveTo>
+                <a:lnTo>
+                  <a:pt x="120000" y="0"/>
+                </a:lnTo>
+                <a:lnTo>
+                  <a:pt x="120000" y="120000"/>
+                </a:lnTo>
+                <a:lnTo>
+                  <a:pt x="0" y="120000"/>
+                </a:lnTo>
+                <a:close/>
+              </a:path>
+            </a:pathLst>
+          </a:custGeom>
+        </p:spPr>
+      </p:sp>
+      <p:sp>
+        <p:nvSpPr>
+          <p:cNvPr id="116" name="Google Shape;116;g297a9bff03_0_0:notes"/>
+          <p:cNvSpPr txBox="1">
+            <a:spLocks noGrp="1"/>
+          </p:cNvSpPr>
+          <p:nvPr>
+            <p:ph type="body" idx="1"/>
+          </p:nvPr>
+        </p:nvSpPr>
+        <p:spPr>
+          <a:xfrm>
+            <a:off x="685800" y="4343400"/>
+            <a:ext cx="5486400" cy="4114800"/>
+          </a:xfrm>
+          <a:prstGeom prst="rect">
+            <a:avLst/>
+          </a:prstGeom>
+        </p:spPr>
+        <p:txBody>
+          <a:bodyPr spcFirstLastPara="1" wrap="square" lIns="91425" tIns="91425" rIns="91425" bIns="91425" anchor="t" anchorCtr="0">
+            <a:noAutofit/>
+          </a:bodyPr>
+          <a:lstStyle/>
+          <a:p>
+            <a:pPr marL="0" lvl="0" indent="0" algn="l" rtl="0">
+              <a:spcBef>
+                <a:spcPts val="0"/>
+              </a:spcBef>
+              <a:spcAft>
+                <a:spcPts val="0"/>
+              </a:spcAft>
+              <a:buNone/>
+            </a:pPr>
+            <a:endParaRPr/>
+          </a:p>
+        </p:txBody>
+      </p:sp>
+    </p:spTree>
+  </p:cSld>
+  <p:clrMapOvr>
+    <a:masterClrMapping/>
+  </p:clrMapOvr>
+</p:notes>
+</file>
+
+<file path=ppt/notesSlides/notesSlide3.xml><?xml version="1.0" encoding="utf-8"?>
+<p:notes xmlns:a="http://schemas.openxmlformats.org/drawingml/2006/main" xmlns:r="http://schemas.openxmlformats.org/officeDocument/2006/relationships" xmlns:p="http://schemas.openxmlformats.org/presentationml/2006/main" showMasterSp="0" showMasterPhAnim="0">
+  <p:cSld>
+    <p:spTree>
+      <p:nvGrpSpPr>
+        <p:cNvPr id="1" name="Shape 114"/>
+        <p:cNvGrpSpPr/>
+        <p:nvPr/>
+      </p:nvGrpSpPr>
+      <p:grpSpPr>
+        <a:xfrm>
+          <a:off x="0" y="0"/>
+          <a:ext cx="0" cy="0"/>
+          <a:chOff x="0" y="0"/>
+          <a:chExt cx="0" cy="0"/>
+        </a:xfrm>
+      </p:grpSpPr>
+      <p:sp>
+        <p:nvSpPr>
+          <p:cNvPr id="115" name="Google Shape;115;g297a9bff03_0_0:notes"/>
+          <p:cNvSpPr>
+            <a:spLocks noGrp="1" noRot="1" noChangeAspect="1"/>
+          </p:cNvSpPr>
+          <p:nvPr>
+            <p:ph type="sldImg" idx="2"/>
+          </p:nvPr>
+        </p:nvSpPr>
+        <p:spPr>
+          <a:xfrm>
+            <a:off x="381000" y="685800"/>
+            <a:ext cx="6096000" cy="3429000"/>
+          </a:xfrm>
+          <a:custGeom>
+            <a:avLst/>
+            <a:gdLst/>
+            <a:ahLst/>
+            <a:cxnLst/>
+            <a:rect l="l" t="t" r="r" b="b"/>
+            <a:pathLst>
+              <a:path w="120000" h="120000" extrusionOk="0">
+                <a:moveTo>
+                  <a:pt x="0" y="0"/>
+                </a:moveTo>
+                <a:lnTo>
+                  <a:pt x="120000" y="0"/>
+                </a:lnTo>
+                <a:lnTo>
+                  <a:pt x="120000" y="120000"/>
+                </a:lnTo>
+                <a:lnTo>
+                  <a:pt x="0" y="120000"/>
+                </a:lnTo>
+                <a:close/>
+              </a:path>
+            </a:pathLst>
+          </a:custGeom>
+        </p:spPr>
+      </p:sp>
+      <p:sp>
+        <p:nvSpPr>
+          <p:cNvPr id="116" name="Google Shape;116;g297a9bff03_0_0:notes"/>
+          <p:cNvSpPr txBox="1">
+            <a:spLocks noGrp="1"/>
+          </p:cNvSpPr>
+          <p:nvPr>
+            <p:ph type="body" idx="1"/>
+          </p:nvPr>
+        </p:nvSpPr>
+        <p:spPr>
+          <a:xfrm>
+            <a:off x="685800" y="4343400"/>
+            <a:ext cx="5486400" cy="4114800"/>
+          </a:xfrm>
+          <a:prstGeom prst="rect">
+            <a:avLst/>
+          </a:prstGeom>
+        </p:spPr>
+        <p:txBody>
+          <a:bodyPr spcFirstLastPara="1" wrap="square" lIns="91425" tIns="91425" rIns="91425" bIns="91425" anchor="t" anchorCtr="0">
+            <a:noAutofit/>
+          </a:bodyPr>
+          <a:lstStyle/>
+          <a:p>
+            <a:pPr marL="0" lvl="0" indent="0" algn="l" rtl="0">
+              <a:spcBef>
+                <a:spcPts val="0"/>
+              </a:spcBef>
+              <a:spcAft>
+                <a:spcPts val="0"/>
+              </a:spcAft>
+              <a:buNone/>
+            </a:pPr>
+            <a:endParaRPr/>
           </a:p>
         </p:txBody>
       </p:sp>
@@ -1336,7 +1902,7 @@
 </file>
 
 <file path=ppt/notesSlides/notesSlide4.xml><?xml version="1.0" encoding="utf-8"?>
-<p:notes xmlns:a="http://schemas.openxmlformats.org/drawingml/2006/main" xmlns:r="http://schemas.openxmlformats.org/officeDocument/2006/relationships" xmlns:p="http://schemas.openxmlformats.org/presentationml/2006/main" showMasterPhAnim="0" showMasterSp="0">
+<p:notes xmlns:a="http://schemas.openxmlformats.org/drawingml/2006/main" xmlns:r="http://schemas.openxmlformats.org/officeDocument/2006/relationships" xmlns:p="http://schemas.openxmlformats.org/presentationml/2006/main" showMasterSp="0" showMasterPhAnim="0">
   <p:cSld>
     <p:spTree>
       <p:nvGrpSpPr>
@@ -1427,6 +1993,7 @@
               </a:spcAft>
               <a:buNone/>
             </a:pPr>
+            <a:endParaRPr/>
           </a:p>
         </p:txBody>
       </p:sp>
@@ -1439,7 +2006,7 @@
 </file>
 
 <file path=ppt/notesSlides/notesSlide5.xml><?xml version="1.0" encoding="utf-8"?>
-<p:notes xmlns:a="http://schemas.openxmlformats.org/drawingml/2006/main" xmlns:r="http://schemas.openxmlformats.org/officeDocument/2006/relationships" xmlns:p="http://schemas.openxmlformats.org/presentationml/2006/main" showMasterPhAnim="0" showMasterSp="0">
+<p:notes xmlns:a="http://schemas.openxmlformats.org/drawingml/2006/main" xmlns:r="http://schemas.openxmlformats.org/officeDocument/2006/relationships" xmlns:p="http://schemas.openxmlformats.org/presentationml/2006/main" showMasterSp="0" showMasterPhAnim="0">
   <p:cSld>
     <p:spTree>
       <p:nvGrpSpPr>
@@ -1530,6 +2097,7 @@
               </a:spcAft>
               <a:buNone/>
             </a:pPr>
+            <a:endParaRPr/>
           </a:p>
         </p:txBody>
       </p:sp>
@@ -1542,7 +2110,7 @@
 </file>
 
 <file path=ppt/notesSlides/notesSlide6.xml><?xml version="1.0" encoding="utf-8"?>
-<p:notes xmlns:a="http://schemas.openxmlformats.org/drawingml/2006/main" xmlns:r="http://schemas.openxmlformats.org/officeDocument/2006/relationships" xmlns:p="http://schemas.openxmlformats.org/presentationml/2006/main" showMasterPhAnim="0" showMasterSp="0">
+<p:notes xmlns:a="http://schemas.openxmlformats.org/drawingml/2006/main" xmlns:r="http://schemas.openxmlformats.org/officeDocument/2006/relationships" xmlns:p="http://schemas.openxmlformats.org/presentationml/2006/main" showMasterSp="0" showMasterPhAnim="0">
   <p:cSld>
     <p:spTree>
       <p:nvGrpSpPr>
@@ -1633,6 +2201,7 @@
               </a:spcAft>
               <a:buNone/>
             </a:pPr>
+            <a:endParaRPr/>
           </a:p>
         </p:txBody>
       </p:sp>
@@ -1645,7 +2214,7 @@
 </file>
 
 <file path=ppt/notesSlides/notesSlide7.xml><?xml version="1.0" encoding="utf-8"?>
-<p:notes xmlns:a="http://schemas.openxmlformats.org/drawingml/2006/main" xmlns:r="http://schemas.openxmlformats.org/officeDocument/2006/relationships" xmlns:p="http://schemas.openxmlformats.org/presentationml/2006/main" showMasterPhAnim="0" showMasterSp="0">
+<p:notes xmlns:a="http://schemas.openxmlformats.org/drawingml/2006/main" xmlns:r="http://schemas.openxmlformats.org/officeDocument/2006/relationships" xmlns:p="http://schemas.openxmlformats.org/presentationml/2006/main" showMasterSp="0" showMasterPhAnim="0">
   <p:cSld>
     <p:spTree>
       <p:nvGrpSpPr>
@@ -1736,6 +2305,7 @@
               </a:spcAft>
               <a:buNone/>
             </a:pPr>
+            <a:endParaRPr/>
           </a:p>
         </p:txBody>
       </p:sp>
@@ -1748,7 +2318,7 @@
 </file>
 
 <file path=ppt/notesSlides/notesSlide8.xml><?xml version="1.0" encoding="utf-8"?>
-<p:notes xmlns:a="http://schemas.openxmlformats.org/drawingml/2006/main" xmlns:r="http://schemas.openxmlformats.org/officeDocument/2006/relationships" xmlns:p="http://schemas.openxmlformats.org/presentationml/2006/main" showMasterPhAnim="0" showMasterSp="0">
+<p:notes xmlns:a="http://schemas.openxmlformats.org/drawingml/2006/main" xmlns:r="http://schemas.openxmlformats.org/officeDocument/2006/relationships" xmlns:p="http://schemas.openxmlformats.org/presentationml/2006/main" showMasterSp="0" showMasterPhAnim="0">
   <p:cSld>
     <p:spTree>
       <p:nvGrpSpPr>
@@ -1839,6 +2409,7 @@
               </a:spcAft>
               <a:buNone/>
             </a:pPr>
+            <a:endParaRPr/>
           </a:p>
         </p:txBody>
       </p:sp>
@@ -1851,7 +2422,7 @@
 </file>
 
 <file path=ppt/notesSlides/notesSlide9.xml><?xml version="1.0" encoding="utf-8"?>
-<p:notes xmlns:a="http://schemas.openxmlformats.org/drawingml/2006/main" xmlns:r="http://schemas.openxmlformats.org/officeDocument/2006/relationships" xmlns:p="http://schemas.openxmlformats.org/presentationml/2006/main" showMasterPhAnim="0" showMasterSp="0">
+<p:notes xmlns:a="http://schemas.openxmlformats.org/drawingml/2006/main" xmlns:r="http://schemas.openxmlformats.org/officeDocument/2006/relationships" xmlns:p="http://schemas.openxmlformats.org/presentationml/2006/main" showMasterSp="0" showMasterPhAnim="0">
   <p:cSld>
     <p:spTree>
       <p:nvGrpSpPr>
@@ -1942,6 +2513,7 @@
               </a:spcAft>
               <a:buNone/>
             </a:pPr>
+            <a:endParaRPr/>
           </a:p>
         </p:txBody>
       </p:sp>
@@ -1954,7 +2526,7 @@
 </file>
 
 <file path=ppt/slideLayouts/slideLayout1.xml><?xml version="1.0" encoding="utf-8"?>
-<p:sldLayout xmlns:a="http://schemas.openxmlformats.org/drawingml/2006/main" xmlns:r="http://schemas.openxmlformats.org/officeDocument/2006/relationships" xmlns:p="http://schemas.openxmlformats.org/presentationml/2006/main" type="title" matchingName="Title slide">
+<p:sldLayout xmlns:a="http://schemas.openxmlformats.org/drawingml/2006/main" xmlns:r="http://schemas.openxmlformats.org/officeDocument/2006/relationships" xmlns:p="http://schemas.openxmlformats.org/presentationml/2006/main" matchingName="Title slide" type="title">
   <p:cSld name="TITLE">
     <p:spTree>
       <p:nvGrpSpPr>
@@ -2092,7 +2664,9 @@
               <a:defRPr sz="5200"/>
             </a:lvl9pPr>
           </a:lstStyle>
-          <a:p/>
+          <a:p>
+            <a:endParaRPr/>
+          </a:p>
         </p:txBody>
       </p:sp>
       <p:sp>
@@ -2244,7 +2818,9 @@
               <a:defRPr sz="2800"/>
             </a:lvl9pPr>
           </a:lstStyle>
-          <a:p/>
+          <a:p>
+            <a:endParaRPr/>
+          </a:p>
         </p:txBody>
       </p:sp>
       <p:sp>
@@ -2320,6 +2896,7 @@
             </a:pPr>
             <a:fld id="{00000000-1234-1234-1234-123412341234}" type="slidenum">
               <a:rPr lang="en-GB"/>
+              <a:t>‹Nº›</a:t>
             </a:fld>
             <a:endParaRPr lang="en-GB"/>
           </a:p>
@@ -2601,7 +3178,9 @@
               <a:defRPr/>
             </a:lvl9pPr>
           </a:lstStyle>
-          <a:p/>
+          <a:p>
+            <a:endParaRPr/>
+          </a:p>
         </p:txBody>
       </p:sp>
       <p:sp>
@@ -2677,6 +3256,7 @@
             </a:pPr>
             <a:fld id="{00000000-1234-1234-1234-123412341234}" type="slidenum">
               <a:rPr lang="en-GB"/>
+              <a:t>‹Nº›</a:t>
             </a:fld>
             <a:endParaRPr lang="en-GB"/>
           </a:p>
@@ -2691,7 +3271,7 @@
 </file>
 
 <file path=ppt/slideLayouts/slideLayout11.xml><?xml version="1.0" encoding="utf-8"?>
-<p:sldLayout xmlns:a="http://schemas.openxmlformats.org/drawingml/2006/main" xmlns:r="http://schemas.openxmlformats.org/officeDocument/2006/relationships" xmlns:p="http://schemas.openxmlformats.org/presentationml/2006/main" type="blank" matchingName="Blank">
+<p:sldLayout xmlns:a="http://schemas.openxmlformats.org/drawingml/2006/main" xmlns:r="http://schemas.openxmlformats.org/officeDocument/2006/relationships" xmlns:p="http://schemas.openxmlformats.org/presentationml/2006/main" matchingName="Blank" type="blank">
   <p:cSld name="BLANK">
     <p:spTree>
       <p:nvGrpSpPr>
@@ -2780,6 +3360,7 @@
             </a:pPr>
             <a:fld id="{00000000-1234-1234-1234-123412341234}" type="slidenum">
               <a:rPr lang="en-GB"/>
+              <a:t>‹Nº›</a:t>
             </a:fld>
             <a:endParaRPr lang="en-GB"/>
           </a:p>
@@ -3030,7 +3611,9 @@
               </a:defRPr>
             </a:lvl9pPr>
           </a:lstStyle>
-          <a:p/>
+          <a:p>
+            <a:endParaRPr/>
+          </a:p>
         </p:txBody>
       </p:sp>
       <p:sp>
@@ -3375,7 +3958,9 @@
               </a:defRPr>
             </a:lvl9pPr>
           </a:lstStyle>
-          <a:p/>
+          <a:p>
+            <a:endParaRPr/>
+          </a:p>
         </p:txBody>
       </p:sp>
       <p:sp>
@@ -3590,7 +4175,9 @@
               </a:defRPr>
             </a:lvl9pPr>
           </a:lstStyle>
-          <a:p/>
+          <a:p>
+            <a:endParaRPr/>
+          </a:p>
         </p:txBody>
       </p:sp>
       <p:sp>
@@ -3629,6 +4216,7 @@
               </a:spcAft>
               <a:buNone/>
             </a:pPr>
+            <a:endParaRPr/>
           </a:p>
         </p:txBody>
       </p:sp>
@@ -3666,7 +4254,7 @@
 </file>
 
 <file path=ppt/slideLayouts/slideLayout14.xml><?xml version="1.0" encoding="utf-8"?>
-<p:sldLayout xmlns:a="http://schemas.openxmlformats.org/drawingml/2006/main" xmlns:r="http://schemas.openxmlformats.org/officeDocument/2006/relationships" xmlns:p="http://schemas.openxmlformats.org/presentationml/2006/main" type="obj" matchingName="OBJECT">
+<p:sldLayout xmlns:a="http://schemas.openxmlformats.org/drawingml/2006/main" xmlns:r="http://schemas.openxmlformats.org/officeDocument/2006/relationships" xmlns:p="http://schemas.openxmlformats.org/presentationml/2006/main" matchingName="OBJECT" type="obj">
   <p:cSld name="OBJECT">
     <p:spTree>
       <p:nvGrpSpPr>
@@ -3844,7 +4432,9 @@
               </a:defRPr>
             </a:lvl9pPr>
           </a:lstStyle>
-          <a:p/>
+          <a:p>
+            <a:endParaRPr/>
+          </a:p>
         </p:txBody>
       </p:sp>
       <p:sp>
@@ -4045,7 +4635,9 @@
               </a:defRPr>
             </a:lvl9pPr>
           </a:lstStyle>
-          <a:p/>
+          <a:p>
+            <a:endParaRPr/>
+          </a:p>
         </p:txBody>
       </p:sp>
       <p:sp>
@@ -4281,6 +4873,7 @@
               <a:buFont typeface="Arial" panose="020B0604020202020204"/>
               <a:buNone/>
             </a:pPr>
+            <a:endParaRPr/>
           </a:p>
           <a:p>
             <a:pPr marL="457200" lvl="1" indent="0" algn="l" rtl="0">
@@ -4461,7 +5054,7 @@
 </file>
 
 <file path=ppt/slideLayouts/slideLayout15.xml><?xml version="1.0" encoding="utf-8"?>
-<p:sldLayout xmlns:a="http://schemas.openxmlformats.org/drawingml/2006/main" xmlns:r="http://schemas.openxmlformats.org/officeDocument/2006/relationships" xmlns:p="http://schemas.openxmlformats.org/presentationml/2006/main" type="title" matchingName="Title slide">
+<p:sldLayout xmlns:a="http://schemas.openxmlformats.org/drawingml/2006/main" xmlns:r="http://schemas.openxmlformats.org/officeDocument/2006/relationships" xmlns:p="http://schemas.openxmlformats.org/presentationml/2006/main" matchingName="Title slide" type="title">
   <p:cSld name="TITLE">
     <p:spTree>
       <p:nvGrpSpPr>
@@ -4717,7 +5310,9 @@
               </a:defRPr>
             </a:lvl9pPr>
           </a:lstStyle>
-          <a:p/>
+          <a:p>
+            <a:endParaRPr/>
+          </a:p>
         </p:txBody>
       </p:sp>
       <p:sp>
@@ -4981,7 +5576,9 @@
               </a:defRPr>
             </a:lvl9pPr>
           </a:lstStyle>
-          <a:p/>
+          <a:p>
+            <a:endParaRPr/>
+          </a:p>
         </p:txBody>
       </p:sp>
     </p:spTree>
@@ -4993,7 +5590,7 @@
 </file>
 
 <file path=ppt/slideLayouts/slideLayout16.xml><?xml version="1.0" encoding="utf-8"?>
-<p:sldLayout xmlns:a="http://schemas.openxmlformats.org/drawingml/2006/main" xmlns:r="http://schemas.openxmlformats.org/officeDocument/2006/relationships" xmlns:p="http://schemas.openxmlformats.org/presentationml/2006/main" type="tx" matchingName="Title and body">
+<p:sldLayout xmlns:a="http://schemas.openxmlformats.org/drawingml/2006/main" xmlns:r="http://schemas.openxmlformats.org/officeDocument/2006/relationships" xmlns:p="http://schemas.openxmlformats.org/presentationml/2006/main" matchingName="Title and body" type="tx">
   <p:cSld name="TITLE_AND_BODY">
     <p:spTree>
       <p:nvGrpSpPr>
@@ -5243,7 +5840,9 @@
               </a:defRPr>
             </a:lvl9pPr>
           </a:lstStyle>
-          <a:p/>
+          <a:p>
+            <a:endParaRPr/>
+          </a:p>
         </p:txBody>
       </p:sp>
       <p:sp>
@@ -5372,7 +5971,9 @@
               <a:defRPr sz="1800"/>
             </a:lvl9pPr>
           </a:lstStyle>
-          <a:p/>
+          <a:p>
+            <a:endParaRPr/>
+          </a:p>
         </p:txBody>
       </p:sp>
     </p:spTree>
@@ -5384,7 +5985,7 @@
 </file>
 
 <file path=ppt/slideLayouts/slideLayout17.xml><?xml version="1.0" encoding="utf-8"?>
-<p:sldLayout xmlns:a="http://schemas.openxmlformats.org/drawingml/2006/main" xmlns:r="http://schemas.openxmlformats.org/officeDocument/2006/relationships" xmlns:p="http://schemas.openxmlformats.org/presentationml/2006/main" type="twoColTx" matchingName="Title and two columns">
+<p:sldLayout xmlns:a="http://schemas.openxmlformats.org/drawingml/2006/main" xmlns:r="http://schemas.openxmlformats.org/officeDocument/2006/relationships" xmlns:p="http://schemas.openxmlformats.org/presentationml/2006/main" matchingName="Title and two columns" type="twoColTx">
   <p:cSld name="TITLE_AND_TWO_COLUMNS">
     <p:spTree>
       <p:nvGrpSpPr>
@@ -5634,7 +6235,9 @@
               </a:defRPr>
             </a:lvl9pPr>
           </a:lstStyle>
-          <a:p/>
+          <a:p>
+            <a:endParaRPr/>
+          </a:p>
         </p:txBody>
       </p:sp>
       <p:sp>
@@ -5763,7 +6366,9 @@
               <a:defRPr sz="1800"/>
             </a:lvl9pPr>
           </a:lstStyle>
-          <a:p/>
+          <a:p>
+            <a:endParaRPr/>
+          </a:p>
         </p:txBody>
       </p:sp>
       <p:sp>
@@ -5892,7 +6497,9 @@
               <a:defRPr sz="1800"/>
             </a:lvl9pPr>
           </a:lstStyle>
-          <a:p/>
+          <a:p>
+            <a:endParaRPr/>
+          </a:p>
         </p:txBody>
       </p:sp>
     </p:spTree>
@@ -5904,7 +6511,7 @@
 </file>
 
 <file path=ppt/slideLayouts/slideLayout18.xml><?xml version="1.0" encoding="utf-8"?>
-<p:sldLayout xmlns:a="http://schemas.openxmlformats.org/drawingml/2006/main" xmlns:r="http://schemas.openxmlformats.org/officeDocument/2006/relationships" xmlns:p="http://schemas.openxmlformats.org/presentationml/2006/main" type="titleOnly" matchingName="Title only">
+<p:sldLayout xmlns:a="http://schemas.openxmlformats.org/drawingml/2006/main" xmlns:r="http://schemas.openxmlformats.org/officeDocument/2006/relationships" xmlns:p="http://schemas.openxmlformats.org/presentationml/2006/main" matchingName="Title only" type="titleOnly">
   <p:cSld name="TITLE_ONLY">
     <p:spTree>
       <p:nvGrpSpPr>
@@ -6154,7 +6761,9 @@
               </a:defRPr>
             </a:lvl9pPr>
           </a:lstStyle>
-          <a:p/>
+          <a:p>
+            <a:endParaRPr/>
+          </a:p>
         </p:txBody>
       </p:sp>
     </p:spTree>
@@ -6407,7 +7016,9 @@
               </a:defRPr>
             </a:lvl9pPr>
           </a:lstStyle>
-          <a:p/>
+          <a:p>
+            <a:endParaRPr/>
+          </a:p>
         </p:txBody>
       </p:sp>
     </p:spTree>
@@ -6419,7 +7030,7 @@
 </file>
 
 <file path=ppt/slideLayouts/slideLayout2.xml><?xml version="1.0" encoding="utf-8"?>
-<p:sldLayout xmlns:a="http://schemas.openxmlformats.org/drawingml/2006/main" xmlns:r="http://schemas.openxmlformats.org/officeDocument/2006/relationships" xmlns:p="http://schemas.openxmlformats.org/presentationml/2006/main" type="secHead" matchingName="Section header">
+<p:sldLayout xmlns:a="http://schemas.openxmlformats.org/drawingml/2006/main" xmlns:r="http://schemas.openxmlformats.org/officeDocument/2006/relationships" xmlns:p="http://schemas.openxmlformats.org/presentationml/2006/main" matchingName="Section header" type="secHead">
   <p:cSld name="SECTION_HEADER">
     <p:spTree>
       <p:nvGrpSpPr>
@@ -6557,7 +7168,9 @@
               <a:defRPr sz="3600"/>
             </a:lvl9pPr>
           </a:lstStyle>
-          <a:p/>
+          <a:p>
+            <a:endParaRPr/>
+          </a:p>
         </p:txBody>
       </p:sp>
       <p:sp>
@@ -6633,6 +7246,7 @@
             </a:pPr>
             <a:fld id="{00000000-1234-1234-1234-123412341234}" type="slidenum">
               <a:rPr lang="en-GB"/>
+              <a:t>‹Nº›</a:t>
             </a:fld>
             <a:endParaRPr lang="en-GB"/>
           </a:p>
@@ -6647,7 +7261,7 @@
 </file>
 
 <file path=ppt/slideLayouts/slideLayout20.xml><?xml version="1.0" encoding="utf-8"?>
-<p:sldLayout xmlns:a="http://schemas.openxmlformats.org/drawingml/2006/main" xmlns:r="http://schemas.openxmlformats.org/officeDocument/2006/relationships" xmlns:p="http://schemas.openxmlformats.org/presentationml/2006/main" type="blank" matchingName="Blank">
+<p:sldLayout xmlns:a="http://schemas.openxmlformats.org/drawingml/2006/main" xmlns:r="http://schemas.openxmlformats.org/officeDocument/2006/relationships" xmlns:p="http://schemas.openxmlformats.org/presentationml/2006/main" matchingName="Blank" type="blank">
   <p:cSld name="BLANK">
     <p:spTree>
       <p:nvGrpSpPr>
@@ -6672,7 +7286,7 @@
 </file>
 
 <file path=ppt/slideLayouts/slideLayout21.xml><?xml version="1.0" encoding="utf-8"?>
-<p:sldLayout xmlns:a="http://schemas.openxmlformats.org/drawingml/2006/main" xmlns:r="http://schemas.openxmlformats.org/officeDocument/2006/relationships" xmlns:p="http://schemas.openxmlformats.org/presentationml/2006/main" type="obj" matchingName="OBJECT">
+<p:sldLayout xmlns:a="http://schemas.openxmlformats.org/drawingml/2006/main" xmlns:r="http://schemas.openxmlformats.org/officeDocument/2006/relationships" xmlns:p="http://schemas.openxmlformats.org/presentationml/2006/main" matchingName="OBJECT" type="obj">
   <p:cSld name="OBJECT">
     <p:spTree>
       <p:nvGrpSpPr>
@@ -6850,7 +7464,9 @@
               </a:defRPr>
             </a:lvl9pPr>
           </a:lstStyle>
-          <a:p/>
+          <a:p>
+            <a:endParaRPr/>
+          </a:p>
         </p:txBody>
       </p:sp>
       <p:sp>
@@ -7051,7 +7667,9 @@
               </a:defRPr>
             </a:lvl9pPr>
           </a:lstStyle>
-          <a:p/>
+          <a:p>
+            <a:endParaRPr/>
+          </a:p>
         </p:txBody>
       </p:sp>
       <p:sp>
@@ -7287,6 +7905,7 @@
               <a:buFont typeface="Arial" panose="020B0604020202020204"/>
               <a:buNone/>
             </a:pPr>
+            <a:endParaRPr/>
           </a:p>
           <a:p>
             <a:pPr marL="457200" lvl="1" indent="0" algn="l" rtl="0">
@@ -7707,7 +8326,9 @@
               </a:defRPr>
             </a:lvl9pPr>
           </a:lstStyle>
-          <a:p/>
+          <a:p>
+            <a:endParaRPr/>
+          </a:p>
         </p:txBody>
       </p:sp>
       <p:sp>
@@ -7971,7 +8592,9 @@
               </a:defRPr>
             </a:lvl9pPr>
           </a:lstStyle>
-          <a:p/>
+          <a:p>
+            <a:endParaRPr/>
+          </a:p>
         </p:txBody>
       </p:sp>
       <p:sp>
@@ -8235,7 +8858,9 @@
               </a:defRPr>
             </a:lvl9pPr>
           </a:lstStyle>
-          <a:p/>
+          <a:p>
+            <a:endParaRPr/>
+          </a:p>
         </p:txBody>
       </p:sp>
       <p:sp>
@@ -8471,6 +9096,7 @@
               <a:buFont typeface="Calibri" panose="020F0502020204030204"/>
               <a:buNone/>
             </a:pPr>
+            <a:endParaRPr/>
           </a:p>
           <a:p>
             <a:pPr marL="419100" lvl="1" indent="-12700" algn="l" rtl="0">
@@ -8845,7 +9471,9 @@
               <a:defRPr/>
             </a:lvl9pPr>
           </a:lstStyle>
-          <a:p/>
+          <a:p>
+            <a:endParaRPr/>
+          </a:p>
         </p:txBody>
       </p:sp>
       <p:sp>
@@ -8974,7 +9602,9 @@
               <a:defRPr/>
             </a:lvl9pPr>
           </a:lstStyle>
-          <a:p/>
+          <a:p>
+            <a:endParaRPr/>
+          </a:p>
         </p:txBody>
       </p:sp>
       <p:sp>
@@ -9103,7 +9733,9 @@
               <a:defRPr/>
             </a:lvl9pPr>
           </a:lstStyle>
-          <a:p/>
+          <a:p>
+            <a:endParaRPr/>
+          </a:p>
         </p:txBody>
       </p:sp>
       <p:sp>
@@ -9475,7 +10107,9 @@
               <a:defRPr/>
             </a:lvl9pPr>
           </a:lstStyle>
-          <a:p/>
+          <a:p>
+            <a:endParaRPr/>
+          </a:p>
         </p:txBody>
       </p:sp>
       <p:sp>
@@ -9604,7 +10238,9 @@
               <a:defRPr/>
             </a:lvl9pPr>
           </a:lstStyle>
-          <a:p/>
+          <a:p>
+            <a:endParaRPr/>
+          </a:p>
         </p:txBody>
       </p:sp>
       <p:sp>
@@ -9733,7 +10369,9 @@
               <a:defRPr/>
             </a:lvl9pPr>
           </a:lstStyle>
-          <a:p/>
+          <a:p>
+            <a:endParaRPr/>
+          </a:p>
         </p:txBody>
       </p:sp>
       <p:sp>
@@ -9812,6 +10450,7 @@
               <a:buSzPts val="1400"/>
               <a:buChar char="●"/>
             </a:pPr>
+            <a:endParaRPr/>
           </a:p>
           <a:p>
             <a:pPr marL="457200" lvl="1" indent="-88900" algn="l" rtl="0">
@@ -9824,6 +10463,7 @@
               <a:buSzPts val="1400"/>
               <a:buChar char="○"/>
             </a:pPr>
+            <a:endParaRPr/>
           </a:p>
           <a:p>
             <a:pPr marL="914400" lvl="2" indent="-88900" algn="l" rtl="0">
@@ -9836,6 +10476,7 @@
               <a:buSzPts val="1400"/>
               <a:buChar char="■"/>
             </a:pPr>
+            <a:endParaRPr/>
           </a:p>
           <a:p>
             <a:pPr marL="1371600" lvl="3" indent="-88900" algn="l" rtl="0">
@@ -9848,6 +10489,7 @@
               <a:buSzPts val="1400"/>
               <a:buChar char="●"/>
             </a:pPr>
+            <a:endParaRPr/>
           </a:p>
           <a:p>
             <a:pPr marL="1828800" lvl="4" indent="-88900" algn="l" rtl="0">
@@ -9860,6 +10502,7 @@
               <a:buSzPts val="1400"/>
               <a:buChar char="○"/>
             </a:pPr>
+            <a:endParaRPr/>
           </a:p>
           <a:p>
             <a:pPr marL="2286000" lvl="5" indent="-88900" algn="l" rtl="0">
@@ -9872,6 +10515,7 @@
               <a:buSzPts val="1400"/>
               <a:buChar char="■"/>
             </a:pPr>
+            <a:endParaRPr/>
           </a:p>
           <a:p>
             <a:pPr marL="2743200" lvl="6" indent="-88900" algn="l" rtl="0">
@@ -9884,6 +10528,7 @@
               <a:buSzPts val="1400"/>
               <a:buChar char="●"/>
             </a:pPr>
+            <a:endParaRPr/>
           </a:p>
           <a:p>
             <a:pPr marL="3200400" lvl="7" indent="-88900" algn="l" rtl="0">
@@ -9896,6 +10541,7 @@
               <a:buSzPts val="1400"/>
               <a:buChar char="○"/>
             </a:pPr>
+            <a:endParaRPr/>
           </a:p>
           <a:p>
             <a:pPr marL="3657600" lvl="8" indent="-88900" algn="l" rtl="0">
@@ -9908,6 +10554,7 @@
               <a:buSzPts val="1400"/>
               <a:buChar char="■"/>
             </a:pPr>
+            <a:endParaRPr/>
           </a:p>
         </p:txBody>
       </p:sp>
@@ -9920,7 +10567,7 @@
 </file>
 
 <file path=ppt/slideLayouts/slideLayout3.xml><?xml version="1.0" encoding="utf-8"?>
-<p:sldLayout xmlns:a="http://schemas.openxmlformats.org/drawingml/2006/main" xmlns:r="http://schemas.openxmlformats.org/officeDocument/2006/relationships" xmlns:p="http://schemas.openxmlformats.org/presentationml/2006/main" type="tx" matchingName="Title and body">
+<p:sldLayout xmlns:a="http://schemas.openxmlformats.org/drawingml/2006/main" xmlns:r="http://schemas.openxmlformats.org/officeDocument/2006/relationships" xmlns:p="http://schemas.openxmlformats.org/presentationml/2006/main" matchingName="Title and body" type="tx">
   <p:cSld name="TITLE_AND_BODY">
     <p:spTree>
       <p:nvGrpSpPr>
@@ -10058,7 +10705,9 @@
               <a:defRPr/>
             </a:lvl9pPr>
           </a:lstStyle>
-          <a:p/>
+          <a:p>
+            <a:endParaRPr/>
+          </a:p>
         </p:txBody>
       </p:sp>
       <p:sp>
@@ -10183,7 +10832,9 @@
               <a:defRPr/>
             </a:lvl9pPr>
           </a:lstStyle>
-          <a:p/>
+          <a:p>
+            <a:endParaRPr/>
+          </a:p>
         </p:txBody>
       </p:sp>
       <p:sp>
@@ -10259,6 +10910,7 @@
             </a:pPr>
             <a:fld id="{00000000-1234-1234-1234-123412341234}" type="slidenum">
               <a:rPr lang="en-GB"/>
+              <a:t>‹Nº›</a:t>
             </a:fld>
             <a:endParaRPr lang="en-GB"/>
           </a:p>
@@ -10273,7 +10925,7 @@
 </file>
 
 <file path=ppt/slideLayouts/slideLayout4.xml><?xml version="1.0" encoding="utf-8"?>
-<p:sldLayout xmlns:a="http://schemas.openxmlformats.org/drawingml/2006/main" xmlns:r="http://schemas.openxmlformats.org/officeDocument/2006/relationships" xmlns:p="http://schemas.openxmlformats.org/presentationml/2006/main" type="twoColTx" matchingName="Title and two columns">
+<p:sldLayout xmlns:a="http://schemas.openxmlformats.org/drawingml/2006/main" xmlns:r="http://schemas.openxmlformats.org/officeDocument/2006/relationships" xmlns:p="http://schemas.openxmlformats.org/presentationml/2006/main" matchingName="Title and two columns" type="twoColTx">
   <p:cSld name="TITLE_AND_TWO_COLUMNS">
     <p:spTree>
       <p:nvGrpSpPr>
@@ -10411,7 +11063,9 @@
               <a:defRPr/>
             </a:lvl9pPr>
           </a:lstStyle>
-          <a:p/>
+          <a:p>
+            <a:endParaRPr/>
+          </a:p>
         </p:txBody>
       </p:sp>
       <p:sp>
@@ -10536,7 +11190,9 @@
               <a:defRPr sz="1200"/>
             </a:lvl9pPr>
           </a:lstStyle>
-          <a:p/>
+          <a:p>
+            <a:endParaRPr/>
+          </a:p>
         </p:txBody>
       </p:sp>
       <p:sp>
@@ -10661,7 +11317,9 @@
               <a:defRPr sz="1200"/>
             </a:lvl9pPr>
           </a:lstStyle>
-          <a:p/>
+          <a:p>
+            <a:endParaRPr/>
+          </a:p>
         </p:txBody>
       </p:sp>
       <p:sp>
@@ -10737,6 +11395,7 @@
             </a:pPr>
             <a:fld id="{00000000-1234-1234-1234-123412341234}" type="slidenum">
               <a:rPr lang="en-GB"/>
+              <a:t>‹Nº›</a:t>
             </a:fld>
             <a:endParaRPr lang="en-GB"/>
           </a:p>
@@ -10751,7 +11410,7 @@
 </file>
 
 <file path=ppt/slideLayouts/slideLayout5.xml><?xml version="1.0" encoding="utf-8"?>
-<p:sldLayout xmlns:a="http://schemas.openxmlformats.org/drawingml/2006/main" xmlns:r="http://schemas.openxmlformats.org/officeDocument/2006/relationships" xmlns:p="http://schemas.openxmlformats.org/presentationml/2006/main" type="titleOnly" matchingName="Title only">
+<p:sldLayout xmlns:a="http://schemas.openxmlformats.org/drawingml/2006/main" xmlns:r="http://schemas.openxmlformats.org/officeDocument/2006/relationships" xmlns:p="http://schemas.openxmlformats.org/presentationml/2006/main" matchingName="Title only" type="titleOnly">
   <p:cSld name="TITLE_ONLY">
     <p:spTree>
       <p:nvGrpSpPr>
@@ -10889,7 +11548,9 @@
               <a:defRPr/>
             </a:lvl9pPr>
           </a:lstStyle>
-          <a:p/>
+          <a:p>
+            <a:endParaRPr/>
+          </a:p>
         </p:txBody>
       </p:sp>
       <p:sp>
@@ -10965,6 +11626,7 @@
             </a:pPr>
             <a:fld id="{00000000-1234-1234-1234-123412341234}" type="slidenum">
               <a:rPr lang="en-GB"/>
+              <a:t>‹Nº›</a:t>
             </a:fld>
             <a:endParaRPr lang="en-GB"/>
           </a:p>
@@ -11117,7 +11779,9 @@
               <a:defRPr sz="2400"/>
             </a:lvl9pPr>
           </a:lstStyle>
-          <a:p/>
+          <a:p>
+            <a:endParaRPr/>
+          </a:p>
         </p:txBody>
       </p:sp>
       <p:sp>
@@ -11242,7 +11906,9 @@
               <a:defRPr sz="1200"/>
             </a:lvl9pPr>
           </a:lstStyle>
-          <a:p/>
+          <a:p>
+            <a:endParaRPr/>
+          </a:p>
         </p:txBody>
       </p:sp>
       <p:sp>
@@ -11318,6 +11984,7 @@
             </a:pPr>
             <a:fld id="{00000000-1234-1234-1234-123412341234}" type="slidenum">
               <a:rPr lang="en-GB"/>
+              <a:t>‹Nº›</a:t>
             </a:fld>
             <a:endParaRPr lang="en-GB"/>
           </a:p>
@@ -11470,7 +12137,9 @@
               <a:defRPr sz="4800"/>
             </a:lvl9pPr>
           </a:lstStyle>
-          <a:p/>
+          <a:p>
+            <a:endParaRPr/>
+          </a:p>
         </p:txBody>
       </p:sp>
       <p:sp>
@@ -11546,6 +12215,7 @@
             </a:pPr>
             <a:fld id="{00000000-1234-1234-1234-123412341234}" type="slidenum">
               <a:rPr lang="en-GB"/>
+              <a:t>‹Nº›</a:t>
             </a:fld>
             <a:endParaRPr lang="en-GB"/>
           </a:p>
@@ -11612,6 +12282,7 @@
               </a:spcAft>
               <a:buNone/>
             </a:pPr>
+            <a:endParaRPr/>
           </a:p>
         </p:txBody>
       </p:sp>
@@ -11737,7 +12408,9 @@
               <a:defRPr sz="4200"/>
             </a:lvl9pPr>
           </a:lstStyle>
-          <a:p/>
+          <a:p>
+            <a:endParaRPr/>
+          </a:p>
         </p:txBody>
       </p:sp>
       <p:sp>
@@ -11889,7 +12562,9 @@
               <a:defRPr sz="2100"/>
             </a:lvl9pPr>
           </a:lstStyle>
-          <a:p/>
+          <a:p>
+            <a:endParaRPr/>
+          </a:p>
         </p:txBody>
       </p:sp>
       <p:sp>
@@ -12014,7 +12689,9 @@
               <a:defRPr/>
             </a:lvl9pPr>
           </a:lstStyle>
-          <a:p/>
+          <a:p>
+            <a:endParaRPr/>
+          </a:p>
         </p:txBody>
       </p:sp>
       <p:sp>
@@ -12090,6 +12767,7 @@
             </a:pPr>
             <a:fld id="{00000000-1234-1234-1234-123412341234}" type="slidenum">
               <a:rPr lang="en-GB"/>
+              <a:t>‹Nº›</a:t>
             </a:fld>
             <a:endParaRPr lang="en-GB"/>
           </a:p>
@@ -12157,7 +12835,9 @@
               <a:defRPr/>
             </a:lvl1pPr>
           </a:lstStyle>
-          <a:p/>
+          <a:p>
+            <a:endParaRPr/>
+          </a:p>
         </p:txBody>
       </p:sp>
       <p:sp>
@@ -12233,6 +12913,7 @@
             </a:pPr>
             <a:fld id="{00000000-1234-1234-1234-123412341234}" type="slidenum">
               <a:rPr lang="en-GB"/>
+              <a:t>‹Nº›</a:t>
             </a:fld>
             <a:endParaRPr lang="en-GB"/>
           </a:p>
@@ -12460,7 +13141,9 @@
               </a:defRPr>
             </a:lvl9pPr>
           </a:lstStyle>
-          <a:p/>
+          <a:p>
+            <a:endParaRPr/>
+          </a:p>
         </p:txBody>
       </p:sp>
       <p:sp>
@@ -12679,7 +13362,9 @@
               </a:defRPr>
             </a:lvl9pPr>
           </a:lstStyle>
-          <a:p/>
+          <a:p>
+            <a:endParaRPr/>
+          </a:p>
         </p:txBody>
       </p:sp>
       <p:sp>
@@ -12795,6 +13480,7 @@
             </a:pPr>
             <a:fld id="{00000000-1234-1234-1234-123412341234}" type="slidenum">
               <a:rPr lang="en-GB"/>
+              <a:t>‹Nº›</a:t>
             </a:fld>
             <a:endParaRPr lang="en-GB"/>
           </a:p>
@@ -13777,7 +14463,9 @@
               </a:defRPr>
             </a:lvl9pPr>
           </a:lstStyle>
-          <a:p/>
+          <a:p>
+            <a:endParaRPr/>
+          </a:p>
         </p:txBody>
       </p:sp>
       <p:sp>
@@ -14041,7 +14729,9 @@
               </a:defRPr>
             </a:lvl9pPr>
           </a:lstStyle>
-          <a:p/>
+          <a:p>
+            <a:endParaRPr/>
+          </a:p>
         </p:txBody>
       </p:sp>
     </p:spTree>
@@ -14776,7 +15466,7 @@
           <p:nvPr/>
         </p:nvPicPr>
         <p:blipFill>
-          <a:blip r:embed="rId1"/>
+          <a:blip r:embed="rId3"/>
           <a:stretch>
             <a:fillRect/>
           </a:stretch>
@@ -15025,6 +15715,7 @@
               </a:spcAft>
               <a:buNone/>
             </a:pPr>
+            <a:endParaRPr/>
           </a:p>
         </p:txBody>
       </p:sp>
@@ -15081,22 +15772,6 @@
               </a:rPr>
               <a:t>FACADE  example</a:t>
             </a:r>
-            <a:endParaRPr lang="es-CO" sz="3200" b="1" dirty="0">
-              <a:solidFill>
-                <a:schemeClr val="lt1"/>
-              </a:solidFill>
-              <a:effectLst>
-                <a:outerShdw blurRad="38100" dist="38100" dir="2700000" algn="tl">
-                  <a:srgbClr val="000000">
-                    <a:alpha val="43137"/>
-                  </a:srgbClr>
-                </a:outerShdw>
-              </a:effectLst>
-              <a:latin typeface="Montserrat" panose="00000500000000000000"/>
-              <a:ea typeface="Montserrat" panose="00000500000000000000"/>
-              <a:cs typeface="Montserrat" panose="00000500000000000000"/>
-              <a:sym typeface="Montserrat" panose="00000500000000000000"/>
-            </a:endParaRPr>
           </a:p>
         </p:txBody>
       </p:sp>
@@ -15120,6 +15795,7 @@
           <a:bodyPr wrap="square" rtlCol="0">
             <a:spAutoFit/>
           </a:bodyPr>
+          <a:lstStyle/>
           <a:p>
             <a:r>
               <a:rPr lang="en-US" sz="1800" b="1">
@@ -15129,11 +15805,6 @@
               </a:rPr>
               <a:t>With facade</a:t>
             </a:r>
-            <a:endParaRPr lang="en-US" sz="1800" b="1">
-              <a:solidFill>
-                <a:schemeClr val="bg1"/>
-              </a:solidFill>
-            </a:endParaRPr>
           </a:p>
         </p:txBody>
       </p:sp>
@@ -15146,7 +15817,7 @@
           <p:nvPr/>
         </p:nvPicPr>
         <p:blipFill>
-          <a:blip r:embed="rId1"/>
+          <a:blip r:embed="rId3"/>
           <a:stretch>
             <a:fillRect/>
           </a:stretch>
@@ -15237,6 +15908,7 @@
               </a:spcAft>
               <a:buNone/>
             </a:pPr>
+            <a:endParaRPr/>
           </a:p>
         </p:txBody>
       </p:sp>
@@ -15293,22 +15965,6 @@
               </a:rPr>
               <a:t>FACADE  another example</a:t>
             </a:r>
-            <a:endParaRPr lang="es-CO" sz="3200" b="1" dirty="0">
-              <a:solidFill>
-                <a:schemeClr val="lt1"/>
-              </a:solidFill>
-              <a:effectLst>
-                <a:outerShdw blurRad="38100" dist="38100" dir="2700000" algn="tl">
-                  <a:srgbClr val="000000">
-                    <a:alpha val="43137"/>
-                  </a:srgbClr>
-                </a:outerShdw>
-              </a:effectLst>
-              <a:latin typeface="Montserrat" panose="00000500000000000000"/>
-              <a:ea typeface="Montserrat" panose="00000500000000000000"/>
-              <a:cs typeface="Montserrat" panose="00000500000000000000"/>
-              <a:sym typeface="Montserrat" panose="00000500000000000000"/>
-            </a:endParaRPr>
           </a:p>
         </p:txBody>
       </p:sp>
@@ -15332,6 +15988,7 @@
           <a:bodyPr wrap="square" rtlCol="0">
             <a:spAutoFit/>
           </a:bodyPr>
+          <a:lstStyle/>
           <a:p>
             <a:r>
               <a:rPr lang="en-US" sz="1800" b="1">
@@ -15341,11 +15998,6 @@
               </a:rPr>
               <a:t>Without facade</a:t>
             </a:r>
-            <a:endParaRPr lang="en-US" sz="1800" b="1">
-              <a:solidFill>
-                <a:schemeClr val="bg1"/>
-              </a:solidFill>
-            </a:endParaRPr>
           </a:p>
         </p:txBody>
       </p:sp>
@@ -15358,7 +16010,7 @@
           <p:nvPr/>
         </p:nvPicPr>
         <p:blipFill>
-          <a:blip r:embed="rId1"/>
+          <a:blip r:embed="rId3"/>
           <a:stretch>
             <a:fillRect/>
           </a:stretch>
@@ -15449,6 +16101,7 @@
               </a:spcAft>
               <a:buNone/>
             </a:pPr>
+            <a:endParaRPr/>
           </a:p>
         </p:txBody>
       </p:sp>
@@ -15505,22 +16158,6 @@
               </a:rPr>
               <a:t>FACADE  another example</a:t>
             </a:r>
-            <a:endParaRPr lang="es-CO" sz="3200" b="1" dirty="0">
-              <a:solidFill>
-                <a:schemeClr val="lt1"/>
-              </a:solidFill>
-              <a:effectLst>
-                <a:outerShdw blurRad="38100" dist="38100" dir="2700000" algn="tl">
-                  <a:srgbClr val="000000">
-                    <a:alpha val="43137"/>
-                  </a:srgbClr>
-                </a:outerShdw>
-              </a:effectLst>
-              <a:latin typeface="Montserrat" panose="00000500000000000000"/>
-              <a:ea typeface="Montserrat" panose="00000500000000000000"/>
-              <a:cs typeface="Montserrat" panose="00000500000000000000"/>
-              <a:sym typeface="Montserrat" panose="00000500000000000000"/>
-            </a:endParaRPr>
           </a:p>
         </p:txBody>
       </p:sp>
@@ -15544,6 +16181,7 @@
           <a:bodyPr wrap="square" rtlCol="0">
             <a:spAutoFit/>
           </a:bodyPr>
+          <a:lstStyle/>
           <a:p>
             <a:r>
               <a:rPr lang="en-US" sz="1800" b="1">
@@ -15553,11 +16191,6 @@
               </a:rPr>
               <a:t>With facade</a:t>
             </a:r>
-            <a:endParaRPr lang="en-US" sz="1800" b="1">
-              <a:solidFill>
-                <a:schemeClr val="bg1"/>
-              </a:solidFill>
-            </a:endParaRPr>
           </a:p>
         </p:txBody>
       </p:sp>
@@ -15570,7 +16203,7 @@
           <p:nvPr/>
         </p:nvPicPr>
         <p:blipFill>
-          <a:blip r:embed="rId1"/>
+          <a:blip r:embed="rId3"/>
           <a:stretch>
             <a:fillRect/>
           </a:stretch>
@@ -15586,6 +16219,5147 @@
         </p:spPr>
       </p:pic>
     </p:spTree>
+  </p:cSld>
+  <p:clrMapOvr>
+    <a:masterClrMapping/>
+  </p:clrMapOvr>
+  <p:timing>
+    <p:tnLst>
+      <p:par>
+        <p:cTn id="1" dur="indefinite" restart="never" nodeType="tmRoot"/>
+      </p:par>
+    </p:tnLst>
+  </p:timing>
+</p:sld>
+</file>
+
+<file path=ppt/slides/slide13.xml><?xml version="1.0" encoding="utf-8"?>
+<p:sld xmlns:a="http://schemas.openxmlformats.org/drawingml/2006/main" xmlns:r="http://schemas.openxmlformats.org/officeDocument/2006/relationships" xmlns:p="http://schemas.openxmlformats.org/presentationml/2006/main">
+  <p:cSld>
+    <p:spTree>
+      <p:nvGrpSpPr>
+        <p:cNvPr id="1" name="Shape 110"/>
+        <p:cNvGrpSpPr/>
+        <p:nvPr/>
+      </p:nvGrpSpPr>
+      <p:grpSpPr>
+        <a:xfrm>
+          <a:off x="0" y="0"/>
+          <a:ext cx="0" cy="0"/>
+          <a:chOff x="0" y="0"/>
+          <a:chExt cx="0" cy="0"/>
+        </a:xfrm>
+      </p:grpSpPr>
+      <p:pic>
+        <p:nvPicPr>
+          <p:cNvPr id="111" name="Google Shape;111;p27"/>
+          <p:cNvPicPr preferRelativeResize="0"/>
+          <p:nvPr/>
+        </p:nvPicPr>
+        <p:blipFill>
+          <a:blip r:embed="rId3"/>
+          <a:stretch>
+            <a:fillRect/>
+          </a:stretch>
+        </p:blipFill>
+        <p:spPr>
+          <a:xfrm>
+            <a:off x="0" y="0"/>
+            <a:ext cx="9144000" cy="5143505"/>
+          </a:xfrm>
+          <a:prstGeom prst="rect">
+            <a:avLst/>
+          </a:prstGeom>
+          <a:noFill/>
+          <a:ln>
+            <a:noFill/>
+          </a:ln>
+        </p:spPr>
+      </p:pic>
+      <p:sp>
+        <p:nvSpPr>
+          <p:cNvPr id="113" name="Google Shape;113;p27"/>
+          <p:cNvSpPr txBox="1"/>
+          <p:nvPr/>
+        </p:nvSpPr>
+        <p:spPr>
+          <a:xfrm>
+            <a:off x="281506" y="1251900"/>
+            <a:ext cx="8580987" cy="2639700"/>
+          </a:xfrm>
+          <a:prstGeom prst="rect">
+            <a:avLst/>
+          </a:prstGeom>
+          <a:noFill/>
+          <a:ln>
+            <a:noFill/>
+          </a:ln>
+        </p:spPr>
+        <p:txBody>
+          <a:bodyPr spcFirstLastPara="1" wrap="square" lIns="91425" tIns="91425" rIns="91425" bIns="91425" anchor="t" anchorCtr="0">
+            <a:noAutofit/>
+          </a:bodyPr>
+          <a:lstStyle/>
+          <a:p>
+            <a:pPr marL="0" lvl="0" indent="0" algn="r" rtl="0">
+              <a:spcBef>
+                <a:spcPts val="0"/>
+              </a:spcBef>
+              <a:spcAft>
+                <a:spcPts val="0"/>
+              </a:spcAft>
+              <a:buNone/>
+            </a:pPr>
+            <a:endParaRPr sz="1600" i="1" dirty="0">
+              <a:solidFill>
+                <a:srgbClr val="FFFFFF"/>
+              </a:solidFill>
+              <a:latin typeface="Montserrat" panose="00000500000000000000"/>
+              <a:ea typeface="Montserrat" panose="00000500000000000000"/>
+              <a:cs typeface="Montserrat" panose="00000500000000000000"/>
+              <a:sym typeface="Montserrat" panose="00000500000000000000"/>
+            </a:endParaRPr>
+          </a:p>
+          <a:p>
+            <a:pPr marL="0" lvl="0" indent="0" algn="r" rtl="0">
+              <a:spcBef>
+                <a:spcPts val="0"/>
+              </a:spcBef>
+              <a:spcAft>
+                <a:spcPts val="0"/>
+              </a:spcAft>
+              <a:buNone/>
+            </a:pPr>
+            <a:endParaRPr sz="2400" dirty="0">
+              <a:solidFill>
+                <a:srgbClr val="FFFFFF"/>
+              </a:solidFill>
+              <a:latin typeface="Nunito Sans" panose="00000500000000000000"/>
+              <a:ea typeface="Nunito Sans" panose="00000500000000000000"/>
+              <a:cs typeface="Nunito Sans" panose="00000500000000000000"/>
+              <a:sym typeface="Nunito Sans" panose="00000500000000000000"/>
+            </a:endParaRPr>
+          </a:p>
+          <a:p>
+            <a:pPr marL="0" lvl="0" indent="0" algn="r" rtl="0">
+              <a:spcBef>
+                <a:spcPts val="0"/>
+              </a:spcBef>
+              <a:spcAft>
+                <a:spcPts val="0"/>
+              </a:spcAft>
+              <a:buNone/>
+            </a:pPr>
+            <a:r>
+              <a:rPr lang="en-US" sz="3400" dirty="0" smtClean="0">
+                <a:solidFill>
+                  <a:srgbClr val="96B51A"/>
+                </a:solidFill>
+                <a:latin typeface="Droid Sans"/>
+                <a:ea typeface="Droid Sans"/>
+                <a:cs typeface="Droid Sans"/>
+                <a:sym typeface="Droid Sans"/>
+              </a:rPr>
+              <a:t>Strategy </a:t>
+            </a:r>
+            <a:r>
+              <a:rPr lang="en-US" sz="3400" dirty="0" smtClean="0">
+                <a:solidFill>
+                  <a:srgbClr val="96B51A"/>
+                </a:solidFill>
+                <a:latin typeface="Droid Sans"/>
+                <a:ea typeface="Droid Sans"/>
+                <a:cs typeface="Droid Sans"/>
+                <a:sym typeface="Droid Sans"/>
+              </a:rPr>
+              <a:t>Pattern</a:t>
+            </a:r>
+            <a:endParaRPr i="1" dirty="0">
+              <a:solidFill>
+                <a:srgbClr val="FFFFFF"/>
+              </a:solidFill>
+              <a:latin typeface="Montserrat" panose="00000500000000000000"/>
+              <a:ea typeface="Montserrat" panose="00000500000000000000"/>
+              <a:cs typeface="Montserrat" panose="00000500000000000000"/>
+              <a:sym typeface="Montserrat" panose="00000500000000000000"/>
+            </a:endParaRPr>
+          </a:p>
+        </p:txBody>
+      </p:sp>
+    </p:spTree>
+    <p:extLst>
+      <p:ext uri="{BB962C8B-B14F-4D97-AF65-F5344CB8AC3E}">
+        <p14:creationId xmlns:p14="http://schemas.microsoft.com/office/powerpoint/2010/main" val="1461402011"/>
+      </p:ext>
+    </p:extLst>
+  </p:cSld>
+  <p:clrMapOvr>
+    <a:masterClrMapping/>
+  </p:clrMapOvr>
+  <p:timing>
+    <p:tnLst>
+      <p:par>
+        <p:cTn id="1" dur="indefinite" restart="never" nodeType="tmRoot"/>
+      </p:par>
+    </p:tnLst>
+  </p:timing>
+</p:sld>
+</file>
+
+<file path=ppt/slides/slide14.xml><?xml version="1.0" encoding="utf-8"?>
+<p:sld xmlns:a="http://schemas.openxmlformats.org/drawingml/2006/main" xmlns:r="http://schemas.openxmlformats.org/officeDocument/2006/relationships" xmlns:p="http://schemas.openxmlformats.org/presentationml/2006/main">
+  <p:cSld>
+    <p:bg>
+      <p:bgPr>
+        <a:solidFill>
+          <a:srgbClr val="000000"/>
+        </a:solidFill>
+        <a:effectLst/>
+      </p:bgPr>
+    </p:bg>
+    <p:spTree>
+      <p:nvGrpSpPr>
+        <p:cNvPr id="1" name="Shape 117"/>
+        <p:cNvGrpSpPr/>
+        <p:nvPr/>
+      </p:nvGrpSpPr>
+      <p:grpSpPr>
+        <a:xfrm>
+          <a:off x="0" y="0"/>
+          <a:ext cx="0" cy="0"/>
+          <a:chOff x="0" y="0"/>
+          <a:chExt cx="0" cy="0"/>
+        </a:xfrm>
+      </p:grpSpPr>
+      <p:sp>
+        <p:nvSpPr>
+          <p:cNvPr id="118" name="Google Shape;118;p28"/>
+          <p:cNvSpPr txBox="1"/>
+          <p:nvPr/>
+        </p:nvSpPr>
+        <p:spPr>
+          <a:xfrm>
+            <a:off x="142509" y="1467230"/>
+            <a:ext cx="3577800" cy="2492984"/>
+          </a:xfrm>
+          <a:prstGeom prst="rect">
+            <a:avLst/>
+          </a:prstGeom>
+          <a:noFill/>
+          <a:ln>
+            <a:noFill/>
+          </a:ln>
+        </p:spPr>
+        <p:txBody>
+          <a:bodyPr spcFirstLastPara="1" wrap="square" lIns="91425" tIns="91425" rIns="91425" bIns="91425" anchor="t" anchorCtr="0">
+            <a:noAutofit/>
+          </a:bodyPr>
+          <a:lstStyle/>
+          <a:p>
+            <a:pPr marL="457200" indent="-311150" algn="just">
+              <a:buClr>
+                <a:srgbClr val="FFFFFF"/>
+              </a:buClr>
+              <a:buSzPts val="1300"/>
+              <a:buFont typeface="Nunito Sans" panose="00000500000000000000"/>
+              <a:buChar char="●"/>
+            </a:pPr>
+            <a:r>
+              <a:rPr lang="es-CO" sz="1300" dirty="0" err="1" smtClean="0">
+                <a:solidFill>
+                  <a:srgbClr val="FFFFFF"/>
+                </a:solidFill>
+                <a:latin typeface="Nunito Sans" panose="00000500000000000000"/>
+                <a:ea typeface="Nunito Sans" panose="00000500000000000000"/>
+                <a:cs typeface="Nunito Sans" panose="00000500000000000000"/>
+                <a:sym typeface="Nunito Sans" panose="00000500000000000000"/>
+              </a:rPr>
+              <a:t>This</a:t>
+            </a:r>
+            <a:r>
+              <a:rPr lang="es-CO" sz="1300" dirty="0" smtClean="0">
+                <a:solidFill>
+                  <a:srgbClr val="FFFFFF"/>
+                </a:solidFill>
+                <a:latin typeface="Nunito Sans" panose="00000500000000000000"/>
+                <a:ea typeface="Nunito Sans" panose="00000500000000000000"/>
+                <a:cs typeface="Nunito Sans" panose="00000500000000000000"/>
+                <a:sym typeface="Nunito Sans" panose="00000500000000000000"/>
+              </a:rPr>
+              <a:t> </a:t>
+            </a:r>
+            <a:r>
+              <a:rPr lang="es-CO" sz="1300" dirty="0" err="1" smtClean="0">
+                <a:solidFill>
+                  <a:srgbClr val="FFFFFF"/>
+                </a:solidFill>
+                <a:latin typeface="Nunito Sans" panose="00000500000000000000"/>
+                <a:ea typeface="Nunito Sans" panose="00000500000000000000"/>
+                <a:cs typeface="Nunito Sans" panose="00000500000000000000"/>
+                <a:sym typeface="Nunito Sans" panose="00000500000000000000"/>
+              </a:rPr>
+              <a:t>pattern</a:t>
+            </a:r>
+            <a:r>
+              <a:rPr lang="es-CO" sz="1300" dirty="0" smtClean="0">
+                <a:solidFill>
+                  <a:srgbClr val="FFFFFF"/>
+                </a:solidFill>
+                <a:latin typeface="Nunito Sans" panose="00000500000000000000"/>
+                <a:ea typeface="Nunito Sans" panose="00000500000000000000"/>
+                <a:cs typeface="Nunito Sans" panose="00000500000000000000"/>
+                <a:sym typeface="Nunito Sans" panose="00000500000000000000"/>
+              </a:rPr>
+              <a:t> can be </a:t>
+            </a:r>
+            <a:r>
+              <a:rPr lang="es-CO" sz="1300" dirty="0" err="1" smtClean="0">
+                <a:solidFill>
+                  <a:srgbClr val="FFFFFF"/>
+                </a:solidFill>
+                <a:latin typeface="Nunito Sans" panose="00000500000000000000"/>
+                <a:ea typeface="Nunito Sans" panose="00000500000000000000"/>
+                <a:cs typeface="Nunito Sans" panose="00000500000000000000"/>
+                <a:sym typeface="Nunito Sans" panose="00000500000000000000"/>
+              </a:rPr>
+              <a:t>used</a:t>
+            </a:r>
+            <a:r>
+              <a:rPr lang="es-CO" sz="1300" dirty="0" smtClean="0">
+                <a:solidFill>
+                  <a:srgbClr val="FFFFFF"/>
+                </a:solidFill>
+                <a:latin typeface="Nunito Sans" panose="00000500000000000000"/>
+                <a:ea typeface="Nunito Sans" panose="00000500000000000000"/>
+                <a:cs typeface="Nunito Sans" panose="00000500000000000000"/>
+                <a:sym typeface="Nunito Sans" panose="00000500000000000000"/>
+              </a:rPr>
+              <a:t> </a:t>
+            </a:r>
+            <a:r>
+              <a:rPr lang="es-CO" sz="1300" dirty="0" err="1" smtClean="0">
+                <a:solidFill>
+                  <a:srgbClr val="FFFFFF"/>
+                </a:solidFill>
+                <a:latin typeface="Nunito Sans" panose="00000500000000000000"/>
+                <a:ea typeface="Nunito Sans" panose="00000500000000000000"/>
+                <a:cs typeface="Nunito Sans" panose="00000500000000000000"/>
+                <a:sym typeface="Nunito Sans" panose="00000500000000000000"/>
+              </a:rPr>
+              <a:t>when</a:t>
+            </a:r>
+            <a:r>
+              <a:rPr lang="es-CO" sz="1300" dirty="0" smtClean="0">
+                <a:solidFill>
+                  <a:srgbClr val="FFFFFF"/>
+                </a:solidFill>
+                <a:latin typeface="Nunito Sans" panose="00000500000000000000"/>
+                <a:ea typeface="Nunito Sans" panose="00000500000000000000"/>
+                <a:cs typeface="Nunito Sans" panose="00000500000000000000"/>
+                <a:sym typeface="Nunito Sans" panose="00000500000000000000"/>
+              </a:rPr>
+              <a:t> </a:t>
+            </a:r>
+            <a:r>
+              <a:rPr lang="es-CO" sz="1300" dirty="0" err="1" smtClean="0">
+                <a:solidFill>
+                  <a:srgbClr val="FFFFFF"/>
+                </a:solidFill>
+                <a:latin typeface="Nunito Sans" panose="00000500000000000000"/>
+                <a:ea typeface="Nunito Sans" panose="00000500000000000000"/>
+                <a:cs typeface="Nunito Sans" panose="00000500000000000000"/>
+                <a:sym typeface="Nunito Sans" panose="00000500000000000000"/>
+              </a:rPr>
+              <a:t>you</a:t>
+            </a:r>
+            <a:r>
+              <a:rPr lang="es-CO" sz="1300" dirty="0" smtClean="0">
+                <a:solidFill>
+                  <a:srgbClr val="FFFFFF"/>
+                </a:solidFill>
+                <a:latin typeface="Nunito Sans" panose="00000500000000000000"/>
+                <a:ea typeface="Nunito Sans" panose="00000500000000000000"/>
+                <a:cs typeface="Nunito Sans" panose="00000500000000000000"/>
+                <a:sym typeface="Nunito Sans" panose="00000500000000000000"/>
+              </a:rPr>
+              <a:t> </a:t>
+            </a:r>
+            <a:r>
+              <a:rPr lang="es-CO" sz="1300" dirty="0" err="1" smtClean="0">
+                <a:solidFill>
+                  <a:srgbClr val="FFFFFF"/>
+                </a:solidFill>
+                <a:latin typeface="Nunito Sans" panose="00000500000000000000"/>
+                <a:ea typeface="Nunito Sans" panose="00000500000000000000"/>
+                <a:cs typeface="Nunito Sans" panose="00000500000000000000"/>
+                <a:sym typeface="Nunito Sans" panose="00000500000000000000"/>
+              </a:rPr>
+              <a:t>want</a:t>
+            </a:r>
+            <a:r>
+              <a:rPr lang="es-CO" sz="1300" dirty="0" smtClean="0">
+                <a:solidFill>
+                  <a:srgbClr val="FFFFFF"/>
+                </a:solidFill>
+                <a:latin typeface="Nunito Sans" panose="00000500000000000000"/>
+                <a:ea typeface="Nunito Sans" panose="00000500000000000000"/>
+                <a:cs typeface="Nunito Sans" panose="00000500000000000000"/>
+                <a:sym typeface="Nunito Sans" panose="00000500000000000000"/>
+              </a:rPr>
+              <a:t> to </a:t>
+            </a:r>
+            <a:r>
+              <a:rPr lang="es-CO" sz="1300" dirty="0" err="1" smtClean="0">
+                <a:solidFill>
+                  <a:srgbClr val="FFFFFF"/>
+                </a:solidFill>
+                <a:latin typeface="Nunito Sans" panose="00000500000000000000"/>
+                <a:ea typeface="Nunito Sans" panose="00000500000000000000"/>
+                <a:cs typeface="Nunito Sans" panose="00000500000000000000"/>
+                <a:sym typeface="Nunito Sans" panose="00000500000000000000"/>
+              </a:rPr>
+              <a:t>perform</a:t>
+            </a:r>
+            <a:r>
+              <a:rPr lang="es-CO" sz="1300" dirty="0" smtClean="0">
+                <a:solidFill>
+                  <a:srgbClr val="FFFFFF"/>
+                </a:solidFill>
+                <a:latin typeface="Nunito Sans" panose="00000500000000000000"/>
+                <a:ea typeface="Nunito Sans" panose="00000500000000000000"/>
+                <a:cs typeface="Nunito Sans" panose="00000500000000000000"/>
+                <a:sym typeface="Nunito Sans" panose="00000500000000000000"/>
+              </a:rPr>
+              <a:t> a </a:t>
+            </a:r>
+            <a:r>
+              <a:rPr lang="es-CO" sz="1300" dirty="0" err="1" smtClean="0">
+                <a:solidFill>
+                  <a:srgbClr val="FFFFFF"/>
+                </a:solidFill>
+                <a:latin typeface="Nunito Sans" panose="00000500000000000000"/>
+                <a:ea typeface="Nunito Sans" panose="00000500000000000000"/>
+                <a:cs typeface="Nunito Sans" panose="00000500000000000000"/>
+                <a:sym typeface="Nunito Sans" panose="00000500000000000000"/>
+              </a:rPr>
+              <a:t>function</a:t>
+            </a:r>
+            <a:r>
+              <a:rPr lang="es-CO" sz="1300" dirty="0" smtClean="0">
+                <a:solidFill>
+                  <a:srgbClr val="FFFFFF"/>
+                </a:solidFill>
+                <a:latin typeface="Nunito Sans" panose="00000500000000000000"/>
+                <a:ea typeface="Nunito Sans" panose="00000500000000000000"/>
+                <a:cs typeface="Nunito Sans" panose="00000500000000000000"/>
+                <a:sym typeface="Nunito Sans" panose="00000500000000000000"/>
+              </a:rPr>
+              <a:t>, </a:t>
+            </a:r>
+            <a:r>
+              <a:rPr lang="es-CO" sz="1300" dirty="0" err="1" smtClean="0">
+                <a:solidFill>
+                  <a:srgbClr val="FFFFFF"/>
+                </a:solidFill>
+                <a:latin typeface="Nunito Sans" panose="00000500000000000000"/>
+                <a:ea typeface="Nunito Sans" panose="00000500000000000000"/>
+                <a:cs typeface="Nunito Sans" panose="00000500000000000000"/>
+                <a:sym typeface="Nunito Sans" panose="00000500000000000000"/>
+              </a:rPr>
+              <a:t>but</a:t>
+            </a:r>
+            <a:r>
+              <a:rPr lang="es-CO" sz="1300" dirty="0" smtClean="0">
+                <a:solidFill>
+                  <a:srgbClr val="FFFFFF"/>
+                </a:solidFill>
+                <a:latin typeface="Nunito Sans" panose="00000500000000000000"/>
+                <a:ea typeface="Nunito Sans" panose="00000500000000000000"/>
+                <a:cs typeface="Nunito Sans" panose="00000500000000000000"/>
+                <a:sym typeface="Nunito Sans" panose="00000500000000000000"/>
+              </a:rPr>
+              <a:t> </a:t>
+            </a:r>
+            <a:r>
+              <a:rPr lang="es-CO" sz="1300" dirty="0" err="1" smtClean="0">
+                <a:solidFill>
+                  <a:srgbClr val="FFFFFF"/>
+                </a:solidFill>
+                <a:latin typeface="Nunito Sans" panose="00000500000000000000"/>
+                <a:ea typeface="Nunito Sans" panose="00000500000000000000"/>
+                <a:cs typeface="Nunito Sans" panose="00000500000000000000"/>
+                <a:sym typeface="Nunito Sans" panose="00000500000000000000"/>
+              </a:rPr>
+              <a:t>you</a:t>
+            </a:r>
+            <a:r>
+              <a:rPr lang="es-CO" sz="1300" dirty="0" smtClean="0">
+                <a:solidFill>
+                  <a:srgbClr val="FFFFFF"/>
+                </a:solidFill>
+                <a:latin typeface="Nunito Sans" panose="00000500000000000000"/>
+                <a:ea typeface="Nunito Sans" panose="00000500000000000000"/>
+                <a:cs typeface="Nunito Sans" panose="00000500000000000000"/>
+                <a:sym typeface="Nunito Sans" panose="00000500000000000000"/>
+              </a:rPr>
+              <a:t> </a:t>
+            </a:r>
+            <a:r>
+              <a:rPr lang="es-CO" sz="1300" dirty="0" err="1" smtClean="0">
+                <a:solidFill>
+                  <a:srgbClr val="FFFFFF"/>
+                </a:solidFill>
+                <a:latin typeface="Nunito Sans" panose="00000500000000000000"/>
+                <a:ea typeface="Nunito Sans" panose="00000500000000000000"/>
+                <a:cs typeface="Nunito Sans" panose="00000500000000000000"/>
+                <a:sym typeface="Nunito Sans" panose="00000500000000000000"/>
+              </a:rPr>
+              <a:t>might</a:t>
+            </a:r>
+            <a:r>
+              <a:rPr lang="es-CO" sz="1300" dirty="0" smtClean="0">
+                <a:solidFill>
+                  <a:srgbClr val="FFFFFF"/>
+                </a:solidFill>
+                <a:latin typeface="Nunito Sans" panose="00000500000000000000"/>
+                <a:ea typeface="Nunito Sans" panose="00000500000000000000"/>
+                <a:cs typeface="Nunito Sans" panose="00000500000000000000"/>
+                <a:sym typeface="Nunito Sans" panose="00000500000000000000"/>
+              </a:rPr>
+              <a:t> use </a:t>
+            </a:r>
+            <a:r>
+              <a:rPr lang="es-CO" sz="1300" dirty="0" err="1" smtClean="0">
+                <a:solidFill>
+                  <a:srgbClr val="FFFFFF"/>
+                </a:solidFill>
+                <a:latin typeface="Nunito Sans" panose="00000500000000000000"/>
+                <a:ea typeface="Nunito Sans" panose="00000500000000000000"/>
+                <a:cs typeface="Nunito Sans" panose="00000500000000000000"/>
+                <a:sym typeface="Nunito Sans" panose="00000500000000000000"/>
+              </a:rPr>
+              <a:t>different</a:t>
+            </a:r>
+            <a:r>
+              <a:rPr lang="es-CO" sz="1300" dirty="0" smtClean="0">
+                <a:solidFill>
+                  <a:srgbClr val="FFFFFF"/>
+                </a:solidFill>
+                <a:latin typeface="Nunito Sans" panose="00000500000000000000"/>
+                <a:ea typeface="Nunito Sans" panose="00000500000000000000"/>
+                <a:cs typeface="Nunito Sans" panose="00000500000000000000"/>
+                <a:sym typeface="Nunito Sans" panose="00000500000000000000"/>
+              </a:rPr>
+              <a:t> </a:t>
+            </a:r>
+            <a:r>
+              <a:rPr lang="es-CO" sz="1300" dirty="0" err="1" smtClean="0">
+                <a:solidFill>
+                  <a:srgbClr val="FFFFFF"/>
+                </a:solidFill>
+                <a:latin typeface="Nunito Sans" panose="00000500000000000000"/>
+                <a:ea typeface="Nunito Sans" panose="00000500000000000000"/>
+                <a:cs typeface="Nunito Sans" panose="00000500000000000000"/>
+                <a:sym typeface="Nunito Sans" panose="00000500000000000000"/>
+              </a:rPr>
+              <a:t>techniques</a:t>
+            </a:r>
+            <a:r>
+              <a:rPr lang="es-CO" sz="1300" dirty="0" smtClean="0">
+                <a:solidFill>
+                  <a:srgbClr val="FFFFFF"/>
+                </a:solidFill>
+                <a:latin typeface="Nunito Sans" panose="00000500000000000000"/>
+                <a:ea typeface="Nunito Sans" panose="00000500000000000000"/>
+                <a:cs typeface="Nunito Sans" panose="00000500000000000000"/>
+                <a:sym typeface="Nunito Sans" panose="00000500000000000000"/>
+              </a:rPr>
+              <a:t>.</a:t>
+            </a:r>
+          </a:p>
+          <a:p>
+            <a:pPr marL="457200" indent="-311150" algn="just">
+              <a:buClr>
+                <a:srgbClr val="FFFFFF"/>
+              </a:buClr>
+              <a:buSzPts val="1300"/>
+              <a:buFont typeface="Nunito Sans" panose="00000500000000000000"/>
+              <a:buChar char="●"/>
+            </a:pPr>
+            <a:endParaRPr lang="es-CO" sz="1300" dirty="0" smtClean="0">
+              <a:solidFill>
+                <a:srgbClr val="FFFFFF"/>
+              </a:solidFill>
+              <a:latin typeface="Nunito Sans" panose="00000500000000000000"/>
+              <a:ea typeface="Nunito Sans" panose="00000500000000000000"/>
+              <a:cs typeface="Nunito Sans" panose="00000500000000000000"/>
+              <a:sym typeface="Nunito Sans" panose="00000500000000000000"/>
+            </a:endParaRPr>
+          </a:p>
+          <a:p>
+            <a:pPr marL="457200" indent="-311150" algn="just">
+              <a:buClr>
+                <a:srgbClr val="FFFFFF"/>
+              </a:buClr>
+              <a:buSzPts val="1300"/>
+              <a:buFont typeface="Nunito Sans" panose="00000500000000000000"/>
+              <a:buChar char="●"/>
+            </a:pPr>
+            <a:r>
+              <a:rPr lang="es-CO" sz="1300" dirty="0" smtClean="0">
+                <a:solidFill>
+                  <a:srgbClr val="FFFFFF"/>
+                </a:solidFill>
+                <a:latin typeface="Nunito Sans" panose="00000500000000000000"/>
+                <a:ea typeface="Nunito Sans" panose="00000500000000000000"/>
+                <a:cs typeface="Nunito Sans" panose="00000500000000000000"/>
+                <a:sym typeface="Nunito Sans" panose="00000500000000000000"/>
+              </a:rPr>
+              <a:t>Define a </a:t>
+            </a:r>
+            <a:r>
+              <a:rPr lang="es-CO" sz="1300" dirty="0" err="1" smtClean="0">
+                <a:solidFill>
+                  <a:srgbClr val="FFFFFF"/>
+                </a:solidFill>
+                <a:latin typeface="Nunito Sans" panose="00000500000000000000"/>
+                <a:ea typeface="Nunito Sans" panose="00000500000000000000"/>
+                <a:cs typeface="Nunito Sans" panose="00000500000000000000"/>
+                <a:sym typeface="Nunito Sans" panose="00000500000000000000"/>
+              </a:rPr>
+              <a:t>family</a:t>
+            </a:r>
+            <a:r>
+              <a:rPr lang="es-CO" sz="1300" dirty="0" smtClean="0">
+                <a:solidFill>
+                  <a:srgbClr val="FFFFFF"/>
+                </a:solidFill>
+                <a:latin typeface="Nunito Sans" panose="00000500000000000000"/>
+                <a:ea typeface="Nunito Sans" panose="00000500000000000000"/>
+                <a:cs typeface="Nunito Sans" panose="00000500000000000000"/>
+                <a:sym typeface="Nunito Sans" panose="00000500000000000000"/>
+              </a:rPr>
+              <a:t> of </a:t>
+            </a:r>
+            <a:r>
+              <a:rPr lang="es-CO" sz="1300" dirty="0" err="1" smtClean="0">
+                <a:solidFill>
+                  <a:srgbClr val="FFFFFF"/>
+                </a:solidFill>
+                <a:latin typeface="Nunito Sans" panose="00000500000000000000"/>
+                <a:ea typeface="Nunito Sans" panose="00000500000000000000"/>
+                <a:cs typeface="Nunito Sans" panose="00000500000000000000"/>
+                <a:sym typeface="Nunito Sans" panose="00000500000000000000"/>
+              </a:rPr>
+              <a:t>algorithms</a:t>
+            </a:r>
+            <a:r>
+              <a:rPr lang="es-CO" sz="1300" dirty="0" smtClean="0">
+                <a:solidFill>
+                  <a:srgbClr val="FFFFFF"/>
+                </a:solidFill>
+                <a:latin typeface="Nunito Sans" panose="00000500000000000000"/>
+                <a:ea typeface="Nunito Sans" panose="00000500000000000000"/>
+                <a:cs typeface="Nunito Sans" panose="00000500000000000000"/>
+                <a:sym typeface="Nunito Sans" panose="00000500000000000000"/>
+              </a:rPr>
+              <a:t>, </a:t>
+            </a:r>
+            <a:r>
+              <a:rPr lang="es-CO" sz="1300" dirty="0" err="1" smtClean="0">
+                <a:solidFill>
+                  <a:srgbClr val="FFFFFF"/>
+                </a:solidFill>
+                <a:latin typeface="Nunito Sans" panose="00000500000000000000"/>
+                <a:ea typeface="Nunito Sans" panose="00000500000000000000"/>
+                <a:cs typeface="Nunito Sans" panose="00000500000000000000"/>
+                <a:sym typeface="Nunito Sans" panose="00000500000000000000"/>
+              </a:rPr>
+              <a:t>encapsulate</a:t>
+            </a:r>
+            <a:r>
+              <a:rPr lang="es-CO" sz="1300" dirty="0" smtClean="0">
+                <a:solidFill>
+                  <a:srgbClr val="FFFFFF"/>
+                </a:solidFill>
+                <a:latin typeface="Nunito Sans" panose="00000500000000000000"/>
+                <a:ea typeface="Nunito Sans" panose="00000500000000000000"/>
+                <a:cs typeface="Nunito Sans" panose="00000500000000000000"/>
+                <a:sym typeface="Nunito Sans" panose="00000500000000000000"/>
+              </a:rPr>
+              <a:t> </a:t>
+            </a:r>
+            <a:r>
+              <a:rPr lang="es-CO" sz="1300" dirty="0" err="1" smtClean="0">
+                <a:solidFill>
+                  <a:srgbClr val="FFFFFF"/>
+                </a:solidFill>
+                <a:latin typeface="Nunito Sans" panose="00000500000000000000"/>
+                <a:ea typeface="Nunito Sans" panose="00000500000000000000"/>
+                <a:cs typeface="Nunito Sans" panose="00000500000000000000"/>
+                <a:sym typeface="Nunito Sans" panose="00000500000000000000"/>
+              </a:rPr>
+              <a:t>each</a:t>
+            </a:r>
+            <a:r>
+              <a:rPr lang="es-CO" sz="1300" dirty="0" smtClean="0">
+                <a:solidFill>
+                  <a:srgbClr val="FFFFFF"/>
+                </a:solidFill>
+                <a:latin typeface="Nunito Sans" panose="00000500000000000000"/>
+                <a:ea typeface="Nunito Sans" panose="00000500000000000000"/>
+                <a:cs typeface="Nunito Sans" panose="00000500000000000000"/>
+                <a:sym typeface="Nunito Sans" panose="00000500000000000000"/>
+              </a:rPr>
+              <a:t> </a:t>
+            </a:r>
+            <a:r>
+              <a:rPr lang="es-CO" sz="1300" dirty="0" err="1" smtClean="0">
+                <a:solidFill>
+                  <a:srgbClr val="FFFFFF"/>
+                </a:solidFill>
+                <a:latin typeface="Nunito Sans" panose="00000500000000000000"/>
+                <a:ea typeface="Nunito Sans" panose="00000500000000000000"/>
+                <a:cs typeface="Nunito Sans" panose="00000500000000000000"/>
+                <a:sym typeface="Nunito Sans" panose="00000500000000000000"/>
+              </a:rPr>
+              <a:t>one</a:t>
+            </a:r>
+            <a:r>
+              <a:rPr lang="es-CO" sz="1300" dirty="0" smtClean="0">
+                <a:solidFill>
+                  <a:srgbClr val="FFFFFF"/>
+                </a:solidFill>
+                <a:latin typeface="Nunito Sans" panose="00000500000000000000"/>
+                <a:ea typeface="Nunito Sans" panose="00000500000000000000"/>
+                <a:cs typeface="Nunito Sans" panose="00000500000000000000"/>
+                <a:sym typeface="Nunito Sans" panose="00000500000000000000"/>
+              </a:rPr>
+              <a:t>, and </a:t>
+            </a:r>
+            <a:r>
+              <a:rPr lang="es-CO" sz="1300" dirty="0" err="1" smtClean="0">
+                <a:solidFill>
+                  <a:srgbClr val="FFFFFF"/>
+                </a:solidFill>
+                <a:latin typeface="Nunito Sans" panose="00000500000000000000"/>
+                <a:ea typeface="Nunito Sans" panose="00000500000000000000"/>
+                <a:cs typeface="Nunito Sans" panose="00000500000000000000"/>
+                <a:sym typeface="Nunito Sans" panose="00000500000000000000"/>
+              </a:rPr>
+              <a:t>make</a:t>
+            </a:r>
+            <a:r>
+              <a:rPr lang="es-CO" sz="1300" dirty="0" smtClean="0">
+                <a:solidFill>
+                  <a:srgbClr val="FFFFFF"/>
+                </a:solidFill>
+                <a:latin typeface="Nunito Sans" panose="00000500000000000000"/>
+                <a:ea typeface="Nunito Sans" panose="00000500000000000000"/>
+                <a:cs typeface="Nunito Sans" panose="00000500000000000000"/>
+                <a:sym typeface="Nunito Sans" panose="00000500000000000000"/>
+              </a:rPr>
+              <a:t> </a:t>
+            </a:r>
+            <a:r>
+              <a:rPr lang="es-CO" sz="1300" dirty="0" err="1" smtClean="0">
+                <a:solidFill>
+                  <a:srgbClr val="FFFFFF"/>
+                </a:solidFill>
+                <a:latin typeface="Nunito Sans" panose="00000500000000000000"/>
+                <a:ea typeface="Nunito Sans" panose="00000500000000000000"/>
+                <a:cs typeface="Nunito Sans" panose="00000500000000000000"/>
+                <a:sym typeface="Nunito Sans" panose="00000500000000000000"/>
+              </a:rPr>
+              <a:t>them</a:t>
+            </a:r>
+            <a:r>
+              <a:rPr lang="es-CO" sz="1300" dirty="0" smtClean="0">
+                <a:solidFill>
+                  <a:srgbClr val="FFFFFF"/>
+                </a:solidFill>
+                <a:latin typeface="Nunito Sans" panose="00000500000000000000"/>
+                <a:ea typeface="Nunito Sans" panose="00000500000000000000"/>
+                <a:cs typeface="Nunito Sans" panose="00000500000000000000"/>
+                <a:sym typeface="Nunito Sans" panose="00000500000000000000"/>
+              </a:rPr>
+              <a:t> </a:t>
+            </a:r>
+            <a:r>
+              <a:rPr lang="es-CO" sz="1300" dirty="0" err="1" smtClean="0">
+                <a:solidFill>
+                  <a:srgbClr val="FFFFFF"/>
+                </a:solidFill>
+                <a:latin typeface="Nunito Sans" panose="00000500000000000000"/>
+                <a:ea typeface="Nunito Sans" panose="00000500000000000000"/>
+                <a:cs typeface="Nunito Sans" panose="00000500000000000000"/>
+                <a:sym typeface="Nunito Sans" panose="00000500000000000000"/>
+              </a:rPr>
+              <a:t>interchangeable</a:t>
+            </a:r>
+            <a:r>
+              <a:rPr lang="es-CO" sz="1300" dirty="0" smtClean="0">
+                <a:solidFill>
+                  <a:srgbClr val="FFFFFF"/>
+                </a:solidFill>
+                <a:latin typeface="Nunito Sans" panose="00000500000000000000"/>
+                <a:ea typeface="Nunito Sans" panose="00000500000000000000"/>
+                <a:cs typeface="Nunito Sans" panose="00000500000000000000"/>
+                <a:sym typeface="Nunito Sans" panose="00000500000000000000"/>
+              </a:rPr>
+              <a:t>. </a:t>
+            </a:r>
+          </a:p>
+          <a:p>
+            <a:pPr marL="457200" indent="-311150" algn="just">
+              <a:buClr>
+                <a:srgbClr val="FFFFFF"/>
+              </a:buClr>
+              <a:buSzPts val="1300"/>
+              <a:buFont typeface="Nunito Sans" panose="00000500000000000000"/>
+              <a:buChar char="●"/>
+            </a:pPr>
+            <a:endParaRPr lang="es-CO" sz="1300" dirty="0" smtClean="0">
+              <a:solidFill>
+                <a:srgbClr val="FFFFFF"/>
+              </a:solidFill>
+              <a:latin typeface="Nunito Sans" panose="00000500000000000000"/>
+              <a:ea typeface="Nunito Sans" panose="00000500000000000000"/>
+              <a:cs typeface="Nunito Sans" panose="00000500000000000000"/>
+              <a:sym typeface="Nunito Sans" panose="00000500000000000000"/>
+            </a:endParaRPr>
+          </a:p>
+          <a:p>
+            <a:pPr marL="457200" indent="-311150" algn="just">
+              <a:buClr>
+                <a:srgbClr val="FFFFFF"/>
+              </a:buClr>
+              <a:buSzPts val="1300"/>
+              <a:buFont typeface="Nunito Sans" panose="00000500000000000000"/>
+              <a:buChar char="●"/>
+            </a:pPr>
+            <a:r>
+              <a:rPr lang="es-CO" sz="1300" dirty="0" err="1" smtClean="0">
+                <a:solidFill>
+                  <a:srgbClr val="FFFFFF"/>
+                </a:solidFill>
+                <a:latin typeface="Nunito Sans" panose="00000500000000000000"/>
+                <a:ea typeface="Nunito Sans" panose="00000500000000000000"/>
+                <a:cs typeface="Nunito Sans" panose="00000500000000000000"/>
+                <a:sym typeface="Nunito Sans" panose="00000500000000000000"/>
+              </a:rPr>
+              <a:t>Strategy</a:t>
+            </a:r>
+            <a:r>
+              <a:rPr lang="es-CO" sz="1300" dirty="0" smtClean="0">
+                <a:solidFill>
+                  <a:srgbClr val="FFFFFF"/>
+                </a:solidFill>
+                <a:latin typeface="Nunito Sans" panose="00000500000000000000"/>
+                <a:ea typeface="Nunito Sans" panose="00000500000000000000"/>
+                <a:cs typeface="Nunito Sans" panose="00000500000000000000"/>
+                <a:sym typeface="Nunito Sans" panose="00000500000000000000"/>
+              </a:rPr>
+              <a:t> </a:t>
+            </a:r>
+            <a:r>
+              <a:rPr lang="es-CO" sz="1300" dirty="0" err="1" smtClean="0">
+                <a:solidFill>
+                  <a:srgbClr val="FFFFFF"/>
+                </a:solidFill>
+                <a:latin typeface="Nunito Sans" panose="00000500000000000000"/>
+                <a:ea typeface="Nunito Sans" panose="00000500000000000000"/>
+                <a:cs typeface="Nunito Sans" panose="00000500000000000000"/>
+                <a:sym typeface="Nunito Sans" panose="00000500000000000000"/>
+              </a:rPr>
+              <a:t>lets</a:t>
+            </a:r>
+            <a:r>
+              <a:rPr lang="es-CO" sz="1300" dirty="0" smtClean="0">
+                <a:solidFill>
+                  <a:srgbClr val="FFFFFF"/>
+                </a:solidFill>
+                <a:latin typeface="Nunito Sans" panose="00000500000000000000"/>
+                <a:ea typeface="Nunito Sans" panose="00000500000000000000"/>
+                <a:cs typeface="Nunito Sans" panose="00000500000000000000"/>
+                <a:sym typeface="Nunito Sans" panose="00000500000000000000"/>
+              </a:rPr>
+              <a:t> </a:t>
+            </a:r>
+            <a:r>
+              <a:rPr lang="es-CO" sz="1300" dirty="0" err="1" smtClean="0">
+                <a:solidFill>
+                  <a:srgbClr val="FFFFFF"/>
+                </a:solidFill>
+                <a:latin typeface="Nunito Sans" panose="00000500000000000000"/>
+                <a:ea typeface="Nunito Sans" panose="00000500000000000000"/>
+                <a:cs typeface="Nunito Sans" panose="00000500000000000000"/>
+                <a:sym typeface="Nunito Sans" panose="00000500000000000000"/>
+              </a:rPr>
+              <a:t>the</a:t>
+            </a:r>
+            <a:r>
+              <a:rPr lang="es-CO" sz="1300" dirty="0" smtClean="0">
+                <a:solidFill>
+                  <a:srgbClr val="FFFFFF"/>
+                </a:solidFill>
+                <a:latin typeface="Nunito Sans" panose="00000500000000000000"/>
+                <a:ea typeface="Nunito Sans" panose="00000500000000000000"/>
+                <a:cs typeface="Nunito Sans" panose="00000500000000000000"/>
+                <a:sym typeface="Nunito Sans" panose="00000500000000000000"/>
+              </a:rPr>
+              <a:t> </a:t>
+            </a:r>
+            <a:r>
+              <a:rPr lang="es-CO" sz="1300" dirty="0" err="1" smtClean="0">
+                <a:solidFill>
+                  <a:srgbClr val="FFFFFF"/>
+                </a:solidFill>
+                <a:latin typeface="Nunito Sans" panose="00000500000000000000"/>
+                <a:ea typeface="Nunito Sans" panose="00000500000000000000"/>
+                <a:cs typeface="Nunito Sans" panose="00000500000000000000"/>
+                <a:sym typeface="Nunito Sans" panose="00000500000000000000"/>
+              </a:rPr>
+              <a:t>algorithm</a:t>
+            </a:r>
+            <a:r>
+              <a:rPr lang="es-CO" sz="1300" dirty="0" smtClean="0">
+                <a:solidFill>
+                  <a:srgbClr val="FFFFFF"/>
+                </a:solidFill>
+                <a:latin typeface="Nunito Sans" panose="00000500000000000000"/>
+                <a:ea typeface="Nunito Sans" panose="00000500000000000000"/>
+                <a:cs typeface="Nunito Sans" panose="00000500000000000000"/>
+                <a:sym typeface="Nunito Sans" panose="00000500000000000000"/>
+              </a:rPr>
+              <a:t> </a:t>
+            </a:r>
+            <a:r>
+              <a:rPr lang="es-CO" sz="1300" dirty="0" err="1" smtClean="0">
+                <a:solidFill>
+                  <a:srgbClr val="FFFFFF"/>
+                </a:solidFill>
+                <a:latin typeface="Nunito Sans" panose="00000500000000000000"/>
+                <a:ea typeface="Nunito Sans" panose="00000500000000000000"/>
+                <a:cs typeface="Nunito Sans" panose="00000500000000000000"/>
+                <a:sym typeface="Nunito Sans" panose="00000500000000000000"/>
+              </a:rPr>
+              <a:t>vary</a:t>
+            </a:r>
+            <a:r>
+              <a:rPr lang="es-CO" sz="1300" dirty="0" smtClean="0">
+                <a:solidFill>
+                  <a:srgbClr val="FFFFFF"/>
+                </a:solidFill>
+                <a:latin typeface="Nunito Sans" panose="00000500000000000000"/>
+                <a:ea typeface="Nunito Sans" panose="00000500000000000000"/>
+                <a:cs typeface="Nunito Sans" panose="00000500000000000000"/>
+                <a:sym typeface="Nunito Sans" panose="00000500000000000000"/>
+              </a:rPr>
+              <a:t> </a:t>
+            </a:r>
+            <a:r>
+              <a:rPr lang="es-CO" sz="1300" dirty="0" err="1" smtClean="0">
+                <a:solidFill>
+                  <a:srgbClr val="FFFFFF"/>
+                </a:solidFill>
+                <a:latin typeface="Nunito Sans" panose="00000500000000000000"/>
+                <a:ea typeface="Nunito Sans" panose="00000500000000000000"/>
+                <a:cs typeface="Nunito Sans" panose="00000500000000000000"/>
+                <a:sym typeface="Nunito Sans" panose="00000500000000000000"/>
+              </a:rPr>
+              <a:t>independently</a:t>
+            </a:r>
+            <a:r>
+              <a:rPr lang="es-CO" sz="1300" dirty="0" smtClean="0">
+                <a:solidFill>
+                  <a:srgbClr val="FFFFFF"/>
+                </a:solidFill>
+                <a:latin typeface="Nunito Sans" panose="00000500000000000000"/>
+                <a:ea typeface="Nunito Sans" panose="00000500000000000000"/>
+                <a:cs typeface="Nunito Sans" panose="00000500000000000000"/>
+                <a:sym typeface="Nunito Sans" panose="00000500000000000000"/>
+              </a:rPr>
+              <a:t> </a:t>
+            </a:r>
+            <a:r>
+              <a:rPr lang="es-CO" sz="1300" dirty="0" err="1" smtClean="0">
+                <a:solidFill>
+                  <a:srgbClr val="FFFFFF"/>
+                </a:solidFill>
+                <a:latin typeface="Nunito Sans" panose="00000500000000000000"/>
+                <a:ea typeface="Nunito Sans" panose="00000500000000000000"/>
+                <a:cs typeface="Nunito Sans" panose="00000500000000000000"/>
+                <a:sym typeface="Nunito Sans" panose="00000500000000000000"/>
+              </a:rPr>
+              <a:t>from</a:t>
+            </a:r>
+            <a:r>
+              <a:rPr lang="es-CO" sz="1300" dirty="0" smtClean="0">
+                <a:solidFill>
+                  <a:srgbClr val="FFFFFF"/>
+                </a:solidFill>
+                <a:latin typeface="Nunito Sans" panose="00000500000000000000"/>
+                <a:ea typeface="Nunito Sans" panose="00000500000000000000"/>
+                <a:cs typeface="Nunito Sans" panose="00000500000000000000"/>
+                <a:sym typeface="Nunito Sans" panose="00000500000000000000"/>
+              </a:rPr>
+              <a:t> </a:t>
+            </a:r>
+            <a:r>
+              <a:rPr lang="es-CO" sz="1300" dirty="0" err="1" smtClean="0">
+                <a:solidFill>
+                  <a:srgbClr val="FFFFFF"/>
+                </a:solidFill>
+                <a:latin typeface="Nunito Sans" panose="00000500000000000000"/>
+                <a:ea typeface="Nunito Sans" panose="00000500000000000000"/>
+                <a:cs typeface="Nunito Sans" panose="00000500000000000000"/>
+                <a:sym typeface="Nunito Sans" panose="00000500000000000000"/>
+              </a:rPr>
+              <a:t>clients</a:t>
+            </a:r>
+            <a:r>
+              <a:rPr lang="es-CO" sz="1300" dirty="0" smtClean="0">
+                <a:solidFill>
+                  <a:srgbClr val="FFFFFF"/>
+                </a:solidFill>
+                <a:latin typeface="Nunito Sans" panose="00000500000000000000"/>
+                <a:ea typeface="Nunito Sans" panose="00000500000000000000"/>
+                <a:cs typeface="Nunito Sans" panose="00000500000000000000"/>
+                <a:sym typeface="Nunito Sans" panose="00000500000000000000"/>
+              </a:rPr>
+              <a:t> </a:t>
+            </a:r>
+            <a:r>
+              <a:rPr lang="es-CO" sz="1300" dirty="0" err="1" smtClean="0">
+                <a:solidFill>
+                  <a:srgbClr val="FFFFFF"/>
+                </a:solidFill>
+                <a:latin typeface="Nunito Sans" panose="00000500000000000000"/>
+                <a:ea typeface="Nunito Sans" panose="00000500000000000000"/>
+                <a:cs typeface="Nunito Sans" panose="00000500000000000000"/>
+                <a:sym typeface="Nunito Sans" panose="00000500000000000000"/>
+              </a:rPr>
+              <a:t>that</a:t>
+            </a:r>
+            <a:r>
+              <a:rPr lang="es-CO" sz="1300" dirty="0" smtClean="0">
+                <a:solidFill>
+                  <a:srgbClr val="FFFFFF"/>
+                </a:solidFill>
+                <a:latin typeface="Nunito Sans" panose="00000500000000000000"/>
+                <a:ea typeface="Nunito Sans" panose="00000500000000000000"/>
+                <a:cs typeface="Nunito Sans" panose="00000500000000000000"/>
+                <a:sym typeface="Nunito Sans" panose="00000500000000000000"/>
+              </a:rPr>
+              <a:t> use </a:t>
+            </a:r>
+            <a:r>
+              <a:rPr lang="es-CO" sz="1300" dirty="0" err="1" smtClean="0">
+                <a:solidFill>
+                  <a:srgbClr val="FFFFFF"/>
+                </a:solidFill>
+                <a:latin typeface="Nunito Sans" panose="00000500000000000000"/>
+                <a:ea typeface="Nunito Sans" panose="00000500000000000000"/>
+                <a:cs typeface="Nunito Sans" panose="00000500000000000000"/>
+                <a:sym typeface="Nunito Sans" panose="00000500000000000000"/>
+              </a:rPr>
+              <a:t>it</a:t>
+            </a:r>
+            <a:endParaRPr sz="1300" dirty="0">
+              <a:solidFill>
+                <a:srgbClr val="FFFFFF"/>
+              </a:solidFill>
+              <a:latin typeface="Nunito Sans" panose="00000500000000000000"/>
+              <a:ea typeface="Nunito Sans" panose="00000500000000000000"/>
+              <a:cs typeface="Nunito Sans" panose="00000500000000000000"/>
+              <a:sym typeface="Nunito Sans" panose="00000500000000000000"/>
+            </a:endParaRPr>
+          </a:p>
+          <a:p>
+            <a:pPr marL="457200" lvl="0" indent="0" algn="just" rtl="0">
+              <a:spcBef>
+                <a:spcPts val="0"/>
+              </a:spcBef>
+              <a:spcAft>
+                <a:spcPts val="0"/>
+              </a:spcAft>
+              <a:buNone/>
+            </a:pPr>
+            <a:endParaRPr sz="1300" dirty="0">
+              <a:solidFill>
+                <a:srgbClr val="FFFFFF"/>
+              </a:solidFill>
+              <a:latin typeface="Nunito Sans" panose="00000500000000000000"/>
+              <a:ea typeface="Nunito Sans" panose="00000500000000000000"/>
+              <a:cs typeface="Nunito Sans" panose="00000500000000000000"/>
+              <a:sym typeface="Nunito Sans" panose="00000500000000000000"/>
+            </a:endParaRPr>
+          </a:p>
+        </p:txBody>
+      </p:sp>
+      <p:sp>
+        <p:nvSpPr>
+          <p:cNvPr id="120" name="Google Shape;120;p28"/>
+          <p:cNvSpPr/>
+          <p:nvPr/>
+        </p:nvSpPr>
+        <p:spPr>
+          <a:xfrm>
+            <a:off x="-5" y="5118630"/>
+            <a:ext cx="9144000" cy="33600"/>
+          </a:xfrm>
+          <a:prstGeom prst="rect">
+            <a:avLst/>
+          </a:prstGeom>
+          <a:solidFill>
+            <a:srgbClr val="C1D82F"/>
+          </a:solidFill>
+          <a:ln>
+            <a:noFill/>
+          </a:ln>
+        </p:spPr>
+        <p:txBody>
+          <a:bodyPr spcFirstLastPara="1" wrap="square" lIns="91425" tIns="91425" rIns="91425" bIns="91425" anchor="ctr" anchorCtr="0">
+            <a:noAutofit/>
+          </a:bodyPr>
+          <a:lstStyle/>
+          <a:p>
+            <a:pPr marL="0" lvl="0" indent="0" algn="l" rtl="0">
+              <a:spcBef>
+                <a:spcPts val="0"/>
+              </a:spcBef>
+              <a:spcAft>
+                <a:spcPts val="0"/>
+              </a:spcAft>
+              <a:buNone/>
+            </a:pPr>
+            <a:endParaRPr/>
+          </a:p>
+        </p:txBody>
+      </p:sp>
+      <p:sp>
+        <p:nvSpPr>
+          <p:cNvPr id="8" name="Google Shape;139;p30"/>
+          <p:cNvSpPr txBox="1"/>
+          <p:nvPr/>
+        </p:nvSpPr>
+        <p:spPr>
+          <a:xfrm>
+            <a:off x="1" y="216450"/>
+            <a:ext cx="9143994" cy="552600"/>
+          </a:xfrm>
+          <a:prstGeom prst="rect">
+            <a:avLst/>
+          </a:prstGeom>
+          <a:noFill/>
+          <a:ln>
+            <a:noFill/>
+          </a:ln>
+        </p:spPr>
+        <p:txBody>
+          <a:bodyPr spcFirstLastPara="1" wrap="square" lIns="91425" tIns="91425" rIns="91425" bIns="91425" anchor="t" anchorCtr="0">
+            <a:noAutofit/>
+          </a:bodyPr>
+          <a:lstStyle/>
+          <a:p>
+            <a:pPr marL="0" lvl="0" indent="0" algn="ctr" rtl="0">
+              <a:spcBef>
+                <a:spcPts val="0"/>
+              </a:spcBef>
+              <a:spcAft>
+                <a:spcPts val="0"/>
+              </a:spcAft>
+              <a:buNone/>
+            </a:pPr>
+            <a:r>
+              <a:rPr lang="es-CO" sz="3200" b="1" dirty="0" err="1" smtClean="0">
+                <a:solidFill>
+                  <a:schemeClr val="lt1"/>
+                </a:solidFill>
+                <a:effectLst>
+                  <a:outerShdw blurRad="38100" dist="38100" dir="2700000" algn="tl">
+                    <a:srgbClr val="000000">
+                      <a:alpha val="43137"/>
+                    </a:srgbClr>
+                  </a:outerShdw>
+                </a:effectLst>
+                <a:latin typeface="Montserrat" panose="00000500000000000000"/>
+                <a:ea typeface="Montserrat" panose="00000500000000000000"/>
+                <a:cs typeface="Montserrat" panose="00000500000000000000"/>
+                <a:sym typeface="Montserrat" panose="00000500000000000000"/>
+              </a:rPr>
+              <a:t>Strategy</a:t>
+            </a:r>
+            <a:r>
+              <a:rPr lang="es-CO" sz="3200" b="1" dirty="0" smtClean="0">
+                <a:solidFill>
+                  <a:schemeClr val="lt1"/>
+                </a:solidFill>
+                <a:effectLst>
+                  <a:outerShdw blurRad="38100" dist="38100" dir="2700000" algn="tl">
+                    <a:srgbClr val="000000">
+                      <a:alpha val="43137"/>
+                    </a:srgbClr>
+                  </a:outerShdw>
+                </a:effectLst>
+                <a:latin typeface="Montserrat" panose="00000500000000000000"/>
+                <a:ea typeface="Montserrat" panose="00000500000000000000"/>
+                <a:cs typeface="Montserrat" panose="00000500000000000000"/>
+                <a:sym typeface="Montserrat" panose="00000500000000000000"/>
+              </a:rPr>
+              <a:t> </a:t>
+            </a:r>
+            <a:r>
+              <a:rPr lang="es-CO" sz="3200" b="1" dirty="0" err="1" smtClean="0">
+                <a:solidFill>
+                  <a:schemeClr val="lt1"/>
+                </a:solidFill>
+                <a:effectLst>
+                  <a:outerShdw blurRad="38100" dist="38100" dir="2700000" algn="tl">
+                    <a:srgbClr val="000000">
+                      <a:alpha val="43137"/>
+                    </a:srgbClr>
+                  </a:outerShdw>
+                </a:effectLst>
+                <a:latin typeface="Montserrat" panose="00000500000000000000"/>
+                <a:ea typeface="Montserrat" panose="00000500000000000000"/>
+                <a:cs typeface="Montserrat" panose="00000500000000000000"/>
+                <a:sym typeface="Montserrat" panose="00000500000000000000"/>
+              </a:rPr>
+              <a:t>Pattern</a:t>
+            </a:r>
+            <a:endParaRPr sz="3200" b="1" dirty="0">
+              <a:solidFill>
+                <a:schemeClr val="lt1"/>
+              </a:solidFill>
+              <a:effectLst>
+                <a:outerShdw blurRad="38100" dist="38100" dir="2700000" algn="tl">
+                  <a:srgbClr val="000000">
+                    <a:alpha val="43137"/>
+                  </a:srgbClr>
+                </a:outerShdw>
+              </a:effectLst>
+              <a:latin typeface="Montserrat" panose="00000500000000000000"/>
+              <a:ea typeface="Montserrat" panose="00000500000000000000"/>
+              <a:cs typeface="Montserrat" panose="00000500000000000000"/>
+              <a:sym typeface="Montserrat" panose="00000500000000000000"/>
+            </a:endParaRPr>
+          </a:p>
+        </p:txBody>
+      </p:sp>
+      <p:sp>
+        <p:nvSpPr>
+          <p:cNvPr id="6" name="Google Shape;118;p28"/>
+          <p:cNvSpPr txBox="1"/>
+          <p:nvPr/>
+        </p:nvSpPr>
+        <p:spPr>
+          <a:xfrm>
+            <a:off x="4209362" y="1436408"/>
+            <a:ext cx="4657235" cy="2492984"/>
+          </a:xfrm>
+          <a:prstGeom prst="rect">
+            <a:avLst/>
+          </a:prstGeom>
+          <a:noFill/>
+          <a:ln>
+            <a:noFill/>
+          </a:ln>
+        </p:spPr>
+        <p:txBody>
+          <a:bodyPr spcFirstLastPara="1" wrap="square" lIns="91425" tIns="91425" rIns="91425" bIns="91425" anchor="t" anchorCtr="0">
+            <a:noAutofit/>
+          </a:bodyPr>
+          <a:lstStyle/>
+          <a:p>
+            <a:pPr marL="457200" lvl="0" indent="0" algn="just" rtl="0">
+              <a:spcBef>
+                <a:spcPts val="0"/>
+              </a:spcBef>
+              <a:spcAft>
+                <a:spcPts val="0"/>
+              </a:spcAft>
+              <a:buNone/>
+            </a:pPr>
+            <a:r>
+              <a:rPr lang="es-CO" sz="1300" dirty="0" err="1" smtClean="0">
+                <a:solidFill>
+                  <a:srgbClr val="FFFFFF"/>
+                </a:solidFill>
+                <a:latin typeface="Nunito Sans" panose="00000500000000000000"/>
+                <a:ea typeface="Nunito Sans" panose="00000500000000000000"/>
+                <a:cs typeface="Nunito Sans" panose="00000500000000000000"/>
+                <a:sym typeface="Nunito Sans" panose="00000500000000000000"/>
+              </a:rPr>
+              <a:t>Participants</a:t>
+            </a:r>
+            <a:r>
+              <a:rPr lang="es-CO" sz="1300" dirty="0" smtClean="0">
+                <a:solidFill>
+                  <a:srgbClr val="FFFFFF"/>
+                </a:solidFill>
+                <a:latin typeface="Nunito Sans" panose="00000500000000000000"/>
+                <a:ea typeface="Nunito Sans" panose="00000500000000000000"/>
+                <a:cs typeface="Nunito Sans" panose="00000500000000000000"/>
+                <a:sym typeface="Nunito Sans" panose="00000500000000000000"/>
+              </a:rPr>
+              <a:t>:</a:t>
+            </a:r>
+          </a:p>
+          <a:p>
+            <a:pPr marL="457200" lvl="0" indent="0" algn="just" rtl="0">
+              <a:spcBef>
+                <a:spcPts val="0"/>
+              </a:spcBef>
+              <a:spcAft>
+                <a:spcPts val="0"/>
+              </a:spcAft>
+              <a:buNone/>
+            </a:pPr>
+            <a:endParaRPr lang="es-CO" sz="1300" dirty="0">
+              <a:solidFill>
+                <a:srgbClr val="FFFFFF"/>
+              </a:solidFill>
+              <a:latin typeface="Nunito Sans" panose="00000500000000000000"/>
+              <a:ea typeface="Nunito Sans" panose="00000500000000000000"/>
+              <a:cs typeface="Nunito Sans" panose="00000500000000000000"/>
+              <a:sym typeface="Nunito Sans" panose="00000500000000000000"/>
+            </a:endParaRPr>
+          </a:p>
+          <a:p>
+            <a:pPr marL="457200" indent="-311150" algn="just">
+              <a:buClr>
+                <a:srgbClr val="FFFFFF"/>
+              </a:buClr>
+              <a:buSzPts val="1300"/>
+              <a:buFont typeface="Nunito Sans" panose="00000500000000000000"/>
+              <a:buChar char="●"/>
+            </a:pPr>
+            <a:r>
+              <a:rPr lang="es-CO" sz="1300" dirty="0" err="1" smtClean="0">
+                <a:solidFill>
+                  <a:srgbClr val="FFFFFF"/>
+                </a:solidFill>
+                <a:latin typeface="Nunito Sans" panose="00000500000000000000"/>
+                <a:ea typeface="Nunito Sans" panose="00000500000000000000"/>
+                <a:cs typeface="Nunito Sans" panose="00000500000000000000"/>
+                <a:sym typeface="Nunito Sans" panose="00000500000000000000"/>
+              </a:rPr>
+              <a:t>IStragegy</a:t>
+            </a:r>
+            <a:r>
+              <a:rPr lang="es-CO" sz="1300" dirty="0" smtClean="0">
+                <a:solidFill>
+                  <a:srgbClr val="FFFFFF"/>
+                </a:solidFill>
+                <a:latin typeface="Nunito Sans" panose="00000500000000000000"/>
+                <a:ea typeface="Nunito Sans" panose="00000500000000000000"/>
+                <a:cs typeface="Nunito Sans" panose="00000500000000000000"/>
+                <a:sym typeface="Nunito Sans" panose="00000500000000000000"/>
+              </a:rPr>
+              <a:t>: declares </a:t>
+            </a:r>
+            <a:r>
+              <a:rPr lang="es-CO" sz="1300" dirty="0" err="1" smtClean="0">
+                <a:solidFill>
+                  <a:srgbClr val="FFFFFF"/>
+                </a:solidFill>
+                <a:latin typeface="Nunito Sans" panose="00000500000000000000"/>
+                <a:ea typeface="Nunito Sans" panose="00000500000000000000"/>
+                <a:cs typeface="Nunito Sans" panose="00000500000000000000"/>
+                <a:sym typeface="Nunito Sans" panose="00000500000000000000"/>
+              </a:rPr>
+              <a:t>an</a:t>
+            </a:r>
+            <a:r>
+              <a:rPr lang="es-CO" sz="1300" dirty="0" smtClean="0">
+                <a:solidFill>
+                  <a:srgbClr val="FFFFFF"/>
+                </a:solidFill>
+                <a:latin typeface="Nunito Sans" panose="00000500000000000000"/>
+                <a:ea typeface="Nunito Sans" panose="00000500000000000000"/>
+                <a:cs typeface="Nunito Sans" panose="00000500000000000000"/>
+                <a:sym typeface="Nunito Sans" panose="00000500000000000000"/>
+              </a:rPr>
+              <a:t> interface </a:t>
+            </a:r>
+            <a:r>
+              <a:rPr lang="es-CO" sz="1300" dirty="0" err="1" smtClean="0">
+                <a:solidFill>
+                  <a:srgbClr val="FFFFFF"/>
+                </a:solidFill>
+                <a:latin typeface="Nunito Sans" panose="00000500000000000000"/>
+                <a:ea typeface="Nunito Sans" panose="00000500000000000000"/>
+                <a:cs typeface="Nunito Sans" panose="00000500000000000000"/>
+                <a:sym typeface="Nunito Sans" panose="00000500000000000000"/>
+              </a:rPr>
+              <a:t>common</a:t>
+            </a:r>
+            <a:r>
+              <a:rPr lang="es-CO" sz="1300" dirty="0" smtClean="0">
+                <a:solidFill>
+                  <a:srgbClr val="FFFFFF"/>
+                </a:solidFill>
+                <a:latin typeface="Nunito Sans" panose="00000500000000000000"/>
+                <a:ea typeface="Nunito Sans" panose="00000500000000000000"/>
+                <a:cs typeface="Nunito Sans" panose="00000500000000000000"/>
+                <a:sym typeface="Nunito Sans" panose="00000500000000000000"/>
+              </a:rPr>
+              <a:t> to </a:t>
+            </a:r>
+            <a:r>
+              <a:rPr lang="es-CO" sz="1300" dirty="0" err="1" smtClean="0">
+                <a:solidFill>
+                  <a:srgbClr val="FFFFFF"/>
+                </a:solidFill>
+                <a:latin typeface="Nunito Sans" panose="00000500000000000000"/>
+                <a:ea typeface="Nunito Sans" panose="00000500000000000000"/>
+                <a:cs typeface="Nunito Sans" panose="00000500000000000000"/>
+                <a:sym typeface="Nunito Sans" panose="00000500000000000000"/>
+              </a:rPr>
+              <a:t>all</a:t>
+            </a:r>
+            <a:r>
+              <a:rPr lang="es-CO" sz="1300" dirty="0" smtClean="0">
+                <a:solidFill>
+                  <a:srgbClr val="FFFFFF"/>
+                </a:solidFill>
+                <a:latin typeface="Nunito Sans" panose="00000500000000000000"/>
+                <a:ea typeface="Nunito Sans" panose="00000500000000000000"/>
+                <a:cs typeface="Nunito Sans" panose="00000500000000000000"/>
+                <a:sym typeface="Nunito Sans" panose="00000500000000000000"/>
+              </a:rPr>
+              <a:t> </a:t>
+            </a:r>
+            <a:r>
+              <a:rPr lang="es-CO" sz="1300" dirty="0" err="1" smtClean="0">
+                <a:solidFill>
+                  <a:srgbClr val="FFFFFF"/>
+                </a:solidFill>
+                <a:latin typeface="Nunito Sans" panose="00000500000000000000"/>
+                <a:ea typeface="Nunito Sans" panose="00000500000000000000"/>
+                <a:cs typeface="Nunito Sans" panose="00000500000000000000"/>
+                <a:sym typeface="Nunito Sans" panose="00000500000000000000"/>
+              </a:rPr>
+              <a:t>supported</a:t>
+            </a:r>
+            <a:r>
+              <a:rPr lang="es-CO" sz="1300" dirty="0" smtClean="0">
+                <a:solidFill>
+                  <a:srgbClr val="FFFFFF"/>
+                </a:solidFill>
+                <a:latin typeface="Nunito Sans" panose="00000500000000000000"/>
+                <a:ea typeface="Nunito Sans" panose="00000500000000000000"/>
+                <a:cs typeface="Nunito Sans" panose="00000500000000000000"/>
+                <a:sym typeface="Nunito Sans" panose="00000500000000000000"/>
+              </a:rPr>
+              <a:t> </a:t>
+            </a:r>
+            <a:r>
+              <a:rPr lang="es-CO" sz="1300" dirty="0" err="1" smtClean="0">
+                <a:solidFill>
+                  <a:srgbClr val="FFFFFF"/>
+                </a:solidFill>
+                <a:latin typeface="Nunito Sans" panose="00000500000000000000"/>
+                <a:ea typeface="Nunito Sans" panose="00000500000000000000"/>
+                <a:cs typeface="Nunito Sans" panose="00000500000000000000"/>
+                <a:sym typeface="Nunito Sans" panose="00000500000000000000"/>
+              </a:rPr>
+              <a:t>algorithms</a:t>
+            </a:r>
+            <a:r>
+              <a:rPr lang="es-CO" sz="1300" dirty="0" smtClean="0">
+                <a:solidFill>
+                  <a:srgbClr val="FFFFFF"/>
+                </a:solidFill>
+                <a:latin typeface="Nunito Sans" panose="00000500000000000000"/>
+                <a:ea typeface="Nunito Sans" panose="00000500000000000000"/>
+                <a:cs typeface="Nunito Sans" panose="00000500000000000000"/>
+                <a:sym typeface="Nunito Sans" panose="00000500000000000000"/>
+              </a:rPr>
+              <a:t>.</a:t>
+            </a:r>
+          </a:p>
+          <a:p>
+            <a:pPr marL="457200" indent="-311150" algn="just">
+              <a:buClr>
+                <a:srgbClr val="FFFFFF"/>
+              </a:buClr>
+              <a:buSzPts val="1300"/>
+              <a:buFont typeface="Nunito Sans" panose="00000500000000000000"/>
+              <a:buChar char="●"/>
+            </a:pPr>
+            <a:endParaRPr lang="es-CO" sz="1300" dirty="0" smtClean="0">
+              <a:solidFill>
+                <a:srgbClr val="FFFFFF"/>
+              </a:solidFill>
+              <a:latin typeface="Nunito Sans" panose="00000500000000000000"/>
+              <a:ea typeface="Nunito Sans" panose="00000500000000000000"/>
+              <a:cs typeface="Nunito Sans" panose="00000500000000000000"/>
+              <a:sym typeface="Nunito Sans" panose="00000500000000000000"/>
+            </a:endParaRPr>
+          </a:p>
+          <a:p>
+            <a:pPr marL="457200" indent="-311150" algn="just">
+              <a:buClr>
+                <a:srgbClr val="FFFFFF"/>
+              </a:buClr>
+              <a:buSzPts val="1300"/>
+              <a:buFont typeface="Nunito Sans" panose="00000500000000000000"/>
+              <a:buChar char="●"/>
+            </a:pPr>
+            <a:r>
+              <a:rPr lang="es-CO" sz="1300" dirty="0" err="1" smtClean="0">
+                <a:solidFill>
+                  <a:srgbClr val="FFFFFF"/>
+                </a:solidFill>
+                <a:latin typeface="Nunito Sans" panose="00000500000000000000"/>
+                <a:ea typeface="Nunito Sans" panose="00000500000000000000"/>
+                <a:cs typeface="Nunito Sans" panose="00000500000000000000"/>
+                <a:sym typeface="Nunito Sans" panose="00000500000000000000"/>
+              </a:rPr>
+              <a:t>ConcreteStrategy</a:t>
+            </a:r>
+            <a:r>
+              <a:rPr lang="es-CO" sz="1300" dirty="0" smtClean="0">
+                <a:solidFill>
+                  <a:srgbClr val="FFFFFF"/>
+                </a:solidFill>
+                <a:latin typeface="Nunito Sans" panose="00000500000000000000"/>
+                <a:ea typeface="Nunito Sans" panose="00000500000000000000"/>
+                <a:cs typeface="Nunito Sans" panose="00000500000000000000"/>
+                <a:sym typeface="Nunito Sans" panose="00000500000000000000"/>
+              </a:rPr>
+              <a:t>: </a:t>
+            </a:r>
+            <a:r>
+              <a:rPr lang="es-CO" sz="1300" dirty="0" err="1" smtClean="0">
+                <a:solidFill>
+                  <a:srgbClr val="FFFFFF"/>
+                </a:solidFill>
+                <a:latin typeface="Nunito Sans" panose="00000500000000000000"/>
+                <a:ea typeface="Nunito Sans" panose="00000500000000000000"/>
+                <a:cs typeface="Nunito Sans" panose="00000500000000000000"/>
+                <a:sym typeface="Nunito Sans" panose="00000500000000000000"/>
+              </a:rPr>
+              <a:t>Implements</a:t>
+            </a:r>
+            <a:r>
+              <a:rPr lang="es-CO" sz="1300" dirty="0" smtClean="0">
+                <a:solidFill>
+                  <a:srgbClr val="FFFFFF"/>
+                </a:solidFill>
+                <a:latin typeface="Nunito Sans" panose="00000500000000000000"/>
+                <a:ea typeface="Nunito Sans" panose="00000500000000000000"/>
+                <a:cs typeface="Nunito Sans" panose="00000500000000000000"/>
+                <a:sym typeface="Nunito Sans" panose="00000500000000000000"/>
+              </a:rPr>
+              <a:t> </a:t>
+            </a:r>
+            <a:r>
+              <a:rPr lang="es-CO" sz="1300" dirty="0" err="1" smtClean="0">
+                <a:solidFill>
+                  <a:srgbClr val="FFFFFF"/>
+                </a:solidFill>
+                <a:latin typeface="Nunito Sans" panose="00000500000000000000"/>
+                <a:ea typeface="Nunito Sans" panose="00000500000000000000"/>
+                <a:cs typeface="Nunito Sans" panose="00000500000000000000"/>
+                <a:sym typeface="Nunito Sans" panose="00000500000000000000"/>
+              </a:rPr>
+              <a:t>the</a:t>
+            </a:r>
+            <a:r>
+              <a:rPr lang="es-CO" sz="1300" dirty="0" smtClean="0">
+                <a:solidFill>
+                  <a:srgbClr val="FFFFFF"/>
+                </a:solidFill>
+                <a:latin typeface="Nunito Sans" panose="00000500000000000000"/>
+                <a:ea typeface="Nunito Sans" panose="00000500000000000000"/>
+                <a:cs typeface="Nunito Sans" panose="00000500000000000000"/>
+                <a:sym typeface="Nunito Sans" panose="00000500000000000000"/>
+              </a:rPr>
+              <a:t> </a:t>
+            </a:r>
+            <a:r>
+              <a:rPr lang="es-CO" sz="1300" dirty="0" err="1" smtClean="0">
+                <a:solidFill>
+                  <a:srgbClr val="FFFFFF"/>
+                </a:solidFill>
+                <a:latin typeface="Nunito Sans" panose="00000500000000000000"/>
+                <a:ea typeface="Nunito Sans" panose="00000500000000000000"/>
+                <a:cs typeface="Nunito Sans" panose="00000500000000000000"/>
+                <a:sym typeface="Nunito Sans" panose="00000500000000000000"/>
+              </a:rPr>
+              <a:t>algorithm</a:t>
+            </a:r>
+            <a:r>
+              <a:rPr lang="es-CO" sz="1300" dirty="0" smtClean="0">
+                <a:solidFill>
+                  <a:srgbClr val="FFFFFF"/>
+                </a:solidFill>
+                <a:latin typeface="Nunito Sans" panose="00000500000000000000"/>
+                <a:ea typeface="Nunito Sans" panose="00000500000000000000"/>
+                <a:cs typeface="Nunito Sans" panose="00000500000000000000"/>
+                <a:sym typeface="Nunito Sans" panose="00000500000000000000"/>
+              </a:rPr>
+              <a:t> </a:t>
+            </a:r>
+            <a:r>
+              <a:rPr lang="es-CO" sz="1300" dirty="0" err="1" smtClean="0">
+                <a:solidFill>
+                  <a:srgbClr val="FFFFFF"/>
+                </a:solidFill>
+                <a:latin typeface="Nunito Sans" panose="00000500000000000000"/>
+                <a:ea typeface="Nunito Sans" panose="00000500000000000000"/>
+                <a:cs typeface="Nunito Sans" panose="00000500000000000000"/>
+                <a:sym typeface="Nunito Sans" panose="00000500000000000000"/>
+              </a:rPr>
+              <a:t>using</a:t>
+            </a:r>
+            <a:r>
+              <a:rPr lang="es-CO" sz="1300" dirty="0" smtClean="0">
+                <a:solidFill>
+                  <a:srgbClr val="FFFFFF"/>
+                </a:solidFill>
+                <a:latin typeface="Nunito Sans" panose="00000500000000000000"/>
+                <a:ea typeface="Nunito Sans" panose="00000500000000000000"/>
+                <a:cs typeface="Nunito Sans" panose="00000500000000000000"/>
+                <a:sym typeface="Nunito Sans" panose="00000500000000000000"/>
+              </a:rPr>
+              <a:t> </a:t>
+            </a:r>
+            <a:r>
+              <a:rPr lang="es-CO" sz="1300" dirty="0" err="1" smtClean="0">
+                <a:solidFill>
+                  <a:srgbClr val="FFFFFF"/>
+                </a:solidFill>
+                <a:latin typeface="Nunito Sans" panose="00000500000000000000"/>
+                <a:ea typeface="Nunito Sans" panose="00000500000000000000"/>
+                <a:cs typeface="Nunito Sans" panose="00000500000000000000"/>
+                <a:sym typeface="Nunito Sans" panose="00000500000000000000"/>
+              </a:rPr>
+              <a:t>the</a:t>
+            </a:r>
+            <a:r>
+              <a:rPr lang="es-CO" sz="1300" dirty="0" smtClean="0">
+                <a:solidFill>
+                  <a:srgbClr val="FFFFFF"/>
+                </a:solidFill>
+                <a:latin typeface="Nunito Sans" panose="00000500000000000000"/>
+                <a:ea typeface="Nunito Sans" panose="00000500000000000000"/>
+                <a:cs typeface="Nunito Sans" panose="00000500000000000000"/>
+                <a:sym typeface="Nunito Sans" panose="00000500000000000000"/>
+              </a:rPr>
+              <a:t> </a:t>
+            </a:r>
+            <a:r>
+              <a:rPr lang="es-CO" sz="1300" dirty="0" err="1" smtClean="0">
+                <a:solidFill>
+                  <a:srgbClr val="FFFFFF"/>
+                </a:solidFill>
+                <a:latin typeface="Nunito Sans" panose="00000500000000000000"/>
+                <a:ea typeface="Nunito Sans" panose="00000500000000000000"/>
+                <a:cs typeface="Nunito Sans" panose="00000500000000000000"/>
+                <a:sym typeface="Nunito Sans" panose="00000500000000000000"/>
+              </a:rPr>
+              <a:t>strategy</a:t>
+            </a:r>
+            <a:r>
+              <a:rPr lang="es-CO" sz="1300" dirty="0" smtClean="0">
+                <a:solidFill>
+                  <a:srgbClr val="FFFFFF"/>
+                </a:solidFill>
+                <a:latin typeface="Nunito Sans" panose="00000500000000000000"/>
+                <a:ea typeface="Nunito Sans" panose="00000500000000000000"/>
+                <a:cs typeface="Nunito Sans" panose="00000500000000000000"/>
+                <a:sym typeface="Nunito Sans" panose="00000500000000000000"/>
+              </a:rPr>
+              <a:t> interface</a:t>
+            </a:r>
+          </a:p>
+          <a:p>
+            <a:pPr marL="457200" indent="-311150" algn="just">
+              <a:buClr>
+                <a:srgbClr val="FFFFFF"/>
+              </a:buClr>
+              <a:buSzPts val="1300"/>
+              <a:buFont typeface="Nunito Sans" panose="00000500000000000000"/>
+              <a:buChar char="●"/>
+            </a:pPr>
+            <a:endParaRPr lang="es-CO" sz="1300" dirty="0" smtClean="0">
+              <a:solidFill>
+                <a:srgbClr val="FFFFFF"/>
+              </a:solidFill>
+              <a:latin typeface="Nunito Sans" panose="00000500000000000000"/>
+              <a:ea typeface="Nunito Sans" panose="00000500000000000000"/>
+              <a:cs typeface="Nunito Sans" panose="00000500000000000000"/>
+              <a:sym typeface="Nunito Sans" panose="00000500000000000000"/>
+            </a:endParaRPr>
+          </a:p>
+          <a:p>
+            <a:pPr marL="457200" indent="-311150" algn="just">
+              <a:buClr>
+                <a:srgbClr val="FFFFFF"/>
+              </a:buClr>
+              <a:buSzPts val="1300"/>
+              <a:buFont typeface="Nunito Sans" panose="00000500000000000000"/>
+              <a:buChar char="●"/>
+            </a:pPr>
+            <a:r>
+              <a:rPr lang="es-CO" sz="1300" dirty="0" err="1" smtClean="0">
+                <a:solidFill>
+                  <a:srgbClr val="FFFFFF"/>
+                </a:solidFill>
+                <a:latin typeface="Nunito Sans" panose="00000500000000000000"/>
+                <a:ea typeface="Nunito Sans" panose="00000500000000000000"/>
+                <a:cs typeface="Nunito Sans" panose="00000500000000000000"/>
+                <a:sym typeface="Nunito Sans" panose="00000500000000000000"/>
+              </a:rPr>
+              <a:t>Context</a:t>
+            </a:r>
+            <a:r>
+              <a:rPr lang="es-CO" sz="1300" dirty="0" smtClean="0">
+                <a:solidFill>
+                  <a:srgbClr val="FFFFFF"/>
+                </a:solidFill>
+                <a:latin typeface="Nunito Sans" panose="00000500000000000000"/>
+                <a:ea typeface="Nunito Sans" panose="00000500000000000000"/>
+                <a:cs typeface="Nunito Sans" panose="00000500000000000000"/>
+                <a:sym typeface="Nunito Sans" panose="00000500000000000000"/>
+              </a:rPr>
+              <a:t>: </a:t>
+            </a:r>
+          </a:p>
+          <a:p>
+            <a:pPr marL="146050" lvl="7" algn="just">
+              <a:buClr>
+                <a:srgbClr val="FFFFFF"/>
+              </a:buClr>
+              <a:buSzPts val="1300"/>
+            </a:pPr>
+            <a:r>
+              <a:rPr lang="es-CO" sz="1300" dirty="0" err="1" smtClean="0">
+                <a:solidFill>
+                  <a:srgbClr val="FFFFFF"/>
+                </a:solidFill>
+                <a:latin typeface="Nunito Sans" panose="00000500000000000000"/>
+                <a:ea typeface="Nunito Sans" panose="00000500000000000000"/>
+                <a:cs typeface="Nunito Sans" panose="00000500000000000000"/>
+                <a:sym typeface="Nunito Sans" panose="00000500000000000000"/>
+              </a:rPr>
+              <a:t>Is</a:t>
+            </a:r>
+            <a:r>
+              <a:rPr lang="es-CO" sz="1300" dirty="0" smtClean="0">
+                <a:solidFill>
+                  <a:srgbClr val="FFFFFF"/>
+                </a:solidFill>
+                <a:latin typeface="Nunito Sans" panose="00000500000000000000"/>
+                <a:ea typeface="Nunito Sans" panose="00000500000000000000"/>
+                <a:cs typeface="Nunito Sans" panose="00000500000000000000"/>
+                <a:sym typeface="Nunito Sans" panose="00000500000000000000"/>
+              </a:rPr>
+              <a:t> </a:t>
+            </a:r>
+            <a:r>
+              <a:rPr lang="es-CO" sz="1300" dirty="0" err="1" smtClean="0">
+                <a:solidFill>
+                  <a:srgbClr val="FFFFFF"/>
+                </a:solidFill>
+                <a:latin typeface="Nunito Sans" panose="00000500000000000000"/>
+                <a:ea typeface="Nunito Sans" panose="00000500000000000000"/>
+                <a:cs typeface="Nunito Sans" panose="00000500000000000000"/>
+                <a:sym typeface="Nunito Sans" panose="00000500000000000000"/>
+              </a:rPr>
+              <a:t>configured</a:t>
+            </a:r>
+            <a:r>
+              <a:rPr lang="es-CO" sz="1300" dirty="0" smtClean="0">
+                <a:solidFill>
+                  <a:srgbClr val="FFFFFF"/>
+                </a:solidFill>
+                <a:latin typeface="Nunito Sans" panose="00000500000000000000"/>
+                <a:ea typeface="Nunito Sans" panose="00000500000000000000"/>
+                <a:cs typeface="Nunito Sans" panose="00000500000000000000"/>
+                <a:sym typeface="Nunito Sans" panose="00000500000000000000"/>
+              </a:rPr>
+              <a:t> </a:t>
+            </a:r>
+            <a:r>
+              <a:rPr lang="es-CO" sz="1300" dirty="0" err="1" smtClean="0">
+                <a:solidFill>
+                  <a:srgbClr val="FFFFFF"/>
+                </a:solidFill>
+                <a:latin typeface="Nunito Sans" panose="00000500000000000000"/>
+                <a:ea typeface="Nunito Sans" panose="00000500000000000000"/>
+                <a:cs typeface="Nunito Sans" panose="00000500000000000000"/>
+                <a:sym typeface="Nunito Sans" panose="00000500000000000000"/>
+              </a:rPr>
+              <a:t>with</a:t>
+            </a:r>
+            <a:r>
+              <a:rPr lang="es-CO" sz="1300" dirty="0" smtClean="0">
+                <a:solidFill>
+                  <a:srgbClr val="FFFFFF"/>
+                </a:solidFill>
+                <a:latin typeface="Nunito Sans" panose="00000500000000000000"/>
+                <a:ea typeface="Nunito Sans" panose="00000500000000000000"/>
+                <a:cs typeface="Nunito Sans" panose="00000500000000000000"/>
+                <a:sym typeface="Nunito Sans" panose="00000500000000000000"/>
+              </a:rPr>
+              <a:t> a </a:t>
+            </a:r>
+            <a:r>
+              <a:rPr lang="es-CO" sz="1300" dirty="0" err="1" smtClean="0">
+                <a:solidFill>
+                  <a:srgbClr val="FFFFFF"/>
+                </a:solidFill>
+                <a:latin typeface="Nunito Sans" panose="00000500000000000000"/>
+                <a:ea typeface="Nunito Sans" panose="00000500000000000000"/>
+                <a:cs typeface="Nunito Sans" panose="00000500000000000000"/>
+                <a:sym typeface="Nunito Sans" panose="00000500000000000000"/>
+              </a:rPr>
+              <a:t>ConcreteStrategy</a:t>
+            </a:r>
+            <a:r>
+              <a:rPr lang="es-CO" sz="1300" dirty="0" smtClean="0">
+                <a:solidFill>
+                  <a:srgbClr val="FFFFFF"/>
+                </a:solidFill>
+                <a:latin typeface="Nunito Sans" panose="00000500000000000000"/>
+                <a:ea typeface="Nunito Sans" panose="00000500000000000000"/>
+                <a:cs typeface="Nunito Sans" panose="00000500000000000000"/>
+                <a:sym typeface="Nunito Sans" panose="00000500000000000000"/>
+              </a:rPr>
+              <a:t> </a:t>
+            </a:r>
+            <a:r>
+              <a:rPr lang="es-CO" sz="1300" dirty="0" err="1" smtClean="0">
+                <a:solidFill>
+                  <a:srgbClr val="FFFFFF"/>
+                </a:solidFill>
+                <a:latin typeface="Nunito Sans" panose="00000500000000000000"/>
+                <a:ea typeface="Nunito Sans" panose="00000500000000000000"/>
+                <a:cs typeface="Nunito Sans" panose="00000500000000000000"/>
+                <a:sym typeface="Nunito Sans" panose="00000500000000000000"/>
+              </a:rPr>
+              <a:t>object</a:t>
+            </a:r>
+            <a:endParaRPr lang="es-CO" sz="1300" dirty="0" smtClean="0">
+              <a:solidFill>
+                <a:srgbClr val="FFFFFF"/>
+              </a:solidFill>
+              <a:latin typeface="Nunito Sans" panose="00000500000000000000"/>
+              <a:ea typeface="Nunito Sans" panose="00000500000000000000"/>
+              <a:cs typeface="Nunito Sans" panose="00000500000000000000"/>
+              <a:sym typeface="Nunito Sans" panose="00000500000000000000"/>
+            </a:endParaRPr>
+          </a:p>
+          <a:p>
+            <a:pPr marL="146050" lvl="7" algn="just">
+              <a:buClr>
+                <a:srgbClr val="FFFFFF"/>
+              </a:buClr>
+              <a:buSzPts val="1300"/>
+            </a:pPr>
+            <a:r>
+              <a:rPr lang="es-CO" sz="1300" dirty="0" err="1" smtClean="0">
+                <a:solidFill>
+                  <a:srgbClr val="FFFFFF"/>
+                </a:solidFill>
+                <a:latin typeface="Nunito Sans" panose="00000500000000000000"/>
+                <a:ea typeface="Nunito Sans" panose="00000500000000000000"/>
+                <a:cs typeface="Nunito Sans" panose="00000500000000000000"/>
+                <a:sym typeface="Nunito Sans" panose="00000500000000000000"/>
+              </a:rPr>
+              <a:t>Mainteins</a:t>
+            </a:r>
+            <a:r>
+              <a:rPr lang="es-CO" sz="1300" dirty="0" smtClean="0">
+                <a:solidFill>
+                  <a:srgbClr val="FFFFFF"/>
+                </a:solidFill>
+                <a:latin typeface="Nunito Sans" panose="00000500000000000000"/>
+                <a:ea typeface="Nunito Sans" panose="00000500000000000000"/>
+                <a:cs typeface="Nunito Sans" panose="00000500000000000000"/>
+                <a:sym typeface="Nunito Sans" panose="00000500000000000000"/>
+              </a:rPr>
+              <a:t> a </a:t>
+            </a:r>
+            <a:r>
+              <a:rPr lang="es-CO" sz="1300" dirty="0" err="1" smtClean="0">
+                <a:solidFill>
+                  <a:srgbClr val="FFFFFF"/>
+                </a:solidFill>
+                <a:latin typeface="Nunito Sans" panose="00000500000000000000"/>
+                <a:ea typeface="Nunito Sans" panose="00000500000000000000"/>
+                <a:cs typeface="Nunito Sans" panose="00000500000000000000"/>
+                <a:sym typeface="Nunito Sans" panose="00000500000000000000"/>
+              </a:rPr>
+              <a:t>reference</a:t>
+            </a:r>
+            <a:r>
+              <a:rPr lang="es-CO" sz="1300" dirty="0" smtClean="0">
+                <a:solidFill>
+                  <a:srgbClr val="FFFFFF"/>
+                </a:solidFill>
+                <a:latin typeface="Nunito Sans" panose="00000500000000000000"/>
+                <a:ea typeface="Nunito Sans" panose="00000500000000000000"/>
+                <a:cs typeface="Nunito Sans" panose="00000500000000000000"/>
+                <a:sym typeface="Nunito Sans" panose="00000500000000000000"/>
+              </a:rPr>
+              <a:t> to a </a:t>
+            </a:r>
+            <a:r>
+              <a:rPr lang="es-CO" sz="1300" dirty="0" err="1" smtClean="0">
+                <a:solidFill>
+                  <a:srgbClr val="FFFFFF"/>
+                </a:solidFill>
+                <a:latin typeface="Nunito Sans" panose="00000500000000000000"/>
+                <a:ea typeface="Nunito Sans" panose="00000500000000000000"/>
+                <a:cs typeface="Nunito Sans" panose="00000500000000000000"/>
+                <a:sym typeface="Nunito Sans" panose="00000500000000000000"/>
+              </a:rPr>
+              <a:t>Strategy</a:t>
+            </a:r>
+            <a:r>
+              <a:rPr lang="es-CO" sz="1300" dirty="0" smtClean="0">
+                <a:solidFill>
+                  <a:srgbClr val="FFFFFF"/>
+                </a:solidFill>
+                <a:latin typeface="Nunito Sans" panose="00000500000000000000"/>
+                <a:ea typeface="Nunito Sans" panose="00000500000000000000"/>
+                <a:cs typeface="Nunito Sans" panose="00000500000000000000"/>
+                <a:sym typeface="Nunito Sans" panose="00000500000000000000"/>
+              </a:rPr>
+              <a:t> </a:t>
+            </a:r>
+            <a:r>
+              <a:rPr lang="es-CO" sz="1300" dirty="0" err="1" smtClean="0">
+                <a:solidFill>
+                  <a:srgbClr val="FFFFFF"/>
+                </a:solidFill>
+                <a:latin typeface="Nunito Sans" panose="00000500000000000000"/>
+                <a:ea typeface="Nunito Sans" panose="00000500000000000000"/>
+                <a:cs typeface="Nunito Sans" panose="00000500000000000000"/>
+                <a:sym typeface="Nunito Sans" panose="00000500000000000000"/>
+              </a:rPr>
+              <a:t>object</a:t>
+            </a:r>
+            <a:endParaRPr lang="es-CO" sz="1300" dirty="0" smtClean="0">
+              <a:solidFill>
+                <a:srgbClr val="FFFFFF"/>
+              </a:solidFill>
+              <a:latin typeface="Nunito Sans" panose="00000500000000000000"/>
+              <a:ea typeface="Nunito Sans" panose="00000500000000000000"/>
+              <a:cs typeface="Nunito Sans" panose="00000500000000000000"/>
+              <a:sym typeface="Nunito Sans" panose="00000500000000000000"/>
+            </a:endParaRPr>
+          </a:p>
+        </p:txBody>
+      </p:sp>
+    </p:spTree>
+    <p:extLst>
+      <p:ext uri="{BB962C8B-B14F-4D97-AF65-F5344CB8AC3E}">
+        <p14:creationId xmlns:p14="http://schemas.microsoft.com/office/powerpoint/2010/main" val="3808926756"/>
+      </p:ext>
+    </p:extLst>
+  </p:cSld>
+  <p:clrMapOvr>
+    <a:masterClrMapping/>
+  </p:clrMapOvr>
+  <p:timing>
+    <p:tnLst>
+      <p:par>
+        <p:cTn id="1" dur="indefinite" restart="never" nodeType="tmRoot"/>
+      </p:par>
+    </p:tnLst>
+  </p:timing>
+</p:sld>
+</file>
+
+<file path=ppt/slides/slide15.xml><?xml version="1.0" encoding="utf-8"?>
+<p:sld xmlns:a="http://schemas.openxmlformats.org/drawingml/2006/main" xmlns:r="http://schemas.openxmlformats.org/officeDocument/2006/relationships" xmlns:p="http://schemas.openxmlformats.org/presentationml/2006/main">
+  <p:cSld>
+    <p:bg>
+      <p:bgPr>
+        <a:solidFill>
+          <a:srgbClr val="000000"/>
+        </a:solidFill>
+        <a:effectLst/>
+      </p:bgPr>
+    </p:bg>
+    <p:spTree>
+      <p:nvGrpSpPr>
+        <p:cNvPr id="1" name="Shape 117"/>
+        <p:cNvGrpSpPr/>
+        <p:nvPr/>
+      </p:nvGrpSpPr>
+      <p:grpSpPr>
+        <a:xfrm>
+          <a:off x="0" y="0"/>
+          <a:ext cx="0" cy="0"/>
+          <a:chOff x="0" y="0"/>
+          <a:chExt cx="0" cy="0"/>
+        </a:xfrm>
+      </p:grpSpPr>
+      <p:sp>
+        <p:nvSpPr>
+          <p:cNvPr id="118" name="Google Shape;118;p28"/>
+          <p:cNvSpPr txBox="1"/>
+          <p:nvPr/>
+        </p:nvSpPr>
+        <p:spPr>
+          <a:xfrm>
+            <a:off x="271891" y="1092017"/>
+            <a:ext cx="8600208" cy="3440512"/>
+          </a:xfrm>
+          <a:prstGeom prst="rect">
+            <a:avLst/>
+          </a:prstGeom>
+          <a:noFill/>
+          <a:ln>
+            <a:noFill/>
+          </a:ln>
+        </p:spPr>
+        <p:txBody>
+          <a:bodyPr spcFirstLastPara="1" wrap="square" lIns="91425" tIns="91425" rIns="91425" bIns="91425" anchor="t" anchorCtr="0">
+            <a:noAutofit/>
+          </a:bodyPr>
+          <a:lstStyle/>
+          <a:p>
+            <a:pPr marL="457200" lvl="0" indent="-311150" algn="just" rtl="0">
+              <a:spcBef>
+                <a:spcPts val="0"/>
+              </a:spcBef>
+              <a:spcAft>
+                <a:spcPts val="0"/>
+              </a:spcAft>
+              <a:buClr>
+                <a:srgbClr val="FFFFFF"/>
+              </a:buClr>
+              <a:buSzPts val="1300"/>
+              <a:buFont typeface="Nunito Sans" panose="00000500000000000000"/>
+              <a:buChar char="●"/>
+            </a:pPr>
+            <a:r>
+              <a:rPr lang="es-CO" sz="1300" dirty="0" err="1" smtClean="0">
+                <a:solidFill>
+                  <a:srgbClr val="FFFFFF"/>
+                </a:solidFill>
+                <a:latin typeface="Nunito Sans" panose="00000500000000000000"/>
+                <a:ea typeface="Nunito Sans" panose="00000500000000000000"/>
+                <a:cs typeface="Nunito Sans" panose="00000500000000000000"/>
+                <a:sym typeface="Nunito Sans" panose="00000500000000000000"/>
+              </a:rPr>
+              <a:t>Enables</a:t>
+            </a:r>
+            <a:r>
+              <a:rPr lang="es-CO" sz="1300" dirty="0" smtClean="0">
+                <a:solidFill>
+                  <a:srgbClr val="FFFFFF"/>
+                </a:solidFill>
+                <a:latin typeface="Nunito Sans" panose="00000500000000000000"/>
+                <a:ea typeface="Nunito Sans" panose="00000500000000000000"/>
+                <a:cs typeface="Nunito Sans" panose="00000500000000000000"/>
+                <a:sym typeface="Nunito Sans" panose="00000500000000000000"/>
+              </a:rPr>
+              <a:t> a </a:t>
+            </a:r>
+            <a:r>
+              <a:rPr lang="es-CO" sz="1300" dirty="0" err="1" smtClean="0">
+                <a:solidFill>
+                  <a:srgbClr val="FFFFFF"/>
+                </a:solidFill>
+                <a:latin typeface="Nunito Sans" panose="00000500000000000000"/>
+                <a:ea typeface="Nunito Sans" panose="00000500000000000000"/>
+                <a:cs typeface="Nunito Sans" panose="00000500000000000000"/>
+                <a:sym typeface="Nunito Sans" panose="00000500000000000000"/>
+              </a:rPr>
+              <a:t>client</a:t>
+            </a:r>
+            <a:r>
+              <a:rPr lang="es-CO" sz="1300" dirty="0" smtClean="0">
+                <a:solidFill>
+                  <a:srgbClr val="FFFFFF"/>
+                </a:solidFill>
+                <a:latin typeface="Nunito Sans" panose="00000500000000000000"/>
+                <a:ea typeface="Nunito Sans" panose="00000500000000000000"/>
+                <a:cs typeface="Nunito Sans" panose="00000500000000000000"/>
+                <a:sym typeface="Nunito Sans" panose="00000500000000000000"/>
+              </a:rPr>
+              <a:t> to </a:t>
+            </a:r>
+            <a:r>
+              <a:rPr lang="es-CO" sz="1300" dirty="0" err="1" smtClean="0">
+                <a:solidFill>
+                  <a:srgbClr val="FFFFFF"/>
+                </a:solidFill>
+                <a:latin typeface="Nunito Sans" panose="00000500000000000000"/>
+                <a:ea typeface="Nunito Sans" panose="00000500000000000000"/>
+                <a:cs typeface="Nunito Sans" panose="00000500000000000000"/>
+                <a:sym typeface="Nunito Sans" panose="00000500000000000000"/>
+              </a:rPr>
+              <a:t>choose</a:t>
+            </a:r>
+            <a:r>
+              <a:rPr lang="es-CO" sz="1300" dirty="0" smtClean="0">
+                <a:solidFill>
+                  <a:srgbClr val="FFFFFF"/>
+                </a:solidFill>
+                <a:latin typeface="Nunito Sans" panose="00000500000000000000"/>
+                <a:ea typeface="Nunito Sans" panose="00000500000000000000"/>
+                <a:cs typeface="Nunito Sans" panose="00000500000000000000"/>
+                <a:sym typeface="Nunito Sans" panose="00000500000000000000"/>
+              </a:rPr>
+              <a:t> </a:t>
+            </a:r>
+            <a:r>
+              <a:rPr lang="es-CO" sz="1300" dirty="0" err="1" smtClean="0">
+                <a:solidFill>
+                  <a:srgbClr val="FFFFFF"/>
+                </a:solidFill>
+                <a:latin typeface="Nunito Sans" panose="00000500000000000000"/>
+                <a:ea typeface="Nunito Sans" panose="00000500000000000000"/>
+                <a:cs typeface="Nunito Sans" panose="00000500000000000000"/>
+                <a:sym typeface="Nunito Sans" panose="00000500000000000000"/>
+              </a:rPr>
+              <a:t>wich</a:t>
+            </a:r>
+            <a:r>
+              <a:rPr lang="es-CO" sz="1300" dirty="0" smtClean="0">
+                <a:solidFill>
+                  <a:srgbClr val="FFFFFF"/>
+                </a:solidFill>
+                <a:latin typeface="Nunito Sans" panose="00000500000000000000"/>
+                <a:ea typeface="Nunito Sans" panose="00000500000000000000"/>
+                <a:cs typeface="Nunito Sans" panose="00000500000000000000"/>
+                <a:sym typeface="Nunito Sans" panose="00000500000000000000"/>
+              </a:rPr>
+              <a:t> </a:t>
+            </a:r>
+            <a:r>
+              <a:rPr lang="es-CO" sz="1300" dirty="0" err="1" smtClean="0">
+                <a:solidFill>
+                  <a:srgbClr val="FFFFFF"/>
+                </a:solidFill>
+                <a:latin typeface="Nunito Sans" panose="00000500000000000000"/>
+                <a:ea typeface="Nunito Sans" panose="00000500000000000000"/>
+                <a:cs typeface="Nunito Sans" panose="00000500000000000000"/>
+                <a:sym typeface="Nunito Sans" panose="00000500000000000000"/>
+              </a:rPr>
+              <a:t>algorithm</a:t>
+            </a:r>
+            <a:r>
+              <a:rPr lang="es-CO" sz="1300" dirty="0" smtClean="0">
+                <a:solidFill>
+                  <a:srgbClr val="FFFFFF"/>
+                </a:solidFill>
+                <a:latin typeface="Nunito Sans" panose="00000500000000000000"/>
+                <a:ea typeface="Nunito Sans" panose="00000500000000000000"/>
+                <a:cs typeface="Nunito Sans" panose="00000500000000000000"/>
+                <a:sym typeface="Nunito Sans" panose="00000500000000000000"/>
+              </a:rPr>
+              <a:t> to use </a:t>
+            </a:r>
+            <a:r>
+              <a:rPr lang="es-CO" sz="1300" dirty="0" err="1" smtClean="0">
+                <a:solidFill>
+                  <a:srgbClr val="FFFFFF"/>
+                </a:solidFill>
+                <a:latin typeface="Nunito Sans" panose="00000500000000000000"/>
+                <a:ea typeface="Nunito Sans" panose="00000500000000000000"/>
+                <a:cs typeface="Nunito Sans" panose="00000500000000000000"/>
+                <a:sym typeface="Nunito Sans" panose="00000500000000000000"/>
+              </a:rPr>
+              <a:t>from</a:t>
+            </a:r>
+            <a:r>
+              <a:rPr lang="es-CO" sz="1300" dirty="0" smtClean="0">
+                <a:solidFill>
+                  <a:srgbClr val="FFFFFF"/>
+                </a:solidFill>
+                <a:latin typeface="Nunito Sans" panose="00000500000000000000"/>
+                <a:ea typeface="Nunito Sans" panose="00000500000000000000"/>
+                <a:cs typeface="Nunito Sans" panose="00000500000000000000"/>
+                <a:sym typeface="Nunito Sans" panose="00000500000000000000"/>
+              </a:rPr>
+              <a:t> a </a:t>
+            </a:r>
+            <a:r>
+              <a:rPr lang="es-CO" sz="1300" dirty="0" err="1" smtClean="0">
+                <a:solidFill>
+                  <a:srgbClr val="FFFFFF"/>
+                </a:solidFill>
+                <a:latin typeface="Nunito Sans" panose="00000500000000000000"/>
+                <a:ea typeface="Nunito Sans" panose="00000500000000000000"/>
+                <a:cs typeface="Nunito Sans" panose="00000500000000000000"/>
+                <a:sym typeface="Nunito Sans" panose="00000500000000000000"/>
+              </a:rPr>
+              <a:t>family</a:t>
+            </a:r>
+            <a:r>
+              <a:rPr lang="es-CO" sz="1300" dirty="0" smtClean="0">
+                <a:solidFill>
+                  <a:srgbClr val="FFFFFF"/>
+                </a:solidFill>
+                <a:latin typeface="Nunito Sans" panose="00000500000000000000"/>
+                <a:ea typeface="Nunito Sans" panose="00000500000000000000"/>
+                <a:cs typeface="Nunito Sans" panose="00000500000000000000"/>
+                <a:sym typeface="Nunito Sans" panose="00000500000000000000"/>
+              </a:rPr>
+              <a:t> of </a:t>
+            </a:r>
+            <a:r>
+              <a:rPr lang="es-CO" sz="1300" dirty="0" err="1" smtClean="0">
+                <a:solidFill>
+                  <a:srgbClr val="FFFFFF"/>
+                </a:solidFill>
+                <a:latin typeface="Nunito Sans" panose="00000500000000000000"/>
+                <a:ea typeface="Nunito Sans" panose="00000500000000000000"/>
+                <a:cs typeface="Nunito Sans" panose="00000500000000000000"/>
+                <a:sym typeface="Nunito Sans" panose="00000500000000000000"/>
+              </a:rPr>
+              <a:t>algorithms</a:t>
+            </a:r>
+            <a:r>
+              <a:rPr lang="es-CO" sz="1300" dirty="0" smtClean="0">
+                <a:solidFill>
+                  <a:srgbClr val="FFFFFF"/>
+                </a:solidFill>
+                <a:latin typeface="Nunito Sans" panose="00000500000000000000"/>
+                <a:ea typeface="Nunito Sans" panose="00000500000000000000"/>
+                <a:cs typeface="Nunito Sans" panose="00000500000000000000"/>
+                <a:sym typeface="Nunito Sans" panose="00000500000000000000"/>
+              </a:rPr>
+              <a:t> and </a:t>
+            </a:r>
+            <a:r>
+              <a:rPr lang="es-CO" sz="1300" dirty="0" err="1" smtClean="0">
+                <a:solidFill>
+                  <a:srgbClr val="FFFFFF"/>
+                </a:solidFill>
+                <a:latin typeface="Nunito Sans" panose="00000500000000000000"/>
+                <a:ea typeface="Nunito Sans" panose="00000500000000000000"/>
+                <a:cs typeface="Nunito Sans" panose="00000500000000000000"/>
+                <a:sym typeface="Nunito Sans" panose="00000500000000000000"/>
+              </a:rPr>
+              <a:t>gives</a:t>
+            </a:r>
+            <a:r>
+              <a:rPr lang="es-CO" sz="1300" dirty="0" smtClean="0">
+                <a:solidFill>
+                  <a:srgbClr val="FFFFFF"/>
+                </a:solidFill>
+                <a:latin typeface="Nunito Sans" panose="00000500000000000000"/>
+                <a:ea typeface="Nunito Sans" panose="00000500000000000000"/>
+                <a:cs typeface="Nunito Sans" panose="00000500000000000000"/>
+                <a:sym typeface="Nunito Sans" panose="00000500000000000000"/>
+              </a:rPr>
+              <a:t> </a:t>
+            </a:r>
+            <a:r>
+              <a:rPr lang="es-CO" sz="1300" dirty="0" err="1" smtClean="0">
+                <a:solidFill>
+                  <a:srgbClr val="FFFFFF"/>
+                </a:solidFill>
+                <a:latin typeface="Nunito Sans" panose="00000500000000000000"/>
+                <a:ea typeface="Nunito Sans" panose="00000500000000000000"/>
+                <a:cs typeface="Nunito Sans" panose="00000500000000000000"/>
+                <a:sym typeface="Nunito Sans" panose="00000500000000000000"/>
+              </a:rPr>
+              <a:t>it</a:t>
+            </a:r>
+            <a:r>
+              <a:rPr lang="es-CO" sz="1300" dirty="0" smtClean="0">
+                <a:solidFill>
+                  <a:srgbClr val="FFFFFF"/>
+                </a:solidFill>
+                <a:latin typeface="Nunito Sans" panose="00000500000000000000"/>
+                <a:ea typeface="Nunito Sans" panose="00000500000000000000"/>
+                <a:cs typeface="Nunito Sans" panose="00000500000000000000"/>
+                <a:sym typeface="Nunito Sans" panose="00000500000000000000"/>
+              </a:rPr>
+              <a:t> a simple </a:t>
+            </a:r>
+            <a:r>
+              <a:rPr lang="es-CO" sz="1300" dirty="0" err="1" smtClean="0">
+                <a:solidFill>
+                  <a:srgbClr val="FFFFFF"/>
+                </a:solidFill>
+                <a:latin typeface="Nunito Sans" panose="00000500000000000000"/>
+                <a:ea typeface="Nunito Sans" panose="00000500000000000000"/>
+                <a:cs typeface="Nunito Sans" panose="00000500000000000000"/>
+                <a:sym typeface="Nunito Sans" panose="00000500000000000000"/>
+              </a:rPr>
+              <a:t>way</a:t>
+            </a:r>
+            <a:r>
+              <a:rPr lang="es-CO" sz="1300" dirty="0" smtClean="0">
+                <a:solidFill>
+                  <a:srgbClr val="FFFFFF"/>
+                </a:solidFill>
+                <a:latin typeface="Nunito Sans" panose="00000500000000000000"/>
+                <a:ea typeface="Nunito Sans" panose="00000500000000000000"/>
+                <a:cs typeface="Nunito Sans" panose="00000500000000000000"/>
+                <a:sym typeface="Nunito Sans" panose="00000500000000000000"/>
+              </a:rPr>
+              <a:t> to </a:t>
+            </a:r>
+            <a:r>
+              <a:rPr lang="es-CO" sz="1300" dirty="0" err="1" smtClean="0">
+                <a:solidFill>
+                  <a:srgbClr val="FFFFFF"/>
+                </a:solidFill>
+                <a:latin typeface="Nunito Sans" panose="00000500000000000000"/>
+                <a:ea typeface="Nunito Sans" panose="00000500000000000000"/>
+                <a:cs typeface="Nunito Sans" panose="00000500000000000000"/>
+                <a:sym typeface="Nunito Sans" panose="00000500000000000000"/>
+              </a:rPr>
+              <a:t>access</a:t>
+            </a:r>
+            <a:r>
+              <a:rPr lang="es-CO" sz="1300" dirty="0" smtClean="0">
+                <a:solidFill>
+                  <a:srgbClr val="FFFFFF"/>
+                </a:solidFill>
+                <a:latin typeface="Nunito Sans" panose="00000500000000000000"/>
+                <a:ea typeface="Nunito Sans" panose="00000500000000000000"/>
+                <a:cs typeface="Nunito Sans" panose="00000500000000000000"/>
+                <a:sym typeface="Nunito Sans" panose="00000500000000000000"/>
+              </a:rPr>
+              <a:t> </a:t>
+            </a:r>
+            <a:r>
+              <a:rPr lang="es-CO" sz="1300" dirty="0" err="1" smtClean="0">
+                <a:solidFill>
+                  <a:srgbClr val="FFFFFF"/>
+                </a:solidFill>
+                <a:latin typeface="Nunito Sans" panose="00000500000000000000"/>
+                <a:ea typeface="Nunito Sans" panose="00000500000000000000"/>
+                <a:cs typeface="Nunito Sans" panose="00000500000000000000"/>
+                <a:sym typeface="Nunito Sans" panose="00000500000000000000"/>
+              </a:rPr>
+              <a:t>it</a:t>
+            </a:r>
+            <a:r>
+              <a:rPr lang="es-CO" sz="1300" dirty="0" smtClean="0">
+                <a:solidFill>
+                  <a:srgbClr val="FFFFFF"/>
+                </a:solidFill>
+                <a:latin typeface="Nunito Sans" panose="00000500000000000000"/>
+                <a:ea typeface="Nunito Sans" panose="00000500000000000000"/>
+                <a:cs typeface="Nunito Sans" panose="00000500000000000000"/>
+                <a:sym typeface="Nunito Sans" panose="00000500000000000000"/>
+              </a:rPr>
+              <a:t>.</a:t>
+            </a:r>
+          </a:p>
+          <a:p>
+            <a:pPr marL="457200" lvl="0" indent="-311150" algn="just" rtl="0">
+              <a:spcBef>
+                <a:spcPts val="0"/>
+              </a:spcBef>
+              <a:spcAft>
+                <a:spcPts val="0"/>
+              </a:spcAft>
+              <a:buClr>
+                <a:srgbClr val="FFFFFF"/>
+              </a:buClr>
+              <a:buSzPts val="1300"/>
+              <a:buFont typeface="Nunito Sans" panose="00000500000000000000"/>
+              <a:buChar char="●"/>
+            </a:pPr>
+            <a:endParaRPr lang="es-CO" sz="1300" dirty="0">
+              <a:solidFill>
+                <a:srgbClr val="FFFFFF"/>
+              </a:solidFill>
+              <a:latin typeface="Nunito Sans" panose="00000500000000000000"/>
+              <a:ea typeface="Nunito Sans" panose="00000500000000000000"/>
+              <a:cs typeface="Nunito Sans" panose="00000500000000000000"/>
+              <a:sym typeface="Nunito Sans" panose="00000500000000000000"/>
+            </a:endParaRPr>
+          </a:p>
+          <a:p>
+            <a:pPr marL="457200" lvl="0" indent="-311150" algn="just" rtl="0">
+              <a:spcBef>
+                <a:spcPts val="0"/>
+              </a:spcBef>
+              <a:spcAft>
+                <a:spcPts val="0"/>
+              </a:spcAft>
+              <a:buClr>
+                <a:srgbClr val="FFFFFF"/>
+              </a:buClr>
+              <a:buSzPts val="1300"/>
+              <a:buFont typeface="Nunito Sans" panose="00000500000000000000"/>
+              <a:buChar char="●"/>
+            </a:pPr>
+            <a:r>
+              <a:rPr lang="es-CO" sz="1300" dirty="0" err="1" smtClean="0">
+                <a:solidFill>
+                  <a:srgbClr val="FFFFFF"/>
+                </a:solidFill>
+                <a:latin typeface="Nunito Sans" panose="00000500000000000000"/>
+                <a:ea typeface="Nunito Sans" panose="00000500000000000000"/>
+                <a:cs typeface="Nunito Sans" panose="00000500000000000000"/>
+                <a:sym typeface="Nunito Sans" panose="00000500000000000000"/>
+              </a:rPr>
+              <a:t>Behaviors</a:t>
+            </a:r>
+            <a:r>
+              <a:rPr lang="es-CO" sz="1300" dirty="0" smtClean="0">
+                <a:solidFill>
+                  <a:srgbClr val="FFFFFF"/>
+                </a:solidFill>
+                <a:latin typeface="Nunito Sans" panose="00000500000000000000"/>
+                <a:ea typeface="Nunito Sans" panose="00000500000000000000"/>
+                <a:cs typeface="Nunito Sans" panose="00000500000000000000"/>
+                <a:sym typeface="Nunito Sans" panose="00000500000000000000"/>
+              </a:rPr>
+              <a:t> are </a:t>
+            </a:r>
+            <a:r>
+              <a:rPr lang="es-CO" sz="1300" dirty="0" err="1" smtClean="0">
+                <a:solidFill>
+                  <a:srgbClr val="FFFFFF"/>
+                </a:solidFill>
+                <a:latin typeface="Nunito Sans" panose="00000500000000000000"/>
+                <a:ea typeface="Nunito Sans" panose="00000500000000000000"/>
+                <a:cs typeface="Nunito Sans" panose="00000500000000000000"/>
+                <a:sym typeface="Nunito Sans" panose="00000500000000000000"/>
+              </a:rPr>
+              <a:t>separate</a:t>
+            </a:r>
+            <a:r>
+              <a:rPr lang="es-CO" sz="1300" dirty="0" smtClean="0">
+                <a:solidFill>
+                  <a:srgbClr val="FFFFFF"/>
+                </a:solidFill>
+                <a:latin typeface="Nunito Sans" panose="00000500000000000000"/>
+                <a:ea typeface="Nunito Sans" panose="00000500000000000000"/>
+                <a:cs typeface="Nunito Sans" panose="00000500000000000000"/>
+                <a:sym typeface="Nunito Sans" panose="00000500000000000000"/>
+              </a:rPr>
+              <a:t> in </a:t>
+            </a:r>
+            <a:r>
+              <a:rPr lang="es-CO" sz="1300" dirty="0" err="1" smtClean="0">
+                <a:solidFill>
+                  <a:srgbClr val="FFFFFF"/>
+                </a:solidFill>
+                <a:latin typeface="Nunito Sans" panose="00000500000000000000"/>
+                <a:ea typeface="Nunito Sans" panose="00000500000000000000"/>
+                <a:cs typeface="Nunito Sans" panose="00000500000000000000"/>
+                <a:sym typeface="Nunito Sans" panose="00000500000000000000"/>
+              </a:rPr>
+              <a:t>specific</a:t>
+            </a:r>
+            <a:r>
+              <a:rPr lang="es-CO" sz="1300" dirty="0" smtClean="0">
+                <a:solidFill>
+                  <a:srgbClr val="FFFFFF"/>
+                </a:solidFill>
+                <a:latin typeface="Nunito Sans" panose="00000500000000000000"/>
+                <a:ea typeface="Nunito Sans" panose="00000500000000000000"/>
+                <a:cs typeface="Nunito Sans" panose="00000500000000000000"/>
+                <a:sym typeface="Nunito Sans" panose="00000500000000000000"/>
+              </a:rPr>
+              <a:t> clases </a:t>
+            </a:r>
+            <a:r>
+              <a:rPr lang="es-CO" sz="1300" dirty="0" err="1" smtClean="0">
+                <a:solidFill>
+                  <a:srgbClr val="FFFFFF"/>
+                </a:solidFill>
+                <a:latin typeface="Nunito Sans" panose="00000500000000000000"/>
+                <a:ea typeface="Nunito Sans" panose="00000500000000000000"/>
+                <a:cs typeface="Nunito Sans" panose="00000500000000000000"/>
+                <a:sym typeface="Nunito Sans" panose="00000500000000000000"/>
+              </a:rPr>
+              <a:t>that</a:t>
+            </a:r>
+            <a:r>
+              <a:rPr lang="es-CO" sz="1300" dirty="0" smtClean="0">
+                <a:solidFill>
+                  <a:srgbClr val="FFFFFF"/>
+                </a:solidFill>
+                <a:latin typeface="Nunito Sans" panose="00000500000000000000"/>
+                <a:ea typeface="Nunito Sans" panose="00000500000000000000"/>
+                <a:cs typeface="Nunito Sans" panose="00000500000000000000"/>
+                <a:sym typeface="Nunito Sans" panose="00000500000000000000"/>
+              </a:rPr>
+              <a:t> </a:t>
+            </a:r>
+            <a:r>
+              <a:rPr lang="es-CO" sz="1300" dirty="0" err="1" smtClean="0">
+                <a:solidFill>
+                  <a:srgbClr val="FFFFFF"/>
+                </a:solidFill>
+                <a:latin typeface="Nunito Sans" panose="00000500000000000000"/>
+                <a:ea typeface="Nunito Sans" panose="00000500000000000000"/>
+                <a:cs typeface="Nunito Sans" panose="00000500000000000000"/>
+                <a:sym typeface="Nunito Sans" panose="00000500000000000000"/>
+              </a:rPr>
+              <a:t>implement</a:t>
+            </a:r>
+            <a:r>
+              <a:rPr lang="es-CO" sz="1300" dirty="0" smtClean="0">
+                <a:solidFill>
+                  <a:srgbClr val="FFFFFF"/>
+                </a:solidFill>
+                <a:latin typeface="Nunito Sans" panose="00000500000000000000"/>
+                <a:ea typeface="Nunito Sans" panose="00000500000000000000"/>
+                <a:cs typeface="Nunito Sans" panose="00000500000000000000"/>
+                <a:sym typeface="Nunito Sans" panose="00000500000000000000"/>
+              </a:rPr>
+              <a:t> </a:t>
+            </a:r>
+            <a:r>
+              <a:rPr lang="es-CO" sz="1300" dirty="0" err="1" smtClean="0">
+                <a:solidFill>
+                  <a:srgbClr val="FFFFFF"/>
+                </a:solidFill>
+                <a:latin typeface="Nunito Sans" panose="00000500000000000000"/>
+                <a:ea typeface="Nunito Sans" panose="00000500000000000000"/>
+                <a:cs typeface="Nunito Sans" panose="00000500000000000000"/>
+                <a:sym typeface="Nunito Sans" panose="00000500000000000000"/>
+              </a:rPr>
+              <a:t>the</a:t>
+            </a:r>
+            <a:r>
+              <a:rPr lang="es-CO" sz="1300" dirty="0" smtClean="0">
+                <a:solidFill>
+                  <a:srgbClr val="FFFFFF"/>
+                </a:solidFill>
+                <a:latin typeface="Nunito Sans" panose="00000500000000000000"/>
+                <a:ea typeface="Nunito Sans" panose="00000500000000000000"/>
+                <a:cs typeface="Nunito Sans" panose="00000500000000000000"/>
+                <a:sym typeface="Nunito Sans" panose="00000500000000000000"/>
+              </a:rPr>
+              <a:t> general interface (</a:t>
+            </a:r>
+            <a:r>
+              <a:rPr lang="es-CO" sz="1300" dirty="0" err="1" smtClean="0">
+                <a:solidFill>
+                  <a:srgbClr val="FFFFFF"/>
+                </a:solidFill>
+                <a:latin typeface="Nunito Sans" panose="00000500000000000000"/>
+                <a:ea typeface="Nunito Sans" panose="00000500000000000000"/>
+                <a:cs typeface="Nunito Sans" panose="00000500000000000000"/>
+                <a:sym typeface="Nunito Sans" panose="00000500000000000000"/>
+              </a:rPr>
+              <a:t>IStrategy</a:t>
+            </a:r>
+            <a:r>
+              <a:rPr lang="es-CO" sz="1300" dirty="0" smtClean="0">
+                <a:solidFill>
+                  <a:srgbClr val="FFFFFF"/>
+                </a:solidFill>
+                <a:latin typeface="Nunito Sans" panose="00000500000000000000"/>
+                <a:ea typeface="Nunito Sans" panose="00000500000000000000"/>
+                <a:cs typeface="Nunito Sans" panose="00000500000000000000"/>
+                <a:sym typeface="Nunito Sans" panose="00000500000000000000"/>
+              </a:rPr>
+              <a:t>).</a:t>
+            </a:r>
+          </a:p>
+          <a:p>
+            <a:pPr marL="457200" lvl="0" indent="-311150" algn="just" rtl="0">
+              <a:spcBef>
+                <a:spcPts val="0"/>
+              </a:spcBef>
+              <a:spcAft>
+                <a:spcPts val="0"/>
+              </a:spcAft>
+              <a:buClr>
+                <a:srgbClr val="FFFFFF"/>
+              </a:buClr>
+              <a:buSzPts val="1300"/>
+              <a:buFont typeface="Nunito Sans" panose="00000500000000000000"/>
+              <a:buChar char="●"/>
+            </a:pPr>
+            <a:endParaRPr lang="es-CO" sz="1300" dirty="0" smtClean="0">
+              <a:solidFill>
+                <a:srgbClr val="FFFFFF"/>
+              </a:solidFill>
+              <a:latin typeface="Nunito Sans" panose="00000500000000000000"/>
+              <a:ea typeface="Nunito Sans" panose="00000500000000000000"/>
+              <a:cs typeface="Nunito Sans" panose="00000500000000000000"/>
+              <a:sym typeface="Nunito Sans" panose="00000500000000000000"/>
+            </a:endParaRPr>
+          </a:p>
+          <a:p>
+            <a:pPr marL="457200" lvl="0" indent="-311150" algn="just" rtl="0">
+              <a:spcBef>
+                <a:spcPts val="0"/>
+              </a:spcBef>
+              <a:spcAft>
+                <a:spcPts val="0"/>
+              </a:spcAft>
+              <a:buClr>
+                <a:srgbClr val="FFFFFF"/>
+              </a:buClr>
+              <a:buSzPts val="1300"/>
+              <a:buFont typeface="Nunito Sans" panose="00000500000000000000"/>
+              <a:buChar char="●"/>
+            </a:pPr>
+            <a:r>
+              <a:rPr lang="es-CO" sz="1300" dirty="0" err="1" smtClean="0">
+                <a:solidFill>
+                  <a:srgbClr val="FFFFFF"/>
+                </a:solidFill>
+                <a:latin typeface="Nunito Sans" panose="00000500000000000000"/>
+                <a:ea typeface="Nunito Sans" panose="00000500000000000000"/>
+                <a:cs typeface="Nunito Sans" panose="00000500000000000000"/>
+                <a:sym typeface="Nunito Sans" panose="00000500000000000000"/>
+              </a:rPr>
+              <a:t>Allow</a:t>
+            </a:r>
+            <a:r>
+              <a:rPr lang="es-CO" sz="1300" dirty="0" smtClean="0">
+                <a:solidFill>
+                  <a:srgbClr val="FFFFFF"/>
+                </a:solidFill>
+                <a:latin typeface="Nunito Sans" panose="00000500000000000000"/>
+                <a:ea typeface="Nunito Sans" panose="00000500000000000000"/>
+                <a:cs typeface="Nunito Sans" panose="00000500000000000000"/>
+                <a:sym typeface="Nunito Sans" panose="00000500000000000000"/>
+              </a:rPr>
+              <a:t> </a:t>
+            </a:r>
+            <a:r>
+              <a:rPr lang="es-CO" sz="1300" dirty="0" err="1" smtClean="0">
+                <a:solidFill>
+                  <a:srgbClr val="FFFFFF"/>
+                </a:solidFill>
+                <a:latin typeface="Nunito Sans" panose="00000500000000000000"/>
+                <a:ea typeface="Nunito Sans" panose="00000500000000000000"/>
+                <a:cs typeface="Nunito Sans" panose="00000500000000000000"/>
+                <a:sym typeface="Nunito Sans" panose="00000500000000000000"/>
+              </a:rPr>
+              <a:t>better</a:t>
+            </a:r>
+            <a:r>
+              <a:rPr lang="es-CO" sz="1300" dirty="0" smtClean="0">
+                <a:solidFill>
+                  <a:srgbClr val="FFFFFF"/>
+                </a:solidFill>
+                <a:latin typeface="Nunito Sans" panose="00000500000000000000"/>
+                <a:ea typeface="Nunito Sans" panose="00000500000000000000"/>
+                <a:cs typeface="Nunito Sans" panose="00000500000000000000"/>
+                <a:sym typeface="Nunito Sans" panose="00000500000000000000"/>
+              </a:rPr>
+              <a:t> </a:t>
+            </a:r>
+            <a:r>
+              <a:rPr lang="es-CO" sz="1300" dirty="0" err="1" smtClean="0">
+                <a:solidFill>
+                  <a:srgbClr val="FFFFFF"/>
+                </a:solidFill>
+                <a:latin typeface="Nunito Sans" panose="00000500000000000000"/>
+                <a:ea typeface="Nunito Sans" panose="00000500000000000000"/>
+                <a:cs typeface="Nunito Sans" panose="00000500000000000000"/>
+                <a:sym typeface="Nunito Sans" panose="00000500000000000000"/>
+              </a:rPr>
+              <a:t>decoupling</a:t>
+            </a:r>
+            <a:r>
+              <a:rPr lang="es-CO" sz="1300" dirty="0" smtClean="0">
+                <a:solidFill>
+                  <a:srgbClr val="FFFFFF"/>
+                </a:solidFill>
+                <a:latin typeface="Nunito Sans" panose="00000500000000000000"/>
+                <a:ea typeface="Nunito Sans" panose="00000500000000000000"/>
+                <a:cs typeface="Nunito Sans" panose="00000500000000000000"/>
+                <a:sym typeface="Nunito Sans" panose="00000500000000000000"/>
+              </a:rPr>
+              <a:t> </a:t>
+            </a:r>
+            <a:r>
+              <a:rPr lang="es-CO" sz="1300" dirty="0" err="1" smtClean="0">
+                <a:solidFill>
+                  <a:srgbClr val="FFFFFF"/>
+                </a:solidFill>
+                <a:latin typeface="Nunito Sans" panose="00000500000000000000"/>
+                <a:ea typeface="Nunito Sans" panose="00000500000000000000"/>
+                <a:cs typeface="Nunito Sans" panose="00000500000000000000"/>
+                <a:sym typeface="Nunito Sans" panose="00000500000000000000"/>
+              </a:rPr>
+              <a:t>between</a:t>
+            </a:r>
+            <a:r>
+              <a:rPr lang="es-CO" sz="1300" dirty="0" smtClean="0">
+                <a:solidFill>
+                  <a:srgbClr val="FFFFFF"/>
+                </a:solidFill>
+                <a:latin typeface="Nunito Sans" panose="00000500000000000000"/>
+                <a:ea typeface="Nunito Sans" panose="00000500000000000000"/>
+                <a:cs typeface="Nunito Sans" panose="00000500000000000000"/>
+                <a:sym typeface="Nunito Sans" panose="00000500000000000000"/>
+              </a:rPr>
+              <a:t> </a:t>
+            </a:r>
+            <a:r>
+              <a:rPr lang="es-CO" sz="1300" dirty="0" err="1" smtClean="0">
+                <a:solidFill>
+                  <a:srgbClr val="FFFFFF"/>
+                </a:solidFill>
+                <a:latin typeface="Nunito Sans" panose="00000500000000000000"/>
+                <a:ea typeface="Nunito Sans" panose="00000500000000000000"/>
+                <a:cs typeface="Nunito Sans" panose="00000500000000000000"/>
+                <a:sym typeface="Nunito Sans" panose="00000500000000000000"/>
+              </a:rPr>
+              <a:t>the</a:t>
+            </a:r>
+            <a:r>
+              <a:rPr lang="es-CO" sz="1300" dirty="0" smtClean="0">
+                <a:solidFill>
+                  <a:srgbClr val="FFFFFF"/>
+                </a:solidFill>
+                <a:latin typeface="Nunito Sans" panose="00000500000000000000"/>
+                <a:ea typeface="Nunito Sans" panose="00000500000000000000"/>
+                <a:cs typeface="Nunito Sans" panose="00000500000000000000"/>
+                <a:sym typeface="Nunito Sans" panose="00000500000000000000"/>
+              </a:rPr>
+              <a:t> </a:t>
+            </a:r>
+            <a:r>
+              <a:rPr lang="es-CO" sz="1300" dirty="0" err="1" smtClean="0">
+                <a:solidFill>
+                  <a:srgbClr val="FFFFFF"/>
+                </a:solidFill>
+                <a:latin typeface="Nunito Sans" panose="00000500000000000000"/>
+                <a:ea typeface="Nunito Sans" panose="00000500000000000000"/>
+                <a:cs typeface="Nunito Sans" panose="00000500000000000000"/>
+                <a:sym typeface="Nunito Sans" panose="00000500000000000000"/>
+              </a:rPr>
+              <a:t>classs</a:t>
+            </a:r>
+            <a:r>
+              <a:rPr lang="es-CO" sz="1300" dirty="0" smtClean="0">
+                <a:solidFill>
+                  <a:srgbClr val="FFFFFF"/>
+                </a:solidFill>
+                <a:latin typeface="Nunito Sans" panose="00000500000000000000"/>
+                <a:ea typeface="Nunito Sans" panose="00000500000000000000"/>
+                <a:cs typeface="Nunito Sans" panose="00000500000000000000"/>
+                <a:sym typeface="Nunito Sans" panose="00000500000000000000"/>
+              </a:rPr>
+              <a:t> </a:t>
+            </a:r>
+            <a:r>
+              <a:rPr lang="es-CO" sz="1300" dirty="0" err="1" smtClean="0">
+                <a:solidFill>
+                  <a:srgbClr val="FFFFFF"/>
+                </a:solidFill>
+                <a:latin typeface="Nunito Sans" panose="00000500000000000000"/>
+                <a:ea typeface="Nunito Sans" panose="00000500000000000000"/>
+                <a:cs typeface="Nunito Sans" panose="00000500000000000000"/>
+                <a:sym typeface="Nunito Sans" panose="00000500000000000000"/>
+              </a:rPr>
+              <a:t>that</a:t>
+            </a:r>
+            <a:r>
+              <a:rPr lang="es-CO" sz="1300" dirty="0" smtClean="0">
+                <a:solidFill>
+                  <a:srgbClr val="FFFFFF"/>
+                </a:solidFill>
+                <a:latin typeface="Nunito Sans" panose="00000500000000000000"/>
+                <a:ea typeface="Nunito Sans" panose="00000500000000000000"/>
+                <a:cs typeface="Nunito Sans" panose="00000500000000000000"/>
+                <a:sym typeface="Nunito Sans" panose="00000500000000000000"/>
+              </a:rPr>
+              <a:t> uses a </a:t>
+            </a:r>
+            <a:r>
+              <a:rPr lang="es-CO" sz="1300" dirty="0" err="1" smtClean="0">
+                <a:solidFill>
+                  <a:srgbClr val="FFFFFF"/>
+                </a:solidFill>
+                <a:latin typeface="Nunito Sans" panose="00000500000000000000"/>
+                <a:ea typeface="Nunito Sans" panose="00000500000000000000"/>
+                <a:cs typeface="Nunito Sans" panose="00000500000000000000"/>
+                <a:sym typeface="Nunito Sans" panose="00000500000000000000"/>
+              </a:rPr>
+              <a:t>specific</a:t>
+            </a:r>
+            <a:r>
+              <a:rPr lang="es-CO" sz="1300" dirty="0" smtClean="0">
+                <a:solidFill>
+                  <a:srgbClr val="FFFFFF"/>
+                </a:solidFill>
+                <a:latin typeface="Nunito Sans" panose="00000500000000000000"/>
+                <a:ea typeface="Nunito Sans" panose="00000500000000000000"/>
+                <a:cs typeface="Nunito Sans" panose="00000500000000000000"/>
+                <a:sym typeface="Nunito Sans" panose="00000500000000000000"/>
+              </a:rPr>
+              <a:t> </a:t>
+            </a:r>
+            <a:r>
+              <a:rPr lang="es-CO" sz="1300" dirty="0" err="1" smtClean="0">
+                <a:solidFill>
+                  <a:srgbClr val="FFFFFF"/>
+                </a:solidFill>
+                <a:latin typeface="Nunito Sans" panose="00000500000000000000"/>
+                <a:ea typeface="Nunito Sans" panose="00000500000000000000"/>
+                <a:cs typeface="Nunito Sans" panose="00000500000000000000"/>
+                <a:sym typeface="Nunito Sans" panose="00000500000000000000"/>
+              </a:rPr>
+              <a:t>behavior</a:t>
+            </a:r>
+            <a:endParaRPr lang="es-CO" sz="1300" dirty="0" smtClean="0">
+              <a:solidFill>
+                <a:srgbClr val="FFFFFF"/>
+              </a:solidFill>
+              <a:latin typeface="Nunito Sans" panose="00000500000000000000"/>
+              <a:ea typeface="Nunito Sans" panose="00000500000000000000"/>
+              <a:cs typeface="Nunito Sans" panose="00000500000000000000"/>
+              <a:sym typeface="Nunito Sans" panose="00000500000000000000"/>
+            </a:endParaRPr>
+          </a:p>
+          <a:p>
+            <a:pPr marL="457200" lvl="0" indent="-311150" algn="just" rtl="0">
+              <a:spcBef>
+                <a:spcPts val="0"/>
+              </a:spcBef>
+              <a:spcAft>
+                <a:spcPts val="0"/>
+              </a:spcAft>
+              <a:buClr>
+                <a:srgbClr val="FFFFFF"/>
+              </a:buClr>
+              <a:buSzPts val="1300"/>
+              <a:buFont typeface="Nunito Sans" panose="00000500000000000000"/>
+              <a:buChar char="●"/>
+            </a:pPr>
+            <a:endParaRPr lang="es-CO" sz="1300" dirty="0" smtClean="0">
+              <a:solidFill>
+                <a:srgbClr val="FFFFFF"/>
+              </a:solidFill>
+              <a:latin typeface="Nunito Sans" panose="00000500000000000000"/>
+              <a:ea typeface="Nunito Sans" panose="00000500000000000000"/>
+              <a:cs typeface="Nunito Sans" panose="00000500000000000000"/>
+              <a:sym typeface="Nunito Sans" panose="00000500000000000000"/>
+            </a:endParaRPr>
+          </a:p>
+          <a:p>
+            <a:pPr marL="457200" lvl="0" indent="-311150" algn="just" rtl="0">
+              <a:spcBef>
+                <a:spcPts val="0"/>
+              </a:spcBef>
+              <a:spcAft>
+                <a:spcPts val="0"/>
+              </a:spcAft>
+              <a:buClr>
+                <a:srgbClr val="FFFFFF"/>
+              </a:buClr>
+              <a:buSzPts val="1300"/>
+              <a:buFont typeface="Nunito Sans" panose="00000500000000000000"/>
+              <a:buChar char="●"/>
+            </a:pPr>
+            <a:r>
+              <a:rPr lang="es-CO" sz="1300" dirty="0" err="1" smtClean="0">
+                <a:solidFill>
+                  <a:srgbClr val="FFFFFF"/>
+                </a:solidFill>
+                <a:latin typeface="Nunito Sans" panose="00000500000000000000"/>
+                <a:ea typeface="Nunito Sans" panose="00000500000000000000"/>
+                <a:cs typeface="Nunito Sans" panose="00000500000000000000"/>
+                <a:sym typeface="Nunito Sans" panose="00000500000000000000"/>
+              </a:rPr>
+              <a:t>The</a:t>
+            </a:r>
+            <a:r>
+              <a:rPr lang="es-CO" sz="1300" dirty="0" smtClean="0">
+                <a:solidFill>
+                  <a:srgbClr val="FFFFFF"/>
+                </a:solidFill>
+                <a:latin typeface="Nunito Sans" panose="00000500000000000000"/>
+                <a:ea typeface="Nunito Sans" panose="00000500000000000000"/>
+                <a:cs typeface="Nunito Sans" panose="00000500000000000000"/>
+                <a:sym typeface="Nunito Sans" panose="00000500000000000000"/>
+              </a:rPr>
+              <a:t> </a:t>
+            </a:r>
+            <a:r>
+              <a:rPr lang="es-CO" sz="1300" dirty="0" err="1" smtClean="0">
+                <a:solidFill>
+                  <a:srgbClr val="FFFFFF"/>
+                </a:solidFill>
+                <a:latin typeface="Nunito Sans" panose="00000500000000000000"/>
+                <a:ea typeface="Nunito Sans" panose="00000500000000000000"/>
+                <a:cs typeface="Nunito Sans" panose="00000500000000000000"/>
+                <a:sym typeface="Nunito Sans" panose="00000500000000000000"/>
+              </a:rPr>
+              <a:t>behavior</a:t>
+            </a:r>
+            <a:r>
+              <a:rPr lang="es-CO" sz="1300" dirty="0" smtClean="0">
+                <a:solidFill>
+                  <a:srgbClr val="FFFFFF"/>
+                </a:solidFill>
+                <a:latin typeface="Nunito Sans" panose="00000500000000000000"/>
+                <a:ea typeface="Nunito Sans" panose="00000500000000000000"/>
+                <a:cs typeface="Nunito Sans" panose="00000500000000000000"/>
+                <a:sym typeface="Nunito Sans" panose="00000500000000000000"/>
+              </a:rPr>
+              <a:t> in </a:t>
+            </a:r>
+            <a:r>
+              <a:rPr lang="es-CO" sz="1300" dirty="0" err="1" smtClean="0">
+                <a:solidFill>
+                  <a:srgbClr val="FFFFFF"/>
+                </a:solidFill>
+                <a:latin typeface="Nunito Sans" panose="00000500000000000000"/>
+                <a:ea typeface="Nunito Sans" panose="00000500000000000000"/>
+                <a:cs typeface="Nunito Sans" panose="00000500000000000000"/>
+                <a:sym typeface="Nunito Sans" panose="00000500000000000000"/>
+              </a:rPr>
+              <a:t>the</a:t>
+            </a:r>
+            <a:r>
+              <a:rPr lang="es-CO" sz="1300" dirty="0" smtClean="0">
+                <a:solidFill>
+                  <a:srgbClr val="FFFFFF"/>
+                </a:solidFill>
+                <a:latin typeface="Nunito Sans" panose="00000500000000000000"/>
+                <a:ea typeface="Nunito Sans" panose="00000500000000000000"/>
+                <a:cs typeface="Nunito Sans" panose="00000500000000000000"/>
+                <a:sym typeface="Nunito Sans" panose="00000500000000000000"/>
+              </a:rPr>
+              <a:t> </a:t>
+            </a:r>
+            <a:r>
+              <a:rPr lang="es-CO" sz="1300" dirty="0" err="1" smtClean="0">
+                <a:solidFill>
+                  <a:srgbClr val="FFFFFF"/>
+                </a:solidFill>
+                <a:latin typeface="Nunito Sans" panose="00000500000000000000"/>
+                <a:ea typeface="Nunito Sans" panose="00000500000000000000"/>
+                <a:cs typeface="Nunito Sans" panose="00000500000000000000"/>
+                <a:sym typeface="Nunito Sans" panose="00000500000000000000"/>
+              </a:rPr>
+              <a:t>ConcreteStrategy</a:t>
+            </a:r>
+            <a:r>
+              <a:rPr lang="es-CO" sz="1300" dirty="0" err="1" smtClean="0">
+                <a:solidFill>
+                  <a:srgbClr val="FFFFFF"/>
+                </a:solidFill>
+                <a:latin typeface="Nunito Sans" panose="00000500000000000000"/>
+                <a:ea typeface="Nunito Sans" panose="00000500000000000000"/>
+                <a:cs typeface="Nunito Sans" panose="00000500000000000000"/>
+                <a:sym typeface="Nunito Sans" panose="00000500000000000000"/>
+              </a:rPr>
+              <a:t>Class</a:t>
+            </a:r>
+            <a:r>
+              <a:rPr lang="es-CO" sz="1300" dirty="0" smtClean="0">
+                <a:solidFill>
+                  <a:srgbClr val="FFFFFF"/>
+                </a:solidFill>
+                <a:latin typeface="Nunito Sans" panose="00000500000000000000"/>
+                <a:ea typeface="Nunito Sans" panose="00000500000000000000"/>
+                <a:cs typeface="Nunito Sans" panose="00000500000000000000"/>
+                <a:sym typeface="Nunito Sans" panose="00000500000000000000"/>
+              </a:rPr>
+              <a:t> </a:t>
+            </a:r>
+            <a:r>
+              <a:rPr lang="es-CO" sz="1300" dirty="0" smtClean="0">
+                <a:solidFill>
+                  <a:srgbClr val="FFFFFF"/>
+                </a:solidFill>
+                <a:latin typeface="Nunito Sans" panose="00000500000000000000"/>
+                <a:ea typeface="Nunito Sans" panose="00000500000000000000"/>
+                <a:cs typeface="Nunito Sans" panose="00000500000000000000"/>
+                <a:sym typeface="Nunito Sans" panose="00000500000000000000"/>
+              </a:rPr>
+              <a:t>can be </a:t>
+            </a:r>
+            <a:r>
+              <a:rPr lang="es-CO" sz="1300" dirty="0" err="1" smtClean="0">
+                <a:solidFill>
+                  <a:srgbClr val="FFFFFF"/>
+                </a:solidFill>
+                <a:latin typeface="Nunito Sans" panose="00000500000000000000"/>
+                <a:ea typeface="Nunito Sans" panose="00000500000000000000"/>
+                <a:cs typeface="Nunito Sans" panose="00000500000000000000"/>
+                <a:sym typeface="Nunito Sans" panose="00000500000000000000"/>
+              </a:rPr>
+              <a:t>changed</a:t>
+            </a:r>
+            <a:r>
+              <a:rPr lang="es-CO" sz="1300" dirty="0" smtClean="0">
+                <a:solidFill>
+                  <a:srgbClr val="FFFFFF"/>
+                </a:solidFill>
+                <a:latin typeface="Nunito Sans" panose="00000500000000000000"/>
+                <a:ea typeface="Nunito Sans" panose="00000500000000000000"/>
+                <a:cs typeface="Nunito Sans" panose="00000500000000000000"/>
+                <a:sym typeface="Nunito Sans" panose="00000500000000000000"/>
+              </a:rPr>
+              <a:t> </a:t>
+            </a:r>
+            <a:r>
+              <a:rPr lang="es-CO" sz="1300" dirty="0" err="1" smtClean="0">
+                <a:solidFill>
+                  <a:srgbClr val="FFFFFF"/>
+                </a:solidFill>
+                <a:latin typeface="Nunito Sans" panose="00000500000000000000"/>
+                <a:ea typeface="Nunito Sans" panose="00000500000000000000"/>
+                <a:cs typeface="Nunito Sans" panose="00000500000000000000"/>
+                <a:sym typeface="Nunito Sans" panose="00000500000000000000"/>
+              </a:rPr>
+              <a:t>without</a:t>
+            </a:r>
+            <a:r>
+              <a:rPr lang="es-CO" sz="1300" dirty="0" smtClean="0">
+                <a:solidFill>
+                  <a:srgbClr val="FFFFFF"/>
+                </a:solidFill>
+                <a:latin typeface="Nunito Sans" panose="00000500000000000000"/>
+                <a:ea typeface="Nunito Sans" panose="00000500000000000000"/>
+                <a:cs typeface="Nunito Sans" panose="00000500000000000000"/>
+                <a:sym typeface="Nunito Sans" panose="00000500000000000000"/>
+              </a:rPr>
+              <a:t> </a:t>
+            </a:r>
+            <a:r>
+              <a:rPr lang="es-CO" sz="1300" dirty="0" err="1" smtClean="0">
+                <a:solidFill>
+                  <a:srgbClr val="FFFFFF"/>
+                </a:solidFill>
+                <a:latin typeface="Nunito Sans" panose="00000500000000000000"/>
+                <a:ea typeface="Nunito Sans" panose="00000500000000000000"/>
+                <a:cs typeface="Nunito Sans" panose="00000500000000000000"/>
+                <a:sym typeface="Nunito Sans" panose="00000500000000000000"/>
+              </a:rPr>
+              <a:t>breaking</a:t>
+            </a:r>
+            <a:r>
+              <a:rPr lang="es-CO" sz="1300" dirty="0" smtClean="0">
+                <a:solidFill>
+                  <a:srgbClr val="FFFFFF"/>
+                </a:solidFill>
+                <a:latin typeface="Nunito Sans" panose="00000500000000000000"/>
+                <a:ea typeface="Nunito Sans" panose="00000500000000000000"/>
+                <a:cs typeface="Nunito Sans" panose="00000500000000000000"/>
+                <a:sym typeface="Nunito Sans" panose="00000500000000000000"/>
+              </a:rPr>
+              <a:t> </a:t>
+            </a:r>
+            <a:r>
+              <a:rPr lang="es-CO" sz="1300" dirty="0" err="1" smtClean="0">
+                <a:solidFill>
+                  <a:srgbClr val="FFFFFF"/>
+                </a:solidFill>
+                <a:latin typeface="Nunito Sans" panose="00000500000000000000"/>
+                <a:ea typeface="Nunito Sans" panose="00000500000000000000"/>
+                <a:cs typeface="Nunito Sans" panose="00000500000000000000"/>
+                <a:sym typeface="Nunito Sans" panose="00000500000000000000"/>
+              </a:rPr>
+              <a:t>the</a:t>
+            </a:r>
+            <a:r>
+              <a:rPr lang="es-CO" sz="1300" dirty="0" smtClean="0">
+                <a:solidFill>
+                  <a:srgbClr val="FFFFFF"/>
+                </a:solidFill>
+                <a:latin typeface="Nunito Sans" panose="00000500000000000000"/>
+                <a:ea typeface="Nunito Sans" panose="00000500000000000000"/>
+                <a:cs typeface="Nunito Sans" panose="00000500000000000000"/>
+                <a:sym typeface="Nunito Sans" panose="00000500000000000000"/>
+              </a:rPr>
+              <a:t> </a:t>
+            </a:r>
+            <a:r>
+              <a:rPr lang="es-CO" sz="1300" dirty="0" err="1" smtClean="0">
+                <a:solidFill>
+                  <a:srgbClr val="FFFFFF"/>
+                </a:solidFill>
+                <a:latin typeface="Nunito Sans" panose="00000500000000000000"/>
+                <a:ea typeface="Nunito Sans" panose="00000500000000000000"/>
+                <a:cs typeface="Nunito Sans" panose="00000500000000000000"/>
+                <a:sym typeface="Nunito Sans" panose="00000500000000000000"/>
+              </a:rPr>
+              <a:t>classes</a:t>
+            </a:r>
+            <a:r>
+              <a:rPr lang="es-CO" sz="1300" dirty="0" smtClean="0">
+                <a:solidFill>
+                  <a:srgbClr val="FFFFFF"/>
+                </a:solidFill>
+                <a:latin typeface="Nunito Sans" panose="00000500000000000000"/>
+                <a:ea typeface="Nunito Sans" panose="00000500000000000000"/>
+                <a:cs typeface="Nunito Sans" panose="00000500000000000000"/>
+                <a:sym typeface="Nunito Sans" panose="00000500000000000000"/>
+              </a:rPr>
+              <a:t> </a:t>
+            </a:r>
+            <a:r>
+              <a:rPr lang="es-CO" sz="1300" dirty="0" err="1" smtClean="0">
+                <a:solidFill>
+                  <a:srgbClr val="FFFFFF"/>
+                </a:solidFill>
+                <a:latin typeface="Nunito Sans" panose="00000500000000000000"/>
+                <a:ea typeface="Nunito Sans" panose="00000500000000000000"/>
+                <a:cs typeface="Nunito Sans" panose="00000500000000000000"/>
+                <a:sym typeface="Nunito Sans" panose="00000500000000000000"/>
+              </a:rPr>
+              <a:t>that</a:t>
+            </a:r>
+            <a:r>
+              <a:rPr lang="es-CO" sz="1300" dirty="0" smtClean="0">
+                <a:solidFill>
+                  <a:srgbClr val="FFFFFF"/>
+                </a:solidFill>
+                <a:latin typeface="Nunito Sans" panose="00000500000000000000"/>
+                <a:ea typeface="Nunito Sans" panose="00000500000000000000"/>
+                <a:cs typeface="Nunito Sans" panose="00000500000000000000"/>
+                <a:sym typeface="Nunito Sans" panose="00000500000000000000"/>
+              </a:rPr>
+              <a:t> use </a:t>
+            </a:r>
+            <a:r>
+              <a:rPr lang="es-CO" sz="1300" dirty="0" err="1" smtClean="0">
+                <a:solidFill>
+                  <a:srgbClr val="FFFFFF"/>
+                </a:solidFill>
+                <a:latin typeface="Nunito Sans" panose="00000500000000000000"/>
+                <a:ea typeface="Nunito Sans" panose="00000500000000000000"/>
+                <a:cs typeface="Nunito Sans" panose="00000500000000000000"/>
+                <a:sym typeface="Nunito Sans" panose="00000500000000000000"/>
+              </a:rPr>
+              <a:t>it</a:t>
+            </a:r>
+            <a:endParaRPr lang="es-CO" sz="1300" dirty="0" smtClean="0">
+              <a:solidFill>
+                <a:srgbClr val="FFFFFF"/>
+              </a:solidFill>
+              <a:latin typeface="Nunito Sans" panose="00000500000000000000"/>
+              <a:ea typeface="Nunito Sans" panose="00000500000000000000"/>
+              <a:cs typeface="Nunito Sans" panose="00000500000000000000"/>
+              <a:sym typeface="Nunito Sans" panose="00000500000000000000"/>
+            </a:endParaRPr>
+          </a:p>
+          <a:p>
+            <a:pPr marL="457200" lvl="0" indent="-311150" algn="just" rtl="0">
+              <a:spcBef>
+                <a:spcPts val="0"/>
+              </a:spcBef>
+              <a:spcAft>
+                <a:spcPts val="0"/>
+              </a:spcAft>
+              <a:buClr>
+                <a:srgbClr val="FFFFFF"/>
+              </a:buClr>
+              <a:buSzPts val="1300"/>
+              <a:buFont typeface="Nunito Sans" panose="00000500000000000000"/>
+              <a:buChar char="●"/>
+            </a:pPr>
+            <a:endParaRPr lang="es-CO" sz="1300" dirty="0">
+              <a:solidFill>
+                <a:srgbClr val="FFFFFF"/>
+              </a:solidFill>
+              <a:latin typeface="Nunito Sans" panose="00000500000000000000"/>
+              <a:ea typeface="Nunito Sans" panose="00000500000000000000"/>
+              <a:cs typeface="Nunito Sans" panose="00000500000000000000"/>
+              <a:sym typeface="Nunito Sans" panose="00000500000000000000"/>
+            </a:endParaRPr>
+          </a:p>
+          <a:p>
+            <a:pPr marL="457200" lvl="0" indent="-311150" algn="just" rtl="0">
+              <a:spcBef>
+                <a:spcPts val="0"/>
+              </a:spcBef>
+              <a:spcAft>
+                <a:spcPts val="0"/>
+              </a:spcAft>
+              <a:buClr>
+                <a:srgbClr val="FFFFFF"/>
+              </a:buClr>
+              <a:buSzPts val="1300"/>
+              <a:buFont typeface="Nunito Sans" panose="00000500000000000000"/>
+              <a:buChar char="●"/>
+            </a:pPr>
+            <a:r>
+              <a:rPr lang="es-CO" sz="1300" dirty="0" smtClean="0">
+                <a:solidFill>
+                  <a:srgbClr val="FFFFFF"/>
+                </a:solidFill>
+                <a:latin typeface="Nunito Sans" panose="00000500000000000000"/>
+                <a:ea typeface="Nunito Sans" panose="00000500000000000000"/>
+                <a:cs typeface="Nunito Sans" panose="00000500000000000000"/>
+                <a:sym typeface="Nunito Sans" panose="00000500000000000000"/>
+              </a:rPr>
+              <a:t>Use </a:t>
+            </a:r>
+            <a:r>
+              <a:rPr lang="es-CO" sz="1300" dirty="0" err="1" smtClean="0">
+                <a:solidFill>
+                  <a:srgbClr val="FFFFFF"/>
+                </a:solidFill>
+                <a:latin typeface="Nunito Sans" panose="00000500000000000000"/>
+                <a:ea typeface="Nunito Sans" panose="00000500000000000000"/>
+                <a:cs typeface="Nunito Sans" panose="00000500000000000000"/>
+                <a:sym typeface="Nunito Sans" panose="00000500000000000000"/>
+              </a:rPr>
+              <a:t>this</a:t>
+            </a:r>
+            <a:r>
+              <a:rPr lang="es-CO" sz="1300" dirty="0" smtClean="0">
+                <a:solidFill>
+                  <a:srgbClr val="FFFFFF"/>
+                </a:solidFill>
+                <a:latin typeface="Nunito Sans" panose="00000500000000000000"/>
+                <a:ea typeface="Nunito Sans" panose="00000500000000000000"/>
+                <a:cs typeface="Nunito Sans" panose="00000500000000000000"/>
+                <a:sym typeface="Nunito Sans" panose="00000500000000000000"/>
+              </a:rPr>
+              <a:t> </a:t>
+            </a:r>
+            <a:r>
+              <a:rPr lang="es-CO" sz="1300" dirty="0" err="1" smtClean="0">
+                <a:solidFill>
+                  <a:srgbClr val="FFFFFF"/>
+                </a:solidFill>
+                <a:latin typeface="Nunito Sans" panose="00000500000000000000"/>
+                <a:ea typeface="Nunito Sans" panose="00000500000000000000"/>
+                <a:cs typeface="Nunito Sans" panose="00000500000000000000"/>
+                <a:sym typeface="Nunito Sans" panose="00000500000000000000"/>
+              </a:rPr>
+              <a:t>patter</a:t>
+            </a:r>
+            <a:r>
+              <a:rPr lang="es-CO" sz="1300" dirty="0" smtClean="0">
+                <a:solidFill>
+                  <a:srgbClr val="FFFFFF"/>
+                </a:solidFill>
+                <a:latin typeface="Nunito Sans" panose="00000500000000000000"/>
+                <a:ea typeface="Nunito Sans" panose="00000500000000000000"/>
+                <a:cs typeface="Nunito Sans" panose="00000500000000000000"/>
+                <a:sym typeface="Nunito Sans" panose="00000500000000000000"/>
+              </a:rPr>
+              <a:t> </a:t>
+            </a:r>
+            <a:r>
+              <a:rPr lang="es-CO" sz="1300" dirty="0" err="1" smtClean="0">
+                <a:solidFill>
+                  <a:srgbClr val="FFFFFF"/>
+                </a:solidFill>
+                <a:latin typeface="Nunito Sans" panose="00000500000000000000"/>
+                <a:ea typeface="Nunito Sans" panose="00000500000000000000"/>
+                <a:cs typeface="Nunito Sans" panose="00000500000000000000"/>
+                <a:sym typeface="Nunito Sans" panose="00000500000000000000"/>
+              </a:rPr>
+              <a:t>whenever</a:t>
+            </a:r>
+            <a:r>
+              <a:rPr lang="es-CO" sz="1300" dirty="0" smtClean="0">
+                <a:solidFill>
+                  <a:srgbClr val="FFFFFF"/>
+                </a:solidFill>
+                <a:latin typeface="Nunito Sans" panose="00000500000000000000"/>
+                <a:ea typeface="Nunito Sans" panose="00000500000000000000"/>
+                <a:cs typeface="Nunito Sans" panose="00000500000000000000"/>
+                <a:sym typeface="Nunito Sans" panose="00000500000000000000"/>
+              </a:rPr>
+              <a:t>:</a:t>
+            </a:r>
+          </a:p>
+          <a:p>
+            <a:pPr marL="457200" lvl="0" indent="-311150" algn="just" rtl="0">
+              <a:spcBef>
+                <a:spcPts val="0"/>
+              </a:spcBef>
+              <a:spcAft>
+                <a:spcPts val="0"/>
+              </a:spcAft>
+              <a:buClr>
+                <a:srgbClr val="FFFFFF"/>
+              </a:buClr>
+              <a:buSzPts val="1300"/>
+              <a:buFont typeface="Nunito Sans" panose="00000500000000000000"/>
+              <a:buChar char="●"/>
+            </a:pPr>
+            <a:endParaRPr lang="es-CO" sz="1300" dirty="0" smtClean="0">
+              <a:solidFill>
+                <a:srgbClr val="FFFFFF"/>
+              </a:solidFill>
+              <a:latin typeface="Nunito Sans" panose="00000500000000000000"/>
+              <a:ea typeface="Nunito Sans" panose="00000500000000000000"/>
+              <a:cs typeface="Nunito Sans" panose="00000500000000000000"/>
+              <a:sym typeface="Nunito Sans" panose="00000500000000000000"/>
+            </a:endParaRPr>
+          </a:p>
+          <a:p>
+            <a:pPr marL="488950" lvl="4" indent="-342900" algn="just">
+              <a:buClr>
+                <a:srgbClr val="FFFFFF"/>
+              </a:buClr>
+              <a:buSzPts val="1300"/>
+              <a:buFont typeface="+mj-lt"/>
+              <a:buAutoNum type="arabicPeriod"/>
+            </a:pPr>
+            <a:r>
+              <a:rPr lang="es-CO" sz="1300" dirty="0" err="1" smtClean="0">
+                <a:solidFill>
+                  <a:srgbClr val="FFFFFF"/>
+                </a:solidFill>
+                <a:latin typeface="Nunito Sans" panose="00000500000000000000"/>
+                <a:ea typeface="Nunito Sans" panose="00000500000000000000"/>
+                <a:cs typeface="Nunito Sans" panose="00000500000000000000"/>
+                <a:sym typeface="Nunito Sans" panose="00000500000000000000"/>
+              </a:rPr>
+              <a:t>Many</a:t>
+            </a:r>
+            <a:r>
+              <a:rPr lang="es-CO" sz="1300" dirty="0" smtClean="0">
+                <a:solidFill>
+                  <a:srgbClr val="FFFFFF"/>
+                </a:solidFill>
+                <a:latin typeface="Nunito Sans" panose="00000500000000000000"/>
+                <a:ea typeface="Nunito Sans" panose="00000500000000000000"/>
+                <a:cs typeface="Nunito Sans" panose="00000500000000000000"/>
+                <a:sym typeface="Nunito Sans" panose="00000500000000000000"/>
+              </a:rPr>
+              <a:t> </a:t>
+            </a:r>
+            <a:r>
+              <a:rPr lang="es-CO" sz="1300" dirty="0" err="1" smtClean="0">
+                <a:solidFill>
+                  <a:srgbClr val="FFFFFF"/>
+                </a:solidFill>
+                <a:latin typeface="Nunito Sans" panose="00000500000000000000"/>
+                <a:ea typeface="Nunito Sans" panose="00000500000000000000"/>
+                <a:cs typeface="Nunito Sans" panose="00000500000000000000"/>
+                <a:sym typeface="Nunito Sans" panose="00000500000000000000"/>
+              </a:rPr>
+              <a:t>related</a:t>
+            </a:r>
+            <a:r>
+              <a:rPr lang="es-CO" sz="1300" dirty="0" smtClean="0">
+                <a:solidFill>
+                  <a:srgbClr val="FFFFFF"/>
+                </a:solidFill>
+                <a:latin typeface="Nunito Sans" panose="00000500000000000000"/>
+                <a:ea typeface="Nunito Sans" panose="00000500000000000000"/>
+                <a:cs typeface="Nunito Sans" panose="00000500000000000000"/>
+                <a:sym typeface="Nunito Sans" panose="00000500000000000000"/>
+              </a:rPr>
+              <a:t> </a:t>
+            </a:r>
+            <a:r>
+              <a:rPr lang="es-CO" sz="1300" dirty="0" err="1" smtClean="0">
+                <a:solidFill>
+                  <a:srgbClr val="FFFFFF"/>
+                </a:solidFill>
+                <a:latin typeface="Nunito Sans" panose="00000500000000000000"/>
+                <a:ea typeface="Nunito Sans" panose="00000500000000000000"/>
+                <a:cs typeface="Nunito Sans" panose="00000500000000000000"/>
+                <a:sym typeface="Nunito Sans" panose="00000500000000000000"/>
+              </a:rPr>
+              <a:t>classes</a:t>
+            </a:r>
+            <a:r>
+              <a:rPr lang="es-CO" sz="1300" dirty="0" smtClean="0">
+                <a:solidFill>
+                  <a:srgbClr val="FFFFFF"/>
+                </a:solidFill>
+                <a:latin typeface="Nunito Sans" panose="00000500000000000000"/>
+                <a:ea typeface="Nunito Sans" panose="00000500000000000000"/>
+                <a:cs typeface="Nunito Sans" panose="00000500000000000000"/>
+                <a:sym typeface="Nunito Sans" panose="00000500000000000000"/>
+              </a:rPr>
+              <a:t> </a:t>
+            </a:r>
+            <a:r>
+              <a:rPr lang="es-CO" sz="1300" dirty="0" err="1" smtClean="0">
+                <a:solidFill>
+                  <a:srgbClr val="FFFFFF"/>
+                </a:solidFill>
+                <a:latin typeface="Nunito Sans" panose="00000500000000000000"/>
+                <a:ea typeface="Nunito Sans" panose="00000500000000000000"/>
+                <a:cs typeface="Nunito Sans" panose="00000500000000000000"/>
+                <a:sym typeface="Nunito Sans" panose="00000500000000000000"/>
+              </a:rPr>
+              <a:t>differ</a:t>
+            </a:r>
+            <a:r>
+              <a:rPr lang="es-CO" sz="1300" dirty="0" smtClean="0">
+                <a:solidFill>
+                  <a:srgbClr val="FFFFFF"/>
+                </a:solidFill>
+                <a:latin typeface="Nunito Sans" panose="00000500000000000000"/>
+                <a:ea typeface="Nunito Sans" panose="00000500000000000000"/>
+                <a:cs typeface="Nunito Sans" panose="00000500000000000000"/>
+                <a:sym typeface="Nunito Sans" panose="00000500000000000000"/>
+              </a:rPr>
+              <a:t> </a:t>
+            </a:r>
+            <a:r>
+              <a:rPr lang="es-CO" sz="1300" dirty="0" err="1" smtClean="0">
+                <a:solidFill>
+                  <a:srgbClr val="FFFFFF"/>
+                </a:solidFill>
+                <a:latin typeface="Nunito Sans" panose="00000500000000000000"/>
+                <a:ea typeface="Nunito Sans" panose="00000500000000000000"/>
+                <a:cs typeface="Nunito Sans" panose="00000500000000000000"/>
+                <a:sym typeface="Nunito Sans" panose="00000500000000000000"/>
+              </a:rPr>
+              <a:t>only</a:t>
+            </a:r>
+            <a:r>
+              <a:rPr lang="es-CO" sz="1300" dirty="0" smtClean="0">
+                <a:solidFill>
+                  <a:srgbClr val="FFFFFF"/>
+                </a:solidFill>
+                <a:latin typeface="Nunito Sans" panose="00000500000000000000"/>
+                <a:ea typeface="Nunito Sans" panose="00000500000000000000"/>
+                <a:cs typeface="Nunito Sans" panose="00000500000000000000"/>
+                <a:sym typeface="Nunito Sans" panose="00000500000000000000"/>
+              </a:rPr>
+              <a:t> in </a:t>
+            </a:r>
+            <a:r>
+              <a:rPr lang="es-CO" sz="1300" dirty="0" err="1" smtClean="0">
+                <a:solidFill>
+                  <a:srgbClr val="FFFFFF"/>
+                </a:solidFill>
+                <a:latin typeface="Nunito Sans" panose="00000500000000000000"/>
+                <a:ea typeface="Nunito Sans" panose="00000500000000000000"/>
+                <a:cs typeface="Nunito Sans" panose="00000500000000000000"/>
+                <a:sym typeface="Nunito Sans" panose="00000500000000000000"/>
+              </a:rPr>
+              <a:t>their</a:t>
+            </a:r>
+            <a:r>
+              <a:rPr lang="es-CO" sz="1300" dirty="0" smtClean="0">
+                <a:solidFill>
+                  <a:srgbClr val="FFFFFF"/>
+                </a:solidFill>
+                <a:latin typeface="Nunito Sans" panose="00000500000000000000"/>
+                <a:ea typeface="Nunito Sans" panose="00000500000000000000"/>
+                <a:cs typeface="Nunito Sans" panose="00000500000000000000"/>
+                <a:sym typeface="Nunito Sans" panose="00000500000000000000"/>
+              </a:rPr>
+              <a:t> </a:t>
+            </a:r>
+            <a:r>
+              <a:rPr lang="es-CO" sz="1300" dirty="0" err="1" smtClean="0">
+                <a:solidFill>
+                  <a:srgbClr val="FFFFFF"/>
+                </a:solidFill>
+                <a:latin typeface="Nunito Sans" panose="00000500000000000000"/>
+                <a:ea typeface="Nunito Sans" panose="00000500000000000000"/>
+                <a:cs typeface="Nunito Sans" panose="00000500000000000000"/>
+                <a:sym typeface="Nunito Sans" panose="00000500000000000000"/>
+              </a:rPr>
+              <a:t>behaviour</a:t>
+            </a:r>
+            <a:endParaRPr lang="es-CO" sz="1300" dirty="0" smtClean="0">
+              <a:solidFill>
+                <a:srgbClr val="FFFFFF"/>
+              </a:solidFill>
+              <a:latin typeface="Nunito Sans" panose="00000500000000000000"/>
+              <a:ea typeface="Nunito Sans" panose="00000500000000000000"/>
+              <a:cs typeface="Nunito Sans" panose="00000500000000000000"/>
+              <a:sym typeface="Nunito Sans" panose="00000500000000000000"/>
+            </a:endParaRPr>
+          </a:p>
+          <a:p>
+            <a:pPr marL="488950" lvl="4" indent="-342900" algn="just">
+              <a:buClr>
+                <a:srgbClr val="FFFFFF"/>
+              </a:buClr>
+              <a:buSzPts val="1300"/>
+              <a:buFont typeface="+mj-lt"/>
+              <a:buAutoNum type="arabicPeriod"/>
+            </a:pPr>
+            <a:endParaRPr lang="es-CO" sz="1300" dirty="0" smtClean="0">
+              <a:solidFill>
+                <a:srgbClr val="FFFFFF"/>
+              </a:solidFill>
+              <a:latin typeface="Nunito Sans" panose="00000500000000000000"/>
+              <a:ea typeface="Nunito Sans" panose="00000500000000000000"/>
+              <a:cs typeface="Nunito Sans" panose="00000500000000000000"/>
+              <a:sym typeface="Nunito Sans" panose="00000500000000000000"/>
+            </a:endParaRPr>
+          </a:p>
+          <a:p>
+            <a:pPr marL="488950" lvl="4" indent="-342900" algn="just">
+              <a:buClr>
+                <a:srgbClr val="FFFFFF"/>
+              </a:buClr>
+              <a:buSzPts val="1300"/>
+              <a:buFont typeface="+mj-lt"/>
+              <a:buAutoNum type="arabicPeriod"/>
+            </a:pPr>
+            <a:r>
+              <a:rPr lang="es-CO" sz="1300" dirty="0" smtClean="0">
+                <a:solidFill>
+                  <a:srgbClr val="FFFFFF"/>
+                </a:solidFill>
+                <a:latin typeface="Nunito Sans" panose="00000500000000000000"/>
+                <a:ea typeface="Nunito Sans" panose="00000500000000000000"/>
+                <a:cs typeface="Nunito Sans" panose="00000500000000000000"/>
+                <a:sym typeface="Nunito Sans" panose="00000500000000000000"/>
+              </a:rPr>
+              <a:t>A </a:t>
+            </a:r>
+            <a:r>
+              <a:rPr lang="es-CO" sz="1300" dirty="0" err="1" smtClean="0">
+                <a:solidFill>
+                  <a:srgbClr val="FFFFFF"/>
+                </a:solidFill>
+                <a:latin typeface="Nunito Sans" panose="00000500000000000000"/>
+                <a:ea typeface="Nunito Sans" panose="00000500000000000000"/>
+                <a:cs typeface="Nunito Sans" panose="00000500000000000000"/>
+                <a:sym typeface="Nunito Sans" panose="00000500000000000000"/>
+              </a:rPr>
+              <a:t>class</a:t>
+            </a:r>
+            <a:r>
+              <a:rPr lang="es-CO" sz="1300" dirty="0" smtClean="0">
+                <a:solidFill>
+                  <a:srgbClr val="FFFFFF"/>
+                </a:solidFill>
+                <a:latin typeface="Nunito Sans" panose="00000500000000000000"/>
+                <a:ea typeface="Nunito Sans" panose="00000500000000000000"/>
+                <a:cs typeface="Nunito Sans" panose="00000500000000000000"/>
+                <a:sym typeface="Nunito Sans" panose="00000500000000000000"/>
+              </a:rPr>
+              <a:t> defines </a:t>
+            </a:r>
+            <a:r>
+              <a:rPr lang="es-CO" sz="1300" dirty="0" err="1" smtClean="0">
+                <a:solidFill>
+                  <a:srgbClr val="FFFFFF"/>
+                </a:solidFill>
+                <a:latin typeface="Nunito Sans" panose="00000500000000000000"/>
+                <a:ea typeface="Nunito Sans" panose="00000500000000000000"/>
+                <a:cs typeface="Nunito Sans" panose="00000500000000000000"/>
+                <a:sym typeface="Nunito Sans" panose="00000500000000000000"/>
+              </a:rPr>
+              <a:t>many</a:t>
+            </a:r>
+            <a:r>
+              <a:rPr lang="es-CO" sz="1300" dirty="0" smtClean="0">
+                <a:solidFill>
+                  <a:srgbClr val="FFFFFF"/>
+                </a:solidFill>
+                <a:latin typeface="Nunito Sans" panose="00000500000000000000"/>
+                <a:ea typeface="Nunito Sans" panose="00000500000000000000"/>
+                <a:cs typeface="Nunito Sans" panose="00000500000000000000"/>
+                <a:sym typeface="Nunito Sans" panose="00000500000000000000"/>
+              </a:rPr>
+              <a:t> </a:t>
+            </a:r>
+            <a:r>
+              <a:rPr lang="es-CO" sz="1300" dirty="0" err="1" smtClean="0">
+                <a:solidFill>
+                  <a:srgbClr val="FFFFFF"/>
+                </a:solidFill>
+                <a:latin typeface="Nunito Sans" panose="00000500000000000000"/>
+                <a:ea typeface="Nunito Sans" panose="00000500000000000000"/>
+                <a:cs typeface="Nunito Sans" panose="00000500000000000000"/>
+                <a:sym typeface="Nunito Sans" panose="00000500000000000000"/>
+              </a:rPr>
+              <a:t>behaviors</a:t>
+            </a:r>
+            <a:r>
+              <a:rPr lang="es-CO" sz="1300" dirty="0" smtClean="0">
+                <a:solidFill>
+                  <a:srgbClr val="FFFFFF"/>
+                </a:solidFill>
+                <a:latin typeface="Nunito Sans" panose="00000500000000000000"/>
+                <a:ea typeface="Nunito Sans" panose="00000500000000000000"/>
+                <a:cs typeface="Nunito Sans" panose="00000500000000000000"/>
+                <a:sym typeface="Nunito Sans" panose="00000500000000000000"/>
+              </a:rPr>
+              <a:t>, and </a:t>
+            </a:r>
+            <a:r>
+              <a:rPr lang="es-CO" sz="1300" dirty="0" err="1" smtClean="0">
+                <a:solidFill>
+                  <a:srgbClr val="FFFFFF"/>
+                </a:solidFill>
+                <a:latin typeface="Nunito Sans" panose="00000500000000000000"/>
+                <a:ea typeface="Nunito Sans" panose="00000500000000000000"/>
+                <a:cs typeface="Nunito Sans" panose="00000500000000000000"/>
+                <a:sym typeface="Nunito Sans" panose="00000500000000000000"/>
+              </a:rPr>
+              <a:t>these</a:t>
+            </a:r>
+            <a:r>
+              <a:rPr lang="es-CO" sz="1300" dirty="0" smtClean="0">
+                <a:solidFill>
+                  <a:srgbClr val="FFFFFF"/>
+                </a:solidFill>
+                <a:latin typeface="Nunito Sans" panose="00000500000000000000"/>
+                <a:ea typeface="Nunito Sans" panose="00000500000000000000"/>
+                <a:cs typeface="Nunito Sans" panose="00000500000000000000"/>
+                <a:sym typeface="Nunito Sans" panose="00000500000000000000"/>
+              </a:rPr>
+              <a:t> </a:t>
+            </a:r>
+            <a:r>
+              <a:rPr lang="es-CO" sz="1300" dirty="0" err="1" smtClean="0">
+                <a:solidFill>
+                  <a:srgbClr val="FFFFFF"/>
+                </a:solidFill>
+                <a:latin typeface="Nunito Sans" panose="00000500000000000000"/>
+                <a:ea typeface="Nunito Sans" panose="00000500000000000000"/>
+                <a:cs typeface="Nunito Sans" panose="00000500000000000000"/>
+                <a:sym typeface="Nunito Sans" panose="00000500000000000000"/>
+              </a:rPr>
+              <a:t>appear</a:t>
+            </a:r>
+            <a:r>
+              <a:rPr lang="es-CO" sz="1300" dirty="0" smtClean="0">
+                <a:solidFill>
+                  <a:srgbClr val="FFFFFF"/>
+                </a:solidFill>
+                <a:latin typeface="Nunito Sans" panose="00000500000000000000"/>
+                <a:ea typeface="Nunito Sans" panose="00000500000000000000"/>
+                <a:cs typeface="Nunito Sans" panose="00000500000000000000"/>
+                <a:sym typeface="Nunito Sans" panose="00000500000000000000"/>
+              </a:rPr>
+              <a:t> as </a:t>
+            </a:r>
+            <a:r>
+              <a:rPr lang="es-CO" sz="1300" dirty="0" err="1" smtClean="0">
+                <a:solidFill>
+                  <a:srgbClr val="FFFFFF"/>
+                </a:solidFill>
+                <a:latin typeface="Nunito Sans" panose="00000500000000000000"/>
+                <a:ea typeface="Nunito Sans" panose="00000500000000000000"/>
+                <a:cs typeface="Nunito Sans" panose="00000500000000000000"/>
+                <a:sym typeface="Nunito Sans" panose="00000500000000000000"/>
+              </a:rPr>
+              <a:t>multiple</a:t>
+            </a:r>
+            <a:r>
+              <a:rPr lang="es-CO" sz="1300" dirty="0" smtClean="0">
+                <a:solidFill>
+                  <a:srgbClr val="FFFFFF"/>
+                </a:solidFill>
+                <a:latin typeface="Nunito Sans" panose="00000500000000000000"/>
+                <a:ea typeface="Nunito Sans" panose="00000500000000000000"/>
+                <a:cs typeface="Nunito Sans" panose="00000500000000000000"/>
+                <a:sym typeface="Nunito Sans" panose="00000500000000000000"/>
+              </a:rPr>
+              <a:t> </a:t>
+            </a:r>
+            <a:r>
+              <a:rPr lang="es-CO" sz="1300" dirty="0" err="1" smtClean="0">
+                <a:solidFill>
+                  <a:srgbClr val="FFFFFF"/>
+                </a:solidFill>
+                <a:latin typeface="Nunito Sans" panose="00000500000000000000"/>
+                <a:ea typeface="Nunito Sans" panose="00000500000000000000"/>
+                <a:cs typeface="Nunito Sans" panose="00000500000000000000"/>
+                <a:sym typeface="Nunito Sans" panose="00000500000000000000"/>
+              </a:rPr>
+              <a:t>conditional</a:t>
+            </a:r>
+            <a:r>
+              <a:rPr lang="es-CO" sz="1300" dirty="0" smtClean="0">
+                <a:solidFill>
+                  <a:srgbClr val="FFFFFF"/>
+                </a:solidFill>
+                <a:latin typeface="Nunito Sans" panose="00000500000000000000"/>
+                <a:ea typeface="Nunito Sans" panose="00000500000000000000"/>
+                <a:cs typeface="Nunito Sans" panose="00000500000000000000"/>
+                <a:sym typeface="Nunito Sans" panose="00000500000000000000"/>
+              </a:rPr>
+              <a:t> </a:t>
+            </a:r>
+            <a:r>
+              <a:rPr lang="es-CO" sz="1300" dirty="0" err="1" smtClean="0">
+                <a:solidFill>
+                  <a:srgbClr val="FFFFFF"/>
+                </a:solidFill>
+                <a:latin typeface="Nunito Sans" panose="00000500000000000000"/>
+                <a:ea typeface="Nunito Sans" panose="00000500000000000000"/>
+                <a:cs typeface="Nunito Sans" panose="00000500000000000000"/>
+                <a:sym typeface="Nunito Sans" panose="00000500000000000000"/>
+              </a:rPr>
+              <a:t>statements</a:t>
+            </a:r>
+            <a:r>
+              <a:rPr lang="es-CO" sz="1300" dirty="0" smtClean="0">
+                <a:solidFill>
+                  <a:srgbClr val="FFFFFF"/>
+                </a:solidFill>
+                <a:latin typeface="Nunito Sans" panose="00000500000000000000"/>
+                <a:ea typeface="Nunito Sans" panose="00000500000000000000"/>
+                <a:cs typeface="Nunito Sans" panose="00000500000000000000"/>
+                <a:sym typeface="Nunito Sans" panose="00000500000000000000"/>
+              </a:rPr>
+              <a:t> in </a:t>
+            </a:r>
+            <a:r>
+              <a:rPr lang="es-CO" sz="1300" dirty="0" err="1" smtClean="0">
+                <a:solidFill>
+                  <a:srgbClr val="FFFFFF"/>
+                </a:solidFill>
+                <a:latin typeface="Nunito Sans" panose="00000500000000000000"/>
+                <a:ea typeface="Nunito Sans" panose="00000500000000000000"/>
+                <a:cs typeface="Nunito Sans" panose="00000500000000000000"/>
+                <a:sym typeface="Nunito Sans" panose="00000500000000000000"/>
+              </a:rPr>
+              <a:t>its</a:t>
+            </a:r>
+            <a:r>
+              <a:rPr lang="es-CO" sz="1300" dirty="0" smtClean="0">
+                <a:solidFill>
+                  <a:srgbClr val="FFFFFF"/>
+                </a:solidFill>
+                <a:latin typeface="Nunito Sans" panose="00000500000000000000"/>
+                <a:ea typeface="Nunito Sans" panose="00000500000000000000"/>
+                <a:cs typeface="Nunito Sans" panose="00000500000000000000"/>
+                <a:sym typeface="Nunito Sans" panose="00000500000000000000"/>
+              </a:rPr>
+              <a:t> </a:t>
+            </a:r>
+            <a:r>
+              <a:rPr lang="es-CO" sz="1300" dirty="0" err="1" smtClean="0">
+                <a:solidFill>
+                  <a:srgbClr val="FFFFFF"/>
+                </a:solidFill>
+                <a:latin typeface="Nunito Sans" panose="00000500000000000000"/>
+                <a:ea typeface="Nunito Sans" panose="00000500000000000000"/>
+                <a:cs typeface="Nunito Sans" panose="00000500000000000000"/>
+                <a:sym typeface="Nunito Sans" panose="00000500000000000000"/>
+              </a:rPr>
+              <a:t>operations</a:t>
+            </a:r>
+            <a:r>
+              <a:rPr lang="es-CO" sz="1300" dirty="0" smtClean="0">
+                <a:solidFill>
+                  <a:srgbClr val="FFFFFF"/>
+                </a:solidFill>
+                <a:latin typeface="Nunito Sans" panose="00000500000000000000"/>
+                <a:ea typeface="Nunito Sans" panose="00000500000000000000"/>
+                <a:cs typeface="Nunito Sans" panose="00000500000000000000"/>
+                <a:sym typeface="Nunito Sans" panose="00000500000000000000"/>
+              </a:rPr>
+              <a:t>. </a:t>
+            </a:r>
+            <a:r>
+              <a:rPr lang="es-CO" sz="1300" dirty="0" err="1" smtClean="0">
+                <a:solidFill>
+                  <a:srgbClr val="FFFFFF"/>
+                </a:solidFill>
+                <a:latin typeface="Nunito Sans" panose="00000500000000000000"/>
+                <a:ea typeface="Nunito Sans" panose="00000500000000000000"/>
+                <a:cs typeface="Nunito Sans" panose="00000500000000000000"/>
+                <a:sym typeface="Nunito Sans" panose="00000500000000000000"/>
+              </a:rPr>
+              <a:t>Instead</a:t>
+            </a:r>
+            <a:r>
+              <a:rPr lang="es-CO" sz="1300" dirty="0" smtClean="0">
+                <a:solidFill>
+                  <a:srgbClr val="FFFFFF"/>
+                </a:solidFill>
+                <a:latin typeface="Nunito Sans" panose="00000500000000000000"/>
+                <a:ea typeface="Nunito Sans" panose="00000500000000000000"/>
+                <a:cs typeface="Nunito Sans" panose="00000500000000000000"/>
+                <a:sym typeface="Nunito Sans" panose="00000500000000000000"/>
+              </a:rPr>
+              <a:t> of </a:t>
+            </a:r>
+            <a:r>
+              <a:rPr lang="es-CO" sz="1300" dirty="0" err="1" smtClean="0">
+                <a:solidFill>
+                  <a:srgbClr val="FFFFFF"/>
+                </a:solidFill>
+                <a:latin typeface="Nunito Sans" panose="00000500000000000000"/>
+                <a:ea typeface="Nunito Sans" panose="00000500000000000000"/>
+                <a:cs typeface="Nunito Sans" panose="00000500000000000000"/>
+                <a:sym typeface="Nunito Sans" panose="00000500000000000000"/>
+              </a:rPr>
+              <a:t>many</a:t>
+            </a:r>
+            <a:r>
+              <a:rPr lang="es-CO" sz="1300" dirty="0" smtClean="0">
+                <a:solidFill>
+                  <a:srgbClr val="FFFFFF"/>
+                </a:solidFill>
+                <a:latin typeface="Nunito Sans" panose="00000500000000000000"/>
+                <a:ea typeface="Nunito Sans" panose="00000500000000000000"/>
+                <a:cs typeface="Nunito Sans" panose="00000500000000000000"/>
+                <a:sym typeface="Nunito Sans" panose="00000500000000000000"/>
+              </a:rPr>
+              <a:t> </a:t>
+            </a:r>
+            <a:r>
+              <a:rPr lang="es-CO" sz="1300" dirty="0" err="1" smtClean="0">
+                <a:solidFill>
+                  <a:srgbClr val="FFFFFF"/>
+                </a:solidFill>
+                <a:latin typeface="Nunito Sans" panose="00000500000000000000"/>
+                <a:ea typeface="Nunito Sans" panose="00000500000000000000"/>
+                <a:cs typeface="Nunito Sans" panose="00000500000000000000"/>
+                <a:sym typeface="Nunito Sans" panose="00000500000000000000"/>
+              </a:rPr>
+              <a:t>conditionals</a:t>
+            </a:r>
+            <a:r>
+              <a:rPr lang="es-CO" sz="1300" dirty="0" smtClean="0">
+                <a:solidFill>
+                  <a:srgbClr val="FFFFFF"/>
+                </a:solidFill>
+                <a:latin typeface="Nunito Sans" panose="00000500000000000000"/>
+                <a:ea typeface="Nunito Sans" panose="00000500000000000000"/>
+                <a:cs typeface="Nunito Sans" panose="00000500000000000000"/>
+                <a:sym typeface="Nunito Sans" panose="00000500000000000000"/>
+              </a:rPr>
+              <a:t>, </a:t>
+            </a:r>
+            <a:r>
+              <a:rPr lang="es-CO" sz="1300" dirty="0" err="1" smtClean="0">
+                <a:solidFill>
+                  <a:srgbClr val="FFFFFF"/>
+                </a:solidFill>
+                <a:latin typeface="Nunito Sans" panose="00000500000000000000"/>
+                <a:ea typeface="Nunito Sans" panose="00000500000000000000"/>
+                <a:cs typeface="Nunito Sans" panose="00000500000000000000"/>
+                <a:sym typeface="Nunito Sans" panose="00000500000000000000"/>
+              </a:rPr>
+              <a:t>move</a:t>
+            </a:r>
+            <a:r>
+              <a:rPr lang="es-CO" sz="1300" dirty="0" smtClean="0">
+                <a:solidFill>
+                  <a:srgbClr val="FFFFFF"/>
+                </a:solidFill>
+                <a:latin typeface="Nunito Sans" panose="00000500000000000000"/>
+                <a:ea typeface="Nunito Sans" panose="00000500000000000000"/>
+                <a:cs typeface="Nunito Sans" panose="00000500000000000000"/>
+                <a:sym typeface="Nunito Sans" panose="00000500000000000000"/>
+              </a:rPr>
+              <a:t> </a:t>
+            </a:r>
+            <a:r>
+              <a:rPr lang="es-CO" sz="1300" dirty="0" err="1" smtClean="0">
+                <a:solidFill>
+                  <a:srgbClr val="FFFFFF"/>
+                </a:solidFill>
+                <a:latin typeface="Nunito Sans" panose="00000500000000000000"/>
+                <a:ea typeface="Nunito Sans" panose="00000500000000000000"/>
+                <a:cs typeface="Nunito Sans" panose="00000500000000000000"/>
+                <a:sym typeface="Nunito Sans" panose="00000500000000000000"/>
+              </a:rPr>
+              <a:t>related</a:t>
+            </a:r>
+            <a:r>
+              <a:rPr lang="es-CO" sz="1300" dirty="0" smtClean="0">
+                <a:solidFill>
+                  <a:srgbClr val="FFFFFF"/>
+                </a:solidFill>
+                <a:latin typeface="Nunito Sans" panose="00000500000000000000"/>
+                <a:ea typeface="Nunito Sans" panose="00000500000000000000"/>
+                <a:cs typeface="Nunito Sans" panose="00000500000000000000"/>
+                <a:sym typeface="Nunito Sans" panose="00000500000000000000"/>
+              </a:rPr>
+              <a:t> </a:t>
+            </a:r>
+            <a:r>
+              <a:rPr lang="es-CO" sz="1300" dirty="0" err="1" smtClean="0">
+                <a:solidFill>
+                  <a:srgbClr val="FFFFFF"/>
+                </a:solidFill>
+                <a:latin typeface="Nunito Sans" panose="00000500000000000000"/>
+                <a:ea typeface="Nunito Sans" panose="00000500000000000000"/>
+                <a:cs typeface="Nunito Sans" panose="00000500000000000000"/>
+                <a:sym typeface="Nunito Sans" panose="00000500000000000000"/>
+              </a:rPr>
+              <a:t>conditional</a:t>
+            </a:r>
+            <a:r>
+              <a:rPr lang="es-CO" sz="1300" dirty="0" smtClean="0">
+                <a:solidFill>
+                  <a:srgbClr val="FFFFFF"/>
+                </a:solidFill>
+                <a:latin typeface="Nunito Sans" panose="00000500000000000000"/>
+                <a:ea typeface="Nunito Sans" panose="00000500000000000000"/>
+                <a:cs typeface="Nunito Sans" panose="00000500000000000000"/>
+                <a:sym typeface="Nunito Sans" panose="00000500000000000000"/>
+              </a:rPr>
+              <a:t> </a:t>
+            </a:r>
+            <a:r>
+              <a:rPr lang="es-CO" sz="1300" dirty="0" err="1" smtClean="0">
+                <a:solidFill>
+                  <a:srgbClr val="FFFFFF"/>
+                </a:solidFill>
+                <a:latin typeface="Nunito Sans" panose="00000500000000000000"/>
+                <a:ea typeface="Nunito Sans" panose="00000500000000000000"/>
+                <a:cs typeface="Nunito Sans" panose="00000500000000000000"/>
+                <a:sym typeface="Nunito Sans" panose="00000500000000000000"/>
+              </a:rPr>
+              <a:t>branches</a:t>
+            </a:r>
+            <a:r>
+              <a:rPr lang="es-CO" sz="1300" dirty="0" smtClean="0">
+                <a:solidFill>
+                  <a:srgbClr val="FFFFFF"/>
+                </a:solidFill>
+                <a:latin typeface="Nunito Sans" panose="00000500000000000000"/>
+                <a:ea typeface="Nunito Sans" panose="00000500000000000000"/>
+                <a:cs typeface="Nunito Sans" panose="00000500000000000000"/>
+                <a:sym typeface="Nunito Sans" panose="00000500000000000000"/>
+              </a:rPr>
+              <a:t> </a:t>
+            </a:r>
+            <a:r>
+              <a:rPr lang="es-CO" sz="1300" dirty="0" err="1" smtClean="0">
+                <a:solidFill>
+                  <a:srgbClr val="FFFFFF"/>
+                </a:solidFill>
+                <a:latin typeface="Nunito Sans" panose="00000500000000000000"/>
+                <a:ea typeface="Nunito Sans" panose="00000500000000000000"/>
+                <a:cs typeface="Nunito Sans" panose="00000500000000000000"/>
+                <a:sym typeface="Nunito Sans" panose="00000500000000000000"/>
+              </a:rPr>
+              <a:t>into</a:t>
+            </a:r>
+            <a:r>
+              <a:rPr lang="es-CO" sz="1300" dirty="0" smtClean="0">
+                <a:solidFill>
+                  <a:srgbClr val="FFFFFF"/>
+                </a:solidFill>
+                <a:latin typeface="Nunito Sans" panose="00000500000000000000"/>
+                <a:ea typeface="Nunito Sans" panose="00000500000000000000"/>
+                <a:cs typeface="Nunito Sans" panose="00000500000000000000"/>
+                <a:sym typeface="Nunito Sans" panose="00000500000000000000"/>
+              </a:rPr>
+              <a:t> </a:t>
+            </a:r>
+            <a:r>
+              <a:rPr lang="es-CO" sz="1300" dirty="0" err="1" smtClean="0">
+                <a:solidFill>
+                  <a:srgbClr val="FFFFFF"/>
+                </a:solidFill>
+                <a:latin typeface="Nunito Sans" panose="00000500000000000000"/>
+                <a:ea typeface="Nunito Sans" panose="00000500000000000000"/>
+                <a:cs typeface="Nunito Sans" panose="00000500000000000000"/>
+                <a:sym typeface="Nunito Sans" panose="00000500000000000000"/>
+              </a:rPr>
+              <a:t>their</a:t>
+            </a:r>
+            <a:r>
+              <a:rPr lang="es-CO" sz="1300" dirty="0" smtClean="0">
+                <a:solidFill>
+                  <a:srgbClr val="FFFFFF"/>
+                </a:solidFill>
+                <a:latin typeface="Nunito Sans" panose="00000500000000000000"/>
+                <a:ea typeface="Nunito Sans" panose="00000500000000000000"/>
+                <a:cs typeface="Nunito Sans" panose="00000500000000000000"/>
+                <a:sym typeface="Nunito Sans" panose="00000500000000000000"/>
+              </a:rPr>
+              <a:t> </a:t>
+            </a:r>
+            <a:r>
+              <a:rPr lang="es-CO" sz="1300" dirty="0" err="1" smtClean="0">
+                <a:solidFill>
+                  <a:srgbClr val="FFFFFF"/>
+                </a:solidFill>
+                <a:latin typeface="Nunito Sans" panose="00000500000000000000"/>
+                <a:ea typeface="Nunito Sans" panose="00000500000000000000"/>
+                <a:cs typeface="Nunito Sans" panose="00000500000000000000"/>
+                <a:sym typeface="Nunito Sans" panose="00000500000000000000"/>
+              </a:rPr>
+              <a:t>own</a:t>
+            </a:r>
+            <a:r>
+              <a:rPr lang="es-CO" sz="1300" dirty="0" smtClean="0">
+                <a:solidFill>
+                  <a:srgbClr val="FFFFFF"/>
+                </a:solidFill>
+                <a:latin typeface="Nunito Sans" panose="00000500000000000000"/>
+                <a:ea typeface="Nunito Sans" panose="00000500000000000000"/>
+                <a:cs typeface="Nunito Sans" panose="00000500000000000000"/>
+                <a:sym typeface="Nunito Sans" panose="00000500000000000000"/>
+              </a:rPr>
+              <a:t> </a:t>
+            </a:r>
+            <a:r>
+              <a:rPr lang="es-CO" sz="1300" dirty="0" err="1" smtClean="0">
+                <a:solidFill>
+                  <a:srgbClr val="FFFFFF"/>
+                </a:solidFill>
+                <a:latin typeface="Nunito Sans" panose="00000500000000000000"/>
+                <a:ea typeface="Nunito Sans" panose="00000500000000000000"/>
+                <a:cs typeface="Nunito Sans" panose="00000500000000000000"/>
+                <a:sym typeface="Nunito Sans" panose="00000500000000000000"/>
+              </a:rPr>
+              <a:t>strategy</a:t>
+            </a:r>
+            <a:endParaRPr lang="es-CO" sz="1300" dirty="0" smtClean="0">
+              <a:solidFill>
+                <a:srgbClr val="FFFFFF"/>
+              </a:solidFill>
+              <a:latin typeface="Nunito Sans" panose="00000500000000000000"/>
+              <a:ea typeface="Nunito Sans" panose="00000500000000000000"/>
+              <a:cs typeface="Nunito Sans" panose="00000500000000000000"/>
+              <a:sym typeface="Nunito Sans" panose="00000500000000000000"/>
+            </a:endParaRPr>
+          </a:p>
+          <a:p>
+            <a:pPr marL="488950" lvl="4" indent="-342900" algn="just">
+              <a:buClr>
+                <a:srgbClr val="FFFFFF"/>
+              </a:buClr>
+              <a:buSzPts val="1300"/>
+              <a:buFont typeface="+mj-lt"/>
+              <a:buAutoNum type="arabicPeriod"/>
+            </a:pPr>
+            <a:endParaRPr lang="es-CO" sz="1300" dirty="0" smtClean="0">
+              <a:solidFill>
+                <a:srgbClr val="FFFFFF"/>
+              </a:solidFill>
+              <a:latin typeface="Nunito Sans" panose="00000500000000000000"/>
+              <a:ea typeface="Nunito Sans" panose="00000500000000000000"/>
+              <a:cs typeface="Nunito Sans" panose="00000500000000000000"/>
+              <a:sym typeface="Nunito Sans" panose="00000500000000000000"/>
+            </a:endParaRPr>
+          </a:p>
+          <a:p>
+            <a:pPr marL="488950" lvl="4" indent="-342900" algn="just">
+              <a:buClr>
+                <a:srgbClr val="FFFFFF"/>
+              </a:buClr>
+              <a:buSzPts val="1300"/>
+              <a:buFont typeface="+mj-lt"/>
+              <a:buAutoNum type="arabicPeriod"/>
+            </a:pPr>
+            <a:r>
+              <a:rPr lang="es-CO" sz="1300" dirty="0" err="1" smtClean="0">
+                <a:solidFill>
+                  <a:srgbClr val="FFFFFF"/>
+                </a:solidFill>
+                <a:latin typeface="Nunito Sans" panose="00000500000000000000"/>
+                <a:ea typeface="Nunito Sans" panose="00000500000000000000"/>
+                <a:cs typeface="Nunito Sans" panose="00000500000000000000"/>
+                <a:sym typeface="Nunito Sans" panose="00000500000000000000"/>
+              </a:rPr>
+              <a:t>An</a:t>
+            </a:r>
+            <a:r>
+              <a:rPr lang="es-CO" sz="1300" dirty="0" smtClean="0">
+                <a:solidFill>
+                  <a:srgbClr val="FFFFFF"/>
+                </a:solidFill>
+                <a:latin typeface="Nunito Sans" panose="00000500000000000000"/>
+                <a:ea typeface="Nunito Sans" panose="00000500000000000000"/>
+                <a:cs typeface="Nunito Sans" panose="00000500000000000000"/>
+                <a:sym typeface="Nunito Sans" panose="00000500000000000000"/>
+              </a:rPr>
+              <a:t> </a:t>
+            </a:r>
+            <a:r>
+              <a:rPr lang="es-CO" sz="1300" dirty="0" err="1" smtClean="0">
+                <a:solidFill>
+                  <a:srgbClr val="FFFFFF"/>
+                </a:solidFill>
+                <a:latin typeface="Nunito Sans" panose="00000500000000000000"/>
+                <a:ea typeface="Nunito Sans" panose="00000500000000000000"/>
+                <a:cs typeface="Nunito Sans" panose="00000500000000000000"/>
+                <a:sym typeface="Nunito Sans" panose="00000500000000000000"/>
+              </a:rPr>
+              <a:t>algorithm</a:t>
+            </a:r>
+            <a:r>
+              <a:rPr lang="es-CO" sz="1300" dirty="0" smtClean="0">
+                <a:solidFill>
+                  <a:srgbClr val="FFFFFF"/>
+                </a:solidFill>
+                <a:latin typeface="Nunito Sans" panose="00000500000000000000"/>
+                <a:ea typeface="Nunito Sans" panose="00000500000000000000"/>
+                <a:cs typeface="Nunito Sans" panose="00000500000000000000"/>
+                <a:sym typeface="Nunito Sans" panose="00000500000000000000"/>
+              </a:rPr>
+              <a:t> uses data </a:t>
+            </a:r>
+            <a:r>
+              <a:rPr lang="es-CO" sz="1300" dirty="0" err="1" smtClean="0">
+                <a:solidFill>
+                  <a:srgbClr val="FFFFFF"/>
+                </a:solidFill>
+                <a:latin typeface="Nunito Sans" panose="00000500000000000000"/>
+                <a:ea typeface="Nunito Sans" panose="00000500000000000000"/>
+                <a:cs typeface="Nunito Sans" panose="00000500000000000000"/>
+                <a:sym typeface="Nunito Sans" panose="00000500000000000000"/>
+              </a:rPr>
+              <a:t>that</a:t>
+            </a:r>
+            <a:r>
+              <a:rPr lang="es-CO" sz="1300" dirty="0" smtClean="0">
+                <a:solidFill>
+                  <a:srgbClr val="FFFFFF"/>
+                </a:solidFill>
+                <a:latin typeface="Nunito Sans" panose="00000500000000000000"/>
+                <a:ea typeface="Nunito Sans" panose="00000500000000000000"/>
+                <a:cs typeface="Nunito Sans" panose="00000500000000000000"/>
+                <a:sym typeface="Nunito Sans" panose="00000500000000000000"/>
+              </a:rPr>
+              <a:t> </a:t>
+            </a:r>
+            <a:r>
+              <a:rPr lang="es-CO" sz="1300" dirty="0" err="1" smtClean="0">
+                <a:solidFill>
+                  <a:srgbClr val="FFFFFF"/>
+                </a:solidFill>
+                <a:latin typeface="Nunito Sans" panose="00000500000000000000"/>
+                <a:ea typeface="Nunito Sans" panose="00000500000000000000"/>
+                <a:cs typeface="Nunito Sans" panose="00000500000000000000"/>
+                <a:sym typeface="Nunito Sans" panose="00000500000000000000"/>
+              </a:rPr>
+              <a:t>clients</a:t>
+            </a:r>
+            <a:r>
+              <a:rPr lang="es-CO" sz="1300" dirty="0" smtClean="0">
+                <a:solidFill>
+                  <a:srgbClr val="FFFFFF"/>
+                </a:solidFill>
+                <a:latin typeface="Nunito Sans" panose="00000500000000000000"/>
+                <a:ea typeface="Nunito Sans" panose="00000500000000000000"/>
+                <a:cs typeface="Nunito Sans" panose="00000500000000000000"/>
+                <a:sym typeface="Nunito Sans" panose="00000500000000000000"/>
+              </a:rPr>
+              <a:t> </a:t>
+            </a:r>
+            <a:r>
+              <a:rPr lang="es-CO" sz="1300" dirty="0" err="1" smtClean="0">
+                <a:solidFill>
+                  <a:srgbClr val="FFFFFF"/>
+                </a:solidFill>
+                <a:latin typeface="Nunito Sans" panose="00000500000000000000"/>
+                <a:ea typeface="Nunito Sans" panose="00000500000000000000"/>
+                <a:cs typeface="Nunito Sans" panose="00000500000000000000"/>
+                <a:sym typeface="Nunito Sans" panose="00000500000000000000"/>
+              </a:rPr>
+              <a:t>shouldn’t</a:t>
+            </a:r>
+            <a:r>
+              <a:rPr lang="es-CO" sz="1300" dirty="0" smtClean="0">
+                <a:solidFill>
+                  <a:srgbClr val="FFFFFF"/>
+                </a:solidFill>
+                <a:latin typeface="Nunito Sans" panose="00000500000000000000"/>
+                <a:ea typeface="Nunito Sans" panose="00000500000000000000"/>
+                <a:cs typeface="Nunito Sans" panose="00000500000000000000"/>
+                <a:sym typeface="Nunito Sans" panose="00000500000000000000"/>
+              </a:rPr>
+              <a:t> </a:t>
+            </a:r>
+            <a:r>
+              <a:rPr lang="es-CO" sz="1300" dirty="0" err="1" smtClean="0">
+                <a:solidFill>
+                  <a:srgbClr val="FFFFFF"/>
+                </a:solidFill>
+                <a:latin typeface="Nunito Sans" panose="00000500000000000000"/>
+                <a:ea typeface="Nunito Sans" panose="00000500000000000000"/>
+                <a:cs typeface="Nunito Sans" panose="00000500000000000000"/>
+                <a:sym typeface="Nunito Sans" panose="00000500000000000000"/>
+              </a:rPr>
+              <a:t>know</a:t>
+            </a:r>
+            <a:r>
+              <a:rPr lang="es-CO" sz="1300" dirty="0" smtClean="0">
+                <a:solidFill>
+                  <a:srgbClr val="FFFFFF"/>
+                </a:solidFill>
+                <a:latin typeface="Nunito Sans" panose="00000500000000000000"/>
+                <a:ea typeface="Nunito Sans" panose="00000500000000000000"/>
+                <a:cs typeface="Nunito Sans" panose="00000500000000000000"/>
+                <a:sym typeface="Nunito Sans" panose="00000500000000000000"/>
+              </a:rPr>
+              <a:t> </a:t>
+            </a:r>
+            <a:r>
+              <a:rPr lang="es-CO" sz="1300" dirty="0" err="1" smtClean="0">
+                <a:solidFill>
+                  <a:srgbClr val="FFFFFF"/>
+                </a:solidFill>
+                <a:latin typeface="Nunito Sans" panose="00000500000000000000"/>
+                <a:ea typeface="Nunito Sans" panose="00000500000000000000"/>
+                <a:cs typeface="Nunito Sans" panose="00000500000000000000"/>
+                <a:sym typeface="Nunito Sans" panose="00000500000000000000"/>
+              </a:rPr>
+              <a:t>about</a:t>
+            </a:r>
+            <a:r>
+              <a:rPr lang="es-CO" sz="1300" dirty="0" smtClean="0">
+                <a:solidFill>
+                  <a:srgbClr val="FFFFFF"/>
+                </a:solidFill>
+                <a:latin typeface="Nunito Sans" panose="00000500000000000000"/>
+                <a:ea typeface="Nunito Sans" panose="00000500000000000000"/>
+                <a:cs typeface="Nunito Sans" panose="00000500000000000000"/>
+                <a:sym typeface="Nunito Sans" panose="00000500000000000000"/>
+              </a:rPr>
+              <a:t>. Use </a:t>
+            </a:r>
+            <a:r>
+              <a:rPr lang="es-CO" sz="1300" dirty="0" err="1" smtClean="0">
+                <a:solidFill>
+                  <a:srgbClr val="FFFFFF"/>
+                </a:solidFill>
+                <a:latin typeface="Nunito Sans" panose="00000500000000000000"/>
+                <a:ea typeface="Nunito Sans" panose="00000500000000000000"/>
+                <a:cs typeface="Nunito Sans" panose="00000500000000000000"/>
+                <a:sym typeface="Nunito Sans" panose="00000500000000000000"/>
+              </a:rPr>
+              <a:t>this</a:t>
+            </a:r>
+            <a:r>
+              <a:rPr lang="es-CO" sz="1300" dirty="0" smtClean="0">
+                <a:solidFill>
+                  <a:srgbClr val="FFFFFF"/>
+                </a:solidFill>
+                <a:latin typeface="Nunito Sans" panose="00000500000000000000"/>
+                <a:ea typeface="Nunito Sans" panose="00000500000000000000"/>
+                <a:cs typeface="Nunito Sans" panose="00000500000000000000"/>
+                <a:sym typeface="Nunito Sans" panose="00000500000000000000"/>
+              </a:rPr>
+              <a:t> </a:t>
+            </a:r>
+            <a:r>
+              <a:rPr lang="es-CO" sz="1300" dirty="0" err="1" smtClean="0">
+                <a:solidFill>
+                  <a:srgbClr val="FFFFFF"/>
+                </a:solidFill>
+                <a:latin typeface="Nunito Sans" panose="00000500000000000000"/>
+                <a:ea typeface="Nunito Sans" panose="00000500000000000000"/>
+                <a:cs typeface="Nunito Sans" panose="00000500000000000000"/>
+                <a:sym typeface="Nunito Sans" panose="00000500000000000000"/>
+              </a:rPr>
+              <a:t>pattern</a:t>
+            </a:r>
+            <a:r>
+              <a:rPr lang="es-CO" sz="1300" dirty="0" smtClean="0">
+                <a:solidFill>
+                  <a:srgbClr val="FFFFFF"/>
+                </a:solidFill>
+                <a:latin typeface="Nunito Sans" panose="00000500000000000000"/>
+                <a:ea typeface="Nunito Sans" panose="00000500000000000000"/>
+                <a:cs typeface="Nunito Sans" panose="00000500000000000000"/>
+                <a:sym typeface="Nunito Sans" panose="00000500000000000000"/>
+              </a:rPr>
+              <a:t> to </a:t>
+            </a:r>
+            <a:r>
+              <a:rPr lang="es-CO" sz="1300" dirty="0" err="1" smtClean="0">
+                <a:solidFill>
+                  <a:srgbClr val="FFFFFF"/>
+                </a:solidFill>
+                <a:latin typeface="Nunito Sans" panose="00000500000000000000"/>
+                <a:ea typeface="Nunito Sans" panose="00000500000000000000"/>
+                <a:cs typeface="Nunito Sans" panose="00000500000000000000"/>
+                <a:sym typeface="Nunito Sans" panose="00000500000000000000"/>
+              </a:rPr>
+              <a:t>avoid</a:t>
+            </a:r>
+            <a:r>
+              <a:rPr lang="es-CO" sz="1300" dirty="0" smtClean="0">
+                <a:solidFill>
+                  <a:srgbClr val="FFFFFF"/>
+                </a:solidFill>
+                <a:latin typeface="Nunito Sans" panose="00000500000000000000"/>
+                <a:ea typeface="Nunito Sans" panose="00000500000000000000"/>
+                <a:cs typeface="Nunito Sans" panose="00000500000000000000"/>
+                <a:sym typeface="Nunito Sans" panose="00000500000000000000"/>
+              </a:rPr>
+              <a:t> </a:t>
+            </a:r>
+            <a:r>
+              <a:rPr lang="es-CO" sz="1300" dirty="0" err="1" smtClean="0">
+                <a:solidFill>
+                  <a:srgbClr val="FFFFFF"/>
+                </a:solidFill>
+                <a:latin typeface="Nunito Sans" panose="00000500000000000000"/>
+                <a:ea typeface="Nunito Sans" panose="00000500000000000000"/>
+                <a:cs typeface="Nunito Sans" panose="00000500000000000000"/>
+                <a:sym typeface="Nunito Sans" panose="00000500000000000000"/>
+              </a:rPr>
+              <a:t>exposing</a:t>
+            </a:r>
+            <a:r>
+              <a:rPr lang="es-CO" sz="1300" dirty="0" smtClean="0">
+                <a:solidFill>
+                  <a:srgbClr val="FFFFFF"/>
+                </a:solidFill>
+                <a:latin typeface="Nunito Sans" panose="00000500000000000000"/>
+                <a:ea typeface="Nunito Sans" panose="00000500000000000000"/>
+                <a:cs typeface="Nunito Sans" panose="00000500000000000000"/>
+                <a:sym typeface="Nunito Sans" panose="00000500000000000000"/>
+              </a:rPr>
+              <a:t> </a:t>
+            </a:r>
+            <a:r>
+              <a:rPr lang="es-CO" sz="1300" dirty="0" err="1" smtClean="0">
+                <a:solidFill>
+                  <a:srgbClr val="FFFFFF"/>
+                </a:solidFill>
+                <a:latin typeface="Nunito Sans" panose="00000500000000000000"/>
+                <a:ea typeface="Nunito Sans" panose="00000500000000000000"/>
+                <a:cs typeface="Nunito Sans" panose="00000500000000000000"/>
+                <a:sym typeface="Nunito Sans" panose="00000500000000000000"/>
+              </a:rPr>
+              <a:t>complex</a:t>
+            </a:r>
+            <a:r>
+              <a:rPr lang="es-CO" sz="1300" dirty="0" smtClean="0">
+                <a:solidFill>
+                  <a:srgbClr val="FFFFFF"/>
+                </a:solidFill>
+                <a:latin typeface="Nunito Sans" panose="00000500000000000000"/>
+                <a:ea typeface="Nunito Sans" panose="00000500000000000000"/>
+                <a:cs typeface="Nunito Sans" panose="00000500000000000000"/>
+                <a:sym typeface="Nunito Sans" panose="00000500000000000000"/>
+              </a:rPr>
+              <a:t>, </a:t>
+            </a:r>
+            <a:r>
+              <a:rPr lang="es-CO" sz="1300" dirty="0" err="1" smtClean="0">
+                <a:solidFill>
+                  <a:srgbClr val="FFFFFF"/>
+                </a:solidFill>
+                <a:latin typeface="Nunito Sans" panose="00000500000000000000"/>
+                <a:ea typeface="Nunito Sans" panose="00000500000000000000"/>
+                <a:cs typeface="Nunito Sans" panose="00000500000000000000"/>
+                <a:sym typeface="Nunito Sans" panose="00000500000000000000"/>
+              </a:rPr>
+              <a:t>algorithm-specific</a:t>
+            </a:r>
+            <a:r>
+              <a:rPr lang="es-CO" sz="1300" dirty="0" smtClean="0">
+                <a:solidFill>
+                  <a:srgbClr val="FFFFFF"/>
+                </a:solidFill>
+                <a:latin typeface="Nunito Sans" panose="00000500000000000000"/>
+                <a:ea typeface="Nunito Sans" panose="00000500000000000000"/>
+                <a:cs typeface="Nunito Sans" panose="00000500000000000000"/>
+                <a:sym typeface="Nunito Sans" panose="00000500000000000000"/>
+              </a:rPr>
+              <a:t> data </a:t>
+            </a:r>
+            <a:r>
+              <a:rPr lang="es-CO" sz="1300" dirty="0" err="1" smtClean="0">
+                <a:solidFill>
+                  <a:srgbClr val="FFFFFF"/>
+                </a:solidFill>
+                <a:latin typeface="Nunito Sans" panose="00000500000000000000"/>
+                <a:ea typeface="Nunito Sans" panose="00000500000000000000"/>
+                <a:cs typeface="Nunito Sans" panose="00000500000000000000"/>
+                <a:sym typeface="Nunito Sans" panose="00000500000000000000"/>
+              </a:rPr>
+              <a:t>structures</a:t>
+            </a:r>
+            <a:r>
+              <a:rPr lang="es-CO" sz="1300" dirty="0" smtClean="0">
+                <a:solidFill>
+                  <a:srgbClr val="FFFFFF"/>
+                </a:solidFill>
+                <a:latin typeface="Nunito Sans" panose="00000500000000000000"/>
+                <a:ea typeface="Nunito Sans" panose="00000500000000000000"/>
+                <a:cs typeface="Nunito Sans" panose="00000500000000000000"/>
+                <a:sym typeface="Nunito Sans" panose="00000500000000000000"/>
+              </a:rPr>
+              <a:t>.</a:t>
+            </a:r>
+          </a:p>
+          <a:p>
+            <a:pPr marL="146050" lvl="0" algn="just" rtl="0">
+              <a:spcBef>
+                <a:spcPts val="0"/>
+              </a:spcBef>
+              <a:spcAft>
+                <a:spcPts val="0"/>
+              </a:spcAft>
+              <a:buClr>
+                <a:srgbClr val="FFFFFF"/>
+              </a:buClr>
+              <a:buSzPts val="1300"/>
+            </a:pPr>
+            <a:r>
+              <a:rPr lang="es-CO" sz="1300" dirty="0" smtClean="0">
+                <a:solidFill>
+                  <a:srgbClr val="FFFFFF"/>
+                </a:solidFill>
+                <a:latin typeface="Nunito Sans" panose="00000500000000000000"/>
+                <a:ea typeface="Nunito Sans" panose="00000500000000000000"/>
+                <a:cs typeface="Nunito Sans" panose="00000500000000000000"/>
+                <a:sym typeface="Nunito Sans" panose="00000500000000000000"/>
+              </a:rPr>
+              <a:t> </a:t>
+            </a:r>
+          </a:p>
+          <a:p>
+            <a:pPr marL="457200" lvl="0" indent="-311150" algn="just" rtl="0">
+              <a:spcBef>
+                <a:spcPts val="0"/>
+              </a:spcBef>
+              <a:spcAft>
+                <a:spcPts val="0"/>
+              </a:spcAft>
+              <a:buClr>
+                <a:srgbClr val="FFFFFF"/>
+              </a:buClr>
+              <a:buSzPts val="1300"/>
+              <a:buFont typeface="Nunito Sans" panose="00000500000000000000"/>
+              <a:buChar char="●"/>
+            </a:pPr>
+            <a:endParaRPr sz="1300" dirty="0">
+              <a:solidFill>
+                <a:srgbClr val="FFFFFF"/>
+              </a:solidFill>
+              <a:latin typeface="Nunito Sans" panose="00000500000000000000"/>
+              <a:ea typeface="Nunito Sans" panose="00000500000000000000"/>
+              <a:cs typeface="Nunito Sans" panose="00000500000000000000"/>
+              <a:sym typeface="Nunito Sans" panose="00000500000000000000"/>
+            </a:endParaRPr>
+          </a:p>
+        </p:txBody>
+      </p:sp>
+      <p:sp>
+        <p:nvSpPr>
+          <p:cNvPr id="120" name="Google Shape;120;p28"/>
+          <p:cNvSpPr/>
+          <p:nvPr/>
+        </p:nvSpPr>
+        <p:spPr>
+          <a:xfrm>
+            <a:off x="-5" y="5118630"/>
+            <a:ext cx="9144000" cy="33600"/>
+          </a:xfrm>
+          <a:prstGeom prst="rect">
+            <a:avLst/>
+          </a:prstGeom>
+          <a:solidFill>
+            <a:srgbClr val="C1D82F"/>
+          </a:solidFill>
+          <a:ln>
+            <a:noFill/>
+          </a:ln>
+        </p:spPr>
+        <p:txBody>
+          <a:bodyPr spcFirstLastPara="1" wrap="square" lIns="91425" tIns="91425" rIns="91425" bIns="91425" anchor="ctr" anchorCtr="0">
+            <a:noAutofit/>
+          </a:bodyPr>
+          <a:lstStyle/>
+          <a:p>
+            <a:pPr marL="0" lvl="0" indent="0" algn="l" rtl="0">
+              <a:spcBef>
+                <a:spcPts val="0"/>
+              </a:spcBef>
+              <a:spcAft>
+                <a:spcPts val="0"/>
+              </a:spcAft>
+              <a:buNone/>
+            </a:pPr>
+            <a:endParaRPr/>
+          </a:p>
+        </p:txBody>
+      </p:sp>
+      <p:sp>
+        <p:nvSpPr>
+          <p:cNvPr id="8" name="Google Shape;139;p30"/>
+          <p:cNvSpPr txBox="1"/>
+          <p:nvPr/>
+        </p:nvSpPr>
+        <p:spPr>
+          <a:xfrm>
+            <a:off x="1" y="216450"/>
+            <a:ext cx="9143994" cy="552600"/>
+          </a:xfrm>
+          <a:prstGeom prst="rect">
+            <a:avLst/>
+          </a:prstGeom>
+          <a:noFill/>
+          <a:ln>
+            <a:noFill/>
+          </a:ln>
+        </p:spPr>
+        <p:txBody>
+          <a:bodyPr spcFirstLastPara="1" wrap="square" lIns="91425" tIns="91425" rIns="91425" bIns="91425" anchor="t" anchorCtr="0">
+            <a:noAutofit/>
+          </a:bodyPr>
+          <a:lstStyle/>
+          <a:p>
+            <a:pPr marL="0" lvl="0" indent="0" algn="ctr" rtl="0">
+              <a:spcBef>
+                <a:spcPts val="0"/>
+              </a:spcBef>
+              <a:spcAft>
+                <a:spcPts val="0"/>
+              </a:spcAft>
+              <a:buNone/>
+            </a:pPr>
+            <a:r>
+              <a:rPr lang="es-CO" sz="3200" b="1" dirty="0" err="1" smtClean="0">
+                <a:solidFill>
+                  <a:schemeClr val="lt1"/>
+                </a:solidFill>
+                <a:effectLst>
+                  <a:outerShdw blurRad="38100" dist="38100" dir="2700000" algn="tl">
+                    <a:srgbClr val="000000">
+                      <a:alpha val="43137"/>
+                    </a:srgbClr>
+                  </a:outerShdw>
+                </a:effectLst>
+                <a:latin typeface="Montserrat" panose="00000500000000000000"/>
+                <a:ea typeface="Montserrat" panose="00000500000000000000"/>
+                <a:cs typeface="Montserrat" panose="00000500000000000000"/>
+                <a:sym typeface="Montserrat" panose="00000500000000000000"/>
+              </a:rPr>
+              <a:t>Strategy</a:t>
+            </a:r>
+            <a:r>
+              <a:rPr lang="es-CO" sz="3200" b="1" dirty="0" smtClean="0">
+                <a:solidFill>
+                  <a:schemeClr val="lt1"/>
+                </a:solidFill>
+                <a:effectLst>
+                  <a:outerShdw blurRad="38100" dist="38100" dir="2700000" algn="tl">
+                    <a:srgbClr val="000000">
+                      <a:alpha val="43137"/>
+                    </a:srgbClr>
+                  </a:outerShdw>
+                </a:effectLst>
+                <a:latin typeface="Montserrat" panose="00000500000000000000"/>
+                <a:ea typeface="Montserrat" panose="00000500000000000000"/>
+                <a:cs typeface="Montserrat" panose="00000500000000000000"/>
+                <a:sym typeface="Montserrat" panose="00000500000000000000"/>
+              </a:rPr>
+              <a:t> </a:t>
+            </a:r>
+            <a:r>
+              <a:rPr lang="es-CO" sz="3200" b="1" dirty="0" err="1" smtClean="0">
+                <a:solidFill>
+                  <a:schemeClr val="lt1"/>
+                </a:solidFill>
+                <a:effectLst>
+                  <a:outerShdw blurRad="38100" dist="38100" dir="2700000" algn="tl">
+                    <a:srgbClr val="000000">
+                      <a:alpha val="43137"/>
+                    </a:srgbClr>
+                  </a:outerShdw>
+                </a:effectLst>
+                <a:latin typeface="Montserrat" panose="00000500000000000000"/>
+                <a:ea typeface="Montserrat" panose="00000500000000000000"/>
+                <a:cs typeface="Montserrat" panose="00000500000000000000"/>
+                <a:sym typeface="Montserrat" panose="00000500000000000000"/>
+              </a:rPr>
+              <a:t>Pattern</a:t>
+            </a:r>
+            <a:r>
+              <a:rPr lang="es-CO" sz="3200" b="1" dirty="0" smtClean="0">
+                <a:solidFill>
+                  <a:schemeClr val="lt1"/>
+                </a:solidFill>
+                <a:effectLst>
+                  <a:outerShdw blurRad="38100" dist="38100" dir="2700000" algn="tl">
+                    <a:srgbClr val="000000">
+                      <a:alpha val="43137"/>
+                    </a:srgbClr>
+                  </a:outerShdw>
+                </a:effectLst>
+                <a:latin typeface="Montserrat" panose="00000500000000000000"/>
+                <a:ea typeface="Montserrat" panose="00000500000000000000"/>
+                <a:cs typeface="Montserrat" panose="00000500000000000000"/>
+                <a:sym typeface="Montserrat" panose="00000500000000000000"/>
+              </a:rPr>
+              <a:t> - </a:t>
+            </a:r>
+            <a:r>
+              <a:rPr lang="es-CO" sz="3200" b="1" dirty="0" err="1" smtClean="0">
+                <a:solidFill>
+                  <a:schemeClr val="lt1"/>
+                </a:solidFill>
+                <a:effectLst>
+                  <a:outerShdw blurRad="38100" dist="38100" dir="2700000" algn="tl">
+                    <a:srgbClr val="000000">
+                      <a:alpha val="43137"/>
+                    </a:srgbClr>
+                  </a:outerShdw>
+                </a:effectLst>
+                <a:latin typeface="Montserrat" panose="00000500000000000000"/>
+                <a:ea typeface="Montserrat" panose="00000500000000000000"/>
+                <a:cs typeface="Montserrat" panose="00000500000000000000"/>
+                <a:sym typeface="Montserrat" panose="00000500000000000000"/>
+              </a:rPr>
+              <a:t>Benefits</a:t>
+            </a:r>
+            <a:endParaRPr sz="3200" b="1" dirty="0">
+              <a:solidFill>
+                <a:schemeClr val="lt1"/>
+              </a:solidFill>
+              <a:effectLst>
+                <a:outerShdw blurRad="38100" dist="38100" dir="2700000" algn="tl">
+                  <a:srgbClr val="000000">
+                    <a:alpha val="43137"/>
+                  </a:srgbClr>
+                </a:outerShdw>
+              </a:effectLst>
+              <a:latin typeface="Montserrat" panose="00000500000000000000"/>
+              <a:ea typeface="Montserrat" panose="00000500000000000000"/>
+              <a:cs typeface="Montserrat" panose="00000500000000000000"/>
+              <a:sym typeface="Montserrat" panose="00000500000000000000"/>
+            </a:endParaRPr>
+          </a:p>
+        </p:txBody>
+      </p:sp>
+    </p:spTree>
+    <p:extLst>
+      <p:ext uri="{BB962C8B-B14F-4D97-AF65-F5344CB8AC3E}">
+        <p14:creationId xmlns:p14="http://schemas.microsoft.com/office/powerpoint/2010/main" val="2449989660"/>
+      </p:ext>
+    </p:extLst>
+  </p:cSld>
+  <p:clrMapOvr>
+    <a:masterClrMapping/>
+  </p:clrMapOvr>
+  <p:timing>
+    <p:tnLst>
+      <p:par>
+        <p:cTn id="1" dur="indefinite" restart="never" nodeType="tmRoot"/>
+      </p:par>
+    </p:tnLst>
+  </p:timing>
+</p:sld>
+</file>
+
+<file path=ppt/slides/slide16.xml><?xml version="1.0" encoding="utf-8"?>
+<p:sld xmlns:a="http://schemas.openxmlformats.org/drawingml/2006/main" xmlns:r="http://schemas.openxmlformats.org/officeDocument/2006/relationships" xmlns:p="http://schemas.openxmlformats.org/presentationml/2006/main">
+  <p:cSld>
+    <p:bg>
+      <p:bgPr>
+        <a:solidFill>
+          <a:srgbClr val="000000"/>
+        </a:solidFill>
+        <a:effectLst/>
+      </p:bgPr>
+    </p:bg>
+    <p:spTree>
+      <p:nvGrpSpPr>
+        <p:cNvPr id="1" name="Shape 117"/>
+        <p:cNvGrpSpPr/>
+        <p:nvPr/>
+      </p:nvGrpSpPr>
+      <p:grpSpPr>
+        <a:xfrm>
+          <a:off x="0" y="0"/>
+          <a:ext cx="0" cy="0"/>
+          <a:chOff x="0" y="0"/>
+          <a:chExt cx="0" cy="0"/>
+        </a:xfrm>
+      </p:grpSpPr>
+      <p:sp>
+        <p:nvSpPr>
+          <p:cNvPr id="120" name="Google Shape;120;p28"/>
+          <p:cNvSpPr/>
+          <p:nvPr/>
+        </p:nvSpPr>
+        <p:spPr>
+          <a:xfrm>
+            <a:off x="-5" y="5118630"/>
+            <a:ext cx="9144000" cy="33600"/>
+          </a:xfrm>
+          <a:prstGeom prst="rect">
+            <a:avLst/>
+          </a:prstGeom>
+          <a:solidFill>
+            <a:srgbClr val="C1D82F"/>
+          </a:solidFill>
+          <a:ln>
+            <a:noFill/>
+          </a:ln>
+        </p:spPr>
+        <p:txBody>
+          <a:bodyPr spcFirstLastPara="1" wrap="square" lIns="91425" tIns="91425" rIns="91425" bIns="91425" anchor="ctr" anchorCtr="0">
+            <a:noAutofit/>
+          </a:bodyPr>
+          <a:lstStyle/>
+          <a:p>
+            <a:pPr marL="0" lvl="0" indent="0" algn="l" rtl="0">
+              <a:spcBef>
+                <a:spcPts val="0"/>
+              </a:spcBef>
+              <a:spcAft>
+                <a:spcPts val="0"/>
+              </a:spcAft>
+              <a:buNone/>
+            </a:pPr>
+            <a:endParaRPr/>
+          </a:p>
+        </p:txBody>
+      </p:sp>
+      <p:sp>
+        <p:nvSpPr>
+          <p:cNvPr id="8" name="Google Shape;139;p30"/>
+          <p:cNvSpPr txBox="1"/>
+          <p:nvPr/>
+        </p:nvSpPr>
+        <p:spPr>
+          <a:xfrm>
+            <a:off x="1" y="216450"/>
+            <a:ext cx="9143994" cy="552600"/>
+          </a:xfrm>
+          <a:prstGeom prst="rect">
+            <a:avLst/>
+          </a:prstGeom>
+          <a:noFill/>
+          <a:ln>
+            <a:noFill/>
+          </a:ln>
+        </p:spPr>
+        <p:txBody>
+          <a:bodyPr spcFirstLastPara="1" wrap="square" lIns="91425" tIns="91425" rIns="91425" bIns="91425" anchor="t" anchorCtr="0">
+            <a:noAutofit/>
+          </a:bodyPr>
+          <a:lstStyle/>
+          <a:p>
+            <a:pPr lvl="0" algn="ctr"/>
+            <a:r>
+              <a:rPr lang="es-CO" sz="3200" b="1" dirty="0" err="1">
+                <a:solidFill>
+                  <a:schemeClr val="lt1"/>
+                </a:solidFill>
+                <a:effectLst>
+                  <a:outerShdw blurRad="38100" dist="38100" dir="2700000" algn="tl">
+                    <a:srgbClr val="000000">
+                      <a:alpha val="43137"/>
+                    </a:srgbClr>
+                  </a:outerShdw>
+                </a:effectLst>
+                <a:latin typeface="Montserrat" panose="00000500000000000000"/>
+                <a:ea typeface="Montserrat" panose="00000500000000000000"/>
+                <a:cs typeface="Montserrat" panose="00000500000000000000"/>
+                <a:sym typeface="Montserrat" panose="00000500000000000000"/>
+              </a:rPr>
+              <a:t>Strategy</a:t>
+            </a:r>
+            <a:r>
+              <a:rPr lang="es-CO" sz="3200" b="1" dirty="0">
+                <a:solidFill>
+                  <a:schemeClr val="lt1"/>
+                </a:solidFill>
+                <a:effectLst>
+                  <a:outerShdw blurRad="38100" dist="38100" dir="2700000" algn="tl">
+                    <a:srgbClr val="000000">
+                      <a:alpha val="43137"/>
+                    </a:srgbClr>
+                  </a:outerShdw>
+                </a:effectLst>
+                <a:latin typeface="Montserrat" panose="00000500000000000000"/>
+                <a:ea typeface="Montserrat" panose="00000500000000000000"/>
+                <a:cs typeface="Montserrat" panose="00000500000000000000"/>
+                <a:sym typeface="Montserrat" panose="00000500000000000000"/>
+              </a:rPr>
+              <a:t> </a:t>
+            </a:r>
+            <a:r>
+              <a:rPr lang="es-CO" sz="3200" b="1" dirty="0" smtClean="0">
+                <a:solidFill>
+                  <a:schemeClr val="lt1"/>
+                </a:solidFill>
+                <a:effectLst>
+                  <a:outerShdw blurRad="38100" dist="38100" dir="2700000" algn="tl">
+                    <a:srgbClr val="000000">
+                      <a:alpha val="43137"/>
+                    </a:srgbClr>
+                  </a:outerShdw>
+                </a:effectLst>
+                <a:latin typeface="Montserrat" panose="00000500000000000000"/>
+                <a:ea typeface="Montserrat" panose="00000500000000000000"/>
+                <a:cs typeface="Montserrat" panose="00000500000000000000"/>
+                <a:sym typeface="Montserrat" panose="00000500000000000000"/>
+              </a:rPr>
+              <a:t>– </a:t>
+            </a:r>
+            <a:r>
+              <a:rPr lang="es-CO" sz="3200" b="1" dirty="0" err="1" smtClean="0">
+                <a:solidFill>
+                  <a:schemeClr val="lt1"/>
+                </a:solidFill>
+                <a:effectLst>
+                  <a:outerShdw blurRad="38100" dist="38100" dir="2700000" algn="tl">
+                    <a:srgbClr val="000000">
+                      <a:alpha val="43137"/>
+                    </a:srgbClr>
+                  </a:outerShdw>
+                </a:effectLst>
+                <a:latin typeface="Montserrat" panose="00000500000000000000"/>
+                <a:ea typeface="Montserrat" panose="00000500000000000000"/>
+                <a:cs typeface="Montserrat" panose="00000500000000000000"/>
+                <a:sym typeface="Montserrat" panose="00000500000000000000"/>
+              </a:rPr>
+              <a:t>Class</a:t>
+            </a:r>
+            <a:r>
+              <a:rPr lang="es-CO" sz="3200" b="1" dirty="0" smtClean="0">
+                <a:solidFill>
+                  <a:schemeClr val="lt1"/>
+                </a:solidFill>
+                <a:effectLst>
+                  <a:outerShdw blurRad="38100" dist="38100" dir="2700000" algn="tl">
+                    <a:srgbClr val="000000">
+                      <a:alpha val="43137"/>
+                    </a:srgbClr>
+                  </a:outerShdw>
+                </a:effectLst>
+                <a:latin typeface="Montserrat" panose="00000500000000000000"/>
+                <a:ea typeface="Montserrat" panose="00000500000000000000"/>
+                <a:cs typeface="Montserrat" panose="00000500000000000000"/>
+                <a:sym typeface="Montserrat" panose="00000500000000000000"/>
+              </a:rPr>
+              <a:t> </a:t>
+            </a:r>
+            <a:r>
+              <a:rPr lang="es-CO" sz="3200" b="1" dirty="0" err="1" smtClean="0">
+                <a:solidFill>
+                  <a:schemeClr val="lt1"/>
+                </a:solidFill>
+                <a:effectLst>
+                  <a:outerShdw blurRad="38100" dist="38100" dir="2700000" algn="tl">
+                    <a:srgbClr val="000000">
+                      <a:alpha val="43137"/>
+                    </a:srgbClr>
+                  </a:outerShdw>
+                </a:effectLst>
+                <a:latin typeface="Montserrat" panose="00000500000000000000"/>
+                <a:ea typeface="Montserrat" panose="00000500000000000000"/>
+                <a:cs typeface="Montserrat" panose="00000500000000000000"/>
+                <a:sym typeface="Montserrat" panose="00000500000000000000"/>
+              </a:rPr>
+              <a:t>Diagram</a:t>
+            </a:r>
+            <a:endParaRPr sz="3200" b="1" dirty="0">
+              <a:solidFill>
+                <a:schemeClr val="lt1"/>
+              </a:solidFill>
+              <a:effectLst>
+                <a:outerShdw blurRad="38100" dist="38100" dir="2700000" algn="tl">
+                  <a:srgbClr val="000000">
+                    <a:alpha val="43137"/>
+                  </a:srgbClr>
+                </a:outerShdw>
+              </a:effectLst>
+              <a:latin typeface="Montserrat" panose="00000500000000000000"/>
+              <a:ea typeface="Montserrat" panose="00000500000000000000"/>
+              <a:cs typeface="Montserrat" panose="00000500000000000000"/>
+              <a:sym typeface="Montserrat" panose="00000500000000000000"/>
+            </a:endParaRPr>
+          </a:p>
+        </p:txBody>
+      </p:sp>
+      <p:pic>
+        <p:nvPicPr>
+          <p:cNvPr id="4" name="Imagen 3"/>
+          <p:cNvPicPr>
+            <a:picLocks noChangeAspect="1"/>
+          </p:cNvPicPr>
+          <p:nvPr/>
+        </p:nvPicPr>
+        <p:blipFill>
+          <a:blip r:embed="rId3"/>
+          <a:stretch>
+            <a:fillRect/>
+          </a:stretch>
+        </p:blipFill>
+        <p:spPr>
+          <a:xfrm>
+            <a:off x="1090612" y="928687"/>
+            <a:ext cx="6962775" cy="3286125"/>
+          </a:xfrm>
+          <a:prstGeom prst="rect">
+            <a:avLst/>
+          </a:prstGeom>
+        </p:spPr>
+      </p:pic>
+    </p:spTree>
+    <p:extLst>
+      <p:ext uri="{BB962C8B-B14F-4D97-AF65-F5344CB8AC3E}">
+        <p14:creationId xmlns:p14="http://schemas.microsoft.com/office/powerpoint/2010/main" val="499062003"/>
+      </p:ext>
+    </p:extLst>
+  </p:cSld>
+  <p:clrMapOvr>
+    <a:masterClrMapping/>
+  </p:clrMapOvr>
+  <p:timing>
+    <p:tnLst>
+      <p:par>
+        <p:cTn id="1" dur="indefinite" restart="never" nodeType="tmRoot"/>
+      </p:par>
+    </p:tnLst>
+  </p:timing>
+</p:sld>
+</file>
+
+<file path=ppt/slides/slide17.xml><?xml version="1.0" encoding="utf-8"?>
+<p:sld xmlns:a="http://schemas.openxmlformats.org/drawingml/2006/main" xmlns:r="http://schemas.openxmlformats.org/officeDocument/2006/relationships" xmlns:p="http://schemas.openxmlformats.org/presentationml/2006/main">
+  <p:cSld>
+    <p:bg>
+      <p:bgPr>
+        <a:solidFill>
+          <a:srgbClr val="000000"/>
+        </a:solidFill>
+        <a:effectLst/>
+      </p:bgPr>
+    </p:bg>
+    <p:spTree>
+      <p:nvGrpSpPr>
+        <p:cNvPr id="1" name="Shape 117"/>
+        <p:cNvGrpSpPr/>
+        <p:nvPr/>
+      </p:nvGrpSpPr>
+      <p:grpSpPr>
+        <a:xfrm>
+          <a:off x="0" y="0"/>
+          <a:ext cx="0" cy="0"/>
+          <a:chOff x="0" y="0"/>
+          <a:chExt cx="0" cy="0"/>
+        </a:xfrm>
+      </p:grpSpPr>
+      <p:sp>
+        <p:nvSpPr>
+          <p:cNvPr id="120" name="Google Shape;120;p28"/>
+          <p:cNvSpPr/>
+          <p:nvPr/>
+        </p:nvSpPr>
+        <p:spPr>
+          <a:xfrm>
+            <a:off x="-5" y="5118630"/>
+            <a:ext cx="9144000" cy="33600"/>
+          </a:xfrm>
+          <a:prstGeom prst="rect">
+            <a:avLst/>
+          </a:prstGeom>
+          <a:solidFill>
+            <a:srgbClr val="C1D82F"/>
+          </a:solidFill>
+          <a:ln>
+            <a:noFill/>
+          </a:ln>
+        </p:spPr>
+        <p:txBody>
+          <a:bodyPr spcFirstLastPara="1" wrap="square" lIns="91425" tIns="91425" rIns="91425" bIns="91425" anchor="ctr" anchorCtr="0">
+            <a:noAutofit/>
+          </a:bodyPr>
+          <a:lstStyle/>
+          <a:p>
+            <a:pPr marL="0" lvl="0" indent="0" algn="l" rtl="0">
+              <a:spcBef>
+                <a:spcPts val="0"/>
+              </a:spcBef>
+              <a:spcAft>
+                <a:spcPts val="0"/>
+              </a:spcAft>
+              <a:buNone/>
+            </a:pPr>
+            <a:endParaRPr/>
+          </a:p>
+        </p:txBody>
+      </p:sp>
+      <p:sp>
+        <p:nvSpPr>
+          <p:cNvPr id="8" name="Google Shape;139;p30"/>
+          <p:cNvSpPr txBox="1"/>
+          <p:nvPr/>
+        </p:nvSpPr>
+        <p:spPr>
+          <a:xfrm>
+            <a:off x="1" y="216450"/>
+            <a:ext cx="9143994" cy="552600"/>
+          </a:xfrm>
+          <a:prstGeom prst="rect">
+            <a:avLst/>
+          </a:prstGeom>
+          <a:noFill/>
+          <a:ln>
+            <a:noFill/>
+          </a:ln>
+        </p:spPr>
+        <p:txBody>
+          <a:bodyPr spcFirstLastPara="1" wrap="square" lIns="91425" tIns="91425" rIns="91425" bIns="91425" anchor="t" anchorCtr="0">
+            <a:noAutofit/>
+          </a:bodyPr>
+          <a:lstStyle/>
+          <a:p>
+            <a:pPr lvl="0" algn="ctr"/>
+            <a:r>
+              <a:rPr lang="es-CO" sz="3200" b="1" dirty="0" err="1">
+                <a:solidFill>
+                  <a:schemeClr val="lt1"/>
+                </a:solidFill>
+                <a:effectLst>
+                  <a:outerShdw blurRad="38100" dist="38100" dir="2700000" algn="tl">
+                    <a:srgbClr val="000000">
+                      <a:alpha val="43137"/>
+                    </a:srgbClr>
+                  </a:outerShdw>
+                </a:effectLst>
+                <a:latin typeface="Montserrat" panose="00000500000000000000"/>
+                <a:ea typeface="Montserrat" panose="00000500000000000000"/>
+                <a:cs typeface="Montserrat" panose="00000500000000000000"/>
+                <a:sym typeface="Montserrat" panose="00000500000000000000"/>
+              </a:rPr>
+              <a:t>Strategy</a:t>
+            </a:r>
+            <a:r>
+              <a:rPr lang="es-CO" sz="3200" b="1" dirty="0">
+                <a:solidFill>
+                  <a:schemeClr val="lt1"/>
+                </a:solidFill>
+                <a:effectLst>
+                  <a:outerShdw blurRad="38100" dist="38100" dir="2700000" algn="tl">
+                    <a:srgbClr val="000000">
+                      <a:alpha val="43137"/>
+                    </a:srgbClr>
+                  </a:outerShdw>
+                </a:effectLst>
+                <a:latin typeface="Montserrat" panose="00000500000000000000"/>
+                <a:ea typeface="Montserrat" panose="00000500000000000000"/>
+                <a:cs typeface="Montserrat" panose="00000500000000000000"/>
+                <a:sym typeface="Montserrat" panose="00000500000000000000"/>
+              </a:rPr>
+              <a:t> </a:t>
+            </a:r>
+            <a:r>
+              <a:rPr lang="es-CO" sz="3200" b="1" dirty="0" smtClean="0">
+                <a:solidFill>
+                  <a:schemeClr val="lt1"/>
+                </a:solidFill>
+                <a:effectLst>
+                  <a:outerShdw blurRad="38100" dist="38100" dir="2700000" algn="tl">
+                    <a:srgbClr val="000000">
+                      <a:alpha val="43137"/>
+                    </a:srgbClr>
+                  </a:outerShdw>
+                </a:effectLst>
+                <a:latin typeface="Montserrat" panose="00000500000000000000"/>
+                <a:ea typeface="Montserrat" panose="00000500000000000000"/>
+                <a:cs typeface="Montserrat" panose="00000500000000000000"/>
+                <a:sym typeface="Montserrat" panose="00000500000000000000"/>
+              </a:rPr>
+              <a:t>– </a:t>
+            </a:r>
+            <a:r>
+              <a:rPr lang="es-CO" sz="3200" b="1" dirty="0" err="1" smtClean="0">
+                <a:solidFill>
+                  <a:schemeClr val="lt1"/>
+                </a:solidFill>
+                <a:effectLst>
+                  <a:outerShdw blurRad="38100" dist="38100" dir="2700000" algn="tl">
+                    <a:srgbClr val="000000">
+                      <a:alpha val="43137"/>
+                    </a:srgbClr>
+                  </a:outerShdw>
+                </a:effectLst>
+                <a:latin typeface="Montserrat" panose="00000500000000000000"/>
+                <a:ea typeface="Montserrat" panose="00000500000000000000"/>
+                <a:cs typeface="Montserrat" panose="00000500000000000000"/>
+                <a:sym typeface="Montserrat" panose="00000500000000000000"/>
+              </a:rPr>
+              <a:t>Diagram</a:t>
+            </a:r>
+            <a:r>
+              <a:rPr lang="es-CO" sz="3200" b="1" dirty="0" smtClean="0">
+                <a:solidFill>
+                  <a:schemeClr val="lt1"/>
+                </a:solidFill>
+                <a:effectLst>
+                  <a:outerShdw blurRad="38100" dist="38100" dir="2700000" algn="tl">
+                    <a:srgbClr val="000000">
+                      <a:alpha val="43137"/>
+                    </a:srgbClr>
+                  </a:outerShdw>
+                </a:effectLst>
+                <a:latin typeface="Montserrat" panose="00000500000000000000"/>
+                <a:ea typeface="Montserrat" panose="00000500000000000000"/>
+                <a:cs typeface="Montserrat" panose="00000500000000000000"/>
+                <a:sym typeface="Montserrat" panose="00000500000000000000"/>
+              </a:rPr>
+              <a:t> of </a:t>
+            </a:r>
+            <a:r>
+              <a:rPr lang="es-CO" sz="3200" b="1" dirty="0" err="1" smtClean="0">
+                <a:solidFill>
+                  <a:schemeClr val="lt1"/>
+                </a:solidFill>
+                <a:effectLst>
+                  <a:outerShdw blurRad="38100" dist="38100" dir="2700000" algn="tl">
+                    <a:srgbClr val="000000">
+                      <a:alpha val="43137"/>
+                    </a:srgbClr>
+                  </a:outerShdw>
+                </a:effectLst>
+                <a:latin typeface="Montserrat" panose="00000500000000000000"/>
+                <a:ea typeface="Montserrat" panose="00000500000000000000"/>
+                <a:cs typeface="Montserrat" panose="00000500000000000000"/>
+                <a:sym typeface="Montserrat" panose="00000500000000000000"/>
+              </a:rPr>
+              <a:t>Sequence</a:t>
+            </a:r>
+            <a:endParaRPr sz="3200" b="1" dirty="0">
+              <a:solidFill>
+                <a:schemeClr val="lt1"/>
+              </a:solidFill>
+              <a:effectLst>
+                <a:outerShdw blurRad="38100" dist="38100" dir="2700000" algn="tl">
+                  <a:srgbClr val="000000">
+                    <a:alpha val="43137"/>
+                  </a:srgbClr>
+                </a:outerShdw>
+              </a:effectLst>
+              <a:latin typeface="Montserrat" panose="00000500000000000000"/>
+              <a:ea typeface="Montserrat" panose="00000500000000000000"/>
+              <a:cs typeface="Montserrat" panose="00000500000000000000"/>
+              <a:sym typeface="Montserrat" panose="00000500000000000000"/>
+            </a:endParaRPr>
+          </a:p>
+        </p:txBody>
+      </p:sp>
+      <p:pic>
+        <p:nvPicPr>
+          <p:cNvPr id="2" name="Imagen 1"/>
+          <p:cNvPicPr>
+            <a:picLocks noChangeAspect="1"/>
+          </p:cNvPicPr>
+          <p:nvPr/>
+        </p:nvPicPr>
+        <p:blipFill>
+          <a:blip r:embed="rId3"/>
+          <a:stretch>
+            <a:fillRect/>
+          </a:stretch>
+        </p:blipFill>
+        <p:spPr>
+          <a:xfrm>
+            <a:off x="1166812" y="978195"/>
+            <a:ext cx="6810375" cy="3752850"/>
+          </a:xfrm>
+          <a:prstGeom prst="rect">
+            <a:avLst/>
+          </a:prstGeom>
+        </p:spPr>
+      </p:pic>
+    </p:spTree>
+    <p:extLst>
+      <p:ext uri="{BB962C8B-B14F-4D97-AF65-F5344CB8AC3E}">
+        <p14:creationId xmlns:p14="http://schemas.microsoft.com/office/powerpoint/2010/main" val="304917738"/>
+      </p:ext>
+    </p:extLst>
   </p:cSld>
   <p:clrMapOvr>
     <a:masterClrMapping/>
@@ -15661,6 +21435,7 @@
               </a:spcAft>
               <a:buNone/>
             </a:pPr>
+            <a:endParaRPr/>
           </a:p>
         </p:txBody>
       </p:sp>
@@ -15901,7 +21676,7 @@
           <p:nvPr/>
         </p:nvPicPr>
         <p:blipFill rotWithShape="1">
-          <a:blip r:embed="rId1">
+          <a:blip r:embed="rId3">
             <a:extLst>
               <a:ext uri="{28A0092B-C50C-407E-A947-70E740481C1C}">
                 <a14:useLocalDpi xmlns:a14="http://schemas.microsoft.com/office/drawing/2010/main" val="0"/>
@@ -16009,6 +21784,7 @@
               </a:spcAft>
               <a:buNone/>
             </a:pPr>
+            <a:endParaRPr/>
           </a:p>
         </p:txBody>
       </p:sp>
@@ -16173,7 +21949,7 @@
           <p:nvPr/>
         </p:nvPicPr>
         <p:blipFill rotWithShape="1">
-          <a:blip r:embed="rId1">
+          <a:blip r:embed="rId3">
             <a:extLst>
               <a:ext uri="{28A0092B-C50C-407E-A947-70E740481C1C}">
                 <a14:useLocalDpi xmlns:a14="http://schemas.microsoft.com/office/drawing/2010/main" val="0"/>
@@ -16244,7 +22020,7 @@
           <p:nvPr/>
         </p:nvPicPr>
         <p:blipFill>
-          <a:blip r:embed="rId1"/>
+          <a:blip r:embed="rId3"/>
           <a:stretch>
             <a:fillRect/>
           </a:stretch>
@@ -16446,15 +22222,6 @@
               </a:rPr>
               <a:t>An object called subject maintains a list of its dependents called observers</a:t>
             </a:r>
-            <a:endParaRPr lang="en-US" sz="1300" dirty="0">
-              <a:solidFill>
-                <a:srgbClr val="FFFFFF"/>
-              </a:solidFill>
-              <a:latin typeface="Nunito Sans" panose="00000500000000000000"/>
-              <a:ea typeface="Nunito Sans" panose="00000500000000000000"/>
-              <a:cs typeface="Nunito Sans" panose="00000500000000000000"/>
-              <a:sym typeface="Nunito Sans" panose="00000500000000000000"/>
-            </a:endParaRPr>
           </a:p>
           <a:p>
             <a:pPr marL="457200" lvl="0" indent="-311150" algn="just" rtl="0">
@@ -16633,6 +22400,7 @@
               </a:spcAft>
               <a:buNone/>
             </a:pPr>
+            <a:endParaRPr/>
           </a:p>
         </p:txBody>
       </p:sp>
@@ -16755,7 +22523,7 @@
           <p:nvPr/>
         </p:nvPicPr>
         <p:blipFill rotWithShape="1">
-          <a:blip r:embed="rId1">
+          <a:blip r:embed="rId3">
             <a:extLst>
               <a:ext uri="{28A0092B-C50C-407E-A947-70E740481C1C}">
                 <a14:useLocalDpi xmlns:a14="http://schemas.microsoft.com/office/drawing/2010/main" val="0"/>
@@ -16878,15 +22646,6 @@
               </a:rPr>
               <a:t>The subject (publisher) does not need to know anything about the Observers (suscribers)</a:t>
             </a:r>
-            <a:endParaRPr lang="en-GB" sz="1300" dirty="0" smtClean="0">
-              <a:solidFill>
-                <a:srgbClr val="FFFFFF"/>
-              </a:solidFill>
-              <a:latin typeface="Nunito Sans" panose="00000500000000000000"/>
-              <a:ea typeface="Nunito Sans" panose="00000500000000000000"/>
-              <a:cs typeface="Nunito Sans" panose="00000500000000000000"/>
-              <a:sym typeface="Nunito Sans" panose="00000500000000000000"/>
-            </a:endParaRPr>
           </a:p>
           <a:p>
             <a:pPr marL="457200" lvl="0" indent="-311150" algn="just" rtl="0">
@@ -16934,15 +22693,6 @@
               </a:rPr>
               <a:t>Loose coupling</a:t>
             </a:r>
-            <a:endParaRPr lang="en-GB" sz="1300" dirty="0">
-              <a:solidFill>
-                <a:srgbClr val="FFFFFF"/>
-              </a:solidFill>
-              <a:latin typeface="Nunito Sans" panose="00000500000000000000"/>
-              <a:ea typeface="Nunito Sans" panose="00000500000000000000"/>
-              <a:cs typeface="Nunito Sans" panose="00000500000000000000"/>
-              <a:sym typeface="Nunito Sans" panose="00000500000000000000"/>
-            </a:endParaRPr>
           </a:p>
           <a:p>
             <a:pPr marL="457200" lvl="5" indent="-311150" algn="just">
@@ -16977,15 +22727,6 @@
               </a:rPr>
               <a:t>interface</a:t>
             </a:r>
-            <a:endParaRPr lang="en-GB" sz="1300" dirty="0" smtClean="0">
-              <a:solidFill>
-                <a:srgbClr val="FFFFFF"/>
-              </a:solidFill>
-              <a:latin typeface="Nunito Sans" panose="00000500000000000000"/>
-              <a:ea typeface="Nunito Sans" panose="00000500000000000000"/>
-              <a:cs typeface="Nunito Sans" panose="00000500000000000000"/>
-              <a:sym typeface="Nunito Sans" panose="00000500000000000000"/>
-            </a:endParaRPr>
           </a:p>
           <a:p>
             <a:pPr marL="457200" lvl="5" indent="-311150" algn="just">
@@ -17070,15 +22811,6 @@
               </a:rPr>
               <a:t>The observer object does not need to be pending about any change, the subject is the responsible to notify that.</a:t>
             </a:r>
-            <a:endParaRPr lang="en-GB" sz="1300" dirty="0" smtClean="0">
-              <a:solidFill>
-                <a:srgbClr val="FFFFFF"/>
-              </a:solidFill>
-              <a:latin typeface="Nunito Sans" panose="00000500000000000000"/>
-              <a:ea typeface="Nunito Sans" panose="00000500000000000000"/>
-              <a:cs typeface="Nunito Sans" panose="00000500000000000000"/>
-              <a:sym typeface="Nunito Sans" panose="00000500000000000000"/>
-            </a:endParaRPr>
           </a:p>
           <a:p>
             <a:pPr marL="457200" lvl="0" indent="-311150" algn="just" rtl="0">
@@ -17132,15 +22864,6 @@
               </a:rPr>
               <a:t>The push (notify) strategy is more efficient than the pull (ask all the time) one.</a:t>
             </a:r>
-            <a:endParaRPr lang="en-GB" sz="1300" dirty="0" smtClean="0">
-              <a:solidFill>
-                <a:srgbClr val="FFFFFF"/>
-              </a:solidFill>
-              <a:latin typeface="Nunito Sans" panose="00000500000000000000"/>
-              <a:ea typeface="Nunito Sans" panose="00000500000000000000"/>
-              <a:cs typeface="Nunito Sans" panose="00000500000000000000"/>
-              <a:sym typeface="Nunito Sans" panose="00000500000000000000"/>
-            </a:endParaRPr>
           </a:p>
           <a:p>
             <a:pPr marL="457200" lvl="0" indent="-311150" algn="just" rtl="0">
@@ -17194,15 +22917,6 @@
               </a:rPr>
               <a:t>You have the posibility to add suscribers or remove suscribers whenever you want</a:t>
             </a:r>
-            <a:endParaRPr lang="en-GB" sz="1300" dirty="0" smtClean="0">
-              <a:solidFill>
-                <a:srgbClr val="FFFFFF"/>
-              </a:solidFill>
-              <a:latin typeface="Nunito Sans" panose="00000500000000000000"/>
-              <a:ea typeface="Nunito Sans" panose="00000500000000000000"/>
-              <a:cs typeface="Nunito Sans" panose="00000500000000000000"/>
-              <a:sym typeface="Nunito Sans" panose="00000500000000000000"/>
-            </a:endParaRPr>
           </a:p>
           <a:p>
             <a:pPr marL="457200" lvl="0" indent="-311150" algn="just" rtl="0">
@@ -17684,6 +23398,7 @@
               </a:spcAft>
               <a:buNone/>
             </a:pPr>
+            <a:endParaRPr/>
           </a:p>
         </p:txBody>
       </p:sp>
@@ -17911,6 +23626,7 @@
               </a:spcAft>
               <a:buNone/>
             </a:pPr>
+            <a:endParaRPr/>
           </a:p>
         </p:txBody>
       </p:sp>
@@ -18109,7 +23825,7 @@
           <p:nvPr/>
         </p:nvPicPr>
         <p:blipFill>
-          <a:blip r:embed="rId1"/>
+          <a:blip r:embed="rId3"/>
           <a:stretch>
             <a:fillRect/>
           </a:stretch>
@@ -18200,6 +23916,7 @@
               </a:spcAft>
               <a:buNone/>
             </a:pPr>
+            <a:endParaRPr/>
           </a:p>
         </p:txBody>
       </p:sp>
@@ -18398,7 +24115,7 @@
           <p:nvPr/>
         </p:nvPicPr>
         <p:blipFill>
-          <a:blip r:embed="rId1"/>
+          <a:blip r:embed="rId3"/>
           <a:stretch>
             <a:fillRect/>
           </a:stretch>
@@ -18489,6 +24206,7 @@
               </a:spcAft>
               <a:buNone/>
             </a:pPr>
+            <a:endParaRPr/>
           </a:p>
         </p:txBody>
       </p:sp>
@@ -18606,6 +24324,7 @@
           <a:bodyPr spcFirstLastPara="1" wrap="square" lIns="91425" tIns="91425" rIns="91425" bIns="91425" anchor="t" anchorCtr="0">
             <a:noAutofit/>
           </a:bodyPr>
+          <a:lstStyle/>
           <a:p>
             <a:pPr marL="146050" lvl="0" indent="0" algn="just" rtl="0">
               <a:spcBef>
@@ -18633,15 +24352,6 @@
               </a:rPr>
               <a:t>The façade pattern allows us to reduce the complexity of a system, by dividing it into subsystems, and additionally, it reduces the dependence of a client with respect to a certain component.</a:t>
             </a:r>
-            <a:endParaRPr lang="en-GB" sz="1300" dirty="0" smtClean="0">
-              <a:solidFill>
-                <a:srgbClr val="FFFFFF"/>
-              </a:solidFill>
-              <a:latin typeface="Nunito Sans" panose="00000500000000000000"/>
-              <a:ea typeface="Nunito Sans" panose="00000500000000000000"/>
-              <a:cs typeface="Nunito Sans" panose="00000500000000000000"/>
-              <a:sym typeface="Nunito Sans" panose="00000500000000000000"/>
-            </a:endParaRPr>
           </a:p>
           <a:p>
             <a:pPr marL="146050" lvl="0" indent="0" algn="just" rtl="0">
@@ -18754,7 +24464,7 @@
                 <a:ea typeface="Nunito Sans" panose="00000500000000000000"/>
                 <a:cs typeface="Nunito Sans" panose="00000500000000000000"/>
                 <a:sym typeface="Nunito Sans" panose="00000500000000000000"/>
-                <a:hlinkClick r:id="rId1" tooltip="" action="ppaction://hlinkfile"/>
+                <a:hlinkClick r:id="rId3" action="ppaction://hlinkfile"/>
               </a:rPr>
               <a:t>GOF Structural Patterns FACADE</a:t>
             </a:r>
@@ -18884,7 +24594,7 @@
           <p:nvPr/>
         </p:nvPicPr>
         <p:blipFill>
-          <a:blip r:embed="rId2"/>
+          <a:blip r:embed="rId4"/>
           <a:stretch>
             <a:fillRect/>
           </a:stretch>
@@ -19190,6 +24900,8 @@
       </a:bgFillStyleLst>
     </a:fmtScheme>
   </a:themeElements>
+  <a:objectDefaults/>
+  <a:extraClrSchemeLst/>
   <a:extLst>
     <a:ext uri="{05A4C25C-085E-4340-85A3-A5531E510DB2}">
       <thm15:themeFamily xmlns:thm15="http://schemas.microsoft.com/office/thememl/2012/main" name="Office Theme" id="{62F939B6-93AF-4DB8-9C6B-D6C7DFDC589F}" vid="{4A3C46E8-61CC-4603-A589-7422A47A8E4A}"/>
@@ -19474,6 +25186,8 @@
       </a:bgFillStyleLst>
     </a:fmtScheme>
   </a:themeElements>
+  <a:objectDefaults/>
+  <a:extraClrSchemeLst/>
   <a:extLst>
     <a:ext uri="{05A4C25C-085E-4340-85A3-A5531E510DB2}">
       <thm15:themeFamily xmlns:thm15="http://schemas.microsoft.com/office/thememl/2012/main" name="Office Theme" id="{62F939B6-93AF-4DB8-9C6B-D6C7DFDC589F}" vid="{4A3C46E8-61CC-4603-A589-7422A47A8E4A}"/>
@@ -19758,6 +25472,8 @@
       </a:bgFillStyleLst>
     </a:fmtScheme>
   </a:themeElements>
+  <a:objectDefaults/>
+  <a:extraClrSchemeLst/>
   <a:extLst>
     <a:ext uri="{05A4C25C-085E-4340-85A3-A5531E510DB2}">
       <thm15:themeFamily xmlns:thm15="http://schemas.microsoft.com/office/thememl/2012/main" name="Office Theme" id="{62F939B6-93AF-4DB8-9C6B-D6C7DFDC589F}" vid="{4A3C46E8-61CC-4603-A589-7422A47A8E4A}"/>

--- a/Design Patterns/Design Patterns.pptx
+++ b/Design Patterns/Design Patterns.pptx
@@ -3,57 +3,58 @@
 <p:presentation xmlns:a="http://schemas.openxmlformats.org/drawingml/2006/main" xmlns:r="http://schemas.openxmlformats.org/officeDocument/2006/relationships" xmlns:p="http://schemas.openxmlformats.org/presentationml/2006/main" strictFirstAndLastChars="0" embedTrueTypeFonts="1" saveSubsetFonts="1" autoCompressPictures="0">
   <p:sldMasterIdLst>
     <p:sldMasterId id="2147483648" r:id="rId1"/>
-    <p:sldMasterId id="2147483663" r:id="rId2"/>
+    <p:sldMasterId id="2147483663" r:id="rId3"/>
   </p:sldMasterIdLst>
   <p:notesMasterIdLst>
-    <p:notesMasterId r:id="rId20"/>
+    <p:notesMasterId r:id="rId5"/>
   </p:notesMasterIdLst>
   <p:sldIdLst>
-    <p:sldId id="256" r:id="rId3"/>
-    <p:sldId id="285" r:id="rId4"/>
-    <p:sldId id="286" r:id="rId5"/>
-    <p:sldId id="261" r:id="rId6"/>
-    <p:sldId id="257" r:id="rId7"/>
-    <p:sldId id="287" r:id="rId8"/>
-    <p:sldId id="288" r:id="rId9"/>
-    <p:sldId id="289" r:id="rId10"/>
-    <p:sldId id="292" r:id="rId11"/>
-    <p:sldId id="296" r:id="rId12"/>
-    <p:sldId id="294" r:id="rId13"/>
-    <p:sldId id="295" r:id="rId14"/>
-    <p:sldId id="297" r:id="rId15"/>
-    <p:sldId id="298" r:id="rId16"/>
-    <p:sldId id="299" r:id="rId17"/>
-    <p:sldId id="300" r:id="rId18"/>
-    <p:sldId id="301" r:id="rId19"/>
+    <p:sldId id="256" r:id="rId4"/>
+    <p:sldId id="285" r:id="rId6"/>
+    <p:sldId id="286" r:id="rId7"/>
+    <p:sldId id="261" r:id="rId8"/>
+    <p:sldId id="257" r:id="rId9"/>
+    <p:sldId id="287" r:id="rId10"/>
+    <p:sldId id="288" r:id="rId11"/>
+    <p:sldId id="289" r:id="rId12"/>
+    <p:sldId id="292" r:id="rId13"/>
+    <p:sldId id="296" r:id="rId14"/>
+    <p:sldId id="294" r:id="rId15"/>
+    <p:sldId id="295" r:id="rId16"/>
+    <p:sldId id="297" r:id="rId17"/>
+    <p:sldId id="298" r:id="rId18"/>
+    <p:sldId id="299" r:id="rId19"/>
+    <p:sldId id="300" r:id="rId20"/>
+    <p:sldId id="301" r:id="rId21"/>
+    <p:sldId id="304" r:id="rId22"/>
+    <p:sldId id="305" r:id="rId23"/>
+    <p:sldId id="306" r:id="rId24"/>
+    <p:sldId id="308" r:id="rId25"/>
   </p:sldIdLst>
   <p:sldSz cx="9144000" cy="5143500" type="screen16x9"/>
   <p:notesSz cx="6858000" cy="9144000"/>
   <p:embeddedFontLst>
     <p:embeddedFont>
-      <p:font typeface="Montserrat" panose="020B0604020202020204" charset="0"/>
-      <p:regular r:id="rId21"/>
-      <p:bold r:id="rId22"/>
-      <p:italic r:id="rId23"/>
-      <p:boldItalic r:id="rId24"/>
+      <p:font typeface="Roboto Condensed" panose="02000000000000000000"/>
+      <p:regular r:id="rId29"/>
+      <p:bold r:id="rId30"/>
+      <p:italic r:id="rId31"/>
+      <p:boldItalic r:id="rId32"/>
     </p:embeddedFont>
     <p:embeddedFont>
-      <p:font typeface="Nunito Sans" panose="020B0604020202020204" charset="0"/>
-      <p:regular r:id="rId25"/>
+      <p:font typeface="Calibri" panose="020F0502020204030204"/>
+      <p:regular r:id="rId33"/>
     </p:embeddedFont>
     <p:embeddedFont>
-      <p:font typeface="Roboto Condensed" panose="020B0604020202020204" charset="0"/>
-      <p:regular r:id="rId26"/>
-      <p:bold r:id="rId27"/>
-      <p:italic r:id="rId28"/>
-      <p:boldItalic r:id="rId29"/>
+      <p:font typeface="Montserrat" panose="00000500000000000000"/>
+      <p:regular r:id="rId34"/>
+      <p:bold r:id="rId35"/>
+      <p:italic r:id="rId36"/>
+      <p:boldItalic r:id="rId37"/>
     </p:embeddedFont>
     <p:embeddedFont>
-      <p:font typeface="Calibri" panose="020F0502020204030204" pitchFamily="34" charset="0"/>
-      <p:regular r:id="rId30"/>
-      <p:bold r:id="rId31"/>
-      <p:italic r:id="rId32"/>
-      <p:boldItalic r:id="rId33"/>
+      <p:font typeface="Nunito Sans" panose="00000500000000000000"/>
+      <p:regular r:id="rId38"/>
     </p:embeddedFont>
   </p:embeddedFontLst>
   <p:defaultTextStyle>
@@ -285,11 +286,6 @@
       </a:defRPr>
     </a:lvl9pPr>
   </p:defaultTextStyle>
-  <p:extLst>
-    <p:ext uri="{EFAFB233-063F-42B5-8137-9DF3F51BA10A}">
-      <p15:sldGuideLst xmlns:p15="http://schemas.microsoft.com/office/powerpoint/2012/main"/>
-    </p:ext>
-  </p:extLst>
 </p:presentation>
 </file>
 
@@ -492,9 +488,7 @@
               <a:defRPr sz="1100"/>
             </a:lvl9pPr>
           </a:lstStyle>
-          <a:p>
-            <a:endParaRPr/>
-          </a:p>
+          <a:p/>
         </p:txBody>
       </p:sp>
     </p:spTree>
@@ -733,7 +727,7 @@
 </file>
 
 <file path=ppt/notesSlides/notesSlide1.xml><?xml version="1.0" encoding="utf-8"?>
-<p:notes xmlns:a="http://schemas.openxmlformats.org/drawingml/2006/main" xmlns:r="http://schemas.openxmlformats.org/officeDocument/2006/relationships" xmlns:p="http://schemas.openxmlformats.org/presentationml/2006/main" showMasterSp="0" showMasterPhAnim="0">
+<p:notes xmlns:a="http://schemas.openxmlformats.org/drawingml/2006/main" xmlns:r="http://schemas.openxmlformats.org/officeDocument/2006/relationships" xmlns:p="http://schemas.openxmlformats.org/presentationml/2006/main" showMasterPhAnim="0" showMasterSp="0">
   <p:cSld>
     <p:spTree>
       <p:nvGrpSpPr>
@@ -824,7 +818,6 @@
               </a:spcAft>
               <a:buNone/>
             </a:pPr>
-            <a:endParaRPr/>
           </a:p>
         </p:txBody>
       </p:sp>
@@ -837,7 +830,7 @@
 </file>
 
 <file path=ppt/notesSlides/notesSlide10.xml><?xml version="1.0" encoding="utf-8"?>
-<p:notes xmlns:a="http://schemas.openxmlformats.org/drawingml/2006/main" xmlns:r="http://schemas.openxmlformats.org/officeDocument/2006/relationships" xmlns:p="http://schemas.openxmlformats.org/presentationml/2006/main" showMasterSp="0" showMasterPhAnim="0">
+<p:notes xmlns:a="http://schemas.openxmlformats.org/drawingml/2006/main" xmlns:r="http://schemas.openxmlformats.org/officeDocument/2006/relationships" xmlns:p="http://schemas.openxmlformats.org/presentationml/2006/main" showMasterPhAnim="0" showMasterSp="0">
   <p:cSld>
     <p:spTree>
       <p:nvGrpSpPr>
@@ -928,7 +921,6 @@
               </a:spcAft>
               <a:buNone/>
             </a:pPr>
-            <a:endParaRPr/>
           </a:p>
         </p:txBody>
       </p:sp>
@@ -941,7 +933,7 @@
 </file>
 
 <file path=ppt/notesSlides/notesSlide11.xml><?xml version="1.0" encoding="utf-8"?>
-<p:notes xmlns:a="http://schemas.openxmlformats.org/drawingml/2006/main" xmlns:r="http://schemas.openxmlformats.org/officeDocument/2006/relationships" xmlns:p="http://schemas.openxmlformats.org/presentationml/2006/main" showMasterSp="0" showMasterPhAnim="0">
+<p:notes xmlns:a="http://schemas.openxmlformats.org/drawingml/2006/main" xmlns:r="http://schemas.openxmlformats.org/officeDocument/2006/relationships" xmlns:p="http://schemas.openxmlformats.org/presentationml/2006/main" showMasterPhAnim="0" showMasterSp="0">
   <p:cSld>
     <p:spTree>
       <p:nvGrpSpPr>
@@ -1032,7 +1024,6 @@
               </a:spcAft>
               <a:buNone/>
             </a:pPr>
-            <a:endParaRPr/>
           </a:p>
         </p:txBody>
       </p:sp>
@@ -1045,7 +1036,7 @@
 </file>
 
 <file path=ppt/notesSlides/notesSlide12.xml><?xml version="1.0" encoding="utf-8"?>
-<p:notes xmlns:a="http://schemas.openxmlformats.org/drawingml/2006/main" xmlns:r="http://schemas.openxmlformats.org/officeDocument/2006/relationships" xmlns:p="http://schemas.openxmlformats.org/presentationml/2006/main" showMasterSp="0" showMasterPhAnim="0">
+<p:notes xmlns:a="http://schemas.openxmlformats.org/drawingml/2006/main" xmlns:r="http://schemas.openxmlformats.org/officeDocument/2006/relationships" xmlns:p="http://schemas.openxmlformats.org/presentationml/2006/main" showMasterPhAnim="0" showMasterSp="0">
   <p:cSld>
     <p:spTree>
       <p:nvGrpSpPr>
@@ -1136,7 +1127,6 @@
               </a:spcAft>
               <a:buNone/>
             </a:pPr>
-            <a:endParaRPr/>
           </a:p>
         </p:txBody>
       </p:sp>
@@ -1149,7 +1139,7 @@
 </file>
 
 <file path=ppt/notesSlides/notesSlide13.xml><?xml version="1.0" encoding="utf-8"?>
-<p:notes xmlns:a="http://schemas.openxmlformats.org/drawingml/2006/main" xmlns:r="http://schemas.openxmlformats.org/officeDocument/2006/relationships" xmlns:p="http://schemas.openxmlformats.org/presentationml/2006/main" showMasterSp="0" showMasterPhAnim="0">
+<p:notes xmlns:a="http://schemas.openxmlformats.org/drawingml/2006/main" xmlns:r="http://schemas.openxmlformats.org/officeDocument/2006/relationships" xmlns:p="http://schemas.openxmlformats.org/presentationml/2006/main" showMasterPhAnim="0" showMasterSp="0">
   <p:cSld>
     <p:spTree>
       <p:nvGrpSpPr>
@@ -1240,16 +1230,10 @@
               </a:spcAft>
               <a:buNone/>
             </a:pPr>
-            <a:endParaRPr/>
           </a:p>
         </p:txBody>
       </p:sp>
     </p:spTree>
-    <p:extLst>
-      <p:ext uri="{BB962C8B-B14F-4D97-AF65-F5344CB8AC3E}">
-        <p14:creationId xmlns:p14="http://schemas.microsoft.com/office/powerpoint/2010/main" val="397463304"/>
-      </p:ext>
-    </p:extLst>
   </p:cSld>
   <p:clrMapOvr>
     <a:masterClrMapping/>
@@ -1258,7 +1242,7 @@
 </file>
 
 <file path=ppt/notesSlides/notesSlide14.xml><?xml version="1.0" encoding="utf-8"?>
-<p:notes xmlns:a="http://schemas.openxmlformats.org/drawingml/2006/main" xmlns:r="http://schemas.openxmlformats.org/officeDocument/2006/relationships" xmlns:p="http://schemas.openxmlformats.org/presentationml/2006/main" showMasterSp="0" showMasterPhAnim="0">
+<p:notes xmlns:a="http://schemas.openxmlformats.org/drawingml/2006/main" xmlns:r="http://schemas.openxmlformats.org/officeDocument/2006/relationships" xmlns:p="http://schemas.openxmlformats.org/presentationml/2006/main" showMasterPhAnim="0" showMasterSp="0">
   <p:cSld>
     <p:spTree>
       <p:nvGrpSpPr>
@@ -1349,16 +1333,10 @@
               </a:spcAft>
               <a:buNone/>
             </a:pPr>
-            <a:endParaRPr/>
           </a:p>
         </p:txBody>
       </p:sp>
     </p:spTree>
-    <p:extLst>
-      <p:ext uri="{BB962C8B-B14F-4D97-AF65-F5344CB8AC3E}">
-        <p14:creationId xmlns:p14="http://schemas.microsoft.com/office/powerpoint/2010/main" val="1941382810"/>
-      </p:ext>
-    </p:extLst>
   </p:cSld>
   <p:clrMapOvr>
     <a:masterClrMapping/>
@@ -1367,7 +1345,7 @@
 </file>
 
 <file path=ppt/notesSlides/notesSlide15.xml><?xml version="1.0" encoding="utf-8"?>
-<p:notes xmlns:a="http://schemas.openxmlformats.org/drawingml/2006/main" xmlns:r="http://schemas.openxmlformats.org/officeDocument/2006/relationships" xmlns:p="http://schemas.openxmlformats.org/presentationml/2006/main" showMasterSp="0" showMasterPhAnim="0">
+<p:notes xmlns:a="http://schemas.openxmlformats.org/drawingml/2006/main" xmlns:r="http://schemas.openxmlformats.org/officeDocument/2006/relationships" xmlns:p="http://schemas.openxmlformats.org/presentationml/2006/main" showMasterPhAnim="0" showMasterSp="0">
   <p:cSld>
     <p:spTree>
       <p:nvGrpSpPr>
@@ -1458,16 +1436,10 @@
               </a:spcAft>
               <a:buNone/>
             </a:pPr>
-            <a:endParaRPr/>
           </a:p>
         </p:txBody>
       </p:sp>
     </p:spTree>
-    <p:extLst>
-      <p:ext uri="{BB962C8B-B14F-4D97-AF65-F5344CB8AC3E}">
-        <p14:creationId xmlns:p14="http://schemas.microsoft.com/office/powerpoint/2010/main" val="3584905627"/>
-      </p:ext>
-    </p:extLst>
   </p:cSld>
   <p:clrMapOvr>
     <a:masterClrMapping/>
@@ -1476,7 +1448,7 @@
 </file>
 
 <file path=ppt/notesSlides/notesSlide16.xml><?xml version="1.0" encoding="utf-8"?>
-<p:notes xmlns:a="http://schemas.openxmlformats.org/drawingml/2006/main" xmlns:r="http://schemas.openxmlformats.org/officeDocument/2006/relationships" xmlns:p="http://schemas.openxmlformats.org/presentationml/2006/main" showMasterSp="0" showMasterPhAnim="0">
+<p:notes xmlns:a="http://schemas.openxmlformats.org/drawingml/2006/main" xmlns:r="http://schemas.openxmlformats.org/officeDocument/2006/relationships" xmlns:p="http://schemas.openxmlformats.org/presentationml/2006/main" showMasterPhAnim="0" showMasterSp="0">
   <p:cSld>
     <p:spTree>
       <p:nvGrpSpPr>
@@ -1567,16 +1539,10 @@
               </a:spcAft>
               <a:buNone/>
             </a:pPr>
-            <a:endParaRPr/>
           </a:p>
         </p:txBody>
       </p:sp>
     </p:spTree>
-    <p:extLst>
-      <p:ext uri="{BB962C8B-B14F-4D97-AF65-F5344CB8AC3E}">
-        <p14:creationId xmlns:p14="http://schemas.microsoft.com/office/powerpoint/2010/main" val="4274667119"/>
-      </p:ext>
-    </p:extLst>
   </p:cSld>
   <p:clrMapOvr>
     <a:masterClrMapping/>
@@ -1585,7 +1551,7 @@
 </file>
 
 <file path=ppt/notesSlides/notesSlide17.xml><?xml version="1.0" encoding="utf-8"?>
-<p:notes xmlns:a="http://schemas.openxmlformats.org/drawingml/2006/main" xmlns:r="http://schemas.openxmlformats.org/officeDocument/2006/relationships" xmlns:p="http://schemas.openxmlformats.org/presentationml/2006/main" showMasterSp="0" showMasterPhAnim="0">
+<p:notes xmlns:a="http://schemas.openxmlformats.org/drawingml/2006/main" xmlns:r="http://schemas.openxmlformats.org/officeDocument/2006/relationships" xmlns:p="http://schemas.openxmlformats.org/presentationml/2006/main" showMasterPhAnim="0" showMasterSp="0">
   <p:cSld>
     <p:spTree>
       <p:nvGrpSpPr>
@@ -1676,16 +1642,10 @@
               </a:spcAft>
               <a:buNone/>
             </a:pPr>
-            <a:endParaRPr/>
           </a:p>
         </p:txBody>
       </p:sp>
     </p:spTree>
-    <p:extLst>
-      <p:ext uri="{BB962C8B-B14F-4D97-AF65-F5344CB8AC3E}">
-        <p14:creationId xmlns:p14="http://schemas.microsoft.com/office/powerpoint/2010/main" val="4160486294"/>
-      </p:ext>
-    </p:extLst>
   </p:cSld>
   <p:clrMapOvr>
     <a:masterClrMapping/>
@@ -1693,8 +1653,111 @@
 </p:notes>
 </file>
 
-<file path=ppt/notesSlides/notesSlide2.xml><?xml version="1.0" encoding="utf-8"?>
-<p:notes xmlns:a="http://schemas.openxmlformats.org/drawingml/2006/main" xmlns:r="http://schemas.openxmlformats.org/officeDocument/2006/relationships" xmlns:p="http://schemas.openxmlformats.org/presentationml/2006/main" showMasterSp="0" showMasterPhAnim="0">
+<file path=ppt/notesSlides/notesSlide18.xml><?xml version="1.0" encoding="utf-8"?>
+<p:notes xmlns:a="http://schemas.openxmlformats.org/drawingml/2006/main" xmlns:r="http://schemas.openxmlformats.org/officeDocument/2006/relationships" xmlns:p="http://schemas.openxmlformats.org/presentationml/2006/main" showMasterPhAnim="0" showMasterSp="0">
+  <p:cSld>
+    <p:spTree>
+      <p:nvGrpSpPr>
+        <p:cNvPr id="1" name="Shape 107"/>
+        <p:cNvGrpSpPr/>
+        <p:nvPr/>
+      </p:nvGrpSpPr>
+      <p:grpSpPr>
+        <a:xfrm>
+          <a:off x="0" y="0"/>
+          <a:ext cx="0" cy="0"/>
+          <a:chOff x="0" y="0"/>
+          <a:chExt cx="0" cy="0"/>
+        </a:xfrm>
+      </p:grpSpPr>
+      <p:sp>
+        <p:nvSpPr>
+          <p:cNvPr id="108" name="Google Shape;108;g297a9bff03_0_66:notes"/>
+          <p:cNvSpPr>
+            <a:spLocks noGrp="1" noRot="1" noChangeAspect="1"/>
+          </p:cNvSpPr>
+          <p:nvPr>
+            <p:ph type="sldImg" idx="2"/>
+          </p:nvPr>
+        </p:nvSpPr>
+        <p:spPr>
+          <a:xfrm>
+            <a:off x="381000" y="685800"/>
+            <a:ext cx="6096000" cy="3429000"/>
+          </a:xfrm>
+          <a:custGeom>
+            <a:avLst/>
+            <a:gdLst/>
+            <a:ahLst/>
+            <a:cxnLst/>
+            <a:rect l="l" t="t" r="r" b="b"/>
+            <a:pathLst>
+              <a:path w="120000" h="120000" extrusionOk="0">
+                <a:moveTo>
+                  <a:pt x="0" y="0"/>
+                </a:moveTo>
+                <a:lnTo>
+                  <a:pt x="120000" y="0"/>
+                </a:lnTo>
+                <a:lnTo>
+                  <a:pt x="120000" y="120000"/>
+                </a:lnTo>
+                <a:lnTo>
+                  <a:pt x="0" y="120000"/>
+                </a:lnTo>
+                <a:close/>
+              </a:path>
+            </a:pathLst>
+          </a:custGeom>
+        </p:spPr>
+      </p:sp>
+      <p:sp>
+        <p:nvSpPr>
+          <p:cNvPr id="109" name="Google Shape;109;g297a9bff03_0_66:notes"/>
+          <p:cNvSpPr txBox="1">
+            <a:spLocks noGrp="1"/>
+          </p:cNvSpPr>
+          <p:nvPr>
+            <p:ph type="body" idx="1"/>
+          </p:nvPr>
+        </p:nvSpPr>
+        <p:spPr>
+          <a:xfrm>
+            <a:off x="685800" y="4343400"/>
+            <a:ext cx="5486400" cy="4114800"/>
+          </a:xfrm>
+          <a:prstGeom prst="rect">
+            <a:avLst/>
+          </a:prstGeom>
+        </p:spPr>
+        <p:txBody>
+          <a:bodyPr spcFirstLastPara="1" wrap="square" lIns="91425" tIns="91425" rIns="91425" bIns="91425" anchor="t" anchorCtr="0">
+            <a:noAutofit/>
+          </a:bodyPr>
+          <a:lstStyle/>
+          <a:p>
+            <a:pPr marL="0" lvl="0" indent="0" algn="l" rtl="0">
+              <a:spcBef>
+                <a:spcPts val="0"/>
+              </a:spcBef>
+              <a:spcAft>
+                <a:spcPts val="0"/>
+              </a:spcAft>
+              <a:buNone/>
+            </a:pPr>
+          </a:p>
+        </p:txBody>
+      </p:sp>
+    </p:spTree>
+  </p:cSld>
+  <p:clrMapOvr>
+    <a:masterClrMapping/>
+  </p:clrMapOvr>
+</p:notes>
+</file>
+
+<file path=ppt/notesSlides/notesSlide19.xml><?xml version="1.0" encoding="utf-8"?>
+<p:notes xmlns:a="http://schemas.openxmlformats.org/drawingml/2006/main" xmlns:r="http://schemas.openxmlformats.org/officeDocument/2006/relationships" xmlns:p="http://schemas.openxmlformats.org/presentationml/2006/main" showMasterPhAnim="0" showMasterSp="0">
   <p:cSld>
     <p:spTree>
       <p:nvGrpSpPr>
@@ -1785,7 +1848,6 @@
               </a:spcAft>
               <a:buNone/>
             </a:pPr>
-            <a:endParaRPr/>
           </a:p>
         </p:txBody>
       </p:sp>
@@ -1797,8 +1859,8 @@
 </p:notes>
 </file>
 
-<file path=ppt/notesSlides/notesSlide3.xml><?xml version="1.0" encoding="utf-8"?>
-<p:notes xmlns:a="http://schemas.openxmlformats.org/drawingml/2006/main" xmlns:r="http://schemas.openxmlformats.org/officeDocument/2006/relationships" xmlns:p="http://schemas.openxmlformats.org/presentationml/2006/main" showMasterSp="0" showMasterPhAnim="0">
+<file path=ppt/notesSlides/notesSlide2.xml><?xml version="1.0" encoding="utf-8"?>
+<p:notes xmlns:a="http://schemas.openxmlformats.org/drawingml/2006/main" xmlns:r="http://schemas.openxmlformats.org/officeDocument/2006/relationships" xmlns:p="http://schemas.openxmlformats.org/presentationml/2006/main" showMasterPhAnim="0" showMasterSp="0">
   <p:cSld>
     <p:spTree>
       <p:nvGrpSpPr>
@@ -1889,7 +1951,315 @@
               </a:spcAft>
               <a:buNone/>
             </a:pPr>
-            <a:endParaRPr/>
+          </a:p>
+        </p:txBody>
+      </p:sp>
+    </p:spTree>
+  </p:cSld>
+  <p:clrMapOvr>
+    <a:masterClrMapping/>
+  </p:clrMapOvr>
+</p:notes>
+</file>
+
+<file path=ppt/notesSlides/notesSlide20.xml><?xml version="1.0" encoding="utf-8"?>
+<p:notes xmlns:a="http://schemas.openxmlformats.org/drawingml/2006/main" xmlns:r="http://schemas.openxmlformats.org/officeDocument/2006/relationships" xmlns:p="http://schemas.openxmlformats.org/presentationml/2006/main" showMasterPhAnim="0" showMasterSp="0">
+  <p:cSld>
+    <p:spTree>
+      <p:nvGrpSpPr>
+        <p:cNvPr id="1" name="Shape 114"/>
+        <p:cNvGrpSpPr/>
+        <p:nvPr/>
+      </p:nvGrpSpPr>
+      <p:grpSpPr>
+        <a:xfrm>
+          <a:off x="0" y="0"/>
+          <a:ext cx="0" cy="0"/>
+          <a:chOff x="0" y="0"/>
+          <a:chExt cx="0" cy="0"/>
+        </a:xfrm>
+      </p:grpSpPr>
+      <p:sp>
+        <p:nvSpPr>
+          <p:cNvPr id="115" name="Google Shape;115;g297a9bff03_0_0:notes"/>
+          <p:cNvSpPr>
+            <a:spLocks noGrp="1" noRot="1" noChangeAspect="1"/>
+          </p:cNvSpPr>
+          <p:nvPr>
+            <p:ph type="sldImg" idx="2"/>
+          </p:nvPr>
+        </p:nvSpPr>
+        <p:spPr>
+          <a:xfrm>
+            <a:off x="381000" y="685800"/>
+            <a:ext cx="6096000" cy="3429000"/>
+          </a:xfrm>
+          <a:custGeom>
+            <a:avLst/>
+            <a:gdLst/>
+            <a:ahLst/>
+            <a:cxnLst/>
+            <a:rect l="l" t="t" r="r" b="b"/>
+            <a:pathLst>
+              <a:path w="120000" h="120000" extrusionOk="0">
+                <a:moveTo>
+                  <a:pt x="0" y="0"/>
+                </a:moveTo>
+                <a:lnTo>
+                  <a:pt x="120000" y="0"/>
+                </a:lnTo>
+                <a:lnTo>
+                  <a:pt x="120000" y="120000"/>
+                </a:lnTo>
+                <a:lnTo>
+                  <a:pt x="0" y="120000"/>
+                </a:lnTo>
+                <a:close/>
+              </a:path>
+            </a:pathLst>
+          </a:custGeom>
+        </p:spPr>
+      </p:sp>
+      <p:sp>
+        <p:nvSpPr>
+          <p:cNvPr id="116" name="Google Shape;116;g297a9bff03_0_0:notes"/>
+          <p:cNvSpPr txBox="1">
+            <a:spLocks noGrp="1"/>
+          </p:cNvSpPr>
+          <p:nvPr>
+            <p:ph type="body" idx="1"/>
+          </p:nvPr>
+        </p:nvSpPr>
+        <p:spPr>
+          <a:xfrm>
+            <a:off x="685800" y="4343400"/>
+            <a:ext cx="5486400" cy="4114800"/>
+          </a:xfrm>
+          <a:prstGeom prst="rect">
+            <a:avLst/>
+          </a:prstGeom>
+        </p:spPr>
+        <p:txBody>
+          <a:bodyPr spcFirstLastPara="1" wrap="square" lIns="91425" tIns="91425" rIns="91425" bIns="91425" anchor="t" anchorCtr="0">
+            <a:noAutofit/>
+          </a:bodyPr>
+          <a:lstStyle/>
+          <a:p>
+            <a:pPr marL="0" lvl="0" indent="0" algn="l" rtl="0">
+              <a:spcBef>
+                <a:spcPts val="0"/>
+              </a:spcBef>
+              <a:spcAft>
+                <a:spcPts val="0"/>
+              </a:spcAft>
+              <a:buNone/>
+            </a:pPr>
+          </a:p>
+        </p:txBody>
+      </p:sp>
+    </p:spTree>
+  </p:cSld>
+  <p:clrMapOvr>
+    <a:masterClrMapping/>
+  </p:clrMapOvr>
+</p:notes>
+</file>
+
+<file path=ppt/notesSlides/notesSlide21.xml><?xml version="1.0" encoding="utf-8"?>
+<p:notes xmlns:a="http://schemas.openxmlformats.org/drawingml/2006/main" xmlns:r="http://schemas.openxmlformats.org/officeDocument/2006/relationships" xmlns:p="http://schemas.openxmlformats.org/presentationml/2006/main" showMasterPhAnim="0" showMasterSp="0">
+  <p:cSld>
+    <p:spTree>
+      <p:nvGrpSpPr>
+        <p:cNvPr id="1" name="Shape 114"/>
+        <p:cNvGrpSpPr/>
+        <p:nvPr/>
+      </p:nvGrpSpPr>
+      <p:grpSpPr>
+        <a:xfrm>
+          <a:off x="0" y="0"/>
+          <a:ext cx="0" cy="0"/>
+          <a:chOff x="0" y="0"/>
+          <a:chExt cx="0" cy="0"/>
+        </a:xfrm>
+      </p:grpSpPr>
+      <p:sp>
+        <p:nvSpPr>
+          <p:cNvPr id="115" name="Google Shape;115;g297a9bff03_0_0:notes"/>
+          <p:cNvSpPr>
+            <a:spLocks noGrp="1" noRot="1" noChangeAspect="1"/>
+          </p:cNvSpPr>
+          <p:nvPr>
+            <p:ph type="sldImg" idx="2"/>
+          </p:nvPr>
+        </p:nvSpPr>
+        <p:spPr>
+          <a:xfrm>
+            <a:off x="381000" y="685800"/>
+            <a:ext cx="6096000" cy="3429000"/>
+          </a:xfrm>
+          <a:custGeom>
+            <a:avLst/>
+            <a:gdLst/>
+            <a:ahLst/>
+            <a:cxnLst/>
+            <a:rect l="l" t="t" r="r" b="b"/>
+            <a:pathLst>
+              <a:path w="120000" h="120000" extrusionOk="0">
+                <a:moveTo>
+                  <a:pt x="0" y="0"/>
+                </a:moveTo>
+                <a:lnTo>
+                  <a:pt x="120000" y="0"/>
+                </a:lnTo>
+                <a:lnTo>
+                  <a:pt x="120000" y="120000"/>
+                </a:lnTo>
+                <a:lnTo>
+                  <a:pt x="0" y="120000"/>
+                </a:lnTo>
+                <a:close/>
+              </a:path>
+            </a:pathLst>
+          </a:custGeom>
+        </p:spPr>
+      </p:sp>
+      <p:sp>
+        <p:nvSpPr>
+          <p:cNvPr id="116" name="Google Shape;116;g297a9bff03_0_0:notes"/>
+          <p:cNvSpPr txBox="1">
+            <a:spLocks noGrp="1"/>
+          </p:cNvSpPr>
+          <p:nvPr>
+            <p:ph type="body" idx="1"/>
+          </p:nvPr>
+        </p:nvSpPr>
+        <p:spPr>
+          <a:xfrm>
+            <a:off x="685800" y="4343400"/>
+            <a:ext cx="5486400" cy="4114800"/>
+          </a:xfrm>
+          <a:prstGeom prst="rect">
+            <a:avLst/>
+          </a:prstGeom>
+        </p:spPr>
+        <p:txBody>
+          <a:bodyPr spcFirstLastPara="1" wrap="square" lIns="91425" tIns="91425" rIns="91425" bIns="91425" anchor="t" anchorCtr="0">
+            <a:noAutofit/>
+          </a:bodyPr>
+          <a:lstStyle/>
+          <a:p>
+            <a:pPr marL="0" lvl="0" indent="0" algn="l" rtl="0">
+              <a:spcBef>
+                <a:spcPts val="0"/>
+              </a:spcBef>
+              <a:spcAft>
+                <a:spcPts val="0"/>
+              </a:spcAft>
+              <a:buNone/>
+            </a:pPr>
+          </a:p>
+        </p:txBody>
+      </p:sp>
+    </p:spTree>
+  </p:cSld>
+  <p:clrMapOvr>
+    <a:masterClrMapping/>
+  </p:clrMapOvr>
+</p:notes>
+</file>
+
+<file path=ppt/notesSlides/notesSlide3.xml><?xml version="1.0" encoding="utf-8"?>
+<p:notes xmlns:a="http://schemas.openxmlformats.org/drawingml/2006/main" xmlns:r="http://schemas.openxmlformats.org/officeDocument/2006/relationships" xmlns:p="http://schemas.openxmlformats.org/presentationml/2006/main" showMasterPhAnim="0" showMasterSp="0">
+  <p:cSld>
+    <p:spTree>
+      <p:nvGrpSpPr>
+        <p:cNvPr id="1" name="Shape 114"/>
+        <p:cNvGrpSpPr/>
+        <p:nvPr/>
+      </p:nvGrpSpPr>
+      <p:grpSpPr>
+        <a:xfrm>
+          <a:off x="0" y="0"/>
+          <a:ext cx="0" cy="0"/>
+          <a:chOff x="0" y="0"/>
+          <a:chExt cx="0" cy="0"/>
+        </a:xfrm>
+      </p:grpSpPr>
+      <p:sp>
+        <p:nvSpPr>
+          <p:cNvPr id="115" name="Google Shape;115;g297a9bff03_0_0:notes"/>
+          <p:cNvSpPr>
+            <a:spLocks noGrp="1" noRot="1" noChangeAspect="1"/>
+          </p:cNvSpPr>
+          <p:nvPr>
+            <p:ph type="sldImg" idx="2"/>
+          </p:nvPr>
+        </p:nvSpPr>
+        <p:spPr>
+          <a:xfrm>
+            <a:off x="381000" y="685800"/>
+            <a:ext cx="6096000" cy="3429000"/>
+          </a:xfrm>
+          <a:custGeom>
+            <a:avLst/>
+            <a:gdLst/>
+            <a:ahLst/>
+            <a:cxnLst/>
+            <a:rect l="l" t="t" r="r" b="b"/>
+            <a:pathLst>
+              <a:path w="120000" h="120000" extrusionOk="0">
+                <a:moveTo>
+                  <a:pt x="0" y="0"/>
+                </a:moveTo>
+                <a:lnTo>
+                  <a:pt x="120000" y="0"/>
+                </a:lnTo>
+                <a:lnTo>
+                  <a:pt x="120000" y="120000"/>
+                </a:lnTo>
+                <a:lnTo>
+                  <a:pt x="0" y="120000"/>
+                </a:lnTo>
+                <a:close/>
+              </a:path>
+            </a:pathLst>
+          </a:custGeom>
+        </p:spPr>
+      </p:sp>
+      <p:sp>
+        <p:nvSpPr>
+          <p:cNvPr id="116" name="Google Shape;116;g297a9bff03_0_0:notes"/>
+          <p:cNvSpPr txBox="1">
+            <a:spLocks noGrp="1"/>
+          </p:cNvSpPr>
+          <p:nvPr>
+            <p:ph type="body" idx="1"/>
+          </p:nvPr>
+        </p:nvSpPr>
+        <p:spPr>
+          <a:xfrm>
+            <a:off x="685800" y="4343400"/>
+            <a:ext cx="5486400" cy="4114800"/>
+          </a:xfrm>
+          <a:prstGeom prst="rect">
+            <a:avLst/>
+          </a:prstGeom>
+        </p:spPr>
+        <p:txBody>
+          <a:bodyPr spcFirstLastPara="1" wrap="square" lIns="91425" tIns="91425" rIns="91425" bIns="91425" anchor="t" anchorCtr="0">
+            <a:noAutofit/>
+          </a:bodyPr>
+          <a:lstStyle/>
+          <a:p>
+            <a:pPr marL="0" lvl="0" indent="0" algn="l" rtl="0">
+              <a:spcBef>
+                <a:spcPts val="0"/>
+              </a:spcBef>
+              <a:spcAft>
+                <a:spcPts val="0"/>
+              </a:spcAft>
+              <a:buNone/>
+            </a:pPr>
           </a:p>
         </p:txBody>
       </p:sp>
@@ -1902,7 +2272,7 @@
 </file>
 
 <file path=ppt/notesSlides/notesSlide4.xml><?xml version="1.0" encoding="utf-8"?>
-<p:notes xmlns:a="http://schemas.openxmlformats.org/drawingml/2006/main" xmlns:r="http://schemas.openxmlformats.org/officeDocument/2006/relationships" xmlns:p="http://schemas.openxmlformats.org/presentationml/2006/main" showMasterSp="0" showMasterPhAnim="0">
+<p:notes xmlns:a="http://schemas.openxmlformats.org/drawingml/2006/main" xmlns:r="http://schemas.openxmlformats.org/officeDocument/2006/relationships" xmlns:p="http://schemas.openxmlformats.org/presentationml/2006/main" showMasterPhAnim="0" showMasterSp="0">
   <p:cSld>
     <p:spTree>
       <p:nvGrpSpPr>
@@ -1993,7 +2363,6 @@
               </a:spcAft>
               <a:buNone/>
             </a:pPr>
-            <a:endParaRPr/>
           </a:p>
         </p:txBody>
       </p:sp>
@@ -2006,7 +2375,7 @@
 </file>
 
 <file path=ppt/notesSlides/notesSlide5.xml><?xml version="1.0" encoding="utf-8"?>
-<p:notes xmlns:a="http://schemas.openxmlformats.org/drawingml/2006/main" xmlns:r="http://schemas.openxmlformats.org/officeDocument/2006/relationships" xmlns:p="http://schemas.openxmlformats.org/presentationml/2006/main" showMasterSp="0" showMasterPhAnim="0">
+<p:notes xmlns:a="http://schemas.openxmlformats.org/drawingml/2006/main" xmlns:r="http://schemas.openxmlformats.org/officeDocument/2006/relationships" xmlns:p="http://schemas.openxmlformats.org/presentationml/2006/main" showMasterPhAnim="0" showMasterSp="0">
   <p:cSld>
     <p:spTree>
       <p:nvGrpSpPr>
@@ -2097,7 +2466,6 @@
               </a:spcAft>
               <a:buNone/>
             </a:pPr>
-            <a:endParaRPr/>
           </a:p>
         </p:txBody>
       </p:sp>
@@ -2110,7 +2478,7 @@
 </file>
 
 <file path=ppt/notesSlides/notesSlide6.xml><?xml version="1.0" encoding="utf-8"?>
-<p:notes xmlns:a="http://schemas.openxmlformats.org/drawingml/2006/main" xmlns:r="http://schemas.openxmlformats.org/officeDocument/2006/relationships" xmlns:p="http://schemas.openxmlformats.org/presentationml/2006/main" showMasterSp="0" showMasterPhAnim="0">
+<p:notes xmlns:a="http://schemas.openxmlformats.org/drawingml/2006/main" xmlns:r="http://schemas.openxmlformats.org/officeDocument/2006/relationships" xmlns:p="http://schemas.openxmlformats.org/presentationml/2006/main" showMasterPhAnim="0" showMasterSp="0">
   <p:cSld>
     <p:spTree>
       <p:nvGrpSpPr>
@@ -2201,7 +2569,6 @@
               </a:spcAft>
               <a:buNone/>
             </a:pPr>
-            <a:endParaRPr/>
           </a:p>
         </p:txBody>
       </p:sp>
@@ -2214,7 +2581,7 @@
 </file>
 
 <file path=ppt/notesSlides/notesSlide7.xml><?xml version="1.0" encoding="utf-8"?>
-<p:notes xmlns:a="http://schemas.openxmlformats.org/drawingml/2006/main" xmlns:r="http://schemas.openxmlformats.org/officeDocument/2006/relationships" xmlns:p="http://schemas.openxmlformats.org/presentationml/2006/main" showMasterSp="0" showMasterPhAnim="0">
+<p:notes xmlns:a="http://schemas.openxmlformats.org/drawingml/2006/main" xmlns:r="http://schemas.openxmlformats.org/officeDocument/2006/relationships" xmlns:p="http://schemas.openxmlformats.org/presentationml/2006/main" showMasterPhAnim="0" showMasterSp="0">
   <p:cSld>
     <p:spTree>
       <p:nvGrpSpPr>
@@ -2305,7 +2672,6 @@
               </a:spcAft>
               <a:buNone/>
             </a:pPr>
-            <a:endParaRPr/>
           </a:p>
         </p:txBody>
       </p:sp>
@@ -2318,7 +2684,7 @@
 </file>
 
 <file path=ppt/notesSlides/notesSlide8.xml><?xml version="1.0" encoding="utf-8"?>
-<p:notes xmlns:a="http://schemas.openxmlformats.org/drawingml/2006/main" xmlns:r="http://schemas.openxmlformats.org/officeDocument/2006/relationships" xmlns:p="http://schemas.openxmlformats.org/presentationml/2006/main" showMasterSp="0" showMasterPhAnim="0">
+<p:notes xmlns:a="http://schemas.openxmlformats.org/drawingml/2006/main" xmlns:r="http://schemas.openxmlformats.org/officeDocument/2006/relationships" xmlns:p="http://schemas.openxmlformats.org/presentationml/2006/main" showMasterPhAnim="0" showMasterSp="0">
   <p:cSld>
     <p:spTree>
       <p:nvGrpSpPr>
@@ -2409,7 +2775,6 @@
               </a:spcAft>
               <a:buNone/>
             </a:pPr>
-            <a:endParaRPr/>
           </a:p>
         </p:txBody>
       </p:sp>
@@ -2422,7 +2787,7 @@
 </file>
 
 <file path=ppt/notesSlides/notesSlide9.xml><?xml version="1.0" encoding="utf-8"?>
-<p:notes xmlns:a="http://schemas.openxmlformats.org/drawingml/2006/main" xmlns:r="http://schemas.openxmlformats.org/officeDocument/2006/relationships" xmlns:p="http://schemas.openxmlformats.org/presentationml/2006/main" showMasterSp="0" showMasterPhAnim="0">
+<p:notes xmlns:a="http://schemas.openxmlformats.org/drawingml/2006/main" xmlns:r="http://schemas.openxmlformats.org/officeDocument/2006/relationships" xmlns:p="http://schemas.openxmlformats.org/presentationml/2006/main" showMasterPhAnim="0" showMasterSp="0">
   <p:cSld>
     <p:spTree>
       <p:nvGrpSpPr>
@@ -2513,7 +2878,6 @@
               </a:spcAft>
               <a:buNone/>
             </a:pPr>
-            <a:endParaRPr/>
           </a:p>
         </p:txBody>
       </p:sp>
@@ -2526,7 +2890,7 @@
 </file>
 
 <file path=ppt/slideLayouts/slideLayout1.xml><?xml version="1.0" encoding="utf-8"?>
-<p:sldLayout xmlns:a="http://schemas.openxmlformats.org/drawingml/2006/main" xmlns:r="http://schemas.openxmlformats.org/officeDocument/2006/relationships" xmlns:p="http://schemas.openxmlformats.org/presentationml/2006/main" matchingName="Title slide" type="title">
+<p:sldLayout xmlns:a="http://schemas.openxmlformats.org/drawingml/2006/main" xmlns:r="http://schemas.openxmlformats.org/officeDocument/2006/relationships" xmlns:p="http://schemas.openxmlformats.org/presentationml/2006/main" type="title" matchingName="Title slide">
   <p:cSld name="TITLE">
     <p:spTree>
       <p:nvGrpSpPr>
@@ -2664,9 +3028,7 @@
               <a:defRPr sz="5200"/>
             </a:lvl9pPr>
           </a:lstStyle>
-          <a:p>
-            <a:endParaRPr/>
-          </a:p>
+          <a:p/>
         </p:txBody>
       </p:sp>
       <p:sp>
@@ -2818,9 +3180,7 @@
               <a:defRPr sz="2800"/>
             </a:lvl9pPr>
           </a:lstStyle>
-          <a:p>
-            <a:endParaRPr/>
-          </a:p>
+          <a:p/>
         </p:txBody>
       </p:sp>
       <p:sp>
@@ -2896,7 +3256,6 @@
             </a:pPr>
             <a:fld id="{00000000-1234-1234-1234-123412341234}" type="slidenum">
               <a:rPr lang="en-GB"/>
-              <a:t>‹Nº›</a:t>
             </a:fld>
             <a:endParaRPr lang="en-GB"/>
           </a:p>
@@ -3178,9 +3537,7 @@
               <a:defRPr/>
             </a:lvl9pPr>
           </a:lstStyle>
-          <a:p>
-            <a:endParaRPr/>
-          </a:p>
+          <a:p/>
         </p:txBody>
       </p:sp>
       <p:sp>
@@ -3256,7 +3613,6 @@
             </a:pPr>
             <a:fld id="{00000000-1234-1234-1234-123412341234}" type="slidenum">
               <a:rPr lang="en-GB"/>
-              <a:t>‹Nº›</a:t>
             </a:fld>
             <a:endParaRPr lang="en-GB"/>
           </a:p>
@@ -3271,7 +3627,7 @@
 </file>
 
 <file path=ppt/slideLayouts/slideLayout11.xml><?xml version="1.0" encoding="utf-8"?>
-<p:sldLayout xmlns:a="http://schemas.openxmlformats.org/drawingml/2006/main" xmlns:r="http://schemas.openxmlformats.org/officeDocument/2006/relationships" xmlns:p="http://schemas.openxmlformats.org/presentationml/2006/main" matchingName="Blank" type="blank">
+<p:sldLayout xmlns:a="http://schemas.openxmlformats.org/drawingml/2006/main" xmlns:r="http://schemas.openxmlformats.org/officeDocument/2006/relationships" xmlns:p="http://schemas.openxmlformats.org/presentationml/2006/main" type="blank" matchingName="Blank">
   <p:cSld name="BLANK">
     <p:spTree>
       <p:nvGrpSpPr>
@@ -3360,7 +3716,6 @@
             </a:pPr>
             <a:fld id="{00000000-1234-1234-1234-123412341234}" type="slidenum">
               <a:rPr lang="en-GB"/>
-              <a:t>‹Nº›</a:t>
             </a:fld>
             <a:endParaRPr lang="en-GB"/>
           </a:p>
@@ -3611,9 +3966,7 @@
               </a:defRPr>
             </a:lvl9pPr>
           </a:lstStyle>
-          <a:p>
-            <a:endParaRPr/>
-          </a:p>
+          <a:p/>
         </p:txBody>
       </p:sp>
       <p:sp>
@@ -3958,9 +4311,7 @@
               </a:defRPr>
             </a:lvl9pPr>
           </a:lstStyle>
-          <a:p>
-            <a:endParaRPr/>
-          </a:p>
+          <a:p/>
         </p:txBody>
       </p:sp>
       <p:sp>
@@ -4175,9 +4526,7 @@
               </a:defRPr>
             </a:lvl9pPr>
           </a:lstStyle>
-          <a:p>
-            <a:endParaRPr/>
-          </a:p>
+          <a:p/>
         </p:txBody>
       </p:sp>
       <p:sp>
@@ -4216,7 +4565,6 @@
               </a:spcAft>
               <a:buNone/>
             </a:pPr>
-            <a:endParaRPr/>
           </a:p>
         </p:txBody>
       </p:sp>
@@ -4254,7 +4602,7 @@
 </file>
 
 <file path=ppt/slideLayouts/slideLayout14.xml><?xml version="1.0" encoding="utf-8"?>
-<p:sldLayout xmlns:a="http://schemas.openxmlformats.org/drawingml/2006/main" xmlns:r="http://schemas.openxmlformats.org/officeDocument/2006/relationships" xmlns:p="http://schemas.openxmlformats.org/presentationml/2006/main" matchingName="OBJECT" type="obj">
+<p:sldLayout xmlns:a="http://schemas.openxmlformats.org/drawingml/2006/main" xmlns:r="http://schemas.openxmlformats.org/officeDocument/2006/relationships" xmlns:p="http://schemas.openxmlformats.org/presentationml/2006/main" type="obj" matchingName="OBJECT">
   <p:cSld name="OBJECT">
     <p:spTree>
       <p:nvGrpSpPr>
@@ -4432,9 +4780,7 @@
               </a:defRPr>
             </a:lvl9pPr>
           </a:lstStyle>
-          <a:p>
-            <a:endParaRPr/>
-          </a:p>
+          <a:p/>
         </p:txBody>
       </p:sp>
       <p:sp>
@@ -4635,9 +4981,7 @@
               </a:defRPr>
             </a:lvl9pPr>
           </a:lstStyle>
-          <a:p>
-            <a:endParaRPr/>
-          </a:p>
+          <a:p/>
         </p:txBody>
       </p:sp>
       <p:sp>
@@ -4873,7 +5217,6 @@
               <a:buFont typeface="Arial" panose="020B0604020202020204"/>
               <a:buNone/>
             </a:pPr>
-            <a:endParaRPr/>
           </a:p>
           <a:p>
             <a:pPr marL="457200" lvl="1" indent="0" algn="l" rtl="0">
@@ -5054,7 +5397,7 @@
 </file>
 
 <file path=ppt/slideLayouts/slideLayout15.xml><?xml version="1.0" encoding="utf-8"?>
-<p:sldLayout xmlns:a="http://schemas.openxmlformats.org/drawingml/2006/main" xmlns:r="http://schemas.openxmlformats.org/officeDocument/2006/relationships" xmlns:p="http://schemas.openxmlformats.org/presentationml/2006/main" matchingName="Title slide" type="title">
+<p:sldLayout xmlns:a="http://schemas.openxmlformats.org/drawingml/2006/main" xmlns:r="http://schemas.openxmlformats.org/officeDocument/2006/relationships" xmlns:p="http://schemas.openxmlformats.org/presentationml/2006/main" type="title" matchingName="Title slide">
   <p:cSld name="TITLE">
     <p:spTree>
       <p:nvGrpSpPr>
@@ -5310,9 +5653,7 @@
               </a:defRPr>
             </a:lvl9pPr>
           </a:lstStyle>
-          <a:p>
-            <a:endParaRPr/>
-          </a:p>
+          <a:p/>
         </p:txBody>
       </p:sp>
       <p:sp>
@@ -5576,9 +5917,7 @@
               </a:defRPr>
             </a:lvl9pPr>
           </a:lstStyle>
-          <a:p>
-            <a:endParaRPr/>
-          </a:p>
+          <a:p/>
         </p:txBody>
       </p:sp>
     </p:spTree>
@@ -5590,7 +5929,7 @@
 </file>
 
 <file path=ppt/slideLayouts/slideLayout16.xml><?xml version="1.0" encoding="utf-8"?>
-<p:sldLayout xmlns:a="http://schemas.openxmlformats.org/drawingml/2006/main" xmlns:r="http://schemas.openxmlformats.org/officeDocument/2006/relationships" xmlns:p="http://schemas.openxmlformats.org/presentationml/2006/main" matchingName="Title and body" type="tx">
+<p:sldLayout xmlns:a="http://schemas.openxmlformats.org/drawingml/2006/main" xmlns:r="http://schemas.openxmlformats.org/officeDocument/2006/relationships" xmlns:p="http://schemas.openxmlformats.org/presentationml/2006/main" type="tx" matchingName="Title and body">
   <p:cSld name="TITLE_AND_BODY">
     <p:spTree>
       <p:nvGrpSpPr>
@@ -5840,9 +6179,7 @@
               </a:defRPr>
             </a:lvl9pPr>
           </a:lstStyle>
-          <a:p>
-            <a:endParaRPr/>
-          </a:p>
+          <a:p/>
         </p:txBody>
       </p:sp>
       <p:sp>
@@ -5971,9 +6308,7 @@
               <a:defRPr sz="1800"/>
             </a:lvl9pPr>
           </a:lstStyle>
-          <a:p>
-            <a:endParaRPr/>
-          </a:p>
+          <a:p/>
         </p:txBody>
       </p:sp>
     </p:spTree>
@@ -5985,7 +6320,7 @@
 </file>
 
 <file path=ppt/slideLayouts/slideLayout17.xml><?xml version="1.0" encoding="utf-8"?>
-<p:sldLayout xmlns:a="http://schemas.openxmlformats.org/drawingml/2006/main" xmlns:r="http://schemas.openxmlformats.org/officeDocument/2006/relationships" xmlns:p="http://schemas.openxmlformats.org/presentationml/2006/main" matchingName="Title and two columns" type="twoColTx">
+<p:sldLayout xmlns:a="http://schemas.openxmlformats.org/drawingml/2006/main" xmlns:r="http://schemas.openxmlformats.org/officeDocument/2006/relationships" xmlns:p="http://schemas.openxmlformats.org/presentationml/2006/main" type="twoColTx" matchingName="Title and two columns">
   <p:cSld name="TITLE_AND_TWO_COLUMNS">
     <p:spTree>
       <p:nvGrpSpPr>
@@ -6235,9 +6570,7 @@
               </a:defRPr>
             </a:lvl9pPr>
           </a:lstStyle>
-          <a:p>
-            <a:endParaRPr/>
-          </a:p>
+          <a:p/>
         </p:txBody>
       </p:sp>
       <p:sp>
@@ -6366,9 +6699,7 @@
               <a:defRPr sz="1800"/>
             </a:lvl9pPr>
           </a:lstStyle>
-          <a:p>
-            <a:endParaRPr/>
-          </a:p>
+          <a:p/>
         </p:txBody>
       </p:sp>
       <p:sp>
@@ -6497,9 +6828,7 @@
               <a:defRPr sz="1800"/>
             </a:lvl9pPr>
           </a:lstStyle>
-          <a:p>
-            <a:endParaRPr/>
-          </a:p>
+          <a:p/>
         </p:txBody>
       </p:sp>
     </p:spTree>
@@ -6511,7 +6840,7 @@
 </file>
 
 <file path=ppt/slideLayouts/slideLayout18.xml><?xml version="1.0" encoding="utf-8"?>
-<p:sldLayout xmlns:a="http://schemas.openxmlformats.org/drawingml/2006/main" xmlns:r="http://schemas.openxmlformats.org/officeDocument/2006/relationships" xmlns:p="http://schemas.openxmlformats.org/presentationml/2006/main" matchingName="Title only" type="titleOnly">
+<p:sldLayout xmlns:a="http://schemas.openxmlformats.org/drawingml/2006/main" xmlns:r="http://schemas.openxmlformats.org/officeDocument/2006/relationships" xmlns:p="http://schemas.openxmlformats.org/presentationml/2006/main" type="titleOnly" matchingName="Title only">
   <p:cSld name="TITLE_ONLY">
     <p:spTree>
       <p:nvGrpSpPr>
@@ -6761,9 +7090,7 @@
               </a:defRPr>
             </a:lvl9pPr>
           </a:lstStyle>
-          <a:p>
-            <a:endParaRPr/>
-          </a:p>
+          <a:p/>
         </p:txBody>
       </p:sp>
     </p:spTree>
@@ -7016,9 +7343,7 @@
               </a:defRPr>
             </a:lvl9pPr>
           </a:lstStyle>
-          <a:p>
-            <a:endParaRPr/>
-          </a:p>
+          <a:p/>
         </p:txBody>
       </p:sp>
     </p:spTree>
@@ -7030,7 +7355,7 @@
 </file>
 
 <file path=ppt/slideLayouts/slideLayout2.xml><?xml version="1.0" encoding="utf-8"?>
-<p:sldLayout xmlns:a="http://schemas.openxmlformats.org/drawingml/2006/main" xmlns:r="http://schemas.openxmlformats.org/officeDocument/2006/relationships" xmlns:p="http://schemas.openxmlformats.org/presentationml/2006/main" matchingName="Section header" type="secHead">
+<p:sldLayout xmlns:a="http://schemas.openxmlformats.org/drawingml/2006/main" xmlns:r="http://schemas.openxmlformats.org/officeDocument/2006/relationships" xmlns:p="http://schemas.openxmlformats.org/presentationml/2006/main" type="secHead" matchingName="Section header">
   <p:cSld name="SECTION_HEADER">
     <p:spTree>
       <p:nvGrpSpPr>
@@ -7168,9 +7493,7 @@
               <a:defRPr sz="3600"/>
             </a:lvl9pPr>
           </a:lstStyle>
-          <a:p>
-            <a:endParaRPr/>
-          </a:p>
+          <a:p/>
         </p:txBody>
       </p:sp>
       <p:sp>
@@ -7246,7 +7569,6 @@
             </a:pPr>
             <a:fld id="{00000000-1234-1234-1234-123412341234}" type="slidenum">
               <a:rPr lang="en-GB"/>
-              <a:t>‹Nº›</a:t>
             </a:fld>
             <a:endParaRPr lang="en-GB"/>
           </a:p>
@@ -7261,7 +7583,7 @@
 </file>
 
 <file path=ppt/slideLayouts/slideLayout20.xml><?xml version="1.0" encoding="utf-8"?>
-<p:sldLayout xmlns:a="http://schemas.openxmlformats.org/drawingml/2006/main" xmlns:r="http://schemas.openxmlformats.org/officeDocument/2006/relationships" xmlns:p="http://schemas.openxmlformats.org/presentationml/2006/main" matchingName="Blank" type="blank">
+<p:sldLayout xmlns:a="http://schemas.openxmlformats.org/drawingml/2006/main" xmlns:r="http://schemas.openxmlformats.org/officeDocument/2006/relationships" xmlns:p="http://schemas.openxmlformats.org/presentationml/2006/main" type="blank" matchingName="Blank">
   <p:cSld name="BLANK">
     <p:spTree>
       <p:nvGrpSpPr>
@@ -7286,7 +7608,7 @@
 </file>
 
 <file path=ppt/slideLayouts/slideLayout21.xml><?xml version="1.0" encoding="utf-8"?>
-<p:sldLayout xmlns:a="http://schemas.openxmlformats.org/drawingml/2006/main" xmlns:r="http://schemas.openxmlformats.org/officeDocument/2006/relationships" xmlns:p="http://schemas.openxmlformats.org/presentationml/2006/main" matchingName="OBJECT" type="obj">
+<p:sldLayout xmlns:a="http://schemas.openxmlformats.org/drawingml/2006/main" xmlns:r="http://schemas.openxmlformats.org/officeDocument/2006/relationships" xmlns:p="http://schemas.openxmlformats.org/presentationml/2006/main" type="obj" matchingName="OBJECT">
   <p:cSld name="OBJECT">
     <p:spTree>
       <p:nvGrpSpPr>
@@ -7464,9 +7786,7 @@
               </a:defRPr>
             </a:lvl9pPr>
           </a:lstStyle>
-          <a:p>
-            <a:endParaRPr/>
-          </a:p>
+          <a:p/>
         </p:txBody>
       </p:sp>
       <p:sp>
@@ -7667,9 +7987,7 @@
               </a:defRPr>
             </a:lvl9pPr>
           </a:lstStyle>
-          <a:p>
-            <a:endParaRPr/>
-          </a:p>
+          <a:p/>
         </p:txBody>
       </p:sp>
       <p:sp>
@@ -7905,7 +8223,6 @@
               <a:buFont typeface="Arial" panose="020B0604020202020204"/>
               <a:buNone/>
             </a:pPr>
-            <a:endParaRPr/>
           </a:p>
           <a:p>
             <a:pPr marL="457200" lvl="1" indent="0" algn="l" rtl="0">
@@ -8326,9 +8643,7 @@
               </a:defRPr>
             </a:lvl9pPr>
           </a:lstStyle>
-          <a:p>
-            <a:endParaRPr/>
-          </a:p>
+          <a:p/>
         </p:txBody>
       </p:sp>
       <p:sp>
@@ -8592,9 +8907,7 @@
               </a:defRPr>
             </a:lvl9pPr>
           </a:lstStyle>
-          <a:p>
-            <a:endParaRPr/>
-          </a:p>
+          <a:p/>
         </p:txBody>
       </p:sp>
       <p:sp>
@@ -8858,9 +9171,7 @@
               </a:defRPr>
             </a:lvl9pPr>
           </a:lstStyle>
-          <a:p>
-            <a:endParaRPr/>
-          </a:p>
+          <a:p/>
         </p:txBody>
       </p:sp>
       <p:sp>
@@ -9096,7 +9407,6 @@
               <a:buFont typeface="Calibri" panose="020F0502020204030204"/>
               <a:buNone/>
             </a:pPr>
-            <a:endParaRPr/>
           </a:p>
           <a:p>
             <a:pPr marL="419100" lvl="1" indent="-12700" algn="l" rtl="0">
@@ -9471,9 +9781,7 @@
               <a:defRPr/>
             </a:lvl9pPr>
           </a:lstStyle>
-          <a:p>
-            <a:endParaRPr/>
-          </a:p>
+          <a:p/>
         </p:txBody>
       </p:sp>
       <p:sp>
@@ -9602,9 +9910,7 @@
               <a:defRPr/>
             </a:lvl9pPr>
           </a:lstStyle>
-          <a:p>
-            <a:endParaRPr/>
-          </a:p>
+          <a:p/>
         </p:txBody>
       </p:sp>
       <p:sp>
@@ -9733,9 +10039,7 @@
               <a:defRPr/>
             </a:lvl9pPr>
           </a:lstStyle>
-          <a:p>
-            <a:endParaRPr/>
-          </a:p>
+          <a:p/>
         </p:txBody>
       </p:sp>
       <p:sp>
@@ -10107,9 +10411,7 @@
               <a:defRPr/>
             </a:lvl9pPr>
           </a:lstStyle>
-          <a:p>
-            <a:endParaRPr/>
-          </a:p>
+          <a:p/>
         </p:txBody>
       </p:sp>
       <p:sp>
@@ -10238,9 +10540,7 @@
               <a:defRPr/>
             </a:lvl9pPr>
           </a:lstStyle>
-          <a:p>
-            <a:endParaRPr/>
-          </a:p>
+          <a:p/>
         </p:txBody>
       </p:sp>
       <p:sp>
@@ -10369,9 +10669,7 @@
               <a:defRPr/>
             </a:lvl9pPr>
           </a:lstStyle>
-          <a:p>
-            <a:endParaRPr/>
-          </a:p>
+          <a:p/>
         </p:txBody>
       </p:sp>
       <p:sp>
@@ -10450,7 +10748,6 @@
               <a:buSzPts val="1400"/>
               <a:buChar char="●"/>
             </a:pPr>
-            <a:endParaRPr/>
           </a:p>
           <a:p>
             <a:pPr marL="457200" lvl="1" indent="-88900" algn="l" rtl="0">
@@ -10463,7 +10760,6 @@
               <a:buSzPts val="1400"/>
               <a:buChar char="○"/>
             </a:pPr>
-            <a:endParaRPr/>
           </a:p>
           <a:p>
             <a:pPr marL="914400" lvl="2" indent="-88900" algn="l" rtl="0">
@@ -10476,7 +10772,6 @@
               <a:buSzPts val="1400"/>
               <a:buChar char="■"/>
             </a:pPr>
-            <a:endParaRPr/>
           </a:p>
           <a:p>
             <a:pPr marL="1371600" lvl="3" indent="-88900" algn="l" rtl="0">
@@ -10489,7 +10784,6 @@
               <a:buSzPts val="1400"/>
               <a:buChar char="●"/>
             </a:pPr>
-            <a:endParaRPr/>
           </a:p>
           <a:p>
             <a:pPr marL="1828800" lvl="4" indent="-88900" algn="l" rtl="0">
@@ -10502,7 +10796,6 @@
               <a:buSzPts val="1400"/>
               <a:buChar char="○"/>
             </a:pPr>
-            <a:endParaRPr/>
           </a:p>
           <a:p>
             <a:pPr marL="2286000" lvl="5" indent="-88900" algn="l" rtl="0">
@@ -10515,7 +10808,6 @@
               <a:buSzPts val="1400"/>
               <a:buChar char="■"/>
             </a:pPr>
-            <a:endParaRPr/>
           </a:p>
           <a:p>
             <a:pPr marL="2743200" lvl="6" indent="-88900" algn="l" rtl="0">
@@ -10528,7 +10820,6 @@
               <a:buSzPts val="1400"/>
               <a:buChar char="●"/>
             </a:pPr>
-            <a:endParaRPr/>
           </a:p>
           <a:p>
             <a:pPr marL="3200400" lvl="7" indent="-88900" algn="l" rtl="0">
@@ -10541,7 +10832,6 @@
               <a:buSzPts val="1400"/>
               <a:buChar char="○"/>
             </a:pPr>
-            <a:endParaRPr/>
           </a:p>
           <a:p>
             <a:pPr marL="3657600" lvl="8" indent="-88900" algn="l" rtl="0">
@@ -10554,7 +10844,6 @@
               <a:buSzPts val="1400"/>
               <a:buChar char="■"/>
             </a:pPr>
-            <a:endParaRPr/>
           </a:p>
         </p:txBody>
       </p:sp>
@@ -10567,7 +10856,7 @@
 </file>
 
 <file path=ppt/slideLayouts/slideLayout3.xml><?xml version="1.0" encoding="utf-8"?>
-<p:sldLayout xmlns:a="http://schemas.openxmlformats.org/drawingml/2006/main" xmlns:r="http://schemas.openxmlformats.org/officeDocument/2006/relationships" xmlns:p="http://schemas.openxmlformats.org/presentationml/2006/main" matchingName="Title and body" type="tx">
+<p:sldLayout xmlns:a="http://schemas.openxmlformats.org/drawingml/2006/main" xmlns:r="http://schemas.openxmlformats.org/officeDocument/2006/relationships" xmlns:p="http://schemas.openxmlformats.org/presentationml/2006/main" type="tx" matchingName="Title and body">
   <p:cSld name="TITLE_AND_BODY">
     <p:spTree>
       <p:nvGrpSpPr>
@@ -10705,9 +10994,7 @@
               <a:defRPr/>
             </a:lvl9pPr>
           </a:lstStyle>
-          <a:p>
-            <a:endParaRPr/>
-          </a:p>
+          <a:p/>
         </p:txBody>
       </p:sp>
       <p:sp>
@@ -10832,9 +11119,7 @@
               <a:defRPr/>
             </a:lvl9pPr>
           </a:lstStyle>
-          <a:p>
-            <a:endParaRPr/>
-          </a:p>
+          <a:p/>
         </p:txBody>
       </p:sp>
       <p:sp>
@@ -10910,7 +11195,6 @@
             </a:pPr>
             <a:fld id="{00000000-1234-1234-1234-123412341234}" type="slidenum">
               <a:rPr lang="en-GB"/>
-              <a:t>‹Nº›</a:t>
             </a:fld>
             <a:endParaRPr lang="en-GB"/>
           </a:p>
@@ -10925,7 +11209,7 @@
 </file>
 
 <file path=ppt/slideLayouts/slideLayout4.xml><?xml version="1.0" encoding="utf-8"?>
-<p:sldLayout xmlns:a="http://schemas.openxmlformats.org/drawingml/2006/main" xmlns:r="http://schemas.openxmlformats.org/officeDocument/2006/relationships" xmlns:p="http://schemas.openxmlformats.org/presentationml/2006/main" matchingName="Title and two columns" type="twoColTx">
+<p:sldLayout xmlns:a="http://schemas.openxmlformats.org/drawingml/2006/main" xmlns:r="http://schemas.openxmlformats.org/officeDocument/2006/relationships" xmlns:p="http://schemas.openxmlformats.org/presentationml/2006/main" type="twoColTx" matchingName="Title and two columns">
   <p:cSld name="TITLE_AND_TWO_COLUMNS">
     <p:spTree>
       <p:nvGrpSpPr>
@@ -11063,9 +11347,7 @@
               <a:defRPr/>
             </a:lvl9pPr>
           </a:lstStyle>
-          <a:p>
-            <a:endParaRPr/>
-          </a:p>
+          <a:p/>
         </p:txBody>
       </p:sp>
       <p:sp>
@@ -11190,9 +11472,7 @@
               <a:defRPr sz="1200"/>
             </a:lvl9pPr>
           </a:lstStyle>
-          <a:p>
-            <a:endParaRPr/>
-          </a:p>
+          <a:p/>
         </p:txBody>
       </p:sp>
       <p:sp>
@@ -11317,9 +11597,7 @@
               <a:defRPr sz="1200"/>
             </a:lvl9pPr>
           </a:lstStyle>
-          <a:p>
-            <a:endParaRPr/>
-          </a:p>
+          <a:p/>
         </p:txBody>
       </p:sp>
       <p:sp>
@@ -11395,7 +11673,6 @@
             </a:pPr>
             <a:fld id="{00000000-1234-1234-1234-123412341234}" type="slidenum">
               <a:rPr lang="en-GB"/>
-              <a:t>‹Nº›</a:t>
             </a:fld>
             <a:endParaRPr lang="en-GB"/>
           </a:p>
@@ -11410,7 +11687,7 @@
 </file>
 
 <file path=ppt/slideLayouts/slideLayout5.xml><?xml version="1.0" encoding="utf-8"?>
-<p:sldLayout xmlns:a="http://schemas.openxmlformats.org/drawingml/2006/main" xmlns:r="http://schemas.openxmlformats.org/officeDocument/2006/relationships" xmlns:p="http://schemas.openxmlformats.org/presentationml/2006/main" matchingName="Title only" type="titleOnly">
+<p:sldLayout xmlns:a="http://schemas.openxmlformats.org/drawingml/2006/main" xmlns:r="http://schemas.openxmlformats.org/officeDocument/2006/relationships" xmlns:p="http://schemas.openxmlformats.org/presentationml/2006/main" type="titleOnly" matchingName="Title only">
   <p:cSld name="TITLE_ONLY">
     <p:spTree>
       <p:nvGrpSpPr>
@@ -11548,9 +11825,7 @@
               <a:defRPr/>
             </a:lvl9pPr>
           </a:lstStyle>
-          <a:p>
-            <a:endParaRPr/>
-          </a:p>
+          <a:p/>
         </p:txBody>
       </p:sp>
       <p:sp>
@@ -11626,7 +11901,6 @@
             </a:pPr>
             <a:fld id="{00000000-1234-1234-1234-123412341234}" type="slidenum">
               <a:rPr lang="en-GB"/>
-              <a:t>‹Nº›</a:t>
             </a:fld>
             <a:endParaRPr lang="en-GB"/>
           </a:p>
@@ -11779,9 +12053,7 @@
               <a:defRPr sz="2400"/>
             </a:lvl9pPr>
           </a:lstStyle>
-          <a:p>
-            <a:endParaRPr/>
-          </a:p>
+          <a:p/>
         </p:txBody>
       </p:sp>
       <p:sp>
@@ -11906,9 +12178,7 @@
               <a:defRPr sz="1200"/>
             </a:lvl9pPr>
           </a:lstStyle>
-          <a:p>
-            <a:endParaRPr/>
-          </a:p>
+          <a:p/>
         </p:txBody>
       </p:sp>
       <p:sp>
@@ -11984,7 +12254,6 @@
             </a:pPr>
             <a:fld id="{00000000-1234-1234-1234-123412341234}" type="slidenum">
               <a:rPr lang="en-GB"/>
-              <a:t>‹Nº›</a:t>
             </a:fld>
             <a:endParaRPr lang="en-GB"/>
           </a:p>
@@ -12137,9 +12406,7 @@
               <a:defRPr sz="4800"/>
             </a:lvl9pPr>
           </a:lstStyle>
-          <a:p>
-            <a:endParaRPr/>
-          </a:p>
+          <a:p/>
         </p:txBody>
       </p:sp>
       <p:sp>
@@ -12215,7 +12482,6 @@
             </a:pPr>
             <a:fld id="{00000000-1234-1234-1234-123412341234}" type="slidenum">
               <a:rPr lang="en-GB"/>
-              <a:t>‹Nº›</a:t>
             </a:fld>
             <a:endParaRPr lang="en-GB"/>
           </a:p>
@@ -12282,7 +12548,6 @@
               </a:spcAft>
               <a:buNone/>
             </a:pPr>
-            <a:endParaRPr/>
           </a:p>
         </p:txBody>
       </p:sp>
@@ -12408,9 +12673,7 @@
               <a:defRPr sz="4200"/>
             </a:lvl9pPr>
           </a:lstStyle>
-          <a:p>
-            <a:endParaRPr/>
-          </a:p>
+          <a:p/>
         </p:txBody>
       </p:sp>
       <p:sp>
@@ -12562,9 +12825,7 @@
               <a:defRPr sz="2100"/>
             </a:lvl9pPr>
           </a:lstStyle>
-          <a:p>
-            <a:endParaRPr/>
-          </a:p>
+          <a:p/>
         </p:txBody>
       </p:sp>
       <p:sp>
@@ -12689,9 +12950,7 @@
               <a:defRPr/>
             </a:lvl9pPr>
           </a:lstStyle>
-          <a:p>
-            <a:endParaRPr/>
-          </a:p>
+          <a:p/>
         </p:txBody>
       </p:sp>
       <p:sp>
@@ -12767,7 +13026,6 @@
             </a:pPr>
             <a:fld id="{00000000-1234-1234-1234-123412341234}" type="slidenum">
               <a:rPr lang="en-GB"/>
-              <a:t>‹Nº›</a:t>
             </a:fld>
             <a:endParaRPr lang="en-GB"/>
           </a:p>
@@ -12835,9 +13093,7 @@
               <a:defRPr/>
             </a:lvl1pPr>
           </a:lstStyle>
-          <a:p>
-            <a:endParaRPr/>
-          </a:p>
+          <a:p/>
         </p:txBody>
       </p:sp>
       <p:sp>
@@ -12913,7 +13169,6 @@
             </a:pPr>
             <a:fld id="{00000000-1234-1234-1234-123412341234}" type="slidenum">
               <a:rPr lang="en-GB"/>
-              <a:t>‹Nº›</a:t>
             </a:fld>
             <a:endParaRPr lang="en-GB"/>
           </a:p>
@@ -13141,9 +13396,7 @@
               </a:defRPr>
             </a:lvl9pPr>
           </a:lstStyle>
-          <a:p>
-            <a:endParaRPr/>
-          </a:p>
+          <a:p/>
         </p:txBody>
       </p:sp>
       <p:sp>
@@ -13362,9 +13615,7 @@
               </a:defRPr>
             </a:lvl9pPr>
           </a:lstStyle>
-          <a:p>
-            <a:endParaRPr/>
-          </a:p>
+          <a:p/>
         </p:txBody>
       </p:sp>
       <p:sp>
@@ -13480,7 +13731,6 @@
             </a:pPr>
             <a:fld id="{00000000-1234-1234-1234-123412341234}" type="slidenum">
               <a:rPr lang="en-GB"/>
-              <a:t>‹Nº›</a:t>
             </a:fld>
             <a:endParaRPr lang="en-GB"/>
           </a:p>
@@ -14463,9 +14713,7 @@
               </a:defRPr>
             </a:lvl9pPr>
           </a:lstStyle>
-          <a:p>
-            <a:endParaRPr/>
-          </a:p>
+          <a:p/>
         </p:txBody>
       </p:sp>
       <p:sp>
@@ -14729,9 +14977,7 @@
               </a:defRPr>
             </a:lvl9pPr>
           </a:lstStyle>
-          <a:p>
-            <a:endParaRPr/>
-          </a:p>
+          <a:p/>
         </p:txBody>
       </p:sp>
     </p:spTree>
@@ -15466,7 +15712,7 @@
           <p:nvPr/>
         </p:nvPicPr>
         <p:blipFill>
-          <a:blip r:embed="rId3"/>
+          <a:blip r:embed="rId1"/>
           <a:stretch>
             <a:fillRect/>
           </a:stretch>
@@ -15715,7 +15961,6 @@
               </a:spcAft>
               <a:buNone/>
             </a:pPr>
-            <a:endParaRPr/>
           </a:p>
         </p:txBody>
       </p:sp>
@@ -15772,6 +16017,22 @@
               </a:rPr>
               <a:t>FACADE  example</a:t>
             </a:r>
+            <a:endParaRPr lang="es-CO" sz="3200" b="1" dirty="0">
+              <a:solidFill>
+                <a:schemeClr val="lt1"/>
+              </a:solidFill>
+              <a:effectLst>
+                <a:outerShdw blurRad="38100" dist="38100" dir="2700000" algn="tl">
+                  <a:srgbClr val="000000">
+                    <a:alpha val="43137"/>
+                  </a:srgbClr>
+                </a:outerShdw>
+              </a:effectLst>
+              <a:latin typeface="Montserrat" panose="00000500000000000000"/>
+              <a:ea typeface="Montserrat" panose="00000500000000000000"/>
+              <a:cs typeface="Montserrat" panose="00000500000000000000"/>
+              <a:sym typeface="Montserrat" panose="00000500000000000000"/>
+            </a:endParaRPr>
           </a:p>
         </p:txBody>
       </p:sp>
@@ -15805,6 +16066,11 @@
               </a:rPr>
               <a:t>With facade</a:t>
             </a:r>
+            <a:endParaRPr lang="en-US" sz="1800" b="1">
+              <a:solidFill>
+                <a:schemeClr val="bg1"/>
+              </a:solidFill>
+            </a:endParaRPr>
           </a:p>
         </p:txBody>
       </p:sp>
@@ -15817,7 +16083,7 @@
           <p:nvPr/>
         </p:nvPicPr>
         <p:blipFill>
-          <a:blip r:embed="rId3"/>
+          <a:blip r:embed="rId1"/>
           <a:stretch>
             <a:fillRect/>
           </a:stretch>
@@ -15908,7 +16174,6 @@
               </a:spcAft>
               <a:buNone/>
             </a:pPr>
-            <a:endParaRPr/>
           </a:p>
         </p:txBody>
       </p:sp>
@@ -15965,6 +16230,22 @@
               </a:rPr>
               <a:t>FACADE  another example</a:t>
             </a:r>
+            <a:endParaRPr lang="es-CO" sz="3200" b="1" dirty="0">
+              <a:solidFill>
+                <a:schemeClr val="lt1"/>
+              </a:solidFill>
+              <a:effectLst>
+                <a:outerShdw blurRad="38100" dist="38100" dir="2700000" algn="tl">
+                  <a:srgbClr val="000000">
+                    <a:alpha val="43137"/>
+                  </a:srgbClr>
+                </a:outerShdw>
+              </a:effectLst>
+              <a:latin typeface="Montserrat" panose="00000500000000000000"/>
+              <a:ea typeface="Montserrat" panose="00000500000000000000"/>
+              <a:cs typeface="Montserrat" panose="00000500000000000000"/>
+              <a:sym typeface="Montserrat" panose="00000500000000000000"/>
+            </a:endParaRPr>
           </a:p>
         </p:txBody>
       </p:sp>
@@ -15998,6 +16279,11 @@
               </a:rPr>
               <a:t>Without facade</a:t>
             </a:r>
+            <a:endParaRPr lang="en-US" sz="1800" b="1">
+              <a:solidFill>
+                <a:schemeClr val="bg1"/>
+              </a:solidFill>
+            </a:endParaRPr>
           </a:p>
         </p:txBody>
       </p:sp>
@@ -16010,7 +16296,7 @@
           <p:nvPr/>
         </p:nvPicPr>
         <p:blipFill>
-          <a:blip r:embed="rId3"/>
+          <a:blip r:embed="rId1"/>
           <a:stretch>
             <a:fillRect/>
           </a:stretch>
@@ -16101,7 +16387,6 @@
               </a:spcAft>
               <a:buNone/>
             </a:pPr>
-            <a:endParaRPr/>
           </a:p>
         </p:txBody>
       </p:sp>
@@ -16158,6 +16443,22 @@
               </a:rPr>
               <a:t>FACADE  another example</a:t>
             </a:r>
+            <a:endParaRPr lang="es-CO" sz="3200" b="1" dirty="0">
+              <a:solidFill>
+                <a:schemeClr val="lt1"/>
+              </a:solidFill>
+              <a:effectLst>
+                <a:outerShdw blurRad="38100" dist="38100" dir="2700000" algn="tl">
+                  <a:srgbClr val="000000">
+                    <a:alpha val="43137"/>
+                  </a:srgbClr>
+                </a:outerShdw>
+              </a:effectLst>
+              <a:latin typeface="Montserrat" panose="00000500000000000000"/>
+              <a:ea typeface="Montserrat" panose="00000500000000000000"/>
+              <a:cs typeface="Montserrat" panose="00000500000000000000"/>
+              <a:sym typeface="Montserrat" panose="00000500000000000000"/>
+            </a:endParaRPr>
           </a:p>
         </p:txBody>
       </p:sp>
@@ -16191,6 +16492,11 @@
               </a:rPr>
               <a:t>With facade</a:t>
             </a:r>
+            <a:endParaRPr lang="en-US" sz="1800" b="1">
+              <a:solidFill>
+                <a:schemeClr val="bg1"/>
+              </a:solidFill>
+            </a:endParaRPr>
           </a:p>
         </p:txBody>
       </p:sp>
@@ -16203,7 +16509,7 @@
           <p:nvPr/>
         </p:nvPicPr>
         <p:blipFill>
-          <a:blip r:embed="rId3"/>
+          <a:blip r:embed="rId1"/>
           <a:stretch>
             <a:fillRect/>
           </a:stretch>
@@ -16257,7 +16563,7 @@
           <p:nvPr/>
         </p:nvPicPr>
         <p:blipFill>
-          <a:blip r:embed="rId3"/>
+          <a:blip r:embed="rId1"/>
           <a:stretch>
             <a:fillRect/>
           </a:stretch>
@@ -16360,19 +16666,7 @@
                 <a:cs typeface="Droid Sans"/>
                 <a:sym typeface="Droid Sans"/>
               </a:rPr>
-              <a:t>Strategy </a:t>
-            </a:r>
-            <a:r>
-              <a:rPr lang="en-US" sz="3400" dirty="0" smtClean="0">
-                <a:solidFill>
-                  <a:srgbClr val="96B51A"/>
-                </a:solidFill>
-                <a:latin typeface="Droid Sans"/>
-                <a:ea typeface="Droid Sans"/>
-                <a:cs typeface="Droid Sans"/>
-                <a:sym typeface="Droid Sans"/>
-              </a:rPr>
-              <a:t>Pattern</a:t>
+              <a:t>Strategy Pattern</a:t>
             </a:r>
             <a:endParaRPr i="1" dirty="0">
               <a:solidFill>
@@ -16387,11 +16681,6 @@
         </p:txBody>
       </p:sp>
     </p:spTree>
-    <p:extLst>
-      <p:ext uri="{BB962C8B-B14F-4D97-AF65-F5344CB8AC3E}">
-        <p14:creationId xmlns:p14="http://schemas.microsoft.com/office/powerpoint/2010/main" val="1461402011"/>
-      </p:ext>
-    </p:extLst>
   </p:cSld>
   <p:clrMapOvr>
     <a:masterClrMapping/>
@@ -16776,6 +17065,15 @@
               </a:rPr>
               <a:t>.</a:t>
             </a:r>
+            <a:endParaRPr lang="es-CO" sz="1300" dirty="0" smtClean="0">
+              <a:solidFill>
+                <a:srgbClr val="FFFFFF"/>
+              </a:solidFill>
+              <a:latin typeface="Nunito Sans" panose="00000500000000000000"/>
+              <a:ea typeface="Nunito Sans" panose="00000500000000000000"/>
+              <a:cs typeface="Nunito Sans" panose="00000500000000000000"/>
+              <a:sym typeface="Nunito Sans" panose="00000500000000000000"/>
+            </a:endParaRPr>
           </a:p>
           <a:p>
             <a:pPr marL="457200" indent="-311150" algn="just">
@@ -17009,6 +17307,15 @@
               </a:rPr>
               <a:t>. </a:t>
             </a:r>
+            <a:endParaRPr lang="es-CO" sz="1300" dirty="0" smtClean="0">
+              <a:solidFill>
+                <a:srgbClr val="FFFFFF"/>
+              </a:solidFill>
+              <a:latin typeface="Nunito Sans" panose="00000500000000000000"/>
+              <a:ea typeface="Nunito Sans" panose="00000500000000000000"/>
+              <a:cs typeface="Nunito Sans" panose="00000500000000000000"/>
+              <a:sym typeface="Nunito Sans" panose="00000500000000000000"/>
+            </a:endParaRPr>
           </a:p>
           <a:p>
             <a:pPr marL="457200" indent="-311150" algn="just">
@@ -17334,7 +17641,6 @@
               </a:spcAft>
               <a:buNone/>
             </a:pPr>
-            <a:endParaRPr/>
           </a:p>
         </p:txBody>
       </p:sp>
@@ -17506,6 +17812,15 @@
               </a:rPr>
               <a:t>:</a:t>
             </a:r>
+            <a:endParaRPr lang="es-CO" sz="1300" dirty="0" smtClean="0">
+              <a:solidFill>
+                <a:srgbClr val="FFFFFF"/>
+              </a:solidFill>
+              <a:latin typeface="Nunito Sans" panose="00000500000000000000"/>
+              <a:ea typeface="Nunito Sans" panose="00000500000000000000"/>
+              <a:cs typeface="Nunito Sans" panose="00000500000000000000"/>
+              <a:sym typeface="Nunito Sans" panose="00000500000000000000"/>
+            </a:endParaRPr>
           </a:p>
           <a:p>
             <a:pPr marL="457200" lvl="0" indent="0" algn="just" rtl="0">
@@ -17680,6 +17995,15 @@
               </a:rPr>
               <a:t>.</a:t>
             </a:r>
+            <a:endParaRPr lang="es-CO" sz="1300" dirty="0" smtClean="0">
+              <a:solidFill>
+                <a:srgbClr val="FFFFFF"/>
+              </a:solidFill>
+              <a:latin typeface="Nunito Sans" panose="00000500000000000000"/>
+              <a:ea typeface="Nunito Sans" panose="00000500000000000000"/>
+              <a:cs typeface="Nunito Sans" panose="00000500000000000000"/>
+              <a:sym typeface="Nunito Sans" panose="00000500000000000000"/>
+            </a:endParaRPr>
           </a:p>
           <a:p>
             <a:pPr marL="457200" indent="-311150" algn="just">
@@ -17877,6 +18201,15 @@
               </a:rPr>
               <a:t> interface</a:t>
             </a:r>
+            <a:endParaRPr lang="es-CO" sz="1300" dirty="0" smtClean="0">
+              <a:solidFill>
+                <a:srgbClr val="FFFFFF"/>
+              </a:solidFill>
+              <a:latin typeface="Nunito Sans" panose="00000500000000000000"/>
+              <a:ea typeface="Nunito Sans" panose="00000500000000000000"/>
+              <a:cs typeface="Nunito Sans" panose="00000500000000000000"/>
+              <a:sym typeface="Nunito Sans" panose="00000500000000000000"/>
+            </a:endParaRPr>
           </a:p>
           <a:p>
             <a:pPr marL="457200" indent="-311150" algn="just">
@@ -17930,122 +18263,6 @@
               </a:rPr>
               <a:t>: </a:t>
             </a:r>
-          </a:p>
-          <a:p>
-            <a:pPr marL="146050" lvl="7" algn="just">
-              <a:buClr>
-                <a:srgbClr val="FFFFFF"/>
-              </a:buClr>
-              <a:buSzPts val="1300"/>
-            </a:pPr>
-            <a:r>
-              <a:rPr lang="es-CO" sz="1300" dirty="0" err="1" smtClean="0">
-                <a:solidFill>
-                  <a:srgbClr val="FFFFFF"/>
-                </a:solidFill>
-                <a:latin typeface="Nunito Sans" panose="00000500000000000000"/>
-                <a:ea typeface="Nunito Sans" panose="00000500000000000000"/>
-                <a:cs typeface="Nunito Sans" panose="00000500000000000000"/>
-                <a:sym typeface="Nunito Sans" panose="00000500000000000000"/>
-              </a:rPr>
-              <a:t>Is</a:t>
-            </a:r>
-            <a:r>
-              <a:rPr lang="es-CO" sz="1300" dirty="0" smtClean="0">
-                <a:solidFill>
-                  <a:srgbClr val="FFFFFF"/>
-                </a:solidFill>
-                <a:latin typeface="Nunito Sans" panose="00000500000000000000"/>
-                <a:ea typeface="Nunito Sans" panose="00000500000000000000"/>
-                <a:cs typeface="Nunito Sans" panose="00000500000000000000"/>
-                <a:sym typeface="Nunito Sans" panose="00000500000000000000"/>
-              </a:rPr>
-              <a:t> </a:t>
-            </a:r>
-            <a:r>
-              <a:rPr lang="es-CO" sz="1300" dirty="0" err="1" smtClean="0">
-                <a:solidFill>
-                  <a:srgbClr val="FFFFFF"/>
-                </a:solidFill>
-                <a:latin typeface="Nunito Sans" panose="00000500000000000000"/>
-                <a:ea typeface="Nunito Sans" panose="00000500000000000000"/>
-                <a:cs typeface="Nunito Sans" panose="00000500000000000000"/>
-                <a:sym typeface="Nunito Sans" panose="00000500000000000000"/>
-              </a:rPr>
-              <a:t>configured</a:t>
-            </a:r>
-            <a:r>
-              <a:rPr lang="es-CO" sz="1300" dirty="0" smtClean="0">
-                <a:solidFill>
-                  <a:srgbClr val="FFFFFF"/>
-                </a:solidFill>
-                <a:latin typeface="Nunito Sans" panose="00000500000000000000"/>
-                <a:ea typeface="Nunito Sans" panose="00000500000000000000"/>
-                <a:cs typeface="Nunito Sans" panose="00000500000000000000"/>
-                <a:sym typeface="Nunito Sans" panose="00000500000000000000"/>
-              </a:rPr>
-              <a:t> </a:t>
-            </a:r>
-            <a:r>
-              <a:rPr lang="es-CO" sz="1300" dirty="0" err="1" smtClean="0">
-                <a:solidFill>
-                  <a:srgbClr val="FFFFFF"/>
-                </a:solidFill>
-                <a:latin typeface="Nunito Sans" panose="00000500000000000000"/>
-                <a:ea typeface="Nunito Sans" panose="00000500000000000000"/>
-                <a:cs typeface="Nunito Sans" panose="00000500000000000000"/>
-                <a:sym typeface="Nunito Sans" panose="00000500000000000000"/>
-              </a:rPr>
-              <a:t>with</a:t>
-            </a:r>
-            <a:r>
-              <a:rPr lang="es-CO" sz="1300" dirty="0" smtClean="0">
-                <a:solidFill>
-                  <a:srgbClr val="FFFFFF"/>
-                </a:solidFill>
-                <a:latin typeface="Nunito Sans" panose="00000500000000000000"/>
-                <a:ea typeface="Nunito Sans" panose="00000500000000000000"/>
-                <a:cs typeface="Nunito Sans" panose="00000500000000000000"/>
-                <a:sym typeface="Nunito Sans" panose="00000500000000000000"/>
-              </a:rPr>
-              <a:t> a </a:t>
-            </a:r>
-            <a:r>
-              <a:rPr lang="es-CO" sz="1300" dirty="0" err="1" smtClean="0">
-                <a:solidFill>
-                  <a:srgbClr val="FFFFFF"/>
-                </a:solidFill>
-                <a:latin typeface="Nunito Sans" panose="00000500000000000000"/>
-                <a:ea typeface="Nunito Sans" panose="00000500000000000000"/>
-                <a:cs typeface="Nunito Sans" panose="00000500000000000000"/>
-                <a:sym typeface="Nunito Sans" panose="00000500000000000000"/>
-              </a:rPr>
-              <a:t>ConcreteStrategy</a:t>
-            </a:r>
-            <a:r>
-              <a:rPr lang="es-CO" sz="1300" dirty="0" smtClean="0">
-                <a:solidFill>
-                  <a:srgbClr val="FFFFFF"/>
-                </a:solidFill>
-                <a:latin typeface="Nunito Sans" panose="00000500000000000000"/>
-                <a:ea typeface="Nunito Sans" panose="00000500000000000000"/>
-                <a:cs typeface="Nunito Sans" panose="00000500000000000000"/>
-                <a:sym typeface="Nunito Sans" panose="00000500000000000000"/>
-              </a:rPr>
-              <a:t> </a:t>
-            </a:r>
-            <a:r>
-              <a:rPr lang="es-CO" sz="1300" dirty="0" err="1" smtClean="0">
-                <a:solidFill>
-                  <a:srgbClr val="FFFFFF"/>
-                </a:solidFill>
-                <a:latin typeface="Nunito Sans" panose="00000500000000000000"/>
-                <a:ea typeface="Nunito Sans" panose="00000500000000000000"/>
-                <a:cs typeface="Nunito Sans" panose="00000500000000000000"/>
-                <a:sym typeface="Nunito Sans" panose="00000500000000000000"/>
-              </a:rPr>
-              <a:t>object</a:t>
-            </a:r>
             <a:endParaRPr lang="es-CO" sz="1300" dirty="0" smtClean="0">
               <a:solidFill>
                 <a:srgbClr val="FFFFFF"/>
@@ -18073,6 +18290,131 @@
                 <a:cs typeface="Nunito Sans" panose="00000500000000000000"/>
                 <a:sym typeface="Nunito Sans" panose="00000500000000000000"/>
               </a:rPr>
+              <a:t>Is</a:t>
+            </a:r>
+            <a:r>
+              <a:rPr lang="es-CO" sz="1300" dirty="0" smtClean="0">
+                <a:solidFill>
+                  <a:srgbClr val="FFFFFF"/>
+                </a:solidFill>
+                <a:latin typeface="Nunito Sans" panose="00000500000000000000"/>
+                <a:ea typeface="Nunito Sans" panose="00000500000000000000"/>
+                <a:cs typeface="Nunito Sans" panose="00000500000000000000"/>
+                <a:sym typeface="Nunito Sans" panose="00000500000000000000"/>
+              </a:rPr>
+              <a:t> </a:t>
+            </a:r>
+            <a:r>
+              <a:rPr lang="es-CO" sz="1300" dirty="0" err="1" smtClean="0">
+                <a:solidFill>
+                  <a:srgbClr val="FFFFFF"/>
+                </a:solidFill>
+                <a:latin typeface="Nunito Sans" panose="00000500000000000000"/>
+                <a:ea typeface="Nunito Sans" panose="00000500000000000000"/>
+                <a:cs typeface="Nunito Sans" panose="00000500000000000000"/>
+                <a:sym typeface="Nunito Sans" panose="00000500000000000000"/>
+              </a:rPr>
+              <a:t>configured</a:t>
+            </a:r>
+            <a:r>
+              <a:rPr lang="es-CO" sz="1300" dirty="0" smtClean="0">
+                <a:solidFill>
+                  <a:srgbClr val="FFFFFF"/>
+                </a:solidFill>
+                <a:latin typeface="Nunito Sans" panose="00000500000000000000"/>
+                <a:ea typeface="Nunito Sans" panose="00000500000000000000"/>
+                <a:cs typeface="Nunito Sans" panose="00000500000000000000"/>
+                <a:sym typeface="Nunito Sans" panose="00000500000000000000"/>
+              </a:rPr>
+              <a:t> </a:t>
+            </a:r>
+            <a:r>
+              <a:rPr lang="es-CO" sz="1300" dirty="0" err="1" smtClean="0">
+                <a:solidFill>
+                  <a:srgbClr val="FFFFFF"/>
+                </a:solidFill>
+                <a:latin typeface="Nunito Sans" panose="00000500000000000000"/>
+                <a:ea typeface="Nunito Sans" panose="00000500000000000000"/>
+                <a:cs typeface="Nunito Sans" panose="00000500000000000000"/>
+                <a:sym typeface="Nunito Sans" panose="00000500000000000000"/>
+              </a:rPr>
+              <a:t>with</a:t>
+            </a:r>
+            <a:r>
+              <a:rPr lang="es-CO" sz="1300" dirty="0" smtClean="0">
+                <a:solidFill>
+                  <a:srgbClr val="FFFFFF"/>
+                </a:solidFill>
+                <a:latin typeface="Nunito Sans" panose="00000500000000000000"/>
+                <a:ea typeface="Nunito Sans" panose="00000500000000000000"/>
+                <a:cs typeface="Nunito Sans" panose="00000500000000000000"/>
+                <a:sym typeface="Nunito Sans" panose="00000500000000000000"/>
+              </a:rPr>
+              <a:t> a </a:t>
+            </a:r>
+            <a:r>
+              <a:rPr lang="es-CO" sz="1300" dirty="0" err="1" smtClean="0">
+                <a:solidFill>
+                  <a:srgbClr val="FFFFFF"/>
+                </a:solidFill>
+                <a:latin typeface="Nunito Sans" panose="00000500000000000000"/>
+                <a:ea typeface="Nunito Sans" panose="00000500000000000000"/>
+                <a:cs typeface="Nunito Sans" panose="00000500000000000000"/>
+                <a:sym typeface="Nunito Sans" panose="00000500000000000000"/>
+              </a:rPr>
+              <a:t>ConcreteStrategy</a:t>
+            </a:r>
+            <a:r>
+              <a:rPr lang="es-CO" sz="1300" dirty="0" smtClean="0">
+                <a:solidFill>
+                  <a:srgbClr val="FFFFFF"/>
+                </a:solidFill>
+                <a:latin typeface="Nunito Sans" panose="00000500000000000000"/>
+                <a:ea typeface="Nunito Sans" panose="00000500000000000000"/>
+                <a:cs typeface="Nunito Sans" panose="00000500000000000000"/>
+                <a:sym typeface="Nunito Sans" panose="00000500000000000000"/>
+              </a:rPr>
+              <a:t> </a:t>
+            </a:r>
+            <a:r>
+              <a:rPr lang="es-CO" sz="1300" dirty="0" err="1" smtClean="0">
+                <a:solidFill>
+                  <a:srgbClr val="FFFFFF"/>
+                </a:solidFill>
+                <a:latin typeface="Nunito Sans" panose="00000500000000000000"/>
+                <a:ea typeface="Nunito Sans" panose="00000500000000000000"/>
+                <a:cs typeface="Nunito Sans" panose="00000500000000000000"/>
+                <a:sym typeface="Nunito Sans" panose="00000500000000000000"/>
+              </a:rPr>
+              <a:t>object</a:t>
+            </a:r>
+            <a:endParaRPr lang="es-CO" sz="1300" dirty="0" smtClean="0">
+              <a:solidFill>
+                <a:srgbClr val="FFFFFF"/>
+              </a:solidFill>
+              <a:latin typeface="Nunito Sans" panose="00000500000000000000"/>
+              <a:ea typeface="Nunito Sans" panose="00000500000000000000"/>
+              <a:cs typeface="Nunito Sans" panose="00000500000000000000"/>
+              <a:sym typeface="Nunito Sans" panose="00000500000000000000"/>
+            </a:endParaRPr>
+          </a:p>
+          <a:p>
+            <a:pPr marL="146050" lvl="7" algn="just">
+              <a:buClr>
+                <a:srgbClr val="FFFFFF"/>
+              </a:buClr>
+              <a:buSzPts val="1300"/>
+            </a:pPr>
+            <a:r>
+              <a:rPr lang="es-CO" sz="1300" dirty="0" err="1" smtClean="0">
+                <a:solidFill>
+                  <a:srgbClr val="FFFFFF"/>
+                </a:solidFill>
+                <a:latin typeface="Nunito Sans" panose="00000500000000000000"/>
+                <a:ea typeface="Nunito Sans" panose="00000500000000000000"/>
+                <a:cs typeface="Nunito Sans" panose="00000500000000000000"/>
+                <a:sym typeface="Nunito Sans" panose="00000500000000000000"/>
+              </a:rPr>
               <a:t>Mainteins</a:t>
             </a:r>
             <a:r>
@@ -18160,11 +18502,6 @@
         </p:txBody>
       </p:sp>
     </p:spTree>
-    <p:extLst>
-      <p:ext uri="{BB962C8B-B14F-4D97-AF65-F5344CB8AC3E}">
-        <p14:creationId xmlns:p14="http://schemas.microsoft.com/office/powerpoint/2010/main" val="3808926756"/>
-      </p:ext>
-    </p:extLst>
   </p:cSld>
   <p:clrMapOvr>
     <a:masterClrMapping/>
@@ -18555,6 +18892,15 @@
               </a:rPr>
               <a:t>.</a:t>
             </a:r>
+            <a:endParaRPr lang="es-CO" sz="1300" dirty="0" smtClean="0">
+              <a:solidFill>
+                <a:srgbClr val="FFFFFF"/>
+              </a:solidFill>
+              <a:latin typeface="Nunito Sans" panose="00000500000000000000"/>
+              <a:ea typeface="Nunito Sans" panose="00000500000000000000"/>
+              <a:cs typeface="Nunito Sans" panose="00000500000000000000"/>
+              <a:sym typeface="Nunito Sans" panose="00000500000000000000"/>
+            </a:endParaRPr>
           </a:p>
           <a:p>
             <a:pPr marL="457200" lvl="0" indent="-311150" algn="just" rtl="0">
@@ -18764,6 +19110,15 @@
               </a:rPr>
               <a:t>).</a:t>
             </a:r>
+            <a:endParaRPr lang="es-CO" sz="1300" dirty="0" smtClean="0">
+              <a:solidFill>
+                <a:srgbClr val="FFFFFF"/>
+              </a:solidFill>
+              <a:latin typeface="Nunito Sans" panose="00000500000000000000"/>
+              <a:ea typeface="Nunito Sans" panose="00000500000000000000"/>
+              <a:cs typeface="Nunito Sans" panose="00000500000000000000"/>
+              <a:sym typeface="Nunito Sans" panose="00000500000000000000"/>
+            </a:endParaRPr>
           </a:p>
           <a:p>
             <a:pPr marL="457200" lvl="0" indent="-311150" algn="just" rtl="0">
@@ -19141,19 +19496,7 @@
                 <a:cs typeface="Nunito Sans" panose="00000500000000000000"/>
                 <a:sym typeface="Nunito Sans" panose="00000500000000000000"/>
               </a:rPr>
-              <a:t>ConcreteStrategy</a:t>
-            </a:r>
-            <a:r>
-              <a:rPr lang="es-CO" sz="1300" dirty="0" err="1" smtClean="0">
-                <a:solidFill>
-                  <a:srgbClr val="FFFFFF"/>
-                </a:solidFill>
-                <a:latin typeface="Nunito Sans" panose="00000500000000000000"/>
-                <a:ea typeface="Nunito Sans" panose="00000500000000000000"/>
-                <a:cs typeface="Nunito Sans" panose="00000500000000000000"/>
-                <a:sym typeface="Nunito Sans" panose="00000500000000000000"/>
-              </a:rPr>
-              <a:t>Class</a:t>
+              <a:t>ConcreteStrategyClass</a:t>
             </a:r>
             <a:r>
               <a:rPr lang="es-CO" sz="1300" dirty="0" smtClean="0">
@@ -19165,19 +19508,7 @@
                 <a:cs typeface="Nunito Sans" panose="00000500000000000000"/>
                 <a:sym typeface="Nunito Sans" panose="00000500000000000000"/>
               </a:rPr>
-              <a:t> </a:t>
-            </a:r>
-            <a:r>
-              <a:rPr lang="es-CO" sz="1300" dirty="0" smtClean="0">
-                <a:solidFill>
-                  <a:srgbClr val="FFFFFF"/>
-                </a:solidFill>
-                <a:latin typeface="Nunito Sans" panose="00000500000000000000"/>
-                <a:ea typeface="Nunito Sans" panose="00000500000000000000"/>
-                <a:cs typeface="Nunito Sans" panose="00000500000000000000"/>
-                <a:sym typeface="Nunito Sans" panose="00000500000000000000"/>
-              </a:rPr>
-              <a:t>can be </a:t>
+              <a:t> can be </a:t>
             </a:r>
             <a:r>
               <a:rPr lang="es-CO" sz="1300" dirty="0" err="1" smtClean="0">
@@ -19469,6 +19800,15 @@
               </a:rPr>
               <a:t>:</a:t>
             </a:r>
+            <a:endParaRPr lang="es-CO" sz="1300" dirty="0" smtClean="0">
+              <a:solidFill>
+                <a:srgbClr val="FFFFFF"/>
+              </a:solidFill>
+              <a:latin typeface="Nunito Sans" panose="00000500000000000000"/>
+              <a:ea typeface="Nunito Sans" panose="00000500000000000000"/>
+              <a:cs typeface="Nunito Sans" panose="00000500000000000000"/>
+              <a:sym typeface="Nunito Sans" panose="00000500000000000000"/>
+            </a:endParaRPr>
           </a:p>
           <a:p>
             <a:pPr marL="457200" lvl="0" indent="-311150" algn="just" rtl="0">
@@ -20576,6 +20916,15 @@
               </a:rPr>
               <a:t>.</a:t>
             </a:r>
+            <a:endParaRPr lang="es-CO" sz="1300" dirty="0" smtClean="0">
+              <a:solidFill>
+                <a:srgbClr val="FFFFFF"/>
+              </a:solidFill>
+              <a:latin typeface="Nunito Sans" panose="00000500000000000000"/>
+              <a:ea typeface="Nunito Sans" panose="00000500000000000000"/>
+              <a:cs typeface="Nunito Sans" panose="00000500000000000000"/>
+              <a:sym typeface="Nunito Sans" panose="00000500000000000000"/>
+            </a:endParaRPr>
           </a:p>
           <a:p>
             <a:pPr marL="146050" lvl="0" algn="just" rtl="0">
@@ -20602,6 +20951,15 @@
               </a:rPr>
               <a:t> </a:t>
             </a:r>
+            <a:endParaRPr lang="es-CO" sz="1300" dirty="0" smtClean="0">
+              <a:solidFill>
+                <a:srgbClr val="FFFFFF"/>
+              </a:solidFill>
+              <a:latin typeface="Nunito Sans" panose="00000500000000000000"/>
+              <a:ea typeface="Nunito Sans" panose="00000500000000000000"/>
+              <a:cs typeface="Nunito Sans" panose="00000500000000000000"/>
+              <a:sym typeface="Nunito Sans" panose="00000500000000000000"/>
+            </a:endParaRPr>
           </a:p>
           <a:p>
             <a:pPr marL="457200" lvl="0" indent="-311150" algn="just" rtl="0">
@@ -20666,7 +21024,6 @@
               </a:spcAft>
               <a:buNone/>
             </a:pPr>
-            <a:endParaRPr/>
           </a:p>
         </p:txBody>
       </p:sp>
@@ -20819,11 +21176,6 @@
         </p:txBody>
       </p:sp>
     </p:spTree>
-    <p:extLst>
-      <p:ext uri="{BB962C8B-B14F-4D97-AF65-F5344CB8AC3E}">
-        <p14:creationId xmlns:p14="http://schemas.microsoft.com/office/powerpoint/2010/main" val="2449989660"/>
-      </p:ext>
-    </p:extLst>
   </p:cSld>
   <p:clrMapOvr>
     <a:masterClrMapping/>
@@ -20899,7 +21251,6 @@
               </a:spcAft>
               <a:buNone/>
             </a:pPr>
-            <a:endParaRPr/>
           </a:p>
         </p:txBody>
       </p:sp>
@@ -21071,7 +21422,7 @@
           <p:nvPr/>
         </p:nvPicPr>
         <p:blipFill>
-          <a:blip r:embed="rId3"/>
+          <a:blip r:embed="rId1"/>
           <a:stretch>
             <a:fillRect/>
           </a:stretch>
@@ -21087,11 +21438,6 @@
         </p:spPr>
       </p:pic>
     </p:spTree>
-    <p:extLst>
-      <p:ext uri="{BB962C8B-B14F-4D97-AF65-F5344CB8AC3E}">
-        <p14:creationId xmlns:p14="http://schemas.microsoft.com/office/powerpoint/2010/main" val="499062003"/>
-      </p:ext>
-    </p:extLst>
   </p:cSld>
   <p:clrMapOvr>
     <a:masterClrMapping/>
@@ -21167,7 +21513,6 @@
               </a:spcAft>
               <a:buNone/>
             </a:pPr>
-            <a:endParaRPr/>
           </a:p>
         </p:txBody>
       </p:sp>
@@ -21339,7 +21684,7 @@
           <p:nvPr/>
         </p:nvPicPr>
         <p:blipFill>
-          <a:blip r:embed="rId3"/>
+          <a:blip r:embed="rId1"/>
           <a:stretch>
             <a:fillRect/>
           </a:stretch>
@@ -21355,11 +21700,444 @@
         </p:spPr>
       </p:pic>
     </p:spTree>
-    <p:extLst>
-      <p:ext uri="{BB962C8B-B14F-4D97-AF65-F5344CB8AC3E}">
-        <p14:creationId xmlns:p14="http://schemas.microsoft.com/office/powerpoint/2010/main" val="304917738"/>
-      </p:ext>
-    </p:extLst>
+  </p:cSld>
+  <p:clrMapOvr>
+    <a:masterClrMapping/>
+  </p:clrMapOvr>
+  <p:timing>
+    <p:tnLst>
+      <p:par>
+        <p:cTn id="1" dur="indefinite" restart="never" nodeType="tmRoot"/>
+      </p:par>
+    </p:tnLst>
+  </p:timing>
+</p:sld>
+</file>
+
+<file path=ppt/slides/slide18.xml><?xml version="1.0" encoding="utf-8"?>
+<p:sld xmlns:a="http://schemas.openxmlformats.org/drawingml/2006/main" xmlns:r="http://schemas.openxmlformats.org/officeDocument/2006/relationships" xmlns:p="http://schemas.openxmlformats.org/presentationml/2006/main">
+  <p:cSld>
+    <p:spTree>
+      <p:nvGrpSpPr>
+        <p:cNvPr id="1" name="Shape 110"/>
+        <p:cNvGrpSpPr/>
+        <p:nvPr/>
+      </p:nvGrpSpPr>
+      <p:grpSpPr>
+        <a:xfrm>
+          <a:off x="0" y="0"/>
+          <a:ext cx="0" cy="0"/>
+          <a:chOff x="0" y="0"/>
+          <a:chExt cx="0" cy="0"/>
+        </a:xfrm>
+      </p:grpSpPr>
+      <p:pic>
+        <p:nvPicPr>
+          <p:cNvPr id="111" name="Google Shape;111;p27"/>
+          <p:cNvPicPr preferRelativeResize="0"/>
+          <p:nvPr/>
+        </p:nvPicPr>
+        <p:blipFill>
+          <a:blip r:embed="rId1"/>
+          <a:stretch>
+            <a:fillRect/>
+          </a:stretch>
+        </p:blipFill>
+        <p:spPr>
+          <a:xfrm>
+            <a:off x="0" y="0"/>
+            <a:ext cx="9144000" cy="5143505"/>
+          </a:xfrm>
+          <a:prstGeom prst="rect">
+            <a:avLst/>
+          </a:prstGeom>
+          <a:noFill/>
+          <a:ln>
+            <a:noFill/>
+          </a:ln>
+        </p:spPr>
+      </p:pic>
+      <p:sp>
+        <p:nvSpPr>
+          <p:cNvPr id="113" name="Google Shape;113;p27"/>
+          <p:cNvSpPr txBox="1"/>
+          <p:nvPr/>
+        </p:nvSpPr>
+        <p:spPr>
+          <a:xfrm>
+            <a:off x="281506" y="1251900"/>
+            <a:ext cx="8580987" cy="2639700"/>
+          </a:xfrm>
+          <a:prstGeom prst="rect">
+            <a:avLst/>
+          </a:prstGeom>
+          <a:noFill/>
+          <a:ln>
+            <a:noFill/>
+          </a:ln>
+        </p:spPr>
+        <p:txBody>
+          <a:bodyPr spcFirstLastPara="1" wrap="square" lIns="91425" tIns="91425" rIns="91425" bIns="91425" anchor="t" anchorCtr="0">
+            <a:noAutofit/>
+          </a:bodyPr>
+          <a:lstStyle/>
+          <a:p>
+            <a:pPr marL="0" lvl="0" indent="0" algn="r" rtl="0">
+              <a:spcBef>
+                <a:spcPts val="0"/>
+              </a:spcBef>
+              <a:spcAft>
+                <a:spcPts val="0"/>
+              </a:spcAft>
+              <a:buNone/>
+            </a:pPr>
+            <a:endParaRPr sz="1600" i="1" dirty="0">
+              <a:solidFill>
+                <a:srgbClr val="FFFFFF"/>
+              </a:solidFill>
+              <a:latin typeface="Montserrat" panose="00000500000000000000"/>
+              <a:ea typeface="Montserrat" panose="00000500000000000000"/>
+              <a:cs typeface="Montserrat" panose="00000500000000000000"/>
+              <a:sym typeface="Montserrat" panose="00000500000000000000"/>
+            </a:endParaRPr>
+          </a:p>
+          <a:p>
+            <a:pPr marL="0" lvl="0" indent="0" algn="r" rtl="0">
+              <a:spcBef>
+                <a:spcPts val="0"/>
+              </a:spcBef>
+              <a:spcAft>
+                <a:spcPts val="0"/>
+              </a:spcAft>
+              <a:buNone/>
+            </a:pPr>
+            <a:endParaRPr sz="2400" dirty="0">
+              <a:solidFill>
+                <a:srgbClr val="FFFFFF"/>
+              </a:solidFill>
+              <a:latin typeface="Nunito Sans" panose="00000500000000000000"/>
+              <a:ea typeface="Nunito Sans" panose="00000500000000000000"/>
+              <a:cs typeface="Nunito Sans" panose="00000500000000000000"/>
+              <a:sym typeface="Nunito Sans" panose="00000500000000000000"/>
+            </a:endParaRPr>
+          </a:p>
+          <a:p>
+            <a:pPr marL="0" lvl="0" indent="0" algn="r" rtl="0">
+              <a:spcBef>
+                <a:spcPts val="0"/>
+              </a:spcBef>
+              <a:spcAft>
+                <a:spcPts val="0"/>
+              </a:spcAft>
+              <a:buNone/>
+            </a:pPr>
+            <a:r>
+              <a:rPr lang="es-CO" altLang="en-US" sz="3400" dirty="0" smtClean="0">
+                <a:solidFill>
+                  <a:srgbClr val="96B51A"/>
+                </a:solidFill>
+                <a:latin typeface="Droid Sans"/>
+                <a:ea typeface="Droid Sans"/>
+                <a:cs typeface="Droid Sans"/>
+                <a:sym typeface="Droid Sans"/>
+              </a:rPr>
+              <a:t>Adapter </a:t>
+            </a:r>
+            <a:r>
+              <a:rPr lang="en-US" sz="3400" dirty="0" smtClean="0">
+                <a:solidFill>
+                  <a:srgbClr val="96B51A"/>
+                </a:solidFill>
+                <a:latin typeface="Droid Sans"/>
+                <a:ea typeface="Droid Sans"/>
+                <a:cs typeface="Droid Sans"/>
+                <a:sym typeface="Droid Sans"/>
+              </a:rPr>
+              <a:t>Pattern</a:t>
+            </a:r>
+            <a:endParaRPr i="1" dirty="0">
+              <a:solidFill>
+                <a:srgbClr val="FFFFFF"/>
+              </a:solidFill>
+              <a:latin typeface="Montserrat" panose="00000500000000000000"/>
+              <a:ea typeface="Montserrat" panose="00000500000000000000"/>
+              <a:cs typeface="Montserrat" panose="00000500000000000000"/>
+              <a:sym typeface="Montserrat" panose="00000500000000000000"/>
+            </a:endParaRPr>
+          </a:p>
+        </p:txBody>
+      </p:sp>
+    </p:spTree>
+  </p:cSld>
+  <p:clrMapOvr>
+    <a:masterClrMapping/>
+  </p:clrMapOvr>
+  <p:timing>
+    <p:tnLst>
+      <p:par>
+        <p:cTn id="1" dur="indefinite" restart="never" nodeType="tmRoot"/>
+      </p:par>
+    </p:tnLst>
+  </p:timing>
+</p:sld>
+</file>
+
+<file path=ppt/slides/slide19.xml><?xml version="1.0" encoding="utf-8"?>
+<p:sld xmlns:a="http://schemas.openxmlformats.org/drawingml/2006/main" xmlns:r="http://schemas.openxmlformats.org/officeDocument/2006/relationships" xmlns:p="http://schemas.openxmlformats.org/presentationml/2006/main">
+  <p:cSld>
+    <p:bg>
+      <p:bgPr>
+        <a:solidFill>
+          <a:srgbClr val="000000"/>
+        </a:solidFill>
+        <a:effectLst/>
+      </p:bgPr>
+    </p:bg>
+    <p:spTree>
+      <p:nvGrpSpPr>
+        <p:cNvPr id="1" name="Shape 117"/>
+        <p:cNvGrpSpPr/>
+        <p:nvPr/>
+      </p:nvGrpSpPr>
+      <p:grpSpPr>
+        <a:xfrm>
+          <a:off x="0" y="0"/>
+          <a:ext cx="0" cy="0"/>
+          <a:chOff x="0" y="0"/>
+          <a:chExt cx="0" cy="0"/>
+        </a:xfrm>
+      </p:grpSpPr>
+      <p:sp>
+        <p:nvSpPr>
+          <p:cNvPr id="118" name="Google Shape;118;p28"/>
+          <p:cNvSpPr txBox="1"/>
+          <p:nvPr/>
+        </p:nvSpPr>
+        <p:spPr>
+          <a:xfrm>
+            <a:off x="210820" y="1325245"/>
+            <a:ext cx="4775200" cy="2949575"/>
+          </a:xfrm>
+          <a:prstGeom prst="rect">
+            <a:avLst/>
+          </a:prstGeom>
+          <a:noFill/>
+          <a:ln>
+            <a:noFill/>
+          </a:ln>
+        </p:spPr>
+        <p:txBody>
+          <a:bodyPr spcFirstLastPara="1" wrap="square" lIns="91425" tIns="91425" rIns="91425" bIns="91425" anchor="t" anchorCtr="0">
+            <a:noAutofit/>
+          </a:bodyPr>
+          <a:lstStyle/>
+          <a:p>
+            <a:pPr marL="146050" indent="0" algn="just">
+              <a:buClr>
+                <a:srgbClr val="FFFFFF"/>
+              </a:buClr>
+              <a:buSzPts val="1300"/>
+              <a:buFont typeface="Nunito Sans" panose="00000500000000000000"/>
+              <a:buNone/>
+            </a:pPr>
+            <a:r>
+              <a:rPr dirty="0">
+                <a:solidFill>
+                  <a:srgbClr val="FFFFFF"/>
+                </a:solidFill>
+                <a:latin typeface="Nunito Sans" panose="00000500000000000000"/>
+                <a:ea typeface="Nunito Sans" panose="00000500000000000000"/>
+                <a:cs typeface="Nunito Sans" panose="00000500000000000000"/>
+                <a:sym typeface="Nunito Sans" panose="00000500000000000000"/>
+              </a:rPr>
+              <a:t>The Adapter design pattern is used when we have incompatible software interfaces, which, despite their incompatibility, have similar functionality. This pattern is implemented when you want to homogenize the way you work with these incompatible interfaces, for which you create an intermediate class that works like an adapter. This adapter class will provide the methods to interact with the incompatible interface</a:t>
+            </a:r>
+            <a:endParaRPr dirty="0">
+              <a:solidFill>
+                <a:srgbClr val="FFFFFF"/>
+              </a:solidFill>
+              <a:latin typeface="Nunito Sans" panose="00000500000000000000"/>
+              <a:ea typeface="Nunito Sans" panose="00000500000000000000"/>
+              <a:cs typeface="Nunito Sans" panose="00000500000000000000"/>
+              <a:sym typeface="Nunito Sans" panose="00000500000000000000"/>
+            </a:endParaRPr>
+          </a:p>
+        </p:txBody>
+      </p:sp>
+      <p:sp>
+        <p:nvSpPr>
+          <p:cNvPr id="120" name="Google Shape;120;p28"/>
+          <p:cNvSpPr/>
+          <p:nvPr/>
+        </p:nvSpPr>
+        <p:spPr>
+          <a:xfrm>
+            <a:off x="-5" y="5118630"/>
+            <a:ext cx="9144000" cy="33600"/>
+          </a:xfrm>
+          <a:prstGeom prst="rect">
+            <a:avLst/>
+          </a:prstGeom>
+          <a:solidFill>
+            <a:srgbClr val="C1D82F"/>
+          </a:solidFill>
+          <a:ln>
+            <a:noFill/>
+          </a:ln>
+        </p:spPr>
+        <p:txBody>
+          <a:bodyPr spcFirstLastPara="1" wrap="square" lIns="91425" tIns="91425" rIns="91425" bIns="91425" anchor="ctr" anchorCtr="0">
+            <a:noAutofit/>
+          </a:bodyPr>
+          <a:lstStyle/>
+          <a:p>
+            <a:pPr marL="0" lvl="0" indent="0" algn="l" rtl="0">
+              <a:spcBef>
+                <a:spcPts val="0"/>
+              </a:spcBef>
+              <a:spcAft>
+                <a:spcPts val="0"/>
+              </a:spcAft>
+              <a:buNone/>
+            </a:pPr>
+          </a:p>
+        </p:txBody>
+      </p:sp>
+      <p:sp>
+        <p:nvSpPr>
+          <p:cNvPr id="8" name="Google Shape;139;p30"/>
+          <p:cNvSpPr txBox="1"/>
+          <p:nvPr/>
+        </p:nvSpPr>
+        <p:spPr>
+          <a:xfrm>
+            <a:off x="1" y="216450"/>
+            <a:ext cx="9143994" cy="552600"/>
+          </a:xfrm>
+          <a:prstGeom prst="rect">
+            <a:avLst/>
+          </a:prstGeom>
+          <a:noFill/>
+          <a:ln>
+            <a:noFill/>
+          </a:ln>
+        </p:spPr>
+        <p:txBody>
+          <a:bodyPr spcFirstLastPara="1" wrap="square" lIns="91425" tIns="91425" rIns="91425" bIns="91425" anchor="t" anchorCtr="0">
+            <a:noAutofit/>
+          </a:bodyPr>
+          <a:lstStyle/>
+          <a:p>
+            <a:pPr marL="0" lvl="0" indent="0" algn="ctr" rtl="0">
+              <a:spcBef>
+                <a:spcPts val="0"/>
+              </a:spcBef>
+              <a:spcAft>
+                <a:spcPts val="0"/>
+              </a:spcAft>
+              <a:buNone/>
+            </a:pPr>
+            <a:r>
+              <a:rPr lang="es-CO" sz="3200" b="1" dirty="0" err="1" smtClean="0">
+                <a:solidFill>
+                  <a:schemeClr val="lt1"/>
+                </a:solidFill>
+                <a:effectLst>
+                  <a:outerShdw blurRad="38100" dist="38100" dir="2700000" algn="tl">
+                    <a:srgbClr val="000000">
+                      <a:alpha val="43137"/>
+                    </a:srgbClr>
+                  </a:outerShdw>
+                </a:effectLst>
+                <a:latin typeface="Montserrat" panose="00000500000000000000"/>
+                <a:ea typeface="Montserrat" panose="00000500000000000000"/>
+                <a:cs typeface="Montserrat" panose="00000500000000000000"/>
+                <a:sym typeface="Montserrat" panose="00000500000000000000"/>
+              </a:rPr>
+              <a:t>Adapter</a:t>
+            </a:r>
+            <a:r>
+              <a:rPr lang="es-CO" sz="3200" b="1" dirty="0" smtClean="0">
+                <a:solidFill>
+                  <a:schemeClr val="lt1"/>
+                </a:solidFill>
+                <a:effectLst>
+                  <a:outerShdw blurRad="38100" dist="38100" dir="2700000" algn="tl">
+                    <a:srgbClr val="000000">
+                      <a:alpha val="43137"/>
+                    </a:srgbClr>
+                  </a:outerShdw>
+                </a:effectLst>
+                <a:latin typeface="Montserrat" panose="00000500000000000000"/>
+                <a:ea typeface="Montserrat" panose="00000500000000000000"/>
+                <a:cs typeface="Montserrat" panose="00000500000000000000"/>
+                <a:sym typeface="Montserrat" panose="00000500000000000000"/>
+              </a:rPr>
+              <a:t> </a:t>
+            </a:r>
+            <a:r>
+              <a:rPr lang="es-CO" sz="3200" b="1" dirty="0" err="1" smtClean="0">
+                <a:solidFill>
+                  <a:schemeClr val="lt1"/>
+                </a:solidFill>
+                <a:effectLst>
+                  <a:outerShdw blurRad="38100" dist="38100" dir="2700000" algn="tl">
+                    <a:srgbClr val="000000">
+                      <a:alpha val="43137"/>
+                    </a:srgbClr>
+                  </a:outerShdw>
+                </a:effectLst>
+                <a:latin typeface="Montserrat" panose="00000500000000000000"/>
+                <a:ea typeface="Montserrat" panose="00000500000000000000"/>
+                <a:cs typeface="Montserrat" panose="00000500000000000000"/>
+                <a:sym typeface="Montserrat" panose="00000500000000000000"/>
+              </a:rPr>
+              <a:t>Pattern</a:t>
+            </a:r>
+            <a:endParaRPr sz="3200" b="1" dirty="0">
+              <a:solidFill>
+                <a:schemeClr val="lt1"/>
+              </a:solidFill>
+              <a:effectLst>
+                <a:outerShdw blurRad="38100" dist="38100" dir="2700000" algn="tl">
+                  <a:srgbClr val="000000">
+                    <a:alpha val="43137"/>
+                  </a:srgbClr>
+                </a:outerShdw>
+              </a:effectLst>
+              <a:latin typeface="Montserrat" panose="00000500000000000000"/>
+              <a:ea typeface="Montserrat" panose="00000500000000000000"/>
+              <a:cs typeface="Montserrat" panose="00000500000000000000"/>
+              <a:sym typeface="Montserrat" panose="00000500000000000000"/>
+            </a:endParaRPr>
+          </a:p>
+        </p:txBody>
+      </p:sp>
+      <p:pic>
+        <p:nvPicPr>
+          <p:cNvPr id="2" name="Picture 1"/>
+          <p:cNvPicPr>
+            <a:picLocks noChangeAspect="1"/>
+          </p:cNvPicPr>
+          <p:nvPr/>
+        </p:nvPicPr>
+        <p:blipFill>
+          <a:blip r:embed="rId1"/>
+          <a:stretch>
+            <a:fillRect/>
+          </a:stretch>
+        </p:blipFill>
+        <p:spPr>
+          <a:xfrm>
+            <a:off x="5234940" y="1133475"/>
+            <a:ext cx="3371215" cy="3333115"/>
+          </a:xfrm>
+          <a:prstGeom prst="rect">
+            <a:avLst/>
+          </a:prstGeom>
+        </p:spPr>
+      </p:pic>
+    </p:spTree>
   </p:cSld>
   <p:clrMapOvr>
     <a:masterClrMapping/>
@@ -21435,7 +22213,6 @@
               </a:spcAft>
               <a:buNone/>
             </a:pPr>
-            <a:endParaRPr/>
           </a:p>
         </p:txBody>
       </p:sp>
@@ -21676,7 +22453,7 @@
           <p:nvPr/>
         </p:nvPicPr>
         <p:blipFill rotWithShape="1">
-          <a:blip r:embed="rId3">
+          <a:blip r:embed="rId1">
             <a:extLst>
               <a:ext uri="{28A0092B-C50C-407E-A947-70E740481C1C}">
                 <a14:useLocalDpi xmlns:a14="http://schemas.microsoft.com/office/drawing/2010/main" val="0"/>
@@ -21708,6 +22485,889 @@
           </a:extLst>
         </p:spPr>
       </p:pic>
+    </p:spTree>
+  </p:cSld>
+  <p:clrMapOvr>
+    <a:masterClrMapping/>
+  </p:clrMapOvr>
+  <p:timing>
+    <p:tnLst>
+      <p:par>
+        <p:cTn id="1" dur="indefinite" restart="never" nodeType="tmRoot"/>
+      </p:par>
+    </p:tnLst>
+  </p:timing>
+</p:sld>
+</file>
+
+<file path=ppt/slides/slide20.xml><?xml version="1.0" encoding="utf-8"?>
+<p:sld xmlns:a="http://schemas.openxmlformats.org/drawingml/2006/main" xmlns:r="http://schemas.openxmlformats.org/officeDocument/2006/relationships" xmlns:p="http://schemas.openxmlformats.org/presentationml/2006/main">
+  <p:cSld>
+    <p:bg>
+      <p:bgPr>
+        <a:solidFill>
+          <a:srgbClr val="000000"/>
+        </a:solidFill>
+        <a:effectLst/>
+      </p:bgPr>
+    </p:bg>
+    <p:spTree>
+      <p:nvGrpSpPr>
+        <p:cNvPr id="1" name="Shape 117"/>
+        <p:cNvGrpSpPr/>
+        <p:nvPr/>
+      </p:nvGrpSpPr>
+      <p:grpSpPr>
+        <a:xfrm>
+          <a:off x="0" y="0"/>
+          <a:ext cx="0" cy="0"/>
+          <a:chOff x="0" y="0"/>
+          <a:chExt cx="0" cy="0"/>
+        </a:xfrm>
+      </p:grpSpPr>
+      <p:sp>
+        <p:nvSpPr>
+          <p:cNvPr id="120" name="Google Shape;120;p28"/>
+          <p:cNvSpPr/>
+          <p:nvPr/>
+        </p:nvSpPr>
+        <p:spPr>
+          <a:xfrm>
+            <a:off x="-5" y="5118630"/>
+            <a:ext cx="9144000" cy="33600"/>
+          </a:xfrm>
+          <a:prstGeom prst="rect">
+            <a:avLst/>
+          </a:prstGeom>
+          <a:solidFill>
+            <a:srgbClr val="C1D82F"/>
+          </a:solidFill>
+          <a:ln>
+            <a:noFill/>
+          </a:ln>
+        </p:spPr>
+        <p:txBody>
+          <a:bodyPr spcFirstLastPara="1" wrap="square" lIns="91425" tIns="91425" rIns="91425" bIns="91425" anchor="ctr" anchorCtr="0">
+            <a:noAutofit/>
+          </a:bodyPr>
+          <a:lstStyle/>
+          <a:p>
+            <a:pPr marL="0" lvl="0" indent="0" algn="l" rtl="0">
+              <a:spcBef>
+                <a:spcPts val="0"/>
+              </a:spcBef>
+              <a:spcAft>
+                <a:spcPts val="0"/>
+              </a:spcAft>
+              <a:buNone/>
+            </a:pPr>
+          </a:p>
+        </p:txBody>
+      </p:sp>
+      <p:sp>
+        <p:nvSpPr>
+          <p:cNvPr id="8" name="Google Shape;139;p30"/>
+          <p:cNvSpPr txBox="1"/>
+          <p:nvPr/>
+        </p:nvSpPr>
+        <p:spPr>
+          <a:xfrm>
+            <a:off x="1" y="216450"/>
+            <a:ext cx="9143994" cy="552600"/>
+          </a:xfrm>
+          <a:prstGeom prst="rect">
+            <a:avLst/>
+          </a:prstGeom>
+          <a:noFill/>
+          <a:ln>
+            <a:noFill/>
+          </a:ln>
+        </p:spPr>
+        <p:txBody>
+          <a:bodyPr spcFirstLastPara="1" wrap="square" lIns="91425" tIns="91425" rIns="91425" bIns="91425" anchor="t" anchorCtr="0">
+            <a:noAutofit/>
+          </a:bodyPr>
+          <a:lstStyle/>
+          <a:p>
+            <a:pPr lvl="0" algn="ctr"/>
+            <a:r>
+              <a:rPr lang="es-CO" sz="3200" b="1" dirty="0" err="1">
+                <a:solidFill>
+                  <a:schemeClr val="lt1"/>
+                </a:solidFill>
+                <a:effectLst>
+                  <a:outerShdw blurRad="38100" dist="38100" dir="2700000" algn="tl">
+                    <a:srgbClr val="000000">
+                      <a:alpha val="43137"/>
+                    </a:srgbClr>
+                  </a:outerShdw>
+                </a:effectLst>
+                <a:latin typeface="Montserrat" panose="00000500000000000000"/>
+                <a:ea typeface="Montserrat" panose="00000500000000000000"/>
+                <a:cs typeface="Montserrat" panose="00000500000000000000"/>
+                <a:sym typeface="Montserrat" panose="00000500000000000000"/>
+              </a:rPr>
+              <a:t>Adapter</a:t>
+            </a:r>
+            <a:r>
+              <a:rPr lang="es-CO" sz="3200" b="1" dirty="0">
+                <a:solidFill>
+                  <a:schemeClr val="lt1"/>
+                </a:solidFill>
+                <a:effectLst>
+                  <a:outerShdw blurRad="38100" dist="38100" dir="2700000" algn="tl">
+                    <a:srgbClr val="000000">
+                      <a:alpha val="43137"/>
+                    </a:srgbClr>
+                  </a:outerShdw>
+                </a:effectLst>
+                <a:latin typeface="Montserrat" panose="00000500000000000000"/>
+                <a:ea typeface="Montserrat" panose="00000500000000000000"/>
+                <a:cs typeface="Montserrat" panose="00000500000000000000"/>
+                <a:sym typeface="Montserrat" panose="00000500000000000000"/>
+              </a:rPr>
+              <a:t> </a:t>
+            </a:r>
+            <a:r>
+              <a:rPr lang="es-CO" sz="3200" b="1" dirty="0" smtClean="0">
+                <a:solidFill>
+                  <a:schemeClr val="lt1"/>
+                </a:solidFill>
+                <a:effectLst>
+                  <a:outerShdw blurRad="38100" dist="38100" dir="2700000" algn="tl">
+                    <a:srgbClr val="000000">
+                      <a:alpha val="43137"/>
+                    </a:srgbClr>
+                  </a:outerShdw>
+                </a:effectLst>
+                <a:latin typeface="Montserrat" panose="00000500000000000000"/>
+                <a:ea typeface="Montserrat" panose="00000500000000000000"/>
+                <a:cs typeface="Montserrat" panose="00000500000000000000"/>
+                <a:sym typeface="Montserrat" panose="00000500000000000000"/>
+              </a:rPr>
+              <a:t>– </a:t>
+            </a:r>
+            <a:r>
+              <a:rPr lang="es-CO" sz="3200" b="1" dirty="0" err="1" smtClean="0">
+                <a:solidFill>
+                  <a:schemeClr val="lt1"/>
+                </a:solidFill>
+                <a:effectLst>
+                  <a:outerShdw blurRad="38100" dist="38100" dir="2700000" algn="tl">
+                    <a:srgbClr val="000000">
+                      <a:alpha val="43137"/>
+                    </a:srgbClr>
+                  </a:outerShdw>
+                </a:effectLst>
+                <a:latin typeface="Montserrat" panose="00000500000000000000"/>
+                <a:ea typeface="Montserrat" panose="00000500000000000000"/>
+                <a:cs typeface="Montserrat" panose="00000500000000000000"/>
+                <a:sym typeface="Montserrat" panose="00000500000000000000"/>
+              </a:rPr>
+              <a:t>Class</a:t>
+            </a:r>
+            <a:r>
+              <a:rPr lang="es-CO" sz="3200" b="1" dirty="0" smtClean="0">
+                <a:solidFill>
+                  <a:schemeClr val="lt1"/>
+                </a:solidFill>
+                <a:effectLst>
+                  <a:outerShdw blurRad="38100" dist="38100" dir="2700000" algn="tl">
+                    <a:srgbClr val="000000">
+                      <a:alpha val="43137"/>
+                    </a:srgbClr>
+                  </a:outerShdw>
+                </a:effectLst>
+                <a:latin typeface="Montserrat" panose="00000500000000000000"/>
+                <a:ea typeface="Montserrat" panose="00000500000000000000"/>
+                <a:cs typeface="Montserrat" panose="00000500000000000000"/>
+                <a:sym typeface="Montserrat" panose="00000500000000000000"/>
+              </a:rPr>
+              <a:t> </a:t>
+            </a:r>
+            <a:r>
+              <a:rPr lang="es-CO" sz="3200" b="1" dirty="0" err="1" smtClean="0">
+                <a:solidFill>
+                  <a:schemeClr val="lt1"/>
+                </a:solidFill>
+                <a:effectLst>
+                  <a:outerShdw blurRad="38100" dist="38100" dir="2700000" algn="tl">
+                    <a:srgbClr val="000000">
+                      <a:alpha val="43137"/>
+                    </a:srgbClr>
+                  </a:outerShdw>
+                </a:effectLst>
+                <a:latin typeface="Montserrat" panose="00000500000000000000"/>
+                <a:ea typeface="Montserrat" panose="00000500000000000000"/>
+                <a:cs typeface="Montserrat" panose="00000500000000000000"/>
+                <a:sym typeface="Montserrat" panose="00000500000000000000"/>
+              </a:rPr>
+              <a:t>Diagram</a:t>
+            </a:r>
+            <a:endParaRPr sz="3200" b="1" dirty="0">
+              <a:solidFill>
+                <a:schemeClr val="lt1"/>
+              </a:solidFill>
+              <a:effectLst>
+                <a:outerShdw blurRad="38100" dist="38100" dir="2700000" algn="tl">
+                  <a:srgbClr val="000000">
+                    <a:alpha val="43137"/>
+                  </a:srgbClr>
+                </a:outerShdw>
+              </a:effectLst>
+              <a:latin typeface="Montserrat" panose="00000500000000000000"/>
+              <a:ea typeface="Montserrat" panose="00000500000000000000"/>
+              <a:cs typeface="Montserrat" panose="00000500000000000000"/>
+              <a:sym typeface="Montserrat" panose="00000500000000000000"/>
+            </a:endParaRPr>
+          </a:p>
+        </p:txBody>
+      </p:sp>
+      <p:pic>
+        <p:nvPicPr>
+          <p:cNvPr id="2" name="Picture 1"/>
+          <p:cNvPicPr>
+            <a:picLocks noChangeAspect="1"/>
+          </p:cNvPicPr>
+          <p:nvPr/>
+        </p:nvPicPr>
+        <p:blipFill>
+          <a:blip r:embed="rId1"/>
+          <a:stretch>
+            <a:fillRect/>
+          </a:stretch>
+        </p:blipFill>
+        <p:spPr>
+          <a:xfrm>
+            <a:off x="1587500" y="882650"/>
+            <a:ext cx="5864225" cy="3376930"/>
+          </a:xfrm>
+          <a:prstGeom prst="rect">
+            <a:avLst/>
+          </a:prstGeom>
+        </p:spPr>
+      </p:pic>
+    </p:spTree>
+  </p:cSld>
+  <p:clrMapOvr>
+    <a:masterClrMapping/>
+  </p:clrMapOvr>
+  <p:timing>
+    <p:tnLst>
+      <p:par>
+        <p:cTn id="1" dur="indefinite" restart="never" nodeType="tmRoot"/>
+      </p:par>
+    </p:tnLst>
+  </p:timing>
+</p:sld>
+</file>
+
+<file path=ppt/slides/slide21.xml><?xml version="1.0" encoding="utf-8"?>
+<p:sld xmlns:a="http://schemas.openxmlformats.org/drawingml/2006/main" xmlns:r="http://schemas.openxmlformats.org/officeDocument/2006/relationships" xmlns:p="http://schemas.openxmlformats.org/presentationml/2006/main">
+  <p:cSld>
+    <p:bg>
+      <p:bgPr>
+        <a:solidFill>
+          <a:srgbClr val="000000"/>
+        </a:solidFill>
+        <a:effectLst/>
+      </p:bgPr>
+    </p:bg>
+    <p:spTree>
+      <p:nvGrpSpPr>
+        <p:cNvPr id="1" name="Shape 117"/>
+        <p:cNvGrpSpPr/>
+        <p:nvPr/>
+      </p:nvGrpSpPr>
+      <p:grpSpPr>
+        <a:xfrm>
+          <a:off x="0" y="0"/>
+          <a:ext cx="0" cy="0"/>
+          <a:chOff x="0" y="0"/>
+          <a:chExt cx="0" cy="0"/>
+        </a:xfrm>
+      </p:grpSpPr>
+      <p:sp>
+        <p:nvSpPr>
+          <p:cNvPr id="120" name="Google Shape;120;p28"/>
+          <p:cNvSpPr/>
+          <p:nvPr/>
+        </p:nvSpPr>
+        <p:spPr>
+          <a:xfrm>
+            <a:off x="-5" y="5118630"/>
+            <a:ext cx="9144000" cy="33600"/>
+          </a:xfrm>
+          <a:prstGeom prst="rect">
+            <a:avLst/>
+          </a:prstGeom>
+          <a:solidFill>
+            <a:srgbClr val="C1D82F"/>
+          </a:solidFill>
+          <a:ln>
+            <a:noFill/>
+          </a:ln>
+        </p:spPr>
+        <p:txBody>
+          <a:bodyPr spcFirstLastPara="1" wrap="square" lIns="91425" tIns="91425" rIns="91425" bIns="91425" anchor="ctr" anchorCtr="0">
+            <a:noAutofit/>
+          </a:bodyPr>
+          <a:lstStyle/>
+          <a:p>
+            <a:pPr marL="0" lvl="0" indent="0" algn="l" rtl="0">
+              <a:spcBef>
+                <a:spcPts val="0"/>
+              </a:spcBef>
+              <a:spcAft>
+                <a:spcPts val="0"/>
+              </a:spcAft>
+              <a:buNone/>
+            </a:pPr>
+          </a:p>
+        </p:txBody>
+      </p:sp>
+      <p:sp>
+        <p:nvSpPr>
+          <p:cNvPr id="8" name="Google Shape;139;p30"/>
+          <p:cNvSpPr txBox="1"/>
+          <p:nvPr/>
+        </p:nvSpPr>
+        <p:spPr>
+          <a:xfrm>
+            <a:off x="1" y="216450"/>
+            <a:ext cx="9143994" cy="552600"/>
+          </a:xfrm>
+          <a:prstGeom prst="rect">
+            <a:avLst/>
+          </a:prstGeom>
+          <a:noFill/>
+          <a:ln>
+            <a:noFill/>
+          </a:ln>
+        </p:spPr>
+        <p:txBody>
+          <a:bodyPr spcFirstLastPara="1" wrap="square" lIns="91425" tIns="91425" rIns="91425" bIns="91425" anchor="t" anchorCtr="0">
+            <a:noAutofit/>
+          </a:bodyPr>
+          <a:lstStyle/>
+          <a:p>
+            <a:pPr lvl="0" algn="ctr"/>
+            <a:r>
+              <a:rPr lang="es-CO" sz="3200" b="1" dirty="0" smtClean="0">
+                <a:solidFill>
+                  <a:schemeClr val="lt1"/>
+                </a:solidFill>
+                <a:effectLst>
+                  <a:outerShdw blurRad="38100" dist="38100" dir="2700000" algn="tl">
+                    <a:srgbClr val="000000">
+                      <a:alpha val="43137"/>
+                    </a:srgbClr>
+                  </a:outerShdw>
+                </a:effectLst>
+                <a:latin typeface="Montserrat" panose="00000500000000000000"/>
+                <a:ea typeface="Montserrat" panose="00000500000000000000"/>
+                <a:cs typeface="Montserrat" panose="00000500000000000000"/>
+                <a:sym typeface="Montserrat" panose="00000500000000000000"/>
+              </a:rPr>
+              <a:t>Adapter – </a:t>
+            </a:r>
+            <a:r>
+              <a:rPr lang="es-CO" sz="3200" b="1" dirty="0" err="1" smtClean="0">
+                <a:solidFill>
+                  <a:schemeClr val="lt1"/>
+                </a:solidFill>
+                <a:effectLst>
+                  <a:outerShdw blurRad="38100" dist="38100" dir="2700000" algn="tl">
+                    <a:srgbClr val="000000">
+                      <a:alpha val="43137"/>
+                    </a:srgbClr>
+                  </a:outerShdw>
+                </a:effectLst>
+                <a:latin typeface="Montserrat" panose="00000500000000000000"/>
+                <a:ea typeface="Montserrat" panose="00000500000000000000"/>
+                <a:cs typeface="Montserrat" panose="00000500000000000000"/>
+                <a:sym typeface="Montserrat" panose="00000500000000000000"/>
+              </a:rPr>
+              <a:t>Diagram</a:t>
+            </a:r>
+            <a:r>
+              <a:rPr lang="es-CO" sz="3200" b="1" dirty="0" smtClean="0">
+                <a:solidFill>
+                  <a:schemeClr val="lt1"/>
+                </a:solidFill>
+                <a:effectLst>
+                  <a:outerShdw blurRad="38100" dist="38100" dir="2700000" algn="tl">
+                    <a:srgbClr val="000000">
+                      <a:alpha val="43137"/>
+                    </a:srgbClr>
+                  </a:outerShdw>
+                </a:effectLst>
+                <a:latin typeface="Montserrat" panose="00000500000000000000"/>
+                <a:ea typeface="Montserrat" panose="00000500000000000000"/>
+                <a:cs typeface="Montserrat" panose="00000500000000000000"/>
+                <a:sym typeface="Montserrat" panose="00000500000000000000"/>
+              </a:rPr>
+              <a:t> of </a:t>
+            </a:r>
+            <a:r>
+              <a:rPr lang="es-CO" sz="3200" b="1" dirty="0" err="1" smtClean="0">
+                <a:solidFill>
+                  <a:schemeClr val="lt1"/>
+                </a:solidFill>
+                <a:effectLst>
+                  <a:outerShdw blurRad="38100" dist="38100" dir="2700000" algn="tl">
+                    <a:srgbClr val="000000">
+                      <a:alpha val="43137"/>
+                    </a:srgbClr>
+                  </a:outerShdw>
+                </a:effectLst>
+                <a:latin typeface="Montserrat" panose="00000500000000000000"/>
+                <a:ea typeface="Montserrat" panose="00000500000000000000"/>
+                <a:cs typeface="Montserrat" panose="00000500000000000000"/>
+                <a:sym typeface="Montserrat" panose="00000500000000000000"/>
+              </a:rPr>
+              <a:t>Sequence</a:t>
+            </a:r>
+            <a:endParaRPr sz="3200" b="1" dirty="0">
+              <a:solidFill>
+                <a:schemeClr val="lt1"/>
+              </a:solidFill>
+              <a:effectLst>
+                <a:outerShdw blurRad="38100" dist="38100" dir="2700000" algn="tl">
+                  <a:srgbClr val="000000">
+                    <a:alpha val="43137"/>
+                  </a:srgbClr>
+                </a:outerShdw>
+              </a:effectLst>
+              <a:latin typeface="Montserrat" panose="00000500000000000000"/>
+              <a:ea typeface="Montserrat" panose="00000500000000000000"/>
+              <a:cs typeface="Montserrat" panose="00000500000000000000"/>
+              <a:sym typeface="Montserrat" panose="00000500000000000000"/>
+            </a:endParaRPr>
+          </a:p>
+        </p:txBody>
+      </p:sp>
+      <p:pic>
+        <p:nvPicPr>
+          <p:cNvPr id="3" name="Picture 2"/>
+          <p:cNvPicPr>
+            <a:picLocks noChangeAspect="1"/>
+          </p:cNvPicPr>
+          <p:nvPr/>
+        </p:nvPicPr>
+        <p:blipFill>
+          <a:blip r:embed="rId1"/>
+          <a:stretch>
+            <a:fillRect/>
+          </a:stretch>
+        </p:blipFill>
+        <p:spPr>
+          <a:xfrm>
+            <a:off x="123190" y="1187450"/>
+            <a:ext cx="5313045" cy="3145790"/>
+          </a:xfrm>
+          <a:prstGeom prst="rect">
+            <a:avLst/>
+          </a:prstGeom>
+        </p:spPr>
+      </p:pic>
+      <p:sp>
+        <p:nvSpPr>
+          <p:cNvPr id="118" name="Google Shape;118;p28"/>
+          <p:cNvSpPr txBox="1"/>
+          <p:nvPr/>
+        </p:nvSpPr>
+        <p:spPr>
+          <a:xfrm>
+            <a:off x="5568950" y="1186815"/>
+            <a:ext cx="3475990" cy="3146425"/>
+          </a:xfrm>
+          <a:prstGeom prst="rect">
+            <a:avLst/>
+          </a:prstGeom>
+          <a:noFill/>
+          <a:ln>
+            <a:noFill/>
+          </a:ln>
+        </p:spPr>
+        <p:txBody>
+          <a:bodyPr spcFirstLastPara="1" wrap="square" lIns="91425" tIns="91425" rIns="91425" bIns="91425" anchor="t" anchorCtr="0">
+            <a:noAutofit/>
+          </a:bodyPr>
+          <a:p>
+            <a:pPr marL="488950" indent="-342900" algn="just">
+              <a:buClr>
+                <a:srgbClr val="FFFFFF"/>
+              </a:buClr>
+              <a:buSzPts val="1300"/>
+              <a:buAutoNum type="arabicPeriod"/>
+            </a:pPr>
+            <a:r>
+              <a:rPr dirty="0">
+                <a:solidFill>
+                  <a:srgbClr val="FFFFFF"/>
+                </a:solidFill>
+                <a:latin typeface="Nunito Sans" panose="00000500000000000000"/>
+                <a:ea typeface="Nunito Sans" panose="00000500000000000000"/>
+                <a:cs typeface="Nunito Sans" panose="00000500000000000000"/>
+                <a:sym typeface="Nunito Sans" panose="00000500000000000000"/>
+              </a:rPr>
+              <a:t>The </a:t>
+            </a:r>
+            <a:r>
+              <a:rPr dirty="0">
+                <a:solidFill>
+                  <a:srgbClr val="FF0000"/>
+                </a:solidFill>
+                <a:latin typeface="Nunito Sans" panose="00000500000000000000"/>
+                <a:ea typeface="Nunito Sans" panose="00000500000000000000"/>
+                <a:cs typeface="Nunito Sans" panose="00000500000000000000"/>
+                <a:sym typeface="Nunito Sans" panose="00000500000000000000"/>
+              </a:rPr>
+              <a:t>Client</a:t>
+            </a:r>
+            <a:r>
+              <a:rPr dirty="0">
+                <a:solidFill>
+                  <a:srgbClr val="FFFFFF"/>
+                </a:solidFill>
+                <a:latin typeface="Nunito Sans" panose="00000500000000000000"/>
+                <a:ea typeface="Nunito Sans" panose="00000500000000000000"/>
+                <a:cs typeface="Nunito Sans" panose="00000500000000000000"/>
+                <a:sym typeface="Nunito Sans" panose="00000500000000000000"/>
+              </a:rPr>
+              <a:t> invokes the Adapter with generic parameters.</a:t>
+            </a:r>
+            <a:endParaRPr dirty="0">
+              <a:solidFill>
+                <a:srgbClr val="FFFFFF"/>
+              </a:solidFill>
+              <a:latin typeface="Nunito Sans" panose="00000500000000000000"/>
+              <a:ea typeface="Nunito Sans" panose="00000500000000000000"/>
+              <a:cs typeface="Nunito Sans" panose="00000500000000000000"/>
+              <a:sym typeface="Nunito Sans" panose="00000500000000000000"/>
+            </a:endParaRPr>
+          </a:p>
+          <a:p>
+            <a:pPr marL="488950" indent="-342900" algn="just">
+              <a:buClr>
+                <a:srgbClr val="FFFFFF"/>
+              </a:buClr>
+              <a:buSzPts val="1300"/>
+              <a:buAutoNum type="arabicPeriod"/>
+            </a:pPr>
+            <a:r>
+              <a:rPr dirty="0">
+                <a:solidFill>
+                  <a:srgbClr val="FFFFFF"/>
+                </a:solidFill>
+                <a:latin typeface="Nunito Sans" panose="00000500000000000000"/>
+                <a:ea typeface="Nunito Sans" panose="00000500000000000000"/>
+                <a:cs typeface="Nunito Sans" panose="00000500000000000000"/>
+                <a:sym typeface="Nunito Sans" panose="00000500000000000000"/>
+              </a:rPr>
+              <a:t>The </a:t>
+            </a:r>
+            <a:r>
+              <a:rPr dirty="0">
+                <a:solidFill>
+                  <a:srgbClr val="FF0000"/>
+                </a:solidFill>
+                <a:latin typeface="Nunito Sans" panose="00000500000000000000"/>
+                <a:ea typeface="Nunito Sans" panose="00000500000000000000"/>
+                <a:cs typeface="Nunito Sans" panose="00000500000000000000"/>
+                <a:sym typeface="Nunito Sans" panose="00000500000000000000"/>
+              </a:rPr>
+              <a:t>Adapter</a:t>
+            </a:r>
+            <a:r>
+              <a:rPr dirty="0">
+                <a:solidFill>
+                  <a:srgbClr val="FFFFFF"/>
+                </a:solidFill>
+                <a:latin typeface="Nunito Sans" panose="00000500000000000000"/>
+                <a:ea typeface="Nunito Sans" panose="00000500000000000000"/>
+                <a:cs typeface="Nunito Sans" panose="00000500000000000000"/>
+                <a:sym typeface="Nunito Sans" panose="00000500000000000000"/>
+              </a:rPr>
+              <a:t> converts the generic parameters into specific Adaptee parameters.</a:t>
+            </a:r>
+            <a:endParaRPr dirty="0">
+              <a:solidFill>
+                <a:srgbClr val="FFFFFF"/>
+              </a:solidFill>
+              <a:latin typeface="Nunito Sans" panose="00000500000000000000"/>
+              <a:ea typeface="Nunito Sans" panose="00000500000000000000"/>
+              <a:cs typeface="Nunito Sans" panose="00000500000000000000"/>
+              <a:sym typeface="Nunito Sans" panose="00000500000000000000"/>
+            </a:endParaRPr>
+          </a:p>
+          <a:p>
+            <a:pPr marL="488950" indent="-342900" algn="just">
+              <a:buClr>
+                <a:srgbClr val="FFFFFF"/>
+              </a:buClr>
+              <a:buSzPts val="1300"/>
+              <a:buAutoNum type="arabicPeriod"/>
+            </a:pPr>
+            <a:r>
+              <a:rPr dirty="0">
+                <a:solidFill>
+                  <a:srgbClr val="FFFFFF"/>
+                </a:solidFill>
+                <a:latin typeface="Nunito Sans" panose="00000500000000000000"/>
+                <a:ea typeface="Nunito Sans" panose="00000500000000000000"/>
+                <a:cs typeface="Nunito Sans" panose="00000500000000000000"/>
+                <a:sym typeface="Nunito Sans" panose="00000500000000000000"/>
+              </a:rPr>
+              <a:t>The </a:t>
+            </a:r>
+            <a:r>
+              <a:rPr dirty="0">
+                <a:solidFill>
+                  <a:srgbClr val="FF0000"/>
+                </a:solidFill>
+                <a:latin typeface="Nunito Sans" panose="00000500000000000000"/>
+                <a:ea typeface="Nunito Sans" panose="00000500000000000000"/>
+                <a:cs typeface="Nunito Sans" panose="00000500000000000000"/>
+                <a:sym typeface="Nunito Sans" panose="00000500000000000000"/>
+              </a:rPr>
+              <a:t>Adapter</a:t>
+            </a:r>
+            <a:r>
+              <a:rPr dirty="0">
+                <a:solidFill>
+                  <a:srgbClr val="FFFFFF"/>
+                </a:solidFill>
+                <a:latin typeface="Nunito Sans" panose="00000500000000000000"/>
+                <a:ea typeface="Nunito Sans" panose="00000500000000000000"/>
+                <a:cs typeface="Nunito Sans" panose="00000500000000000000"/>
+                <a:sym typeface="Nunito Sans" panose="00000500000000000000"/>
+              </a:rPr>
+              <a:t> invokes the </a:t>
+            </a:r>
+            <a:r>
+              <a:rPr dirty="0">
+                <a:solidFill>
+                  <a:srgbClr val="FF0000"/>
+                </a:solidFill>
+                <a:latin typeface="Nunito Sans" panose="00000500000000000000"/>
+                <a:ea typeface="Nunito Sans" panose="00000500000000000000"/>
+                <a:cs typeface="Nunito Sans" panose="00000500000000000000"/>
+                <a:sym typeface="Nunito Sans" panose="00000500000000000000"/>
+              </a:rPr>
+              <a:t>Adaptee</a:t>
+            </a:r>
+            <a:r>
+              <a:rPr dirty="0">
+                <a:solidFill>
+                  <a:srgbClr val="FFFFFF"/>
+                </a:solidFill>
+                <a:latin typeface="Nunito Sans" panose="00000500000000000000"/>
+                <a:ea typeface="Nunito Sans" panose="00000500000000000000"/>
+                <a:cs typeface="Nunito Sans" panose="00000500000000000000"/>
+                <a:sym typeface="Nunito Sans" panose="00000500000000000000"/>
+              </a:rPr>
+              <a:t>.</a:t>
+            </a:r>
+            <a:endParaRPr dirty="0">
+              <a:solidFill>
+                <a:srgbClr val="FFFFFF"/>
+              </a:solidFill>
+              <a:latin typeface="Nunito Sans" panose="00000500000000000000"/>
+              <a:ea typeface="Nunito Sans" panose="00000500000000000000"/>
+              <a:cs typeface="Nunito Sans" panose="00000500000000000000"/>
+              <a:sym typeface="Nunito Sans" panose="00000500000000000000"/>
+            </a:endParaRPr>
+          </a:p>
+          <a:p>
+            <a:pPr marL="488950" indent="-342900" algn="just">
+              <a:buClr>
+                <a:srgbClr val="FFFFFF"/>
+              </a:buClr>
+              <a:buSzPts val="1300"/>
+              <a:buAutoNum type="arabicPeriod"/>
+            </a:pPr>
+            <a:r>
+              <a:rPr dirty="0">
+                <a:solidFill>
+                  <a:srgbClr val="FFFFFF"/>
+                </a:solidFill>
+                <a:latin typeface="Nunito Sans" panose="00000500000000000000"/>
+                <a:ea typeface="Nunito Sans" panose="00000500000000000000"/>
+                <a:cs typeface="Nunito Sans" panose="00000500000000000000"/>
+                <a:sym typeface="Nunito Sans" panose="00000500000000000000"/>
+              </a:rPr>
+              <a:t>The </a:t>
+            </a:r>
+            <a:r>
+              <a:rPr dirty="0">
+                <a:solidFill>
+                  <a:srgbClr val="FF0000"/>
+                </a:solidFill>
+                <a:latin typeface="Nunito Sans" panose="00000500000000000000"/>
+                <a:ea typeface="Nunito Sans" panose="00000500000000000000"/>
+                <a:cs typeface="Nunito Sans" panose="00000500000000000000"/>
+                <a:sym typeface="Nunito Sans" panose="00000500000000000000"/>
+              </a:rPr>
+              <a:t>Adaptee </a:t>
+            </a:r>
+            <a:r>
+              <a:rPr dirty="0">
+                <a:solidFill>
+                  <a:srgbClr val="FFFFFF"/>
+                </a:solidFill>
+                <a:latin typeface="Nunito Sans" panose="00000500000000000000"/>
+                <a:ea typeface="Nunito Sans" panose="00000500000000000000"/>
+                <a:cs typeface="Nunito Sans" panose="00000500000000000000"/>
+                <a:sym typeface="Nunito Sans" panose="00000500000000000000"/>
+              </a:rPr>
+              <a:t>responds.</a:t>
+            </a:r>
+            <a:endParaRPr dirty="0">
+              <a:solidFill>
+                <a:srgbClr val="FFFFFF"/>
+              </a:solidFill>
+              <a:latin typeface="Nunito Sans" panose="00000500000000000000"/>
+              <a:ea typeface="Nunito Sans" panose="00000500000000000000"/>
+              <a:cs typeface="Nunito Sans" panose="00000500000000000000"/>
+              <a:sym typeface="Nunito Sans" panose="00000500000000000000"/>
+            </a:endParaRPr>
+          </a:p>
+          <a:p>
+            <a:pPr marL="488950" indent="-342900" algn="just">
+              <a:buClr>
+                <a:srgbClr val="FFFFFF"/>
+              </a:buClr>
+              <a:buSzPts val="1300"/>
+              <a:buAutoNum type="arabicPeriod"/>
+            </a:pPr>
+            <a:r>
+              <a:rPr dirty="0">
+                <a:solidFill>
+                  <a:srgbClr val="FFFFFF"/>
+                </a:solidFill>
+                <a:latin typeface="Nunito Sans" panose="00000500000000000000"/>
+                <a:ea typeface="Nunito Sans" panose="00000500000000000000"/>
+                <a:cs typeface="Nunito Sans" panose="00000500000000000000"/>
+                <a:sym typeface="Nunito Sans" panose="00000500000000000000"/>
+              </a:rPr>
+              <a:t>The </a:t>
+            </a:r>
+            <a:r>
+              <a:rPr dirty="0">
+                <a:solidFill>
+                  <a:srgbClr val="FF0000"/>
+                </a:solidFill>
+                <a:latin typeface="Nunito Sans" panose="00000500000000000000"/>
+                <a:ea typeface="Nunito Sans" panose="00000500000000000000"/>
+                <a:cs typeface="Nunito Sans" panose="00000500000000000000"/>
+                <a:sym typeface="Nunito Sans" panose="00000500000000000000"/>
+              </a:rPr>
+              <a:t>Adapter</a:t>
+            </a:r>
+            <a:r>
+              <a:rPr dirty="0">
+                <a:solidFill>
+                  <a:srgbClr val="FFFFFF"/>
+                </a:solidFill>
+                <a:latin typeface="Nunito Sans" panose="00000500000000000000"/>
+                <a:ea typeface="Nunito Sans" panose="00000500000000000000"/>
+                <a:cs typeface="Nunito Sans" panose="00000500000000000000"/>
+                <a:sym typeface="Nunito Sans" panose="00000500000000000000"/>
+              </a:rPr>
+              <a:t> converts the response of the </a:t>
+            </a:r>
+            <a:r>
+              <a:rPr dirty="0">
+                <a:solidFill>
+                  <a:srgbClr val="FF0000"/>
+                </a:solidFill>
+                <a:latin typeface="Nunito Sans" panose="00000500000000000000"/>
+                <a:ea typeface="Nunito Sans" panose="00000500000000000000"/>
+                <a:cs typeface="Nunito Sans" panose="00000500000000000000"/>
+                <a:sym typeface="Nunito Sans" panose="00000500000000000000"/>
+              </a:rPr>
+              <a:t>Adaptee</a:t>
+            </a:r>
+            <a:r>
+              <a:rPr dirty="0">
+                <a:solidFill>
+                  <a:srgbClr val="FFFFFF"/>
+                </a:solidFill>
+                <a:latin typeface="Nunito Sans" panose="00000500000000000000"/>
+                <a:ea typeface="Nunito Sans" panose="00000500000000000000"/>
+                <a:cs typeface="Nunito Sans" panose="00000500000000000000"/>
+                <a:sym typeface="Nunito Sans" panose="00000500000000000000"/>
+              </a:rPr>
+              <a:t> to a generic response for the Client.</a:t>
+            </a:r>
+            <a:endParaRPr dirty="0">
+              <a:solidFill>
+                <a:srgbClr val="FFFFFF"/>
+              </a:solidFill>
+              <a:latin typeface="Nunito Sans" panose="00000500000000000000"/>
+              <a:ea typeface="Nunito Sans" panose="00000500000000000000"/>
+              <a:cs typeface="Nunito Sans" panose="00000500000000000000"/>
+              <a:sym typeface="Nunito Sans" panose="00000500000000000000"/>
+            </a:endParaRPr>
+          </a:p>
+          <a:p>
+            <a:pPr marL="488950" indent="-342900" algn="just">
+              <a:buClr>
+                <a:srgbClr val="FFFFFF"/>
+              </a:buClr>
+              <a:buSzPts val="1300"/>
+              <a:buAutoNum type="arabicPeriod"/>
+            </a:pPr>
+            <a:r>
+              <a:rPr dirty="0">
+                <a:solidFill>
+                  <a:srgbClr val="FFFFFF"/>
+                </a:solidFill>
+                <a:latin typeface="Nunito Sans" panose="00000500000000000000"/>
+                <a:ea typeface="Nunito Sans" panose="00000500000000000000"/>
+                <a:cs typeface="Nunito Sans" panose="00000500000000000000"/>
+                <a:sym typeface="Nunito Sans" panose="00000500000000000000"/>
+              </a:rPr>
+              <a:t>The </a:t>
+            </a:r>
+            <a:r>
+              <a:rPr dirty="0">
+                <a:solidFill>
+                  <a:srgbClr val="FF0000"/>
+                </a:solidFill>
+                <a:latin typeface="Nunito Sans" panose="00000500000000000000"/>
+                <a:ea typeface="Nunito Sans" panose="00000500000000000000"/>
+                <a:cs typeface="Nunito Sans" panose="00000500000000000000"/>
+                <a:sym typeface="Nunito Sans" panose="00000500000000000000"/>
+              </a:rPr>
+              <a:t>Adapter</a:t>
+            </a:r>
+            <a:r>
+              <a:rPr dirty="0">
+                <a:solidFill>
+                  <a:srgbClr val="FFFFFF"/>
+                </a:solidFill>
+                <a:latin typeface="Nunito Sans" panose="00000500000000000000"/>
+                <a:ea typeface="Nunito Sans" panose="00000500000000000000"/>
+                <a:cs typeface="Nunito Sans" panose="00000500000000000000"/>
+                <a:sym typeface="Nunito Sans" panose="00000500000000000000"/>
+              </a:rPr>
+              <a:t> responds to the Client with a generic response.</a:t>
+            </a:r>
+            <a:endParaRPr dirty="0">
+              <a:solidFill>
+                <a:srgbClr val="FFFFFF"/>
+              </a:solidFill>
+              <a:latin typeface="Nunito Sans" panose="00000500000000000000"/>
+              <a:ea typeface="Nunito Sans" panose="00000500000000000000"/>
+              <a:cs typeface="Nunito Sans" panose="00000500000000000000"/>
+              <a:sym typeface="Nunito Sans" panose="00000500000000000000"/>
+            </a:endParaRPr>
+          </a:p>
+        </p:txBody>
+      </p:sp>
     </p:spTree>
   </p:cSld>
   <p:clrMapOvr>
@@ -21784,7 +23444,6 @@
               </a:spcAft>
               <a:buNone/>
             </a:pPr>
-            <a:endParaRPr/>
           </a:p>
         </p:txBody>
       </p:sp>
@@ -21949,7 +23608,7 @@
           <p:nvPr/>
         </p:nvPicPr>
         <p:blipFill rotWithShape="1">
-          <a:blip r:embed="rId3">
+          <a:blip r:embed="rId1">
             <a:extLst>
               <a:ext uri="{28A0092B-C50C-407E-A947-70E740481C1C}">
                 <a14:useLocalDpi xmlns:a14="http://schemas.microsoft.com/office/drawing/2010/main" val="0"/>
@@ -22020,7 +23679,7 @@
           <p:nvPr/>
         </p:nvPicPr>
         <p:blipFill>
-          <a:blip r:embed="rId3"/>
+          <a:blip r:embed="rId1"/>
           <a:stretch>
             <a:fillRect/>
           </a:stretch>
@@ -22222,6 +23881,15 @@
               </a:rPr>
               <a:t>An object called subject maintains a list of its dependents called observers</a:t>
             </a:r>
+            <a:endParaRPr lang="en-US" sz="1300" dirty="0">
+              <a:solidFill>
+                <a:srgbClr val="FFFFFF"/>
+              </a:solidFill>
+              <a:latin typeface="Nunito Sans" panose="00000500000000000000"/>
+              <a:ea typeface="Nunito Sans" panose="00000500000000000000"/>
+              <a:cs typeface="Nunito Sans" panose="00000500000000000000"/>
+              <a:sym typeface="Nunito Sans" panose="00000500000000000000"/>
+            </a:endParaRPr>
           </a:p>
           <a:p>
             <a:pPr marL="457200" lvl="0" indent="-311150" algn="just" rtl="0">
@@ -22400,7 +24068,6 @@
               </a:spcAft>
               <a:buNone/>
             </a:pPr>
-            <a:endParaRPr/>
           </a:p>
         </p:txBody>
       </p:sp>
@@ -22523,7 +24190,7 @@
           <p:nvPr/>
         </p:nvPicPr>
         <p:blipFill rotWithShape="1">
-          <a:blip r:embed="rId3">
+          <a:blip r:embed="rId1">
             <a:extLst>
               <a:ext uri="{28A0092B-C50C-407E-A947-70E740481C1C}">
                 <a14:useLocalDpi xmlns:a14="http://schemas.microsoft.com/office/drawing/2010/main" val="0"/>
@@ -22646,6 +24313,15 @@
               </a:rPr>
               <a:t>The subject (publisher) does not need to know anything about the Observers (suscribers)</a:t>
             </a:r>
+            <a:endParaRPr lang="en-GB" sz="1300" dirty="0" smtClean="0">
+              <a:solidFill>
+                <a:srgbClr val="FFFFFF"/>
+              </a:solidFill>
+              <a:latin typeface="Nunito Sans" panose="00000500000000000000"/>
+              <a:ea typeface="Nunito Sans" panose="00000500000000000000"/>
+              <a:cs typeface="Nunito Sans" panose="00000500000000000000"/>
+              <a:sym typeface="Nunito Sans" panose="00000500000000000000"/>
+            </a:endParaRPr>
           </a:p>
           <a:p>
             <a:pPr marL="457200" lvl="0" indent="-311150" algn="just" rtl="0">
@@ -22693,6 +24369,15 @@
               </a:rPr>
               <a:t>Loose coupling</a:t>
             </a:r>
+            <a:endParaRPr lang="en-GB" sz="1300" dirty="0">
+              <a:solidFill>
+                <a:srgbClr val="FFFFFF"/>
+              </a:solidFill>
+              <a:latin typeface="Nunito Sans" panose="00000500000000000000"/>
+              <a:ea typeface="Nunito Sans" panose="00000500000000000000"/>
+              <a:cs typeface="Nunito Sans" panose="00000500000000000000"/>
+              <a:sym typeface="Nunito Sans" panose="00000500000000000000"/>
+            </a:endParaRPr>
           </a:p>
           <a:p>
             <a:pPr marL="457200" lvl="5" indent="-311150" algn="just">
@@ -22727,6 +24412,15 @@
               </a:rPr>
               <a:t>interface</a:t>
             </a:r>
+            <a:endParaRPr lang="en-GB" sz="1300" dirty="0" smtClean="0">
+              <a:solidFill>
+                <a:srgbClr val="FFFFFF"/>
+              </a:solidFill>
+              <a:latin typeface="Nunito Sans" panose="00000500000000000000"/>
+              <a:ea typeface="Nunito Sans" panose="00000500000000000000"/>
+              <a:cs typeface="Nunito Sans" panose="00000500000000000000"/>
+              <a:sym typeface="Nunito Sans" panose="00000500000000000000"/>
+            </a:endParaRPr>
           </a:p>
           <a:p>
             <a:pPr marL="457200" lvl="5" indent="-311150" algn="just">
@@ -22811,6 +24505,15 @@
               </a:rPr>
               <a:t>The observer object does not need to be pending about any change, the subject is the responsible to notify that.</a:t>
             </a:r>
+            <a:endParaRPr lang="en-GB" sz="1300" dirty="0" smtClean="0">
+              <a:solidFill>
+                <a:srgbClr val="FFFFFF"/>
+              </a:solidFill>
+              <a:latin typeface="Nunito Sans" panose="00000500000000000000"/>
+              <a:ea typeface="Nunito Sans" panose="00000500000000000000"/>
+              <a:cs typeface="Nunito Sans" panose="00000500000000000000"/>
+              <a:sym typeface="Nunito Sans" panose="00000500000000000000"/>
+            </a:endParaRPr>
           </a:p>
           <a:p>
             <a:pPr marL="457200" lvl="0" indent="-311150" algn="just" rtl="0">
@@ -22864,6 +24567,15 @@
               </a:rPr>
               <a:t>The push (notify) strategy is more efficient than the pull (ask all the time) one.</a:t>
             </a:r>
+            <a:endParaRPr lang="en-GB" sz="1300" dirty="0" smtClean="0">
+              <a:solidFill>
+                <a:srgbClr val="FFFFFF"/>
+              </a:solidFill>
+              <a:latin typeface="Nunito Sans" panose="00000500000000000000"/>
+              <a:ea typeface="Nunito Sans" panose="00000500000000000000"/>
+              <a:cs typeface="Nunito Sans" panose="00000500000000000000"/>
+              <a:sym typeface="Nunito Sans" panose="00000500000000000000"/>
+            </a:endParaRPr>
           </a:p>
           <a:p>
             <a:pPr marL="457200" lvl="0" indent="-311150" algn="just" rtl="0">
@@ -22917,6 +24629,15 @@
               </a:rPr>
               <a:t>You have the posibility to add suscribers or remove suscribers whenever you want</a:t>
             </a:r>
+            <a:endParaRPr lang="en-GB" sz="1300" dirty="0" smtClean="0">
+              <a:solidFill>
+                <a:srgbClr val="FFFFFF"/>
+              </a:solidFill>
+              <a:latin typeface="Nunito Sans" panose="00000500000000000000"/>
+              <a:ea typeface="Nunito Sans" panose="00000500000000000000"/>
+              <a:cs typeface="Nunito Sans" panose="00000500000000000000"/>
+              <a:sym typeface="Nunito Sans" panose="00000500000000000000"/>
+            </a:endParaRPr>
           </a:p>
           <a:p>
             <a:pPr marL="457200" lvl="0" indent="-311150" algn="just" rtl="0">
@@ -23398,7 +25119,6 @@
               </a:spcAft>
               <a:buNone/>
             </a:pPr>
-            <a:endParaRPr/>
           </a:p>
         </p:txBody>
       </p:sp>
@@ -23626,7 +25346,6 @@
               </a:spcAft>
               <a:buNone/>
             </a:pPr>
-            <a:endParaRPr/>
           </a:p>
         </p:txBody>
       </p:sp>
@@ -23825,7 +25544,7 @@
           <p:nvPr/>
         </p:nvPicPr>
         <p:blipFill>
-          <a:blip r:embed="rId3"/>
+          <a:blip r:embed="rId1"/>
           <a:stretch>
             <a:fillRect/>
           </a:stretch>
@@ -23916,7 +25635,6 @@
               </a:spcAft>
               <a:buNone/>
             </a:pPr>
-            <a:endParaRPr/>
           </a:p>
         </p:txBody>
       </p:sp>
@@ -24115,7 +25833,7 @@
           <p:nvPr/>
         </p:nvPicPr>
         <p:blipFill>
-          <a:blip r:embed="rId3"/>
+          <a:blip r:embed="rId1"/>
           <a:stretch>
             <a:fillRect/>
           </a:stretch>
@@ -24206,7 +25924,6 @@
               </a:spcAft>
               <a:buNone/>
             </a:pPr>
-            <a:endParaRPr/>
           </a:p>
         </p:txBody>
       </p:sp>
@@ -24352,6 +26069,15 @@
               </a:rPr>
               <a:t>The façade pattern allows us to reduce the complexity of a system, by dividing it into subsystems, and additionally, it reduces the dependence of a client with respect to a certain component.</a:t>
             </a:r>
+            <a:endParaRPr lang="en-GB" sz="1300" dirty="0" smtClean="0">
+              <a:solidFill>
+                <a:srgbClr val="FFFFFF"/>
+              </a:solidFill>
+              <a:latin typeface="Nunito Sans" panose="00000500000000000000"/>
+              <a:ea typeface="Nunito Sans" panose="00000500000000000000"/>
+              <a:cs typeface="Nunito Sans" panose="00000500000000000000"/>
+              <a:sym typeface="Nunito Sans" panose="00000500000000000000"/>
+            </a:endParaRPr>
           </a:p>
           <a:p>
             <a:pPr marL="146050" lvl="0" indent="0" algn="just" rtl="0">
@@ -24464,7 +26190,7 @@
                 <a:ea typeface="Nunito Sans" panose="00000500000000000000"/>
                 <a:cs typeface="Nunito Sans" panose="00000500000000000000"/>
                 <a:sym typeface="Nunito Sans" panose="00000500000000000000"/>
-                <a:hlinkClick r:id="rId3" action="ppaction://hlinkfile"/>
+                <a:hlinkClick r:id="rId1" action="ppaction://hlinkfile"/>
               </a:rPr>
               <a:t>GOF Structural Patterns FACADE</a:t>
             </a:r>
@@ -24594,7 +26320,7 @@
           <p:nvPr/>
         </p:nvPicPr>
         <p:blipFill>
-          <a:blip r:embed="rId4"/>
+          <a:blip r:embed="rId2"/>
           <a:stretch>
             <a:fillRect/>
           </a:stretch>
@@ -24900,8 +26626,6 @@
       </a:bgFillStyleLst>
     </a:fmtScheme>
   </a:themeElements>
-  <a:objectDefaults/>
-  <a:extraClrSchemeLst/>
   <a:extLst>
     <a:ext uri="{05A4C25C-085E-4340-85A3-A5531E510DB2}">
       <thm15:themeFamily xmlns:thm15="http://schemas.microsoft.com/office/thememl/2012/main" name="Office Theme" id="{62F939B6-93AF-4DB8-9C6B-D6C7DFDC589F}" vid="{4A3C46E8-61CC-4603-A589-7422A47A8E4A}"/>
@@ -25186,8 +26910,6 @@
       </a:bgFillStyleLst>
     </a:fmtScheme>
   </a:themeElements>
-  <a:objectDefaults/>
-  <a:extraClrSchemeLst/>
   <a:extLst>
     <a:ext uri="{05A4C25C-085E-4340-85A3-A5531E510DB2}">
       <thm15:themeFamily xmlns:thm15="http://schemas.microsoft.com/office/thememl/2012/main" name="Office Theme" id="{62F939B6-93AF-4DB8-9C6B-D6C7DFDC589F}" vid="{4A3C46E8-61CC-4603-A589-7422A47A8E4A}"/>
@@ -25472,8 +27194,6 @@
       </a:bgFillStyleLst>
     </a:fmtScheme>
   </a:themeElements>
-  <a:objectDefaults/>
-  <a:extraClrSchemeLst/>
   <a:extLst>
     <a:ext uri="{05A4C25C-085E-4340-85A3-A5531E510DB2}">
       <thm15:themeFamily xmlns:thm15="http://schemas.microsoft.com/office/thememl/2012/main" name="Office Theme" id="{62F939B6-93AF-4DB8-9C6B-D6C7DFDC589F}" vid="{4A3C46E8-61CC-4603-A589-7422A47A8E4A}"/>

--- a/Design Patterns/Design Patterns.pptx
+++ b/Design Patterns/Design Patterns.pptx
@@ -30,31 +30,32 @@
     <p:sldId id="305" r:id="rId23"/>
     <p:sldId id="306" r:id="rId24"/>
     <p:sldId id="308" r:id="rId25"/>
+    <p:sldId id="309" r:id="rId26"/>
   </p:sldIdLst>
   <p:sldSz cx="9144000" cy="5143500" type="screen16x9"/>
   <p:notesSz cx="6858000" cy="9144000"/>
   <p:embeddedFontLst>
     <p:embeddedFont>
       <p:font typeface="Roboto Condensed" panose="02000000000000000000"/>
-      <p:regular r:id="rId29"/>
-      <p:bold r:id="rId30"/>
-      <p:italic r:id="rId31"/>
-      <p:boldItalic r:id="rId32"/>
+      <p:regular r:id="rId30"/>
+      <p:bold r:id="rId31"/>
+      <p:italic r:id="rId32"/>
+      <p:boldItalic r:id="rId33"/>
     </p:embeddedFont>
     <p:embeddedFont>
       <p:font typeface="Calibri" panose="020F0502020204030204"/>
-      <p:regular r:id="rId33"/>
+      <p:regular r:id="rId34"/>
     </p:embeddedFont>
     <p:embeddedFont>
       <p:font typeface="Montserrat" panose="00000500000000000000"/>
-      <p:regular r:id="rId34"/>
-      <p:bold r:id="rId35"/>
-      <p:italic r:id="rId36"/>
-      <p:boldItalic r:id="rId37"/>
+      <p:regular r:id="rId35"/>
+      <p:bold r:id="rId36"/>
+      <p:italic r:id="rId37"/>
+      <p:boldItalic r:id="rId38"/>
     </p:embeddedFont>
     <p:embeddedFont>
       <p:font typeface="Nunito Sans" panose="00000500000000000000"/>
-      <p:regular r:id="rId38"/>
+      <p:regular r:id="rId39"/>
     </p:embeddedFont>
   </p:embeddedFontLst>
   <p:defaultTextStyle>
@@ -2066,6 +2067,109 @@
 </file>
 
 <file path=ppt/notesSlides/notesSlide21.xml><?xml version="1.0" encoding="utf-8"?>
+<p:notes xmlns:a="http://schemas.openxmlformats.org/drawingml/2006/main" xmlns:r="http://schemas.openxmlformats.org/officeDocument/2006/relationships" xmlns:p="http://schemas.openxmlformats.org/presentationml/2006/main" showMasterPhAnim="0" showMasterSp="0">
+  <p:cSld>
+    <p:spTree>
+      <p:nvGrpSpPr>
+        <p:cNvPr id="1" name="Shape 114"/>
+        <p:cNvGrpSpPr/>
+        <p:nvPr/>
+      </p:nvGrpSpPr>
+      <p:grpSpPr>
+        <a:xfrm>
+          <a:off x="0" y="0"/>
+          <a:ext cx="0" cy="0"/>
+          <a:chOff x="0" y="0"/>
+          <a:chExt cx="0" cy="0"/>
+        </a:xfrm>
+      </p:grpSpPr>
+      <p:sp>
+        <p:nvSpPr>
+          <p:cNvPr id="115" name="Google Shape;115;g297a9bff03_0_0:notes"/>
+          <p:cNvSpPr>
+            <a:spLocks noGrp="1" noRot="1" noChangeAspect="1"/>
+          </p:cNvSpPr>
+          <p:nvPr>
+            <p:ph type="sldImg" idx="2"/>
+          </p:nvPr>
+        </p:nvSpPr>
+        <p:spPr>
+          <a:xfrm>
+            <a:off x="381000" y="685800"/>
+            <a:ext cx="6096000" cy="3429000"/>
+          </a:xfrm>
+          <a:custGeom>
+            <a:avLst/>
+            <a:gdLst/>
+            <a:ahLst/>
+            <a:cxnLst/>
+            <a:rect l="l" t="t" r="r" b="b"/>
+            <a:pathLst>
+              <a:path w="120000" h="120000" extrusionOk="0">
+                <a:moveTo>
+                  <a:pt x="0" y="0"/>
+                </a:moveTo>
+                <a:lnTo>
+                  <a:pt x="120000" y="0"/>
+                </a:lnTo>
+                <a:lnTo>
+                  <a:pt x="120000" y="120000"/>
+                </a:lnTo>
+                <a:lnTo>
+                  <a:pt x="0" y="120000"/>
+                </a:lnTo>
+                <a:close/>
+              </a:path>
+            </a:pathLst>
+          </a:custGeom>
+        </p:spPr>
+      </p:sp>
+      <p:sp>
+        <p:nvSpPr>
+          <p:cNvPr id="116" name="Google Shape;116;g297a9bff03_0_0:notes"/>
+          <p:cNvSpPr txBox="1">
+            <a:spLocks noGrp="1"/>
+          </p:cNvSpPr>
+          <p:nvPr>
+            <p:ph type="body" idx="1"/>
+          </p:nvPr>
+        </p:nvSpPr>
+        <p:spPr>
+          <a:xfrm>
+            <a:off x="685800" y="4343400"/>
+            <a:ext cx="5486400" cy="4114800"/>
+          </a:xfrm>
+          <a:prstGeom prst="rect">
+            <a:avLst/>
+          </a:prstGeom>
+        </p:spPr>
+        <p:txBody>
+          <a:bodyPr spcFirstLastPara="1" wrap="square" lIns="91425" tIns="91425" rIns="91425" bIns="91425" anchor="t" anchorCtr="0">
+            <a:noAutofit/>
+          </a:bodyPr>
+          <a:lstStyle/>
+          <a:p>
+            <a:pPr marL="0" lvl="0" indent="0" algn="l" rtl="0">
+              <a:spcBef>
+                <a:spcPts val="0"/>
+              </a:spcBef>
+              <a:spcAft>
+                <a:spcPts val="0"/>
+              </a:spcAft>
+              <a:buNone/>
+            </a:pPr>
+          </a:p>
+        </p:txBody>
+      </p:sp>
+    </p:spTree>
+  </p:cSld>
+  <p:clrMapOvr>
+    <a:masterClrMapping/>
+  </p:clrMapOvr>
+</p:notes>
+</file>
+
+<file path=ppt/notesSlides/notesSlide22.xml><?xml version="1.0" encoding="utf-8"?>
 <p:notes xmlns:a="http://schemas.openxmlformats.org/drawingml/2006/main" xmlns:r="http://schemas.openxmlformats.org/officeDocument/2006/relationships" xmlns:p="http://schemas.openxmlformats.org/presentationml/2006/main" showMasterPhAnim="0" showMasterSp="0">
   <p:cSld>
     <p:spTree>
@@ -23368,6 +23472,173 @@
           </a:p>
         </p:txBody>
       </p:sp>
+    </p:spTree>
+  </p:cSld>
+  <p:clrMapOvr>
+    <a:masterClrMapping/>
+  </p:clrMapOvr>
+  <p:timing>
+    <p:tnLst>
+      <p:par>
+        <p:cTn id="1" dur="indefinite" restart="never" nodeType="tmRoot"/>
+      </p:par>
+    </p:tnLst>
+  </p:timing>
+</p:sld>
+</file>
+
+<file path=ppt/slides/slide22.xml><?xml version="1.0" encoding="utf-8"?>
+<p:sld xmlns:a="http://schemas.openxmlformats.org/drawingml/2006/main" xmlns:r="http://schemas.openxmlformats.org/officeDocument/2006/relationships" xmlns:p="http://schemas.openxmlformats.org/presentationml/2006/main">
+  <p:cSld>
+    <p:bg>
+      <p:bgPr>
+        <a:solidFill>
+          <a:srgbClr val="000000"/>
+        </a:solidFill>
+        <a:effectLst/>
+      </p:bgPr>
+    </p:bg>
+    <p:spTree>
+      <p:nvGrpSpPr>
+        <p:cNvPr id="1" name="Shape 117"/>
+        <p:cNvGrpSpPr/>
+        <p:nvPr/>
+      </p:nvGrpSpPr>
+      <p:grpSpPr>
+        <a:xfrm>
+          <a:off x="0" y="0"/>
+          <a:ext cx="0" cy="0"/>
+          <a:chOff x="0" y="0"/>
+          <a:chExt cx="0" cy="0"/>
+        </a:xfrm>
+      </p:grpSpPr>
+      <p:sp>
+        <p:nvSpPr>
+          <p:cNvPr id="120" name="Google Shape;120;p28"/>
+          <p:cNvSpPr/>
+          <p:nvPr/>
+        </p:nvSpPr>
+        <p:spPr>
+          <a:xfrm>
+            <a:off x="-5" y="5118630"/>
+            <a:ext cx="9144000" cy="33600"/>
+          </a:xfrm>
+          <a:prstGeom prst="rect">
+            <a:avLst/>
+          </a:prstGeom>
+          <a:solidFill>
+            <a:srgbClr val="C1D82F"/>
+          </a:solidFill>
+          <a:ln>
+            <a:noFill/>
+          </a:ln>
+        </p:spPr>
+        <p:txBody>
+          <a:bodyPr spcFirstLastPara="1" wrap="square" lIns="91425" tIns="91425" rIns="91425" bIns="91425" anchor="ctr" anchorCtr="0">
+            <a:noAutofit/>
+          </a:bodyPr>
+          <a:lstStyle/>
+          <a:p>
+            <a:pPr marL="0" lvl="0" indent="0" algn="l" rtl="0">
+              <a:spcBef>
+                <a:spcPts val="0"/>
+              </a:spcBef>
+              <a:spcAft>
+                <a:spcPts val="0"/>
+              </a:spcAft>
+              <a:buNone/>
+            </a:pPr>
+          </a:p>
+        </p:txBody>
+      </p:sp>
+      <p:sp>
+        <p:nvSpPr>
+          <p:cNvPr id="8" name="Google Shape;139;p30"/>
+          <p:cNvSpPr txBox="1"/>
+          <p:nvPr/>
+        </p:nvSpPr>
+        <p:spPr>
+          <a:xfrm>
+            <a:off x="1" y="216450"/>
+            <a:ext cx="9143994" cy="552600"/>
+          </a:xfrm>
+          <a:prstGeom prst="rect">
+            <a:avLst/>
+          </a:prstGeom>
+          <a:noFill/>
+          <a:ln>
+            <a:noFill/>
+          </a:ln>
+        </p:spPr>
+        <p:txBody>
+          <a:bodyPr spcFirstLastPara="1" wrap="square" lIns="91425" tIns="91425" rIns="91425" bIns="91425" anchor="t" anchorCtr="0">
+            <a:noAutofit/>
+          </a:bodyPr>
+          <a:lstStyle/>
+          <a:p>
+            <a:pPr lvl="0" algn="ctr"/>
+            <a:r>
+              <a:rPr lang="es-CO" sz="3200" b="1" dirty="0" smtClean="0">
+                <a:solidFill>
+                  <a:schemeClr val="lt1"/>
+                </a:solidFill>
+                <a:effectLst>
+                  <a:outerShdw blurRad="38100" dist="38100" dir="2700000" algn="tl">
+                    <a:srgbClr val="000000">
+                      <a:alpha val="43137"/>
+                    </a:srgbClr>
+                  </a:outerShdw>
+                </a:effectLst>
+                <a:latin typeface="Montserrat" panose="00000500000000000000"/>
+                <a:ea typeface="Montserrat" panose="00000500000000000000"/>
+                <a:cs typeface="Montserrat" panose="00000500000000000000"/>
+                <a:sym typeface="Montserrat" panose="00000500000000000000"/>
+              </a:rPr>
+              <a:t>Adapter – Sample</a:t>
+            </a:r>
+            <a:endParaRPr lang="es-CO" sz="3200" b="1" dirty="0">
+              <a:solidFill>
+                <a:schemeClr val="lt1"/>
+              </a:solidFill>
+              <a:effectLst>
+                <a:outerShdw blurRad="38100" dist="38100" dir="2700000" algn="tl">
+                  <a:srgbClr val="000000">
+                    <a:alpha val="43137"/>
+                  </a:srgbClr>
+                </a:outerShdw>
+              </a:effectLst>
+              <a:latin typeface="Montserrat" panose="00000500000000000000"/>
+              <a:ea typeface="Montserrat" panose="00000500000000000000"/>
+              <a:cs typeface="Montserrat" panose="00000500000000000000"/>
+              <a:sym typeface="Montserrat" panose="00000500000000000000"/>
+            </a:endParaRPr>
+          </a:p>
+        </p:txBody>
+      </p:sp>
+      <p:pic>
+        <p:nvPicPr>
+          <p:cNvPr id="4" name="Picture 3"/>
+          <p:cNvPicPr>
+            <a:picLocks noChangeAspect="1"/>
+          </p:cNvPicPr>
+          <p:nvPr/>
+        </p:nvPicPr>
+        <p:blipFill>
+          <a:blip r:embed="rId1"/>
+          <a:stretch>
+            <a:fillRect/>
+          </a:stretch>
+        </p:blipFill>
+        <p:spPr>
+          <a:xfrm>
+            <a:off x="2322195" y="920115"/>
+            <a:ext cx="4533900" cy="4078605"/>
+          </a:xfrm>
+          <a:prstGeom prst="rect">
+            <a:avLst/>
+          </a:prstGeom>
+        </p:spPr>
+      </p:pic>
     </p:spTree>
   </p:cSld>
   <p:clrMapOvr>

--- a/Design Patterns/Design Patterns.pptx
+++ b/Design Patterns/Design Patterns.pptx
@@ -9,37 +9,21 @@
     <p:sldId id="256" r:id="rId3"/>
     <p:sldId id="257" r:id="rId4"/>
     <p:sldId id="258" r:id="rId5"/>
-    <p:sldId id="259" r:id="rId6"/>
-    <p:sldId id="260" r:id="rId7"/>
-    <p:sldId id="261" r:id="rId8"/>
-    <p:sldId id="262" r:id="rId9"/>
-    <p:sldId id="263" r:id="rId10"/>
-    <p:sldId id="264" r:id="rId11"/>
-    <p:sldId id="265" r:id="rId12"/>
-    <p:sldId id="266" r:id="rId13"/>
-    <p:sldId id="267" r:id="rId14"/>
-    <p:sldId id="268" r:id="rId15"/>
-    <p:sldId id="269" r:id="rId16"/>
-    <p:sldId id="270" r:id="rId17"/>
-    <p:sldId id="271" r:id="rId18"/>
-    <p:sldId id="272" r:id="rId19"/>
-    <p:sldId id="273" r:id="rId20"/>
-    <p:sldId id="274" r:id="rId21"/>
-    <p:sldId id="275" r:id="rId22"/>
-    <p:sldId id="276" r:id="rId23"/>
-    <p:sldId id="277" r:id="rId24"/>
-    <p:sldId id="278" r:id="rId25"/>
-    <p:sldId id="279" r:id="rId26"/>
-    <p:sldId id="280" r:id="rId27"/>
-    <p:sldId id="281" r:id="rId28"/>
-    <p:sldId id="282" r:id="rId29"/>
-    <p:sldId id="283" r:id="rId30"/>
-    <p:sldId id="285" r:id="rId31"/>
-    <p:sldId id="286" r:id="rId32"/>
-    <p:sldId id="292" r:id="rId33"/>
-    <p:sldId id="291" r:id="rId34"/>
-    <p:sldId id="288" r:id="rId35"/>
-    <p:sldId id="290" r:id="rId36"/>
+    <p:sldId id="293" r:id="rId6"/>
+    <p:sldId id="264" r:id="rId7"/>
+    <p:sldId id="265" r:id="rId8"/>
+    <p:sldId id="273" r:id="rId9"/>
+    <p:sldId id="274" r:id="rId10"/>
+    <p:sldId id="275" r:id="rId11"/>
+    <p:sldId id="276" r:id="rId12"/>
+    <p:sldId id="277" r:id="rId13"/>
+    <p:sldId id="283" r:id="rId14"/>
+    <p:sldId id="285" r:id="rId15"/>
+    <p:sldId id="286" r:id="rId16"/>
+    <p:sldId id="292" r:id="rId17"/>
+    <p:sldId id="291" r:id="rId18"/>
+    <p:sldId id="288" r:id="rId19"/>
+    <p:sldId id="290" r:id="rId20"/>
   </p:sldIdLst>
   <p:sldSz cx="9144000" cy="5143500" type="screen16x9"/>
   <p:notesSz cx="6858000" cy="9144000"/>
@@ -138,6 +122,11 @@
       </a:defRPr>
     </a:lvl9pPr>
   </p:defaultTextStyle>
+  <p:extLst>
+    <p:ext uri="{EFAFB233-063F-42B5-8137-9DF3F51BA10A}">
+      <p15:sldGuideLst xmlns:p15="http://schemas.microsoft.com/office/powerpoint/2012/main"/>
+    </p:ext>
+  </p:extLst>
 </p:presentation>
 </file>
 
@@ -4344,8 +4333,8 @@
         </p:nvSpPr>
         <p:spPr>
           <a:xfrm>
-            <a:off x="5622120" y="1213920"/>
-            <a:ext cx="3201480" cy="2639520"/>
+            <a:off x="4423144" y="1213920"/>
+            <a:ext cx="4400456" cy="2639520"/>
           </a:xfrm>
           <a:prstGeom prst="rect">
             <a:avLst/>
@@ -4378,7 +4367,7 @@
                 <a:spcPct val="100000"/>
               </a:lnSpc>
             </a:pPr>
-            <a:endParaRPr lang="en-US" sz="1800" b="0" strike="noStrike" spc="-1">
+            <a:endParaRPr lang="en-US" sz="1800" b="0" strike="noStrike" spc="-1" dirty="0">
               <a:latin typeface="Arial"/>
             </a:endParaRPr>
           </a:p>
@@ -4388,7 +4377,7 @@
                 <a:spcPct val="100000"/>
               </a:lnSpc>
             </a:pPr>
-            <a:endParaRPr lang="en-US" sz="1800" b="0" strike="noStrike" spc="-1">
+            <a:endParaRPr lang="en-US" sz="1800" b="0" strike="noStrike" spc="-1" dirty="0">
               <a:latin typeface="Arial"/>
             </a:endParaRPr>
           </a:p>
@@ -4399,18 +4388,15 @@
               </a:lnSpc>
             </a:pPr>
             <a:r>
-              <a:rPr lang="en-US" sz="3400" b="0" strike="noStrike" spc="-1">
+              <a:rPr lang="en-US" sz="3400" b="0" strike="noStrike" spc="-1" dirty="0">
                 <a:solidFill>
                   <a:srgbClr val="96B51A"/>
                 </a:solidFill>
-                <a:latin typeface="Droid Sans"/>
                 <a:ea typeface="Droid Sans"/>
               </a:rPr>
               <a:t>Design Patterns</a:t>
             </a:r>
-            <a:endParaRPr lang="en-US" sz="3400" b="0" strike="noStrike" spc="-1">
-              <a:latin typeface="Arial"/>
-            </a:endParaRPr>
+            <a:endParaRPr lang="en-US" sz="3400" b="0" strike="noStrike" spc="-1" dirty="0"/>
           </a:p>
           <a:p>
             <a:pPr algn="r">
@@ -4419,18 +4405,15 @@
               </a:lnSpc>
             </a:pPr>
             <a:r>
-              <a:rPr lang="en-US" sz="1400" b="0" i="1" strike="noStrike" spc="-1">
+              <a:rPr lang="en-US" sz="1400" b="0" i="1" strike="noStrike" spc="-1" dirty="0">
                 <a:solidFill>
                   <a:srgbClr val="FFFFFF"/>
                 </a:solidFill>
-                <a:latin typeface="Montserrat"/>
                 <a:ea typeface="Montserrat"/>
               </a:rPr>
               <a:t>Solutions to common problems in Software Design</a:t>
             </a:r>
-            <a:endParaRPr lang="en-US" sz="1400" b="0" strike="noStrike" spc="-1">
-              <a:latin typeface="Arial"/>
-            </a:endParaRPr>
+            <a:endParaRPr lang="en-US" sz="1400" b="0" strike="noStrike" spc="-1" dirty="0"/>
           </a:p>
         </p:txBody>
       </p:sp>
@@ -4469,7 +4452,7 @@
       </p:grpSpPr>
       <p:sp>
         <p:nvSpPr>
-          <p:cNvPr id="104" name="CustomShape 1"/>
+          <p:cNvPr id="140" name="CustomShape 1"/>
           <p:cNvSpPr/>
           <p:nvPr/>
         </p:nvSpPr>
@@ -4503,7 +4486,7 @@
       </p:sp>
       <p:sp>
         <p:nvSpPr>
-          <p:cNvPr id="105" name="CustomShape 2"/>
+          <p:cNvPr id="141" name="CustomShape 2"/>
           <p:cNvSpPr/>
           <p:nvPr/>
         </p:nvSpPr>
@@ -4544,82 +4527,20 @@
               </a:lnSpc>
             </a:pPr>
             <a:r>
-              <a:rPr lang="en-US" sz="3200" b="1" strike="noStrike" spc="-1">
-                <a:solidFill>
-                  <a:srgbClr val="FFFFFF"/>
-                </a:solidFill>
-                <a:latin typeface="Montserrat"/>
-                <a:ea typeface="Montserrat"/>
+              <a:rPr lang="en-US" sz="2400" dirty="0">
+                <a:solidFill>
+                  <a:srgbClr val="96B51A"/>
+                </a:solidFill>
+                <a:cs typeface="Arial" panose="020B0604020202020204"/>
               </a:rPr>
-              <a:t>FACADE  example</a:t>
+              <a:t>Adapter – Diagram of Sequence</a:t>
             </a:r>
-            <a:endParaRPr lang="en-US" sz="3200" b="0" strike="noStrike" spc="-1">
-              <a:latin typeface="Arial"/>
-            </a:endParaRPr>
-          </a:p>
-        </p:txBody>
-      </p:sp>
-      <p:sp>
-        <p:nvSpPr>
-          <p:cNvPr id="106" name="CustomShape 3"/>
-          <p:cNvSpPr/>
-          <p:nvPr/>
-        </p:nvSpPr>
-        <p:spPr>
-          <a:xfrm rot="16200000">
-            <a:off x="-596520" y="2538720"/>
-            <a:ext cx="2052000" cy="364680"/>
-          </a:xfrm>
-          <a:prstGeom prst="rect">
-            <a:avLst/>
-          </a:prstGeom>
-          <a:noFill/>
-          <a:ln>
-            <a:noFill/>
-          </a:ln>
-        </p:spPr>
-        <p:style>
-          <a:lnRef idx="0">
-            <a:scrgbClr r="0" g="0" b="0"/>
-          </a:lnRef>
-          <a:fillRef idx="0">
-            <a:scrgbClr r="0" g="0" b="0"/>
-          </a:fillRef>
-          <a:effectRef idx="0">
-            <a:scrgbClr r="0" g="0" b="0"/>
-          </a:effectRef>
-          <a:fontRef idx="minor"/>
-        </p:style>
-        <p:txBody>
-          <a:bodyPr lIns="90000" tIns="45000" rIns="90000" bIns="45000">
-            <a:spAutoFit/>
-          </a:bodyPr>
-          <a:lstStyle/>
-          <a:p>
-            <a:pPr>
-              <a:lnSpc>
-                <a:spcPct val="100000"/>
-              </a:lnSpc>
-            </a:pPr>
-            <a:r>
-              <a:rPr lang="en-US" sz="1800" b="1" strike="noStrike" spc="-1">
-                <a:solidFill>
-                  <a:srgbClr val="FFFFFF"/>
-                </a:solidFill>
-                <a:latin typeface="Arial"/>
-                <a:ea typeface="Arial"/>
-              </a:rPr>
-              <a:t>With facade</a:t>
-            </a:r>
-            <a:endParaRPr lang="en-US" sz="1800" b="0" strike="noStrike" spc="-1">
-              <a:latin typeface="Arial"/>
-            </a:endParaRPr>
           </a:p>
         </p:txBody>
       </p:sp>
       <p:pic>
         <p:nvPicPr>
-          <p:cNvPr id="107" name="Picture 2"/>
+          <p:cNvPr id="142" name="Picture 2"/>
           <p:cNvPicPr/>
           <p:nvPr/>
         </p:nvPicPr>
@@ -4629,17 +4550,370 @@
         </p:blipFill>
         <p:spPr>
           <a:xfrm>
-            <a:off x="975960" y="768960"/>
-            <a:ext cx="7734600" cy="4250880"/>
-          </a:xfrm>
-          <a:prstGeom prst="rect">
-            <a:avLst/>
-          </a:prstGeom>
+            <a:off x="393405" y="1252800"/>
+            <a:ext cx="4784524" cy="3080160"/>
+          </a:xfrm>
+          <a:prstGeom prst="rect">
+            <a:avLst/>
+          </a:prstGeom>
+          <a:ln/>
+        </p:spPr>
+        <p:style>
+          <a:lnRef idx="2">
+            <a:schemeClr val="accent3"/>
+          </a:lnRef>
+          <a:fillRef idx="1">
+            <a:schemeClr val="lt1"/>
+          </a:fillRef>
+          <a:effectRef idx="0">
+            <a:schemeClr val="accent3"/>
+          </a:effectRef>
+          <a:fontRef idx="minor">
+            <a:schemeClr val="dk1"/>
+          </a:fontRef>
+        </p:style>
+      </p:pic>
+      <p:sp>
+        <p:nvSpPr>
+          <p:cNvPr id="143" name="CustomShape 3"/>
+          <p:cNvSpPr/>
+          <p:nvPr/>
+        </p:nvSpPr>
+        <p:spPr>
+          <a:xfrm>
+            <a:off x="5568840" y="1186920"/>
+            <a:ext cx="3475800" cy="3146040"/>
+          </a:xfrm>
+          <a:prstGeom prst="rect">
+            <a:avLst/>
+          </a:prstGeom>
+          <a:noFill/>
           <a:ln>
             <a:noFill/>
           </a:ln>
         </p:spPr>
-      </p:pic>
+        <p:style>
+          <a:lnRef idx="0">
+            <a:scrgbClr r="0" g="0" b="0"/>
+          </a:lnRef>
+          <a:fillRef idx="0">
+            <a:scrgbClr r="0" g="0" b="0"/>
+          </a:fillRef>
+          <a:effectRef idx="0">
+            <a:scrgbClr r="0" g="0" b="0"/>
+          </a:effectRef>
+          <a:fontRef idx="minor"/>
+        </p:style>
+        <p:txBody>
+          <a:bodyPr tIns="91440" bIns="91440">
+            <a:noAutofit/>
+          </a:bodyPr>
+          <a:lstStyle/>
+          <a:p>
+            <a:pPr marL="488880" indent="-342720" algn="just">
+              <a:lnSpc>
+                <a:spcPct val="100000"/>
+              </a:lnSpc>
+              <a:buClr>
+                <a:srgbClr val="FFFFFF"/>
+              </a:buClr>
+              <a:buFont typeface="Arial"/>
+              <a:buAutoNum type="arabicPeriod"/>
+            </a:pPr>
+            <a:r>
+              <a:rPr lang="en-US" sz="1400" b="0" strike="noStrike" spc="-1" dirty="0">
+                <a:solidFill>
+                  <a:srgbClr val="FFFFFF"/>
+                </a:solidFill>
+                <a:ea typeface="Nunito Sans"/>
+              </a:rPr>
+              <a:t>The </a:t>
+            </a:r>
+            <a:r>
+              <a:rPr lang="en-US" sz="1400" b="0" strike="noStrike" spc="-1" dirty="0">
+                <a:solidFill>
+                  <a:srgbClr val="FF0000"/>
+                </a:solidFill>
+                <a:ea typeface="Nunito Sans"/>
+              </a:rPr>
+              <a:t>Client</a:t>
+            </a:r>
+            <a:r>
+              <a:rPr lang="en-US" sz="1400" b="0" strike="noStrike" spc="-1" dirty="0">
+                <a:solidFill>
+                  <a:srgbClr val="FFFFFF"/>
+                </a:solidFill>
+                <a:ea typeface="Nunito Sans"/>
+              </a:rPr>
+              <a:t> invokes the Adapter with generic parameters.</a:t>
+            </a:r>
+            <a:endParaRPr lang="en-US" sz="1400" b="0" strike="noStrike" spc="-1" dirty="0"/>
+          </a:p>
+          <a:p>
+            <a:pPr marL="488880" indent="-342720" algn="just">
+              <a:lnSpc>
+                <a:spcPct val="100000"/>
+              </a:lnSpc>
+              <a:buClr>
+                <a:srgbClr val="FFFFFF"/>
+              </a:buClr>
+              <a:buFont typeface="Arial"/>
+              <a:buAutoNum type="arabicPeriod"/>
+            </a:pPr>
+            <a:r>
+              <a:rPr lang="en-US" sz="1400" b="0" strike="noStrike" spc="-1" dirty="0">
+                <a:solidFill>
+                  <a:srgbClr val="FFFFFF"/>
+                </a:solidFill>
+                <a:ea typeface="Nunito Sans"/>
+              </a:rPr>
+              <a:t>The </a:t>
+            </a:r>
+            <a:r>
+              <a:rPr lang="en-US" sz="1400" b="0" strike="noStrike" spc="-1" dirty="0">
+                <a:solidFill>
+                  <a:srgbClr val="FF0000"/>
+                </a:solidFill>
+                <a:ea typeface="Nunito Sans"/>
+              </a:rPr>
+              <a:t>Adapter</a:t>
+            </a:r>
+            <a:r>
+              <a:rPr lang="en-US" sz="1400" b="0" strike="noStrike" spc="-1" dirty="0">
+                <a:solidFill>
+                  <a:srgbClr val="FFFFFF"/>
+                </a:solidFill>
+                <a:ea typeface="Nunito Sans"/>
+              </a:rPr>
+              <a:t> converts the generic parameters into specific </a:t>
+            </a:r>
+            <a:r>
+              <a:rPr lang="en-US" sz="1400" b="0" strike="noStrike" spc="-1" dirty="0" err="1">
+                <a:solidFill>
+                  <a:srgbClr val="FFFFFF"/>
+                </a:solidFill>
+                <a:ea typeface="Nunito Sans"/>
+              </a:rPr>
+              <a:t>Adaptee</a:t>
+            </a:r>
+            <a:r>
+              <a:rPr lang="en-US" sz="1400" b="0" strike="noStrike" spc="-1" dirty="0">
+                <a:solidFill>
+                  <a:srgbClr val="FFFFFF"/>
+                </a:solidFill>
+                <a:ea typeface="Nunito Sans"/>
+              </a:rPr>
+              <a:t> parameters.</a:t>
+            </a:r>
+            <a:endParaRPr lang="en-US" sz="1400" b="0" strike="noStrike" spc="-1" dirty="0"/>
+          </a:p>
+          <a:p>
+            <a:pPr marL="488880" indent="-342720" algn="just">
+              <a:lnSpc>
+                <a:spcPct val="100000"/>
+              </a:lnSpc>
+              <a:buClr>
+                <a:srgbClr val="FFFFFF"/>
+              </a:buClr>
+              <a:buFont typeface="Arial"/>
+              <a:buAutoNum type="arabicPeriod"/>
+            </a:pPr>
+            <a:r>
+              <a:rPr lang="en-US" sz="1400" b="0" strike="noStrike" spc="-1" dirty="0">
+                <a:solidFill>
+                  <a:srgbClr val="FFFFFF"/>
+                </a:solidFill>
+                <a:ea typeface="Nunito Sans"/>
+              </a:rPr>
+              <a:t>The </a:t>
+            </a:r>
+            <a:r>
+              <a:rPr lang="en-US" sz="1400" b="0" strike="noStrike" spc="-1" dirty="0">
+                <a:solidFill>
+                  <a:srgbClr val="FF0000"/>
+                </a:solidFill>
+                <a:ea typeface="Nunito Sans"/>
+              </a:rPr>
+              <a:t>Adapter</a:t>
+            </a:r>
+            <a:r>
+              <a:rPr lang="en-US" sz="1400" b="0" strike="noStrike" spc="-1" dirty="0">
+                <a:solidFill>
+                  <a:srgbClr val="FFFFFF"/>
+                </a:solidFill>
+                <a:ea typeface="Nunito Sans"/>
+              </a:rPr>
+              <a:t> invokes the </a:t>
+            </a:r>
+            <a:r>
+              <a:rPr lang="en-US" sz="1400" b="0" strike="noStrike" spc="-1" dirty="0" err="1">
+                <a:solidFill>
+                  <a:srgbClr val="FF0000"/>
+                </a:solidFill>
+                <a:ea typeface="Nunito Sans"/>
+              </a:rPr>
+              <a:t>Adaptee</a:t>
+            </a:r>
+            <a:r>
+              <a:rPr lang="en-US" sz="1400" b="0" strike="noStrike" spc="-1" dirty="0">
+                <a:solidFill>
+                  <a:srgbClr val="FFFFFF"/>
+                </a:solidFill>
+                <a:ea typeface="Nunito Sans"/>
+              </a:rPr>
+              <a:t>.</a:t>
+            </a:r>
+            <a:endParaRPr lang="en-US" sz="1400" b="0" strike="noStrike" spc="-1" dirty="0"/>
+          </a:p>
+          <a:p>
+            <a:pPr marL="488880" indent="-342720" algn="just">
+              <a:lnSpc>
+                <a:spcPct val="100000"/>
+              </a:lnSpc>
+              <a:buClr>
+                <a:srgbClr val="FFFFFF"/>
+              </a:buClr>
+              <a:buFont typeface="Arial"/>
+              <a:buAutoNum type="arabicPeriod"/>
+            </a:pPr>
+            <a:r>
+              <a:rPr lang="en-US" sz="1400" b="0" strike="noStrike" spc="-1" dirty="0">
+                <a:solidFill>
+                  <a:srgbClr val="FFFFFF"/>
+                </a:solidFill>
+                <a:ea typeface="Nunito Sans"/>
+              </a:rPr>
+              <a:t>The </a:t>
+            </a:r>
+            <a:r>
+              <a:rPr lang="en-US" sz="1400" b="0" strike="noStrike" spc="-1" dirty="0" err="1">
+                <a:solidFill>
+                  <a:srgbClr val="FF0000"/>
+                </a:solidFill>
+                <a:ea typeface="Nunito Sans"/>
+              </a:rPr>
+              <a:t>Adaptee</a:t>
+            </a:r>
+            <a:r>
+              <a:rPr lang="en-US" sz="1400" b="0" strike="noStrike" spc="-1" dirty="0">
+                <a:solidFill>
+                  <a:srgbClr val="FF0000"/>
+                </a:solidFill>
+                <a:ea typeface="Nunito Sans"/>
+              </a:rPr>
+              <a:t> </a:t>
+            </a:r>
+            <a:r>
+              <a:rPr lang="en-US" sz="1400" b="0" strike="noStrike" spc="-1" dirty="0">
+                <a:solidFill>
+                  <a:srgbClr val="FFFFFF"/>
+                </a:solidFill>
+                <a:ea typeface="Nunito Sans"/>
+              </a:rPr>
+              <a:t>responds.</a:t>
+            </a:r>
+            <a:endParaRPr lang="en-US" sz="1400" b="0" strike="noStrike" spc="-1" dirty="0"/>
+          </a:p>
+          <a:p>
+            <a:pPr marL="488880" indent="-342720" algn="just">
+              <a:lnSpc>
+                <a:spcPct val="100000"/>
+              </a:lnSpc>
+              <a:buClr>
+                <a:srgbClr val="FFFFFF"/>
+              </a:buClr>
+              <a:buFont typeface="Arial"/>
+              <a:buAutoNum type="arabicPeriod"/>
+            </a:pPr>
+            <a:r>
+              <a:rPr lang="en-US" sz="1400" b="0" strike="noStrike" spc="-1" dirty="0">
+                <a:solidFill>
+                  <a:srgbClr val="FFFFFF"/>
+                </a:solidFill>
+                <a:ea typeface="Nunito Sans"/>
+              </a:rPr>
+              <a:t>The </a:t>
+            </a:r>
+            <a:r>
+              <a:rPr lang="en-US" sz="1400" b="0" strike="noStrike" spc="-1" dirty="0">
+                <a:solidFill>
+                  <a:srgbClr val="FF0000"/>
+                </a:solidFill>
+                <a:ea typeface="Nunito Sans"/>
+              </a:rPr>
+              <a:t>Adapter</a:t>
+            </a:r>
+            <a:r>
+              <a:rPr lang="en-US" sz="1400" b="0" strike="noStrike" spc="-1" dirty="0">
+                <a:solidFill>
+                  <a:srgbClr val="FFFFFF"/>
+                </a:solidFill>
+                <a:ea typeface="Nunito Sans"/>
+              </a:rPr>
+              <a:t> converts the response of the </a:t>
+            </a:r>
+            <a:r>
+              <a:rPr lang="en-US" sz="1400" b="0" strike="noStrike" spc="-1" dirty="0" err="1">
+                <a:solidFill>
+                  <a:srgbClr val="FF0000"/>
+                </a:solidFill>
+                <a:ea typeface="Nunito Sans"/>
+              </a:rPr>
+              <a:t>Adaptee</a:t>
+            </a:r>
+            <a:r>
+              <a:rPr lang="en-US" sz="1400" b="0" strike="noStrike" spc="-1" dirty="0">
+                <a:solidFill>
+                  <a:srgbClr val="FFFFFF"/>
+                </a:solidFill>
+                <a:ea typeface="Nunito Sans"/>
+              </a:rPr>
+              <a:t> to a generic response for the Client.</a:t>
+            </a:r>
+            <a:endParaRPr lang="en-US" sz="1400" b="0" strike="noStrike" spc="-1" dirty="0"/>
+          </a:p>
+          <a:p>
+            <a:pPr marL="488880" indent="-342720" algn="just">
+              <a:lnSpc>
+                <a:spcPct val="100000"/>
+              </a:lnSpc>
+              <a:buClr>
+                <a:srgbClr val="FFFFFF"/>
+              </a:buClr>
+              <a:buFont typeface="Arial"/>
+              <a:buAutoNum type="arabicPeriod"/>
+            </a:pPr>
+            <a:r>
+              <a:rPr lang="en-US" sz="1400" b="0" strike="noStrike" spc="-1" dirty="0">
+                <a:solidFill>
+                  <a:srgbClr val="FFFFFF"/>
+                </a:solidFill>
+                <a:ea typeface="Nunito Sans"/>
+              </a:rPr>
+              <a:t>The </a:t>
+            </a:r>
+            <a:r>
+              <a:rPr lang="en-US" sz="1400" b="0" strike="noStrike" spc="-1" dirty="0">
+                <a:solidFill>
+                  <a:srgbClr val="FF0000"/>
+                </a:solidFill>
+                <a:ea typeface="Nunito Sans"/>
+              </a:rPr>
+              <a:t>Adapter</a:t>
+            </a:r>
+            <a:r>
+              <a:rPr lang="en-US" sz="1400" b="0" strike="noStrike" spc="-1" dirty="0">
+                <a:solidFill>
+                  <a:srgbClr val="FFFFFF"/>
+                </a:solidFill>
+                <a:ea typeface="Nunito Sans"/>
+              </a:rPr>
+              <a:t> responds to the Client with a generic response.</a:t>
+            </a:r>
+            <a:endParaRPr lang="en-US" sz="1400" b="0" strike="noStrike" spc="-1" dirty="0"/>
+          </a:p>
+        </p:txBody>
+      </p:sp>
     </p:spTree>
   </p:cSld>
   <p:clrMapOvr>
@@ -4675,7 +4949,7 @@
       </p:grpSpPr>
       <p:sp>
         <p:nvSpPr>
-          <p:cNvPr id="108" name="CustomShape 1"/>
+          <p:cNvPr id="144" name="CustomShape 1"/>
           <p:cNvSpPr/>
           <p:nvPr/>
         </p:nvSpPr>
@@ -4709,14 +4983,14 @@
       </p:sp>
       <p:sp>
         <p:nvSpPr>
-          <p:cNvPr id="109" name="CustomShape 2"/>
+          <p:cNvPr id="145" name="CustomShape 2"/>
           <p:cNvSpPr/>
           <p:nvPr/>
         </p:nvSpPr>
         <p:spPr>
           <a:xfrm>
-            <a:off x="0" y="216360"/>
-            <a:ext cx="9143640" cy="552240"/>
+            <a:off x="506776" y="216360"/>
+            <a:ext cx="7293166" cy="552240"/>
           </a:xfrm>
           <a:prstGeom prst="rect">
             <a:avLst/>
@@ -4750,82 +5024,20 @@
               </a:lnSpc>
             </a:pPr>
             <a:r>
-              <a:rPr lang="en-US" sz="3200" b="1" strike="noStrike" spc="-1">
-                <a:solidFill>
-                  <a:srgbClr val="FFFFFF"/>
-                </a:solidFill>
-                <a:latin typeface="Montserrat"/>
-                <a:ea typeface="Montserrat"/>
+              <a:rPr lang="en-US" sz="2400" dirty="0">
+                <a:solidFill>
+                  <a:srgbClr val="96B51A"/>
+                </a:solidFill>
+                <a:cs typeface="Arial" panose="020B0604020202020204"/>
               </a:rPr>
-              <a:t>FACADE  another example</a:t>
+              <a:t>Adapter – Sample</a:t>
             </a:r>
-            <a:endParaRPr lang="en-US" sz="3200" b="0" strike="noStrike" spc="-1">
-              <a:latin typeface="Arial"/>
-            </a:endParaRPr>
-          </a:p>
-        </p:txBody>
-      </p:sp>
-      <p:sp>
-        <p:nvSpPr>
-          <p:cNvPr id="110" name="CustomShape 3"/>
-          <p:cNvSpPr/>
-          <p:nvPr/>
-        </p:nvSpPr>
-        <p:spPr>
-          <a:xfrm rot="16200000">
-            <a:off x="-298080" y="2512080"/>
-            <a:ext cx="2052000" cy="364680"/>
-          </a:xfrm>
-          <a:prstGeom prst="rect">
-            <a:avLst/>
-          </a:prstGeom>
-          <a:noFill/>
-          <a:ln>
-            <a:noFill/>
-          </a:ln>
-        </p:spPr>
-        <p:style>
-          <a:lnRef idx="0">
-            <a:scrgbClr r="0" g="0" b="0"/>
-          </a:lnRef>
-          <a:fillRef idx="0">
-            <a:scrgbClr r="0" g="0" b="0"/>
-          </a:fillRef>
-          <a:effectRef idx="0">
-            <a:scrgbClr r="0" g="0" b="0"/>
-          </a:effectRef>
-          <a:fontRef idx="minor"/>
-        </p:style>
-        <p:txBody>
-          <a:bodyPr lIns="90000" tIns="45000" rIns="90000" bIns="45000">
-            <a:spAutoFit/>
-          </a:bodyPr>
-          <a:lstStyle/>
-          <a:p>
-            <a:pPr>
-              <a:lnSpc>
-                <a:spcPct val="100000"/>
-              </a:lnSpc>
-            </a:pPr>
-            <a:r>
-              <a:rPr lang="en-US" sz="1800" b="1" strike="noStrike" spc="-1">
-                <a:solidFill>
-                  <a:srgbClr val="FFFFFF"/>
-                </a:solidFill>
-                <a:latin typeface="Arial"/>
-                <a:ea typeface="Arial"/>
-              </a:rPr>
-              <a:t>Without facade</a:t>
-            </a:r>
-            <a:endParaRPr lang="en-US" sz="1800" b="0" strike="noStrike" spc="-1">
-              <a:latin typeface="Arial"/>
-            </a:endParaRPr>
           </a:p>
         </p:txBody>
       </p:sp>
       <p:pic>
         <p:nvPicPr>
-          <p:cNvPr id="111" name="Picture 10"/>
+          <p:cNvPr id="146" name="Picture 3"/>
           <p:cNvPicPr/>
           <p:nvPr/>
         </p:nvPicPr>
@@ -4835,8 +5047,8 @@
         </p:blipFill>
         <p:spPr>
           <a:xfrm>
-            <a:off x="1085760" y="768960"/>
-            <a:ext cx="7656480" cy="4037760"/>
+            <a:off x="2024927" y="768600"/>
+            <a:ext cx="4880472" cy="3910850"/>
           </a:xfrm>
           <a:prstGeom prst="rect">
             <a:avLst/>
@@ -4855,6 +5067,148 @@
 </file>
 
 <file path=ppt/slides/slide12.xml><?xml version="1.0" encoding="utf-8"?>
+<p:sld xmlns:a="http://schemas.openxmlformats.org/drawingml/2006/main" xmlns:r="http://schemas.openxmlformats.org/officeDocument/2006/relationships" xmlns:p="http://schemas.openxmlformats.org/presentationml/2006/main">
+  <p:cSld>
+    <p:spTree>
+      <p:nvGrpSpPr>
+        <p:cNvPr id="1" name=""/>
+        <p:cNvGrpSpPr/>
+        <p:nvPr/>
+      </p:nvGrpSpPr>
+      <p:grpSpPr>
+        <a:xfrm>
+          <a:off x="0" y="0"/>
+          <a:ext cx="0" cy="0"/>
+          <a:chOff x="0" y="0"/>
+          <a:chExt cx="0" cy="0"/>
+        </a:xfrm>
+      </p:grpSpPr>
+      <p:pic>
+        <p:nvPicPr>
+          <p:cNvPr id="147" name="Google Shape;111;p27"/>
+          <p:cNvPicPr/>
+          <p:nvPr/>
+        </p:nvPicPr>
+        <p:blipFill>
+          <a:blip r:embed="rId2"/>
+          <a:stretch/>
+        </p:blipFill>
+        <p:spPr>
+          <a:xfrm>
+            <a:off x="0" y="0"/>
+            <a:ext cx="9143640" cy="5143320"/>
+          </a:xfrm>
+          <a:prstGeom prst="rect">
+            <a:avLst/>
+          </a:prstGeom>
+          <a:ln>
+            <a:noFill/>
+          </a:ln>
+        </p:spPr>
+      </p:pic>
+      <p:sp>
+        <p:nvSpPr>
+          <p:cNvPr id="148" name="CustomShape 1"/>
+          <p:cNvSpPr/>
+          <p:nvPr/>
+        </p:nvSpPr>
+        <p:spPr>
+          <a:xfrm>
+            <a:off x="3593804" y="1252080"/>
+            <a:ext cx="5268315" cy="2639520"/>
+          </a:xfrm>
+          <a:prstGeom prst="rect">
+            <a:avLst/>
+          </a:prstGeom>
+          <a:noFill/>
+          <a:ln>
+            <a:noFill/>
+          </a:ln>
+        </p:spPr>
+        <p:style>
+          <a:lnRef idx="0">
+            <a:scrgbClr r="0" g="0" b="0"/>
+          </a:lnRef>
+          <a:fillRef idx="0">
+            <a:scrgbClr r="0" g="0" b="0"/>
+          </a:fillRef>
+          <a:effectRef idx="0">
+            <a:scrgbClr r="0" g="0" b="0"/>
+          </a:effectRef>
+          <a:fontRef idx="minor"/>
+        </p:style>
+        <p:txBody>
+          <a:bodyPr tIns="91440" bIns="91440">
+            <a:noAutofit/>
+          </a:bodyPr>
+          <a:lstStyle/>
+          <a:p>
+            <a:pPr algn="r">
+              <a:lnSpc>
+                <a:spcPct val="100000"/>
+              </a:lnSpc>
+            </a:pPr>
+            <a:endParaRPr lang="en-US" sz="1400" b="0" strike="noStrike" spc="-1" dirty="0">
+              <a:latin typeface="Arial"/>
+            </a:endParaRPr>
+          </a:p>
+          <a:p>
+            <a:pPr algn="r">
+              <a:lnSpc>
+                <a:spcPct val="100000"/>
+              </a:lnSpc>
+            </a:pPr>
+            <a:endParaRPr lang="en-US" sz="1400" b="0" strike="noStrike" spc="-1" dirty="0">
+              <a:latin typeface="Arial"/>
+            </a:endParaRPr>
+          </a:p>
+          <a:p>
+            <a:pPr algn="r">
+              <a:lnSpc>
+                <a:spcPct val="100000"/>
+              </a:lnSpc>
+            </a:pPr>
+            <a:r>
+              <a:rPr lang="en-US" sz="3400" spc="-1" dirty="0">
+                <a:solidFill>
+                  <a:srgbClr val="96B51A"/>
+                </a:solidFill>
+              </a:rPr>
+              <a:t>Chain of </a:t>
+            </a:r>
+            <a:r>
+              <a:rPr lang="en-US" sz="3400" spc="-1" dirty="0" err="1">
+                <a:solidFill>
+                  <a:srgbClr val="96B51A"/>
+                </a:solidFill>
+              </a:rPr>
+              <a:t>Responsability</a:t>
+            </a:r>
+            <a:r>
+              <a:rPr lang="en-US" sz="3400" spc="-1" dirty="0">
+                <a:solidFill>
+                  <a:srgbClr val="96B51A"/>
+                </a:solidFill>
+              </a:rPr>
+              <a:t> Pattern</a:t>
+            </a:r>
+          </a:p>
+        </p:txBody>
+      </p:sp>
+    </p:spTree>
+    <p:extLst>
+      <p:ext uri="{BB962C8B-B14F-4D97-AF65-F5344CB8AC3E}">
+        <p14:creationId xmlns:p14="http://schemas.microsoft.com/office/powerpoint/2010/main" val="3094077266"/>
+      </p:ext>
+    </p:extLst>
+  </p:cSld>
+  <p:clrMapOvr>
+    <a:masterClrMapping/>
+  </p:clrMapOvr>
+</p:sld>
+</file>
+
+<file path=ppt/slides/slide13.xml><?xml version="1.0" encoding="utf-8"?>
 <p:sld xmlns:a="http://schemas.openxmlformats.org/drawingml/2006/main" xmlns:r="http://schemas.openxmlformats.org/officeDocument/2006/relationships" xmlns:p="http://schemas.openxmlformats.org/presentationml/2006/main">
   <p:cSld>
     <p:bg>
@@ -4881,7 +5235,39 @@
       </p:grpSpPr>
       <p:sp>
         <p:nvSpPr>
-          <p:cNvPr id="112" name="CustomShape 1"/>
+          <p:cNvPr id="161" name="CustomShape 1"/>
+          <p:cNvSpPr/>
+          <p:nvPr/>
+        </p:nvSpPr>
+        <p:spPr>
+          <a:xfrm>
+            <a:off x="4114800" y="1257120"/>
+            <a:ext cx="4774680" cy="2949120"/>
+          </a:xfrm>
+          <a:prstGeom prst="rect">
+            <a:avLst/>
+          </a:prstGeom>
+          <a:noFill/>
+          <a:ln>
+            <a:noFill/>
+          </a:ln>
+        </p:spPr>
+        <p:style>
+          <a:lnRef idx="0">
+            <a:scrgbClr r="0" g="0" b="0"/>
+          </a:lnRef>
+          <a:fillRef idx="0">
+            <a:scrgbClr r="0" g="0" b="0"/>
+          </a:fillRef>
+          <a:effectRef idx="0">
+            <a:scrgbClr r="0" g="0" b="0"/>
+          </a:effectRef>
+          <a:fontRef idx="minor"/>
+        </p:style>
+      </p:sp>
+      <p:sp>
+        <p:nvSpPr>
+          <p:cNvPr id="162" name="CustomShape 2"/>
           <p:cNvSpPr/>
           <p:nvPr/>
         </p:nvSpPr>
@@ -4915,7 +5301,7 @@
       </p:sp>
       <p:sp>
         <p:nvSpPr>
-          <p:cNvPr id="113" name="CustomShape 2"/>
+          <p:cNvPr id="163" name="CustomShape 3"/>
           <p:cNvSpPr/>
           <p:nvPr/>
         </p:nvSpPr>
@@ -4956,229 +5342,172 @@
               </a:lnSpc>
             </a:pPr>
             <a:r>
-              <a:rPr lang="en-US" sz="3200" b="1" strike="noStrike" spc="-1">
-                <a:solidFill>
-                  <a:srgbClr val="FFFFFF"/>
-                </a:solidFill>
-                <a:latin typeface="Montserrat"/>
-                <a:ea typeface="Montserrat"/>
+              <a:rPr lang="en-US" sz="2400" dirty="0">
+                <a:solidFill>
+                  <a:srgbClr val="96B51A"/>
+                </a:solidFill>
+                <a:cs typeface="Arial" panose="020B0604020202020204"/>
               </a:rPr>
-              <a:t>FACADE  another example</a:t>
+              <a:t>What is it?</a:t>
             </a:r>
-            <a:endParaRPr lang="en-US" sz="3200" b="0" strike="noStrike" spc="-1">
-              <a:latin typeface="Arial"/>
-            </a:endParaRPr>
-          </a:p>
-        </p:txBody>
-      </p:sp>
-      <p:sp>
-        <p:nvSpPr>
-          <p:cNvPr id="114" name="CustomShape 3"/>
-          <p:cNvSpPr/>
-          <p:nvPr/>
-        </p:nvSpPr>
-        <p:spPr>
-          <a:xfrm rot="16200000">
-            <a:off x="-596520" y="2538720"/>
-            <a:ext cx="2052000" cy="364680"/>
-          </a:xfrm>
-          <a:prstGeom prst="rect">
-            <a:avLst/>
-          </a:prstGeom>
-          <a:noFill/>
-          <a:ln>
-            <a:noFill/>
-          </a:ln>
-        </p:spPr>
-        <p:style>
-          <a:lnRef idx="0">
-            <a:scrgbClr r="0" g="0" b="0"/>
-          </a:lnRef>
-          <a:fillRef idx="0">
-            <a:scrgbClr r="0" g="0" b="0"/>
-          </a:fillRef>
-          <a:effectRef idx="0">
-            <a:scrgbClr r="0" g="0" b="0"/>
-          </a:effectRef>
-          <a:fontRef idx="minor"/>
-        </p:style>
-        <p:txBody>
-          <a:bodyPr lIns="90000" tIns="45000" rIns="90000" bIns="45000">
-            <a:spAutoFit/>
-          </a:bodyPr>
-          <a:lstStyle/>
-          <a:p>
-            <a:pPr>
-              <a:lnSpc>
-                <a:spcPct val="100000"/>
-              </a:lnSpc>
+          </a:p>
+        </p:txBody>
+      </p:sp>
+      <p:sp>
+        <p:nvSpPr>
+          <p:cNvPr id="3" name="Text Placeholder 2">
+            <a:extLst>
+              <a:ext uri="{FF2B5EF4-FFF2-40B4-BE49-F238E27FC236}">
+                <a16:creationId xmlns:a16="http://schemas.microsoft.com/office/drawing/2014/main" id="{41983E12-E49A-444A-AD9E-56873E5A061B}"/>
+              </a:ext>
+            </a:extLst>
+          </p:cNvPr>
+          <p:cNvSpPr>
+            <a:spLocks noGrp="1"/>
+          </p:cNvSpPr>
+          <p:nvPr>
+            <p:ph type="body"/>
+          </p:nvPr>
+        </p:nvSpPr>
+        <p:spPr>
+          <a:xfrm>
+            <a:off x="141361" y="738222"/>
+            <a:ext cx="4666309" cy="2205318"/>
+          </a:xfrm>
+        </p:spPr>
+        <p:txBody>
+          <a:bodyPr>
+            <a:normAutofit/>
+          </a:bodyPr>
+          <a:lstStyle/>
+          <a:p>
+            <a:pPr marL="0" indent="0" algn="just">
+              <a:buNone/>
             </a:pPr>
             <a:r>
-              <a:rPr lang="en-US" sz="1800" b="1" strike="noStrike" spc="-1">
-                <a:solidFill>
-                  <a:srgbClr val="FFFFFF"/>
-                </a:solidFill>
-                <a:latin typeface="Arial"/>
-                <a:ea typeface="Arial"/>
+              <a:rPr lang="en-US" sz="1400" dirty="0">
+                <a:solidFill>
+                  <a:schemeClr val="bg1"/>
+                </a:solidFill>
               </a:rPr>
-              <a:t>With facade</a:t>
+              <a:t>Allows an object to send a command without knowing what object will receive and handle it. The request is sent from one object to another making them parts of a chain and each object in this chain can handle the command, pass it on or do both.</a:t>
             </a:r>
-            <a:endParaRPr lang="en-US" sz="1800" b="0" strike="noStrike" spc="-1">
-              <a:latin typeface="Arial"/>
-            </a:endParaRPr>
           </a:p>
         </p:txBody>
       </p:sp>
       <p:pic>
         <p:nvPicPr>
-          <p:cNvPr id="115" name="Picture 3"/>
-          <p:cNvPicPr/>
+          <p:cNvPr id="1026" name="Picture 2" descr="Image result for chain of responsibility design pattern">
+            <a:extLst>
+              <a:ext uri="{FF2B5EF4-FFF2-40B4-BE49-F238E27FC236}">
+                <a16:creationId xmlns:a16="http://schemas.microsoft.com/office/drawing/2014/main" id="{06BD5FB7-6FDE-4182-BCB7-77C9FA2EE926}"/>
+              </a:ext>
+            </a:extLst>
+          </p:cNvPr>
+          <p:cNvPicPr>
+            <a:picLocks noChangeAspect="1" noChangeArrowheads="1"/>
+          </p:cNvPicPr>
           <p:nvPr/>
         </p:nvPicPr>
         <p:blipFill>
-          <a:blip r:embed="rId2"/>
-          <a:stretch/>
+          <a:blip r:embed="rId2">
+            <a:extLst>
+              <a:ext uri="{28A0092B-C50C-407E-A947-70E740481C1C}">
+                <a14:useLocalDpi xmlns:a14="http://schemas.microsoft.com/office/drawing/2010/main" val="0"/>
+              </a:ext>
+            </a:extLst>
+          </a:blip>
+          <a:srcRect/>
+          <a:stretch>
+            <a:fillRect/>
+          </a:stretch>
         </p:blipFill>
-        <p:spPr>
-          <a:xfrm>
-            <a:off x="980280" y="768960"/>
-            <a:ext cx="7786800" cy="4264920"/>
-          </a:xfrm>
-          <a:prstGeom prst="rect">
-            <a:avLst/>
-          </a:prstGeom>
-          <a:ln>
-            <a:noFill/>
-          </a:ln>
+        <p:spPr bwMode="auto">
+          <a:xfrm>
+            <a:off x="1319533" y="2860159"/>
+            <a:ext cx="3016799" cy="1885500"/>
+          </a:xfrm>
+          <a:prstGeom prst="rect">
+            <a:avLst/>
+          </a:prstGeom>
+          <a:noFill/>
+          <a:extLst>
+            <a:ext uri="{909E8E84-426E-40DD-AFC4-6F175D3DCCD1}">
+              <a14:hiddenFill xmlns:a14="http://schemas.microsoft.com/office/drawing/2010/main">
+                <a:solidFill>
+                  <a:srgbClr val="FFFFFF"/>
+                </a:solidFill>
+              </a14:hiddenFill>
+            </a:ext>
+          </a:extLst>
         </p:spPr>
       </p:pic>
-    </p:spTree>
-  </p:cSld>
-  <p:clrMapOvr>
-    <a:masterClrMapping/>
-  </p:clrMapOvr>
-</p:sld>
-</file>
-
-<file path=ppt/slides/slide13.xml><?xml version="1.0" encoding="utf-8"?>
-<p:sld xmlns:a="http://schemas.openxmlformats.org/drawingml/2006/main" xmlns:r="http://schemas.openxmlformats.org/officeDocument/2006/relationships" xmlns:p="http://schemas.openxmlformats.org/presentationml/2006/main">
-  <p:cSld>
-    <p:spTree>
-      <p:nvGrpSpPr>
-        <p:cNvPr id="1" name=""/>
-        <p:cNvGrpSpPr/>
-        <p:nvPr/>
-      </p:nvGrpSpPr>
-      <p:grpSpPr>
-        <a:xfrm>
-          <a:off x="0" y="0"/>
-          <a:ext cx="0" cy="0"/>
-          <a:chOff x="0" y="0"/>
-          <a:chExt cx="0" cy="0"/>
-        </a:xfrm>
-      </p:grpSpPr>
       <p:pic>
         <p:nvPicPr>
-          <p:cNvPr id="116" name="Google Shape;111;p27"/>
-          <p:cNvPicPr/>
+          <p:cNvPr id="1028" name="Picture 4" descr="Related image">
+            <a:extLst>
+              <a:ext uri="{FF2B5EF4-FFF2-40B4-BE49-F238E27FC236}">
+                <a16:creationId xmlns:a16="http://schemas.microsoft.com/office/drawing/2014/main" id="{5807EC24-CE42-4C5A-B9E5-6BC758C4A1D0}"/>
+              </a:ext>
+            </a:extLst>
+          </p:cNvPr>
+          <p:cNvPicPr>
+            <a:picLocks noChangeAspect="1" noChangeArrowheads="1"/>
+          </p:cNvPicPr>
           <p:nvPr/>
         </p:nvPicPr>
         <p:blipFill>
-          <a:blip r:embed="rId2"/>
-          <a:stretch/>
+          <a:blip r:embed="rId3">
+            <a:extLst>
+              <a:ext uri="{28A0092B-C50C-407E-A947-70E740481C1C}">
+                <a14:useLocalDpi xmlns:a14="http://schemas.microsoft.com/office/drawing/2010/main" val="0"/>
+              </a:ext>
+            </a:extLst>
+          </a:blip>
+          <a:srcRect/>
+          <a:stretch>
+            <a:fillRect/>
+          </a:stretch>
         </p:blipFill>
-        <p:spPr>
-          <a:xfrm>
-            <a:off x="0" y="0"/>
-            <a:ext cx="9143640" cy="5143320"/>
-          </a:xfrm>
-          <a:prstGeom prst="rect">
-            <a:avLst/>
-          </a:prstGeom>
-          <a:ln>
-            <a:noFill/>
-          </a:ln>
-        </p:spPr>
-      </p:pic>
-      <p:sp>
-        <p:nvSpPr>
-          <p:cNvPr id="117" name="CustomShape 1"/>
-          <p:cNvSpPr/>
-          <p:nvPr/>
-        </p:nvSpPr>
-        <p:spPr>
-          <a:xfrm>
-            <a:off x="281520" y="1252080"/>
-            <a:ext cx="8580600" cy="2639520"/>
-          </a:xfrm>
-          <a:prstGeom prst="rect">
-            <a:avLst/>
-          </a:prstGeom>
-          <a:noFill/>
-          <a:ln>
-            <a:noFill/>
-          </a:ln>
+        <p:spPr bwMode="auto">
+          <a:xfrm>
+            <a:off x="4998405" y="1469091"/>
+            <a:ext cx="3920565" cy="2205318"/>
+          </a:xfrm>
+          <a:prstGeom prst="rect">
+            <a:avLst/>
+          </a:prstGeom>
+          <a:extLst>
+            <a:ext uri="{909E8E84-426E-40DD-AFC4-6F175D3DCCD1}">
+              <a14:hiddenFill xmlns:a14="http://schemas.microsoft.com/office/drawing/2010/main">
+                <a:solidFill>
+                  <a:srgbClr val="FFFFFF"/>
+                </a:solidFill>
+              </a14:hiddenFill>
+            </a:ext>
+          </a:extLst>
         </p:spPr>
         <p:style>
-          <a:lnRef idx="0">
-            <a:scrgbClr r="0" g="0" b="0"/>
+          <a:lnRef idx="2">
+            <a:schemeClr val="accent3"/>
           </a:lnRef>
-          <a:fillRef idx="0">
-            <a:scrgbClr r="0" g="0" b="0"/>
+          <a:fillRef idx="1">
+            <a:schemeClr val="lt1"/>
           </a:fillRef>
           <a:effectRef idx="0">
-            <a:scrgbClr r="0" g="0" b="0"/>
+            <a:schemeClr val="accent3"/>
           </a:effectRef>
-          <a:fontRef idx="minor"/>
+          <a:fontRef idx="minor">
+            <a:schemeClr val="dk1"/>
+          </a:fontRef>
         </p:style>
-        <p:txBody>
-          <a:bodyPr tIns="91440" bIns="91440">
-            <a:noAutofit/>
-          </a:bodyPr>
-          <a:lstStyle/>
-          <a:p>
-            <a:pPr algn="r">
-              <a:lnSpc>
-                <a:spcPct val="100000"/>
-              </a:lnSpc>
-            </a:pPr>
-            <a:endParaRPr lang="en-US" sz="1800" b="0" strike="noStrike" spc="-1">
-              <a:latin typeface="Arial"/>
-            </a:endParaRPr>
-          </a:p>
-          <a:p>
-            <a:pPr algn="r">
-              <a:lnSpc>
-                <a:spcPct val="100000"/>
-              </a:lnSpc>
-            </a:pPr>
-            <a:endParaRPr lang="en-US" sz="1800" b="0" strike="noStrike" spc="-1">
-              <a:latin typeface="Arial"/>
-            </a:endParaRPr>
-          </a:p>
-          <a:p>
-            <a:pPr algn="r">
-              <a:lnSpc>
-                <a:spcPct val="100000"/>
-              </a:lnSpc>
-            </a:pPr>
-            <a:r>
-              <a:rPr lang="en-US" sz="3400" b="0" strike="noStrike" spc="-1">
-                <a:solidFill>
-                  <a:srgbClr val="96B51A"/>
-                </a:solidFill>
-                <a:latin typeface="Droid Sans"/>
-                <a:ea typeface="Droid Sans"/>
-              </a:rPr>
-              <a:t>Strategy Pattern</a:t>
-            </a:r>
-            <a:endParaRPr lang="en-US" sz="3400" b="0" strike="noStrike" spc="-1">
-              <a:latin typeface="Arial"/>
-            </a:endParaRPr>
-          </a:p>
-        </p:txBody>
-      </p:sp>
+      </p:pic>
     </p:spTree>
+    <p:extLst>
+      <p:ext uri="{BB962C8B-B14F-4D97-AF65-F5344CB8AC3E}">
+        <p14:creationId xmlns:p14="http://schemas.microsoft.com/office/powerpoint/2010/main" val="3864629513"/>
+      </p:ext>
+    </p:extLst>
   </p:cSld>
   <p:clrMapOvr>
     <a:masterClrMapping/>
@@ -5213,14 +5542,14 @@
       </p:grpSpPr>
       <p:sp>
         <p:nvSpPr>
-          <p:cNvPr id="118" name="CustomShape 1"/>
+          <p:cNvPr id="161" name="CustomShape 1"/>
           <p:cNvSpPr/>
           <p:nvPr/>
         </p:nvSpPr>
         <p:spPr>
           <a:xfrm>
-            <a:off x="142560" y="1467360"/>
-            <a:ext cx="3577320" cy="2492640"/>
+            <a:off x="4114800" y="1257120"/>
+            <a:ext cx="4774680" cy="2949120"/>
           </a:xfrm>
           <a:prstGeom prst="rect">
             <a:avLst/>
@@ -5242,121 +5571,10 @@
           </a:effectRef>
           <a:fontRef idx="minor"/>
         </p:style>
-        <p:txBody>
-          <a:bodyPr tIns="91440" bIns="91440">
-            <a:noAutofit/>
-          </a:bodyPr>
-          <a:lstStyle/>
-          <a:p>
-            <a:pPr marL="457200" indent="-310680" algn="just">
-              <a:lnSpc>
-                <a:spcPct val="100000"/>
-              </a:lnSpc>
-              <a:buClr>
-                <a:srgbClr val="FFFFFF"/>
-              </a:buClr>
-              <a:buFont typeface="Nunito Sans"/>
-              <a:buChar char="●"/>
-            </a:pPr>
-            <a:r>
-              <a:rPr lang="en-US" sz="1300" b="0" strike="noStrike" spc="-1">
-                <a:solidFill>
-                  <a:srgbClr val="FFFFFF"/>
-                </a:solidFill>
-                <a:latin typeface="Nunito Sans"/>
-                <a:ea typeface="Nunito Sans"/>
-              </a:rPr>
-              <a:t>This pattern can be used when you want to perform a function, but you might use different techniques.</a:t>
-            </a:r>
-            <a:endParaRPr lang="en-US" sz="1300" b="0" strike="noStrike" spc="-1">
-              <a:latin typeface="Arial"/>
-            </a:endParaRPr>
-          </a:p>
-          <a:p>
-            <a:pPr algn="just">
-              <a:lnSpc>
-                <a:spcPct val="100000"/>
-              </a:lnSpc>
-            </a:pPr>
-            <a:endParaRPr lang="en-US" sz="1300" b="0" strike="noStrike" spc="-1">
-              <a:latin typeface="Arial"/>
-            </a:endParaRPr>
-          </a:p>
-          <a:p>
-            <a:pPr marL="457200" indent="-310680" algn="just">
-              <a:lnSpc>
-                <a:spcPct val="100000"/>
-              </a:lnSpc>
-              <a:buClr>
-                <a:srgbClr val="FFFFFF"/>
-              </a:buClr>
-              <a:buFont typeface="Nunito Sans"/>
-              <a:buChar char="●"/>
-            </a:pPr>
-            <a:r>
-              <a:rPr lang="en-US" sz="1300" b="0" strike="noStrike" spc="-1">
-                <a:solidFill>
-                  <a:srgbClr val="FFFFFF"/>
-                </a:solidFill>
-                <a:latin typeface="Nunito Sans"/>
-                <a:ea typeface="Nunito Sans"/>
-              </a:rPr>
-              <a:t>Define a family of algorithms, encapsulate each one, and make them interchangeable. </a:t>
-            </a:r>
-            <a:endParaRPr lang="en-US" sz="1300" b="0" strike="noStrike" spc="-1">
-              <a:latin typeface="Arial"/>
-            </a:endParaRPr>
-          </a:p>
-          <a:p>
-            <a:pPr algn="just">
-              <a:lnSpc>
-                <a:spcPct val="100000"/>
-              </a:lnSpc>
-            </a:pPr>
-            <a:endParaRPr lang="en-US" sz="1300" b="0" strike="noStrike" spc="-1">
-              <a:latin typeface="Arial"/>
-            </a:endParaRPr>
-          </a:p>
-          <a:p>
-            <a:pPr marL="457200" indent="-310680" algn="just">
-              <a:lnSpc>
-                <a:spcPct val="100000"/>
-              </a:lnSpc>
-              <a:buClr>
-                <a:srgbClr val="FFFFFF"/>
-              </a:buClr>
-              <a:buFont typeface="Nunito Sans"/>
-              <a:buChar char="●"/>
-            </a:pPr>
-            <a:r>
-              <a:rPr lang="en-US" sz="1300" b="0" strike="noStrike" spc="-1">
-                <a:solidFill>
-                  <a:srgbClr val="FFFFFF"/>
-                </a:solidFill>
-                <a:latin typeface="Nunito Sans"/>
-                <a:ea typeface="Nunito Sans"/>
-              </a:rPr>
-              <a:t>Strategy lets the algorithm vary independently from clients that use it</a:t>
-            </a:r>
-            <a:endParaRPr lang="en-US" sz="1300" b="0" strike="noStrike" spc="-1">
-              <a:latin typeface="Arial"/>
-            </a:endParaRPr>
-          </a:p>
-          <a:p>
-            <a:pPr marL="457200" algn="just">
-              <a:lnSpc>
-                <a:spcPct val="100000"/>
-              </a:lnSpc>
-            </a:pPr>
-            <a:endParaRPr lang="en-US" sz="1300" b="0" strike="noStrike" spc="-1">
-              <a:latin typeface="Arial"/>
-            </a:endParaRPr>
-          </a:p>
-        </p:txBody>
-      </p:sp>
-      <p:sp>
-        <p:nvSpPr>
-          <p:cNvPr id="119" name="CustomShape 2"/>
+      </p:sp>
+      <p:sp>
+        <p:nvSpPr>
+          <p:cNvPr id="162" name="CustomShape 2"/>
           <p:cNvSpPr/>
           <p:nvPr/>
         </p:nvSpPr>
@@ -5390,7 +5608,7 @@
       </p:sp>
       <p:sp>
         <p:nvSpPr>
-          <p:cNvPr id="120" name="CustomShape 3"/>
+          <p:cNvPr id="163" name="CustomShape 3"/>
           <p:cNvSpPr/>
           <p:nvPr/>
         </p:nvSpPr>
@@ -5431,225 +5649,219 @@
               </a:lnSpc>
             </a:pPr>
             <a:r>
-              <a:rPr lang="en-US" sz="3200" b="1" strike="noStrike" spc="-1">
-                <a:solidFill>
-                  <a:srgbClr val="FFFFFF"/>
-                </a:solidFill>
-                <a:latin typeface="Montserrat"/>
-                <a:ea typeface="Montserrat"/>
+              <a:rPr lang="en-US" sz="2400" dirty="0">
+                <a:solidFill>
+                  <a:srgbClr val="96B51A"/>
+                </a:solidFill>
+                <a:cs typeface="Arial" panose="020B0604020202020204"/>
               </a:rPr>
-              <a:t>Strategy Pattern</a:t>
+              <a:t>Advantage / Disadvantage</a:t>
             </a:r>
-            <a:endParaRPr lang="en-US" sz="3200" b="0" strike="noStrike" spc="-1">
-              <a:latin typeface="Arial"/>
-            </a:endParaRPr>
-          </a:p>
-        </p:txBody>
-      </p:sp>
-      <p:sp>
-        <p:nvSpPr>
-          <p:cNvPr id="121" name="CustomShape 4"/>
-          <p:cNvSpPr/>
+          </a:p>
+        </p:txBody>
+      </p:sp>
+      <p:sp>
+        <p:nvSpPr>
+          <p:cNvPr id="2" name="TextBox 1">
+            <a:extLst>
+              <a:ext uri="{FF2B5EF4-FFF2-40B4-BE49-F238E27FC236}">
+                <a16:creationId xmlns:a16="http://schemas.microsoft.com/office/drawing/2014/main" id="{8B1319CA-707D-4666-A070-B3803D5C1BAF}"/>
+              </a:ext>
+            </a:extLst>
+          </p:cNvPr>
+          <p:cNvSpPr txBox="1"/>
           <p:nvPr/>
         </p:nvSpPr>
         <p:spPr>
           <a:xfrm>
-            <a:off x="4209480" y="1436400"/>
-            <a:ext cx="4656960" cy="2492640"/>
+            <a:off x="405635" y="1149724"/>
+            <a:ext cx="6579956" cy="2739211"/>
           </a:xfrm>
           <a:prstGeom prst="rect">
             <a:avLst/>
           </a:prstGeom>
           <a:noFill/>
-          <a:ln>
-            <a:noFill/>
-          </a:ln>
-        </p:spPr>
-        <p:style>
-          <a:lnRef idx="0">
-            <a:scrgbClr r="0" g="0" b="0"/>
-          </a:lnRef>
-          <a:fillRef idx="0">
-            <a:scrgbClr r="0" g="0" b="0"/>
-          </a:fillRef>
-          <a:effectRef idx="0">
-            <a:scrgbClr r="0" g="0" b="0"/>
-          </a:effectRef>
-          <a:fontRef idx="minor"/>
-        </p:style>
-        <p:txBody>
-          <a:bodyPr tIns="91440" bIns="91440">
-            <a:noAutofit/>
-          </a:bodyPr>
-          <a:lstStyle/>
-          <a:p>
-            <a:pPr marL="457200" algn="just">
-              <a:lnSpc>
-                <a:spcPct val="100000"/>
-              </a:lnSpc>
+        </p:spPr>
+        <p:txBody>
+          <a:bodyPr wrap="square" rtlCol="0">
+            <a:spAutoFit/>
+          </a:bodyPr>
+          <a:lstStyle/>
+          <a:p>
+            <a:pPr algn="just"/>
+            <a:r>
+              <a:rPr lang="en-US" sz="1400" dirty="0">
+                <a:solidFill>
+                  <a:schemeClr val="bg1"/>
+                </a:solidFill>
+              </a:rPr>
+              <a:t>Advantage:</a:t>
+            </a:r>
+          </a:p>
+          <a:p>
+            <a:pPr algn="just"/>
+            <a:endParaRPr lang="en-US" sz="1400" dirty="0">
+              <a:solidFill>
+                <a:schemeClr val="bg1"/>
+              </a:solidFill>
+            </a:endParaRPr>
+          </a:p>
+          <a:p>
+            <a:pPr marL="342900" indent="-342900" algn="just">
+              <a:buFont typeface="Arial" panose="020B0604020202020204" pitchFamily="34" charset="0"/>
+              <a:buChar char="•"/>
             </a:pPr>
             <a:r>
-              <a:rPr lang="en-US" sz="1300" b="0" strike="noStrike" spc="-1">
-                <a:solidFill>
-                  <a:srgbClr val="FFFFFF"/>
-                </a:solidFill>
-                <a:latin typeface="Nunito Sans"/>
-                <a:ea typeface="Nunito Sans"/>
+              <a:rPr lang="en-US" sz="1400" dirty="0">
+                <a:solidFill>
+                  <a:schemeClr val="bg1"/>
+                </a:solidFill>
               </a:rPr>
-              <a:t>Participants:</a:t>
+              <a:t>Reduce coupling </a:t>
             </a:r>
-            <a:endParaRPr lang="en-US" sz="1300" b="0" strike="noStrike" spc="-1">
-              <a:latin typeface="Arial"/>
-            </a:endParaRPr>
-          </a:p>
-          <a:p>
-            <a:pPr marL="457200" algn="just">
-              <a:lnSpc>
-                <a:spcPct val="100000"/>
-              </a:lnSpc>
-            </a:pPr>
-            <a:endParaRPr lang="en-US" sz="1300" b="0" strike="noStrike" spc="-1">
-              <a:latin typeface="Arial"/>
-            </a:endParaRPr>
-          </a:p>
-          <a:p>
-            <a:pPr marL="457200" indent="-310680" algn="just">
-              <a:lnSpc>
-                <a:spcPct val="100000"/>
-              </a:lnSpc>
-              <a:buClr>
-                <a:srgbClr val="FFFFFF"/>
-              </a:buClr>
-              <a:buFont typeface="Nunito Sans"/>
-              <a:buChar char="●"/>
+          </a:p>
+          <a:p>
+            <a:pPr marL="800100" lvl="1" indent="-342900" algn="just">
+              <a:buFont typeface="Arial" panose="020B0604020202020204" pitchFamily="34" charset="0"/>
+              <a:buChar char="•"/>
             </a:pPr>
             <a:r>
-              <a:rPr lang="en-US" sz="1300" b="0" strike="noStrike" spc="-1">
-                <a:solidFill>
-                  <a:srgbClr val="FFFFFF"/>
-                </a:solidFill>
-                <a:latin typeface="Nunito Sans"/>
-                <a:ea typeface="Nunito Sans"/>
+              <a:rPr lang="en-US" sz="1400" dirty="0">
+                <a:solidFill>
+                  <a:schemeClr val="bg1"/>
+                </a:solidFill>
               </a:rPr>
-              <a:t>IStragegy: declares an interface common to all supported algorithms.</a:t>
+              <a:t>avoids attaching the sender of a request to its receiver, giving this way other objects the possibility of handling the request too.</a:t>
             </a:r>
-            <a:endParaRPr lang="en-US" sz="1300" b="0" strike="noStrike" spc="-1">
-              <a:latin typeface="Arial"/>
-            </a:endParaRPr>
-          </a:p>
-          <a:p>
-            <a:pPr algn="just">
-              <a:lnSpc>
-                <a:spcPct val="100000"/>
-              </a:lnSpc>
+          </a:p>
+          <a:p>
+            <a:pPr marL="342900" indent="-342900" algn="just">
+              <a:buFont typeface="Arial" panose="020B0604020202020204" pitchFamily="34" charset="0"/>
+              <a:buChar char="•"/>
             </a:pPr>
-            <a:endParaRPr lang="en-US" sz="1300" b="0" strike="noStrike" spc="-1">
-              <a:latin typeface="Arial"/>
-            </a:endParaRPr>
-          </a:p>
-          <a:p>
-            <a:pPr marL="457200" indent="-310680" algn="just">
-              <a:lnSpc>
-                <a:spcPct val="100000"/>
-              </a:lnSpc>
-              <a:buClr>
-                <a:srgbClr val="FFFFFF"/>
-              </a:buClr>
-              <a:buFont typeface="Nunito Sans"/>
-              <a:buChar char="●"/>
+            <a:endParaRPr lang="en-US" sz="1400" dirty="0">
+              <a:solidFill>
+                <a:schemeClr val="bg1"/>
+              </a:solidFill>
+            </a:endParaRPr>
+          </a:p>
+          <a:p>
+            <a:pPr marL="342900" indent="-342900" algn="just">
+              <a:buFont typeface="Arial" panose="020B0604020202020204" pitchFamily="34" charset="0"/>
+              <a:buChar char="•"/>
             </a:pPr>
             <a:r>
-              <a:rPr lang="en-US" sz="1300" b="0" strike="noStrike" spc="-1">
-                <a:solidFill>
-                  <a:srgbClr val="FFFFFF"/>
-                </a:solidFill>
-                <a:latin typeface="Nunito Sans"/>
-                <a:ea typeface="Nunito Sans"/>
+              <a:rPr lang="en-US" sz="1400" dirty="0">
+                <a:solidFill>
+                  <a:schemeClr val="bg1"/>
+                </a:solidFill>
               </a:rPr>
-              <a:t>ConcreteStrategy: Implements the algorithm using the strategy interface</a:t>
+              <a:t>Object doesn’t need to know the chain structure </a:t>
             </a:r>
-            <a:endParaRPr lang="en-US" sz="1300" b="0" strike="noStrike" spc="-1">
-              <a:latin typeface="Arial"/>
-            </a:endParaRPr>
-          </a:p>
-          <a:p>
-            <a:pPr algn="just">
-              <a:lnSpc>
-                <a:spcPct val="100000"/>
-              </a:lnSpc>
-            </a:pPr>
-            <a:endParaRPr lang="en-US" sz="1300" b="0" strike="noStrike" spc="-1">
-              <a:latin typeface="Arial"/>
-            </a:endParaRPr>
-          </a:p>
-          <a:p>
-            <a:pPr marL="457200" indent="-310680" algn="just">
-              <a:lnSpc>
-                <a:spcPct val="100000"/>
-              </a:lnSpc>
-              <a:buClr>
-                <a:srgbClr val="FFFFFF"/>
-              </a:buClr>
-              <a:buFont typeface="Nunito Sans"/>
-              <a:buChar char="●"/>
+          </a:p>
+          <a:p>
+            <a:pPr marL="800100" lvl="1" indent="-342900" algn="just">
+              <a:buFont typeface="Arial" panose="020B0604020202020204" pitchFamily="34" charset="0"/>
+              <a:buChar char="•"/>
             </a:pPr>
             <a:r>
-              <a:rPr lang="en-US" sz="1300" b="0" strike="noStrike" spc="-1">
-                <a:solidFill>
-                  <a:srgbClr val="FFFFFF"/>
-                </a:solidFill>
-                <a:latin typeface="Nunito Sans"/>
-                <a:ea typeface="Nunito Sans"/>
+              <a:rPr lang="en-US" sz="1400" dirty="0">
+                <a:solidFill>
+                  <a:schemeClr val="bg1"/>
+                </a:solidFill>
               </a:rPr>
-              <a:t>Context: </a:t>
+              <a:t>The objects become parts of a chain and the request is sent from one object to another across the chain until one of the objects will handle it.</a:t>
             </a:r>
-            <a:endParaRPr lang="en-US" sz="1300" b="0" strike="noStrike" spc="-1">
-              <a:latin typeface="Arial"/>
-            </a:endParaRPr>
-          </a:p>
-          <a:p>
-            <a:pPr marL="146160" algn="just">
-              <a:lnSpc>
-                <a:spcPct val="100000"/>
-              </a:lnSpc>
+          </a:p>
+          <a:p>
+            <a:pPr marL="342900" indent="-342900" algn="just">
+              <a:buFont typeface="Arial" panose="020B0604020202020204" pitchFamily="34" charset="0"/>
+              <a:buChar char="•"/>
+            </a:pPr>
+            <a:endParaRPr lang="en-US" sz="1400" dirty="0">
+              <a:solidFill>
+                <a:schemeClr val="bg1"/>
+              </a:solidFill>
+            </a:endParaRPr>
+          </a:p>
+          <a:p>
+            <a:pPr marL="342900" indent="-342900" algn="just">
+              <a:buFont typeface="Arial" panose="020B0604020202020204" pitchFamily="34" charset="0"/>
+              <a:buChar char="•"/>
             </a:pPr>
             <a:r>
-              <a:rPr lang="en-US" sz="1300" b="0" strike="noStrike" spc="-1">
+              <a:rPr lang="en-US" sz="1400" dirty="0">
+                <a:solidFill>
+                  <a:schemeClr val="bg1"/>
+                </a:solidFill>
+              </a:rPr>
+              <a:t>Enhance flexibility of object assigned duties (add, change or remove responsibilities throw the chain</a:t>
+            </a:r>
+            <a:r>
+              <a:rPr lang="en-US" dirty="0">
+                <a:solidFill>
+                  <a:schemeClr val="bg1"/>
+                </a:solidFill>
+              </a:rPr>
+              <a:t>) </a:t>
+            </a:r>
+            <a:endParaRPr lang="en-US" dirty="0"/>
+          </a:p>
+        </p:txBody>
+      </p:sp>
+      <p:pic>
+        <p:nvPicPr>
+          <p:cNvPr id="3080" name="Picture 8" descr="Related image">
+            <a:extLst>
+              <a:ext uri="{FF2B5EF4-FFF2-40B4-BE49-F238E27FC236}">
+                <a16:creationId xmlns:a16="http://schemas.microsoft.com/office/drawing/2014/main" id="{7195DF56-9A98-41BE-83E1-DF60B5FDF8EC}"/>
+              </a:ext>
+            </a:extLst>
+          </p:cNvPr>
+          <p:cNvPicPr>
+            <a:picLocks noChangeAspect="1" noChangeArrowheads="1"/>
+          </p:cNvPicPr>
+          <p:nvPr/>
+        </p:nvPicPr>
+        <p:blipFill>
+          <a:blip r:embed="rId2">
+            <a:extLst>
+              <a:ext uri="{28A0092B-C50C-407E-A947-70E740481C1C}">
+                <a14:useLocalDpi xmlns:a14="http://schemas.microsoft.com/office/drawing/2010/main" val="0"/>
+              </a:ext>
+            </a:extLst>
+          </a:blip>
+          <a:srcRect/>
+          <a:stretch>
+            <a:fillRect/>
+          </a:stretch>
+        </p:blipFill>
+        <p:spPr bwMode="auto">
+          <a:xfrm>
+            <a:off x="7486262" y="1680840"/>
+            <a:ext cx="1252103" cy="1544276"/>
+          </a:xfrm>
+          <a:prstGeom prst="rect">
+            <a:avLst/>
+          </a:prstGeom>
+          <a:noFill/>
+          <a:extLst>
+            <a:ext uri="{909E8E84-426E-40DD-AFC4-6F175D3DCCD1}">
+              <a14:hiddenFill xmlns:a14="http://schemas.microsoft.com/office/drawing/2010/main">
                 <a:solidFill>
                   <a:srgbClr val="FFFFFF"/>
                 </a:solidFill>
-                <a:latin typeface="Nunito Sans"/>
-                <a:ea typeface="Nunito Sans"/>
-              </a:rPr>
-              <a:t>Is configured with a ConcreteStrategy object</a:t>
-            </a:r>
-            <a:endParaRPr lang="en-US" sz="1300" b="0" strike="noStrike" spc="-1">
-              <a:latin typeface="Arial"/>
-            </a:endParaRPr>
-          </a:p>
-          <a:p>
-            <a:pPr marL="146160" algn="just">
-              <a:lnSpc>
-                <a:spcPct val="100000"/>
-              </a:lnSpc>
-            </a:pPr>
-            <a:r>
-              <a:rPr lang="en-US" sz="1300" b="0" strike="noStrike" spc="-1">
-                <a:solidFill>
-                  <a:srgbClr val="FFFFFF"/>
-                </a:solidFill>
-                <a:latin typeface="Nunito Sans"/>
-                <a:ea typeface="Nunito Sans"/>
-              </a:rPr>
-              <a:t>Mainteins a reference to a Strategy object</a:t>
-            </a:r>
-            <a:endParaRPr lang="en-US" sz="1300" b="0" strike="noStrike" spc="-1">
-              <a:latin typeface="Arial"/>
-            </a:endParaRPr>
-          </a:p>
-        </p:txBody>
-      </p:sp>
+              </a14:hiddenFill>
+            </a:ext>
+          </a:extLst>
+        </p:spPr>
+      </p:pic>
     </p:spTree>
+    <p:extLst>
+      <p:ext uri="{BB962C8B-B14F-4D97-AF65-F5344CB8AC3E}">
+        <p14:creationId xmlns:p14="http://schemas.microsoft.com/office/powerpoint/2010/main" val="595242497"/>
+      </p:ext>
+    </p:extLst>
   </p:cSld>
   <p:clrMapOvr>
     <a:masterClrMapping/>
@@ -5684,14 +5896,14 @@
       </p:grpSpPr>
       <p:sp>
         <p:nvSpPr>
-          <p:cNvPr id="122" name="CustomShape 1"/>
+          <p:cNvPr id="161" name="CustomShape 1"/>
           <p:cNvSpPr/>
           <p:nvPr/>
         </p:nvSpPr>
         <p:spPr>
           <a:xfrm>
-            <a:off x="271800" y="1091880"/>
-            <a:ext cx="8599680" cy="3440160"/>
+            <a:off x="4114800" y="1257120"/>
+            <a:ext cx="4774680" cy="2949120"/>
           </a:xfrm>
           <a:prstGeom prst="rect">
             <a:avLst/>
@@ -5713,316 +5925,10 @@
           </a:effectRef>
           <a:fontRef idx="minor"/>
         </p:style>
-        <p:txBody>
-          <a:bodyPr tIns="91440" bIns="91440">
-            <a:noAutofit/>
-          </a:bodyPr>
-          <a:lstStyle/>
-          <a:p>
-            <a:pPr marL="457200" indent="-310680" algn="just">
-              <a:lnSpc>
-                <a:spcPct val="100000"/>
-              </a:lnSpc>
-              <a:buClr>
-                <a:srgbClr val="FFFFFF"/>
-              </a:buClr>
-              <a:buFont typeface="Nunito Sans"/>
-              <a:buChar char="●"/>
-            </a:pPr>
-            <a:r>
-              <a:rPr lang="en-US" sz="1300" b="0" strike="noStrike" spc="-1">
-                <a:solidFill>
-                  <a:srgbClr val="FFFFFF"/>
-                </a:solidFill>
-                <a:latin typeface="Nunito Sans"/>
-                <a:ea typeface="Nunito Sans"/>
-              </a:rPr>
-              <a:t>Enables a client to choose wich algorithm to use from a family of algorithms and gives it a simple way to access it.</a:t>
-            </a:r>
-            <a:endParaRPr lang="en-US" sz="1300" b="0" strike="noStrike" spc="-1">
-              <a:latin typeface="Arial"/>
-            </a:endParaRPr>
-          </a:p>
-          <a:p>
-            <a:pPr algn="just">
-              <a:lnSpc>
-                <a:spcPct val="100000"/>
-              </a:lnSpc>
-            </a:pPr>
-            <a:endParaRPr lang="en-US" sz="1300" b="0" strike="noStrike" spc="-1">
-              <a:latin typeface="Arial"/>
-            </a:endParaRPr>
-          </a:p>
-          <a:p>
-            <a:pPr marL="457200" indent="-310680" algn="just">
-              <a:lnSpc>
-                <a:spcPct val="100000"/>
-              </a:lnSpc>
-              <a:buClr>
-                <a:srgbClr val="FFFFFF"/>
-              </a:buClr>
-              <a:buFont typeface="Nunito Sans"/>
-              <a:buChar char="●"/>
-            </a:pPr>
-            <a:r>
-              <a:rPr lang="en-US" sz="1300" b="0" strike="noStrike" spc="-1">
-                <a:solidFill>
-                  <a:srgbClr val="FFFFFF"/>
-                </a:solidFill>
-                <a:latin typeface="Nunito Sans"/>
-                <a:ea typeface="Nunito Sans"/>
-              </a:rPr>
-              <a:t>Behaviors are separate in specific clases that implement the general interface (IStrategy).</a:t>
-            </a:r>
-            <a:endParaRPr lang="en-US" sz="1300" b="0" strike="noStrike" spc="-1">
-              <a:latin typeface="Arial"/>
-            </a:endParaRPr>
-          </a:p>
-          <a:p>
-            <a:pPr algn="just">
-              <a:lnSpc>
-                <a:spcPct val="100000"/>
-              </a:lnSpc>
-            </a:pPr>
-            <a:endParaRPr lang="en-US" sz="1300" b="0" strike="noStrike" spc="-1">
-              <a:latin typeface="Arial"/>
-            </a:endParaRPr>
-          </a:p>
-          <a:p>
-            <a:pPr marL="457200" indent="-310680" algn="just">
-              <a:lnSpc>
-                <a:spcPct val="100000"/>
-              </a:lnSpc>
-              <a:buClr>
-                <a:srgbClr val="FFFFFF"/>
-              </a:buClr>
-              <a:buFont typeface="Nunito Sans"/>
-              <a:buChar char="●"/>
-            </a:pPr>
-            <a:r>
-              <a:rPr lang="en-US" sz="1300" b="0" strike="noStrike" spc="-1">
-                <a:solidFill>
-                  <a:srgbClr val="FFFFFF"/>
-                </a:solidFill>
-                <a:latin typeface="Nunito Sans"/>
-                <a:ea typeface="Nunito Sans"/>
-              </a:rPr>
-              <a:t>Allow better decoupling between the classs that uses a specific behavior</a:t>
-            </a:r>
-            <a:endParaRPr lang="en-US" sz="1300" b="0" strike="noStrike" spc="-1">
-              <a:latin typeface="Arial"/>
-            </a:endParaRPr>
-          </a:p>
-          <a:p>
-            <a:pPr algn="just">
-              <a:lnSpc>
-                <a:spcPct val="100000"/>
-              </a:lnSpc>
-            </a:pPr>
-            <a:endParaRPr lang="en-US" sz="1300" b="0" strike="noStrike" spc="-1">
-              <a:latin typeface="Arial"/>
-            </a:endParaRPr>
-          </a:p>
-          <a:p>
-            <a:pPr marL="457200" indent="-310680" algn="just">
-              <a:lnSpc>
-                <a:spcPct val="100000"/>
-              </a:lnSpc>
-              <a:buClr>
-                <a:srgbClr val="FFFFFF"/>
-              </a:buClr>
-              <a:buFont typeface="Nunito Sans"/>
-              <a:buChar char="●"/>
-            </a:pPr>
-            <a:r>
-              <a:rPr lang="en-US" sz="1300" b="0" strike="noStrike" spc="-1">
-                <a:solidFill>
-                  <a:srgbClr val="FFFFFF"/>
-                </a:solidFill>
-                <a:latin typeface="Nunito Sans"/>
-                <a:ea typeface="Nunito Sans"/>
-              </a:rPr>
-              <a:t>The behavior in the ConcreteStrategyClass can be changed without breaking the classes that use it</a:t>
-            </a:r>
-            <a:endParaRPr lang="en-US" sz="1300" b="0" strike="noStrike" spc="-1">
-              <a:latin typeface="Arial"/>
-            </a:endParaRPr>
-          </a:p>
-          <a:p>
-            <a:pPr algn="just">
-              <a:lnSpc>
-                <a:spcPct val="100000"/>
-              </a:lnSpc>
-            </a:pPr>
-            <a:endParaRPr lang="en-US" sz="1300" b="0" strike="noStrike" spc="-1">
-              <a:latin typeface="Arial"/>
-            </a:endParaRPr>
-          </a:p>
-          <a:p>
-            <a:pPr marL="457200" indent="-310680" algn="just">
-              <a:lnSpc>
-                <a:spcPct val="100000"/>
-              </a:lnSpc>
-              <a:buClr>
-                <a:srgbClr val="FFFFFF"/>
-              </a:buClr>
-              <a:buFont typeface="Nunito Sans"/>
-              <a:buChar char="●"/>
-            </a:pPr>
-            <a:r>
-              <a:rPr lang="en-US" sz="1300" b="0" strike="noStrike" spc="-1">
-                <a:solidFill>
-                  <a:srgbClr val="FFFFFF"/>
-                </a:solidFill>
-                <a:latin typeface="Nunito Sans"/>
-                <a:ea typeface="Nunito Sans"/>
-              </a:rPr>
-              <a:t>Use this patter whenever:</a:t>
-            </a:r>
-            <a:endParaRPr lang="en-US" sz="1300" b="0" strike="noStrike" spc="-1">
-              <a:latin typeface="Arial"/>
-            </a:endParaRPr>
-          </a:p>
-          <a:p>
-            <a:pPr algn="just">
-              <a:lnSpc>
-                <a:spcPct val="100000"/>
-              </a:lnSpc>
-            </a:pPr>
-            <a:endParaRPr lang="en-US" sz="1300" b="0" strike="noStrike" spc="-1">
-              <a:latin typeface="Arial"/>
-            </a:endParaRPr>
-          </a:p>
-          <a:p>
-            <a:pPr marL="488880" lvl="4" indent="-342720" algn="just">
-              <a:lnSpc>
-                <a:spcPct val="100000"/>
-              </a:lnSpc>
-              <a:buClr>
-                <a:srgbClr val="FFFFFF"/>
-              </a:buClr>
-              <a:buFont typeface="Arial"/>
-              <a:buAutoNum type="arabicPeriod"/>
-            </a:pPr>
-            <a:r>
-              <a:rPr lang="en-US" sz="1300" b="0" strike="noStrike" spc="-1">
-                <a:solidFill>
-                  <a:srgbClr val="FFFFFF"/>
-                </a:solidFill>
-                <a:latin typeface="Nunito Sans"/>
-                <a:ea typeface="Nunito Sans"/>
-              </a:rPr>
-              <a:t>Many related classes differ only in their behaviour</a:t>
-            </a:r>
-            <a:endParaRPr lang="en-US" sz="1300" b="0" strike="noStrike" spc="-1">
-              <a:latin typeface="Arial"/>
-            </a:endParaRPr>
-          </a:p>
-          <a:p>
-            <a:pPr algn="just">
-              <a:lnSpc>
-                <a:spcPct val="100000"/>
-              </a:lnSpc>
-            </a:pPr>
-            <a:endParaRPr lang="en-US" sz="1300" b="0" strike="noStrike" spc="-1">
-              <a:latin typeface="Arial"/>
-            </a:endParaRPr>
-          </a:p>
-          <a:p>
-            <a:pPr marL="488880" lvl="4" indent="-342720" algn="just">
-              <a:lnSpc>
-                <a:spcPct val="100000"/>
-              </a:lnSpc>
-              <a:buClr>
-                <a:srgbClr val="FFFFFF"/>
-              </a:buClr>
-              <a:buFont typeface="Arial"/>
-              <a:buAutoNum type="arabicPeriod"/>
-            </a:pPr>
-            <a:r>
-              <a:rPr lang="en-US" sz="1300" b="0" strike="noStrike" spc="-1">
-                <a:solidFill>
-                  <a:srgbClr val="FFFFFF"/>
-                </a:solidFill>
-                <a:latin typeface="Nunito Sans"/>
-                <a:ea typeface="Nunito Sans"/>
-              </a:rPr>
-              <a:t>A class defines many behaviors, and these appear as multiple conditional statements in its operations. Instead of many conditionals, move related conditional branches into their own strategy</a:t>
-            </a:r>
-            <a:endParaRPr lang="en-US" sz="1300" b="0" strike="noStrike" spc="-1">
-              <a:latin typeface="Arial"/>
-            </a:endParaRPr>
-          </a:p>
-          <a:p>
-            <a:pPr algn="just">
-              <a:lnSpc>
-                <a:spcPct val="100000"/>
-              </a:lnSpc>
-            </a:pPr>
-            <a:endParaRPr lang="en-US" sz="1300" b="0" strike="noStrike" spc="-1">
-              <a:latin typeface="Arial"/>
-            </a:endParaRPr>
-          </a:p>
-          <a:p>
-            <a:pPr marL="488880" lvl="4" indent="-342720" algn="just">
-              <a:lnSpc>
-                <a:spcPct val="100000"/>
-              </a:lnSpc>
-              <a:buClr>
-                <a:srgbClr val="FFFFFF"/>
-              </a:buClr>
-              <a:buFont typeface="Arial"/>
-              <a:buAutoNum type="arabicPeriod"/>
-            </a:pPr>
-            <a:r>
-              <a:rPr lang="en-US" sz="1300" b="0" strike="noStrike" spc="-1">
-                <a:solidFill>
-                  <a:srgbClr val="FFFFFF"/>
-                </a:solidFill>
-                <a:latin typeface="Nunito Sans"/>
-                <a:ea typeface="Nunito Sans"/>
-              </a:rPr>
-              <a:t>An algorithm uses data that clients shouldn’t know about. Use this pattern to avoid exposing complex, algorithm-specific data structures.</a:t>
-            </a:r>
-            <a:endParaRPr lang="en-US" sz="1300" b="0" strike="noStrike" spc="-1">
-              <a:latin typeface="Arial"/>
-            </a:endParaRPr>
-          </a:p>
-          <a:p>
-            <a:pPr marL="146160" algn="just">
-              <a:lnSpc>
-                <a:spcPct val="100000"/>
-              </a:lnSpc>
-            </a:pPr>
-            <a:r>
-              <a:rPr lang="en-US" sz="1300" b="0" strike="noStrike" spc="-1">
-                <a:solidFill>
-                  <a:srgbClr val="FFFFFF"/>
-                </a:solidFill>
-                <a:latin typeface="Nunito Sans"/>
-                <a:ea typeface="Nunito Sans"/>
-              </a:rPr>
-              <a:t> </a:t>
-            </a:r>
-            <a:endParaRPr lang="en-US" sz="1300" b="0" strike="noStrike" spc="-1">
-              <a:latin typeface="Arial"/>
-            </a:endParaRPr>
-          </a:p>
-          <a:p>
-            <a:pPr algn="just">
-              <a:lnSpc>
-                <a:spcPct val="100000"/>
-              </a:lnSpc>
-            </a:pPr>
-            <a:endParaRPr lang="en-US" sz="1300" b="0" strike="noStrike" spc="-1">
-              <a:latin typeface="Arial"/>
-            </a:endParaRPr>
-          </a:p>
-        </p:txBody>
-      </p:sp>
-      <p:sp>
-        <p:nvSpPr>
-          <p:cNvPr id="123" name="CustomShape 2"/>
+      </p:sp>
+      <p:sp>
+        <p:nvSpPr>
+          <p:cNvPr id="162" name="CustomShape 2"/>
           <p:cNvSpPr/>
           <p:nvPr/>
         </p:nvSpPr>
@@ -6056,7 +5962,7 @@
       </p:sp>
       <p:sp>
         <p:nvSpPr>
-          <p:cNvPr id="124" name="CustomShape 3"/>
+          <p:cNvPr id="163" name="CustomShape 3"/>
           <p:cNvSpPr/>
           <p:nvPr/>
         </p:nvSpPr>
@@ -6097,22 +6003,199 @@
               </a:lnSpc>
             </a:pPr>
             <a:r>
-              <a:rPr lang="en-US" sz="3200" b="1" strike="noStrike" spc="-1">
+              <a:rPr lang="en-US" sz="2400" dirty="0">
+                <a:solidFill>
+                  <a:srgbClr val="96B51A"/>
+                </a:solidFill>
+                <a:cs typeface="Arial" panose="020B0604020202020204"/>
+              </a:rPr>
+              <a:t>Advantage / Disadvantage</a:t>
+            </a:r>
+          </a:p>
+        </p:txBody>
+      </p:sp>
+      <p:pic>
+        <p:nvPicPr>
+          <p:cNvPr id="2052" name="Picture 4" descr="Image result for homer doh without background">
+            <a:extLst>
+              <a:ext uri="{FF2B5EF4-FFF2-40B4-BE49-F238E27FC236}">
+                <a16:creationId xmlns:a16="http://schemas.microsoft.com/office/drawing/2014/main" id="{11E286D0-5068-4F11-B530-2A07C6DE6257}"/>
+              </a:ext>
+            </a:extLst>
+          </p:cNvPr>
+          <p:cNvPicPr>
+            <a:picLocks noChangeAspect="1" noChangeArrowheads="1"/>
+          </p:cNvPicPr>
+          <p:nvPr/>
+        </p:nvPicPr>
+        <p:blipFill>
+          <a:blip r:embed="rId2">
+            <a:extLst>
+              <a:ext uri="{28A0092B-C50C-407E-A947-70E740481C1C}">
+                <a14:useLocalDpi xmlns:a14="http://schemas.microsoft.com/office/drawing/2010/main" val="0"/>
+              </a:ext>
+            </a:extLst>
+          </a:blip>
+          <a:srcRect/>
+          <a:stretch>
+            <a:fillRect/>
+          </a:stretch>
+        </p:blipFill>
+        <p:spPr bwMode="auto">
+          <a:xfrm>
+            <a:off x="7228873" y="1877087"/>
+            <a:ext cx="1041660" cy="1222930"/>
+          </a:xfrm>
+          <a:prstGeom prst="rect">
+            <a:avLst/>
+          </a:prstGeom>
+          <a:noFill/>
+          <a:extLst>
+            <a:ext uri="{909E8E84-426E-40DD-AFC4-6F175D3DCCD1}">
+              <a14:hiddenFill xmlns:a14="http://schemas.microsoft.com/office/drawing/2010/main">
                 <a:solidFill>
                   <a:srgbClr val="FFFFFF"/>
                 </a:solidFill>
-                <a:latin typeface="Montserrat"/>
-                <a:ea typeface="Montserrat"/>
+              </a14:hiddenFill>
+            </a:ext>
+          </a:extLst>
+        </p:spPr>
+      </p:pic>
+      <p:sp>
+        <p:nvSpPr>
+          <p:cNvPr id="8" name="TextBox 7">
+            <a:extLst>
+              <a:ext uri="{FF2B5EF4-FFF2-40B4-BE49-F238E27FC236}">
+                <a16:creationId xmlns:a16="http://schemas.microsoft.com/office/drawing/2014/main" id="{9C617690-E301-490D-911B-C2A27BA0B8DA}"/>
+              </a:ext>
+            </a:extLst>
+          </p:cNvPr>
+          <p:cNvSpPr txBox="1"/>
+          <p:nvPr/>
+        </p:nvSpPr>
+        <p:spPr>
+          <a:xfrm>
+            <a:off x="405634" y="1149724"/>
+            <a:ext cx="5920737" cy="2760612"/>
+          </a:xfrm>
+          <a:prstGeom prst="rect">
+            <a:avLst/>
+          </a:prstGeom>
+          <a:noFill/>
+        </p:spPr>
+        <p:txBody>
+          <a:bodyPr wrap="square" rtlCol="0">
+            <a:spAutoFit/>
+          </a:bodyPr>
+          <a:lstStyle/>
+          <a:p>
+            <a:pPr algn="just"/>
+            <a:r>
+              <a:rPr lang="en-US" sz="1400" dirty="0">
+                <a:solidFill>
+                  <a:schemeClr val="bg1"/>
+                </a:solidFill>
               </a:rPr>
-              <a:t>Strategy Pattern - Benefits</a:t>
+              <a:t>Disadvantage:</a:t>
             </a:r>
-            <a:endParaRPr lang="en-US" sz="3200" b="0" strike="noStrike" spc="-1">
-              <a:latin typeface="Arial"/>
-            </a:endParaRPr>
+          </a:p>
+          <a:p>
+            <a:pPr marL="742950" lvl="1" indent="-285750" algn="just">
+              <a:buFont typeface="Arial" panose="020B0604020202020204" pitchFamily="34" charset="0"/>
+              <a:buChar char="•"/>
+            </a:pPr>
+            <a:r>
+              <a:rPr lang="en-US" sz="1400" dirty="0">
+                <a:solidFill>
+                  <a:schemeClr val="bg1"/>
+                </a:solidFill>
+              </a:rPr>
+              <a:t>Easy to broke: if the developer doesn’t call the next handler the request can be lost on the way. (the execution is handled by subclasses instead of the super class)</a:t>
+            </a:r>
+          </a:p>
+          <a:p>
+            <a:pPr marL="742950" lvl="1" indent="-285750" algn="just">
+              <a:buFont typeface="Arial" panose="020B0604020202020204" pitchFamily="34" charset="0"/>
+              <a:buChar char="•"/>
+            </a:pPr>
+            <a:endParaRPr lang="en-US" sz="1400" dirty="0">
+              <a:solidFill>
+                <a:schemeClr val="bg1"/>
+              </a:solidFill>
+            </a:endParaRPr>
+          </a:p>
+          <a:p>
+            <a:pPr marL="742950" lvl="1" indent="-285750" algn="just">
+              <a:buFont typeface="Arial" panose="020B0604020202020204" pitchFamily="34" charset="0"/>
+              <a:buChar char="•"/>
+            </a:pPr>
+            <a:r>
+              <a:rPr lang="en-US" sz="1400" dirty="0">
+                <a:solidFill>
+                  <a:schemeClr val="bg1"/>
+                </a:solidFill>
+              </a:rPr>
+              <a:t>some requests may end up unhandled due to the wrong implementation of concrete handler</a:t>
+            </a:r>
+          </a:p>
+          <a:p>
+            <a:pPr marL="742950" lvl="1" indent="-285750" algn="just">
+              <a:buFont typeface="Arial" panose="020B0604020202020204" pitchFamily="34" charset="0"/>
+              <a:buChar char="•"/>
+            </a:pPr>
+            <a:endParaRPr lang="en-US" sz="1400" dirty="0">
+              <a:solidFill>
+                <a:schemeClr val="bg1"/>
+              </a:solidFill>
+            </a:endParaRPr>
+          </a:p>
+          <a:p>
+            <a:pPr marL="742950" lvl="1" indent="-285750" algn="just">
+              <a:buFont typeface="Arial" panose="020B0604020202020204" pitchFamily="34" charset="0"/>
+              <a:buChar char="•"/>
+            </a:pPr>
+            <a:r>
+              <a:rPr lang="en-US" sz="1400" dirty="0">
+                <a:solidFill>
+                  <a:schemeClr val="bg1"/>
+                </a:solidFill>
+              </a:rPr>
+              <a:t>Performance can be affected</a:t>
+            </a:r>
+          </a:p>
+          <a:p>
+            <a:pPr marL="742950" lvl="1" indent="-285750" algn="just">
+              <a:buFont typeface="Arial" panose="020B0604020202020204" pitchFamily="34" charset="0"/>
+              <a:buChar char="•"/>
+            </a:pPr>
+            <a:endParaRPr lang="en-US" sz="1400" dirty="0">
+              <a:solidFill>
+                <a:schemeClr val="bg1"/>
+              </a:solidFill>
+            </a:endParaRPr>
+          </a:p>
+          <a:p>
+            <a:pPr marL="742950" lvl="1" indent="-285750" algn="just">
+              <a:buFont typeface="Arial" panose="020B0604020202020204" pitchFamily="34" charset="0"/>
+              <a:buChar char="•"/>
+            </a:pPr>
+            <a:r>
+              <a:rPr lang="en-US" sz="1400" dirty="0">
+                <a:solidFill>
+                  <a:schemeClr val="bg1"/>
+                </a:solidFill>
+              </a:rPr>
+              <a:t>Debugging is not easy to do because the implementation may cause cycle calls</a:t>
+            </a:r>
           </a:p>
         </p:txBody>
       </p:sp>
     </p:spTree>
+    <p:extLst>
+      <p:ext uri="{BB962C8B-B14F-4D97-AF65-F5344CB8AC3E}">
+        <p14:creationId xmlns:p14="http://schemas.microsoft.com/office/powerpoint/2010/main" val="981103599"/>
+      </p:ext>
+    </p:extLst>
   </p:cSld>
   <p:clrMapOvr>
     <a:masterClrMapping/>
@@ -6147,7 +6230,39 @@
       </p:grpSpPr>
       <p:sp>
         <p:nvSpPr>
-          <p:cNvPr id="125" name="CustomShape 1"/>
+          <p:cNvPr id="161" name="CustomShape 1"/>
+          <p:cNvSpPr/>
+          <p:nvPr/>
+        </p:nvSpPr>
+        <p:spPr>
+          <a:xfrm>
+            <a:off x="4114800" y="1257120"/>
+            <a:ext cx="4774680" cy="2949120"/>
+          </a:xfrm>
+          <a:prstGeom prst="rect">
+            <a:avLst/>
+          </a:prstGeom>
+          <a:noFill/>
+          <a:ln>
+            <a:noFill/>
+          </a:ln>
+        </p:spPr>
+        <p:style>
+          <a:lnRef idx="0">
+            <a:scrgbClr r="0" g="0" b="0"/>
+          </a:lnRef>
+          <a:fillRef idx="0">
+            <a:scrgbClr r="0" g="0" b="0"/>
+          </a:fillRef>
+          <a:effectRef idx="0">
+            <a:scrgbClr r="0" g="0" b="0"/>
+          </a:effectRef>
+          <a:fontRef idx="minor"/>
+        </p:style>
+      </p:sp>
+      <p:sp>
+        <p:nvSpPr>
+          <p:cNvPr id="162" name="CustomShape 2"/>
           <p:cNvSpPr/>
           <p:nvPr/>
         </p:nvSpPr>
@@ -6181,7 +6296,7 @@
       </p:sp>
       <p:sp>
         <p:nvSpPr>
-          <p:cNvPr id="126" name="CustomShape 2"/>
+          <p:cNvPr id="163" name="CustomShape 3"/>
           <p:cNvSpPr/>
           <p:nvPr/>
         </p:nvSpPr>
@@ -6222,45 +6337,219 @@
               </a:lnSpc>
             </a:pPr>
             <a:r>
-              <a:rPr lang="en-US" sz="3200" b="1" strike="noStrike" spc="-1">
-                <a:solidFill>
-                  <a:srgbClr val="FFFFFF"/>
-                </a:solidFill>
-                <a:latin typeface="Montserrat"/>
-                <a:ea typeface="Montserrat"/>
+              <a:rPr lang="en-US" sz="2400" dirty="0">
+                <a:solidFill>
+                  <a:srgbClr val="96B51A"/>
+                </a:solidFill>
+                <a:cs typeface="Arial" panose="020B0604020202020204"/>
               </a:rPr>
-              <a:t>Strategy – Class Diagram</a:t>
+              <a:t>When to use it? </a:t>
             </a:r>
-            <a:endParaRPr lang="en-US" sz="3200" b="0" strike="noStrike" spc="-1">
-              <a:latin typeface="Arial"/>
-            </a:endParaRPr>
+          </a:p>
+        </p:txBody>
+      </p:sp>
+      <p:sp>
+        <p:nvSpPr>
+          <p:cNvPr id="2" name="TextBox 1">
+            <a:extLst>
+              <a:ext uri="{FF2B5EF4-FFF2-40B4-BE49-F238E27FC236}">
+                <a16:creationId xmlns:a16="http://schemas.microsoft.com/office/drawing/2014/main" id="{AA0A5C92-09F4-49B1-8318-95D3B3487FE8}"/>
+              </a:ext>
+            </a:extLst>
+          </p:cNvPr>
+          <p:cNvSpPr txBox="1"/>
+          <p:nvPr/>
+        </p:nvSpPr>
+        <p:spPr>
+          <a:xfrm>
+            <a:off x="254520" y="1048372"/>
+            <a:ext cx="5869833" cy="2677656"/>
+          </a:xfrm>
+          <a:prstGeom prst="rect">
+            <a:avLst/>
+          </a:prstGeom>
+          <a:noFill/>
+        </p:spPr>
+        <p:txBody>
+          <a:bodyPr wrap="square" rtlCol="0">
+            <a:spAutoFit/>
+          </a:bodyPr>
+          <a:lstStyle/>
+          <a:p>
+            <a:pPr marL="285750" indent="-285750" algn="just">
+              <a:buFont typeface="Arial" panose="020B0604020202020204" pitchFamily="34" charset="0"/>
+              <a:buChar char="•"/>
+            </a:pPr>
+            <a:r>
+              <a:rPr lang="en-US" sz="1400" dirty="0">
+                <a:solidFill>
+                  <a:schemeClr val="bg1"/>
+                </a:solidFill>
+              </a:rPr>
+              <a:t>Decouple a request’s sender and receiver </a:t>
+            </a:r>
+          </a:p>
+          <a:p>
+            <a:pPr marL="285750" indent="-285750" algn="just">
+              <a:buFont typeface="Arial" panose="020B0604020202020204" pitchFamily="34" charset="0"/>
+              <a:buChar char="•"/>
+            </a:pPr>
+            <a:endParaRPr lang="en-US" sz="1400" dirty="0">
+              <a:solidFill>
+                <a:schemeClr val="bg1"/>
+              </a:solidFill>
+            </a:endParaRPr>
+          </a:p>
+          <a:p>
+            <a:pPr marL="285750" indent="-285750" algn="just">
+              <a:buFont typeface="Arial" panose="020B0604020202020204" pitchFamily="34" charset="0"/>
+              <a:buChar char="•"/>
+            </a:pPr>
+            <a:r>
+              <a:rPr lang="en-US" sz="1400" dirty="0">
+                <a:solidFill>
+                  <a:schemeClr val="bg1"/>
+                </a:solidFill>
+              </a:rPr>
+              <a:t>Multiple objects, determined at runtime, are candidates to handle a request</a:t>
+            </a:r>
+          </a:p>
+          <a:p>
+            <a:pPr marL="742950" lvl="1" indent="-285750" algn="just">
+              <a:buFont typeface="Arial" panose="020B0604020202020204" pitchFamily="34" charset="0"/>
+              <a:buChar char="•"/>
+            </a:pPr>
+            <a:r>
+              <a:rPr lang="en-US" sz="1400" dirty="0">
+                <a:solidFill>
+                  <a:schemeClr val="bg1"/>
+                </a:solidFill>
+              </a:rPr>
+              <a:t>The handler is not known in advance</a:t>
+            </a:r>
+          </a:p>
+          <a:p>
+            <a:pPr marL="285750" indent="-285750" algn="just">
+              <a:buFont typeface="Arial" panose="020B0604020202020204" pitchFamily="34" charset="0"/>
+              <a:buChar char="•"/>
+            </a:pPr>
+            <a:endParaRPr lang="en-US" sz="1400" dirty="0">
+              <a:solidFill>
+                <a:schemeClr val="bg1"/>
+              </a:solidFill>
+            </a:endParaRPr>
+          </a:p>
+          <a:p>
+            <a:pPr marL="285750" indent="-285750" algn="just">
+              <a:buFont typeface="Arial" panose="020B0604020202020204" pitchFamily="34" charset="0"/>
+              <a:buChar char="•"/>
+            </a:pPr>
+            <a:r>
+              <a:rPr lang="en-US" sz="1400" dirty="0">
+                <a:solidFill>
+                  <a:schemeClr val="bg1"/>
+                </a:solidFill>
+              </a:rPr>
+              <a:t>specify handlers is not necessary </a:t>
+            </a:r>
+          </a:p>
+          <a:p>
+            <a:pPr marL="285750" indent="-285750" algn="just">
+              <a:buFont typeface="Arial" panose="020B0604020202020204" pitchFamily="34" charset="0"/>
+              <a:buChar char="•"/>
+            </a:pPr>
+            <a:endParaRPr lang="en-US" sz="1400" dirty="0">
+              <a:solidFill>
+                <a:schemeClr val="bg1"/>
+              </a:solidFill>
+            </a:endParaRPr>
+          </a:p>
+          <a:p>
+            <a:pPr marL="285750" indent="-285750" algn="just">
+              <a:buFont typeface="Arial" panose="020B0604020202020204" pitchFamily="34" charset="0"/>
+              <a:buChar char="•"/>
+            </a:pPr>
+            <a:r>
+              <a:rPr lang="en-US" sz="1400" dirty="0">
+                <a:solidFill>
+                  <a:schemeClr val="bg1"/>
+                </a:solidFill>
+              </a:rPr>
+              <a:t>The object can be handle by one or more requests </a:t>
+            </a:r>
+          </a:p>
+          <a:p>
+            <a:pPr marL="285750" indent="-285750" algn="just">
+              <a:buFont typeface="Arial" panose="020B0604020202020204" pitchFamily="34" charset="0"/>
+              <a:buChar char="•"/>
+            </a:pPr>
+            <a:endParaRPr lang="en-US" sz="1400" dirty="0">
+              <a:solidFill>
+                <a:schemeClr val="bg1"/>
+              </a:solidFill>
+            </a:endParaRPr>
+          </a:p>
+          <a:p>
+            <a:pPr marL="285750" indent="-285750" algn="just">
+              <a:buFont typeface="Arial" panose="020B0604020202020204" pitchFamily="34" charset="0"/>
+              <a:buChar char="•"/>
+            </a:pPr>
+            <a:r>
+              <a:rPr lang="en-US" sz="1400" dirty="0">
+                <a:solidFill>
+                  <a:schemeClr val="bg1"/>
+                </a:solidFill>
+              </a:rPr>
+              <a:t>It’s wished that the request is addressed to a group of objects without explicitly specifying its receiver</a:t>
+            </a:r>
           </a:p>
         </p:txBody>
       </p:sp>
       <p:pic>
         <p:nvPicPr>
-          <p:cNvPr id="127" name="Imagen 3"/>
-          <p:cNvPicPr/>
+          <p:cNvPr id="4100" name="Picture 4" descr="Image result for homer thinking with glasses without background">
+            <a:extLst>
+              <a:ext uri="{FF2B5EF4-FFF2-40B4-BE49-F238E27FC236}">
+                <a16:creationId xmlns:a16="http://schemas.microsoft.com/office/drawing/2014/main" id="{5EC6A25D-704D-42F6-9728-C0D4D014EF54}"/>
+              </a:ext>
+            </a:extLst>
+          </p:cNvPr>
+          <p:cNvPicPr>
+            <a:picLocks noChangeAspect="1" noChangeArrowheads="1"/>
+          </p:cNvPicPr>
           <p:nvPr/>
         </p:nvPicPr>
         <p:blipFill>
-          <a:blip r:embed="rId2"/>
-          <a:stretch/>
+          <a:blip r:embed="rId2">
+            <a:extLst>
+              <a:ext uri="{28A0092B-C50C-407E-A947-70E740481C1C}">
+                <a14:useLocalDpi xmlns:a14="http://schemas.microsoft.com/office/drawing/2010/main" val="0"/>
+              </a:ext>
+            </a:extLst>
+          </a:blip>
+          <a:srcRect/>
+          <a:stretch>
+            <a:fillRect/>
+          </a:stretch>
         </p:blipFill>
-        <p:spPr>
-          <a:xfrm>
-            <a:off x="1090440" y="928800"/>
-            <a:ext cx="6962400" cy="3285720"/>
-          </a:xfrm>
-          <a:prstGeom prst="rect">
-            <a:avLst/>
-          </a:prstGeom>
-          <a:ln>
-            <a:noFill/>
-          </a:ln>
+        <p:spPr bwMode="auto">
+          <a:xfrm>
+            <a:off x="6653171" y="1559256"/>
+            <a:ext cx="1707490" cy="2024988"/>
+          </a:xfrm>
+          <a:prstGeom prst="rect">
+            <a:avLst/>
+          </a:prstGeom>
+          <a:noFill/>
+          <a:extLst/>
         </p:spPr>
       </p:pic>
     </p:spTree>
+    <p:extLst>
+      <p:ext uri="{BB962C8B-B14F-4D97-AF65-F5344CB8AC3E}">
+        <p14:creationId xmlns:p14="http://schemas.microsoft.com/office/powerpoint/2010/main" val="1440524593"/>
+      </p:ext>
+    </p:extLst>
   </p:cSld>
   <p:clrMapOvr>
     <a:masterClrMapping/>
@@ -6295,7 +6584,39 @@
       </p:grpSpPr>
       <p:sp>
         <p:nvSpPr>
-          <p:cNvPr id="128" name="CustomShape 1"/>
+          <p:cNvPr id="161" name="CustomShape 1"/>
+          <p:cNvSpPr/>
+          <p:nvPr/>
+        </p:nvSpPr>
+        <p:spPr>
+          <a:xfrm>
+            <a:off x="4148417" y="1257120"/>
+            <a:ext cx="4774680" cy="2949120"/>
+          </a:xfrm>
+          <a:prstGeom prst="rect">
+            <a:avLst/>
+          </a:prstGeom>
+          <a:noFill/>
+          <a:ln>
+            <a:noFill/>
+          </a:ln>
+        </p:spPr>
+        <p:style>
+          <a:lnRef idx="0">
+            <a:scrgbClr r="0" g="0" b="0"/>
+          </a:lnRef>
+          <a:fillRef idx="0">
+            <a:scrgbClr r="0" g="0" b="0"/>
+          </a:fillRef>
+          <a:effectRef idx="0">
+            <a:scrgbClr r="0" g="0" b="0"/>
+          </a:effectRef>
+          <a:fontRef idx="minor"/>
+        </p:style>
+      </p:sp>
+      <p:sp>
+        <p:nvSpPr>
+          <p:cNvPr id="162" name="CustomShape 2"/>
           <p:cNvSpPr/>
           <p:nvPr/>
         </p:nvSpPr>
@@ -6329,7 +6650,7 @@
       </p:sp>
       <p:sp>
         <p:nvSpPr>
-          <p:cNvPr id="129" name="CustomShape 2"/>
+          <p:cNvPr id="163" name="CustomShape 3"/>
           <p:cNvSpPr/>
           <p:nvPr/>
         </p:nvSpPr>
@@ -6370,45 +6691,73 @@
               </a:lnSpc>
             </a:pPr>
             <a:r>
-              <a:rPr lang="en-US" sz="3200" b="1" strike="noStrike" spc="-1">
-                <a:solidFill>
-                  <a:srgbClr val="FFFFFF"/>
-                </a:solidFill>
-                <a:latin typeface="Montserrat"/>
-                <a:ea typeface="Montserrat"/>
+              <a:rPr lang="en-US" sz="2400" dirty="0">
+                <a:solidFill>
+                  <a:srgbClr val="96B51A"/>
+                </a:solidFill>
+                <a:cs typeface="Arial" panose="020B0604020202020204"/>
               </a:rPr>
-              <a:t>Strategy – Diagram of Sequence</a:t>
+              <a:t>Class Diagram</a:t>
             </a:r>
-            <a:endParaRPr lang="en-US" sz="3200" b="0" strike="noStrike" spc="-1">
-              <a:latin typeface="Arial"/>
-            </a:endParaRPr>
           </a:p>
         </p:txBody>
       </p:sp>
       <p:pic>
         <p:nvPicPr>
-          <p:cNvPr id="130" name="Imagen 1"/>
-          <p:cNvPicPr/>
+          <p:cNvPr id="3" name="Picture 2" descr="A screenshot of a cell phone&#10;&#10;Description automatically generated">
+            <a:extLst>
+              <a:ext uri="{FF2B5EF4-FFF2-40B4-BE49-F238E27FC236}">
+                <a16:creationId xmlns:a16="http://schemas.microsoft.com/office/drawing/2014/main" id="{3D15289E-E304-47ED-B308-136908521E09}"/>
+              </a:ext>
+            </a:extLst>
+          </p:cNvPr>
+          <p:cNvPicPr>
+            <a:picLocks noChangeAspect="1"/>
+          </p:cNvPicPr>
           <p:nvPr/>
         </p:nvPicPr>
         <p:blipFill>
-          <a:blip r:embed="rId2"/>
-          <a:stretch/>
+          <a:blip r:embed="rId2">
+            <a:extLst>
+              <a:ext uri="{28A0092B-C50C-407E-A947-70E740481C1C}">
+                <a14:useLocalDpi xmlns:a14="http://schemas.microsoft.com/office/drawing/2010/main" val="0"/>
+              </a:ext>
+            </a:extLst>
+          </a:blip>
+          <a:stretch>
+            <a:fillRect/>
+          </a:stretch>
         </p:blipFill>
         <p:spPr>
           <a:xfrm>
-            <a:off x="1166760" y="978120"/>
-            <a:ext cx="6810120" cy="3752640"/>
-          </a:xfrm>
-          <a:prstGeom prst="rect">
-            <a:avLst/>
-          </a:prstGeom>
-          <a:ln>
-            <a:noFill/>
-          </a:ln>
-        </p:spPr>
+            <a:off x="1308006" y="1036544"/>
+            <a:ext cx="6527987" cy="3232098"/>
+          </a:xfrm>
+          <a:prstGeom prst="rect">
+            <a:avLst/>
+          </a:prstGeom>
+        </p:spPr>
+        <p:style>
+          <a:lnRef idx="2">
+            <a:schemeClr val="accent3"/>
+          </a:lnRef>
+          <a:fillRef idx="1">
+            <a:schemeClr val="lt1"/>
+          </a:fillRef>
+          <a:effectRef idx="0">
+            <a:schemeClr val="accent3"/>
+          </a:effectRef>
+          <a:fontRef idx="minor">
+            <a:schemeClr val="dk1"/>
+          </a:fontRef>
+        </p:style>
       </p:pic>
     </p:spTree>
+    <p:extLst>
+      <p:ext uri="{BB962C8B-B14F-4D97-AF65-F5344CB8AC3E}">
+        <p14:creationId xmlns:p14="http://schemas.microsoft.com/office/powerpoint/2010/main" val="378672236"/>
+      </p:ext>
+    </p:extLst>
   </p:cSld>
   <p:clrMapOvr>
     <a:masterClrMapping/>
@@ -6417,132 +6766,6 @@
 </file>
 
 <file path=ppt/slides/slide18.xml><?xml version="1.0" encoding="utf-8"?>
-<p:sld xmlns:a="http://schemas.openxmlformats.org/drawingml/2006/main" xmlns:r="http://schemas.openxmlformats.org/officeDocument/2006/relationships" xmlns:p="http://schemas.openxmlformats.org/presentationml/2006/main">
-  <p:cSld>
-    <p:spTree>
-      <p:nvGrpSpPr>
-        <p:cNvPr id="1" name=""/>
-        <p:cNvGrpSpPr/>
-        <p:nvPr/>
-      </p:nvGrpSpPr>
-      <p:grpSpPr>
-        <a:xfrm>
-          <a:off x="0" y="0"/>
-          <a:ext cx="0" cy="0"/>
-          <a:chOff x="0" y="0"/>
-          <a:chExt cx="0" cy="0"/>
-        </a:xfrm>
-      </p:grpSpPr>
-      <p:pic>
-        <p:nvPicPr>
-          <p:cNvPr id="131" name="Google Shape;111;p27"/>
-          <p:cNvPicPr/>
-          <p:nvPr/>
-        </p:nvPicPr>
-        <p:blipFill>
-          <a:blip r:embed="rId2"/>
-          <a:stretch/>
-        </p:blipFill>
-        <p:spPr>
-          <a:xfrm>
-            <a:off x="0" y="0"/>
-            <a:ext cx="9143640" cy="5143320"/>
-          </a:xfrm>
-          <a:prstGeom prst="rect">
-            <a:avLst/>
-          </a:prstGeom>
-          <a:ln>
-            <a:noFill/>
-          </a:ln>
-        </p:spPr>
-      </p:pic>
-      <p:sp>
-        <p:nvSpPr>
-          <p:cNvPr id="132" name="CustomShape 1"/>
-          <p:cNvSpPr/>
-          <p:nvPr/>
-        </p:nvSpPr>
-        <p:spPr>
-          <a:xfrm>
-            <a:off x="281520" y="1252080"/>
-            <a:ext cx="8580600" cy="2639520"/>
-          </a:xfrm>
-          <a:prstGeom prst="rect">
-            <a:avLst/>
-          </a:prstGeom>
-          <a:noFill/>
-          <a:ln>
-            <a:noFill/>
-          </a:ln>
-        </p:spPr>
-        <p:style>
-          <a:lnRef idx="0">
-            <a:scrgbClr r="0" g="0" b="0"/>
-          </a:lnRef>
-          <a:fillRef idx="0">
-            <a:scrgbClr r="0" g="0" b="0"/>
-          </a:fillRef>
-          <a:effectRef idx="0">
-            <a:scrgbClr r="0" g="0" b="0"/>
-          </a:effectRef>
-          <a:fontRef idx="minor"/>
-        </p:style>
-        <p:txBody>
-          <a:bodyPr tIns="91440" bIns="91440">
-            <a:noAutofit/>
-          </a:bodyPr>
-          <a:lstStyle/>
-          <a:p>
-            <a:pPr algn="r">
-              <a:lnSpc>
-                <a:spcPct val="100000"/>
-              </a:lnSpc>
-            </a:pPr>
-            <a:endParaRPr lang="en-US" sz="1800" b="0" strike="noStrike" spc="-1">
-              <a:latin typeface="Arial"/>
-            </a:endParaRPr>
-          </a:p>
-          <a:p>
-            <a:pPr algn="r">
-              <a:lnSpc>
-                <a:spcPct val="100000"/>
-              </a:lnSpc>
-            </a:pPr>
-            <a:endParaRPr lang="en-US" sz="1800" b="0" strike="noStrike" spc="-1">
-              <a:latin typeface="Arial"/>
-            </a:endParaRPr>
-          </a:p>
-          <a:p>
-            <a:pPr algn="r">
-              <a:lnSpc>
-                <a:spcPct val="100000"/>
-              </a:lnSpc>
-            </a:pPr>
-            <a:r>
-              <a:rPr lang="en-US" sz="3400" b="0" strike="noStrike" spc="-1">
-                <a:solidFill>
-                  <a:srgbClr val="96B51A"/>
-                </a:solidFill>
-                <a:latin typeface="Droid Sans"/>
-                <a:ea typeface="Droid Sans"/>
-              </a:rPr>
-              <a:t>Adapter Pattern</a:t>
-            </a:r>
-            <a:endParaRPr lang="en-US" sz="3400" b="0" strike="noStrike" spc="-1">
-              <a:latin typeface="Arial"/>
-            </a:endParaRPr>
-          </a:p>
-        </p:txBody>
-      </p:sp>
-    </p:spTree>
-  </p:cSld>
-  <p:clrMapOvr>
-    <a:masterClrMapping/>
-  </p:clrMapOvr>
-</p:sld>
-</file>
-
-<file path=ppt/slides/slide19.xml><?xml version="1.0" encoding="utf-8"?>
 <p:sld xmlns:a="http://schemas.openxmlformats.org/drawingml/2006/main" xmlns:r="http://schemas.openxmlformats.org/officeDocument/2006/relationships" xmlns:p="http://schemas.openxmlformats.org/presentationml/2006/main">
   <p:cSld>
     <p:bg>
@@ -6569,13 +6792,13 @@
       </p:grpSpPr>
       <p:sp>
         <p:nvSpPr>
-          <p:cNvPr id="133" name="CustomShape 1"/>
+          <p:cNvPr id="161" name="CustomShape 1"/>
           <p:cNvSpPr/>
           <p:nvPr/>
         </p:nvSpPr>
         <p:spPr>
           <a:xfrm>
-            <a:off x="210960" y="1325160"/>
+            <a:off x="4148417" y="1257120"/>
             <a:ext cx="4774680" cy="2949120"/>
           </a:xfrm>
           <a:prstGeom prst="rect">
@@ -6598,36 +6821,10 @@
           </a:effectRef>
           <a:fontRef idx="minor"/>
         </p:style>
-        <p:txBody>
-          <a:bodyPr tIns="91440" bIns="91440">
-            <a:noAutofit/>
-          </a:bodyPr>
-          <a:lstStyle/>
-          <a:p>
-            <a:pPr marL="146160" algn="just">
-              <a:lnSpc>
-                <a:spcPct val="100000"/>
-              </a:lnSpc>
-            </a:pPr>
-            <a:r>
-              <a:rPr lang="en-US" sz="1400" b="0" strike="noStrike" spc="-1">
-                <a:solidFill>
-                  <a:srgbClr val="FFFFFF"/>
-                </a:solidFill>
-                <a:latin typeface="Nunito Sans"/>
-                <a:ea typeface="Nunito Sans"/>
-              </a:rPr>
-              <a:t>The Adapter design pattern is used when we have incompatible software interfaces, which, despite their incompatibility, have similar functionality. This pattern is implemented when you want to homogenize the way you work with these incompatible interfaces, for which you create an intermediate class that works like an adapter. This adapter class will provide the methods to interact with the incompatible interface</a:t>
-            </a:r>
-            <a:endParaRPr lang="en-US" sz="1400" b="0" strike="noStrike" spc="-1">
-              <a:latin typeface="Arial"/>
-            </a:endParaRPr>
-          </a:p>
-        </p:txBody>
-      </p:sp>
-      <p:sp>
-        <p:nvSpPr>
-          <p:cNvPr id="134" name="CustomShape 2"/>
+      </p:sp>
+      <p:sp>
+        <p:nvSpPr>
+          <p:cNvPr id="162" name="CustomShape 2"/>
           <p:cNvSpPr/>
           <p:nvPr/>
         </p:nvSpPr>
@@ -6661,7 +6858,7 @@
       </p:sp>
       <p:sp>
         <p:nvSpPr>
-          <p:cNvPr id="135" name="CustomShape 3"/>
+          <p:cNvPr id="163" name="CustomShape 3"/>
           <p:cNvSpPr/>
           <p:nvPr/>
         </p:nvSpPr>
@@ -6702,45 +6899,73 @@
               </a:lnSpc>
             </a:pPr>
             <a:r>
-              <a:rPr lang="en-US" sz="3200" b="1" strike="noStrike" spc="-1">
-                <a:solidFill>
-                  <a:srgbClr val="FFFFFF"/>
-                </a:solidFill>
-                <a:latin typeface="Montserrat"/>
-                <a:ea typeface="Montserrat"/>
+              <a:rPr lang="en-US" sz="2400" dirty="0">
+                <a:solidFill>
+                  <a:srgbClr val="96B51A"/>
+                </a:solidFill>
+                <a:cs typeface="Arial" panose="020B0604020202020204"/>
               </a:rPr>
-              <a:t>Adapter Pattern</a:t>
+              <a:t>Chain of Responsibility + Nullable</a:t>
             </a:r>
-            <a:endParaRPr lang="en-US" sz="3200" b="0" strike="noStrike" spc="-1">
-              <a:latin typeface="Arial"/>
-            </a:endParaRPr>
           </a:p>
         </p:txBody>
       </p:sp>
       <p:pic>
         <p:nvPicPr>
-          <p:cNvPr id="136" name="Picture 1"/>
-          <p:cNvPicPr/>
+          <p:cNvPr id="3" name="Picture 2" descr="A screenshot of a cell phone&#10;&#10;Description automatically generated">
+            <a:extLst>
+              <a:ext uri="{FF2B5EF4-FFF2-40B4-BE49-F238E27FC236}">
+                <a16:creationId xmlns:a16="http://schemas.microsoft.com/office/drawing/2014/main" id="{1341B67E-B4F9-410A-AD20-4A9A84E7C456}"/>
+              </a:ext>
+            </a:extLst>
+          </p:cNvPr>
+          <p:cNvPicPr>
+            <a:picLocks noChangeAspect="1"/>
+          </p:cNvPicPr>
           <p:nvPr/>
         </p:nvPicPr>
         <p:blipFill>
-          <a:blip r:embed="rId2"/>
-          <a:stretch/>
+          <a:blip r:embed="rId2">
+            <a:extLst>
+              <a:ext uri="{28A0092B-C50C-407E-A947-70E740481C1C}">
+                <a14:useLocalDpi xmlns:a14="http://schemas.microsoft.com/office/drawing/2010/main" val="0"/>
+              </a:ext>
+            </a:extLst>
+          </a:blip>
+          <a:stretch>
+            <a:fillRect/>
+          </a:stretch>
         </p:blipFill>
         <p:spPr>
           <a:xfrm>
-            <a:off x="5235120" y="1133640"/>
-            <a:ext cx="3370680" cy="3332880"/>
-          </a:xfrm>
-          <a:prstGeom prst="rect">
-            <a:avLst/>
-          </a:prstGeom>
-          <a:ln>
-            <a:noFill/>
-          </a:ln>
-        </p:spPr>
+            <a:off x="832485" y="1313125"/>
+            <a:ext cx="7478669" cy="2517250"/>
+          </a:xfrm>
+          <a:prstGeom prst="rect">
+            <a:avLst/>
+          </a:prstGeom>
+        </p:spPr>
+        <p:style>
+          <a:lnRef idx="2">
+            <a:schemeClr val="accent3"/>
+          </a:lnRef>
+          <a:fillRef idx="1">
+            <a:schemeClr val="lt1"/>
+          </a:fillRef>
+          <a:effectRef idx="0">
+            <a:schemeClr val="accent3"/>
+          </a:effectRef>
+          <a:fontRef idx="minor">
+            <a:schemeClr val="dk1"/>
+          </a:fontRef>
+        </p:style>
       </p:pic>
     </p:spTree>
+    <p:extLst>
+      <p:ext uri="{BB962C8B-B14F-4D97-AF65-F5344CB8AC3E}">
+        <p14:creationId xmlns:p14="http://schemas.microsoft.com/office/powerpoint/2010/main" val="2448731976"/>
+      </p:ext>
+    </p:extLst>
   </p:cSld>
   <p:clrMapOvr>
     <a:masterClrMapping/>
@@ -6815,7 +7040,7 @@
         </p:nvSpPr>
         <p:spPr>
           <a:xfrm rot="10800000" flipV="1">
-            <a:off x="7624440" y="1010520"/>
+            <a:off x="1323561" y="219240"/>
             <a:ext cx="6064920" cy="704160"/>
           </a:xfrm>
           <a:prstGeom prst="rect">
@@ -6850,18 +7075,15 @@
               </a:lnSpc>
             </a:pPr>
             <a:r>
-              <a:rPr lang="en-US" sz="3200" b="1" strike="noStrike" spc="-1">
-                <a:solidFill>
-                  <a:srgbClr val="FFFFFF"/>
-                </a:solidFill>
-                <a:latin typeface="Montserrat"/>
-                <a:ea typeface="Montserrat"/>
+              <a:rPr lang="en-US" sz="2400" dirty="0">
+                <a:solidFill>
+                  <a:srgbClr val="96B51A"/>
+                </a:solidFill>
+                <a:cs typeface="Arial" panose="020B0604020202020204"/>
+                <a:sym typeface="Arial" panose="020B0604020202020204"/>
               </a:rPr>
               <a:t>Types of Design Patterns</a:t>
             </a:r>
-            <a:endParaRPr lang="en-US" sz="3200" b="0" strike="noStrike" spc="-1">
-              <a:latin typeface="Arial"/>
-            </a:endParaRPr>
           </a:p>
           <a:p>
             <a:pPr algn="ctr">
@@ -6869,7 +7091,7 @@
                 <a:spcPct val="100000"/>
               </a:lnSpc>
             </a:pPr>
-            <a:endParaRPr lang="en-US" sz="3200" b="0" strike="noStrike" spc="-1">
+            <a:endParaRPr lang="en-US" sz="3200" b="0" strike="noStrike" spc="-1" dirty="0">
               <a:latin typeface="Arial"/>
             </a:endParaRPr>
           </a:p>
@@ -6879,7 +7101,7 @@
                 <a:spcPct val="100000"/>
               </a:lnSpc>
             </a:pPr>
-            <a:endParaRPr lang="en-US" sz="3200" b="0" strike="noStrike" spc="-1">
+            <a:endParaRPr lang="en-US" sz="3200" b="0" strike="noStrike" spc="-1" dirty="0">
               <a:latin typeface="Arial"/>
             </a:endParaRPr>
           </a:p>
@@ -6889,7 +7111,7 @@
                 <a:spcPct val="100000"/>
               </a:lnSpc>
             </a:pPr>
-            <a:endParaRPr lang="en-US" sz="3200" b="0" strike="noStrike" spc="-1">
+            <a:endParaRPr lang="en-US" sz="3200" b="0" strike="noStrike" spc="-1" dirty="0">
               <a:latin typeface="Arial"/>
             </a:endParaRPr>
           </a:p>
@@ -6911,2184 +7133,25 @@
             <a:off x="1051560" y="1391040"/>
             <a:ext cx="6864840" cy="2555640"/>
           </a:xfrm>
-          <a:prstGeom prst="rect">
-            <a:avLst/>
-          </a:prstGeom>
-          <a:ln>
-            <a:noFill/>
-          </a:ln>
-        </p:spPr>
-      </p:pic>
-    </p:spTree>
-  </p:cSld>
-  <p:clrMapOvr>
-    <a:masterClrMapping/>
-  </p:clrMapOvr>
-</p:sld>
-</file>
-
-<file path=ppt/slides/slide20.xml><?xml version="1.0" encoding="utf-8"?>
-<p:sld xmlns:a="http://schemas.openxmlformats.org/drawingml/2006/main" xmlns:r="http://schemas.openxmlformats.org/officeDocument/2006/relationships" xmlns:p="http://schemas.openxmlformats.org/presentationml/2006/main">
-  <p:cSld>
-    <p:bg>
-      <p:bgPr>
-        <a:solidFill>
-          <a:srgbClr val="000000"/>
-        </a:solidFill>
-        <a:effectLst/>
-      </p:bgPr>
-    </p:bg>
-    <p:spTree>
-      <p:nvGrpSpPr>
-        <p:cNvPr id="1" name=""/>
-        <p:cNvGrpSpPr/>
-        <p:nvPr/>
-      </p:nvGrpSpPr>
-      <p:grpSpPr>
-        <a:xfrm>
-          <a:off x="0" y="0"/>
-          <a:ext cx="0" cy="0"/>
-          <a:chOff x="0" y="0"/>
-          <a:chExt cx="0" cy="0"/>
-        </a:xfrm>
-      </p:grpSpPr>
-      <p:sp>
-        <p:nvSpPr>
-          <p:cNvPr id="137" name="CustomShape 1"/>
-          <p:cNvSpPr/>
-          <p:nvPr/>
-        </p:nvSpPr>
-        <p:spPr>
-          <a:xfrm>
-            <a:off x="0" y="5118480"/>
-            <a:ext cx="9143640" cy="33120"/>
-          </a:xfrm>
-          <a:prstGeom prst="rect">
-            <a:avLst/>
+          <a:prstGeom prst="roundRect">
+            <a:avLst>
+              <a:gd name="adj" fmla="val 8594"/>
+            </a:avLst>
           </a:prstGeom>
           <a:solidFill>
-            <a:srgbClr val="C1D82F"/>
+            <a:srgbClr val="FFFFFF">
+              <a:shade val="85000"/>
+            </a:srgbClr>
           </a:solidFill>
           <a:ln>
             <a:noFill/>
           </a:ln>
-        </p:spPr>
-        <p:style>
-          <a:lnRef idx="0">
-            <a:scrgbClr r="0" g="0" b="0"/>
-          </a:lnRef>
-          <a:fillRef idx="0">
-            <a:scrgbClr r="0" g="0" b="0"/>
-          </a:fillRef>
-          <a:effectRef idx="0">
-            <a:scrgbClr r="0" g="0" b="0"/>
-          </a:effectRef>
-          <a:fontRef idx="minor"/>
-        </p:style>
-      </p:sp>
-      <p:sp>
-        <p:nvSpPr>
-          <p:cNvPr id="138" name="CustomShape 2"/>
-          <p:cNvSpPr/>
-          <p:nvPr/>
-        </p:nvSpPr>
-        <p:spPr>
-          <a:xfrm>
-            <a:off x="0" y="216360"/>
-            <a:ext cx="9143640" cy="552240"/>
-          </a:xfrm>
-          <a:prstGeom prst="rect">
-            <a:avLst/>
-          </a:prstGeom>
-          <a:noFill/>
-          <a:ln>
-            <a:noFill/>
-          </a:ln>
-        </p:spPr>
-        <p:style>
-          <a:lnRef idx="0">
-            <a:scrgbClr r="0" g="0" b="0"/>
-          </a:lnRef>
-          <a:fillRef idx="0">
-            <a:scrgbClr r="0" g="0" b="0"/>
-          </a:fillRef>
-          <a:effectRef idx="0">
-            <a:scrgbClr r="0" g="0" b="0"/>
-          </a:effectRef>
-          <a:fontRef idx="minor"/>
-        </p:style>
-        <p:txBody>
-          <a:bodyPr tIns="91440" bIns="91440">
-            <a:noAutofit/>
-          </a:bodyPr>
-          <a:lstStyle/>
-          <a:p>
-            <a:pPr algn="ctr">
-              <a:lnSpc>
-                <a:spcPct val="100000"/>
-              </a:lnSpc>
-            </a:pPr>
-            <a:r>
-              <a:rPr lang="en-US" sz="3200" b="1" strike="noStrike" spc="-1">
-                <a:solidFill>
-                  <a:srgbClr val="FFFFFF"/>
-                </a:solidFill>
-                <a:latin typeface="Montserrat"/>
-                <a:ea typeface="Montserrat"/>
-              </a:rPr>
-              <a:t>Adapter – Class Diagram</a:t>
-            </a:r>
-            <a:endParaRPr lang="en-US" sz="3200" b="0" strike="noStrike" spc="-1">
-              <a:latin typeface="Arial"/>
-            </a:endParaRPr>
-          </a:p>
-        </p:txBody>
-      </p:sp>
-      <p:pic>
-        <p:nvPicPr>
-          <p:cNvPr id="139" name="Picture 1"/>
-          <p:cNvPicPr/>
-          <p:nvPr/>
-        </p:nvPicPr>
-        <p:blipFill>
-          <a:blip r:embed="rId2"/>
-          <a:stretch/>
-        </p:blipFill>
-        <p:spPr>
-          <a:xfrm>
-            <a:off x="1587600" y="882720"/>
-            <a:ext cx="5864040" cy="3376440"/>
-          </a:xfrm>
-          <a:prstGeom prst="rect">
-            <a:avLst/>
-          </a:prstGeom>
-          <a:ln>
-            <a:noFill/>
-          </a:ln>
+          <a:effectLst>
+            <a:reflection blurRad="12700" stA="38000" endPos="28000" dist="5000" dir="5400000" sy="-100000" algn="bl" rotWithShape="0"/>
+          </a:effectLst>
         </p:spPr>
       </p:pic>
     </p:spTree>
-  </p:cSld>
-  <p:clrMapOvr>
-    <a:masterClrMapping/>
-  </p:clrMapOvr>
-</p:sld>
-</file>
-
-<file path=ppt/slides/slide21.xml><?xml version="1.0" encoding="utf-8"?>
-<p:sld xmlns:a="http://schemas.openxmlformats.org/drawingml/2006/main" xmlns:r="http://schemas.openxmlformats.org/officeDocument/2006/relationships" xmlns:p="http://schemas.openxmlformats.org/presentationml/2006/main">
-  <p:cSld>
-    <p:bg>
-      <p:bgPr>
-        <a:solidFill>
-          <a:srgbClr val="000000"/>
-        </a:solidFill>
-        <a:effectLst/>
-      </p:bgPr>
-    </p:bg>
-    <p:spTree>
-      <p:nvGrpSpPr>
-        <p:cNvPr id="1" name=""/>
-        <p:cNvGrpSpPr/>
-        <p:nvPr/>
-      </p:nvGrpSpPr>
-      <p:grpSpPr>
-        <a:xfrm>
-          <a:off x="0" y="0"/>
-          <a:ext cx="0" cy="0"/>
-          <a:chOff x="0" y="0"/>
-          <a:chExt cx="0" cy="0"/>
-        </a:xfrm>
-      </p:grpSpPr>
-      <p:sp>
-        <p:nvSpPr>
-          <p:cNvPr id="140" name="CustomShape 1"/>
-          <p:cNvSpPr/>
-          <p:nvPr/>
-        </p:nvSpPr>
-        <p:spPr>
-          <a:xfrm>
-            <a:off x="0" y="5118480"/>
-            <a:ext cx="9143640" cy="33120"/>
-          </a:xfrm>
-          <a:prstGeom prst="rect">
-            <a:avLst/>
-          </a:prstGeom>
-          <a:solidFill>
-            <a:srgbClr val="C1D82F"/>
-          </a:solidFill>
-          <a:ln>
-            <a:noFill/>
-          </a:ln>
-        </p:spPr>
-        <p:style>
-          <a:lnRef idx="0">
-            <a:scrgbClr r="0" g="0" b="0"/>
-          </a:lnRef>
-          <a:fillRef idx="0">
-            <a:scrgbClr r="0" g="0" b="0"/>
-          </a:fillRef>
-          <a:effectRef idx="0">
-            <a:scrgbClr r="0" g="0" b="0"/>
-          </a:effectRef>
-          <a:fontRef idx="minor"/>
-        </p:style>
-      </p:sp>
-      <p:sp>
-        <p:nvSpPr>
-          <p:cNvPr id="141" name="CustomShape 2"/>
-          <p:cNvSpPr/>
-          <p:nvPr/>
-        </p:nvSpPr>
-        <p:spPr>
-          <a:xfrm>
-            <a:off x="0" y="216360"/>
-            <a:ext cx="9143640" cy="552240"/>
-          </a:xfrm>
-          <a:prstGeom prst="rect">
-            <a:avLst/>
-          </a:prstGeom>
-          <a:noFill/>
-          <a:ln>
-            <a:noFill/>
-          </a:ln>
-        </p:spPr>
-        <p:style>
-          <a:lnRef idx="0">
-            <a:scrgbClr r="0" g="0" b="0"/>
-          </a:lnRef>
-          <a:fillRef idx="0">
-            <a:scrgbClr r="0" g="0" b="0"/>
-          </a:fillRef>
-          <a:effectRef idx="0">
-            <a:scrgbClr r="0" g="0" b="0"/>
-          </a:effectRef>
-          <a:fontRef idx="minor"/>
-        </p:style>
-        <p:txBody>
-          <a:bodyPr tIns="91440" bIns="91440">
-            <a:noAutofit/>
-          </a:bodyPr>
-          <a:lstStyle/>
-          <a:p>
-            <a:pPr algn="ctr">
-              <a:lnSpc>
-                <a:spcPct val="100000"/>
-              </a:lnSpc>
-            </a:pPr>
-            <a:r>
-              <a:rPr lang="en-US" sz="3200" b="1" strike="noStrike" spc="-1">
-                <a:solidFill>
-                  <a:srgbClr val="FFFFFF"/>
-                </a:solidFill>
-                <a:latin typeface="Montserrat"/>
-                <a:ea typeface="Montserrat"/>
-              </a:rPr>
-              <a:t>Adapter – Diagram of Sequence</a:t>
-            </a:r>
-            <a:endParaRPr lang="en-US" sz="3200" b="0" strike="noStrike" spc="-1">
-              <a:latin typeface="Arial"/>
-            </a:endParaRPr>
-          </a:p>
-        </p:txBody>
-      </p:sp>
-      <p:pic>
-        <p:nvPicPr>
-          <p:cNvPr id="142" name="Picture 2"/>
-          <p:cNvPicPr/>
-          <p:nvPr/>
-        </p:nvPicPr>
-        <p:blipFill>
-          <a:blip r:embed="rId2"/>
-          <a:stretch/>
-        </p:blipFill>
-        <p:spPr>
-          <a:xfrm>
-            <a:off x="123120" y="1187280"/>
-            <a:ext cx="5312520" cy="3145320"/>
-          </a:xfrm>
-          <a:prstGeom prst="rect">
-            <a:avLst/>
-          </a:prstGeom>
-          <a:ln>
-            <a:noFill/>
-          </a:ln>
-        </p:spPr>
-      </p:pic>
-      <p:sp>
-        <p:nvSpPr>
-          <p:cNvPr id="143" name="CustomShape 3"/>
-          <p:cNvSpPr/>
-          <p:nvPr/>
-        </p:nvSpPr>
-        <p:spPr>
-          <a:xfrm>
-            <a:off x="5568840" y="1186920"/>
-            <a:ext cx="3475800" cy="3146040"/>
-          </a:xfrm>
-          <a:prstGeom prst="rect">
-            <a:avLst/>
-          </a:prstGeom>
-          <a:noFill/>
-          <a:ln>
-            <a:noFill/>
-          </a:ln>
-        </p:spPr>
-        <p:style>
-          <a:lnRef idx="0">
-            <a:scrgbClr r="0" g="0" b="0"/>
-          </a:lnRef>
-          <a:fillRef idx="0">
-            <a:scrgbClr r="0" g="0" b="0"/>
-          </a:fillRef>
-          <a:effectRef idx="0">
-            <a:scrgbClr r="0" g="0" b="0"/>
-          </a:effectRef>
-          <a:fontRef idx="minor"/>
-        </p:style>
-        <p:txBody>
-          <a:bodyPr tIns="91440" bIns="91440">
-            <a:noAutofit/>
-          </a:bodyPr>
-          <a:lstStyle/>
-          <a:p>
-            <a:pPr marL="488880" indent="-342720" algn="just">
-              <a:lnSpc>
-                <a:spcPct val="100000"/>
-              </a:lnSpc>
-              <a:buClr>
-                <a:srgbClr val="FFFFFF"/>
-              </a:buClr>
-              <a:buFont typeface="Arial"/>
-              <a:buAutoNum type="arabicPeriod"/>
-            </a:pPr>
-            <a:r>
-              <a:rPr lang="en-US" sz="1400" b="0" strike="noStrike" spc="-1">
-                <a:solidFill>
-                  <a:srgbClr val="FFFFFF"/>
-                </a:solidFill>
-                <a:latin typeface="Nunito Sans"/>
-                <a:ea typeface="Nunito Sans"/>
-              </a:rPr>
-              <a:t>The </a:t>
-            </a:r>
-            <a:r>
-              <a:rPr lang="en-US" sz="1400" b="0" strike="noStrike" spc="-1">
-                <a:solidFill>
-                  <a:srgbClr val="FF0000"/>
-                </a:solidFill>
-                <a:latin typeface="Nunito Sans"/>
-                <a:ea typeface="Nunito Sans"/>
-              </a:rPr>
-              <a:t>Client</a:t>
-            </a:r>
-            <a:r>
-              <a:rPr lang="en-US" sz="1400" b="0" strike="noStrike" spc="-1">
-                <a:solidFill>
-                  <a:srgbClr val="FFFFFF"/>
-                </a:solidFill>
-                <a:latin typeface="Nunito Sans"/>
-                <a:ea typeface="Nunito Sans"/>
-              </a:rPr>
-              <a:t> invokes the Adapter with generic parameters.</a:t>
-            </a:r>
-            <a:endParaRPr lang="en-US" sz="1400" b="0" strike="noStrike" spc="-1">
-              <a:latin typeface="Arial"/>
-            </a:endParaRPr>
-          </a:p>
-          <a:p>
-            <a:pPr marL="488880" indent="-342720" algn="just">
-              <a:lnSpc>
-                <a:spcPct val="100000"/>
-              </a:lnSpc>
-              <a:buClr>
-                <a:srgbClr val="FFFFFF"/>
-              </a:buClr>
-              <a:buFont typeface="Arial"/>
-              <a:buAutoNum type="arabicPeriod"/>
-            </a:pPr>
-            <a:r>
-              <a:rPr lang="en-US" sz="1400" b="0" strike="noStrike" spc="-1">
-                <a:solidFill>
-                  <a:srgbClr val="FFFFFF"/>
-                </a:solidFill>
-                <a:latin typeface="Nunito Sans"/>
-                <a:ea typeface="Nunito Sans"/>
-              </a:rPr>
-              <a:t>The </a:t>
-            </a:r>
-            <a:r>
-              <a:rPr lang="en-US" sz="1400" b="0" strike="noStrike" spc="-1">
-                <a:solidFill>
-                  <a:srgbClr val="FF0000"/>
-                </a:solidFill>
-                <a:latin typeface="Nunito Sans"/>
-                <a:ea typeface="Nunito Sans"/>
-              </a:rPr>
-              <a:t>Adapter</a:t>
-            </a:r>
-            <a:r>
-              <a:rPr lang="en-US" sz="1400" b="0" strike="noStrike" spc="-1">
-                <a:solidFill>
-                  <a:srgbClr val="FFFFFF"/>
-                </a:solidFill>
-                <a:latin typeface="Nunito Sans"/>
-                <a:ea typeface="Nunito Sans"/>
-              </a:rPr>
-              <a:t> converts the generic parameters into specific Adaptee parameters.</a:t>
-            </a:r>
-            <a:endParaRPr lang="en-US" sz="1400" b="0" strike="noStrike" spc="-1">
-              <a:latin typeface="Arial"/>
-            </a:endParaRPr>
-          </a:p>
-          <a:p>
-            <a:pPr marL="488880" indent="-342720" algn="just">
-              <a:lnSpc>
-                <a:spcPct val="100000"/>
-              </a:lnSpc>
-              <a:buClr>
-                <a:srgbClr val="FFFFFF"/>
-              </a:buClr>
-              <a:buFont typeface="Arial"/>
-              <a:buAutoNum type="arabicPeriod"/>
-            </a:pPr>
-            <a:r>
-              <a:rPr lang="en-US" sz="1400" b="0" strike="noStrike" spc="-1">
-                <a:solidFill>
-                  <a:srgbClr val="FFFFFF"/>
-                </a:solidFill>
-                <a:latin typeface="Nunito Sans"/>
-                <a:ea typeface="Nunito Sans"/>
-              </a:rPr>
-              <a:t>The </a:t>
-            </a:r>
-            <a:r>
-              <a:rPr lang="en-US" sz="1400" b="0" strike="noStrike" spc="-1">
-                <a:solidFill>
-                  <a:srgbClr val="FF0000"/>
-                </a:solidFill>
-                <a:latin typeface="Nunito Sans"/>
-                <a:ea typeface="Nunito Sans"/>
-              </a:rPr>
-              <a:t>Adapter</a:t>
-            </a:r>
-            <a:r>
-              <a:rPr lang="en-US" sz="1400" b="0" strike="noStrike" spc="-1">
-                <a:solidFill>
-                  <a:srgbClr val="FFFFFF"/>
-                </a:solidFill>
-                <a:latin typeface="Nunito Sans"/>
-                <a:ea typeface="Nunito Sans"/>
-              </a:rPr>
-              <a:t> invokes the </a:t>
-            </a:r>
-            <a:r>
-              <a:rPr lang="en-US" sz="1400" b="0" strike="noStrike" spc="-1">
-                <a:solidFill>
-                  <a:srgbClr val="FF0000"/>
-                </a:solidFill>
-                <a:latin typeface="Nunito Sans"/>
-                <a:ea typeface="Nunito Sans"/>
-              </a:rPr>
-              <a:t>Adaptee</a:t>
-            </a:r>
-            <a:r>
-              <a:rPr lang="en-US" sz="1400" b="0" strike="noStrike" spc="-1">
-                <a:solidFill>
-                  <a:srgbClr val="FFFFFF"/>
-                </a:solidFill>
-                <a:latin typeface="Nunito Sans"/>
-                <a:ea typeface="Nunito Sans"/>
-              </a:rPr>
-              <a:t>.</a:t>
-            </a:r>
-            <a:endParaRPr lang="en-US" sz="1400" b="0" strike="noStrike" spc="-1">
-              <a:latin typeface="Arial"/>
-            </a:endParaRPr>
-          </a:p>
-          <a:p>
-            <a:pPr marL="488880" indent="-342720" algn="just">
-              <a:lnSpc>
-                <a:spcPct val="100000"/>
-              </a:lnSpc>
-              <a:buClr>
-                <a:srgbClr val="FFFFFF"/>
-              </a:buClr>
-              <a:buFont typeface="Arial"/>
-              <a:buAutoNum type="arabicPeriod"/>
-            </a:pPr>
-            <a:r>
-              <a:rPr lang="en-US" sz="1400" b="0" strike="noStrike" spc="-1">
-                <a:solidFill>
-                  <a:srgbClr val="FFFFFF"/>
-                </a:solidFill>
-                <a:latin typeface="Nunito Sans"/>
-                <a:ea typeface="Nunito Sans"/>
-              </a:rPr>
-              <a:t>The </a:t>
-            </a:r>
-            <a:r>
-              <a:rPr lang="en-US" sz="1400" b="0" strike="noStrike" spc="-1">
-                <a:solidFill>
-                  <a:srgbClr val="FF0000"/>
-                </a:solidFill>
-                <a:latin typeface="Nunito Sans"/>
-                <a:ea typeface="Nunito Sans"/>
-              </a:rPr>
-              <a:t>Adaptee </a:t>
-            </a:r>
-            <a:r>
-              <a:rPr lang="en-US" sz="1400" b="0" strike="noStrike" spc="-1">
-                <a:solidFill>
-                  <a:srgbClr val="FFFFFF"/>
-                </a:solidFill>
-                <a:latin typeface="Nunito Sans"/>
-                <a:ea typeface="Nunito Sans"/>
-              </a:rPr>
-              <a:t>responds.</a:t>
-            </a:r>
-            <a:endParaRPr lang="en-US" sz="1400" b="0" strike="noStrike" spc="-1">
-              <a:latin typeface="Arial"/>
-            </a:endParaRPr>
-          </a:p>
-          <a:p>
-            <a:pPr marL="488880" indent="-342720" algn="just">
-              <a:lnSpc>
-                <a:spcPct val="100000"/>
-              </a:lnSpc>
-              <a:buClr>
-                <a:srgbClr val="FFFFFF"/>
-              </a:buClr>
-              <a:buFont typeface="Arial"/>
-              <a:buAutoNum type="arabicPeriod"/>
-            </a:pPr>
-            <a:r>
-              <a:rPr lang="en-US" sz="1400" b="0" strike="noStrike" spc="-1">
-                <a:solidFill>
-                  <a:srgbClr val="FFFFFF"/>
-                </a:solidFill>
-                <a:latin typeface="Nunito Sans"/>
-                <a:ea typeface="Nunito Sans"/>
-              </a:rPr>
-              <a:t>The </a:t>
-            </a:r>
-            <a:r>
-              <a:rPr lang="en-US" sz="1400" b="0" strike="noStrike" spc="-1">
-                <a:solidFill>
-                  <a:srgbClr val="FF0000"/>
-                </a:solidFill>
-                <a:latin typeface="Nunito Sans"/>
-                <a:ea typeface="Nunito Sans"/>
-              </a:rPr>
-              <a:t>Adapter</a:t>
-            </a:r>
-            <a:r>
-              <a:rPr lang="en-US" sz="1400" b="0" strike="noStrike" spc="-1">
-                <a:solidFill>
-                  <a:srgbClr val="FFFFFF"/>
-                </a:solidFill>
-                <a:latin typeface="Nunito Sans"/>
-                <a:ea typeface="Nunito Sans"/>
-              </a:rPr>
-              <a:t> converts the response of the </a:t>
-            </a:r>
-            <a:r>
-              <a:rPr lang="en-US" sz="1400" b="0" strike="noStrike" spc="-1">
-                <a:solidFill>
-                  <a:srgbClr val="FF0000"/>
-                </a:solidFill>
-                <a:latin typeface="Nunito Sans"/>
-                <a:ea typeface="Nunito Sans"/>
-              </a:rPr>
-              <a:t>Adaptee</a:t>
-            </a:r>
-            <a:r>
-              <a:rPr lang="en-US" sz="1400" b="0" strike="noStrike" spc="-1">
-                <a:solidFill>
-                  <a:srgbClr val="FFFFFF"/>
-                </a:solidFill>
-                <a:latin typeface="Nunito Sans"/>
-                <a:ea typeface="Nunito Sans"/>
-              </a:rPr>
-              <a:t> to a generic response for the Client.</a:t>
-            </a:r>
-            <a:endParaRPr lang="en-US" sz="1400" b="0" strike="noStrike" spc="-1">
-              <a:latin typeface="Arial"/>
-            </a:endParaRPr>
-          </a:p>
-          <a:p>
-            <a:pPr marL="488880" indent="-342720" algn="just">
-              <a:lnSpc>
-                <a:spcPct val="100000"/>
-              </a:lnSpc>
-              <a:buClr>
-                <a:srgbClr val="FFFFFF"/>
-              </a:buClr>
-              <a:buFont typeface="Arial"/>
-              <a:buAutoNum type="arabicPeriod"/>
-            </a:pPr>
-            <a:r>
-              <a:rPr lang="en-US" sz="1400" b="0" strike="noStrike" spc="-1">
-                <a:solidFill>
-                  <a:srgbClr val="FFFFFF"/>
-                </a:solidFill>
-                <a:latin typeface="Nunito Sans"/>
-                <a:ea typeface="Nunito Sans"/>
-              </a:rPr>
-              <a:t>The </a:t>
-            </a:r>
-            <a:r>
-              <a:rPr lang="en-US" sz="1400" b="0" strike="noStrike" spc="-1">
-                <a:solidFill>
-                  <a:srgbClr val="FF0000"/>
-                </a:solidFill>
-                <a:latin typeface="Nunito Sans"/>
-                <a:ea typeface="Nunito Sans"/>
-              </a:rPr>
-              <a:t>Adapter</a:t>
-            </a:r>
-            <a:r>
-              <a:rPr lang="en-US" sz="1400" b="0" strike="noStrike" spc="-1">
-                <a:solidFill>
-                  <a:srgbClr val="FFFFFF"/>
-                </a:solidFill>
-                <a:latin typeface="Nunito Sans"/>
-                <a:ea typeface="Nunito Sans"/>
-              </a:rPr>
-              <a:t> responds to the Client with a generic response.</a:t>
-            </a:r>
-            <a:endParaRPr lang="en-US" sz="1400" b="0" strike="noStrike" spc="-1">
-              <a:latin typeface="Arial"/>
-            </a:endParaRPr>
-          </a:p>
-        </p:txBody>
-      </p:sp>
-    </p:spTree>
-  </p:cSld>
-  <p:clrMapOvr>
-    <a:masterClrMapping/>
-  </p:clrMapOvr>
-</p:sld>
-</file>
-
-<file path=ppt/slides/slide22.xml><?xml version="1.0" encoding="utf-8"?>
-<p:sld xmlns:a="http://schemas.openxmlformats.org/drawingml/2006/main" xmlns:r="http://schemas.openxmlformats.org/officeDocument/2006/relationships" xmlns:p="http://schemas.openxmlformats.org/presentationml/2006/main">
-  <p:cSld>
-    <p:bg>
-      <p:bgPr>
-        <a:solidFill>
-          <a:srgbClr val="000000"/>
-        </a:solidFill>
-        <a:effectLst/>
-      </p:bgPr>
-    </p:bg>
-    <p:spTree>
-      <p:nvGrpSpPr>
-        <p:cNvPr id="1" name=""/>
-        <p:cNvGrpSpPr/>
-        <p:nvPr/>
-      </p:nvGrpSpPr>
-      <p:grpSpPr>
-        <a:xfrm>
-          <a:off x="0" y="0"/>
-          <a:ext cx="0" cy="0"/>
-          <a:chOff x="0" y="0"/>
-          <a:chExt cx="0" cy="0"/>
-        </a:xfrm>
-      </p:grpSpPr>
-      <p:sp>
-        <p:nvSpPr>
-          <p:cNvPr id="144" name="CustomShape 1"/>
-          <p:cNvSpPr/>
-          <p:nvPr/>
-        </p:nvSpPr>
-        <p:spPr>
-          <a:xfrm>
-            <a:off x="0" y="5118480"/>
-            <a:ext cx="9143640" cy="33120"/>
-          </a:xfrm>
-          <a:prstGeom prst="rect">
-            <a:avLst/>
-          </a:prstGeom>
-          <a:solidFill>
-            <a:srgbClr val="C1D82F"/>
-          </a:solidFill>
-          <a:ln>
-            <a:noFill/>
-          </a:ln>
-        </p:spPr>
-        <p:style>
-          <a:lnRef idx="0">
-            <a:scrgbClr r="0" g="0" b="0"/>
-          </a:lnRef>
-          <a:fillRef idx="0">
-            <a:scrgbClr r="0" g="0" b="0"/>
-          </a:fillRef>
-          <a:effectRef idx="0">
-            <a:scrgbClr r="0" g="0" b="0"/>
-          </a:effectRef>
-          <a:fontRef idx="minor"/>
-        </p:style>
-      </p:sp>
-      <p:sp>
-        <p:nvSpPr>
-          <p:cNvPr id="145" name="CustomShape 2"/>
-          <p:cNvSpPr/>
-          <p:nvPr/>
-        </p:nvSpPr>
-        <p:spPr>
-          <a:xfrm>
-            <a:off x="0" y="216360"/>
-            <a:ext cx="9143640" cy="552240"/>
-          </a:xfrm>
-          <a:prstGeom prst="rect">
-            <a:avLst/>
-          </a:prstGeom>
-          <a:noFill/>
-          <a:ln>
-            <a:noFill/>
-          </a:ln>
-        </p:spPr>
-        <p:style>
-          <a:lnRef idx="0">
-            <a:scrgbClr r="0" g="0" b="0"/>
-          </a:lnRef>
-          <a:fillRef idx="0">
-            <a:scrgbClr r="0" g="0" b="0"/>
-          </a:fillRef>
-          <a:effectRef idx="0">
-            <a:scrgbClr r="0" g="0" b="0"/>
-          </a:effectRef>
-          <a:fontRef idx="minor"/>
-        </p:style>
-        <p:txBody>
-          <a:bodyPr tIns="91440" bIns="91440">
-            <a:noAutofit/>
-          </a:bodyPr>
-          <a:lstStyle/>
-          <a:p>
-            <a:pPr algn="ctr">
-              <a:lnSpc>
-                <a:spcPct val="100000"/>
-              </a:lnSpc>
-            </a:pPr>
-            <a:r>
-              <a:rPr lang="en-US" sz="3200" b="1" strike="noStrike" spc="-1">
-                <a:solidFill>
-                  <a:srgbClr val="FFFFFF"/>
-                </a:solidFill>
-                <a:latin typeface="Montserrat"/>
-                <a:ea typeface="Montserrat"/>
-              </a:rPr>
-              <a:t>Adapter – Sample</a:t>
-            </a:r>
-            <a:endParaRPr lang="en-US" sz="3200" b="0" strike="noStrike" spc="-1">
-              <a:latin typeface="Arial"/>
-            </a:endParaRPr>
-          </a:p>
-        </p:txBody>
-      </p:sp>
-      <p:pic>
-        <p:nvPicPr>
-          <p:cNvPr id="146" name="Picture 3"/>
-          <p:cNvPicPr/>
-          <p:nvPr/>
-        </p:nvPicPr>
-        <p:blipFill>
-          <a:blip r:embed="rId2"/>
-          <a:stretch/>
-        </p:blipFill>
-        <p:spPr>
-          <a:xfrm>
-            <a:off x="2322360" y="920160"/>
-            <a:ext cx="4533480" cy="4078080"/>
-          </a:xfrm>
-          <a:prstGeom prst="rect">
-            <a:avLst/>
-          </a:prstGeom>
-          <a:ln>
-            <a:noFill/>
-          </a:ln>
-        </p:spPr>
-      </p:pic>
-    </p:spTree>
-  </p:cSld>
-  <p:clrMapOvr>
-    <a:masterClrMapping/>
-  </p:clrMapOvr>
-</p:sld>
-</file>
-
-<file path=ppt/slides/slide23.xml><?xml version="1.0" encoding="utf-8"?>
-<p:sld xmlns:a="http://schemas.openxmlformats.org/drawingml/2006/main" xmlns:r="http://schemas.openxmlformats.org/officeDocument/2006/relationships" xmlns:p="http://schemas.openxmlformats.org/presentationml/2006/main">
-  <p:cSld>
-    <p:spTree>
-      <p:nvGrpSpPr>
-        <p:cNvPr id="1" name=""/>
-        <p:cNvGrpSpPr/>
-        <p:nvPr/>
-      </p:nvGrpSpPr>
-      <p:grpSpPr>
-        <a:xfrm>
-          <a:off x="0" y="0"/>
-          <a:ext cx="0" cy="0"/>
-          <a:chOff x="0" y="0"/>
-          <a:chExt cx="0" cy="0"/>
-        </a:xfrm>
-      </p:grpSpPr>
-      <p:pic>
-        <p:nvPicPr>
-          <p:cNvPr id="147" name="Google Shape;111;p27"/>
-          <p:cNvPicPr/>
-          <p:nvPr/>
-        </p:nvPicPr>
-        <p:blipFill>
-          <a:blip r:embed="rId2"/>
-          <a:stretch/>
-        </p:blipFill>
-        <p:spPr>
-          <a:xfrm>
-            <a:off x="0" y="0"/>
-            <a:ext cx="9143640" cy="5143320"/>
-          </a:xfrm>
-          <a:prstGeom prst="rect">
-            <a:avLst/>
-          </a:prstGeom>
-          <a:ln>
-            <a:noFill/>
-          </a:ln>
-        </p:spPr>
-      </p:pic>
-      <p:sp>
-        <p:nvSpPr>
-          <p:cNvPr id="148" name="CustomShape 1"/>
-          <p:cNvSpPr/>
-          <p:nvPr/>
-        </p:nvSpPr>
-        <p:spPr>
-          <a:xfrm>
-            <a:off x="281520" y="1252080"/>
-            <a:ext cx="8580600" cy="2639520"/>
-          </a:xfrm>
-          <a:prstGeom prst="rect">
-            <a:avLst/>
-          </a:prstGeom>
-          <a:noFill/>
-          <a:ln>
-            <a:noFill/>
-          </a:ln>
-        </p:spPr>
-        <p:style>
-          <a:lnRef idx="0">
-            <a:scrgbClr r="0" g="0" b="0"/>
-          </a:lnRef>
-          <a:fillRef idx="0">
-            <a:scrgbClr r="0" g="0" b="0"/>
-          </a:fillRef>
-          <a:effectRef idx="0">
-            <a:scrgbClr r="0" g="0" b="0"/>
-          </a:effectRef>
-          <a:fontRef idx="minor"/>
-        </p:style>
-        <p:txBody>
-          <a:bodyPr tIns="91440" bIns="91440">
-            <a:noAutofit/>
-          </a:bodyPr>
-          <a:lstStyle/>
-          <a:p>
-            <a:pPr algn="r">
-              <a:lnSpc>
-                <a:spcPct val="100000"/>
-              </a:lnSpc>
-            </a:pPr>
-            <a:endParaRPr lang="en-US" sz="1400" b="0" strike="noStrike" spc="-1">
-              <a:latin typeface="Arial"/>
-            </a:endParaRPr>
-          </a:p>
-          <a:p>
-            <a:pPr algn="r">
-              <a:lnSpc>
-                <a:spcPct val="100000"/>
-              </a:lnSpc>
-            </a:pPr>
-            <a:endParaRPr lang="en-US" sz="1400" b="0" strike="noStrike" spc="-1">
-              <a:latin typeface="Arial"/>
-            </a:endParaRPr>
-          </a:p>
-          <a:p>
-            <a:pPr algn="r">
-              <a:lnSpc>
-                <a:spcPct val="100000"/>
-              </a:lnSpc>
-            </a:pPr>
-            <a:r>
-              <a:rPr lang="en-US" sz="3400" b="0" strike="noStrike" spc="-1">
-                <a:solidFill>
-                  <a:srgbClr val="96B51A"/>
-                </a:solidFill>
-                <a:latin typeface="Droid Sans"/>
-                <a:ea typeface="Droid Sans"/>
-              </a:rPr>
-              <a:t>Factory Pattern</a:t>
-            </a:r>
-            <a:endParaRPr lang="en-US" sz="3400" b="0" strike="noStrike" spc="-1">
-              <a:latin typeface="Arial"/>
-            </a:endParaRPr>
-          </a:p>
-        </p:txBody>
-      </p:sp>
-    </p:spTree>
-  </p:cSld>
-  <p:clrMapOvr>
-    <a:masterClrMapping/>
-  </p:clrMapOvr>
-</p:sld>
-</file>
-
-<file path=ppt/slides/slide24.xml><?xml version="1.0" encoding="utf-8"?>
-<p:sld xmlns:a="http://schemas.openxmlformats.org/drawingml/2006/main" xmlns:r="http://schemas.openxmlformats.org/officeDocument/2006/relationships" xmlns:p="http://schemas.openxmlformats.org/presentationml/2006/main">
-  <p:cSld>
-    <p:bg>
-      <p:bgPr>
-        <a:solidFill>
-          <a:srgbClr val="000000"/>
-        </a:solidFill>
-        <a:effectLst/>
-      </p:bgPr>
-    </p:bg>
-    <p:spTree>
-      <p:nvGrpSpPr>
-        <p:cNvPr id="1" name=""/>
-        <p:cNvGrpSpPr/>
-        <p:nvPr/>
-      </p:nvGrpSpPr>
-      <p:grpSpPr>
-        <a:xfrm>
-          <a:off x="0" y="0"/>
-          <a:ext cx="0" cy="0"/>
-          <a:chOff x="0" y="0"/>
-          <a:chExt cx="0" cy="0"/>
-        </a:xfrm>
-      </p:grpSpPr>
-      <p:sp>
-        <p:nvSpPr>
-          <p:cNvPr id="149" name="CustomShape 1"/>
-          <p:cNvSpPr/>
-          <p:nvPr/>
-        </p:nvSpPr>
-        <p:spPr>
-          <a:xfrm>
-            <a:off x="274320" y="1257120"/>
-            <a:ext cx="4774680" cy="2949120"/>
-          </a:xfrm>
-          <a:prstGeom prst="rect">
-            <a:avLst/>
-          </a:prstGeom>
-          <a:noFill/>
-          <a:ln>
-            <a:noFill/>
-          </a:ln>
-        </p:spPr>
-        <p:style>
-          <a:lnRef idx="0">
-            <a:scrgbClr r="0" g="0" b="0"/>
-          </a:lnRef>
-          <a:fillRef idx="0">
-            <a:scrgbClr r="0" g="0" b="0"/>
-          </a:fillRef>
-          <a:effectRef idx="0">
-            <a:scrgbClr r="0" g="0" b="0"/>
-          </a:effectRef>
-          <a:fontRef idx="minor"/>
-        </p:style>
-        <p:txBody>
-          <a:bodyPr tIns="91440" bIns="91440">
-            <a:noAutofit/>
-          </a:bodyPr>
-          <a:lstStyle/>
-          <a:p>
-            <a:pPr marL="146160" algn="just">
-              <a:lnSpc>
-                <a:spcPct val="100000"/>
-              </a:lnSpc>
-            </a:pPr>
-            <a:r>
-              <a:rPr lang="en-US" sz="1600" b="0" strike="noStrike" spc="-1">
-                <a:solidFill>
-                  <a:srgbClr val="FFFFFF"/>
-                </a:solidFill>
-                <a:latin typeface="Nunito Sans"/>
-                <a:ea typeface="Nunito Sans"/>
-              </a:rPr>
-              <a:t>Factory method is a creational design pattern, i.e., related to object creation. In Factory pattern, we create object without exposing the creation logic to client and the client use the same common interface to create new type of object.</a:t>
-            </a:r>
-            <a:endParaRPr lang="en-US" sz="1600" b="0" strike="noStrike" spc="-1">
-              <a:latin typeface="Arial"/>
-            </a:endParaRPr>
-          </a:p>
-          <a:p>
-            <a:pPr marL="146160" algn="just">
-              <a:lnSpc>
-                <a:spcPct val="100000"/>
-              </a:lnSpc>
-            </a:pPr>
-            <a:endParaRPr lang="en-US" sz="1600" b="0" strike="noStrike" spc="-1">
-              <a:latin typeface="Arial"/>
-            </a:endParaRPr>
-          </a:p>
-          <a:p>
-            <a:pPr marL="146160" algn="just">
-              <a:lnSpc>
-                <a:spcPct val="100000"/>
-              </a:lnSpc>
-            </a:pPr>
-            <a:endParaRPr lang="en-US" sz="1600" b="0" strike="noStrike" spc="-1">
-              <a:latin typeface="Arial"/>
-            </a:endParaRPr>
-          </a:p>
-        </p:txBody>
-      </p:sp>
-      <p:sp>
-        <p:nvSpPr>
-          <p:cNvPr id="150" name="CustomShape 2"/>
-          <p:cNvSpPr/>
-          <p:nvPr/>
-        </p:nvSpPr>
-        <p:spPr>
-          <a:xfrm>
-            <a:off x="0" y="5118480"/>
-            <a:ext cx="9143640" cy="33120"/>
-          </a:xfrm>
-          <a:prstGeom prst="rect">
-            <a:avLst/>
-          </a:prstGeom>
-          <a:solidFill>
-            <a:srgbClr val="C1D82F"/>
-          </a:solidFill>
-          <a:ln>
-            <a:noFill/>
-          </a:ln>
-        </p:spPr>
-        <p:style>
-          <a:lnRef idx="0">
-            <a:scrgbClr r="0" g="0" b="0"/>
-          </a:lnRef>
-          <a:fillRef idx="0">
-            <a:scrgbClr r="0" g="0" b="0"/>
-          </a:fillRef>
-          <a:effectRef idx="0">
-            <a:scrgbClr r="0" g="0" b="0"/>
-          </a:effectRef>
-          <a:fontRef idx="minor"/>
-        </p:style>
-      </p:sp>
-      <p:sp>
-        <p:nvSpPr>
-          <p:cNvPr id="151" name="CustomShape 3"/>
-          <p:cNvSpPr/>
-          <p:nvPr/>
-        </p:nvSpPr>
-        <p:spPr>
-          <a:xfrm>
-            <a:off x="0" y="216360"/>
-            <a:ext cx="9143640" cy="552240"/>
-          </a:xfrm>
-          <a:prstGeom prst="rect">
-            <a:avLst/>
-          </a:prstGeom>
-          <a:noFill/>
-          <a:ln>
-            <a:noFill/>
-          </a:ln>
-        </p:spPr>
-        <p:style>
-          <a:lnRef idx="0">
-            <a:scrgbClr r="0" g="0" b="0"/>
-          </a:lnRef>
-          <a:fillRef idx="0">
-            <a:scrgbClr r="0" g="0" b="0"/>
-          </a:fillRef>
-          <a:effectRef idx="0">
-            <a:scrgbClr r="0" g="0" b="0"/>
-          </a:effectRef>
-          <a:fontRef idx="minor"/>
-        </p:style>
-        <p:txBody>
-          <a:bodyPr tIns="91440" bIns="91440">
-            <a:noAutofit/>
-          </a:bodyPr>
-          <a:lstStyle/>
-          <a:p>
-            <a:pPr algn="ctr">
-              <a:lnSpc>
-                <a:spcPct val="100000"/>
-              </a:lnSpc>
-            </a:pPr>
-            <a:r>
-              <a:rPr lang="en-US" sz="3200" b="1" strike="noStrike" spc="-1">
-                <a:solidFill>
-                  <a:srgbClr val="FFFFFF"/>
-                </a:solidFill>
-                <a:latin typeface="Montserrat"/>
-                <a:ea typeface="Montserrat"/>
-              </a:rPr>
-              <a:t>Factory Pattern</a:t>
-            </a:r>
-            <a:endParaRPr lang="en-US" sz="3200" b="0" strike="noStrike" spc="-1">
-              <a:latin typeface="Arial"/>
-            </a:endParaRPr>
-          </a:p>
-        </p:txBody>
-      </p:sp>
-      <p:pic>
-        <p:nvPicPr>
-          <p:cNvPr id="152" name="Picture 151"/>
-          <p:cNvPicPr/>
-          <p:nvPr/>
-        </p:nvPicPr>
-        <p:blipFill>
-          <a:blip r:embed="rId2"/>
-          <a:stretch/>
-        </p:blipFill>
-        <p:spPr>
-          <a:xfrm>
-            <a:off x="5362920" y="1371600"/>
-            <a:ext cx="3108960" cy="3108960"/>
-          </a:xfrm>
-          <a:prstGeom prst="rect">
-            <a:avLst/>
-          </a:prstGeom>
-          <a:ln>
-            <a:noFill/>
-          </a:ln>
-        </p:spPr>
-      </p:pic>
-    </p:spTree>
-  </p:cSld>
-  <p:clrMapOvr>
-    <a:masterClrMapping/>
-  </p:clrMapOvr>
-</p:sld>
-</file>
-
-<file path=ppt/slides/slide25.xml><?xml version="1.0" encoding="utf-8"?>
-<p:sld xmlns:a="http://schemas.openxmlformats.org/drawingml/2006/main" xmlns:r="http://schemas.openxmlformats.org/officeDocument/2006/relationships" xmlns:p="http://schemas.openxmlformats.org/presentationml/2006/main">
-  <p:cSld>
-    <p:bg>
-      <p:bgPr>
-        <a:solidFill>
-          <a:srgbClr val="000000"/>
-        </a:solidFill>
-        <a:effectLst/>
-      </p:bgPr>
-    </p:bg>
-    <p:spTree>
-      <p:nvGrpSpPr>
-        <p:cNvPr id="1" name=""/>
-        <p:cNvGrpSpPr/>
-        <p:nvPr/>
-      </p:nvGrpSpPr>
-      <p:grpSpPr>
-        <a:xfrm>
-          <a:off x="0" y="0"/>
-          <a:ext cx="0" cy="0"/>
-          <a:chOff x="0" y="0"/>
-          <a:chExt cx="0" cy="0"/>
-        </a:xfrm>
-      </p:grpSpPr>
-      <p:sp>
-        <p:nvSpPr>
-          <p:cNvPr id="153" name="CustomShape 1"/>
-          <p:cNvSpPr/>
-          <p:nvPr/>
-        </p:nvSpPr>
-        <p:spPr>
-          <a:xfrm>
-            <a:off x="274320" y="1257120"/>
-            <a:ext cx="4774680" cy="2949120"/>
-          </a:xfrm>
-          <a:prstGeom prst="rect">
-            <a:avLst/>
-          </a:prstGeom>
-          <a:noFill/>
-          <a:ln>
-            <a:noFill/>
-          </a:ln>
-        </p:spPr>
-        <p:style>
-          <a:lnRef idx="0">
-            <a:scrgbClr r="0" g="0" b="0"/>
-          </a:lnRef>
-          <a:fillRef idx="0">
-            <a:scrgbClr r="0" g="0" b="0"/>
-          </a:fillRef>
-          <a:effectRef idx="0">
-            <a:scrgbClr r="0" g="0" b="0"/>
-          </a:effectRef>
-          <a:fontRef idx="minor"/>
-        </p:style>
-        <p:txBody>
-          <a:bodyPr tIns="91440" bIns="91440">
-            <a:noAutofit/>
-          </a:bodyPr>
-          <a:lstStyle/>
-          <a:p>
-            <a:pPr marL="146160" algn="just">
-              <a:lnSpc>
-                <a:spcPct val="100000"/>
-              </a:lnSpc>
-            </a:pPr>
-            <a:endParaRPr lang="en-US" sz="1400" b="0" strike="noStrike" spc="-1">
-              <a:latin typeface="Arial"/>
-            </a:endParaRPr>
-          </a:p>
-          <a:p>
-            <a:pPr marL="146160" algn="just">
-              <a:lnSpc>
-                <a:spcPct val="100000"/>
-              </a:lnSpc>
-            </a:pPr>
-            <a:endParaRPr lang="en-US" sz="1400" b="0" strike="noStrike" spc="-1">
-              <a:latin typeface="Arial"/>
-            </a:endParaRPr>
-          </a:p>
-          <a:p>
-            <a:pPr marL="146160" algn="just">
-              <a:lnSpc>
-                <a:spcPct val="100000"/>
-              </a:lnSpc>
-            </a:pPr>
-            <a:endParaRPr lang="en-US" sz="1400" b="0" strike="noStrike" spc="-1">
-              <a:latin typeface="Arial"/>
-            </a:endParaRPr>
-          </a:p>
-        </p:txBody>
-      </p:sp>
-      <p:sp>
-        <p:nvSpPr>
-          <p:cNvPr id="154" name="CustomShape 2"/>
-          <p:cNvSpPr/>
-          <p:nvPr/>
-        </p:nvSpPr>
-        <p:spPr>
-          <a:xfrm>
-            <a:off x="0" y="5118480"/>
-            <a:ext cx="9143640" cy="33120"/>
-          </a:xfrm>
-          <a:prstGeom prst="rect">
-            <a:avLst/>
-          </a:prstGeom>
-          <a:solidFill>
-            <a:srgbClr val="C1D82F"/>
-          </a:solidFill>
-          <a:ln>
-            <a:noFill/>
-          </a:ln>
-        </p:spPr>
-        <p:style>
-          <a:lnRef idx="0">
-            <a:scrgbClr r="0" g="0" b="0"/>
-          </a:lnRef>
-          <a:fillRef idx="0">
-            <a:scrgbClr r="0" g="0" b="0"/>
-          </a:fillRef>
-          <a:effectRef idx="0">
-            <a:scrgbClr r="0" g="0" b="0"/>
-          </a:effectRef>
-          <a:fontRef idx="minor"/>
-        </p:style>
-      </p:sp>
-      <p:sp>
-        <p:nvSpPr>
-          <p:cNvPr id="155" name="CustomShape 3"/>
-          <p:cNvSpPr/>
-          <p:nvPr/>
-        </p:nvSpPr>
-        <p:spPr>
-          <a:xfrm>
-            <a:off x="0" y="216360"/>
-            <a:ext cx="9143640" cy="552240"/>
-          </a:xfrm>
-          <a:prstGeom prst="rect">
-            <a:avLst/>
-          </a:prstGeom>
-          <a:noFill/>
-          <a:ln>
-            <a:noFill/>
-          </a:ln>
-        </p:spPr>
-        <p:style>
-          <a:lnRef idx="0">
-            <a:scrgbClr r="0" g="0" b="0"/>
-          </a:lnRef>
-          <a:fillRef idx="0">
-            <a:scrgbClr r="0" g="0" b="0"/>
-          </a:fillRef>
-          <a:effectRef idx="0">
-            <a:scrgbClr r="0" g="0" b="0"/>
-          </a:effectRef>
-          <a:fontRef idx="minor"/>
-        </p:style>
-        <p:txBody>
-          <a:bodyPr tIns="91440" bIns="91440">
-            <a:noAutofit/>
-          </a:bodyPr>
-          <a:lstStyle/>
-          <a:p>
-            <a:pPr algn="ctr">
-              <a:lnSpc>
-                <a:spcPct val="100000"/>
-              </a:lnSpc>
-            </a:pPr>
-            <a:r>
-              <a:rPr lang="en-US" sz="3200" b="1" strike="noStrike" spc="-1">
-                <a:solidFill>
-                  <a:srgbClr val="FFFFFF"/>
-                </a:solidFill>
-                <a:latin typeface="Montserrat"/>
-                <a:ea typeface="Montserrat"/>
-              </a:rPr>
-              <a:t>Factory Pattern – Class Diagram</a:t>
-            </a:r>
-            <a:endParaRPr lang="en-US" sz="3200" b="0" strike="noStrike" spc="-1">
-              <a:latin typeface="Arial"/>
-            </a:endParaRPr>
-          </a:p>
-        </p:txBody>
-      </p:sp>
-      <p:pic>
-        <p:nvPicPr>
-          <p:cNvPr id="156" name="Picture 155"/>
-          <p:cNvPicPr/>
-          <p:nvPr/>
-        </p:nvPicPr>
-        <p:blipFill>
-          <a:blip r:embed="rId2"/>
-          <a:stretch/>
-        </p:blipFill>
-        <p:spPr>
-          <a:xfrm>
-            <a:off x="2486160" y="1234080"/>
-            <a:ext cx="4226040" cy="1954080"/>
-          </a:xfrm>
-          <a:prstGeom prst="rect">
-            <a:avLst/>
-          </a:prstGeom>
-          <a:ln>
-            <a:noFill/>
-          </a:ln>
-        </p:spPr>
-      </p:pic>
-    </p:spTree>
-  </p:cSld>
-  <p:clrMapOvr>
-    <a:masterClrMapping/>
-  </p:clrMapOvr>
-</p:sld>
-</file>
-
-<file path=ppt/slides/slide26.xml><?xml version="1.0" encoding="utf-8"?>
-<p:sld xmlns:a="http://schemas.openxmlformats.org/drawingml/2006/main" xmlns:r="http://schemas.openxmlformats.org/officeDocument/2006/relationships" xmlns:p="http://schemas.openxmlformats.org/presentationml/2006/main">
-  <p:cSld>
-    <p:bg>
-      <p:bgPr>
-        <a:solidFill>
-          <a:srgbClr val="000000"/>
-        </a:solidFill>
-        <a:effectLst/>
-      </p:bgPr>
-    </p:bg>
-    <p:spTree>
-      <p:nvGrpSpPr>
-        <p:cNvPr id="1" name=""/>
-        <p:cNvGrpSpPr/>
-        <p:nvPr/>
-      </p:nvGrpSpPr>
-      <p:grpSpPr>
-        <a:xfrm>
-          <a:off x="0" y="0"/>
-          <a:ext cx="0" cy="0"/>
-          <a:chOff x="0" y="0"/>
-          <a:chExt cx="0" cy="0"/>
-        </a:xfrm>
-      </p:grpSpPr>
-      <p:sp>
-        <p:nvSpPr>
-          <p:cNvPr id="157" name="CustomShape 1"/>
-          <p:cNvSpPr/>
-          <p:nvPr/>
-        </p:nvSpPr>
-        <p:spPr>
-          <a:xfrm>
-            <a:off x="4114800" y="1257120"/>
-            <a:ext cx="4774680" cy="2949120"/>
-          </a:xfrm>
-          <a:prstGeom prst="rect">
-            <a:avLst/>
-          </a:prstGeom>
-          <a:noFill/>
-          <a:ln>
-            <a:noFill/>
-          </a:ln>
-        </p:spPr>
-        <p:style>
-          <a:lnRef idx="0">
-            <a:scrgbClr r="0" g="0" b="0"/>
-          </a:lnRef>
-          <a:fillRef idx="0">
-            <a:scrgbClr r="0" g="0" b="0"/>
-          </a:fillRef>
-          <a:effectRef idx="0">
-            <a:scrgbClr r="0" g="0" b="0"/>
-          </a:effectRef>
-          <a:fontRef idx="minor"/>
-        </p:style>
-      </p:sp>
-      <p:sp>
-        <p:nvSpPr>
-          <p:cNvPr id="158" name="CustomShape 2"/>
-          <p:cNvSpPr/>
-          <p:nvPr/>
-        </p:nvSpPr>
-        <p:spPr>
-          <a:xfrm>
-            <a:off x="0" y="5118480"/>
-            <a:ext cx="9143640" cy="33120"/>
-          </a:xfrm>
-          <a:prstGeom prst="rect">
-            <a:avLst/>
-          </a:prstGeom>
-          <a:solidFill>
-            <a:srgbClr val="C1D82F"/>
-          </a:solidFill>
-          <a:ln>
-            <a:noFill/>
-          </a:ln>
-        </p:spPr>
-        <p:style>
-          <a:lnRef idx="0">
-            <a:scrgbClr r="0" g="0" b="0"/>
-          </a:lnRef>
-          <a:fillRef idx="0">
-            <a:scrgbClr r="0" g="0" b="0"/>
-          </a:fillRef>
-          <a:effectRef idx="0">
-            <a:scrgbClr r="0" g="0" b="0"/>
-          </a:effectRef>
-          <a:fontRef idx="minor"/>
-        </p:style>
-      </p:sp>
-      <p:sp>
-        <p:nvSpPr>
-          <p:cNvPr id="159" name="CustomShape 3"/>
-          <p:cNvSpPr/>
-          <p:nvPr/>
-        </p:nvSpPr>
-        <p:spPr>
-          <a:xfrm>
-            <a:off x="0" y="216360"/>
-            <a:ext cx="9143640" cy="552240"/>
-          </a:xfrm>
-          <a:prstGeom prst="rect">
-            <a:avLst/>
-          </a:prstGeom>
-          <a:noFill/>
-          <a:ln>
-            <a:noFill/>
-          </a:ln>
-        </p:spPr>
-        <p:style>
-          <a:lnRef idx="0">
-            <a:scrgbClr r="0" g="0" b="0"/>
-          </a:lnRef>
-          <a:fillRef idx="0">
-            <a:scrgbClr r="0" g="0" b="0"/>
-          </a:fillRef>
-          <a:effectRef idx="0">
-            <a:scrgbClr r="0" g="0" b="0"/>
-          </a:effectRef>
-          <a:fontRef idx="minor"/>
-        </p:style>
-        <p:txBody>
-          <a:bodyPr tIns="91440" bIns="91440">
-            <a:noAutofit/>
-          </a:bodyPr>
-          <a:lstStyle/>
-          <a:p>
-            <a:pPr algn="ctr">
-              <a:lnSpc>
-                <a:spcPct val="100000"/>
-              </a:lnSpc>
-            </a:pPr>
-            <a:r>
-              <a:rPr lang="en-US" sz="3200" b="1" strike="noStrike" spc="-1">
-                <a:solidFill>
-                  <a:srgbClr val="FFFFFF"/>
-                </a:solidFill>
-                <a:latin typeface="Montserrat"/>
-                <a:ea typeface="Montserrat"/>
-              </a:rPr>
-              <a:t>Factory Pattern – Diagram of Sequence</a:t>
-            </a:r>
-            <a:endParaRPr lang="en-US" sz="3200" b="0" strike="noStrike" spc="-1">
-              <a:latin typeface="Arial"/>
-            </a:endParaRPr>
-          </a:p>
-        </p:txBody>
-      </p:sp>
-      <p:pic>
-        <p:nvPicPr>
-          <p:cNvPr id="160" name="Picture 159"/>
-          <p:cNvPicPr/>
-          <p:nvPr/>
-        </p:nvPicPr>
-        <p:blipFill>
-          <a:blip r:embed="rId2"/>
-          <a:stretch/>
-        </p:blipFill>
-        <p:spPr>
-          <a:xfrm>
-            <a:off x="1522440" y="1554480"/>
-            <a:ext cx="5609880" cy="2980800"/>
-          </a:xfrm>
-          <a:prstGeom prst="rect">
-            <a:avLst/>
-          </a:prstGeom>
-          <a:ln>
-            <a:noFill/>
-          </a:ln>
-        </p:spPr>
-      </p:pic>
-    </p:spTree>
-  </p:cSld>
-  <p:clrMapOvr>
-    <a:masterClrMapping/>
-  </p:clrMapOvr>
-</p:sld>
-</file>
-
-<file path=ppt/slides/slide27.xml><?xml version="1.0" encoding="utf-8"?>
-<p:sld xmlns:a="http://schemas.openxmlformats.org/drawingml/2006/main" xmlns:r="http://schemas.openxmlformats.org/officeDocument/2006/relationships" xmlns:p="http://schemas.openxmlformats.org/presentationml/2006/main">
-  <p:cSld>
-    <p:bg>
-      <p:bgPr>
-        <a:solidFill>
-          <a:srgbClr val="000000"/>
-        </a:solidFill>
-        <a:effectLst/>
-      </p:bgPr>
-    </p:bg>
-    <p:spTree>
-      <p:nvGrpSpPr>
-        <p:cNvPr id="1" name=""/>
-        <p:cNvGrpSpPr/>
-        <p:nvPr/>
-      </p:nvGrpSpPr>
-      <p:grpSpPr>
-        <a:xfrm>
-          <a:off x="0" y="0"/>
-          <a:ext cx="0" cy="0"/>
-          <a:chOff x="0" y="0"/>
-          <a:chExt cx="0" cy="0"/>
-        </a:xfrm>
-      </p:grpSpPr>
-      <p:sp>
-        <p:nvSpPr>
-          <p:cNvPr id="161" name="CustomShape 1"/>
-          <p:cNvSpPr/>
-          <p:nvPr/>
-        </p:nvSpPr>
-        <p:spPr>
-          <a:xfrm>
-            <a:off x="4114800" y="1257120"/>
-            <a:ext cx="4774680" cy="2949120"/>
-          </a:xfrm>
-          <a:prstGeom prst="rect">
-            <a:avLst/>
-          </a:prstGeom>
-          <a:noFill/>
-          <a:ln>
-            <a:noFill/>
-          </a:ln>
-        </p:spPr>
-        <p:style>
-          <a:lnRef idx="0">
-            <a:scrgbClr r="0" g="0" b="0"/>
-          </a:lnRef>
-          <a:fillRef idx="0">
-            <a:scrgbClr r="0" g="0" b="0"/>
-          </a:fillRef>
-          <a:effectRef idx="0">
-            <a:scrgbClr r="0" g="0" b="0"/>
-          </a:effectRef>
-          <a:fontRef idx="minor"/>
-        </p:style>
-      </p:sp>
-      <p:sp>
-        <p:nvSpPr>
-          <p:cNvPr id="162" name="CustomShape 2"/>
-          <p:cNvSpPr/>
-          <p:nvPr/>
-        </p:nvSpPr>
-        <p:spPr>
-          <a:xfrm>
-            <a:off x="0" y="5118480"/>
-            <a:ext cx="9143640" cy="33120"/>
-          </a:xfrm>
-          <a:prstGeom prst="rect">
-            <a:avLst/>
-          </a:prstGeom>
-          <a:solidFill>
-            <a:srgbClr val="C1D82F"/>
-          </a:solidFill>
-          <a:ln>
-            <a:noFill/>
-          </a:ln>
-        </p:spPr>
-        <p:style>
-          <a:lnRef idx="0">
-            <a:scrgbClr r="0" g="0" b="0"/>
-          </a:lnRef>
-          <a:fillRef idx="0">
-            <a:scrgbClr r="0" g="0" b="0"/>
-          </a:fillRef>
-          <a:effectRef idx="0">
-            <a:scrgbClr r="0" g="0" b="0"/>
-          </a:effectRef>
-          <a:fontRef idx="minor"/>
-        </p:style>
-      </p:sp>
-      <p:sp>
-        <p:nvSpPr>
-          <p:cNvPr id="163" name="CustomShape 3"/>
-          <p:cNvSpPr/>
-          <p:nvPr/>
-        </p:nvSpPr>
-        <p:spPr>
-          <a:xfrm>
-            <a:off x="0" y="216360"/>
-            <a:ext cx="9143640" cy="552240"/>
-          </a:xfrm>
-          <a:prstGeom prst="rect">
-            <a:avLst/>
-          </a:prstGeom>
-          <a:noFill/>
-          <a:ln>
-            <a:noFill/>
-          </a:ln>
-        </p:spPr>
-        <p:style>
-          <a:lnRef idx="0">
-            <a:scrgbClr r="0" g="0" b="0"/>
-          </a:lnRef>
-          <a:fillRef idx="0">
-            <a:scrgbClr r="0" g="0" b="0"/>
-          </a:fillRef>
-          <a:effectRef idx="0">
-            <a:scrgbClr r="0" g="0" b="0"/>
-          </a:effectRef>
-          <a:fontRef idx="minor"/>
-        </p:style>
-        <p:txBody>
-          <a:bodyPr tIns="91440" bIns="91440">
-            <a:noAutofit/>
-          </a:bodyPr>
-          <a:lstStyle/>
-          <a:p>
-            <a:pPr algn="ctr">
-              <a:lnSpc>
-                <a:spcPct val="100000"/>
-              </a:lnSpc>
-            </a:pPr>
-            <a:r>
-              <a:rPr lang="en-US" sz="3200" b="1" strike="noStrike" spc="-1">
-                <a:solidFill>
-                  <a:srgbClr val="FFFFFF"/>
-                </a:solidFill>
-                <a:latin typeface="Montserrat"/>
-                <a:ea typeface="Montserrat"/>
-              </a:rPr>
-              <a:t>Factory Pattern – Diagram of Sequence</a:t>
-            </a:r>
-            <a:endParaRPr lang="en-US" sz="3200" b="0" strike="noStrike" spc="-1">
-              <a:latin typeface="Arial"/>
-            </a:endParaRPr>
-          </a:p>
-        </p:txBody>
-      </p:sp>
-      <p:pic>
-        <p:nvPicPr>
-          <p:cNvPr id="164" name="Picture 163"/>
-          <p:cNvPicPr/>
-          <p:nvPr/>
-        </p:nvPicPr>
-        <p:blipFill>
-          <a:blip r:embed="rId2"/>
-          <a:stretch/>
-        </p:blipFill>
-        <p:spPr>
-          <a:xfrm>
-            <a:off x="2259000" y="775440"/>
-            <a:ext cx="3809520" cy="4223880"/>
-          </a:xfrm>
-          <a:prstGeom prst="rect">
-            <a:avLst/>
-          </a:prstGeom>
-          <a:ln>
-            <a:noFill/>
-          </a:ln>
-        </p:spPr>
-      </p:pic>
-    </p:spTree>
-  </p:cSld>
-  <p:clrMapOvr>
-    <a:masterClrMapping/>
-  </p:clrMapOvr>
-</p:sld>
-</file>
-
-<file path=ppt/slides/slide28.xml><?xml version="1.0" encoding="utf-8"?>
-<p:sld xmlns:a="http://schemas.openxmlformats.org/drawingml/2006/main" xmlns:r="http://schemas.openxmlformats.org/officeDocument/2006/relationships" xmlns:p="http://schemas.openxmlformats.org/presentationml/2006/main">
-  <p:cSld>
-    <p:spTree>
-      <p:nvGrpSpPr>
-        <p:cNvPr id="1" name=""/>
-        <p:cNvGrpSpPr/>
-        <p:nvPr/>
-      </p:nvGrpSpPr>
-      <p:grpSpPr>
-        <a:xfrm>
-          <a:off x="0" y="0"/>
-          <a:ext cx="0" cy="0"/>
-          <a:chOff x="0" y="0"/>
-          <a:chExt cx="0" cy="0"/>
-        </a:xfrm>
-      </p:grpSpPr>
-      <p:pic>
-        <p:nvPicPr>
-          <p:cNvPr id="147" name="Google Shape;111;p27"/>
-          <p:cNvPicPr/>
-          <p:nvPr/>
-        </p:nvPicPr>
-        <p:blipFill>
-          <a:blip r:embed="rId2"/>
-          <a:stretch/>
-        </p:blipFill>
-        <p:spPr>
-          <a:xfrm>
-            <a:off x="0" y="0"/>
-            <a:ext cx="9143640" cy="5143320"/>
-          </a:xfrm>
-          <a:prstGeom prst="rect">
-            <a:avLst/>
-          </a:prstGeom>
-          <a:ln>
-            <a:noFill/>
-          </a:ln>
-        </p:spPr>
-      </p:pic>
-      <p:sp>
-        <p:nvSpPr>
-          <p:cNvPr id="148" name="CustomShape 1"/>
-          <p:cNvSpPr/>
-          <p:nvPr/>
-        </p:nvSpPr>
-        <p:spPr>
-          <a:xfrm>
-            <a:off x="281520" y="1252080"/>
-            <a:ext cx="8580600" cy="2639520"/>
-          </a:xfrm>
-          <a:prstGeom prst="rect">
-            <a:avLst/>
-          </a:prstGeom>
-          <a:noFill/>
-          <a:ln>
-            <a:noFill/>
-          </a:ln>
-        </p:spPr>
-        <p:style>
-          <a:lnRef idx="0">
-            <a:scrgbClr r="0" g="0" b="0"/>
-          </a:lnRef>
-          <a:fillRef idx="0">
-            <a:scrgbClr r="0" g="0" b="0"/>
-          </a:fillRef>
-          <a:effectRef idx="0">
-            <a:scrgbClr r="0" g="0" b="0"/>
-          </a:effectRef>
-          <a:fontRef idx="minor"/>
-        </p:style>
-        <p:txBody>
-          <a:bodyPr tIns="91440" bIns="91440">
-            <a:noAutofit/>
-          </a:bodyPr>
-          <a:lstStyle/>
-          <a:p>
-            <a:pPr algn="r">
-              <a:lnSpc>
-                <a:spcPct val="100000"/>
-              </a:lnSpc>
-            </a:pPr>
-            <a:endParaRPr lang="en-US" sz="1400" b="0" strike="noStrike" spc="-1" dirty="0">
-              <a:latin typeface="Arial"/>
-            </a:endParaRPr>
-          </a:p>
-          <a:p>
-            <a:pPr algn="r">
-              <a:lnSpc>
-                <a:spcPct val="100000"/>
-              </a:lnSpc>
-            </a:pPr>
-            <a:endParaRPr lang="en-US" sz="1400" b="0" strike="noStrike" spc="-1" dirty="0">
-              <a:latin typeface="Arial"/>
-            </a:endParaRPr>
-          </a:p>
-          <a:p>
-            <a:pPr algn="r">
-              <a:lnSpc>
-                <a:spcPct val="100000"/>
-              </a:lnSpc>
-            </a:pPr>
-            <a:r>
-              <a:rPr lang="en-US" sz="3400" b="0" strike="noStrike" spc="-1" dirty="0">
-                <a:solidFill>
-                  <a:srgbClr val="96B51A"/>
-                </a:solidFill>
-                <a:latin typeface="Droid Sans"/>
-                <a:ea typeface="Droid Sans"/>
-              </a:rPr>
-              <a:t>Chain of </a:t>
-            </a:r>
-            <a:r>
-              <a:rPr lang="en-US" sz="3400" b="0" strike="noStrike" spc="-1" dirty="0" err="1">
-                <a:solidFill>
-                  <a:srgbClr val="96B51A"/>
-                </a:solidFill>
-                <a:latin typeface="Droid Sans"/>
-                <a:ea typeface="Droid Sans"/>
-              </a:rPr>
-              <a:t>Responsability</a:t>
-            </a:r>
-            <a:r>
-              <a:rPr lang="en-US" sz="3400" b="0" strike="noStrike" spc="-1" dirty="0">
-                <a:solidFill>
-                  <a:srgbClr val="96B51A"/>
-                </a:solidFill>
-                <a:latin typeface="Droid Sans"/>
-                <a:ea typeface="Droid Sans"/>
-              </a:rPr>
-              <a:t> Pattern</a:t>
-            </a:r>
-            <a:endParaRPr lang="en-US" sz="3400" b="0" strike="noStrike" spc="-1" dirty="0">
-              <a:latin typeface="Arial"/>
-            </a:endParaRPr>
-          </a:p>
-        </p:txBody>
-      </p:sp>
-    </p:spTree>
-    <p:extLst>
-      <p:ext uri="{BB962C8B-B14F-4D97-AF65-F5344CB8AC3E}">
-        <p14:creationId xmlns:p14="http://schemas.microsoft.com/office/powerpoint/2010/main" val="3094077266"/>
-      </p:ext>
-    </p:extLst>
-  </p:cSld>
-  <p:clrMapOvr>
-    <a:masterClrMapping/>
-  </p:clrMapOvr>
-</p:sld>
-</file>
-
-<file path=ppt/slides/slide29.xml><?xml version="1.0" encoding="utf-8"?>
-<p:sld xmlns:a="http://schemas.openxmlformats.org/drawingml/2006/main" xmlns:r="http://schemas.openxmlformats.org/officeDocument/2006/relationships" xmlns:p="http://schemas.openxmlformats.org/presentationml/2006/main">
-  <p:cSld>
-    <p:bg>
-      <p:bgPr>
-        <a:solidFill>
-          <a:srgbClr val="000000"/>
-        </a:solidFill>
-        <a:effectLst/>
-      </p:bgPr>
-    </p:bg>
-    <p:spTree>
-      <p:nvGrpSpPr>
-        <p:cNvPr id="1" name=""/>
-        <p:cNvGrpSpPr/>
-        <p:nvPr/>
-      </p:nvGrpSpPr>
-      <p:grpSpPr>
-        <a:xfrm>
-          <a:off x="0" y="0"/>
-          <a:ext cx="0" cy="0"/>
-          <a:chOff x="0" y="0"/>
-          <a:chExt cx="0" cy="0"/>
-        </a:xfrm>
-      </p:grpSpPr>
-      <p:sp>
-        <p:nvSpPr>
-          <p:cNvPr id="161" name="CustomShape 1"/>
-          <p:cNvSpPr/>
-          <p:nvPr/>
-        </p:nvSpPr>
-        <p:spPr>
-          <a:xfrm>
-            <a:off x="4114800" y="1257120"/>
-            <a:ext cx="4774680" cy="2949120"/>
-          </a:xfrm>
-          <a:prstGeom prst="rect">
-            <a:avLst/>
-          </a:prstGeom>
-          <a:noFill/>
-          <a:ln>
-            <a:noFill/>
-          </a:ln>
-        </p:spPr>
-        <p:style>
-          <a:lnRef idx="0">
-            <a:scrgbClr r="0" g="0" b="0"/>
-          </a:lnRef>
-          <a:fillRef idx="0">
-            <a:scrgbClr r="0" g="0" b="0"/>
-          </a:fillRef>
-          <a:effectRef idx="0">
-            <a:scrgbClr r="0" g="0" b="0"/>
-          </a:effectRef>
-          <a:fontRef idx="minor"/>
-        </p:style>
-      </p:sp>
-      <p:sp>
-        <p:nvSpPr>
-          <p:cNvPr id="162" name="CustomShape 2"/>
-          <p:cNvSpPr/>
-          <p:nvPr/>
-        </p:nvSpPr>
-        <p:spPr>
-          <a:xfrm>
-            <a:off x="0" y="5118480"/>
-            <a:ext cx="9143640" cy="33120"/>
-          </a:xfrm>
-          <a:prstGeom prst="rect">
-            <a:avLst/>
-          </a:prstGeom>
-          <a:solidFill>
-            <a:srgbClr val="C1D82F"/>
-          </a:solidFill>
-          <a:ln>
-            <a:noFill/>
-          </a:ln>
-        </p:spPr>
-        <p:style>
-          <a:lnRef idx="0">
-            <a:scrgbClr r="0" g="0" b="0"/>
-          </a:lnRef>
-          <a:fillRef idx="0">
-            <a:scrgbClr r="0" g="0" b="0"/>
-          </a:fillRef>
-          <a:effectRef idx="0">
-            <a:scrgbClr r="0" g="0" b="0"/>
-          </a:effectRef>
-          <a:fontRef idx="minor"/>
-        </p:style>
-      </p:sp>
-      <p:sp>
-        <p:nvSpPr>
-          <p:cNvPr id="163" name="CustomShape 3"/>
-          <p:cNvSpPr/>
-          <p:nvPr/>
-        </p:nvSpPr>
-        <p:spPr>
-          <a:xfrm>
-            <a:off x="0" y="216360"/>
-            <a:ext cx="9143640" cy="552240"/>
-          </a:xfrm>
-          <a:prstGeom prst="rect">
-            <a:avLst/>
-          </a:prstGeom>
-          <a:noFill/>
-          <a:ln>
-            <a:noFill/>
-          </a:ln>
-        </p:spPr>
-        <p:style>
-          <a:lnRef idx="0">
-            <a:scrgbClr r="0" g="0" b="0"/>
-          </a:lnRef>
-          <a:fillRef idx="0">
-            <a:scrgbClr r="0" g="0" b="0"/>
-          </a:fillRef>
-          <a:effectRef idx="0">
-            <a:scrgbClr r="0" g="0" b="0"/>
-          </a:effectRef>
-          <a:fontRef idx="minor"/>
-        </p:style>
-        <p:txBody>
-          <a:bodyPr tIns="91440" bIns="91440">
-            <a:noAutofit/>
-          </a:bodyPr>
-          <a:lstStyle/>
-          <a:p>
-            <a:pPr algn="ctr">
-              <a:lnSpc>
-                <a:spcPct val="100000"/>
-              </a:lnSpc>
-            </a:pPr>
-            <a:r>
-              <a:rPr lang="en-US" sz="3600" b="1" strike="noStrike" spc="-1" dirty="0">
-                <a:solidFill>
-                  <a:srgbClr val="FFFFFF"/>
-                </a:solidFill>
-                <a:latin typeface="Montserrat"/>
-                <a:ea typeface="Montserrat"/>
-              </a:rPr>
-              <a:t>What is?</a:t>
-            </a:r>
-            <a:endParaRPr lang="en-US" sz="3600" b="0" strike="noStrike" spc="-1" dirty="0">
-              <a:latin typeface="Arial"/>
-            </a:endParaRPr>
-          </a:p>
-        </p:txBody>
-      </p:sp>
-      <p:sp>
-        <p:nvSpPr>
-          <p:cNvPr id="3" name="Text Placeholder 2">
-            <a:extLst>
-              <a:ext uri="{FF2B5EF4-FFF2-40B4-BE49-F238E27FC236}">
-                <a16:creationId xmlns:a16="http://schemas.microsoft.com/office/drawing/2014/main" id="{41983E12-E49A-444A-AD9E-56873E5A061B}"/>
-              </a:ext>
-            </a:extLst>
-          </p:cNvPr>
-          <p:cNvSpPr>
-            <a:spLocks noGrp="1"/>
-          </p:cNvSpPr>
-          <p:nvPr>
-            <p:ph type="body"/>
-          </p:nvPr>
-        </p:nvSpPr>
-        <p:spPr>
-          <a:xfrm>
-            <a:off x="147737" y="1000313"/>
-            <a:ext cx="4666309" cy="2990774"/>
-          </a:xfrm>
-        </p:spPr>
-        <p:txBody>
-          <a:bodyPr>
-            <a:normAutofit/>
-          </a:bodyPr>
-          <a:lstStyle/>
-          <a:p>
-            <a:pPr marL="0" indent="0" algn="just">
-              <a:buNone/>
-            </a:pPr>
-            <a:r>
-              <a:rPr lang="en-US" sz="2400" dirty="0">
-                <a:solidFill>
-                  <a:schemeClr val="bg1"/>
-                </a:solidFill>
-              </a:rPr>
-              <a:t>Allows an object to send a command without knowing what object will receive and handle it. The request is sent from one object to another making them parts of a chain and each object in this chain can handle the command, pass it on or do both.</a:t>
-            </a:r>
-          </a:p>
-        </p:txBody>
-      </p:sp>
-      <p:pic>
-        <p:nvPicPr>
-          <p:cNvPr id="1026" name="Picture 2" descr="Image result for chain of responsibility design pattern">
-            <a:extLst>
-              <a:ext uri="{FF2B5EF4-FFF2-40B4-BE49-F238E27FC236}">
-                <a16:creationId xmlns:a16="http://schemas.microsoft.com/office/drawing/2014/main" id="{06BD5FB7-6FDE-4182-BCB7-77C9FA2EE926}"/>
-              </a:ext>
-            </a:extLst>
-          </p:cNvPr>
-          <p:cNvPicPr>
-            <a:picLocks noChangeAspect="1" noChangeArrowheads="1"/>
-          </p:cNvPicPr>
-          <p:nvPr/>
-        </p:nvPicPr>
-        <p:blipFill>
-          <a:blip r:embed="rId2">
-            <a:extLst>
-              <a:ext uri="{28A0092B-C50C-407E-A947-70E740481C1C}">
-                <a14:useLocalDpi xmlns:a14="http://schemas.microsoft.com/office/drawing/2010/main" val="0"/>
-              </a:ext>
-            </a:extLst>
-          </a:blip>
-          <a:srcRect/>
-          <a:stretch>
-            <a:fillRect/>
-          </a:stretch>
-        </p:blipFill>
-        <p:spPr bwMode="auto">
-          <a:xfrm>
-            <a:off x="2205646" y="3639621"/>
-            <a:ext cx="2366174" cy="1478859"/>
-          </a:xfrm>
-          <a:prstGeom prst="rect">
-            <a:avLst/>
-          </a:prstGeom>
-          <a:noFill/>
-          <a:extLst>
-            <a:ext uri="{909E8E84-426E-40DD-AFC4-6F175D3DCCD1}">
-              <a14:hiddenFill xmlns:a14="http://schemas.microsoft.com/office/drawing/2010/main">
-                <a:solidFill>
-                  <a:srgbClr val="FFFFFF"/>
-                </a:solidFill>
-              </a14:hiddenFill>
-            </a:ext>
-          </a:extLst>
-        </p:spPr>
-      </p:pic>
-      <p:pic>
-        <p:nvPicPr>
-          <p:cNvPr id="1028" name="Picture 4" descr="Related image">
-            <a:extLst>
-              <a:ext uri="{FF2B5EF4-FFF2-40B4-BE49-F238E27FC236}">
-                <a16:creationId xmlns:a16="http://schemas.microsoft.com/office/drawing/2014/main" id="{5807EC24-CE42-4C5A-B9E5-6BC758C4A1D0}"/>
-              </a:ext>
-            </a:extLst>
-          </p:cNvPr>
-          <p:cNvPicPr>
-            <a:picLocks noChangeAspect="1" noChangeArrowheads="1"/>
-          </p:cNvPicPr>
-          <p:nvPr/>
-        </p:nvPicPr>
-        <p:blipFill>
-          <a:blip r:embed="rId3">
-            <a:extLst>
-              <a:ext uri="{28A0092B-C50C-407E-A947-70E740481C1C}">
-                <a14:useLocalDpi xmlns:a14="http://schemas.microsoft.com/office/drawing/2010/main" val="0"/>
-              </a:ext>
-            </a:extLst>
-          </a:blip>
-          <a:srcRect/>
-          <a:stretch>
-            <a:fillRect/>
-          </a:stretch>
-        </p:blipFill>
-        <p:spPr bwMode="auto">
-          <a:xfrm>
-            <a:off x="5136776" y="1110548"/>
-            <a:ext cx="3920565" cy="2205318"/>
-          </a:xfrm>
-          <a:prstGeom prst="rect">
-            <a:avLst/>
-          </a:prstGeom>
-          <a:noFill/>
-          <a:extLst>
-            <a:ext uri="{909E8E84-426E-40DD-AFC4-6F175D3DCCD1}">
-              <a14:hiddenFill xmlns:a14="http://schemas.microsoft.com/office/drawing/2010/main">
-                <a:solidFill>
-                  <a:srgbClr val="FFFFFF"/>
-                </a:solidFill>
-              </a14:hiddenFill>
-            </a:ext>
-          </a:extLst>
-        </p:spPr>
-      </p:pic>
-    </p:spTree>
-    <p:extLst>
-      <p:ext uri="{BB962C8B-B14F-4D97-AF65-F5344CB8AC3E}">
-        <p14:creationId xmlns:p14="http://schemas.microsoft.com/office/powerpoint/2010/main" val="3864629513"/>
-      </p:ext>
-    </p:extLst>
   </p:cSld>
   <p:clrMapOvr>
     <a:masterClrMapping/>
@@ -9163,7 +7226,7 @@
         </p:nvSpPr>
         <p:spPr>
           <a:xfrm rot="10800000" flipV="1">
-            <a:off x="6321960" y="1010520"/>
+            <a:off x="-148123" y="1867590"/>
             <a:ext cx="3677040" cy="704160"/>
           </a:xfrm>
           <a:prstGeom prst="rect">
@@ -9198,18 +7261,14 @@
               </a:lnSpc>
             </a:pPr>
             <a:r>
-              <a:rPr lang="en-US" sz="3200" b="1" strike="noStrike" spc="-1">
-                <a:solidFill>
-                  <a:srgbClr val="FFFFFF"/>
-                </a:solidFill>
-                <a:latin typeface="Montserrat"/>
-                <a:ea typeface="Montserrat"/>
+              <a:rPr lang="en-US" sz="2400" dirty="0">
+                <a:solidFill>
+                  <a:srgbClr val="96B51A"/>
+                </a:solidFill>
+                <a:cs typeface="Arial" panose="020B0604020202020204"/>
               </a:rPr>
-              <a:t>Clasification</a:t>
+              <a:t>Classification</a:t>
             </a:r>
-            <a:endParaRPr lang="en-US" sz="3200" b="0" strike="noStrike" spc="-1">
-              <a:latin typeface="Arial"/>
-            </a:endParaRPr>
           </a:p>
           <a:p>
             <a:pPr algn="ctr">
@@ -9217,7 +7276,7 @@
                 <a:spcPct val="100000"/>
               </a:lnSpc>
             </a:pPr>
-            <a:endParaRPr lang="en-US" sz="3200" b="0" strike="noStrike" spc="-1">
+            <a:endParaRPr lang="en-US" sz="3200" b="0" strike="noStrike" spc="-1" dirty="0">
               <a:latin typeface="Arial"/>
             </a:endParaRPr>
           </a:p>
@@ -9227,7 +7286,7 @@
                 <a:spcPct val="100000"/>
               </a:lnSpc>
             </a:pPr>
-            <a:endParaRPr lang="en-US" sz="3200" b="0" strike="noStrike" spc="-1">
+            <a:endParaRPr lang="en-US" sz="3200" b="0" strike="noStrike" spc="-1" dirty="0">
               <a:latin typeface="Arial"/>
             </a:endParaRPr>
           </a:p>
@@ -9237,7 +7296,7 @@
                 <a:spcPct val="100000"/>
               </a:lnSpc>
             </a:pPr>
-            <a:endParaRPr lang="en-US" sz="3200" b="0" strike="noStrike" spc="-1">
+            <a:endParaRPr lang="en-US" sz="3200" b="0" strike="noStrike" spc="-1" dirty="0">
               <a:latin typeface="Arial"/>
             </a:endParaRPr>
           </a:p>
@@ -9256,1463 +7315,55 @@
         </p:blipFill>
         <p:spPr>
           <a:xfrm>
-            <a:off x="1545840" y="931320"/>
-            <a:ext cx="6288480" cy="3976560"/>
-          </a:xfrm>
-          <a:prstGeom prst="rect">
-            <a:avLst/>
-          </a:prstGeom>
-          <a:ln>
-            <a:noFill/>
+            <a:off x="3422592" y="736833"/>
+            <a:ext cx="5258704" cy="3499712"/>
+          </a:xfrm>
+          <a:prstGeom prst="rect">
+            <a:avLst/>
+          </a:prstGeom>
+          <a:ln w="190500" cap="sq">
+            <a:solidFill>
+              <a:srgbClr val="C8C6BD"/>
+            </a:solidFill>
+            <a:prstDash val="solid"/>
+            <a:miter lim="800000"/>
           </a:ln>
-        </p:spPr>
+          <a:effectLst>
+            <a:outerShdw blurRad="254000" algn="bl" rotWithShape="0">
+              <a:srgbClr val="000000">
+                <a:alpha val="43000"/>
+              </a:srgbClr>
+            </a:outerShdw>
+          </a:effectLst>
+          <a:scene3d>
+            <a:camera prst="perspectiveFront" fov="5400000"/>
+            <a:lightRig rig="threePt" dir="t">
+              <a:rot lat="0" lon="0" rev="2100000"/>
+            </a:lightRig>
+          </a:scene3d>
+          <a:sp3d extrusionH="25400">
+            <a:bevelT w="304800" h="152400" prst="hardEdge"/>
+            <a:extrusionClr>
+              <a:srgbClr val="000000"/>
+            </a:extrusionClr>
+          </a:sp3d>
+        </p:spPr>
+        <p:style>
+          <a:lnRef idx="2">
+            <a:schemeClr val="accent3"/>
+          </a:lnRef>
+          <a:fillRef idx="1">
+            <a:schemeClr val="lt1"/>
+          </a:fillRef>
+          <a:effectRef idx="0">
+            <a:schemeClr val="accent3"/>
+          </a:effectRef>
+          <a:fontRef idx="minor">
+            <a:schemeClr val="dk1"/>
+          </a:fontRef>
+        </p:style>
       </p:pic>
     </p:spTree>
-  </p:cSld>
-  <p:clrMapOvr>
-    <a:masterClrMapping/>
-  </p:clrMapOvr>
-</p:sld>
-</file>
-
-<file path=ppt/slides/slide30.xml><?xml version="1.0" encoding="utf-8"?>
-<p:sld xmlns:a="http://schemas.openxmlformats.org/drawingml/2006/main" xmlns:r="http://schemas.openxmlformats.org/officeDocument/2006/relationships" xmlns:p="http://schemas.openxmlformats.org/presentationml/2006/main">
-  <p:cSld>
-    <p:bg>
-      <p:bgPr>
-        <a:solidFill>
-          <a:srgbClr val="000000"/>
-        </a:solidFill>
-        <a:effectLst/>
-      </p:bgPr>
-    </p:bg>
-    <p:spTree>
-      <p:nvGrpSpPr>
-        <p:cNvPr id="1" name=""/>
-        <p:cNvGrpSpPr/>
-        <p:nvPr/>
-      </p:nvGrpSpPr>
-      <p:grpSpPr>
-        <a:xfrm>
-          <a:off x="0" y="0"/>
-          <a:ext cx="0" cy="0"/>
-          <a:chOff x="0" y="0"/>
-          <a:chExt cx="0" cy="0"/>
-        </a:xfrm>
-      </p:grpSpPr>
-      <p:sp>
-        <p:nvSpPr>
-          <p:cNvPr id="161" name="CustomShape 1"/>
-          <p:cNvSpPr/>
-          <p:nvPr/>
-        </p:nvSpPr>
-        <p:spPr>
-          <a:xfrm>
-            <a:off x="4114800" y="1257120"/>
-            <a:ext cx="4774680" cy="2949120"/>
-          </a:xfrm>
-          <a:prstGeom prst="rect">
-            <a:avLst/>
-          </a:prstGeom>
-          <a:noFill/>
-          <a:ln>
-            <a:noFill/>
-          </a:ln>
-        </p:spPr>
-        <p:style>
-          <a:lnRef idx="0">
-            <a:scrgbClr r="0" g="0" b="0"/>
-          </a:lnRef>
-          <a:fillRef idx="0">
-            <a:scrgbClr r="0" g="0" b="0"/>
-          </a:fillRef>
-          <a:effectRef idx="0">
-            <a:scrgbClr r="0" g="0" b="0"/>
-          </a:effectRef>
-          <a:fontRef idx="minor"/>
-        </p:style>
-      </p:sp>
-      <p:sp>
-        <p:nvSpPr>
-          <p:cNvPr id="162" name="CustomShape 2"/>
-          <p:cNvSpPr/>
-          <p:nvPr/>
-        </p:nvSpPr>
-        <p:spPr>
-          <a:xfrm>
-            <a:off x="0" y="5118480"/>
-            <a:ext cx="9143640" cy="33120"/>
-          </a:xfrm>
-          <a:prstGeom prst="rect">
-            <a:avLst/>
-          </a:prstGeom>
-          <a:solidFill>
-            <a:srgbClr val="C1D82F"/>
-          </a:solidFill>
-          <a:ln>
-            <a:noFill/>
-          </a:ln>
-        </p:spPr>
-        <p:style>
-          <a:lnRef idx="0">
-            <a:scrgbClr r="0" g="0" b="0"/>
-          </a:lnRef>
-          <a:fillRef idx="0">
-            <a:scrgbClr r="0" g="0" b="0"/>
-          </a:fillRef>
-          <a:effectRef idx="0">
-            <a:scrgbClr r="0" g="0" b="0"/>
-          </a:effectRef>
-          <a:fontRef idx="minor"/>
-        </p:style>
-      </p:sp>
-      <p:sp>
-        <p:nvSpPr>
-          <p:cNvPr id="163" name="CustomShape 3"/>
-          <p:cNvSpPr/>
-          <p:nvPr/>
-        </p:nvSpPr>
-        <p:spPr>
-          <a:xfrm>
-            <a:off x="0" y="216360"/>
-            <a:ext cx="9143640" cy="552240"/>
-          </a:xfrm>
-          <a:prstGeom prst="rect">
-            <a:avLst/>
-          </a:prstGeom>
-          <a:noFill/>
-          <a:ln>
-            <a:noFill/>
-          </a:ln>
-        </p:spPr>
-        <p:style>
-          <a:lnRef idx="0">
-            <a:scrgbClr r="0" g="0" b="0"/>
-          </a:lnRef>
-          <a:fillRef idx="0">
-            <a:scrgbClr r="0" g="0" b="0"/>
-          </a:fillRef>
-          <a:effectRef idx="0">
-            <a:scrgbClr r="0" g="0" b="0"/>
-          </a:effectRef>
-          <a:fontRef idx="minor"/>
-        </p:style>
-        <p:txBody>
-          <a:bodyPr tIns="91440" bIns="91440">
-            <a:noAutofit/>
-          </a:bodyPr>
-          <a:lstStyle/>
-          <a:p>
-            <a:pPr algn="ctr">
-              <a:lnSpc>
-                <a:spcPct val="100000"/>
-              </a:lnSpc>
-            </a:pPr>
-            <a:r>
-              <a:rPr lang="en-US" sz="3200" b="1" spc="-1" dirty="0">
-                <a:solidFill>
-                  <a:srgbClr val="FFFFFF"/>
-                </a:solidFill>
-                <a:latin typeface="Montserrat"/>
-              </a:rPr>
-              <a:t>Advantage / Disadvantage</a:t>
-            </a:r>
-            <a:endParaRPr lang="en-US" sz="3200" b="0" strike="noStrike" spc="-1" dirty="0">
-              <a:latin typeface="Arial"/>
-            </a:endParaRPr>
-          </a:p>
-        </p:txBody>
-      </p:sp>
-      <p:sp>
-        <p:nvSpPr>
-          <p:cNvPr id="2" name="TextBox 1">
-            <a:extLst>
-              <a:ext uri="{FF2B5EF4-FFF2-40B4-BE49-F238E27FC236}">
-                <a16:creationId xmlns:a16="http://schemas.microsoft.com/office/drawing/2014/main" id="{8B1319CA-707D-4666-A070-B3803D5C1BAF}"/>
-              </a:ext>
-            </a:extLst>
-          </p:cNvPr>
-          <p:cNvSpPr txBox="1"/>
-          <p:nvPr/>
-        </p:nvSpPr>
-        <p:spPr>
-          <a:xfrm>
-            <a:off x="405635" y="1149724"/>
-            <a:ext cx="8348400" cy="3416320"/>
-          </a:xfrm>
-          <a:prstGeom prst="rect">
-            <a:avLst/>
-          </a:prstGeom>
-          <a:noFill/>
-        </p:spPr>
-        <p:txBody>
-          <a:bodyPr wrap="square" rtlCol="0">
-            <a:spAutoFit/>
-          </a:bodyPr>
-          <a:lstStyle/>
-          <a:p>
-            <a:pPr algn="just"/>
-            <a:r>
-              <a:rPr lang="en-US" dirty="0">
-                <a:solidFill>
-                  <a:schemeClr val="bg1"/>
-                </a:solidFill>
-              </a:rPr>
-              <a:t>Advantage:</a:t>
-            </a:r>
-          </a:p>
-          <a:p>
-            <a:pPr algn="just"/>
-            <a:endParaRPr lang="en-US" dirty="0">
-              <a:solidFill>
-                <a:schemeClr val="bg1"/>
-              </a:solidFill>
-            </a:endParaRPr>
-          </a:p>
-          <a:p>
-            <a:pPr marL="342900" indent="-342900" algn="just">
-              <a:buFont typeface="Arial" panose="020B0604020202020204" pitchFamily="34" charset="0"/>
-              <a:buChar char="•"/>
-            </a:pPr>
-            <a:r>
-              <a:rPr lang="en-US" dirty="0">
-                <a:solidFill>
-                  <a:schemeClr val="bg1"/>
-                </a:solidFill>
-              </a:rPr>
-              <a:t>Reduce coupling </a:t>
-            </a:r>
-          </a:p>
-          <a:p>
-            <a:pPr marL="800100" lvl="1" indent="-342900" algn="just">
-              <a:buFont typeface="Arial" panose="020B0604020202020204" pitchFamily="34" charset="0"/>
-              <a:buChar char="•"/>
-            </a:pPr>
-            <a:r>
-              <a:rPr lang="en-US" dirty="0">
-                <a:solidFill>
-                  <a:schemeClr val="bg1"/>
-                </a:solidFill>
-              </a:rPr>
-              <a:t>avoids attaching the sender of a request to its receiver, giving this way other objects the possibility of handling the request too.</a:t>
-            </a:r>
-          </a:p>
-          <a:p>
-            <a:pPr marL="342900" indent="-342900" algn="just">
-              <a:buFont typeface="Arial" panose="020B0604020202020204" pitchFamily="34" charset="0"/>
-              <a:buChar char="•"/>
-            </a:pPr>
-            <a:endParaRPr lang="en-US" dirty="0">
-              <a:solidFill>
-                <a:schemeClr val="bg1"/>
-              </a:solidFill>
-            </a:endParaRPr>
-          </a:p>
-          <a:p>
-            <a:pPr marL="342900" indent="-342900" algn="just">
-              <a:buFont typeface="Arial" panose="020B0604020202020204" pitchFamily="34" charset="0"/>
-              <a:buChar char="•"/>
-            </a:pPr>
-            <a:r>
-              <a:rPr lang="en-US" dirty="0">
-                <a:solidFill>
-                  <a:schemeClr val="bg1"/>
-                </a:solidFill>
-              </a:rPr>
-              <a:t>Object doesn’t need to know the chain structure </a:t>
-            </a:r>
-          </a:p>
-          <a:p>
-            <a:pPr marL="800100" lvl="1" indent="-342900" algn="just">
-              <a:buFont typeface="Arial" panose="020B0604020202020204" pitchFamily="34" charset="0"/>
-              <a:buChar char="•"/>
-            </a:pPr>
-            <a:r>
-              <a:rPr lang="en-US" dirty="0">
-                <a:solidFill>
-                  <a:schemeClr val="bg1"/>
-                </a:solidFill>
-              </a:rPr>
-              <a:t>The objects become parts of a chain and the request is sent from one object to another across the chain until one of the objects will handle it.</a:t>
-            </a:r>
-          </a:p>
-          <a:p>
-            <a:pPr marL="342900" indent="-342900" algn="just">
-              <a:buFont typeface="Arial" panose="020B0604020202020204" pitchFamily="34" charset="0"/>
-              <a:buChar char="•"/>
-            </a:pPr>
-            <a:endParaRPr lang="en-US" dirty="0">
-              <a:solidFill>
-                <a:schemeClr val="bg1"/>
-              </a:solidFill>
-            </a:endParaRPr>
-          </a:p>
-          <a:p>
-            <a:pPr marL="342900" indent="-342900" algn="just">
-              <a:buFont typeface="Arial" panose="020B0604020202020204" pitchFamily="34" charset="0"/>
-              <a:buChar char="•"/>
-            </a:pPr>
-            <a:r>
-              <a:rPr lang="en-US" dirty="0">
-                <a:solidFill>
-                  <a:schemeClr val="bg1"/>
-                </a:solidFill>
-              </a:rPr>
-              <a:t>Enhance flexibility of object assigned duties (add, change or remove responsibilities throw the chain) </a:t>
-            </a:r>
-            <a:endParaRPr lang="en-US" dirty="0"/>
-          </a:p>
-        </p:txBody>
-      </p:sp>
-      <p:pic>
-        <p:nvPicPr>
-          <p:cNvPr id="3080" name="Picture 8" descr="Related image">
-            <a:extLst>
-              <a:ext uri="{FF2B5EF4-FFF2-40B4-BE49-F238E27FC236}">
-                <a16:creationId xmlns:a16="http://schemas.microsoft.com/office/drawing/2014/main" id="{7195DF56-9A98-41BE-83E1-DF60B5FDF8EC}"/>
-              </a:ext>
-            </a:extLst>
-          </p:cNvPr>
-          <p:cNvPicPr>
-            <a:picLocks noChangeAspect="1" noChangeArrowheads="1"/>
-          </p:cNvPicPr>
-          <p:nvPr/>
-        </p:nvPicPr>
-        <p:blipFill>
-          <a:blip r:embed="rId2">
-            <a:extLst>
-              <a:ext uri="{28A0092B-C50C-407E-A947-70E740481C1C}">
-                <a14:useLocalDpi xmlns:a14="http://schemas.microsoft.com/office/drawing/2010/main" val="0"/>
-              </a:ext>
-            </a:extLst>
-          </a:blip>
-          <a:srcRect/>
-          <a:stretch>
-            <a:fillRect/>
-          </a:stretch>
-        </p:blipFill>
-        <p:spPr bwMode="auto">
-          <a:xfrm>
-            <a:off x="7710362" y="377079"/>
-            <a:ext cx="1252103" cy="1544276"/>
-          </a:xfrm>
-          <a:prstGeom prst="rect">
-            <a:avLst/>
-          </a:prstGeom>
-          <a:noFill/>
-          <a:extLst>
-            <a:ext uri="{909E8E84-426E-40DD-AFC4-6F175D3DCCD1}">
-              <a14:hiddenFill xmlns:a14="http://schemas.microsoft.com/office/drawing/2010/main">
-                <a:solidFill>
-                  <a:srgbClr val="FFFFFF"/>
-                </a:solidFill>
-              </a14:hiddenFill>
-            </a:ext>
-          </a:extLst>
-        </p:spPr>
-      </p:pic>
-    </p:spTree>
-    <p:extLst>
-      <p:ext uri="{BB962C8B-B14F-4D97-AF65-F5344CB8AC3E}">
-        <p14:creationId xmlns:p14="http://schemas.microsoft.com/office/powerpoint/2010/main" val="595242497"/>
-      </p:ext>
-    </p:extLst>
-  </p:cSld>
-  <p:clrMapOvr>
-    <a:masterClrMapping/>
-  </p:clrMapOvr>
-</p:sld>
-</file>
-
-<file path=ppt/slides/slide31.xml><?xml version="1.0" encoding="utf-8"?>
-<p:sld xmlns:a="http://schemas.openxmlformats.org/drawingml/2006/main" xmlns:r="http://schemas.openxmlformats.org/officeDocument/2006/relationships" xmlns:p="http://schemas.openxmlformats.org/presentationml/2006/main">
-  <p:cSld>
-    <p:bg>
-      <p:bgPr>
-        <a:solidFill>
-          <a:srgbClr val="000000"/>
-        </a:solidFill>
-        <a:effectLst/>
-      </p:bgPr>
-    </p:bg>
-    <p:spTree>
-      <p:nvGrpSpPr>
-        <p:cNvPr id="1" name=""/>
-        <p:cNvGrpSpPr/>
-        <p:nvPr/>
-      </p:nvGrpSpPr>
-      <p:grpSpPr>
-        <a:xfrm>
-          <a:off x="0" y="0"/>
-          <a:ext cx="0" cy="0"/>
-          <a:chOff x="0" y="0"/>
-          <a:chExt cx="0" cy="0"/>
-        </a:xfrm>
-      </p:grpSpPr>
-      <p:sp>
-        <p:nvSpPr>
-          <p:cNvPr id="161" name="CustomShape 1"/>
-          <p:cNvSpPr/>
-          <p:nvPr/>
-        </p:nvSpPr>
-        <p:spPr>
-          <a:xfrm>
-            <a:off x="4114800" y="1257120"/>
-            <a:ext cx="4774680" cy="2949120"/>
-          </a:xfrm>
-          <a:prstGeom prst="rect">
-            <a:avLst/>
-          </a:prstGeom>
-          <a:noFill/>
-          <a:ln>
-            <a:noFill/>
-          </a:ln>
-        </p:spPr>
-        <p:style>
-          <a:lnRef idx="0">
-            <a:scrgbClr r="0" g="0" b="0"/>
-          </a:lnRef>
-          <a:fillRef idx="0">
-            <a:scrgbClr r="0" g="0" b="0"/>
-          </a:fillRef>
-          <a:effectRef idx="0">
-            <a:scrgbClr r="0" g="0" b="0"/>
-          </a:effectRef>
-          <a:fontRef idx="minor"/>
-        </p:style>
-      </p:sp>
-      <p:sp>
-        <p:nvSpPr>
-          <p:cNvPr id="162" name="CustomShape 2"/>
-          <p:cNvSpPr/>
-          <p:nvPr/>
-        </p:nvSpPr>
-        <p:spPr>
-          <a:xfrm>
-            <a:off x="0" y="5118480"/>
-            <a:ext cx="9143640" cy="33120"/>
-          </a:xfrm>
-          <a:prstGeom prst="rect">
-            <a:avLst/>
-          </a:prstGeom>
-          <a:solidFill>
-            <a:srgbClr val="C1D82F"/>
-          </a:solidFill>
-          <a:ln>
-            <a:noFill/>
-          </a:ln>
-        </p:spPr>
-        <p:style>
-          <a:lnRef idx="0">
-            <a:scrgbClr r="0" g="0" b="0"/>
-          </a:lnRef>
-          <a:fillRef idx="0">
-            <a:scrgbClr r="0" g="0" b="0"/>
-          </a:fillRef>
-          <a:effectRef idx="0">
-            <a:scrgbClr r="0" g="0" b="0"/>
-          </a:effectRef>
-          <a:fontRef idx="minor"/>
-        </p:style>
-      </p:sp>
-      <p:sp>
-        <p:nvSpPr>
-          <p:cNvPr id="163" name="CustomShape 3"/>
-          <p:cNvSpPr/>
-          <p:nvPr/>
-        </p:nvSpPr>
-        <p:spPr>
-          <a:xfrm>
-            <a:off x="0" y="216360"/>
-            <a:ext cx="9143640" cy="552240"/>
-          </a:xfrm>
-          <a:prstGeom prst="rect">
-            <a:avLst/>
-          </a:prstGeom>
-          <a:noFill/>
-          <a:ln>
-            <a:noFill/>
-          </a:ln>
-        </p:spPr>
-        <p:style>
-          <a:lnRef idx="0">
-            <a:scrgbClr r="0" g="0" b="0"/>
-          </a:lnRef>
-          <a:fillRef idx="0">
-            <a:scrgbClr r="0" g="0" b="0"/>
-          </a:fillRef>
-          <a:effectRef idx="0">
-            <a:scrgbClr r="0" g="0" b="0"/>
-          </a:effectRef>
-          <a:fontRef idx="minor"/>
-        </p:style>
-        <p:txBody>
-          <a:bodyPr tIns="91440" bIns="91440">
-            <a:noAutofit/>
-          </a:bodyPr>
-          <a:lstStyle/>
-          <a:p>
-            <a:pPr algn="ctr">
-              <a:lnSpc>
-                <a:spcPct val="100000"/>
-              </a:lnSpc>
-            </a:pPr>
-            <a:r>
-              <a:rPr lang="en-US" sz="3200" b="1" spc="-1" dirty="0">
-                <a:solidFill>
-                  <a:srgbClr val="FFFFFF"/>
-                </a:solidFill>
-                <a:latin typeface="Montserrat"/>
-              </a:rPr>
-              <a:t>Advantage / Disadvantage</a:t>
-            </a:r>
-            <a:endParaRPr lang="en-US" sz="3200" b="0" strike="noStrike" spc="-1" dirty="0">
-              <a:latin typeface="Arial"/>
-            </a:endParaRPr>
-          </a:p>
-        </p:txBody>
-      </p:sp>
-      <p:pic>
-        <p:nvPicPr>
-          <p:cNvPr id="2052" name="Picture 4" descr="Image result for homer doh without background">
-            <a:extLst>
-              <a:ext uri="{FF2B5EF4-FFF2-40B4-BE49-F238E27FC236}">
-                <a16:creationId xmlns:a16="http://schemas.microsoft.com/office/drawing/2014/main" id="{11E286D0-5068-4F11-B530-2A07C6DE6257}"/>
-              </a:ext>
-            </a:extLst>
-          </p:cNvPr>
-          <p:cNvPicPr>
-            <a:picLocks noChangeAspect="1" noChangeArrowheads="1"/>
-          </p:cNvPicPr>
-          <p:nvPr/>
-        </p:nvPicPr>
-        <p:blipFill>
-          <a:blip r:embed="rId2">
-            <a:extLst>
-              <a:ext uri="{28A0092B-C50C-407E-A947-70E740481C1C}">
-                <a14:useLocalDpi xmlns:a14="http://schemas.microsoft.com/office/drawing/2010/main" val="0"/>
-              </a:ext>
-            </a:extLst>
-          </a:blip>
-          <a:srcRect/>
-          <a:stretch>
-            <a:fillRect/>
-          </a:stretch>
-        </p:blipFill>
-        <p:spPr bwMode="auto">
-          <a:xfrm>
-            <a:off x="7696705" y="157135"/>
-            <a:ext cx="1041660" cy="1222930"/>
-          </a:xfrm>
-          <a:prstGeom prst="rect">
-            <a:avLst/>
-          </a:prstGeom>
-          <a:noFill/>
-          <a:extLst>
-            <a:ext uri="{909E8E84-426E-40DD-AFC4-6F175D3DCCD1}">
-              <a14:hiddenFill xmlns:a14="http://schemas.microsoft.com/office/drawing/2010/main">
-                <a:solidFill>
-                  <a:srgbClr val="FFFFFF"/>
-                </a:solidFill>
-              </a14:hiddenFill>
-            </a:ext>
-          </a:extLst>
-        </p:spPr>
-      </p:pic>
-      <p:sp>
-        <p:nvSpPr>
-          <p:cNvPr id="8" name="TextBox 7">
-            <a:extLst>
-              <a:ext uri="{FF2B5EF4-FFF2-40B4-BE49-F238E27FC236}">
-                <a16:creationId xmlns:a16="http://schemas.microsoft.com/office/drawing/2014/main" id="{9C617690-E301-490D-911B-C2A27BA0B8DA}"/>
-              </a:ext>
-            </a:extLst>
-          </p:cNvPr>
-          <p:cNvSpPr txBox="1"/>
-          <p:nvPr/>
-        </p:nvSpPr>
-        <p:spPr>
-          <a:xfrm>
-            <a:off x="405635" y="1149724"/>
-            <a:ext cx="8348400" cy="3416320"/>
-          </a:xfrm>
-          <a:prstGeom prst="rect">
-            <a:avLst/>
-          </a:prstGeom>
-          <a:noFill/>
-        </p:spPr>
-        <p:txBody>
-          <a:bodyPr wrap="square" rtlCol="0">
-            <a:spAutoFit/>
-          </a:bodyPr>
-          <a:lstStyle/>
-          <a:p>
-            <a:pPr algn="just"/>
-            <a:r>
-              <a:rPr lang="en-US" dirty="0">
-                <a:solidFill>
-                  <a:schemeClr val="bg1"/>
-                </a:solidFill>
-              </a:rPr>
-              <a:t>Disadvantage:</a:t>
-            </a:r>
-          </a:p>
-          <a:p>
-            <a:pPr marL="742950" lvl="1" indent="-285750" algn="just">
-              <a:buFont typeface="Arial" panose="020B0604020202020204" pitchFamily="34" charset="0"/>
-              <a:buChar char="•"/>
-            </a:pPr>
-            <a:r>
-              <a:rPr lang="en-US" dirty="0">
-                <a:solidFill>
-                  <a:schemeClr val="bg1"/>
-                </a:solidFill>
-              </a:rPr>
-              <a:t>Easy to broke: if the developer doesn’t call the next handler the request can be lost on the way. (the execution is handled by subclasses instead of the super class)</a:t>
-            </a:r>
-          </a:p>
-          <a:p>
-            <a:pPr marL="742950" lvl="1" indent="-285750" algn="just">
-              <a:buFont typeface="Arial" panose="020B0604020202020204" pitchFamily="34" charset="0"/>
-              <a:buChar char="•"/>
-            </a:pPr>
-            <a:endParaRPr lang="en-US" dirty="0">
-              <a:solidFill>
-                <a:schemeClr val="bg1"/>
-              </a:solidFill>
-            </a:endParaRPr>
-          </a:p>
-          <a:p>
-            <a:pPr marL="742950" lvl="1" indent="-285750" algn="just">
-              <a:buFont typeface="Arial" panose="020B0604020202020204" pitchFamily="34" charset="0"/>
-              <a:buChar char="•"/>
-            </a:pPr>
-            <a:r>
-              <a:rPr lang="en-US" dirty="0">
-                <a:solidFill>
-                  <a:schemeClr val="bg1"/>
-                </a:solidFill>
-              </a:rPr>
-              <a:t>some requests may end up unhandled due to the wrong implementation of concrete handler</a:t>
-            </a:r>
-          </a:p>
-          <a:p>
-            <a:pPr marL="742950" lvl="1" indent="-285750" algn="just">
-              <a:buFont typeface="Arial" panose="020B0604020202020204" pitchFamily="34" charset="0"/>
-              <a:buChar char="•"/>
-            </a:pPr>
-            <a:endParaRPr lang="en-US" dirty="0">
-              <a:solidFill>
-                <a:schemeClr val="bg1"/>
-              </a:solidFill>
-            </a:endParaRPr>
-          </a:p>
-          <a:p>
-            <a:pPr marL="742950" lvl="1" indent="-285750" algn="just">
-              <a:buFont typeface="Arial" panose="020B0604020202020204" pitchFamily="34" charset="0"/>
-              <a:buChar char="•"/>
-            </a:pPr>
-            <a:r>
-              <a:rPr lang="en-US" dirty="0">
-                <a:solidFill>
-                  <a:schemeClr val="bg1"/>
-                </a:solidFill>
-              </a:rPr>
-              <a:t>Performance can be affected</a:t>
-            </a:r>
-          </a:p>
-          <a:p>
-            <a:pPr marL="742950" lvl="1" indent="-285750" algn="just">
-              <a:buFont typeface="Arial" panose="020B0604020202020204" pitchFamily="34" charset="0"/>
-              <a:buChar char="•"/>
-            </a:pPr>
-            <a:endParaRPr lang="en-US" dirty="0">
-              <a:solidFill>
-                <a:schemeClr val="bg1"/>
-              </a:solidFill>
-            </a:endParaRPr>
-          </a:p>
-          <a:p>
-            <a:pPr marL="742950" lvl="1" indent="-285750" algn="just">
-              <a:buFont typeface="Arial" panose="020B0604020202020204" pitchFamily="34" charset="0"/>
-              <a:buChar char="•"/>
-            </a:pPr>
-            <a:r>
-              <a:rPr lang="en-US" dirty="0">
-                <a:solidFill>
-                  <a:schemeClr val="bg1"/>
-                </a:solidFill>
-              </a:rPr>
-              <a:t>Debugging is not easy to do because the implementation may cause cycle calls</a:t>
-            </a:r>
-          </a:p>
-        </p:txBody>
-      </p:sp>
-    </p:spTree>
-    <p:extLst>
-      <p:ext uri="{BB962C8B-B14F-4D97-AF65-F5344CB8AC3E}">
-        <p14:creationId xmlns:p14="http://schemas.microsoft.com/office/powerpoint/2010/main" val="981103599"/>
-      </p:ext>
-    </p:extLst>
-  </p:cSld>
-  <p:clrMapOvr>
-    <a:masterClrMapping/>
-  </p:clrMapOvr>
-</p:sld>
-</file>
-
-<file path=ppt/slides/slide32.xml><?xml version="1.0" encoding="utf-8"?>
-<p:sld xmlns:a="http://schemas.openxmlformats.org/drawingml/2006/main" xmlns:r="http://schemas.openxmlformats.org/officeDocument/2006/relationships" xmlns:p="http://schemas.openxmlformats.org/presentationml/2006/main">
-  <p:cSld>
-    <p:bg>
-      <p:bgPr>
-        <a:solidFill>
-          <a:srgbClr val="000000"/>
-        </a:solidFill>
-        <a:effectLst/>
-      </p:bgPr>
-    </p:bg>
-    <p:spTree>
-      <p:nvGrpSpPr>
-        <p:cNvPr id="1" name=""/>
-        <p:cNvGrpSpPr/>
-        <p:nvPr/>
-      </p:nvGrpSpPr>
-      <p:grpSpPr>
-        <a:xfrm>
-          <a:off x="0" y="0"/>
-          <a:ext cx="0" cy="0"/>
-          <a:chOff x="0" y="0"/>
-          <a:chExt cx="0" cy="0"/>
-        </a:xfrm>
-      </p:grpSpPr>
-      <p:sp>
-        <p:nvSpPr>
-          <p:cNvPr id="161" name="CustomShape 1"/>
-          <p:cNvSpPr/>
-          <p:nvPr/>
-        </p:nvSpPr>
-        <p:spPr>
-          <a:xfrm>
-            <a:off x="4114800" y="1257120"/>
-            <a:ext cx="4774680" cy="2949120"/>
-          </a:xfrm>
-          <a:prstGeom prst="rect">
-            <a:avLst/>
-          </a:prstGeom>
-          <a:noFill/>
-          <a:ln>
-            <a:noFill/>
-          </a:ln>
-        </p:spPr>
-        <p:style>
-          <a:lnRef idx="0">
-            <a:scrgbClr r="0" g="0" b="0"/>
-          </a:lnRef>
-          <a:fillRef idx="0">
-            <a:scrgbClr r="0" g="0" b="0"/>
-          </a:fillRef>
-          <a:effectRef idx="0">
-            <a:scrgbClr r="0" g="0" b="0"/>
-          </a:effectRef>
-          <a:fontRef idx="minor"/>
-        </p:style>
-      </p:sp>
-      <p:sp>
-        <p:nvSpPr>
-          <p:cNvPr id="162" name="CustomShape 2"/>
-          <p:cNvSpPr/>
-          <p:nvPr/>
-        </p:nvSpPr>
-        <p:spPr>
-          <a:xfrm>
-            <a:off x="0" y="5118480"/>
-            <a:ext cx="9143640" cy="33120"/>
-          </a:xfrm>
-          <a:prstGeom prst="rect">
-            <a:avLst/>
-          </a:prstGeom>
-          <a:solidFill>
-            <a:srgbClr val="C1D82F"/>
-          </a:solidFill>
-          <a:ln>
-            <a:noFill/>
-          </a:ln>
-        </p:spPr>
-        <p:style>
-          <a:lnRef idx="0">
-            <a:scrgbClr r="0" g="0" b="0"/>
-          </a:lnRef>
-          <a:fillRef idx="0">
-            <a:scrgbClr r="0" g="0" b="0"/>
-          </a:fillRef>
-          <a:effectRef idx="0">
-            <a:scrgbClr r="0" g="0" b="0"/>
-          </a:effectRef>
-          <a:fontRef idx="minor"/>
-        </p:style>
-      </p:sp>
-      <p:sp>
-        <p:nvSpPr>
-          <p:cNvPr id="163" name="CustomShape 3"/>
-          <p:cNvSpPr/>
-          <p:nvPr/>
-        </p:nvSpPr>
-        <p:spPr>
-          <a:xfrm>
-            <a:off x="0" y="216360"/>
-            <a:ext cx="9143640" cy="552240"/>
-          </a:xfrm>
-          <a:prstGeom prst="rect">
-            <a:avLst/>
-          </a:prstGeom>
-          <a:noFill/>
-          <a:ln>
-            <a:noFill/>
-          </a:ln>
-        </p:spPr>
-        <p:style>
-          <a:lnRef idx="0">
-            <a:scrgbClr r="0" g="0" b="0"/>
-          </a:lnRef>
-          <a:fillRef idx="0">
-            <a:scrgbClr r="0" g="0" b="0"/>
-          </a:fillRef>
-          <a:effectRef idx="0">
-            <a:scrgbClr r="0" g="0" b="0"/>
-          </a:effectRef>
-          <a:fontRef idx="minor"/>
-        </p:style>
-        <p:txBody>
-          <a:bodyPr tIns="91440" bIns="91440">
-            <a:noAutofit/>
-          </a:bodyPr>
-          <a:lstStyle/>
-          <a:p>
-            <a:pPr algn="ctr">
-              <a:lnSpc>
-                <a:spcPct val="100000"/>
-              </a:lnSpc>
-            </a:pPr>
-            <a:r>
-              <a:rPr lang="en-US" sz="3200" b="1" spc="-1" dirty="0">
-                <a:solidFill>
-                  <a:srgbClr val="FFFFFF"/>
-                </a:solidFill>
-                <a:latin typeface="Montserrat"/>
-              </a:rPr>
-              <a:t>When to use it? </a:t>
-            </a:r>
-            <a:endParaRPr lang="en-US" sz="3200" b="0" strike="noStrike" spc="-1" dirty="0">
-              <a:latin typeface="Arial"/>
-            </a:endParaRPr>
-          </a:p>
-        </p:txBody>
-      </p:sp>
-      <p:sp>
-        <p:nvSpPr>
-          <p:cNvPr id="2" name="TextBox 1">
-            <a:extLst>
-              <a:ext uri="{FF2B5EF4-FFF2-40B4-BE49-F238E27FC236}">
-                <a16:creationId xmlns:a16="http://schemas.microsoft.com/office/drawing/2014/main" id="{AA0A5C92-09F4-49B1-8318-95D3B3487FE8}"/>
-              </a:ext>
-            </a:extLst>
-          </p:cNvPr>
-          <p:cNvSpPr txBox="1"/>
-          <p:nvPr/>
-        </p:nvSpPr>
-        <p:spPr>
-          <a:xfrm>
-            <a:off x="254520" y="1048372"/>
-            <a:ext cx="7443921" cy="3416320"/>
-          </a:xfrm>
-          <a:prstGeom prst="rect">
-            <a:avLst/>
-          </a:prstGeom>
-          <a:noFill/>
-        </p:spPr>
-        <p:txBody>
-          <a:bodyPr wrap="square" rtlCol="0">
-            <a:spAutoFit/>
-          </a:bodyPr>
-          <a:lstStyle/>
-          <a:p>
-            <a:pPr marL="285750" indent="-285750" algn="just">
-              <a:buFont typeface="Arial" panose="020B0604020202020204" pitchFamily="34" charset="0"/>
-              <a:buChar char="•"/>
-            </a:pPr>
-            <a:r>
-              <a:rPr lang="en-US" dirty="0">
-                <a:solidFill>
-                  <a:schemeClr val="bg1"/>
-                </a:solidFill>
-              </a:rPr>
-              <a:t>Decouple a request’s sender and receiver </a:t>
-            </a:r>
-          </a:p>
-          <a:p>
-            <a:pPr marL="285750" indent="-285750" algn="just">
-              <a:buFont typeface="Arial" panose="020B0604020202020204" pitchFamily="34" charset="0"/>
-              <a:buChar char="•"/>
-            </a:pPr>
-            <a:endParaRPr lang="en-US" dirty="0">
-              <a:solidFill>
-                <a:schemeClr val="bg1"/>
-              </a:solidFill>
-            </a:endParaRPr>
-          </a:p>
-          <a:p>
-            <a:pPr marL="285750" indent="-285750" algn="just">
-              <a:buFont typeface="Arial" panose="020B0604020202020204" pitchFamily="34" charset="0"/>
-              <a:buChar char="•"/>
-            </a:pPr>
-            <a:r>
-              <a:rPr lang="en-US" dirty="0">
-                <a:solidFill>
-                  <a:schemeClr val="bg1"/>
-                </a:solidFill>
-              </a:rPr>
-              <a:t>Multiple objects, determined at runtime, are candidates to handle a request</a:t>
-            </a:r>
-          </a:p>
-          <a:p>
-            <a:pPr marL="742950" lvl="1" indent="-285750" algn="just">
-              <a:buFont typeface="Arial" panose="020B0604020202020204" pitchFamily="34" charset="0"/>
-              <a:buChar char="•"/>
-            </a:pPr>
-            <a:r>
-              <a:rPr lang="en-US" dirty="0">
-                <a:solidFill>
-                  <a:schemeClr val="bg1"/>
-                </a:solidFill>
-              </a:rPr>
-              <a:t>The handler is not known in advance</a:t>
-            </a:r>
-          </a:p>
-          <a:p>
-            <a:pPr marL="285750" indent="-285750" algn="just">
-              <a:buFont typeface="Arial" panose="020B0604020202020204" pitchFamily="34" charset="0"/>
-              <a:buChar char="•"/>
-            </a:pPr>
-            <a:endParaRPr lang="en-US" dirty="0">
-              <a:solidFill>
-                <a:schemeClr val="bg1"/>
-              </a:solidFill>
-            </a:endParaRPr>
-          </a:p>
-          <a:p>
-            <a:pPr marL="285750" indent="-285750" algn="just">
-              <a:buFont typeface="Arial" panose="020B0604020202020204" pitchFamily="34" charset="0"/>
-              <a:buChar char="•"/>
-            </a:pPr>
-            <a:r>
-              <a:rPr lang="en-US" dirty="0">
-                <a:solidFill>
-                  <a:schemeClr val="bg1"/>
-                </a:solidFill>
-              </a:rPr>
-              <a:t>specify handlers is not necessary </a:t>
-            </a:r>
-          </a:p>
-          <a:p>
-            <a:pPr marL="285750" indent="-285750" algn="just">
-              <a:buFont typeface="Arial" panose="020B0604020202020204" pitchFamily="34" charset="0"/>
-              <a:buChar char="•"/>
-            </a:pPr>
-            <a:endParaRPr lang="en-US" dirty="0">
-              <a:solidFill>
-                <a:schemeClr val="bg1"/>
-              </a:solidFill>
-            </a:endParaRPr>
-          </a:p>
-          <a:p>
-            <a:pPr marL="285750" indent="-285750" algn="just">
-              <a:buFont typeface="Arial" panose="020B0604020202020204" pitchFamily="34" charset="0"/>
-              <a:buChar char="•"/>
-            </a:pPr>
-            <a:r>
-              <a:rPr lang="en-US" dirty="0">
-                <a:solidFill>
-                  <a:schemeClr val="bg1"/>
-                </a:solidFill>
-              </a:rPr>
-              <a:t>The object can be handle by one or more requests </a:t>
-            </a:r>
-          </a:p>
-          <a:p>
-            <a:pPr marL="285750" indent="-285750" algn="just">
-              <a:buFont typeface="Arial" panose="020B0604020202020204" pitchFamily="34" charset="0"/>
-              <a:buChar char="•"/>
-            </a:pPr>
-            <a:endParaRPr lang="en-US" dirty="0">
-              <a:solidFill>
-                <a:schemeClr val="bg1"/>
-              </a:solidFill>
-            </a:endParaRPr>
-          </a:p>
-          <a:p>
-            <a:pPr marL="285750" indent="-285750" algn="just">
-              <a:buFont typeface="Arial" panose="020B0604020202020204" pitchFamily="34" charset="0"/>
-              <a:buChar char="•"/>
-            </a:pPr>
-            <a:r>
-              <a:rPr lang="en-US" dirty="0">
-                <a:solidFill>
-                  <a:schemeClr val="bg1"/>
-                </a:solidFill>
-              </a:rPr>
-              <a:t>It’s wished that the request is addressed to a group of objects without explicitly specifying its receiver</a:t>
-            </a:r>
-          </a:p>
-        </p:txBody>
-      </p:sp>
-      <p:pic>
-        <p:nvPicPr>
-          <p:cNvPr id="4100" name="Picture 4" descr="Image result for homer thinking with glasses without background">
-            <a:extLst>
-              <a:ext uri="{FF2B5EF4-FFF2-40B4-BE49-F238E27FC236}">
-                <a16:creationId xmlns:a16="http://schemas.microsoft.com/office/drawing/2014/main" id="{5EC6A25D-704D-42F6-9728-C0D4D014EF54}"/>
-              </a:ext>
-            </a:extLst>
-          </p:cNvPr>
-          <p:cNvPicPr>
-            <a:picLocks noChangeAspect="1" noChangeArrowheads="1"/>
-          </p:cNvPicPr>
-          <p:nvPr/>
-        </p:nvPicPr>
-        <p:blipFill>
-          <a:blip r:embed="rId2">
-            <a:extLst>
-              <a:ext uri="{28A0092B-C50C-407E-A947-70E740481C1C}">
-                <a14:useLocalDpi xmlns:a14="http://schemas.microsoft.com/office/drawing/2010/main" val="0"/>
-              </a:ext>
-            </a:extLst>
-          </a:blip>
-          <a:srcRect/>
-          <a:stretch>
-            <a:fillRect/>
-          </a:stretch>
-        </p:blipFill>
-        <p:spPr bwMode="auto">
-          <a:xfrm>
-            <a:off x="7181990" y="1894827"/>
-            <a:ext cx="1707490" cy="2024988"/>
-          </a:xfrm>
-          <a:prstGeom prst="rect">
-            <a:avLst/>
-          </a:prstGeom>
-          <a:noFill/>
-          <a:extLst>
-            <a:ext uri="{909E8E84-426E-40DD-AFC4-6F175D3DCCD1}">
-              <a14:hiddenFill xmlns:a14="http://schemas.microsoft.com/office/drawing/2010/main">
-                <a:solidFill>
-                  <a:srgbClr val="FFFFFF"/>
-                </a:solidFill>
-              </a14:hiddenFill>
-            </a:ext>
-          </a:extLst>
-        </p:spPr>
-      </p:pic>
-    </p:spTree>
-    <p:extLst>
-      <p:ext uri="{BB962C8B-B14F-4D97-AF65-F5344CB8AC3E}">
-        <p14:creationId xmlns:p14="http://schemas.microsoft.com/office/powerpoint/2010/main" val="1440524593"/>
-      </p:ext>
-    </p:extLst>
-  </p:cSld>
-  <p:clrMapOvr>
-    <a:masterClrMapping/>
-  </p:clrMapOvr>
-</p:sld>
-</file>
-
-<file path=ppt/slides/slide33.xml><?xml version="1.0" encoding="utf-8"?>
-<p:sld xmlns:a="http://schemas.openxmlformats.org/drawingml/2006/main" xmlns:r="http://schemas.openxmlformats.org/officeDocument/2006/relationships" xmlns:p="http://schemas.openxmlformats.org/presentationml/2006/main">
-  <p:cSld>
-    <p:bg>
-      <p:bgPr>
-        <a:solidFill>
-          <a:srgbClr val="000000"/>
-        </a:solidFill>
-        <a:effectLst/>
-      </p:bgPr>
-    </p:bg>
-    <p:spTree>
-      <p:nvGrpSpPr>
-        <p:cNvPr id="1" name=""/>
-        <p:cNvGrpSpPr/>
-        <p:nvPr/>
-      </p:nvGrpSpPr>
-      <p:grpSpPr>
-        <a:xfrm>
-          <a:off x="0" y="0"/>
-          <a:ext cx="0" cy="0"/>
-          <a:chOff x="0" y="0"/>
-          <a:chExt cx="0" cy="0"/>
-        </a:xfrm>
-      </p:grpSpPr>
-      <p:sp>
-        <p:nvSpPr>
-          <p:cNvPr id="161" name="CustomShape 1"/>
-          <p:cNvSpPr/>
-          <p:nvPr/>
-        </p:nvSpPr>
-        <p:spPr>
-          <a:xfrm>
-            <a:off x="4148417" y="1257120"/>
-            <a:ext cx="4774680" cy="2949120"/>
-          </a:xfrm>
-          <a:prstGeom prst="rect">
-            <a:avLst/>
-          </a:prstGeom>
-          <a:noFill/>
-          <a:ln>
-            <a:noFill/>
-          </a:ln>
-        </p:spPr>
-        <p:style>
-          <a:lnRef idx="0">
-            <a:scrgbClr r="0" g="0" b="0"/>
-          </a:lnRef>
-          <a:fillRef idx="0">
-            <a:scrgbClr r="0" g="0" b="0"/>
-          </a:fillRef>
-          <a:effectRef idx="0">
-            <a:scrgbClr r="0" g="0" b="0"/>
-          </a:effectRef>
-          <a:fontRef idx="minor"/>
-        </p:style>
-      </p:sp>
-      <p:sp>
-        <p:nvSpPr>
-          <p:cNvPr id="162" name="CustomShape 2"/>
-          <p:cNvSpPr/>
-          <p:nvPr/>
-        </p:nvSpPr>
-        <p:spPr>
-          <a:xfrm>
-            <a:off x="0" y="5118480"/>
-            <a:ext cx="9143640" cy="33120"/>
-          </a:xfrm>
-          <a:prstGeom prst="rect">
-            <a:avLst/>
-          </a:prstGeom>
-          <a:solidFill>
-            <a:srgbClr val="C1D82F"/>
-          </a:solidFill>
-          <a:ln>
-            <a:noFill/>
-          </a:ln>
-        </p:spPr>
-        <p:style>
-          <a:lnRef idx="0">
-            <a:scrgbClr r="0" g="0" b="0"/>
-          </a:lnRef>
-          <a:fillRef idx="0">
-            <a:scrgbClr r="0" g="0" b="0"/>
-          </a:fillRef>
-          <a:effectRef idx="0">
-            <a:scrgbClr r="0" g="0" b="0"/>
-          </a:effectRef>
-          <a:fontRef idx="minor"/>
-        </p:style>
-      </p:sp>
-      <p:sp>
-        <p:nvSpPr>
-          <p:cNvPr id="163" name="CustomShape 3"/>
-          <p:cNvSpPr/>
-          <p:nvPr/>
-        </p:nvSpPr>
-        <p:spPr>
-          <a:xfrm>
-            <a:off x="0" y="216360"/>
-            <a:ext cx="9143640" cy="552240"/>
-          </a:xfrm>
-          <a:prstGeom prst="rect">
-            <a:avLst/>
-          </a:prstGeom>
-          <a:noFill/>
-          <a:ln>
-            <a:noFill/>
-          </a:ln>
-        </p:spPr>
-        <p:style>
-          <a:lnRef idx="0">
-            <a:scrgbClr r="0" g="0" b="0"/>
-          </a:lnRef>
-          <a:fillRef idx="0">
-            <a:scrgbClr r="0" g="0" b="0"/>
-          </a:fillRef>
-          <a:effectRef idx="0">
-            <a:scrgbClr r="0" g="0" b="0"/>
-          </a:effectRef>
-          <a:fontRef idx="minor"/>
-        </p:style>
-        <p:txBody>
-          <a:bodyPr tIns="91440" bIns="91440">
-            <a:noAutofit/>
-          </a:bodyPr>
-          <a:lstStyle/>
-          <a:p>
-            <a:pPr algn="ctr">
-              <a:lnSpc>
-                <a:spcPct val="100000"/>
-              </a:lnSpc>
-            </a:pPr>
-            <a:r>
-              <a:rPr lang="en-US" sz="3200" b="1" spc="-1" dirty="0">
-                <a:solidFill>
-                  <a:srgbClr val="FFFFFF"/>
-                </a:solidFill>
-                <a:latin typeface="Montserrat"/>
-              </a:rPr>
-              <a:t>Class Diagram</a:t>
-            </a:r>
-            <a:endParaRPr lang="en-US" sz="3200" b="0" strike="noStrike" spc="-1" dirty="0">
-              <a:latin typeface="Arial"/>
-            </a:endParaRPr>
-          </a:p>
-        </p:txBody>
-      </p:sp>
-      <p:pic>
-        <p:nvPicPr>
-          <p:cNvPr id="3" name="Picture 2" descr="A screenshot of a cell phone&#10;&#10;Description automatically generated">
-            <a:extLst>
-              <a:ext uri="{FF2B5EF4-FFF2-40B4-BE49-F238E27FC236}">
-                <a16:creationId xmlns:a16="http://schemas.microsoft.com/office/drawing/2014/main" id="{3D15289E-E304-47ED-B308-136908521E09}"/>
-              </a:ext>
-            </a:extLst>
-          </p:cNvPr>
-          <p:cNvPicPr>
-            <a:picLocks noChangeAspect="1"/>
-          </p:cNvPicPr>
-          <p:nvPr/>
-        </p:nvPicPr>
-        <p:blipFill>
-          <a:blip r:embed="rId2">
-            <a:extLst>
-              <a:ext uri="{28A0092B-C50C-407E-A947-70E740481C1C}">
-                <a14:useLocalDpi xmlns:a14="http://schemas.microsoft.com/office/drawing/2010/main" val="0"/>
-              </a:ext>
-            </a:extLst>
-          </a:blip>
-          <a:stretch>
-            <a:fillRect/>
-          </a:stretch>
-        </p:blipFill>
-        <p:spPr>
-          <a:xfrm>
-            <a:off x="1308006" y="1036544"/>
-            <a:ext cx="6527987" cy="3232098"/>
-          </a:xfrm>
-          <a:prstGeom prst="rect">
-            <a:avLst/>
-          </a:prstGeom>
-        </p:spPr>
-      </p:pic>
-    </p:spTree>
-    <p:extLst>
-      <p:ext uri="{BB962C8B-B14F-4D97-AF65-F5344CB8AC3E}">
-        <p14:creationId xmlns:p14="http://schemas.microsoft.com/office/powerpoint/2010/main" val="378672236"/>
-      </p:ext>
-    </p:extLst>
-  </p:cSld>
-  <p:clrMapOvr>
-    <a:masterClrMapping/>
-  </p:clrMapOvr>
-</p:sld>
-</file>
-
-<file path=ppt/slides/slide34.xml><?xml version="1.0" encoding="utf-8"?>
-<p:sld xmlns:a="http://schemas.openxmlformats.org/drawingml/2006/main" xmlns:r="http://schemas.openxmlformats.org/officeDocument/2006/relationships" xmlns:p="http://schemas.openxmlformats.org/presentationml/2006/main">
-  <p:cSld>
-    <p:bg>
-      <p:bgPr>
-        <a:solidFill>
-          <a:srgbClr val="000000"/>
-        </a:solidFill>
-        <a:effectLst/>
-      </p:bgPr>
-    </p:bg>
-    <p:spTree>
-      <p:nvGrpSpPr>
-        <p:cNvPr id="1" name=""/>
-        <p:cNvGrpSpPr/>
-        <p:nvPr/>
-      </p:nvGrpSpPr>
-      <p:grpSpPr>
-        <a:xfrm>
-          <a:off x="0" y="0"/>
-          <a:ext cx="0" cy="0"/>
-          <a:chOff x="0" y="0"/>
-          <a:chExt cx="0" cy="0"/>
-        </a:xfrm>
-      </p:grpSpPr>
-      <p:sp>
-        <p:nvSpPr>
-          <p:cNvPr id="161" name="CustomShape 1"/>
-          <p:cNvSpPr/>
-          <p:nvPr/>
-        </p:nvSpPr>
-        <p:spPr>
-          <a:xfrm>
-            <a:off x="4148417" y="1257120"/>
-            <a:ext cx="4774680" cy="2949120"/>
-          </a:xfrm>
-          <a:prstGeom prst="rect">
-            <a:avLst/>
-          </a:prstGeom>
-          <a:noFill/>
-          <a:ln>
-            <a:noFill/>
-          </a:ln>
-        </p:spPr>
-        <p:style>
-          <a:lnRef idx="0">
-            <a:scrgbClr r="0" g="0" b="0"/>
-          </a:lnRef>
-          <a:fillRef idx="0">
-            <a:scrgbClr r="0" g="0" b="0"/>
-          </a:fillRef>
-          <a:effectRef idx="0">
-            <a:scrgbClr r="0" g="0" b="0"/>
-          </a:effectRef>
-          <a:fontRef idx="minor"/>
-        </p:style>
-      </p:sp>
-      <p:sp>
-        <p:nvSpPr>
-          <p:cNvPr id="162" name="CustomShape 2"/>
-          <p:cNvSpPr/>
-          <p:nvPr/>
-        </p:nvSpPr>
-        <p:spPr>
-          <a:xfrm>
-            <a:off x="0" y="5118480"/>
-            <a:ext cx="9143640" cy="33120"/>
-          </a:xfrm>
-          <a:prstGeom prst="rect">
-            <a:avLst/>
-          </a:prstGeom>
-          <a:solidFill>
-            <a:srgbClr val="C1D82F"/>
-          </a:solidFill>
-          <a:ln>
-            <a:noFill/>
-          </a:ln>
-        </p:spPr>
-        <p:style>
-          <a:lnRef idx="0">
-            <a:scrgbClr r="0" g="0" b="0"/>
-          </a:lnRef>
-          <a:fillRef idx="0">
-            <a:scrgbClr r="0" g="0" b="0"/>
-          </a:fillRef>
-          <a:effectRef idx="0">
-            <a:scrgbClr r="0" g="0" b="0"/>
-          </a:effectRef>
-          <a:fontRef idx="minor"/>
-        </p:style>
-      </p:sp>
-      <p:sp>
-        <p:nvSpPr>
-          <p:cNvPr id="163" name="CustomShape 3"/>
-          <p:cNvSpPr/>
-          <p:nvPr/>
-        </p:nvSpPr>
-        <p:spPr>
-          <a:xfrm>
-            <a:off x="0" y="216360"/>
-            <a:ext cx="9143640" cy="552240"/>
-          </a:xfrm>
-          <a:prstGeom prst="rect">
-            <a:avLst/>
-          </a:prstGeom>
-          <a:noFill/>
-          <a:ln>
-            <a:noFill/>
-          </a:ln>
-        </p:spPr>
-        <p:style>
-          <a:lnRef idx="0">
-            <a:scrgbClr r="0" g="0" b="0"/>
-          </a:lnRef>
-          <a:fillRef idx="0">
-            <a:scrgbClr r="0" g="0" b="0"/>
-          </a:fillRef>
-          <a:effectRef idx="0">
-            <a:scrgbClr r="0" g="0" b="0"/>
-          </a:effectRef>
-          <a:fontRef idx="minor"/>
-        </p:style>
-        <p:txBody>
-          <a:bodyPr tIns="91440" bIns="91440">
-            <a:noAutofit/>
-          </a:bodyPr>
-          <a:lstStyle/>
-          <a:p>
-            <a:pPr algn="ctr">
-              <a:lnSpc>
-                <a:spcPct val="100000"/>
-              </a:lnSpc>
-            </a:pPr>
-            <a:r>
-              <a:rPr lang="en-US" sz="3200" b="1" spc="-1" dirty="0">
-                <a:solidFill>
-                  <a:srgbClr val="FFFFFF"/>
-                </a:solidFill>
-                <a:latin typeface="Montserrat"/>
-              </a:rPr>
-              <a:t>Chain of Responsibility + Nullable</a:t>
-            </a:r>
-            <a:endParaRPr lang="en-US" sz="3200" b="0" strike="noStrike" spc="-1" dirty="0">
-              <a:latin typeface="Arial"/>
-            </a:endParaRPr>
-          </a:p>
-        </p:txBody>
-      </p:sp>
-      <p:pic>
-        <p:nvPicPr>
-          <p:cNvPr id="3" name="Picture 2" descr="A screenshot of a cell phone&#10;&#10;Description automatically generated">
-            <a:extLst>
-              <a:ext uri="{FF2B5EF4-FFF2-40B4-BE49-F238E27FC236}">
-                <a16:creationId xmlns:a16="http://schemas.microsoft.com/office/drawing/2014/main" id="{1341B67E-B4F9-410A-AD20-4A9A84E7C456}"/>
-              </a:ext>
-            </a:extLst>
-          </p:cNvPr>
-          <p:cNvPicPr>
-            <a:picLocks noChangeAspect="1"/>
-          </p:cNvPicPr>
-          <p:nvPr/>
-        </p:nvPicPr>
-        <p:blipFill>
-          <a:blip r:embed="rId2">
-            <a:extLst>
-              <a:ext uri="{28A0092B-C50C-407E-A947-70E740481C1C}">
-                <a14:useLocalDpi xmlns:a14="http://schemas.microsoft.com/office/drawing/2010/main" val="0"/>
-              </a:ext>
-            </a:extLst>
-          </a:blip>
-          <a:stretch>
-            <a:fillRect/>
-          </a:stretch>
-        </p:blipFill>
-        <p:spPr>
-          <a:xfrm>
-            <a:off x="185737" y="1095375"/>
-            <a:ext cx="8772525" cy="2952750"/>
-          </a:xfrm>
-          <a:prstGeom prst="rect">
-            <a:avLst/>
-          </a:prstGeom>
-        </p:spPr>
-      </p:pic>
-    </p:spTree>
-    <p:extLst>
-      <p:ext uri="{BB962C8B-B14F-4D97-AF65-F5344CB8AC3E}">
-        <p14:creationId xmlns:p14="http://schemas.microsoft.com/office/powerpoint/2010/main" val="2448731976"/>
-      </p:ext>
-    </p:extLst>
   </p:cSld>
   <p:clrMapOvr>
     <a:masterClrMapping/>
@@ -10768,8 +7419,8 @@
         </p:nvSpPr>
         <p:spPr>
           <a:xfrm>
-            <a:off x="281520" y="1252080"/>
-            <a:ext cx="8580600" cy="2639520"/>
+            <a:off x="5688418" y="1252080"/>
+            <a:ext cx="3173701" cy="2639520"/>
           </a:xfrm>
           <a:prstGeom prst="rect">
             <a:avLst/>
@@ -10802,7 +7453,7 @@
                 <a:spcPct val="100000"/>
               </a:lnSpc>
             </a:pPr>
-            <a:endParaRPr lang="en-US" sz="1800" b="0" strike="noStrike" spc="-1">
+            <a:endParaRPr lang="en-US" sz="1800" b="0" strike="noStrike" spc="-1" dirty="0">
               <a:latin typeface="Arial"/>
             </a:endParaRPr>
           </a:p>
@@ -10812,7 +7463,7 @@
                 <a:spcPct val="100000"/>
               </a:lnSpc>
             </a:pPr>
-            <a:endParaRPr lang="en-US" sz="1800" b="0" strike="noStrike" spc="-1">
+            <a:endParaRPr lang="en-US" sz="1800" b="0" strike="noStrike" spc="-1" dirty="0">
               <a:latin typeface="Arial"/>
             </a:endParaRPr>
           </a:p>
@@ -10823,22 +7474,27 @@
               </a:lnSpc>
             </a:pPr>
             <a:r>
-              <a:rPr lang="en-US" sz="3400" b="0" strike="noStrike" spc="-1">
+              <a:rPr lang="en-US" sz="3400" b="0" strike="noStrike" spc="-1" dirty="0">
                 <a:solidFill>
                   <a:srgbClr val="96B51A"/>
                 </a:solidFill>
                 <a:latin typeface="Droid Sans"/>
                 <a:ea typeface="Droid Sans"/>
               </a:rPr>
-              <a:t>Observer Pattern</a:t>
+              <a:t>Facade Pattern</a:t>
             </a:r>
-            <a:endParaRPr lang="en-US" sz="3400" b="0" strike="noStrike" spc="-1">
+            <a:endParaRPr lang="en-US" sz="3400" b="0" strike="noStrike" spc="-1" dirty="0">
               <a:latin typeface="Arial"/>
             </a:endParaRPr>
           </a:p>
         </p:txBody>
       </p:sp>
     </p:spTree>
+    <p:extLst>
+      <p:ext uri="{BB962C8B-B14F-4D97-AF65-F5344CB8AC3E}">
+        <p14:creationId xmlns:p14="http://schemas.microsoft.com/office/powerpoint/2010/main" val="4222772999"/>
+      </p:ext>
+    </p:extLst>
   </p:cSld>
   <p:clrMapOvr>
     <a:masterClrMapping/>
@@ -10873,150 +7529,7 @@
       </p:grpSpPr>
       <p:sp>
         <p:nvSpPr>
-          <p:cNvPr id="87" name="CustomShape 1"/>
-          <p:cNvSpPr/>
-          <p:nvPr/>
-        </p:nvSpPr>
-        <p:spPr>
-          <a:xfrm>
-            <a:off x="142560" y="1467360"/>
-            <a:ext cx="3577320" cy="2492640"/>
-          </a:xfrm>
-          <a:prstGeom prst="rect">
-            <a:avLst/>
-          </a:prstGeom>
-          <a:noFill/>
-          <a:ln>
-            <a:noFill/>
-          </a:ln>
-        </p:spPr>
-        <p:style>
-          <a:lnRef idx="0">
-            <a:scrgbClr r="0" g="0" b="0"/>
-          </a:lnRef>
-          <a:fillRef idx="0">
-            <a:scrgbClr r="0" g="0" b="0"/>
-          </a:fillRef>
-          <a:effectRef idx="0">
-            <a:scrgbClr r="0" g="0" b="0"/>
-          </a:effectRef>
-          <a:fontRef idx="minor"/>
-        </p:style>
-        <p:txBody>
-          <a:bodyPr tIns="91440" bIns="91440">
-            <a:noAutofit/>
-          </a:bodyPr>
-          <a:lstStyle/>
-          <a:p>
-            <a:pPr marL="457200" indent="-310680" algn="just">
-              <a:lnSpc>
-                <a:spcPct val="100000"/>
-              </a:lnSpc>
-              <a:buClr>
-                <a:srgbClr val="FFFFFF"/>
-              </a:buClr>
-              <a:buFont typeface="Nunito Sans"/>
-              <a:buChar char="●"/>
-            </a:pPr>
-            <a:r>
-              <a:rPr lang="en-US" sz="1300" b="0" strike="noStrike" spc="-1">
-                <a:solidFill>
-                  <a:srgbClr val="FFFFFF"/>
-                </a:solidFill>
-                <a:latin typeface="Nunito Sans"/>
-                <a:ea typeface="Nunito Sans"/>
-              </a:rPr>
-              <a:t>An object called subject maintains a list of its dependents called observers</a:t>
-            </a:r>
-            <a:endParaRPr lang="en-US" sz="1300" b="0" strike="noStrike" spc="-1">
-              <a:latin typeface="Arial"/>
-            </a:endParaRPr>
-          </a:p>
-          <a:p>
-            <a:pPr algn="just">
-              <a:lnSpc>
-                <a:spcPct val="100000"/>
-              </a:lnSpc>
-            </a:pPr>
-            <a:endParaRPr lang="en-US" sz="1300" b="0" strike="noStrike" spc="-1">
-              <a:latin typeface="Arial"/>
-            </a:endParaRPr>
-          </a:p>
-          <a:p>
-            <a:pPr marL="457200" indent="-310680" algn="just">
-              <a:lnSpc>
-                <a:spcPct val="100000"/>
-              </a:lnSpc>
-              <a:buClr>
-                <a:srgbClr val="FFFFFF"/>
-              </a:buClr>
-              <a:buFont typeface="Nunito Sans"/>
-              <a:buChar char="●"/>
-            </a:pPr>
-            <a:r>
-              <a:rPr lang="en-US" sz="1300" b="0" strike="noStrike" spc="-1">
-                <a:solidFill>
-                  <a:srgbClr val="FFFFFF"/>
-                </a:solidFill>
-                <a:latin typeface="Nunito Sans"/>
-                <a:ea typeface="Nunito Sans"/>
-              </a:rPr>
-              <a:t>Defines one to many dependency between objects so that one object change state, all of its dependents are notified and updated automatically.</a:t>
-            </a:r>
-            <a:endParaRPr lang="en-US" sz="1300" b="0" strike="noStrike" spc="-1">
-              <a:latin typeface="Arial"/>
-            </a:endParaRPr>
-          </a:p>
-          <a:p>
-            <a:pPr marL="457200" algn="just">
-              <a:lnSpc>
-                <a:spcPct val="100000"/>
-              </a:lnSpc>
-            </a:pPr>
-            <a:endParaRPr lang="en-US" sz="1300" b="0" strike="noStrike" spc="-1">
-              <a:latin typeface="Arial"/>
-            </a:endParaRPr>
-          </a:p>
-          <a:p>
-            <a:pPr marL="457200" indent="-310680" algn="just">
-              <a:lnSpc>
-                <a:spcPct val="100000"/>
-              </a:lnSpc>
-              <a:buClr>
-                <a:srgbClr val="FFFFFF"/>
-              </a:buClr>
-              <a:buFont typeface="Nunito Sans"/>
-              <a:buChar char="●"/>
-            </a:pPr>
-            <a:r>
-              <a:rPr lang="en-US" sz="1300" b="0" strike="noStrike" spc="-1">
-                <a:solidFill>
-                  <a:srgbClr val="FFFFFF"/>
-                </a:solidFill>
-                <a:latin typeface="Nunito Sans"/>
-                <a:ea typeface="Nunito Sans"/>
-              </a:rPr>
-              <a:t>The subject notifies its changes using a specific method defined in all of its dependents</a:t>
-            </a:r>
-            <a:endParaRPr lang="en-US" sz="1300" b="0" strike="noStrike" spc="-1">
-              <a:latin typeface="Arial"/>
-            </a:endParaRPr>
-          </a:p>
-          <a:p>
-            <a:pPr marL="457200" algn="just">
-              <a:lnSpc>
-                <a:spcPct val="100000"/>
-              </a:lnSpc>
-            </a:pPr>
-            <a:endParaRPr lang="en-US" sz="1300" b="0" strike="noStrike" spc="-1">
-              <a:latin typeface="Arial"/>
-            </a:endParaRPr>
-          </a:p>
-        </p:txBody>
-      </p:sp>
-      <p:sp>
-        <p:nvSpPr>
-          <p:cNvPr id="88" name="CustomShape 2"/>
+          <p:cNvPr id="100" name="CustomShape 1"/>
           <p:cNvSpPr/>
           <p:nvPr/>
         </p:nvSpPr>
@@ -11050,7 +7563,7 @@
       </p:sp>
       <p:sp>
         <p:nvSpPr>
-          <p:cNvPr id="89" name="CustomShape 3"/>
+          <p:cNvPr id="101" name="CustomShape 2"/>
           <p:cNvSpPr/>
           <p:nvPr/>
         </p:nvSpPr>
@@ -11091,16 +7604,201 @@
               </a:lnSpc>
             </a:pPr>
             <a:r>
-              <a:rPr lang="en-US" sz="3200" b="1" strike="noStrike" spc="-1">
+              <a:rPr lang="en-US" sz="2400" dirty="0">
+                <a:solidFill>
+                  <a:srgbClr val="96B51A"/>
+                </a:solidFill>
+                <a:cs typeface="Arial" panose="020B0604020202020204"/>
+              </a:rPr>
+              <a:t>Facade Pattern </a:t>
+            </a:r>
+          </a:p>
+        </p:txBody>
+      </p:sp>
+      <p:sp>
+        <p:nvSpPr>
+          <p:cNvPr id="102" name="CustomShape 3"/>
+          <p:cNvSpPr/>
+          <p:nvPr/>
+        </p:nvSpPr>
+        <p:spPr>
+          <a:xfrm>
+            <a:off x="187020" y="1389240"/>
+            <a:ext cx="4384800" cy="3440160"/>
+          </a:xfrm>
+          <a:prstGeom prst="rect">
+            <a:avLst/>
+          </a:prstGeom>
+          <a:noFill/>
+          <a:ln>
+            <a:noFill/>
+          </a:ln>
+        </p:spPr>
+        <p:style>
+          <a:lnRef idx="0">
+            <a:scrgbClr r="0" g="0" b="0"/>
+          </a:lnRef>
+          <a:fillRef idx="0">
+            <a:scrgbClr r="0" g="0" b="0"/>
+          </a:fillRef>
+          <a:effectRef idx="0">
+            <a:scrgbClr r="0" g="0" b="0"/>
+          </a:effectRef>
+          <a:fontRef idx="minor"/>
+        </p:style>
+        <p:txBody>
+          <a:bodyPr tIns="91440" bIns="91440">
+            <a:noAutofit/>
+          </a:bodyPr>
+          <a:lstStyle/>
+          <a:p>
+            <a:pPr marL="146160" algn="just">
+              <a:lnSpc>
+                <a:spcPct val="100000"/>
+              </a:lnSpc>
+            </a:pPr>
+            <a:r>
+              <a:rPr lang="en-US" sz="1300" b="0" strike="noStrike" spc="-1" dirty="0">
                 <a:solidFill>
                   <a:srgbClr val="FFFFFF"/>
                 </a:solidFill>
-                <a:latin typeface="Montserrat"/>
-                <a:ea typeface="Montserrat"/>
+                <a:latin typeface="Nunito Sans"/>
+                <a:ea typeface="Nunito Sans"/>
               </a:rPr>
-              <a:t>Observer Pattern</a:t>
+              <a:t>The façade pattern allows us to reduce the complexity of a system, by dividing it into subsystems, and additionally, it reduces </a:t>
             </a:r>
-            <a:endParaRPr lang="en-US" sz="3200" b="0" strike="noStrike" spc="-1">
+            <a:r>
+              <a:rPr lang="en-US" sz="1400" b="0" strike="noStrike" spc="-1" dirty="0">
+                <a:solidFill>
+                  <a:srgbClr val="FFFFFF"/>
+                </a:solidFill>
+                <a:ea typeface="Nunito Sans"/>
+              </a:rPr>
+              <a:t>the</a:t>
+            </a:r>
+            <a:r>
+              <a:rPr lang="en-US" sz="1300" b="0" strike="noStrike" spc="-1" dirty="0">
+                <a:solidFill>
+                  <a:srgbClr val="FFFFFF"/>
+                </a:solidFill>
+                <a:latin typeface="Nunito Sans"/>
+                <a:ea typeface="Nunito Sans"/>
+              </a:rPr>
+              <a:t> dependence of a client with respect to a certain component.</a:t>
+            </a:r>
+            <a:endParaRPr lang="en-US" sz="1300" b="0" strike="noStrike" spc="-1" dirty="0">
+              <a:latin typeface="Arial"/>
+            </a:endParaRPr>
+          </a:p>
+          <a:p>
+            <a:pPr marL="146160" algn="just">
+              <a:lnSpc>
+                <a:spcPct val="100000"/>
+              </a:lnSpc>
+            </a:pPr>
+            <a:endParaRPr lang="en-US" sz="1300" b="0" strike="noStrike" spc="-1" dirty="0">
+              <a:latin typeface="Arial"/>
+            </a:endParaRPr>
+          </a:p>
+          <a:p>
+            <a:pPr marL="146160" algn="just">
+              <a:lnSpc>
+                <a:spcPct val="100000"/>
+              </a:lnSpc>
+            </a:pPr>
+            <a:endParaRPr lang="en-US" sz="1300" b="0" strike="noStrike" spc="-1" dirty="0">
+              <a:latin typeface="Arial"/>
+            </a:endParaRPr>
+          </a:p>
+          <a:p>
+            <a:pPr marL="146160" algn="just">
+              <a:lnSpc>
+                <a:spcPct val="100000"/>
+              </a:lnSpc>
+            </a:pPr>
+            <a:endParaRPr lang="en-US" sz="1300" b="0" strike="noStrike" spc="-1" dirty="0">
+              <a:latin typeface="Arial"/>
+            </a:endParaRPr>
+          </a:p>
+          <a:p>
+            <a:pPr marL="146160" algn="just">
+              <a:lnSpc>
+                <a:spcPct val="100000"/>
+              </a:lnSpc>
+            </a:pPr>
+            <a:r>
+              <a:rPr lang="en-US" sz="1300" b="0" strike="noStrike" spc="-1" dirty="0">
+                <a:solidFill>
+                  <a:srgbClr val="FFFFFF"/>
+                </a:solidFill>
+                <a:latin typeface="Nunito Sans"/>
+                <a:ea typeface="Nunito Sans"/>
+              </a:rPr>
+              <a:t>Ref: </a:t>
+            </a:r>
+            <a:r>
+              <a:rPr lang="en-US" sz="1300" b="0" u="sng" strike="noStrike" spc="-1" dirty="0">
+                <a:solidFill>
+                  <a:srgbClr val="1155CC"/>
+                </a:solidFill>
+                <a:uFillTx/>
+                <a:latin typeface="Nunito Sans"/>
+                <a:ea typeface="Nunito Sans"/>
+                <a:hlinkClick r:id="rId2"/>
+              </a:rPr>
+              <a:t>GOF Structural Patterns FACADE</a:t>
+            </a:r>
+            <a:endParaRPr lang="en-US" sz="1300" b="0" strike="noStrike" spc="-1" dirty="0">
+              <a:latin typeface="Arial"/>
+            </a:endParaRPr>
+          </a:p>
+          <a:p>
+            <a:pPr marL="146160" algn="just">
+              <a:lnSpc>
+                <a:spcPct val="100000"/>
+              </a:lnSpc>
+            </a:pPr>
+            <a:endParaRPr lang="en-US" sz="1300" b="0" strike="noStrike" spc="-1" dirty="0">
+              <a:latin typeface="Arial"/>
+            </a:endParaRPr>
+          </a:p>
+          <a:p>
+            <a:pPr marL="457200" algn="just">
+              <a:lnSpc>
+                <a:spcPct val="100000"/>
+              </a:lnSpc>
+            </a:pPr>
+            <a:endParaRPr lang="en-US" sz="1300" b="0" strike="noStrike" spc="-1" dirty="0">
+              <a:latin typeface="Arial"/>
+            </a:endParaRPr>
+          </a:p>
+          <a:p>
+            <a:pPr marL="457200" algn="just">
+              <a:lnSpc>
+                <a:spcPct val="100000"/>
+              </a:lnSpc>
+            </a:pPr>
+            <a:endParaRPr lang="en-US" sz="1300" b="0" strike="noStrike" spc="-1" dirty="0">
+              <a:latin typeface="Arial"/>
+            </a:endParaRPr>
+          </a:p>
+          <a:p>
+            <a:pPr marL="457200" algn="just">
+              <a:lnSpc>
+                <a:spcPct val="100000"/>
+              </a:lnSpc>
+            </a:pPr>
+            <a:endParaRPr lang="en-US" sz="1300" b="0" strike="noStrike" spc="-1" dirty="0">
+              <a:latin typeface="Arial"/>
+            </a:endParaRPr>
+          </a:p>
+          <a:p>
+            <a:pPr marL="457200" algn="just">
+              <a:lnSpc>
+                <a:spcPct val="100000"/>
+              </a:lnSpc>
+            </a:pPr>
+            <a:endParaRPr lang="en-US" sz="1300" b="0" strike="noStrike" spc="-1" dirty="0">
               <a:latin typeface="Arial"/>
             </a:endParaRPr>
           </a:p>
@@ -11108,27 +7806,38 @@
       </p:sp>
       <p:pic>
         <p:nvPicPr>
-          <p:cNvPr id="90" name="Picture 2"/>
+          <p:cNvPr id="103" name="Picture 2"/>
           <p:cNvPicPr/>
           <p:nvPr/>
         </p:nvPicPr>
         <p:blipFill>
-          <a:blip r:embed="rId2"/>
-          <a:srcRect b="11421"/>
+          <a:blip r:embed="rId3"/>
           <a:stretch/>
         </p:blipFill>
         <p:spPr>
           <a:xfrm>
-            <a:off x="3935520" y="1434240"/>
-            <a:ext cx="5120640" cy="2381040"/>
-          </a:xfrm>
-          <a:prstGeom prst="rect">
-            <a:avLst/>
-          </a:prstGeom>
-          <a:ln>
-            <a:noFill/>
-          </a:ln>
-        </p:spPr>
+            <a:off x="4839840" y="1389240"/>
+            <a:ext cx="3790080" cy="2551680"/>
+          </a:xfrm>
+          <a:prstGeom prst="rect">
+            <a:avLst/>
+          </a:prstGeom>
+          <a:ln/>
+        </p:spPr>
+        <p:style>
+          <a:lnRef idx="2">
+            <a:schemeClr val="accent3"/>
+          </a:lnRef>
+          <a:fillRef idx="1">
+            <a:schemeClr val="lt1"/>
+          </a:fillRef>
+          <a:effectRef idx="0">
+            <a:schemeClr val="accent3"/>
+          </a:effectRef>
+          <a:fontRef idx="minor">
+            <a:schemeClr val="dk1"/>
+          </a:fontRef>
+        </p:style>
       </p:pic>
     </p:spTree>
   </p:cSld>
@@ -11165,345 +7874,7 @@
       </p:grpSpPr>
       <p:sp>
         <p:nvSpPr>
-          <p:cNvPr id="91" name="CustomShape 1"/>
-          <p:cNvSpPr/>
-          <p:nvPr/>
-        </p:nvSpPr>
-        <p:spPr>
-          <a:xfrm>
-            <a:off x="271800" y="1091880"/>
-            <a:ext cx="8599680" cy="3440160"/>
-          </a:xfrm>
-          <a:prstGeom prst="rect">
-            <a:avLst/>
-          </a:prstGeom>
-          <a:noFill/>
-          <a:ln>
-            <a:noFill/>
-          </a:ln>
-        </p:spPr>
-        <p:style>
-          <a:lnRef idx="0">
-            <a:scrgbClr r="0" g="0" b="0"/>
-          </a:lnRef>
-          <a:fillRef idx="0">
-            <a:scrgbClr r="0" g="0" b="0"/>
-          </a:fillRef>
-          <a:effectRef idx="0">
-            <a:scrgbClr r="0" g="0" b="0"/>
-          </a:effectRef>
-          <a:fontRef idx="minor"/>
-        </p:style>
-        <p:txBody>
-          <a:bodyPr tIns="91440" bIns="91440">
-            <a:noAutofit/>
-          </a:bodyPr>
-          <a:lstStyle/>
-          <a:p>
-            <a:pPr marL="457200" indent="-310680" algn="just">
-              <a:lnSpc>
-                <a:spcPct val="100000"/>
-              </a:lnSpc>
-              <a:buClr>
-                <a:srgbClr val="FFFFFF"/>
-              </a:buClr>
-              <a:buFont typeface="Nunito Sans"/>
-              <a:buChar char="●"/>
-            </a:pPr>
-            <a:r>
-              <a:rPr lang="en-US" sz="1300" b="0" strike="noStrike" spc="-1">
-                <a:solidFill>
-                  <a:srgbClr val="FFFFFF"/>
-                </a:solidFill>
-                <a:latin typeface="Nunito Sans"/>
-                <a:ea typeface="Nunito Sans"/>
-              </a:rPr>
-              <a:t>The subject (publisher) does not need to know anything about the Observers (suscribers)</a:t>
-            </a:r>
-            <a:endParaRPr lang="en-US" sz="1300" b="0" strike="noStrike" spc="-1">
-              <a:latin typeface="Arial"/>
-            </a:endParaRPr>
-          </a:p>
-          <a:p>
-            <a:pPr algn="just">
-              <a:lnSpc>
-                <a:spcPct val="100000"/>
-              </a:lnSpc>
-            </a:pPr>
-            <a:endParaRPr lang="en-US" sz="1300" b="0" strike="noStrike" spc="-1">
-              <a:latin typeface="Arial"/>
-            </a:endParaRPr>
-          </a:p>
-          <a:p>
-            <a:pPr marL="457200" indent="-310680" algn="just">
-              <a:lnSpc>
-                <a:spcPct val="100000"/>
-              </a:lnSpc>
-              <a:buClr>
-                <a:srgbClr val="FFFFFF"/>
-              </a:buClr>
-              <a:buFont typeface="Nunito Sans"/>
-              <a:buChar char="●"/>
-            </a:pPr>
-            <a:r>
-              <a:rPr lang="en-US" sz="1300" b="0" strike="noStrike" spc="-1">
-                <a:solidFill>
-                  <a:srgbClr val="FFFFFF"/>
-                </a:solidFill>
-                <a:latin typeface="Nunito Sans"/>
-                <a:ea typeface="Nunito Sans"/>
-              </a:rPr>
-              <a:t>Loose coupling</a:t>
-            </a:r>
-            <a:endParaRPr lang="en-US" sz="1300" b="0" strike="noStrike" spc="-1">
-              <a:latin typeface="Arial"/>
-            </a:endParaRPr>
-          </a:p>
-          <a:p>
-            <a:pPr marL="457200" lvl="5" indent="-310680" algn="just">
-              <a:lnSpc>
-                <a:spcPct val="100000"/>
-              </a:lnSpc>
-              <a:buClr>
-                <a:srgbClr val="FFFFFF"/>
-              </a:buClr>
-              <a:buFont typeface="Wingdings" charset="2"/>
-              <a:buChar char=""/>
-            </a:pPr>
-            <a:r>
-              <a:rPr lang="en-US" sz="1300" b="0" strike="noStrike" spc="-1">
-                <a:solidFill>
-                  <a:srgbClr val="FFFFFF"/>
-                </a:solidFill>
-                <a:latin typeface="Nunito Sans"/>
-                <a:ea typeface="Nunito Sans"/>
-              </a:rPr>
-              <a:t>Subject only knows that observer implement Observer interface</a:t>
-            </a:r>
-            <a:endParaRPr lang="en-US" sz="1300" b="0" strike="noStrike" spc="-1">
-              <a:latin typeface="Arial"/>
-            </a:endParaRPr>
-          </a:p>
-          <a:p>
-            <a:pPr marL="457200" lvl="5" indent="-310680" algn="just">
-              <a:lnSpc>
-                <a:spcPct val="100000"/>
-              </a:lnSpc>
-              <a:buClr>
-                <a:srgbClr val="FFFFFF"/>
-              </a:buClr>
-              <a:buFont typeface="Wingdings" charset="2"/>
-              <a:buChar char=""/>
-            </a:pPr>
-            <a:r>
-              <a:rPr lang="en-US" sz="1300" b="0" strike="noStrike" spc="-1">
-                <a:solidFill>
-                  <a:srgbClr val="FFFFFF"/>
-                </a:solidFill>
-                <a:latin typeface="Nunito Sans"/>
-                <a:ea typeface="Nunito Sans"/>
-              </a:rPr>
-              <a:t>There is no need to modify Subject to add or remove observers</a:t>
-            </a:r>
-            <a:endParaRPr lang="en-US" sz="1300" b="0" strike="noStrike" spc="-1">
-              <a:latin typeface="Arial"/>
-            </a:endParaRPr>
-          </a:p>
-          <a:p>
-            <a:pPr algn="just">
-              <a:lnSpc>
-                <a:spcPct val="100000"/>
-              </a:lnSpc>
-            </a:pPr>
-            <a:endParaRPr lang="en-US" sz="1300" b="0" strike="noStrike" spc="-1">
-              <a:latin typeface="Arial"/>
-            </a:endParaRPr>
-          </a:p>
-          <a:p>
-            <a:pPr marL="457200" indent="-310680" algn="just">
-              <a:lnSpc>
-                <a:spcPct val="100000"/>
-              </a:lnSpc>
-              <a:buClr>
-                <a:srgbClr val="FFFFFF"/>
-              </a:buClr>
-              <a:buFont typeface="Nunito Sans"/>
-              <a:buChar char="●"/>
-            </a:pPr>
-            <a:r>
-              <a:rPr lang="en-US" sz="1300" b="0" strike="noStrike" spc="-1">
-                <a:solidFill>
-                  <a:srgbClr val="FFFFFF"/>
-                </a:solidFill>
-                <a:latin typeface="Nunito Sans"/>
-                <a:ea typeface="Nunito Sans"/>
-              </a:rPr>
-              <a:t>The observer object does not need to be pending about any change, the subject is the responsible to notify that.</a:t>
-            </a:r>
-            <a:endParaRPr lang="en-US" sz="1300" b="0" strike="noStrike" spc="-1">
-              <a:latin typeface="Arial"/>
-            </a:endParaRPr>
-          </a:p>
-          <a:p>
-            <a:pPr algn="just">
-              <a:lnSpc>
-                <a:spcPct val="100000"/>
-              </a:lnSpc>
-            </a:pPr>
-            <a:endParaRPr lang="en-US" sz="1300" b="0" strike="noStrike" spc="-1">
-              <a:latin typeface="Arial"/>
-            </a:endParaRPr>
-          </a:p>
-          <a:p>
-            <a:pPr marL="457200" indent="-310680" algn="just">
-              <a:lnSpc>
-                <a:spcPct val="100000"/>
-              </a:lnSpc>
-              <a:buClr>
-                <a:srgbClr val="FFFFFF"/>
-              </a:buClr>
-              <a:buFont typeface="Nunito Sans"/>
-              <a:buChar char="●"/>
-            </a:pPr>
-            <a:r>
-              <a:rPr lang="en-US" sz="1300" b="0" strike="noStrike" spc="-1">
-                <a:solidFill>
-                  <a:srgbClr val="FFFFFF"/>
-                </a:solidFill>
-                <a:latin typeface="Nunito Sans"/>
-                <a:ea typeface="Nunito Sans"/>
-              </a:rPr>
-              <a:t>The push (notify) strategy is more efficient than the pull (ask all the time) one.</a:t>
-            </a:r>
-            <a:endParaRPr lang="en-US" sz="1300" b="0" strike="noStrike" spc="-1">
-              <a:latin typeface="Arial"/>
-            </a:endParaRPr>
-          </a:p>
-          <a:p>
-            <a:pPr algn="just">
-              <a:lnSpc>
-                <a:spcPct val="100000"/>
-              </a:lnSpc>
-            </a:pPr>
-            <a:endParaRPr lang="en-US" sz="1300" b="0" strike="noStrike" spc="-1">
-              <a:latin typeface="Arial"/>
-            </a:endParaRPr>
-          </a:p>
-          <a:p>
-            <a:pPr marL="457200" indent="-310680" algn="just">
-              <a:lnSpc>
-                <a:spcPct val="100000"/>
-              </a:lnSpc>
-              <a:buClr>
-                <a:srgbClr val="FFFFFF"/>
-              </a:buClr>
-              <a:buFont typeface="Nunito Sans"/>
-              <a:buChar char="●"/>
-            </a:pPr>
-            <a:r>
-              <a:rPr lang="en-US" sz="1300" b="0" strike="noStrike" spc="-1">
-                <a:solidFill>
-                  <a:srgbClr val="FFFFFF"/>
-                </a:solidFill>
-                <a:latin typeface="Nunito Sans"/>
-                <a:ea typeface="Nunito Sans"/>
-              </a:rPr>
-              <a:t>You have the posibility to add suscribers or remove suscribers whenever you want</a:t>
-            </a:r>
-            <a:endParaRPr lang="en-US" sz="1300" b="0" strike="noStrike" spc="-1">
-              <a:latin typeface="Arial"/>
-            </a:endParaRPr>
-          </a:p>
-          <a:p>
-            <a:pPr algn="just">
-              <a:lnSpc>
-                <a:spcPct val="100000"/>
-              </a:lnSpc>
-            </a:pPr>
-            <a:endParaRPr lang="en-US" sz="1300" b="0" strike="noStrike" spc="-1">
-              <a:latin typeface="Arial"/>
-            </a:endParaRPr>
-          </a:p>
-          <a:p>
-            <a:pPr marL="457200" indent="-310680" algn="just">
-              <a:lnSpc>
-                <a:spcPct val="100000"/>
-              </a:lnSpc>
-              <a:buClr>
-                <a:srgbClr val="FFFFFF"/>
-              </a:buClr>
-              <a:buFont typeface="Nunito Sans"/>
-              <a:buChar char="●"/>
-            </a:pPr>
-            <a:r>
-              <a:rPr lang="en-US" sz="1300" b="0" strike="noStrike" spc="-1">
-                <a:solidFill>
-                  <a:srgbClr val="FFFFFF"/>
-                </a:solidFill>
-                <a:latin typeface="Nunito Sans"/>
-                <a:ea typeface="Nunito Sans"/>
-              </a:rPr>
-              <a:t>This pattern is used in graphical interfaces, subscribing listeners to capture specific events</a:t>
-            </a:r>
-            <a:endParaRPr lang="en-US" sz="1300" b="0" strike="noStrike" spc="-1">
-              <a:latin typeface="Arial"/>
-            </a:endParaRPr>
-          </a:p>
-          <a:p>
-            <a:pPr marL="457200" algn="just">
-              <a:lnSpc>
-                <a:spcPct val="100000"/>
-              </a:lnSpc>
-            </a:pPr>
-            <a:endParaRPr lang="en-US" sz="1300" b="0" strike="noStrike" spc="-1">
-              <a:latin typeface="Arial"/>
-            </a:endParaRPr>
-          </a:p>
-          <a:p>
-            <a:pPr marL="457200" algn="just">
-              <a:lnSpc>
-                <a:spcPct val="100000"/>
-              </a:lnSpc>
-            </a:pPr>
-            <a:endParaRPr lang="en-US" sz="1300" b="0" strike="noStrike" spc="-1">
-              <a:latin typeface="Arial"/>
-            </a:endParaRPr>
-          </a:p>
-          <a:p>
-            <a:pPr marL="457200" algn="just">
-              <a:lnSpc>
-                <a:spcPct val="100000"/>
-              </a:lnSpc>
-            </a:pPr>
-            <a:endParaRPr lang="en-US" sz="1300" b="0" strike="noStrike" spc="-1">
-              <a:latin typeface="Arial"/>
-            </a:endParaRPr>
-          </a:p>
-          <a:p>
-            <a:pPr marL="457200" algn="just">
-              <a:lnSpc>
-                <a:spcPct val="100000"/>
-              </a:lnSpc>
-            </a:pPr>
-            <a:r>
-              <a:rPr lang="en-US" sz="1300" b="0" strike="noStrike" spc="-1">
-                <a:solidFill>
-                  <a:srgbClr val="FFFFFF"/>
-                </a:solidFill>
-                <a:latin typeface="Nunito Sans"/>
-                <a:ea typeface="Nunito Sans"/>
-              </a:rPr>
-              <a:t>** Negative: The subject (Publisher) may send updates that do not matter to the Observer (suscriber)</a:t>
-            </a:r>
-            <a:endParaRPr lang="en-US" sz="1300" b="0" strike="noStrike" spc="-1">
-              <a:latin typeface="Arial"/>
-            </a:endParaRPr>
-          </a:p>
-        </p:txBody>
-      </p:sp>
-      <p:sp>
-        <p:nvSpPr>
-          <p:cNvPr id="92" name="CustomShape 2"/>
+          <p:cNvPr id="104" name="CustomShape 1"/>
           <p:cNvSpPr/>
           <p:nvPr/>
         </p:nvSpPr>
@@ -11537,7 +7908,7 @@
       </p:sp>
       <p:sp>
         <p:nvSpPr>
-          <p:cNvPr id="93" name="CustomShape 3"/>
+          <p:cNvPr id="105" name="CustomShape 2"/>
           <p:cNvSpPr/>
           <p:nvPr/>
         </p:nvSpPr>
@@ -11578,21 +7949,49 @@
               </a:lnSpc>
             </a:pPr>
             <a:r>
-              <a:rPr lang="en-US" sz="3200" b="1" strike="noStrike" spc="-1">
-                <a:solidFill>
-                  <a:srgbClr val="FFFFFF"/>
-                </a:solidFill>
-                <a:latin typeface="Montserrat"/>
-                <a:ea typeface="Montserrat"/>
+              <a:rPr lang="en-US" sz="2400" dirty="0">
+                <a:solidFill>
+                  <a:srgbClr val="96B51A"/>
+                </a:solidFill>
+                <a:cs typeface="Arial" panose="020B0604020202020204"/>
               </a:rPr>
-              <a:t>Observer Pattern - Benefits</a:t>
+              <a:t>FACADE  example</a:t>
             </a:r>
-            <a:endParaRPr lang="en-US" sz="3200" b="0" strike="noStrike" spc="-1">
-              <a:latin typeface="Arial"/>
-            </a:endParaRPr>
-          </a:p>
-        </p:txBody>
-      </p:sp>
+          </a:p>
+        </p:txBody>
+      </p:sp>
+      <p:pic>
+        <p:nvPicPr>
+          <p:cNvPr id="107" name="Picture 2"/>
+          <p:cNvPicPr/>
+          <p:nvPr/>
+        </p:nvPicPr>
+        <p:blipFill>
+          <a:blip r:embed="rId2"/>
+          <a:stretch/>
+        </p:blipFill>
+        <p:spPr>
+          <a:xfrm>
+            <a:off x="1109334" y="956252"/>
+            <a:ext cx="6924971" cy="3708996"/>
+          </a:xfrm>
+          <a:prstGeom prst="rect">
+            <a:avLst/>
+          </a:prstGeom>
+          <a:ln>
+            <a:noFill/>
+          </a:ln>
+          <a:effectLst>
+            <a:glow rad="139700">
+              <a:schemeClr val="accent3">
+                <a:satMod val="175000"/>
+                <a:alpha val="40000"/>
+              </a:schemeClr>
+            </a:glow>
+            <a:softEdge rad="12700"/>
+          </a:effectLst>
+        </p:spPr>
+      </p:pic>
     </p:spTree>
   </p:cSld>
   <p:clrMapOvr>
@@ -11604,14 +8003,6 @@
 <file path=ppt/slides/slide7.xml><?xml version="1.0" encoding="utf-8"?>
 <p:sld xmlns:a="http://schemas.openxmlformats.org/drawingml/2006/main" xmlns:r="http://schemas.openxmlformats.org/officeDocument/2006/relationships" xmlns:p="http://schemas.openxmlformats.org/presentationml/2006/main">
   <p:cSld>
-    <p:bg>
-      <p:bgPr>
-        <a:solidFill>
-          <a:srgbClr val="000000"/>
-        </a:solidFill>
-        <a:effectLst/>
-      </p:bgPr>
-    </p:bg>
     <p:spTree>
       <p:nvGrpSpPr>
         <p:cNvPr id="1" name=""/>
@@ -11626,101 +8017,9 @@
           <a:chExt cx="0" cy="0"/>
         </a:xfrm>
       </p:grpSpPr>
-      <p:sp>
-        <p:nvSpPr>
-          <p:cNvPr id="94" name="CustomShape 1"/>
-          <p:cNvSpPr/>
-          <p:nvPr/>
-        </p:nvSpPr>
-        <p:spPr>
-          <a:xfrm>
-            <a:off x="0" y="5118480"/>
-            <a:ext cx="9143640" cy="33120"/>
-          </a:xfrm>
-          <a:prstGeom prst="rect">
-            <a:avLst/>
-          </a:prstGeom>
-          <a:solidFill>
-            <a:srgbClr val="C1D82F"/>
-          </a:solidFill>
-          <a:ln>
-            <a:noFill/>
-          </a:ln>
-        </p:spPr>
-        <p:style>
-          <a:lnRef idx="0">
-            <a:scrgbClr r="0" g="0" b="0"/>
-          </a:lnRef>
-          <a:fillRef idx="0">
-            <a:scrgbClr r="0" g="0" b="0"/>
-          </a:fillRef>
-          <a:effectRef idx="0">
-            <a:scrgbClr r="0" g="0" b="0"/>
-          </a:effectRef>
-          <a:fontRef idx="minor"/>
-        </p:style>
-      </p:sp>
-      <p:sp>
-        <p:nvSpPr>
-          <p:cNvPr id="95" name="CustomShape 2"/>
-          <p:cNvSpPr/>
-          <p:nvPr/>
-        </p:nvSpPr>
-        <p:spPr>
-          <a:xfrm>
-            <a:off x="0" y="216360"/>
-            <a:ext cx="9143640" cy="552240"/>
-          </a:xfrm>
-          <a:prstGeom prst="rect">
-            <a:avLst/>
-          </a:prstGeom>
-          <a:noFill/>
-          <a:ln>
-            <a:noFill/>
-          </a:ln>
-        </p:spPr>
-        <p:style>
-          <a:lnRef idx="0">
-            <a:scrgbClr r="0" g="0" b="0"/>
-          </a:lnRef>
-          <a:fillRef idx="0">
-            <a:scrgbClr r="0" g="0" b="0"/>
-          </a:fillRef>
-          <a:effectRef idx="0">
-            <a:scrgbClr r="0" g="0" b="0"/>
-          </a:effectRef>
-          <a:fontRef idx="minor"/>
-        </p:style>
-        <p:txBody>
-          <a:bodyPr tIns="91440" bIns="91440">
-            <a:noAutofit/>
-          </a:bodyPr>
-          <a:lstStyle/>
-          <a:p>
-            <a:pPr algn="ctr">
-              <a:lnSpc>
-                <a:spcPct val="100000"/>
-              </a:lnSpc>
-            </a:pPr>
-            <a:r>
-              <a:rPr lang="en-US" sz="3200" b="1" strike="noStrike" spc="-1">
-                <a:solidFill>
-                  <a:srgbClr val="FFFFFF"/>
-                </a:solidFill>
-                <a:latin typeface="Montserrat"/>
-                <a:ea typeface="Montserrat"/>
-              </a:rPr>
-              <a:t>Observer Pattern – Class Diagram</a:t>
-            </a:r>
-            <a:endParaRPr lang="en-US" sz="3200" b="0" strike="noStrike" spc="-1">
-              <a:latin typeface="Arial"/>
-            </a:endParaRPr>
-          </a:p>
-        </p:txBody>
-      </p:sp>
       <p:pic>
         <p:nvPicPr>
-          <p:cNvPr id="96" name="Imagen 1"/>
+          <p:cNvPr id="131" name="Google Shape;111;p27"/>
           <p:cNvPicPr/>
           <p:nvPr/>
         </p:nvPicPr>
@@ -11730,8 +8029,8 @@
         </p:blipFill>
         <p:spPr>
           <a:xfrm>
-            <a:off x="1819440" y="1009800"/>
-            <a:ext cx="5505120" cy="3504960"/>
+            <a:off x="0" y="0"/>
+            <a:ext cx="9143640" cy="5143320"/>
           </a:xfrm>
           <a:prstGeom prst="rect">
             <a:avLst/>
@@ -11741,6 +8040,80 @@
           </a:ln>
         </p:spPr>
       </p:pic>
+      <p:sp>
+        <p:nvSpPr>
+          <p:cNvPr id="132" name="CustomShape 1"/>
+          <p:cNvSpPr/>
+          <p:nvPr/>
+        </p:nvSpPr>
+        <p:spPr>
+          <a:xfrm>
+            <a:off x="5411972" y="1252080"/>
+            <a:ext cx="3450148" cy="2639520"/>
+          </a:xfrm>
+          <a:prstGeom prst="rect">
+            <a:avLst/>
+          </a:prstGeom>
+          <a:noFill/>
+          <a:ln>
+            <a:noFill/>
+          </a:ln>
+        </p:spPr>
+        <p:style>
+          <a:lnRef idx="0">
+            <a:scrgbClr r="0" g="0" b="0"/>
+          </a:lnRef>
+          <a:fillRef idx="0">
+            <a:scrgbClr r="0" g="0" b="0"/>
+          </a:fillRef>
+          <a:effectRef idx="0">
+            <a:scrgbClr r="0" g="0" b="0"/>
+          </a:effectRef>
+          <a:fontRef idx="minor"/>
+        </p:style>
+        <p:txBody>
+          <a:bodyPr tIns="91440" bIns="91440">
+            <a:noAutofit/>
+          </a:bodyPr>
+          <a:lstStyle/>
+          <a:p>
+            <a:pPr algn="r">
+              <a:lnSpc>
+                <a:spcPct val="100000"/>
+              </a:lnSpc>
+            </a:pPr>
+            <a:endParaRPr lang="en-US" sz="1800" b="0" strike="noStrike" spc="-1" dirty="0">
+              <a:latin typeface="Arial"/>
+            </a:endParaRPr>
+          </a:p>
+          <a:p>
+            <a:pPr algn="r">
+              <a:lnSpc>
+                <a:spcPct val="100000"/>
+              </a:lnSpc>
+            </a:pPr>
+            <a:endParaRPr lang="en-US" sz="1800" b="0" strike="noStrike" spc="-1" dirty="0">
+              <a:latin typeface="Arial"/>
+            </a:endParaRPr>
+          </a:p>
+          <a:p>
+            <a:pPr algn="r">
+              <a:lnSpc>
+                <a:spcPct val="100000"/>
+              </a:lnSpc>
+            </a:pPr>
+            <a:r>
+              <a:rPr lang="en-US" sz="3400" spc="-1" dirty="0">
+                <a:solidFill>
+                  <a:srgbClr val="96B51A"/>
+                </a:solidFill>
+                <a:latin typeface="Droid Sans"/>
+              </a:rPr>
+              <a:t>Adapter Pattern</a:t>
+            </a:r>
+          </a:p>
+        </p:txBody>
+      </p:sp>
     </p:spTree>
   </p:cSld>
   <p:clrMapOvr>
@@ -11776,7 +8149,62 @@
       </p:grpSpPr>
       <p:sp>
         <p:nvSpPr>
-          <p:cNvPr id="97" name="CustomShape 1"/>
+          <p:cNvPr id="133" name="CustomShape 1"/>
+          <p:cNvSpPr/>
+          <p:nvPr/>
+        </p:nvSpPr>
+        <p:spPr>
+          <a:xfrm>
+            <a:off x="210960" y="1325160"/>
+            <a:ext cx="4774680" cy="2949120"/>
+          </a:xfrm>
+          <a:prstGeom prst="rect">
+            <a:avLst/>
+          </a:prstGeom>
+          <a:noFill/>
+          <a:ln>
+            <a:noFill/>
+          </a:ln>
+        </p:spPr>
+        <p:style>
+          <a:lnRef idx="0">
+            <a:scrgbClr r="0" g="0" b="0"/>
+          </a:lnRef>
+          <a:fillRef idx="0">
+            <a:scrgbClr r="0" g="0" b="0"/>
+          </a:fillRef>
+          <a:effectRef idx="0">
+            <a:scrgbClr r="0" g="0" b="0"/>
+          </a:effectRef>
+          <a:fontRef idx="minor"/>
+        </p:style>
+        <p:txBody>
+          <a:bodyPr tIns="91440" bIns="91440">
+            <a:noAutofit/>
+          </a:bodyPr>
+          <a:lstStyle/>
+          <a:p>
+            <a:pPr marL="146160" algn="just">
+              <a:lnSpc>
+                <a:spcPct val="100000"/>
+              </a:lnSpc>
+            </a:pPr>
+            <a:r>
+              <a:rPr lang="en-US" sz="1400" b="0" strike="noStrike" spc="-1" dirty="0">
+                <a:solidFill>
+                  <a:srgbClr val="FFFFFF"/>
+                </a:solidFill>
+                <a:ea typeface="Nunito Sans"/>
+              </a:rPr>
+              <a:t>The Adapter design pattern is used when we have incompatible software interfaces, which, despite their incompatibility, have similar functionality. This pattern is implemented when you want to homogenize the way you work with these incompatible interfaces, for which you create an intermediate class that works like an adapter. This adapter class will provide the methods to interact with the incompatible interface</a:t>
+            </a:r>
+            <a:endParaRPr lang="en-US" sz="1400" b="0" strike="noStrike" spc="-1" dirty="0"/>
+          </a:p>
+        </p:txBody>
+      </p:sp>
+      <p:sp>
+        <p:nvSpPr>
+          <p:cNvPr id="134" name="CustomShape 2"/>
           <p:cNvSpPr/>
           <p:nvPr/>
         </p:nvSpPr>
@@ -11810,7 +8238,7 @@
       </p:sp>
       <p:sp>
         <p:nvSpPr>
-          <p:cNvPr id="98" name="CustomShape 2"/>
+          <p:cNvPr id="135" name="CustomShape 3"/>
           <p:cNvSpPr/>
           <p:nvPr/>
         </p:nvSpPr>
@@ -11851,24 +8279,20 @@
               </a:lnSpc>
             </a:pPr>
             <a:r>
-              <a:rPr lang="en-US" sz="3200" b="1" strike="noStrike" spc="-1">
-                <a:solidFill>
-                  <a:srgbClr val="FFFFFF"/>
-                </a:solidFill>
-                <a:latin typeface="Montserrat"/>
-                <a:ea typeface="Montserrat"/>
+              <a:rPr lang="en-US" sz="2400" dirty="0">
+                <a:solidFill>
+                  <a:srgbClr val="96B51A"/>
+                </a:solidFill>
+                <a:cs typeface="Arial" panose="020B0604020202020204"/>
               </a:rPr>
-              <a:t>Observer Pattern – Diagram of Sequence</a:t>
+              <a:t>Adapter Pattern</a:t>
             </a:r>
-            <a:endParaRPr lang="en-US" sz="3200" b="0" strike="noStrike" spc="-1">
-              <a:latin typeface="Arial"/>
-            </a:endParaRPr>
           </a:p>
         </p:txBody>
       </p:sp>
       <p:pic>
         <p:nvPicPr>
-          <p:cNvPr id="99" name="Imagen 2"/>
+          <p:cNvPr id="136" name="Picture 1"/>
           <p:cNvPicPr/>
           <p:nvPr/>
         </p:nvPicPr>
@@ -11878,16 +8302,40 @@
         </p:blipFill>
         <p:spPr>
           <a:xfrm>
-            <a:off x="2085120" y="890640"/>
-            <a:ext cx="5175720" cy="4023000"/>
-          </a:xfrm>
-          <a:prstGeom prst="rect">
-            <a:avLst/>
-          </a:prstGeom>
+            <a:off x="5645888" y="1133640"/>
+            <a:ext cx="2959912" cy="2789774"/>
+          </a:xfrm>
+          <a:prstGeom prst="roundRect">
+            <a:avLst>
+              <a:gd name="adj" fmla="val 8594"/>
+            </a:avLst>
+          </a:prstGeom>
+          <a:solidFill>
+            <a:srgbClr val="FFFFFF">
+              <a:shade val="85000"/>
+            </a:srgbClr>
+          </a:solidFill>
           <a:ln>
             <a:noFill/>
           </a:ln>
-        </p:spPr>
+          <a:effectLst>
+            <a:reflection blurRad="12700" stA="38000" endPos="28000" dist="5000" dir="5400000" sy="-100000" algn="bl" rotWithShape="0"/>
+          </a:effectLst>
+        </p:spPr>
+        <p:style>
+          <a:lnRef idx="2">
+            <a:schemeClr val="accent3"/>
+          </a:lnRef>
+          <a:fillRef idx="1">
+            <a:schemeClr val="lt1"/>
+          </a:fillRef>
+          <a:effectRef idx="0">
+            <a:schemeClr val="accent3"/>
+          </a:effectRef>
+          <a:fontRef idx="minor">
+            <a:schemeClr val="dk1"/>
+          </a:fontRef>
+        </p:style>
       </p:pic>
     </p:spTree>
   </p:cSld>
@@ -11924,7 +8372,7 @@
       </p:grpSpPr>
       <p:sp>
         <p:nvSpPr>
-          <p:cNvPr id="100" name="CustomShape 1"/>
+          <p:cNvPr id="137" name="CustomShape 1"/>
           <p:cNvSpPr/>
           <p:nvPr/>
         </p:nvSpPr>
@@ -11958,14 +8406,14 @@
       </p:sp>
       <p:sp>
         <p:nvSpPr>
-          <p:cNvPr id="101" name="CustomShape 2"/>
+          <p:cNvPr id="138" name="CustomShape 2"/>
           <p:cNvSpPr/>
           <p:nvPr/>
         </p:nvSpPr>
         <p:spPr>
           <a:xfrm>
-            <a:off x="0" y="216360"/>
-            <a:ext cx="9143640" cy="552240"/>
+            <a:off x="351771" y="1780945"/>
+            <a:ext cx="2027872" cy="1581609"/>
           </a:xfrm>
           <a:prstGeom prst="rect">
             <a:avLst/>
@@ -11999,213 +8447,51 @@
               </a:lnSpc>
             </a:pPr>
             <a:r>
-              <a:rPr lang="en-US" sz="3200" b="1" strike="noStrike" spc="-1">
-                <a:solidFill>
-                  <a:srgbClr val="FFFFFF"/>
-                </a:solidFill>
-                <a:latin typeface="Montserrat"/>
-                <a:ea typeface="Montserrat"/>
+              <a:rPr lang="en-US" sz="2400" dirty="0">
+                <a:solidFill>
+                  <a:srgbClr val="96B51A"/>
+                </a:solidFill>
+                <a:cs typeface="Arial" panose="020B0604020202020204"/>
               </a:rPr>
-              <a:t>Facade Pattern </a:t>
+              <a:t>Adapter Class Diagram</a:t>
             </a:r>
-            <a:endParaRPr lang="en-US" sz="3200" b="0" strike="noStrike" spc="-1">
-              <a:latin typeface="Arial"/>
-            </a:endParaRPr>
-          </a:p>
-        </p:txBody>
-      </p:sp>
-      <p:sp>
-        <p:nvSpPr>
-          <p:cNvPr id="102" name="CustomShape 3"/>
-          <p:cNvSpPr/>
-          <p:nvPr/>
-        </p:nvSpPr>
-        <p:spPr>
-          <a:xfrm>
-            <a:off x="271800" y="932040"/>
-            <a:ext cx="4384800" cy="3440160"/>
-          </a:xfrm>
-          <a:prstGeom prst="rect">
-            <a:avLst/>
-          </a:prstGeom>
-          <a:noFill/>
-          <a:ln>
-            <a:noFill/>
-          </a:ln>
-        </p:spPr>
-        <p:style>
-          <a:lnRef idx="0">
-            <a:scrgbClr r="0" g="0" b="0"/>
-          </a:lnRef>
-          <a:fillRef idx="0">
-            <a:scrgbClr r="0" g="0" b="0"/>
-          </a:fillRef>
-          <a:effectRef idx="0">
-            <a:scrgbClr r="0" g="0" b="0"/>
-          </a:effectRef>
-          <a:fontRef idx="minor"/>
-        </p:style>
-        <p:txBody>
-          <a:bodyPr tIns="91440" bIns="91440">
-            <a:noAutofit/>
-          </a:bodyPr>
-          <a:lstStyle/>
-          <a:p>
-            <a:pPr marL="146160" algn="just">
-              <a:lnSpc>
-                <a:spcPct val="100000"/>
-              </a:lnSpc>
-            </a:pPr>
-            <a:r>
-              <a:rPr lang="en-US" sz="1300" b="0" strike="noStrike" spc="-1">
-                <a:solidFill>
-                  <a:srgbClr val="FFFFFF"/>
-                </a:solidFill>
-                <a:latin typeface="Nunito Sans"/>
-                <a:ea typeface="Nunito Sans"/>
-              </a:rPr>
-              <a:t>The façade pattern allows us to reduce the complexity of a system, by dividing it into subsystems, and additionally, it reduces the dependence of a client with respect to a certain component.</a:t>
-            </a:r>
-            <a:endParaRPr lang="en-US" sz="1300" b="0" strike="noStrike" spc="-1">
-              <a:latin typeface="Arial"/>
-            </a:endParaRPr>
-          </a:p>
-          <a:p>
-            <a:pPr marL="146160" algn="just">
-              <a:lnSpc>
-                <a:spcPct val="100000"/>
-              </a:lnSpc>
-            </a:pPr>
-            <a:endParaRPr lang="en-US" sz="1300" b="0" strike="noStrike" spc="-1">
-              <a:latin typeface="Arial"/>
-            </a:endParaRPr>
-          </a:p>
-          <a:p>
-            <a:pPr marL="146160" algn="just">
-              <a:lnSpc>
-                <a:spcPct val="100000"/>
-              </a:lnSpc>
-            </a:pPr>
-            <a:endParaRPr lang="en-US" sz="1300" b="0" strike="noStrike" spc="-1">
-              <a:latin typeface="Arial"/>
-            </a:endParaRPr>
-          </a:p>
-          <a:p>
-            <a:pPr marL="146160" algn="just">
-              <a:lnSpc>
-                <a:spcPct val="100000"/>
-              </a:lnSpc>
-            </a:pPr>
-            <a:endParaRPr lang="en-US" sz="1300" b="0" strike="noStrike" spc="-1">
-              <a:latin typeface="Arial"/>
-            </a:endParaRPr>
-          </a:p>
-          <a:p>
-            <a:pPr marL="146160" algn="just">
-              <a:lnSpc>
-                <a:spcPct val="100000"/>
-              </a:lnSpc>
-            </a:pPr>
-            <a:r>
-              <a:rPr lang="en-US" sz="1300" b="0" strike="noStrike" spc="-1">
-                <a:solidFill>
-                  <a:srgbClr val="FFFFFF"/>
-                </a:solidFill>
-                <a:latin typeface="Nunito Sans"/>
-                <a:ea typeface="Nunito Sans"/>
-              </a:rPr>
-              <a:t>Ref: </a:t>
-            </a:r>
-            <a:r>
-              <a:rPr lang="en-US" sz="1300" b="0" u="sng" strike="noStrike" spc="-1">
-                <a:solidFill>
-                  <a:srgbClr val="1155CC"/>
-                </a:solidFill>
-                <a:uFillTx/>
-                <a:latin typeface="Nunito Sans"/>
-                <a:ea typeface="Nunito Sans"/>
-                <a:hlinkClick r:id="rId2"/>
-              </a:rPr>
-              <a:t>GOF Structural Patterns FACADE</a:t>
-            </a:r>
-            <a:endParaRPr lang="en-US" sz="1300" b="0" strike="noStrike" spc="-1">
-              <a:latin typeface="Arial"/>
-            </a:endParaRPr>
-          </a:p>
-          <a:p>
-            <a:pPr marL="146160" algn="just">
-              <a:lnSpc>
-                <a:spcPct val="100000"/>
-              </a:lnSpc>
-            </a:pPr>
-            <a:endParaRPr lang="en-US" sz="1300" b="0" strike="noStrike" spc="-1">
-              <a:latin typeface="Arial"/>
-            </a:endParaRPr>
-          </a:p>
-          <a:p>
-            <a:pPr marL="457200" algn="just">
-              <a:lnSpc>
-                <a:spcPct val="100000"/>
-              </a:lnSpc>
-            </a:pPr>
-            <a:endParaRPr lang="en-US" sz="1300" b="0" strike="noStrike" spc="-1">
-              <a:latin typeface="Arial"/>
-            </a:endParaRPr>
-          </a:p>
-          <a:p>
-            <a:pPr marL="457200" algn="just">
-              <a:lnSpc>
-                <a:spcPct val="100000"/>
-              </a:lnSpc>
-            </a:pPr>
-            <a:endParaRPr lang="en-US" sz="1300" b="0" strike="noStrike" spc="-1">
-              <a:latin typeface="Arial"/>
-            </a:endParaRPr>
-          </a:p>
-          <a:p>
-            <a:pPr marL="457200" algn="just">
-              <a:lnSpc>
-                <a:spcPct val="100000"/>
-              </a:lnSpc>
-            </a:pPr>
-            <a:endParaRPr lang="en-US" sz="1300" b="0" strike="noStrike" spc="-1">
-              <a:latin typeface="Arial"/>
-            </a:endParaRPr>
-          </a:p>
-          <a:p>
-            <a:pPr marL="457200" algn="just">
-              <a:lnSpc>
-                <a:spcPct val="100000"/>
-              </a:lnSpc>
-            </a:pPr>
-            <a:endParaRPr lang="en-US" sz="1300" b="0" strike="noStrike" spc="-1">
-              <a:latin typeface="Arial"/>
-            </a:endParaRPr>
           </a:p>
         </p:txBody>
       </p:sp>
       <p:pic>
         <p:nvPicPr>
-          <p:cNvPr id="103" name="Picture 2"/>
+          <p:cNvPr id="139" name="Picture 1"/>
           <p:cNvPicPr/>
           <p:nvPr/>
         </p:nvPicPr>
         <p:blipFill>
-          <a:blip r:embed="rId3"/>
+          <a:blip r:embed="rId2"/>
           <a:stretch/>
         </p:blipFill>
         <p:spPr>
           <a:xfrm>
-            <a:off x="4839840" y="1185480"/>
-            <a:ext cx="3790080" cy="2551680"/>
-          </a:xfrm>
-          <a:prstGeom prst="rect">
-            <a:avLst/>
-          </a:prstGeom>
-          <a:ln>
-            <a:noFill/>
-          </a:ln>
-        </p:spPr>
+            <a:off x="2843775" y="1038814"/>
+            <a:ext cx="5484617" cy="3065870"/>
+          </a:xfrm>
+          <a:prstGeom prst="rect">
+            <a:avLst/>
+          </a:prstGeom>
+          <a:ln/>
+        </p:spPr>
+        <p:style>
+          <a:lnRef idx="2">
+            <a:schemeClr val="accent3"/>
+          </a:lnRef>
+          <a:fillRef idx="1">
+            <a:schemeClr val="lt1"/>
+          </a:fillRef>
+          <a:effectRef idx="0">
+            <a:schemeClr val="accent3"/>
+          </a:effectRef>
+          <a:fontRef idx="minor">
+            <a:schemeClr val="dk1"/>
+          </a:fontRef>
+        </p:style>
       </p:pic>
     </p:spTree>
   </p:cSld>

--- a/Design Patterns/Design Patterns.pptx
+++ b/Design Patterns/Design Patterns.pptx
@@ -24,6 +24,10 @@
     <p:sldId id="291" r:id="rId18"/>
     <p:sldId id="288" r:id="rId19"/>
     <p:sldId id="290" r:id="rId20"/>
+    <p:sldId id="296" r:id="rId21"/>
+    <p:sldId id="297" r:id="rId22"/>
+    <p:sldId id="294" r:id="rId23"/>
+    <p:sldId id="295" r:id="rId24"/>
   </p:sldIdLst>
   <p:sldSz cx="9144000" cy="5143500" type="screen16x9"/>
   <p:notesSz cx="6858000" cy="9144000"/>
@@ -4989,7 +4993,7 @@
         </p:nvSpPr>
         <p:spPr>
           <a:xfrm>
-            <a:off x="506776" y="216360"/>
+            <a:off x="818580" y="216360"/>
             <a:ext cx="7293166" cy="552240"/>
           </a:xfrm>
           <a:prstGeom prst="rect">
@@ -6973,6 +6977,132 @@
 </p:sld>
 </file>
 
+<file path=ppt/slides/slide19.xml><?xml version="1.0" encoding="utf-8"?>
+<p:sld xmlns:a="http://schemas.openxmlformats.org/drawingml/2006/main" xmlns:r="http://schemas.openxmlformats.org/officeDocument/2006/relationships" xmlns:p="http://schemas.openxmlformats.org/presentationml/2006/main">
+  <p:cSld>
+    <p:spTree>
+      <p:nvGrpSpPr>
+        <p:cNvPr id="1" name=""/>
+        <p:cNvGrpSpPr/>
+        <p:nvPr/>
+      </p:nvGrpSpPr>
+      <p:grpSpPr>
+        <a:xfrm>
+          <a:off x="0" y="0"/>
+          <a:ext cx="0" cy="0"/>
+          <a:chOff x="0" y="0"/>
+          <a:chExt cx="0" cy="0"/>
+        </a:xfrm>
+      </p:grpSpPr>
+      <p:pic>
+        <p:nvPicPr>
+          <p:cNvPr id="147" name="Google Shape;111;p27"/>
+          <p:cNvPicPr/>
+          <p:nvPr/>
+        </p:nvPicPr>
+        <p:blipFill>
+          <a:blip r:embed="rId2"/>
+          <a:stretch/>
+        </p:blipFill>
+        <p:spPr>
+          <a:xfrm>
+            <a:off x="0" y="0"/>
+            <a:ext cx="9143640" cy="5143320"/>
+          </a:xfrm>
+          <a:prstGeom prst="rect">
+            <a:avLst/>
+          </a:prstGeom>
+          <a:ln>
+            <a:noFill/>
+          </a:ln>
+        </p:spPr>
+      </p:pic>
+      <p:sp>
+        <p:nvSpPr>
+          <p:cNvPr id="148" name="CustomShape 1"/>
+          <p:cNvSpPr/>
+          <p:nvPr/>
+        </p:nvSpPr>
+        <p:spPr>
+          <a:xfrm>
+            <a:off x="3593804" y="1252080"/>
+            <a:ext cx="5268315" cy="2639520"/>
+          </a:xfrm>
+          <a:prstGeom prst="rect">
+            <a:avLst/>
+          </a:prstGeom>
+          <a:noFill/>
+          <a:ln>
+            <a:noFill/>
+          </a:ln>
+        </p:spPr>
+        <p:style>
+          <a:lnRef idx="0">
+            <a:scrgbClr r="0" g="0" b="0"/>
+          </a:lnRef>
+          <a:fillRef idx="0">
+            <a:scrgbClr r="0" g="0" b="0"/>
+          </a:fillRef>
+          <a:effectRef idx="0">
+            <a:scrgbClr r="0" g="0" b="0"/>
+          </a:effectRef>
+          <a:fontRef idx="minor"/>
+        </p:style>
+        <p:txBody>
+          <a:bodyPr tIns="91440" bIns="91440">
+            <a:noAutofit/>
+          </a:bodyPr>
+          <a:lstStyle/>
+          <a:p>
+            <a:pPr algn="r">
+              <a:lnSpc>
+                <a:spcPct val="100000"/>
+              </a:lnSpc>
+            </a:pPr>
+            <a:endParaRPr lang="en-US" sz="1400" b="0" strike="noStrike" spc="-1" dirty="0">
+              <a:latin typeface="Arial"/>
+            </a:endParaRPr>
+          </a:p>
+          <a:p>
+            <a:pPr algn="r">
+              <a:lnSpc>
+                <a:spcPct val="100000"/>
+              </a:lnSpc>
+            </a:pPr>
+            <a:endParaRPr lang="en-US" sz="1400" b="0" strike="noStrike" spc="-1" dirty="0">
+              <a:latin typeface="Arial"/>
+            </a:endParaRPr>
+          </a:p>
+          <a:p>
+            <a:pPr algn="r">
+              <a:lnSpc>
+                <a:spcPct val="100000"/>
+              </a:lnSpc>
+            </a:pPr>
+            <a:r>
+              <a:rPr lang="en-US" sz="3400" spc="-1" dirty="0">
+                <a:solidFill>
+                  <a:srgbClr val="96B51A"/>
+                </a:solidFill>
+              </a:rPr>
+              <a:t>Singleton Patterns</a:t>
+            </a:r>
+          </a:p>
+        </p:txBody>
+      </p:sp>
+    </p:spTree>
+    <p:extLst>
+      <p:ext uri="{BB962C8B-B14F-4D97-AF65-F5344CB8AC3E}">
+        <p14:creationId xmlns:p14="http://schemas.microsoft.com/office/powerpoint/2010/main" val="4237332987"/>
+      </p:ext>
+    </p:extLst>
+  </p:cSld>
+  <p:clrMapOvr>
+    <a:masterClrMapping/>
+  </p:clrMapOvr>
+</p:sld>
+</file>
+
 <file path=ppt/slides/slide2.xml><?xml version="1.0" encoding="utf-8"?>
 <p:sld xmlns:a="http://schemas.openxmlformats.org/drawingml/2006/main" xmlns:r="http://schemas.openxmlformats.org/officeDocument/2006/relationships" xmlns:p="http://schemas.openxmlformats.org/presentationml/2006/main">
   <p:cSld>
@@ -7152,6 +7282,891 @@
         </p:spPr>
       </p:pic>
     </p:spTree>
+  </p:cSld>
+  <p:clrMapOvr>
+    <a:masterClrMapping/>
+  </p:clrMapOvr>
+</p:sld>
+</file>
+
+<file path=ppt/slides/slide20.xml><?xml version="1.0" encoding="utf-8"?>
+<p:sld xmlns:a="http://schemas.openxmlformats.org/drawingml/2006/main" xmlns:r="http://schemas.openxmlformats.org/officeDocument/2006/relationships" xmlns:p="http://schemas.openxmlformats.org/presentationml/2006/main">
+  <p:cSld>
+    <p:bg>
+      <p:bgPr>
+        <a:solidFill>
+          <a:srgbClr val="000000"/>
+        </a:solidFill>
+        <a:effectLst/>
+      </p:bgPr>
+    </p:bg>
+    <p:spTree>
+      <p:nvGrpSpPr>
+        <p:cNvPr id="1" name=""/>
+        <p:cNvGrpSpPr/>
+        <p:nvPr/>
+      </p:nvGrpSpPr>
+      <p:grpSpPr>
+        <a:xfrm>
+          <a:off x="0" y="0"/>
+          <a:ext cx="0" cy="0"/>
+          <a:chOff x="0" y="0"/>
+          <a:chExt cx="0" cy="0"/>
+        </a:xfrm>
+      </p:grpSpPr>
+      <p:sp>
+        <p:nvSpPr>
+          <p:cNvPr id="161" name="CustomShape 1"/>
+          <p:cNvSpPr/>
+          <p:nvPr/>
+        </p:nvSpPr>
+        <p:spPr>
+          <a:xfrm>
+            <a:off x="4148417" y="1257120"/>
+            <a:ext cx="4774680" cy="2949120"/>
+          </a:xfrm>
+          <a:prstGeom prst="rect">
+            <a:avLst/>
+          </a:prstGeom>
+          <a:noFill/>
+          <a:ln>
+            <a:noFill/>
+          </a:ln>
+        </p:spPr>
+        <p:style>
+          <a:lnRef idx="0">
+            <a:scrgbClr r="0" g="0" b="0"/>
+          </a:lnRef>
+          <a:fillRef idx="0">
+            <a:scrgbClr r="0" g="0" b="0"/>
+          </a:fillRef>
+          <a:effectRef idx="0">
+            <a:scrgbClr r="0" g="0" b="0"/>
+          </a:effectRef>
+          <a:fontRef idx="minor"/>
+        </p:style>
+      </p:sp>
+      <p:sp>
+        <p:nvSpPr>
+          <p:cNvPr id="162" name="CustomShape 2"/>
+          <p:cNvSpPr/>
+          <p:nvPr/>
+        </p:nvSpPr>
+        <p:spPr>
+          <a:xfrm>
+            <a:off x="0" y="5118480"/>
+            <a:ext cx="9143640" cy="33120"/>
+          </a:xfrm>
+          <a:prstGeom prst="rect">
+            <a:avLst/>
+          </a:prstGeom>
+          <a:solidFill>
+            <a:srgbClr val="C1D82F"/>
+          </a:solidFill>
+          <a:ln>
+            <a:noFill/>
+          </a:ln>
+        </p:spPr>
+        <p:style>
+          <a:lnRef idx="0">
+            <a:scrgbClr r="0" g="0" b="0"/>
+          </a:lnRef>
+          <a:fillRef idx="0">
+            <a:scrgbClr r="0" g="0" b="0"/>
+          </a:fillRef>
+          <a:effectRef idx="0">
+            <a:scrgbClr r="0" g="0" b="0"/>
+          </a:effectRef>
+          <a:fontRef idx="minor"/>
+        </p:style>
+      </p:sp>
+      <p:sp>
+        <p:nvSpPr>
+          <p:cNvPr id="163" name="CustomShape 3"/>
+          <p:cNvSpPr/>
+          <p:nvPr/>
+        </p:nvSpPr>
+        <p:spPr>
+          <a:xfrm>
+            <a:off x="0" y="216360"/>
+            <a:ext cx="9143640" cy="552240"/>
+          </a:xfrm>
+          <a:prstGeom prst="rect">
+            <a:avLst/>
+          </a:prstGeom>
+          <a:noFill/>
+          <a:ln>
+            <a:noFill/>
+          </a:ln>
+        </p:spPr>
+        <p:style>
+          <a:lnRef idx="0">
+            <a:scrgbClr r="0" g="0" b="0"/>
+          </a:lnRef>
+          <a:fillRef idx="0">
+            <a:scrgbClr r="0" g="0" b="0"/>
+          </a:fillRef>
+          <a:effectRef idx="0">
+            <a:scrgbClr r="0" g="0" b="0"/>
+          </a:effectRef>
+          <a:fontRef idx="minor"/>
+        </p:style>
+        <p:txBody>
+          <a:bodyPr tIns="91440" bIns="91440">
+            <a:noAutofit/>
+          </a:bodyPr>
+          <a:lstStyle/>
+          <a:p>
+            <a:pPr algn="ctr">
+              <a:lnSpc>
+                <a:spcPct val="100000"/>
+              </a:lnSpc>
+            </a:pPr>
+            <a:r>
+              <a:rPr lang="en-US" sz="2400" dirty="0">
+                <a:solidFill>
+                  <a:srgbClr val="96B51A"/>
+                </a:solidFill>
+                <a:cs typeface="Arial" panose="020B0604020202020204"/>
+              </a:rPr>
+              <a:t>Singleton</a:t>
+            </a:r>
+          </a:p>
+        </p:txBody>
+      </p:sp>
+      <p:pic>
+        <p:nvPicPr>
+          <p:cNvPr id="1026" name="Picture 2" descr="Resultado de imagen para class diagram singleton">
+            <a:extLst>
+              <a:ext uri="{FF2B5EF4-FFF2-40B4-BE49-F238E27FC236}">
+                <a16:creationId xmlns:a16="http://schemas.microsoft.com/office/drawing/2014/main" id="{B407673B-35C8-478A-9CA0-0C2569C2DC49}"/>
+              </a:ext>
+            </a:extLst>
+          </p:cNvPr>
+          <p:cNvPicPr>
+            <a:picLocks noChangeAspect="1" noChangeArrowheads="1"/>
+          </p:cNvPicPr>
+          <p:nvPr/>
+        </p:nvPicPr>
+        <p:blipFill>
+          <a:blip r:embed="rId2">
+            <a:extLst>
+              <a:ext uri="{28A0092B-C50C-407E-A947-70E740481C1C}">
+                <a14:useLocalDpi xmlns:a14="http://schemas.microsoft.com/office/drawing/2010/main" val="0"/>
+              </a:ext>
+            </a:extLst>
+          </a:blip>
+          <a:srcRect/>
+          <a:stretch>
+            <a:fillRect/>
+          </a:stretch>
+        </p:blipFill>
+        <p:spPr bwMode="auto">
+          <a:xfrm>
+            <a:off x="4571820" y="1257120"/>
+            <a:ext cx="3738471" cy="2803853"/>
+          </a:xfrm>
+          <a:prstGeom prst="rect">
+            <a:avLst/>
+          </a:prstGeom>
+          <a:extLst>
+            <a:ext uri="{909E8E84-426E-40DD-AFC4-6F175D3DCCD1}">
+              <a14:hiddenFill xmlns:a14="http://schemas.microsoft.com/office/drawing/2010/main">
+                <a:solidFill>
+                  <a:srgbClr val="FFFFFF"/>
+                </a:solidFill>
+              </a14:hiddenFill>
+            </a:ext>
+          </a:extLst>
+        </p:spPr>
+        <p:style>
+          <a:lnRef idx="2">
+            <a:schemeClr val="accent3"/>
+          </a:lnRef>
+          <a:fillRef idx="1">
+            <a:schemeClr val="lt1"/>
+          </a:fillRef>
+          <a:effectRef idx="0">
+            <a:schemeClr val="accent3"/>
+          </a:effectRef>
+          <a:fontRef idx="minor">
+            <a:schemeClr val="dk1"/>
+          </a:fontRef>
+        </p:style>
+      </p:pic>
+      <p:sp>
+        <p:nvSpPr>
+          <p:cNvPr id="2" name="Rectangle 1">
+            <a:extLst>
+              <a:ext uri="{FF2B5EF4-FFF2-40B4-BE49-F238E27FC236}">
+                <a16:creationId xmlns:a16="http://schemas.microsoft.com/office/drawing/2014/main" id="{F404DF54-EEB0-4040-B37C-2D9D0F0CDD45}"/>
+              </a:ext>
+            </a:extLst>
+          </p:cNvPr>
+          <p:cNvSpPr/>
+          <p:nvPr/>
+        </p:nvSpPr>
+        <p:spPr>
+          <a:xfrm>
+            <a:off x="441297" y="2200660"/>
+            <a:ext cx="3301364" cy="738664"/>
+          </a:xfrm>
+          <a:prstGeom prst="rect">
+            <a:avLst/>
+          </a:prstGeom>
+        </p:spPr>
+        <p:txBody>
+          <a:bodyPr wrap="square">
+            <a:spAutoFit/>
+          </a:bodyPr>
+          <a:lstStyle/>
+          <a:p>
+            <a:pPr algn="just"/>
+            <a:r>
+              <a:rPr lang="es-CO" sz="1400" dirty="0" err="1">
+                <a:solidFill>
+                  <a:schemeClr val="bg1"/>
+                </a:solidFill>
+              </a:rPr>
+              <a:t>Restricts</a:t>
+            </a:r>
+            <a:r>
+              <a:rPr lang="es-CO" sz="1400" dirty="0">
+                <a:solidFill>
+                  <a:schemeClr val="bg1"/>
+                </a:solidFill>
+              </a:rPr>
+              <a:t> </a:t>
+            </a:r>
+            <a:r>
+              <a:rPr lang="es-CO" sz="1400" dirty="0" err="1">
+                <a:solidFill>
+                  <a:schemeClr val="bg1"/>
+                </a:solidFill>
+              </a:rPr>
+              <a:t>instantiation</a:t>
+            </a:r>
+            <a:r>
+              <a:rPr lang="es-CO" sz="1400" dirty="0">
+                <a:solidFill>
+                  <a:schemeClr val="bg1"/>
+                </a:solidFill>
+              </a:rPr>
+              <a:t> </a:t>
+            </a:r>
+            <a:r>
+              <a:rPr lang="es-CO" sz="1400" dirty="0" err="1">
+                <a:solidFill>
+                  <a:schemeClr val="bg1"/>
+                </a:solidFill>
+              </a:rPr>
+              <a:t>of</a:t>
+            </a:r>
+            <a:r>
+              <a:rPr lang="es-CO" sz="1400" dirty="0">
+                <a:solidFill>
+                  <a:schemeClr val="bg1"/>
+                </a:solidFill>
+              </a:rPr>
+              <a:t> a </a:t>
+            </a:r>
+            <a:r>
+              <a:rPr lang="es-CO" sz="1400" dirty="0" err="1">
+                <a:solidFill>
+                  <a:schemeClr val="bg1"/>
+                </a:solidFill>
+              </a:rPr>
+              <a:t>class</a:t>
+            </a:r>
+            <a:r>
+              <a:rPr lang="es-CO" sz="1400" dirty="0">
+                <a:solidFill>
+                  <a:schemeClr val="bg1"/>
+                </a:solidFill>
+              </a:rPr>
+              <a:t> so </a:t>
+            </a:r>
+            <a:r>
+              <a:rPr lang="es-CO" sz="1400" dirty="0" err="1">
+                <a:solidFill>
+                  <a:schemeClr val="bg1"/>
+                </a:solidFill>
+              </a:rPr>
+              <a:t>that</a:t>
+            </a:r>
+            <a:r>
+              <a:rPr lang="es-CO" sz="1400" dirty="0">
+                <a:solidFill>
+                  <a:schemeClr val="bg1"/>
+                </a:solidFill>
+              </a:rPr>
+              <a:t> </a:t>
+            </a:r>
+            <a:r>
+              <a:rPr lang="es-CO" sz="1400" dirty="0" err="1">
+                <a:solidFill>
+                  <a:schemeClr val="bg1"/>
+                </a:solidFill>
+              </a:rPr>
+              <a:t>it</a:t>
+            </a:r>
+            <a:r>
+              <a:rPr lang="es-CO" sz="1400" dirty="0">
+                <a:solidFill>
+                  <a:schemeClr val="bg1"/>
+                </a:solidFill>
+              </a:rPr>
+              <a:t> </a:t>
+            </a:r>
+            <a:r>
+              <a:rPr lang="es-CO" sz="1400" dirty="0" err="1">
+                <a:solidFill>
+                  <a:schemeClr val="bg1"/>
+                </a:solidFill>
+              </a:rPr>
+              <a:t>only</a:t>
+            </a:r>
+            <a:r>
+              <a:rPr lang="es-CO" sz="1400" dirty="0">
+                <a:solidFill>
+                  <a:schemeClr val="bg1"/>
+                </a:solidFill>
+              </a:rPr>
+              <a:t> </a:t>
+            </a:r>
+            <a:r>
+              <a:rPr lang="es-CO" sz="1400" dirty="0" err="1">
+                <a:solidFill>
+                  <a:schemeClr val="bg1"/>
+                </a:solidFill>
+              </a:rPr>
+              <a:t>creates</a:t>
+            </a:r>
+            <a:r>
+              <a:rPr lang="es-CO" sz="1400" dirty="0">
+                <a:solidFill>
+                  <a:schemeClr val="bg1"/>
+                </a:solidFill>
+              </a:rPr>
+              <a:t> </a:t>
+            </a:r>
+            <a:r>
+              <a:rPr lang="es-CO" sz="1400" dirty="0" err="1">
+                <a:solidFill>
+                  <a:schemeClr val="bg1"/>
+                </a:solidFill>
+              </a:rPr>
+              <a:t>one</a:t>
+            </a:r>
+            <a:r>
+              <a:rPr lang="es-CO" sz="1400" dirty="0">
+                <a:solidFill>
+                  <a:schemeClr val="bg1"/>
+                </a:solidFill>
+              </a:rPr>
+              <a:t> </a:t>
+            </a:r>
+            <a:r>
+              <a:rPr lang="es-CO" sz="1400" dirty="0" err="1">
+                <a:solidFill>
+                  <a:schemeClr val="bg1"/>
+                </a:solidFill>
+              </a:rPr>
+              <a:t>instance</a:t>
+            </a:r>
+            <a:r>
+              <a:rPr lang="es-CO" sz="1400" dirty="0">
+                <a:solidFill>
+                  <a:schemeClr val="bg1"/>
+                </a:solidFill>
+              </a:rPr>
+              <a:t> </a:t>
+            </a:r>
+            <a:r>
+              <a:rPr lang="es-CO" sz="1400" dirty="0" err="1">
+                <a:solidFill>
+                  <a:schemeClr val="bg1"/>
+                </a:solidFill>
+              </a:rPr>
+              <a:t>of</a:t>
+            </a:r>
+            <a:r>
+              <a:rPr lang="es-CO" sz="1400" dirty="0">
+                <a:solidFill>
+                  <a:schemeClr val="bg1"/>
+                </a:solidFill>
+              </a:rPr>
+              <a:t> </a:t>
+            </a:r>
+            <a:r>
+              <a:rPr lang="es-CO" sz="1400" dirty="0" err="1">
+                <a:solidFill>
+                  <a:schemeClr val="bg1"/>
+                </a:solidFill>
+              </a:rPr>
+              <a:t>the</a:t>
+            </a:r>
+            <a:r>
+              <a:rPr lang="es-CO" sz="1400" dirty="0">
+                <a:solidFill>
+                  <a:schemeClr val="bg1"/>
+                </a:solidFill>
+              </a:rPr>
+              <a:t> </a:t>
+            </a:r>
+            <a:r>
+              <a:rPr lang="es-CO" sz="1400" dirty="0" err="1">
+                <a:solidFill>
+                  <a:schemeClr val="bg1"/>
+                </a:solidFill>
+              </a:rPr>
+              <a:t>class</a:t>
+            </a:r>
+            <a:r>
+              <a:rPr lang="es-CO" sz="1400" dirty="0">
+                <a:solidFill>
+                  <a:schemeClr val="bg1"/>
+                </a:solidFill>
+              </a:rPr>
+              <a:t> </a:t>
+            </a:r>
+            <a:r>
+              <a:rPr lang="es-CO" sz="1400" dirty="0" err="1">
+                <a:solidFill>
+                  <a:schemeClr val="bg1"/>
+                </a:solidFill>
+              </a:rPr>
+              <a:t>that</a:t>
+            </a:r>
+            <a:r>
+              <a:rPr lang="es-CO" sz="1400" dirty="0">
+                <a:solidFill>
+                  <a:schemeClr val="bg1"/>
+                </a:solidFill>
+              </a:rPr>
+              <a:t> </a:t>
+            </a:r>
+            <a:r>
+              <a:rPr lang="es-CO" sz="1400" dirty="0" err="1">
+                <a:solidFill>
+                  <a:schemeClr val="bg1"/>
+                </a:solidFill>
+              </a:rPr>
+              <a:t>implements</a:t>
+            </a:r>
+            <a:r>
+              <a:rPr lang="es-CO" sz="1400" dirty="0">
+                <a:solidFill>
+                  <a:schemeClr val="bg1"/>
+                </a:solidFill>
+              </a:rPr>
+              <a:t> </a:t>
+            </a:r>
+            <a:r>
+              <a:rPr lang="es-CO" sz="1400" dirty="0" err="1">
+                <a:solidFill>
+                  <a:schemeClr val="bg1"/>
+                </a:solidFill>
+              </a:rPr>
+              <a:t>it</a:t>
+            </a:r>
+            <a:r>
+              <a:rPr lang="es-CO" sz="1400" dirty="0">
+                <a:solidFill>
+                  <a:schemeClr val="bg1"/>
+                </a:solidFill>
+              </a:rPr>
+              <a:t>.</a:t>
+            </a:r>
+          </a:p>
+        </p:txBody>
+      </p:sp>
+    </p:spTree>
+    <p:extLst>
+      <p:ext uri="{BB962C8B-B14F-4D97-AF65-F5344CB8AC3E}">
+        <p14:creationId xmlns:p14="http://schemas.microsoft.com/office/powerpoint/2010/main" val="2931332537"/>
+      </p:ext>
+    </p:extLst>
+  </p:cSld>
+  <p:clrMapOvr>
+    <a:masterClrMapping/>
+  </p:clrMapOvr>
+</p:sld>
+</file>
+
+<file path=ppt/slides/slide21.xml><?xml version="1.0" encoding="utf-8"?>
+<p:sld xmlns:a="http://schemas.openxmlformats.org/drawingml/2006/main" xmlns:r="http://schemas.openxmlformats.org/officeDocument/2006/relationships" xmlns:p="http://schemas.openxmlformats.org/presentationml/2006/main">
+  <p:cSld>
+    <p:spTree>
+      <p:nvGrpSpPr>
+        <p:cNvPr id="1" name=""/>
+        <p:cNvGrpSpPr/>
+        <p:nvPr/>
+      </p:nvGrpSpPr>
+      <p:grpSpPr>
+        <a:xfrm>
+          <a:off x="0" y="0"/>
+          <a:ext cx="0" cy="0"/>
+          <a:chOff x="0" y="0"/>
+          <a:chExt cx="0" cy="0"/>
+        </a:xfrm>
+      </p:grpSpPr>
+      <p:pic>
+        <p:nvPicPr>
+          <p:cNvPr id="147" name="Google Shape;111;p27"/>
+          <p:cNvPicPr/>
+          <p:nvPr/>
+        </p:nvPicPr>
+        <p:blipFill>
+          <a:blip r:embed="rId2"/>
+          <a:stretch/>
+        </p:blipFill>
+        <p:spPr>
+          <a:xfrm>
+            <a:off x="0" y="0"/>
+            <a:ext cx="9143640" cy="5143320"/>
+          </a:xfrm>
+          <a:prstGeom prst="rect">
+            <a:avLst/>
+          </a:prstGeom>
+          <a:ln>
+            <a:noFill/>
+          </a:ln>
+        </p:spPr>
+      </p:pic>
+      <p:sp>
+        <p:nvSpPr>
+          <p:cNvPr id="148" name="CustomShape 1"/>
+          <p:cNvSpPr/>
+          <p:nvPr/>
+        </p:nvSpPr>
+        <p:spPr>
+          <a:xfrm>
+            <a:off x="3593804" y="1252080"/>
+            <a:ext cx="5268315" cy="2639520"/>
+          </a:xfrm>
+          <a:prstGeom prst="rect">
+            <a:avLst/>
+          </a:prstGeom>
+          <a:noFill/>
+          <a:ln>
+            <a:noFill/>
+          </a:ln>
+        </p:spPr>
+        <p:style>
+          <a:lnRef idx="0">
+            <a:scrgbClr r="0" g="0" b="0"/>
+          </a:lnRef>
+          <a:fillRef idx="0">
+            <a:scrgbClr r="0" g="0" b="0"/>
+          </a:fillRef>
+          <a:effectRef idx="0">
+            <a:scrgbClr r="0" g="0" b="0"/>
+          </a:effectRef>
+          <a:fontRef idx="minor"/>
+        </p:style>
+        <p:txBody>
+          <a:bodyPr tIns="91440" bIns="91440">
+            <a:noAutofit/>
+          </a:bodyPr>
+          <a:lstStyle/>
+          <a:p>
+            <a:pPr algn="r">
+              <a:lnSpc>
+                <a:spcPct val="100000"/>
+              </a:lnSpc>
+            </a:pPr>
+            <a:endParaRPr lang="en-US" sz="1400" b="0" strike="noStrike" spc="-1" dirty="0">
+              <a:latin typeface="Arial"/>
+            </a:endParaRPr>
+          </a:p>
+          <a:p>
+            <a:pPr algn="r">
+              <a:lnSpc>
+                <a:spcPct val="100000"/>
+              </a:lnSpc>
+            </a:pPr>
+            <a:endParaRPr lang="en-US" sz="1400" b="0" strike="noStrike" spc="-1" dirty="0">
+              <a:latin typeface="Arial"/>
+            </a:endParaRPr>
+          </a:p>
+          <a:p>
+            <a:pPr algn="r">
+              <a:lnSpc>
+                <a:spcPct val="100000"/>
+              </a:lnSpc>
+            </a:pPr>
+            <a:r>
+              <a:rPr lang="en-US" sz="3400" spc="-1" dirty="0">
+                <a:solidFill>
+                  <a:srgbClr val="96B51A"/>
+                </a:solidFill>
+              </a:rPr>
+              <a:t>CONCLUSIONS</a:t>
+            </a:r>
+          </a:p>
+        </p:txBody>
+      </p:sp>
+    </p:spTree>
+    <p:extLst>
+      <p:ext uri="{BB962C8B-B14F-4D97-AF65-F5344CB8AC3E}">
+        <p14:creationId xmlns:p14="http://schemas.microsoft.com/office/powerpoint/2010/main" val="2611143009"/>
+      </p:ext>
+    </p:extLst>
+  </p:cSld>
+  <p:clrMapOvr>
+    <a:masterClrMapping/>
+  </p:clrMapOvr>
+</p:sld>
+</file>
+
+<file path=ppt/slides/slide22.xml><?xml version="1.0" encoding="utf-8"?>
+<p:sld xmlns:a="http://schemas.openxmlformats.org/drawingml/2006/main" xmlns:r="http://schemas.openxmlformats.org/officeDocument/2006/relationships" xmlns:p="http://schemas.openxmlformats.org/presentationml/2006/main">
+  <p:cSld>
+    <p:bg>
+      <p:bgPr>
+        <a:solidFill>
+          <a:srgbClr val="000000"/>
+        </a:solidFill>
+        <a:effectLst/>
+      </p:bgPr>
+    </p:bg>
+    <p:spTree>
+      <p:nvGrpSpPr>
+        <p:cNvPr id="1" name=""/>
+        <p:cNvGrpSpPr/>
+        <p:nvPr/>
+      </p:nvGrpSpPr>
+      <p:grpSpPr>
+        <a:xfrm>
+          <a:off x="0" y="0"/>
+          <a:ext cx="0" cy="0"/>
+          <a:chOff x="0" y="0"/>
+          <a:chExt cx="0" cy="0"/>
+        </a:xfrm>
+      </p:grpSpPr>
+      <p:sp>
+        <p:nvSpPr>
+          <p:cNvPr id="161" name="CustomShape 1"/>
+          <p:cNvSpPr/>
+          <p:nvPr/>
+        </p:nvSpPr>
+        <p:spPr>
+          <a:xfrm>
+            <a:off x="4114800" y="1257120"/>
+            <a:ext cx="4774680" cy="2949120"/>
+          </a:xfrm>
+          <a:prstGeom prst="rect">
+            <a:avLst/>
+          </a:prstGeom>
+          <a:noFill/>
+          <a:ln>
+            <a:noFill/>
+          </a:ln>
+        </p:spPr>
+        <p:style>
+          <a:lnRef idx="0">
+            <a:scrgbClr r="0" g="0" b="0"/>
+          </a:lnRef>
+          <a:fillRef idx="0">
+            <a:scrgbClr r="0" g="0" b="0"/>
+          </a:fillRef>
+          <a:effectRef idx="0">
+            <a:scrgbClr r="0" g="0" b="0"/>
+          </a:effectRef>
+          <a:fontRef idx="minor"/>
+        </p:style>
+      </p:sp>
+      <p:sp>
+        <p:nvSpPr>
+          <p:cNvPr id="162" name="CustomShape 2"/>
+          <p:cNvSpPr/>
+          <p:nvPr/>
+        </p:nvSpPr>
+        <p:spPr>
+          <a:xfrm>
+            <a:off x="0" y="5118480"/>
+            <a:ext cx="9143640" cy="33120"/>
+          </a:xfrm>
+          <a:prstGeom prst="rect">
+            <a:avLst/>
+          </a:prstGeom>
+          <a:solidFill>
+            <a:srgbClr val="C1D82F"/>
+          </a:solidFill>
+          <a:ln>
+            <a:noFill/>
+          </a:ln>
+        </p:spPr>
+        <p:style>
+          <a:lnRef idx="0">
+            <a:scrgbClr r="0" g="0" b="0"/>
+          </a:lnRef>
+          <a:fillRef idx="0">
+            <a:scrgbClr r="0" g="0" b="0"/>
+          </a:fillRef>
+          <a:effectRef idx="0">
+            <a:scrgbClr r="0" g="0" b="0"/>
+          </a:effectRef>
+          <a:fontRef idx="minor"/>
+        </p:style>
+      </p:sp>
+      <p:sp>
+        <p:nvSpPr>
+          <p:cNvPr id="163" name="CustomShape 3"/>
+          <p:cNvSpPr/>
+          <p:nvPr/>
+        </p:nvSpPr>
+        <p:spPr>
+          <a:xfrm>
+            <a:off x="0" y="216360"/>
+            <a:ext cx="9143640" cy="552240"/>
+          </a:xfrm>
+          <a:prstGeom prst="rect">
+            <a:avLst/>
+          </a:prstGeom>
+          <a:noFill/>
+          <a:ln>
+            <a:noFill/>
+          </a:ln>
+        </p:spPr>
+        <p:style>
+          <a:lnRef idx="0">
+            <a:scrgbClr r="0" g="0" b="0"/>
+          </a:lnRef>
+          <a:fillRef idx="0">
+            <a:scrgbClr r="0" g="0" b="0"/>
+          </a:fillRef>
+          <a:effectRef idx="0">
+            <a:scrgbClr r="0" g="0" b="0"/>
+          </a:effectRef>
+          <a:fontRef idx="minor"/>
+        </p:style>
+        <p:txBody>
+          <a:bodyPr tIns="91440" bIns="91440">
+            <a:noAutofit/>
+          </a:bodyPr>
+          <a:lstStyle/>
+          <a:p>
+            <a:pPr algn="ctr">
+              <a:lnSpc>
+                <a:spcPct val="100000"/>
+              </a:lnSpc>
+            </a:pPr>
+            <a:endParaRPr lang="en-US" sz="2400" dirty="0">
+              <a:solidFill>
+                <a:srgbClr val="96B51A"/>
+              </a:solidFill>
+              <a:cs typeface="Arial" panose="020B0604020202020204"/>
+            </a:endParaRPr>
+          </a:p>
+        </p:txBody>
+      </p:sp>
+      <p:sp>
+        <p:nvSpPr>
+          <p:cNvPr id="2" name="TextBox 1">
+            <a:extLst>
+              <a:ext uri="{FF2B5EF4-FFF2-40B4-BE49-F238E27FC236}">
+                <a16:creationId xmlns:a16="http://schemas.microsoft.com/office/drawing/2014/main" id="{AA0A5C92-09F4-49B1-8318-95D3B3487FE8}"/>
+              </a:ext>
+            </a:extLst>
+          </p:cNvPr>
+          <p:cNvSpPr txBox="1"/>
+          <p:nvPr/>
+        </p:nvSpPr>
+        <p:spPr>
+          <a:xfrm>
+            <a:off x="600409" y="1096748"/>
+            <a:ext cx="7028782" cy="2031325"/>
+          </a:xfrm>
+          <a:prstGeom prst="rect">
+            <a:avLst/>
+          </a:prstGeom>
+          <a:noFill/>
+        </p:spPr>
+        <p:txBody>
+          <a:bodyPr wrap="square" rtlCol="0">
+            <a:spAutoFit/>
+          </a:bodyPr>
+          <a:lstStyle/>
+          <a:p>
+            <a:pPr marL="285750" indent="-285750" algn="just">
+              <a:buFont typeface="Arial" panose="020B0604020202020204" pitchFamily="34" charset="0"/>
+              <a:buChar char="•"/>
+            </a:pPr>
+            <a:r>
+              <a:rPr lang="en-US" dirty="0">
+                <a:solidFill>
+                  <a:schemeClr val="bg1"/>
+                </a:solidFill>
+              </a:rPr>
+              <a:t>Patterns and SOLID principles are focused on high cohesion and low coupling</a:t>
+            </a:r>
+          </a:p>
+          <a:p>
+            <a:pPr marL="285750" indent="-285750" algn="just">
+              <a:buFont typeface="Arial" panose="020B0604020202020204" pitchFamily="34" charset="0"/>
+              <a:buChar char="•"/>
+            </a:pPr>
+            <a:r>
+              <a:rPr lang="en-US" dirty="0">
+                <a:solidFill>
+                  <a:schemeClr val="bg1"/>
+                </a:solidFill>
+              </a:rPr>
+              <a:t>Increase maintainability and quality code</a:t>
+            </a:r>
+          </a:p>
+          <a:p>
+            <a:pPr marL="285750" indent="-285750" algn="just">
+              <a:buFont typeface="Arial" panose="020B0604020202020204" pitchFamily="34" charset="0"/>
+              <a:buChar char="•"/>
+            </a:pPr>
+            <a:r>
+              <a:rPr lang="en-US" dirty="0">
+                <a:solidFill>
+                  <a:schemeClr val="bg1"/>
+                </a:solidFill>
+              </a:rPr>
+              <a:t>You'll better developer</a:t>
+            </a:r>
+          </a:p>
+          <a:p>
+            <a:pPr marL="285750" indent="-285750" algn="just">
+              <a:buFont typeface="Arial" panose="020B0604020202020204" pitchFamily="34" charset="0"/>
+              <a:buChar char="•"/>
+            </a:pPr>
+            <a:r>
+              <a:rPr lang="en-US" dirty="0">
+                <a:solidFill>
+                  <a:schemeClr val="bg1"/>
+                </a:solidFill>
+              </a:rPr>
+              <a:t>Create code that can be use by more than one module (avoid duplicate code)</a:t>
+            </a:r>
+          </a:p>
+          <a:p>
+            <a:pPr marL="285750" indent="-285750" algn="just">
+              <a:buFont typeface="Arial" panose="020B0604020202020204" pitchFamily="34" charset="0"/>
+              <a:buChar char="•"/>
+            </a:pPr>
+            <a:r>
+              <a:rPr lang="en-US" dirty="0">
+                <a:solidFill>
+                  <a:schemeClr val="bg1"/>
+                </a:solidFill>
+              </a:rPr>
+              <a:t>Patterns solve common problems</a:t>
+            </a:r>
+          </a:p>
+        </p:txBody>
+      </p:sp>
+    </p:spTree>
+    <p:extLst>
+      <p:ext uri="{BB962C8B-B14F-4D97-AF65-F5344CB8AC3E}">
+        <p14:creationId xmlns:p14="http://schemas.microsoft.com/office/powerpoint/2010/main" val="528044283"/>
+      </p:ext>
+    </p:extLst>
   </p:cSld>
   <p:clrMapOvr>
     <a:masterClrMapping/>
@@ -7315,7 +8330,7 @@
         </p:blipFill>
         <p:spPr>
           <a:xfrm>
-            <a:off x="3422592" y="736833"/>
+            <a:off x="3124881" y="683670"/>
             <a:ext cx="5258704" cy="3499712"/>
           </a:xfrm>
           <a:prstGeom prst="rect">

--- a/Design Patterns/Design Patterns.pptx
+++ b/Design Patterns/Design Patterns.pptx
@@ -19,15 +19,18 @@
     <p:sldId id="277" r:id="rId13"/>
     <p:sldId id="283" r:id="rId14"/>
     <p:sldId id="285" r:id="rId15"/>
-    <p:sldId id="286" r:id="rId16"/>
-    <p:sldId id="292" r:id="rId17"/>
-    <p:sldId id="291" r:id="rId18"/>
+    <p:sldId id="291" r:id="rId16"/>
+    <p:sldId id="286" r:id="rId17"/>
+    <p:sldId id="292" r:id="rId18"/>
     <p:sldId id="288" r:id="rId19"/>
     <p:sldId id="290" r:id="rId20"/>
     <p:sldId id="296" r:id="rId21"/>
     <p:sldId id="297" r:id="rId22"/>
-    <p:sldId id="294" r:id="rId23"/>
-    <p:sldId id="295" r:id="rId24"/>
+    <p:sldId id="299" r:id="rId23"/>
+    <p:sldId id="300" r:id="rId24"/>
+    <p:sldId id="301" r:id="rId25"/>
+    <p:sldId id="294" r:id="rId26"/>
+    <p:sldId id="295" r:id="rId27"/>
   </p:sldIdLst>
   <p:sldSz cx="9144000" cy="5143500" type="screen16x9"/>
   <p:notesSz cx="6858000" cy="9144000"/>
@@ -5178,23 +5181,7 @@
                   <a:srgbClr val="96B51A"/>
                 </a:solidFill>
               </a:rPr>
-              <a:t>Chain of </a:t>
-            </a:r>
-            <a:r>
-              <a:rPr lang="en-US" sz="3400" spc="-1" dirty="0" err="1">
-                <a:solidFill>
-                  <a:srgbClr val="96B51A"/>
-                </a:solidFill>
-              </a:rPr>
-              <a:t>Responsability</a:t>
-            </a:r>
-            <a:r>
-              <a:rPr lang="en-US" sz="3400" spc="-1" dirty="0">
-                <a:solidFill>
-                  <a:srgbClr val="96B51A"/>
-                </a:solidFill>
-              </a:rPr>
-              <a:t> Pattern</a:t>
+              <a:t>Chain of Responsibility Pattern</a:t>
             </a:r>
           </a:p>
         </p:txBody>
@@ -5659,7 +5646,7 @@
                 </a:solidFill>
                 <a:cs typeface="Arial" panose="020B0604020202020204"/>
               </a:rPr>
-              <a:t>Advantage / Disadvantage</a:t>
+              <a:t>When to use it? </a:t>
             </a:r>
           </a:p>
         </p:txBody>
@@ -5669,7 +5656,7 @@
           <p:cNvPr id="2" name="TextBox 1">
             <a:extLst>
               <a:ext uri="{FF2B5EF4-FFF2-40B4-BE49-F238E27FC236}">
-                <a16:creationId xmlns:a16="http://schemas.microsoft.com/office/drawing/2014/main" id="{8B1319CA-707D-4666-A070-B3803D5C1BAF}"/>
+                <a16:creationId xmlns:a16="http://schemas.microsoft.com/office/drawing/2014/main" id="{AA0A5C92-09F4-49B1-8318-95D3B3487FE8}"/>
               </a:ext>
             </a:extLst>
           </p:cNvPr>
@@ -5678,8 +5665,8 @@
         </p:nvSpPr>
         <p:spPr>
           <a:xfrm>
-            <a:off x="405635" y="1149724"/>
-            <a:ext cx="6579956" cy="2739211"/>
+            <a:off x="254520" y="1048372"/>
+            <a:ext cx="5869833" cy="2677656"/>
           </a:xfrm>
           <a:prstGeom prst="rect">
             <a:avLst/>
@@ -5692,18 +5679,24 @@
           </a:bodyPr>
           <a:lstStyle/>
           <a:p>
-            <a:pPr algn="just"/>
+            <a:pPr marL="285750" indent="-285750" algn="just">
+              <a:buFont typeface="Arial" panose="020B0604020202020204" pitchFamily="34" charset="0"/>
+              <a:buChar char="•"/>
+            </a:pPr>
             <a:r>
               <a:rPr lang="en-US" sz="1400" dirty="0">
                 <a:solidFill>
                   <a:schemeClr val="bg1"/>
                 </a:solidFill>
               </a:rPr>
-              <a:t>Advantage:</a:t>
-            </a:r>
-          </a:p>
-          <a:p>
-            <a:pPr algn="just"/>
+              <a:t>Decouple a request’s sender and receiver </a:t>
+            </a:r>
+          </a:p>
+          <a:p>
+            <a:pPr marL="285750" indent="-285750" algn="just">
+              <a:buFont typeface="Arial" panose="020B0604020202020204" pitchFamily="34" charset="0"/>
+              <a:buChar char="•"/>
+            </a:pPr>
             <a:endParaRPr lang="en-US" sz="1400" dirty="0">
               <a:solidFill>
                 <a:schemeClr val="bg1"/>
@@ -5711,7 +5704,7 @@
             </a:endParaRPr>
           </a:p>
           <a:p>
-            <a:pPr marL="342900" indent="-342900" algn="just">
+            <a:pPr marL="285750" indent="-285750" algn="just">
               <a:buFont typeface="Arial" panose="020B0604020202020204" pitchFamily="34" charset="0"/>
               <a:buChar char="•"/>
             </a:pPr>
@@ -5721,11 +5714,11 @@
                   <a:schemeClr val="bg1"/>
                 </a:solidFill>
               </a:rPr>
-              <a:t>Reduce coupling </a:t>
-            </a:r>
-          </a:p>
-          <a:p>
-            <a:pPr marL="800100" lvl="1" indent="-342900" algn="just">
+              <a:t>Multiple objects, determined at runtime, are candidates to handle a request</a:t>
+            </a:r>
+          </a:p>
+          <a:p>
+            <a:pPr marL="742950" lvl="1" indent="-285750" algn="just">
               <a:buFont typeface="Arial" panose="020B0604020202020204" pitchFamily="34" charset="0"/>
               <a:buChar char="•"/>
             </a:pPr>
@@ -5735,11 +5728,11 @@
                   <a:schemeClr val="bg1"/>
                 </a:solidFill>
               </a:rPr>
-              <a:t>avoids attaching the sender of a request to its receiver, giving this way other objects the possibility of handling the request too.</a:t>
-            </a:r>
-          </a:p>
-          <a:p>
-            <a:pPr marL="342900" indent="-342900" algn="just">
+              <a:t>The handler is not known in advance</a:t>
+            </a:r>
+          </a:p>
+          <a:p>
+            <a:pPr marL="285750" indent="-285750" algn="just">
               <a:buFont typeface="Arial" panose="020B0604020202020204" pitchFamily="34" charset="0"/>
               <a:buChar char="•"/>
             </a:pPr>
@@ -5750,7 +5743,7 @@
             </a:endParaRPr>
           </a:p>
           <a:p>
-            <a:pPr marL="342900" indent="-342900" algn="just">
+            <a:pPr marL="285750" indent="-285750" algn="just">
               <a:buFont typeface="Arial" panose="020B0604020202020204" pitchFamily="34" charset="0"/>
               <a:buChar char="•"/>
             </a:pPr>
@@ -5760,25 +5753,11 @@
                   <a:schemeClr val="bg1"/>
                 </a:solidFill>
               </a:rPr>
-              <a:t>Object doesn’t need to know the chain structure </a:t>
-            </a:r>
-          </a:p>
-          <a:p>
-            <a:pPr marL="800100" lvl="1" indent="-342900" algn="just">
-              <a:buFont typeface="Arial" panose="020B0604020202020204" pitchFamily="34" charset="0"/>
-              <a:buChar char="•"/>
-            </a:pPr>
-            <a:r>
-              <a:rPr lang="en-US" sz="1400" dirty="0">
-                <a:solidFill>
-                  <a:schemeClr val="bg1"/>
-                </a:solidFill>
-              </a:rPr>
-              <a:t>The objects become parts of a chain and the request is sent from one object to another across the chain until one of the objects will handle it.</a:t>
-            </a:r>
-          </a:p>
-          <a:p>
-            <a:pPr marL="342900" indent="-342900" algn="just">
+              <a:t>specify handlers is not necessary </a:t>
+            </a:r>
+          </a:p>
+          <a:p>
+            <a:pPr marL="285750" indent="-285750" algn="just">
               <a:buFont typeface="Arial" panose="020B0604020202020204" pitchFamily="34" charset="0"/>
               <a:buChar char="•"/>
             </a:pPr>
@@ -5789,7 +5768,7 @@
             </a:endParaRPr>
           </a:p>
           <a:p>
-            <a:pPr marL="342900" indent="-342900" algn="just">
+            <a:pPr marL="285750" indent="-285750" algn="just">
               <a:buFont typeface="Arial" panose="020B0604020202020204" pitchFamily="34" charset="0"/>
               <a:buChar char="•"/>
             </a:pPr>
@@ -5799,26 +5778,42 @@
                   <a:schemeClr val="bg1"/>
                 </a:solidFill>
               </a:rPr>
-              <a:t>Enhance flexibility of object assigned duties (add, change or remove responsibilities throw the chain</a:t>
-            </a:r>
-            <a:r>
-              <a:rPr lang="en-US" dirty="0">
+              <a:t>The object can be handle by one or more requests </a:t>
+            </a:r>
+          </a:p>
+          <a:p>
+            <a:pPr marL="285750" indent="-285750" algn="just">
+              <a:buFont typeface="Arial" panose="020B0604020202020204" pitchFamily="34" charset="0"/>
+              <a:buChar char="•"/>
+            </a:pPr>
+            <a:endParaRPr lang="en-US" sz="1400" dirty="0">
+              <a:solidFill>
+                <a:schemeClr val="bg1"/>
+              </a:solidFill>
+            </a:endParaRPr>
+          </a:p>
+          <a:p>
+            <a:pPr marL="285750" indent="-285750" algn="just">
+              <a:buFont typeface="Arial" panose="020B0604020202020204" pitchFamily="34" charset="0"/>
+              <a:buChar char="•"/>
+            </a:pPr>
+            <a:r>
+              <a:rPr lang="en-US" sz="1400" dirty="0">
                 <a:solidFill>
                   <a:schemeClr val="bg1"/>
                 </a:solidFill>
               </a:rPr>
-              <a:t>) </a:t>
-            </a:r>
-            <a:endParaRPr lang="en-US" dirty="0"/>
+              <a:t>It’s wished that the request is addressed to a group of objects without explicitly specifying its receiver</a:t>
+            </a:r>
           </a:p>
         </p:txBody>
       </p:sp>
       <p:pic>
         <p:nvPicPr>
-          <p:cNvPr id="3080" name="Picture 8" descr="Related image">
+          <p:cNvPr id="4100" name="Picture 4" descr="Image result for homer thinking with glasses without background">
             <a:extLst>
               <a:ext uri="{FF2B5EF4-FFF2-40B4-BE49-F238E27FC236}">
-                <a16:creationId xmlns:a16="http://schemas.microsoft.com/office/drawing/2014/main" id="{7195DF56-9A98-41BE-83E1-DF60B5FDF8EC}"/>
+                <a16:creationId xmlns:a16="http://schemas.microsoft.com/office/drawing/2014/main" id="{5EC6A25D-704D-42F6-9728-C0D4D014EF54}"/>
               </a:ext>
             </a:extLst>
           </p:cNvPr>
@@ -5842,28 +5837,20 @@
         </p:blipFill>
         <p:spPr bwMode="auto">
           <a:xfrm>
-            <a:off x="7486262" y="1680840"/>
-            <a:ext cx="1252103" cy="1544276"/>
+            <a:off x="6653171" y="1559256"/>
+            <a:ext cx="1707490" cy="2024988"/>
           </a:xfrm>
           <a:prstGeom prst="rect">
             <a:avLst/>
           </a:prstGeom>
           <a:noFill/>
-          <a:extLst>
-            <a:ext uri="{909E8E84-426E-40DD-AFC4-6F175D3DCCD1}">
-              <a14:hiddenFill xmlns:a14="http://schemas.microsoft.com/office/drawing/2010/main">
-                <a:solidFill>
-                  <a:srgbClr val="FFFFFF"/>
-                </a:solidFill>
-              </a14:hiddenFill>
-            </a:ext>
-          </a:extLst>
+          <a:extLst/>
         </p:spPr>
       </p:pic>
     </p:spTree>
     <p:extLst>
       <p:ext uri="{BB962C8B-B14F-4D97-AF65-F5344CB8AC3E}">
-        <p14:creationId xmlns:p14="http://schemas.microsoft.com/office/powerpoint/2010/main" val="595242497"/>
+        <p14:creationId xmlns:p14="http://schemas.microsoft.com/office/powerpoint/2010/main" val="1440524593"/>
       </p:ext>
     </p:extLst>
   </p:cSld>
@@ -6018,12 +6005,161 @@
           </a:p>
         </p:txBody>
       </p:sp>
+      <p:sp>
+        <p:nvSpPr>
+          <p:cNvPr id="2" name="TextBox 1">
+            <a:extLst>
+              <a:ext uri="{FF2B5EF4-FFF2-40B4-BE49-F238E27FC236}">
+                <a16:creationId xmlns:a16="http://schemas.microsoft.com/office/drawing/2014/main" id="{8B1319CA-707D-4666-A070-B3803D5C1BAF}"/>
+              </a:ext>
+            </a:extLst>
+          </p:cNvPr>
+          <p:cNvSpPr txBox="1"/>
+          <p:nvPr/>
+        </p:nvSpPr>
+        <p:spPr>
+          <a:xfrm>
+            <a:off x="405635" y="1149724"/>
+            <a:ext cx="6579956" cy="2739211"/>
+          </a:xfrm>
+          <a:prstGeom prst="rect">
+            <a:avLst/>
+          </a:prstGeom>
+          <a:noFill/>
+        </p:spPr>
+        <p:txBody>
+          <a:bodyPr wrap="square" rtlCol="0">
+            <a:spAutoFit/>
+          </a:bodyPr>
+          <a:lstStyle/>
+          <a:p>
+            <a:pPr algn="just"/>
+            <a:r>
+              <a:rPr lang="en-US" sz="1400" dirty="0">
+                <a:solidFill>
+                  <a:schemeClr val="bg1"/>
+                </a:solidFill>
+              </a:rPr>
+              <a:t>Advantage:</a:t>
+            </a:r>
+          </a:p>
+          <a:p>
+            <a:pPr algn="just"/>
+            <a:endParaRPr lang="en-US" sz="1400" dirty="0">
+              <a:solidFill>
+                <a:schemeClr val="bg1"/>
+              </a:solidFill>
+            </a:endParaRPr>
+          </a:p>
+          <a:p>
+            <a:pPr marL="342900" indent="-342900" algn="just">
+              <a:buFont typeface="Arial" panose="020B0604020202020204" pitchFamily="34" charset="0"/>
+              <a:buChar char="•"/>
+            </a:pPr>
+            <a:r>
+              <a:rPr lang="en-US" sz="1400" dirty="0">
+                <a:solidFill>
+                  <a:schemeClr val="bg1"/>
+                </a:solidFill>
+              </a:rPr>
+              <a:t>Reduce coupling </a:t>
+            </a:r>
+          </a:p>
+          <a:p>
+            <a:pPr marL="800100" lvl="1" indent="-342900" algn="just">
+              <a:buFont typeface="Arial" panose="020B0604020202020204" pitchFamily="34" charset="0"/>
+              <a:buChar char="•"/>
+            </a:pPr>
+            <a:r>
+              <a:rPr lang="en-US" sz="1400" dirty="0">
+                <a:solidFill>
+                  <a:schemeClr val="bg1"/>
+                </a:solidFill>
+              </a:rPr>
+              <a:t>avoids attaching the sender of a request to its receiver, giving this way other objects the possibility of handling the request too.</a:t>
+            </a:r>
+          </a:p>
+          <a:p>
+            <a:pPr marL="342900" indent="-342900" algn="just">
+              <a:buFont typeface="Arial" panose="020B0604020202020204" pitchFamily="34" charset="0"/>
+              <a:buChar char="•"/>
+            </a:pPr>
+            <a:endParaRPr lang="en-US" sz="1400" dirty="0">
+              <a:solidFill>
+                <a:schemeClr val="bg1"/>
+              </a:solidFill>
+            </a:endParaRPr>
+          </a:p>
+          <a:p>
+            <a:pPr marL="342900" indent="-342900" algn="just">
+              <a:buFont typeface="Arial" panose="020B0604020202020204" pitchFamily="34" charset="0"/>
+              <a:buChar char="•"/>
+            </a:pPr>
+            <a:r>
+              <a:rPr lang="en-US" sz="1400" dirty="0">
+                <a:solidFill>
+                  <a:schemeClr val="bg1"/>
+                </a:solidFill>
+              </a:rPr>
+              <a:t>Object doesn’t need to know the chain structure </a:t>
+            </a:r>
+          </a:p>
+          <a:p>
+            <a:pPr marL="800100" lvl="1" indent="-342900" algn="just">
+              <a:buFont typeface="Arial" panose="020B0604020202020204" pitchFamily="34" charset="0"/>
+              <a:buChar char="•"/>
+            </a:pPr>
+            <a:r>
+              <a:rPr lang="en-US" sz="1400" dirty="0">
+                <a:solidFill>
+                  <a:schemeClr val="bg1"/>
+                </a:solidFill>
+              </a:rPr>
+              <a:t>The objects become parts of a chain and the request is sent from one object to another across the chain until one of the objects will handle it.</a:t>
+            </a:r>
+          </a:p>
+          <a:p>
+            <a:pPr marL="342900" indent="-342900" algn="just">
+              <a:buFont typeface="Arial" panose="020B0604020202020204" pitchFamily="34" charset="0"/>
+              <a:buChar char="•"/>
+            </a:pPr>
+            <a:endParaRPr lang="en-US" sz="1400" dirty="0">
+              <a:solidFill>
+                <a:schemeClr val="bg1"/>
+              </a:solidFill>
+            </a:endParaRPr>
+          </a:p>
+          <a:p>
+            <a:pPr marL="342900" indent="-342900" algn="just">
+              <a:buFont typeface="Arial" panose="020B0604020202020204" pitchFamily="34" charset="0"/>
+              <a:buChar char="•"/>
+            </a:pPr>
+            <a:r>
+              <a:rPr lang="en-US" sz="1400" dirty="0">
+                <a:solidFill>
+                  <a:schemeClr val="bg1"/>
+                </a:solidFill>
+              </a:rPr>
+              <a:t>Enhance flexibility of object assigned duties (add, change or remove responsibilities throw the chain</a:t>
+            </a:r>
+            <a:r>
+              <a:rPr lang="en-US" dirty="0">
+                <a:solidFill>
+                  <a:schemeClr val="bg1"/>
+                </a:solidFill>
+              </a:rPr>
+              <a:t>) </a:t>
+            </a:r>
+            <a:endParaRPr lang="en-US" dirty="0"/>
+          </a:p>
+        </p:txBody>
+      </p:sp>
       <p:pic>
         <p:nvPicPr>
-          <p:cNvPr id="2052" name="Picture 4" descr="Image result for homer doh without background">
+          <p:cNvPr id="3080" name="Picture 8" descr="Related image">
             <a:extLst>
               <a:ext uri="{FF2B5EF4-FFF2-40B4-BE49-F238E27FC236}">
-                <a16:creationId xmlns:a16="http://schemas.microsoft.com/office/drawing/2014/main" id="{11E286D0-5068-4F11-B530-2A07C6DE6257}"/>
+                <a16:creationId xmlns:a16="http://schemas.microsoft.com/office/drawing/2014/main" id="{7195DF56-9A98-41BE-83E1-DF60B5FDF8EC}"/>
               </a:ext>
             </a:extLst>
           </p:cNvPr>
@@ -6047,8 +6183,8 @@
         </p:blipFill>
         <p:spPr bwMode="auto">
           <a:xfrm>
-            <a:off x="7228873" y="1877087"/>
-            <a:ext cx="1041660" cy="1222930"/>
+            <a:off x="7486262" y="1680840"/>
+            <a:ext cx="1252103" cy="1544276"/>
           </a:xfrm>
           <a:prstGeom prst="rect">
             <a:avLst/>
@@ -6065,139 +6201,10 @@
           </a:extLst>
         </p:spPr>
       </p:pic>
-      <p:sp>
-        <p:nvSpPr>
-          <p:cNvPr id="8" name="TextBox 7">
-            <a:extLst>
-              <a:ext uri="{FF2B5EF4-FFF2-40B4-BE49-F238E27FC236}">
-                <a16:creationId xmlns:a16="http://schemas.microsoft.com/office/drawing/2014/main" id="{9C617690-E301-490D-911B-C2A27BA0B8DA}"/>
-              </a:ext>
-            </a:extLst>
-          </p:cNvPr>
-          <p:cNvSpPr txBox="1"/>
-          <p:nvPr/>
-        </p:nvSpPr>
-        <p:spPr>
-          <a:xfrm>
-            <a:off x="405634" y="1149724"/>
-            <a:ext cx="5920737" cy="2760612"/>
-          </a:xfrm>
-          <a:prstGeom prst="rect">
-            <a:avLst/>
-          </a:prstGeom>
-          <a:noFill/>
-        </p:spPr>
-        <p:txBody>
-          <a:bodyPr wrap="square" rtlCol="0">
-            <a:spAutoFit/>
-          </a:bodyPr>
-          <a:lstStyle/>
-          <a:p>
-            <a:pPr algn="just"/>
-            <a:r>
-              <a:rPr lang="en-US" sz="1400" dirty="0">
-                <a:solidFill>
-                  <a:schemeClr val="bg1"/>
-                </a:solidFill>
-              </a:rPr>
-              <a:t>Disadvantage:</a:t>
-            </a:r>
-          </a:p>
-          <a:p>
-            <a:pPr marL="742950" lvl="1" indent="-285750" algn="just">
-              <a:buFont typeface="Arial" panose="020B0604020202020204" pitchFamily="34" charset="0"/>
-              <a:buChar char="•"/>
-            </a:pPr>
-            <a:r>
-              <a:rPr lang="en-US" sz="1400" dirty="0">
-                <a:solidFill>
-                  <a:schemeClr val="bg1"/>
-                </a:solidFill>
-              </a:rPr>
-              <a:t>Easy to broke: if the developer doesn’t call the next handler the request can be lost on the way. (the execution is handled by subclasses instead of the super class)</a:t>
-            </a:r>
-          </a:p>
-          <a:p>
-            <a:pPr marL="742950" lvl="1" indent="-285750" algn="just">
-              <a:buFont typeface="Arial" panose="020B0604020202020204" pitchFamily="34" charset="0"/>
-              <a:buChar char="•"/>
-            </a:pPr>
-            <a:endParaRPr lang="en-US" sz="1400" dirty="0">
-              <a:solidFill>
-                <a:schemeClr val="bg1"/>
-              </a:solidFill>
-            </a:endParaRPr>
-          </a:p>
-          <a:p>
-            <a:pPr marL="742950" lvl="1" indent="-285750" algn="just">
-              <a:buFont typeface="Arial" panose="020B0604020202020204" pitchFamily="34" charset="0"/>
-              <a:buChar char="•"/>
-            </a:pPr>
-            <a:r>
-              <a:rPr lang="en-US" sz="1400" dirty="0">
-                <a:solidFill>
-                  <a:schemeClr val="bg1"/>
-                </a:solidFill>
-              </a:rPr>
-              <a:t>some requests may end up unhandled due to the wrong implementation of concrete handler</a:t>
-            </a:r>
-          </a:p>
-          <a:p>
-            <a:pPr marL="742950" lvl="1" indent="-285750" algn="just">
-              <a:buFont typeface="Arial" panose="020B0604020202020204" pitchFamily="34" charset="0"/>
-              <a:buChar char="•"/>
-            </a:pPr>
-            <a:endParaRPr lang="en-US" sz="1400" dirty="0">
-              <a:solidFill>
-                <a:schemeClr val="bg1"/>
-              </a:solidFill>
-            </a:endParaRPr>
-          </a:p>
-          <a:p>
-            <a:pPr marL="742950" lvl="1" indent="-285750" algn="just">
-              <a:buFont typeface="Arial" panose="020B0604020202020204" pitchFamily="34" charset="0"/>
-              <a:buChar char="•"/>
-            </a:pPr>
-            <a:r>
-              <a:rPr lang="en-US" sz="1400" dirty="0">
-                <a:solidFill>
-                  <a:schemeClr val="bg1"/>
-                </a:solidFill>
-              </a:rPr>
-              <a:t>Performance can be affected</a:t>
-            </a:r>
-          </a:p>
-          <a:p>
-            <a:pPr marL="742950" lvl="1" indent="-285750" algn="just">
-              <a:buFont typeface="Arial" panose="020B0604020202020204" pitchFamily="34" charset="0"/>
-              <a:buChar char="•"/>
-            </a:pPr>
-            <a:endParaRPr lang="en-US" sz="1400" dirty="0">
-              <a:solidFill>
-                <a:schemeClr val="bg1"/>
-              </a:solidFill>
-            </a:endParaRPr>
-          </a:p>
-          <a:p>
-            <a:pPr marL="742950" lvl="1" indent="-285750" algn="just">
-              <a:buFont typeface="Arial" panose="020B0604020202020204" pitchFamily="34" charset="0"/>
-              <a:buChar char="•"/>
-            </a:pPr>
-            <a:r>
-              <a:rPr lang="en-US" sz="1400" dirty="0">
-                <a:solidFill>
-                  <a:schemeClr val="bg1"/>
-                </a:solidFill>
-              </a:rPr>
-              <a:t>Debugging is not easy to do because the implementation may cause cycle calls</a:t>
-            </a:r>
-          </a:p>
-        </p:txBody>
-      </p:sp>
     </p:spTree>
     <p:extLst>
       <p:ext uri="{BB962C8B-B14F-4D97-AF65-F5344CB8AC3E}">
-        <p14:creationId xmlns:p14="http://schemas.microsoft.com/office/powerpoint/2010/main" val="981103599"/>
+        <p14:creationId xmlns:p14="http://schemas.microsoft.com/office/powerpoint/2010/main" val="595242497"/>
       </p:ext>
     </p:extLst>
   </p:cSld>
@@ -6347,174 +6354,17 @@
                 </a:solidFill>
                 <a:cs typeface="Arial" panose="020B0604020202020204"/>
               </a:rPr>
-              <a:t>When to use it? </a:t>
-            </a:r>
-          </a:p>
-        </p:txBody>
-      </p:sp>
-      <p:sp>
-        <p:nvSpPr>
-          <p:cNvPr id="2" name="TextBox 1">
+              <a:t>Advantage / Disadvantage</a:t>
+            </a:r>
+          </a:p>
+        </p:txBody>
+      </p:sp>
+      <p:pic>
+        <p:nvPicPr>
+          <p:cNvPr id="2052" name="Picture 4" descr="Image result for homer doh without background">
             <a:extLst>
               <a:ext uri="{FF2B5EF4-FFF2-40B4-BE49-F238E27FC236}">
-                <a16:creationId xmlns:a16="http://schemas.microsoft.com/office/drawing/2014/main" id="{AA0A5C92-09F4-49B1-8318-95D3B3487FE8}"/>
-              </a:ext>
-            </a:extLst>
-          </p:cNvPr>
-          <p:cNvSpPr txBox="1"/>
-          <p:nvPr/>
-        </p:nvSpPr>
-        <p:spPr>
-          <a:xfrm>
-            <a:off x="254520" y="1048372"/>
-            <a:ext cx="5869833" cy="2677656"/>
-          </a:xfrm>
-          <a:prstGeom prst="rect">
-            <a:avLst/>
-          </a:prstGeom>
-          <a:noFill/>
-        </p:spPr>
-        <p:txBody>
-          <a:bodyPr wrap="square" rtlCol="0">
-            <a:spAutoFit/>
-          </a:bodyPr>
-          <a:lstStyle/>
-          <a:p>
-            <a:pPr marL="285750" indent="-285750" algn="just">
-              <a:buFont typeface="Arial" panose="020B0604020202020204" pitchFamily="34" charset="0"/>
-              <a:buChar char="•"/>
-            </a:pPr>
-            <a:r>
-              <a:rPr lang="en-US" sz="1400" dirty="0">
-                <a:solidFill>
-                  <a:schemeClr val="bg1"/>
-                </a:solidFill>
-              </a:rPr>
-              <a:t>Decouple a request’s sender and receiver </a:t>
-            </a:r>
-          </a:p>
-          <a:p>
-            <a:pPr marL="285750" indent="-285750" algn="just">
-              <a:buFont typeface="Arial" panose="020B0604020202020204" pitchFamily="34" charset="0"/>
-              <a:buChar char="•"/>
-            </a:pPr>
-            <a:endParaRPr lang="en-US" sz="1400" dirty="0">
-              <a:solidFill>
-                <a:schemeClr val="bg1"/>
-              </a:solidFill>
-            </a:endParaRPr>
-          </a:p>
-          <a:p>
-            <a:pPr marL="285750" indent="-285750" algn="just">
-              <a:buFont typeface="Arial" panose="020B0604020202020204" pitchFamily="34" charset="0"/>
-              <a:buChar char="•"/>
-            </a:pPr>
-            <a:r>
-              <a:rPr lang="en-US" sz="1400" dirty="0">
-                <a:solidFill>
-                  <a:schemeClr val="bg1"/>
-                </a:solidFill>
-              </a:rPr>
-              <a:t>Multiple objects, determined at runtime, are candidates to handle a request</a:t>
-            </a:r>
-          </a:p>
-          <a:p>
-            <a:pPr marL="742950" lvl="1" indent="-285750" algn="just">
-              <a:buFont typeface="Arial" panose="020B0604020202020204" pitchFamily="34" charset="0"/>
-              <a:buChar char="•"/>
-            </a:pPr>
-            <a:r>
-              <a:rPr lang="en-US" sz="1400" dirty="0">
-                <a:solidFill>
-                  <a:schemeClr val="bg1"/>
-                </a:solidFill>
-              </a:rPr>
-              <a:t>The handler is not known in advance</a:t>
-            </a:r>
-          </a:p>
-          <a:p>
-            <a:pPr marL="285750" indent="-285750" algn="just">
-              <a:buFont typeface="Arial" panose="020B0604020202020204" pitchFamily="34" charset="0"/>
-              <a:buChar char="•"/>
-            </a:pPr>
-            <a:endParaRPr lang="en-US" sz="1400" dirty="0">
-              <a:solidFill>
-                <a:schemeClr val="bg1"/>
-              </a:solidFill>
-            </a:endParaRPr>
-          </a:p>
-          <a:p>
-            <a:pPr marL="285750" indent="-285750" algn="just">
-              <a:buFont typeface="Arial" panose="020B0604020202020204" pitchFamily="34" charset="0"/>
-              <a:buChar char="•"/>
-            </a:pPr>
-            <a:r>
-              <a:rPr lang="en-US" sz="1400" dirty="0">
-                <a:solidFill>
-                  <a:schemeClr val="bg1"/>
-                </a:solidFill>
-              </a:rPr>
-              <a:t>specify handlers is not necessary </a:t>
-            </a:r>
-          </a:p>
-          <a:p>
-            <a:pPr marL="285750" indent="-285750" algn="just">
-              <a:buFont typeface="Arial" panose="020B0604020202020204" pitchFamily="34" charset="0"/>
-              <a:buChar char="•"/>
-            </a:pPr>
-            <a:endParaRPr lang="en-US" sz="1400" dirty="0">
-              <a:solidFill>
-                <a:schemeClr val="bg1"/>
-              </a:solidFill>
-            </a:endParaRPr>
-          </a:p>
-          <a:p>
-            <a:pPr marL="285750" indent="-285750" algn="just">
-              <a:buFont typeface="Arial" panose="020B0604020202020204" pitchFamily="34" charset="0"/>
-              <a:buChar char="•"/>
-            </a:pPr>
-            <a:r>
-              <a:rPr lang="en-US" sz="1400" dirty="0">
-                <a:solidFill>
-                  <a:schemeClr val="bg1"/>
-                </a:solidFill>
-              </a:rPr>
-              <a:t>The object can be handle by one or more requests </a:t>
-            </a:r>
-          </a:p>
-          <a:p>
-            <a:pPr marL="285750" indent="-285750" algn="just">
-              <a:buFont typeface="Arial" panose="020B0604020202020204" pitchFamily="34" charset="0"/>
-              <a:buChar char="•"/>
-            </a:pPr>
-            <a:endParaRPr lang="en-US" sz="1400" dirty="0">
-              <a:solidFill>
-                <a:schemeClr val="bg1"/>
-              </a:solidFill>
-            </a:endParaRPr>
-          </a:p>
-          <a:p>
-            <a:pPr marL="285750" indent="-285750" algn="just">
-              <a:buFont typeface="Arial" panose="020B0604020202020204" pitchFamily="34" charset="0"/>
-              <a:buChar char="•"/>
-            </a:pPr>
-            <a:r>
-              <a:rPr lang="en-US" sz="1400" dirty="0">
-                <a:solidFill>
-                  <a:schemeClr val="bg1"/>
-                </a:solidFill>
-              </a:rPr>
-              <a:t>It’s wished that the request is addressed to a group of objects without explicitly specifying its receiver</a:t>
-            </a:r>
-          </a:p>
-        </p:txBody>
-      </p:sp>
-      <p:pic>
-        <p:nvPicPr>
-          <p:cNvPr id="4100" name="Picture 4" descr="Image result for homer thinking with glasses without background">
-            <a:extLst>
-              <a:ext uri="{FF2B5EF4-FFF2-40B4-BE49-F238E27FC236}">
-                <a16:creationId xmlns:a16="http://schemas.microsoft.com/office/drawing/2014/main" id="{5EC6A25D-704D-42F6-9728-C0D4D014EF54}"/>
+                <a16:creationId xmlns:a16="http://schemas.microsoft.com/office/drawing/2014/main" id="{11E286D0-5068-4F11-B530-2A07C6DE6257}"/>
               </a:ext>
             </a:extLst>
           </p:cNvPr>
@@ -6538,20 +6388,157 @@
         </p:blipFill>
         <p:spPr bwMode="auto">
           <a:xfrm>
-            <a:off x="6653171" y="1559256"/>
-            <a:ext cx="1707490" cy="2024988"/>
+            <a:off x="7228873" y="1877087"/>
+            <a:ext cx="1041660" cy="1222930"/>
           </a:xfrm>
           <a:prstGeom prst="rect">
             <a:avLst/>
           </a:prstGeom>
           <a:noFill/>
-          <a:extLst/>
+          <a:extLst>
+            <a:ext uri="{909E8E84-426E-40DD-AFC4-6F175D3DCCD1}">
+              <a14:hiddenFill xmlns:a14="http://schemas.microsoft.com/office/drawing/2010/main">
+                <a:solidFill>
+                  <a:srgbClr val="FFFFFF"/>
+                </a:solidFill>
+              </a14:hiddenFill>
+            </a:ext>
+          </a:extLst>
         </p:spPr>
       </p:pic>
+      <p:sp>
+        <p:nvSpPr>
+          <p:cNvPr id="8" name="TextBox 7">
+            <a:extLst>
+              <a:ext uri="{FF2B5EF4-FFF2-40B4-BE49-F238E27FC236}">
+                <a16:creationId xmlns:a16="http://schemas.microsoft.com/office/drawing/2014/main" id="{9C617690-E301-490D-911B-C2A27BA0B8DA}"/>
+              </a:ext>
+            </a:extLst>
+          </p:cNvPr>
+          <p:cNvSpPr txBox="1"/>
+          <p:nvPr/>
+        </p:nvSpPr>
+        <p:spPr>
+          <a:xfrm>
+            <a:off x="405634" y="1149724"/>
+            <a:ext cx="5920737" cy="2760612"/>
+          </a:xfrm>
+          <a:prstGeom prst="rect">
+            <a:avLst/>
+          </a:prstGeom>
+          <a:noFill/>
+        </p:spPr>
+        <p:txBody>
+          <a:bodyPr wrap="square" rtlCol="0">
+            <a:spAutoFit/>
+          </a:bodyPr>
+          <a:lstStyle/>
+          <a:p>
+            <a:pPr algn="just"/>
+            <a:r>
+              <a:rPr lang="en-US" sz="1400" dirty="0">
+                <a:solidFill>
+                  <a:schemeClr val="bg1"/>
+                </a:solidFill>
+              </a:rPr>
+              <a:t>Disadvantage:</a:t>
+            </a:r>
+          </a:p>
+          <a:p>
+            <a:pPr marL="742950" lvl="1" indent="-285750" algn="just">
+              <a:buFont typeface="Arial" panose="020B0604020202020204" pitchFamily="34" charset="0"/>
+              <a:buChar char="•"/>
+            </a:pPr>
+            <a:r>
+              <a:rPr lang="en-US" sz="1400" dirty="0">
+                <a:solidFill>
+                  <a:schemeClr val="bg1"/>
+                </a:solidFill>
+              </a:rPr>
+              <a:t>Easy to broke: if the developer doesn’t call the next handler the request can be lost on the way. (the execution is handled by subclasses instead of the super class)</a:t>
+            </a:r>
+          </a:p>
+          <a:p>
+            <a:pPr marL="742950" lvl="1" indent="-285750" algn="just">
+              <a:buFont typeface="Arial" panose="020B0604020202020204" pitchFamily="34" charset="0"/>
+              <a:buChar char="•"/>
+            </a:pPr>
+            <a:endParaRPr lang="en-US" sz="1400" dirty="0">
+              <a:solidFill>
+                <a:schemeClr val="bg1"/>
+              </a:solidFill>
+            </a:endParaRPr>
+          </a:p>
+          <a:p>
+            <a:pPr marL="742950" lvl="1" indent="-285750" algn="just">
+              <a:buFont typeface="Arial" panose="020B0604020202020204" pitchFamily="34" charset="0"/>
+              <a:buChar char="•"/>
+            </a:pPr>
+            <a:r>
+              <a:rPr lang="en-US" sz="1400" dirty="0">
+                <a:solidFill>
+                  <a:schemeClr val="bg1"/>
+                </a:solidFill>
+              </a:rPr>
+              <a:t>some requests may end up unhandled due to the wrong implementation of concrete handler</a:t>
+            </a:r>
+          </a:p>
+          <a:p>
+            <a:pPr marL="742950" lvl="1" indent="-285750" algn="just">
+              <a:buFont typeface="Arial" panose="020B0604020202020204" pitchFamily="34" charset="0"/>
+              <a:buChar char="•"/>
+            </a:pPr>
+            <a:endParaRPr lang="en-US" sz="1400" dirty="0">
+              <a:solidFill>
+                <a:schemeClr val="bg1"/>
+              </a:solidFill>
+            </a:endParaRPr>
+          </a:p>
+          <a:p>
+            <a:pPr marL="742950" lvl="1" indent="-285750" algn="just">
+              <a:buFont typeface="Arial" panose="020B0604020202020204" pitchFamily="34" charset="0"/>
+              <a:buChar char="•"/>
+            </a:pPr>
+            <a:r>
+              <a:rPr lang="en-US" sz="1400" dirty="0">
+                <a:solidFill>
+                  <a:schemeClr val="bg1"/>
+                </a:solidFill>
+              </a:rPr>
+              <a:t>Performance can be affected</a:t>
+            </a:r>
+          </a:p>
+          <a:p>
+            <a:pPr marL="742950" lvl="1" indent="-285750" algn="just">
+              <a:buFont typeface="Arial" panose="020B0604020202020204" pitchFamily="34" charset="0"/>
+              <a:buChar char="•"/>
+            </a:pPr>
+            <a:endParaRPr lang="en-US" sz="1400" dirty="0">
+              <a:solidFill>
+                <a:schemeClr val="bg1"/>
+              </a:solidFill>
+            </a:endParaRPr>
+          </a:p>
+          <a:p>
+            <a:pPr marL="742950" lvl="1" indent="-285750" algn="just">
+              <a:buFont typeface="Arial" panose="020B0604020202020204" pitchFamily="34" charset="0"/>
+              <a:buChar char="•"/>
+            </a:pPr>
+            <a:r>
+              <a:rPr lang="en-US" sz="1400" dirty="0">
+                <a:solidFill>
+                  <a:schemeClr val="bg1"/>
+                </a:solidFill>
+              </a:rPr>
+              <a:t>Debugging is not easy to do because the implementation may cause cycle calls</a:t>
+            </a:r>
+          </a:p>
+        </p:txBody>
+      </p:sp>
     </p:spTree>
     <p:extLst>
       <p:ext uri="{BB962C8B-B14F-4D97-AF65-F5344CB8AC3E}">
-        <p14:creationId xmlns:p14="http://schemas.microsoft.com/office/powerpoint/2010/main" val="1440524593"/>
+        <p14:creationId xmlns:p14="http://schemas.microsoft.com/office/powerpoint/2010/main" val="981103599"/>
       </p:ext>
     </p:extLst>
   </p:cSld>
@@ -7797,6 +7784,912 @@
 <file path=ppt/slides/slide21.xml><?xml version="1.0" encoding="utf-8"?>
 <p:sld xmlns:a="http://schemas.openxmlformats.org/drawingml/2006/main" xmlns:r="http://schemas.openxmlformats.org/officeDocument/2006/relationships" xmlns:p="http://schemas.openxmlformats.org/presentationml/2006/main">
   <p:cSld>
+    <p:bg>
+      <p:bgPr>
+        <a:solidFill>
+          <a:srgbClr val="000000"/>
+        </a:solidFill>
+        <a:effectLst/>
+      </p:bgPr>
+    </p:bg>
+    <p:spTree>
+      <p:nvGrpSpPr>
+        <p:cNvPr id="1" name=""/>
+        <p:cNvGrpSpPr/>
+        <p:nvPr/>
+      </p:nvGrpSpPr>
+      <p:grpSpPr>
+        <a:xfrm>
+          <a:off x="0" y="0"/>
+          <a:ext cx="0" cy="0"/>
+          <a:chOff x="0" y="0"/>
+          <a:chExt cx="0" cy="0"/>
+        </a:xfrm>
+      </p:grpSpPr>
+      <p:sp>
+        <p:nvSpPr>
+          <p:cNvPr id="161" name="CustomShape 1"/>
+          <p:cNvSpPr/>
+          <p:nvPr/>
+        </p:nvSpPr>
+        <p:spPr>
+          <a:xfrm>
+            <a:off x="4114800" y="1257120"/>
+            <a:ext cx="4774680" cy="2949120"/>
+          </a:xfrm>
+          <a:prstGeom prst="rect">
+            <a:avLst/>
+          </a:prstGeom>
+          <a:noFill/>
+          <a:ln>
+            <a:noFill/>
+          </a:ln>
+        </p:spPr>
+        <p:style>
+          <a:lnRef idx="0">
+            <a:scrgbClr r="0" g="0" b="0"/>
+          </a:lnRef>
+          <a:fillRef idx="0">
+            <a:scrgbClr r="0" g="0" b="0"/>
+          </a:fillRef>
+          <a:effectRef idx="0">
+            <a:scrgbClr r="0" g="0" b="0"/>
+          </a:effectRef>
+          <a:fontRef idx="minor"/>
+        </p:style>
+      </p:sp>
+      <p:sp>
+        <p:nvSpPr>
+          <p:cNvPr id="162" name="CustomShape 2"/>
+          <p:cNvSpPr/>
+          <p:nvPr/>
+        </p:nvSpPr>
+        <p:spPr>
+          <a:xfrm>
+            <a:off x="0" y="5118480"/>
+            <a:ext cx="9143640" cy="33120"/>
+          </a:xfrm>
+          <a:prstGeom prst="rect">
+            <a:avLst/>
+          </a:prstGeom>
+          <a:solidFill>
+            <a:srgbClr val="C1D82F"/>
+          </a:solidFill>
+          <a:ln>
+            <a:noFill/>
+          </a:ln>
+        </p:spPr>
+        <p:style>
+          <a:lnRef idx="0">
+            <a:scrgbClr r="0" g="0" b="0"/>
+          </a:lnRef>
+          <a:fillRef idx="0">
+            <a:scrgbClr r="0" g="0" b="0"/>
+          </a:fillRef>
+          <a:effectRef idx="0">
+            <a:scrgbClr r="0" g="0" b="0"/>
+          </a:effectRef>
+          <a:fontRef idx="minor"/>
+        </p:style>
+      </p:sp>
+      <p:sp>
+        <p:nvSpPr>
+          <p:cNvPr id="163" name="CustomShape 3"/>
+          <p:cNvSpPr/>
+          <p:nvPr/>
+        </p:nvSpPr>
+        <p:spPr>
+          <a:xfrm>
+            <a:off x="0" y="216360"/>
+            <a:ext cx="9143640" cy="552240"/>
+          </a:xfrm>
+          <a:prstGeom prst="rect">
+            <a:avLst/>
+          </a:prstGeom>
+          <a:noFill/>
+          <a:ln>
+            <a:noFill/>
+          </a:ln>
+        </p:spPr>
+        <p:style>
+          <a:lnRef idx="0">
+            <a:scrgbClr r="0" g="0" b="0"/>
+          </a:lnRef>
+          <a:fillRef idx="0">
+            <a:scrgbClr r="0" g="0" b="0"/>
+          </a:fillRef>
+          <a:effectRef idx="0">
+            <a:scrgbClr r="0" g="0" b="0"/>
+          </a:effectRef>
+          <a:fontRef idx="minor"/>
+        </p:style>
+        <p:txBody>
+          <a:bodyPr tIns="91440" bIns="91440">
+            <a:noAutofit/>
+          </a:bodyPr>
+          <a:lstStyle/>
+          <a:p>
+            <a:pPr algn="ctr">
+              <a:lnSpc>
+                <a:spcPct val="100000"/>
+              </a:lnSpc>
+            </a:pPr>
+            <a:r>
+              <a:rPr lang="en-US" sz="2400" dirty="0">
+                <a:solidFill>
+                  <a:srgbClr val="96B51A"/>
+                </a:solidFill>
+                <a:cs typeface="Arial" panose="020B0604020202020204"/>
+              </a:rPr>
+              <a:t>When to use it? </a:t>
+            </a:r>
+          </a:p>
+        </p:txBody>
+      </p:sp>
+      <p:pic>
+        <p:nvPicPr>
+          <p:cNvPr id="4100" name="Picture 4" descr="Image result for homer thinking with glasses without background">
+            <a:extLst>
+              <a:ext uri="{FF2B5EF4-FFF2-40B4-BE49-F238E27FC236}">
+                <a16:creationId xmlns:a16="http://schemas.microsoft.com/office/drawing/2014/main" id="{5EC6A25D-704D-42F6-9728-C0D4D014EF54}"/>
+              </a:ext>
+            </a:extLst>
+          </p:cNvPr>
+          <p:cNvPicPr>
+            <a:picLocks noChangeAspect="1" noChangeArrowheads="1"/>
+          </p:cNvPicPr>
+          <p:nvPr/>
+        </p:nvPicPr>
+        <p:blipFill>
+          <a:blip r:embed="rId2">
+            <a:extLst>
+              <a:ext uri="{28A0092B-C50C-407E-A947-70E740481C1C}">
+                <a14:useLocalDpi xmlns:a14="http://schemas.microsoft.com/office/drawing/2010/main" val="0"/>
+              </a:ext>
+            </a:extLst>
+          </a:blip>
+          <a:srcRect/>
+          <a:stretch>
+            <a:fillRect/>
+          </a:stretch>
+        </p:blipFill>
+        <p:spPr bwMode="auto">
+          <a:xfrm>
+            <a:off x="6653171" y="1559256"/>
+            <a:ext cx="1707490" cy="2024988"/>
+          </a:xfrm>
+          <a:prstGeom prst="rect">
+            <a:avLst/>
+          </a:prstGeom>
+          <a:noFill/>
+          <a:extLst/>
+        </p:spPr>
+      </p:pic>
+      <p:sp>
+        <p:nvSpPr>
+          <p:cNvPr id="3" name="Rectangle 2">
+            <a:extLst>
+              <a:ext uri="{FF2B5EF4-FFF2-40B4-BE49-F238E27FC236}">
+                <a16:creationId xmlns:a16="http://schemas.microsoft.com/office/drawing/2014/main" id="{000C933F-B8E0-42B1-9002-4022FDAE49AC}"/>
+              </a:ext>
+            </a:extLst>
+          </p:cNvPr>
+          <p:cNvSpPr/>
+          <p:nvPr/>
+        </p:nvSpPr>
+        <p:spPr>
+          <a:xfrm>
+            <a:off x="504265" y="1371421"/>
+            <a:ext cx="5741894" cy="584775"/>
+          </a:xfrm>
+          <a:prstGeom prst="rect">
+            <a:avLst/>
+          </a:prstGeom>
+        </p:spPr>
+        <p:txBody>
+          <a:bodyPr wrap="square">
+            <a:spAutoFit/>
+          </a:bodyPr>
+          <a:lstStyle/>
+          <a:p>
+            <a:r>
+              <a:rPr lang="en-US" sz="1400" dirty="0">
+                <a:solidFill>
+                  <a:schemeClr val="bg1"/>
+                </a:solidFill>
+              </a:rPr>
+              <a:t>Application needs only one, instance of an object and global access are necessary</a:t>
+            </a:r>
+            <a:r>
+              <a:rPr lang="en-US" dirty="0">
+                <a:solidFill>
+                  <a:srgbClr val="444444"/>
+                </a:solidFill>
+                <a:latin typeface="PT Sans"/>
+              </a:rPr>
+              <a:t>.</a:t>
+            </a:r>
+            <a:endParaRPr lang="en-US" dirty="0"/>
+          </a:p>
+        </p:txBody>
+      </p:sp>
+    </p:spTree>
+    <p:extLst>
+      <p:ext uri="{BB962C8B-B14F-4D97-AF65-F5344CB8AC3E}">
+        <p14:creationId xmlns:p14="http://schemas.microsoft.com/office/powerpoint/2010/main" val="1073355550"/>
+      </p:ext>
+    </p:extLst>
+  </p:cSld>
+  <p:clrMapOvr>
+    <a:masterClrMapping/>
+  </p:clrMapOvr>
+</p:sld>
+</file>
+
+<file path=ppt/slides/slide22.xml><?xml version="1.0" encoding="utf-8"?>
+<p:sld xmlns:a="http://schemas.openxmlformats.org/drawingml/2006/main" xmlns:r="http://schemas.openxmlformats.org/officeDocument/2006/relationships" xmlns:p="http://schemas.openxmlformats.org/presentationml/2006/main">
+  <p:cSld>
+    <p:bg>
+      <p:bgPr>
+        <a:solidFill>
+          <a:srgbClr val="000000"/>
+        </a:solidFill>
+        <a:effectLst/>
+      </p:bgPr>
+    </p:bg>
+    <p:spTree>
+      <p:nvGrpSpPr>
+        <p:cNvPr id="1" name=""/>
+        <p:cNvGrpSpPr/>
+        <p:nvPr/>
+      </p:nvGrpSpPr>
+      <p:grpSpPr>
+        <a:xfrm>
+          <a:off x="0" y="0"/>
+          <a:ext cx="0" cy="0"/>
+          <a:chOff x="0" y="0"/>
+          <a:chExt cx="0" cy="0"/>
+        </a:xfrm>
+      </p:grpSpPr>
+      <p:sp>
+        <p:nvSpPr>
+          <p:cNvPr id="161" name="CustomShape 1"/>
+          <p:cNvSpPr/>
+          <p:nvPr/>
+        </p:nvSpPr>
+        <p:spPr>
+          <a:xfrm>
+            <a:off x="4114800" y="1257120"/>
+            <a:ext cx="4774680" cy="2949120"/>
+          </a:xfrm>
+          <a:prstGeom prst="rect">
+            <a:avLst/>
+          </a:prstGeom>
+          <a:noFill/>
+          <a:ln>
+            <a:noFill/>
+          </a:ln>
+        </p:spPr>
+        <p:style>
+          <a:lnRef idx="0">
+            <a:scrgbClr r="0" g="0" b="0"/>
+          </a:lnRef>
+          <a:fillRef idx="0">
+            <a:scrgbClr r="0" g="0" b="0"/>
+          </a:fillRef>
+          <a:effectRef idx="0">
+            <a:scrgbClr r="0" g="0" b="0"/>
+          </a:effectRef>
+          <a:fontRef idx="minor"/>
+        </p:style>
+      </p:sp>
+      <p:sp>
+        <p:nvSpPr>
+          <p:cNvPr id="162" name="CustomShape 2"/>
+          <p:cNvSpPr/>
+          <p:nvPr/>
+        </p:nvSpPr>
+        <p:spPr>
+          <a:xfrm>
+            <a:off x="0" y="5118480"/>
+            <a:ext cx="9143640" cy="33120"/>
+          </a:xfrm>
+          <a:prstGeom prst="rect">
+            <a:avLst/>
+          </a:prstGeom>
+          <a:solidFill>
+            <a:srgbClr val="C1D82F"/>
+          </a:solidFill>
+          <a:ln>
+            <a:noFill/>
+          </a:ln>
+        </p:spPr>
+        <p:style>
+          <a:lnRef idx="0">
+            <a:scrgbClr r="0" g="0" b="0"/>
+          </a:lnRef>
+          <a:fillRef idx="0">
+            <a:scrgbClr r="0" g="0" b="0"/>
+          </a:fillRef>
+          <a:effectRef idx="0">
+            <a:scrgbClr r="0" g="0" b="0"/>
+          </a:effectRef>
+          <a:fontRef idx="minor"/>
+        </p:style>
+      </p:sp>
+      <p:sp>
+        <p:nvSpPr>
+          <p:cNvPr id="163" name="CustomShape 3"/>
+          <p:cNvSpPr/>
+          <p:nvPr/>
+        </p:nvSpPr>
+        <p:spPr>
+          <a:xfrm>
+            <a:off x="0" y="216360"/>
+            <a:ext cx="9143640" cy="552240"/>
+          </a:xfrm>
+          <a:prstGeom prst="rect">
+            <a:avLst/>
+          </a:prstGeom>
+          <a:noFill/>
+          <a:ln>
+            <a:noFill/>
+          </a:ln>
+        </p:spPr>
+        <p:style>
+          <a:lnRef idx="0">
+            <a:scrgbClr r="0" g="0" b="0"/>
+          </a:lnRef>
+          <a:fillRef idx="0">
+            <a:scrgbClr r="0" g="0" b="0"/>
+          </a:fillRef>
+          <a:effectRef idx="0">
+            <a:scrgbClr r="0" g="0" b="0"/>
+          </a:effectRef>
+          <a:fontRef idx="minor"/>
+        </p:style>
+        <p:txBody>
+          <a:bodyPr tIns="91440" bIns="91440">
+            <a:noAutofit/>
+          </a:bodyPr>
+          <a:lstStyle/>
+          <a:p>
+            <a:pPr algn="ctr">
+              <a:lnSpc>
+                <a:spcPct val="100000"/>
+              </a:lnSpc>
+            </a:pPr>
+            <a:r>
+              <a:rPr lang="en-US" sz="2400" dirty="0">
+                <a:solidFill>
+                  <a:srgbClr val="96B51A"/>
+                </a:solidFill>
+                <a:cs typeface="Arial" panose="020B0604020202020204"/>
+              </a:rPr>
+              <a:t>Advantage / Disadvantage</a:t>
+            </a:r>
+          </a:p>
+        </p:txBody>
+      </p:sp>
+      <p:sp>
+        <p:nvSpPr>
+          <p:cNvPr id="2" name="TextBox 1">
+            <a:extLst>
+              <a:ext uri="{FF2B5EF4-FFF2-40B4-BE49-F238E27FC236}">
+                <a16:creationId xmlns:a16="http://schemas.microsoft.com/office/drawing/2014/main" id="{8B1319CA-707D-4666-A070-B3803D5C1BAF}"/>
+              </a:ext>
+            </a:extLst>
+          </p:cNvPr>
+          <p:cNvSpPr txBox="1"/>
+          <p:nvPr/>
+        </p:nvSpPr>
+        <p:spPr>
+          <a:xfrm>
+            <a:off x="405635" y="1149724"/>
+            <a:ext cx="6579956" cy="2462213"/>
+          </a:xfrm>
+          <a:prstGeom prst="rect">
+            <a:avLst/>
+          </a:prstGeom>
+          <a:noFill/>
+        </p:spPr>
+        <p:txBody>
+          <a:bodyPr wrap="square" rtlCol="0">
+            <a:spAutoFit/>
+          </a:bodyPr>
+          <a:lstStyle/>
+          <a:p>
+            <a:pPr algn="just"/>
+            <a:r>
+              <a:rPr lang="en-US" sz="1400" dirty="0">
+                <a:solidFill>
+                  <a:schemeClr val="bg1"/>
+                </a:solidFill>
+              </a:rPr>
+              <a:t>Advantage:</a:t>
+            </a:r>
+          </a:p>
+          <a:p>
+            <a:pPr algn="just"/>
+            <a:endParaRPr lang="en-US" sz="1400" dirty="0">
+              <a:solidFill>
+                <a:schemeClr val="bg1"/>
+              </a:solidFill>
+            </a:endParaRPr>
+          </a:p>
+          <a:p>
+            <a:pPr marL="742950" lvl="1" indent="-285750" algn="just">
+              <a:buFont typeface="Arial" panose="020B0604020202020204" pitchFamily="34" charset="0"/>
+              <a:buChar char="•"/>
+            </a:pPr>
+            <a:r>
+              <a:rPr lang="en-US" sz="1400" dirty="0">
+                <a:solidFill>
+                  <a:schemeClr val="bg1"/>
+                </a:solidFill>
+              </a:rPr>
+              <a:t>Global  state</a:t>
+            </a:r>
+          </a:p>
+          <a:p>
+            <a:pPr marL="742950" lvl="1" indent="-285750" algn="just">
+              <a:buFont typeface="Arial" panose="020B0604020202020204" pitchFamily="34" charset="0"/>
+              <a:buChar char="•"/>
+            </a:pPr>
+            <a:endParaRPr lang="en-US" sz="1400" dirty="0">
+              <a:solidFill>
+                <a:schemeClr val="bg1"/>
+              </a:solidFill>
+            </a:endParaRPr>
+          </a:p>
+          <a:p>
+            <a:pPr marL="742950" lvl="1" indent="-285750" algn="just">
+              <a:buFont typeface="Arial" panose="020B0604020202020204" pitchFamily="34" charset="0"/>
+              <a:buChar char="•"/>
+            </a:pPr>
+            <a:r>
+              <a:rPr lang="en-US" sz="1400" dirty="0">
+                <a:solidFill>
+                  <a:schemeClr val="bg1"/>
+                </a:solidFill>
+              </a:rPr>
+              <a:t>The singleton class has the flexibility to change the instantiation process</a:t>
+            </a:r>
+          </a:p>
+          <a:p>
+            <a:pPr marL="742950" lvl="1" indent="-285750" algn="just">
+              <a:buFont typeface="Arial" panose="020B0604020202020204" pitchFamily="34" charset="0"/>
+              <a:buChar char="•"/>
+            </a:pPr>
+            <a:endParaRPr lang="en-US" sz="1400" dirty="0">
+              <a:solidFill>
+                <a:schemeClr val="bg1"/>
+              </a:solidFill>
+            </a:endParaRPr>
+          </a:p>
+          <a:p>
+            <a:pPr marL="742950" lvl="1" indent="-285750" algn="just">
+              <a:buFont typeface="Arial" panose="020B0604020202020204" pitchFamily="34" charset="0"/>
+              <a:buChar char="•"/>
+            </a:pPr>
+            <a:r>
+              <a:rPr lang="en-US" sz="1400" dirty="0">
+                <a:solidFill>
+                  <a:schemeClr val="bg1"/>
+                </a:solidFill>
+              </a:rPr>
+              <a:t>The implementation is easy and can be transform to a pool instances handle </a:t>
+            </a:r>
+          </a:p>
+          <a:p>
+            <a:pPr algn="just"/>
+            <a:endParaRPr lang="en-US" sz="1400" dirty="0">
+              <a:solidFill>
+                <a:schemeClr val="bg1"/>
+              </a:solidFill>
+            </a:endParaRPr>
+          </a:p>
+          <a:p>
+            <a:pPr marL="342900" indent="-342900" algn="just">
+              <a:buFont typeface="Arial" panose="020B0604020202020204" pitchFamily="34" charset="0"/>
+              <a:buChar char="•"/>
+            </a:pPr>
+            <a:endParaRPr lang="en-US" sz="1400" dirty="0">
+              <a:solidFill>
+                <a:schemeClr val="bg1"/>
+              </a:solidFill>
+            </a:endParaRPr>
+          </a:p>
+        </p:txBody>
+      </p:sp>
+      <p:pic>
+        <p:nvPicPr>
+          <p:cNvPr id="3080" name="Picture 8" descr="Related image">
+            <a:extLst>
+              <a:ext uri="{FF2B5EF4-FFF2-40B4-BE49-F238E27FC236}">
+                <a16:creationId xmlns:a16="http://schemas.microsoft.com/office/drawing/2014/main" id="{7195DF56-9A98-41BE-83E1-DF60B5FDF8EC}"/>
+              </a:ext>
+            </a:extLst>
+          </p:cNvPr>
+          <p:cNvPicPr>
+            <a:picLocks noChangeAspect="1" noChangeArrowheads="1"/>
+          </p:cNvPicPr>
+          <p:nvPr/>
+        </p:nvPicPr>
+        <p:blipFill>
+          <a:blip r:embed="rId2">
+            <a:extLst>
+              <a:ext uri="{28A0092B-C50C-407E-A947-70E740481C1C}">
+                <a14:useLocalDpi xmlns:a14="http://schemas.microsoft.com/office/drawing/2010/main" val="0"/>
+              </a:ext>
+            </a:extLst>
+          </a:blip>
+          <a:srcRect/>
+          <a:stretch>
+            <a:fillRect/>
+          </a:stretch>
+        </p:blipFill>
+        <p:spPr bwMode="auto">
+          <a:xfrm>
+            <a:off x="7486262" y="1680840"/>
+            <a:ext cx="1252103" cy="1544276"/>
+          </a:xfrm>
+          <a:prstGeom prst="rect">
+            <a:avLst/>
+          </a:prstGeom>
+          <a:noFill/>
+          <a:extLst>
+            <a:ext uri="{909E8E84-426E-40DD-AFC4-6F175D3DCCD1}">
+              <a14:hiddenFill xmlns:a14="http://schemas.microsoft.com/office/drawing/2010/main">
+                <a:solidFill>
+                  <a:srgbClr val="FFFFFF"/>
+                </a:solidFill>
+              </a14:hiddenFill>
+            </a:ext>
+          </a:extLst>
+        </p:spPr>
+      </p:pic>
+    </p:spTree>
+    <p:extLst>
+      <p:ext uri="{BB962C8B-B14F-4D97-AF65-F5344CB8AC3E}">
+        <p14:creationId xmlns:p14="http://schemas.microsoft.com/office/powerpoint/2010/main" val="389099956"/>
+      </p:ext>
+    </p:extLst>
+  </p:cSld>
+  <p:clrMapOvr>
+    <a:masterClrMapping/>
+  </p:clrMapOvr>
+</p:sld>
+</file>
+
+<file path=ppt/slides/slide23.xml><?xml version="1.0" encoding="utf-8"?>
+<p:sld xmlns:a="http://schemas.openxmlformats.org/drawingml/2006/main" xmlns:r="http://schemas.openxmlformats.org/officeDocument/2006/relationships" xmlns:p="http://schemas.openxmlformats.org/presentationml/2006/main">
+  <p:cSld>
+    <p:bg>
+      <p:bgPr>
+        <a:solidFill>
+          <a:srgbClr val="000000"/>
+        </a:solidFill>
+        <a:effectLst/>
+      </p:bgPr>
+    </p:bg>
+    <p:spTree>
+      <p:nvGrpSpPr>
+        <p:cNvPr id="1" name=""/>
+        <p:cNvGrpSpPr/>
+        <p:nvPr/>
+      </p:nvGrpSpPr>
+      <p:grpSpPr>
+        <a:xfrm>
+          <a:off x="0" y="0"/>
+          <a:ext cx="0" cy="0"/>
+          <a:chOff x="0" y="0"/>
+          <a:chExt cx="0" cy="0"/>
+        </a:xfrm>
+      </p:grpSpPr>
+      <p:sp>
+        <p:nvSpPr>
+          <p:cNvPr id="161" name="CustomShape 1"/>
+          <p:cNvSpPr/>
+          <p:nvPr/>
+        </p:nvSpPr>
+        <p:spPr>
+          <a:xfrm>
+            <a:off x="4114800" y="1257120"/>
+            <a:ext cx="4774680" cy="2949120"/>
+          </a:xfrm>
+          <a:prstGeom prst="rect">
+            <a:avLst/>
+          </a:prstGeom>
+          <a:noFill/>
+          <a:ln>
+            <a:noFill/>
+          </a:ln>
+        </p:spPr>
+        <p:style>
+          <a:lnRef idx="0">
+            <a:scrgbClr r="0" g="0" b="0"/>
+          </a:lnRef>
+          <a:fillRef idx="0">
+            <a:scrgbClr r="0" g="0" b="0"/>
+          </a:fillRef>
+          <a:effectRef idx="0">
+            <a:scrgbClr r="0" g="0" b="0"/>
+          </a:effectRef>
+          <a:fontRef idx="minor"/>
+        </p:style>
+      </p:sp>
+      <p:sp>
+        <p:nvSpPr>
+          <p:cNvPr id="162" name="CustomShape 2"/>
+          <p:cNvSpPr/>
+          <p:nvPr/>
+        </p:nvSpPr>
+        <p:spPr>
+          <a:xfrm>
+            <a:off x="0" y="5118480"/>
+            <a:ext cx="9143640" cy="33120"/>
+          </a:xfrm>
+          <a:prstGeom prst="rect">
+            <a:avLst/>
+          </a:prstGeom>
+          <a:solidFill>
+            <a:srgbClr val="C1D82F"/>
+          </a:solidFill>
+          <a:ln>
+            <a:noFill/>
+          </a:ln>
+        </p:spPr>
+        <p:style>
+          <a:lnRef idx="0">
+            <a:scrgbClr r="0" g="0" b="0"/>
+          </a:lnRef>
+          <a:fillRef idx="0">
+            <a:scrgbClr r="0" g="0" b="0"/>
+          </a:fillRef>
+          <a:effectRef idx="0">
+            <a:scrgbClr r="0" g="0" b="0"/>
+          </a:effectRef>
+          <a:fontRef idx="minor"/>
+        </p:style>
+      </p:sp>
+      <p:sp>
+        <p:nvSpPr>
+          <p:cNvPr id="163" name="CustomShape 3"/>
+          <p:cNvSpPr/>
+          <p:nvPr/>
+        </p:nvSpPr>
+        <p:spPr>
+          <a:xfrm>
+            <a:off x="0" y="216360"/>
+            <a:ext cx="9143640" cy="552240"/>
+          </a:xfrm>
+          <a:prstGeom prst="rect">
+            <a:avLst/>
+          </a:prstGeom>
+          <a:noFill/>
+          <a:ln>
+            <a:noFill/>
+          </a:ln>
+        </p:spPr>
+        <p:style>
+          <a:lnRef idx="0">
+            <a:scrgbClr r="0" g="0" b="0"/>
+          </a:lnRef>
+          <a:fillRef idx="0">
+            <a:scrgbClr r="0" g="0" b="0"/>
+          </a:fillRef>
+          <a:effectRef idx="0">
+            <a:scrgbClr r="0" g="0" b="0"/>
+          </a:effectRef>
+          <a:fontRef idx="minor"/>
+        </p:style>
+        <p:txBody>
+          <a:bodyPr tIns="91440" bIns="91440">
+            <a:noAutofit/>
+          </a:bodyPr>
+          <a:lstStyle/>
+          <a:p>
+            <a:pPr algn="ctr">
+              <a:lnSpc>
+                <a:spcPct val="100000"/>
+              </a:lnSpc>
+            </a:pPr>
+            <a:r>
+              <a:rPr lang="en-US" sz="2400" dirty="0">
+                <a:solidFill>
+                  <a:srgbClr val="96B51A"/>
+                </a:solidFill>
+                <a:cs typeface="Arial" panose="020B0604020202020204"/>
+              </a:rPr>
+              <a:t>Advantage / Disadvantage</a:t>
+            </a:r>
+          </a:p>
+        </p:txBody>
+      </p:sp>
+      <p:pic>
+        <p:nvPicPr>
+          <p:cNvPr id="2052" name="Picture 4" descr="Image result for homer doh without background">
+            <a:extLst>
+              <a:ext uri="{FF2B5EF4-FFF2-40B4-BE49-F238E27FC236}">
+                <a16:creationId xmlns:a16="http://schemas.microsoft.com/office/drawing/2014/main" id="{11E286D0-5068-4F11-B530-2A07C6DE6257}"/>
+              </a:ext>
+            </a:extLst>
+          </p:cNvPr>
+          <p:cNvPicPr>
+            <a:picLocks noChangeAspect="1" noChangeArrowheads="1"/>
+          </p:cNvPicPr>
+          <p:nvPr/>
+        </p:nvPicPr>
+        <p:blipFill>
+          <a:blip r:embed="rId2">
+            <a:extLst>
+              <a:ext uri="{28A0092B-C50C-407E-A947-70E740481C1C}">
+                <a14:useLocalDpi xmlns:a14="http://schemas.microsoft.com/office/drawing/2010/main" val="0"/>
+              </a:ext>
+            </a:extLst>
+          </a:blip>
+          <a:srcRect/>
+          <a:stretch>
+            <a:fillRect/>
+          </a:stretch>
+        </p:blipFill>
+        <p:spPr bwMode="auto">
+          <a:xfrm>
+            <a:off x="7228873" y="1877087"/>
+            <a:ext cx="1041660" cy="1222930"/>
+          </a:xfrm>
+          <a:prstGeom prst="rect">
+            <a:avLst/>
+          </a:prstGeom>
+          <a:noFill/>
+          <a:extLst>
+            <a:ext uri="{909E8E84-426E-40DD-AFC4-6F175D3DCCD1}">
+              <a14:hiddenFill xmlns:a14="http://schemas.microsoft.com/office/drawing/2010/main">
+                <a:solidFill>
+                  <a:srgbClr val="FFFFFF"/>
+                </a:solidFill>
+              </a14:hiddenFill>
+            </a:ext>
+          </a:extLst>
+        </p:spPr>
+      </p:pic>
+      <p:sp>
+        <p:nvSpPr>
+          <p:cNvPr id="8" name="TextBox 7">
+            <a:extLst>
+              <a:ext uri="{FF2B5EF4-FFF2-40B4-BE49-F238E27FC236}">
+                <a16:creationId xmlns:a16="http://schemas.microsoft.com/office/drawing/2014/main" id="{9C617690-E301-490D-911B-C2A27BA0B8DA}"/>
+              </a:ext>
+            </a:extLst>
+          </p:cNvPr>
+          <p:cNvSpPr txBox="1"/>
+          <p:nvPr/>
+        </p:nvSpPr>
+        <p:spPr>
+          <a:xfrm>
+            <a:off x="439251" y="1189213"/>
+            <a:ext cx="5920737" cy="1815882"/>
+          </a:xfrm>
+          <a:prstGeom prst="rect">
+            <a:avLst/>
+          </a:prstGeom>
+          <a:noFill/>
+        </p:spPr>
+        <p:txBody>
+          <a:bodyPr wrap="square" rtlCol="0">
+            <a:spAutoFit/>
+          </a:bodyPr>
+          <a:lstStyle/>
+          <a:p>
+            <a:pPr algn="just"/>
+            <a:r>
+              <a:rPr lang="en-US" sz="1400" dirty="0">
+                <a:solidFill>
+                  <a:schemeClr val="bg1"/>
+                </a:solidFill>
+              </a:rPr>
+              <a:t>Disadvantage:</a:t>
+            </a:r>
+          </a:p>
+          <a:p>
+            <a:pPr algn="just"/>
+            <a:endParaRPr lang="en-US" sz="1400" dirty="0">
+              <a:solidFill>
+                <a:schemeClr val="bg1"/>
+              </a:solidFill>
+            </a:endParaRPr>
+          </a:p>
+          <a:p>
+            <a:pPr marL="742950" lvl="1" indent="-285750" algn="just">
+              <a:buFont typeface="Arial" panose="020B0604020202020204" pitchFamily="34" charset="0"/>
+              <a:buChar char="•"/>
+            </a:pPr>
+            <a:r>
+              <a:rPr lang="en-US" sz="1400" dirty="0">
+                <a:solidFill>
+                  <a:schemeClr val="bg1"/>
+                </a:solidFill>
+              </a:rPr>
+              <a:t>Someone calls it “antipattern”</a:t>
+            </a:r>
+          </a:p>
+          <a:p>
+            <a:pPr lvl="1" algn="just"/>
+            <a:endParaRPr lang="en-US" sz="1400" dirty="0">
+              <a:solidFill>
+                <a:schemeClr val="bg1"/>
+              </a:solidFill>
+            </a:endParaRPr>
+          </a:p>
+          <a:p>
+            <a:pPr marL="742950" lvl="1" indent="-285750" algn="just">
+              <a:buFont typeface="Arial" panose="020B0604020202020204" pitchFamily="34" charset="0"/>
+              <a:buChar char="•"/>
+            </a:pPr>
+            <a:r>
+              <a:rPr lang="en-US" sz="1400" dirty="0">
+                <a:solidFill>
+                  <a:schemeClr val="bg1"/>
+                </a:solidFill>
+              </a:rPr>
+              <a:t>Can violate the Single Responsibility </a:t>
+            </a:r>
+          </a:p>
+          <a:p>
+            <a:pPr marL="742950" lvl="1" indent="-285750" algn="just">
+              <a:buFont typeface="Arial" panose="020B0604020202020204" pitchFamily="34" charset="0"/>
+              <a:buChar char="•"/>
+            </a:pPr>
+            <a:endParaRPr lang="en-US" sz="1400" dirty="0">
+              <a:solidFill>
+                <a:schemeClr val="bg1"/>
+              </a:solidFill>
+            </a:endParaRPr>
+          </a:p>
+          <a:p>
+            <a:pPr marL="742950" lvl="1" indent="-285750" algn="just">
+              <a:buFont typeface="Arial" panose="020B0604020202020204" pitchFamily="34" charset="0"/>
+              <a:buChar char="•"/>
+            </a:pPr>
+            <a:r>
+              <a:rPr lang="en-US" sz="1400" dirty="0">
+                <a:solidFill>
+                  <a:schemeClr val="bg1"/>
+                </a:solidFill>
+              </a:rPr>
+              <a:t>Not always is thread safe  </a:t>
+            </a:r>
+          </a:p>
+          <a:p>
+            <a:pPr marL="742950" lvl="1" indent="-285750" algn="just">
+              <a:buFont typeface="Arial" panose="020B0604020202020204" pitchFamily="34" charset="0"/>
+              <a:buChar char="•"/>
+            </a:pPr>
+            <a:endParaRPr lang="en-US" sz="1400" dirty="0">
+              <a:solidFill>
+                <a:schemeClr val="bg1"/>
+              </a:solidFill>
+            </a:endParaRPr>
+          </a:p>
+        </p:txBody>
+      </p:sp>
+    </p:spTree>
+    <p:extLst>
+      <p:ext uri="{BB962C8B-B14F-4D97-AF65-F5344CB8AC3E}">
+        <p14:creationId xmlns:p14="http://schemas.microsoft.com/office/powerpoint/2010/main" val="3419465595"/>
+      </p:ext>
+    </p:extLst>
+  </p:cSld>
+  <p:clrMapOvr>
+    <a:masterClrMapping/>
+  </p:clrMapOvr>
+</p:sld>
+</file>
+
+<file path=ppt/slides/slide24.xml><?xml version="1.0" encoding="utf-8"?>
+<p:sld xmlns:a="http://schemas.openxmlformats.org/drawingml/2006/main" xmlns:r="http://schemas.openxmlformats.org/officeDocument/2006/relationships" xmlns:p="http://schemas.openxmlformats.org/presentationml/2006/main">
+  <p:cSld>
     <p:spTree>
       <p:nvGrpSpPr>
         <p:cNvPr id="1" name=""/>
@@ -7920,7 +8813,7 @@
 </p:sld>
 </file>
 
-<file path=ppt/slides/slide22.xml><?xml version="1.0" encoding="utf-8"?>
+<file path=ppt/slides/slide25.xml><?xml version="1.0" encoding="utf-8"?>
 <p:sld xmlns:a="http://schemas.openxmlformats.org/drawingml/2006/main" xmlns:r="http://schemas.openxmlformats.org/officeDocument/2006/relationships" xmlns:p="http://schemas.openxmlformats.org/presentationml/2006/main">
   <p:cSld>
     <p:bg>

--- a/Design Patterns/Design Patterns.pptx
+++ b/Design Patterns/Design Patterns.pptx
@@ -11,26 +11,28 @@
     <p:sldId id="258" r:id="rId5"/>
     <p:sldId id="293" r:id="rId6"/>
     <p:sldId id="264" r:id="rId7"/>
-    <p:sldId id="265" r:id="rId8"/>
-    <p:sldId id="273" r:id="rId9"/>
-    <p:sldId id="274" r:id="rId10"/>
-    <p:sldId id="275" r:id="rId11"/>
-    <p:sldId id="276" r:id="rId12"/>
-    <p:sldId id="277" r:id="rId13"/>
-    <p:sldId id="283" r:id="rId14"/>
-    <p:sldId id="285" r:id="rId15"/>
-    <p:sldId id="291" r:id="rId16"/>
-    <p:sldId id="286" r:id="rId17"/>
-    <p:sldId id="292" r:id="rId18"/>
-    <p:sldId id="288" r:id="rId19"/>
-    <p:sldId id="290" r:id="rId20"/>
-    <p:sldId id="296" r:id="rId21"/>
-    <p:sldId id="297" r:id="rId22"/>
-    <p:sldId id="299" r:id="rId23"/>
-    <p:sldId id="300" r:id="rId24"/>
-    <p:sldId id="301" r:id="rId25"/>
-    <p:sldId id="294" r:id="rId26"/>
-    <p:sldId id="295" r:id="rId27"/>
+    <p:sldId id="302" r:id="rId8"/>
+    <p:sldId id="265" r:id="rId9"/>
+    <p:sldId id="273" r:id="rId10"/>
+    <p:sldId id="274" r:id="rId11"/>
+    <p:sldId id="303" r:id="rId12"/>
+    <p:sldId id="275" r:id="rId13"/>
+    <p:sldId id="276" r:id="rId14"/>
+    <p:sldId id="277" r:id="rId15"/>
+    <p:sldId id="283" r:id="rId16"/>
+    <p:sldId id="285" r:id="rId17"/>
+    <p:sldId id="291" r:id="rId18"/>
+    <p:sldId id="286" r:id="rId19"/>
+    <p:sldId id="292" r:id="rId20"/>
+    <p:sldId id="288" r:id="rId21"/>
+    <p:sldId id="290" r:id="rId22"/>
+    <p:sldId id="296" r:id="rId23"/>
+    <p:sldId id="297" r:id="rId24"/>
+    <p:sldId id="299" r:id="rId25"/>
+    <p:sldId id="300" r:id="rId26"/>
+    <p:sldId id="301" r:id="rId27"/>
+    <p:sldId id="294" r:id="rId28"/>
+    <p:sldId id="295" r:id="rId29"/>
   </p:sldIdLst>
   <p:sldSz cx="9144000" cy="5143500" type="screen16x9"/>
   <p:notesSz cx="6858000" cy="9144000"/>
@@ -4459,7 +4461,7 @@
       </p:grpSpPr>
       <p:sp>
         <p:nvSpPr>
-          <p:cNvPr id="140" name="CustomShape 1"/>
+          <p:cNvPr id="100" name="CustomShape 1"/>
           <p:cNvSpPr/>
           <p:nvPr/>
         </p:nvSpPr>
@@ -4493,7 +4495,7 @@
       </p:sp>
       <p:sp>
         <p:nvSpPr>
-          <p:cNvPr id="141" name="CustomShape 2"/>
+          <p:cNvPr id="101" name="CustomShape 2"/>
           <p:cNvSpPr/>
           <p:nvPr/>
         </p:nvSpPr>
@@ -4540,56 +4542,21 @@
                 </a:solidFill>
                 <a:cs typeface="Arial" panose="020B0604020202020204"/>
               </a:rPr>
-              <a:t>Adapter – Diagram of Sequence</a:t>
+              <a:t>Adapter Pattern - Advantages / Disadvantage</a:t>
             </a:r>
           </a:p>
         </p:txBody>
       </p:sp>
-      <p:pic>
-        <p:nvPicPr>
-          <p:cNvPr id="142" name="Picture 2"/>
-          <p:cNvPicPr/>
-          <p:nvPr/>
-        </p:nvPicPr>
-        <p:blipFill>
-          <a:blip r:embed="rId2"/>
-          <a:stretch/>
-        </p:blipFill>
-        <p:spPr>
-          <a:xfrm>
-            <a:off x="393405" y="1252800"/>
-            <a:ext cx="4784524" cy="3080160"/>
-          </a:xfrm>
-          <a:prstGeom prst="rect">
-            <a:avLst/>
-          </a:prstGeom>
-          <a:ln/>
-        </p:spPr>
-        <p:style>
-          <a:lnRef idx="2">
-            <a:schemeClr val="accent3"/>
-          </a:lnRef>
-          <a:fillRef idx="1">
-            <a:schemeClr val="lt1"/>
-          </a:fillRef>
-          <a:effectRef idx="0">
-            <a:schemeClr val="accent3"/>
-          </a:effectRef>
-          <a:fontRef idx="minor">
-            <a:schemeClr val="dk1"/>
-          </a:fontRef>
-        </p:style>
-      </p:pic>
-      <p:sp>
-        <p:nvSpPr>
-          <p:cNvPr id="143" name="CustomShape 3"/>
+      <p:sp>
+        <p:nvSpPr>
+          <p:cNvPr id="102" name="CustomShape 3"/>
           <p:cNvSpPr/>
           <p:nvPr/>
         </p:nvSpPr>
         <p:spPr>
           <a:xfrm>
-            <a:off x="5568840" y="1186920"/>
-            <a:ext cx="3475800" cy="3146040"/>
+            <a:off x="187020" y="1006468"/>
+            <a:ext cx="3970310" cy="3440160"/>
           </a:xfrm>
           <a:prstGeom prst="rect">
             <a:avLst/>
@@ -4617,311 +4584,399 @@
           </a:bodyPr>
           <a:lstStyle/>
           <a:p>
-            <a:pPr marL="488880" indent="-342720" algn="just">
+            <a:pPr marL="146160" algn="just">
               <a:lnSpc>
                 <a:spcPct val="100000"/>
               </a:lnSpc>
-              <a:buClr>
+            </a:pPr>
+            <a:endParaRPr lang="en-US" sz="1300" b="0" strike="noStrike" spc="-1" dirty="0">
+              <a:solidFill>
                 <a:srgbClr val="FFFFFF"/>
-              </a:buClr>
-              <a:buFont typeface="Arial"/>
-              <a:buAutoNum type="arabicPeriod"/>
-            </a:pPr>
-            <a:r>
-              <a:rPr lang="en-US" sz="1400" b="0" strike="noStrike" spc="-1" dirty="0">
-                <a:solidFill>
-                  <a:srgbClr val="FFFFFF"/>
-                </a:solidFill>
-                <a:ea typeface="Nunito Sans"/>
-              </a:rPr>
-              <a:t>The </a:t>
-            </a:r>
-            <a:r>
-              <a:rPr lang="en-US" sz="1400" b="0" strike="noStrike" spc="-1" dirty="0">
-                <a:solidFill>
-                  <a:srgbClr val="FF0000"/>
-                </a:solidFill>
-                <a:ea typeface="Nunito Sans"/>
-              </a:rPr>
-              <a:t>Client</a:t>
-            </a:r>
-            <a:r>
-              <a:rPr lang="en-US" sz="1400" b="0" strike="noStrike" spc="-1" dirty="0">
-                <a:solidFill>
-                  <a:srgbClr val="FFFFFF"/>
-                </a:solidFill>
-                <a:ea typeface="Nunito Sans"/>
-              </a:rPr>
-              <a:t> invokes the Adapter with generic parameters.</a:t>
-            </a:r>
-            <a:endParaRPr lang="en-US" sz="1400" b="0" strike="noStrike" spc="-1" dirty="0"/>
-          </a:p>
-          <a:p>
-            <a:pPr marL="488880" indent="-342720" algn="just">
+              </a:solidFill>
+              <a:latin typeface="Nunito Sans"/>
+              <a:ea typeface="Nunito Sans"/>
+            </a:endParaRPr>
+          </a:p>
+          <a:p>
+            <a:pPr marL="431910" indent="-285750" algn="just">
               <a:lnSpc>
                 <a:spcPct val="100000"/>
               </a:lnSpc>
-              <a:buClr>
-                <a:srgbClr val="FFFFFF"/>
-              </a:buClr>
-              <a:buFont typeface="Arial"/>
-              <a:buAutoNum type="arabicPeriod"/>
-            </a:pPr>
-            <a:r>
-              <a:rPr lang="en-US" sz="1400" b="0" strike="noStrike" spc="-1" dirty="0">
+              <a:buFont typeface="Arial" panose="020B0604020202020204" pitchFamily="34" charset="0"/>
+              <a:buChar char="•"/>
+            </a:pPr>
+            <a:r>
+              <a:rPr lang="en-US" sz="1400" spc="-1" dirty="0">
                 <a:solidFill>
                   <a:srgbClr val="FFFFFF"/>
                 </a:solidFill>
                 <a:ea typeface="Nunito Sans"/>
               </a:rPr>
-              <a:t>The </a:t>
-            </a:r>
-            <a:r>
-              <a:rPr lang="en-US" sz="1400" b="0" strike="noStrike" spc="-1" dirty="0">
-                <a:solidFill>
-                  <a:srgbClr val="FF0000"/>
-                </a:solidFill>
-                <a:ea typeface="Nunito Sans"/>
-              </a:rPr>
-              <a:t>Adapter</a:t>
-            </a:r>
-            <a:r>
-              <a:rPr lang="en-US" sz="1400" b="0" strike="noStrike" spc="-1" dirty="0">
-                <a:solidFill>
-                  <a:srgbClr val="FFFFFF"/>
-                </a:solidFill>
-                <a:ea typeface="Nunito Sans"/>
-              </a:rPr>
-              <a:t> converts the generic parameters into specific </a:t>
-            </a:r>
-            <a:r>
-              <a:rPr lang="en-US" sz="1400" b="0" strike="noStrike" spc="-1" dirty="0" err="1">
-                <a:solidFill>
-                  <a:srgbClr val="FFFFFF"/>
-                </a:solidFill>
-                <a:ea typeface="Nunito Sans"/>
-              </a:rPr>
-              <a:t>Adaptee</a:t>
-            </a:r>
-            <a:r>
-              <a:rPr lang="en-US" sz="1400" b="0" strike="noStrike" spc="-1" dirty="0">
-                <a:solidFill>
-                  <a:srgbClr val="FFFFFF"/>
-                </a:solidFill>
-                <a:ea typeface="Nunito Sans"/>
-              </a:rPr>
-              <a:t> parameters.</a:t>
-            </a:r>
-            <a:endParaRPr lang="en-US" sz="1400" b="0" strike="noStrike" spc="-1" dirty="0"/>
-          </a:p>
-          <a:p>
-            <a:pPr marL="488880" indent="-342720" algn="just">
+              <a:t>It makes two incompatible interfaces be compatible. It can serve to encapsulate classes that we do not control, and that can change.</a:t>
+            </a:r>
+          </a:p>
+          <a:p>
+            <a:pPr marL="431910" indent="-285750" algn="just">
               <a:lnSpc>
                 <a:spcPct val="100000"/>
               </a:lnSpc>
-              <a:buClr>
+              <a:buFont typeface="Arial" panose="020B0604020202020204" pitchFamily="34" charset="0"/>
+              <a:buChar char="•"/>
+            </a:pPr>
+            <a:endParaRPr lang="en-US" sz="1400" spc="-1" dirty="0">
+              <a:solidFill>
                 <a:srgbClr val="FFFFFF"/>
-              </a:buClr>
-              <a:buFont typeface="Arial"/>
-              <a:buAutoNum type="arabicPeriod"/>
-            </a:pPr>
-            <a:r>
-              <a:rPr lang="en-US" sz="1400" b="0" strike="noStrike" spc="-1" dirty="0">
-                <a:solidFill>
-                  <a:srgbClr val="FFFFFF"/>
-                </a:solidFill>
-                <a:ea typeface="Nunito Sans"/>
-              </a:rPr>
-              <a:t>The </a:t>
-            </a:r>
-            <a:r>
-              <a:rPr lang="en-US" sz="1400" b="0" strike="noStrike" spc="-1" dirty="0">
-                <a:solidFill>
-                  <a:srgbClr val="FF0000"/>
-                </a:solidFill>
-                <a:ea typeface="Nunito Sans"/>
-              </a:rPr>
-              <a:t>Adapter</a:t>
-            </a:r>
-            <a:r>
-              <a:rPr lang="en-US" sz="1400" b="0" strike="noStrike" spc="-1" dirty="0">
-                <a:solidFill>
-                  <a:srgbClr val="FFFFFF"/>
-                </a:solidFill>
-                <a:ea typeface="Nunito Sans"/>
-              </a:rPr>
-              <a:t> invokes the </a:t>
-            </a:r>
-            <a:r>
-              <a:rPr lang="en-US" sz="1400" b="0" strike="noStrike" spc="-1" dirty="0" err="1">
-                <a:solidFill>
-                  <a:srgbClr val="FF0000"/>
-                </a:solidFill>
-                <a:ea typeface="Nunito Sans"/>
-              </a:rPr>
-              <a:t>Adaptee</a:t>
-            </a:r>
-            <a:r>
-              <a:rPr lang="en-US" sz="1400" b="0" strike="noStrike" spc="-1" dirty="0">
-                <a:solidFill>
-                  <a:srgbClr val="FFFFFF"/>
-                </a:solidFill>
-                <a:ea typeface="Nunito Sans"/>
-              </a:rPr>
-              <a:t>.</a:t>
-            </a:r>
-            <a:endParaRPr lang="en-US" sz="1400" b="0" strike="noStrike" spc="-1" dirty="0"/>
-          </a:p>
-          <a:p>
-            <a:pPr marL="488880" indent="-342720" algn="just">
+              </a:solidFill>
+              <a:ea typeface="Nunito Sans"/>
+            </a:endParaRPr>
+          </a:p>
+          <a:p>
+            <a:pPr marL="431910" indent="-285750" algn="just">
               <a:lnSpc>
                 <a:spcPct val="100000"/>
               </a:lnSpc>
-              <a:buClr>
-                <a:srgbClr val="FFFFFF"/>
-              </a:buClr>
-              <a:buFont typeface="Arial"/>
-              <a:buAutoNum type="arabicPeriod"/>
-            </a:pPr>
-            <a:r>
-              <a:rPr lang="en-US" sz="1400" b="0" strike="noStrike" spc="-1" dirty="0">
+              <a:buFont typeface="Arial" panose="020B0604020202020204" pitchFamily="34" charset="0"/>
+              <a:buChar char="•"/>
+            </a:pPr>
+            <a:r>
+              <a:rPr lang="en-US" sz="1400" spc="-1" dirty="0">
                 <a:solidFill>
                   <a:srgbClr val="FFFFFF"/>
                 </a:solidFill>
                 <a:ea typeface="Nunito Sans"/>
               </a:rPr>
-              <a:t>The </a:t>
-            </a:r>
-            <a:r>
-              <a:rPr lang="en-US" sz="1400" b="0" strike="noStrike" spc="-1" dirty="0" err="1">
-                <a:solidFill>
-                  <a:srgbClr val="FF0000"/>
-                </a:solidFill>
-                <a:ea typeface="Nunito Sans"/>
-              </a:rPr>
-              <a:t>Adaptee</a:t>
-            </a:r>
-            <a:r>
-              <a:rPr lang="en-US" sz="1400" b="0" strike="noStrike" spc="-1" dirty="0">
-                <a:solidFill>
-                  <a:srgbClr val="FF0000"/>
-                </a:solidFill>
-                <a:ea typeface="Nunito Sans"/>
-              </a:rPr>
-              <a:t> </a:t>
-            </a:r>
-            <a:r>
-              <a:rPr lang="en-US" sz="1400" b="0" strike="noStrike" spc="-1" dirty="0">
-                <a:solidFill>
-                  <a:srgbClr val="FFFFFF"/>
-                </a:solidFill>
-                <a:ea typeface="Nunito Sans"/>
-              </a:rPr>
-              <a:t>responds.</a:t>
+              <a:t>Integrate with external systems.</a:t>
             </a:r>
             <a:endParaRPr lang="en-US" sz="1400" b="0" strike="noStrike" spc="-1" dirty="0"/>
           </a:p>
           <a:p>
-            <a:pPr marL="488880" indent="-342720" algn="just">
+            <a:pPr marL="146160" algn="just">
               <a:lnSpc>
                 <a:spcPct val="100000"/>
               </a:lnSpc>
-              <a:buClr>
-                <a:srgbClr val="FFFFFF"/>
-              </a:buClr>
-              <a:buFont typeface="Arial"/>
-              <a:buAutoNum type="arabicPeriod"/>
-            </a:pPr>
-            <a:r>
-              <a:rPr lang="en-US" sz="1400" b="0" strike="noStrike" spc="-1" dirty="0">
-                <a:solidFill>
-                  <a:srgbClr val="FFFFFF"/>
-                </a:solidFill>
-                <a:ea typeface="Nunito Sans"/>
-              </a:rPr>
-              <a:t>The </a:t>
-            </a:r>
-            <a:r>
-              <a:rPr lang="en-US" sz="1400" b="0" strike="noStrike" spc="-1" dirty="0">
-                <a:solidFill>
-                  <a:srgbClr val="FF0000"/>
-                </a:solidFill>
-                <a:ea typeface="Nunito Sans"/>
-              </a:rPr>
-              <a:t>Adapter</a:t>
-            </a:r>
-            <a:r>
-              <a:rPr lang="en-US" sz="1400" b="0" strike="noStrike" spc="-1" dirty="0">
-                <a:solidFill>
-                  <a:srgbClr val="FFFFFF"/>
-                </a:solidFill>
-                <a:ea typeface="Nunito Sans"/>
-              </a:rPr>
-              <a:t> converts the response of the </a:t>
-            </a:r>
-            <a:r>
-              <a:rPr lang="en-US" sz="1400" b="0" strike="noStrike" spc="-1" dirty="0" err="1">
-                <a:solidFill>
-                  <a:srgbClr val="FF0000"/>
-                </a:solidFill>
-                <a:ea typeface="Nunito Sans"/>
-              </a:rPr>
-              <a:t>Adaptee</a:t>
-            </a:r>
-            <a:r>
-              <a:rPr lang="en-US" sz="1400" b="0" strike="noStrike" spc="-1" dirty="0">
-                <a:solidFill>
-                  <a:srgbClr val="FFFFFF"/>
-                </a:solidFill>
-                <a:ea typeface="Nunito Sans"/>
-              </a:rPr>
-              <a:t> to a generic response for the Client.</a:t>
-            </a:r>
-            <a:endParaRPr lang="en-US" sz="1400" b="0" strike="noStrike" spc="-1" dirty="0"/>
-          </a:p>
-          <a:p>
-            <a:pPr marL="488880" indent="-342720" algn="just">
+            </a:pPr>
+            <a:endParaRPr lang="en-US" sz="1300" b="0" strike="noStrike" spc="-1" dirty="0">
+              <a:latin typeface="Arial"/>
+            </a:endParaRPr>
+          </a:p>
+          <a:p>
+            <a:pPr marL="146160" algn="just">
               <a:lnSpc>
                 <a:spcPct val="100000"/>
               </a:lnSpc>
-              <a:buClr>
+            </a:pPr>
+            <a:endParaRPr lang="en-US" sz="1300" b="0" strike="noStrike" spc="-1" dirty="0">
+              <a:latin typeface="Arial"/>
+            </a:endParaRPr>
+          </a:p>
+          <a:p>
+            <a:pPr marL="146160" algn="just">
+              <a:lnSpc>
+                <a:spcPct val="100000"/>
+              </a:lnSpc>
+            </a:pPr>
+            <a:endParaRPr lang="en-US" sz="1300" b="0" strike="noStrike" spc="-1" dirty="0">
+              <a:latin typeface="Arial"/>
+            </a:endParaRPr>
+          </a:p>
+          <a:p>
+            <a:pPr marL="457200" algn="just">
+              <a:lnSpc>
+                <a:spcPct val="100000"/>
+              </a:lnSpc>
+            </a:pPr>
+            <a:endParaRPr lang="en-US" sz="1300" b="0" strike="noStrike" spc="-1" dirty="0">
+              <a:latin typeface="Arial"/>
+            </a:endParaRPr>
+          </a:p>
+          <a:p>
+            <a:pPr marL="457200" algn="just">
+              <a:lnSpc>
+                <a:spcPct val="100000"/>
+              </a:lnSpc>
+            </a:pPr>
+            <a:endParaRPr lang="en-US" sz="1300" b="0" strike="noStrike" spc="-1" dirty="0">
+              <a:latin typeface="Arial"/>
+            </a:endParaRPr>
+          </a:p>
+          <a:p>
+            <a:pPr marL="457200" algn="just">
+              <a:lnSpc>
+                <a:spcPct val="100000"/>
+              </a:lnSpc>
+            </a:pPr>
+            <a:endParaRPr lang="en-US" sz="1300" b="0" strike="noStrike" spc="-1" dirty="0">
+              <a:latin typeface="Arial"/>
+            </a:endParaRPr>
+          </a:p>
+          <a:p>
+            <a:pPr marL="457200" algn="just">
+              <a:lnSpc>
+                <a:spcPct val="100000"/>
+              </a:lnSpc>
+            </a:pPr>
+            <a:endParaRPr lang="en-US" sz="1300" b="0" strike="noStrike" spc="-1" dirty="0">
+              <a:latin typeface="Arial"/>
+            </a:endParaRPr>
+          </a:p>
+        </p:txBody>
+      </p:sp>
+      <p:pic>
+        <p:nvPicPr>
+          <p:cNvPr id="1026" name="Picture 2" descr="Resultado de imagen para Ventajas">
+            <a:extLst>
+              <a:ext uri="{FF2B5EF4-FFF2-40B4-BE49-F238E27FC236}">
+                <a16:creationId xmlns:a16="http://schemas.microsoft.com/office/drawing/2014/main" id="{B1A1B30A-C63B-40E0-867A-E4C961F987BE}"/>
+              </a:ext>
+            </a:extLst>
+          </p:cNvPr>
+          <p:cNvPicPr>
+            <a:picLocks noChangeAspect="1" noChangeArrowheads="1"/>
+          </p:cNvPicPr>
+          <p:nvPr/>
+        </p:nvPicPr>
+        <p:blipFill>
+          <a:blip r:embed="rId2">
+            <a:extLst>
+              <a:ext uri="{28A0092B-C50C-407E-A947-70E740481C1C}">
+                <a14:useLocalDpi xmlns:a14="http://schemas.microsoft.com/office/drawing/2010/main" val="0"/>
+              </a:ext>
+            </a:extLst>
+          </a:blip>
+          <a:srcRect/>
+          <a:stretch>
+            <a:fillRect/>
+          </a:stretch>
+        </p:blipFill>
+        <p:spPr bwMode="auto">
+          <a:xfrm>
+            <a:off x="1047450" y="2726548"/>
+            <a:ext cx="1124725" cy="1124725"/>
+          </a:xfrm>
+          <a:prstGeom prst="rect">
+            <a:avLst/>
+          </a:prstGeom>
+          <a:noFill/>
+          <a:extLst>
+            <a:ext uri="{909E8E84-426E-40DD-AFC4-6F175D3DCCD1}">
+              <a14:hiddenFill xmlns:a14="http://schemas.microsoft.com/office/drawing/2010/main">
+                <a:solidFill>
+                  <a:srgbClr val="FFFFFF"/>
+                </a:solidFill>
+              </a14:hiddenFill>
+            </a:ext>
+          </a:extLst>
+        </p:spPr>
+      </p:pic>
+      <p:sp>
+        <p:nvSpPr>
+          <p:cNvPr id="9" name="CustomShape 3">
+            <a:extLst>
+              <a:ext uri="{FF2B5EF4-FFF2-40B4-BE49-F238E27FC236}">
+                <a16:creationId xmlns:a16="http://schemas.microsoft.com/office/drawing/2014/main" id="{C95F245E-34B9-4CF8-A103-4D26BEA5FA0A}"/>
+              </a:ext>
+            </a:extLst>
+          </p:cNvPr>
+          <p:cNvSpPr/>
+          <p:nvPr/>
+        </p:nvSpPr>
+        <p:spPr>
+          <a:xfrm>
+            <a:off x="4571820" y="2509144"/>
+            <a:ext cx="3970310" cy="1464133"/>
+          </a:xfrm>
+          <a:prstGeom prst="rect">
+            <a:avLst/>
+          </a:prstGeom>
+          <a:noFill/>
+          <a:ln>
+            <a:noFill/>
+          </a:ln>
+        </p:spPr>
+        <p:style>
+          <a:lnRef idx="0">
+            <a:scrgbClr r="0" g="0" b="0"/>
+          </a:lnRef>
+          <a:fillRef idx="0">
+            <a:scrgbClr r="0" g="0" b="0"/>
+          </a:fillRef>
+          <a:effectRef idx="0">
+            <a:scrgbClr r="0" g="0" b="0"/>
+          </a:effectRef>
+          <a:fontRef idx="minor"/>
+        </p:style>
+        <p:txBody>
+          <a:bodyPr tIns="91440" bIns="91440">
+            <a:noAutofit/>
+          </a:bodyPr>
+          <a:lstStyle/>
+          <a:p>
+            <a:pPr marL="146160" algn="just">
+              <a:lnSpc>
+                <a:spcPct val="100000"/>
+              </a:lnSpc>
+            </a:pPr>
+            <a:endParaRPr lang="en-US" sz="1300" b="0" strike="noStrike" spc="-1" dirty="0">
+              <a:solidFill>
                 <a:srgbClr val="FFFFFF"/>
-              </a:buClr>
-              <a:buFont typeface="Arial"/>
-              <a:buAutoNum type="arabicPeriod"/>
-            </a:pPr>
-            <a:r>
-              <a:rPr lang="en-US" sz="1400" b="0" strike="noStrike" spc="-1" dirty="0">
+              </a:solidFill>
+              <a:latin typeface="Nunito Sans"/>
+              <a:ea typeface="Nunito Sans"/>
+            </a:endParaRPr>
+          </a:p>
+          <a:p>
+            <a:pPr marL="431910" indent="-285750" algn="just">
+              <a:lnSpc>
+                <a:spcPct val="100000"/>
+              </a:lnSpc>
+              <a:buFont typeface="Arial" panose="020B0604020202020204" pitchFamily="34" charset="0"/>
+              <a:buChar char="•"/>
+            </a:pPr>
+            <a:r>
+              <a:rPr lang="en-US" sz="1300" spc="-1" dirty="0">
                 <a:solidFill>
                   <a:srgbClr val="FFFFFF"/>
                 </a:solidFill>
                 <a:ea typeface="Nunito Sans"/>
               </a:rPr>
-              <a:t>The </a:t>
-            </a:r>
-            <a:r>
-              <a:rPr lang="en-US" sz="1400" b="0" strike="noStrike" spc="-1" dirty="0">
-                <a:solidFill>
-                  <a:srgbClr val="FF0000"/>
-                </a:solidFill>
-                <a:ea typeface="Nunito Sans"/>
-              </a:rPr>
-              <a:t>Adapter</a:t>
-            </a:r>
-            <a:r>
-              <a:rPr lang="en-US" sz="1400" b="0" strike="noStrike" spc="-1" dirty="0">
+              <a:t>Design complexity.</a:t>
+            </a:r>
+          </a:p>
+          <a:p>
+            <a:pPr marL="431910" indent="-285750" algn="just">
+              <a:lnSpc>
+                <a:spcPct val="100000"/>
+              </a:lnSpc>
+              <a:buFont typeface="Arial" panose="020B0604020202020204" pitchFamily="34" charset="0"/>
+              <a:buChar char="•"/>
+            </a:pPr>
+            <a:endParaRPr lang="en-US" sz="1300" b="0" strike="noStrike" spc="-1" dirty="0"/>
+          </a:p>
+          <a:p>
+            <a:pPr marL="146160" algn="just">
+              <a:lnSpc>
+                <a:spcPct val="100000"/>
+              </a:lnSpc>
+            </a:pPr>
+            <a:endParaRPr lang="en-US" sz="1300" b="0" strike="noStrike" spc="-1" dirty="0">
+              <a:latin typeface="Arial"/>
+            </a:endParaRPr>
+          </a:p>
+          <a:p>
+            <a:pPr marL="146160" algn="just">
+              <a:lnSpc>
+                <a:spcPct val="100000"/>
+              </a:lnSpc>
+            </a:pPr>
+            <a:endParaRPr lang="en-US" sz="1300" b="0" strike="noStrike" spc="-1" dirty="0">
+              <a:latin typeface="Arial"/>
+            </a:endParaRPr>
+          </a:p>
+          <a:p>
+            <a:pPr marL="146160" algn="just">
+              <a:lnSpc>
+                <a:spcPct val="100000"/>
+              </a:lnSpc>
+            </a:pPr>
+            <a:endParaRPr lang="en-US" sz="1300" b="0" strike="noStrike" spc="-1" dirty="0">
+              <a:latin typeface="Arial"/>
+            </a:endParaRPr>
+          </a:p>
+          <a:p>
+            <a:pPr marL="457200" algn="just">
+              <a:lnSpc>
+                <a:spcPct val="100000"/>
+              </a:lnSpc>
+            </a:pPr>
+            <a:endParaRPr lang="en-US" sz="1300" b="0" strike="noStrike" spc="-1" dirty="0">
+              <a:latin typeface="Arial"/>
+            </a:endParaRPr>
+          </a:p>
+          <a:p>
+            <a:pPr marL="457200" algn="just">
+              <a:lnSpc>
+                <a:spcPct val="100000"/>
+              </a:lnSpc>
+            </a:pPr>
+            <a:endParaRPr lang="en-US" sz="1300" b="0" strike="noStrike" spc="-1" dirty="0">
+              <a:latin typeface="Arial"/>
+            </a:endParaRPr>
+          </a:p>
+          <a:p>
+            <a:pPr marL="457200" algn="just">
+              <a:lnSpc>
+                <a:spcPct val="100000"/>
+              </a:lnSpc>
+            </a:pPr>
+            <a:endParaRPr lang="en-US" sz="1300" b="0" strike="noStrike" spc="-1" dirty="0">
+              <a:latin typeface="Arial"/>
+            </a:endParaRPr>
+          </a:p>
+          <a:p>
+            <a:pPr marL="457200" algn="just">
+              <a:lnSpc>
+                <a:spcPct val="100000"/>
+              </a:lnSpc>
+            </a:pPr>
+            <a:endParaRPr lang="en-US" sz="1300" b="0" strike="noStrike" spc="-1" dirty="0">
+              <a:latin typeface="Arial"/>
+            </a:endParaRPr>
+          </a:p>
+        </p:txBody>
+      </p:sp>
+      <p:pic>
+        <p:nvPicPr>
+          <p:cNvPr id="2050" name="Picture 2" descr="Resultado de imagen para Desventajas">
+            <a:extLst>
+              <a:ext uri="{FF2B5EF4-FFF2-40B4-BE49-F238E27FC236}">
+                <a16:creationId xmlns:a16="http://schemas.microsoft.com/office/drawing/2014/main" id="{8814DEAB-F4FA-415C-A58B-2444C9207212}"/>
+              </a:ext>
+            </a:extLst>
+          </p:cNvPr>
+          <p:cNvPicPr>
+            <a:picLocks noChangeAspect="1" noChangeArrowheads="1"/>
+          </p:cNvPicPr>
+          <p:nvPr/>
+        </p:nvPicPr>
+        <p:blipFill>
+          <a:blip r:embed="rId3">
+            <a:extLst>
+              <a:ext uri="{28A0092B-C50C-407E-A947-70E740481C1C}">
+                <a14:useLocalDpi xmlns:a14="http://schemas.microsoft.com/office/drawing/2010/main" val="0"/>
+              </a:ext>
+            </a:extLst>
+          </a:blip>
+          <a:srcRect/>
+          <a:stretch>
+            <a:fillRect/>
+          </a:stretch>
+        </p:blipFill>
+        <p:spPr bwMode="auto">
+          <a:xfrm>
+            <a:off x="5996763" y="3196256"/>
+            <a:ext cx="1669311" cy="1250372"/>
+          </a:xfrm>
+          <a:prstGeom prst="rect">
+            <a:avLst/>
+          </a:prstGeom>
+          <a:noFill/>
+          <a:extLst>
+            <a:ext uri="{909E8E84-426E-40DD-AFC4-6F175D3DCCD1}">
+              <a14:hiddenFill xmlns:a14="http://schemas.microsoft.com/office/drawing/2010/main">
                 <a:solidFill>
                   <a:srgbClr val="FFFFFF"/>
                 </a:solidFill>
-                <a:ea typeface="Nunito Sans"/>
-              </a:rPr>
-              <a:t> responds to the Client with a generic response.</a:t>
-            </a:r>
-            <a:endParaRPr lang="en-US" sz="1400" b="0" strike="noStrike" spc="-1" dirty="0"/>
-          </a:p>
-        </p:txBody>
-      </p:sp>
+              </a14:hiddenFill>
+            </a:ext>
+          </a:extLst>
+        </p:spPr>
+      </p:pic>
     </p:spTree>
+    <p:extLst>
+      <p:ext uri="{BB962C8B-B14F-4D97-AF65-F5344CB8AC3E}">
+        <p14:creationId xmlns:p14="http://schemas.microsoft.com/office/powerpoint/2010/main" val="1868225432"/>
+      </p:ext>
+    </p:extLst>
   </p:cSld>
   <p:clrMapOvr>
     <a:masterClrMapping/>
@@ -4956,7 +5011,7 @@
       </p:grpSpPr>
       <p:sp>
         <p:nvSpPr>
-          <p:cNvPr id="144" name="CustomShape 1"/>
+          <p:cNvPr id="137" name="CustomShape 1"/>
           <p:cNvSpPr/>
           <p:nvPr/>
         </p:nvSpPr>
@@ -4990,14 +5045,14 @@
       </p:sp>
       <p:sp>
         <p:nvSpPr>
-          <p:cNvPr id="145" name="CustomShape 2"/>
+          <p:cNvPr id="138" name="CustomShape 2"/>
           <p:cNvSpPr/>
           <p:nvPr/>
         </p:nvSpPr>
         <p:spPr>
           <a:xfrm>
-            <a:off x="818580" y="216360"/>
-            <a:ext cx="7293166" cy="552240"/>
+            <a:off x="351771" y="1780945"/>
+            <a:ext cx="2027872" cy="1581609"/>
           </a:xfrm>
           <a:prstGeom prst="rect">
             <a:avLst/>
@@ -5037,14 +5092,14 @@
                 </a:solidFill>
                 <a:cs typeface="Arial" panose="020B0604020202020204"/>
               </a:rPr>
-              <a:t>Adapter – Sample</a:t>
+              <a:t>Adapter Class Diagram</a:t>
             </a:r>
           </a:p>
         </p:txBody>
       </p:sp>
       <p:pic>
         <p:nvPicPr>
-          <p:cNvPr id="146" name="Picture 3"/>
+          <p:cNvPr id="139" name="Picture 1"/>
           <p:cNvPicPr/>
           <p:nvPr/>
         </p:nvPicPr>
@@ -5054,16 +5109,28 @@
         </p:blipFill>
         <p:spPr>
           <a:xfrm>
-            <a:off x="2024927" y="768600"/>
-            <a:ext cx="4880472" cy="3910850"/>
-          </a:xfrm>
-          <a:prstGeom prst="rect">
-            <a:avLst/>
-          </a:prstGeom>
-          <a:ln>
-            <a:noFill/>
-          </a:ln>
-        </p:spPr>
+            <a:off x="2843775" y="1038814"/>
+            <a:ext cx="5484617" cy="3065870"/>
+          </a:xfrm>
+          <a:prstGeom prst="rect">
+            <a:avLst/>
+          </a:prstGeom>
+          <a:ln/>
+        </p:spPr>
+        <p:style>
+          <a:lnRef idx="2">
+            <a:schemeClr val="accent3"/>
+          </a:lnRef>
+          <a:fillRef idx="1">
+            <a:schemeClr val="lt1"/>
+          </a:fillRef>
+          <a:effectRef idx="0">
+            <a:schemeClr val="accent3"/>
+          </a:effectRef>
+          <a:fontRef idx="minor">
+            <a:schemeClr val="dk1"/>
+          </a:fontRef>
+        </p:style>
       </p:pic>
     </p:spTree>
   </p:cSld>
@@ -5076,6 +5143,14 @@
 <file path=ppt/slides/slide12.xml><?xml version="1.0" encoding="utf-8"?>
 <p:sld xmlns:a="http://schemas.openxmlformats.org/drawingml/2006/main" xmlns:r="http://schemas.openxmlformats.org/officeDocument/2006/relationships" xmlns:p="http://schemas.openxmlformats.org/presentationml/2006/main">
   <p:cSld>
+    <p:bg>
+      <p:bgPr>
+        <a:solidFill>
+          <a:srgbClr val="000000"/>
+        </a:solidFill>
+        <a:effectLst/>
+      </p:bgPr>
+    </p:bg>
     <p:spTree>
       <p:nvGrpSpPr>
         <p:cNvPr id="1" name=""/>
@@ -5090,39 +5165,50 @@
           <a:chExt cx="0" cy="0"/>
         </a:xfrm>
       </p:grpSpPr>
-      <p:pic>
-        <p:nvPicPr>
-          <p:cNvPr id="147" name="Google Shape;111;p27"/>
-          <p:cNvPicPr/>
+      <p:sp>
+        <p:nvSpPr>
+          <p:cNvPr id="140" name="CustomShape 1"/>
+          <p:cNvSpPr/>
           <p:nvPr/>
-        </p:nvPicPr>
-        <p:blipFill>
-          <a:blip r:embed="rId2"/>
-          <a:stretch/>
-        </p:blipFill>
-        <p:spPr>
-          <a:xfrm>
-            <a:off x="0" y="0"/>
-            <a:ext cx="9143640" cy="5143320"/>
-          </a:xfrm>
-          <a:prstGeom prst="rect">
-            <a:avLst/>
-          </a:prstGeom>
+        </p:nvSpPr>
+        <p:spPr>
+          <a:xfrm>
+            <a:off x="0" y="5118480"/>
+            <a:ext cx="9143640" cy="33120"/>
+          </a:xfrm>
+          <a:prstGeom prst="rect">
+            <a:avLst/>
+          </a:prstGeom>
+          <a:solidFill>
+            <a:srgbClr val="C1D82F"/>
+          </a:solidFill>
           <a:ln>
             <a:noFill/>
           </a:ln>
         </p:spPr>
-      </p:pic>
-      <p:sp>
-        <p:nvSpPr>
-          <p:cNvPr id="148" name="CustomShape 1"/>
+        <p:style>
+          <a:lnRef idx="0">
+            <a:scrgbClr r="0" g="0" b="0"/>
+          </a:lnRef>
+          <a:fillRef idx="0">
+            <a:scrgbClr r="0" g="0" b="0"/>
+          </a:fillRef>
+          <a:effectRef idx="0">
+            <a:scrgbClr r="0" g="0" b="0"/>
+          </a:effectRef>
+          <a:fontRef idx="minor"/>
+        </p:style>
+      </p:sp>
+      <p:sp>
+        <p:nvSpPr>
+          <p:cNvPr id="141" name="CustomShape 2"/>
           <p:cNvSpPr/>
           <p:nvPr/>
         </p:nvSpPr>
         <p:spPr>
           <a:xfrm>
-            <a:off x="3593804" y="1252080"/>
-            <a:ext cx="5268315" cy="2639520"/>
+            <a:off x="0" y="216360"/>
+            <a:ext cx="9143640" cy="552240"/>
           </a:xfrm>
           <a:prstGeom prst="rect">
             <a:avLst/>
@@ -5150,48 +5236,400 @@
           </a:bodyPr>
           <a:lstStyle/>
           <a:p>
-            <a:pPr algn="r">
+            <a:pPr algn="ctr">
               <a:lnSpc>
                 <a:spcPct val="100000"/>
               </a:lnSpc>
             </a:pPr>
-            <a:endParaRPr lang="en-US" sz="1400" b="0" strike="noStrike" spc="-1" dirty="0">
-              <a:latin typeface="Arial"/>
-            </a:endParaRPr>
-          </a:p>
-          <a:p>
-            <a:pPr algn="r">
+            <a:r>
+              <a:rPr lang="en-US" sz="2400" dirty="0">
+                <a:solidFill>
+                  <a:srgbClr val="96B51A"/>
+                </a:solidFill>
+                <a:cs typeface="Arial" panose="020B0604020202020204"/>
+              </a:rPr>
+              <a:t>Adapter – Diagram of Sequence</a:t>
+            </a:r>
+          </a:p>
+        </p:txBody>
+      </p:sp>
+      <p:pic>
+        <p:nvPicPr>
+          <p:cNvPr id="142" name="Picture 2"/>
+          <p:cNvPicPr/>
+          <p:nvPr/>
+        </p:nvPicPr>
+        <p:blipFill>
+          <a:blip r:embed="rId2"/>
+          <a:stretch/>
+        </p:blipFill>
+        <p:spPr>
+          <a:xfrm>
+            <a:off x="393405" y="1252800"/>
+            <a:ext cx="4784524" cy="3080160"/>
+          </a:xfrm>
+          <a:prstGeom prst="rect">
+            <a:avLst/>
+          </a:prstGeom>
+          <a:ln/>
+        </p:spPr>
+        <p:style>
+          <a:lnRef idx="2">
+            <a:schemeClr val="accent3"/>
+          </a:lnRef>
+          <a:fillRef idx="1">
+            <a:schemeClr val="lt1"/>
+          </a:fillRef>
+          <a:effectRef idx="0">
+            <a:schemeClr val="accent3"/>
+          </a:effectRef>
+          <a:fontRef idx="minor">
+            <a:schemeClr val="dk1"/>
+          </a:fontRef>
+        </p:style>
+      </p:pic>
+      <p:sp>
+        <p:nvSpPr>
+          <p:cNvPr id="143" name="CustomShape 3"/>
+          <p:cNvSpPr/>
+          <p:nvPr/>
+        </p:nvSpPr>
+        <p:spPr>
+          <a:xfrm>
+            <a:off x="5568840" y="1186920"/>
+            <a:ext cx="3475800" cy="3146040"/>
+          </a:xfrm>
+          <a:prstGeom prst="rect">
+            <a:avLst/>
+          </a:prstGeom>
+          <a:noFill/>
+          <a:ln>
+            <a:noFill/>
+          </a:ln>
+        </p:spPr>
+        <p:style>
+          <a:lnRef idx="0">
+            <a:scrgbClr r="0" g="0" b="0"/>
+          </a:lnRef>
+          <a:fillRef idx="0">
+            <a:scrgbClr r="0" g="0" b="0"/>
+          </a:fillRef>
+          <a:effectRef idx="0">
+            <a:scrgbClr r="0" g="0" b="0"/>
+          </a:effectRef>
+          <a:fontRef idx="minor"/>
+        </p:style>
+        <p:txBody>
+          <a:bodyPr tIns="91440" bIns="91440">
+            <a:noAutofit/>
+          </a:bodyPr>
+          <a:lstStyle/>
+          <a:p>
+            <a:pPr marL="488880" indent="-342720" algn="just">
               <a:lnSpc>
                 <a:spcPct val="100000"/>
               </a:lnSpc>
-            </a:pPr>
-            <a:endParaRPr lang="en-US" sz="1400" b="0" strike="noStrike" spc="-1" dirty="0">
-              <a:latin typeface="Arial"/>
-            </a:endParaRPr>
-          </a:p>
-          <a:p>
-            <a:pPr algn="r">
+              <a:buClr>
+                <a:srgbClr val="FFFFFF"/>
+              </a:buClr>
+              <a:buFont typeface="Arial"/>
+              <a:buAutoNum type="arabicPeriod"/>
+            </a:pPr>
+            <a:r>
+              <a:rPr lang="en-US" sz="1400" b="0" strike="noStrike" spc="-1" dirty="0">
+                <a:solidFill>
+                  <a:srgbClr val="FFFFFF"/>
+                </a:solidFill>
+                <a:ea typeface="Nunito Sans"/>
+              </a:rPr>
+              <a:t>The </a:t>
+            </a:r>
+            <a:r>
+              <a:rPr lang="en-US" sz="1400" b="0" strike="noStrike" spc="-1" dirty="0">
+                <a:solidFill>
+                  <a:srgbClr val="FF0000"/>
+                </a:solidFill>
+                <a:ea typeface="Nunito Sans"/>
+              </a:rPr>
+              <a:t>Client</a:t>
+            </a:r>
+            <a:r>
+              <a:rPr lang="en-US" sz="1400" b="0" strike="noStrike" spc="-1" dirty="0">
+                <a:solidFill>
+                  <a:srgbClr val="FFFFFF"/>
+                </a:solidFill>
+                <a:ea typeface="Nunito Sans"/>
+              </a:rPr>
+              <a:t> invokes the Adapter with generic parameters.</a:t>
+            </a:r>
+            <a:endParaRPr lang="en-US" sz="1400" b="0" strike="noStrike" spc="-1" dirty="0"/>
+          </a:p>
+          <a:p>
+            <a:pPr marL="488880" indent="-342720" algn="just">
               <a:lnSpc>
                 <a:spcPct val="100000"/>
               </a:lnSpc>
-            </a:pPr>
-            <a:r>
-              <a:rPr lang="en-US" sz="3400" spc="-1" dirty="0">
-                <a:solidFill>
-                  <a:srgbClr val="96B51A"/>
-                </a:solidFill>
-              </a:rPr>
-              <a:t>Chain of Responsibility Pattern</a:t>
-            </a:r>
+              <a:buClr>
+                <a:srgbClr val="FFFFFF"/>
+              </a:buClr>
+              <a:buFont typeface="Arial"/>
+              <a:buAutoNum type="arabicPeriod"/>
+            </a:pPr>
+            <a:r>
+              <a:rPr lang="en-US" sz="1400" b="0" strike="noStrike" spc="-1" dirty="0">
+                <a:solidFill>
+                  <a:srgbClr val="FFFFFF"/>
+                </a:solidFill>
+                <a:ea typeface="Nunito Sans"/>
+              </a:rPr>
+              <a:t>The </a:t>
+            </a:r>
+            <a:r>
+              <a:rPr lang="en-US" sz="1400" b="0" strike="noStrike" spc="-1" dirty="0">
+                <a:solidFill>
+                  <a:srgbClr val="FF0000"/>
+                </a:solidFill>
+                <a:ea typeface="Nunito Sans"/>
+              </a:rPr>
+              <a:t>Adapter</a:t>
+            </a:r>
+            <a:r>
+              <a:rPr lang="en-US" sz="1400" b="0" strike="noStrike" spc="-1" dirty="0">
+                <a:solidFill>
+                  <a:srgbClr val="FFFFFF"/>
+                </a:solidFill>
+                <a:ea typeface="Nunito Sans"/>
+              </a:rPr>
+              <a:t> converts the generic parameters into specific </a:t>
+            </a:r>
+            <a:r>
+              <a:rPr lang="en-US" sz="1400" b="0" strike="noStrike" spc="-1" dirty="0" err="1">
+                <a:solidFill>
+                  <a:srgbClr val="FFFFFF"/>
+                </a:solidFill>
+                <a:ea typeface="Nunito Sans"/>
+              </a:rPr>
+              <a:t>Adaptee</a:t>
+            </a:r>
+            <a:r>
+              <a:rPr lang="en-US" sz="1400" b="0" strike="noStrike" spc="-1" dirty="0">
+                <a:solidFill>
+                  <a:srgbClr val="FFFFFF"/>
+                </a:solidFill>
+                <a:ea typeface="Nunito Sans"/>
+              </a:rPr>
+              <a:t> parameters.</a:t>
+            </a:r>
+            <a:endParaRPr lang="en-US" sz="1400" b="0" strike="noStrike" spc="-1" dirty="0"/>
+          </a:p>
+          <a:p>
+            <a:pPr marL="488880" indent="-342720" algn="just">
+              <a:lnSpc>
+                <a:spcPct val="100000"/>
+              </a:lnSpc>
+              <a:buClr>
+                <a:srgbClr val="FFFFFF"/>
+              </a:buClr>
+              <a:buFont typeface="Arial"/>
+              <a:buAutoNum type="arabicPeriod"/>
+            </a:pPr>
+            <a:r>
+              <a:rPr lang="en-US" sz="1400" b="0" strike="noStrike" spc="-1" dirty="0">
+                <a:solidFill>
+                  <a:srgbClr val="FFFFFF"/>
+                </a:solidFill>
+                <a:ea typeface="Nunito Sans"/>
+              </a:rPr>
+              <a:t>The </a:t>
+            </a:r>
+            <a:r>
+              <a:rPr lang="en-US" sz="1400" b="0" strike="noStrike" spc="-1" dirty="0">
+                <a:solidFill>
+                  <a:srgbClr val="FF0000"/>
+                </a:solidFill>
+                <a:ea typeface="Nunito Sans"/>
+              </a:rPr>
+              <a:t>Adapter</a:t>
+            </a:r>
+            <a:r>
+              <a:rPr lang="en-US" sz="1400" b="0" strike="noStrike" spc="-1" dirty="0">
+                <a:solidFill>
+                  <a:srgbClr val="FFFFFF"/>
+                </a:solidFill>
+                <a:ea typeface="Nunito Sans"/>
+              </a:rPr>
+              <a:t> invokes the </a:t>
+            </a:r>
+            <a:r>
+              <a:rPr lang="en-US" sz="1400" b="0" strike="noStrike" spc="-1" dirty="0" err="1">
+                <a:solidFill>
+                  <a:srgbClr val="FF0000"/>
+                </a:solidFill>
+                <a:ea typeface="Nunito Sans"/>
+              </a:rPr>
+              <a:t>Adaptee</a:t>
+            </a:r>
+            <a:r>
+              <a:rPr lang="en-US" sz="1400" b="0" strike="noStrike" spc="-1" dirty="0">
+                <a:solidFill>
+                  <a:srgbClr val="FFFFFF"/>
+                </a:solidFill>
+                <a:ea typeface="Nunito Sans"/>
+              </a:rPr>
+              <a:t>.</a:t>
+            </a:r>
+            <a:endParaRPr lang="en-US" sz="1400" b="0" strike="noStrike" spc="-1" dirty="0"/>
+          </a:p>
+          <a:p>
+            <a:pPr marL="488880" indent="-342720" algn="just">
+              <a:lnSpc>
+                <a:spcPct val="100000"/>
+              </a:lnSpc>
+              <a:buClr>
+                <a:srgbClr val="FFFFFF"/>
+              </a:buClr>
+              <a:buFont typeface="Arial"/>
+              <a:buAutoNum type="arabicPeriod"/>
+            </a:pPr>
+            <a:r>
+              <a:rPr lang="en-US" sz="1400" b="0" strike="noStrike" spc="-1" dirty="0">
+                <a:solidFill>
+                  <a:srgbClr val="FFFFFF"/>
+                </a:solidFill>
+                <a:ea typeface="Nunito Sans"/>
+              </a:rPr>
+              <a:t>The </a:t>
+            </a:r>
+            <a:r>
+              <a:rPr lang="en-US" sz="1400" b="0" strike="noStrike" spc="-1" dirty="0" err="1">
+                <a:solidFill>
+                  <a:srgbClr val="FF0000"/>
+                </a:solidFill>
+                <a:ea typeface="Nunito Sans"/>
+              </a:rPr>
+              <a:t>Adaptee</a:t>
+            </a:r>
+            <a:r>
+              <a:rPr lang="en-US" sz="1400" b="0" strike="noStrike" spc="-1" dirty="0">
+                <a:solidFill>
+                  <a:srgbClr val="FF0000"/>
+                </a:solidFill>
+                <a:ea typeface="Nunito Sans"/>
+              </a:rPr>
+              <a:t> </a:t>
+            </a:r>
+            <a:r>
+              <a:rPr lang="en-US" sz="1400" b="0" strike="noStrike" spc="-1" dirty="0">
+                <a:solidFill>
+                  <a:srgbClr val="FFFFFF"/>
+                </a:solidFill>
+                <a:ea typeface="Nunito Sans"/>
+              </a:rPr>
+              <a:t>responds.</a:t>
+            </a:r>
+            <a:endParaRPr lang="en-US" sz="1400" b="0" strike="noStrike" spc="-1" dirty="0"/>
+          </a:p>
+          <a:p>
+            <a:pPr marL="488880" indent="-342720" algn="just">
+              <a:lnSpc>
+                <a:spcPct val="100000"/>
+              </a:lnSpc>
+              <a:buClr>
+                <a:srgbClr val="FFFFFF"/>
+              </a:buClr>
+              <a:buFont typeface="Arial"/>
+              <a:buAutoNum type="arabicPeriod"/>
+            </a:pPr>
+            <a:r>
+              <a:rPr lang="en-US" sz="1400" b="0" strike="noStrike" spc="-1" dirty="0">
+                <a:solidFill>
+                  <a:srgbClr val="FFFFFF"/>
+                </a:solidFill>
+                <a:ea typeface="Nunito Sans"/>
+              </a:rPr>
+              <a:t>The </a:t>
+            </a:r>
+            <a:r>
+              <a:rPr lang="en-US" sz="1400" b="0" strike="noStrike" spc="-1" dirty="0">
+                <a:solidFill>
+                  <a:srgbClr val="FF0000"/>
+                </a:solidFill>
+                <a:ea typeface="Nunito Sans"/>
+              </a:rPr>
+              <a:t>Adapter</a:t>
+            </a:r>
+            <a:r>
+              <a:rPr lang="en-US" sz="1400" b="0" strike="noStrike" spc="-1" dirty="0">
+                <a:solidFill>
+                  <a:srgbClr val="FFFFFF"/>
+                </a:solidFill>
+                <a:ea typeface="Nunito Sans"/>
+              </a:rPr>
+              <a:t> converts the response of the </a:t>
+            </a:r>
+            <a:r>
+              <a:rPr lang="en-US" sz="1400" b="0" strike="noStrike" spc="-1" dirty="0" err="1">
+                <a:solidFill>
+                  <a:srgbClr val="FF0000"/>
+                </a:solidFill>
+                <a:ea typeface="Nunito Sans"/>
+              </a:rPr>
+              <a:t>Adaptee</a:t>
+            </a:r>
+            <a:r>
+              <a:rPr lang="en-US" sz="1400" b="0" strike="noStrike" spc="-1" dirty="0">
+                <a:solidFill>
+                  <a:srgbClr val="FFFFFF"/>
+                </a:solidFill>
+                <a:ea typeface="Nunito Sans"/>
+              </a:rPr>
+              <a:t> to a generic response for the Client.</a:t>
+            </a:r>
+            <a:endParaRPr lang="en-US" sz="1400" b="0" strike="noStrike" spc="-1" dirty="0"/>
+          </a:p>
+          <a:p>
+            <a:pPr marL="488880" indent="-342720" algn="just">
+              <a:lnSpc>
+                <a:spcPct val="100000"/>
+              </a:lnSpc>
+              <a:buClr>
+                <a:srgbClr val="FFFFFF"/>
+              </a:buClr>
+              <a:buFont typeface="Arial"/>
+              <a:buAutoNum type="arabicPeriod"/>
+            </a:pPr>
+            <a:r>
+              <a:rPr lang="en-US" sz="1400" b="0" strike="noStrike" spc="-1" dirty="0">
+                <a:solidFill>
+                  <a:srgbClr val="FFFFFF"/>
+                </a:solidFill>
+                <a:ea typeface="Nunito Sans"/>
+              </a:rPr>
+              <a:t>The </a:t>
+            </a:r>
+            <a:r>
+              <a:rPr lang="en-US" sz="1400" b="0" strike="noStrike" spc="-1" dirty="0">
+                <a:solidFill>
+                  <a:srgbClr val="FF0000"/>
+                </a:solidFill>
+                <a:ea typeface="Nunito Sans"/>
+              </a:rPr>
+              <a:t>Adapter</a:t>
+            </a:r>
+            <a:r>
+              <a:rPr lang="en-US" sz="1400" b="0" strike="noStrike" spc="-1" dirty="0">
+                <a:solidFill>
+                  <a:srgbClr val="FFFFFF"/>
+                </a:solidFill>
+                <a:ea typeface="Nunito Sans"/>
+              </a:rPr>
+              <a:t> responds to the Client with a generic response.</a:t>
+            </a:r>
+            <a:endParaRPr lang="en-US" sz="1400" b="0" strike="noStrike" spc="-1" dirty="0"/>
           </a:p>
         </p:txBody>
       </p:sp>
     </p:spTree>
-    <p:extLst>
-      <p:ext uri="{BB962C8B-B14F-4D97-AF65-F5344CB8AC3E}">
-        <p14:creationId xmlns:p14="http://schemas.microsoft.com/office/powerpoint/2010/main" val="3094077266"/>
-      </p:ext>
-    </p:extLst>
   </p:cSld>
   <p:clrMapOvr>
     <a:masterClrMapping/>
@@ -5226,39 +5664,7 @@
       </p:grpSpPr>
       <p:sp>
         <p:nvSpPr>
-          <p:cNvPr id="161" name="CustomShape 1"/>
-          <p:cNvSpPr/>
-          <p:nvPr/>
-        </p:nvSpPr>
-        <p:spPr>
-          <a:xfrm>
-            <a:off x="4114800" y="1257120"/>
-            <a:ext cx="4774680" cy="2949120"/>
-          </a:xfrm>
-          <a:prstGeom prst="rect">
-            <a:avLst/>
-          </a:prstGeom>
-          <a:noFill/>
-          <a:ln>
-            <a:noFill/>
-          </a:ln>
-        </p:spPr>
-        <p:style>
-          <a:lnRef idx="0">
-            <a:scrgbClr r="0" g="0" b="0"/>
-          </a:lnRef>
-          <a:fillRef idx="0">
-            <a:scrgbClr r="0" g="0" b="0"/>
-          </a:fillRef>
-          <a:effectRef idx="0">
-            <a:scrgbClr r="0" g="0" b="0"/>
-          </a:effectRef>
-          <a:fontRef idx="minor"/>
-        </p:style>
-      </p:sp>
-      <p:sp>
-        <p:nvSpPr>
-          <p:cNvPr id="162" name="CustomShape 2"/>
+          <p:cNvPr id="144" name="CustomShape 1"/>
           <p:cNvSpPr/>
           <p:nvPr/>
         </p:nvSpPr>
@@ -5292,14 +5698,14 @@
       </p:sp>
       <p:sp>
         <p:nvSpPr>
-          <p:cNvPr id="163" name="CustomShape 3"/>
+          <p:cNvPr id="145" name="CustomShape 2"/>
           <p:cNvSpPr/>
           <p:nvPr/>
         </p:nvSpPr>
         <p:spPr>
           <a:xfrm>
-            <a:off x="0" y="216360"/>
-            <a:ext cx="9143640" cy="552240"/>
+            <a:off x="818580" y="216360"/>
+            <a:ext cx="7293166" cy="552240"/>
           </a:xfrm>
           <a:prstGeom prst="rect">
             <a:avLst/>
@@ -5339,166 +5745,35 @@
                 </a:solidFill>
                 <a:cs typeface="Arial" panose="020B0604020202020204"/>
               </a:rPr>
-              <a:t>What is it?</a:t>
-            </a:r>
-          </a:p>
-        </p:txBody>
-      </p:sp>
-      <p:sp>
-        <p:nvSpPr>
-          <p:cNvPr id="3" name="Text Placeholder 2">
-            <a:extLst>
-              <a:ext uri="{FF2B5EF4-FFF2-40B4-BE49-F238E27FC236}">
-                <a16:creationId xmlns:a16="http://schemas.microsoft.com/office/drawing/2014/main" id="{41983E12-E49A-444A-AD9E-56873E5A061B}"/>
-              </a:ext>
-            </a:extLst>
-          </p:cNvPr>
-          <p:cNvSpPr>
-            <a:spLocks noGrp="1"/>
-          </p:cNvSpPr>
-          <p:nvPr>
-            <p:ph type="body"/>
-          </p:nvPr>
-        </p:nvSpPr>
-        <p:spPr>
-          <a:xfrm>
-            <a:off x="141361" y="738222"/>
-            <a:ext cx="4666309" cy="2205318"/>
-          </a:xfrm>
-        </p:spPr>
-        <p:txBody>
-          <a:bodyPr>
-            <a:normAutofit/>
-          </a:bodyPr>
-          <a:lstStyle/>
-          <a:p>
-            <a:pPr marL="0" indent="0" algn="just">
-              <a:buNone/>
-            </a:pPr>
-            <a:r>
-              <a:rPr lang="en-US" sz="1400" dirty="0">
-                <a:solidFill>
-                  <a:schemeClr val="bg1"/>
-                </a:solidFill>
-              </a:rPr>
-              <a:t>Allows an object to send a command without knowing what object will receive and handle it. The request is sent from one object to another making them parts of a chain and each object in this chain can handle the command, pass it on or do both.</a:t>
+              <a:t>Adapter – Sample</a:t>
             </a:r>
           </a:p>
         </p:txBody>
       </p:sp>
       <p:pic>
         <p:nvPicPr>
-          <p:cNvPr id="1026" name="Picture 2" descr="Image result for chain of responsibility design pattern">
-            <a:extLst>
-              <a:ext uri="{FF2B5EF4-FFF2-40B4-BE49-F238E27FC236}">
-                <a16:creationId xmlns:a16="http://schemas.microsoft.com/office/drawing/2014/main" id="{06BD5FB7-6FDE-4182-BCB7-77C9FA2EE926}"/>
-              </a:ext>
-            </a:extLst>
-          </p:cNvPr>
-          <p:cNvPicPr>
-            <a:picLocks noChangeAspect="1" noChangeArrowheads="1"/>
-          </p:cNvPicPr>
+          <p:cNvPr id="146" name="Picture 3"/>
+          <p:cNvPicPr/>
           <p:nvPr/>
         </p:nvPicPr>
         <p:blipFill>
-          <a:blip r:embed="rId2">
-            <a:extLst>
-              <a:ext uri="{28A0092B-C50C-407E-A947-70E740481C1C}">
-                <a14:useLocalDpi xmlns:a14="http://schemas.microsoft.com/office/drawing/2010/main" val="0"/>
-              </a:ext>
-            </a:extLst>
-          </a:blip>
-          <a:srcRect/>
-          <a:stretch>
-            <a:fillRect/>
-          </a:stretch>
+          <a:blip r:embed="rId2"/>
+          <a:stretch/>
         </p:blipFill>
-        <p:spPr bwMode="auto">
-          <a:xfrm>
-            <a:off x="1319533" y="2860159"/>
-            <a:ext cx="3016799" cy="1885500"/>
-          </a:xfrm>
-          <a:prstGeom prst="rect">
-            <a:avLst/>
-          </a:prstGeom>
-          <a:noFill/>
-          <a:extLst>
-            <a:ext uri="{909E8E84-426E-40DD-AFC4-6F175D3DCCD1}">
-              <a14:hiddenFill xmlns:a14="http://schemas.microsoft.com/office/drawing/2010/main">
-                <a:solidFill>
-                  <a:srgbClr val="FFFFFF"/>
-                </a:solidFill>
-              </a14:hiddenFill>
-            </a:ext>
-          </a:extLst>
-        </p:spPr>
-      </p:pic>
-      <p:pic>
-        <p:nvPicPr>
-          <p:cNvPr id="1028" name="Picture 4" descr="Related image">
-            <a:extLst>
-              <a:ext uri="{FF2B5EF4-FFF2-40B4-BE49-F238E27FC236}">
-                <a16:creationId xmlns:a16="http://schemas.microsoft.com/office/drawing/2014/main" id="{5807EC24-CE42-4C5A-B9E5-6BC758C4A1D0}"/>
-              </a:ext>
-            </a:extLst>
-          </p:cNvPr>
-          <p:cNvPicPr>
-            <a:picLocks noChangeAspect="1" noChangeArrowheads="1"/>
-          </p:cNvPicPr>
-          <p:nvPr/>
-        </p:nvPicPr>
-        <p:blipFill>
-          <a:blip r:embed="rId3">
-            <a:extLst>
-              <a:ext uri="{28A0092B-C50C-407E-A947-70E740481C1C}">
-                <a14:useLocalDpi xmlns:a14="http://schemas.microsoft.com/office/drawing/2010/main" val="0"/>
-              </a:ext>
-            </a:extLst>
-          </a:blip>
-          <a:srcRect/>
-          <a:stretch>
-            <a:fillRect/>
-          </a:stretch>
-        </p:blipFill>
-        <p:spPr bwMode="auto">
-          <a:xfrm>
-            <a:off x="4998405" y="1469091"/>
-            <a:ext cx="3920565" cy="2205318"/>
-          </a:xfrm>
-          <a:prstGeom prst="rect">
-            <a:avLst/>
-          </a:prstGeom>
-          <a:extLst>
-            <a:ext uri="{909E8E84-426E-40DD-AFC4-6F175D3DCCD1}">
-              <a14:hiddenFill xmlns:a14="http://schemas.microsoft.com/office/drawing/2010/main">
-                <a:solidFill>
-                  <a:srgbClr val="FFFFFF"/>
-                </a:solidFill>
-              </a14:hiddenFill>
-            </a:ext>
-          </a:extLst>
-        </p:spPr>
-        <p:style>
-          <a:lnRef idx="2">
-            <a:schemeClr val="accent3"/>
-          </a:lnRef>
-          <a:fillRef idx="1">
-            <a:schemeClr val="lt1"/>
-          </a:fillRef>
-          <a:effectRef idx="0">
-            <a:schemeClr val="accent3"/>
-          </a:effectRef>
-          <a:fontRef idx="minor">
-            <a:schemeClr val="dk1"/>
-          </a:fontRef>
-        </p:style>
+        <p:spPr>
+          <a:xfrm>
+            <a:off x="2024927" y="768600"/>
+            <a:ext cx="4880472" cy="3910850"/>
+          </a:xfrm>
+          <a:prstGeom prst="rect">
+            <a:avLst/>
+          </a:prstGeom>
+          <a:ln>
+            <a:noFill/>
+          </a:ln>
+        </p:spPr>
       </p:pic>
     </p:spTree>
-    <p:extLst>
-      <p:ext uri="{BB962C8B-B14F-4D97-AF65-F5344CB8AC3E}">
-        <p14:creationId xmlns:p14="http://schemas.microsoft.com/office/powerpoint/2010/main" val="3864629513"/>
-      </p:ext>
-    </p:extLst>
   </p:cSld>
   <p:clrMapOvr>
     <a:masterClrMapping/>
@@ -5509,14 +5784,6 @@
 <file path=ppt/slides/slide14.xml><?xml version="1.0" encoding="utf-8"?>
 <p:sld xmlns:a="http://schemas.openxmlformats.org/drawingml/2006/main" xmlns:r="http://schemas.openxmlformats.org/officeDocument/2006/relationships" xmlns:p="http://schemas.openxmlformats.org/presentationml/2006/main">
   <p:cSld>
-    <p:bg>
-      <p:bgPr>
-        <a:solidFill>
-          <a:srgbClr val="000000"/>
-        </a:solidFill>
-        <a:effectLst/>
-      </p:bgPr>
-    </p:bg>
     <p:spTree>
       <p:nvGrpSpPr>
         <p:cNvPr id="1" name=""/>
@@ -5531,82 +5798,39 @@
           <a:chExt cx="0" cy="0"/>
         </a:xfrm>
       </p:grpSpPr>
-      <p:sp>
-        <p:nvSpPr>
-          <p:cNvPr id="161" name="CustomShape 1"/>
-          <p:cNvSpPr/>
+      <p:pic>
+        <p:nvPicPr>
+          <p:cNvPr id="147" name="Google Shape;111;p27"/>
+          <p:cNvPicPr/>
           <p:nvPr/>
-        </p:nvSpPr>
-        <p:spPr>
-          <a:xfrm>
-            <a:off x="4114800" y="1257120"/>
-            <a:ext cx="4774680" cy="2949120"/>
-          </a:xfrm>
-          <a:prstGeom prst="rect">
-            <a:avLst/>
-          </a:prstGeom>
-          <a:noFill/>
+        </p:nvPicPr>
+        <p:blipFill>
+          <a:blip r:embed="rId2"/>
+          <a:stretch/>
+        </p:blipFill>
+        <p:spPr>
+          <a:xfrm>
+            <a:off x="0" y="0"/>
+            <a:ext cx="9143640" cy="5143320"/>
+          </a:xfrm>
+          <a:prstGeom prst="rect">
+            <a:avLst/>
+          </a:prstGeom>
           <a:ln>
             <a:noFill/>
           </a:ln>
         </p:spPr>
-        <p:style>
-          <a:lnRef idx="0">
-            <a:scrgbClr r="0" g="0" b="0"/>
-          </a:lnRef>
-          <a:fillRef idx="0">
-            <a:scrgbClr r="0" g="0" b="0"/>
-          </a:fillRef>
-          <a:effectRef idx="0">
-            <a:scrgbClr r="0" g="0" b="0"/>
-          </a:effectRef>
-          <a:fontRef idx="minor"/>
-        </p:style>
-      </p:sp>
-      <p:sp>
-        <p:nvSpPr>
-          <p:cNvPr id="162" name="CustomShape 2"/>
+      </p:pic>
+      <p:sp>
+        <p:nvSpPr>
+          <p:cNvPr id="148" name="CustomShape 1"/>
           <p:cNvSpPr/>
           <p:nvPr/>
         </p:nvSpPr>
         <p:spPr>
           <a:xfrm>
-            <a:off x="0" y="5118480"/>
-            <a:ext cx="9143640" cy="33120"/>
-          </a:xfrm>
-          <a:prstGeom prst="rect">
-            <a:avLst/>
-          </a:prstGeom>
-          <a:solidFill>
-            <a:srgbClr val="C1D82F"/>
-          </a:solidFill>
-          <a:ln>
-            <a:noFill/>
-          </a:ln>
-        </p:spPr>
-        <p:style>
-          <a:lnRef idx="0">
-            <a:scrgbClr r="0" g="0" b="0"/>
-          </a:lnRef>
-          <a:fillRef idx="0">
-            <a:scrgbClr r="0" g="0" b="0"/>
-          </a:fillRef>
-          <a:effectRef idx="0">
-            <a:scrgbClr r="0" g="0" b="0"/>
-          </a:effectRef>
-          <a:fontRef idx="minor"/>
-        </p:style>
-      </p:sp>
-      <p:sp>
-        <p:nvSpPr>
-          <p:cNvPr id="163" name="CustomShape 3"/>
-          <p:cNvSpPr/>
-          <p:nvPr/>
-        </p:nvSpPr>
-        <p:spPr>
-          <a:xfrm>
-            <a:off x="0" y="216360"/>
-            <a:ext cx="9143640" cy="552240"/>
+            <a:off x="3593804" y="1252080"/>
+            <a:ext cx="5268315" cy="2639520"/>
           </a:xfrm>
           <a:prstGeom prst="rect">
             <a:avLst/>
@@ -5634,223 +5858,46 @@
           </a:bodyPr>
           <a:lstStyle/>
           <a:p>
-            <a:pPr algn="ctr">
+            <a:pPr algn="r">
               <a:lnSpc>
                 <a:spcPct val="100000"/>
               </a:lnSpc>
             </a:pPr>
-            <a:r>
-              <a:rPr lang="en-US" sz="2400" dirty="0">
+            <a:endParaRPr lang="en-US" sz="1400" b="0" strike="noStrike" spc="-1" dirty="0">
+              <a:latin typeface="Arial"/>
+            </a:endParaRPr>
+          </a:p>
+          <a:p>
+            <a:pPr algn="r">
+              <a:lnSpc>
+                <a:spcPct val="100000"/>
+              </a:lnSpc>
+            </a:pPr>
+            <a:endParaRPr lang="en-US" sz="1400" b="0" strike="noStrike" spc="-1" dirty="0">
+              <a:latin typeface="Arial"/>
+            </a:endParaRPr>
+          </a:p>
+          <a:p>
+            <a:pPr algn="r">
+              <a:lnSpc>
+                <a:spcPct val="100000"/>
+              </a:lnSpc>
+            </a:pPr>
+            <a:r>
+              <a:rPr lang="en-US" sz="3400" spc="-1" dirty="0">
                 <a:solidFill>
                   <a:srgbClr val="96B51A"/>
                 </a:solidFill>
-                <a:cs typeface="Arial" panose="020B0604020202020204"/>
-              </a:rPr>
-              <a:t>When to use it? </a:t>
+              </a:rPr>
+              <a:t>Chain of Responsibility Pattern</a:t>
             </a:r>
           </a:p>
         </p:txBody>
       </p:sp>
-      <p:sp>
-        <p:nvSpPr>
-          <p:cNvPr id="2" name="TextBox 1">
-            <a:extLst>
-              <a:ext uri="{FF2B5EF4-FFF2-40B4-BE49-F238E27FC236}">
-                <a16:creationId xmlns:a16="http://schemas.microsoft.com/office/drawing/2014/main" id="{AA0A5C92-09F4-49B1-8318-95D3B3487FE8}"/>
-              </a:ext>
-            </a:extLst>
-          </p:cNvPr>
-          <p:cNvSpPr txBox="1"/>
-          <p:nvPr/>
-        </p:nvSpPr>
-        <p:spPr>
-          <a:xfrm>
-            <a:off x="254520" y="1048372"/>
-            <a:ext cx="5869833" cy="2677656"/>
-          </a:xfrm>
-          <a:prstGeom prst="rect">
-            <a:avLst/>
-          </a:prstGeom>
-          <a:noFill/>
-        </p:spPr>
-        <p:txBody>
-          <a:bodyPr wrap="square" rtlCol="0">
-            <a:spAutoFit/>
-          </a:bodyPr>
-          <a:lstStyle/>
-          <a:p>
-            <a:pPr marL="285750" indent="-285750" algn="just">
-              <a:buFont typeface="Arial" panose="020B0604020202020204" pitchFamily="34" charset="0"/>
-              <a:buChar char="•"/>
-            </a:pPr>
-            <a:r>
-              <a:rPr lang="en-US" sz="1400" dirty="0">
-                <a:solidFill>
-                  <a:schemeClr val="bg1"/>
-                </a:solidFill>
-              </a:rPr>
-              <a:t>Decouple a request’s sender and receiver </a:t>
-            </a:r>
-          </a:p>
-          <a:p>
-            <a:pPr marL="285750" indent="-285750" algn="just">
-              <a:buFont typeface="Arial" panose="020B0604020202020204" pitchFamily="34" charset="0"/>
-              <a:buChar char="•"/>
-            </a:pPr>
-            <a:endParaRPr lang="en-US" sz="1400" dirty="0">
-              <a:solidFill>
-                <a:schemeClr val="bg1"/>
-              </a:solidFill>
-            </a:endParaRPr>
-          </a:p>
-          <a:p>
-            <a:pPr marL="285750" indent="-285750" algn="just">
-              <a:buFont typeface="Arial" panose="020B0604020202020204" pitchFamily="34" charset="0"/>
-              <a:buChar char="•"/>
-            </a:pPr>
-            <a:r>
-              <a:rPr lang="en-US" sz="1400" dirty="0">
-                <a:solidFill>
-                  <a:schemeClr val="bg1"/>
-                </a:solidFill>
-              </a:rPr>
-              <a:t>Multiple objects, determined at runtime, are candidates to handle a request</a:t>
-            </a:r>
-          </a:p>
-          <a:p>
-            <a:pPr marL="742950" lvl="1" indent="-285750" algn="just">
-              <a:buFont typeface="Arial" panose="020B0604020202020204" pitchFamily="34" charset="0"/>
-              <a:buChar char="•"/>
-            </a:pPr>
-            <a:r>
-              <a:rPr lang="en-US" sz="1400" dirty="0">
-                <a:solidFill>
-                  <a:schemeClr val="bg1"/>
-                </a:solidFill>
-              </a:rPr>
-              <a:t>The handler is not known in advance</a:t>
-            </a:r>
-          </a:p>
-          <a:p>
-            <a:pPr marL="285750" indent="-285750" algn="just">
-              <a:buFont typeface="Arial" panose="020B0604020202020204" pitchFamily="34" charset="0"/>
-              <a:buChar char="•"/>
-            </a:pPr>
-            <a:endParaRPr lang="en-US" sz="1400" dirty="0">
-              <a:solidFill>
-                <a:schemeClr val="bg1"/>
-              </a:solidFill>
-            </a:endParaRPr>
-          </a:p>
-          <a:p>
-            <a:pPr marL="285750" indent="-285750" algn="just">
-              <a:buFont typeface="Arial" panose="020B0604020202020204" pitchFamily="34" charset="0"/>
-              <a:buChar char="•"/>
-            </a:pPr>
-            <a:r>
-              <a:rPr lang="en-US" sz="1400" dirty="0">
-                <a:solidFill>
-                  <a:schemeClr val="bg1"/>
-                </a:solidFill>
-              </a:rPr>
-              <a:t>specify handlers is not necessary </a:t>
-            </a:r>
-          </a:p>
-          <a:p>
-            <a:pPr marL="285750" indent="-285750" algn="just">
-              <a:buFont typeface="Arial" panose="020B0604020202020204" pitchFamily="34" charset="0"/>
-              <a:buChar char="•"/>
-            </a:pPr>
-            <a:endParaRPr lang="en-US" sz="1400" dirty="0">
-              <a:solidFill>
-                <a:schemeClr val="bg1"/>
-              </a:solidFill>
-            </a:endParaRPr>
-          </a:p>
-          <a:p>
-            <a:pPr marL="285750" indent="-285750" algn="just">
-              <a:buFont typeface="Arial" panose="020B0604020202020204" pitchFamily="34" charset="0"/>
-              <a:buChar char="•"/>
-            </a:pPr>
-            <a:r>
-              <a:rPr lang="en-US" sz="1400" dirty="0">
-                <a:solidFill>
-                  <a:schemeClr val="bg1"/>
-                </a:solidFill>
-              </a:rPr>
-              <a:t>The object can be handle by one or more requests </a:t>
-            </a:r>
-          </a:p>
-          <a:p>
-            <a:pPr marL="285750" indent="-285750" algn="just">
-              <a:buFont typeface="Arial" panose="020B0604020202020204" pitchFamily="34" charset="0"/>
-              <a:buChar char="•"/>
-            </a:pPr>
-            <a:endParaRPr lang="en-US" sz="1400" dirty="0">
-              <a:solidFill>
-                <a:schemeClr val="bg1"/>
-              </a:solidFill>
-            </a:endParaRPr>
-          </a:p>
-          <a:p>
-            <a:pPr marL="285750" indent="-285750" algn="just">
-              <a:buFont typeface="Arial" panose="020B0604020202020204" pitchFamily="34" charset="0"/>
-              <a:buChar char="•"/>
-            </a:pPr>
-            <a:r>
-              <a:rPr lang="en-US" sz="1400" dirty="0">
-                <a:solidFill>
-                  <a:schemeClr val="bg1"/>
-                </a:solidFill>
-              </a:rPr>
-              <a:t>It’s wished that the request is addressed to a group of objects without explicitly specifying its receiver</a:t>
-            </a:r>
-          </a:p>
-        </p:txBody>
-      </p:sp>
-      <p:pic>
-        <p:nvPicPr>
-          <p:cNvPr id="4100" name="Picture 4" descr="Image result for homer thinking with glasses without background">
-            <a:extLst>
-              <a:ext uri="{FF2B5EF4-FFF2-40B4-BE49-F238E27FC236}">
-                <a16:creationId xmlns:a16="http://schemas.microsoft.com/office/drawing/2014/main" id="{5EC6A25D-704D-42F6-9728-C0D4D014EF54}"/>
-              </a:ext>
-            </a:extLst>
-          </p:cNvPr>
-          <p:cNvPicPr>
-            <a:picLocks noChangeAspect="1" noChangeArrowheads="1"/>
-          </p:cNvPicPr>
-          <p:nvPr/>
-        </p:nvPicPr>
-        <p:blipFill>
-          <a:blip r:embed="rId2">
-            <a:extLst>
-              <a:ext uri="{28A0092B-C50C-407E-A947-70E740481C1C}">
-                <a14:useLocalDpi xmlns:a14="http://schemas.microsoft.com/office/drawing/2010/main" val="0"/>
-              </a:ext>
-            </a:extLst>
-          </a:blip>
-          <a:srcRect/>
-          <a:stretch>
-            <a:fillRect/>
-          </a:stretch>
-        </p:blipFill>
-        <p:spPr bwMode="auto">
-          <a:xfrm>
-            <a:off x="6653171" y="1559256"/>
-            <a:ext cx="1707490" cy="2024988"/>
-          </a:xfrm>
-          <a:prstGeom prst="rect">
-            <a:avLst/>
-          </a:prstGeom>
-          <a:noFill/>
-          <a:extLst/>
-        </p:spPr>
-      </p:pic>
     </p:spTree>
     <p:extLst>
       <p:ext uri="{BB962C8B-B14F-4D97-AF65-F5344CB8AC3E}">
-        <p14:creationId xmlns:p14="http://schemas.microsoft.com/office/powerpoint/2010/main" val="1440524593"/>
+        <p14:creationId xmlns:p14="http://schemas.microsoft.com/office/powerpoint/2010/main" val="3094077266"/>
       </p:ext>
     </p:extLst>
   </p:cSld>
@@ -6000,166 +6047,59 @@
                 </a:solidFill>
                 <a:cs typeface="Arial" panose="020B0604020202020204"/>
               </a:rPr>
-              <a:t>Advantage / Disadvantage</a:t>
+              <a:t>What is it?</a:t>
             </a:r>
           </a:p>
         </p:txBody>
       </p:sp>
       <p:sp>
         <p:nvSpPr>
-          <p:cNvPr id="2" name="TextBox 1">
+          <p:cNvPr id="3" name="Text Placeholder 2">
             <a:extLst>
               <a:ext uri="{FF2B5EF4-FFF2-40B4-BE49-F238E27FC236}">
-                <a16:creationId xmlns:a16="http://schemas.microsoft.com/office/drawing/2014/main" id="{8B1319CA-707D-4666-A070-B3803D5C1BAF}"/>
+                <a16:creationId xmlns:a16="http://schemas.microsoft.com/office/drawing/2014/main" id="{41983E12-E49A-444A-AD9E-56873E5A061B}"/>
               </a:ext>
             </a:extLst>
           </p:cNvPr>
-          <p:cNvSpPr txBox="1"/>
-          <p:nvPr/>
-        </p:nvSpPr>
-        <p:spPr>
-          <a:xfrm>
-            <a:off x="405635" y="1149724"/>
-            <a:ext cx="6579956" cy="2739211"/>
-          </a:xfrm>
-          <a:prstGeom prst="rect">
-            <a:avLst/>
-          </a:prstGeom>
-          <a:noFill/>
+          <p:cNvSpPr>
+            <a:spLocks noGrp="1"/>
+          </p:cNvSpPr>
+          <p:nvPr>
+            <p:ph type="body"/>
+          </p:nvPr>
+        </p:nvSpPr>
+        <p:spPr>
+          <a:xfrm>
+            <a:off x="141361" y="738222"/>
+            <a:ext cx="4666309" cy="2205318"/>
+          </a:xfrm>
         </p:spPr>
         <p:txBody>
-          <a:bodyPr wrap="square" rtlCol="0">
-            <a:spAutoFit/>
+          <a:bodyPr>
+            <a:normAutofit/>
           </a:bodyPr>
           <a:lstStyle/>
           <a:p>
-            <a:pPr algn="just"/>
+            <a:pPr marL="0" indent="0" algn="just">
+              <a:buNone/>
+            </a:pPr>
             <a:r>
               <a:rPr lang="en-US" sz="1400" dirty="0">
                 <a:solidFill>
                   <a:schemeClr val="bg1"/>
                 </a:solidFill>
               </a:rPr>
-              <a:t>Advantage:</a:t>
-            </a:r>
-          </a:p>
-          <a:p>
-            <a:pPr algn="just"/>
-            <a:endParaRPr lang="en-US" sz="1400" dirty="0">
-              <a:solidFill>
-                <a:schemeClr val="bg1"/>
-              </a:solidFill>
-            </a:endParaRPr>
-          </a:p>
-          <a:p>
-            <a:pPr marL="342900" indent="-342900" algn="just">
-              <a:buFont typeface="Arial" panose="020B0604020202020204" pitchFamily="34" charset="0"/>
-              <a:buChar char="•"/>
-            </a:pPr>
-            <a:r>
-              <a:rPr lang="en-US" sz="1400" dirty="0">
-                <a:solidFill>
-                  <a:schemeClr val="bg1"/>
-                </a:solidFill>
-              </a:rPr>
-              <a:t>Reduce coupling </a:t>
-            </a:r>
-          </a:p>
-          <a:p>
-            <a:pPr marL="800100" lvl="1" indent="-342900" algn="just">
-              <a:buFont typeface="Arial" panose="020B0604020202020204" pitchFamily="34" charset="0"/>
-              <a:buChar char="•"/>
-            </a:pPr>
-            <a:r>
-              <a:rPr lang="en-US" sz="1400" dirty="0">
-                <a:solidFill>
-                  <a:schemeClr val="bg1"/>
-                </a:solidFill>
-              </a:rPr>
-              <a:t>avoids attaching the sender of a request to its receiver, giving this way other objects the possibility of handling the request too.</a:t>
-            </a:r>
-          </a:p>
-          <a:p>
-            <a:pPr marL="342900" indent="-342900" algn="just">
-              <a:buFont typeface="Arial" panose="020B0604020202020204" pitchFamily="34" charset="0"/>
-              <a:buChar char="•"/>
-            </a:pPr>
-            <a:endParaRPr lang="en-US" sz="1400" dirty="0">
-              <a:solidFill>
-                <a:schemeClr val="bg1"/>
-              </a:solidFill>
-            </a:endParaRPr>
-          </a:p>
-          <a:p>
-            <a:pPr marL="342900" indent="-342900" algn="just">
-              <a:buFont typeface="Arial" panose="020B0604020202020204" pitchFamily="34" charset="0"/>
-              <a:buChar char="•"/>
-            </a:pPr>
-            <a:r>
-              <a:rPr lang="en-US" sz="1400" dirty="0">
-                <a:solidFill>
-                  <a:schemeClr val="bg1"/>
-                </a:solidFill>
-              </a:rPr>
-              <a:t>Object doesn’t need to know the chain structure </a:t>
-            </a:r>
-          </a:p>
-          <a:p>
-            <a:pPr marL="800100" lvl="1" indent="-342900" algn="just">
-              <a:buFont typeface="Arial" panose="020B0604020202020204" pitchFamily="34" charset="0"/>
-              <a:buChar char="•"/>
-            </a:pPr>
-            <a:r>
-              <a:rPr lang="en-US" sz="1400" dirty="0">
-                <a:solidFill>
-                  <a:schemeClr val="bg1"/>
-                </a:solidFill>
-              </a:rPr>
-              <a:t>The objects become parts of a chain and the request is sent from one object to another across the chain until one of the objects will handle it.</a:t>
-            </a:r>
-          </a:p>
-          <a:p>
-            <a:pPr marL="342900" indent="-342900" algn="just">
-              <a:buFont typeface="Arial" panose="020B0604020202020204" pitchFamily="34" charset="0"/>
-              <a:buChar char="•"/>
-            </a:pPr>
-            <a:endParaRPr lang="en-US" sz="1400" dirty="0">
-              <a:solidFill>
-                <a:schemeClr val="bg1"/>
-              </a:solidFill>
-            </a:endParaRPr>
-          </a:p>
-          <a:p>
-            <a:pPr marL="342900" indent="-342900" algn="just">
-              <a:buFont typeface="Arial" panose="020B0604020202020204" pitchFamily="34" charset="0"/>
-              <a:buChar char="•"/>
-            </a:pPr>
-            <a:r>
-              <a:rPr lang="en-US" sz="1400" dirty="0">
-                <a:solidFill>
-                  <a:schemeClr val="bg1"/>
-                </a:solidFill>
-              </a:rPr>
-              <a:t>Enhance flexibility of object assigned duties (add, change or remove responsibilities throw the chain</a:t>
-            </a:r>
-            <a:r>
-              <a:rPr lang="en-US" dirty="0">
-                <a:solidFill>
-                  <a:schemeClr val="bg1"/>
-                </a:solidFill>
-              </a:rPr>
-              <a:t>) </a:t>
-            </a:r>
-            <a:endParaRPr lang="en-US" dirty="0"/>
+              <a:t>Allows an object to send a command without knowing what object will receive and handle it. The request is sent from one object to another making them parts of a chain and each object in this chain can handle the command, pass it on or do both.</a:t>
+            </a:r>
           </a:p>
         </p:txBody>
       </p:sp>
       <p:pic>
         <p:nvPicPr>
-          <p:cNvPr id="3080" name="Picture 8" descr="Related image">
+          <p:cNvPr id="1026" name="Picture 2" descr="Image result for chain of responsibility design pattern">
             <a:extLst>
               <a:ext uri="{FF2B5EF4-FFF2-40B4-BE49-F238E27FC236}">
-                <a16:creationId xmlns:a16="http://schemas.microsoft.com/office/drawing/2014/main" id="{7195DF56-9A98-41BE-83E1-DF60B5FDF8EC}"/>
+                <a16:creationId xmlns:a16="http://schemas.microsoft.com/office/drawing/2014/main" id="{06BD5FB7-6FDE-4182-BCB7-77C9FA2EE926}"/>
               </a:ext>
             </a:extLst>
           </p:cNvPr>
@@ -6183,8 +6123,8 @@
         </p:blipFill>
         <p:spPr bwMode="auto">
           <a:xfrm>
-            <a:off x="7486262" y="1680840"/>
-            <a:ext cx="1252103" cy="1544276"/>
+            <a:off x="1319533" y="2860159"/>
+            <a:ext cx="3016799" cy="1885500"/>
           </a:xfrm>
           <a:prstGeom prst="rect">
             <a:avLst/>
@@ -6201,10 +6141,70 @@
           </a:extLst>
         </p:spPr>
       </p:pic>
+      <p:pic>
+        <p:nvPicPr>
+          <p:cNvPr id="1028" name="Picture 4" descr="Related image">
+            <a:extLst>
+              <a:ext uri="{FF2B5EF4-FFF2-40B4-BE49-F238E27FC236}">
+                <a16:creationId xmlns:a16="http://schemas.microsoft.com/office/drawing/2014/main" id="{5807EC24-CE42-4C5A-B9E5-6BC758C4A1D0}"/>
+              </a:ext>
+            </a:extLst>
+          </p:cNvPr>
+          <p:cNvPicPr>
+            <a:picLocks noChangeAspect="1" noChangeArrowheads="1"/>
+          </p:cNvPicPr>
+          <p:nvPr/>
+        </p:nvPicPr>
+        <p:blipFill>
+          <a:blip r:embed="rId3">
+            <a:extLst>
+              <a:ext uri="{28A0092B-C50C-407E-A947-70E740481C1C}">
+                <a14:useLocalDpi xmlns:a14="http://schemas.microsoft.com/office/drawing/2010/main" val="0"/>
+              </a:ext>
+            </a:extLst>
+          </a:blip>
+          <a:srcRect/>
+          <a:stretch>
+            <a:fillRect/>
+          </a:stretch>
+        </p:blipFill>
+        <p:spPr bwMode="auto">
+          <a:xfrm>
+            <a:off x="4998405" y="1469091"/>
+            <a:ext cx="3920565" cy="2205318"/>
+          </a:xfrm>
+          <a:prstGeom prst="rect">
+            <a:avLst/>
+          </a:prstGeom>
+          <a:extLst>
+            <a:ext uri="{909E8E84-426E-40DD-AFC4-6F175D3DCCD1}">
+              <a14:hiddenFill xmlns:a14="http://schemas.microsoft.com/office/drawing/2010/main">
+                <a:solidFill>
+                  <a:srgbClr val="FFFFFF"/>
+                </a:solidFill>
+              </a14:hiddenFill>
+            </a:ext>
+          </a:extLst>
+        </p:spPr>
+        <p:style>
+          <a:lnRef idx="2">
+            <a:schemeClr val="accent3"/>
+          </a:lnRef>
+          <a:fillRef idx="1">
+            <a:schemeClr val="lt1"/>
+          </a:fillRef>
+          <a:effectRef idx="0">
+            <a:schemeClr val="accent3"/>
+          </a:effectRef>
+          <a:fontRef idx="minor">
+            <a:schemeClr val="dk1"/>
+          </a:fontRef>
+        </p:style>
+      </p:pic>
     </p:spTree>
     <p:extLst>
       <p:ext uri="{BB962C8B-B14F-4D97-AF65-F5344CB8AC3E}">
-        <p14:creationId xmlns:p14="http://schemas.microsoft.com/office/powerpoint/2010/main" val="595242497"/>
+        <p14:creationId xmlns:p14="http://schemas.microsoft.com/office/powerpoint/2010/main" val="3864629513"/>
       </p:ext>
     </p:extLst>
   </p:cSld>
@@ -6354,17 +6354,174 @@
                 </a:solidFill>
                 <a:cs typeface="Arial" panose="020B0604020202020204"/>
               </a:rPr>
-              <a:t>Advantage / Disadvantage</a:t>
+              <a:t>When to use it? </a:t>
+            </a:r>
+          </a:p>
+        </p:txBody>
+      </p:sp>
+      <p:sp>
+        <p:nvSpPr>
+          <p:cNvPr id="2" name="TextBox 1">
+            <a:extLst>
+              <a:ext uri="{FF2B5EF4-FFF2-40B4-BE49-F238E27FC236}">
+                <a16:creationId xmlns:a16="http://schemas.microsoft.com/office/drawing/2014/main" id="{AA0A5C92-09F4-49B1-8318-95D3B3487FE8}"/>
+              </a:ext>
+            </a:extLst>
+          </p:cNvPr>
+          <p:cNvSpPr txBox="1"/>
+          <p:nvPr/>
+        </p:nvSpPr>
+        <p:spPr>
+          <a:xfrm>
+            <a:off x="254520" y="1048372"/>
+            <a:ext cx="5869833" cy="2677656"/>
+          </a:xfrm>
+          <a:prstGeom prst="rect">
+            <a:avLst/>
+          </a:prstGeom>
+          <a:noFill/>
+        </p:spPr>
+        <p:txBody>
+          <a:bodyPr wrap="square" rtlCol="0">
+            <a:spAutoFit/>
+          </a:bodyPr>
+          <a:lstStyle/>
+          <a:p>
+            <a:pPr marL="285750" indent="-285750" algn="just">
+              <a:buFont typeface="Arial" panose="020B0604020202020204" pitchFamily="34" charset="0"/>
+              <a:buChar char="•"/>
+            </a:pPr>
+            <a:r>
+              <a:rPr lang="en-US" sz="1400" dirty="0">
+                <a:solidFill>
+                  <a:schemeClr val="bg1"/>
+                </a:solidFill>
+              </a:rPr>
+              <a:t>Decouple a request’s sender and receiver </a:t>
+            </a:r>
+          </a:p>
+          <a:p>
+            <a:pPr marL="285750" indent="-285750" algn="just">
+              <a:buFont typeface="Arial" panose="020B0604020202020204" pitchFamily="34" charset="0"/>
+              <a:buChar char="•"/>
+            </a:pPr>
+            <a:endParaRPr lang="en-US" sz="1400" dirty="0">
+              <a:solidFill>
+                <a:schemeClr val="bg1"/>
+              </a:solidFill>
+            </a:endParaRPr>
+          </a:p>
+          <a:p>
+            <a:pPr marL="285750" indent="-285750" algn="just">
+              <a:buFont typeface="Arial" panose="020B0604020202020204" pitchFamily="34" charset="0"/>
+              <a:buChar char="•"/>
+            </a:pPr>
+            <a:r>
+              <a:rPr lang="en-US" sz="1400" dirty="0">
+                <a:solidFill>
+                  <a:schemeClr val="bg1"/>
+                </a:solidFill>
+              </a:rPr>
+              <a:t>Multiple objects, determined at runtime, are candidates to handle a request</a:t>
+            </a:r>
+          </a:p>
+          <a:p>
+            <a:pPr marL="742950" lvl="1" indent="-285750" algn="just">
+              <a:buFont typeface="Arial" panose="020B0604020202020204" pitchFamily="34" charset="0"/>
+              <a:buChar char="•"/>
+            </a:pPr>
+            <a:r>
+              <a:rPr lang="en-US" sz="1400" dirty="0">
+                <a:solidFill>
+                  <a:schemeClr val="bg1"/>
+                </a:solidFill>
+              </a:rPr>
+              <a:t>The handler is not known in advance</a:t>
+            </a:r>
+          </a:p>
+          <a:p>
+            <a:pPr marL="285750" indent="-285750" algn="just">
+              <a:buFont typeface="Arial" panose="020B0604020202020204" pitchFamily="34" charset="0"/>
+              <a:buChar char="•"/>
+            </a:pPr>
+            <a:endParaRPr lang="en-US" sz="1400" dirty="0">
+              <a:solidFill>
+                <a:schemeClr val="bg1"/>
+              </a:solidFill>
+            </a:endParaRPr>
+          </a:p>
+          <a:p>
+            <a:pPr marL="285750" indent="-285750" algn="just">
+              <a:buFont typeface="Arial" panose="020B0604020202020204" pitchFamily="34" charset="0"/>
+              <a:buChar char="•"/>
+            </a:pPr>
+            <a:r>
+              <a:rPr lang="en-US" sz="1400" dirty="0">
+                <a:solidFill>
+                  <a:schemeClr val="bg1"/>
+                </a:solidFill>
+              </a:rPr>
+              <a:t>specify handlers is not necessary </a:t>
+            </a:r>
+          </a:p>
+          <a:p>
+            <a:pPr marL="285750" indent="-285750" algn="just">
+              <a:buFont typeface="Arial" panose="020B0604020202020204" pitchFamily="34" charset="0"/>
+              <a:buChar char="•"/>
+            </a:pPr>
+            <a:endParaRPr lang="en-US" sz="1400" dirty="0">
+              <a:solidFill>
+                <a:schemeClr val="bg1"/>
+              </a:solidFill>
+            </a:endParaRPr>
+          </a:p>
+          <a:p>
+            <a:pPr marL="285750" indent="-285750" algn="just">
+              <a:buFont typeface="Arial" panose="020B0604020202020204" pitchFamily="34" charset="0"/>
+              <a:buChar char="•"/>
+            </a:pPr>
+            <a:r>
+              <a:rPr lang="en-US" sz="1400" dirty="0">
+                <a:solidFill>
+                  <a:schemeClr val="bg1"/>
+                </a:solidFill>
+              </a:rPr>
+              <a:t>The object can be handle by one or more requests </a:t>
+            </a:r>
+          </a:p>
+          <a:p>
+            <a:pPr marL="285750" indent="-285750" algn="just">
+              <a:buFont typeface="Arial" panose="020B0604020202020204" pitchFamily="34" charset="0"/>
+              <a:buChar char="•"/>
+            </a:pPr>
+            <a:endParaRPr lang="en-US" sz="1400" dirty="0">
+              <a:solidFill>
+                <a:schemeClr val="bg1"/>
+              </a:solidFill>
+            </a:endParaRPr>
+          </a:p>
+          <a:p>
+            <a:pPr marL="285750" indent="-285750" algn="just">
+              <a:buFont typeface="Arial" panose="020B0604020202020204" pitchFamily="34" charset="0"/>
+              <a:buChar char="•"/>
+            </a:pPr>
+            <a:r>
+              <a:rPr lang="en-US" sz="1400" dirty="0">
+                <a:solidFill>
+                  <a:schemeClr val="bg1"/>
+                </a:solidFill>
+              </a:rPr>
+              <a:t>It’s wished that the request is addressed to a group of objects without explicitly specifying its receiver</a:t>
             </a:r>
           </a:p>
         </p:txBody>
       </p:sp>
       <p:pic>
         <p:nvPicPr>
-          <p:cNvPr id="2052" name="Picture 4" descr="Image result for homer doh without background">
+          <p:cNvPr id="4100" name="Picture 4" descr="Image result for homer thinking with glasses without background">
             <a:extLst>
               <a:ext uri="{FF2B5EF4-FFF2-40B4-BE49-F238E27FC236}">
-                <a16:creationId xmlns:a16="http://schemas.microsoft.com/office/drawing/2014/main" id="{11E286D0-5068-4F11-B530-2A07C6DE6257}"/>
+                <a16:creationId xmlns:a16="http://schemas.microsoft.com/office/drawing/2014/main" id="{5EC6A25D-704D-42F6-9728-C0D4D014EF54}"/>
               </a:ext>
             </a:extLst>
           </p:cNvPr>
@@ -6388,157 +6545,20 @@
         </p:blipFill>
         <p:spPr bwMode="auto">
           <a:xfrm>
-            <a:off x="7228873" y="1877087"/>
-            <a:ext cx="1041660" cy="1222930"/>
+            <a:off x="6653171" y="1559256"/>
+            <a:ext cx="1707490" cy="2024988"/>
           </a:xfrm>
           <a:prstGeom prst="rect">
             <a:avLst/>
           </a:prstGeom>
           <a:noFill/>
-          <a:extLst>
-            <a:ext uri="{909E8E84-426E-40DD-AFC4-6F175D3DCCD1}">
-              <a14:hiddenFill xmlns:a14="http://schemas.microsoft.com/office/drawing/2010/main">
-                <a:solidFill>
-                  <a:srgbClr val="FFFFFF"/>
-                </a:solidFill>
-              </a14:hiddenFill>
-            </a:ext>
-          </a:extLst>
+          <a:extLst/>
         </p:spPr>
       </p:pic>
-      <p:sp>
-        <p:nvSpPr>
-          <p:cNvPr id="8" name="TextBox 7">
-            <a:extLst>
-              <a:ext uri="{FF2B5EF4-FFF2-40B4-BE49-F238E27FC236}">
-                <a16:creationId xmlns:a16="http://schemas.microsoft.com/office/drawing/2014/main" id="{9C617690-E301-490D-911B-C2A27BA0B8DA}"/>
-              </a:ext>
-            </a:extLst>
-          </p:cNvPr>
-          <p:cNvSpPr txBox="1"/>
-          <p:nvPr/>
-        </p:nvSpPr>
-        <p:spPr>
-          <a:xfrm>
-            <a:off x="405634" y="1149724"/>
-            <a:ext cx="5920737" cy="2760612"/>
-          </a:xfrm>
-          <a:prstGeom prst="rect">
-            <a:avLst/>
-          </a:prstGeom>
-          <a:noFill/>
-        </p:spPr>
-        <p:txBody>
-          <a:bodyPr wrap="square" rtlCol="0">
-            <a:spAutoFit/>
-          </a:bodyPr>
-          <a:lstStyle/>
-          <a:p>
-            <a:pPr algn="just"/>
-            <a:r>
-              <a:rPr lang="en-US" sz="1400" dirty="0">
-                <a:solidFill>
-                  <a:schemeClr val="bg1"/>
-                </a:solidFill>
-              </a:rPr>
-              <a:t>Disadvantage:</a:t>
-            </a:r>
-          </a:p>
-          <a:p>
-            <a:pPr marL="742950" lvl="1" indent="-285750" algn="just">
-              <a:buFont typeface="Arial" panose="020B0604020202020204" pitchFamily="34" charset="0"/>
-              <a:buChar char="•"/>
-            </a:pPr>
-            <a:r>
-              <a:rPr lang="en-US" sz="1400" dirty="0">
-                <a:solidFill>
-                  <a:schemeClr val="bg1"/>
-                </a:solidFill>
-              </a:rPr>
-              <a:t>Easy to broke: if the developer doesn’t call the next handler the request can be lost on the way. (the execution is handled by subclasses instead of the super class)</a:t>
-            </a:r>
-          </a:p>
-          <a:p>
-            <a:pPr marL="742950" lvl="1" indent="-285750" algn="just">
-              <a:buFont typeface="Arial" panose="020B0604020202020204" pitchFamily="34" charset="0"/>
-              <a:buChar char="•"/>
-            </a:pPr>
-            <a:endParaRPr lang="en-US" sz="1400" dirty="0">
-              <a:solidFill>
-                <a:schemeClr val="bg1"/>
-              </a:solidFill>
-            </a:endParaRPr>
-          </a:p>
-          <a:p>
-            <a:pPr marL="742950" lvl="1" indent="-285750" algn="just">
-              <a:buFont typeface="Arial" panose="020B0604020202020204" pitchFamily="34" charset="0"/>
-              <a:buChar char="•"/>
-            </a:pPr>
-            <a:r>
-              <a:rPr lang="en-US" sz="1400" dirty="0">
-                <a:solidFill>
-                  <a:schemeClr val="bg1"/>
-                </a:solidFill>
-              </a:rPr>
-              <a:t>some requests may end up unhandled due to the wrong implementation of concrete handler</a:t>
-            </a:r>
-          </a:p>
-          <a:p>
-            <a:pPr marL="742950" lvl="1" indent="-285750" algn="just">
-              <a:buFont typeface="Arial" panose="020B0604020202020204" pitchFamily="34" charset="0"/>
-              <a:buChar char="•"/>
-            </a:pPr>
-            <a:endParaRPr lang="en-US" sz="1400" dirty="0">
-              <a:solidFill>
-                <a:schemeClr val="bg1"/>
-              </a:solidFill>
-            </a:endParaRPr>
-          </a:p>
-          <a:p>
-            <a:pPr marL="742950" lvl="1" indent="-285750" algn="just">
-              <a:buFont typeface="Arial" panose="020B0604020202020204" pitchFamily="34" charset="0"/>
-              <a:buChar char="•"/>
-            </a:pPr>
-            <a:r>
-              <a:rPr lang="en-US" sz="1400" dirty="0">
-                <a:solidFill>
-                  <a:schemeClr val="bg1"/>
-                </a:solidFill>
-              </a:rPr>
-              <a:t>Performance can be affected</a:t>
-            </a:r>
-          </a:p>
-          <a:p>
-            <a:pPr marL="742950" lvl="1" indent="-285750" algn="just">
-              <a:buFont typeface="Arial" panose="020B0604020202020204" pitchFamily="34" charset="0"/>
-              <a:buChar char="•"/>
-            </a:pPr>
-            <a:endParaRPr lang="en-US" sz="1400" dirty="0">
-              <a:solidFill>
-                <a:schemeClr val="bg1"/>
-              </a:solidFill>
-            </a:endParaRPr>
-          </a:p>
-          <a:p>
-            <a:pPr marL="742950" lvl="1" indent="-285750" algn="just">
-              <a:buFont typeface="Arial" panose="020B0604020202020204" pitchFamily="34" charset="0"/>
-              <a:buChar char="•"/>
-            </a:pPr>
-            <a:r>
-              <a:rPr lang="en-US" sz="1400" dirty="0">
-                <a:solidFill>
-                  <a:schemeClr val="bg1"/>
-                </a:solidFill>
-              </a:rPr>
-              <a:t>Debugging is not easy to do because the implementation may cause cycle calls</a:t>
-            </a:r>
-          </a:p>
-        </p:txBody>
-      </p:sp>
     </p:spTree>
     <p:extLst>
       <p:ext uri="{BB962C8B-B14F-4D97-AF65-F5344CB8AC3E}">
-        <p14:creationId xmlns:p14="http://schemas.microsoft.com/office/powerpoint/2010/main" val="981103599"/>
+        <p14:creationId xmlns:p14="http://schemas.microsoft.com/office/powerpoint/2010/main" val="1440524593"/>
       </p:ext>
     </p:extLst>
   </p:cSld>
@@ -6581,7 +6601,7 @@
         </p:nvSpPr>
         <p:spPr>
           <a:xfrm>
-            <a:off x="4148417" y="1257120"/>
+            <a:off x="4114800" y="1257120"/>
             <a:ext cx="4774680" cy="2949120"/>
           </a:xfrm>
           <a:prstGeom prst="rect">
@@ -6688,22 +6708,171 @@
                 </a:solidFill>
                 <a:cs typeface="Arial" panose="020B0604020202020204"/>
               </a:rPr>
-              <a:t>Class Diagram</a:t>
-            </a:r>
+              <a:t>Advantage / Disadvantage</a:t>
+            </a:r>
+          </a:p>
+        </p:txBody>
+      </p:sp>
+      <p:sp>
+        <p:nvSpPr>
+          <p:cNvPr id="2" name="TextBox 1">
+            <a:extLst>
+              <a:ext uri="{FF2B5EF4-FFF2-40B4-BE49-F238E27FC236}">
+                <a16:creationId xmlns:a16="http://schemas.microsoft.com/office/drawing/2014/main" id="{8B1319CA-707D-4666-A070-B3803D5C1BAF}"/>
+              </a:ext>
+            </a:extLst>
+          </p:cNvPr>
+          <p:cNvSpPr txBox="1"/>
+          <p:nvPr/>
+        </p:nvSpPr>
+        <p:spPr>
+          <a:xfrm>
+            <a:off x="405635" y="1149724"/>
+            <a:ext cx="6579956" cy="2739211"/>
+          </a:xfrm>
+          <a:prstGeom prst="rect">
+            <a:avLst/>
+          </a:prstGeom>
+          <a:noFill/>
+        </p:spPr>
+        <p:txBody>
+          <a:bodyPr wrap="square" rtlCol="0">
+            <a:spAutoFit/>
+          </a:bodyPr>
+          <a:lstStyle/>
+          <a:p>
+            <a:pPr algn="just"/>
+            <a:r>
+              <a:rPr lang="en-US" sz="1400" dirty="0">
+                <a:solidFill>
+                  <a:schemeClr val="bg1"/>
+                </a:solidFill>
+              </a:rPr>
+              <a:t>Advantage:</a:t>
+            </a:r>
+          </a:p>
+          <a:p>
+            <a:pPr algn="just"/>
+            <a:endParaRPr lang="en-US" sz="1400" dirty="0">
+              <a:solidFill>
+                <a:schemeClr val="bg1"/>
+              </a:solidFill>
+            </a:endParaRPr>
+          </a:p>
+          <a:p>
+            <a:pPr marL="342900" indent="-342900" algn="just">
+              <a:buFont typeface="Arial" panose="020B0604020202020204" pitchFamily="34" charset="0"/>
+              <a:buChar char="•"/>
+            </a:pPr>
+            <a:r>
+              <a:rPr lang="en-US" sz="1400" dirty="0">
+                <a:solidFill>
+                  <a:schemeClr val="bg1"/>
+                </a:solidFill>
+              </a:rPr>
+              <a:t>Reduce coupling </a:t>
+            </a:r>
+          </a:p>
+          <a:p>
+            <a:pPr marL="800100" lvl="1" indent="-342900" algn="just">
+              <a:buFont typeface="Arial" panose="020B0604020202020204" pitchFamily="34" charset="0"/>
+              <a:buChar char="•"/>
+            </a:pPr>
+            <a:r>
+              <a:rPr lang="en-US" sz="1400" dirty="0">
+                <a:solidFill>
+                  <a:schemeClr val="bg1"/>
+                </a:solidFill>
+              </a:rPr>
+              <a:t>avoids attaching the sender of a request to its receiver, giving this way other objects the possibility of handling the request too.</a:t>
+            </a:r>
+          </a:p>
+          <a:p>
+            <a:pPr marL="342900" indent="-342900" algn="just">
+              <a:buFont typeface="Arial" panose="020B0604020202020204" pitchFamily="34" charset="0"/>
+              <a:buChar char="•"/>
+            </a:pPr>
+            <a:endParaRPr lang="en-US" sz="1400" dirty="0">
+              <a:solidFill>
+                <a:schemeClr val="bg1"/>
+              </a:solidFill>
+            </a:endParaRPr>
+          </a:p>
+          <a:p>
+            <a:pPr marL="342900" indent="-342900" algn="just">
+              <a:buFont typeface="Arial" panose="020B0604020202020204" pitchFamily="34" charset="0"/>
+              <a:buChar char="•"/>
+            </a:pPr>
+            <a:r>
+              <a:rPr lang="en-US" sz="1400" dirty="0">
+                <a:solidFill>
+                  <a:schemeClr val="bg1"/>
+                </a:solidFill>
+              </a:rPr>
+              <a:t>Object doesn’t need to know the chain structure </a:t>
+            </a:r>
+          </a:p>
+          <a:p>
+            <a:pPr marL="800100" lvl="1" indent="-342900" algn="just">
+              <a:buFont typeface="Arial" panose="020B0604020202020204" pitchFamily="34" charset="0"/>
+              <a:buChar char="•"/>
+            </a:pPr>
+            <a:r>
+              <a:rPr lang="en-US" sz="1400" dirty="0">
+                <a:solidFill>
+                  <a:schemeClr val="bg1"/>
+                </a:solidFill>
+              </a:rPr>
+              <a:t>The objects become parts of a chain and the request is sent from one object to another across the chain until one of the objects will handle it.</a:t>
+            </a:r>
+          </a:p>
+          <a:p>
+            <a:pPr marL="342900" indent="-342900" algn="just">
+              <a:buFont typeface="Arial" panose="020B0604020202020204" pitchFamily="34" charset="0"/>
+              <a:buChar char="•"/>
+            </a:pPr>
+            <a:endParaRPr lang="en-US" sz="1400" dirty="0">
+              <a:solidFill>
+                <a:schemeClr val="bg1"/>
+              </a:solidFill>
+            </a:endParaRPr>
+          </a:p>
+          <a:p>
+            <a:pPr marL="342900" indent="-342900" algn="just">
+              <a:buFont typeface="Arial" panose="020B0604020202020204" pitchFamily="34" charset="0"/>
+              <a:buChar char="•"/>
+            </a:pPr>
+            <a:r>
+              <a:rPr lang="en-US" sz="1400" dirty="0">
+                <a:solidFill>
+                  <a:schemeClr val="bg1"/>
+                </a:solidFill>
+              </a:rPr>
+              <a:t>Enhance flexibility of object assigned duties (add, change or remove responsibilities throw the chain</a:t>
+            </a:r>
+            <a:r>
+              <a:rPr lang="en-US" dirty="0">
+                <a:solidFill>
+                  <a:schemeClr val="bg1"/>
+                </a:solidFill>
+              </a:rPr>
+              <a:t>) </a:t>
+            </a:r>
+            <a:endParaRPr lang="en-US" dirty="0"/>
           </a:p>
         </p:txBody>
       </p:sp>
       <p:pic>
         <p:nvPicPr>
-          <p:cNvPr id="3" name="Picture 2" descr="A screenshot of a cell phone&#10;&#10;Description automatically generated">
+          <p:cNvPr id="3080" name="Picture 8" descr="Related image">
             <a:extLst>
               <a:ext uri="{FF2B5EF4-FFF2-40B4-BE49-F238E27FC236}">
-                <a16:creationId xmlns:a16="http://schemas.microsoft.com/office/drawing/2014/main" id="{3D15289E-E304-47ED-B308-136908521E09}"/>
+                <a16:creationId xmlns:a16="http://schemas.microsoft.com/office/drawing/2014/main" id="{7195DF56-9A98-41BE-83E1-DF60B5FDF8EC}"/>
               </a:ext>
             </a:extLst>
           </p:cNvPr>
           <p:cNvPicPr>
-            <a:picLocks noChangeAspect="1"/>
+            <a:picLocks noChangeAspect="1" noChangeArrowheads="1"/>
           </p:cNvPicPr>
           <p:nvPr/>
         </p:nvPicPr>
@@ -6715,38 +6884,35 @@
               </a:ext>
             </a:extLst>
           </a:blip>
+          <a:srcRect/>
           <a:stretch>
             <a:fillRect/>
           </a:stretch>
         </p:blipFill>
-        <p:spPr>
-          <a:xfrm>
-            <a:off x="1308006" y="1036544"/>
-            <a:ext cx="6527987" cy="3232098"/>
-          </a:xfrm>
-          <a:prstGeom prst="rect">
-            <a:avLst/>
-          </a:prstGeom>
-        </p:spPr>
-        <p:style>
-          <a:lnRef idx="2">
-            <a:schemeClr val="accent3"/>
-          </a:lnRef>
-          <a:fillRef idx="1">
-            <a:schemeClr val="lt1"/>
-          </a:fillRef>
-          <a:effectRef idx="0">
-            <a:schemeClr val="accent3"/>
-          </a:effectRef>
-          <a:fontRef idx="minor">
-            <a:schemeClr val="dk1"/>
-          </a:fontRef>
-        </p:style>
+        <p:spPr bwMode="auto">
+          <a:xfrm>
+            <a:off x="7486262" y="1680840"/>
+            <a:ext cx="1252103" cy="1544276"/>
+          </a:xfrm>
+          <a:prstGeom prst="rect">
+            <a:avLst/>
+          </a:prstGeom>
+          <a:noFill/>
+          <a:extLst>
+            <a:ext uri="{909E8E84-426E-40DD-AFC4-6F175D3DCCD1}">
+              <a14:hiddenFill xmlns:a14="http://schemas.microsoft.com/office/drawing/2010/main">
+                <a:solidFill>
+                  <a:srgbClr val="FFFFFF"/>
+                </a:solidFill>
+              </a14:hiddenFill>
+            </a:ext>
+          </a:extLst>
+        </p:spPr>
       </p:pic>
     </p:spTree>
     <p:extLst>
       <p:ext uri="{BB962C8B-B14F-4D97-AF65-F5344CB8AC3E}">
-        <p14:creationId xmlns:p14="http://schemas.microsoft.com/office/powerpoint/2010/main" val="378672236"/>
+        <p14:creationId xmlns:p14="http://schemas.microsoft.com/office/powerpoint/2010/main" val="595242497"/>
       </p:ext>
     </p:extLst>
   </p:cSld>
@@ -6789,7 +6955,7 @@
         </p:nvSpPr>
         <p:spPr>
           <a:xfrm>
-            <a:off x="4148417" y="1257120"/>
+            <a:off x="4114800" y="1257120"/>
             <a:ext cx="4774680" cy="2949120"/>
           </a:xfrm>
           <a:prstGeom prst="rect">
@@ -6896,7 +7062,341 @@
                 </a:solidFill>
                 <a:cs typeface="Arial" panose="020B0604020202020204"/>
               </a:rPr>
-              <a:t>Chain of Responsibility + Nullable</a:t>
+              <a:t>Advantage / Disadvantage</a:t>
+            </a:r>
+          </a:p>
+        </p:txBody>
+      </p:sp>
+      <p:pic>
+        <p:nvPicPr>
+          <p:cNvPr id="2052" name="Picture 4" descr="Image result for homer doh without background">
+            <a:extLst>
+              <a:ext uri="{FF2B5EF4-FFF2-40B4-BE49-F238E27FC236}">
+                <a16:creationId xmlns:a16="http://schemas.microsoft.com/office/drawing/2014/main" id="{11E286D0-5068-4F11-B530-2A07C6DE6257}"/>
+              </a:ext>
+            </a:extLst>
+          </p:cNvPr>
+          <p:cNvPicPr>
+            <a:picLocks noChangeAspect="1" noChangeArrowheads="1"/>
+          </p:cNvPicPr>
+          <p:nvPr/>
+        </p:nvPicPr>
+        <p:blipFill>
+          <a:blip r:embed="rId2">
+            <a:extLst>
+              <a:ext uri="{28A0092B-C50C-407E-A947-70E740481C1C}">
+                <a14:useLocalDpi xmlns:a14="http://schemas.microsoft.com/office/drawing/2010/main" val="0"/>
+              </a:ext>
+            </a:extLst>
+          </a:blip>
+          <a:srcRect/>
+          <a:stretch>
+            <a:fillRect/>
+          </a:stretch>
+        </p:blipFill>
+        <p:spPr bwMode="auto">
+          <a:xfrm>
+            <a:off x="7228873" y="1877087"/>
+            <a:ext cx="1041660" cy="1222930"/>
+          </a:xfrm>
+          <a:prstGeom prst="rect">
+            <a:avLst/>
+          </a:prstGeom>
+          <a:noFill/>
+          <a:extLst>
+            <a:ext uri="{909E8E84-426E-40DD-AFC4-6F175D3DCCD1}">
+              <a14:hiddenFill xmlns:a14="http://schemas.microsoft.com/office/drawing/2010/main">
+                <a:solidFill>
+                  <a:srgbClr val="FFFFFF"/>
+                </a:solidFill>
+              </a14:hiddenFill>
+            </a:ext>
+          </a:extLst>
+        </p:spPr>
+      </p:pic>
+      <p:sp>
+        <p:nvSpPr>
+          <p:cNvPr id="8" name="TextBox 7">
+            <a:extLst>
+              <a:ext uri="{FF2B5EF4-FFF2-40B4-BE49-F238E27FC236}">
+                <a16:creationId xmlns:a16="http://schemas.microsoft.com/office/drawing/2014/main" id="{9C617690-E301-490D-911B-C2A27BA0B8DA}"/>
+              </a:ext>
+            </a:extLst>
+          </p:cNvPr>
+          <p:cNvSpPr txBox="1"/>
+          <p:nvPr/>
+        </p:nvSpPr>
+        <p:spPr>
+          <a:xfrm>
+            <a:off x="405634" y="1149724"/>
+            <a:ext cx="5920737" cy="2760612"/>
+          </a:xfrm>
+          <a:prstGeom prst="rect">
+            <a:avLst/>
+          </a:prstGeom>
+          <a:noFill/>
+        </p:spPr>
+        <p:txBody>
+          <a:bodyPr wrap="square" rtlCol="0">
+            <a:spAutoFit/>
+          </a:bodyPr>
+          <a:lstStyle/>
+          <a:p>
+            <a:pPr algn="just"/>
+            <a:r>
+              <a:rPr lang="en-US" sz="1400" dirty="0">
+                <a:solidFill>
+                  <a:schemeClr val="bg1"/>
+                </a:solidFill>
+              </a:rPr>
+              <a:t>Disadvantage:</a:t>
+            </a:r>
+          </a:p>
+          <a:p>
+            <a:pPr marL="742950" lvl="1" indent="-285750" algn="just">
+              <a:buFont typeface="Arial" panose="020B0604020202020204" pitchFamily="34" charset="0"/>
+              <a:buChar char="•"/>
+            </a:pPr>
+            <a:r>
+              <a:rPr lang="en-US" sz="1400" dirty="0">
+                <a:solidFill>
+                  <a:schemeClr val="bg1"/>
+                </a:solidFill>
+              </a:rPr>
+              <a:t>Easy to broke: if the developer doesn’t call the next handler the request can be lost on the way. (the execution is handled by subclasses instead of the super class)</a:t>
+            </a:r>
+          </a:p>
+          <a:p>
+            <a:pPr marL="742950" lvl="1" indent="-285750" algn="just">
+              <a:buFont typeface="Arial" panose="020B0604020202020204" pitchFamily="34" charset="0"/>
+              <a:buChar char="•"/>
+            </a:pPr>
+            <a:endParaRPr lang="en-US" sz="1400" dirty="0">
+              <a:solidFill>
+                <a:schemeClr val="bg1"/>
+              </a:solidFill>
+            </a:endParaRPr>
+          </a:p>
+          <a:p>
+            <a:pPr marL="742950" lvl="1" indent="-285750" algn="just">
+              <a:buFont typeface="Arial" panose="020B0604020202020204" pitchFamily="34" charset="0"/>
+              <a:buChar char="•"/>
+            </a:pPr>
+            <a:r>
+              <a:rPr lang="en-US" sz="1400" dirty="0">
+                <a:solidFill>
+                  <a:schemeClr val="bg1"/>
+                </a:solidFill>
+              </a:rPr>
+              <a:t>some requests may end up unhandled due to the wrong implementation of concrete handler</a:t>
+            </a:r>
+          </a:p>
+          <a:p>
+            <a:pPr marL="742950" lvl="1" indent="-285750" algn="just">
+              <a:buFont typeface="Arial" panose="020B0604020202020204" pitchFamily="34" charset="0"/>
+              <a:buChar char="•"/>
+            </a:pPr>
+            <a:endParaRPr lang="en-US" sz="1400" dirty="0">
+              <a:solidFill>
+                <a:schemeClr val="bg1"/>
+              </a:solidFill>
+            </a:endParaRPr>
+          </a:p>
+          <a:p>
+            <a:pPr marL="742950" lvl="1" indent="-285750" algn="just">
+              <a:buFont typeface="Arial" panose="020B0604020202020204" pitchFamily="34" charset="0"/>
+              <a:buChar char="•"/>
+            </a:pPr>
+            <a:r>
+              <a:rPr lang="en-US" sz="1400" dirty="0">
+                <a:solidFill>
+                  <a:schemeClr val="bg1"/>
+                </a:solidFill>
+              </a:rPr>
+              <a:t>Performance can be affected</a:t>
+            </a:r>
+          </a:p>
+          <a:p>
+            <a:pPr marL="742950" lvl="1" indent="-285750" algn="just">
+              <a:buFont typeface="Arial" panose="020B0604020202020204" pitchFamily="34" charset="0"/>
+              <a:buChar char="•"/>
+            </a:pPr>
+            <a:endParaRPr lang="en-US" sz="1400" dirty="0">
+              <a:solidFill>
+                <a:schemeClr val="bg1"/>
+              </a:solidFill>
+            </a:endParaRPr>
+          </a:p>
+          <a:p>
+            <a:pPr marL="742950" lvl="1" indent="-285750" algn="just">
+              <a:buFont typeface="Arial" panose="020B0604020202020204" pitchFamily="34" charset="0"/>
+              <a:buChar char="•"/>
+            </a:pPr>
+            <a:r>
+              <a:rPr lang="en-US" sz="1400" dirty="0">
+                <a:solidFill>
+                  <a:schemeClr val="bg1"/>
+                </a:solidFill>
+              </a:rPr>
+              <a:t>Debugging is not easy to do because the implementation may cause cycle calls</a:t>
+            </a:r>
+          </a:p>
+        </p:txBody>
+      </p:sp>
+    </p:spTree>
+    <p:extLst>
+      <p:ext uri="{BB962C8B-B14F-4D97-AF65-F5344CB8AC3E}">
+        <p14:creationId xmlns:p14="http://schemas.microsoft.com/office/powerpoint/2010/main" val="981103599"/>
+      </p:ext>
+    </p:extLst>
+  </p:cSld>
+  <p:clrMapOvr>
+    <a:masterClrMapping/>
+  </p:clrMapOvr>
+</p:sld>
+</file>
+
+<file path=ppt/slides/slide19.xml><?xml version="1.0" encoding="utf-8"?>
+<p:sld xmlns:a="http://schemas.openxmlformats.org/drawingml/2006/main" xmlns:r="http://schemas.openxmlformats.org/officeDocument/2006/relationships" xmlns:p="http://schemas.openxmlformats.org/presentationml/2006/main">
+  <p:cSld>
+    <p:bg>
+      <p:bgPr>
+        <a:solidFill>
+          <a:srgbClr val="000000"/>
+        </a:solidFill>
+        <a:effectLst/>
+      </p:bgPr>
+    </p:bg>
+    <p:spTree>
+      <p:nvGrpSpPr>
+        <p:cNvPr id="1" name=""/>
+        <p:cNvGrpSpPr/>
+        <p:nvPr/>
+      </p:nvGrpSpPr>
+      <p:grpSpPr>
+        <a:xfrm>
+          <a:off x="0" y="0"/>
+          <a:ext cx="0" cy="0"/>
+          <a:chOff x="0" y="0"/>
+          <a:chExt cx="0" cy="0"/>
+        </a:xfrm>
+      </p:grpSpPr>
+      <p:sp>
+        <p:nvSpPr>
+          <p:cNvPr id="161" name="CustomShape 1"/>
+          <p:cNvSpPr/>
+          <p:nvPr/>
+        </p:nvSpPr>
+        <p:spPr>
+          <a:xfrm>
+            <a:off x="4148417" y="1257120"/>
+            <a:ext cx="4774680" cy="2949120"/>
+          </a:xfrm>
+          <a:prstGeom prst="rect">
+            <a:avLst/>
+          </a:prstGeom>
+          <a:noFill/>
+          <a:ln>
+            <a:noFill/>
+          </a:ln>
+        </p:spPr>
+        <p:style>
+          <a:lnRef idx="0">
+            <a:scrgbClr r="0" g="0" b="0"/>
+          </a:lnRef>
+          <a:fillRef idx="0">
+            <a:scrgbClr r="0" g="0" b="0"/>
+          </a:fillRef>
+          <a:effectRef idx="0">
+            <a:scrgbClr r="0" g="0" b="0"/>
+          </a:effectRef>
+          <a:fontRef idx="minor"/>
+        </p:style>
+      </p:sp>
+      <p:sp>
+        <p:nvSpPr>
+          <p:cNvPr id="162" name="CustomShape 2"/>
+          <p:cNvSpPr/>
+          <p:nvPr/>
+        </p:nvSpPr>
+        <p:spPr>
+          <a:xfrm>
+            <a:off x="0" y="5118480"/>
+            <a:ext cx="9143640" cy="33120"/>
+          </a:xfrm>
+          <a:prstGeom prst="rect">
+            <a:avLst/>
+          </a:prstGeom>
+          <a:solidFill>
+            <a:srgbClr val="C1D82F"/>
+          </a:solidFill>
+          <a:ln>
+            <a:noFill/>
+          </a:ln>
+        </p:spPr>
+        <p:style>
+          <a:lnRef idx="0">
+            <a:scrgbClr r="0" g="0" b="0"/>
+          </a:lnRef>
+          <a:fillRef idx="0">
+            <a:scrgbClr r="0" g="0" b="0"/>
+          </a:fillRef>
+          <a:effectRef idx="0">
+            <a:scrgbClr r="0" g="0" b="0"/>
+          </a:effectRef>
+          <a:fontRef idx="minor"/>
+        </p:style>
+      </p:sp>
+      <p:sp>
+        <p:nvSpPr>
+          <p:cNvPr id="163" name="CustomShape 3"/>
+          <p:cNvSpPr/>
+          <p:nvPr/>
+        </p:nvSpPr>
+        <p:spPr>
+          <a:xfrm>
+            <a:off x="0" y="216360"/>
+            <a:ext cx="9143640" cy="552240"/>
+          </a:xfrm>
+          <a:prstGeom prst="rect">
+            <a:avLst/>
+          </a:prstGeom>
+          <a:noFill/>
+          <a:ln>
+            <a:noFill/>
+          </a:ln>
+        </p:spPr>
+        <p:style>
+          <a:lnRef idx="0">
+            <a:scrgbClr r="0" g="0" b="0"/>
+          </a:lnRef>
+          <a:fillRef idx="0">
+            <a:scrgbClr r="0" g="0" b="0"/>
+          </a:fillRef>
+          <a:effectRef idx="0">
+            <a:scrgbClr r="0" g="0" b="0"/>
+          </a:effectRef>
+          <a:fontRef idx="minor"/>
+        </p:style>
+        <p:txBody>
+          <a:bodyPr tIns="91440" bIns="91440">
+            <a:noAutofit/>
+          </a:bodyPr>
+          <a:lstStyle/>
+          <a:p>
+            <a:pPr algn="ctr">
+              <a:lnSpc>
+                <a:spcPct val="100000"/>
+              </a:lnSpc>
+            </a:pPr>
+            <a:r>
+              <a:rPr lang="en-US" sz="2400" dirty="0">
+                <a:solidFill>
+                  <a:srgbClr val="96B51A"/>
+                </a:solidFill>
+                <a:cs typeface="Arial" panose="020B0604020202020204"/>
+              </a:rPr>
+              <a:t>Class Diagram</a:t>
             </a:r>
           </a:p>
         </p:txBody>
@@ -6906,7 +7406,7 @@
           <p:cNvPr id="3" name="Picture 2" descr="A screenshot of a cell phone&#10;&#10;Description automatically generated">
             <a:extLst>
               <a:ext uri="{FF2B5EF4-FFF2-40B4-BE49-F238E27FC236}">
-                <a16:creationId xmlns:a16="http://schemas.microsoft.com/office/drawing/2014/main" id="{1341B67E-B4F9-410A-AD20-4A9A84E7C456}"/>
+                <a16:creationId xmlns:a16="http://schemas.microsoft.com/office/drawing/2014/main" id="{3D15289E-E304-47ED-B308-136908521E09}"/>
               </a:ext>
             </a:extLst>
           </p:cNvPr>
@@ -6929,8 +7429,8 @@
         </p:blipFill>
         <p:spPr>
           <a:xfrm>
-            <a:off x="832485" y="1313125"/>
-            <a:ext cx="7478669" cy="2517250"/>
+            <a:off x="1308006" y="1036544"/>
+            <a:ext cx="6527987" cy="3232098"/>
           </a:xfrm>
           <a:prstGeom prst="rect">
             <a:avLst/>
@@ -6954,133 +7454,7 @@
     </p:spTree>
     <p:extLst>
       <p:ext uri="{BB962C8B-B14F-4D97-AF65-F5344CB8AC3E}">
-        <p14:creationId xmlns:p14="http://schemas.microsoft.com/office/powerpoint/2010/main" val="2448731976"/>
-      </p:ext>
-    </p:extLst>
-  </p:cSld>
-  <p:clrMapOvr>
-    <a:masterClrMapping/>
-  </p:clrMapOvr>
-</p:sld>
-</file>
-
-<file path=ppt/slides/slide19.xml><?xml version="1.0" encoding="utf-8"?>
-<p:sld xmlns:a="http://schemas.openxmlformats.org/drawingml/2006/main" xmlns:r="http://schemas.openxmlformats.org/officeDocument/2006/relationships" xmlns:p="http://schemas.openxmlformats.org/presentationml/2006/main">
-  <p:cSld>
-    <p:spTree>
-      <p:nvGrpSpPr>
-        <p:cNvPr id="1" name=""/>
-        <p:cNvGrpSpPr/>
-        <p:nvPr/>
-      </p:nvGrpSpPr>
-      <p:grpSpPr>
-        <a:xfrm>
-          <a:off x="0" y="0"/>
-          <a:ext cx="0" cy="0"/>
-          <a:chOff x="0" y="0"/>
-          <a:chExt cx="0" cy="0"/>
-        </a:xfrm>
-      </p:grpSpPr>
-      <p:pic>
-        <p:nvPicPr>
-          <p:cNvPr id="147" name="Google Shape;111;p27"/>
-          <p:cNvPicPr/>
-          <p:nvPr/>
-        </p:nvPicPr>
-        <p:blipFill>
-          <a:blip r:embed="rId2"/>
-          <a:stretch/>
-        </p:blipFill>
-        <p:spPr>
-          <a:xfrm>
-            <a:off x="0" y="0"/>
-            <a:ext cx="9143640" cy="5143320"/>
-          </a:xfrm>
-          <a:prstGeom prst="rect">
-            <a:avLst/>
-          </a:prstGeom>
-          <a:ln>
-            <a:noFill/>
-          </a:ln>
-        </p:spPr>
-      </p:pic>
-      <p:sp>
-        <p:nvSpPr>
-          <p:cNvPr id="148" name="CustomShape 1"/>
-          <p:cNvSpPr/>
-          <p:nvPr/>
-        </p:nvSpPr>
-        <p:spPr>
-          <a:xfrm>
-            <a:off x="3593804" y="1252080"/>
-            <a:ext cx="5268315" cy="2639520"/>
-          </a:xfrm>
-          <a:prstGeom prst="rect">
-            <a:avLst/>
-          </a:prstGeom>
-          <a:noFill/>
-          <a:ln>
-            <a:noFill/>
-          </a:ln>
-        </p:spPr>
-        <p:style>
-          <a:lnRef idx="0">
-            <a:scrgbClr r="0" g="0" b="0"/>
-          </a:lnRef>
-          <a:fillRef idx="0">
-            <a:scrgbClr r="0" g="0" b="0"/>
-          </a:fillRef>
-          <a:effectRef idx="0">
-            <a:scrgbClr r="0" g="0" b="0"/>
-          </a:effectRef>
-          <a:fontRef idx="minor"/>
-        </p:style>
-        <p:txBody>
-          <a:bodyPr tIns="91440" bIns="91440">
-            <a:noAutofit/>
-          </a:bodyPr>
-          <a:lstStyle/>
-          <a:p>
-            <a:pPr algn="r">
-              <a:lnSpc>
-                <a:spcPct val="100000"/>
-              </a:lnSpc>
-            </a:pPr>
-            <a:endParaRPr lang="en-US" sz="1400" b="0" strike="noStrike" spc="-1" dirty="0">
-              <a:latin typeface="Arial"/>
-            </a:endParaRPr>
-          </a:p>
-          <a:p>
-            <a:pPr algn="r">
-              <a:lnSpc>
-                <a:spcPct val="100000"/>
-              </a:lnSpc>
-            </a:pPr>
-            <a:endParaRPr lang="en-US" sz="1400" b="0" strike="noStrike" spc="-1" dirty="0">
-              <a:latin typeface="Arial"/>
-            </a:endParaRPr>
-          </a:p>
-          <a:p>
-            <a:pPr algn="r">
-              <a:lnSpc>
-                <a:spcPct val="100000"/>
-              </a:lnSpc>
-            </a:pPr>
-            <a:r>
-              <a:rPr lang="en-US" sz="3400" spc="-1" dirty="0">
-                <a:solidFill>
-                  <a:srgbClr val="96B51A"/>
-                </a:solidFill>
-              </a:rPr>
-              <a:t>Singleton Patterns</a:t>
-            </a:r>
-          </a:p>
-        </p:txBody>
-      </p:sp>
-    </p:spTree>
-    <p:extLst>
-      <p:ext uri="{BB962C8B-B14F-4D97-AF65-F5344CB8AC3E}">
-        <p14:creationId xmlns:p14="http://schemas.microsoft.com/office/powerpoint/2010/main" val="4237332987"/>
+        <p14:creationId xmlns:p14="http://schemas.microsoft.com/office/powerpoint/2010/main" val="378672236"/>
       </p:ext>
     </p:extLst>
   </p:cSld>
@@ -7416,22 +7790,22 @@
                 </a:solidFill>
                 <a:cs typeface="Arial" panose="020B0604020202020204"/>
               </a:rPr>
-              <a:t>Singleton</a:t>
+              <a:t>Chain of Responsibility + Nullable</a:t>
             </a:r>
           </a:p>
         </p:txBody>
       </p:sp>
       <p:pic>
         <p:nvPicPr>
-          <p:cNvPr id="1026" name="Picture 2" descr="Resultado de imagen para class diagram singleton">
+          <p:cNvPr id="3" name="Picture 2" descr="A screenshot of a cell phone&#10;&#10;Description automatically generated">
             <a:extLst>
               <a:ext uri="{FF2B5EF4-FFF2-40B4-BE49-F238E27FC236}">
-                <a16:creationId xmlns:a16="http://schemas.microsoft.com/office/drawing/2014/main" id="{B407673B-35C8-478A-9CA0-0C2569C2DC49}"/>
+                <a16:creationId xmlns:a16="http://schemas.microsoft.com/office/drawing/2014/main" id="{1341B67E-B4F9-410A-AD20-4A9A84E7C456}"/>
               </a:ext>
             </a:extLst>
           </p:cNvPr>
           <p:cNvPicPr>
-            <a:picLocks noChangeAspect="1" noChangeArrowheads="1"/>
+            <a:picLocks noChangeAspect="1"/>
           </p:cNvPicPr>
           <p:nvPr/>
         </p:nvPicPr>
@@ -7443,28 +7817,18 @@
               </a:ext>
             </a:extLst>
           </a:blip>
-          <a:srcRect/>
           <a:stretch>
             <a:fillRect/>
           </a:stretch>
         </p:blipFill>
-        <p:spPr bwMode="auto">
-          <a:xfrm>
-            <a:off x="4571820" y="1257120"/>
-            <a:ext cx="3738471" cy="2803853"/>
-          </a:xfrm>
-          <a:prstGeom prst="rect">
-            <a:avLst/>
-          </a:prstGeom>
-          <a:extLst>
-            <a:ext uri="{909E8E84-426E-40DD-AFC4-6F175D3DCCD1}">
-              <a14:hiddenFill xmlns:a14="http://schemas.microsoft.com/office/drawing/2010/main">
-                <a:solidFill>
-                  <a:srgbClr val="FFFFFF"/>
-                </a:solidFill>
-              </a14:hiddenFill>
-            </a:ext>
-          </a:extLst>
+        <p:spPr>
+          <a:xfrm>
+            <a:off x="832485" y="1313125"/>
+            <a:ext cx="7478669" cy="2517250"/>
+          </a:xfrm>
+          <a:prstGeom prst="rect">
+            <a:avLst/>
+          </a:prstGeom>
         </p:spPr>
         <p:style>
           <a:lnRef idx="2">
@@ -7481,297 +7845,10 @@
           </a:fontRef>
         </p:style>
       </p:pic>
-      <p:sp>
-        <p:nvSpPr>
-          <p:cNvPr id="2" name="Rectangle 1">
-            <a:extLst>
-              <a:ext uri="{FF2B5EF4-FFF2-40B4-BE49-F238E27FC236}">
-                <a16:creationId xmlns:a16="http://schemas.microsoft.com/office/drawing/2014/main" id="{F404DF54-EEB0-4040-B37C-2D9D0F0CDD45}"/>
-              </a:ext>
-            </a:extLst>
-          </p:cNvPr>
-          <p:cNvSpPr/>
-          <p:nvPr/>
-        </p:nvSpPr>
-        <p:spPr>
-          <a:xfrm>
-            <a:off x="441297" y="2200660"/>
-            <a:ext cx="3301364" cy="738664"/>
-          </a:xfrm>
-          <a:prstGeom prst="rect">
-            <a:avLst/>
-          </a:prstGeom>
-        </p:spPr>
-        <p:txBody>
-          <a:bodyPr wrap="square">
-            <a:spAutoFit/>
-          </a:bodyPr>
-          <a:lstStyle/>
-          <a:p>
-            <a:pPr algn="just"/>
-            <a:r>
-              <a:rPr lang="es-CO" sz="1400" dirty="0" err="1">
-                <a:solidFill>
-                  <a:schemeClr val="bg1"/>
-                </a:solidFill>
-              </a:rPr>
-              <a:t>Restricts</a:t>
-            </a:r>
-            <a:r>
-              <a:rPr lang="es-CO" sz="1400" dirty="0">
-                <a:solidFill>
-                  <a:schemeClr val="bg1"/>
-                </a:solidFill>
-              </a:rPr>
-              <a:t> </a:t>
-            </a:r>
-            <a:r>
-              <a:rPr lang="es-CO" sz="1400" dirty="0" err="1">
-                <a:solidFill>
-                  <a:schemeClr val="bg1"/>
-                </a:solidFill>
-              </a:rPr>
-              <a:t>instantiation</a:t>
-            </a:r>
-            <a:r>
-              <a:rPr lang="es-CO" sz="1400" dirty="0">
-                <a:solidFill>
-                  <a:schemeClr val="bg1"/>
-                </a:solidFill>
-              </a:rPr>
-              <a:t> </a:t>
-            </a:r>
-            <a:r>
-              <a:rPr lang="es-CO" sz="1400" dirty="0" err="1">
-                <a:solidFill>
-                  <a:schemeClr val="bg1"/>
-                </a:solidFill>
-              </a:rPr>
-              <a:t>of</a:t>
-            </a:r>
-            <a:r>
-              <a:rPr lang="es-CO" sz="1400" dirty="0">
-                <a:solidFill>
-                  <a:schemeClr val="bg1"/>
-                </a:solidFill>
-              </a:rPr>
-              <a:t> a </a:t>
-            </a:r>
-            <a:r>
-              <a:rPr lang="es-CO" sz="1400" dirty="0" err="1">
-                <a:solidFill>
-                  <a:schemeClr val="bg1"/>
-                </a:solidFill>
-              </a:rPr>
-              <a:t>class</a:t>
-            </a:r>
-            <a:r>
-              <a:rPr lang="es-CO" sz="1400" dirty="0">
-                <a:solidFill>
-                  <a:schemeClr val="bg1"/>
-                </a:solidFill>
-              </a:rPr>
-              <a:t> so </a:t>
-            </a:r>
-            <a:r>
-              <a:rPr lang="es-CO" sz="1400" dirty="0" err="1">
-                <a:solidFill>
-                  <a:schemeClr val="bg1"/>
-                </a:solidFill>
-              </a:rPr>
-              <a:t>that</a:t>
-            </a:r>
-            <a:r>
-              <a:rPr lang="es-CO" sz="1400" dirty="0">
-                <a:solidFill>
-                  <a:schemeClr val="bg1"/>
-                </a:solidFill>
-              </a:rPr>
-              <a:t> </a:t>
-            </a:r>
-            <a:r>
-              <a:rPr lang="es-CO" sz="1400" dirty="0" err="1">
-                <a:solidFill>
-                  <a:schemeClr val="bg1"/>
-                </a:solidFill>
-              </a:rPr>
-              <a:t>it</a:t>
-            </a:r>
-            <a:r>
-              <a:rPr lang="es-CO" sz="1400" dirty="0">
-                <a:solidFill>
-                  <a:schemeClr val="bg1"/>
-                </a:solidFill>
-              </a:rPr>
-              <a:t> </a:t>
-            </a:r>
-            <a:r>
-              <a:rPr lang="es-CO" sz="1400" dirty="0" err="1">
-                <a:solidFill>
-                  <a:schemeClr val="bg1"/>
-                </a:solidFill>
-              </a:rPr>
-              <a:t>only</a:t>
-            </a:r>
-            <a:r>
-              <a:rPr lang="es-CO" sz="1400" dirty="0">
-                <a:solidFill>
-                  <a:schemeClr val="bg1"/>
-                </a:solidFill>
-              </a:rPr>
-              <a:t> </a:t>
-            </a:r>
-            <a:r>
-              <a:rPr lang="es-CO" sz="1400" dirty="0" err="1">
-                <a:solidFill>
-                  <a:schemeClr val="bg1"/>
-                </a:solidFill>
-              </a:rPr>
-              <a:t>creates</a:t>
-            </a:r>
-            <a:r>
-              <a:rPr lang="es-CO" sz="1400" dirty="0">
-                <a:solidFill>
-                  <a:schemeClr val="bg1"/>
-                </a:solidFill>
-              </a:rPr>
-              <a:t> </a:t>
-            </a:r>
-            <a:r>
-              <a:rPr lang="es-CO" sz="1400" dirty="0" err="1">
-                <a:solidFill>
-                  <a:schemeClr val="bg1"/>
-                </a:solidFill>
-              </a:rPr>
-              <a:t>one</a:t>
-            </a:r>
-            <a:r>
-              <a:rPr lang="es-CO" sz="1400" dirty="0">
-                <a:solidFill>
-                  <a:schemeClr val="bg1"/>
-                </a:solidFill>
-              </a:rPr>
-              <a:t> </a:t>
-            </a:r>
-            <a:r>
-              <a:rPr lang="es-CO" sz="1400" dirty="0" err="1">
-                <a:solidFill>
-                  <a:schemeClr val="bg1"/>
-                </a:solidFill>
-              </a:rPr>
-              <a:t>instance</a:t>
-            </a:r>
-            <a:r>
-              <a:rPr lang="es-CO" sz="1400" dirty="0">
-                <a:solidFill>
-                  <a:schemeClr val="bg1"/>
-                </a:solidFill>
-              </a:rPr>
-              <a:t> </a:t>
-            </a:r>
-            <a:r>
-              <a:rPr lang="es-CO" sz="1400" dirty="0" err="1">
-                <a:solidFill>
-                  <a:schemeClr val="bg1"/>
-                </a:solidFill>
-              </a:rPr>
-              <a:t>of</a:t>
-            </a:r>
-            <a:r>
-              <a:rPr lang="es-CO" sz="1400" dirty="0">
-                <a:solidFill>
-                  <a:schemeClr val="bg1"/>
-                </a:solidFill>
-              </a:rPr>
-              <a:t> </a:t>
-            </a:r>
-            <a:r>
-              <a:rPr lang="es-CO" sz="1400" dirty="0" err="1">
-                <a:solidFill>
-                  <a:schemeClr val="bg1"/>
-                </a:solidFill>
-              </a:rPr>
-              <a:t>the</a:t>
-            </a:r>
-            <a:r>
-              <a:rPr lang="es-CO" sz="1400" dirty="0">
-                <a:solidFill>
-                  <a:schemeClr val="bg1"/>
-                </a:solidFill>
-              </a:rPr>
-              <a:t> </a:t>
-            </a:r>
-            <a:r>
-              <a:rPr lang="es-CO" sz="1400" dirty="0" err="1">
-                <a:solidFill>
-                  <a:schemeClr val="bg1"/>
-                </a:solidFill>
-              </a:rPr>
-              <a:t>class</a:t>
-            </a:r>
-            <a:r>
-              <a:rPr lang="es-CO" sz="1400" dirty="0">
-                <a:solidFill>
-                  <a:schemeClr val="bg1"/>
-                </a:solidFill>
-              </a:rPr>
-              <a:t> </a:t>
-            </a:r>
-            <a:r>
-              <a:rPr lang="es-CO" sz="1400" dirty="0" err="1">
-                <a:solidFill>
-                  <a:schemeClr val="bg1"/>
-                </a:solidFill>
-              </a:rPr>
-              <a:t>that</a:t>
-            </a:r>
-            <a:r>
-              <a:rPr lang="es-CO" sz="1400" dirty="0">
-                <a:solidFill>
-                  <a:schemeClr val="bg1"/>
-                </a:solidFill>
-              </a:rPr>
-              <a:t> </a:t>
-            </a:r>
-            <a:r>
-              <a:rPr lang="es-CO" sz="1400" dirty="0" err="1">
-                <a:solidFill>
-                  <a:schemeClr val="bg1"/>
-                </a:solidFill>
-              </a:rPr>
-              <a:t>implements</a:t>
-            </a:r>
-            <a:r>
-              <a:rPr lang="es-CO" sz="1400" dirty="0">
-                <a:solidFill>
-                  <a:schemeClr val="bg1"/>
-                </a:solidFill>
-              </a:rPr>
-              <a:t> </a:t>
-            </a:r>
-            <a:r>
-              <a:rPr lang="es-CO" sz="1400" dirty="0" err="1">
-                <a:solidFill>
-                  <a:schemeClr val="bg1"/>
-                </a:solidFill>
-              </a:rPr>
-              <a:t>it</a:t>
-            </a:r>
-            <a:r>
-              <a:rPr lang="es-CO" sz="1400" dirty="0">
-                <a:solidFill>
-                  <a:schemeClr val="bg1"/>
-                </a:solidFill>
-              </a:rPr>
-              <a:t>.</a:t>
-            </a:r>
-          </a:p>
-        </p:txBody>
-      </p:sp>
     </p:spTree>
     <p:extLst>
       <p:ext uri="{BB962C8B-B14F-4D97-AF65-F5344CB8AC3E}">
-        <p14:creationId xmlns:p14="http://schemas.microsoft.com/office/powerpoint/2010/main" val="2931332537"/>
+        <p14:creationId xmlns:p14="http://schemas.microsoft.com/office/powerpoint/2010/main" val="2448731976"/>
       </p:ext>
     </p:extLst>
   </p:cSld>
@@ -7784,14 +7861,6 @@
 <file path=ppt/slides/slide21.xml><?xml version="1.0" encoding="utf-8"?>
 <p:sld xmlns:a="http://schemas.openxmlformats.org/drawingml/2006/main" xmlns:r="http://schemas.openxmlformats.org/officeDocument/2006/relationships" xmlns:p="http://schemas.openxmlformats.org/presentationml/2006/main">
   <p:cSld>
-    <p:bg>
-      <p:bgPr>
-        <a:solidFill>
-          <a:srgbClr val="000000"/>
-        </a:solidFill>
-        <a:effectLst/>
-      </p:bgPr>
-    </p:bg>
     <p:spTree>
       <p:nvGrpSpPr>
         <p:cNvPr id="1" name=""/>
@@ -7806,82 +7875,39 @@
           <a:chExt cx="0" cy="0"/>
         </a:xfrm>
       </p:grpSpPr>
-      <p:sp>
-        <p:nvSpPr>
-          <p:cNvPr id="161" name="CustomShape 1"/>
-          <p:cNvSpPr/>
+      <p:pic>
+        <p:nvPicPr>
+          <p:cNvPr id="147" name="Google Shape;111;p27"/>
+          <p:cNvPicPr/>
           <p:nvPr/>
-        </p:nvSpPr>
-        <p:spPr>
-          <a:xfrm>
-            <a:off x="4114800" y="1257120"/>
-            <a:ext cx="4774680" cy="2949120"/>
-          </a:xfrm>
-          <a:prstGeom prst="rect">
-            <a:avLst/>
-          </a:prstGeom>
-          <a:noFill/>
+        </p:nvPicPr>
+        <p:blipFill>
+          <a:blip r:embed="rId2"/>
+          <a:stretch/>
+        </p:blipFill>
+        <p:spPr>
+          <a:xfrm>
+            <a:off x="0" y="0"/>
+            <a:ext cx="9143640" cy="5143320"/>
+          </a:xfrm>
+          <a:prstGeom prst="rect">
+            <a:avLst/>
+          </a:prstGeom>
           <a:ln>
             <a:noFill/>
           </a:ln>
         </p:spPr>
-        <p:style>
-          <a:lnRef idx="0">
-            <a:scrgbClr r="0" g="0" b="0"/>
-          </a:lnRef>
-          <a:fillRef idx="0">
-            <a:scrgbClr r="0" g="0" b="0"/>
-          </a:fillRef>
-          <a:effectRef idx="0">
-            <a:scrgbClr r="0" g="0" b="0"/>
-          </a:effectRef>
-          <a:fontRef idx="minor"/>
-        </p:style>
-      </p:sp>
-      <p:sp>
-        <p:nvSpPr>
-          <p:cNvPr id="162" name="CustomShape 2"/>
+      </p:pic>
+      <p:sp>
+        <p:nvSpPr>
+          <p:cNvPr id="148" name="CustomShape 1"/>
           <p:cNvSpPr/>
           <p:nvPr/>
         </p:nvSpPr>
         <p:spPr>
           <a:xfrm>
-            <a:off x="0" y="5118480"/>
-            <a:ext cx="9143640" cy="33120"/>
-          </a:xfrm>
-          <a:prstGeom prst="rect">
-            <a:avLst/>
-          </a:prstGeom>
-          <a:solidFill>
-            <a:srgbClr val="C1D82F"/>
-          </a:solidFill>
-          <a:ln>
-            <a:noFill/>
-          </a:ln>
-        </p:spPr>
-        <p:style>
-          <a:lnRef idx="0">
-            <a:scrgbClr r="0" g="0" b="0"/>
-          </a:lnRef>
-          <a:fillRef idx="0">
-            <a:scrgbClr r="0" g="0" b="0"/>
-          </a:fillRef>
-          <a:effectRef idx="0">
-            <a:scrgbClr r="0" g="0" b="0"/>
-          </a:effectRef>
-          <a:fontRef idx="minor"/>
-        </p:style>
-      </p:sp>
-      <p:sp>
-        <p:nvSpPr>
-          <p:cNvPr id="163" name="CustomShape 3"/>
-          <p:cNvSpPr/>
-          <p:nvPr/>
-        </p:nvSpPr>
-        <p:spPr>
-          <a:xfrm>
-            <a:off x="0" y="216360"/>
-            <a:ext cx="9143640" cy="552240"/>
+            <a:off x="3593804" y="1252080"/>
+            <a:ext cx="5268315" cy="2639520"/>
           </a:xfrm>
           <a:prstGeom prst="rect">
             <a:avLst/>
@@ -7909,114 +7935,46 @@
           </a:bodyPr>
           <a:lstStyle/>
           <a:p>
-            <a:pPr algn="ctr">
+            <a:pPr algn="r">
               <a:lnSpc>
                 <a:spcPct val="100000"/>
               </a:lnSpc>
             </a:pPr>
-            <a:r>
-              <a:rPr lang="en-US" sz="2400" dirty="0">
+            <a:endParaRPr lang="en-US" sz="1400" b="0" strike="noStrike" spc="-1" dirty="0">
+              <a:latin typeface="Arial"/>
+            </a:endParaRPr>
+          </a:p>
+          <a:p>
+            <a:pPr algn="r">
+              <a:lnSpc>
+                <a:spcPct val="100000"/>
+              </a:lnSpc>
+            </a:pPr>
+            <a:endParaRPr lang="en-US" sz="1400" b="0" strike="noStrike" spc="-1" dirty="0">
+              <a:latin typeface="Arial"/>
+            </a:endParaRPr>
+          </a:p>
+          <a:p>
+            <a:pPr algn="r">
+              <a:lnSpc>
+                <a:spcPct val="100000"/>
+              </a:lnSpc>
+            </a:pPr>
+            <a:r>
+              <a:rPr lang="en-US" sz="3400" spc="-1" dirty="0">
                 <a:solidFill>
                   <a:srgbClr val="96B51A"/>
                 </a:solidFill>
-                <a:cs typeface="Arial" panose="020B0604020202020204"/>
-              </a:rPr>
-              <a:t>When to use it? </a:t>
-            </a:r>
-          </a:p>
-        </p:txBody>
-      </p:sp>
-      <p:pic>
-        <p:nvPicPr>
-          <p:cNvPr id="4100" name="Picture 4" descr="Image result for homer thinking with glasses without background">
-            <a:extLst>
-              <a:ext uri="{FF2B5EF4-FFF2-40B4-BE49-F238E27FC236}">
-                <a16:creationId xmlns:a16="http://schemas.microsoft.com/office/drawing/2014/main" id="{5EC6A25D-704D-42F6-9728-C0D4D014EF54}"/>
-              </a:ext>
-            </a:extLst>
-          </p:cNvPr>
-          <p:cNvPicPr>
-            <a:picLocks noChangeAspect="1" noChangeArrowheads="1"/>
-          </p:cNvPicPr>
-          <p:nvPr/>
-        </p:nvPicPr>
-        <p:blipFill>
-          <a:blip r:embed="rId2">
-            <a:extLst>
-              <a:ext uri="{28A0092B-C50C-407E-A947-70E740481C1C}">
-                <a14:useLocalDpi xmlns:a14="http://schemas.microsoft.com/office/drawing/2010/main" val="0"/>
-              </a:ext>
-            </a:extLst>
-          </a:blip>
-          <a:srcRect/>
-          <a:stretch>
-            <a:fillRect/>
-          </a:stretch>
-        </p:blipFill>
-        <p:spPr bwMode="auto">
-          <a:xfrm>
-            <a:off x="6653171" y="1559256"/>
-            <a:ext cx="1707490" cy="2024988"/>
-          </a:xfrm>
-          <a:prstGeom prst="rect">
-            <a:avLst/>
-          </a:prstGeom>
-          <a:noFill/>
-          <a:extLst/>
-        </p:spPr>
-      </p:pic>
-      <p:sp>
-        <p:nvSpPr>
-          <p:cNvPr id="3" name="Rectangle 2">
-            <a:extLst>
-              <a:ext uri="{FF2B5EF4-FFF2-40B4-BE49-F238E27FC236}">
-                <a16:creationId xmlns:a16="http://schemas.microsoft.com/office/drawing/2014/main" id="{000C933F-B8E0-42B1-9002-4022FDAE49AC}"/>
-              </a:ext>
-            </a:extLst>
-          </p:cNvPr>
-          <p:cNvSpPr/>
-          <p:nvPr/>
-        </p:nvSpPr>
-        <p:spPr>
-          <a:xfrm>
-            <a:off x="504265" y="1371421"/>
-            <a:ext cx="5741894" cy="584775"/>
-          </a:xfrm>
-          <a:prstGeom prst="rect">
-            <a:avLst/>
-          </a:prstGeom>
-        </p:spPr>
-        <p:txBody>
-          <a:bodyPr wrap="square">
-            <a:spAutoFit/>
-          </a:bodyPr>
-          <a:lstStyle/>
-          <a:p>
-            <a:r>
-              <a:rPr lang="en-US" sz="1400" dirty="0">
-                <a:solidFill>
-                  <a:schemeClr val="bg1"/>
-                </a:solidFill>
-              </a:rPr>
-              <a:t>Application needs only one, instance of an object and global access are necessary</a:t>
-            </a:r>
-            <a:r>
-              <a:rPr lang="en-US" dirty="0">
-                <a:solidFill>
-                  <a:srgbClr val="444444"/>
-                </a:solidFill>
-                <a:latin typeface="PT Sans"/>
-              </a:rPr>
-              <a:t>.</a:t>
-            </a:r>
-            <a:endParaRPr lang="en-US" dirty="0"/>
+              </a:rPr>
+              <a:t>Singleton Patterns</a:t>
+            </a:r>
           </a:p>
         </p:txBody>
       </p:sp>
     </p:spTree>
     <p:extLst>
       <p:ext uri="{BB962C8B-B14F-4D97-AF65-F5344CB8AC3E}">
-        <p14:creationId xmlns:p14="http://schemas.microsoft.com/office/powerpoint/2010/main" val="1073355550"/>
+        <p14:creationId xmlns:p14="http://schemas.microsoft.com/office/powerpoint/2010/main" val="4237332987"/>
       </p:ext>
     </p:extLst>
   </p:cSld>
@@ -8059,7 +8017,7 @@
         </p:nvSpPr>
         <p:spPr>
           <a:xfrm>
-            <a:off x="4114800" y="1257120"/>
+            <a:off x="4148417" y="1257120"/>
             <a:ext cx="4774680" cy="2949120"/>
           </a:xfrm>
           <a:prstGeom prst="rect">
@@ -8166,148 +8124,17 @@
                 </a:solidFill>
                 <a:cs typeface="Arial" panose="020B0604020202020204"/>
               </a:rPr>
-              <a:t>Advantage / Disadvantage</a:t>
+              <a:t>Singleton</a:t>
             </a:r>
           </a:p>
         </p:txBody>
       </p:sp>
-      <p:sp>
-        <p:nvSpPr>
-          <p:cNvPr id="2" name="TextBox 1">
+      <p:pic>
+        <p:nvPicPr>
+          <p:cNvPr id="1026" name="Picture 2" descr="Resultado de imagen para class diagram singleton">
             <a:extLst>
               <a:ext uri="{FF2B5EF4-FFF2-40B4-BE49-F238E27FC236}">
-                <a16:creationId xmlns:a16="http://schemas.microsoft.com/office/drawing/2014/main" id="{8B1319CA-707D-4666-A070-B3803D5C1BAF}"/>
-              </a:ext>
-            </a:extLst>
-          </p:cNvPr>
-          <p:cNvSpPr txBox="1"/>
-          <p:nvPr/>
-        </p:nvSpPr>
-        <p:spPr>
-          <a:xfrm>
-            <a:off x="405635" y="1149724"/>
-            <a:ext cx="6579956" cy="2462213"/>
-          </a:xfrm>
-          <a:prstGeom prst="rect">
-            <a:avLst/>
-          </a:prstGeom>
-          <a:noFill/>
-        </p:spPr>
-        <p:txBody>
-          <a:bodyPr wrap="square" rtlCol="0">
-            <a:spAutoFit/>
-          </a:bodyPr>
-          <a:lstStyle/>
-          <a:p>
-            <a:pPr algn="just"/>
-            <a:r>
-              <a:rPr lang="en-US" sz="1400" dirty="0">
-                <a:solidFill>
-                  <a:schemeClr val="bg1"/>
-                </a:solidFill>
-              </a:rPr>
-              <a:t>Advantage:</a:t>
-            </a:r>
-          </a:p>
-          <a:p>
-            <a:pPr algn="just"/>
-            <a:endParaRPr lang="en-US" sz="1400" dirty="0">
-              <a:solidFill>
-                <a:schemeClr val="bg1"/>
-              </a:solidFill>
-            </a:endParaRPr>
-          </a:p>
-          <a:p>
-            <a:pPr marL="742950" lvl="1" indent="-285750" algn="just">
-              <a:buFont typeface="Arial" panose="020B0604020202020204" pitchFamily="34" charset="0"/>
-              <a:buChar char="•"/>
-            </a:pPr>
-            <a:r>
-              <a:rPr lang="en-US" sz="1400" dirty="0">
-                <a:solidFill>
-                  <a:schemeClr val="bg1"/>
-                </a:solidFill>
-              </a:rPr>
-              <a:t>Global  state</a:t>
-            </a:r>
-          </a:p>
-          <a:p>
-            <a:pPr marL="742950" lvl="1" indent="-285750" algn="just">
-              <a:buFont typeface="Arial" panose="020B0604020202020204" pitchFamily="34" charset="0"/>
-              <a:buChar char="•"/>
-            </a:pPr>
-            <a:endParaRPr lang="en-US" sz="1400" dirty="0">
-              <a:solidFill>
-                <a:schemeClr val="bg1"/>
-              </a:solidFill>
-            </a:endParaRPr>
-          </a:p>
-          <a:p>
-            <a:pPr marL="742950" lvl="1" indent="-285750" algn="just">
-              <a:buFont typeface="Arial" panose="020B0604020202020204" pitchFamily="34" charset="0"/>
-              <a:buChar char="•"/>
-            </a:pPr>
-            <a:r>
-              <a:rPr lang="en-US" sz="1400" dirty="0">
-                <a:solidFill>
-                  <a:schemeClr val="bg1"/>
-                </a:solidFill>
-              </a:rPr>
-              <a:t>The singleton class has the flexibility to change the instantiation process</a:t>
-            </a:r>
-          </a:p>
-          <a:p>
-            <a:pPr marL="742950" lvl="1" indent="-285750" algn="just">
-              <a:buFont typeface="Arial" panose="020B0604020202020204" pitchFamily="34" charset="0"/>
-              <a:buChar char="•"/>
-            </a:pPr>
-            <a:endParaRPr lang="en-US" sz="1400" dirty="0">
-              <a:solidFill>
-                <a:schemeClr val="bg1"/>
-              </a:solidFill>
-            </a:endParaRPr>
-          </a:p>
-          <a:p>
-            <a:pPr marL="742950" lvl="1" indent="-285750" algn="just">
-              <a:buFont typeface="Arial" panose="020B0604020202020204" pitchFamily="34" charset="0"/>
-              <a:buChar char="•"/>
-            </a:pPr>
-            <a:r>
-              <a:rPr lang="en-US" sz="1400" dirty="0">
-                <a:solidFill>
-                  <a:schemeClr val="bg1"/>
-                </a:solidFill>
-              </a:rPr>
-              <a:t>The implementation is easy and can be transform to a pool instances handle </a:t>
-            </a:r>
-          </a:p>
-          <a:p>
-            <a:pPr algn="just"/>
-            <a:endParaRPr lang="en-US" sz="1400" dirty="0">
-              <a:solidFill>
-                <a:schemeClr val="bg1"/>
-              </a:solidFill>
-            </a:endParaRPr>
-          </a:p>
-          <a:p>
-            <a:pPr marL="342900" indent="-342900" algn="just">
-              <a:buFont typeface="Arial" panose="020B0604020202020204" pitchFamily="34" charset="0"/>
-              <a:buChar char="•"/>
-            </a:pPr>
-            <a:endParaRPr lang="en-US" sz="1400" dirty="0">
-              <a:solidFill>
-                <a:schemeClr val="bg1"/>
-              </a:solidFill>
-            </a:endParaRPr>
-          </a:p>
-        </p:txBody>
-      </p:sp>
-      <p:pic>
-        <p:nvPicPr>
-          <p:cNvPr id="3080" name="Picture 8" descr="Related image">
-            <a:extLst>
-              <a:ext uri="{FF2B5EF4-FFF2-40B4-BE49-F238E27FC236}">
-                <a16:creationId xmlns:a16="http://schemas.microsoft.com/office/drawing/2014/main" id="{7195DF56-9A98-41BE-83E1-DF60B5FDF8EC}"/>
+                <a16:creationId xmlns:a16="http://schemas.microsoft.com/office/drawing/2014/main" id="{B407673B-35C8-478A-9CA0-0C2569C2DC49}"/>
               </a:ext>
             </a:extLst>
           </p:cNvPr>
@@ -8331,13 +8158,12 @@
         </p:blipFill>
         <p:spPr bwMode="auto">
           <a:xfrm>
-            <a:off x="7486262" y="1680840"/>
-            <a:ext cx="1252103" cy="1544276"/>
-          </a:xfrm>
-          <a:prstGeom prst="rect">
-            <a:avLst/>
-          </a:prstGeom>
-          <a:noFill/>
+            <a:off x="4571820" y="1257120"/>
+            <a:ext cx="3738471" cy="2803853"/>
+          </a:xfrm>
+          <a:prstGeom prst="rect">
+            <a:avLst/>
+          </a:prstGeom>
           <a:extLst>
             <a:ext uri="{909E8E84-426E-40DD-AFC4-6F175D3DCCD1}">
               <a14:hiddenFill xmlns:a14="http://schemas.microsoft.com/office/drawing/2010/main">
@@ -8348,11 +8174,312 @@
             </a:ext>
           </a:extLst>
         </p:spPr>
+        <p:style>
+          <a:lnRef idx="2">
+            <a:schemeClr val="accent3"/>
+          </a:lnRef>
+          <a:fillRef idx="1">
+            <a:schemeClr val="lt1"/>
+          </a:fillRef>
+          <a:effectRef idx="0">
+            <a:schemeClr val="accent3"/>
+          </a:effectRef>
+          <a:fontRef idx="minor">
+            <a:schemeClr val="dk1"/>
+          </a:fontRef>
+        </p:style>
       </p:pic>
+      <p:sp>
+        <p:nvSpPr>
+          <p:cNvPr id="2" name="Rectangle 1">
+            <a:extLst>
+              <a:ext uri="{FF2B5EF4-FFF2-40B4-BE49-F238E27FC236}">
+                <a16:creationId xmlns:a16="http://schemas.microsoft.com/office/drawing/2014/main" id="{F404DF54-EEB0-4040-B37C-2D9D0F0CDD45}"/>
+              </a:ext>
+            </a:extLst>
+          </p:cNvPr>
+          <p:cNvSpPr/>
+          <p:nvPr/>
+        </p:nvSpPr>
+        <p:spPr>
+          <a:xfrm>
+            <a:off x="441297" y="2200660"/>
+            <a:ext cx="3301364" cy="738664"/>
+          </a:xfrm>
+          <a:prstGeom prst="rect">
+            <a:avLst/>
+          </a:prstGeom>
+        </p:spPr>
+        <p:txBody>
+          <a:bodyPr wrap="square">
+            <a:spAutoFit/>
+          </a:bodyPr>
+          <a:lstStyle/>
+          <a:p>
+            <a:pPr algn="just"/>
+            <a:r>
+              <a:rPr lang="es-CO" sz="1400" dirty="0" err="1">
+                <a:solidFill>
+                  <a:schemeClr val="bg1"/>
+                </a:solidFill>
+              </a:rPr>
+              <a:t>Restricts</a:t>
+            </a:r>
+            <a:r>
+              <a:rPr lang="es-CO" sz="1400" dirty="0">
+                <a:solidFill>
+                  <a:schemeClr val="bg1"/>
+                </a:solidFill>
+              </a:rPr>
+              <a:t> </a:t>
+            </a:r>
+            <a:r>
+              <a:rPr lang="es-CO" sz="1400" dirty="0" err="1">
+                <a:solidFill>
+                  <a:schemeClr val="bg1"/>
+                </a:solidFill>
+              </a:rPr>
+              <a:t>instantiation</a:t>
+            </a:r>
+            <a:r>
+              <a:rPr lang="es-CO" sz="1400" dirty="0">
+                <a:solidFill>
+                  <a:schemeClr val="bg1"/>
+                </a:solidFill>
+              </a:rPr>
+              <a:t> </a:t>
+            </a:r>
+            <a:r>
+              <a:rPr lang="es-CO" sz="1400" dirty="0" err="1">
+                <a:solidFill>
+                  <a:schemeClr val="bg1"/>
+                </a:solidFill>
+              </a:rPr>
+              <a:t>of</a:t>
+            </a:r>
+            <a:r>
+              <a:rPr lang="es-CO" sz="1400" dirty="0">
+                <a:solidFill>
+                  <a:schemeClr val="bg1"/>
+                </a:solidFill>
+              </a:rPr>
+              <a:t> a </a:t>
+            </a:r>
+            <a:r>
+              <a:rPr lang="es-CO" sz="1400" dirty="0" err="1">
+                <a:solidFill>
+                  <a:schemeClr val="bg1"/>
+                </a:solidFill>
+              </a:rPr>
+              <a:t>class</a:t>
+            </a:r>
+            <a:r>
+              <a:rPr lang="es-CO" sz="1400" dirty="0">
+                <a:solidFill>
+                  <a:schemeClr val="bg1"/>
+                </a:solidFill>
+              </a:rPr>
+              <a:t> so </a:t>
+            </a:r>
+            <a:r>
+              <a:rPr lang="es-CO" sz="1400" dirty="0" err="1">
+                <a:solidFill>
+                  <a:schemeClr val="bg1"/>
+                </a:solidFill>
+              </a:rPr>
+              <a:t>that</a:t>
+            </a:r>
+            <a:r>
+              <a:rPr lang="es-CO" sz="1400" dirty="0">
+                <a:solidFill>
+                  <a:schemeClr val="bg1"/>
+                </a:solidFill>
+              </a:rPr>
+              <a:t> </a:t>
+            </a:r>
+            <a:r>
+              <a:rPr lang="es-CO" sz="1400" dirty="0" err="1">
+                <a:solidFill>
+                  <a:schemeClr val="bg1"/>
+                </a:solidFill>
+              </a:rPr>
+              <a:t>it</a:t>
+            </a:r>
+            <a:r>
+              <a:rPr lang="es-CO" sz="1400" dirty="0">
+                <a:solidFill>
+                  <a:schemeClr val="bg1"/>
+                </a:solidFill>
+              </a:rPr>
+              <a:t> </a:t>
+            </a:r>
+            <a:r>
+              <a:rPr lang="es-CO" sz="1400" dirty="0" err="1">
+                <a:solidFill>
+                  <a:schemeClr val="bg1"/>
+                </a:solidFill>
+              </a:rPr>
+              <a:t>only</a:t>
+            </a:r>
+            <a:r>
+              <a:rPr lang="es-CO" sz="1400" dirty="0">
+                <a:solidFill>
+                  <a:schemeClr val="bg1"/>
+                </a:solidFill>
+              </a:rPr>
+              <a:t> </a:t>
+            </a:r>
+            <a:r>
+              <a:rPr lang="es-CO" sz="1400" dirty="0" err="1">
+                <a:solidFill>
+                  <a:schemeClr val="bg1"/>
+                </a:solidFill>
+              </a:rPr>
+              <a:t>creates</a:t>
+            </a:r>
+            <a:r>
+              <a:rPr lang="es-CO" sz="1400" dirty="0">
+                <a:solidFill>
+                  <a:schemeClr val="bg1"/>
+                </a:solidFill>
+              </a:rPr>
+              <a:t> </a:t>
+            </a:r>
+            <a:r>
+              <a:rPr lang="es-CO" sz="1400" dirty="0" err="1">
+                <a:solidFill>
+                  <a:schemeClr val="bg1"/>
+                </a:solidFill>
+              </a:rPr>
+              <a:t>one</a:t>
+            </a:r>
+            <a:r>
+              <a:rPr lang="es-CO" sz="1400" dirty="0">
+                <a:solidFill>
+                  <a:schemeClr val="bg1"/>
+                </a:solidFill>
+              </a:rPr>
+              <a:t> </a:t>
+            </a:r>
+            <a:r>
+              <a:rPr lang="es-CO" sz="1400" dirty="0" err="1">
+                <a:solidFill>
+                  <a:schemeClr val="bg1"/>
+                </a:solidFill>
+              </a:rPr>
+              <a:t>instance</a:t>
+            </a:r>
+            <a:r>
+              <a:rPr lang="es-CO" sz="1400" dirty="0">
+                <a:solidFill>
+                  <a:schemeClr val="bg1"/>
+                </a:solidFill>
+              </a:rPr>
+              <a:t> </a:t>
+            </a:r>
+            <a:r>
+              <a:rPr lang="es-CO" sz="1400" dirty="0" err="1">
+                <a:solidFill>
+                  <a:schemeClr val="bg1"/>
+                </a:solidFill>
+              </a:rPr>
+              <a:t>of</a:t>
+            </a:r>
+            <a:r>
+              <a:rPr lang="es-CO" sz="1400" dirty="0">
+                <a:solidFill>
+                  <a:schemeClr val="bg1"/>
+                </a:solidFill>
+              </a:rPr>
+              <a:t> </a:t>
+            </a:r>
+            <a:r>
+              <a:rPr lang="es-CO" sz="1400" dirty="0" err="1">
+                <a:solidFill>
+                  <a:schemeClr val="bg1"/>
+                </a:solidFill>
+              </a:rPr>
+              <a:t>the</a:t>
+            </a:r>
+            <a:r>
+              <a:rPr lang="es-CO" sz="1400" dirty="0">
+                <a:solidFill>
+                  <a:schemeClr val="bg1"/>
+                </a:solidFill>
+              </a:rPr>
+              <a:t> </a:t>
+            </a:r>
+            <a:r>
+              <a:rPr lang="es-CO" sz="1400" dirty="0" err="1">
+                <a:solidFill>
+                  <a:schemeClr val="bg1"/>
+                </a:solidFill>
+              </a:rPr>
+              <a:t>class</a:t>
+            </a:r>
+            <a:r>
+              <a:rPr lang="es-CO" sz="1400" dirty="0">
+                <a:solidFill>
+                  <a:schemeClr val="bg1"/>
+                </a:solidFill>
+              </a:rPr>
+              <a:t> </a:t>
+            </a:r>
+            <a:r>
+              <a:rPr lang="es-CO" sz="1400" dirty="0" err="1">
+                <a:solidFill>
+                  <a:schemeClr val="bg1"/>
+                </a:solidFill>
+              </a:rPr>
+              <a:t>that</a:t>
+            </a:r>
+            <a:r>
+              <a:rPr lang="es-CO" sz="1400" dirty="0">
+                <a:solidFill>
+                  <a:schemeClr val="bg1"/>
+                </a:solidFill>
+              </a:rPr>
+              <a:t> </a:t>
+            </a:r>
+            <a:r>
+              <a:rPr lang="es-CO" sz="1400" dirty="0" err="1">
+                <a:solidFill>
+                  <a:schemeClr val="bg1"/>
+                </a:solidFill>
+              </a:rPr>
+              <a:t>implements</a:t>
+            </a:r>
+            <a:r>
+              <a:rPr lang="es-CO" sz="1400" dirty="0">
+                <a:solidFill>
+                  <a:schemeClr val="bg1"/>
+                </a:solidFill>
+              </a:rPr>
+              <a:t> </a:t>
+            </a:r>
+            <a:r>
+              <a:rPr lang="es-CO" sz="1400" dirty="0" err="1">
+                <a:solidFill>
+                  <a:schemeClr val="bg1"/>
+                </a:solidFill>
+              </a:rPr>
+              <a:t>it</a:t>
+            </a:r>
+            <a:r>
+              <a:rPr lang="es-CO" sz="1400" dirty="0">
+                <a:solidFill>
+                  <a:schemeClr val="bg1"/>
+                </a:solidFill>
+              </a:rPr>
+              <a:t>.</a:t>
+            </a:r>
+          </a:p>
+        </p:txBody>
+      </p:sp>
     </p:spTree>
     <p:extLst>
       <p:ext uri="{BB962C8B-B14F-4D97-AF65-F5344CB8AC3E}">
-        <p14:creationId xmlns:p14="http://schemas.microsoft.com/office/powerpoint/2010/main" val="389099956"/>
+        <p14:creationId xmlns:p14="http://schemas.microsoft.com/office/powerpoint/2010/main" val="2931332537"/>
       </p:ext>
     </p:extLst>
   </p:cSld>
@@ -8502,6 +8629,587 @@
                 </a:solidFill>
                 <a:cs typeface="Arial" panose="020B0604020202020204"/>
               </a:rPr>
+              <a:t>When to use it? </a:t>
+            </a:r>
+          </a:p>
+        </p:txBody>
+      </p:sp>
+      <p:pic>
+        <p:nvPicPr>
+          <p:cNvPr id="4100" name="Picture 4" descr="Image result for homer thinking with glasses without background">
+            <a:extLst>
+              <a:ext uri="{FF2B5EF4-FFF2-40B4-BE49-F238E27FC236}">
+                <a16:creationId xmlns:a16="http://schemas.microsoft.com/office/drawing/2014/main" id="{5EC6A25D-704D-42F6-9728-C0D4D014EF54}"/>
+              </a:ext>
+            </a:extLst>
+          </p:cNvPr>
+          <p:cNvPicPr>
+            <a:picLocks noChangeAspect="1" noChangeArrowheads="1"/>
+          </p:cNvPicPr>
+          <p:nvPr/>
+        </p:nvPicPr>
+        <p:blipFill>
+          <a:blip r:embed="rId2">
+            <a:extLst>
+              <a:ext uri="{28A0092B-C50C-407E-A947-70E740481C1C}">
+                <a14:useLocalDpi xmlns:a14="http://schemas.microsoft.com/office/drawing/2010/main" val="0"/>
+              </a:ext>
+            </a:extLst>
+          </a:blip>
+          <a:srcRect/>
+          <a:stretch>
+            <a:fillRect/>
+          </a:stretch>
+        </p:blipFill>
+        <p:spPr bwMode="auto">
+          <a:xfrm>
+            <a:off x="6653171" y="1559256"/>
+            <a:ext cx="1707490" cy="2024988"/>
+          </a:xfrm>
+          <a:prstGeom prst="rect">
+            <a:avLst/>
+          </a:prstGeom>
+          <a:noFill/>
+          <a:extLst/>
+        </p:spPr>
+      </p:pic>
+      <p:sp>
+        <p:nvSpPr>
+          <p:cNvPr id="3" name="Rectangle 2">
+            <a:extLst>
+              <a:ext uri="{FF2B5EF4-FFF2-40B4-BE49-F238E27FC236}">
+                <a16:creationId xmlns:a16="http://schemas.microsoft.com/office/drawing/2014/main" id="{000C933F-B8E0-42B1-9002-4022FDAE49AC}"/>
+              </a:ext>
+            </a:extLst>
+          </p:cNvPr>
+          <p:cNvSpPr/>
+          <p:nvPr/>
+        </p:nvSpPr>
+        <p:spPr>
+          <a:xfrm>
+            <a:off x="504265" y="1371421"/>
+            <a:ext cx="5741894" cy="584775"/>
+          </a:xfrm>
+          <a:prstGeom prst="rect">
+            <a:avLst/>
+          </a:prstGeom>
+        </p:spPr>
+        <p:txBody>
+          <a:bodyPr wrap="square">
+            <a:spAutoFit/>
+          </a:bodyPr>
+          <a:lstStyle/>
+          <a:p>
+            <a:r>
+              <a:rPr lang="en-US" sz="1400" dirty="0">
+                <a:solidFill>
+                  <a:schemeClr val="bg1"/>
+                </a:solidFill>
+              </a:rPr>
+              <a:t>Application needs only one, instance of an object and global access are necessary</a:t>
+            </a:r>
+            <a:r>
+              <a:rPr lang="en-US" dirty="0">
+                <a:solidFill>
+                  <a:srgbClr val="444444"/>
+                </a:solidFill>
+                <a:latin typeface="PT Sans"/>
+              </a:rPr>
+              <a:t>.</a:t>
+            </a:r>
+            <a:endParaRPr lang="en-US" dirty="0"/>
+          </a:p>
+        </p:txBody>
+      </p:sp>
+    </p:spTree>
+    <p:extLst>
+      <p:ext uri="{BB962C8B-B14F-4D97-AF65-F5344CB8AC3E}">
+        <p14:creationId xmlns:p14="http://schemas.microsoft.com/office/powerpoint/2010/main" val="1073355550"/>
+      </p:ext>
+    </p:extLst>
+  </p:cSld>
+  <p:clrMapOvr>
+    <a:masterClrMapping/>
+  </p:clrMapOvr>
+</p:sld>
+</file>
+
+<file path=ppt/slides/slide24.xml><?xml version="1.0" encoding="utf-8"?>
+<p:sld xmlns:a="http://schemas.openxmlformats.org/drawingml/2006/main" xmlns:r="http://schemas.openxmlformats.org/officeDocument/2006/relationships" xmlns:p="http://schemas.openxmlformats.org/presentationml/2006/main">
+  <p:cSld>
+    <p:bg>
+      <p:bgPr>
+        <a:solidFill>
+          <a:srgbClr val="000000"/>
+        </a:solidFill>
+        <a:effectLst/>
+      </p:bgPr>
+    </p:bg>
+    <p:spTree>
+      <p:nvGrpSpPr>
+        <p:cNvPr id="1" name=""/>
+        <p:cNvGrpSpPr/>
+        <p:nvPr/>
+      </p:nvGrpSpPr>
+      <p:grpSpPr>
+        <a:xfrm>
+          <a:off x="0" y="0"/>
+          <a:ext cx="0" cy="0"/>
+          <a:chOff x="0" y="0"/>
+          <a:chExt cx="0" cy="0"/>
+        </a:xfrm>
+      </p:grpSpPr>
+      <p:sp>
+        <p:nvSpPr>
+          <p:cNvPr id="161" name="CustomShape 1"/>
+          <p:cNvSpPr/>
+          <p:nvPr/>
+        </p:nvSpPr>
+        <p:spPr>
+          <a:xfrm>
+            <a:off x="4114800" y="1257120"/>
+            <a:ext cx="4774680" cy="2949120"/>
+          </a:xfrm>
+          <a:prstGeom prst="rect">
+            <a:avLst/>
+          </a:prstGeom>
+          <a:noFill/>
+          <a:ln>
+            <a:noFill/>
+          </a:ln>
+        </p:spPr>
+        <p:style>
+          <a:lnRef idx="0">
+            <a:scrgbClr r="0" g="0" b="0"/>
+          </a:lnRef>
+          <a:fillRef idx="0">
+            <a:scrgbClr r="0" g="0" b="0"/>
+          </a:fillRef>
+          <a:effectRef idx="0">
+            <a:scrgbClr r="0" g="0" b="0"/>
+          </a:effectRef>
+          <a:fontRef idx="minor"/>
+        </p:style>
+      </p:sp>
+      <p:sp>
+        <p:nvSpPr>
+          <p:cNvPr id="162" name="CustomShape 2"/>
+          <p:cNvSpPr/>
+          <p:nvPr/>
+        </p:nvSpPr>
+        <p:spPr>
+          <a:xfrm>
+            <a:off x="0" y="5118480"/>
+            <a:ext cx="9143640" cy="33120"/>
+          </a:xfrm>
+          <a:prstGeom prst="rect">
+            <a:avLst/>
+          </a:prstGeom>
+          <a:solidFill>
+            <a:srgbClr val="C1D82F"/>
+          </a:solidFill>
+          <a:ln>
+            <a:noFill/>
+          </a:ln>
+        </p:spPr>
+        <p:style>
+          <a:lnRef idx="0">
+            <a:scrgbClr r="0" g="0" b="0"/>
+          </a:lnRef>
+          <a:fillRef idx="0">
+            <a:scrgbClr r="0" g="0" b="0"/>
+          </a:fillRef>
+          <a:effectRef idx="0">
+            <a:scrgbClr r="0" g="0" b="0"/>
+          </a:effectRef>
+          <a:fontRef idx="minor"/>
+        </p:style>
+      </p:sp>
+      <p:sp>
+        <p:nvSpPr>
+          <p:cNvPr id="163" name="CustomShape 3"/>
+          <p:cNvSpPr/>
+          <p:nvPr/>
+        </p:nvSpPr>
+        <p:spPr>
+          <a:xfrm>
+            <a:off x="0" y="216360"/>
+            <a:ext cx="9143640" cy="552240"/>
+          </a:xfrm>
+          <a:prstGeom prst="rect">
+            <a:avLst/>
+          </a:prstGeom>
+          <a:noFill/>
+          <a:ln>
+            <a:noFill/>
+          </a:ln>
+        </p:spPr>
+        <p:style>
+          <a:lnRef idx="0">
+            <a:scrgbClr r="0" g="0" b="0"/>
+          </a:lnRef>
+          <a:fillRef idx="0">
+            <a:scrgbClr r="0" g="0" b="0"/>
+          </a:fillRef>
+          <a:effectRef idx="0">
+            <a:scrgbClr r="0" g="0" b="0"/>
+          </a:effectRef>
+          <a:fontRef idx="minor"/>
+        </p:style>
+        <p:txBody>
+          <a:bodyPr tIns="91440" bIns="91440">
+            <a:noAutofit/>
+          </a:bodyPr>
+          <a:lstStyle/>
+          <a:p>
+            <a:pPr algn="ctr">
+              <a:lnSpc>
+                <a:spcPct val="100000"/>
+              </a:lnSpc>
+            </a:pPr>
+            <a:r>
+              <a:rPr lang="en-US" sz="2400" dirty="0">
+                <a:solidFill>
+                  <a:srgbClr val="96B51A"/>
+                </a:solidFill>
+                <a:cs typeface="Arial" panose="020B0604020202020204"/>
+              </a:rPr>
+              <a:t>Advantage / Disadvantage</a:t>
+            </a:r>
+          </a:p>
+        </p:txBody>
+      </p:sp>
+      <p:sp>
+        <p:nvSpPr>
+          <p:cNvPr id="2" name="TextBox 1">
+            <a:extLst>
+              <a:ext uri="{FF2B5EF4-FFF2-40B4-BE49-F238E27FC236}">
+                <a16:creationId xmlns:a16="http://schemas.microsoft.com/office/drawing/2014/main" id="{8B1319CA-707D-4666-A070-B3803D5C1BAF}"/>
+              </a:ext>
+            </a:extLst>
+          </p:cNvPr>
+          <p:cNvSpPr txBox="1"/>
+          <p:nvPr/>
+        </p:nvSpPr>
+        <p:spPr>
+          <a:xfrm>
+            <a:off x="405635" y="1149724"/>
+            <a:ext cx="6579956" cy="2462213"/>
+          </a:xfrm>
+          <a:prstGeom prst="rect">
+            <a:avLst/>
+          </a:prstGeom>
+          <a:noFill/>
+        </p:spPr>
+        <p:txBody>
+          <a:bodyPr wrap="square" rtlCol="0">
+            <a:spAutoFit/>
+          </a:bodyPr>
+          <a:lstStyle/>
+          <a:p>
+            <a:pPr algn="just"/>
+            <a:r>
+              <a:rPr lang="en-US" sz="1400" dirty="0">
+                <a:solidFill>
+                  <a:schemeClr val="bg1"/>
+                </a:solidFill>
+              </a:rPr>
+              <a:t>Advantage:</a:t>
+            </a:r>
+          </a:p>
+          <a:p>
+            <a:pPr algn="just"/>
+            <a:endParaRPr lang="en-US" sz="1400" dirty="0">
+              <a:solidFill>
+                <a:schemeClr val="bg1"/>
+              </a:solidFill>
+            </a:endParaRPr>
+          </a:p>
+          <a:p>
+            <a:pPr marL="742950" lvl="1" indent="-285750" algn="just">
+              <a:buFont typeface="Arial" panose="020B0604020202020204" pitchFamily="34" charset="0"/>
+              <a:buChar char="•"/>
+            </a:pPr>
+            <a:r>
+              <a:rPr lang="en-US" sz="1400" dirty="0">
+                <a:solidFill>
+                  <a:schemeClr val="bg1"/>
+                </a:solidFill>
+              </a:rPr>
+              <a:t>Global  state</a:t>
+            </a:r>
+          </a:p>
+          <a:p>
+            <a:pPr marL="742950" lvl="1" indent="-285750" algn="just">
+              <a:buFont typeface="Arial" panose="020B0604020202020204" pitchFamily="34" charset="0"/>
+              <a:buChar char="•"/>
+            </a:pPr>
+            <a:endParaRPr lang="en-US" sz="1400" dirty="0">
+              <a:solidFill>
+                <a:schemeClr val="bg1"/>
+              </a:solidFill>
+            </a:endParaRPr>
+          </a:p>
+          <a:p>
+            <a:pPr marL="742950" lvl="1" indent="-285750" algn="just">
+              <a:buFont typeface="Arial" panose="020B0604020202020204" pitchFamily="34" charset="0"/>
+              <a:buChar char="•"/>
+            </a:pPr>
+            <a:r>
+              <a:rPr lang="en-US" sz="1400" dirty="0">
+                <a:solidFill>
+                  <a:schemeClr val="bg1"/>
+                </a:solidFill>
+              </a:rPr>
+              <a:t>The singleton class has the flexibility to change the instantiation process</a:t>
+            </a:r>
+          </a:p>
+          <a:p>
+            <a:pPr marL="742950" lvl="1" indent="-285750" algn="just">
+              <a:buFont typeface="Arial" panose="020B0604020202020204" pitchFamily="34" charset="0"/>
+              <a:buChar char="•"/>
+            </a:pPr>
+            <a:endParaRPr lang="en-US" sz="1400" dirty="0">
+              <a:solidFill>
+                <a:schemeClr val="bg1"/>
+              </a:solidFill>
+            </a:endParaRPr>
+          </a:p>
+          <a:p>
+            <a:pPr marL="742950" lvl="1" indent="-285750" algn="just">
+              <a:buFont typeface="Arial" panose="020B0604020202020204" pitchFamily="34" charset="0"/>
+              <a:buChar char="•"/>
+            </a:pPr>
+            <a:r>
+              <a:rPr lang="en-US" sz="1400" dirty="0">
+                <a:solidFill>
+                  <a:schemeClr val="bg1"/>
+                </a:solidFill>
+              </a:rPr>
+              <a:t>The implementation is easy and can be transform to a pool instances handle </a:t>
+            </a:r>
+          </a:p>
+          <a:p>
+            <a:pPr algn="just"/>
+            <a:endParaRPr lang="en-US" sz="1400" dirty="0">
+              <a:solidFill>
+                <a:schemeClr val="bg1"/>
+              </a:solidFill>
+            </a:endParaRPr>
+          </a:p>
+          <a:p>
+            <a:pPr marL="342900" indent="-342900" algn="just">
+              <a:buFont typeface="Arial" panose="020B0604020202020204" pitchFamily="34" charset="0"/>
+              <a:buChar char="•"/>
+            </a:pPr>
+            <a:endParaRPr lang="en-US" sz="1400" dirty="0">
+              <a:solidFill>
+                <a:schemeClr val="bg1"/>
+              </a:solidFill>
+            </a:endParaRPr>
+          </a:p>
+        </p:txBody>
+      </p:sp>
+      <p:pic>
+        <p:nvPicPr>
+          <p:cNvPr id="3080" name="Picture 8" descr="Related image">
+            <a:extLst>
+              <a:ext uri="{FF2B5EF4-FFF2-40B4-BE49-F238E27FC236}">
+                <a16:creationId xmlns:a16="http://schemas.microsoft.com/office/drawing/2014/main" id="{7195DF56-9A98-41BE-83E1-DF60B5FDF8EC}"/>
+              </a:ext>
+            </a:extLst>
+          </p:cNvPr>
+          <p:cNvPicPr>
+            <a:picLocks noChangeAspect="1" noChangeArrowheads="1"/>
+          </p:cNvPicPr>
+          <p:nvPr/>
+        </p:nvPicPr>
+        <p:blipFill>
+          <a:blip r:embed="rId2">
+            <a:extLst>
+              <a:ext uri="{28A0092B-C50C-407E-A947-70E740481C1C}">
+                <a14:useLocalDpi xmlns:a14="http://schemas.microsoft.com/office/drawing/2010/main" val="0"/>
+              </a:ext>
+            </a:extLst>
+          </a:blip>
+          <a:srcRect/>
+          <a:stretch>
+            <a:fillRect/>
+          </a:stretch>
+        </p:blipFill>
+        <p:spPr bwMode="auto">
+          <a:xfrm>
+            <a:off x="7486262" y="1680840"/>
+            <a:ext cx="1252103" cy="1544276"/>
+          </a:xfrm>
+          <a:prstGeom prst="rect">
+            <a:avLst/>
+          </a:prstGeom>
+          <a:noFill/>
+          <a:extLst>
+            <a:ext uri="{909E8E84-426E-40DD-AFC4-6F175D3DCCD1}">
+              <a14:hiddenFill xmlns:a14="http://schemas.microsoft.com/office/drawing/2010/main">
+                <a:solidFill>
+                  <a:srgbClr val="FFFFFF"/>
+                </a:solidFill>
+              </a14:hiddenFill>
+            </a:ext>
+          </a:extLst>
+        </p:spPr>
+      </p:pic>
+    </p:spTree>
+    <p:extLst>
+      <p:ext uri="{BB962C8B-B14F-4D97-AF65-F5344CB8AC3E}">
+        <p14:creationId xmlns:p14="http://schemas.microsoft.com/office/powerpoint/2010/main" val="389099956"/>
+      </p:ext>
+    </p:extLst>
+  </p:cSld>
+  <p:clrMapOvr>
+    <a:masterClrMapping/>
+  </p:clrMapOvr>
+</p:sld>
+</file>
+
+<file path=ppt/slides/slide25.xml><?xml version="1.0" encoding="utf-8"?>
+<p:sld xmlns:a="http://schemas.openxmlformats.org/drawingml/2006/main" xmlns:r="http://schemas.openxmlformats.org/officeDocument/2006/relationships" xmlns:p="http://schemas.openxmlformats.org/presentationml/2006/main">
+  <p:cSld>
+    <p:bg>
+      <p:bgPr>
+        <a:solidFill>
+          <a:srgbClr val="000000"/>
+        </a:solidFill>
+        <a:effectLst/>
+      </p:bgPr>
+    </p:bg>
+    <p:spTree>
+      <p:nvGrpSpPr>
+        <p:cNvPr id="1" name=""/>
+        <p:cNvGrpSpPr/>
+        <p:nvPr/>
+      </p:nvGrpSpPr>
+      <p:grpSpPr>
+        <a:xfrm>
+          <a:off x="0" y="0"/>
+          <a:ext cx="0" cy="0"/>
+          <a:chOff x="0" y="0"/>
+          <a:chExt cx="0" cy="0"/>
+        </a:xfrm>
+      </p:grpSpPr>
+      <p:sp>
+        <p:nvSpPr>
+          <p:cNvPr id="161" name="CustomShape 1"/>
+          <p:cNvSpPr/>
+          <p:nvPr/>
+        </p:nvSpPr>
+        <p:spPr>
+          <a:xfrm>
+            <a:off x="4114800" y="1257120"/>
+            <a:ext cx="4774680" cy="2949120"/>
+          </a:xfrm>
+          <a:prstGeom prst="rect">
+            <a:avLst/>
+          </a:prstGeom>
+          <a:noFill/>
+          <a:ln>
+            <a:noFill/>
+          </a:ln>
+        </p:spPr>
+        <p:style>
+          <a:lnRef idx="0">
+            <a:scrgbClr r="0" g="0" b="0"/>
+          </a:lnRef>
+          <a:fillRef idx="0">
+            <a:scrgbClr r="0" g="0" b="0"/>
+          </a:fillRef>
+          <a:effectRef idx="0">
+            <a:scrgbClr r="0" g="0" b="0"/>
+          </a:effectRef>
+          <a:fontRef idx="minor"/>
+        </p:style>
+      </p:sp>
+      <p:sp>
+        <p:nvSpPr>
+          <p:cNvPr id="162" name="CustomShape 2"/>
+          <p:cNvSpPr/>
+          <p:nvPr/>
+        </p:nvSpPr>
+        <p:spPr>
+          <a:xfrm>
+            <a:off x="0" y="5118480"/>
+            <a:ext cx="9143640" cy="33120"/>
+          </a:xfrm>
+          <a:prstGeom prst="rect">
+            <a:avLst/>
+          </a:prstGeom>
+          <a:solidFill>
+            <a:srgbClr val="C1D82F"/>
+          </a:solidFill>
+          <a:ln>
+            <a:noFill/>
+          </a:ln>
+        </p:spPr>
+        <p:style>
+          <a:lnRef idx="0">
+            <a:scrgbClr r="0" g="0" b="0"/>
+          </a:lnRef>
+          <a:fillRef idx="0">
+            <a:scrgbClr r="0" g="0" b="0"/>
+          </a:fillRef>
+          <a:effectRef idx="0">
+            <a:scrgbClr r="0" g="0" b="0"/>
+          </a:effectRef>
+          <a:fontRef idx="minor"/>
+        </p:style>
+      </p:sp>
+      <p:sp>
+        <p:nvSpPr>
+          <p:cNvPr id="163" name="CustomShape 3"/>
+          <p:cNvSpPr/>
+          <p:nvPr/>
+        </p:nvSpPr>
+        <p:spPr>
+          <a:xfrm>
+            <a:off x="0" y="216360"/>
+            <a:ext cx="9143640" cy="552240"/>
+          </a:xfrm>
+          <a:prstGeom prst="rect">
+            <a:avLst/>
+          </a:prstGeom>
+          <a:noFill/>
+          <a:ln>
+            <a:noFill/>
+          </a:ln>
+        </p:spPr>
+        <p:style>
+          <a:lnRef idx="0">
+            <a:scrgbClr r="0" g="0" b="0"/>
+          </a:lnRef>
+          <a:fillRef idx="0">
+            <a:scrgbClr r="0" g="0" b="0"/>
+          </a:fillRef>
+          <a:effectRef idx="0">
+            <a:scrgbClr r="0" g="0" b="0"/>
+          </a:effectRef>
+          <a:fontRef idx="minor"/>
+        </p:style>
+        <p:txBody>
+          <a:bodyPr tIns="91440" bIns="91440">
+            <a:noAutofit/>
+          </a:bodyPr>
+          <a:lstStyle/>
+          <a:p>
+            <a:pPr algn="ctr">
+              <a:lnSpc>
+                <a:spcPct val="100000"/>
+              </a:lnSpc>
+            </a:pPr>
+            <a:r>
+              <a:rPr lang="en-US" sz="2400" dirty="0">
+                <a:solidFill>
+                  <a:srgbClr val="96B51A"/>
+                </a:solidFill>
+                <a:cs typeface="Arial" panose="020B0604020202020204"/>
+              </a:rPr>
               <a:t>Advantage / Disadvantage</a:t>
             </a:r>
           </a:p>
@@ -8687,7 +9395,7 @@
 </p:sld>
 </file>
 
-<file path=ppt/slides/slide24.xml><?xml version="1.0" encoding="utf-8"?>
+<file path=ppt/slides/slide26.xml><?xml version="1.0" encoding="utf-8"?>
 <p:sld xmlns:a="http://schemas.openxmlformats.org/drawingml/2006/main" xmlns:r="http://schemas.openxmlformats.org/officeDocument/2006/relationships" xmlns:p="http://schemas.openxmlformats.org/presentationml/2006/main">
   <p:cSld>
     <p:spTree>
@@ -8813,7 +9521,7 @@
 </p:sld>
 </file>
 
-<file path=ppt/slides/slide25.xml><?xml version="1.0" encoding="utf-8"?>
+<file path=ppt/slides/slide27.xml><?xml version="1.0" encoding="utf-8"?>
 <p:sld xmlns:a="http://schemas.openxmlformats.org/drawingml/2006/main" xmlns:r="http://schemas.openxmlformats.org/officeDocument/2006/relationships" xmlns:p="http://schemas.openxmlformats.org/presentationml/2006/main">
   <p:cSld>
     <p:bg>
@@ -9782,6 +10490,556 @@
       </p:grpSpPr>
       <p:sp>
         <p:nvSpPr>
+          <p:cNvPr id="100" name="CustomShape 1"/>
+          <p:cNvSpPr/>
+          <p:nvPr/>
+        </p:nvSpPr>
+        <p:spPr>
+          <a:xfrm>
+            <a:off x="0" y="5118480"/>
+            <a:ext cx="9143640" cy="33120"/>
+          </a:xfrm>
+          <a:prstGeom prst="rect">
+            <a:avLst/>
+          </a:prstGeom>
+          <a:solidFill>
+            <a:srgbClr val="C1D82F"/>
+          </a:solidFill>
+          <a:ln>
+            <a:noFill/>
+          </a:ln>
+        </p:spPr>
+        <p:style>
+          <a:lnRef idx="0">
+            <a:scrgbClr r="0" g="0" b="0"/>
+          </a:lnRef>
+          <a:fillRef idx="0">
+            <a:scrgbClr r="0" g="0" b="0"/>
+          </a:fillRef>
+          <a:effectRef idx="0">
+            <a:scrgbClr r="0" g="0" b="0"/>
+          </a:effectRef>
+          <a:fontRef idx="minor"/>
+        </p:style>
+      </p:sp>
+      <p:sp>
+        <p:nvSpPr>
+          <p:cNvPr id="101" name="CustomShape 2"/>
+          <p:cNvSpPr/>
+          <p:nvPr/>
+        </p:nvSpPr>
+        <p:spPr>
+          <a:xfrm>
+            <a:off x="0" y="216360"/>
+            <a:ext cx="9143640" cy="552240"/>
+          </a:xfrm>
+          <a:prstGeom prst="rect">
+            <a:avLst/>
+          </a:prstGeom>
+          <a:noFill/>
+          <a:ln>
+            <a:noFill/>
+          </a:ln>
+        </p:spPr>
+        <p:style>
+          <a:lnRef idx="0">
+            <a:scrgbClr r="0" g="0" b="0"/>
+          </a:lnRef>
+          <a:fillRef idx="0">
+            <a:scrgbClr r="0" g="0" b="0"/>
+          </a:fillRef>
+          <a:effectRef idx="0">
+            <a:scrgbClr r="0" g="0" b="0"/>
+          </a:effectRef>
+          <a:fontRef idx="minor"/>
+        </p:style>
+        <p:txBody>
+          <a:bodyPr tIns="91440" bIns="91440">
+            <a:noAutofit/>
+          </a:bodyPr>
+          <a:lstStyle/>
+          <a:p>
+            <a:pPr algn="ctr">
+              <a:lnSpc>
+                <a:spcPct val="100000"/>
+              </a:lnSpc>
+            </a:pPr>
+            <a:r>
+              <a:rPr lang="en-US" sz="2400" dirty="0">
+                <a:solidFill>
+                  <a:srgbClr val="96B51A"/>
+                </a:solidFill>
+                <a:cs typeface="Arial" panose="020B0604020202020204"/>
+              </a:rPr>
+              <a:t>Facade Pattern - Advantages / Disadvantage</a:t>
+            </a:r>
+          </a:p>
+        </p:txBody>
+      </p:sp>
+      <p:sp>
+        <p:nvSpPr>
+          <p:cNvPr id="102" name="CustomShape 3"/>
+          <p:cNvSpPr/>
+          <p:nvPr/>
+        </p:nvSpPr>
+        <p:spPr>
+          <a:xfrm>
+            <a:off x="187020" y="1006468"/>
+            <a:ext cx="3970310" cy="3440160"/>
+          </a:xfrm>
+          <a:prstGeom prst="rect">
+            <a:avLst/>
+          </a:prstGeom>
+          <a:noFill/>
+          <a:ln>
+            <a:noFill/>
+          </a:ln>
+        </p:spPr>
+        <p:style>
+          <a:lnRef idx="0">
+            <a:scrgbClr r="0" g="0" b="0"/>
+          </a:lnRef>
+          <a:fillRef idx="0">
+            <a:scrgbClr r="0" g="0" b="0"/>
+          </a:fillRef>
+          <a:effectRef idx="0">
+            <a:scrgbClr r="0" g="0" b="0"/>
+          </a:effectRef>
+          <a:fontRef idx="minor"/>
+        </p:style>
+        <p:txBody>
+          <a:bodyPr tIns="91440" bIns="91440">
+            <a:noAutofit/>
+          </a:bodyPr>
+          <a:lstStyle/>
+          <a:p>
+            <a:pPr marL="146160" algn="just">
+              <a:lnSpc>
+                <a:spcPct val="100000"/>
+              </a:lnSpc>
+            </a:pPr>
+            <a:endParaRPr lang="en-US" sz="1300" b="0" strike="noStrike" spc="-1" dirty="0">
+              <a:solidFill>
+                <a:srgbClr val="FFFFFF"/>
+              </a:solidFill>
+              <a:latin typeface="Nunito Sans"/>
+              <a:ea typeface="Nunito Sans"/>
+            </a:endParaRPr>
+          </a:p>
+          <a:p>
+            <a:pPr marL="431910" indent="-285750" algn="just">
+              <a:lnSpc>
+                <a:spcPct val="100000"/>
+              </a:lnSpc>
+              <a:buFont typeface="Arial" panose="020B0604020202020204" pitchFamily="34" charset="0"/>
+              <a:buChar char="•"/>
+            </a:pPr>
+            <a:r>
+              <a:rPr lang="en-US" sz="1300" spc="-1" dirty="0">
+                <a:solidFill>
+                  <a:srgbClr val="FFFFFF"/>
+                </a:solidFill>
+                <a:ea typeface="Nunito Sans"/>
+              </a:rPr>
+              <a:t>Separating the client from the components of the subsystem reduces the number of objects with which the client references.</a:t>
+            </a:r>
+          </a:p>
+          <a:p>
+            <a:pPr marL="431910" indent="-285750" algn="just">
+              <a:lnSpc>
+                <a:spcPct val="100000"/>
+              </a:lnSpc>
+              <a:buFont typeface="Arial" panose="020B0604020202020204" pitchFamily="34" charset="0"/>
+              <a:buChar char="•"/>
+            </a:pPr>
+            <a:endParaRPr lang="en-US" sz="1300" spc="-1" dirty="0">
+              <a:solidFill>
+                <a:srgbClr val="FFFFFF"/>
+              </a:solidFill>
+              <a:ea typeface="Nunito Sans"/>
+            </a:endParaRPr>
+          </a:p>
+          <a:p>
+            <a:pPr marL="431910" indent="-285750" algn="just">
+              <a:lnSpc>
+                <a:spcPct val="100000"/>
+              </a:lnSpc>
+              <a:buFont typeface="Arial" panose="020B0604020202020204" pitchFamily="34" charset="0"/>
+              <a:buChar char="•"/>
+            </a:pPr>
+            <a:r>
+              <a:rPr lang="en-US" sz="1300" spc="-1" dirty="0">
+                <a:solidFill>
+                  <a:srgbClr val="FFFFFF"/>
+                </a:solidFill>
+                <a:ea typeface="Nunito Sans"/>
+              </a:rPr>
+              <a:t>Promotes a weak coupling between the subsystem and its clients.</a:t>
+            </a:r>
+            <a:endParaRPr lang="en-US" sz="1300" b="0" strike="noStrike" spc="-1" dirty="0"/>
+          </a:p>
+          <a:p>
+            <a:pPr marL="146160" algn="just">
+              <a:lnSpc>
+                <a:spcPct val="100000"/>
+              </a:lnSpc>
+            </a:pPr>
+            <a:endParaRPr lang="en-US" sz="1300" b="0" strike="noStrike" spc="-1" dirty="0">
+              <a:latin typeface="Arial"/>
+            </a:endParaRPr>
+          </a:p>
+          <a:p>
+            <a:pPr marL="146160" algn="just">
+              <a:lnSpc>
+                <a:spcPct val="100000"/>
+              </a:lnSpc>
+            </a:pPr>
+            <a:endParaRPr lang="en-US" sz="1300" b="0" strike="noStrike" spc="-1" dirty="0">
+              <a:latin typeface="Arial"/>
+            </a:endParaRPr>
+          </a:p>
+          <a:p>
+            <a:pPr marL="146160" algn="just">
+              <a:lnSpc>
+                <a:spcPct val="100000"/>
+              </a:lnSpc>
+            </a:pPr>
+            <a:endParaRPr lang="en-US" sz="1300" b="0" strike="noStrike" spc="-1" dirty="0">
+              <a:latin typeface="Arial"/>
+            </a:endParaRPr>
+          </a:p>
+          <a:p>
+            <a:pPr marL="457200" algn="just">
+              <a:lnSpc>
+                <a:spcPct val="100000"/>
+              </a:lnSpc>
+            </a:pPr>
+            <a:endParaRPr lang="en-US" sz="1300" b="0" strike="noStrike" spc="-1" dirty="0">
+              <a:latin typeface="Arial"/>
+            </a:endParaRPr>
+          </a:p>
+          <a:p>
+            <a:pPr marL="457200" algn="just">
+              <a:lnSpc>
+                <a:spcPct val="100000"/>
+              </a:lnSpc>
+            </a:pPr>
+            <a:endParaRPr lang="en-US" sz="1300" b="0" strike="noStrike" spc="-1" dirty="0">
+              <a:latin typeface="Arial"/>
+            </a:endParaRPr>
+          </a:p>
+          <a:p>
+            <a:pPr marL="457200" algn="just">
+              <a:lnSpc>
+                <a:spcPct val="100000"/>
+              </a:lnSpc>
+            </a:pPr>
+            <a:endParaRPr lang="en-US" sz="1300" b="0" strike="noStrike" spc="-1" dirty="0">
+              <a:latin typeface="Arial"/>
+            </a:endParaRPr>
+          </a:p>
+          <a:p>
+            <a:pPr marL="457200" algn="just">
+              <a:lnSpc>
+                <a:spcPct val="100000"/>
+              </a:lnSpc>
+            </a:pPr>
+            <a:endParaRPr lang="en-US" sz="1300" b="0" strike="noStrike" spc="-1" dirty="0">
+              <a:latin typeface="Arial"/>
+            </a:endParaRPr>
+          </a:p>
+        </p:txBody>
+      </p:sp>
+      <p:pic>
+        <p:nvPicPr>
+          <p:cNvPr id="1026" name="Picture 2" descr="Resultado de imagen para Ventajas">
+            <a:extLst>
+              <a:ext uri="{FF2B5EF4-FFF2-40B4-BE49-F238E27FC236}">
+                <a16:creationId xmlns:a16="http://schemas.microsoft.com/office/drawing/2014/main" id="{B1A1B30A-C63B-40E0-867A-E4C961F987BE}"/>
+              </a:ext>
+            </a:extLst>
+          </p:cNvPr>
+          <p:cNvPicPr>
+            <a:picLocks noChangeAspect="1" noChangeArrowheads="1"/>
+          </p:cNvPicPr>
+          <p:nvPr/>
+        </p:nvPicPr>
+        <p:blipFill>
+          <a:blip r:embed="rId2">
+            <a:extLst>
+              <a:ext uri="{28A0092B-C50C-407E-A947-70E740481C1C}">
+                <a14:useLocalDpi xmlns:a14="http://schemas.microsoft.com/office/drawing/2010/main" val="0"/>
+              </a:ext>
+            </a:extLst>
+          </a:blip>
+          <a:srcRect/>
+          <a:stretch>
+            <a:fillRect/>
+          </a:stretch>
+        </p:blipFill>
+        <p:spPr bwMode="auto">
+          <a:xfrm>
+            <a:off x="1609812" y="2858791"/>
+            <a:ext cx="1124725" cy="1124725"/>
+          </a:xfrm>
+          <a:prstGeom prst="rect">
+            <a:avLst/>
+          </a:prstGeom>
+          <a:noFill/>
+          <a:extLst>
+            <a:ext uri="{909E8E84-426E-40DD-AFC4-6F175D3DCCD1}">
+              <a14:hiddenFill xmlns:a14="http://schemas.microsoft.com/office/drawing/2010/main">
+                <a:solidFill>
+                  <a:srgbClr val="FFFFFF"/>
+                </a:solidFill>
+              </a14:hiddenFill>
+            </a:ext>
+          </a:extLst>
+        </p:spPr>
+      </p:pic>
+      <p:pic>
+        <p:nvPicPr>
+          <p:cNvPr id="1028" name="Picture 4" descr="Resultado de imagen para Desventajas">
+            <a:extLst>
+              <a:ext uri="{FF2B5EF4-FFF2-40B4-BE49-F238E27FC236}">
+                <a16:creationId xmlns:a16="http://schemas.microsoft.com/office/drawing/2014/main" id="{5F8F561F-AEC4-4657-9E29-9C5208423BDA}"/>
+              </a:ext>
+            </a:extLst>
+          </p:cNvPr>
+          <p:cNvPicPr>
+            <a:picLocks noChangeAspect="1" noChangeArrowheads="1"/>
+          </p:cNvPicPr>
+          <p:nvPr/>
+        </p:nvPicPr>
+        <p:blipFill>
+          <a:blip r:embed="rId3">
+            <a:extLst>
+              <a:ext uri="{28A0092B-C50C-407E-A947-70E740481C1C}">
+                <a14:useLocalDpi xmlns:a14="http://schemas.microsoft.com/office/drawing/2010/main" val="0"/>
+              </a:ext>
+            </a:extLst>
+          </a:blip>
+          <a:srcRect/>
+          <a:stretch>
+            <a:fillRect/>
+          </a:stretch>
+        </p:blipFill>
+        <p:spPr bwMode="auto">
+          <a:xfrm>
+            <a:off x="7151534" y="3657829"/>
+            <a:ext cx="1285400" cy="1124725"/>
+          </a:xfrm>
+          <a:prstGeom prst="rect">
+            <a:avLst/>
+          </a:prstGeom>
+          <a:noFill/>
+          <a:extLst>
+            <a:ext uri="{909E8E84-426E-40DD-AFC4-6F175D3DCCD1}">
+              <a14:hiddenFill xmlns:a14="http://schemas.microsoft.com/office/drawing/2010/main">
+                <a:solidFill>
+                  <a:srgbClr val="FFFFFF"/>
+                </a:solidFill>
+              </a14:hiddenFill>
+            </a:ext>
+          </a:extLst>
+        </p:spPr>
+      </p:pic>
+      <p:sp>
+        <p:nvSpPr>
+          <p:cNvPr id="9" name="CustomShape 3">
+            <a:extLst>
+              <a:ext uri="{FF2B5EF4-FFF2-40B4-BE49-F238E27FC236}">
+                <a16:creationId xmlns:a16="http://schemas.microsoft.com/office/drawing/2014/main" id="{C95F245E-34B9-4CF8-A103-4D26BEA5FA0A}"/>
+              </a:ext>
+            </a:extLst>
+          </p:cNvPr>
+          <p:cNvSpPr/>
+          <p:nvPr/>
+        </p:nvSpPr>
+        <p:spPr>
+          <a:xfrm>
+            <a:off x="4571820" y="2509144"/>
+            <a:ext cx="3970310" cy="1464133"/>
+          </a:xfrm>
+          <a:prstGeom prst="rect">
+            <a:avLst/>
+          </a:prstGeom>
+          <a:noFill/>
+          <a:ln>
+            <a:noFill/>
+          </a:ln>
+        </p:spPr>
+        <p:style>
+          <a:lnRef idx="0">
+            <a:scrgbClr r="0" g="0" b="0"/>
+          </a:lnRef>
+          <a:fillRef idx="0">
+            <a:scrgbClr r="0" g="0" b="0"/>
+          </a:fillRef>
+          <a:effectRef idx="0">
+            <a:scrgbClr r="0" g="0" b="0"/>
+          </a:effectRef>
+          <a:fontRef idx="minor"/>
+        </p:style>
+        <p:txBody>
+          <a:bodyPr tIns="91440" bIns="91440">
+            <a:noAutofit/>
+          </a:bodyPr>
+          <a:lstStyle/>
+          <a:p>
+            <a:pPr marL="146160" algn="just">
+              <a:lnSpc>
+                <a:spcPct val="100000"/>
+              </a:lnSpc>
+            </a:pPr>
+            <a:endParaRPr lang="en-US" sz="1300" b="0" strike="noStrike" spc="-1" dirty="0">
+              <a:solidFill>
+                <a:srgbClr val="FFFFFF"/>
+              </a:solidFill>
+              <a:latin typeface="Nunito Sans"/>
+              <a:ea typeface="Nunito Sans"/>
+            </a:endParaRPr>
+          </a:p>
+          <a:p>
+            <a:pPr marL="431910" indent="-285750" algn="just">
+              <a:lnSpc>
+                <a:spcPct val="100000"/>
+              </a:lnSpc>
+              <a:buFont typeface="Arial" panose="020B0604020202020204" pitchFamily="34" charset="0"/>
+              <a:buChar char="•"/>
+            </a:pPr>
+            <a:r>
+              <a:rPr lang="en-US" sz="1300" spc="-1" dirty="0">
+                <a:solidFill>
+                  <a:srgbClr val="FFFFFF"/>
+                </a:solidFill>
+                <a:ea typeface="Nunito Sans"/>
+              </a:rPr>
+              <a:t>Several clients need to access different subsets of the functionality provided by the system , so,  they could end using only a small part of the facade.</a:t>
+            </a:r>
+          </a:p>
+          <a:p>
+            <a:pPr marL="431910" indent="-285750" algn="just">
+              <a:lnSpc>
+                <a:spcPct val="100000"/>
+              </a:lnSpc>
+              <a:buFont typeface="Arial" panose="020B0604020202020204" pitchFamily="34" charset="0"/>
+              <a:buChar char="•"/>
+            </a:pPr>
+            <a:endParaRPr lang="en-US" sz="1300" b="0" strike="noStrike" spc="-1" dirty="0"/>
+          </a:p>
+          <a:p>
+            <a:pPr marL="146160" algn="just">
+              <a:lnSpc>
+                <a:spcPct val="100000"/>
+              </a:lnSpc>
+            </a:pPr>
+            <a:endParaRPr lang="en-US" sz="1300" b="0" strike="noStrike" spc="-1" dirty="0">
+              <a:latin typeface="Arial"/>
+            </a:endParaRPr>
+          </a:p>
+          <a:p>
+            <a:pPr marL="146160" algn="just">
+              <a:lnSpc>
+                <a:spcPct val="100000"/>
+              </a:lnSpc>
+            </a:pPr>
+            <a:endParaRPr lang="en-US" sz="1300" b="0" strike="noStrike" spc="-1" dirty="0">
+              <a:latin typeface="Arial"/>
+            </a:endParaRPr>
+          </a:p>
+          <a:p>
+            <a:pPr marL="146160" algn="just">
+              <a:lnSpc>
+                <a:spcPct val="100000"/>
+              </a:lnSpc>
+            </a:pPr>
+            <a:endParaRPr lang="en-US" sz="1300" b="0" strike="noStrike" spc="-1" dirty="0">
+              <a:latin typeface="Arial"/>
+            </a:endParaRPr>
+          </a:p>
+          <a:p>
+            <a:pPr marL="457200" algn="just">
+              <a:lnSpc>
+                <a:spcPct val="100000"/>
+              </a:lnSpc>
+            </a:pPr>
+            <a:endParaRPr lang="en-US" sz="1300" b="0" strike="noStrike" spc="-1" dirty="0">
+              <a:latin typeface="Arial"/>
+            </a:endParaRPr>
+          </a:p>
+          <a:p>
+            <a:pPr marL="457200" algn="just">
+              <a:lnSpc>
+                <a:spcPct val="100000"/>
+              </a:lnSpc>
+            </a:pPr>
+            <a:endParaRPr lang="en-US" sz="1300" b="0" strike="noStrike" spc="-1" dirty="0">
+              <a:latin typeface="Arial"/>
+            </a:endParaRPr>
+          </a:p>
+          <a:p>
+            <a:pPr marL="457200" algn="just">
+              <a:lnSpc>
+                <a:spcPct val="100000"/>
+              </a:lnSpc>
+            </a:pPr>
+            <a:endParaRPr lang="en-US" sz="1300" b="0" strike="noStrike" spc="-1" dirty="0">
+              <a:latin typeface="Arial"/>
+            </a:endParaRPr>
+          </a:p>
+          <a:p>
+            <a:pPr marL="457200" algn="just">
+              <a:lnSpc>
+                <a:spcPct val="100000"/>
+              </a:lnSpc>
+            </a:pPr>
+            <a:endParaRPr lang="en-US" sz="1300" b="0" strike="noStrike" spc="-1" dirty="0">
+              <a:latin typeface="Arial"/>
+            </a:endParaRPr>
+          </a:p>
+        </p:txBody>
+      </p:sp>
+    </p:spTree>
+    <p:extLst>
+      <p:ext uri="{BB962C8B-B14F-4D97-AF65-F5344CB8AC3E}">
+        <p14:creationId xmlns:p14="http://schemas.microsoft.com/office/powerpoint/2010/main" val="2467004068"/>
+      </p:ext>
+    </p:extLst>
+  </p:cSld>
+  <p:clrMapOvr>
+    <a:masterClrMapping/>
+  </p:clrMapOvr>
+</p:sld>
+</file>
+
+<file path=ppt/slides/slide7.xml><?xml version="1.0" encoding="utf-8"?>
+<p:sld xmlns:a="http://schemas.openxmlformats.org/drawingml/2006/main" xmlns:r="http://schemas.openxmlformats.org/officeDocument/2006/relationships" xmlns:p="http://schemas.openxmlformats.org/presentationml/2006/main">
+  <p:cSld>
+    <p:bg>
+      <p:bgPr>
+        <a:solidFill>
+          <a:srgbClr val="000000"/>
+        </a:solidFill>
+        <a:effectLst/>
+      </p:bgPr>
+    </p:bg>
+    <p:spTree>
+      <p:nvGrpSpPr>
+        <p:cNvPr id="1" name=""/>
+        <p:cNvGrpSpPr/>
+        <p:nvPr/>
+      </p:nvGrpSpPr>
+      <p:grpSpPr>
+        <a:xfrm>
+          <a:off x="0" y="0"/>
+          <a:ext cx="0" cy="0"/>
+          <a:chOff x="0" y="0"/>
+          <a:chExt cx="0" cy="0"/>
+        </a:xfrm>
+      </p:grpSpPr>
+      <p:sp>
+        <p:nvSpPr>
           <p:cNvPr id="104" name="CustomShape 1"/>
           <p:cNvSpPr/>
           <p:nvPr/>
@@ -9908,7 +11166,7 @@
 </p:sld>
 </file>
 
-<file path=ppt/slides/slide7.xml><?xml version="1.0" encoding="utf-8"?>
+<file path=ppt/slides/slide8.xml><?xml version="1.0" encoding="utf-8"?>
 <p:sld xmlns:a="http://schemas.openxmlformats.org/drawingml/2006/main" xmlns:r="http://schemas.openxmlformats.org/officeDocument/2006/relationships" xmlns:p="http://schemas.openxmlformats.org/presentationml/2006/main">
   <p:cSld>
     <p:spTree>
@@ -10022,229 +11280,6 @@
           </a:p>
         </p:txBody>
       </p:sp>
-    </p:spTree>
-  </p:cSld>
-  <p:clrMapOvr>
-    <a:masterClrMapping/>
-  </p:clrMapOvr>
-</p:sld>
-</file>
-
-<file path=ppt/slides/slide8.xml><?xml version="1.0" encoding="utf-8"?>
-<p:sld xmlns:a="http://schemas.openxmlformats.org/drawingml/2006/main" xmlns:r="http://schemas.openxmlformats.org/officeDocument/2006/relationships" xmlns:p="http://schemas.openxmlformats.org/presentationml/2006/main">
-  <p:cSld>
-    <p:bg>
-      <p:bgPr>
-        <a:solidFill>
-          <a:srgbClr val="000000"/>
-        </a:solidFill>
-        <a:effectLst/>
-      </p:bgPr>
-    </p:bg>
-    <p:spTree>
-      <p:nvGrpSpPr>
-        <p:cNvPr id="1" name=""/>
-        <p:cNvGrpSpPr/>
-        <p:nvPr/>
-      </p:nvGrpSpPr>
-      <p:grpSpPr>
-        <a:xfrm>
-          <a:off x="0" y="0"/>
-          <a:ext cx="0" cy="0"/>
-          <a:chOff x="0" y="0"/>
-          <a:chExt cx="0" cy="0"/>
-        </a:xfrm>
-      </p:grpSpPr>
-      <p:sp>
-        <p:nvSpPr>
-          <p:cNvPr id="133" name="CustomShape 1"/>
-          <p:cNvSpPr/>
-          <p:nvPr/>
-        </p:nvSpPr>
-        <p:spPr>
-          <a:xfrm>
-            <a:off x="210960" y="1325160"/>
-            <a:ext cx="4774680" cy="2949120"/>
-          </a:xfrm>
-          <a:prstGeom prst="rect">
-            <a:avLst/>
-          </a:prstGeom>
-          <a:noFill/>
-          <a:ln>
-            <a:noFill/>
-          </a:ln>
-        </p:spPr>
-        <p:style>
-          <a:lnRef idx="0">
-            <a:scrgbClr r="0" g="0" b="0"/>
-          </a:lnRef>
-          <a:fillRef idx="0">
-            <a:scrgbClr r="0" g="0" b="0"/>
-          </a:fillRef>
-          <a:effectRef idx="0">
-            <a:scrgbClr r="0" g="0" b="0"/>
-          </a:effectRef>
-          <a:fontRef idx="minor"/>
-        </p:style>
-        <p:txBody>
-          <a:bodyPr tIns="91440" bIns="91440">
-            <a:noAutofit/>
-          </a:bodyPr>
-          <a:lstStyle/>
-          <a:p>
-            <a:pPr marL="146160" algn="just">
-              <a:lnSpc>
-                <a:spcPct val="100000"/>
-              </a:lnSpc>
-            </a:pPr>
-            <a:r>
-              <a:rPr lang="en-US" sz="1400" b="0" strike="noStrike" spc="-1" dirty="0">
-                <a:solidFill>
-                  <a:srgbClr val="FFFFFF"/>
-                </a:solidFill>
-                <a:ea typeface="Nunito Sans"/>
-              </a:rPr>
-              <a:t>The Adapter design pattern is used when we have incompatible software interfaces, which, despite their incompatibility, have similar functionality. This pattern is implemented when you want to homogenize the way you work with these incompatible interfaces, for which you create an intermediate class that works like an adapter. This adapter class will provide the methods to interact with the incompatible interface</a:t>
-            </a:r>
-            <a:endParaRPr lang="en-US" sz="1400" b="0" strike="noStrike" spc="-1" dirty="0"/>
-          </a:p>
-        </p:txBody>
-      </p:sp>
-      <p:sp>
-        <p:nvSpPr>
-          <p:cNvPr id="134" name="CustomShape 2"/>
-          <p:cNvSpPr/>
-          <p:nvPr/>
-        </p:nvSpPr>
-        <p:spPr>
-          <a:xfrm>
-            <a:off x="0" y="5118480"/>
-            <a:ext cx="9143640" cy="33120"/>
-          </a:xfrm>
-          <a:prstGeom prst="rect">
-            <a:avLst/>
-          </a:prstGeom>
-          <a:solidFill>
-            <a:srgbClr val="C1D82F"/>
-          </a:solidFill>
-          <a:ln>
-            <a:noFill/>
-          </a:ln>
-        </p:spPr>
-        <p:style>
-          <a:lnRef idx="0">
-            <a:scrgbClr r="0" g="0" b="0"/>
-          </a:lnRef>
-          <a:fillRef idx="0">
-            <a:scrgbClr r="0" g="0" b="0"/>
-          </a:fillRef>
-          <a:effectRef idx="0">
-            <a:scrgbClr r="0" g="0" b="0"/>
-          </a:effectRef>
-          <a:fontRef idx="minor"/>
-        </p:style>
-      </p:sp>
-      <p:sp>
-        <p:nvSpPr>
-          <p:cNvPr id="135" name="CustomShape 3"/>
-          <p:cNvSpPr/>
-          <p:nvPr/>
-        </p:nvSpPr>
-        <p:spPr>
-          <a:xfrm>
-            <a:off x="0" y="216360"/>
-            <a:ext cx="9143640" cy="552240"/>
-          </a:xfrm>
-          <a:prstGeom prst="rect">
-            <a:avLst/>
-          </a:prstGeom>
-          <a:noFill/>
-          <a:ln>
-            <a:noFill/>
-          </a:ln>
-        </p:spPr>
-        <p:style>
-          <a:lnRef idx="0">
-            <a:scrgbClr r="0" g="0" b="0"/>
-          </a:lnRef>
-          <a:fillRef idx="0">
-            <a:scrgbClr r="0" g="0" b="0"/>
-          </a:fillRef>
-          <a:effectRef idx="0">
-            <a:scrgbClr r="0" g="0" b="0"/>
-          </a:effectRef>
-          <a:fontRef idx="minor"/>
-        </p:style>
-        <p:txBody>
-          <a:bodyPr tIns="91440" bIns="91440">
-            <a:noAutofit/>
-          </a:bodyPr>
-          <a:lstStyle/>
-          <a:p>
-            <a:pPr algn="ctr">
-              <a:lnSpc>
-                <a:spcPct val="100000"/>
-              </a:lnSpc>
-            </a:pPr>
-            <a:r>
-              <a:rPr lang="en-US" sz="2400" dirty="0">
-                <a:solidFill>
-                  <a:srgbClr val="96B51A"/>
-                </a:solidFill>
-                <a:cs typeface="Arial" panose="020B0604020202020204"/>
-              </a:rPr>
-              <a:t>Adapter Pattern</a:t>
-            </a:r>
-          </a:p>
-        </p:txBody>
-      </p:sp>
-      <p:pic>
-        <p:nvPicPr>
-          <p:cNvPr id="136" name="Picture 1"/>
-          <p:cNvPicPr/>
-          <p:nvPr/>
-        </p:nvPicPr>
-        <p:blipFill>
-          <a:blip r:embed="rId2"/>
-          <a:stretch/>
-        </p:blipFill>
-        <p:spPr>
-          <a:xfrm>
-            <a:off x="5645888" y="1133640"/>
-            <a:ext cx="2959912" cy="2789774"/>
-          </a:xfrm>
-          <a:prstGeom prst="roundRect">
-            <a:avLst>
-              <a:gd name="adj" fmla="val 8594"/>
-            </a:avLst>
-          </a:prstGeom>
-          <a:solidFill>
-            <a:srgbClr val="FFFFFF">
-              <a:shade val="85000"/>
-            </a:srgbClr>
-          </a:solidFill>
-          <a:ln>
-            <a:noFill/>
-          </a:ln>
-          <a:effectLst>
-            <a:reflection blurRad="12700" stA="38000" endPos="28000" dist="5000" dir="5400000" sy="-100000" algn="bl" rotWithShape="0"/>
-          </a:effectLst>
-        </p:spPr>
-        <p:style>
-          <a:lnRef idx="2">
-            <a:schemeClr val="accent3"/>
-          </a:lnRef>
-          <a:fillRef idx="1">
-            <a:schemeClr val="lt1"/>
-          </a:fillRef>
-          <a:effectRef idx="0">
-            <a:schemeClr val="accent3"/>
-          </a:effectRef>
-          <a:fontRef idx="minor">
-            <a:schemeClr val="dk1"/>
-          </a:fontRef>
-        </p:style>
-      </p:pic>
     </p:spTree>
   </p:cSld>
   <p:clrMapOvr>
@@ -10280,48 +11315,14 @@
       </p:grpSpPr>
       <p:sp>
         <p:nvSpPr>
-          <p:cNvPr id="137" name="CustomShape 1"/>
+          <p:cNvPr id="133" name="CustomShape 1"/>
           <p:cNvSpPr/>
           <p:nvPr/>
         </p:nvSpPr>
         <p:spPr>
           <a:xfrm>
-            <a:off x="0" y="5118480"/>
-            <a:ext cx="9143640" cy="33120"/>
-          </a:xfrm>
-          <a:prstGeom prst="rect">
-            <a:avLst/>
-          </a:prstGeom>
-          <a:solidFill>
-            <a:srgbClr val="C1D82F"/>
-          </a:solidFill>
-          <a:ln>
-            <a:noFill/>
-          </a:ln>
-        </p:spPr>
-        <p:style>
-          <a:lnRef idx="0">
-            <a:scrgbClr r="0" g="0" b="0"/>
-          </a:lnRef>
-          <a:fillRef idx="0">
-            <a:scrgbClr r="0" g="0" b="0"/>
-          </a:fillRef>
-          <a:effectRef idx="0">
-            <a:scrgbClr r="0" g="0" b="0"/>
-          </a:effectRef>
-          <a:fontRef idx="minor"/>
-        </p:style>
-      </p:sp>
-      <p:sp>
-        <p:nvSpPr>
-          <p:cNvPr id="138" name="CustomShape 2"/>
-          <p:cNvSpPr/>
-          <p:nvPr/>
-        </p:nvSpPr>
-        <p:spPr>
-          <a:xfrm>
-            <a:off x="351771" y="1780945"/>
-            <a:ext cx="2027872" cy="1581609"/>
+            <a:off x="210960" y="1325160"/>
+            <a:ext cx="4774680" cy="2949120"/>
           </a:xfrm>
           <a:prstGeom prst="rect">
             <a:avLst/>
@@ -10349,6 +11350,95 @@
           </a:bodyPr>
           <a:lstStyle/>
           <a:p>
+            <a:pPr marL="146160" algn="just">
+              <a:lnSpc>
+                <a:spcPct val="100000"/>
+              </a:lnSpc>
+            </a:pPr>
+            <a:r>
+              <a:rPr lang="en-US" sz="1400" b="0" strike="noStrike" spc="-1" dirty="0">
+                <a:solidFill>
+                  <a:srgbClr val="FFFFFF"/>
+                </a:solidFill>
+                <a:ea typeface="Nunito Sans"/>
+              </a:rPr>
+              <a:t>The Adapter design pattern is used when we have incompatible software interfaces, which, despite their incompatibility, have similar functionality. This pattern is implemented when you want to homogenize the way you work with these incompatible interfaces, for which you create an intermediate class that works like an adapter. This adapter class will provide the methods to interact with the incompatible interface</a:t>
+            </a:r>
+            <a:endParaRPr lang="en-US" sz="1400" b="0" strike="noStrike" spc="-1" dirty="0"/>
+          </a:p>
+        </p:txBody>
+      </p:sp>
+      <p:sp>
+        <p:nvSpPr>
+          <p:cNvPr id="134" name="CustomShape 2"/>
+          <p:cNvSpPr/>
+          <p:nvPr/>
+        </p:nvSpPr>
+        <p:spPr>
+          <a:xfrm>
+            <a:off x="0" y="5118480"/>
+            <a:ext cx="9143640" cy="33120"/>
+          </a:xfrm>
+          <a:prstGeom prst="rect">
+            <a:avLst/>
+          </a:prstGeom>
+          <a:solidFill>
+            <a:srgbClr val="C1D82F"/>
+          </a:solidFill>
+          <a:ln>
+            <a:noFill/>
+          </a:ln>
+        </p:spPr>
+        <p:style>
+          <a:lnRef idx="0">
+            <a:scrgbClr r="0" g="0" b="0"/>
+          </a:lnRef>
+          <a:fillRef idx="0">
+            <a:scrgbClr r="0" g="0" b="0"/>
+          </a:fillRef>
+          <a:effectRef idx="0">
+            <a:scrgbClr r="0" g="0" b="0"/>
+          </a:effectRef>
+          <a:fontRef idx="minor"/>
+        </p:style>
+      </p:sp>
+      <p:sp>
+        <p:nvSpPr>
+          <p:cNvPr id="135" name="CustomShape 3"/>
+          <p:cNvSpPr/>
+          <p:nvPr/>
+        </p:nvSpPr>
+        <p:spPr>
+          <a:xfrm>
+            <a:off x="0" y="216360"/>
+            <a:ext cx="9143640" cy="552240"/>
+          </a:xfrm>
+          <a:prstGeom prst="rect">
+            <a:avLst/>
+          </a:prstGeom>
+          <a:noFill/>
+          <a:ln>
+            <a:noFill/>
+          </a:ln>
+        </p:spPr>
+        <p:style>
+          <a:lnRef idx="0">
+            <a:scrgbClr r="0" g="0" b="0"/>
+          </a:lnRef>
+          <a:fillRef idx="0">
+            <a:scrgbClr r="0" g="0" b="0"/>
+          </a:fillRef>
+          <a:effectRef idx="0">
+            <a:scrgbClr r="0" g="0" b="0"/>
+          </a:effectRef>
+          <a:fontRef idx="minor"/>
+        </p:style>
+        <p:txBody>
+          <a:bodyPr tIns="91440" bIns="91440">
+            <a:noAutofit/>
+          </a:bodyPr>
+          <a:lstStyle/>
+          <a:p>
             <a:pPr algn="ctr">
               <a:lnSpc>
                 <a:spcPct val="100000"/>
@@ -10361,14 +11451,14 @@
                 </a:solidFill>
                 <a:cs typeface="Arial" panose="020B0604020202020204"/>
               </a:rPr>
-              <a:t>Adapter Class Diagram</a:t>
+              <a:t>Adapter Pattern</a:t>
             </a:r>
           </a:p>
         </p:txBody>
       </p:sp>
       <p:pic>
         <p:nvPicPr>
-          <p:cNvPr id="139" name="Picture 1"/>
+          <p:cNvPr id="136" name="Picture 1"/>
           <p:cNvPicPr/>
           <p:nvPr/>
         </p:nvPicPr>
@@ -10378,13 +11468,25 @@
         </p:blipFill>
         <p:spPr>
           <a:xfrm>
-            <a:off x="2843775" y="1038814"/>
-            <a:ext cx="5484617" cy="3065870"/>
-          </a:xfrm>
-          <a:prstGeom prst="rect">
-            <a:avLst/>
-          </a:prstGeom>
-          <a:ln/>
+            <a:off x="5645888" y="1133640"/>
+            <a:ext cx="2959912" cy="2789774"/>
+          </a:xfrm>
+          <a:prstGeom prst="roundRect">
+            <a:avLst>
+              <a:gd name="adj" fmla="val 8594"/>
+            </a:avLst>
+          </a:prstGeom>
+          <a:solidFill>
+            <a:srgbClr val="FFFFFF">
+              <a:shade val="85000"/>
+            </a:srgbClr>
+          </a:solidFill>
+          <a:ln>
+            <a:noFill/>
+          </a:ln>
+          <a:effectLst>
+            <a:reflection blurRad="12700" stA="38000" endPos="28000" dist="5000" dir="5400000" sy="-100000" algn="bl" rotWithShape="0"/>
+          </a:effectLst>
         </p:spPr>
         <p:style>
           <a:lnRef idx="2">
